--- a/doc/doc.pptx
+++ b/doc/doc.pptx
@@ -533,19 +533,7 @@
                 <a:ea typeface="+mn-ea"/>
                 <a:cs typeface="+mn-cs"/>
               </a:rPr>
-              <a:t>操作数栈，方法入口，动态链接</a:t>
-            </a:r>
-            <a:r>
-              <a:rPr lang="zh-CN" altLang="en-US" sz="1200" b="0" i="0" kern="1200" dirty="0" smtClean="0">
-                <a:solidFill>
-                  <a:schemeClr val="tx1"/>
-                </a:solidFill>
-                <a:effectLst/>
-                <a:latin typeface="+mn-lt"/>
-                <a:ea typeface="+mn-ea"/>
-                <a:cs typeface="+mn-cs"/>
-              </a:rPr>
-              <a:t>等</a:t>
+              <a:t>操作数栈，方法入口，动态链接等</a:t>
             </a:r>
             <a:endParaRPr lang="en-US" altLang="zh-CN" sz="1200" b="0" i="0" kern="1200" dirty="0" smtClean="0">
               <a:solidFill>
@@ -3851,7 +3839,7 @@
         </p:nvSpPr>
         <p:spPr>
           <a:xfrm>
-            <a:off x="3089623" y="1873679"/>
+            <a:off x="2945218" y="1533910"/>
             <a:ext cx="369332" cy="553998"/>
           </a:xfrm>
           <a:prstGeom prst="rect">
@@ -4039,8 +4027,8 @@
         </p:nvSpPr>
         <p:spPr>
           <a:xfrm>
-            <a:off x="2316393" y="2657494"/>
-            <a:ext cx="867545" cy="461665"/>
+            <a:off x="946607" y="2423550"/>
+            <a:ext cx="1372492" cy="553998"/>
           </a:xfrm>
           <a:prstGeom prst="rect">
             <a:avLst/>
@@ -4054,17 +4042,36 @@
           <a:lstStyle/>
           <a:p>
             <a:r>
-              <a:rPr kumimoji="1" lang="zh-CN" altLang="en-US" sz="1200" dirty="0" smtClean="0"/>
+              <a:rPr kumimoji="1" lang="en-US" altLang="zh-CN" sz="1000" dirty="0" smtClean="0"/>
+              <a:t>1.String</a:t>
+            </a:r>
+            <a:r>
+              <a:rPr kumimoji="1" lang="zh-CN" altLang="en-US" sz="1000" dirty="0" smtClean="0"/>
+              <a:t>字符串常量池</a:t>
+            </a:r>
+            <a:endParaRPr kumimoji="1" lang="en-US" altLang="zh-CN" sz="1000" dirty="0" smtClean="0"/>
+          </a:p>
+          <a:p>
+            <a:r>
+              <a:rPr kumimoji="1" lang="en-US" altLang="zh-CN" sz="1000" dirty="0" smtClean="0"/>
+              <a:t>2.Class</a:t>
+            </a:r>
+            <a:r>
+              <a:rPr kumimoji="1" lang="zh-CN" altLang="en-US" sz="1000" dirty="0" smtClean="0"/>
               <a:t>常量池</a:t>
             </a:r>
-            <a:endParaRPr kumimoji="1" lang="en-US" altLang="zh-CN" sz="1200" dirty="0" smtClean="0"/>
-          </a:p>
-          <a:p>
-            <a:r>
-              <a:rPr kumimoji="1" lang="en-US" altLang="zh-CN" sz="1200" dirty="0" smtClean="0"/>
-              <a:t>(Constant)</a:t>
-            </a:r>
-            <a:endParaRPr kumimoji="1" lang="zh-CN" altLang="en-US" sz="1200" dirty="0"/>
+            <a:endParaRPr kumimoji="1" lang="en-US" altLang="zh-CN" sz="1000" dirty="0" smtClean="0"/>
+          </a:p>
+          <a:p>
+            <a:r>
+              <a:rPr kumimoji="1" lang="en-US" altLang="zh-CN" sz="1000" dirty="0" smtClean="0"/>
+              <a:t>3.</a:t>
+            </a:r>
+            <a:r>
+              <a:rPr kumimoji="1" lang="zh-CN" altLang="en-US" sz="1000" dirty="0" smtClean="0"/>
+              <a:t>运行时常量池</a:t>
+            </a:r>
+            <a:endParaRPr kumimoji="1" lang="zh-CN" altLang="en-US" sz="1000" dirty="0"/>
           </a:p>
         </p:txBody>
       </p:sp>
@@ -4760,15 +4767,7 @@
             </a:pPr>
             <a:r>
               <a:rPr kumimoji="1" lang="zh-CN" altLang="en-US" sz="1100" dirty="0" smtClean="0"/>
-              <a:t>方法区和本地方法区</a:t>
-            </a:r>
-            <a:r>
-              <a:rPr kumimoji="1" lang="zh-CN" altLang="en-US" sz="1100" dirty="0" smtClean="0"/>
-              <a:t>用于</a:t>
-            </a:r>
-            <a:r>
-              <a:rPr kumimoji="1" lang="zh-CN" altLang="en-US" sz="1100" dirty="0" smtClean="0"/>
-              <a:t>描述方法的内存模型</a:t>
+              <a:t>方法区和本地方法区用于描述方法的内存模型</a:t>
             </a:r>
             <a:endParaRPr kumimoji="1" lang="zh-CN" altLang="en-US" sz="1100" dirty="0"/>
           </a:p>
@@ -4782,12 +4781,13 @@
         </p:nvSpPr>
         <p:spPr>
           <a:xfrm>
-            <a:off x="3078110" y="2482855"/>
-            <a:ext cx="386584" cy="723347"/>
+            <a:off x="3041438" y="2209555"/>
+            <a:ext cx="386584" cy="981988"/>
           </a:xfrm>
           <a:prstGeom prst="ellipse">
             <a:avLst/>
           </a:prstGeom>
+          <a:noFill/>
         </p:spPr>
         <p:style>
           <a:lnRef idx="2">
@@ -4810,10 +4810,58 @@
           <a:lstStyle/>
           <a:p>
             <a:pPr algn="ctr"/>
-            <a:endParaRPr kumimoji="1" lang="zh-CN" altLang="en-US"/>
-          </a:p>
-        </p:txBody>
-      </p:sp>
+            <a:r>
+              <a:rPr kumimoji="1" lang="zh-CN" altLang="en-US" sz="1100" dirty="0" smtClean="0">
+                <a:solidFill>
+                  <a:schemeClr val="tx1"/>
+                </a:solidFill>
+              </a:rPr>
+              <a:t>常量池</a:t>
+            </a:r>
+            <a:endParaRPr kumimoji="1" lang="zh-CN" altLang="en-US" sz="1100" dirty="0">
+              <a:solidFill>
+                <a:schemeClr val="tx1"/>
+              </a:solidFill>
+            </a:endParaRPr>
+          </a:p>
+        </p:txBody>
+      </p:sp>
+      <p:cxnSp>
+        <p:nvCxnSpPr>
+          <p:cNvPr id="34" name="直接箭头连接符 33"/>
+          <p:cNvCxnSpPr>
+            <a:stCxn id="3" idx="3"/>
+            <a:endCxn id="27" idx="2"/>
+          </p:cNvCxnSpPr>
+          <p:nvPr/>
+        </p:nvCxnSpPr>
+        <p:spPr>
+          <a:xfrm>
+            <a:off x="2319099" y="2700549"/>
+            <a:ext cx="722339" cy="0"/>
+          </a:xfrm>
+          <a:prstGeom prst="straightConnector1">
+            <a:avLst/>
+          </a:prstGeom>
+          <a:ln>
+            <a:tailEnd type="triangle"/>
+          </a:ln>
+        </p:spPr>
+        <p:style>
+          <a:lnRef idx="1">
+            <a:schemeClr val="accent1"/>
+          </a:lnRef>
+          <a:fillRef idx="0">
+            <a:schemeClr val="accent1"/>
+          </a:fillRef>
+          <a:effectRef idx="0">
+            <a:schemeClr val="accent1"/>
+          </a:effectRef>
+          <a:fontRef idx="minor">
+            <a:schemeClr val="tx1"/>
+          </a:fontRef>
+        </p:style>
+      </p:cxnSp>
     </p:spTree>
     <p:extLst>
       <p:ext uri="{BB962C8B-B14F-4D97-AF65-F5344CB8AC3E}">

--- a/doc/doc.pptx
+++ b/doc/doc.pptx
@@ -5,16 +5,18 @@
     <p:sldMasterId id="2147483648" r:id="rId1"/>
   </p:sldMasterIdLst>
   <p:notesMasterIdLst>
-    <p:notesMasterId r:id="rId9"/>
+    <p:notesMasterId r:id="rId11"/>
   </p:notesMasterIdLst>
   <p:sldIdLst>
-    <p:sldId id="256" r:id="rId2"/>
-    <p:sldId id="257" r:id="rId3"/>
-    <p:sldId id="258" r:id="rId4"/>
-    <p:sldId id="259" r:id="rId5"/>
-    <p:sldId id="260" r:id="rId6"/>
-    <p:sldId id="261" r:id="rId7"/>
-    <p:sldId id="262" r:id="rId8"/>
+    <p:sldId id="264" r:id="rId2"/>
+    <p:sldId id="256" r:id="rId3"/>
+    <p:sldId id="265" r:id="rId4"/>
+    <p:sldId id="257" r:id="rId5"/>
+    <p:sldId id="259" r:id="rId6"/>
+    <p:sldId id="260" r:id="rId7"/>
+    <p:sldId id="261" r:id="rId8"/>
+    <p:sldId id="262" r:id="rId9"/>
+    <p:sldId id="263" r:id="rId10"/>
   </p:sldIdLst>
   <p:sldSz cx="12192000" cy="6858000"/>
   <p:notesSz cx="6858000" cy="9144000"/>
@@ -591,7 +593,7 @@
           <a:p>
             <a:fld id="{F2839265-038A-F64A-AC79-1983EAB8A597}" type="slidenum">
               <a:rPr kumimoji="1" lang="zh-CN" altLang="en-US" smtClean="0"/>
-              <a:t>1</a:t>
+              <a:t>2</a:t>
             </a:fld>
             <a:endParaRPr kumimoji="1" lang="zh-CN" altLang="en-US"/>
           </a:p>
@@ -790,7 +792,7 @@
           <a:p>
             <a:fld id="{F2839265-038A-F64A-AC79-1983EAB8A597}" type="slidenum">
               <a:rPr kumimoji="1" lang="zh-CN" altLang="en-US" smtClean="0"/>
-              <a:t>6</a:t>
+              <a:t>7</a:t>
             </a:fld>
             <a:endParaRPr kumimoji="1" lang="zh-CN" altLang="en-US"/>
           </a:p>
@@ -3674,8 +3676,8 @@
         </p:nvSpPr>
         <p:spPr>
           <a:xfrm>
-            <a:off x="2987750" y="1095154"/>
-            <a:ext cx="2977116" cy="2711302"/>
+            <a:off x="7475034" y="1737732"/>
+            <a:ext cx="1382752" cy="412595"/>
           </a:xfrm>
           <a:prstGeom prst="rect">
             <a:avLst/>
@@ -3703,28 +3705,198 @@
           <a:lstStyle/>
           <a:p>
             <a:pPr algn="ctr"/>
-            <a:endParaRPr kumimoji="1" lang="zh-CN" altLang="en-US">
+            <a:r>
+              <a:rPr kumimoji="1" lang="zh-CN" altLang="en-US" sz="1200" dirty="0" smtClean="0">
+                <a:solidFill>
+                  <a:schemeClr val="tx1"/>
+                </a:solidFill>
+              </a:rPr>
+              <a:t>执行引擎</a:t>
+            </a:r>
+            <a:endParaRPr kumimoji="1" lang="zh-CN" altLang="en-US" sz="1200" dirty="0">
               <a:solidFill>
-                <a:schemeClr val="bg1"/>
+                <a:schemeClr val="tx1"/>
               </a:solidFill>
             </a:endParaRPr>
           </a:p>
         </p:txBody>
       </p:sp>
+      <p:sp>
+        <p:nvSpPr>
+          <p:cNvPr id="5" name="矩形 4"/>
+          <p:cNvSpPr/>
+          <p:nvPr/>
+        </p:nvSpPr>
+        <p:spPr>
+          <a:xfrm>
+            <a:off x="2382644" y="1737732"/>
+            <a:ext cx="1382752" cy="412595"/>
+          </a:xfrm>
+          <a:prstGeom prst="rect">
+            <a:avLst/>
+          </a:prstGeom>
+          <a:noFill/>
+        </p:spPr>
+        <p:style>
+          <a:lnRef idx="2">
+            <a:schemeClr val="accent1">
+              <a:shade val="50000"/>
+            </a:schemeClr>
+          </a:lnRef>
+          <a:fillRef idx="1">
+            <a:schemeClr val="accent1"/>
+          </a:fillRef>
+          <a:effectRef idx="0">
+            <a:schemeClr val="accent1"/>
+          </a:effectRef>
+          <a:fontRef idx="minor">
+            <a:schemeClr val="lt1"/>
+          </a:fontRef>
+        </p:style>
+        <p:txBody>
+          <a:bodyPr rtlCol="0" anchor="ctr"/>
+          <a:lstStyle/>
+          <a:p>
+            <a:pPr algn="ctr"/>
+            <a:r>
+              <a:rPr kumimoji="1" lang="zh-CN" altLang="en-US" sz="1200" dirty="0" smtClean="0">
+                <a:solidFill>
+                  <a:schemeClr val="tx1"/>
+                </a:solidFill>
+              </a:rPr>
+              <a:t>类加载器子系统</a:t>
+            </a:r>
+            <a:endParaRPr kumimoji="1" lang="zh-CN" altLang="en-US" sz="1200" dirty="0">
+              <a:solidFill>
+                <a:schemeClr val="tx1"/>
+              </a:solidFill>
+            </a:endParaRPr>
+          </a:p>
+        </p:txBody>
+      </p:sp>
+      <p:sp>
+        <p:nvSpPr>
+          <p:cNvPr id="6" name="矩形 5"/>
+          <p:cNvSpPr/>
+          <p:nvPr/>
+        </p:nvSpPr>
+        <p:spPr>
+          <a:xfrm>
+            <a:off x="4928839" y="527825"/>
+            <a:ext cx="1382752" cy="412595"/>
+          </a:xfrm>
+          <a:prstGeom prst="rect">
+            <a:avLst/>
+          </a:prstGeom>
+          <a:noFill/>
+        </p:spPr>
+        <p:style>
+          <a:lnRef idx="2">
+            <a:schemeClr val="accent1">
+              <a:shade val="50000"/>
+            </a:schemeClr>
+          </a:lnRef>
+          <a:fillRef idx="1">
+            <a:schemeClr val="accent1"/>
+          </a:fillRef>
+          <a:effectRef idx="0">
+            <a:schemeClr val="accent1"/>
+          </a:effectRef>
+          <a:fontRef idx="minor">
+            <a:schemeClr val="lt1"/>
+          </a:fontRef>
+        </p:style>
+        <p:txBody>
+          <a:bodyPr rtlCol="0" anchor="ctr"/>
+          <a:lstStyle/>
+          <a:p>
+            <a:pPr algn="ctr"/>
+            <a:r>
+              <a:rPr kumimoji="1" lang="en-US" altLang="zh-CN" sz="1400" dirty="0" smtClean="0">
+                <a:solidFill>
+                  <a:schemeClr val="tx1"/>
+                </a:solidFill>
+              </a:rPr>
+              <a:t>JVM</a:t>
+            </a:r>
+            <a:endParaRPr kumimoji="1" lang="zh-CN" altLang="en-US" sz="1400" dirty="0">
+              <a:solidFill>
+                <a:schemeClr val="tx1"/>
+              </a:solidFill>
+            </a:endParaRPr>
+          </a:p>
+        </p:txBody>
+      </p:sp>
+      <p:sp>
+        <p:nvSpPr>
+          <p:cNvPr id="7" name="矩形 6"/>
+          <p:cNvSpPr/>
+          <p:nvPr/>
+        </p:nvSpPr>
+        <p:spPr>
+          <a:xfrm>
+            <a:off x="4928839" y="1747024"/>
+            <a:ext cx="1382752" cy="412595"/>
+          </a:xfrm>
+          <a:prstGeom prst="rect">
+            <a:avLst/>
+          </a:prstGeom>
+          <a:noFill/>
+        </p:spPr>
+        <p:style>
+          <a:lnRef idx="2">
+            <a:schemeClr val="accent1">
+              <a:shade val="50000"/>
+            </a:schemeClr>
+          </a:lnRef>
+          <a:fillRef idx="1">
+            <a:schemeClr val="accent1"/>
+          </a:fillRef>
+          <a:effectRef idx="0">
+            <a:schemeClr val="accent1"/>
+          </a:effectRef>
+          <a:fontRef idx="minor">
+            <a:schemeClr val="lt1"/>
+          </a:fontRef>
+        </p:style>
+        <p:txBody>
+          <a:bodyPr rtlCol="0" anchor="ctr"/>
+          <a:lstStyle/>
+          <a:p>
+            <a:pPr algn="ctr"/>
+            <a:r>
+              <a:rPr kumimoji="1" lang="zh-CN" altLang="en-US" sz="1200" dirty="0" smtClean="0">
+                <a:solidFill>
+                  <a:schemeClr val="tx1"/>
+                </a:solidFill>
+              </a:rPr>
+              <a:t>运行时数据区</a:t>
+            </a:r>
+            <a:endParaRPr kumimoji="1" lang="zh-CN" altLang="en-US" sz="1200" dirty="0">
+              <a:solidFill>
+                <a:schemeClr val="tx1"/>
+              </a:solidFill>
+            </a:endParaRPr>
+          </a:p>
+        </p:txBody>
+      </p:sp>
       <p:cxnSp>
         <p:nvCxnSpPr>
-          <p:cNvPr id="6" name="直线连接符 5"/>
+          <p:cNvPr id="9" name="直线箭头连接符 8"/>
           <p:cNvCxnSpPr/>
           <p:nvPr/>
         </p:nvCxnSpPr>
         <p:spPr>
           <a:xfrm>
-            <a:off x="3561907" y="1095154"/>
-            <a:ext cx="10634" cy="2711302"/>
-          </a:xfrm>
-          <a:prstGeom prst="line">
-            <a:avLst/>
-          </a:prstGeom>
+            <a:off x="5620215" y="1025912"/>
+            <a:ext cx="0" cy="568712"/>
+          </a:xfrm>
+          <a:prstGeom prst="straightConnector1">
+            <a:avLst/>
+          </a:prstGeom>
+          <a:ln>
+            <a:tailEnd type="triangle"/>
+          </a:ln>
         </p:spPr>
         <p:style>
           <a:lnRef idx="1">
@@ -3743,18 +3915,21 @@
       </p:cxnSp>
       <p:cxnSp>
         <p:nvCxnSpPr>
-          <p:cNvPr id="12" name="直线连接符 11"/>
+          <p:cNvPr id="11" name="直线箭头连接符 10"/>
           <p:cNvCxnSpPr/>
           <p:nvPr/>
         </p:nvCxnSpPr>
         <p:spPr>
-          <a:xfrm>
-            <a:off x="3561907" y="3009014"/>
-            <a:ext cx="2402959" cy="1"/>
-          </a:xfrm>
-          <a:prstGeom prst="line">
-            <a:avLst/>
-          </a:prstGeom>
+          <a:xfrm flipH="1">
+            <a:off x="3902928" y="1053790"/>
+            <a:ext cx="1271238" cy="563137"/>
+          </a:xfrm>
+          <a:prstGeom prst="straightConnector1">
+            <a:avLst/>
+          </a:prstGeom>
+          <a:ln>
+            <a:tailEnd type="triangle"/>
+          </a:ln>
         </p:spPr>
         <p:style>
           <a:lnRef idx="1">
@@ -3773,18 +3948,21 @@
       </p:cxnSp>
       <p:cxnSp>
         <p:nvCxnSpPr>
-          <p:cNvPr id="14" name="直线连接符 13"/>
+          <p:cNvPr id="14" name="直线箭头连接符 13"/>
           <p:cNvCxnSpPr/>
           <p:nvPr/>
         </p:nvCxnSpPr>
         <p:spPr>
-          <a:xfrm flipV="1">
-            <a:off x="3572541" y="3402419"/>
-            <a:ext cx="2392325" cy="10632"/>
-          </a:xfrm>
-          <a:prstGeom prst="line">
-            <a:avLst/>
-          </a:prstGeom>
+          <a:xfrm>
+            <a:off x="5988205" y="1062153"/>
+            <a:ext cx="1260088" cy="554774"/>
+          </a:xfrm>
+          <a:prstGeom prst="straightConnector1">
+            <a:avLst/>
+          </a:prstGeom>
+          <a:ln>
+            <a:tailEnd type="triangle"/>
+          </a:ln>
         </p:spPr>
         <p:style>
           <a:lnRef idx="1">
@@ -3801,76 +3979,16 @@
           </a:fontRef>
         </p:style>
       </p:cxnSp>
-      <p:cxnSp>
-        <p:nvCxnSpPr>
-          <p:cNvPr id="21" name="直线连接符 20"/>
-          <p:cNvCxnSpPr/>
-          <p:nvPr/>
-        </p:nvCxnSpPr>
-        <p:spPr>
-          <a:xfrm>
-            <a:off x="5337544" y="1095154"/>
-            <a:ext cx="10633" cy="1913860"/>
-          </a:xfrm>
-          <a:prstGeom prst="line">
-            <a:avLst/>
-          </a:prstGeom>
-        </p:spPr>
-        <p:style>
-          <a:lnRef idx="1">
-            <a:schemeClr val="accent1"/>
-          </a:lnRef>
-          <a:fillRef idx="0">
-            <a:schemeClr val="accent1"/>
-          </a:fillRef>
-          <a:effectRef idx="0">
-            <a:schemeClr val="accent1"/>
-          </a:effectRef>
-          <a:fontRef idx="minor">
-            <a:schemeClr val="tx1"/>
-          </a:fontRef>
-        </p:style>
-      </p:cxnSp>
-      <p:sp>
-        <p:nvSpPr>
-          <p:cNvPr id="22" name="文本框 21"/>
+      <p:sp>
+        <p:nvSpPr>
+          <p:cNvPr id="16" name="文本框 15"/>
           <p:cNvSpPr txBox="1"/>
           <p:nvPr/>
         </p:nvSpPr>
         <p:spPr>
           <a:xfrm>
-            <a:off x="2945218" y="1533910"/>
-            <a:ext cx="369332" cy="553998"/>
-          </a:xfrm>
-          <a:prstGeom prst="rect">
-            <a:avLst/>
-          </a:prstGeom>
-          <a:noFill/>
-        </p:spPr>
-        <p:txBody>
-          <a:bodyPr vert="eaVert" wrap="none" rtlCol="0">
-            <a:spAutoFit/>
-          </a:bodyPr>
-          <a:lstStyle/>
-          <a:p>
-            <a:r>
-              <a:rPr kumimoji="1" lang="zh-CN" altLang="en-US" sz="1200" dirty="0" smtClean="0"/>
-              <a:t>方法区</a:t>
-            </a:r>
-            <a:endParaRPr kumimoji="1" lang="zh-CN" altLang="en-US" sz="1200" dirty="0"/>
-          </a:p>
-        </p:txBody>
-      </p:sp>
-      <p:sp>
-        <p:nvSpPr>
-          <p:cNvPr id="23" name="文本框 22"/>
-          <p:cNvSpPr txBox="1"/>
-          <p:nvPr/>
-        </p:nvSpPr>
-        <p:spPr>
-          <a:xfrm>
-            <a:off x="3656937" y="1205037"/>
-            <a:ext cx="779381" cy="276999"/>
+            <a:off x="2507580" y="1345503"/>
+            <a:ext cx="949299" cy="276999"/>
           </a:xfrm>
           <a:prstGeom prst="rect">
             <a:avLst/>
@@ -3884,12 +4002,16 @@
           <a:lstStyle/>
           <a:p>
             <a:r>
+              <a:rPr kumimoji="1" lang="en-US" altLang="zh-CN" sz="1200" dirty="0" smtClean="0"/>
+              <a:t>class</a:t>
+            </a:r>
+            <a:r>
               <a:rPr kumimoji="1" lang="zh-CN" altLang="en-US" sz="1200" dirty="0" smtClean="0"/>
-              <a:t>堆</a:t>
+              <a:t> </a:t>
             </a:r>
             <a:r>
               <a:rPr kumimoji="1" lang="en-US" altLang="zh-CN" sz="1200" dirty="0" smtClean="0"/>
-              <a:t>(Heap)</a:t>
+              <a:t>loader</a:t>
             </a:r>
             <a:endParaRPr kumimoji="1" lang="zh-CN" altLang="en-US" sz="1200" dirty="0"/>
           </a:p>
@@ -3897,344 +4019,14 @@
       </p:sp>
       <p:sp>
         <p:nvSpPr>
-          <p:cNvPr id="24" name="文本框 23"/>
-          <p:cNvSpPr txBox="1"/>
-          <p:nvPr/>
-        </p:nvSpPr>
-        <p:spPr>
-          <a:xfrm>
-            <a:off x="5452277" y="1892595"/>
-            <a:ext cx="369332" cy="246221"/>
-          </a:xfrm>
-          <a:prstGeom prst="rect">
-            <a:avLst/>
-          </a:prstGeom>
-          <a:noFill/>
-        </p:spPr>
-        <p:txBody>
-          <a:bodyPr vert="eaVert" wrap="none" rtlCol="0">
-            <a:spAutoFit/>
-          </a:bodyPr>
-          <a:lstStyle/>
-          <a:p>
-            <a:r>
-              <a:rPr kumimoji="1" lang="zh-CN" altLang="en-US" sz="1200" dirty="0" smtClean="0"/>
-              <a:t>栈</a:t>
-            </a:r>
-            <a:endParaRPr kumimoji="1" lang="zh-CN" altLang="en-US" sz="1200" dirty="0"/>
-          </a:p>
-        </p:txBody>
-      </p:sp>
-      <p:sp>
-        <p:nvSpPr>
-          <p:cNvPr id="25" name="文本框 24"/>
-          <p:cNvSpPr txBox="1"/>
-          <p:nvPr/>
-        </p:nvSpPr>
-        <p:spPr>
-          <a:xfrm>
-            <a:off x="2987750" y="3948048"/>
-            <a:ext cx="3583032" cy="461665"/>
-          </a:xfrm>
-          <a:prstGeom prst="rect">
-            <a:avLst/>
-          </a:prstGeom>
-          <a:noFill/>
-        </p:spPr>
-        <p:txBody>
-          <a:bodyPr wrap="none" rtlCol="0">
-            <a:spAutoFit/>
-          </a:bodyPr>
-          <a:lstStyle/>
-          <a:p>
-            <a:r>
-              <a:rPr kumimoji="1" lang="zh-CN" altLang="en-US" sz="1200" dirty="0" smtClean="0"/>
-              <a:t>方法区</a:t>
-            </a:r>
-            <a:r>
-              <a:rPr kumimoji="1" lang="en-US" altLang="zh-CN" sz="1200" dirty="0" smtClean="0"/>
-              <a:t>(</a:t>
-            </a:r>
-            <a:r>
-              <a:rPr kumimoji="1" lang="zh-CN" altLang="en-US" sz="1200" dirty="0" smtClean="0"/>
-              <a:t>特殊的堆</a:t>
-            </a:r>
-            <a:r>
-              <a:rPr kumimoji="1" lang="en-US" altLang="zh-CN" sz="1200" dirty="0" smtClean="0"/>
-              <a:t>)</a:t>
-            </a:r>
-          </a:p>
-          <a:p>
-            <a:r>
-              <a:rPr kumimoji="1" lang="zh-CN" altLang="en-US" sz="1200" dirty="0" smtClean="0"/>
-              <a:t>每个线程都</a:t>
-            </a:r>
-            <a:r>
-              <a:rPr kumimoji="1" lang="zh-CN" altLang="en-US" sz="1200" smtClean="0"/>
-              <a:t>有自己的栈</a:t>
-            </a:r>
-            <a:r>
-              <a:rPr kumimoji="1" lang="zh-CN" altLang="en-US" sz="1200" dirty="0" smtClean="0"/>
-              <a:t>、程序计数器、本地</a:t>
-            </a:r>
-            <a:r>
-              <a:rPr kumimoji="1" lang="zh-CN" altLang="en-US" sz="1200" smtClean="0"/>
-              <a:t>方法区</a:t>
-            </a:r>
-            <a:endParaRPr kumimoji="1" lang="zh-CN" altLang="en-US" sz="1200" dirty="0"/>
-          </a:p>
-        </p:txBody>
-      </p:sp>
-      <p:sp>
-        <p:nvSpPr>
-          <p:cNvPr id="2" name="文本框 1"/>
-          <p:cNvSpPr txBox="1"/>
-          <p:nvPr/>
-        </p:nvSpPr>
-        <p:spPr>
-          <a:xfrm>
-            <a:off x="5635795" y="1861817"/>
-            <a:ext cx="530915" cy="276999"/>
-          </a:xfrm>
-          <a:prstGeom prst="rect">
-            <a:avLst/>
-          </a:prstGeom>
-          <a:noFill/>
-        </p:spPr>
-        <p:txBody>
-          <a:bodyPr wrap="none" rtlCol="0">
-            <a:spAutoFit/>
-          </a:bodyPr>
-          <a:lstStyle/>
-          <a:p>
-            <a:r>
-              <a:rPr kumimoji="1" lang="en-US" altLang="zh-CN" sz="1200" dirty="0"/>
-              <a:t>S</a:t>
-            </a:r>
-            <a:r>
-              <a:rPr kumimoji="1" lang="en-US" altLang="zh-CN" sz="1200" dirty="0" smtClean="0"/>
-              <a:t>tack</a:t>
-            </a:r>
-            <a:endParaRPr kumimoji="1" lang="zh-CN" altLang="en-US" sz="1200" dirty="0"/>
-          </a:p>
-        </p:txBody>
-      </p:sp>
-      <p:sp>
-        <p:nvSpPr>
-          <p:cNvPr id="3" name="文本框 2"/>
-          <p:cNvSpPr txBox="1"/>
-          <p:nvPr/>
-        </p:nvSpPr>
-        <p:spPr>
-          <a:xfrm>
-            <a:off x="946607" y="2423550"/>
-            <a:ext cx="1372492" cy="553998"/>
-          </a:xfrm>
-          <a:prstGeom prst="rect">
-            <a:avLst/>
-          </a:prstGeom>
-          <a:noFill/>
-        </p:spPr>
-        <p:txBody>
-          <a:bodyPr wrap="none" rtlCol="0">
-            <a:spAutoFit/>
-          </a:bodyPr>
-          <a:lstStyle/>
-          <a:p>
-            <a:r>
-              <a:rPr kumimoji="1" lang="en-US" altLang="zh-CN" sz="1000" dirty="0" smtClean="0"/>
-              <a:t>1.String</a:t>
-            </a:r>
-            <a:r>
-              <a:rPr kumimoji="1" lang="zh-CN" altLang="en-US" sz="1000" dirty="0" smtClean="0"/>
-              <a:t>字符串常量池</a:t>
-            </a:r>
-            <a:endParaRPr kumimoji="1" lang="en-US" altLang="zh-CN" sz="1000" dirty="0" smtClean="0"/>
-          </a:p>
-          <a:p>
-            <a:r>
-              <a:rPr kumimoji="1" lang="en-US" altLang="zh-CN" sz="1000" dirty="0" smtClean="0"/>
-              <a:t>2.Class</a:t>
-            </a:r>
-            <a:r>
-              <a:rPr kumimoji="1" lang="zh-CN" altLang="en-US" sz="1000" dirty="0" smtClean="0"/>
-              <a:t>常量池</a:t>
-            </a:r>
-            <a:endParaRPr kumimoji="1" lang="en-US" altLang="zh-CN" sz="1000" dirty="0" smtClean="0"/>
-          </a:p>
-          <a:p>
-            <a:r>
-              <a:rPr kumimoji="1" lang="en-US" altLang="zh-CN" sz="1000" dirty="0" smtClean="0"/>
-              <a:t>3.</a:t>
-            </a:r>
-            <a:r>
-              <a:rPr kumimoji="1" lang="zh-CN" altLang="en-US" sz="1000" dirty="0" smtClean="0"/>
-              <a:t>运行时常量池</a:t>
-            </a:r>
-            <a:endParaRPr kumimoji="1" lang="zh-CN" altLang="en-US" sz="1000" dirty="0"/>
-          </a:p>
-        </p:txBody>
-      </p:sp>
-      <p:sp>
-        <p:nvSpPr>
-          <p:cNvPr id="5" name="文本框 4"/>
-          <p:cNvSpPr txBox="1"/>
-          <p:nvPr/>
-        </p:nvSpPr>
-        <p:spPr>
-          <a:xfrm>
-            <a:off x="3663576" y="3068349"/>
-            <a:ext cx="954107" cy="276999"/>
-          </a:xfrm>
-          <a:prstGeom prst="rect">
-            <a:avLst/>
-          </a:prstGeom>
-          <a:noFill/>
-        </p:spPr>
-        <p:txBody>
-          <a:bodyPr wrap="none" rtlCol="0">
-            <a:spAutoFit/>
-          </a:bodyPr>
-          <a:lstStyle/>
-          <a:p>
-            <a:r>
-              <a:rPr kumimoji="1" lang="zh-CN" altLang="en-US" sz="1200" dirty="0" smtClean="0"/>
-              <a:t>程序计数器</a:t>
-            </a:r>
-            <a:endParaRPr kumimoji="1" lang="zh-CN" altLang="en-US" sz="1200" dirty="0"/>
-          </a:p>
-        </p:txBody>
-      </p:sp>
-      <p:sp>
-        <p:nvSpPr>
-          <p:cNvPr id="15" name="文本框 14"/>
-          <p:cNvSpPr txBox="1"/>
-          <p:nvPr/>
-        </p:nvSpPr>
-        <p:spPr>
-          <a:xfrm>
-            <a:off x="3664321" y="3461753"/>
-            <a:ext cx="954107" cy="276999"/>
-          </a:xfrm>
-          <a:prstGeom prst="rect">
-            <a:avLst/>
-          </a:prstGeom>
-          <a:noFill/>
-        </p:spPr>
-        <p:txBody>
-          <a:bodyPr wrap="none" rtlCol="0">
-            <a:spAutoFit/>
-          </a:bodyPr>
-          <a:lstStyle/>
-          <a:p>
-            <a:r>
-              <a:rPr kumimoji="1" lang="zh-CN" altLang="en-US" sz="1200" dirty="0" smtClean="0"/>
-              <a:t>本地方法区</a:t>
-            </a:r>
-            <a:endParaRPr kumimoji="1" lang="zh-CN" altLang="en-US" sz="1200" dirty="0"/>
-          </a:p>
-        </p:txBody>
-      </p:sp>
-      <p:sp>
-        <p:nvSpPr>
-          <p:cNvPr id="7" name="文本框 6"/>
-          <p:cNvSpPr txBox="1"/>
-          <p:nvPr/>
-        </p:nvSpPr>
-        <p:spPr>
-          <a:xfrm>
-            <a:off x="3782047" y="729726"/>
-            <a:ext cx="1388522" cy="276999"/>
-          </a:xfrm>
-          <a:prstGeom prst="rect">
-            <a:avLst/>
-          </a:prstGeom>
-          <a:noFill/>
-        </p:spPr>
-        <p:txBody>
-          <a:bodyPr wrap="none" rtlCol="0">
-            <a:spAutoFit/>
-          </a:bodyPr>
-          <a:lstStyle/>
-          <a:p>
-            <a:r>
-              <a:rPr kumimoji="1" lang="en-US" altLang="zh-CN" sz="1200" dirty="0" smtClean="0"/>
-              <a:t>JVM</a:t>
-            </a:r>
-            <a:r>
-              <a:rPr kumimoji="1" lang="zh-CN" altLang="en-US" sz="1200" dirty="0" smtClean="0"/>
-              <a:t>运行时数据区</a:t>
-            </a:r>
-            <a:endParaRPr kumimoji="1" lang="zh-CN" altLang="en-US" sz="1200" dirty="0"/>
-          </a:p>
-        </p:txBody>
-      </p:sp>
-      <p:sp>
-        <p:nvSpPr>
-          <p:cNvPr id="17" name="文本框 16"/>
-          <p:cNvSpPr txBox="1"/>
-          <p:nvPr/>
-        </p:nvSpPr>
-        <p:spPr>
-          <a:xfrm>
-            <a:off x="6698818" y="868225"/>
-            <a:ext cx="1031051" cy="1277273"/>
-          </a:xfrm>
-          <a:prstGeom prst="rect">
-            <a:avLst/>
-          </a:prstGeom>
-          <a:noFill/>
-        </p:spPr>
-        <p:txBody>
-          <a:bodyPr wrap="none" rtlCol="0">
-            <a:spAutoFit/>
-          </a:bodyPr>
-          <a:lstStyle/>
-          <a:p>
-            <a:r>
-              <a:rPr kumimoji="1" lang="zh-CN" altLang="en-US" sz="1100" dirty="0" smtClean="0"/>
-              <a:t>基本数据区域</a:t>
-            </a:r>
-            <a:endParaRPr kumimoji="1" lang="en-US" altLang="zh-CN" sz="1100" dirty="0" smtClean="0"/>
-          </a:p>
-          <a:p>
-            <a:endParaRPr kumimoji="1" lang="en-US" altLang="zh-CN" sz="1100" dirty="0" smtClean="0"/>
-          </a:p>
-          <a:p>
-            <a:endParaRPr kumimoji="1" lang="en-US" altLang="zh-CN" sz="1100" dirty="0" smtClean="0"/>
-          </a:p>
-          <a:p>
-            <a:r>
-              <a:rPr kumimoji="1" lang="zh-CN" altLang="en-US" sz="1100" dirty="0" smtClean="0"/>
-              <a:t>操作指令区域</a:t>
-            </a:r>
-            <a:endParaRPr kumimoji="1" lang="en-US" altLang="zh-CN" sz="1100" dirty="0" smtClean="0"/>
-          </a:p>
-          <a:p>
-            <a:endParaRPr kumimoji="1" lang="en-US" altLang="zh-CN" sz="1100" dirty="0" smtClean="0"/>
-          </a:p>
-          <a:p>
-            <a:endParaRPr kumimoji="1" lang="en-US" altLang="zh-CN" sz="1100" dirty="0" smtClean="0"/>
-          </a:p>
-          <a:p>
-            <a:r>
-              <a:rPr kumimoji="1" lang="zh-CN" altLang="en-US" sz="1100" dirty="0" smtClean="0"/>
-              <a:t>上下文等</a:t>
-            </a:r>
-            <a:endParaRPr kumimoji="1" lang="zh-CN" altLang="en-US" sz="1100" dirty="0"/>
-          </a:p>
-        </p:txBody>
-      </p:sp>
-      <p:sp>
-        <p:nvSpPr>
-          <p:cNvPr id="9" name="矩形 8"/>
+          <p:cNvPr id="18" name="矩形 17"/>
           <p:cNvSpPr/>
           <p:nvPr/>
         </p:nvSpPr>
         <p:spPr>
           <a:xfrm>
-            <a:off x="6737531" y="729726"/>
-            <a:ext cx="882502" cy="1609144"/>
+            <a:off x="1398756" y="3170662"/>
+            <a:ext cx="3139789" cy="1077952"/>
           </a:xfrm>
           <a:prstGeom prst="rect">
             <a:avLst/>
@@ -4261,584 +4053,245 @@
           <a:bodyPr rtlCol="0" anchor="ctr"/>
           <a:lstStyle/>
           <a:p>
-            <a:pPr algn="ctr"/>
-            <a:endParaRPr kumimoji="1" lang="zh-CN" altLang="en-US"/>
-          </a:p>
-        </p:txBody>
-      </p:sp>
-      <p:cxnSp>
-        <p:nvCxnSpPr>
-          <p:cNvPr id="11" name="直线箭头连接符 10"/>
-          <p:cNvCxnSpPr/>
-          <p:nvPr/>
-        </p:nvCxnSpPr>
-        <p:spPr>
-          <a:xfrm flipV="1">
-            <a:off x="5964866" y="1180214"/>
-            <a:ext cx="733952" cy="326647"/>
-          </a:xfrm>
-          <a:prstGeom prst="straightConnector1">
-            <a:avLst/>
-          </a:prstGeom>
-          <a:ln>
-            <a:tailEnd type="triangle"/>
-          </a:ln>
-        </p:spPr>
-        <p:style>
-          <a:lnRef idx="1">
-            <a:schemeClr val="accent1"/>
-          </a:lnRef>
-          <a:fillRef idx="0">
-            <a:schemeClr val="accent1"/>
-          </a:fillRef>
-          <a:effectRef idx="0">
-            <a:schemeClr val="accent1"/>
-          </a:effectRef>
-          <a:fontRef idx="minor">
-            <a:schemeClr val="tx1"/>
-          </a:fontRef>
-        </p:style>
-      </p:cxnSp>
-      <p:sp>
-        <p:nvSpPr>
-          <p:cNvPr id="8" name="矩形 7"/>
-          <p:cNvSpPr/>
-          <p:nvPr/>
-        </p:nvSpPr>
-        <p:spPr>
-          <a:xfrm>
-            <a:off x="3711121" y="1546615"/>
-            <a:ext cx="1467293" cy="1386287"/>
-          </a:xfrm>
-          <a:prstGeom prst="rect">
-            <a:avLst/>
-          </a:prstGeom>
-          <a:noFill/>
-        </p:spPr>
-        <p:style>
-          <a:lnRef idx="2">
-            <a:schemeClr val="accent1">
-              <a:shade val="50000"/>
-            </a:schemeClr>
-          </a:lnRef>
-          <a:fillRef idx="1">
-            <a:schemeClr val="accent1"/>
-          </a:fillRef>
-          <a:effectRef idx="0">
-            <a:schemeClr val="accent1"/>
-          </a:effectRef>
-          <a:fontRef idx="minor">
-            <a:schemeClr val="lt1"/>
-          </a:fontRef>
-        </p:style>
-        <p:txBody>
-          <a:bodyPr rtlCol="0" anchor="ctr"/>
-          <a:lstStyle/>
-          <a:p>
-            <a:pPr algn="ctr"/>
-            <a:endParaRPr kumimoji="1" lang="zh-CN" altLang="en-US"/>
-          </a:p>
-        </p:txBody>
-      </p:sp>
-      <p:sp>
-        <p:nvSpPr>
-          <p:cNvPr id="10" name="矩形 9"/>
-          <p:cNvSpPr/>
-          <p:nvPr/>
-        </p:nvSpPr>
-        <p:spPr>
-          <a:xfrm>
-            <a:off x="3783308" y="1742382"/>
-            <a:ext cx="1317481" cy="745772"/>
-          </a:xfrm>
-          <a:prstGeom prst="rect">
-            <a:avLst/>
-          </a:prstGeom>
-          <a:noFill/>
-        </p:spPr>
-        <p:style>
-          <a:lnRef idx="2">
-            <a:schemeClr val="accent1">
-              <a:shade val="50000"/>
-            </a:schemeClr>
-          </a:lnRef>
-          <a:fillRef idx="1">
-            <a:schemeClr val="accent1"/>
-          </a:fillRef>
-          <a:effectRef idx="0">
-            <a:schemeClr val="accent1"/>
-          </a:effectRef>
-          <a:fontRef idx="minor">
-            <a:schemeClr val="lt1"/>
-          </a:fontRef>
-        </p:style>
-        <p:txBody>
-          <a:bodyPr rtlCol="0" anchor="ctr"/>
-          <a:lstStyle/>
-          <a:p>
-            <a:pPr algn="ctr"/>
-            <a:endParaRPr kumimoji="1" lang="zh-CN" altLang="en-US" sz="1100" dirty="0">
+            <a:r>
+              <a:rPr kumimoji="1" lang="en-US" altLang="zh-CN" sz="1200" dirty="0" smtClean="0">
+                <a:solidFill>
+                  <a:schemeClr val="tx1"/>
+                </a:solidFill>
+              </a:rPr>
+              <a:t>1.Bootstrap</a:t>
+            </a:r>
+            <a:r>
+              <a:rPr kumimoji="1" lang="zh-CN" altLang="en-US" sz="1200" dirty="0" smtClean="0">
+                <a:solidFill>
+                  <a:schemeClr val="tx1"/>
+                </a:solidFill>
+              </a:rPr>
+              <a:t> </a:t>
+            </a:r>
+            <a:r>
+              <a:rPr kumimoji="1" lang="en-US" altLang="zh-CN" sz="1200" dirty="0" smtClean="0">
+                <a:solidFill>
+                  <a:schemeClr val="tx1"/>
+                </a:solidFill>
+              </a:rPr>
+              <a:t>class</a:t>
+            </a:r>
+            <a:r>
+              <a:rPr kumimoji="1" lang="zh-CN" altLang="en-US" sz="1200" dirty="0" smtClean="0">
+                <a:solidFill>
+                  <a:schemeClr val="tx1"/>
+                </a:solidFill>
+              </a:rPr>
+              <a:t>  </a:t>
+            </a:r>
+            <a:r>
+              <a:rPr kumimoji="1" lang="en-US" altLang="zh-CN" sz="1200" dirty="0" smtClean="0">
+                <a:solidFill>
+                  <a:schemeClr val="tx1"/>
+                </a:solidFill>
+              </a:rPr>
+              <a:t>loader</a:t>
+            </a:r>
+            <a:r>
+              <a:rPr kumimoji="1" lang="zh-CN" altLang="en-US" sz="1200" dirty="0" smtClean="0">
+                <a:solidFill>
+                  <a:schemeClr val="tx1"/>
+                </a:solidFill>
+              </a:rPr>
+              <a:t> 启动类加载器</a:t>
+            </a:r>
+            <a:endParaRPr kumimoji="1" lang="en-US" altLang="zh-CN" sz="1200" dirty="0" smtClean="0">
               <a:solidFill>
                 <a:schemeClr val="tx1"/>
               </a:solidFill>
             </a:endParaRPr>
           </a:p>
-        </p:txBody>
-      </p:sp>
-      <p:sp>
-        <p:nvSpPr>
-          <p:cNvPr id="26" name="矩形 25"/>
-          <p:cNvSpPr/>
-          <p:nvPr/>
-        </p:nvSpPr>
-        <p:spPr>
-          <a:xfrm>
-            <a:off x="3782047" y="2646259"/>
-            <a:ext cx="1318742" cy="210254"/>
-          </a:xfrm>
-          <a:prstGeom prst="rect">
-            <a:avLst/>
-          </a:prstGeom>
-          <a:noFill/>
-        </p:spPr>
-        <p:style>
-          <a:lnRef idx="2">
-            <a:schemeClr val="accent1">
-              <a:shade val="50000"/>
-            </a:schemeClr>
-          </a:lnRef>
-          <a:fillRef idx="1">
-            <a:schemeClr val="accent1"/>
-          </a:fillRef>
-          <a:effectRef idx="0">
-            <a:schemeClr val="accent1"/>
-          </a:effectRef>
-          <a:fontRef idx="minor">
-            <a:schemeClr val="lt1"/>
-          </a:fontRef>
-        </p:style>
-        <p:txBody>
-          <a:bodyPr rtlCol="0" anchor="ctr"/>
-          <a:lstStyle/>
-          <a:p>
-            <a:pPr algn="ctr"/>
-            <a:endParaRPr kumimoji="1" lang="zh-CN" altLang="en-US"/>
-          </a:p>
-        </p:txBody>
-      </p:sp>
-      <p:sp>
-        <p:nvSpPr>
-          <p:cNvPr id="16" name="文本框 15"/>
-          <p:cNvSpPr txBox="1"/>
-          <p:nvPr/>
-        </p:nvSpPr>
-        <p:spPr>
-          <a:xfrm>
-            <a:off x="4140629" y="2626717"/>
-            <a:ext cx="607859" cy="261610"/>
-          </a:xfrm>
-          <a:prstGeom prst="rect">
-            <a:avLst/>
-          </a:prstGeom>
-          <a:noFill/>
-        </p:spPr>
-        <p:txBody>
-          <a:bodyPr wrap="none" rtlCol="0">
-            <a:spAutoFit/>
-          </a:bodyPr>
-          <a:lstStyle/>
-          <a:p>
-            <a:r>
-              <a:rPr kumimoji="1" lang="zh-CN" altLang="en-US" sz="1100" dirty="0" smtClean="0"/>
-              <a:t>老年代</a:t>
-            </a:r>
-            <a:endParaRPr kumimoji="1" lang="zh-CN" altLang="en-US" sz="1100" dirty="0"/>
-          </a:p>
-        </p:txBody>
-      </p:sp>
-      <p:sp>
-        <p:nvSpPr>
-          <p:cNvPr id="18" name="文本框 17"/>
-          <p:cNvSpPr txBox="1"/>
-          <p:nvPr/>
-        </p:nvSpPr>
-        <p:spPr>
-          <a:xfrm>
-            <a:off x="4533536" y="1310179"/>
-            <a:ext cx="417102" cy="307777"/>
-          </a:xfrm>
-          <a:prstGeom prst="rect">
-            <a:avLst/>
-          </a:prstGeom>
-          <a:noFill/>
-        </p:spPr>
-        <p:txBody>
-          <a:bodyPr wrap="none" rtlCol="0">
-            <a:spAutoFit/>
-          </a:bodyPr>
-          <a:lstStyle/>
-          <a:p>
-            <a:r>
-              <a:rPr kumimoji="1" lang="en-US" altLang="zh-CN" sz="1400" dirty="0" smtClean="0"/>
-              <a:t>GC</a:t>
-            </a:r>
-            <a:endParaRPr kumimoji="1" lang="zh-CN" altLang="en-US" sz="1400" dirty="0"/>
-          </a:p>
-        </p:txBody>
-      </p:sp>
-      <p:sp>
-        <p:nvSpPr>
-          <p:cNvPr id="19" name="文本框 18"/>
-          <p:cNvSpPr txBox="1"/>
-          <p:nvPr/>
-        </p:nvSpPr>
-        <p:spPr>
-          <a:xfrm>
-            <a:off x="2508582" y="1556249"/>
-            <a:ext cx="369332" cy="553998"/>
-          </a:xfrm>
-          <a:prstGeom prst="rect">
-            <a:avLst/>
-          </a:prstGeom>
-          <a:noFill/>
-        </p:spPr>
-        <p:txBody>
-          <a:bodyPr vert="eaVert" wrap="none" rtlCol="0">
-            <a:spAutoFit/>
-          </a:bodyPr>
-          <a:lstStyle/>
-          <a:p>
-            <a:r>
-              <a:rPr kumimoji="1" lang="zh-CN" altLang="en-US" sz="1200" dirty="0" smtClean="0"/>
-              <a:t>持久代</a:t>
-            </a:r>
-            <a:endParaRPr kumimoji="1" lang="zh-CN" altLang="en-US" sz="1200" dirty="0"/>
-          </a:p>
-        </p:txBody>
-      </p:sp>
-      <p:sp>
-        <p:nvSpPr>
-          <p:cNvPr id="20" name="矩形 19"/>
-          <p:cNvSpPr/>
-          <p:nvPr/>
-        </p:nvSpPr>
-        <p:spPr>
-          <a:xfrm>
-            <a:off x="2508582" y="1506861"/>
-            <a:ext cx="421136" cy="721488"/>
-          </a:xfrm>
-          <a:prstGeom prst="rect">
-            <a:avLst/>
-          </a:prstGeom>
-          <a:noFill/>
-        </p:spPr>
-        <p:style>
-          <a:lnRef idx="2">
-            <a:schemeClr val="accent1">
-              <a:shade val="50000"/>
-            </a:schemeClr>
-          </a:lnRef>
-          <a:fillRef idx="1">
-            <a:schemeClr val="accent1"/>
-          </a:fillRef>
-          <a:effectRef idx="0">
-            <a:schemeClr val="accent1"/>
-          </a:effectRef>
-          <a:fontRef idx="minor">
-            <a:schemeClr val="lt1"/>
-          </a:fontRef>
-        </p:style>
-        <p:txBody>
-          <a:bodyPr rtlCol="0" anchor="ctr"/>
-          <a:lstStyle/>
-          <a:p>
-            <a:pPr algn="ctr"/>
-            <a:endParaRPr kumimoji="1" lang="zh-CN" altLang="en-US"/>
-          </a:p>
-        </p:txBody>
-      </p:sp>
-      <p:sp>
-        <p:nvSpPr>
-          <p:cNvPr id="29" name="文本框 28"/>
-          <p:cNvSpPr txBox="1"/>
-          <p:nvPr/>
-        </p:nvSpPr>
-        <p:spPr>
-          <a:xfrm>
-            <a:off x="2349795" y="1343536"/>
-            <a:ext cx="417102" cy="307777"/>
-          </a:xfrm>
-          <a:prstGeom prst="rect">
-            <a:avLst/>
-          </a:prstGeom>
-          <a:noFill/>
-        </p:spPr>
-        <p:txBody>
-          <a:bodyPr wrap="none" rtlCol="0">
-            <a:spAutoFit/>
-          </a:bodyPr>
-          <a:lstStyle/>
-          <a:p>
-            <a:r>
-              <a:rPr kumimoji="1" lang="en-US" altLang="zh-CN" sz="1400" dirty="0" smtClean="0"/>
-              <a:t>GC</a:t>
-            </a:r>
-            <a:endParaRPr kumimoji="1" lang="zh-CN" altLang="en-US" sz="1400" dirty="0"/>
-          </a:p>
-        </p:txBody>
-      </p:sp>
-      <p:cxnSp>
-        <p:nvCxnSpPr>
-          <p:cNvPr id="30" name="直线连接符 29"/>
-          <p:cNvCxnSpPr>
-            <a:stCxn id="10" idx="0"/>
-            <a:endCxn id="10" idx="2"/>
-          </p:cNvCxnSpPr>
-          <p:nvPr/>
-        </p:nvCxnSpPr>
-        <p:spPr>
-          <a:xfrm>
-            <a:off x="4442049" y="1742382"/>
-            <a:ext cx="0" cy="745772"/>
-          </a:xfrm>
-          <a:prstGeom prst="line">
-            <a:avLst/>
-          </a:prstGeom>
-        </p:spPr>
-        <p:style>
-          <a:lnRef idx="1">
-            <a:schemeClr val="accent1"/>
-          </a:lnRef>
-          <a:fillRef idx="0">
-            <a:schemeClr val="accent1"/>
-          </a:fillRef>
-          <a:effectRef idx="0">
-            <a:schemeClr val="accent1"/>
-          </a:effectRef>
-          <a:fontRef idx="minor">
-            <a:schemeClr val="tx1"/>
-          </a:fontRef>
-        </p:style>
-      </p:cxnSp>
-      <p:sp>
-        <p:nvSpPr>
-          <p:cNvPr id="31" name="文本框 30"/>
-          <p:cNvSpPr txBox="1"/>
-          <p:nvPr/>
-        </p:nvSpPr>
-        <p:spPr>
-          <a:xfrm>
-            <a:off x="4130709" y="1619763"/>
-            <a:ext cx="588623" cy="253916"/>
-          </a:xfrm>
-          <a:prstGeom prst="rect">
-            <a:avLst/>
-          </a:prstGeom>
-          <a:noFill/>
-        </p:spPr>
-        <p:txBody>
-          <a:bodyPr wrap="none" rtlCol="0">
-            <a:spAutoFit/>
-          </a:bodyPr>
-          <a:lstStyle/>
-          <a:p>
-            <a:r>
-              <a:rPr kumimoji="1" lang="zh-CN" altLang="en-US" sz="1050" dirty="0" smtClean="0"/>
-              <a:t>新生代</a:t>
-            </a:r>
-            <a:endParaRPr kumimoji="1" lang="zh-CN" altLang="en-US" sz="1000" dirty="0"/>
-          </a:p>
-        </p:txBody>
-      </p:sp>
-      <p:sp>
-        <p:nvSpPr>
-          <p:cNvPr id="32" name="文本框 31"/>
-          <p:cNvSpPr txBox="1"/>
-          <p:nvPr/>
-        </p:nvSpPr>
-        <p:spPr>
-          <a:xfrm>
-            <a:off x="3891516" y="2052084"/>
-            <a:ext cx="513282" cy="276999"/>
-          </a:xfrm>
-          <a:prstGeom prst="rect">
-            <a:avLst/>
-          </a:prstGeom>
-          <a:noFill/>
-        </p:spPr>
-        <p:txBody>
-          <a:bodyPr wrap="none" rtlCol="0">
-            <a:spAutoFit/>
-          </a:bodyPr>
-          <a:lstStyle/>
-          <a:p>
-            <a:r>
-              <a:rPr kumimoji="1" lang="en-US" altLang="zh-CN" sz="1200" dirty="0" smtClean="0"/>
-              <a:t>Eden</a:t>
-            </a:r>
-            <a:endParaRPr kumimoji="1" lang="zh-CN" altLang="en-US" sz="1200" dirty="0"/>
-          </a:p>
-        </p:txBody>
-      </p:sp>
-      <p:sp>
-        <p:nvSpPr>
-          <p:cNvPr id="33" name="文本框 32"/>
-          <p:cNvSpPr txBox="1"/>
-          <p:nvPr/>
-        </p:nvSpPr>
-        <p:spPr>
-          <a:xfrm>
-            <a:off x="4425020" y="1951350"/>
-            <a:ext cx="720069" cy="276999"/>
-          </a:xfrm>
-          <a:prstGeom prst="rect">
-            <a:avLst/>
-          </a:prstGeom>
-          <a:noFill/>
-        </p:spPr>
-        <p:txBody>
-          <a:bodyPr wrap="none" rtlCol="0">
-            <a:spAutoFit/>
-          </a:bodyPr>
-          <a:lstStyle/>
-          <a:p>
-            <a:r>
-              <a:rPr kumimoji="1" lang="en-US" altLang="zh-CN" sz="1200" dirty="0" smtClean="0"/>
-              <a:t>Survivor</a:t>
-            </a:r>
-            <a:endParaRPr kumimoji="1" lang="zh-CN" altLang="en-US" sz="1200" dirty="0"/>
-          </a:p>
-        </p:txBody>
-      </p:sp>
-      <p:sp>
-        <p:nvSpPr>
-          <p:cNvPr id="13" name="文本框 12"/>
-          <p:cNvSpPr txBox="1"/>
-          <p:nvPr/>
-        </p:nvSpPr>
-        <p:spPr>
-          <a:xfrm>
-            <a:off x="613422" y="4910091"/>
-            <a:ext cx="3236784" cy="769441"/>
-          </a:xfrm>
-          <a:prstGeom prst="rect">
-            <a:avLst/>
-          </a:prstGeom>
-          <a:noFill/>
-        </p:spPr>
-        <p:txBody>
-          <a:bodyPr wrap="none" rtlCol="0">
-            <a:spAutoFit/>
-          </a:bodyPr>
-          <a:lstStyle/>
-          <a:p>
-            <a:pPr marL="228600" indent="-228600">
-              <a:buAutoNum type="arabicPeriod"/>
-            </a:pPr>
-            <a:r>
-              <a:rPr kumimoji="1" lang="zh-CN" altLang="en-US" sz="1100" dirty="0" smtClean="0"/>
-              <a:t>方法区放置类相关的信息</a:t>
-            </a:r>
-            <a:endParaRPr kumimoji="1" lang="en-US" altLang="zh-CN" sz="1100" dirty="0" smtClean="0"/>
-          </a:p>
-          <a:p>
-            <a:pPr marL="228600" indent="-228600">
-              <a:buAutoNum type="arabicPeriod"/>
-            </a:pPr>
-            <a:r>
-              <a:rPr kumimoji="1" lang="zh-CN" altLang="en-US" sz="1100" dirty="0" smtClean="0"/>
-              <a:t>堆中放一些实例对象</a:t>
-            </a:r>
-            <a:endParaRPr kumimoji="1" lang="en-US" altLang="zh-CN" sz="1100" dirty="0" smtClean="0"/>
-          </a:p>
-          <a:p>
-            <a:pPr marL="228600" indent="-228600">
-              <a:buAutoNum type="arabicPeriod"/>
-            </a:pPr>
-            <a:r>
-              <a:rPr kumimoji="1" lang="zh-CN" altLang="en-US" sz="1100" dirty="0" smtClean="0"/>
-              <a:t>程序计数器始终指向要执行的下一条指令</a:t>
-            </a:r>
-            <a:endParaRPr kumimoji="1" lang="en-US" altLang="zh-CN" sz="1100" dirty="0" smtClean="0"/>
-          </a:p>
-          <a:p>
-            <a:pPr marL="228600" indent="-228600">
-              <a:buAutoNum type="arabicPeriod"/>
-            </a:pPr>
-            <a:r>
-              <a:rPr kumimoji="1" lang="zh-CN" altLang="en-US" sz="1100" dirty="0" smtClean="0"/>
-              <a:t>方法区和本地方法区用于描述方法的内存模型</a:t>
-            </a:r>
-            <a:endParaRPr kumimoji="1" lang="zh-CN" altLang="en-US" sz="1100" dirty="0"/>
-          </a:p>
-        </p:txBody>
-      </p:sp>
-      <p:sp>
-        <p:nvSpPr>
-          <p:cNvPr id="27" name="椭圆 26"/>
-          <p:cNvSpPr/>
-          <p:nvPr/>
-        </p:nvSpPr>
-        <p:spPr>
-          <a:xfrm>
-            <a:off x="3041438" y="2209555"/>
-            <a:ext cx="386584" cy="981988"/>
-          </a:xfrm>
-          <a:prstGeom prst="ellipse">
-            <a:avLst/>
-          </a:prstGeom>
-          <a:noFill/>
-        </p:spPr>
-        <p:style>
-          <a:lnRef idx="2">
-            <a:schemeClr val="accent1">
-              <a:shade val="50000"/>
-            </a:schemeClr>
-          </a:lnRef>
-          <a:fillRef idx="1">
-            <a:schemeClr val="accent1"/>
-          </a:fillRef>
-          <a:effectRef idx="0">
-            <a:schemeClr val="accent1"/>
-          </a:effectRef>
-          <a:fontRef idx="minor">
-            <a:schemeClr val="lt1"/>
-          </a:fontRef>
-        </p:style>
-        <p:txBody>
-          <a:bodyPr rtlCol="0" anchor="ctr"/>
-          <a:lstStyle/>
-          <a:p>
-            <a:pPr algn="ctr"/>
-            <a:r>
-              <a:rPr kumimoji="1" lang="zh-CN" altLang="en-US" sz="1100" dirty="0" smtClean="0">
+          <a:p>
+            <a:r>
+              <a:rPr kumimoji="1" lang="en-US" altLang="zh-CN" sz="1200" dirty="0" smtClean="0">
                 <a:solidFill>
                   <a:schemeClr val="tx1"/>
                 </a:solidFill>
               </a:rPr>
-              <a:t>常量池</a:t>
-            </a:r>
-            <a:endParaRPr kumimoji="1" lang="zh-CN" altLang="en-US" sz="1100" dirty="0">
+              <a:t>2.Extension</a:t>
+            </a:r>
+            <a:r>
+              <a:rPr kumimoji="1" lang="zh-CN" altLang="en-US" sz="1200" dirty="0" smtClean="0">
+                <a:solidFill>
+                  <a:schemeClr val="tx1"/>
+                </a:solidFill>
+              </a:rPr>
+              <a:t> </a:t>
+            </a:r>
+            <a:r>
+              <a:rPr kumimoji="1" lang="en-US" altLang="zh-CN" sz="1200" dirty="0" smtClean="0">
+                <a:solidFill>
+                  <a:schemeClr val="tx1"/>
+                </a:solidFill>
+              </a:rPr>
+              <a:t>class</a:t>
+            </a:r>
+            <a:r>
+              <a:rPr kumimoji="1" lang="zh-CN" altLang="en-US" sz="1200" dirty="0" smtClean="0">
+                <a:solidFill>
+                  <a:schemeClr val="tx1"/>
+                </a:solidFill>
+              </a:rPr>
+              <a:t> </a:t>
+            </a:r>
+            <a:r>
+              <a:rPr kumimoji="1" lang="en-US" altLang="zh-CN" sz="1200" dirty="0" smtClean="0">
+                <a:solidFill>
+                  <a:schemeClr val="tx1"/>
+                </a:solidFill>
+              </a:rPr>
+              <a:t>loader</a:t>
+            </a:r>
+            <a:r>
+              <a:rPr kumimoji="1" lang="zh-CN" altLang="en-US" sz="1200" dirty="0" smtClean="0">
+                <a:solidFill>
+                  <a:schemeClr val="tx1"/>
+                </a:solidFill>
+              </a:rPr>
+              <a:t> 扩展类加载器</a:t>
+            </a:r>
+            <a:endParaRPr kumimoji="1" lang="en-US" altLang="zh-CN" sz="1200" dirty="0" smtClean="0">
               <a:solidFill>
                 <a:schemeClr val="tx1"/>
               </a:solidFill>
             </a:endParaRPr>
           </a:p>
+          <a:p>
+            <a:r>
+              <a:rPr kumimoji="1" lang="en-US" altLang="zh-CN" sz="1200" dirty="0">
+                <a:solidFill>
+                  <a:schemeClr val="tx1"/>
+                </a:solidFill>
+              </a:rPr>
+              <a:t>3</a:t>
+            </a:r>
+            <a:r>
+              <a:rPr kumimoji="1" lang="en-US" altLang="zh-CN" sz="1200" dirty="0" smtClean="0">
+                <a:solidFill>
+                  <a:schemeClr val="tx1"/>
+                </a:solidFill>
+              </a:rPr>
+              <a:t>.Application</a:t>
+            </a:r>
+            <a:r>
+              <a:rPr kumimoji="1" lang="zh-CN" altLang="en-US" sz="1200" dirty="0" smtClean="0">
+                <a:solidFill>
+                  <a:schemeClr val="tx1"/>
+                </a:solidFill>
+              </a:rPr>
+              <a:t> </a:t>
+            </a:r>
+            <a:r>
+              <a:rPr kumimoji="1" lang="en-US" altLang="zh-CN" sz="1200" dirty="0" smtClean="0">
+                <a:solidFill>
+                  <a:schemeClr val="tx1"/>
+                </a:solidFill>
+              </a:rPr>
+              <a:t>class</a:t>
+            </a:r>
+            <a:r>
+              <a:rPr kumimoji="1" lang="zh-CN" altLang="en-US" sz="1200" dirty="0" smtClean="0">
+                <a:solidFill>
+                  <a:schemeClr val="tx1"/>
+                </a:solidFill>
+              </a:rPr>
+              <a:t> </a:t>
+            </a:r>
+            <a:r>
+              <a:rPr kumimoji="1" lang="en-US" altLang="zh-CN" sz="1200" dirty="0" smtClean="0">
+                <a:solidFill>
+                  <a:schemeClr val="tx1"/>
+                </a:solidFill>
+              </a:rPr>
+              <a:t>loader</a:t>
+            </a:r>
+            <a:r>
+              <a:rPr kumimoji="1" lang="zh-CN" altLang="en-US" sz="1200" dirty="0" smtClean="0">
+                <a:solidFill>
+                  <a:schemeClr val="tx1"/>
+                </a:solidFill>
+              </a:rPr>
+              <a:t> 应用程序类加载器</a:t>
+            </a:r>
+            <a:endParaRPr kumimoji="1" lang="en-US" altLang="zh-CN" sz="1200" dirty="0" smtClean="0">
+              <a:solidFill>
+                <a:schemeClr val="tx1"/>
+              </a:solidFill>
+            </a:endParaRPr>
+          </a:p>
+          <a:p>
+            <a:r>
+              <a:rPr kumimoji="1" lang="en-US" altLang="zh-CN" sz="1200" dirty="0" smtClean="0">
+                <a:solidFill>
+                  <a:schemeClr val="tx1"/>
+                </a:solidFill>
+              </a:rPr>
+              <a:t>4.Customer</a:t>
+            </a:r>
+            <a:r>
+              <a:rPr kumimoji="1" lang="zh-CN" altLang="en-US" sz="1200" dirty="0" smtClean="0">
+                <a:solidFill>
+                  <a:schemeClr val="tx1"/>
+                </a:solidFill>
+              </a:rPr>
+              <a:t> </a:t>
+            </a:r>
+            <a:r>
+              <a:rPr kumimoji="1" lang="en-US" altLang="zh-CN" sz="1200" dirty="0" smtClean="0">
+                <a:solidFill>
+                  <a:schemeClr val="tx1"/>
+                </a:solidFill>
+              </a:rPr>
+              <a:t>class</a:t>
+            </a:r>
+            <a:r>
+              <a:rPr kumimoji="1" lang="zh-CN" altLang="en-US" sz="1200" dirty="0" smtClean="0">
+                <a:solidFill>
+                  <a:schemeClr val="tx1"/>
+                </a:solidFill>
+              </a:rPr>
+              <a:t> </a:t>
+            </a:r>
+            <a:r>
+              <a:rPr kumimoji="1" lang="en-US" altLang="zh-CN" sz="1200" dirty="0" smtClean="0">
+                <a:solidFill>
+                  <a:schemeClr val="tx1"/>
+                </a:solidFill>
+              </a:rPr>
+              <a:t>loader</a:t>
+            </a:r>
+            <a:r>
+              <a:rPr kumimoji="1" lang="zh-CN" altLang="en-US" sz="1200" dirty="0" smtClean="0">
+                <a:solidFill>
+                  <a:schemeClr val="tx1"/>
+                </a:solidFill>
+              </a:rPr>
+              <a:t> 自定义类加载器</a:t>
+            </a:r>
+            <a:endParaRPr kumimoji="1" lang="zh-CN" altLang="en-US" sz="1200" dirty="0">
+              <a:solidFill>
+                <a:schemeClr val="tx1"/>
+              </a:solidFill>
+            </a:endParaRPr>
+          </a:p>
         </p:txBody>
       </p:sp>
       <p:cxnSp>
         <p:nvCxnSpPr>
-          <p:cNvPr id="34" name="直接箭头连接符 33"/>
-          <p:cNvCxnSpPr>
-            <a:stCxn id="3" idx="3"/>
-            <a:endCxn id="27" idx="2"/>
-          </p:cNvCxnSpPr>
+          <p:cNvPr id="22" name="直线箭头连接符 21"/>
+          <p:cNvCxnSpPr/>
           <p:nvPr/>
         </p:nvCxnSpPr>
         <p:spPr>
           <a:xfrm>
-            <a:off x="2319099" y="2700549"/>
-            <a:ext cx="722339" cy="0"/>
+            <a:off x="3074020" y="2274849"/>
+            <a:ext cx="0" cy="758283"/>
           </a:xfrm>
           <a:prstGeom prst="straightConnector1">
             <a:avLst/>
@@ -4865,13 +4318,20 @@
     </p:spTree>
     <p:extLst>
       <p:ext uri="{BB962C8B-B14F-4D97-AF65-F5344CB8AC3E}">
-        <p14:creationId xmlns:p14="http://schemas.microsoft.com/office/powerpoint/2010/main" val="238012037"/>
+        <p14:creationId xmlns:p14="http://schemas.microsoft.com/office/powerpoint/2010/main" val="695296432"/>
       </p:ext>
     </p:extLst>
   </p:cSld>
   <p:clrMapOvr>
     <a:masterClrMapping/>
   </p:clrMapOvr>
+  <p:timing>
+    <p:tnLst>
+      <p:par>
+        <p:cTn id="1" dur="indefinite" restart="never" nodeType="tmRoot"/>
+      </p:par>
+    </p:tnLst>
+  </p:timing>
 </p:sld>
 </file>
 
@@ -4900,8 +4360,8 @@
         </p:nvSpPr>
         <p:spPr>
           <a:xfrm>
-            <a:off x="4369981" y="1031358"/>
-            <a:ext cx="1414131" cy="510362"/>
+            <a:off x="2987750" y="1095154"/>
+            <a:ext cx="2977116" cy="2711302"/>
           </a:xfrm>
           <a:prstGeom prst="rect">
             <a:avLst/>
@@ -4929,211 +4389,28 @@
           <a:lstStyle/>
           <a:p>
             <a:pPr algn="ctr"/>
-            <a:endParaRPr kumimoji="1" lang="zh-CN" altLang="en-US"/>
-          </a:p>
-        </p:txBody>
-      </p:sp>
-      <p:sp>
-        <p:nvSpPr>
-          <p:cNvPr id="5" name="矩形 4"/>
-          <p:cNvSpPr/>
-          <p:nvPr/>
-        </p:nvSpPr>
-        <p:spPr>
-          <a:xfrm>
-            <a:off x="5893981" y="2176130"/>
-            <a:ext cx="1414131" cy="510362"/>
-          </a:xfrm>
-          <a:prstGeom prst="rect">
-            <a:avLst/>
-          </a:prstGeom>
-          <a:noFill/>
-        </p:spPr>
-        <p:style>
-          <a:lnRef idx="2">
-            <a:schemeClr val="accent1">
-              <a:shade val="50000"/>
-            </a:schemeClr>
-          </a:lnRef>
-          <a:fillRef idx="1">
-            <a:schemeClr val="accent1"/>
-          </a:fillRef>
-          <a:effectRef idx="0">
-            <a:schemeClr val="accent1"/>
-          </a:effectRef>
-          <a:fontRef idx="minor">
-            <a:schemeClr val="lt1"/>
-          </a:fontRef>
-        </p:style>
-        <p:txBody>
-          <a:bodyPr rtlCol="0" anchor="ctr"/>
-          <a:lstStyle/>
-          <a:p>
-            <a:pPr algn="ctr"/>
-            <a:endParaRPr kumimoji="1" lang="zh-CN" altLang="en-US"/>
-          </a:p>
-        </p:txBody>
-      </p:sp>
-      <p:sp>
-        <p:nvSpPr>
-          <p:cNvPr id="6" name="矩形 5"/>
-          <p:cNvSpPr/>
-          <p:nvPr/>
-        </p:nvSpPr>
-        <p:spPr>
-          <a:xfrm>
-            <a:off x="2750288" y="2176130"/>
-            <a:ext cx="1414131" cy="510362"/>
-          </a:xfrm>
-          <a:prstGeom prst="rect">
-            <a:avLst/>
-          </a:prstGeom>
-          <a:noFill/>
-        </p:spPr>
-        <p:style>
-          <a:lnRef idx="2">
-            <a:schemeClr val="accent1">
-              <a:shade val="50000"/>
-            </a:schemeClr>
-          </a:lnRef>
-          <a:fillRef idx="1">
-            <a:schemeClr val="accent1"/>
-          </a:fillRef>
-          <a:effectRef idx="0">
-            <a:schemeClr val="accent1"/>
-          </a:effectRef>
-          <a:fontRef idx="minor">
-            <a:schemeClr val="lt1"/>
-          </a:fontRef>
-        </p:style>
-        <p:txBody>
-          <a:bodyPr rtlCol="0" anchor="ctr"/>
-          <a:lstStyle/>
-          <a:p>
-            <a:pPr algn="ctr"/>
-            <a:endParaRPr kumimoji="1" lang="zh-CN" altLang="en-US"/>
-          </a:p>
-        </p:txBody>
-      </p:sp>
-      <p:sp>
-        <p:nvSpPr>
-          <p:cNvPr id="7" name="文本框 6"/>
-          <p:cNvSpPr txBox="1"/>
-          <p:nvPr/>
-        </p:nvSpPr>
-        <p:spPr>
-          <a:xfrm>
-            <a:off x="4497400" y="701748"/>
-            <a:ext cx="1159292" cy="253916"/>
-          </a:xfrm>
-          <a:prstGeom prst="rect">
-            <a:avLst/>
-          </a:prstGeom>
-          <a:noFill/>
-        </p:spPr>
-        <p:txBody>
-          <a:bodyPr wrap="none" rtlCol="0">
-            <a:spAutoFit/>
-          </a:bodyPr>
-          <a:lstStyle/>
-          <a:p>
-            <a:r>
-              <a:rPr kumimoji="1" lang="en-US" altLang="zh-CN" sz="1050" dirty="0" err="1" smtClean="0"/>
-              <a:t>ActiveMQ</a:t>
-            </a:r>
-            <a:r>
-              <a:rPr kumimoji="1" lang="zh-CN" altLang="en-US" sz="1050" dirty="0" smtClean="0"/>
-              <a:t>服务器</a:t>
-            </a:r>
-            <a:endParaRPr kumimoji="1" lang="zh-CN" altLang="en-US" sz="1050" dirty="0"/>
-          </a:p>
-        </p:txBody>
-      </p:sp>
-      <p:sp>
-        <p:nvSpPr>
-          <p:cNvPr id="8" name="文本框 7"/>
-          <p:cNvSpPr txBox="1"/>
-          <p:nvPr/>
-        </p:nvSpPr>
-        <p:spPr>
-          <a:xfrm>
-            <a:off x="5893981" y="2304353"/>
-            <a:ext cx="1425390" cy="253916"/>
-          </a:xfrm>
-          <a:prstGeom prst="rect">
-            <a:avLst/>
-          </a:prstGeom>
-          <a:noFill/>
-        </p:spPr>
-        <p:txBody>
-          <a:bodyPr wrap="none" rtlCol="0">
-            <a:spAutoFit/>
-          </a:bodyPr>
-          <a:lstStyle/>
-          <a:p>
-            <a:r>
-              <a:rPr kumimoji="1" lang="zh-CN" altLang="en-US" sz="1050" dirty="0" smtClean="0"/>
-              <a:t>消息消费者</a:t>
-            </a:r>
-            <a:r>
-              <a:rPr kumimoji="1" lang="en-US" altLang="zh-CN" sz="1050" dirty="0" smtClean="0"/>
-              <a:t>consumer</a:t>
-            </a:r>
-            <a:endParaRPr kumimoji="1" lang="zh-CN" altLang="en-US" sz="1050" dirty="0"/>
-          </a:p>
-        </p:txBody>
-      </p:sp>
-      <p:sp>
-        <p:nvSpPr>
-          <p:cNvPr id="9" name="文本框 8"/>
-          <p:cNvSpPr txBox="1"/>
-          <p:nvPr/>
-        </p:nvSpPr>
-        <p:spPr>
-          <a:xfrm>
-            <a:off x="2750288" y="2304353"/>
-            <a:ext cx="1382110" cy="253916"/>
-          </a:xfrm>
-          <a:prstGeom prst="rect">
-            <a:avLst/>
-          </a:prstGeom>
-          <a:noFill/>
-        </p:spPr>
-        <p:txBody>
-          <a:bodyPr wrap="none" rtlCol="0">
-            <a:spAutoFit/>
-          </a:bodyPr>
-          <a:lstStyle/>
-          <a:p>
-            <a:r>
-              <a:rPr kumimoji="1" lang="zh-CN" altLang="en-US" sz="1050" dirty="0" smtClean="0"/>
-              <a:t>消息生产者</a:t>
-            </a:r>
-            <a:r>
-              <a:rPr kumimoji="1" lang="en-US" altLang="zh-CN" sz="1050" dirty="0" smtClean="0"/>
-              <a:t>producer</a:t>
-            </a:r>
-            <a:endParaRPr kumimoji="1" lang="zh-CN" altLang="en-US" sz="1050" dirty="0"/>
+            <a:endParaRPr kumimoji="1" lang="zh-CN" altLang="en-US">
+              <a:solidFill>
+                <a:schemeClr val="bg1"/>
+              </a:solidFill>
+            </a:endParaRPr>
           </a:p>
         </p:txBody>
       </p:sp>
       <p:cxnSp>
         <p:nvCxnSpPr>
-          <p:cNvPr id="11" name="直线箭头连接符 10"/>
+          <p:cNvPr id="6" name="直线连接符 5"/>
           <p:cNvCxnSpPr/>
           <p:nvPr/>
         </p:nvCxnSpPr>
         <p:spPr>
-          <a:xfrm flipV="1">
-            <a:off x="3583172" y="1541720"/>
-            <a:ext cx="1307805" cy="634410"/>
-          </a:xfrm>
-          <a:prstGeom prst="straightConnector1">
-            <a:avLst/>
-          </a:prstGeom>
-          <a:ln>
-            <a:tailEnd type="triangle"/>
-          </a:ln>
+          <a:xfrm>
+            <a:off x="3561907" y="1095154"/>
+            <a:ext cx="10634" cy="2711302"/>
+          </a:xfrm>
+          <a:prstGeom prst="line">
+            <a:avLst/>
+          </a:prstGeom>
         </p:spPr>
         <p:style>
           <a:lnRef idx="1">
@@ -5152,21 +4429,18 @@
       </p:cxnSp>
       <p:cxnSp>
         <p:nvCxnSpPr>
-          <p:cNvPr id="13" name="直线箭头连接符 12"/>
+          <p:cNvPr id="12" name="直线连接符 11"/>
           <p:cNvCxnSpPr/>
           <p:nvPr/>
         </p:nvCxnSpPr>
         <p:spPr>
           <a:xfrm>
-            <a:off x="5348177" y="1541720"/>
-            <a:ext cx="1095153" cy="634410"/>
-          </a:xfrm>
-          <a:prstGeom prst="straightConnector1">
-            <a:avLst/>
-          </a:prstGeom>
-          <a:ln>
-            <a:tailEnd type="triangle"/>
-          </a:ln>
+            <a:off x="3561907" y="3009014"/>
+            <a:ext cx="2402959" cy="1"/>
+          </a:xfrm>
+          <a:prstGeom prst="line">
+            <a:avLst/>
+          </a:prstGeom>
         </p:spPr>
         <p:style>
           <a:lnRef idx="1">
@@ -5183,16 +4457,106 @@
           </a:fontRef>
         </p:style>
       </p:cxnSp>
-      <p:sp>
-        <p:nvSpPr>
-          <p:cNvPr id="14" name="文本框 13"/>
+      <p:cxnSp>
+        <p:nvCxnSpPr>
+          <p:cNvPr id="14" name="直线连接符 13"/>
+          <p:cNvCxnSpPr/>
+          <p:nvPr/>
+        </p:nvCxnSpPr>
+        <p:spPr>
+          <a:xfrm flipV="1">
+            <a:off x="3572541" y="3402419"/>
+            <a:ext cx="2392325" cy="10632"/>
+          </a:xfrm>
+          <a:prstGeom prst="line">
+            <a:avLst/>
+          </a:prstGeom>
+        </p:spPr>
+        <p:style>
+          <a:lnRef idx="1">
+            <a:schemeClr val="accent1"/>
+          </a:lnRef>
+          <a:fillRef idx="0">
+            <a:schemeClr val="accent1"/>
+          </a:fillRef>
+          <a:effectRef idx="0">
+            <a:schemeClr val="accent1"/>
+          </a:effectRef>
+          <a:fontRef idx="minor">
+            <a:schemeClr val="tx1"/>
+          </a:fontRef>
+        </p:style>
+      </p:cxnSp>
+      <p:cxnSp>
+        <p:nvCxnSpPr>
+          <p:cNvPr id="21" name="直线连接符 20"/>
+          <p:cNvCxnSpPr/>
+          <p:nvPr/>
+        </p:nvCxnSpPr>
+        <p:spPr>
+          <a:xfrm>
+            <a:off x="5337544" y="1095154"/>
+            <a:ext cx="10633" cy="1913860"/>
+          </a:xfrm>
+          <a:prstGeom prst="line">
+            <a:avLst/>
+          </a:prstGeom>
+        </p:spPr>
+        <p:style>
+          <a:lnRef idx="1">
+            <a:schemeClr val="accent1"/>
+          </a:lnRef>
+          <a:fillRef idx="0">
+            <a:schemeClr val="accent1"/>
+          </a:fillRef>
+          <a:effectRef idx="0">
+            <a:schemeClr val="accent1"/>
+          </a:effectRef>
+          <a:fontRef idx="minor">
+            <a:schemeClr val="tx1"/>
+          </a:fontRef>
+        </p:style>
+      </p:cxnSp>
+      <p:sp>
+        <p:nvSpPr>
+          <p:cNvPr id="22" name="文本框 21"/>
           <p:cNvSpPr txBox="1"/>
           <p:nvPr/>
         </p:nvSpPr>
         <p:spPr>
           <a:xfrm>
-            <a:off x="3892382" y="1674628"/>
-            <a:ext cx="466794" cy="261610"/>
+            <a:off x="2945218" y="1533910"/>
+            <a:ext cx="369332" cy="553998"/>
+          </a:xfrm>
+          <a:prstGeom prst="rect">
+            <a:avLst/>
+          </a:prstGeom>
+          <a:noFill/>
+        </p:spPr>
+        <p:txBody>
+          <a:bodyPr vert="eaVert" wrap="none" rtlCol="0">
+            <a:spAutoFit/>
+          </a:bodyPr>
+          <a:lstStyle/>
+          <a:p>
+            <a:r>
+              <a:rPr kumimoji="1" lang="zh-CN" altLang="en-US" sz="1200" dirty="0" smtClean="0"/>
+              <a:t>方法区</a:t>
+            </a:r>
+            <a:endParaRPr kumimoji="1" lang="zh-CN" altLang="en-US" sz="1200" dirty="0"/>
+          </a:p>
+        </p:txBody>
+      </p:sp>
+      <p:sp>
+        <p:nvSpPr>
+          <p:cNvPr id="23" name="文本框 22"/>
+          <p:cNvSpPr txBox="1"/>
+          <p:nvPr/>
+        </p:nvSpPr>
+        <p:spPr>
+          <a:xfrm>
+            <a:off x="3656937" y="1205037"/>
+            <a:ext cx="779381" cy="276999"/>
           </a:xfrm>
           <a:prstGeom prst="rect">
             <a:avLst/>
@@ -5206,23 +4570,57 @@
           <a:lstStyle/>
           <a:p>
             <a:r>
-              <a:rPr kumimoji="1" lang="zh-CN" altLang="en-US" sz="1100" dirty="0" smtClean="0"/>
-              <a:t>生产</a:t>
-            </a:r>
-            <a:endParaRPr kumimoji="1" lang="zh-CN" altLang="en-US" sz="1100" dirty="0"/>
-          </a:p>
-        </p:txBody>
-      </p:sp>
-      <p:sp>
-        <p:nvSpPr>
-          <p:cNvPr id="15" name="文本框 14"/>
+              <a:rPr kumimoji="1" lang="zh-CN" altLang="en-US" sz="1200" dirty="0" smtClean="0"/>
+              <a:t>堆</a:t>
+            </a:r>
+            <a:r>
+              <a:rPr kumimoji="1" lang="en-US" altLang="zh-CN" sz="1200" dirty="0" smtClean="0"/>
+              <a:t>(Heap)</a:t>
+            </a:r>
+            <a:endParaRPr kumimoji="1" lang="zh-CN" altLang="en-US" sz="1200" dirty="0"/>
+          </a:p>
+        </p:txBody>
+      </p:sp>
+      <p:sp>
+        <p:nvSpPr>
+          <p:cNvPr id="24" name="文本框 23"/>
           <p:cNvSpPr txBox="1"/>
           <p:nvPr/>
         </p:nvSpPr>
         <p:spPr>
           <a:xfrm>
-            <a:off x="5883781" y="1653034"/>
-            <a:ext cx="466794" cy="261610"/>
+            <a:off x="5452277" y="1892595"/>
+            <a:ext cx="369332" cy="246221"/>
+          </a:xfrm>
+          <a:prstGeom prst="rect">
+            <a:avLst/>
+          </a:prstGeom>
+          <a:noFill/>
+        </p:spPr>
+        <p:txBody>
+          <a:bodyPr vert="eaVert" wrap="none" rtlCol="0">
+            <a:spAutoFit/>
+          </a:bodyPr>
+          <a:lstStyle/>
+          <a:p>
+            <a:r>
+              <a:rPr kumimoji="1" lang="zh-CN" altLang="en-US" sz="1200" dirty="0" smtClean="0"/>
+              <a:t>栈</a:t>
+            </a:r>
+            <a:endParaRPr kumimoji="1" lang="zh-CN" altLang="en-US" sz="1200" dirty="0"/>
+          </a:p>
+        </p:txBody>
+      </p:sp>
+      <p:sp>
+        <p:nvSpPr>
+          <p:cNvPr id="25" name="文本框 24"/>
+          <p:cNvSpPr txBox="1"/>
+          <p:nvPr/>
+        </p:nvSpPr>
+        <p:spPr>
+          <a:xfrm>
+            <a:off x="2987750" y="3948048"/>
+            <a:ext cx="3583032" cy="461665"/>
           </a:xfrm>
           <a:prstGeom prst="rect">
             <a:avLst/>
@@ -5236,23 +4634,53 @@
           <a:lstStyle/>
           <a:p>
             <a:r>
-              <a:rPr kumimoji="1" lang="zh-CN" altLang="en-US" sz="1100" dirty="0" smtClean="0"/>
-              <a:t>消费</a:t>
-            </a:r>
-            <a:endParaRPr kumimoji="1" lang="zh-CN" altLang="en-US" sz="1100" dirty="0"/>
-          </a:p>
-        </p:txBody>
-      </p:sp>
-      <p:sp>
-        <p:nvSpPr>
-          <p:cNvPr id="16" name="文本框 15"/>
+              <a:rPr kumimoji="1" lang="zh-CN" altLang="en-US" sz="1200" dirty="0" smtClean="0"/>
+              <a:t>方法区</a:t>
+            </a:r>
+            <a:r>
+              <a:rPr kumimoji="1" lang="en-US" altLang="zh-CN" sz="1200" dirty="0" smtClean="0"/>
+              <a:t>(</a:t>
+            </a:r>
+            <a:r>
+              <a:rPr kumimoji="1" lang="zh-CN" altLang="en-US" sz="1200" dirty="0" smtClean="0"/>
+              <a:t>特殊的堆</a:t>
+            </a:r>
+            <a:r>
+              <a:rPr kumimoji="1" lang="en-US" altLang="zh-CN" sz="1200" dirty="0" smtClean="0"/>
+              <a:t>)</a:t>
+            </a:r>
+          </a:p>
+          <a:p>
+            <a:r>
+              <a:rPr kumimoji="1" lang="zh-CN" altLang="en-US" sz="1200" dirty="0" smtClean="0"/>
+              <a:t>每个线程都</a:t>
+            </a:r>
+            <a:r>
+              <a:rPr kumimoji="1" lang="zh-CN" altLang="en-US" sz="1200" smtClean="0"/>
+              <a:t>有自己的栈</a:t>
+            </a:r>
+            <a:r>
+              <a:rPr kumimoji="1" lang="zh-CN" altLang="en-US" sz="1200" dirty="0" smtClean="0"/>
+              <a:t>、程序计数器、本地</a:t>
+            </a:r>
+            <a:r>
+              <a:rPr kumimoji="1" lang="zh-CN" altLang="en-US" sz="1200" smtClean="0"/>
+              <a:t>方法区</a:t>
+            </a:r>
+            <a:endParaRPr kumimoji="1" lang="zh-CN" altLang="en-US" sz="1200" dirty="0"/>
+          </a:p>
+        </p:txBody>
+      </p:sp>
+      <p:sp>
+        <p:nvSpPr>
+          <p:cNvPr id="2" name="文本框 1"/>
           <p:cNvSpPr txBox="1"/>
           <p:nvPr/>
         </p:nvSpPr>
         <p:spPr>
           <a:xfrm>
-            <a:off x="4164419" y="2947978"/>
-            <a:ext cx="2541080" cy="261610"/>
+            <a:off x="5635795" y="1861817"/>
+            <a:ext cx="530915" cy="276999"/>
           </a:xfrm>
           <a:prstGeom prst="rect">
             <a:avLst/>
@@ -5266,35 +4694,27 @@
           <a:lstStyle/>
           <a:p>
             <a:r>
-              <a:rPr kumimoji="1" lang="en-US" altLang="zh-CN" sz="1100" dirty="0" smtClean="0"/>
-              <a:t>MQ(</a:t>
-            </a:r>
-            <a:r>
-              <a:rPr kumimoji="1" lang="zh-CN" altLang="en-US" sz="1100" dirty="0" smtClean="0"/>
-              <a:t>消息队列</a:t>
-            </a:r>
-            <a:r>
-              <a:rPr kumimoji="1" lang="en-US" altLang="zh-CN" sz="1100" dirty="0" smtClean="0"/>
-              <a:t>):</a:t>
-            </a:r>
-            <a:r>
-              <a:rPr kumimoji="1" lang="zh-CN" altLang="en-US" sz="1100" dirty="0" smtClean="0"/>
-              <a:t> 多个应用程序间的通信</a:t>
-            </a:r>
-            <a:endParaRPr kumimoji="1" lang="zh-CN" altLang="en-US" sz="1100" dirty="0"/>
-          </a:p>
-        </p:txBody>
-      </p:sp>
-      <p:sp>
-        <p:nvSpPr>
-          <p:cNvPr id="17" name="文本框 16"/>
+              <a:rPr kumimoji="1" lang="en-US" altLang="zh-CN" sz="1200" dirty="0"/>
+              <a:t>S</a:t>
+            </a:r>
+            <a:r>
+              <a:rPr kumimoji="1" lang="en-US" altLang="zh-CN" sz="1200" dirty="0" smtClean="0"/>
+              <a:t>tack</a:t>
+            </a:r>
+            <a:endParaRPr kumimoji="1" lang="zh-CN" altLang="en-US" sz="1200" dirty="0"/>
+          </a:p>
+        </p:txBody>
+      </p:sp>
+      <p:sp>
+        <p:nvSpPr>
+          <p:cNvPr id="3" name="文本框 2"/>
           <p:cNvSpPr txBox="1"/>
           <p:nvPr/>
         </p:nvSpPr>
         <p:spPr>
           <a:xfrm>
-            <a:off x="6705499" y="1914644"/>
-            <a:ext cx="3659976" cy="253916"/>
+            <a:off x="946607" y="2423550"/>
+            <a:ext cx="1372492" cy="553998"/>
           </a:xfrm>
           <a:prstGeom prst="rect">
             <a:avLst/>
@@ -5308,39 +4728,1027 @@
           <a:lstStyle/>
           <a:p>
             <a:r>
+              <a:rPr kumimoji="1" lang="en-US" altLang="zh-CN" sz="1000" dirty="0" smtClean="0"/>
+              <a:t>1.String</a:t>
+            </a:r>
+            <a:r>
+              <a:rPr kumimoji="1" lang="zh-CN" altLang="en-US" sz="1000" dirty="0" smtClean="0"/>
+              <a:t>字符串常量池</a:t>
+            </a:r>
+            <a:endParaRPr kumimoji="1" lang="en-US" altLang="zh-CN" sz="1000" dirty="0" smtClean="0"/>
+          </a:p>
+          <a:p>
+            <a:r>
+              <a:rPr kumimoji="1" lang="en-US" altLang="zh-CN" sz="1000" dirty="0" smtClean="0"/>
+              <a:t>2.Class</a:t>
+            </a:r>
+            <a:r>
+              <a:rPr kumimoji="1" lang="zh-CN" altLang="en-US" sz="1000" dirty="0" smtClean="0"/>
+              <a:t>常量池</a:t>
+            </a:r>
+            <a:endParaRPr kumimoji="1" lang="en-US" altLang="zh-CN" sz="1000" dirty="0" smtClean="0"/>
+          </a:p>
+          <a:p>
+            <a:r>
+              <a:rPr kumimoji="1" lang="en-US" altLang="zh-CN" sz="1000" dirty="0" smtClean="0"/>
+              <a:t>3.</a:t>
+            </a:r>
+            <a:r>
+              <a:rPr kumimoji="1" lang="zh-CN" altLang="en-US" sz="1000" dirty="0" smtClean="0"/>
+              <a:t>运行时常量池</a:t>
+            </a:r>
+            <a:endParaRPr kumimoji="1" lang="zh-CN" altLang="en-US" sz="1000" dirty="0"/>
+          </a:p>
+        </p:txBody>
+      </p:sp>
+      <p:sp>
+        <p:nvSpPr>
+          <p:cNvPr id="5" name="文本框 4"/>
+          <p:cNvSpPr txBox="1"/>
+          <p:nvPr/>
+        </p:nvSpPr>
+        <p:spPr>
+          <a:xfrm>
+            <a:off x="3663576" y="3068349"/>
+            <a:ext cx="954107" cy="276999"/>
+          </a:xfrm>
+          <a:prstGeom prst="rect">
+            <a:avLst/>
+          </a:prstGeom>
+          <a:noFill/>
+        </p:spPr>
+        <p:txBody>
+          <a:bodyPr wrap="none" rtlCol="0">
+            <a:spAutoFit/>
+          </a:bodyPr>
+          <a:lstStyle/>
+          <a:p>
+            <a:r>
+              <a:rPr kumimoji="1" lang="zh-CN" altLang="en-US" sz="1200" dirty="0" smtClean="0"/>
+              <a:t>程序计数器</a:t>
+            </a:r>
+            <a:endParaRPr kumimoji="1" lang="zh-CN" altLang="en-US" sz="1200" dirty="0"/>
+          </a:p>
+        </p:txBody>
+      </p:sp>
+      <p:sp>
+        <p:nvSpPr>
+          <p:cNvPr id="15" name="文本框 14"/>
+          <p:cNvSpPr txBox="1"/>
+          <p:nvPr/>
+        </p:nvSpPr>
+        <p:spPr>
+          <a:xfrm>
+            <a:off x="3664321" y="3461753"/>
+            <a:ext cx="954107" cy="276999"/>
+          </a:xfrm>
+          <a:prstGeom prst="rect">
+            <a:avLst/>
+          </a:prstGeom>
+          <a:noFill/>
+        </p:spPr>
+        <p:txBody>
+          <a:bodyPr wrap="none" rtlCol="0">
+            <a:spAutoFit/>
+          </a:bodyPr>
+          <a:lstStyle/>
+          <a:p>
+            <a:r>
+              <a:rPr kumimoji="1" lang="zh-CN" altLang="en-US" sz="1200" dirty="0" smtClean="0"/>
+              <a:t>本地方法区</a:t>
+            </a:r>
+            <a:endParaRPr kumimoji="1" lang="zh-CN" altLang="en-US" sz="1200" dirty="0"/>
+          </a:p>
+        </p:txBody>
+      </p:sp>
+      <p:sp>
+        <p:nvSpPr>
+          <p:cNvPr id="7" name="文本框 6"/>
+          <p:cNvSpPr txBox="1"/>
+          <p:nvPr/>
+        </p:nvSpPr>
+        <p:spPr>
+          <a:xfrm>
+            <a:off x="3782047" y="729726"/>
+            <a:ext cx="1388522" cy="276999"/>
+          </a:xfrm>
+          <a:prstGeom prst="rect">
+            <a:avLst/>
+          </a:prstGeom>
+          <a:noFill/>
+        </p:spPr>
+        <p:txBody>
+          <a:bodyPr wrap="none" rtlCol="0">
+            <a:spAutoFit/>
+          </a:bodyPr>
+          <a:lstStyle/>
+          <a:p>
+            <a:r>
+              <a:rPr kumimoji="1" lang="en-US" altLang="zh-CN" sz="1200" dirty="0" smtClean="0"/>
+              <a:t>JVM</a:t>
+            </a:r>
+            <a:r>
+              <a:rPr kumimoji="1" lang="zh-CN" altLang="en-US" sz="1200" dirty="0" smtClean="0"/>
+              <a:t>运行时数据区</a:t>
+            </a:r>
+            <a:endParaRPr kumimoji="1" lang="zh-CN" altLang="en-US" sz="1200" dirty="0"/>
+          </a:p>
+        </p:txBody>
+      </p:sp>
+      <p:sp>
+        <p:nvSpPr>
+          <p:cNvPr id="17" name="文本框 16"/>
+          <p:cNvSpPr txBox="1"/>
+          <p:nvPr/>
+        </p:nvSpPr>
+        <p:spPr>
+          <a:xfrm>
+            <a:off x="6698818" y="868225"/>
+            <a:ext cx="1031051" cy="1277273"/>
+          </a:xfrm>
+          <a:prstGeom prst="rect">
+            <a:avLst/>
+          </a:prstGeom>
+          <a:noFill/>
+        </p:spPr>
+        <p:txBody>
+          <a:bodyPr wrap="none" rtlCol="0">
+            <a:spAutoFit/>
+          </a:bodyPr>
+          <a:lstStyle/>
+          <a:p>
+            <a:r>
+              <a:rPr kumimoji="1" lang="zh-CN" altLang="en-US" sz="1100" dirty="0" smtClean="0"/>
+              <a:t>基本数据区域</a:t>
+            </a:r>
+            <a:endParaRPr kumimoji="1" lang="en-US" altLang="zh-CN" sz="1100" dirty="0" smtClean="0"/>
+          </a:p>
+          <a:p>
+            <a:endParaRPr kumimoji="1" lang="en-US" altLang="zh-CN" sz="1100" dirty="0" smtClean="0"/>
+          </a:p>
+          <a:p>
+            <a:endParaRPr kumimoji="1" lang="en-US" altLang="zh-CN" sz="1100" dirty="0" smtClean="0"/>
+          </a:p>
+          <a:p>
+            <a:r>
+              <a:rPr kumimoji="1" lang="zh-CN" altLang="en-US" sz="1100" dirty="0" smtClean="0"/>
+              <a:t>操作指令区域</a:t>
+            </a:r>
+            <a:endParaRPr kumimoji="1" lang="en-US" altLang="zh-CN" sz="1100" dirty="0" smtClean="0"/>
+          </a:p>
+          <a:p>
+            <a:endParaRPr kumimoji="1" lang="en-US" altLang="zh-CN" sz="1100" dirty="0" smtClean="0"/>
+          </a:p>
+          <a:p>
+            <a:endParaRPr kumimoji="1" lang="en-US" altLang="zh-CN" sz="1100" dirty="0" smtClean="0"/>
+          </a:p>
+          <a:p>
+            <a:r>
+              <a:rPr kumimoji="1" lang="zh-CN" altLang="en-US" sz="1100" dirty="0" smtClean="0"/>
+              <a:t>上下文等</a:t>
+            </a:r>
+            <a:endParaRPr kumimoji="1" lang="zh-CN" altLang="en-US" sz="1100" dirty="0"/>
+          </a:p>
+        </p:txBody>
+      </p:sp>
+      <p:sp>
+        <p:nvSpPr>
+          <p:cNvPr id="9" name="矩形 8"/>
+          <p:cNvSpPr/>
+          <p:nvPr/>
+        </p:nvSpPr>
+        <p:spPr>
+          <a:xfrm>
+            <a:off x="6737531" y="729726"/>
+            <a:ext cx="882502" cy="1609144"/>
+          </a:xfrm>
+          <a:prstGeom prst="rect">
+            <a:avLst/>
+          </a:prstGeom>
+          <a:noFill/>
+        </p:spPr>
+        <p:style>
+          <a:lnRef idx="2">
+            <a:schemeClr val="accent1">
+              <a:shade val="50000"/>
+            </a:schemeClr>
+          </a:lnRef>
+          <a:fillRef idx="1">
+            <a:schemeClr val="accent1"/>
+          </a:fillRef>
+          <a:effectRef idx="0">
+            <a:schemeClr val="accent1"/>
+          </a:effectRef>
+          <a:fontRef idx="minor">
+            <a:schemeClr val="lt1"/>
+          </a:fontRef>
+        </p:style>
+        <p:txBody>
+          <a:bodyPr rtlCol="0" anchor="ctr"/>
+          <a:lstStyle/>
+          <a:p>
+            <a:pPr algn="ctr"/>
+            <a:endParaRPr kumimoji="1" lang="zh-CN" altLang="en-US"/>
+          </a:p>
+        </p:txBody>
+      </p:sp>
+      <p:cxnSp>
+        <p:nvCxnSpPr>
+          <p:cNvPr id="11" name="直线箭头连接符 10"/>
+          <p:cNvCxnSpPr/>
+          <p:nvPr/>
+        </p:nvCxnSpPr>
+        <p:spPr>
+          <a:xfrm flipV="1">
+            <a:off x="5964866" y="1180214"/>
+            <a:ext cx="733952" cy="326647"/>
+          </a:xfrm>
+          <a:prstGeom prst="straightConnector1">
+            <a:avLst/>
+          </a:prstGeom>
+          <a:ln>
+            <a:tailEnd type="triangle"/>
+          </a:ln>
+        </p:spPr>
+        <p:style>
+          <a:lnRef idx="1">
+            <a:schemeClr val="accent1"/>
+          </a:lnRef>
+          <a:fillRef idx="0">
+            <a:schemeClr val="accent1"/>
+          </a:fillRef>
+          <a:effectRef idx="0">
+            <a:schemeClr val="accent1"/>
+          </a:effectRef>
+          <a:fontRef idx="minor">
+            <a:schemeClr val="tx1"/>
+          </a:fontRef>
+        </p:style>
+      </p:cxnSp>
+      <p:sp>
+        <p:nvSpPr>
+          <p:cNvPr id="8" name="矩形 7"/>
+          <p:cNvSpPr/>
+          <p:nvPr/>
+        </p:nvSpPr>
+        <p:spPr>
+          <a:xfrm>
+            <a:off x="3711121" y="1546615"/>
+            <a:ext cx="1467293" cy="1386287"/>
+          </a:xfrm>
+          <a:prstGeom prst="rect">
+            <a:avLst/>
+          </a:prstGeom>
+          <a:noFill/>
+        </p:spPr>
+        <p:style>
+          <a:lnRef idx="2">
+            <a:schemeClr val="accent1">
+              <a:shade val="50000"/>
+            </a:schemeClr>
+          </a:lnRef>
+          <a:fillRef idx="1">
+            <a:schemeClr val="accent1"/>
+          </a:fillRef>
+          <a:effectRef idx="0">
+            <a:schemeClr val="accent1"/>
+          </a:effectRef>
+          <a:fontRef idx="minor">
+            <a:schemeClr val="lt1"/>
+          </a:fontRef>
+        </p:style>
+        <p:txBody>
+          <a:bodyPr rtlCol="0" anchor="ctr"/>
+          <a:lstStyle/>
+          <a:p>
+            <a:pPr algn="ctr"/>
+            <a:endParaRPr kumimoji="1" lang="zh-CN" altLang="en-US"/>
+          </a:p>
+        </p:txBody>
+      </p:sp>
+      <p:sp>
+        <p:nvSpPr>
+          <p:cNvPr id="10" name="矩形 9"/>
+          <p:cNvSpPr/>
+          <p:nvPr/>
+        </p:nvSpPr>
+        <p:spPr>
+          <a:xfrm>
+            <a:off x="3783308" y="1742382"/>
+            <a:ext cx="1317481" cy="745772"/>
+          </a:xfrm>
+          <a:prstGeom prst="rect">
+            <a:avLst/>
+          </a:prstGeom>
+          <a:noFill/>
+        </p:spPr>
+        <p:style>
+          <a:lnRef idx="2">
+            <a:schemeClr val="accent1">
+              <a:shade val="50000"/>
+            </a:schemeClr>
+          </a:lnRef>
+          <a:fillRef idx="1">
+            <a:schemeClr val="accent1"/>
+          </a:fillRef>
+          <a:effectRef idx="0">
+            <a:schemeClr val="accent1"/>
+          </a:effectRef>
+          <a:fontRef idx="minor">
+            <a:schemeClr val="lt1"/>
+          </a:fontRef>
+        </p:style>
+        <p:txBody>
+          <a:bodyPr rtlCol="0" anchor="ctr"/>
+          <a:lstStyle/>
+          <a:p>
+            <a:pPr algn="ctr"/>
+            <a:endParaRPr kumimoji="1" lang="zh-CN" altLang="en-US" sz="1100" dirty="0">
+              <a:solidFill>
+                <a:schemeClr val="tx1"/>
+              </a:solidFill>
+            </a:endParaRPr>
+          </a:p>
+        </p:txBody>
+      </p:sp>
+      <p:sp>
+        <p:nvSpPr>
+          <p:cNvPr id="26" name="矩形 25"/>
+          <p:cNvSpPr/>
+          <p:nvPr/>
+        </p:nvSpPr>
+        <p:spPr>
+          <a:xfrm>
+            <a:off x="3782047" y="2646259"/>
+            <a:ext cx="1318742" cy="210254"/>
+          </a:xfrm>
+          <a:prstGeom prst="rect">
+            <a:avLst/>
+          </a:prstGeom>
+          <a:noFill/>
+        </p:spPr>
+        <p:style>
+          <a:lnRef idx="2">
+            <a:schemeClr val="accent1">
+              <a:shade val="50000"/>
+            </a:schemeClr>
+          </a:lnRef>
+          <a:fillRef idx="1">
+            <a:schemeClr val="accent1"/>
+          </a:fillRef>
+          <a:effectRef idx="0">
+            <a:schemeClr val="accent1"/>
+          </a:effectRef>
+          <a:fontRef idx="minor">
+            <a:schemeClr val="lt1"/>
+          </a:fontRef>
+        </p:style>
+        <p:txBody>
+          <a:bodyPr rtlCol="0" anchor="ctr"/>
+          <a:lstStyle/>
+          <a:p>
+            <a:pPr algn="ctr"/>
+            <a:endParaRPr kumimoji="1" lang="zh-CN" altLang="en-US"/>
+          </a:p>
+        </p:txBody>
+      </p:sp>
+      <p:sp>
+        <p:nvSpPr>
+          <p:cNvPr id="16" name="文本框 15"/>
+          <p:cNvSpPr txBox="1"/>
+          <p:nvPr/>
+        </p:nvSpPr>
+        <p:spPr>
+          <a:xfrm>
+            <a:off x="4140629" y="2626717"/>
+            <a:ext cx="607859" cy="261610"/>
+          </a:xfrm>
+          <a:prstGeom prst="rect">
+            <a:avLst/>
+          </a:prstGeom>
+          <a:noFill/>
+        </p:spPr>
+        <p:txBody>
+          <a:bodyPr wrap="none" rtlCol="0">
+            <a:spAutoFit/>
+          </a:bodyPr>
+          <a:lstStyle/>
+          <a:p>
+            <a:r>
+              <a:rPr kumimoji="1" lang="zh-CN" altLang="en-US" sz="1100" smtClean="0"/>
+              <a:t>老年代</a:t>
+            </a:r>
+            <a:endParaRPr kumimoji="1" lang="zh-CN" altLang="en-US" sz="1100" dirty="0"/>
+          </a:p>
+        </p:txBody>
+      </p:sp>
+      <p:sp>
+        <p:nvSpPr>
+          <p:cNvPr id="18" name="文本框 17"/>
+          <p:cNvSpPr txBox="1"/>
+          <p:nvPr/>
+        </p:nvSpPr>
+        <p:spPr>
+          <a:xfrm>
+            <a:off x="4533536" y="1310179"/>
+            <a:ext cx="417102" cy="307777"/>
+          </a:xfrm>
+          <a:prstGeom prst="rect">
+            <a:avLst/>
+          </a:prstGeom>
+          <a:noFill/>
+        </p:spPr>
+        <p:txBody>
+          <a:bodyPr wrap="none" rtlCol="0">
+            <a:spAutoFit/>
+          </a:bodyPr>
+          <a:lstStyle/>
+          <a:p>
+            <a:r>
+              <a:rPr kumimoji="1" lang="en-US" altLang="zh-CN" sz="1400" dirty="0" smtClean="0"/>
+              <a:t>GC</a:t>
+            </a:r>
+            <a:endParaRPr kumimoji="1" lang="zh-CN" altLang="en-US" sz="1400" dirty="0"/>
+          </a:p>
+        </p:txBody>
+      </p:sp>
+      <p:sp>
+        <p:nvSpPr>
+          <p:cNvPr id="19" name="文本框 18"/>
+          <p:cNvSpPr txBox="1"/>
+          <p:nvPr/>
+        </p:nvSpPr>
+        <p:spPr>
+          <a:xfrm>
+            <a:off x="2523971" y="1556249"/>
+            <a:ext cx="353943" cy="515526"/>
+          </a:xfrm>
+          <a:prstGeom prst="rect">
+            <a:avLst/>
+          </a:prstGeom>
+          <a:noFill/>
+        </p:spPr>
+        <p:txBody>
+          <a:bodyPr vert="eaVert" wrap="none" rtlCol="0">
+            <a:spAutoFit/>
+          </a:bodyPr>
+          <a:lstStyle/>
+          <a:p>
+            <a:r>
+              <a:rPr kumimoji="1" lang="zh-CN" altLang="en-US" sz="1100" dirty="0" smtClean="0"/>
+              <a:t>永</a:t>
+            </a:r>
+            <a:r>
+              <a:rPr kumimoji="1" lang="zh-CN" altLang="en-US" sz="1100" dirty="0" smtClean="0"/>
+              <a:t>久</a:t>
+            </a:r>
+            <a:r>
+              <a:rPr kumimoji="1" lang="zh-CN" altLang="en-US" sz="1100" dirty="0" smtClean="0"/>
+              <a:t>代</a:t>
+            </a:r>
+            <a:endParaRPr kumimoji="1" lang="zh-CN" altLang="en-US" sz="1100" dirty="0"/>
+          </a:p>
+        </p:txBody>
+      </p:sp>
+      <p:sp>
+        <p:nvSpPr>
+          <p:cNvPr id="20" name="矩形 19"/>
+          <p:cNvSpPr/>
+          <p:nvPr/>
+        </p:nvSpPr>
+        <p:spPr>
+          <a:xfrm>
+            <a:off x="2508582" y="1506861"/>
+            <a:ext cx="421136" cy="721488"/>
+          </a:xfrm>
+          <a:prstGeom prst="rect">
+            <a:avLst/>
+          </a:prstGeom>
+          <a:noFill/>
+        </p:spPr>
+        <p:style>
+          <a:lnRef idx="2">
+            <a:schemeClr val="accent1">
+              <a:shade val="50000"/>
+            </a:schemeClr>
+          </a:lnRef>
+          <a:fillRef idx="1">
+            <a:schemeClr val="accent1"/>
+          </a:fillRef>
+          <a:effectRef idx="0">
+            <a:schemeClr val="accent1"/>
+          </a:effectRef>
+          <a:fontRef idx="minor">
+            <a:schemeClr val="lt1"/>
+          </a:fontRef>
+        </p:style>
+        <p:txBody>
+          <a:bodyPr rtlCol="0" anchor="ctr"/>
+          <a:lstStyle/>
+          <a:p>
+            <a:pPr algn="ctr"/>
+            <a:endParaRPr kumimoji="1" lang="zh-CN" altLang="en-US"/>
+          </a:p>
+        </p:txBody>
+      </p:sp>
+      <p:sp>
+        <p:nvSpPr>
+          <p:cNvPr id="29" name="文本框 28"/>
+          <p:cNvSpPr txBox="1"/>
+          <p:nvPr/>
+        </p:nvSpPr>
+        <p:spPr>
+          <a:xfrm>
+            <a:off x="2349795" y="1343536"/>
+            <a:ext cx="417102" cy="307777"/>
+          </a:xfrm>
+          <a:prstGeom prst="rect">
+            <a:avLst/>
+          </a:prstGeom>
+          <a:noFill/>
+        </p:spPr>
+        <p:txBody>
+          <a:bodyPr wrap="none" rtlCol="0">
+            <a:spAutoFit/>
+          </a:bodyPr>
+          <a:lstStyle/>
+          <a:p>
+            <a:r>
+              <a:rPr kumimoji="1" lang="en-US" altLang="zh-CN" sz="1400" dirty="0" smtClean="0"/>
+              <a:t>GC</a:t>
+            </a:r>
+            <a:endParaRPr kumimoji="1" lang="zh-CN" altLang="en-US" sz="1400" dirty="0"/>
+          </a:p>
+        </p:txBody>
+      </p:sp>
+      <p:cxnSp>
+        <p:nvCxnSpPr>
+          <p:cNvPr id="30" name="直线连接符 29"/>
+          <p:cNvCxnSpPr>
+            <a:stCxn id="10" idx="0"/>
+            <a:endCxn id="10" idx="2"/>
+          </p:cNvCxnSpPr>
+          <p:nvPr/>
+        </p:nvCxnSpPr>
+        <p:spPr>
+          <a:xfrm>
+            <a:off x="4442049" y="1742382"/>
+            <a:ext cx="0" cy="745772"/>
+          </a:xfrm>
+          <a:prstGeom prst="line">
+            <a:avLst/>
+          </a:prstGeom>
+        </p:spPr>
+        <p:style>
+          <a:lnRef idx="1">
+            <a:schemeClr val="accent1"/>
+          </a:lnRef>
+          <a:fillRef idx="0">
+            <a:schemeClr val="accent1"/>
+          </a:fillRef>
+          <a:effectRef idx="0">
+            <a:schemeClr val="accent1"/>
+          </a:effectRef>
+          <a:fontRef idx="minor">
+            <a:schemeClr val="tx1"/>
+          </a:fontRef>
+        </p:style>
+      </p:cxnSp>
+      <p:sp>
+        <p:nvSpPr>
+          <p:cNvPr id="31" name="文本框 30"/>
+          <p:cNvSpPr txBox="1"/>
+          <p:nvPr/>
+        </p:nvSpPr>
+        <p:spPr>
+          <a:xfrm>
+            <a:off x="4130709" y="1619763"/>
+            <a:ext cx="588623" cy="253916"/>
+          </a:xfrm>
+          <a:prstGeom prst="rect">
+            <a:avLst/>
+          </a:prstGeom>
+          <a:noFill/>
+        </p:spPr>
+        <p:txBody>
+          <a:bodyPr wrap="none" rtlCol="0">
+            <a:spAutoFit/>
+          </a:bodyPr>
+          <a:lstStyle/>
+          <a:p>
+            <a:r>
               <a:rPr kumimoji="1" lang="zh-CN" altLang="en-US" sz="1050" dirty="0" smtClean="0"/>
-              <a:t>消费者通过监听器实时消费 </a:t>
-            </a:r>
-            <a:r>
-              <a:rPr kumimoji="1" lang="en-US" altLang="zh-CN" sz="1050" dirty="0" smtClean="0"/>
-              <a:t>---&gt;</a:t>
-            </a:r>
-            <a:r>
-              <a:rPr kumimoji="1" lang="zh-CN" altLang="en-US" sz="1050" dirty="0" smtClean="0"/>
-              <a:t> 实现</a:t>
-            </a:r>
-            <a:r>
-              <a:rPr kumimoji="1" lang="en-US" altLang="zh-CN" sz="1050" dirty="0" err="1" smtClean="0"/>
-              <a:t>MessageListener</a:t>
-            </a:r>
-            <a:r>
-              <a:rPr kumimoji="1" lang="zh-CN" altLang="en-US" sz="1050" smtClean="0"/>
-              <a:t>接口</a:t>
-            </a:r>
-            <a:endParaRPr kumimoji="1" lang="zh-CN" altLang="en-US" sz="1050" dirty="0"/>
+              <a:t>新生代</a:t>
+            </a:r>
+            <a:endParaRPr kumimoji="1" lang="zh-CN" altLang="en-US" sz="1000" dirty="0"/>
+          </a:p>
+        </p:txBody>
+      </p:sp>
+      <p:sp>
+        <p:nvSpPr>
+          <p:cNvPr id="32" name="文本框 31"/>
+          <p:cNvSpPr txBox="1"/>
+          <p:nvPr/>
+        </p:nvSpPr>
+        <p:spPr>
+          <a:xfrm>
+            <a:off x="3891516" y="2052084"/>
+            <a:ext cx="513282" cy="276999"/>
+          </a:xfrm>
+          <a:prstGeom prst="rect">
+            <a:avLst/>
+          </a:prstGeom>
+          <a:noFill/>
+        </p:spPr>
+        <p:txBody>
+          <a:bodyPr wrap="none" rtlCol="0">
+            <a:spAutoFit/>
+          </a:bodyPr>
+          <a:lstStyle/>
+          <a:p>
+            <a:r>
+              <a:rPr kumimoji="1" lang="en-US" altLang="zh-CN" sz="1200" dirty="0" smtClean="0"/>
+              <a:t>Eden</a:t>
+            </a:r>
+            <a:endParaRPr kumimoji="1" lang="zh-CN" altLang="en-US" sz="1200" dirty="0"/>
+          </a:p>
+        </p:txBody>
+      </p:sp>
+      <p:sp>
+        <p:nvSpPr>
+          <p:cNvPr id="33" name="文本框 32"/>
+          <p:cNvSpPr txBox="1"/>
+          <p:nvPr/>
+        </p:nvSpPr>
+        <p:spPr>
+          <a:xfrm>
+            <a:off x="4425020" y="1951350"/>
+            <a:ext cx="720069" cy="276999"/>
+          </a:xfrm>
+          <a:prstGeom prst="rect">
+            <a:avLst/>
+          </a:prstGeom>
+          <a:noFill/>
+        </p:spPr>
+        <p:txBody>
+          <a:bodyPr wrap="none" rtlCol="0">
+            <a:spAutoFit/>
+          </a:bodyPr>
+          <a:lstStyle/>
+          <a:p>
+            <a:r>
+              <a:rPr kumimoji="1" lang="en-US" altLang="zh-CN" sz="1200" dirty="0" smtClean="0"/>
+              <a:t>Survivor</a:t>
+            </a:r>
+            <a:endParaRPr kumimoji="1" lang="zh-CN" altLang="en-US" sz="1200" dirty="0"/>
+          </a:p>
+        </p:txBody>
+      </p:sp>
+      <p:sp>
+        <p:nvSpPr>
+          <p:cNvPr id="13" name="文本框 12"/>
+          <p:cNvSpPr txBox="1"/>
+          <p:nvPr/>
+        </p:nvSpPr>
+        <p:spPr>
+          <a:xfrm>
+            <a:off x="613422" y="4910091"/>
+            <a:ext cx="3236784" cy="769441"/>
+          </a:xfrm>
+          <a:prstGeom prst="rect">
+            <a:avLst/>
+          </a:prstGeom>
+          <a:noFill/>
+        </p:spPr>
+        <p:txBody>
+          <a:bodyPr wrap="none" rtlCol="0">
+            <a:spAutoFit/>
+          </a:bodyPr>
+          <a:lstStyle/>
+          <a:p>
+            <a:pPr marL="228600" indent="-228600">
+              <a:buAutoNum type="arabicPeriod"/>
+            </a:pPr>
+            <a:r>
+              <a:rPr kumimoji="1" lang="zh-CN" altLang="en-US" sz="1100" dirty="0" smtClean="0"/>
+              <a:t>方法区放置类相关的信息</a:t>
+            </a:r>
+            <a:endParaRPr kumimoji="1" lang="en-US" altLang="zh-CN" sz="1100" dirty="0" smtClean="0"/>
+          </a:p>
+          <a:p>
+            <a:pPr marL="228600" indent="-228600">
+              <a:buAutoNum type="arabicPeriod"/>
+            </a:pPr>
+            <a:r>
+              <a:rPr kumimoji="1" lang="zh-CN" altLang="en-US" sz="1100" dirty="0" smtClean="0"/>
+              <a:t>堆中放一些实例对象</a:t>
+            </a:r>
+            <a:endParaRPr kumimoji="1" lang="en-US" altLang="zh-CN" sz="1100" dirty="0" smtClean="0"/>
+          </a:p>
+          <a:p>
+            <a:pPr marL="228600" indent="-228600">
+              <a:buAutoNum type="arabicPeriod"/>
+            </a:pPr>
+            <a:r>
+              <a:rPr kumimoji="1" lang="zh-CN" altLang="en-US" sz="1100" dirty="0" smtClean="0"/>
+              <a:t>程序</a:t>
+            </a:r>
+            <a:r>
+              <a:rPr kumimoji="1" lang="zh-CN" altLang="en-US" sz="1100" dirty="0" smtClean="0"/>
+              <a:t>计数器指向</a:t>
+            </a:r>
+            <a:r>
+              <a:rPr kumimoji="1" lang="zh-CN" altLang="en-US" sz="1100" dirty="0" smtClean="0"/>
+              <a:t>要执行的下一条指令</a:t>
+            </a:r>
+            <a:endParaRPr kumimoji="1" lang="en-US" altLang="zh-CN" sz="1100" dirty="0" smtClean="0"/>
+          </a:p>
+          <a:p>
+            <a:pPr marL="228600" indent="-228600">
+              <a:buAutoNum type="arabicPeriod"/>
+            </a:pPr>
+            <a:r>
+              <a:rPr kumimoji="1" lang="zh-CN" altLang="en-US" sz="1100" dirty="0" smtClean="0"/>
+              <a:t>方法区和本地方法区用于描述方法的内存模型</a:t>
+            </a:r>
+            <a:endParaRPr kumimoji="1" lang="zh-CN" altLang="en-US" sz="1100" dirty="0"/>
+          </a:p>
+        </p:txBody>
+      </p:sp>
+      <p:sp>
+        <p:nvSpPr>
+          <p:cNvPr id="27" name="椭圆 26"/>
+          <p:cNvSpPr/>
+          <p:nvPr/>
+        </p:nvSpPr>
+        <p:spPr>
+          <a:xfrm>
+            <a:off x="3041438" y="2209555"/>
+            <a:ext cx="386584" cy="981988"/>
+          </a:xfrm>
+          <a:prstGeom prst="ellipse">
+            <a:avLst/>
+          </a:prstGeom>
+          <a:noFill/>
+        </p:spPr>
+        <p:style>
+          <a:lnRef idx="2">
+            <a:schemeClr val="accent1">
+              <a:shade val="50000"/>
+            </a:schemeClr>
+          </a:lnRef>
+          <a:fillRef idx="1">
+            <a:schemeClr val="accent1"/>
+          </a:fillRef>
+          <a:effectRef idx="0">
+            <a:schemeClr val="accent1"/>
+          </a:effectRef>
+          <a:fontRef idx="minor">
+            <a:schemeClr val="lt1"/>
+          </a:fontRef>
+        </p:style>
+        <p:txBody>
+          <a:bodyPr rtlCol="0" anchor="ctr"/>
+          <a:lstStyle/>
+          <a:p>
+            <a:pPr algn="ctr"/>
+            <a:r>
+              <a:rPr kumimoji="1" lang="zh-CN" altLang="en-US" sz="1100" dirty="0" smtClean="0">
+                <a:solidFill>
+                  <a:schemeClr val="tx1"/>
+                </a:solidFill>
+              </a:rPr>
+              <a:t>常量池</a:t>
+            </a:r>
+            <a:endParaRPr kumimoji="1" lang="zh-CN" altLang="en-US" sz="1100" dirty="0">
+              <a:solidFill>
+                <a:schemeClr val="tx1"/>
+              </a:solidFill>
+            </a:endParaRPr>
+          </a:p>
+        </p:txBody>
+      </p:sp>
+      <p:cxnSp>
+        <p:nvCxnSpPr>
+          <p:cNvPr id="34" name="直接箭头连接符 33"/>
+          <p:cNvCxnSpPr>
+            <a:stCxn id="3" idx="3"/>
+            <a:endCxn id="27" idx="2"/>
+          </p:cNvCxnSpPr>
+          <p:nvPr/>
+        </p:nvCxnSpPr>
+        <p:spPr>
+          <a:xfrm>
+            <a:off x="2319099" y="2700549"/>
+            <a:ext cx="722339" cy="0"/>
+          </a:xfrm>
+          <a:prstGeom prst="straightConnector1">
+            <a:avLst/>
+          </a:prstGeom>
+          <a:ln>
+            <a:tailEnd type="triangle"/>
+          </a:ln>
+        </p:spPr>
+        <p:style>
+          <a:lnRef idx="1">
+            <a:schemeClr val="accent1"/>
+          </a:lnRef>
+          <a:fillRef idx="0">
+            <a:schemeClr val="accent1"/>
+          </a:fillRef>
+          <a:effectRef idx="0">
+            <a:schemeClr val="accent1"/>
+          </a:effectRef>
+          <a:fontRef idx="minor">
+            <a:schemeClr val="tx1"/>
+          </a:fontRef>
+        </p:style>
+      </p:cxnSp>
+      <p:sp>
+        <p:nvSpPr>
+          <p:cNvPr id="35" name="矩形 34"/>
+          <p:cNvSpPr/>
+          <p:nvPr/>
+        </p:nvSpPr>
+        <p:spPr>
+          <a:xfrm>
+            <a:off x="9032619" y="232227"/>
+            <a:ext cx="1470824" cy="1077952"/>
+          </a:xfrm>
+          <a:prstGeom prst="rect">
+            <a:avLst/>
+          </a:prstGeom>
+          <a:noFill/>
+        </p:spPr>
+        <p:style>
+          <a:lnRef idx="2">
+            <a:schemeClr val="accent1">
+              <a:shade val="50000"/>
+            </a:schemeClr>
+          </a:lnRef>
+          <a:fillRef idx="1">
+            <a:schemeClr val="accent1"/>
+          </a:fillRef>
+          <a:effectRef idx="0">
+            <a:schemeClr val="accent1"/>
+          </a:effectRef>
+          <a:fontRef idx="minor">
+            <a:schemeClr val="lt1"/>
+          </a:fontRef>
+        </p:style>
+        <p:txBody>
+          <a:bodyPr rtlCol="0" anchor="ctr"/>
+          <a:lstStyle/>
+          <a:p>
+            <a:r>
+              <a:rPr kumimoji="1" lang="en-US" altLang="zh-CN" sz="1200" dirty="0" smtClean="0">
+                <a:solidFill>
+                  <a:schemeClr val="tx1"/>
+                </a:solidFill>
+              </a:rPr>
+              <a:t>GC</a:t>
+            </a:r>
+            <a:r>
+              <a:rPr kumimoji="1" lang="zh-CN" altLang="en-US" sz="1200" dirty="0" smtClean="0">
+                <a:solidFill>
+                  <a:schemeClr val="tx1"/>
+                </a:solidFill>
+              </a:rPr>
+              <a:t>种类：</a:t>
+            </a:r>
+            <a:endParaRPr kumimoji="1" lang="en-US" altLang="zh-CN" sz="1200" dirty="0" smtClean="0">
+              <a:solidFill>
+                <a:schemeClr val="tx1"/>
+              </a:solidFill>
+            </a:endParaRPr>
+          </a:p>
+          <a:p>
+            <a:r>
+              <a:rPr kumimoji="1" lang="en-US" altLang="zh-CN" sz="1200" dirty="0" smtClean="0">
+                <a:solidFill>
+                  <a:schemeClr val="tx1"/>
+                </a:solidFill>
+              </a:rPr>
+              <a:t>1.serial</a:t>
+            </a:r>
+            <a:r>
+              <a:rPr kumimoji="1" lang="zh-CN" altLang="en-US" sz="1200" dirty="0" smtClean="0">
+                <a:solidFill>
+                  <a:schemeClr val="tx1"/>
+                </a:solidFill>
+              </a:rPr>
+              <a:t>收集器</a:t>
+            </a:r>
+            <a:endParaRPr kumimoji="1" lang="en-US" altLang="zh-CN" sz="1200" dirty="0" smtClean="0">
+              <a:solidFill>
+                <a:schemeClr val="tx1"/>
+              </a:solidFill>
+            </a:endParaRPr>
+          </a:p>
+          <a:p>
+            <a:r>
+              <a:rPr kumimoji="1" lang="en-US" altLang="zh-CN" sz="1200" dirty="0" smtClean="0">
+                <a:solidFill>
+                  <a:schemeClr val="tx1"/>
+                </a:solidFill>
+              </a:rPr>
+              <a:t>2.parallel</a:t>
+            </a:r>
+            <a:r>
+              <a:rPr kumimoji="1" lang="zh-CN" altLang="en-US" sz="1200" dirty="0" smtClean="0">
+                <a:solidFill>
+                  <a:schemeClr val="tx1"/>
+                </a:solidFill>
+              </a:rPr>
+              <a:t>收集器</a:t>
+            </a:r>
+            <a:endParaRPr kumimoji="1" lang="en-US" altLang="zh-CN" sz="1200" dirty="0" smtClean="0">
+              <a:solidFill>
+                <a:schemeClr val="tx1"/>
+              </a:solidFill>
+            </a:endParaRPr>
+          </a:p>
+          <a:p>
+            <a:r>
+              <a:rPr kumimoji="1" lang="en-US" altLang="zh-CN" sz="1200" dirty="0" smtClean="0">
+                <a:solidFill>
+                  <a:schemeClr val="tx1"/>
+                </a:solidFill>
+              </a:rPr>
+              <a:t>3.</a:t>
+            </a:r>
+            <a:r>
+              <a:rPr kumimoji="1" lang="zh-CN" altLang="en-US" sz="1200" dirty="0" smtClean="0">
+                <a:solidFill>
+                  <a:schemeClr val="tx1"/>
+                </a:solidFill>
+              </a:rPr>
+              <a:t> </a:t>
+            </a:r>
+            <a:r>
+              <a:rPr kumimoji="1" lang="en-US" altLang="zh-CN" sz="1200" dirty="0" smtClean="0">
+                <a:solidFill>
+                  <a:schemeClr val="tx1"/>
+                </a:solidFill>
+              </a:rPr>
+              <a:t>G1</a:t>
+            </a:r>
+            <a:r>
+              <a:rPr kumimoji="1" lang="zh-CN" altLang="en-US" sz="1200" dirty="0" smtClean="0">
+                <a:solidFill>
+                  <a:schemeClr val="tx1"/>
+                </a:solidFill>
+              </a:rPr>
+              <a:t>收集器</a:t>
+            </a:r>
+            <a:endParaRPr kumimoji="1" lang="en-US" altLang="zh-CN" sz="1200" dirty="0" smtClean="0">
+              <a:solidFill>
+                <a:schemeClr val="tx1"/>
+              </a:solidFill>
+            </a:endParaRPr>
+          </a:p>
+          <a:p>
+            <a:r>
+              <a:rPr kumimoji="1" lang="en-US" altLang="zh-CN" sz="1200" dirty="0" smtClean="0">
+                <a:solidFill>
+                  <a:schemeClr val="tx1"/>
+                </a:solidFill>
+              </a:rPr>
+              <a:t>4.CMS</a:t>
+            </a:r>
+            <a:r>
+              <a:rPr kumimoji="1" lang="zh-CN" altLang="en-US" sz="1200" dirty="0" smtClean="0">
+                <a:solidFill>
+                  <a:schemeClr val="tx1"/>
+                </a:solidFill>
+              </a:rPr>
+              <a:t>收集器</a:t>
+            </a:r>
+            <a:endParaRPr kumimoji="1" lang="zh-CN" altLang="en-US" sz="1200" dirty="0">
+              <a:solidFill>
+                <a:schemeClr val="tx1"/>
+              </a:solidFill>
+            </a:endParaRPr>
           </a:p>
         </p:txBody>
       </p:sp>
     </p:spTree>
     <p:extLst>
       <p:ext uri="{BB962C8B-B14F-4D97-AF65-F5344CB8AC3E}">
-        <p14:creationId xmlns:p14="http://schemas.microsoft.com/office/powerpoint/2010/main" val="249556761"/>
+        <p14:creationId xmlns:p14="http://schemas.microsoft.com/office/powerpoint/2010/main" val="238012037"/>
       </p:ext>
     </p:extLst>
   </p:cSld>
   <p:clrMapOvr>
     <a:masterClrMapping/>
   </p:clrMapOvr>
+  <p:timing>
+    <p:tnLst>
+      <p:par>
+        <p:cTn id="1" dur="indefinite" restart="never" nodeType="tmRoot"/>
+      </p:par>
+    </p:tnLst>
+  </p:timing>
 </p:sld>
 </file>
 
@@ -5363,145 +5771,258 @@
       </p:grpSpPr>
       <p:sp>
         <p:nvSpPr>
-          <p:cNvPr id="4" name="文本框 3"/>
-          <p:cNvSpPr txBox="1"/>
-          <p:nvPr/>
-        </p:nvSpPr>
-        <p:spPr>
-          <a:xfrm>
-            <a:off x="4699591" y="1052624"/>
-            <a:ext cx="748923" cy="261610"/>
+          <p:cNvPr id="4" name="矩形 3"/>
+          <p:cNvSpPr/>
+          <p:nvPr/>
+        </p:nvSpPr>
+        <p:spPr>
+          <a:xfrm>
+            <a:off x="7475034" y="1737732"/>
+            <a:ext cx="1382752" cy="412595"/>
           </a:xfrm>
           <a:prstGeom prst="rect">
             <a:avLst/>
           </a:prstGeom>
           <a:noFill/>
         </p:spPr>
-        <p:txBody>
-          <a:bodyPr wrap="none" rtlCol="0">
-            <a:spAutoFit/>
-          </a:bodyPr>
-          <a:lstStyle/>
-          <a:p>
-            <a:r>
-              <a:rPr kumimoji="1" lang="zh-CN" altLang="en-US" sz="1100" dirty="0" smtClean="0"/>
-              <a:t>应用程序</a:t>
-            </a:r>
-            <a:endParaRPr kumimoji="1" lang="zh-CN" altLang="en-US" sz="1100" dirty="0"/>
-          </a:p>
-        </p:txBody>
-      </p:sp>
-      <p:sp>
-        <p:nvSpPr>
-          <p:cNvPr id="5" name="文本框 4"/>
-          <p:cNvSpPr txBox="1"/>
-          <p:nvPr/>
-        </p:nvSpPr>
-        <p:spPr>
-          <a:xfrm>
-            <a:off x="4822449" y="1488558"/>
-            <a:ext cx="497252" cy="261610"/>
+        <p:style>
+          <a:lnRef idx="2">
+            <a:schemeClr val="accent1">
+              <a:shade val="50000"/>
+            </a:schemeClr>
+          </a:lnRef>
+          <a:fillRef idx="1">
+            <a:schemeClr val="accent1"/>
+          </a:fillRef>
+          <a:effectRef idx="0">
+            <a:schemeClr val="accent1"/>
+          </a:effectRef>
+          <a:fontRef idx="minor">
+            <a:schemeClr val="lt1"/>
+          </a:fontRef>
+        </p:style>
+        <p:txBody>
+          <a:bodyPr rtlCol="0" anchor="ctr"/>
+          <a:lstStyle/>
+          <a:p>
+            <a:pPr algn="ctr"/>
+            <a:r>
+              <a:rPr kumimoji="1" lang="en-US" altLang="zh-CN" sz="1200" dirty="0" smtClean="0">
+                <a:solidFill>
+                  <a:schemeClr val="tx1"/>
+                </a:solidFill>
+              </a:rPr>
+              <a:t>GC</a:t>
+            </a:r>
+            <a:r>
+              <a:rPr kumimoji="1" lang="zh-CN" altLang="en-US" sz="1200" dirty="0" smtClean="0">
+                <a:solidFill>
+                  <a:schemeClr val="tx1"/>
+                </a:solidFill>
+              </a:rPr>
+              <a:t>判断策略</a:t>
+            </a:r>
+            <a:endParaRPr kumimoji="1" lang="zh-CN" altLang="en-US" sz="1200" dirty="0">
+              <a:solidFill>
+                <a:schemeClr val="tx1"/>
+              </a:solidFill>
+            </a:endParaRPr>
+          </a:p>
+        </p:txBody>
+      </p:sp>
+      <p:sp>
+        <p:nvSpPr>
+          <p:cNvPr id="5" name="矩形 4"/>
+          <p:cNvSpPr/>
+          <p:nvPr/>
+        </p:nvSpPr>
+        <p:spPr>
+          <a:xfrm>
+            <a:off x="2382644" y="1737732"/>
+            <a:ext cx="1382752" cy="412595"/>
           </a:xfrm>
           <a:prstGeom prst="rect">
             <a:avLst/>
           </a:prstGeom>
           <a:noFill/>
         </p:spPr>
-        <p:txBody>
-          <a:bodyPr wrap="none" rtlCol="0">
-            <a:spAutoFit/>
-          </a:bodyPr>
-          <a:lstStyle/>
-          <a:p>
-            <a:r>
-              <a:rPr kumimoji="1" lang="en-US" altLang="zh-CN" sz="1100" smtClean="0"/>
-              <a:t>JDBC</a:t>
-            </a:r>
-            <a:endParaRPr kumimoji="1" lang="zh-CN" altLang="en-US" sz="1100" dirty="0"/>
-          </a:p>
-        </p:txBody>
-      </p:sp>
-      <p:sp>
-        <p:nvSpPr>
-          <p:cNvPr id="6" name="文本框 5"/>
-          <p:cNvSpPr txBox="1"/>
-          <p:nvPr/>
-        </p:nvSpPr>
-        <p:spPr>
-          <a:xfrm>
-            <a:off x="5319701" y="1924493"/>
-            <a:ext cx="861133" cy="261610"/>
+        <p:style>
+          <a:lnRef idx="2">
+            <a:schemeClr val="accent1">
+              <a:shade val="50000"/>
+            </a:schemeClr>
+          </a:lnRef>
+          <a:fillRef idx="1">
+            <a:schemeClr val="accent1"/>
+          </a:fillRef>
+          <a:effectRef idx="0">
+            <a:schemeClr val="accent1"/>
+          </a:effectRef>
+          <a:fontRef idx="minor">
+            <a:schemeClr val="lt1"/>
+          </a:fontRef>
+        </p:style>
+        <p:txBody>
+          <a:bodyPr rtlCol="0" anchor="ctr"/>
+          <a:lstStyle/>
+          <a:p>
+            <a:pPr algn="ctr"/>
+            <a:r>
+              <a:rPr kumimoji="1" lang="en-US" altLang="zh-CN" sz="1200" dirty="0" smtClean="0">
+                <a:solidFill>
+                  <a:schemeClr val="tx1"/>
+                </a:solidFill>
+              </a:rPr>
+              <a:t>GC</a:t>
+            </a:r>
+            <a:r>
+              <a:rPr kumimoji="1" lang="zh-CN" altLang="en-US" sz="1200" dirty="0" smtClean="0">
+                <a:solidFill>
+                  <a:schemeClr val="tx1"/>
+                </a:solidFill>
+              </a:rPr>
+              <a:t>收集器</a:t>
+            </a:r>
+            <a:endParaRPr kumimoji="1" lang="zh-CN" altLang="en-US" sz="1200" dirty="0">
+              <a:solidFill>
+                <a:schemeClr val="tx1"/>
+              </a:solidFill>
+            </a:endParaRPr>
+          </a:p>
+        </p:txBody>
+      </p:sp>
+      <p:sp>
+        <p:nvSpPr>
+          <p:cNvPr id="6" name="矩形 5"/>
+          <p:cNvSpPr/>
+          <p:nvPr/>
+        </p:nvSpPr>
+        <p:spPr>
+          <a:xfrm>
+            <a:off x="4928839" y="527825"/>
+            <a:ext cx="1382752" cy="412595"/>
           </a:xfrm>
           <a:prstGeom prst="rect">
             <a:avLst/>
           </a:prstGeom>
           <a:noFill/>
         </p:spPr>
-        <p:txBody>
-          <a:bodyPr wrap="none" rtlCol="0">
-            <a:spAutoFit/>
-          </a:bodyPr>
-          <a:lstStyle/>
-          <a:p>
-            <a:r>
-              <a:rPr kumimoji="1" lang="en-US" altLang="zh-CN" sz="1100" dirty="0" smtClean="0"/>
-              <a:t>Oracle</a:t>
-            </a:r>
-            <a:r>
-              <a:rPr kumimoji="1" lang="zh-CN" altLang="en-US" sz="1100" dirty="0" smtClean="0"/>
-              <a:t>驱动</a:t>
-            </a:r>
-            <a:endParaRPr kumimoji="1" lang="zh-CN" altLang="en-US" sz="1100" dirty="0"/>
-          </a:p>
-        </p:txBody>
-      </p:sp>
-      <p:sp>
-        <p:nvSpPr>
-          <p:cNvPr id="7" name="文本框 6"/>
-          <p:cNvSpPr txBox="1"/>
-          <p:nvPr/>
-        </p:nvSpPr>
-        <p:spPr>
-          <a:xfrm>
-            <a:off x="4055645" y="1924493"/>
-            <a:ext cx="825867" cy="261610"/>
+        <p:style>
+          <a:lnRef idx="2">
+            <a:schemeClr val="accent1">
+              <a:shade val="50000"/>
+            </a:schemeClr>
+          </a:lnRef>
+          <a:fillRef idx="1">
+            <a:schemeClr val="accent1"/>
+          </a:fillRef>
+          <a:effectRef idx="0">
+            <a:schemeClr val="accent1"/>
+          </a:effectRef>
+          <a:fontRef idx="minor">
+            <a:schemeClr val="lt1"/>
+          </a:fontRef>
+        </p:style>
+        <p:txBody>
+          <a:bodyPr rtlCol="0" anchor="ctr"/>
+          <a:lstStyle/>
+          <a:p>
+            <a:pPr algn="ctr"/>
+            <a:r>
+              <a:rPr kumimoji="1" lang="en-US" altLang="zh-CN" sz="1400" dirty="0" smtClean="0">
+                <a:solidFill>
+                  <a:schemeClr val="tx1"/>
+                </a:solidFill>
+              </a:rPr>
+              <a:t>GC</a:t>
+            </a:r>
+            <a:r>
+              <a:rPr kumimoji="1" lang="zh-CN" altLang="en-US" sz="1400" dirty="0" smtClean="0">
+                <a:solidFill>
+                  <a:schemeClr val="tx1"/>
+                </a:solidFill>
+              </a:rPr>
+              <a:t>系统</a:t>
+            </a:r>
+            <a:endParaRPr kumimoji="1" lang="zh-CN" altLang="en-US" sz="1400" dirty="0">
+              <a:solidFill>
+                <a:schemeClr val="tx1"/>
+              </a:solidFill>
+            </a:endParaRPr>
+          </a:p>
+        </p:txBody>
+      </p:sp>
+      <p:sp>
+        <p:nvSpPr>
+          <p:cNvPr id="7" name="矩形 6"/>
+          <p:cNvSpPr/>
+          <p:nvPr/>
+        </p:nvSpPr>
+        <p:spPr>
+          <a:xfrm>
+            <a:off x="4928839" y="1747024"/>
+            <a:ext cx="1382752" cy="412595"/>
           </a:xfrm>
           <a:prstGeom prst="rect">
             <a:avLst/>
           </a:prstGeom>
           <a:noFill/>
         </p:spPr>
-        <p:txBody>
-          <a:bodyPr wrap="none" rtlCol="0">
-            <a:spAutoFit/>
-          </a:bodyPr>
-          <a:lstStyle/>
-          <a:p>
-            <a:r>
-              <a:rPr kumimoji="1" lang="en-US" altLang="zh-CN" sz="1100" dirty="0" err="1" smtClean="0"/>
-              <a:t>Mysql</a:t>
-            </a:r>
-            <a:r>
-              <a:rPr kumimoji="1" lang="zh-CN" altLang="en-US" sz="1100" dirty="0" smtClean="0"/>
-              <a:t>驱动</a:t>
-            </a:r>
-            <a:endParaRPr kumimoji="1" lang="zh-CN" altLang="en-US" sz="1100" dirty="0"/>
+        <p:style>
+          <a:lnRef idx="2">
+            <a:schemeClr val="accent1">
+              <a:shade val="50000"/>
+            </a:schemeClr>
+          </a:lnRef>
+          <a:fillRef idx="1">
+            <a:schemeClr val="accent1"/>
+          </a:fillRef>
+          <a:effectRef idx="0">
+            <a:schemeClr val="accent1"/>
+          </a:effectRef>
+          <a:fontRef idx="minor">
+            <a:schemeClr val="lt1"/>
+          </a:fontRef>
+        </p:style>
+        <p:txBody>
+          <a:bodyPr rtlCol="0" anchor="ctr"/>
+          <a:lstStyle/>
+          <a:p>
+            <a:pPr algn="ctr"/>
+            <a:r>
+              <a:rPr kumimoji="1" lang="en-US" altLang="zh-CN" sz="1200" dirty="0" smtClean="0">
+                <a:solidFill>
+                  <a:schemeClr val="tx1"/>
+                </a:solidFill>
+              </a:rPr>
+              <a:t>GC</a:t>
+            </a:r>
+            <a:r>
+              <a:rPr kumimoji="1" lang="zh-CN" altLang="en-US" sz="1200" dirty="0" smtClean="0">
+                <a:solidFill>
+                  <a:schemeClr val="tx1"/>
+                </a:solidFill>
+              </a:rPr>
+              <a:t>收集算法</a:t>
+            </a:r>
+            <a:endParaRPr kumimoji="1" lang="zh-CN" altLang="en-US" sz="1200" dirty="0">
+              <a:solidFill>
+                <a:schemeClr val="tx1"/>
+              </a:solidFill>
+            </a:endParaRPr>
           </a:p>
         </p:txBody>
       </p:sp>
       <p:cxnSp>
         <p:nvCxnSpPr>
-          <p:cNvPr id="9" name="直线箭头连接符 8"/>
-          <p:cNvCxnSpPr>
-            <a:stCxn id="4" idx="2"/>
-            <a:endCxn id="5" idx="0"/>
-          </p:cNvCxnSpPr>
+          <p:cNvPr id="8" name="直线箭头连接符 7"/>
+          <p:cNvCxnSpPr/>
           <p:nvPr/>
         </p:nvCxnSpPr>
         <p:spPr>
-          <a:xfrm flipH="1">
-            <a:off x="5071075" y="1314234"/>
-            <a:ext cx="2978" cy="174324"/>
+          <a:xfrm>
+            <a:off x="5620215" y="1025912"/>
+            <a:ext cx="0" cy="568712"/>
           </a:xfrm>
           <a:prstGeom prst="straightConnector1">
             <a:avLst/>
@@ -5527,17 +6048,14 @@
       </p:cxnSp>
       <p:cxnSp>
         <p:nvCxnSpPr>
-          <p:cNvPr id="12" name="直线箭头连接符 11"/>
-          <p:cNvCxnSpPr>
-            <a:stCxn id="5" idx="2"/>
-            <a:endCxn id="7" idx="0"/>
-          </p:cNvCxnSpPr>
+          <p:cNvPr id="9" name="直线箭头连接符 8"/>
+          <p:cNvCxnSpPr/>
           <p:nvPr/>
         </p:nvCxnSpPr>
         <p:spPr>
           <a:xfrm flipH="1">
-            <a:off x="4468579" y="1750168"/>
-            <a:ext cx="602496" cy="174325"/>
+            <a:off x="3902928" y="1053790"/>
+            <a:ext cx="1271238" cy="563137"/>
           </a:xfrm>
           <a:prstGeom prst="straightConnector1">
             <a:avLst/>
@@ -5563,17 +6081,14 @@
       </p:cxnSp>
       <p:cxnSp>
         <p:nvCxnSpPr>
-          <p:cNvPr id="14" name="直线箭头连接符 13"/>
-          <p:cNvCxnSpPr>
-            <a:stCxn id="5" idx="2"/>
-            <a:endCxn id="6" idx="0"/>
-          </p:cNvCxnSpPr>
+          <p:cNvPr id="10" name="直线箭头连接符 9"/>
+          <p:cNvCxnSpPr/>
           <p:nvPr/>
         </p:nvCxnSpPr>
         <p:spPr>
           <a:xfrm>
-            <a:off x="5071075" y="1750168"/>
-            <a:ext cx="679193" cy="174325"/>
+            <a:off x="5988205" y="1062153"/>
+            <a:ext cx="1260088" cy="554774"/>
           </a:xfrm>
           <a:prstGeom prst="straightConnector1">
             <a:avLst/>
@@ -5599,44 +6114,487 @@
       </p:cxnSp>
       <p:sp>
         <p:nvSpPr>
-          <p:cNvPr id="15" name="文本框 14"/>
-          <p:cNvSpPr txBox="1"/>
-          <p:nvPr/>
-        </p:nvSpPr>
-        <p:spPr>
-          <a:xfrm>
-            <a:off x="5309742" y="1489675"/>
-            <a:ext cx="1877437" cy="261610"/>
+          <p:cNvPr id="12" name="矩形 11"/>
+          <p:cNvSpPr/>
+          <p:nvPr/>
+        </p:nvSpPr>
+        <p:spPr>
+          <a:xfrm>
+            <a:off x="2549913" y="2771078"/>
+            <a:ext cx="918117" cy="1276815"/>
           </a:xfrm>
           <a:prstGeom prst="rect">
             <a:avLst/>
           </a:prstGeom>
           <a:noFill/>
         </p:spPr>
-        <p:txBody>
-          <a:bodyPr wrap="none" rtlCol="0">
-            <a:spAutoFit/>
-          </a:bodyPr>
-          <a:lstStyle/>
-          <a:p>
-            <a:r>
-              <a:rPr kumimoji="1" lang="zh-CN" altLang="en-US" sz="1100" dirty="0" smtClean="0"/>
-              <a:t>加载驱动操作数据库到内存</a:t>
-            </a:r>
-            <a:endParaRPr kumimoji="1" lang="zh-CN" altLang="en-US" sz="1100" dirty="0"/>
-          </a:p>
-        </p:txBody>
-      </p:sp>
+        <p:style>
+          <a:lnRef idx="2">
+            <a:schemeClr val="accent1">
+              <a:shade val="50000"/>
+            </a:schemeClr>
+          </a:lnRef>
+          <a:fillRef idx="1">
+            <a:schemeClr val="accent1"/>
+          </a:fillRef>
+          <a:effectRef idx="0">
+            <a:schemeClr val="accent1"/>
+          </a:effectRef>
+          <a:fontRef idx="minor">
+            <a:schemeClr val="lt1"/>
+          </a:fontRef>
+        </p:style>
+        <p:txBody>
+          <a:bodyPr rtlCol="0" anchor="ctr"/>
+          <a:lstStyle/>
+          <a:p>
+            <a:r>
+              <a:rPr kumimoji="1" lang="en-US" altLang="zh-CN" sz="1200" dirty="0" smtClean="0">
+                <a:solidFill>
+                  <a:schemeClr val="tx1"/>
+                </a:solidFill>
+              </a:rPr>
+              <a:t>1.Serial</a:t>
+            </a:r>
+          </a:p>
+          <a:p>
+            <a:r>
+              <a:rPr kumimoji="1" lang="en-US" altLang="zh-CN" sz="1200" dirty="0" smtClean="0">
+                <a:solidFill>
+                  <a:schemeClr val="tx1"/>
+                </a:solidFill>
+              </a:rPr>
+              <a:t>2.parNew</a:t>
+            </a:r>
+          </a:p>
+          <a:p>
+            <a:r>
+              <a:rPr kumimoji="1" lang="en-US" altLang="zh-CN" sz="1200" dirty="0" smtClean="0">
+                <a:solidFill>
+                  <a:schemeClr val="tx1"/>
+                </a:solidFill>
+              </a:rPr>
+              <a:t>3.Paranllel</a:t>
+            </a:r>
+          </a:p>
+          <a:p>
+            <a:r>
+              <a:rPr kumimoji="1" lang="en-US" altLang="zh-CN" sz="1200" dirty="0" smtClean="0">
+                <a:solidFill>
+                  <a:schemeClr val="tx1"/>
+                </a:solidFill>
+              </a:rPr>
+              <a:t>4.G1</a:t>
+            </a:r>
+          </a:p>
+          <a:p>
+            <a:r>
+              <a:rPr kumimoji="1" lang="en-US" altLang="zh-CN" sz="1200" dirty="0" smtClean="0">
+                <a:solidFill>
+                  <a:schemeClr val="tx1"/>
+                </a:solidFill>
+              </a:rPr>
+              <a:t>5.CMS</a:t>
+            </a:r>
+            <a:endParaRPr kumimoji="1" lang="zh-CN" altLang="en-US" sz="1200" dirty="0">
+              <a:solidFill>
+                <a:schemeClr val="tx1"/>
+              </a:solidFill>
+            </a:endParaRPr>
+          </a:p>
+        </p:txBody>
+      </p:sp>
+      <p:cxnSp>
+        <p:nvCxnSpPr>
+          <p:cNvPr id="14" name="直线箭头连接符 13"/>
+          <p:cNvCxnSpPr/>
+          <p:nvPr/>
+        </p:nvCxnSpPr>
+        <p:spPr>
+          <a:xfrm>
+            <a:off x="3008971" y="2252546"/>
+            <a:ext cx="0" cy="379142"/>
+          </a:xfrm>
+          <a:prstGeom prst="straightConnector1">
+            <a:avLst/>
+          </a:prstGeom>
+          <a:ln>
+            <a:tailEnd type="triangle"/>
+          </a:ln>
+        </p:spPr>
+        <p:style>
+          <a:lnRef idx="1">
+            <a:schemeClr val="accent1"/>
+          </a:lnRef>
+          <a:fillRef idx="0">
+            <a:schemeClr val="accent1"/>
+          </a:fillRef>
+          <a:effectRef idx="0">
+            <a:schemeClr val="accent1"/>
+          </a:effectRef>
+          <a:fontRef idx="minor">
+            <a:schemeClr val="tx1"/>
+          </a:fontRef>
+        </p:style>
+      </p:cxnSp>
+      <p:sp>
+        <p:nvSpPr>
+          <p:cNvPr id="15" name="矩形 14"/>
+          <p:cNvSpPr/>
+          <p:nvPr/>
+        </p:nvSpPr>
+        <p:spPr>
+          <a:xfrm>
+            <a:off x="5073804" y="2787805"/>
+            <a:ext cx="1092819" cy="1276816"/>
+          </a:xfrm>
+          <a:prstGeom prst="rect">
+            <a:avLst/>
+          </a:prstGeom>
+          <a:noFill/>
+        </p:spPr>
+        <p:style>
+          <a:lnRef idx="2">
+            <a:schemeClr val="accent1">
+              <a:shade val="50000"/>
+            </a:schemeClr>
+          </a:lnRef>
+          <a:fillRef idx="1">
+            <a:schemeClr val="accent1"/>
+          </a:fillRef>
+          <a:effectRef idx="0">
+            <a:schemeClr val="accent1"/>
+          </a:effectRef>
+          <a:fontRef idx="minor">
+            <a:schemeClr val="lt1"/>
+          </a:fontRef>
+        </p:style>
+        <p:txBody>
+          <a:bodyPr rtlCol="0" anchor="ctr"/>
+          <a:lstStyle/>
+          <a:p>
+            <a:r>
+              <a:rPr kumimoji="1" lang="en-US" altLang="zh-CN" sz="1200" dirty="0" smtClean="0">
+                <a:solidFill>
+                  <a:schemeClr val="tx1"/>
+                </a:solidFill>
+              </a:rPr>
+              <a:t>1.</a:t>
+            </a:r>
+            <a:r>
+              <a:rPr kumimoji="1" lang="zh-CN" altLang="en-US" sz="1200" dirty="0" smtClean="0">
+                <a:solidFill>
+                  <a:schemeClr val="tx1"/>
+                </a:solidFill>
+              </a:rPr>
+              <a:t>标记</a:t>
+            </a:r>
+            <a:r>
+              <a:rPr kumimoji="1" lang="en-US" altLang="zh-CN" sz="1200" dirty="0" smtClean="0">
+                <a:solidFill>
+                  <a:schemeClr val="tx1"/>
+                </a:solidFill>
+              </a:rPr>
+              <a:t>-</a:t>
+            </a:r>
+            <a:r>
+              <a:rPr kumimoji="1" lang="zh-CN" altLang="en-US" sz="1200" dirty="0" smtClean="0">
+                <a:solidFill>
+                  <a:schemeClr val="tx1"/>
+                </a:solidFill>
+              </a:rPr>
+              <a:t>清除</a:t>
+            </a:r>
+            <a:endParaRPr kumimoji="1" lang="en-US" altLang="zh-CN" sz="1200" dirty="0" smtClean="0">
+              <a:solidFill>
+                <a:schemeClr val="tx1"/>
+              </a:solidFill>
+            </a:endParaRPr>
+          </a:p>
+          <a:p>
+            <a:r>
+              <a:rPr kumimoji="1" lang="en-US" altLang="zh-CN" sz="1200" dirty="0" smtClean="0">
+                <a:solidFill>
+                  <a:schemeClr val="tx1"/>
+                </a:solidFill>
+              </a:rPr>
+              <a:t>2.</a:t>
+            </a:r>
+            <a:r>
+              <a:rPr kumimoji="1" lang="zh-CN" altLang="en-US" sz="1200" dirty="0" smtClean="0">
+                <a:solidFill>
+                  <a:schemeClr val="tx1"/>
+                </a:solidFill>
+              </a:rPr>
+              <a:t>标记</a:t>
+            </a:r>
+            <a:r>
+              <a:rPr kumimoji="1" lang="en-US" altLang="zh-CN" sz="1200" dirty="0" smtClean="0">
+                <a:solidFill>
+                  <a:schemeClr val="tx1"/>
+                </a:solidFill>
+              </a:rPr>
+              <a:t>-</a:t>
+            </a:r>
+            <a:r>
+              <a:rPr kumimoji="1" lang="zh-CN" altLang="en-US" sz="1200" dirty="0" smtClean="0">
+                <a:solidFill>
+                  <a:schemeClr val="tx1"/>
+                </a:solidFill>
+              </a:rPr>
+              <a:t>整理</a:t>
+            </a:r>
+            <a:endParaRPr kumimoji="1" lang="en-US" altLang="zh-CN" sz="1200" dirty="0" smtClean="0">
+              <a:solidFill>
+                <a:schemeClr val="tx1"/>
+              </a:solidFill>
+            </a:endParaRPr>
+          </a:p>
+          <a:p>
+            <a:r>
+              <a:rPr kumimoji="1" lang="en-US" altLang="zh-CN" sz="1200" dirty="0" smtClean="0">
+                <a:solidFill>
+                  <a:schemeClr val="tx1"/>
+                </a:solidFill>
+              </a:rPr>
+              <a:t>3.</a:t>
+            </a:r>
+            <a:r>
+              <a:rPr kumimoji="1" lang="zh-CN" altLang="en-US" sz="1200" dirty="0" smtClean="0">
+                <a:solidFill>
+                  <a:schemeClr val="tx1"/>
+                </a:solidFill>
+              </a:rPr>
+              <a:t>复制</a:t>
+            </a:r>
+            <a:endParaRPr kumimoji="1" lang="en-US" altLang="zh-CN" sz="1200" dirty="0" smtClean="0">
+              <a:solidFill>
+                <a:schemeClr val="tx1"/>
+              </a:solidFill>
+            </a:endParaRPr>
+          </a:p>
+          <a:p>
+            <a:r>
+              <a:rPr kumimoji="1" lang="en-US" altLang="zh-CN" sz="1200" dirty="0" smtClean="0">
+                <a:solidFill>
+                  <a:schemeClr val="tx1"/>
+                </a:solidFill>
+              </a:rPr>
+              <a:t>4.</a:t>
+            </a:r>
+            <a:r>
+              <a:rPr kumimoji="1" lang="zh-CN" altLang="en-US" sz="1200" dirty="0" smtClean="0">
+                <a:solidFill>
+                  <a:schemeClr val="tx1"/>
+                </a:solidFill>
+              </a:rPr>
+              <a:t>分代回收</a:t>
+            </a:r>
+            <a:endParaRPr kumimoji="1" lang="zh-CN" altLang="en-US" sz="1200" dirty="0">
+              <a:solidFill>
+                <a:schemeClr val="tx1"/>
+              </a:solidFill>
+            </a:endParaRPr>
+          </a:p>
+        </p:txBody>
+      </p:sp>
+      <p:cxnSp>
+        <p:nvCxnSpPr>
+          <p:cNvPr id="17" name="直线箭头连接符 16"/>
+          <p:cNvCxnSpPr/>
+          <p:nvPr/>
+        </p:nvCxnSpPr>
+        <p:spPr>
+          <a:xfrm>
+            <a:off x="5620214" y="2252546"/>
+            <a:ext cx="0" cy="379142"/>
+          </a:xfrm>
+          <a:prstGeom prst="straightConnector1">
+            <a:avLst/>
+          </a:prstGeom>
+          <a:ln>
+            <a:tailEnd type="triangle"/>
+          </a:ln>
+        </p:spPr>
+        <p:style>
+          <a:lnRef idx="1">
+            <a:schemeClr val="accent1"/>
+          </a:lnRef>
+          <a:fillRef idx="0">
+            <a:schemeClr val="accent1"/>
+          </a:fillRef>
+          <a:effectRef idx="0">
+            <a:schemeClr val="accent1"/>
+          </a:effectRef>
+          <a:fontRef idx="minor">
+            <a:schemeClr val="tx1"/>
+          </a:fontRef>
+        </p:style>
+      </p:cxnSp>
+      <p:sp>
+        <p:nvSpPr>
+          <p:cNvPr id="18" name="矩形 17"/>
+          <p:cNvSpPr/>
+          <p:nvPr/>
+        </p:nvSpPr>
+        <p:spPr>
+          <a:xfrm>
+            <a:off x="7620000" y="2793379"/>
+            <a:ext cx="1092819" cy="1276816"/>
+          </a:xfrm>
+          <a:prstGeom prst="rect">
+            <a:avLst/>
+          </a:prstGeom>
+          <a:noFill/>
+        </p:spPr>
+        <p:style>
+          <a:lnRef idx="2">
+            <a:schemeClr val="accent1">
+              <a:shade val="50000"/>
+            </a:schemeClr>
+          </a:lnRef>
+          <a:fillRef idx="1">
+            <a:schemeClr val="accent1"/>
+          </a:fillRef>
+          <a:effectRef idx="0">
+            <a:schemeClr val="accent1"/>
+          </a:effectRef>
+          <a:fontRef idx="minor">
+            <a:schemeClr val="lt1"/>
+          </a:fontRef>
+        </p:style>
+        <p:txBody>
+          <a:bodyPr rtlCol="0" anchor="ctr"/>
+          <a:lstStyle/>
+          <a:p>
+            <a:r>
+              <a:rPr kumimoji="1" lang="en-US" altLang="zh-CN" sz="1200" dirty="0" smtClean="0">
+                <a:solidFill>
+                  <a:schemeClr val="tx1"/>
+                </a:solidFill>
+              </a:rPr>
+              <a:t>1.</a:t>
+            </a:r>
+            <a:r>
+              <a:rPr kumimoji="1" lang="zh-CN" altLang="en-US" sz="1200" dirty="0" smtClean="0">
+                <a:solidFill>
+                  <a:schemeClr val="tx1"/>
+                </a:solidFill>
+              </a:rPr>
+              <a:t>引用计数</a:t>
+            </a:r>
+            <a:endParaRPr kumimoji="1" lang="en-US" altLang="zh-CN" sz="1200" dirty="0" smtClean="0">
+              <a:solidFill>
+                <a:schemeClr val="tx1"/>
+              </a:solidFill>
+            </a:endParaRPr>
+          </a:p>
+          <a:p>
+            <a:r>
+              <a:rPr kumimoji="1" lang="en-US" altLang="zh-CN" sz="1200" dirty="0" smtClean="0">
+                <a:solidFill>
+                  <a:schemeClr val="tx1"/>
+                </a:solidFill>
+              </a:rPr>
+              <a:t>2.</a:t>
+            </a:r>
+            <a:r>
+              <a:rPr kumimoji="1" lang="zh-CN" altLang="en-US" sz="1200" dirty="0" smtClean="0">
+                <a:solidFill>
+                  <a:schemeClr val="tx1"/>
+                </a:solidFill>
+              </a:rPr>
+              <a:t>根搜索算法</a:t>
+            </a:r>
+            <a:endParaRPr kumimoji="1" lang="en-US" altLang="zh-CN" sz="1200" dirty="0" smtClean="0">
+              <a:solidFill>
+                <a:schemeClr val="tx1"/>
+              </a:solidFill>
+            </a:endParaRPr>
+          </a:p>
+          <a:p>
+            <a:r>
+              <a:rPr kumimoji="1" lang="en-US" altLang="zh-CN" sz="1200" dirty="0" smtClean="0">
+                <a:solidFill>
+                  <a:schemeClr val="tx1"/>
+                </a:solidFill>
+              </a:rPr>
+              <a:t>(</a:t>
+            </a:r>
+            <a:r>
+              <a:rPr kumimoji="1" lang="zh-CN" altLang="en-US" sz="1200" dirty="0" smtClean="0">
+                <a:solidFill>
+                  <a:schemeClr val="tx1"/>
+                </a:solidFill>
+              </a:rPr>
+              <a:t>根搜索可达</a:t>
+            </a:r>
+            <a:r>
+              <a:rPr kumimoji="1" lang="en-US" altLang="zh-CN" sz="1200" dirty="0" smtClean="0">
+                <a:solidFill>
+                  <a:schemeClr val="tx1"/>
+                </a:solidFill>
+              </a:rPr>
+              <a:t>)</a:t>
+            </a:r>
+            <a:endParaRPr kumimoji="1" lang="zh-CN" altLang="en-US" sz="1200" dirty="0">
+              <a:solidFill>
+                <a:schemeClr val="tx1"/>
+              </a:solidFill>
+            </a:endParaRPr>
+          </a:p>
+        </p:txBody>
+      </p:sp>
+      <p:cxnSp>
+        <p:nvCxnSpPr>
+          <p:cNvPr id="20" name="直线箭头连接符 19"/>
+          <p:cNvCxnSpPr/>
+          <p:nvPr/>
+        </p:nvCxnSpPr>
+        <p:spPr>
+          <a:xfrm>
+            <a:off x="8166409" y="2252546"/>
+            <a:ext cx="0" cy="379142"/>
+          </a:xfrm>
+          <a:prstGeom prst="straightConnector1">
+            <a:avLst/>
+          </a:prstGeom>
+          <a:ln>
+            <a:tailEnd type="triangle"/>
+          </a:ln>
+        </p:spPr>
+        <p:style>
+          <a:lnRef idx="1">
+            <a:schemeClr val="accent1"/>
+          </a:lnRef>
+          <a:fillRef idx="0">
+            <a:schemeClr val="accent1"/>
+          </a:fillRef>
+          <a:effectRef idx="0">
+            <a:schemeClr val="accent1"/>
+          </a:effectRef>
+          <a:fontRef idx="minor">
+            <a:schemeClr val="tx1"/>
+          </a:fontRef>
+        </p:style>
+      </p:cxnSp>
     </p:spTree>
     <p:extLst>
       <p:ext uri="{BB962C8B-B14F-4D97-AF65-F5344CB8AC3E}">
-        <p14:creationId xmlns:p14="http://schemas.microsoft.com/office/powerpoint/2010/main" val="1668554265"/>
+        <p14:creationId xmlns:p14="http://schemas.microsoft.com/office/powerpoint/2010/main" val="1961154500"/>
       </p:ext>
     </p:extLst>
   </p:cSld>
   <p:clrMapOvr>
     <a:masterClrMapping/>
   </p:clrMapOvr>
+  <p:timing>
+    <p:tnLst>
+      <p:par>
+        <p:cTn id="1" dur="indefinite" restart="never" nodeType="tmRoot"/>
+      </p:par>
+    </p:tnLst>
+  </p:timing>
 </p:sld>
 </file>
 
@@ -5659,14 +6617,137 @@
       </p:grpSpPr>
       <p:sp>
         <p:nvSpPr>
-          <p:cNvPr id="4" name="文本框 3"/>
+          <p:cNvPr id="4" name="矩形 3"/>
+          <p:cNvSpPr/>
+          <p:nvPr/>
+        </p:nvSpPr>
+        <p:spPr>
+          <a:xfrm>
+            <a:off x="4369981" y="1031358"/>
+            <a:ext cx="1414131" cy="510362"/>
+          </a:xfrm>
+          <a:prstGeom prst="rect">
+            <a:avLst/>
+          </a:prstGeom>
+          <a:noFill/>
+        </p:spPr>
+        <p:style>
+          <a:lnRef idx="2">
+            <a:schemeClr val="accent1">
+              <a:shade val="50000"/>
+            </a:schemeClr>
+          </a:lnRef>
+          <a:fillRef idx="1">
+            <a:schemeClr val="accent1"/>
+          </a:fillRef>
+          <a:effectRef idx="0">
+            <a:schemeClr val="accent1"/>
+          </a:effectRef>
+          <a:fontRef idx="minor">
+            <a:schemeClr val="lt1"/>
+          </a:fontRef>
+        </p:style>
+        <p:txBody>
+          <a:bodyPr rtlCol="0" anchor="ctr"/>
+          <a:lstStyle/>
+          <a:p>
+            <a:pPr algn="ctr"/>
+            <a:endParaRPr kumimoji="1" lang="zh-CN" altLang="en-US"/>
+          </a:p>
+        </p:txBody>
+      </p:sp>
+      <p:sp>
+        <p:nvSpPr>
+          <p:cNvPr id="5" name="矩形 4"/>
+          <p:cNvSpPr/>
+          <p:nvPr/>
+        </p:nvSpPr>
+        <p:spPr>
+          <a:xfrm>
+            <a:off x="5893981" y="2176130"/>
+            <a:ext cx="1414131" cy="510362"/>
+          </a:xfrm>
+          <a:prstGeom prst="rect">
+            <a:avLst/>
+          </a:prstGeom>
+          <a:noFill/>
+        </p:spPr>
+        <p:style>
+          <a:lnRef idx="2">
+            <a:schemeClr val="accent1">
+              <a:shade val="50000"/>
+            </a:schemeClr>
+          </a:lnRef>
+          <a:fillRef idx="1">
+            <a:schemeClr val="accent1"/>
+          </a:fillRef>
+          <a:effectRef idx="0">
+            <a:schemeClr val="accent1"/>
+          </a:effectRef>
+          <a:fontRef idx="minor">
+            <a:schemeClr val="lt1"/>
+          </a:fontRef>
+        </p:style>
+        <p:txBody>
+          <a:bodyPr rtlCol="0" anchor="ctr"/>
+          <a:lstStyle/>
+          <a:p>
+            <a:pPr algn="ctr"/>
+            <a:endParaRPr kumimoji="1" lang="zh-CN" altLang="en-US"/>
+          </a:p>
+        </p:txBody>
+      </p:sp>
+      <p:sp>
+        <p:nvSpPr>
+          <p:cNvPr id="6" name="矩形 5"/>
+          <p:cNvSpPr/>
+          <p:nvPr/>
+        </p:nvSpPr>
+        <p:spPr>
+          <a:xfrm>
+            <a:off x="2750288" y="2176130"/>
+            <a:ext cx="1414131" cy="510362"/>
+          </a:xfrm>
+          <a:prstGeom prst="rect">
+            <a:avLst/>
+          </a:prstGeom>
+          <a:noFill/>
+        </p:spPr>
+        <p:style>
+          <a:lnRef idx="2">
+            <a:schemeClr val="accent1">
+              <a:shade val="50000"/>
+            </a:schemeClr>
+          </a:lnRef>
+          <a:fillRef idx="1">
+            <a:schemeClr val="accent1"/>
+          </a:fillRef>
+          <a:effectRef idx="0">
+            <a:schemeClr val="accent1"/>
+          </a:effectRef>
+          <a:fontRef idx="minor">
+            <a:schemeClr val="lt1"/>
+          </a:fontRef>
+        </p:style>
+        <p:txBody>
+          <a:bodyPr rtlCol="0" anchor="ctr"/>
+          <a:lstStyle/>
+          <a:p>
+            <a:pPr algn="ctr"/>
+            <a:endParaRPr kumimoji="1" lang="zh-CN" altLang="en-US"/>
+          </a:p>
+        </p:txBody>
+      </p:sp>
+      <p:sp>
+        <p:nvSpPr>
+          <p:cNvPr id="7" name="文本框 6"/>
           <p:cNvSpPr txBox="1"/>
           <p:nvPr/>
         </p:nvSpPr>
         <p:spPr>
           <a:xfrm>
-            <a:off x="4992827" y="630222"/>
-            <a:ext cx="840295" cy="276999"/>
+            <a:off x="4497400" y="701748"/>
+            <a:ext cx="1159292" cy="253916"/>
           </a:xfrm>
           <a:prstGeom prst="rect">
             <a:avLst/>
@@ -5680,27 +6761,27 @@
           <a:lstStyle/>
           <a:p>
             <a:r>
-              <a:rPr kumimoji="1" lang="en-US" altLang="zh-CN" sz="1200" dirty="0"/>
-              <a:t>C</a:t>
-            </a:r>
-            <a:r>
-              <a:rPr kumimoji="1" lang="en-US" altLang="zh-CN" sz="1200" dirty="0" smtClean="0"/>
-              <a:t>ollection</a:t>
-            </a:r>
-            <a:endParaRPr kumimoji="1" lang="zh-CN" altLang="en-US" sz="1200" dirty="0"/>
-          </a:p>
-        </p:txBody>
-      </p:sp>
-      <p:sp>
-        <p:nvSpPr>
-          <p:cNvPr id="5" name="文本框 4"/>
+              <a:rPr kumimoji="1" lang="en-US" altLang="zh-CN" sz="1050" dirty="0" err="1" smtClean="0"/>
+              <a:t>ActiveMQ</a:t>
+            </a:r>
+            <a:r>
+              <a:rPr kumimoji="1" lang="zh-CN" altLang="en-US" sz="1050" dirty="0" smtClean="0"/>
+              <a:t>服务器</a:t>
+            </a:r>
+            <a:endParaRPr kumimoji="1" lang="zh-CN" altLang="en-US" sz="1050" dirty="0"/>
+          </a:p>
+        </p:txBody>
+      </p:sp>
+      <p:sp>
+        <p:nvSpPr>
+          <p:cNvPr id="8" name="文本框 7"/>
           <p:cNvSpPr txBox="1"/>
           <p:nvPr/>
         </p:nvSpPr>
         <p:spPr>
           <a:xfrm>
-            <a:off x="6878761" y="1432481"/>
-            <a:ext cx="391454" cy="276999"/>
+            <a:off x="5893981" y="2304353"/>
+            <a:ext cx="1425390" cy="253916"/>
           </a:xfrm>
           <a:prstGeom prst="rect">
             <a:avLst/>
@@ -5714,23 +6795,27 @@
           <a:lstStyle/>
           <a:p>
             <a:r>
-              <a:rPr kumimoji="1" lang="en-US" altLang="zh-CN" sz="1200" dirty="0" smtClean="0"/>
-              <a:t>Set</a:t>
-            </a:r>
-            <a:endParaRPr kumimoji="1" lang="zh-CN" altLang="en-US" sz="1200" dirty="0"/>
-          </a:p>
-        </p:txBody>
-      </p:sp>
-      <p:sp>
-        <p:nvSpPr>
-          <p:cNvPr id="6" name="文本框 5"/>
+              <a:rPr kumimoji="1" lang="zh-CN" altLang="en-US" sz="1050" dirty="0" smtClean="0"/>
+              <a:t>消息消费者</a:t>
+            </a:r>
+            <a:r>
+              <a:rPr kumimoji="1" lang="en-US" altLang="zh-CN" sz="1050" dirty="0" smtClean="0"/>
+              <a:t>consumer</a:t>
+            </a:r>
+            <a:endParaRPr kumimoji="1" lang="zh-CN" altLang="en-US" sz="1050" dirty="0"/>
+          </a:p>
+        </p:txBody>
+      </p:sp>
+      <p:sp>
+        <p:nvSpPr>
+          <p:cNvPr id="9" name="文本框 8"/>
           <p:cNvSpPr txBox="1"/>
           <p:nvPr/>
         </p:nvSpPr>
         <p:spPr>
           <a:xfrm>
-            <a:off x="3381471" y="1358916"/>
-            <a:ext cx="402674" cy="276999"/>
+            <a:off x="2750288" y="2304353"/>
+            <a:ext cx="1382110" cy="253916"/>
           </a:xfrm>
           <a:prstGeom prst="rect">
             <a:avLst/>
@@ -5744,176 +6829,27 @@
           <a:lstStyle/>
           <a:p>
             <a:r>
-              <a:rPr kumimoji="1" lang="en-US" altLang="zh-CN" sz="1200" dirty="0" smtClean="0"/>
-              <a:t>List</a:t>
-            </a:r>
-            <a:endParaRPr kumimoji="1" lang="zh-CN" altLang="en-US" sz="1200" dirty="0"/>
-          </a:p>
-        </p:txBody>
-      </p:sp>
-      <p:sp>
-        <p:nvSpPr>
-          <p:cNvPr id="7" name="文本框 6"/>
-          <p:cNvSpPr txBox="1"/>
-          <p:nvPr/>
-        </p:nvSpPr>
-        <p:spPr>
-          <a:xfrm>
-            <a:off x="7453805" y="2165492"/>
-            <a:ext cx="681597" cy="276999"/>
-          </a:xfrm>
-          <a:prstGeom prst="rect">
-            <a:avLst/>
-          </a:prstGeom>
-          <a:noFill/>
-        </p:spPr>
-        <p:txBody>
-          <a:bodyPr wrap="none" rtlCol="0">
-            <a:spAutoFit/>
-          </a:bodyPr>
-          <a:lstStyle/>
-          <a:p>
-            <a:r>
-              <a:rPr kumimoji="1" lang="en-US" altLang="zh-CN" sz="1200" dirty="0" smtClean="0"/>
-              <a:t>TreeSet</a:t>
-            </a:r>
-            <a:endParaRPr kumimoji="1" lang="zh-CN" altLang="en-US" sz="1200" dirty="0"/>
-          </a:p>
-        </p:txBody>
-      </p:sp>
-      <p:sp>
-        <p:nvSpPr>
-          <p:cNvPr id="8" name="文本框 7"/>
-          <p:cNvSpPr txBox="1"/>
-          <p:nvPr/>
-        </p:nvSpPr>
-        <p:spPr>
-          <a:xfrm>
-            <a:off x="6057509" y="2165492"/>
-            <a:ext cx="723275" cy="276999"/>
-          </a:xfrm>
-          <a:prstGeom prst="rect">
-            <a:avLst/>
-          </a:prstGeom>
-          <a:noFill/>
-        </p:spPr>
-        <p:txBody>
-          <a:bodyPr wrap="none" rtlCol="0">
-            <a:spAutoFit/>
-          </a:bodyPr>
-          <a:lstStyle/>
-          <a:p>
-            <a:r>
-              <a:rPr kumimoji="1" lang="en-US" altLang="zh-CN" sz="1200" dirty="0" smtClean="0"/>
-              <a:t>HashSet</a:t>
-            </a:r>
-            <a:endParaRPr kumimoji="1" lang="zh-CN" altLang="en-US" sz="1200" dirty="0"/>
-          </a:p>
-        </p:txBody>
-      </p:sp>
-      <p:sp>
-        <p:nvSpPr>
-          <p:cNvPr id="9" name="文本框 8"/>
-          <p:cNvSpPr txBox="1"/>
-          <p:nvPr/>
-        </p:nvSpPr>
-        <p:spPr>
-          <a:xfrm>
-            <a:off x="4453006" y="2215690"/>
-            <a:ext cx="832279" cy="276999"/>
-          </a:xfrm>
-          <a:prstGeom prst="rect">
-            <a:avLst/>
-          </a:prstGeom>
-          <a:noFill/>
-        </p:spPr>
-        <p:txBody>
-          <a:bodyPr wrap="none" rtlCol="0">
-            <a:spAutoFit/>
-          </a:bodyPr>
-          <a:lstStyle/>
-          <a:p>
-            <a:r>
-              <a:rPr kumimoji="1" lang="en-US" altLang="zh-CN" sz="1200" dirty="0" smtClean="0"/>
-              <a:t>LinkedList</a:t>
-            </a:r>
-            <a:endParaRPr kumimoji="1" lang="zh-CN" altLang="en-US" sz="1200" dirty="0"/>
-          </a:p>
-        </p:txBody>
-      </p:sp>
-      <p:sp>
-        <p:nvSpPr>
-          <p:cNvPr id="10" name="文本框 9"/>
-          <p:cNvSpPr txBox="1"/>
-          <p:nvPr/>
-        </p:nvSpPr>
-        <p:spPr>
-          <a:xfrm>
-            <a:off x="3274070" y="2183218"/>
-            <a:ext cx="617477" cy="276999"/>
-          </a:xfrm>
-          <a:prstGeom prst="rect">
-            <a:avLst/>
-          </a:prstGeom>
-          <a:noFill/>
-        </p:spPr>
-        <p:txBody>
-          <a:bodyPr wrap="none" rtlCol="0">
-            <a:spAutoFit/>
-          </a:bodyPr>
-          <a:lstStyle/>
-          <a:p>
-            <a:r>
-              <a:rPr kumimoji="1" lang="en-US" altLang="zh-CN" sz="1200" dirty="0" smtClean="0"/>
-              <a:t>Vector</a:t>
-            </a:r>
-            <a:endParaRPr kumimoji="1" lang="zh-CN" altLang="en-US" sz="1200" dirty="0"/>
-          </a:p>
-        </p:txBody>
-      </p:sp>
-      <p:sp>
-        <p:nvSpPr>
-          <p:cNvPr id="11" name="文本框 10"/>
-          <p:cNvSpPr txBox="1"/>
-          <p:nvPr/>
-        </p:nvSpPr>
-        <p:spPr>
-          <a:xfrm>
-            <a:off x="1841338" y="2183218"/>
-            <a:ext cx="755335" cy="276999"/>
-          </a:xfrm>
-          <a:prstGeom prst="rect">
-            <a:avLst/>
-          </a:prstGeom>
-          <a:noFill/>
-        </p:spPr>
-        <p:txBody>
-          <a:bodyPr wrap="none" rtlCol="0">
-            <a:spAutoFit/>
-          </a:bodyPr>
-          <a:lstStyle/>
-          <a:p>
-            <a:r>
-              <a:rPr kumimoji="1" lang="en-US" altLang="zh-CN" sz="1200" dirty="0" smtClean="0"/>
-              <a:t>ArrayList</a:t>
-            </a:r>
-            <a:endParaRPr kumimoji="1" lang="zh-CN" altLang="en-US" sz="1200" dirty="0"/>
+              <a:rPr kumimoji="1" lang="zh-CN" altLang="en-US" sz="1050" dirty="0" smtClean="0"/>
+              <a:t>消息生产者</a:t>
+            </a:r>
+            <a:r>
+              <a:rPr kumimoji="1" lang="en-US" altLang="zh-CN" sz="1050" dirty="0" smtClean="0"/>
+              <a:t>producer</a:t>
+            </a:r>
+            <a:endParaRPr kumimoji="1" lang="zh-CN" altLang="en-US" sz="1050" dirty="0"/>
           </a:p>
         </p:txBody>
       </p:sp>
       <p:cxnSp>
         <p:nvCxnSpPr>
-          <p:cNvPr id="13" name="直线箭头连接符 12"/>
-          <p:cNvCxnSpPr>
-            <a:stCxn id="4" idx="2"/>
-            <a:endCxn id="6" idx="3"/>
-          </p:cNvCxnSpPr>
+          <p:cNvPr id="11" name="直线箭头连接符 10"/>
+          <p:cNvCxnSpPr/>
           <p:nvPr/>
         </p:nvCxnSpPr>
         <p:spPr>
-          <a:xfrm flipH="1">
-            <a:off x="3784145" y="907221"/>
-            <a:ext cx="1628830" cy="590195"/>
+          <a:xfrm flipV="1">
+            <a:off x="3583172" y="1541720"/>
+            <a:ext cx="1307805" cy="634410"/>
           </a:xfrm>
           <a:prstGeom prst="straightConnector1">
             <a:avLst/>
@@ -5939,17 +6875,14 @@
       </p:cxnSp>
       <p:cxnSp>
         <p:nvCxnSpPr>
-          <p:cNvPr id="15" name="直线箭头连接符 14"/>
-          <p:cNvCxnSpPr>
-            <a:stCxn id="4" idx="2"/>
-            <a:endCxn id="5" idx="1"/>
-          </p:cNvCxnSpPr>
+          <p:cNvPr id="13" name="直线箭头连接符 12"/>
+          <p:cNvCxnSpPr/>
           <p:nvPr/>
         </p:nvCxnSpPr>
         <p:spPr>
           <a:xfrm>
-            <a:off x="5412975" y="907221"/>
-            <a:ext cx="1465786" cy="663760"/>
+            <a:off x="5348177" y="1541720"/>
+            <a:ext cx="1095153" cy="634410"/>
           </a:xfrm>
           <a:prstGeom prst="straightConnector1">
             <a:avLst/>
@@ -5973,196 +6906,16 @@
           </a:fontRef>
         </p:style>
       </p:cxnSp>
-      <p:cxnSp>
-        <p:nvCxnSpPr>
-          <p:cNvPr id="17" name="直线箭头连接符 16"/>
-          <p:cNvCxnSpPr>
-            <a:stCxn id="6" idx="2"/>
-            <a:endCxn id="11" idx="0"/>
-          </p:cNvCxnSpPr>
-          <p:nvPr/>
-        </p:nvCxnSpPr>
-        <p:spPr>
-          <a:xfrm flipH="1">
-            <a:off x="2219006" y="1635915"/>
-            <a:ext cx="1363802" cy="547303"/>
-          </a:xfrm>
-          <a:prstGeom prst="straightConnector1">
-            <a:avLst/>
-          </a:prstGeom>
-          <a:ln>
-            <a:tailEnd type="triangle"/>
-          </a:ln>
-        </p:spPr>
-        <p:style>
-          <a:lnRef idx="1">
-            <a:schemeClr val="accent1"/>
-          </a:lnRef>
-          <a:fillRef idx="0">
-            <a:schemeClr val="accent1"/>
-          </a:fillRef>
-          <a:effectRef idx="0">
-            <a:schemeClr val="accent1"/>
-          </a:effectRef>
-          <a:fontRef idx="minor">
-            <a:schemeClr val="tx1"/>
-          </a:fontRef>
-        </p:style>
-      </p:cxnSp>
-      <p:cxnSp>
-        <p:nvCxnSpPr>
-          <p:cNvPr id="19" name="直线箭头连接符 18"/>
-          <p:cNvCxnSpPr>
-            <a:stCxn id="6" idx="2"/>
-            <a:endCxn id="10" idx="0"/>
-          </p:cNvCxnSpPr>
-          <p:nvPr/>
-        </p:nvCxnSpPr>
-        <p:spPr>
-          <a:xfrm>
-            <a:off x="3582808" y="1635915"/>
-            <a:ext cx="1" cy="547303"/>
-          </a:xfrm>
-          <a:prstGeom prst="straightConnector1">
-            <a:avLst/>
-          </a:prstGeom>
-          <a:ln>
-            <a:tailEnd type="triangle"/>
-          </a:ln>
-        </p:spPr>
-        <p:style>
-          <a:lnRef idx="1">
-            <a:schemeClr val="accent1"/>
-          </a:lnRef>
-          <a:fillRef idx="0">
-            <a:schemeClr val="accent1"/>
-          </a:fillRef>
-          <a:effectRef idx="0">
-            <a:schemeClr val="accent1"/>
-          </a:effectRef>
-          <a:fontRef idx="minor">
-            <a:schemeClr val="tx1"/>
-          </a:fontRef>
-        </p:style>
-      </p:cxnSp>
-      <p:cxnSp>
-        <p:nvCxnSpPr>
-          <p:cNvPr id="21" name="直线箭头连接符 20"/>
-          <p:cNvCxnSpPr>
-            <a:stCxn id="6" idx="2"/>
-            <a:endCxn id="9" idx="0"/>
-          </p:cNvCxnSpPr>
-          <p:nvPr/>
-        </p:nvCxnSpPr>
-        <p:spPr>
-          <a:xfrm>
-            <a:off x="3582808" y="1635915"/>
-            <a:ext cx="1286338" cy="579775"/>
-          </a:xfrm>
-          <a:prstGeom prst="straightConnector1">
-            <a:avLst/>
-          </a:prstGeom>
-          <a:ln>
-            <a:tailEnd type="triangle"/>
-          </a:ln>
-        </p:spPr>
-        <p:style>
-          <a:lnRef idx="1">
-            <a:schemeClr val="accent1"/>
-          </a:lnRef>
-          <a:fillRef idx="0">
-            <a:schemeClr val="accent1"/>
-          </a:fillRef>
-          <a:effectRef idx="0">
-            <a:schemeClr val="accent1"/>
-          </a:effectRef>
-          <a:fontRef idx="minor">
-            <a:schemeClr val="tx1"/>
-          </a:fontRef>
-        </p:style>
-      </p:cxnSp>
-      <p:cxnSp>
-        <p:nvCxnSpPr>
-          <p:cNvPr id="23" name="直线箭头连接符 22"/>
-          <p:cNvCxnSpPr>
-            <a:stCxn id="5" idx="2"/>
-            <a:endCxn id="8" idx="0"/>
-          </p:cNvCxnSpPr>
-          <p:nvPr/>
-        </p:nvCxnSpPr>
-        <p:spPr>
-          <a:xfrm flipH="1">
-            <a:off x="6419147" y="1709480"/>
-            <a:ext cx="655341" cy="456012"/>
-          </a:xfrm>
-          <a:prstGeom prst="straightConnector1">
-            <a:avLst/>
-          </a:prstGeom>
-          <a:ln>
-            <a:tailEnd type="triangle"/>
-          </a:ln>
-        </p:spPr>
-        <p:style>
-          <a:lnRef idx="1">
-            <a:schemeClr val="accent1"/>
-          </a:lnRef>
-          <a:fillRef idx="0">
-            <a:schemeClr val="accent1"/>
-          </a:fillRef>
-          <a:effectRef idx="0">
-            <a:schemeClr val="accent1"/>
-          </a:effectRef>
-          <a:fontRef idx="minor">
-            <a:schemeClr val="tx1"/>
-          </a:fontRef>
-        </p:style>
-      </p:cxnSp>
-      <p:cxnSp>
-        <p:nvCxnSpPr>
-          <p:cNvPr id="25" name="直线箭头连接符 24"/>
-          <p:cNvCxnSpPr>
-            <a:stCxn id="5" idx="2"/>
-            <a:endCxn id="7" idx="0"/>
-          </p:cNvCxnSpPr>
-          <p:nvPr/>
-        </p:nvCxnSpPr>
-        <p:spPr>
-          <a:xfrm>
-            <a:off x="7074488" y="1709480"/>
-            <a:ext cx="720116" cy="456012"/>
-          </a:xfrm>
-          <a:prstGeom prst="straightConnector1">
-            <a:avLst/>
-          </a:prstGeom>
-          <a:ln>
-            <a:tailEnd type="triangle"/>
-          </a:ln>
-        </p:spPr>
-        <p:style>
-          <a:lnRef idx="1">
-            <a:schemeClr val="accent1"/>
-          </a:lnRef>
-          <a:fillRef idx="0">
-            <a:schemeClr val="accent1"/>
-          </a:fillRef>
-          <a:effectRef idx="0">
-            <a:schemeClr val="accent1"/>
-          </a:effectRef>
-          <a:fontRef idx="minor">
-            <a:schemeClr val="tx1"/>
-          </a:fontRef>
-        </p:style>
-      </p:cxnSp>
-      <p:sp>
-        <p:nvSpPr>
-          <p:cNvPr id="27" name="文本框 26"/>
+      <p:sp>
+        <p:nvSpPr>
+          <p:cNvPr id="14" name="文本框 13"/>
           <p:cNvSpPr txBox="1"/>
           <p:nvPr/>
         </p:nvSpPr>
         <p:spPr>
           <a:xfrm>
-            <a:off x="3596001" y="1100654"/>
-            <a:ext cx="1031051" cy="261610"/>
+            <a:off x="3892382" y="1674628"/>
+            <a:ext cx="466794" cy="261610"/>
           </a:xfrm>
           <a:prstGeom prst="rect">
             <a:avLst/>
@@ -6177,7 +6930,7 @@
           <a:p>
             <a:r>
               <a:rPr kumimoji="1" lang="zh-CN" altLang="en-US" sz="1100" dirty="0" smtClean="0"/>
-              <a:t>有序、有重复</a:t>
+              <a:t>生产</a:t>
             </a:r>
             <a:endParaRPr kumimoji="1" lang="zh-CN" altLang="en-US" sz="1100" dirty="0"/>
           </a:p>
@@ -6185,14 +6938,14 @@
       </p:sp>
       <p:sp>
         <p:nvSpPr>
-          <p:cNvPr id="28" name="文本框 27"/>
+          <p:cNvPr id="15" name="文本框 14"/>
           <p:cNvSpPr txBox="1"/>
           <p:nvPr/>
         </p:nvSpPr>
         <p:spPr>
           <a:xfrm>
-            <a:off x="5954036" y="991859"/>
-            <a:ext cx="1031051" cy="261610"/>
+            <a:off x="5883781" y="1653034"/>
+            <a:ext cx="466794" cy="261610"/>
           </a:xfrm>
           <a:prstGeom prst="rect">
             <a:avLst/>
@@ -6207,7 +6960,7 @@
           <a:p>
             <a:r>
               <a:rPr kumimoji="1" lang="zh-CN" altLang="en-US" sz="1100" dirty="0" smtClean="0"/>
-              <a:t>无序、无重复</a:t>
+              <a:t>消费</a:t>
             </a:r>
             <a:endParaRPr kumimoji="1" lang="zh-CN" altLang="en-US" sz="1100" dirty="0"/>
           </a:p>
@@ -6215,14 +6968,14 @@
       </p:sp>
       <p:sp>
         <p:nvSpPr>
-          <p:cNvPr id="29" name="文本框 28"/>
+          <p:cNvPr id="16" name="文本框 15"/>
           <p:cNvSpPr txBox="1"/>
           <p:nvPr/>
         </p:nvSpPr>
         <p:spPr>
           <a:xfrm>
-            <a:off x="1212985" y="654377"/>
-            <a:ext cx="2300630" cy="430887"/>
+            <a:off x="4164419" y="2947978"/>
+            <a:ext cx="2541080" cy="261610"/>
           </a:xfrm>
           <a:prstGeom prst="rect">
             <a:avLst/>
@@ -6236,30 +6989,35 @@
           <a:lstStyle/>
           <a:p>
             <a:r>
+              <a:rPr kumimoji="1" lang="en-US" altLang="zh-CN" sz="1100" dirty="0" smtClean="0"/>
+              <a:t>MQ(</a:t>
+            </a:r>
+            <a:r>
               <a:rPr kumimoji="1" lang="zh-CN" altLang="en-US" sz="1100" dirty="0" smtClean="0"/>
-              <a:t>有序：存储和取出的元素一致</a:t>
-            </a:r>
-            <a:endParaRPr kumimoji="1" lang="en-US" altLang="zh-CN" sz="1100" dirty="0" smtClean="0"/>
-          </a:p>
-          <a:p>
+              <a:t>消息队列</a:t>
+            </a:r>
+            <a:r>
+              <a:rPr kumimoji="1" lang="en-US" altLang="zh-CN" sz="1100" dirty="0" smtClean="0"/>
+              <a:t>):</a:t>
+            </a:r>
             <a:r>
               <a:rPr kumimoji="1" lang="zh-CN" altLang="en-US" sz="1100" dirty="0" smtClean="0"/>
-              <a:t>无序：存储和取出元素顺序不一致</a:t>
-            </a:r>
-            <a:endParaRPr kumimoji="1" lang="en-US" altLang="zh-CN" sz="1100" dirty="0" smtClean="0"/>
-          </a:p>
-        </p:txBody>
-      </p:sp>
-      <p:sp>
-        <p:nvSpPr>
-          <p:cNvPr id="30" name="文本框 29"/>
+              <a:t> 多个应用程序间的通信</a:t>
+            </a:r>
+            <a:endParaRPr kumimoji="1" lang="zh-CN" altLang="en-US" sz="1100" dirty="0"/>
+          </a:p>
+        </p:txBody>
+      </p:sp>
+      <p:sp>
+        <p:nvSpPr>
+          <p:cNvPr id="17" name="文本框 16"/>
           <p:cNvSpPr txBox="1"/>
           <p:nvPr/>
         </p:nvSpPr>
         <p:spPr>
           <a:xfrm>
-            <a:off x="3283688" y="1963880"/>
-            <a:ext cx="607859" cy="261610"/>
+            <a:off x="6705499" y="1914644"/>
+            <a:ext cx="3659976" cy="253916"/>
           </a:xfrm>
           <a:prstGeom prst="rect">
             <a:avLst/>
@@ -6273,277 +7031,46 @@
           <a:lstStyle/>
           <a:p>
             <a:r>
-              <a:rPr kumimoji="1" lang="zh-CN" altLang="en-US" sz="1100" smtClean="0"/>
-              <a:t>不常用</a:t>
-            </a:r>
-            <a:endParaRPr kumimoji="1" lang="zh-CN" altLang="en-US" sz="1100" dirty="0"/>
-          </a:p>
-        </p:txBody>
-      </p:sp>
-      <p:sp>
-        <p:nvSpPr>
-          <p:cNvPr id="31" name="文本框 30"/>
-          <p:cNvSpPr txBox="1"/>
-          <p:nvPr/>
-        </p:nvSpPr>
-        <p:spPr>
-          <a:xfrm>
-            <a:off x="1160494" y="2442491"/>
-            <a:ext cx="497252" cy="261610"/>
-          </a:xfrm>
-          <a:prstGeom prst="rect">
-            <a:avLst/>
-          </a:prstGeom>
-          <a:noFill/>
-        </p:spPr>
-        <p:txBody>
-          <a:bodyPr wrap="none" rtlCol="0">
-            <a:spAutoFit/>
-          </a:bodyPr>
-          <a:lstStyle/>
-          <a:p>
-            <a:r>
-              <a:rPr kumimoji="1" lang="zh-CN" altLang="en-US" sz="1100" dirty="0" smtClean="0"/>
-              <a:t>底层</a:t>
-            </a:r>
-            <a:r>
-              <a:rPr kumimoji="1" lang="en-US" altLang="zh-CN" sz="1100" dirty="0" smtClean="0"/>
-              <a:t>:</a:t>
-            </a:r>
-            <a:endParaRPr kumimoji="1" lang="zh-CN" altLang="en-US" sz="1100" dirty="0"/>
-          </a:p>
-        </p:txBody>
-      </p:sp>
-      <p:sp>
-        <p:nvSpPr>
-          <p:cNvPr id="32" name="文本框 31"/>
-          <p:cNvSpPr txBox="1"/>
-          <p:nvPr/>
-        </p:nvSpPr>
-        <p:spPr>
-          <a:xfrm>
-            <a:off x="1759601" y="2489589"/>
-            <a:ext cx="1338828" cy="553998"/>
-          </a:xfrm>
-          <a:prstGeom prst="rect">
-            <a:avLst/>
-          </a:prstGeom>
-          <a:noFill/>
-        </p:spPr>
-        <p:txBody>
-          <a:bodyPr wrap="none" rtlCol="0">
-            <a:spAutoFit/>
-          </a:bodyPr>
-          <a:lstStyle/>
-          <a:p>
-            <a:r>
-              <a:rPr kumimoji="1" lang="zh-CN" altLang="en-US" sz="1000" dirty="0" smtClean="0"/>
-              <a:t>数组</a:t>
-            </a:r>
-            <a:endParaRPr kumimoji="1" lang="en-US" altLang="zh-CN" sz="1000" dirty="0" smtClean="0"/>
-          </a:p>
-          <a:p>
-            <a:r>
-              <a:rPr kumimoji="1" lang="zh-CN" altLang="en-US" sz="1000" dirty="0" smtClean="0"/>
-              <a:t>查询快、增删慢</a:t>
-            </a:r>
-            <a:endParaRPr kumimoji="1" lang="en-US" altLang="zh-CN" sz="1000" dirty="0" smtClean="0"/>
-          </a:p>
-          <a:p>
-            <a:r>
-              <a:rPr kumimoji="1" lang="zh-CN" altLang="en-US" sz="1000" dirty="0" smtClean="0"/>
-              <a:t>线程不安全、效率高</a:t>
-            </a:r>
-            <a:endParaRPr kumimoji="1" lang="zh-CN" altLang="en-US" sz="1000" dirty="0"/>
-          </a:p>
-        </p:txBody>
-      </p:sp>
-      <p:sp>
-        <p:nvSpPr>
-          <p:cNvPr id="33" name="文本框 32"/>
-          <p:cNvSpPr txBox="1"/>
-          <p:nvPr/>
-        </p:nvSpPr>
-        <p:spPr>
-          <a:xfrm>
-            <a:off x="3086751" y="2489589"/>
-            <a:ext cx="1210588" cy="553998"/>
-          </a:xfrm>
-          <a:prstGeom prst="rect">
-            <a:avLst/>
-          </a:prstGeom>
-          <a:noFill/>
-        </p:spPr>
-        <p:txBody>
-          <a:bodyPr wrap="none" rtlCol="0">
-            <a:spAutoFit/>
-          </a:bodyPr>
-          <a:lstStyle/>
-          <a:p>
-            <a:r>
-              <a:rPr kumimoji="1" lang="zh-CN" altLang="en-US" sz="1000" dirty="0" smtClean="0"/>
-              <a:t>数组</a:t>
-            </a:r>
-            <a:endParaRPr kumimoji="1" lang="en-US" altLang="zh-CN" sz="1000" dirty="0" smtClean="0"/>
-          </a:p>
-          <a:p>
-            <a:r>
-              <a:rPr kumimoji="1" lang="zh-CN" altLang="en-US" sz="1000" dirty="0" smtClean="0"/>
-              <a:t>查询慢</a:t>
-            </a:r>
-            <a:endParaRPr kumimoji="1" lang="en-US" altLang="zh-CN" sz="1000" dirty="0" smtClean="0"/>
-          </a:p>
-          <a:p>
-            <a:r>
-              <a:rPr kumimoji="1" lang="zh-CN" altLang="en-US" sz="1000" dirty="0" smtClean="0"/>
-              <a:t>线程安全、效率慢</a:t>
-            </a:r>
-            <a:endParaRPr kumimoji="1" lang="zh-CN" altLang="en-US" sz="1000" dirty="0"/>
-          </a:p>
-        </p:txBody>
-      </p:sp>
-      <p:sp>
-        <p:nvSpPr>
-          <p:cNvPr id="34" name="文本框 33"/>
-          <p:cNvSpPr txBox="1"/>
-          <p:nvPr/>
-        </p:nvSpPr>
-        <p:spPr>
-          <a:xfrm>
-            <a:off x="4326561" y="2486567"/>
-            <a:ext cx="1338828" cy="553998"/>
-          </a:xfrm>
-          <a:prstGeom prst="rect">
-            <a:avLst/>
-          </a:prstGeom>
-          <a:noFill/>
-        </p:spPr>
-        <p:txBody>
-          <a:bodyPr wrap="none" rtlCol="0">
-            <a:spAutoFit/>
-          </a:bodyPr>
-          <a:lstStyle/>
-          <a:p>
-            <a:r>
-              <a:rPr kumimoji="1" lang="zh-CN" altLang="en-US" sz="1000" dirty="0" smtClean="0"/>
-              <a:t>链表</a:t>
-            </a:r>
-            <a:endParaRPr kumimoji="1" lang="en-US" altLang="zh-CN" sz="1000" dirty="0" smtClean="0"/>
-          </a:p>
-          <a:p>
-            <a:r>
-              <a:rPr kumimoji="1" lang="zh-CN" altLang="en-US" sz="1000" dirty="0" smtClean="0"/>
-              <a:t>查询慢、增删快</a:t>
-            </a:r>
-            <a:endParaRPr kumimoji="1" lang="en-US" altLang="zh-CN" sz="1000" dirty="0" smtClean="0"/>
-          </a:p>
-          <a:p>
-            <a:r>
-              <a:rPr kumimoji="1" lang="zh-CN" altLang="en-US" sz="1000" dirty="0" smtClean="0"/>
-              <a:t>线程不安全、效率高</a:t>
-            </a:r>
-            <a:endParaRPr kumimoji="1" lang="zh-CN" altLang="en-US" sz="1000" dirty="0"/>
-          </a:p>
-        </p:txBody>
-      </p:sp>
-      <p:sp>
-        <p:nvSpPr>
-          <p:cNvPr id="56" name="文本框 55"/>
-          <p:cNvSpPr txBox="1"/>
-          <p:nvPr/>
-        </p:nvSpPr>
-        <p:spPr>
-          <a:xfrm>
-            <a:off x="5821056" y="2483004"/>
-            <a:ext cx="1338828" cy="553998"/>
-          </a:xfrm>
-          <a:prstGeom prst="rect">
-            <a:avLst/>
-          </a:prstGeom>
-          <a:noFill/>
-        </p:spPr>
-        <p:txBody>
-          <a:bodyPr wrap="none" rtlCol="0">
-            <a:spAutoFit/>
-          </a:bodyPr>
-          <a:lstStyle/>
-          <a:p>
-            <a:r>
-              <a:rPr kumimoji="1" lang="zh-CN" altLang="en-US" sz="1000" dirty="0" smtClean="0"/>
-              <a:t>链表</a:t>
-            </a:r>
-            <a:endParaRPr kumimoji="1" lang="en-US" altLang="zh-CN" sz="1000" dirty="0" smtClean="0"/>
-          </a:p>
-          <a:p>
-            <a:r>
-              <a:rPr kumimoji="1" lang="zh-CN" altLang="en-US" sz="1000" dirty="0" smtClean="0"/>
-              <a:t>查询慢、增删快</a:t>
-            </a:r>
-            <a:endParaRPr kumimoji="1" lang="en-US" altLang="zh-CN" sz="1000" dirty="0" smtClean="0"/>
-          </a:p>
-          <a:p>
-            <a:r>
-              <a:rPr kumimoji="1" lang="zh-CN" altLang="en-US" sz="1000" dirty="0" smtClean="0"/>
-              <a:t>线程不安全、效率高</a:t>
-            </a:r>
-            <a:endParaRPr kumimoji="1" lang="zh-CN" altLang="en-US" sz="1000" dirty="0"/>
-          </a:p>
-        </p:txBody>
-      </p:sp>
-      <p:sp>
-        <p:nvSpPr>
-          <p:cNvPr id="26" name="文本框 25"/>
-          <p:cNvSpPr txBox="1"/>
-          <p:nvPr/>
-        </p:nvSpPr>
-        <p:spPr>
-          <a:xfrm>
-            <a:off x="7287005" y="2478956"/>
-            <a:ext cx="1338828" cy="553998"/>
-          </a:xfrm>
-          <a:prstGeom prst="rect">
-            <a:avLst/>
-          </a:prstGeom>
-          <a:noFill/>
-        </p:spPr>
-        <p:txBody>
-          <a:bodyPr wrap="none" rtlCol="0">
-            <a:spAutoFit/>
-          </a:bodyPr>
-          <a:lstStyle/>
-          <a:p>
-            <a:r>
-              <a:rPr kumimoji="1" lang="zh-CN" altLang="en-US" sz="1000" dirty="0" smtClean="0"/>
-              <a:t>能够对元素按照某个</a:t>
-            </a:r>
-            <a:endParaRPr kumimoji="1" lang="en-US" altLang="zh-CN" sz="1000" dirty="0" smtClean="0"/>
-          </a:p>
-          <a:p>
-            <a:r>
-              <a:rPr kumimoji="1" lang="zh-CN" altLang="en-US" sz="1000" dirty="0" smtClean="0"/>
-              <a:t>规则进行自然排序</a:t>
-            </a:r>
-            <a:endParaRPr kumimoji="1" lang="en-US" altLang="zh-CN" sz="1000" dirty="0" smtClean="0"/>
-          </a:p>
-          <a:p>
-            <a:r>
-              <a:rPr kumimoji="1" lang="zh-CN" altLang="en-US" sz="1000" dirty="0" smtClean="0"/>
-              <a:t>自然排序、比较排序</a:t>
-            </a:r>
-            <a:endParaRPr kumimoji="1" lang="zh-CN" altLang="en-US" sz="1000" dirty="0"/>
+              <a:rPr kumimoji="1" lang="zh-CN" altLang="en-US" sz="1050" dirty="0" smtClean="0"/>
+              <a:t>消费者通过监听器实时消费 </a:t>
+            </a:r>
+            <a:r>
+              <a:rPr kumimoji="1" lang="en-US" altLang="zh-CN" sz="1050" dirty="0" smtClean="0"/>
+              <a:t>---&gt;</a:t>
+            </a:r>
+            <a:r>
+              <a:rPr kumimoji="1" lang="zh-CN" altLang="en-US" sz="1050" dirty="0" smtClean="0"/>
+              <a:t> 实现</a:t>
+            </a:r>
+            <a:r>
+              <a:rPr kumimoji="1" lang="en-US" altLang="zh-CN" sz="1050" dirty="0" err="1" smtClean="0"/>
+              <a:t>MessageListener</a:t>
+            </a:r>
+            <a:r>
+              <a:rPr kumimoji="1" lang="zh-CN" altLang="en-US" sz="1050" smtClean="0"/>
+              <a:t>接口</a:t>
+            </a:r>
+            <a:endParaRPr kumimoji="1" lang="zh-CN" altLang="en-US" sz="1050" dirty="0"/>
           </a:p>
         </p:txBody>
       </p:sp>
     </p:spTree>
     <p:extLst>
       <p:ext uri="{BB962C8B-B14F-4D97-AF65-F5344CB8AC3E}">
-        <p14:creationId xmlns:p14="http://schemas.microsoft.com/office/powerpoint/2010/main" val="235056556"/>
+        <p14:creationId xmlns:p14="http://schemas.microsoft.com/office/powerpoint/2010/main" val="249556761"/>
       </p:ext>
     </p:extLst>
   </p:cSld>
   <p:clrMapOvr>
     <a:masterClrMapping/>
   </p:clrMapOvr>
+  <p:timing>
+    <p:tnLst>
+      <p:par>
+        <p:cTn id="1" dur="indefinite" restart="never" nodeType="tmRoot"/>
+      </p:par>
+    </p:tnLst>
+  </p:timing>
 </p:sld>
 </file>
 
@@ -6566,137 +7093,14 @@
       </p:grpSpPr>
       <p:sp>
         <p:nvSpPr>
-          <p:cNvPr id="4" name="矩形 3"/>
-          <p:cNvSpPr/>
-          <p:nvPr/>
-        </p:nvSpPr>
-        <p:spPr>
-          <a:xfrm>
-            <a:off x="2190307" y="3487479"/>
-            <a:ext cx="1594884" cy="723014"/>
-          </a:xfrm>
-          <a:prstGeom prst="rect">
-            <a:avLst/>
-          </a:prstGeom>
-          <a:noFill/>
-        </p:spPr>
-        <p:style>
-          <a:lnRef idx="2">
-            <a:schemeClr val="accent1">
-              <a:shade val="50000"/>
-            </a:schemeClr>
-          </a:lnRef>
-          <a:fillRef idx="1">
-            <a:schemeClr val="accent1"/>
-          </a:fillRef>
-          <a:effectRef idx="0">
-            <a:schemeClr val="accent1"/>
-          </a:effectRef>
-          <a:fontRef idx="minor">
-            <a:schemeClr val="lt1"/>
-          </a:fontRef>
-        </p:style>
-        <p:txBody>
-          <a:bodyPr rtlCol="0" anchor="ctr"/>
-          <a:lstStyle/>
-          <a:p>
-            <a:pPr algn="ctr"/>
-            <a:endParaRPr kumimoji="1" lang="zh-CN" altLang="en-US"/>
-          </a:p>
-        </p:txBody>
-      </p:sp>
-      <p:sp>
-        <p:nvSpPr>
-          <p:cNvPr id="6" name="矩形 5"/>
-          <p:cNvSpPr/>
-          <p:nvPr/>
-        </p:nvSpPr>
-        <p:spPr>
-          <a:xfrm>
-            <a:off x="7063562" y="3487479"/>
-            <a:ext cx="1594884" cy="723014"/>
-          </a:xfrm>
-          <a:prstGeom prst="rect">
-            <a:avLst/>
-          </a:prstGeom>
-          <a:noFill/>
-        </p:spPr>
-        <p:style>
-          <a:lnRef idx="2">
-            <a:schemeClr val="accent1">
-              <a:shade val="50000"/>
-            </a:schemeClr>
-          </a:lnRef>
-          <a:fillRef idx="1">
-            <a:schemeClr val="accent1"/>
-          </a:fillRef>
-          <a:effectRef idx="0">
-            <a:schemeClr val="accent1"/>
-          </a:effectRef>
-          <a:fontRef idx="minor">
-            <a:schemeClr val="lt1"/>
-          </a:fontRef>
-        </p:style>
-        <p:txBody>
-          <a:bodyPr rtlCol="0" anchor="ctr"/>
-          <a:lstStyle/>
-          <a:p>
-            <a:pPr algn="ctr"/>
-            <a:endParaRPr kumimoji="1" lang="zh-CN" altLang="en-US"/>
-          </a:p>
-        </p:txBody>
-      </p:sp>
-      <p:sp>
-        <p:nvSpPr>
-          <p:cNvPr id="7" name="矩形 6"/>
-          <p:cNvSpPr/>
-          <p:nvPr/>
-        </p:nvSpPr>
-        <p:spPr>
-          <a:xfrm>
-            <a:off x="4564912" y="1045535"/>
-            <a:ext cx="1594884" cy="723014"/>
-          </a:xfrm>
-          <a:prstGeom prst="rect">
-            <a:avLst/>
-          </a:prstGeom>
-          <a:noFill/>
-        </p:spPr>
-        <p:style>
-          <a:lnRef idx="2">
-            <a:schemeClr val="accent1">
-              <a:shade val="50000"/>
-            </a:schemeClr>
-          </a:lnRef>
-          <a:fillRef idx="1">
-            <a:schemeClr val="accent1"/>
-          </a:fillRef>
-          <a:effectRef idx="0">
-            <a:schemeClr val="accent1"/>
-          </a:effectRef>
-          <a:fontRef idx="minor">
-            <a:schemeClr val="lt1"/>
-          </a:fontRef>
-        </p:style>
-        <p:txBody>
-          <a:bodyPr rtlCol="0" anchor="ctr"/>
-          <a:lstStyle/>
-          <a:p>
-            <a:pPr algn="ctr"/>
-            <a:endParaRPr kumimoji="1" lang="zh-CN" altLang="en-US"/>
-          </a:p>
-        </p:txBody>
-      </p:sp>
-      <p:sp>
-        <p:nvSpPr>
-          <p:cNvPr id="8" name="文本框 7"/>
+          <p:cNvPr id="4" name="文本框 3"/>
           <p:cNvSpPr txBox="1"/>
           <p:nvPr/>
         </p:nvSpPr>
         <p:spPr>
           <a:xfrm>
-            <a:off x="2664583" y="3710486"/>
-            <a:ext cx="646331" cy="276999"/>
+            <a:off x="4992827" y="630222"/>
+            <a:ext cx="840295" cy="276999"/>
           </a:xfrm>
           <a:prstGeom prst="rect">
             <a:avLst/>
@@ -6710,8 +7114,12 @@
           <a:lstStyle/>
           <a:p>
             <a:r>
-              <a:rPr kumimoji="1" lang="zh-CN" altLang="en-US" sz="1200" dirty="0" smtClean="0"/>
-              <a:t>事件源</a:t>
+              <a:rPr kumimoji="1" lang="en-US" altLang="zh-CN" sz="1200" dirty="0"/>
+              <a:t>C</a:t>
+            </a:r>
+            <a:r>
+              <a:rPr kumimoji="1" lang="en-US" altLang="zh-CN" sz="1200" dirty="0" smtClean="0"/>
+              <a:t>ollection</a:t>
             </a:r>
             <a:endParaRPr kumimoji="1" lang="zh-CN" altLang="en-US" sz="1200" dirty="0"/>
           </a:p>
@@ -6719,14 +7127,14 @@
       </p:sp>
       <p:sp>
         <p:nvSpPr>
-          <p:cNvPr id="9" name="文本框 8"/>
+          <p:cNvPr id="5" name="文本框 4"/>
           <p:cNvSpPr txBox="1"/>
           <p:nvPr/>
         </p:nvSpPr>
         <p:spPr>
           <a:xfrm>
-            <a:off x="5039188" y="1268542"/>
-            <a:ext cx="646331" cy="276999"/>
+            <a:off x="6878761" y="1432481"/>
+            <a:ext cx="391454" cy="276999"/>
           </a:xfrm>
           <a:prstGeom prst="rect">
             <a:avLst/>
@@ -6740,8 +7148,8 @@
           <a:lstStyle/>
           <a:p>
             <a:r>
-              <a:rPr kumimoji="1" lang="zh-CN" altLang="en-US" sz="1200" dirty="0" smtClean="0"/>
-              <a:t>监听器</a:t>
+              <a:rPr kumimoji="1" lang="en-US" altLang="zh-CN" sz="1200" dirty="0" smtClean="0"/>
+              <a:t>Set</a:t>
             </a:r>
             <a:endParaRPr kumimoji="1" lang="zh-CN" altLang="en-US" sz="1200" dirty="0"/>
           </a:p>
@@ -6749,14 +7157,14 @@
       </p:sp>
       <p:sp>
         <p:nvSpPr>
-          <p:cNvPr id="10" name="文本框 9"/>
+          <p:cNvPr id="6" name="文本框 5"/>
           <p:cNvSpPr txBox="1"/>
           <p:nvPr/>
         </p:nvSpPr>
         <p:spPr>
           <a:xfrm>
-            <a:off x="7537838" y="3706804"/>
-            <a:ext cx="800219" cy="276999"/>
+            <a:off x="3381471" y="1358916"/>
+            <a:ext cx="402674" cy="276999"/>
           </a:xfrm>
           <a:prstGeom prst="rect">
             <a:avLst/>
@@ -6770,8 +7178,158 @@
           <a:lstStyle/>
           <a:p>
             <a:r>
-              <a:rPr kumimoji="1" lang="zh-CN" altLang="en-US" sz="1200" dirty="0" smtClean="0"/>
-              <a:t>事件对象</a:t>
+              <a:rPr kumimoji="1" lang="en-US" altLang="zh-CN" sz="1200" dirty="0" smtClean="0"/>
+              <a:t>List</a:t>
+            </a:r>
+            <a:endParaRPr kumimoji="1" lang="zh-CN" altLang="en-US" sz="1200" dirty="0"/>
+          </a:p>
+        </p:txBody>
+      </p:sp>
+      <p:sp>
+        <p:nvSpPr>
+          <p:cNvPr id="7" name="文本框 6"/>
+          <p:cNvSpPr txBox="1"/>
+          <p:nvPr/>
+        </p:nvSpPr>
+        <p:spPr>
+          <a:xfrm>
+            <a:off x="7453805" y="2165492"/>
+            <a:ext cx="681597" cy="276999"/>
+          </a:xfrm>
+          <a:prstGeom prst="rect">
+            <a:avLst/>
+          </a:prstGeom>
+          <a:noFill/>
+        </p:spPr>
+        <p:txBody>
+          <a:bodyPr wrap="none" rtlCol="0">
+            <a:spAutoFit/>
+          </a:bodyPr>
+          <a:lstStyle/>
+          <a:p>
+            <a:r>
+              <a:rPr kumimoji="1" lang="en-US" altLang="zh-CN" sz="1200" dirty="0" smtClean="0"/>
+              <a:t>TreeSet</a:t>
+            </a:r>
+            <a:endParaRPr kumimoji="1" lang="zh-CN" altLang="en-US" sz="1200" dirty="0"/>
+          </a:p>
+        </p:txBody>
+      </p:sp>
+      <p:sp>
+        <p:nvSpPr>
+          <p:cNvPr id="8" name="文本框 7"/>
+          <p:cNvSpPr txBox="1"/>
+          <p:nvPr/>
+        </p:nvSpPr>
+        <p:spPr>
+          <a:xfrm>
+            <a:off x="6057509" y="2165492"/>
+            <a:ext cx="723275" cy="276999"/>
+          </a:xfrm>
+          <a:prstGeom prst="rect">
+            <a:avLst/>
+          </a:prstGeom>
+          <a:noFill/>
+        </p:spPr>
+        <p:txBody>
+          <a:bodyPr wrap="none" rtlCol="0">
+            <a:spAutoFit/>
+          </a:bodyPr>
+          <a:lstStyle/>
+          <a:p>
+            <a:r>
+              <a:rPr kumimoji="1" lang="en-US" altLang="zh-CN" sz="1200" dirty="0" smtClean="0"/>
+              <a:t>HashSet</a:t>
+            </a:r>
+            <a:endParaRPr kumimoji="1" lang="zh-CN" altLang="en-US" sz="1200" dirty="0"/>
+          </a:p>
+        </p:txBody>
+      </p:sp>
+      <p:sp>
+        <p:nvSpPr>
+          <p:cNvPr id="9" name="文本框 8"/>
+          <p:cNvSpPr txBox="1"/>
+          <p:nvPr/>
+        </p:nvSpPr>
+        <p:spPr>
+          <a:xfrm>
+            <a:off x="4453006" y="2215690"/>
+            <a:ext cx="832279" cy="276999"/>
+          </a:xfrm>
+          <a:prstGeom prst="rect">
+            <a:avLst/>
+          </a:prstGeom>
+          <a:noFill/>
+        </p:spPr>
+        <p:txBody>
+          <a:bodyPr wrap="none" rtlCol="0">
+            <a:spAutoFit/>
+          </a:bodyPr>
+          <a:lstStyle/>
+          <a:p>
+            <a:r>
+              <a:rPr kumimoji="1" lang="en-US" altLang="zh-CN" sz="1200" dirty="0" smtClean="0"/>
+              <a:t>LinkedList</a:t>
+            </a:r>
+            <a:endParaRPr kumimoji="1" lang="zh-CN" altLang="en-US" sz="1200" dirty="0"/>
+          </a:p>
+        </p:txBody>
+      </p:sp>
+      <p:sp>
+        <p:nvSpPr>
+          <p:cNvPr id="10" name="文本框 9"/>
+          <p:cNvSpPr txBox="1"/>
+          <p:nvPr/>
+        </p:nvSpPr>
+        <p:spPr>
+          <a:xfrm>
+            <a:off x="3274070" y="2183218"/>
+            <a:ext cx="617477" cy="276999"/>
+          </a:xfrm>
+          <a:prstGeom prst="rect">
+            <a:avLst/>
+          </a:prstGeom>
+          <a:noFill/>
+        </p:spPr>
+        <p:txBody>
+          <a:bodyPr wrap="none" rtlCol="0">
+            <a:spAutoFit/>
+          </a:bodyPr>
+          <a:lstStyle/>
+          <a:p>
+            <a:r>
+              <a:rPr kumimoji="1" lang="en-US" altLang="zh-CN" sz="1200" dirty="0" smtClean="0"/>
+              <a:t>Vector</a:t>
+            </a:r>
+            <a:endParaRPr kumimoji="1" lang="zh-CN" altLang="en-US" sz="1200" dirty="0"/>
+          </a:p>
+        </p:txBody>
+      </p:sp>
+      <p:sp>
+        <p:nvSpPr>
+          <p:cNvPr id="11" name="文本框 10"/>
+          <p:cNvSpPr txBox="1"/>
+          <p:nvPr/>
+        </p:nvSpPr>
+        <p:spPr>
+          <a:xfrm>
+            <a:off x="1841338" y="2183218"/>
+            <a:ext cx="755335" cy="276999"/>
+          </a:xfrm>
+          <a:prstGeom prst="rect">
+            <a:avLst/>
+          </a:prstGeom>
+          <a:noFill/>
+        </p:spPr>
+        <p:txBody>
+          <a:bodyPr wrap="none" rtlCol="0">
+            <a:spAutoFit/>
+          </a:bodyPr>
+          <a:lstStyle/>
+          <a:p>
+            <a:r>
+              <a:rPr kumimoji="1" lang="en-US" altLang="zh-CN" sz="1200" dirty="0" smtClean="0"/>
+              <a:t>ArrayList</a:t>
             </a:r>
             <a:endParaRPr kumimoji="1" lang="zh-CN" altLang="en-US" sz="1200" dirty="0"/>
           </a:p>
@@ -6779,16 +7337,17 @@
       </p:sp>
       <p:cxnSp>
         <p:nvCxnSpPr>
-          <p:cNvPr id="12" name="直线箭头连接符 11"/>
+          <p:cNvPr id="13" name="直线箭头连接符 12"/>
           <p:cNvCxnSpPr>
-            <a:endCxn id="4" idx="0"/>
+            <a:stCxn id="4" idx="2"/>
+            <a:endCxn id="6" idx="3"/>
           </p:cNvCxnSpPr>
           <p:nvPr/>
         </p:nvCxnSpPr>
         <p:spPr>
           <a:xfrm flipH="1">
-            <a:off x="2987749" y="1768549"/>
-            <a:ext cx="1807535" cy="1718930"/>
+            <a:off x="3784145" y="907221"/>
+            <a:ext cx="1628830" cy="590195"/>
           </a:xfrm>
           <a:prstGeom prst="straightConnector1">
             <a:avLst/>
@@ -6812,49 +7371,19 @@
           </a:fontRef>
         </p:style>
       </p:cxnSp>
-      <p:sp>
-        <p:nvSpPr>
-          <p:cNvPr id="13" name="文本框 12"/>
-          <p:cNvSpPr txBox="1"/>
-          <p:nvPr/>
-        </p:nvSpPr>
-        <p:spPr>
-          <a:xfrm rot="19007122">
-            <a:off x="2977115" y="2436350"/>
-            <a:ext cx="1569660" cy="276999"/>
-          </a:xfrm>
-          <a:prstGeom prst="rect">
-            <a:avLst/>
-          </a:prstGeom>
-          <a:noFill/>
-        </p:spPr>
-        <p:txBody>
-          <a:bodyPr wrap="none" rtlCol="0">
-            <a:spAutoFit/>
-          </a:bodyPr>
-          <a:lstStyle/>
-          <a:p>
-            <a:r>
-              <a:rPr kumimoji="1" lang="zh-CN" altLang="en-US" sz="1200" dirty="0" smtClean="0"/>
-              <a:t>监听器注册到事件源</a:t>
-            </a:r>
-            <a:endParaRPr kumimoji="1" lang="zh-CN" altLang="en-US" sz="1200" dirty="0"/>
-          </a:p>
-        </p:txBody>
-      </p:sp>
       <p:cxnSp>
         <p:nvCxnSpPr>
           <p:cNvPr id="15" name="直线箭头连接符 14"/>
           <p:cNvCxnSpPr>
-            <a:stCxn id="4" idx="3"/>
-            <a:endCxn id="6" idx="1"/>
+            <a:stCxn id="4" idx="2"/>
+            <a:endCxn id="5" idx="1"/>
           </p:cNvCxnSpPr>
           <p:nvPr/>
         </p:nvCxnSpPr>
         <p:spPr>
           <a:xfrm>
-            <a:off x="3785191" y="3848986"/>
-            <a:ext cx="3278371" cy="0"/>
+            <a:off x="5412975" y="907221"/>
+            <a:ext cx="1465786" cy="663760"/>
           </a:xfrm>
           <a:prstGeom prst="straightConnector1">
             <a:avLst/>
@@ -6878,48 +7407,19 @@
           </a:fontRef>
         </p:style>
       </p:cxnSp>
-      <p:sp>
-        <p:nvSpPr>
-          <p:cNvPr id="16" name="文本框 15"/>
-          <p:cNvSpPr txBox="1"/>
-          <p:nvPr/>
-        </p:nvSpPr>
-        <p:spPr>
-          <a:xfrm>
-            <a:off x="4639546" y="3568304"/>
-            <a:ext cx="1569660" cy="276999"/>
-          </a:xfrm>
-          <a:prstGeom prst="rect">
-            <a:avLst/>
-          </a:prstGeom>
-          <a:noFill/>
-        </p:spPr>
-        <p:txBody>
-          <a:bodyPr wrap="none" rtlCol="0">
-            <a:spAutoFit/>
-          </a:bodyPr>
-          <a:lstStyle/>
-          <a:p>
-            <a:r>
-              <a:rPr kumimoji="1" lang="zh-CN" altLang="en-US" sz="1200" dirty="0" smtClean="0"/>
-              <a:t>事件对象封装事件源</a:t>
-            </a:r>
-            <a:endParaRPr kumimoji="1" lang="zh-CN" altLang="en-US" sz="1200" dirty="0"/>
-          </a:p>
-        </p:txBody>
-      </p:sp>
       <p:cxnSp>
         <p:nvCxnSpPr>
-          <p:cNvPr id="18" name="直线箭头连接符 17"/>
+          <p:cNvPr id="17" name="直线箭头连接符 16"/>
           <p:cNvCxnSpPr>
-            <a:stCxn id="6" idx="0"/>
+            <a:stCxn id="6" idx="2"/>
+            <a:endCxn id="11" idx="0"/>
           </p:cNvCxnSpPr>
           <p:nvPr/>
         </p:nvCxnSpPr>
         <p:spPr>
-          <a:xfrm flipH="1" flipV="1">
-            <a:off x="5869172" y="1768549"/>
-            <a:ext cx="1991832" cy="1718930"/>
+          <a:xfrm flipH="1">
+            <a:off x="2219006" y="1635915"/>
+            <a:ext cx="1363802" cy="547303"/>
           </a:xfrm>
           <a:prstGeom prst="straightConnector1">
             <a:avLst/>
@@ -6943,16 +7443,160 @@
           </a:fontRef>
         </p:style>
       </p:cxnSp>
-      <p:sp>
-        <p:nvSpPr>
-          <p:cNvPr id="19" name="文本框 18"/>
+      <p:cxnSp>
+        <p:nvCxnSpPr>
+          <p:cNvPr id="19" name="直线箭头连接符 18"/>
+          <p:cNvCxnSpPr>
+            <a:stCxn id="6" idx="2"/>
+            <a:endCxn id="10" idx="0"/>
+          </p:cNvCxnSpPr>
+          <p:nvPr/>
+        </p:nvCxnSpPr>
+        <p:spPr>
+          <a:xfrm>
+            <a:off x="3582808" y="1635915"/>
+            <a:ext cx="1" cy="547303"/>
+          </a:xfrm>
+          <a:prstGeom prst="straightConnector1">
+            <a:avLst/>
+          </a:prstGeom>
+          <a:ln>
+            <a:tailEnd type="triangle"/>
+          </a:ln>
+        </p:spPr>
+        <p:style>
+          <a:lnRef idx="1">
+            <a:schemeClr val="accent1"/>
+          </a:lnRef>
+          <a:fillRef idx="0">
+            <a:schemeClr val="accent1"/>
+          </a:fillRef>
+          <a:effectRef idx="0">
+            <a:schemeClr val="accent1"/>
+          </a:effectRef>
+          <a:fontRef idx="minor">
+            <a:schemeClr val="tx1"/>
+          </a:fontRef>
+        </p:style>
+      </p:cxnSp>
+      <p:cxnSp>
+        <p:nvCxnSpPr>
+          <p:cNvPr id="21" name="直线箭头连接符 20"/>
+          <p:cNvCxnSpPr>
+            <a:stCxn id="6" idx="2"/>
+            <a:endCxn id="9" idx="0"/>
+          </p:cNvCxnSpPr>
+          <p:nvPr/>
+        </p:nvCxnSpPr>
+        <p:spPr>
+          <a:xfrm>
+            <a:off x="3582808" y="1635915"/>
+            <a:ext cx="1286338" cy="579775"/>
+          </a:xfrm>
+          <a:prstGeom prst="straightConnector1">
+            <a:avLst/>
+          </a:prstGeom>
+          <a:ln>
+            <a:tailEnd type="triangle"/>
+          </a:ln>
+        </p:spPr>
+        <p:style>
+          <a:lnRef idx="1">
+            <a:schemeClr val="accent1"/>
+          </a:lnRef>
+          <a:fillRef idx="0">
+            <a:schemeClr val="accent1"/>
+          </a:fillRef>
+          <a:effectRef idx="0">
+            <a:schemeClr val="accent1"/>
+          </a:effectRef>
+          <a:fontRef idx="minor">
+            <a:schemeClr val="tx1"/>
+          </a:fontRef>
+        </p:style>
+      </p:cxnSp>
+      <p:cxnSp>
+        <p:nvCxnSpPr>
+          <p:cNvPr id="23" name="直线箭头连接符 22"/>
+          <p:cNvCxnSpPr>
+            <a:stCxn id="5" idx="2"/>
+            <a:endCxn id="8" idx="0"/>
+          </p:cNvCxnSpPr>
+          <p:nvPr/>
+        </p:nvCxnSpPr>
+        <p:spPr>
+          <a:xfrm flipH="1">
+            <a:off x="6419147" y="1709480"/>
+            <a:ext cx="655341" cy="456012"/>
+          </a:xfrm>
+          <a:prstGeom prst="straightConnector1">
+            <a:avLst/>
+          </a:prstGeom>
+          <a:ln>
+            <a:tailEnd type="triangle"/>
+          </a:ln>
+        </p:spPr>
+        <p:style>
+          <a:lnRef idx="1">
+            <a:schemeClr val="accent1"/>
+          </a:lnRef>
+          <a:fillRef idx="0">
+            <a:schemeClr val="accent1"/>
+          </a:fillRef>
+          <a:effectRef idx="0">
+            <a:schemeClr val="accent1"/>
+          </a:effectRef>
+          <a:fontRef idx="minor">
+            <a:schemeClr val="tx1"/>
+          </a:fontRef>
+        </p:style>
+      </p:cxnSp>
+      <p:cxnSp>
+        <p:nvCxnSpPr>
+          <p:cNvPr id="25" name="直线箭头连接符 24"/>
+          <p:cNvCxnSpPr>
+            <a:stCxn id="5" idx="2"/>
+            <a:endCxn id="7" idx="0"/>
+          </p:cNvCxnSpPr>
+          <p:nvPr/>
+        </p:nvCxnSpPr>
+        <p:spPr>
+          <a:xfrm>
+            <a:off x="7074488" y="1709480"/>
+            <a:ext cx="720116" cy="456012"/>
+          </a:xfrm>
+          <a:prstGeom prst="straightConnector1">
+            <a:avLst/>
+          </a:prstGeom>
+          <a:ln>
+            <a:tailEnd type="triangle"/>
+          </a:ln>
+        </p:spPr>
+        <p:style>
+          <a:lnRef idx="1">
+            <a:schemeClr val="accent1"/>
+          </a:lnRef>
+          <a:fillRef idx="0">
+            <a:schemeClr val="accent1"/>
+          </a:fillRef>
+          <a:effectRef idx="0">
+            <a:schemeClr val="accent1"/>
+          </a:effectRef>
+          <a:fontRef idx="minor">
+            <a:schemeClr val="tx1"/>
+          </a:fontRef>
+        </p:style>
+      </p:cxnSp>
+      <p:sp>
+        <p:nvSpPr>
+          <p:cNvPr id="27" name="文本框 26"/>
           <p:cNvSpPr txBox="1"/>
           <p:nvPr/>
         </p:nvSpPr>
         <p:spPr>
-          <a:xfrm rot="2490283">
-            <a:off x="5996758" y="2477388"/>
-            <a:ext cx="2339102" cy="276999"/>
+          <a:xfrm>
+            <a:off x="3596001" y="1100654"/>
+            <a:ext cx="1031051" cy="261610"/>
           </a:xfrm>
           <a:prstGeom prst="rect">
             <a:avLst/>
@@ -6966,23 +7610,381 @@
           <a:lstStyle/>
           <a:p>
             <a:r>
-              <a:rPr kumimoji="1" lang="zh-CN" altLang="en-US" sz="1200" dirty="0" smtClean="0"/>
-              <a:t>事件对象作为监听器方法的参数</a:t>
-            </a:r>
-            <a:endParaRPr kumimoji="1" lang="zh-CN" altLang="en-US" sz="1200" dirty="0"/>
+              <a:rPr kumimoji="1" lang="zh-CN" altLang="en-US" sz="1100" dirty="0" smtClean="0"/>
+              <a:t>有序、有重复</a:t>
+            </a:r>
+            <a:endParaRPr kumimoji="1" lang="zh-CN" altLang="en-US" sz="1100" dirty="0"/>
+          </a:p>
+        </p:txBody>
+      </p:sp>
+      <p:sp>
+        <p:nvSpPr>
+          <p:cNvPr id="28" name="文本框 27"/>
+          <p:cNvSpPr txBox="1"/>
+          <p:nvPr/>
+        </p:nvSpPr>
+        <p:spPr>
+          <a:xfrm>
+            <a:off x="5954036" y="991859"/>
+            <a:ext cx="1031051" cy="261610"/>
+          </a:xfrm>
+          <a:prstGeom prst="rect">
+            <a:avLst/>
+          </a:prstGeom>
+          <a:noFill/>
+        </p:spPr>
+        <p:txBody>
+          <a:bodyPr wrap="none" rtlCol="0">
+            <a:spAutoFit/>
+          </a:bodyPr>
+          <a:lstStyle/>
+          <a:p>
+            <a:r>
+              <a:rPr kumimoji="1" lang="zh-CN" altLang="en-US" sz="1100" dirty="0" smtClean="0"/>
+              <a:t>无序、无重复</a:t>
+            </a:r>
+            <a:endParaRPr kumimoji="1" lang="zh-CN" altLang="en-US" sz="1100" dirty="0"/>
+          </a:p>
+        </p:txBody>
+      </p:sp>
+      <p:sp>
+        <p:nvSpPr>
+          <p:cNvPr id="29" name="文本框 28"/>
+          <p:cNvSpPr txBox="1"/>
+          <p:nvPr/>
+        </p:nvSpPr>
+        <p:spPr>
+          <a:xfrm>
+            <a:off x="1212985" y="654377"/>
+            <a:ext cx="2300630" cy="430887"/>
+          </a:xfrm>
+          <a:prstGeom prst="rect">
+            <a:avLst/>
+          </a:prstGeom>
+          <a:noFill/>
+        </p:spPr>
+        <p:txBody>
+          <a:bodyPr wrap="none" rtlCol="0">
+            <a:spAutoFit/>
+          </a:bodyPr>
+          <a:lstStyle/>
+          <a:p>
+            <a:r>
+              <a:rPr kumimoji="1" lang="zh-CN" altLang="en-US" sz="1100" dirty="0" smtClean="0"/>
+              <a:t>有序：存储和取出的元素一致</a:t>
+            </a:r>
+            <a:endParaRPr kumimoji="1" lang="en-US" altLang="zh-CN" sz="1100" dirty="0" smtClean="0"/>
+          </a:p>
+          <a:p>
+            <a:r>
+              <a:rPr kumimoji="1" lang="zh-CN" altLang="en-US" sz="1100" dirty="0" smtClean="0"/>
+              <a:t>无序：存储和取出元素顺序不一致</a:t>
+            </a:r>
+            <a:endParaRPr kumimoji="1" lang="en-US" altLang="zh-CN" sz="1100" dirty="0" smtClean="0"/>
+          </a:p>
+        </p:txBody>
+      </p:sp>
+      <p:sp>
+        <p:nvSpPr>
+          <p:cNvPr id="30" name="文本框 29"/>
+          <p:cNvSpPr txBox="1"/>
+          <p:nvPr/>
+        </p:nvSpPr>
+        <p:spPr>
+          <a:xfrm>
+            <a:off x="3283688" y="1963880"/>
+            <a:ext cx="607859" cy="261610"/>
+          </a:xfrm>
+          <a:prstGeom prst="rect">
+            <a:avLst/>
+          </a:prstGeom>
+          <a:noFill/>
+        </p:spPr>
+        <p:txBody>
+          <a:bodyPr wrap="none" rtlCol="0">
+            <a:spAutoFit/>
+          </a:bodyPr>
+          <a:lstStyle/>
+          <a:p>
+            <a:r>
+              <a:rPr kumimoji="1" lang="zh-CN" altLang="en-US" sz="1100" smtClean="0"/>
+              <a:t>不常用</a:t>
+            </a:r>
+            <a:endParaRPr kumimoji="1" lang="zh-CN" altLang="en-US" sz="1100" dirty="0"/>
+          </a:p>
+        </p:txBody>
+      </p:sp>
+      <p:sp>
+        <p:nvSpPr>
+          <p:cNvPr id="31" name="文本框 30"/>
+          <p:cNvSpPr txBox="1"/>
+          <p:nvPr/>
+        </p:nvSpPr>
+        <p:spPr>
+          <a:xfrm>
+            <a:off x="1160494" y="2442491"/>
+            <a:ext cx="497252" cy="261610"/>
+          </a:xfrm>
+          <a:prstGeom prst="rect">
+            <a:avLst/>
+          </a:prstGeom>
+          <a:noFill/>
+        </p:spPr>
+        <p:txBody>
+          <a:bodyPr wrap="none" rtlCol="0">
+            <a:spAutoFit/>
+          </a:bodyPr>
+          <a:lstStyle/>
+          <a:p>
+            <a:r>
+              <a:rPr kumimoji="1" lang="zh-CN" altLang="en-US" sz="1100" dirty="0" smtClean="0"/>
+              <a:t>底层</a:t>
+            </a:r>
+            <a:r>
+              <a:rPr kumimoji="1" lang="en-US" altLang="zh-CN" sz="1100" dirty="0" smtClean="0"/>
+              <a:t>:</a:t>
+            </a:r>
+            <a:endParaRPr kumimoji="1" lang="zh-CN" altLang="en-US" sz="1100" dirty="0"/>
+          </a:p>
+        </p:txBody>
+      </p:sp>
+      <p:sp>
+        <p:nvSpPr>
+          <p:cNvPr id="32" name="文本框 31"/>
+          <p:cNvSpPr txBox="1"/>
+          <p:nvPr/>
+        </p:nvSpPr>
+        <p:spPr>
+          <a:xfrm>
+            <a:off x="1759601" y="2489589"/>
+            <a:ext cx="1338828" cy="553998"/>
+          </a:xfrm>
+          <a:prstGeom prst="rect">
+            <a:avLst/>
+          </a:prstGeom>
+          <a:noFill/>
+        </p:spPr>
+        <p:txBody>
+          <a:bodyPr wrap="none" rtlCol="0">
+            <a:spAutoFit/>
+          </a:bodyPr>
+          <a:lstStyle/>
+          <a:p>
+            <a:r>
+              <a:rPr kumimoji="1" lang="zh-CN" altLang="en-US" sz="1000" dirty="0" smtClean="0"/>
+              <a:t>数组</a:t>
+            </a:r>
+            <a:endParaRPr kumimoji="1" lang="en-US" altLang="zh-CN" sz="1000" dirty="0" smtClean="0"/>
+          </a:p>
+          <a:p>
+            <a:r>
+              <a:rPr kumimoji="1" lang="zh-CN" altLang="en-US" sz="1000" dirty="0" smtClean="0"/>
+              <a:t>查询快、增删慢</a:t>
+            </a:r>
+            <a:endParaRPr kumimoji="1" lang="en-US" altLang="zh-CN" sz="1000" dirty="0" smtClean="0"/>
+          </a:p>
+          <a:p>
+            <a:r>
+              <a:rPr kumimoji="1" lang="zh-CN" altLang="en-US" sz="1000" dirty="0" smtClean="0"/>
+              <a:t>线程不安全、效率高</a:t>
+            </a:r>
+            <a:endParaRPr kumimoji="1" lang="zh-CN" altLang="en-US" sz="1000" dirty="0"/>
+          </a:p>
+        </p:txBody>
+      </p:sp>
+      <p:sp>
+        <p:nvSpPr>
+          <p:cNvPr id="33" name="文本框 32"/>
+          <p:cNvSpPr txBox="1"/>
+          <p:nvPr/>
+        </p:nvSpPr>
+        <p:spPr>
+          <a:xfrm>
+            <a:off x="3086751" y="2489589"/>
+            <a:ext cx="1210588" cy="553998"/>
+          </a:xfrm>
+          <a:prstGeom prst="rect">
+            <a:avLst/>
+          </a:prstGeom>
+          <a:noFill/>
+        </p:spPr>
+        <p:txBody>
+          <a:bodyPr wrap="none" rtlCol="0">
+            <a:spAutoFit/>
+          </a:bodyPr>
+          <a:lstStyle/>
+          <a:p>
+            <a:r>
+              <a:rPr kumimoji="1" lang="zh-CN" altLang="en-US" sz="1000" dirty="0" smtClean="0"/>
+              <a:t>数组</a:t>
+            </a:r>
+            <a:endParaRPr kumimoji="1" lang="en-US" altLang="zh-CN" sz="1000" dirty="0" smtClean="0"/>
+          </a:p>
+          <a:p>
+            <a:r>
+              <a:rPr kumimoji="1" lang="zh-CN" altLang="en-US" sz="1000" dirty="0" smtClean="0"/>
+              <a:t>查询慢</a:t>
+            </a:r>
+            <a:endParaRPr kumimoji="1" lang="en-US" altLang="zh-CN" sz="1000" dirty="0" smtClean="0"/>
+          </a:p>
+          <a:p>
+            <a:r>
+              <a:rPr kumimoji="1" lang="zh-CN" altLang="en-US" sz="1000" dirty="0" smtClean="0"/>
+              <a:t>线程安全、效率慢</a:t>
+            </a:r>
+            <a:endParaRPr kumimoji="1" lang="zh-CN" altLang="en-US" sz="1000" dirty="0"/>
+          </a:p>
+        </p:txBody>
+      </p:sp>
+      <p:sp>
+        <p:nvSpPr>
+          <p:cNvPr id="34" name="文本框 33"/>
+          <p:cNvSpPr txBox="1"/>
+          <p:nvPr/>
+        </p:nvSpPr>
+        <p:spPr>
+          <a:xfrm>
+            <a:off x="4326561" y="2486567"/>
+            <a:ext cx="1338828" cy="553998"/>
+          </a:xfrm>
+          <a:prstGeom prst="rect">
+            <a:avLst/>
+          </a:prstGeom>
+          <a:noFill/>
+        </p:spPr>
+        <p:txBody>
+          <a:bodyPr wrap="none" rtlCol="0">
+            <a:spAutoFit/>
+          </a:bodyPr>
+          <a:lstStyle/>
+          <a:p>
+            <a:r>
+              <a:rPr kumimoji="1" lang="zh-CN" altLang="en-US" sz="1000" dirty="0" smtClean="0"/>
+              <a:t>链表</a:t>
+            </a:r>
+            <a:endParaRPr kumimoji="1" lang="en-US" altLang="zh-CN" sz="1000" dirty="0" smtClean="0"/>
+          </a:p>
+          <a:p>
+            <a:r>
+              <a:rPr kumimoji="1" lang="zh-CN" altLang="en-US" sz="1000" dirty="0" smtClean="0"/>
+              <a:t>查询慢、增删快</a:t>
+            </a:r>
+            <a:endParaRPr kumimoji="1" lang="en-US" altLang="zh-CN" sz="1000" dirty="0" smtClean="0"/>
+          </a:p>
+          <a:p>
+            <a:r>
+              <a:rPr kumimoji="1" lang="zh-CN" altLang="en-US" sz="1000" dirty="0" smtClean="0"/>
+              <a:t>线程不安全、效率高</a:t>
+            </a:r>
+            <a:endParaRPr kumimoji="1" lang="zh-CN" altLang="en-US" sz="1000" dirty="0"/>
+          </a:p>
+        </p:txBody>
+      </p:sp>
+      <p:sp>
+        <p:nvSpPr>
+          <p:cNvPr id="56" name="文本框 55"/>
+          <p:cNvSpPr txBox="1"/>
+          <p:nvPr/>
+        </p:nvSpPr>
+        <p:spPr>
+          <a:xfrm>
+            <a:off x="5821056" y="2483004"/>
+            <a:ext cx="1338828" cy="553998"/>
+          </a:xfrm>
+          <a:prstGeom prst="rect">
+            <a:avLst/>
+          </a:prstGeom>
+          <a:noFill/>
+        </p:spPr>
+        <p:txBody>
+          <a:bodyPr wrap="none" rtlCol="0">
+            <a:spAutoFit/>
+          </a:bodyPr>
+          <a:lstStyle/>
+          <a:p>
+            <a:r>
+              <a:rPr kumimoji="1" lang="zh-CN" altLang="en-US" sz="1000" dirty="0" smtClean="0"/>
+              <a:t>链表</a:t>
+            </a:r>
+            <a:endParaRPr kumimoji="1" lang="en-US" altLang="zh-CN" sz="1000" dirty="0" smtClean="0"/>
+          </a:p>
+          <a:p>
+            <a:r>
+              <a:rPr kumimoji="1" lang="zh-CN" altLang="en-US" sz="1000" dirty="0" smtClean="0"/>
+              <a:t>查询慢、增删快</a:t>
+            </a:r>
+            <a:endParaRPr kumimoji="1" lang="en-US" altLang="zh-CN" sz="1000" dirty="0" smtClean="0"/>
+          </a:p>
+          <a:p>
+            <a:r>
+              <a:rPr kumimoji="1" lang="zh-CN" altLang="en-US" sz="1000" dirty="0" smtClean="0"/>
+              <a:t>线程不安全、效率高</a:t>
+            </a:r>
+            <a:endParaRPr kumimoji="1" lang="zh-CN" altLang="en-US" sz="1000" dirty="0"/>
+          </a:p>
+        </p:txBody>
+      </p:sp>
+      <p:sp>
+        <p:nvSpPr>
+          <p:cNvPr id="26" name="文本框 25"/>
+          <p:cNvSpPr txBox="1"/>
+          <p:nvPr/>
+        </p:nvSpPr>
+        <p:spPr>
+          <a:xfrm>
+            <a:off x="7287005" y="2478956"/>
+            <a:ext cx="1338828" cy="553998"/>
+          </a:xfrm>
+          <a:prstGeom prst="rect">
+            <a:avLst/>
+          </a:prstGeom>
+          <a:noFill/>
+        </p:spPr>
+        <p:txBody>
+          <a:bodyPr wrap="none" rtlCol="0">
+            <a:spAutoFit/>
+          </a:bodyPr>
+          <a:lstStyle/>
+          <a:p>
+            <a:r>
+              <a:rPr kumimoji="1" lang="zh-CN" altLang="en-US" sz="1000" dirty="0" smtClean="0"/>
+              <a:t>能够对元素按照某个</a:t>
+            </a:r>
+            <a:endParaRPr kumimoji="1" lang="en-US" altLang="zh-CN" sz="1000" dirty="0" smtClean="0"/>
+          </a:p>
+          <a:p>
+            <a:r>
+              <a:rPr kumimoji="1" lang="zh-CN" altLang="en-US" sz="1000" dirty="0" smtClean="0"/>
+              <a:t>规则进行自然排序</a:t>
+            </a:r>
+            <a:endParaRPr kumimoji="1" lang="en-US" altLang="zh-CN" sz="1000" dirty="0" smtClean="0"/>
+          </a:p>
+          <a:p>
+            <a:r>
+              <a:rPr kumimoji="1" lang="zh-CN" altLang="en-US" sz="1000" dirty="0" smtClean="0"/>
+              <a:t>自然排序、比较排序</a:t>
+            </a:r>
+            <a:endParaRPr kumimoji="1" lang="zh-CN" altLang="en-US" sz="1000" dirty="0"/>
           </a:p>
         </p:txBody>
       </p:sp>
     </p:spTree>
     <p:extLst>
       <p:ext uri="{BB962C8B-B14F-4D97-AF65-F5344CB8AC3E}">
-        <p14:creationId xmlns:p14="http://schemas.microsoft.com/office/powerpoint/2010/main" val="1116330866"/>
+        <p14:creationId xmlns:p14="http://schemas.microsoft.com/office/powerpoint/2010/main" val="235056556"/>
       </p:ext>
     </p:extLst>
   </p:cSld>
   <p:clrMapOvr>
     <a:masterClrMapping/>
   </p:clrMapOvr>
+  <p:timing>
+    <p:tnLst>
+      <p:par>
+        <p:cTn id="1" dur="indefinite" restart="never" nodeType="tmRoot"/>
+      </p:par>
+    </p:tnLst>
+  </p:timing>
 </p:sld>
 </file>
 
@@ -7011,12 +8013,13 @@
         </p:nvSpPr>
         <p:spPr>
           <a:xfrm>
-            <a:off x="6356328" y="1164693"/>
-            <a:ext cx="847751" cy="871583"/>
-          </a:xfrm>
-          <a:prstGeom prst="rect">
-            <a:avLst/>
-          </a:prstGeom>
+            <a:off x="2190307" y="3487479"/>
+            <a:ext cx="1594884" cy="723014"/>
+          </a:xfrm>
+          <a:prstGeom prst="rect">
+            <a:avLst/>
+          </a:prstGeom>
+          <a:noFill/>
         </p:spPr>
         <p:style>
           <a:lnRef idx="2">
@@ -7045,18 +8048,19 @@
       </p:sp>
       <p:sp>
         <p:nvSpPr>
-          <p:cNvPr id="5" name="矩形 4"/>
+          <p:cNvPr id="6" name="矩形 5"/>
           <p:cNvSpPr/>
           <p:nvPr/>
         </p:nvSpPr>
         <p:spPr>
           <a:xfrm>
-            <a:off x="6356327" y="2856782"/>
-            <a:ext cx="847751" cy="871583"/>
-          </a:xfrm>
-          <a:prstGeom prst="rect">
-            <a:avLst/>
-          </a:prstGeom>
+            <a:off x="7063562" y="3487479"/>
+            <a:ext cx="1594884" cy="723014"/>
+          </a:xfrm>
+          <a:prstGeom prst="rect">
+            <a:avLst/>
+          </a:prstGeom>
+          <a:noFill/>
         </p:spPr>
         <p:style>
           <a:lnRef idx="2">
@@ -7085,18 +8089,19 @@
       </p:sp>
       <p:sp>
         <p:nvSpPr>
-          <p:cNvPr id="6" name="罐形 5"/>
+          <p:cNvPr id="7" name="矩形 6"/>
           <p:cNvSpPr/>
           <p:nvPr/>
         </p:nvSpPr>
         <p:spPr>
-          <a:xfrm rot="5400000">
-            <a:off x="2816185" y="1193689"/>
-            <a:ext cx="1566213" cy="2587707"/>
-          </a:xfrm>
-          <a:prstGeom prst="can">
-            <a:avLst/>
-          </a:prstGeom>
+          <a:xfrm>
+            <a:off x="4564912" y="1045535"/>
+            <a:ext cx="1594884" cy="723014"/>
+          </a:xfrm>
+          <a:prstGeom prst="rect">
+            <a:avLst/>
+          </a:prstGeom>
+          <a:noFill/>
         </p:spPr>
         <p:style>
           <a:lnRef idx="2">
@@ -7125,14 +8130,14 @@
       </p:sp>
       <p:sp>
         <p:nvSpPr>
-          <p:cNvPr id="11" name="文本框 10"/>
+          <p:cNvPr id="8" name="文本框 7"/>
           <p:cNvSpPr txBox="1"/>
           <p:nvPr/>
         </p:nvSpPr>
         <p:spPr>
           <a:xfrm>
-            <a:off x="946298" y="595423"/>
-            <a:ext cx="1277914" cy="369332"/>
+            <a:off x="2664583" y="3710486"/>
+            <a:ext cx="646331" cy="276999"/>
           </a:xfrm>
           <a:prstGeom prst="rect">
             <a:avLst/>
@@ -7146,95 +8151,23 @@
           <a:lstStyle/>
           <a:p>
             <a:r>
-              <a:rPr kumimoji="1" lang="en-US" altLang="zh-CN" dirty="0" smtClean="0"/>
-              <a:t>NIO</a:t>
-            </a:r>
-            <a:r>
-              <a:rPr kumimoji="1" lang="zh-CN" altLang="en-US" dirty="0" smtClean="0"/>
-              <a:t>图解：</a:t>
-            </a:r>
-            <a:endParaRPr kumimoji="1" lang="zh-CN" altLang="en-US" dirty="0"/>
-          </a:p>
-        </p:txBody>
-      </p:sp>
-      <p:sp>
-        <p:nvSpPr>
-          <p:cNvPr id="12" name="文本框 11"/>
+              <a:rPr kumimoji="1" lang="zh-CN" altLang="en-US" sz="1200" dirty="0" smtClean="0"/>
+              <a:t>事件源</a:t>
+            </a:r>
+            <a:endParaRPr kumimoji="1" lang="zh-CN" altLang="en-US" sz="1200" dirty="0"/>
+          </a:p>
+        </p:txBody>
+      </p:sp>
+      <p:sp>
+        <p:nvSpPr>
+          <p:cNvPr id="9" name="文本框 8"/>
           <p:cNvSpPr txBox="1"/>
           <p:nvPr/>
         </p:nvSpPr>
         <p:spPr>
           <a:xfrm>
-            <a:off x="6389781" y="1457135"/>
-            <a:ext cx="929192" cy="461665"/>
-          </a:xfrm>
-          <a:prstGeom prst="rect">
-            <a:avLst/>
-          </a:prstGeom>
-          <a:noFill/>
-        </p:spPr>
-        <p:txBody>
-          <a:bodyPr wrap="square" rtlCol="0">
-            <a:spAutoFit/>
-          </a:bodyPr>
-          <a:lstStyle/>
-          <a:p>
-            <a:r>
-              <a:rPr kumimoji="1" lang="zh-CN" altLang="en-US" sz="1200" dirty="0" smtClean="0"/>
-              <a:t>缓冲区</a:t>
-            </a:r>
-            <a:r>
-              <a:rPr kumimoji="1" lang="en-US" altLang="zh-CN" sz="1200" dirty="0" smtClean="0"/>
-              <a:t>(buffer)</a:t>
-            </a:r>
-            <a:endParaRPr kumimoji="1" lang="zh-CN" altLang="en-US" sz="1200" dirty="0"/>
-          </a:p>
-        </p:txBody>
-      </p:sp>
-      <p:sp>
-        <p:nvSpPr>
-          <p:cNvPr id="13" name="文本框 12"/>
-          <p:cNvSpPr txBox="1"/>
-          <p:nvPr/>
-        </p:nvSpPr>
-        <p:spPr>
-          <a:xfrm>
-            <a:off x="6458643" y="3090229"/>
-            <a:ext cx="929192" cy="461665"/>
-          </a:xfrm>
-          <a:prstGeom prst="rect">
-            <a:avLst/>
-          </a:prstGeom>
-          <a:noFill/>
-        </p:spPr>
-        <p:txBody>
-          <a:bodyPr wrap="square" rtlCol="0">
-            <a:spAutoFit/>
-          </a:bodyPr>
-          <a:lstStyle/>
-          <a:p>
-            <a:r>
-              <a:rPr kumimoji="1" lang="zh-CN" altLang="en-US" sz="1200" dirty="0" smtClean="0"/>
-              <a:t>缓冲区</a:t>
-            </a:r>
-            <a:r>
-              <a:rPr kumimoji="1" lang="en-US" altLang="zh-CN" sz="1200" dirty="0" smtClean="0"/>
-              <a:t>(buffer)</a:t>
-            </a:r>
-            <a:endParaRPr kumimoji="1" lang="zh-CN" altLang="en-US" sz="1200" dirty="0"/>
-          </a:p>
-        </p:txBody>
-      </p:sp>
-      <p:sp>
-        <p:nvSpPr>
-          <p:cNvPr id="19" name="文本框 18"/>
-          <p:cNvSpPr txBox="1"/>
-          <p:nvPr/>
-        </p:nvSpPr>
-        <p:spPr>
-          <a:xfrm>
-            <a:off x="946298" y="5266138"/>
-            <a:ext cx="3570208" cy="461665"/>
+            <a:off x="5039188" y="1268542"/>
+            <a:ext cx="646331" cy="276999"/>
           </a:xfrm>
           <a:prstGeom prst="rect">
             <a:avLst/>
@@ -7249,22 +8182,37 @@
           <a:p>
             <a:r>
               <a:rPr kumimoji="1" lang="zh-CN" altLang="en-US" sz="1200" dirty="0" smtClean="0"/>
-              <a:t>选择器：监视通道中的数据达到、连接打开等情况</a:t>
-            </a:r>
-            <a:endParaRPr kumimoji="1" lang="en-US" altLang="zh-CN" sz="1200" dirty="0" smtClean="0"/>
-          </a:p>
+              <a:t>监听器</a:t>
+            </a:r>
+            <a:endParaRPr kumimoji="1" lang="zh-CN" altLang="en-US" sz="1200" dirty="0"/>
+          </a:p>
+        </p:txBody>
+      </p:sp>
+      <p:sp>
+        <p:nvSpPr>
+          <p:cNvPr id="10" name="文本框 9"/>
+          <p:cNvSpPr txBox="1"/>
+          <p:nvPr/>
+        </p:nvSpPr>
+        <p:spPr>
+          <a:xfrm>
+            <a:off x="7537838" y="3706804"/>
+            <a:ext cx="800219" cy="276999"/>
+          </a:xfrm>
+          <a:prstGeom prst="rect">
+            <a:avLst/>
+          </a:prstGeom>
+          <a:noFill/>
+        </p:spPr>
+        <p:txBody>
+          <a:bodyPr wrap="none" rtlCol="0">
+            <a:spAutoFit/>
+          </a:bodyPr>
+          <a:lstStyle/>
           <a:p>
             <a:r>
               <a:rPr kumimoji="1" lang="zh-CN" altLang="en-US" sz="1200" dirty="0" smtClean="0"/>
-              <a:t>非阻塞</a:t>
-            </a:r>
-            <a:r>
-              <a:rPr kumimoji="1" lang="en-US" altLang="zh-CN" sz="1200" dirty="0" smtClean="0"/>
-              <a:t>I/O</a:t>
-            </a:r>
-            <a:r>
-              <a:rPr kumimoji="1" lang="zh-CN" altLang="en-US" sz="1200" dirty="0" smtClean="0"/>
-              <a:t>：返回任何可用的数据</a:t>
+              <a:t>事件对象</a:t>
             </a:r>
             <a:endParaRPr kumimoji="1" lang="zh-CN" altLang="en-US" sz="1200" dirty="0"/>
           </a:p>
@@ -7272,14 +8220,16 @@
       </p:sp>
       <p:cxnSp>
         <p:nvCxnSpPr>
-          <p:cNvPr id="23" name="直线箭头连接符 22"/>
-          <p:cNvCxnSpPr/>
+          <p:cNvPr id="12" name="直线箭头连接符 11"/>
+          <p:cNvCxnSpPr>
+            <a:endCxn id="4" idx="0"/>
+          </p:cNvCxnSpPr>
           <p:nvPr/>
         </p:nvCxnSpPr>
         <p:spPr>
-          <a:xfrm flipV="1">
-            <a:off x="2451711" y="4770027"/>
-            <a:ext cx="367990" cy="496112"/>
+          <a:xfrm flipH="1">
+            <a:off x="2987749" y="1768549"/>
+            <a:ext cx="1807535" cy="1718930"/>
           </a:xfrm>
           <a:prstGeom prst="straightConnector1">
             <a:avLst/>
@@ -7303,16 +8253,49 @@
           </a:fontRef>
         </p:style>
       </p:cxnSp>
+      <p:sp>
+        <p:nvSpPr>
+          <p:cNvPr id="13" name="文本框 12"/>
+          <p:cNvSpPr txBox="1"/>
+          <p:nvPr/>
+        </p:nvSpPr>
+        <p:spPr>
+          <a:xfrm rot="19007122">
+            <a:off x="2977115" y="2436350"/>
+            <a:ext cx="1569660" cy="276999"/>
+          </a:xfrm>
+          <a:prstGeom prst="rect">
+            <a:avLst/>
+          </a:prstGeom>
+          <a:noFill/>
+        </p:spPr>
+        <p:txBody>
+          <a:bodyPr wrap="none" rtlCol="0">
+            <a:spAutoFit/>
+          </a:bodyPr>
+          <a:lstStyle/>
+          <a:p>
+            <a:r>
+              <a:rPr kumimoji="1" lang="zh-CN" altLang="en-US" sz="1200" dirty="0" smtClean="0"/>
+              <a:t>监听器注册到事件源</a:t>
+            </a:r>
+            <a:endParaRPr kumimoji="1" lang="zh-CN" altLang="en-US" sz="1200" dirty="0"/>
+          </a:p>
+        </p:txBody>
+      </p:sp>
       <p:cxnSp>
         <p:nvCxnSpPr>
-          <p:cNvPr id="26" name="直线箭头连接符 25"/>
-          <p:cNvCxnSpPr/>
+          <p:cNvPr id="15" name="直线箭头连接符 14"/>
+          <p:cNvCxnSpPr>
+            <a:stCxn id="4" idx="3"/>
+            <a:endCxn id="6" idx="1"/>
+          </p:cNvCxnSpPr>
           <p:nvPr/>
         </p:nvCxnSpPr>
         <p:spPr>
-          <a:xfrm flipH="1" flipV="1">
-            <a:off x="5126215" y="2856782"/>
-            <a:ext cx="873142" cy="484644"/>
+          <a:xfrm>
+            <a:off x="3785191" y="3848986"/>
+            <a:ext cx="3278371" cy="0"/>
           </a:xfrm>
           <a:prstGeom prst="straightConnector1">
             <a:avLst/>
@@ -7338,44 +8321,14 @@
       </p:cxnSp>
       <p:sp>
         <p:nvSpPr>
-          <p:cNvPr id="27" name="文本框 26"/>
+          <p:cNvPr id="16" name="文本框 15"/>
           <p:cNvSpPr txBox="1"/>
           <p:nvPr/>
         </p:nvSpPr>
         <p:spPr>
           <a:xfrm>
-            <a:off x="5110838" y="1648500"/>
-            <a:ext cx="800219" cy="276999"/>
-          </a:xfrm>
-          <a:prstGeom prst="rect">
-            <a:avLst/>
-          </a:prstGeom>
-          <a:noFill/>
-        </p:spPr>
-        <p:txBody>
-          <a:bodyPr wrap="square" rtlCol="0">
-            <a:spAutoFit/>
-          </a:bodyPr>
-          <a:lstStyle/>
-          <a:p>
-            <a:r>
-              <a:rPr kumimoji="1" lang="zh-CN" altLang="en-US" sz="1200" dirty="0" smtClean="0"/>
-              <a:t>数据读取</a:t>
-            </a:r>
-            <a:endParaRPr kumimoji="1" lang="zh-CN" altLang="en-US" sz="1200" dirty="0"/>
-          </a:p>
-        </p:txBody>
-      </p:sp>
-      <p:sp>
-        <p:nvSpPr>
-          <p:cNvPr id="28" name="文本框 27"/>
-          <p:cNvSpPr txBox="1"/>
-          <p:nvPr/>
-        </p:nvSpPr>
-        <p:spPr>
-          <a:xfrm>
-            <a:off x="5162676" y="3206319"/>
-            <a:ext cx="800219" cy="276999"/>
+            <a:off x="4639546" y="3568304"/>
+            <a:ext cx="1569660" cy="276999"/>
           </a:xfrm>
           <a:prstGeom prst="rect">
             <a:avLst/>
@@ -7390,66 +8343,24 @@
           <a:p>
             <a:r>
               <a:rPr kumimoji="1" lang="zh-CN" altLang="en-US" sz="1200" dirty="0" smtClean="0"/>
-              <a:t>数据写入</a:t>
+              <a:t>事件对象封装事件源</a:t>
             </a:r>
             <a:endParaRPr kumimoji="1" lang="zh-CN" altLang="en-US" sz="1200" dirty="0"/>
-          </a:p>
-        </p:txBody>
-      </p:sp>
-      <p:sp>
-        <p:nvSpPr>
-          <p:cNvPr id="31" name="罐形 30"/>
-          <p:cNvSpPr/>
-          <p:nvPr/>
-        </p:nvSpPr>
-        <p:spPr>
-          <a:xfrm>
-            <a:off x="857011" y="2237424"/>
-            <a:ext cx="1302938" cy="657975"/>
-          </a:xfrm>
-          <a:prstGeom prst="can">
-            <a:avLst/>
-          </a:prstGeom>
-        </p:spPr>
-        <p:style>
-          <a:lnRef idx="2">
-            <a:schemeClr val="accent1">
-              <a:shade val="50000"/>
-            </a:schemeClr>
-          </a:lnRef>
-          <a:fillRef idx="1">
-            <a:schemeClr val="accent1"/>
-          </a:fillRef>
-          <a:effectRef idx="0">
-            <a:schemeClr val="accent1"/>
-          </a:effectRef>
-          <a:fontRef idx="minor">
-            <a:schemeClr val="lt1"/>
-          </a:fontRef>
-        </p:style>
-        <p:txBody>
-          <a:bodyPr rtlCol="0" anchor="ctr"/>
-          <a:lstStyle/>
-          <a:p>
-            <a:pPr algn="ctr"/>
-            <a:r>
-              <a:rPr kumimoji="1" lang="en-US" altLang="zh-CN" sz="1400" dirty="0" smtClean="0"/>
-              <a:t>disk</a:t>
-            </a:r>
-            <a:endParaRPr kumimoji="1" lang="zh-CN" altLang="en-US" sz="1400" dirty="0"/>
           </a:p>
         </p:txBody>
       </p:sp>
       <p:cxnSp>
         <p:nvCxnSpPr>
-          <p:cNvPr id="33" name="直线箭头连接符 32"/>
-          <p:cNvCxnSpPr/>
+          <p:cNvPr id="18" name="直线箭头连接符 17"/>
+          <p:cNvCxnSpPr>
+            <a:stCxn id="6" idx="0"/>
+          </p:cNvCxnSpPr>
           <p:nvPr/>
         </p:nvCxnSpPr>
         <p:spPr>
-          <a:xfrm flipV="1">
-            <a:off x="5126215" y="1704436"/>
-            <a:ext cx="973356" cy="442126"/>
+          <a:xfrm flipH="1" flipV="1">
+            <a:off x="5869172" y="1768549"/>
+            <a:ext cx="1991832" cy="1718930"/>
           </a:xfrm>
           <a:prstGeom prst="straightConnector1">
             <a:avLst/>
@@ -7473,82 +8384,16 @@
           </a:fontRef>
         </p:style>
       </p:cxnSp>
-      <p:cxnSp>
-        <p:nvCxnSpPr>
-          <p:cNvPr id="40" name="直线箭头连接符 39"/>
-          <p:cNvCxnSpPr/>
-          <p:nvPr/>
-        </p:nvCxnSpPr>
-        <p:spPr>
-          <a:xfrm>
-            <a:off x="7414137" y="1687967"/>
-            <a:ext cx="1240767" cy="647014"/>
-          </a:xfrm>
-          <a:prstGeom prst="straightConnector1">
-            <a:avLst/>
-          </a:prstGeom>
-          <a:ln>
-            <a:tailEnd type="triangle"/>
-          </a:ln>
-        </p:spPr>
-        <p:style>
-          <a:lnRef idx="1">
-            <a:schemeClr val="accent1"/>
-          </a:lnRef>
-          <a:fillRef idx="0">
-            <a:schemeClr val="accent1"/>
-          </a:fillRef>
-          <a:effectRef idx="0">
-            <a:schemeClr val="accent1"/>
-          </a:effectRef>
-          <a:fontRef idx="minor">
-            <a:schemeClr val="tx1"/>
-          </a:fontRef>
-        </p:style>
-      </p:cxnSp>
-      <p:cxnSp>
-        <p:nvCxnSpPr>
-          <p:cNvPr id="42" name="直线箭头连接符 41"/>
-          <p:cNvCxnSpPr/>
-          <p:nvPr/>
-        </p:nvCxnSpPr>
-        <p:spPr>
-          <a:xfrm flipH="1">
-            <a:off x="7339779" y="2669720"/>
-            <a:ext cx="1315125" cy="719214"/>
-          </a:xfrm>
-          <a:prstGeom prst="straightConnector1">
-            <a:avLst/>
-          </a:prstGeom>
-          <a:ln>
-            <a:tailEnd type="triangle"/>
-          </a:ln>
-        </p:spPr>
-        <p:style>
-          <a:lnRef idx="1">
-            <a:schemeClr val="accent1"/>
-          </a:lnRef>
-          <a:fillRef idx="0">
-            <a:schemeClr val="accent1"/>
-          </a:fillRef>
-          <a:effectRef idx="0">
-            <a:schemeClr val="accent1"/>
-          </a:effectRef>
-          <a:fontRef idx="minor">
-            <a:schemeClr val="tx1"/>
-          </a:fontRef>
-        </p:style>
-      </p:cxnSp>
-      <p:sp>
-        <p:nvSpPr>
-          <p:cNvPr id="45" name="文本框 44"/>
+      <p:sp>
+        <p:nvSpPr>
+          <p:cNvPr id="19" name="文本框 18"/>
           <p:cNvSpPr txBox="1"/>
           <p:nvPr/>
         </p:nvSpPr>
         <p:spPr>
-          <a:xfrm>
-            <a:off x="184070" y="6209328"/>
-            <a:ext cx="2802370" cy="276999"/>
+          <a:xfrm rot="2490283">
+            <a:off x="5996758" y="2477388"/>
+            <a:ext cx="2339102" cy="276999"/>
           </a:xfrm>
           <a:prstGeom prst="rect">
             <a:avLst/>
@@ -7563,15 +8408,7 @@
           <a:p>
             <a:r>
               <a:rPr kumimoji="1" lang="zh-CN" altLang="en-US" sz="1200" dirty="0" smtClean="0"/>
-              <a:t>在传统</a:t>
-            </a:r>
-            <a:r>
-              <a:rPr kumimoji="1" lang="en-US" altLang="zh-CN" sz="1200" dirty="0" smtClean="0"/>
-              <a:t>IO</a:t>
-            </a:r>
-            <a:r>
-              <a:rPr kumimoji="1" lang="zh-CN" altLang="en-US" sz="1200" dirty="0" smtClean="0"/>
-              <a:t>中，直接使用字符流、字节流</a:t>
+              <a:t>事件对象作为监听器方法的参数</a:t>
             </a:r>
             <a:endParaRPr kumimoji="1" lang="zh-CN" altLang="en-US" sz="1200" dirty="0"/>
           </a:p>
@@ -7579,54 +8416,14 @@
       </p:sp>
       <p:sp>
         <p:nvSpPr>
-          <p:cNvPr id="46" name="矩形 45"/>
-          <p:cNvSpPr/>
-          <p:nvPr/>
-        </p:nvSpPr>
-        <p:spPr>
-          <a:xfrm>
-            <a:off x="8868668" y="1943829"/>
-            <a:ext cx="1382751" cy="993378"/>
-          </a:xfrm>
-          <a:prstGeom prst="rect">
-            <a:avLst/>
-          </a:prstGeom>
-        </p:spPr>
-        <p:style>
-          <a:lnRef idx="2">
-            <a:schemeClr val="accent1">
-              <a:shade val="50000"/>
-            </a:schemeClr>
-          </a:lnRef>
-          <a:fillRef idx="1">
-            <a:schemeClr val="accent1"/>
-          </a:fillRef>
-          <a:effectRef idx="0">
-            <a:schemeClr val="accent1"/>
-          </a:effectRef>
-          <a:fontRef idx="minor">
-            <a:schemeClr val="lt1"/>
-          </a:fontRef>
-        </p:style>
-        <p:txBody>
-          <a:bodyPr rtlCol="0" anchor="ctr"/>
-          <a:lstStyle/>
-          <a:p>
-            <a:pPr algn="ctr"/>
-            <a:endParaRPr kumimoji="1" lang="zh-CN" altLang="en-US"/>
-          </a:p>
-        </p:txBody>
-      </p:sp>
-      <p:sp>
-        <p:nvSpPr>
-          <p:cNvPr id="47" name="文本框 46"/>
+          <p:cNvPr id="2" name="文本框 1"/>
           <p:cNvSpPr txBox="1"/>
           <p:nvPr/>
         </p:nvSpPr>
         <p:spPr>
           <a:xfrm>
-            <a:off x="8945932" y="2326994"/>
-            <a:ext cx="1228221" cy="307777"/>
+            <a:off x="2297151" y="4484785"/>
+            <a:ext cx="2443298" cy="1815882"/>
           </a:xfrm>
           <a:prstGeom prst="rect">
             <a:avLst/>
@@ -7640,16 +8437,87 @@
           <a:lstStyle/>
           <a:p>
             <a:r>
-              <a:rPr kumimoji="1" lang="en-US" altLang="zh-CN" sz="1400" dirty="0" smtClean="0"/>
-              <a:t>Java</a:t>
+              <a:rPr kumimoji="1" lang="en-US" altLang="zh-CN" sz="1400" dirty="0" err="1" smtClean="0"/>
+              <a:t>DoorSource</a:t>
+            </a:r>
+            <a:endParaRPr kumimoji="1" lang="en-US" altLang="zh-CN" sz="1400" dirty="0" smtClean="0"/>
+          </a:p>
+          <a:p>
+            <a:endParaRPr kumimoji="1" lang="en-US" altLang="zh-CN" sz="1400" dirty="0"/>
+          </a:p>
+          <a:p>
+            <a:r>
+              <a:rPr kumimoji="1" lang="zh-CN" altLang="en-US" sz="1400" dirty="0" smtClean="0"/>
+              <a:t>    </a:t>
+            </a:r>
+            <a:r>
+              <a:rPr kumimoji="1" lang="zh-CN" altLang="en-US" sz="1400" dirty="0"/>
+              <a:t> </a:t>
+            </a:r>
+            <a:r>
+              <a:rPr kumimoji="1" lang="en-US" altLang="zh-CN" sz="1400" dirty="0" err="1" smtClean="0"/>
+              <a:t>DoorListener</a:t>
             </a:r>
             <a:r>
               <a:rPr kumimoji="1" lang="zh-CN" altLang="en-US" sz="1400" dirty="0" smtClean="0"/>
               <a:t> </a:t>
             </a:r>
             <a:r>
+              <a:rPr kumimoji="1" lang="en-US" altLang="zh-CN" sz="1400" dirty="0" err="1" smtClean="0"/>
+              <a:t>doorListener</a:t>
+            </a:r>
+            <a:endParaRPr kumimoji="1" lang="en-US" altLang="zh-CN" sz="1400" dirty="0"/>
+          </a:p>
+          <a:p>
+            <a:endParaRPr kumimoji="1" lang="en-US" altLang="zh-CN" sz="1400" dirty="0"/>
+          </a:p>
+          <a:p>
+            <a:r>
+              <a:rPr kumimoji="1" lang="zh-CN" altLang="en-US" sz="1400" dirty="0" smtClean="0"/>
+              <a:t>     </a:t>
+            </a:r>
+            <a:r>
+              <a:rPr kumimoji="1" lang="en-US" altLang="zh-CN" sz="1400" dirty="0" err="1" smtClean="0"/>
+              <a:t>registerDoorListener</a:t>
+            </a:r>
+            <a:r>
               <a:rPr kumimoji="1" lang="en-US" altLang="zh-CN" sz="1400" dirty="0" smtClean="0"/>
-              <a:t>program</a:t>
+              <a:t>()</a:t>
+            </a:r>
+          </a:p>
+          <a:p>
+            <a:endParaRPr kumimoji="1" lang="en-US" altLang="zh-CN" sz="1400" dirty="0" smtClean="0"/>
+          </a:p>
+          <a:p>
+            <a:r>
+              <a:rPr kumimoji="1" lang="zh-CN" altLang="en-US" sz="1400" dirty="0" smtClean="0"/>
+              <a:t>    </a:t>
+            </a:r>
+            <a:r>
+              <a:rPr kumimoji="1" lang="en-US" altLang="zh-CN" sz="1400" dirty="0" err="1" smtClean="0"/>
+              <a:t>openDoor</a:t>
+            </a:r>
+            <a:r>
+              <a:rPr kumimoji="1" lang="en-US" altLang="zh-CN" sz="1400" dirty="0" smtClean="0"/>
+              <a:t>()</a:t>
+            </a:r>
+          </a:p>
+          <a:p>
+            <a:r>
+              <a:rPr kumimoji="1" lang="zh-CN" altLang="en-US" sz="1400" dirty="0"/>
+              <a:t> </a:t>
+            </a:r>
+            <a:r>
+              <a:rPr kumimoji="1" lang="zh-CN" altLang="en-US" sz="1400" dirty="0" smtClean="0"/>
+              <a:t>   </a:t>
+            </a:r>
+            <a:r>
+              <a:rPr kumimoji="1" lang="en-US" altLang="zh-CN" sz="1400" dirty="0" err="1" smtClean="0"/>
+              <a:t>closeDoor</a:t>
+            </a:r>
+            <a:r>
+              <a:rPr kumimoji="1" lang="en-US" altLang="zh-CN" sz="1400" dirty="0" smtClean="0"/>
+              <a:t>()</a:t>
             </a:r>
             <a:endParaRPr kumimoji="1" lang="zh-CN" altLang="en-US" sz="1400" dirty="0"/>
           </a:p>
@@ -7657,14 +8525,14 @@
       </p:sp>
       <p:sp>
         <p:nvSpPr>
-          <p:cNvPr id="50" name="文本框 49"/>
+          <p:cNvPr id="21" name="文本框 20"/>
           <p:cNvSpPr txBox="1"/>
           <p:nvPr/>
         </p:nvSpPr>
         <p:spPr>
           <a:xfrm>
-            <a:off x="8119177" y="1805330"/>
-            <a:ext cx="492443" cy="276999"/>
+            <a:off x="7166309" y="4367062"/>
+            <a:ext cx="2252540" cy="954107"/>
           </a:xfrm>
           <a:prstGeom prst="rect">
             <a:avLst/>
@@ -7678,23 +8546,48 @@
           <a:lstStyle/>
           <a:p>
             <a:r>
-              <a:rPr kumimoji="1" lang="zh-CN" altLang="en-US" sz="1200" dirty="0" smtClean="0"/>
-              <a:t>读取</a:t>
-            </a:r>
-            <a:endParaRPr kumimoji="1" lang="zh-CN" altLang="en-US" sz="1200" dirty="0"/>
-          </a:p>
-        </p:txBody>
-      </p:sp>
-      <p:sp>
-        <p:nvSpPr>
-          <p:cNvPr id="51" name="文本框 50"/>
+              <a:rPr kumimoji="1" lang="en-US" altLang="zh-CN" sz="1400" dirty="0" err="1" smtClean="0"/>
+              <a:t>DoorEvent</a:t>
+            </a:r>
+            <a:endParaRPr kumimoji="1" lang="en-US" altLang="zh-CN" sz="1400" dirty="0" smtClean="0"/>
+          </a:p>
+          <a:p>
+            <a:endParaRPr kumimoji="1" lang="en-US" altLang="zh-CN" sz="1400" dirty="0"/>
+          </a:p>
+          <a:p>
+            <a:r>
+              <a:rPr kumimoji="1" lang="zh-CN" altLang="en-US" sz="1400" dirty="0" smtClean="0"/>
+              <a:t>    </a:t>
+            </a:r>
+            <a:r>
+              <a:rPr kumimoji="1" lang="en-US" altLang="zh-CN" sz="1400" dirty="0" err="1" smtClean="0"/>
+              <a:t>DoorSource</a:t>
+            </a:r>
+            <a:r>
+              <a:rPr kumimoji="1" lang="zh-CN" altLang="en-US" sz="1400" dirty="0" smtClean="0"/>
+              <a:t> </a:t>
+            </a:r>
+            <a:r>
+              <a:rPr kumimoji="1" lang="en-US" altLang="zh-CN" sz="1400" dirty="0" err="1" smtClean="0"/>
+              <a:t>doorSource</a:t>
+            </a:r>
+            <a:endParaRPr kumimoji="1" lang="en-US" altLang="zh-CN" sz="1400" dirty="0"/>
+          </a:p>
+          <a:p>
+            <a:endParaRPr kumimoji="1" lang="zh-CN" altLang="en-US" sz="1400" dirty="0"/>
+          </a:p>
+        </p:txBody>
+      </p:sp>
+      <p:sp>
+        <p:nvSpPr>
+          <p:cNvPr id="22" name="文本框 21"/>
           <p:cNvSpPr txBox="1"/>
           <p:nvPr/>
         </p:nvSpPr>
         <p:spPr>
           <a:xfrm>
-            <a:off x="8005958" y="3028993"/>
-            <a:ext cx="492443" cy="276999"/>
+            <a:off x="6198649" y="607295"/>
+            <a:ext cx="3531736" cy="954107"/>
           </a:xfrm>
           <a:prstGeom prst="rect">
             <a:avLst/>
@@ -7708,253 +8601,102 @@
           <a:lstStyle/>
           <a:p>
             <a:r>
-              <a:rPr kumimoji="1" lang="zh-CN" altLang="en-US" sz="1200" dirty="0" smtClean="0"/>
-              <a:t>写入</a:t>
-            </a:r>
-            <a:endParaRPr kumimoji="1" lang="zh-CN" altLang="en-US" sz="1200" dirty="0"/>
-          </a:p>
-        </p:txBody>
-      </p:sp>
-      <p:sp>
-        <p:nvSpPr>
-          <p:cNvPr id="52" name="文本框 51"/>
-          <p:cNvSpPr txBox="1"/>
-          <p:nvPr/>
-        </p:nvSpPr>
-        <p:spPr>
-          <a:xfrm>
-            <a:off x="2731402" y="4457399"/>
-            <a:ext cx="1095172" cy="276999"/>
-          </a:xfrm>
-          <a:prstGeom prst="rect">
-            <a:avLst/>
-          </a:prstGeom>
-          <a:noFill/>
-        </p:spPr>
-        <p:txBody>
-          <a:bodyPr wrap="none" rtlCol="0">
-            <a:spAutoFit/>
-          </a:bodyPr>
-          <a:lstStyle/>
-          <a:p>
-            <a:r>
-              <a:rPr kumimoji="1" lang="zh-CN" altLang="en-US" sz="1200" dirty="0" smtClean="0"/>
-              <a:t>通道</a:t>
-            </a:r>
-            <a:r>
-              <a:rPr kumimoji="1" lang="en-US" altLang="zh-CN" sz="1200" dirty="0" smtClean="0"/>
-              <a:t>(channel)</a:t>
-            </a:r>
-            <a:endParaRPr kumimoji="1" lang="zh-CN" altLang="en-US" sz="1200" dirty="0"/>
-          </a:p>
-        </p:txBody>
-      </p:sp>
-      <p:cxnSp>
-        <p:nvCxnSpPr>
-          <p:cNvPr id="58" name="直线箭头连接符 57"/>
-          <p:cNvCxnSpPr/>
-          <p:nvPr/>
-        </p:nvCxnSpPr>
-        <p:spPr>
-          <a:xfrm>
-            <a:off x="2912636" y="2237424"/>
-            <a:ext cx="1269071" cy="0"/>
-          </a:xfrm>
-          <a:prstGeom prst="straightConnector1">
-            <a:avLst/>
-          </a:prstGeom>
-          <a:ln>
-            <a:solidFill>
-              <a:schemeClr val="tx2">
-                <a:lumMod val="40000"/>
-                <a:lumOff val="60000"/>
-              </a:schemeClr>
-            </a:solidFill>
-            <a:tailEnd type="triangle"/>
-          </a:ln>
-        </p:spPr>
-        <p:style>
-          <a:lnRef idx="1">
-            <a:schemeClr val="accent1"/>
-          </a:lnRef>
-          <a:fillRef idx="0">
-            <a:schemeClr val="accent1"/>
-          </a:fillRef>
-          <a:effectRef idx="0">
-            <a:schemeClr val="accent1"/>
-          </a:effectRef>
-          <a:fontRef idx="minor">
-            <a:schemeClr val="tx1"/>
-          </a:fontRef>
-        </p:style>
-      </p:cxnSp>
-      <p:cxnSp>
-        <p:nvCxnSpPr>
-          <p:cNvPr id="59" name="直线箭头连接符 58"/>
-          <p:cNvCxnSpPr/>
-          <p:nvPr/>
-        </p:nvCxnSpPr>
-        <p:spPr>
-          <a:xfrm flipH="1" flipV="1">
-            <a:off x="2912637" y="2667405"/>
-            <a:ext cx="1190867" cy="2315"/>
-          </a:xfrm>
-          <a:prstGeom prst="straightConnector1">
-            <a:avLst/>
-          </a:prstGeom>
-          <a:ln>
-            <a:solidFill>
-              <a:schemeClr val="tx2">
-                <a:lumMod val="40000"/>
-                <a:lumOff val="60000"/>
-              </a:schemeClr>
-            </a:solidFill>
-            <a:tailEnd type="triangle"/>
-          </a:ln>
-        </p:spPr>
-        <p:style>
-          <a:lnRef idx="1">
-            <a:schemeClr val="accent1"/>
-          </a:lnRef>
-          <a:fillRef idx="0">
-            <a:schemeClr val="accent1"/>
-          </a:fillRef>
-          <a:effectRef idx="0">
-            <a:schemeClr val="accent1"/>
-          </a:effectRef>
-          <a:fontRef idx="minor">
-            <a:schemeClr val="tx1"/>
-          </a:fontRef>
-        </p:style>
-      </p:cxnSp>
-      <p:cxnSp>
-        <p:nvCxnSpPr>
-          <p:cNvPr id="64" name="直线箭头连接符 63"/>
-          <p:cNvCxnSpPr/>
-          <p:nvPr/>
-        </p:nvCxnSpPr>
-        <p:spPr>
-          <a:xfrm>
-            <a:off x="2912635" y="2011474"/>
-            <a:ext cx="1269071" cy="0"/>
-          </a:xfrm>
-          <a:prstGeom prst="straightConnector1">
-            <a:avLst/>
-          </a:prstGeom>
-          <a:ln>
-            <a:solidFill>
-              <a:schemeClr val="tx2">
-                <a:lumMod val="40000"/>
-                <a:lumOff val="60000"/>
-              </a:schemeClr>
-            </a:solidFill>
-            <a:tailEnd type="triangle"/>
-          </a:ln>
-        </p:spPr>
-        <p:style>
-          <a:lnRef idx="1">
-            <a:schemeClr val="accent1"/>
-          </a:lnRef>
-          <a:fillRef idx="0">
-            <a:schemeClr val="accent1"/>
-          </a:fillRef>
-          <a:effectRef idx="0">
-            <a:schemeClr val="accent1"/>
-          </a:effectRef>
-          <a:fontRef idx="minor">
-            <a:schemeClr val="tx1"/>
-          </a:fontRef>
-        </p:style>
-      </p:cxnSp>
-      <p:cxnSp>
-        <p:nvCxnSpPr>
-          <p:cNvPr id="65" name="直线箭头连接符 64"/>
-          <p:cNvCxnSpPr/>
-          <p:nvPr/>
-        </p:nvCxnSpPr>
-        <p:spPr>
-          <a:xfrm flipH="1" flipV="1">
-            <a:off x="2912635" y="2919796"/>
-            <a:ext cx="1190867" cy="2315"/>
-          </a:xfrm>
-          <a:prstGeom prst="straightConnector1">
-            <a:avLst/>
-          </a:prstGeom>
-          <a:ln>
-            <a:solidFill>
-              <a:schemeClr val="tx2">
-                <a:lumMod val="40000"/>
-                <a:lumOff val="60000"/>
-              </a:schemeClr>
-            </a:solidFill>
-            <a:tailEnd type="triangle"/>
-          </a:ln>
-        </p:spPr>
-        <p:style>
-          <a:lnRef idx="1">
-            <a:schemeClr val="accent1"/>
-          </a:lnRef>
-          <a:fillRef idx="0">
-            <a:schemeClr val="accent1"/>
-          </a:fillRef>
-          <a:effectRef idx="0">
-            <a:schemeClr val="accent1"/>
-          </a:effectRef>
-          <a:fontRef idx="minor">
-            <a:schemeClr val="tx1"/>
-          </a:fontRef>
-        </p:style>
-      </p:cxnSp>
-      <p:sp>
-        <p:nvSpPr>
-          <p:cNvPr id="66" name="罐形 65"/>
-          <p:cNvSpPr/>
-          <p:nvPr/>
-        </p:nvSpPr>
-        <p:spPr>
-          <a:xfrm rot="5400000">
-            <a:off x="3361825" y="2790515"/>
-            <a:ext cx="483819" cy="2304048"/>
-          </a:xfrm>
-          <a:prstGeom prst="can">
-            <a:avLst/>
-          </a:prstGeom>
-        </p:spPr>
-        <p:style>
-          <a:lnRef idx="2">
-            <a:schemeClr val="accent1">
-              <a:shade val="50000"/>
-            </a:schemeClr>
-          </a:lnRef>
-          <a:fillRef idx="1">
-            <a:schemeClr val="accent1"/>
-          </a:fillRef>
-          <a:effectRef idx="0">
-            <a:schemeClr val="accent1"/>
-          </a:effectRef>
-          <a:fontRef idx="minor">
-            <a:schemeClr val="lt1"/>
-          </a:fontRef>
-        </p:style>
-        <p:txBody>
-          <a:bodyPr rtlCol="0" anchor="ctr"/>
-          <a:lstStyle/>
-          <a:p>
-            <a:pPr algn="ctr"/>
-            <a:endParaRPr kumimoji="1" lang="zh-CN" altLang="en-US"/>
+              <a:rPr kumimoji="1" lang="en-US" altLang="zh-CN" sz="1400" dirty="0" err="1" smtClean="0"/>
+              <a:t>DoorListener</a:t>
+            </a:r>
+            <a:endParaRPr kumimoji="1" lang="en-US" altLang="zh-CN" sz="1400" dirty="0" smtClean="0"/>
+          </a:p>
+          <a:p>
+            <a:endParaRPr kumimoji="1" lang="en-US" altLang="zh-CN" sz="1400" dirty="0" smtClean="0"/>
+          </a:p>
+          <a:p>
+            <a:r>
+              <a:rPr kumimoji="1" lang="zh-CN" altLang="en-US" sz="1400" dirty="0"/>
+              <a:t> </a:t>
+            </a:r>
+            <a:r>
+              <a:rPr kumimoji="1" lang="zh-CN" altLang="en-US" sz="1400" dirty="0" smtClean="0"/>
+              <a:t>   </a:t>
+            </a:r>
+            <a:r>
+              <a:rPr kumimoji="1" lang="en-US" altLang="zh-CN" sz="1400" dirty="0" err="1" smtClean="0"/>
+              <a:t>openDoorListener</a:t>
+            </a:r>
+            <a:r>
+              <a:rPr kumimoji="1" lang="en-US" altLang="zh-CN" sz="1400" dirty="0" smtClean="0"/>
+              <a:t>(</a:t>
+            </a:r>
+            <a:r>
+              <a:rPr kumimoji="1" lang="en-US" altLang="zh-CN" sz="1400" dirty="0" err="1" smtClean="0"/>
+              <a:t>DoorEvent</a:t>
+            </a:r>
+            <a:r>
+              <a:rPr kumimoji="1" lang="zh-CN" altLang="en-US" sz="1400" dirty="0" smtClean="0"/>
+              <a:t> </a:t>
+            </a:r>
+            <a:r>
+              <a:rPr kumimoji="1" lang="en-US" altLang="zh-CN" sz="1400" dirty="0" err="1" smtClean="0"/>
+              <a:t>doorEvent</a:t>
+            </a:r>
+            <a:r>
+              <a:rPr kumimoji="1" lang="en-US" altLang="zh-CN" sz="1400" dirty="0" smtClean="0"/>
+              <a:t>)</a:t>
+            </a:r>
+          </a:p>
+          <a:p>
+            <a:r>
+              <a:rPr kumimoji="1" lang="zh-CN" altLang="en-US" sz="1400" dirty="0"/>
+              <a:t> </a:t>
+            </a:r>
+            <a:r>
+              <a:rPr kumimoji="1" lang="zh-CN" altLang="en-US" sz="1400" dirty="0" smtClean="0"/>
+              <a:t>   </a:t>
+            </a:r>
+            <a:r>
+              <a:rPr kumimoji="1" lang="en-US" altLang="zh-CN" sz="1400" dirty="0" err="1" smtClean="0"/>
+              <a:t>closeDoorListener</a:t>
+            </a:r>
+            <a:r>
+              <a:rPr kumimoji="1" lang="en-US" altLang="zh-CN" sz="1400" dirty="0" smtClean="0"/>
+              <a:t>(</a:t>
+            </a:r>
+            <a:r>
+              <a:rPr kumimoji="1" lang="en-US" altLang="zh-CN" sz="1400" dirty="0" err="1"/>
+              <a:t>DoorEvent</a:t>
+            </a:r>
+            <a:r>
+              <a:rPr kumimoji="1" lang="zh-CN" altLang="en-US" sz="1400" dirty="0"/>
+              <a:t> </a:t>
+            </a:r>
+            <a:r>
+              <a:rPr kumimoji="1" lang="en-US" altLang="zh-CN" sz="1400" dirty="0" err="1"/>
+              <a:t>doorEvent</a:t>
+            </a:r>
+            <a:r>
+              <a:rPr kumimoji="1" lang="en-US" altLang="zh-CN" sz="1400" dirty="0" smtClean="0"/>
+              <a:t>)</a:t>
+            </a:r>
+            <a:endParaRPr kumimoji="1" lang="zh-CN" altLang="en-US" sz="1400" dirty="0"/>
           </a:p>
         </p:txBody>
       </p:sp>
     </p:spTree>
     <p:extLst>
       <p:ext uri="{BB962C8B-B14F-4D97-AF65-F5344CB8AC3E}">
-        <p14:creationId xmlns:p14="http://schemas.microsoft.com/office/powerpoint/2010/main" val="1796816923"/>
+        <p14:creationId xmlns:p14="http://schemas.microsoft.com/office/powerpoint/2010/main" val="1116330866"/>
       </p:ext>
     </p:extLst>
   </p:cSld>
   <p:clrMapOvr>
     <a:masterClrMapping/>
   </p:clrMapOvr>
+  <p:timing>
+    <p:tnLst>
+      <p:par>
+        <p:cTn id="1" dur="indefinite" restart="never" nodeType="tmRoot"/>
+      </p:par>
+    </p:tnLst>
+  </p:timing>
 </p:sld>
 </file>
 
@@ -7983,6 +8725,985 @@
         </p:nvSpPr>
         <p:spPr>
           <a:xfrm>
+            <a:off x="6356328" y="1164693"/>
+            <a:ext cx="847751" cy="871583"/>
+          </a:xfrm>
+          <a:prstGeom prst="rect">
+            <a:avLst/>
+          </a:prstGeom>
+        </p:spPr>
+        <p:style>
+          <a:lnRef idx="2">
+            <a:schemeClr val="accent1">
+              <a:shade val="50000"/>
+            </a:schemeClr>
+          </a:lnRef>
+          <a:fillRef idx="1">
+            <a:schemeClr val="accent1"/>
+          </a:fillRef>
+          <a:effectRef idx="0">
+            <a:schemeClr val="accent1"/>
+          </a:effectRef>
+          <a:fontRef idx="minor">
+            <a:schemeClr val="lt1"/>
+          </a:fontRef>
+        </p:style>
+        <p:txBody>
+          <a:bodyPr rtlCol="0" anchor="ctr"/>
+          <a:lstStyle/>
+          <a:p>
+            <a:pPr algn="ctr"/>
+            <a:endParaRPr kumimoji="1" lang="zh-CN" altLang="en-US"/>
+          </a:p>
+        </p:txBody>
+      </p:sp>
+      <p:sp>
+        <p:nvSpPr>
+          <p:cNvPr id="5" name="矩形 4"/>
+          <p:cNvSpPr/>
+          <p:nvPr/>
+        </p:nvSpPr>
+        <p:spPr>
+          <a:xfrm>
+            <a:off x="6356327" y="2856782"/>
+            <a:ext cx="847751" cy="871583"/>
+          </a:xfrm>
+          <a:prstGeom prst="rect">
+            <a:avLst/>
+          </a:prstGeom>
+        </p:spPr>
+        <p:style>
+          <a:lnRef idx="2">
+            <a:schemeClr val="accent1">
+              <a:shade val="50000"/>
+            </a:schemeClr>
+          </a:lnRef>
+          <a:fillRef idx="1">
+            <a:schemeClr val="accent1"/>
+          </a:fillRef>
+          <a:effectRef idx="0">
+            <a:schemeClr val="accent1"/>
+          </a:effectRef>
+          <a:fontRef idx="minor">
+            <a:schemeClr val="lt1"/>
+          </a:fontRef>
+        </p:style>
+        <p:txBody>
+          <a:bodyPr rtlCol="0" anchor="ctr"/>
+          <a:lstStyle/>
+          <a:p>
+            <a:pPr algn="ctr"/>
+            <a:endParaRPr kumimoji="1" lang="zh-CN" altLang="en-US"/>
+          </a:p>
+        </p:txBody>
+      </p:sp>
+      <p:sp>
+        <p:nvSpPr>
+          <p:cNvPr id="6" name="罐形 5"/>
+          <p:cNvSpPr/>
+          <p:nvPr/>
+        </p:nvSpPr>
+        <p:spPr>
+          <a:xfrm rot="5400000">
+            <a:off x="2816185" y="1193689"/>
+            <a:ext cx="1566213" cy="2587707"/>
+          </a:xfrm>
+          <a:prstGeom prst="can">
+            <a:avLst/>
+          </a:prstGeom>
+        </p:spPr>
+        <p:style>
+          <a:lnRef idx="2">
+            <a:schemeClr val="accent1">
+              <a:shade val="50000"/>
+            </a:schemeClr>
+          </a:lnRef>
+          <a:fillRef idx="1">
+            <a:schemeClr val="accent1"/>
+          </a:fillRef>
+          <a:effectRef idx="0">
+            <a:schemeClr val="accent1"/>
+          </a:effectRef>
+          <a:fontRef idx="minor">
+            <a:schemeClr val="lt1"/>
+          </a:fontRef>
+        </p:style>
+        <p:txBody>
+          <a:bodyPr rtlCol="0" anchor="ctr"/>
+          <a:lstStyle/>
+          <a:p>
+            <a:pPr algn="ctr"/>
+            <a:endParaRPr kumimoji="1" lang="zh-CN" altLang="en-US"/>
+          </a:p>
+        </p:txBody>
+      </p:sp>
+      <p:sp>
+        <p:nvSpPr>
+          <p:cNvPr id="11" name="文本框 10"/>
+          <p:cNvSpPr txBox="1"/>
+          <p:nvPr/>
+        </p:nvSpPr>
+        <p:spPr>
+          <a:xfrm>
+            <a:off x="946298" y="595423"/>
+            <a:ext cx="1277914" cy="369332"/>
+          </a:xfrm>
+          <a:prstGeom prst="rect">
+            <a:avLst/>
+          </a:prstGeom>
+          <a:noFill/>
+        </p:spPr>
+        <p:txBody>
+          <a:bodyPr wrap="none" rtlCol="0">
+            <a:spAutoFit/>
+          </a:bodyPr>
+          <a:lstStyle/>
+          <a:p>
+            <a:r>
+              <a:rPr kumimoji="1" lang="en-US" altLang="zh-CN" dirty="0" smtClean="0"/>
+              <a:t>NIO</a:t>
+            </a:r>
+            <a:r>
+              <a:rPr kumimoji="1" lang="zh-CN" altLang="en-US" dirty="0" smtClean="0"/>
+              <a:t>图解：</a:t>
+            </a:r>
+            <a:endParaRPr kumimoji="1" lang="zh-CN" altLang="en-US" dirty="0"/>
+          </a:p>
+        </p:txBody>
+      </p:sp>
+      <p:sp>
+        <p:nvSpPr>
+          <p:cNvPr id="12" name="文本框 11"/>
+          <p:cNvSpPr txBox="1"/>
+          <p:nvPr/>
+        </p:nvSpPr>
+        <p:spPr>
+          <a:xfrm>
+            <a:off x="6389781" y="1457135"/>
+            <a:ext cx="929192" cy="461665"/>
+          </a:xfrm>
+          <a:prstGeom prst="rect">
+            <a:avLst/>
+          </a:prstGeom>
+          <a:noFill/>
+        </p:spPr>
+        <p:txBody>
+          <a:bodyPr wrap="square" rtlCol="0">
+            <a:spAutoFit/>
+          </a:bodyPr>
+          <a:lstStyle/>
+          <a:p>
+            <a:r>
+              <a:rPr kumimoji="1" lang="zh-CN" altLang="en-US" sz="1200" dirty="0" smtClean="0"/>
+              <a:t>缓冲区</a:t>
+            </a:r>
+            <a:r>
+              <a:rPr kumimoji="1" lang="en-US" altLang="zh-CN" sz="1200" dirty="0" smtClean="0"/>
+              <a:t>(buffer)</a:t>
+            </a:r>
+            <a:endParaRPr kumimoji="1" lang="zh-CN" altLang="en-US" sz="1200" dirty="0"/>
+          </a:p>
+        </p:txBody>
+      </p:sp>
+      <p:sp>
+        <p:nvSpPr>
+          <p:cNvPr id="13" name="文本框 12"/>
+          <p:cNvSpPr txBox="1"/>
+          <p:nvPr/>
+        </p:nvSpPr>
+        <p:spPr>
+          <a:xfrm>
+            <a:off x="6458643" y="3090229"/>
+            <a:ext cx="929192" cy="461665"/>
+          </a:xfrm>
+          <a:prstGeom prst="rect">
+            <a:avLst/>
+          </a:prstGeom>
+          <a:noFill/>
+        </p:spPr>
+        <p:txBody>
+          <a:bodyPr wrap="square" rtlCol="0">
+            <a:spAutoFit/>
+          </a:bodyPr>
+          <a:lstStyle/>
+          <a:p>
+            <a:r>
+              <a:rPr kumimoji="1" lang="zh-CN" altLang="en-US" sz="1200" dirty="0" smtClean="0"/>
+              <a:t>缓冲区</a:t>
+            </a:r>
+            <a:r>
+              <a:rPr kumimoji="1" lang="en-US" altLang="zh-CN" sz="1200" dirty="0" smtClean="0"/>
+              <a:t>(buffer)</a:t>
+            </a:r>
+            <a:endParaRPr kumimoji="1" lang="zh-CN" altLang="en-US" sz="1200" dirty="0"/>
+          </a:p>
+        </p:txBody>
+      </p:sp>
+      <p:sp>
+        <p:nvSpPr>
+          <p:cNvPr id="19" name="文本框 18"/>
+          <p:cNvSpPr txBox="1"/>
+          <p:nvPr/>
+        </p:nvSpPr>
+        <p:spPr>
+          <a:xfrm>
+            <a:off x="946298" y="5266138"/>
+            <a:ext cx="3570208" cy="461665"/>
+          </a:xfrm>
+          <a:prstGeom prst="rect">
+            <a:avLst/>
+          </a:prstGeom>
+          <a:noFill/>
+        </p:spPr>
+        <p:txBody>
+          <a:bodyPr wrap="none" rtlCol="0">
+            <a:spAutoFit/>
+          </a:bodyPr>
+          <a:lstStyle/>
+          <a:p>
+            <a:r>
+              <a:rPr kumimoji="1" lang="zh-CN" altLang="en-US" sz="1200" dirty="0" smtClean="0"/>
+              <a:t>选择器：监视通道中的数据达到、连接打开等情况</a:t>
+            </a:r>
+            <a:endParaRPr kumimoji="1" lang="en-US" altLang="zh-CN" sz="1200" dirty="0" smtClean="0"/>
+          </a:p>
+          <a:p>
+            <a:r>
+              <a:rPr kumimoji="1" lang="zh-CN" altLang="en-US" sz="1200" dirty="0" smtClean="0"/>
+              <a:t>非阻塞</a:t>
+            </a:r>
+            <a:r>
+              <a:rPr kumimoji="1" lang="en-US" altLang="zh-CN" sz="1200" dirty="0" smtClean="0"/>
+              <a:t>I/O</a:t>
+            </a:r>
+            <a:r>
+              <a:rPr kumimoji="1" lang="zh-CN" altLang="en-US" sz="1200" dirty="0" smtClean="0"/>
+              <a:t>：返回任何可用的数据</a:t>
+            </a:r>
+            <a:endParaRPr kumimoji="1" lang="zh-CN" altLang="en-US" sz="1200" dirty="0"/>
+          </a:p>
+        </p:txBody>
+      </p:sp>
+      <p:cxnSp>
+        <p:nvCxnSpPr>
+          <p:cNvPr id="23" name="直线箭头连接符 22"/>
+          <p:cNvCxnSpPr/>
+          <p:nvPr/>
+        </p:nvCxnSpPr>
+        <p:spPr>
+          <a:xfrm flipV="1">
+            <a:off x="2451711" y="4770027"/>
+            <a:ext cx="367990" cy="496112"/>
+          </a:xfrm>
+          <a:prstGeom prst="straightConnector1">
+            <a:avLst/>
+          </a:prstGeom>
+          <a:ln>
+            <a:tailEnd type="triangle"/>
+          </a:ln>
+        </p:spPr>
+        <p:style>
+          <a:lnRef idx="1">
+            <a:schemeClr val="accent1"/>
+          </a:lnRef>
+          <a:fillRef idx="0">
+            <a:schemeClr val="accent1"/>
+          </a:fillRef>
+          <a:effectRef idx="0">
+            <a:schemeClr val="accent1"/>
+          </a:effectRef>
+          <a:fontRef idx="minor">
+            <a:schemeClr val="tx1"/>
+          </a:fontRef>
+        </p:style>
+      </p:cxnSp>
+      <p:cxnSp>
+        <p:nvCxnSpPr>
+          <p:cNvPr id="26" name="直线箭头连接符 25"/>
+          <p:cNvCxnSpPr/>
+          <p:nvPr/>
+        </p:nvCxnSpPr>
+        <p:spPr>
+          <a:xfrm flipH="1" flipV="1">
+            <a:off x="5126215" y="2856782"/>
+            <a:ext cx="873142" cy="484644"/>
+          </a:xfrm>
+          <a:prstGeom prst="straightConnector1">
+            <a:avLst/>
+          </a:prstGeom>
+          <a:ln>
+            <a:tailEnd type="triangle"/>
+          </a:ln>
+        </p:spPr>
+        <p:style>
+          <a:lnRef idx="1">
+            <a:schemeClr val="accent1"/>
+          </a:lnRef>
+          <a:fillRef idx="0">
+            <a:schemeClr val="accent1"/>
+          </a:fillRef>
+          <a:effectRef idx="0">
+            <a:schemeClr val="accent1"/>
+          </a:effectRef>
+          <a:fontRef idx="minor">
+            <a:schemeClr val="tx1"/>
+          </a:fontRef>
+        </p:style>
+      </p:cxnSp>
+      <p:sp>
+        <p:nvSpPr>
+          <p:cNvPr id="27" name="文本框 26"/>
+          <p:cNvSpPr txBox="1"/>
+          <p:nvPr/>
+        </p:nvSpPr>
+        <p:spPr>
+          <a:xfrm>
+            <a:off x="5110838" y="1648500"/>
+            <a:ext cx="800219" cy="276999"/>
+          </a:xfrm>
+          <a:prstGeom prst="rect">
+            <a:avLst/>
+          </a:prstGeom>
+          <a:noFill/>
+        </p:spPr>
+        <p:txBody>
+          <a:bodyPr wrap="square" rtlCol="0">
+            <a:spAutoFit/>
+          </a:bodyPr>
+          <a:lstStyle/>
+          <a:p>
+            <a:r>
+              <a:rPr kumimoji="1" lang="zh-CN" altLang="en-US" sz="1200" dirty="0" smtClean="0"/>
+              <a:t>数据读取</a:t>
+            </a:r>
+            <a:endParaRPr kumimoji="1" lang="zh-CN" altLang="en-US" sz="1200" dirty="0"/>
+          </a:p>
+        </p:txBody>
+      </p:sp>
+      <p:sp>
+        <p:nvSpPr>
+          <p:cNvPr id="28" name="文本框 27"/>
+          <p:cNvSpPr txBox="1"/>
+          <p:nvPr/>
+        </p:nvSpPr>
+        <p:spPr>
+          <a:xfrm>
+            <a:off x="5162676" y="3206319"/>
+            <a:ext cx="800219" cy="276999"/>
+          </a:xfrm>
+          <a:prstGeom prst="rect">
+            <a:avLst/>
+          </a:prstGeom>
+          <a:noFill/>
+        </p:spPr>
+        <p:txBody>
+          <a:bodyPr wrap="none" rtlCol="0">
+            <a:spAutoFit/>
+          </a:bodyPr>
+          <a:lstStyle/>
+          <a:p>
+            <a:r>
+              <a:rPr kumimoji="1" lang="zh-CN" altLang="en-US" sz="1200" dirty="0" smtClean="0"/>
+              <a:t>数据写入</a:t>
+            </a:r>
+            <a:endParaRPr kumimoji="1" lang="zh-CN" altLang="en-US" sz="1200" dirty="0"/>
+          </a:p>
+        </p:txBody>
+      </p:sp>
+      <p:sp>
+        <p:nvSpPr>
+          <p:cNvPr id="31" name="罐形 30"/>
+          <p:cNvSpPr/>
+          <p:nvPr/>
+        </p:nvSpPr>
+        <p:spPr>
+          <a:xfrm>
+            <a:off x="857011" y="2237424"/>
+            <a:ext cx="1302938" cy="657975"/>
+          </a:xfrm>
+          <a:prstGeom prst="can">
+            <a:avLst/>
+          </a:prstGeom>
+        </p:spPr>
+        <p:style>
+          <a:lnRef idx="2">
+            <a:schemeClr val="accent1">
+              <a:shade val="50000"/>
+            </a:schemeClr>
+          </a:lnRef>
+          <a:fillRef idx="1">
+            <a:schemeClr val="accent1"/>
+          </a:fillRef>
+          <a:effectRef idx="0">
+            <a:schemeClr val="accent1"/>
+          </a:effectRef>
+          <a:fontRef idx="minor">
+            <a:schemeClr val="lt1"/>
+          </a:fontRef>
+        </p:style>
+        <p:txBody>
+          <a:bodyPr rtlCol="0" anchor="ctr"/>
+          <a:lstStyle/>
+          <a:p>
+            <a:pPr algn="ctr"/>
+            <a:r>
+              <a:rPr kumimoji="1" lang="en-US" altLang="zh-CN" sz="1400" dirty="0" smtClean="0"/>
+              <a:t>disk</a:t>
+            </a:r>
+            <a:endParaRPr kumimoji="1" lang="zh-CN" altLang="en-US" sz="1400" dirty="0"/>
+          </a:p>
+        </p:txBody>
+      </p:sp>
+      <p:cxnSp>
+        <p:nvCxnSpPr>
+          <p:cNvPr id="33" name="直线箭头连接符 32"/>
+          <p:cNvCxnSpPr/>
+          <p:nvPr/>
+        </p:nvCxnSpPr>
+        <p:spPr>
+          <a:xfrm flipV="1">
+            <a:off x="5126215" y="1704436"/>
+            <a:ext cx="973356" cy="442126"/>
+          </a:xfrm>
+          <a:prstGeom prst="straightConnector1">
+            <a:avLst/>
+          </a:prstGeom>
+          <a:ln>
+            <a:tailEnd type="triangle"/>
+          </a:ln>
+        </p:spPr>
+        <p:style>
+          <a:lnRef idx="1">
+            <a:schemeClr val="accent1"/>
+          </a:lnRef>
+          <a:fillRef idx="0">
+            <a:schemeClr val="accent1"/>
+          </a:fillRef>
+          <a:effectRef idx="0">
+            <a:schemeClr val="accent1"/>
+          </a:effectRef>
+          <a:fontRef idx="minor">
+            <a:schemeClr val="tx1"/>
+          </a:fontRef>
+        </p:style>
+      </p:cxnSp>
+      <p:cxnSp>
+        <p:nvCxnSpPr>
+          <p:cNvPr id="40" name="直线箭头连接符 39"/>
+          <p:cNvCxnSpPr/>
+          <p:nvPr/>
+        </p:nvCxnSpPr>
+        <p:spPr>
+          <a:xfrm>
+            <a:off x="7414137" y="1687967"/>
+            <a:ext cx="1240767" cy="647014"/>
+          </a:xfrm>
+          <a:prstGeom prst="straightConnector1">
+            <a:avLst/>
+          </a:prstGeom>
+          <a:ln>
+            <a:tailEnd type="triangle"/>
+          </a:ln>
+        </p:spPr>
+        <p:style>
+          <a:lnRef idx="1">
+            <a:schemeClr val="accent1"/>
+          </a:lnRef>
+          <a:fillRef idx="0">
+            <a:schemeClr val="accent1"/>
+          </a:fillRef>
+          <a:effectRef idx="0">
+            <a:schemeClr val="accent1"/>
+          </a:effectRef>
+          <a:fontRef idx="minor">
+            <a:schemeClr val="tx1"/>
+          </a:fontRef>
+        </p:style>
+      </p:cxnSp>
+      <p:cxnSp>
+        <p:nvCxnSpPr>
+          <p:cNvPr id="42" name="直线箭头连接符 41"/>
+          <p:cNvCxnSpPr/>
+          <p:nvPr/>
+        </p:nvCxnSpPr>
+        <p:spPr>
+          <a:xfrm flipH="1">
+            <a:off x="7339779" y="2669720"/>
+            <a:ext cx="1315125" cy="719214"/>
+          </a:xfrm>
+          <a:prstGeom prst="straightConnector1">
+            <a:avLst/>
+          </a:prstGeom>
+          <a:ln>
+            <a:tailEnd type="triangle"/>
+          </a:ln>
+        </p:spPr>
+        <p:style>
+          <a:lnRef idx="1">
+            <a:schemeClr val="accent1"/>
+          </a:lnRef>
+          <a:fillRef idx="0">
+            <a:schemeClr val="accent1"/>
+          </a:fillRef>
+          <a:effectRef idx="0">
+            <a:schemeClr val="accent1"/>
+          </a:effectRef>
+          <a:fontRef idx="minor">
+            <a:schemeClr val="tx1"/>
+          </a:fontRef>
+        </p:style>
+      </p:cxnSp>
+      <p:sp>
+        <p:nvSpPr>
+          <p:cNvPr id="45" name="文本框 44"/>
+          <p:cNvSpPr txBox="1"/>
+          <p:nvPr/>
+        </p:nvSpPr>
+        <p:spPr>
+          <a:xfrm>
+            <a:off x="184070" y="6209328"/>
+            <a:ext cx="2802370" cy="276999"/>
+          </a:xfrm>
+          <a:prstGeom prst="rect">
+            <a:avLst/>
+          </a:prstGeom>
+          <a:noFill/>
+        </p:spPr>
+        <p:txBody>
+          <a:bodyPr wrap="none" rtlCol="0">
+            <a:spAutoFit/>
+          </a:bodyPr>
+          <a:lstStyle/>
+          <a:p>
+            <a:r>
+              <a:rPr kumimoji="1" lang="zh-CN" altLang="en-US" sz="1200" dirty="0" smtClean="0"/>
+              <a:t>在传统</a:t>
+            </a:r>
+            <a:r>
+              <a:rPr kumimoji="1" lang="en-US" altLang="zh-CN" sz="1200" dirty="0" smtClean="0"/>
+              <a:t>IO</a:t>
+            </a:r>
+            <a:r>
+              <a:rPr kumimoji="1" lang="zh-CN" altLang="en-US" sz="1200" dirty="0" smtClean="0"/>
+              <a:t>中，直接使用字符流、字节流</a:t>
+            </a:r>
+            <a:endParaRPr kumimoji="1" lang="zh-CN" altLang="en-US" sz="1200" dirty="0"/>
+          </a:p>
+        </p:txBody>
+      </p:sp>
+      <p:sp>
+        <p:nvSpPr>
+          <p:cNvPr id="46" name="矩形 45"/>
+          <p:cNvSpPr/>
+          <p:nvPr/>
+        </p:nvSpPr>
+        <p:spPr>
+          <a:xfrm>
+            <a:off x="8868668" y="1943829"/>
+            <a:ext cx="1382751" cy="993378"/>
+          </a:xfrm>
+          <a:prstGeom prst="rect">
+            <a:avLst/>
+          </a:prstGeom>
+        </p:spPr>
+        <p:style>
+          <a:lnRef idx="2">
+            <a:schemeClr val="accent1">
+              <a:shade val="50000"/>
+            </a:schemeClr>
+          </a:lnRef>
+          <a:fillRef idx="1">
+            <a:schemeClr val="accent1"/>
+          </a:fillRef>
+          <a:effectRef idx="0">
+            <a:schemeClr val="accent1"/>
+          </a:effectRef>
+          <a:fontRef idx="minor">
+            <a:schemeClr val="lt1"/>
+          </a:fontRef>
+        </p:style>
+        <p:txBody>
+          <a:bodyPr rtlCol="0" anchor="ctr"/>
+          <a:lstStyle/>
+          <a:p>
+            <a:pPr algn="ctr"/>
+            <a:endParaRPr kumimoji="1" lang="zh-CN" altLang="en-US"/>
+          </a:p>
+        </p:txBody>
+      </p:sp>
+      <p:sp>
+        <p:nvSpPr>
+          <p:cNvPr id="47" name="文本框 46"/>
+          <p:cNvSpPr txBox="1"/>
+          <p:nvPr/>
+        </p:nvSpPr>
+        <p:spPr>
+          <a:xfrm>
+            <a:off x="8945932" y="2326994"/>
+            <a:ext cx="1228221" cy="307777"/>
+          </a:xfrm>
+          <a:prstGeom prst="rect">
+            <a:avLst/>
+          </a:prstGeom>
+          <a:noFill/>
+        </p:spPr>
+        <p:txBody>
+          <a:bodyPr wrap="none" rtlCol="0">
+            <a:spAutoFit/>
+          </a:bodyPr>
+          <a:lstStyle/>
+          <a:p>
+            <a:r>
+              <a:rPr kumimoji="1" lang="en-US" altLang="zh-CN" sz="1400" dirty="0" smtClean="0"/>
+              <a:t>Java</a:t>
+            </a:r>
+            <a:r>
+              <a:rPr kumimoji="1" lang="zh-CN" altLang="en-US" sz="1400" dirty="0" smtClean="0"/>
+              <a:t> </a:t>
+            </a:r>
+            <a:r>
+              <a:rPr kumimoji="1" lang="en-US" altLang="zh-CN" sz="1400" dirty="0" smtClean="0"/>
+              <a:t>program</a:t>
+            </a:r>
+            <a:endParaRPr kumimoji="1" lang="zh-CN" altLang="en-US" sz="1400" dirty="0"/>
+          </a:p>
+        </p:txBody>
+      </p:sp>
+      <p:sp>
+        <p:nvSpPr>
+          <p:cNvPr id="50" name="文本框 49"/>
+          <p:cNvSpPr txBox="1"/>
+          <p:nvPr/>
+        </p:nvSpPr>
+        <p:spPr>
+          <a:xfrm>
+            <a:off x="8119177" y="1805330"/>
+            <a:ext cx="492443" cy="276999"/>
+          </a:xfrm>
+          <a:prstGeom prst="rect">
+            <a:avLst/>
+          </a:prstGeom>
+          <a:noFill/>
+        </p:spPr>
+        <p:txBody>
+          <a:bodyPr wrap="none" rtlCol="0">
+            <a:spAutoFit/>
+          </a:bodyPr>
+          <a:lstStyle/>
+          <a:p>
+            <a:r>
+              <a:rPr kumimoji="1" lang="zh-CN" altLang="en-US" sz="1200" dirty="0" smtClean="0"/>
+              <a:t>读取</a:t>
+            </a:r>
+            <a:endParaRPr kumimoji="1" lang="zh-CN" altLang="en-US" sz="1200" dirty="0"/>
+          </a:p>
+        </p:txBody>
+      </p:sp>
+      <p:sp>
+        <p:nvSpPr>
+          <p:cNvPr id="51" name="文本框 50"/>
+          <p:cNvSpPr txBox="1"/>
+          <p:nvPr/>
+        </p:nvSpPr>
+        <p:spPr>
+          <a:xfrm>
+            <a:off x="8005958" y="3028993"/>
+            <a:ext cx="492443" cy="276999"/>
+          </a:xfrm>
+          <a:prstGeom prst="rect">
+            <a:avLst/>
+          </a:prstGeom>
+          <a:noFill/>
+        </p:spPr>
+        <p:txBody>
+          <a:bodyPr wrap="none" rtlCol="0">
+            <a:spAutoFit/>
+          </a:bodyPr>
+          <a:lstStyle/>
+          <a:p>
+            <a:r>
+              <a:rPr kumimoji="1" lang="zh-CN" altLang="en-US" sz="1200" dirty="0" smtClean="0"/>
+              <a:t>写入</a:t>
+            </a:r>
+            <a:endParaRPr kumimoji="1" lang="zh-CN" altLang="en-US" sz="1200" dirty="0"/>
+          </a:p>
+        </p:txBody>
+      </p:sp>
+      <p:sp>
+        <p:nvSpPr>
+          <p:cNvPr id="52" name="文本框 51"/>
+          <p:cNvSpPr txBox="1"/>
+          <p:nvPr/>
+        </p:nvSpPr>
+        <p:spPr>
+          <a:xfrm>
+            <a:off x="2731402" y="4457399"/>
+            <a:ext cx="1095172" cy="276999"/>
+          </a:xfrm>
+          <a:prstGeom prst="rect">
+            <a:avLst/>
+          </a:prstGeom>
+          <a:noFill/>
+        </p:spPr>
+        <p:txBody>
+          <a:bodyPr wrap="none" rtlCol="0">
+            <a:spAutoFit/>
+          </a:bodyPr>
+          <a:lstStyle/>
+          <a:p>
+            <a:r>
+              <a:rPr kumimoji="1" lang="zh-CN" altLang="en-US" sz="1200" dirty="0" smtClean="0"/>
+              <a:t>通道</a:t>
+            </a:r>
+            <a:r>
+              <a:rPr kumimoji="1" lang="en-US" altLang="zh-CN" sz="1200" dirty="0" smtClean="0"/>
+              <a:t>(channel)</a:t>
+            </a:r>
+            <a:endParaRPr kumimoji="1" lang="zh-CN" altLang="en-US" sz="1200" dirty="0"/>
+          </a:p>
+        </p:txBody>
+      </p:sp>
+      <p:cxnSp>
+        <p:nvCxnSpPr>
+          <p:cNvPr id="58" name="直线箭头连接符 57"/>
+          <p:cNvCxnSpPr/>
+          <p:nvPr/>
+        </p:nvCxnSpPr>
+        <p:spPr>
+          <a:xfrm>
+            <a:off x="2912636" y="2237424"/>
+            <a:ext cx="1269071" cy="0"/>
+          </a:xfrm>
+          <a:prstGeom prst="straightConnector1">
+            <a:avLst/>
+          </a:prstGeom>
+          <a:ln>
+            <a:solidFill>
+              <a:schemeClr val="tx2">
+                <a:lumMod val="40000"/>
+                <a:lumOff val="60000"/>
+              </a:schemeClr>
+            </a:solidFill>
+            <a:tailEnd type="triangle"/>
+          </a:ln>
+        </p:spPr>
+        <p:style>
+          <a:lnRef idx="1">
+            <a:schemeClr val="accent1"/>
+          </a:lnRef>
+          <a:fillRef idx="0">
+            <a:schemeClr val="accent1"/>
+          </a:fillRef>
+          <a:effectRef idx="0">
+            <a:schemeClr val="accent1"/>
+          </a:effectRef>
+          <a:fontRef idx="minor">
+            <a:schemeClr val="tx1"/>
+          </a:fontRef>
+        </p:style>
+      </p:cxnSp>
+      <p:cxnSp>
+        <p:nvCxnSpPr>
+          <p:cNvPr id="59" name="直线箭头连接符 58"/>
+          <p:cNvCxnSpPr/>
+          <p:nvPr/>
+        </p:nvCxnSpPr>
+        <p:spPr>
+          <a:xfrm flipH="1" flipV="1">
+            <a:off x="2912637" y="2667405"/>
+            <a:ext cx="1190867" cy="2315"/>
+          </a:xfrm>
+          <a:prstGeom prst="straightConnector1">
+            <a:avLst/>
+          </a:prstGeom>
+          <a:ln>
+            <a:solidFill>
+              <a:schemeClr val="tx2">
+                <a:lumMod val="40000"/>
+                <a:lumOff val="60000"/>
+              </a:schemeClr>
+            </a:solidFill>
+            <a:tailEnd type="triangle"/>
+          </a:ln>
+        </p:spPr>
+        <p:style>
+          <a:lnRef idx="1">
+            <a:schemeClr val="accent1"/>
+          </a:lnRef>
+          <a:fillRef idx="0">
+            <a:schemeClr val="accent1"/>
+          </a:fillRef>
+          <a:effectRef idx="0">
+            <a:schemeClr val="accent1"/>
+          </a:effectRef>
+          <a:fontRef idx="minor">
+            <a:schemeClr val="tx1"/>
+          </a:fontRef>
+        </p:style>
+      </p:cxnSp>
+      <p:cxnSp>
+        <p:nvCxnSpPr>
+          <p:cNvPr id="64" name="直线箭头连接符 63"/>
+          <p:cNvCxnSpPr/>
+          <p:nvPr/>
+        </p:nvCxnSpPr>
+        <p:spPr>
+          <a:xfrm>
+            <a:off x="2912635" y="2011474"/>
+            <a:ext cx="1269071" cy="0"/>
+          </a:xfrm>
+          <a:prstGeom prst="straightConnector1">
+            <a:avLst/>
+          </a:prstGeom>
+          <a:ln>
+            <a:solidFill>
+              <a:schemeClr val="tx2">
+                <a:lumMod val="40000"/>
+                <a:lumOff val="60000"/>
+              </a:schemeClr>
+            </a:solidFill>
+            <a:tailEnd type="triangle"/>
+          </a:ln>
+        </p:spPr>
+        <p:style>
+          <a:lnRef idx="1">
+            <a:schemeClr val="accent1"/>
+          </a:lnRef>
+          <a:fillRef idx="0">
+            <a:schemeClr val="accent1"/>
+          </a:fillRef>
+          <a:effectRef idx="0">
+            <a:schemeClr val="accent1"/>
+          </a:effectRef>
+          <a:fontRef idx="minor">
+            <a:schemeClr val="tx1"/>
+          </a:fontRef>
+        </p:style>
+      </p:cxnSp>
+      <p:cxnSp>
+        <p:nvCxnSpPr>
+          <p:cNvPr id="65" name="直线箭头连接符 64"/>
+          <p:cNvCxnSpPr/>
+          <p:nvPr/>
+        </p:nvCxnSpPr>
+        <p:spPr>
+          <a:xfrm flipH="1" flipV="1">
+            <a:off x="2912635" y="2919796"/>
+            <a:ext cx="1190867" cy="2315"/>
+          </a:xfrm>
+          <a:prstGeom prst="straightConnector1">
+            <a:avLst/>
+          </a:prstGeom>
+          <a:ln>
+            <a:solidFill>
+              <a:schemeClr val="tx2">
+                <a:lumMod val="40000"/>
+                <a:lumOff val="60000"/>
+              </a:schemeClr>
+            </a:solidFill>
+            <a:tailEnd type="triangle"/>
+          </a:ln>
+        </p:spPr>
+        <p:style>
+          <a:lnRef idx="1">
+            <a:schemeClr val="accent1"/>
+          </a:lnRef>
+          <a:fillRef idx="0">
+            <a:schemeClr val="accent1"/>
+          </a:fillRef>
+          <a:effectRef idx="0">
+            <a:schemeClr val="accent1"/>
+          </a:effectRef>
+          <a:fontRef idx="minor">
+            <a:schemeClr val="tx1"/>
+          </a:fontRef>
+        </p:style>
+      </p:cxnSp>
+      <p:sp>
+        <p:nvSpPr>
+          <p:cNvPr id="66" name="罐形 65"/>
+          <p:cNvSpPr/>
+          <p:nvPr/>
+        </p:nvSpPr>
+        <p:spPr>
+          <a:xfrm rot="5400000">
+            <a:off x="3361825" y="2790515"/>
+            <a:ext cx="483819" cy="2304048"/>
+          </a:xfrm>
+          <a:prstGeom prst="can">
+            <a:avLst/>
+          </a:prstGeom>
+        </p:spPr>
+        <p:style>
+          <a:lnRef idx="2">
+            <a:schemeClr val="accent1">
+              <a:shade val="50000"/>
+            </a:schemeClr>
+          </a:lnRef>
+          <a:fillRef idx="1">
+            <a:schemeClr val="accent1"/>
+          </a:fillRef>
+          <a:effectRef idx="0">
+            <a:schemeClr val="accent1"/>
+          </a:effectRef>
+          <a:fontRef idx="minor">
+            <a:schemeClr val="lt1"/>
+          </a:fontRef>
+        </p:style>
+        <p:txBody>
+          <a:bodyPr rtlCol="0" anchor="ctr"/>
+          <a:lstStyle/>
+          <a:p>
+            <a:pPr algn="ctr"/>
+            <a:endParaRPr kumimoji="1" lang="zh-CN" altLang="en-US"/>
+          </a:p>
+        </p:txBody>
+      </p:sp>
+    </p:spTree>
+    <p:extLst>
+      <p:ext uri="{BB962C8B-B14F-4D97-AF65-F5344CB8AC3E}">
+        <p14:creationId xmlns:p14="http://schemas.microsoft.com/office/powerpoint/2010/main" val="1796816923"/>
+      </p:ext>
+    </p:extLst>
+  </p:cSld>
+  <p:clrMapOvr>
+    <a:masterClrMapping/>
+  </p:clrMapOvr>
+  <p:timing>
+    <p:tnLst>
+      <p:par>
+        <p:cTn id="1" dur="indefinite" restart="never" nodeType="tmRoot"/>
+      </p:par>
+    </p:tnLst>
+  </p:timing>
+</p:sld>
+</file>
+
+<file path=ppt/slides/slide8.xml><?xml version="1.0" encoding="utf-8"?>
+<p:sld xmlns:a="http://schemas.openxmlformats.org/drawingml/2006/main" xmlns:r="http://schemas.openxmlformats.org/officeDocument/2006/relationships" xmlns:p="http://schemas.openxmlformats.org/presentationml/2006/main">
+  <p:cSld>
+    <p:spTree>
+      <p:nvGrpSpPr>
+        <p:cNvPr id="1" name=""/>
+        <p:cNvGrpSpPr/>
+        <p:nvPr/>
+      </p:nvGrpSpPr>
+      <p:grpSpPr>
+        <a:xfrm>
+          <a:off x="0" y="0"/>
+          <a:ext cx="0" cy="0"/>
+          <a:chOff x="0" y="0"/>
+          <a:chExt cx="0" cy="0"/>
+        </a:xfrm>
+      </p:grpSpPr>
+      <p:sp>
+        <p:nvSpPr>
+          <p:cNvPr id="4" name="矩形 3"/>
+          <p:cNvSpPr/>
+          <p:nvPr/>
+        </p:nvSpPr>
+        <p:spPr>
+          <a:xfrm>
             <a:off x="2130996" y="3902928"/>
             <a:ext cx="1170878" cy="1193180"/>
           </a:xfrm>
@@ -8483,6 +10204,1122 @@
   <p:clrMapOvr>
     <a:masterClrMapping/>
   </p:clrMapOvr>
+  <p:timing>
+    <p:tnLst>
+      <p:par>
+        <p:cTn id="1" dur="indefinite" restart="never" nodeType="tmRoot"/>
+      </p:par>
+    </p:tnLst>
+  </p:timing>
+</p:sld>
+</file>
+
+<file path=ppt/slides/slide9.xml><?xml version="1.0" encoding="utf-8"?>
+<p:sld xmlns:a="http://schemas.openxmlformats.org/drawingml/2006/main" xmlns:r="http://schemas.openxmlformats.org/officeDocument/2006/relationships" xmlns:p="http://schemas.openxmlformats.org/presentationml/2006/main">
+  <p:cSld>
+    <p:spTree>
+      <p:nvGrpSpPr>
+        <p:cNvPr id="1" name=""/>
+        <p:cNvGrpSpPr/>
+        <p:nvPr/>
+      </p:nvGrpSpPr>
+      <p:grpSpPr>
+        <a:xfrm>
+          <a:off x="0" y="0"/>
+          <a:ext cx="0" cy="0"/>
+          <a:chOff x="0" y="0"/>
+          <a:chExt cx="0" cy="0"/>
+        </a:xfrm>
+      </p:grpSpPr>
+      <p:sp>
+        <p:nvSpPr>
+          <p:cNvPr id="10" name="文本框 9"/>
+          <p:cNvSpPr txBox="1"/>
+          <p:nvPr/>
+        </p:nvSpPr>
+        <p:spPr>
+          <a:xfrm>
+            <a:off x="3624149" y="1929162"/>
+            <a:ext cx="902811" cy="523220"/>
+          </a:xfrm>
+          <a:prstGeom prst="rect">
+            <a:avLst/>
+          </a:prstGeom>
+          <a:noFill/>
+        </p:spPr>
+        <p:txBody>
+          <a:bodyPr wrap="none" rtlCol="0">
+            <a:spAutoFit/>
+          </a:bodyPr>
+          <a:lstStyle/>
+          <a:p>
+            <a:r>
+              <a:rPr kumimoji="1" lang="zh-CN" altLang="en-US" sz="1400" dirty="0"/>
+              <a:t> </a:t>
+            </a:r>
+            <a:r>
+              <a:rPr kumimoji="1" lang="zh-CN" altLang="en-US" sz="1400" dirty="0" smtClean="0"/>
+              <a:t> </a:t>
+            </a:r>
+            <a:r>
+              <a:rPr kumimoji="1" lang="en-US" altLang="zh-CN" sz="1400" dirty="0" smtClean="0"/>
+              <a:t>Servlet</a:t>
+            </a:r>
+          </a:p>
+          <a:p>
+            <a:r>
+              <a:rPr kumimoji="1" lang="zh-CN" altLang="en-US" sz="1400" dirty="0" smtClean="0"/>
+              <a:t>顶级接口</a:t>
+            </a:r>
+            <a:endParaRPr kumimoji="1" lang="zh-CN" altLang="en-US" sz="1400" dirty="0"/>
+          </a:p>
+        </p:txBody>
+      </p:sp>
+      <p:sp>
+        <p:nvSpPr>
+          <p:cNvPr id="12" name="文本框 11"/>
+          <p:cNvSpPr txBox="1"/>
+          <p:nvPr/>
+        </p:nvSpPr>
+        <p:spPr>
+          <a:xfrm>
+            <a:off x="3561592" y="2989416"/>
+            <a:ext cx="1295547" cy="307777"/>
+          </a:xfrm>
+          <a:prstGeom prst="rect">
+            <a:avLst/>
+          </a:prstGeom>
+          <a:noFill/>
+        </p:spPr>
+        <p:txBody>
+          <a:bodyPr wrap="none" rtlCol="0">
+            <a:spAutoFit/>
+          </a:bodyPr>
+          <a:lstStyle/>
+          <a:p>
+            <a:r>
+              <a:rPr kumimoji="1" lang="en-US" altLang="zh-CN" sz="1400" smtClean="0"/>
+              <a:t>GenericServlet</a:t>
+            </a:r>
+            <a:endParaRPr kumimoji="1" lang="zh-CN" altLang="en-US" sz="1400" dirty="0"/>
+          </a:p>
+        </p:txBody>
+      </p:sp>
+      <p:sp>
+        <p:nvSpPr>
+          <p:cNvPr id="13" name="文本框 12"/>
+          <p:cNvSpPr txBox="1"/>
+          <p:nvPr/>
+        </p:nvSpPr>
+        <p:spPr>
+          <a:xfrm>
+            <a:off x="3612087" y="3843585"/>
+            <a:ext cx="1048685" cy="307777"/>
+          </a:xfrm>
+          <a:prstGeom prst="rect">
+            <a:avLst/>
+          </a:prstGeom>
+          <a:noFill/>
+        </p:spPr>
+        <p:txBody>
+          <a:bodyPr wrap="none" rtlCol="0">
+            <a:spAutoFit/>
+          </a:bodyPr>
+          <a:lstStyle/>
+          <a:p>
+            <a:r>
+              <a:rPr kumimoji="1" lang="en-US" altLang="zh-CN" sz="1400" smtClean="0"/>
+              <a:t>HttpServlet</a:t>
+            </a:r>
+            <a:endParaRPr kumimoji="1" lang="zh-CN" altLang="en-US" sz="1400" dirty="0"/>
+          </a:p>
+        </p:txBody>
+      </p:sp>
+      <p:sp>
+        <p:nvSpPr>
+          <p:cNvPr id="15" name="文本框 14"/>
+          <p:cNvSpPr txBox="1"/>
+          <p:nvPr/>
+        </p:nvSpPr>
+        <p:spPr>
+          <a:xfrm>
+            <a:off x="1639865" y="3408703"/>
+            <a:ext cx="1231427" cy="307777"/>
+          </a:xfrm>
+          <a:prstGeom prst="rect">
+            <a:avLst/>
+          </a:prstGeom>
+          <a:noFill/>
+        </p:spPr>
+        <p:txBody>
+          <a:bodyPr wrap="none" rtlCol="0">
+            <a:spAutoFit/>
+          </a:bodyPr>
+          <a:lstStyle/>
+          <a:p>
+            <a:r>
+              <a:rPr kumimoji="1" lang="en-US" altLang="zh-CN" sz="1400" dirty="0" smtClean="0"/>
+              <a:t>Abstract</a:t>
+            </a:r>
+            <a:r>
+              <a:rPr kumimoji="1" lang="zh-CN" altLang="en-US" sz="1400" dirty="0" smtClean="0"/>
+              <a:t> </a:t>
+            </a:r>
+            <a:r>
+              <a:rPr kumimoji="1" lang="en-US" altLang="zh-CN" sz="1400" dirty="0" smtClean="0"/>
+              <a:t>class</a:t>
+            </a:r>
+            <a:endParaRPr kumimoji="1" lang="zh-CN" altLang="en-US" sz="1400" dirty="0"/>
+          </a:p>
+        </p:txBody>
+      </p:sp>
+      <p:cxnSp>
+        <p:nvCxnSpPr>
+          <p:cNvPr id="17" name="直线箭头连接符 16"/>
+          <p:cNvCxnSpPr>
+            <a:stCxn id="15" idx="3"/>
+            <a:endCxn id="12" idx="1"/>
+          </p:cNvCxnSpPr>
+          <p:nvPr/>
+        </p:nvCxnSpPr>
+        <p:spPr>
+          <a:xfrm flipV="1">
+            <a:off x="2871292" y="3143305"/>
+            <a:ext cx="690300" cy="419287"/>
+          </a:xfrm>
+          <a:prstGeom prst="straightConnector1">
+            <a:avLst/>
+          </a:prstGeom>
+          <a:ln>
+            <a:tailEnd type="triangle"/>
+          </a:ln>
+        </p:spPr>
+        <p:style>
+          <a:lnRef idx="1">
+            <a:schemeClr val="accent1"/>
+          </a:lnRef>
+          <a:fillRef idx="0">
+            <a:schemeClr val="accent1"/>
+          </a:fillRef>
+          <a:effectRef idx="0">
+            <a:schemeClr val="accent1"/>
+          </a:effectRef>
+          <a:fontRef idx="minor">
+            <a:schemeClr val="tx1"/>
+          </a:fontRef>
+        </p:style>
+      </p:cxnSp>
+      <p:cxnSp>
+        <p:nvCxnSpPr>
+          <p:cNvPr id="19" name="直线箭头连接符 18"/>
+          <p:cNvCxnSpPr>
+            <a:stCxn id="15" idx="3"/>
+          </p:cNvCxnSpPr>
+          <p:nvPr/>
+        </p:nvCxnSpPr>
+        <p:spPr>
+          <a:xfrm>
+            <a:off x="2871292" y="3562592"/>
+            <a:ext cx="690300" cy="392503"/>
+          </a:xfrm>
+          <a:prstGeom prst="straightConnector1">
+            <a:avLst/>
+          </a:prstGeom>
+          <a:ln>
+            <a:tailEnd type="triangle"/>
+          </a:ln>
+        </p:spPr>
+        <p:style>
+          <a:lnRef idx="1">
+            <a:schemeClr val="accent1"/>
+          </a:lnRef>
+          <a:fillRef idx="0">
+            <a:schemeClr val="accent1"/>
+          </a:fillRef>
+          <a:effectRef idx="0">
+            <a:schemeClr val="accent1"/>
+          </a:effectRef>
+          <a:fontRef idx="minor">
+            <a:schemeClr val="tx1"/>
+          </a:fontRef>
+        </p:style>
+      </p:cxnSp>
+      <p:cxnSp>
+        <p:nvCxnSpPr>
+          <p:cNvPr id="23" name="直线箭头连接符 22"/>
+          <p:cNvCxnSpPr>
+            <a:stCxn id="10" idx="2"/>
+          </p:cNvCxnSpPr>
+          <p:nvPr/>
+        </p:nvCxnSpPr>
+        <p:spPr>
+          <a:xfrm flipH="1">
+            <a:off x="4070195" y="2452382"/>
+            <a:ext cx="5360" cy="546392"/>
+          </a:xfrm>
+          <a:prstGeom prst="straightConnector1">
+            <a:avLst/>
+          </a:prstGeom>
+          <a:ln>
+            <a:tailEnd type="triangle"/>
+          </a:ln>
+        </p:spPr>
+        <p:style>
+          <a:lnRef idx="1">
+            <a:schemeClr val="accent1"/>
+          </a:lnRef>
+          <a:fillRef idx="0">
+            <a:schemeClr val="accent1"/>
+          </a:fillRef>
+          <a:effectRef idx="0">
+            <a:schemeClr val="accent1"/>
+          </a:effectRef>
+          <a:fontRef idx="minor">
+            <a:schemeClr val="tx1"/>
+          </a:fontRef>
+        </p:style>
+      </p:cxnSp>
+      <p:cxnSp>
+        <p:nvCxnSpPr>
+          <p:cNvPr id="26" name="直线箭头连接符 25"/>
+          <p:cNvCxnSpPr/>
+          <p:nvPr/>
+        </p:nvCxnSpPr>
+        <p:spPr>
+          <a:xfrm>
+            <a:off x="4070195" y="3297193"/>
+            <a:ext cx="0" cy="419287"/>
+          </a:xfrm>
+          <a:prstGeom prst="straightConnector1">
+            <a:avLst/>
+          </a:prstGeom>
+          <a:ln>
+            <a:tailEnd type="triangle"/>
+          </a:ln>
+        </p:spPr>
+        <p:style>
+          <a:lnRef idx="1">
+            <a:schemeClr val="accent1"/>
+          </a:lnRef>
+          <a:fillRef idx="0">
+            <a:schemeClr val="accent1"/>
+          </a:fillRef>
+          <a:effectRef idx="0">
+            <a:schemeClr val="accent1"/>
+          </a:effectRef>
+          <a:fontRef idx="minor">
+            <a:schemeClr val="tx1"/>
+          </a:fontRef>
+        </p:style>
+      </p:cxnSp>
+      <p:sp>
+        <p:nvSpPr>
+          <p:cNvPr id="27" name="文本框 26"/>
+          <p:cNvSpPr txBox="1"/>
+          <p:nvPr/>
+        </p:nvSpPr>
+        <p:spPr>
+          <a:xfrm>
+            <a:off x="5572845" y="1929163"/>
+            <a:ext cx="1378904" cy="307777"/>
+          </a:xfrm>
+          <a:prstGeom prst="rect">
+            <a:avLst/>
+          </a:prstGeom>
+          <a:noFill/>
+        </p:spPr>
+        <p:txBody>
+          <a:bodyPr wrap="none" rtlCol="0">
+            <a:spAutoFit/>
+          </a:bodyPr>
+          <a:lstStyle/>
+          <a:p>
+            <a:r>
+              <a:rPr kumimoji="1" lang="zh-CN" altLang="en-US" sz="1400" dirty="0"/>
+              <a:t> </a:t>
+            </a:r>
+            <a:r>
+              <a:rPr kumimoji="1" lang="en-US" altLang="zh-CN" sz="1400" dirty="0" err="1" smtClean="0"/>
+              <a:t>ServletRequest</a:t>
+            </a:r>
+            <a:endParaRPr kumimoji="1" lang="en-US" altLang="zh-CN" sz="1400" dirty="0" smtClean="0"/>
+          </a:p>
+        </p:txBody>
+      </p:sp>
+      <p:sp>
+        <p:nvSpPr>
+          <p:cNvPr id="28" name="文本框 27"/>
+          <p:cNvSpPr txBox="1"/>
+          <p:nvPr/>
+        </p:nvSpPr>
+        <p:spPr>
+          <a:xfrm>
+            <a:off x="7670353" y="1929162"/>
+            <a:ext cx="1547218" cy="307777"/>
+          </a:xfrm>
+          <a:prstGeom prst="rect">
+            <a:avLst/>
+          </a:prstGeom>
+          <a:noFill/>
+        </p:spPr>
+        <p:txBody>
+          <a:bodyPr wrap="none" rtlCol="0">
+            <a:spAutoFit/>
+          </a:bodyPr>
+          <a:lstStyle/>
+          <a:p>
+            <a:r>
+              <a:rPr kumimoji="1" lang="zh-CN" altLang="en-US" sz="1400" dirty="0"/>
+              <a:t> </a:t>
+            </a:r>
+            <a:r>
+              <a:rPr kumimoji="1" lang="zh-CN" altLang="en-US" sz="1400" dirty="0" smtClean="0"/>
+              <a:t> </a:t>
+            </a:r>
+            <a:r>
+              <a:rPr kumimoji="1" lang="en-US" altLang="zh-CN" sz="1400" dirty="0" err="1" smtClean="0"/>
+              <a:t>ServletResponse</a:t>
+            </a:r>
+            <a:endParaRPr kumimoji="1" lang="en-US" altLang="zh-CN" sz="1400" dirty="0" smtClean="0"/>
+          </a:p>
+        </p:txBody>
+      </p:sp>
+      <p:sp>
+        <p:nvSpPr>
+          <p:cNvPr id="29" name="文本框 28"/>
+          <p:cNvSpPr txBox="1"/>
+          <p:nvPr/>
+        </p:nvSpPr>
+        <p:spPr>
+          <a:xfrm>
+            <a:off x="9768907" y="1929162"/>
+            <a:ext cx="1313180" cy="307777"/>
+          </a:xfrm>
+          <a:prstGeom prst="rect">
+            <a:avLst/>
+          </a:prstGeom>
+          <a:noFill/>
+        </p:spPr>
+        <p:txBody>
+          <a:bodyPr wrap="none" rtlCol="0">
+            <a:spAutoFit/>
+          </a:bodyPr>
+          <a:lstStyle/>
+          <a:p>
+            <a:r>
+              <a:rPr kumimoji="1" lang="zh-CN" altLang="en-US" sz="1400" dirty="0"/>
+              <a:t> </a:t>
+            </a:r>
+            <a:r>
+              <a:rPr kumimoji="1" lang="zh-CN" altLang="en-US" sz="1400" dirty="0" smtClean="0"/>
+              <a:t> </a:t>
+            </a:r>
+            <a:r>
+              <a:rPr kumimoji="1" lang="en-US" altLang="zh-CN" sz="1400" dirty="0" err="1" smtClean="0"/>
+              <a:t>ServletConfig</a:t>
+            </a:r>
+            <a:endParaRPr kumimoji="1" lang="en-US" altLang="zh-CN" sz="1400" dirty="0" smtClean="0"/>
+          </a:p>
+        </p:txBody>
+      </p:sp>
+      <p:sp>
+        <p:nvSpPr>
+          <p:cNvPr id="30" name="文本框 29"/>
+          <p:cNvSpPr txBox="1"/>
+          <p:nvPr/>
+        </p:nvSpPr>
+        <p:spPr>
+          <a:xfrm>
+            <a:off x="5370281" y="2866752"/>
+            <a:ext cx="1721946" cy="307777"/>
+          </a:xfrm>
+          <a:prstGeom prst="rect">
+            <a:avLst/>
+          </a:prstGeom>
+          <a:noFill/>
+        </p:spPr>
+        <p:txBody>
+          <a:bodyPr wrap="none" rtlCol="0">
+            <a:spAutoFit/>
+          </a:bodyPr>
+          <a:lstStyle/>
+          <a:p>
+            <a:r>
+              <a:rPr kumimoji="1" lang="zh-CN" altLang="en-US" sz="1400" dirty="0"/>
+              <a:t> </a:t>
+            </a:r>
+            <a:r>
+              <a:rPr kumimoji="1" lang="en-US" altLang="zh-CN" sz="1400" dirty="0" err="1" smtClean="0"/>
+              <a:t>HttpServletRequest</a:t>
+            </a:r>
+            <a:endParaRPr kumimoji="1" lang="en-US" altLang="zh-CN" sz="1400" dirty="0" smtClean="0"/>
+          </a:p>
+        </p:txBody>
+      </p:sp>
+      <p:sp>
+        <p:nvSpPr>
+          <p:cNvPr id="31" name="文本框 30"/>
+          <p:cNvSpPr txBox="1"/>
+          <p:nvPr/>
+        </p:nvSpPr>
+        <p:spPr>
+          <a:xfrm>
+            <a:off x="7670353" y="2835527"/>
+            <a:ext cx="1840568" cy="307777"/>
+          </a:xfrm>
+          <a:prstGeom prst="rect">
+            <a:avLst/>
+          </a:prstGeom>
+          <a:noFill/>
+        </p:spPr>
+        <p:txBody>
+          <a:bodyPr wrap="none" rtlCol="0">
+            <a:spAutoFit/>
+          </a:bodyPr>
+          <a:lstStyle/>
+          <a:p>
+            <a:r>
+              <a:rPr kumimoji="1" lang="zh-CN" altLang="en-US" sz="1400" dirty="0"/>
+              <a:t> </a:t>
+            </a:r>
+            <a:r>
+              <a:rPr kumimoji="1" lang="en-US" altLang="zh-CN" sz="1400" dirty="0" err="1" smtClean="0"/>
+              <a:t>HttpServletResponse</a:t>
+            </a:r>
+            <a:endParaRPr kumimoji="1" lang="en-US" altLang="zh-CN" sz="1400" dirty="0" smtClean="0"/>
+          </a:p>
+        </p:txBody>
+      </p:sp>
+      <p:cxnSp>
+        <p:nvCxnSpPr>
+          <p:cNvPr id="33" name="直线箭头连接符 32"/>
+          <p:cNvCxnSpPr/>
+          <p:nvPr/>
+        </p:nvCxnSpPr>
+        <p:spPr>
+          <a:xfrm>
+            <a:off x="6262297" y="2330605"/>
+            <a:ext cx="0" cy="394973"/>
+          </a:xfrm>
+          <a:prstGeom prst="straightConnector1">
+            <a:avLst/>
+          </a:prstGeom>
+          <a:ln>
+            <a:tailEnd type="triangle"/>
+          </a:ln>
+        </p:spPr>
+        <p:style>
+          <a:lnRef idx="1">
+            <a:schemeClr val="accent1"/>
+          </a:lnRef>
+          <a:fillRef idx="0">
+            <a:schemeClr val="accent1"/>
+          </a:fillRef>
+          <a:effectRef idx="0">
+            <a:schemeClr val="accent1"/>
+          </a:effectRef>
+          <a:fontRef idx="minor">
+            <a:schemeClr val="tx1"/>
+          </a:fontRef>
+        </p:style>
+      </p:cxnSp>
+      <p:cxnSp>
+        <p:nvCxnSpPr>
+          <p:cNvPr id="35" name="直线箭头连接符 34"/>
+          <p:cNvCxnSpPr>
+            <a:stCxn id="28" idx="2"/>
+          </p:cNvCxnSpPr>
+          <p:nvPr/>
+        </p:nvCxnSpPr>
+        <p:spPr>
+          <a:xfrm>
+            <a:off x="8443962" y="2236939"/>
+            <a:ext cx="0" cy="488639"/>
+          </a:xfrm>
+          <a:prstGeom prst="straightConnector1">
+            <a:avLst/>
+          </a:prstGeom>
+          <a:ln>
+            <a:tailEnd type="triangle"/>
+          </a:ln>
+        </p:spPr>
+        <p:style>
+          <a:lnRef idx="1">
+            <a:schemeClr val="accent1"/>
+          </a:lnRef>
+          <a:fillRef idx="0">
+            <a:schemeClr val="accent1"/>
+          </a:fillRef>
+          <a:effectRef idx="0">
+            <a:schemeClr val="accent1"/>
+          </a:effectRef>
+          <a:fontRef idx="minor">
+            <a:schemeClr val="tx1"/>
+          </a:fontRef>
+        </p:style>
+      </p:cxnSp>
+      <p:sp>
+        <p:nvSpPr>
+          <p:cNvPr id="37" name="文本框 36"/>
+          <p:cNvSpPr txBox="1"/>
+          <p:nvPr/>
+        </p:nvSpPr>
+        <p:spPr>
+          <a:xfrm>
+            <a:off x="144749" y="111283"/>
+            <a:ext cx="3498073" cy="1169551"/>
+          </a:xfrm>
+          <a:prstGeom prst="rect">
+            <a:avLst/>
+          </a:prstGeom>
+          <a:noFill/>
+        </p:spPr>
+        <p:txBody>
+          <a:bodyPr wrap="none" rtlCol="0">
+            <a:spAutoFit/>
+          </a:bodyPr>
+          <a:lstStyle/>
+          <a:p>
+            <a:r>
+              <a:rPr kumimoji="1" lang="en-US" altLang="zh-CN" sz="1400" dirty="0" smtClean="0"/>
+              <a:t>1.init(</a:t>
+            </a:r>
+            <a:r>
+              <a:rPr kumimoji="1" lang="en-US" altLang="zh-CN" sz="1400" dirty="0" err="1" smtClean="0"/>
+              <a:t>ServletConfig</a:t>
+            </a:r>
+            <a:r>
+              <a:rPr kumimoji="1" lang="en-US" altLang="zh-CN" sz="1400" dirty="0" smtClean="0"/>
+              <a:t>)</a:t>
+            </a:r>
+          </a:p>
+          <a:p>
+            <a:r>
+              <a:rPr kumimoji="1" lang="en-US" altLang="zh-CN" sz="1400" dirty="0" smtClean="0"/>
+              <a:t>2.destroy()</a:t>
+            </a:r>
+          </a:p>
+          <a:p>
+            <a:r>
+              <a:rPr kumimoji="1" lang="en-US" altLang="zh-CN" sz="1400" dirty="0" smtClean="0"/>
+              <a:t>3.service(</a:t>
+            </a:r>
+            <a:r>
+              <a:rPr kumimoji="1" lang="en-US" altLang="zh-CN" sz="1400" dirty="0" err="1" smtClean="0"/>
+              <a:t>ServletRequest</a:t>
+            </a:r>
+            <a:r>
+              <a:rPr kumimoji="1" lang="zh-CN" altLang="en-US" sz="1400" dirty="0" smtClean="0"/>
+              <a:t> </a:t>
+            </a:r>
+            <a:r>
+              <a:rPr kumimoji="1" lang="en-US" altLang="zh-CN" sz="1400" dirty="0" smtClean="0"/>
+              <a:t>,</a:t>
+            </a:r>
+            <a:r>
+              <a:rPr kumimoji="1" lang="zh-CN" altLang="en-US" sz="1400" dirty="0"/>
+              <a:t> </a:t>
+            </a:r>
+            <a:r>
+              <a:rPr kumimoji="1" lang="en-US" altLang="zh-CN" sz="1400" dirty="0" err="1" smtClean="0"/>
+              <a:t>SerlvetResponse</a:t>
+            </a:r>
+            <a:r>
+              <a:rPr kumimoji="1" lang="en-US" altLang="zh-CN" sz="1400" dirty="0" smtClean="0"/>
+              <a:t>)</a:t>
+            </a:r>
+          </a:p>
+          <a:p>
+            <a:r>
+              <a:rPr kumimoji="1" lang="en-US" altLang="zh-CN" sz="1400" dirty="0" smtClean="0"/>
+              <a:t>4.getServletConfig()</a:t>
+            </a:r>
+          </a:p>
+          <a:p>
+            <a:r>
+              <a:rPr kumimoji="1" lang="en-US" altLang="zh-CN" sz="1400" dirty="0" smtClean="0"/>
+              <a:t>5.getServletInfo()</a:t>
+            </a:r>
+            <a:endParaRPr kumimoji="1" lang="zh-CN" altLang="en-US" sz="1400" dirty="0"/>
+          </a:p>
+        </p:txBody>
+      </p:sp>
+      <p:cxnSp>
+        <p:nvCxnSpPr>
+          <p:cNvPr id="39" name="直线箭头连接符 38"/>
+          <p:cNvCxnSpPr/>
+          <p:nvPr/>
+        </p:nvCxnSpPr>
+        <p:spPr>
+          <a:xfrm>
+            <a:off x="1895707" y="1405054"/>
+            <a:ext cx="1460810" cy="677996"/>
+          </a:xfrm>
+          <a:prstGeom prst="straightConnector1">
+            <a:avLst/>
+          </a:prstGeom>
+          <a:ln>
+            <a:tailEnd type="triangle"/>
+          </a:ln>
+        </p:spPr>
+        <p:style>
+          <a:lnRef idx="1">
+            <a:schemeClr val="accent1"/>
+          </a:lnRef>
+          <a:fillRef idx="0">
+            <a:schemeClr val="accent1"/>
+          </a:fillRef>
+          <a:effectRef idx="0">
+            <a:schemeClr val="accent1"/>
+          </a:effectRef>
+          <a:fontRef idx="minor">
+            <a:schemeClr val="tx1"/>
+          </a:fontRef>
+        </p:style>
+      </p:cxnSp>
+      <p:sp>
+        <p:nvSpPr>
+          <p:cNvPr id="40" name="文本框 39"/>
+          <p:cNvSpPr txBox="1"/>
+          <p:nvPr/>
+        </p:nvSpPr>
+        <p:spPr>
+          <a:xfrm>
+            <a:off x="6501161" y="1028606"/>
+            <a:ext cx="1441420" cy="307777"/>
+          </a:xfrm>
+          <a:prstGeom prst="rect">
+            <a:avLst/>
+          </a:prstGeom>
+          <a:noFill/>
+        </p:spPr>
+        <p:txBody>
+          <a:bodyPr wrap="none" rtlCol="0">
+            <a:spAutoFit/>
+          </a:bodyPr>
+          <a:lstStyle/>
+          <a:p>
+            <a:r>
+              <a:rPr kumimoji="1" lang="zh-CN" altLang="en-US" sz="1400" dirty="0" smtClean="0"/>
+              <a:t>客户端请求接口</a:t>
+            </a:r>
+            <a:endParaRPr kumimoji="1" lang="zh-CN" altLang="en-US" sz="1400" dirty="0"/>
+          </a:p>
+        </p:txBody>
+      </p:sp>
+      <p:cxnSp>
+        <p:nvCxnSpPr>
+          <p:cNvPr id="42" name="直线箭头连接符 41"/>
+          <p:cNvCxnSpPr>
+            <a:stCxn id="40" idx="2"/>
+          </p:cNvCxnSpPr>
+          <p:nvPr/>
+        </p:nvCxnSpPr>
+        <p:spPr>
+          <a:xfrm flipH="1">
+            <a:off x="6701907" y="1336383"/>
+            <a:ext cx="519964" cy="492417"/>
+          </a:xfrm>
+          <a:prstGeom prst="straightConnector1">
+            <a:avLst/>
+          </a:prstGeom>
+          <a:ln>
+            <a:tailEnd type="triangle"/>
+          </a:ln>
+        </p:spPr>
+        <p:style>
+          <a:lnRef idx="1">
+            <a:schemeClr val="accent1"/>
+          </a:lnRef>
+          <a:fillRef idx="0">
+            <a:schemeClr val="accent1"/>
+          </a:fillRef>
+          <a:effectRef idx="0">
+            <a:schemeClr val="accent1"/>
+          </a:effectRef>
+          <a:fontRef idx="minor">
+            <a:schemeClr val="tx1"/>
+          </a:fontRef>
+        </p:style>
+      </p:cxnSp>
+      <p:cxnSp>
+        <p:nvCxnSpPr>
+          <p:cNvPr id="44" name="直线箭头连接符 43"/>
+          <p:cNvCxnSpPr>
+            <a:stCxn id="40" idx="2"/>
+          </p:cNvCxnSpPr>
+          <p:nvPr/>
+        </p:nvCxnSpPr>
+        <p:spPr>
+          <a:xfrm>
+            <a:off x="7221871" y="1336383"/>
+            <a:ext cx="684344" cy="499115"/>
+          </a:xfrm>
+          <a:prstGeom prst="straightConnector1">
+            <a:avLst/>
+          </a:prstGeom>
+          <a:ln>
+            <a:tailEnd type="triangle"/>
+          </a:ln>
+        </p:spPr>
+        <p:style>
+          <a:lnRef idx="1">
+            <a:schemeClr val="accent1"/>
+          </a:lnRef>
+          <a:fillRef idx="0">
+            <a:schemeClr val="accent1"/>
+          </a:fillRef>
+          <a:effectRef idx="0">
+            <a:schemeClr val="accent1"/>
+          </a:effectRef>
+          <a:fontRef idx="minor">
+            <a:schemeClr val="tx1"/>
+          </a:fontRef>
+        </p:style>
+      </p:cxnSp>
+      <p:sp>
+        <p:nvSpPr>
+          <p:cNvPr id="45" name="文本框 44"/>
+          <p:cNvSpPr txBox="1"/>
+          <p:nvPr/>
+        </p:nvSpPr>
+        <p:spPr>
+          <a:xfrm>
+            <a:off x="2255578" y="4197522"/>
+            <a:ext cx="3033203" cy="461665"/>
+          </a:xfrm>
+          <a:prstGeom prst="rect">
+            <a:avLst/>
+          </a:prstGeom>
+          <a:noFill/>
+        </p:spPr>
+        <p:txBody>
+          <a:bodyPr wrap="none" rtlCol="0">
+            <a:spAutoFit/>
+          </a:bodyPr>
+          <a:lstStyle/>
+          <a:p>
+            <a:r>
+              <a:rPr kumimoji="1" lang="zh-CN" altLang="en-US" sz="1200" dirty="0" smtClean="0"/>
+              <a:t>提供了与</a:t>
+            </a:r>
+            <a:r>
+              <a:rPr kumimoji="1" lang="en-US" altLang="zh-CN" sz="1200" dirty="0" smtClean="0"/>
+              <a:t>http</a:t>
+            </a:r>
+            <a:r>
+              <a:rPr kumimoji="1" lang="zh-CN" altLang="en-US" sz="1200" dirty="0" smtClean="0"/>
+              <a:t>协议相关实现，所有</a:t>
+            </a:r>
+            <a:r>
+              <a:rPr kumimoji="1" lang="en-US" altLang="zh-CN" sz="1200" dirty="0" smtClean="0"/>
+              <a:t>java</a:t>
+            </a:r>
+            <a:r>
+              <a:rPr kumimoji="1" lang="zh-CN" altLang="en-US" sz="1200" dirty="0" smtClean="0"/>
+              <a:t> </a:t>
+            </a:r>
+            <a:r>
+              <a:rPr kumimoji="1" lang="en-US" altLang="zh-CN" sz="1200" dirty="0" smtClean="0"/>
+              <a:t>web</a:t>
+            </a:r>
+          </a:p>
+          <a:p>
+            <a:r>
+              <a:rPr kumimoji="1" lang="zh-CN" altLang="en-US" sz="1200" dirty="0" smtClean="0"/>
+              <a:t>自定义开发，都实现</a:t>
+            </a:r>
+            <a:r>
+              <a:rPr kumimoji="1" lang="en-US" altLang="zh-CN" sz="1200" dirty="0" err="1" smtClean="0"/>
+              <a:t>HttpServlet</a:t>
+            </a:r>
+            <a:endParaRPr kumimoji="1" lang="zh-CN" altLang="en-US" sz="1200" dirty="0"/>
+          </a:p>
+        </p:txBody>
+      </p:sp>
+      <p:sp>
+        <p:nvSpPr>
+          <p:cNvPr id="46" name="文本框 45"/>
+          <p:cNvSpPr txBox="1"/>
+          <p:nvPr/>
+        </p:nvSpPr>
+        <p:spPr>
+          <a:xfrm>
+            <a:off x="6501161" y="3517507"/>
+            <a:ext cx="1604927" cy="307777"/>
+          </a:xfrm>
+          <a:prstGeom prst="rect">
+            <a:avLst/>
+          </a:prstGeom>
+          <a:noFill/>
+        </p:spPr>
+        <p:txBody>
+          <a:bodyPr wrap="none" rtlCol="0">
+            <a:spAutoFit/>
+          </a:bodyPr>
+          <a:lstStyle/>
+          <a:p>
+            <a:r>
+              <a:rPr kumimoji="1" lang="en-US" altLang="zh-CN" sz="1400" dirty="0" smtClean="0"/>
+              <a:t>Http</a:t>
+            </a:r>
+            <a:r>
+              <a:rPr kumimoji="1" lang="zh-CN" altLang="en-US" sz="1400" dirty="0" smtClean="0"/>
+              <a:t>协议相关接口</a:t>
+            </a:r>
+            <a:endParaRPr kumimoji="1" lang="zh-CN" altLang="en-US" sz="1400" dirty="0"/>
+          </a:p>
+        </p:txBody>
+      </p:sp>
+      <p:cxnSp>
+        <p:nvCxnSpPr>
+          <p:cNvPr id="48" name="直线箭头连接符 47"/>
+          <p:cNvCxnSpPr/>
+          <p:nvPr/>
+        </p:nvCxnSpPr>
+        <p:spPr>
+          <a:xfrm flipH="1" flipV="1">
+            <a:off x="6813395" y="3297193"/>
+            <a:ext cx="278832" cy="111510"/>
+          </a:xfrm>
+          <a:prstGeom prst="straightConnector1">
+            <a:avLst/>
+          </a:prstGeom>
+          <a:ln>
+            <a:tailEnd type="triangle"/>
+          </a:ln>
+        </p:spPr>
+        <p:style>
+          <a:lnRef idx="1">
+            <a:schemeClr val="accent1"/>
+          </a:lnRef>
+          <a:fillRef idx="0">
+            <a:schemeClr val="accent1"/>
+          </a:fillRef>
+          <a:effectRef idx="0">
+            <a:schemeClr val="accent1"/>
+          </a:effectRef>
+          <a:fontRef idx="minor">
+            <a:schemeClr val="tx1"/>
+          </a:fontRef>
+        </p:style>
+      </p:cxnSp>
+      <p:cxnSp>
+        <p:nvCxnSpPr>
+          <p:cNvPr id="50" name="直线箭头连接符 49"/>
+          <p:cNvCxnSpPr/>
+          <p:nvPr/>
+        </p:nvCxnSpPr>
+        <p:spPr>
+          <a:xfrm flipV="1">
+            <a:off x="7221871" y="3315703"/>
+            <a:ext cx="260597" cy="93000"/>
+          </a:xfrm>
+          <a:prstGeom prst="straightConnector1">
+            <a:avLst/>
+          </a:prstGeom>
+          <a:ln>
+            <a:tailEnd type="triangle"/>
+          </a:ln>
+        </p:spPr>
+        <p:style>
+          <a:lnRef idx="1">
+            <a:schemeClr val="accent1"/>
+          </a:lnRef>
+          <a:fillRef idx="0">
+            <a:schemeClr val="accent1"/>
+          </a:fillRef>
+          <a:effectRef idx="0">
+            <a:schemeClr val="accent1"/>
+          </a:effectRef>
+          <a:fontRef idx="minor">
+            <a:schemeClr val="tx1"/>
+          </a:fontRef>
+        </p:style>
+      </p:cxnSp>
+      <p:sp>
+        <p:nvSpPr>
+          <p:cNvPr id="51" name="文本框 50"/>
+          <p:cNvSpPr txBox="1"/>
+          <p:nvPr/>
+        </p:nvSpPr>
+        <p:spPr>
+          <a:xfrm>
+            <a:off x="197691" y="5405627"/>
+            <a:ext cx="9778639" cy="830997"/>
+          </a:xfrm>
+          <a:prstGeom prst="rect">
+            <a:avLst/>
+          </a:prstGeom>
+          <a:noFill/>
+        </p:spPr>
+        <p:txBody>
+          <a:bodyPr wrap="none" rtlCol="0">
+            <a:spAutoFit/>
+          </a:bodyPr>
+          <a:lstStyle/>
+          <a:p>
+            <a:r>
+              <a:rPr kumimoji="1" lang="en-US" altLang="zh-CN" sz="1200" b="1" dirty="0" err="1" smtClean="0">
+                <a:solidFill>
+                  <a:srgbClr val="FF0000"/>
+                </a:solidFill>
+              </a:rPr>
+              <a:t>ServletContext</a:t>
+            </a:r>
+            <a:r>
+              <a:rPr kumimoji="1" lang="zh-CN" altLang="en-US" sz="1200" dirty="0" smtClean="0"/>
+              <a:t>：是</a:t>
+            </a:r>
+            <a:r>
+              <a:rPr kumimoji="1" lang="en-US" altLang="zh-CN" sz="1200" dirty="0" smtClean="0"/>
+              <a:t>servlet</a:t>
+            </a:r>
+            <a:r>
+              <a:rPr kumimoji="1" lang="zh-CN" altLang="en-US" sz="1200" dirty="0" smtClean="0"/>
+              <a:t>和</a:t>
+            </a:r>
+            <a:r>
+              <a:rPr kumimoji="1" lang="en-US" altLang="zh-CN" sz="1200" dirty="0" smtClean="0"/>
+              <a:t>servlet</a:t>
+            </a:r>
+            <a:r>
+              <a:rPr kumimoji="1" lang="zh-CN" altLang="en-US" sz="1200" dirty="0" smtClean="0"/>
+              <a:t>容器之间通信的接口。</a:t>
+            </a:r>
+            <a:r>
+              <a:rPr kumimoji="1" lang="en-US" altLang="zh-CN" sz="1200" dirty="0"/>
+              <a:t>Servlet</a:t>
+            </a:r>
+            <a:r>
+              <a:rPr kumimoji="1" lang="zh-CN" altLang="en-US" sz="1200" dirty="0"/>
+              <a:t>容器在启动一个</a:t>
+            </a:r>
+            <a:r>
+              <a:rPr kumimoji="1" lang="en-US" altLang="zh-CN" sz="1200" dirty="0"/>
+              <a:t>Web</a:t>
+            </a:r>
+            <a:r>
+              <a:rPr kumimoji="1" lang="zh-CN" altLang="en-US" sz="1200" dirty="0"/>
+              <a:t>应用时，会为它创建一个</a:t>
+            </a:r>
+            <a:r>
+              <a:rPr kumimoji="1" lang="en-US" altLang="zh-CN" sz="1200" dirty="0" err="1"/>
+              <a:t>ServletContext</a:t>
+            </a:r>
+            <a:r>
+              <a:rPr kumimoji="1" lang="zh-CN" altLang="en-US" sz="1200" dirty="0"/>
+              <a:t>对象</a:t>
+            </a:r>
+            <a:r>
+              <a:rPr kumimoji="1" lang="zh-CN" altLang="en-US" sz="1200" dirty="0" smtClean="0"/>
+              <a:t>。</a:t>
+            </a:r>
+            <a:endParaRPr kumimoji="1" lang="en-US" altLang="zh-CN" sz="1200" dirty="0" smtClean="0"/>
+          </a:p>
+          <a:p>
+            <a:r>
+              <a:rPr kumimoji="1" lang="zh-CN" altLang="en-US" sz="1200" dirty="0" smtClean="0"/>
+              <a:t>每个</a:t>
+            </a:r>
+            <a:r>
+              <a:rPr kumimoji="1" lang="en-US" altLang="zh-CN" sz="1200" dirty="0"/>
+              <a:t>Web</a:t>
+            </a:r>
+            <a:r>
+              <a:rPr kumimoji="1" lang="zh-CN" altLang="en-US" sz="1200" dirty="0"/>
+              <a:t>应用都有唯一的</a:t>
+            </a:r>
+            <a:r>
+              <a:rPr kumimoji="1" lang="en-US" altLang="zh-CN" sz="1200" dirty="0" err="1"/>
+              <a:t>ServletContext</a:t>
+            </a:r>
+            <a:r>
+              <a:rPr kumimoji="1" lang="zh-CN" altLang="en-US" sz="1200" dirty="0"/>
+              <a:t>对象，可以把</a:t>
+            </a:r>
+            <a:r>
+              <a:rPr kumimoji="1" lang="en-US" altLang="zh-CN" sz="1200" dirty="0" err="1"/>
+              <a:t>ServletContext</a:t>
+            </a:r>
+            <a:r>
+              <a:rPr kumimoji="1" lang="zh-CN" altLang="en-US" sz="1200" dirty="0"/>
+              <a:t>对象形象地理解为</a:t>
+            </a:r>
+            <a:r>
+              <a:rPr kumimoji="1" lang="en-US" altLang="zh-CN" sz="1200" dirty="0"/>
+              <a:t>Web</a:t>
+            </a:r>
+            <a:r>
+              <a:rPr kumimoji="1" lang="zh-CN" altLang="en-US" sz="1200" dirty="0"/>
+              <a:t>应用的总管家，同一个</a:t>
+            </a:r>
+            <a:r>
+              <a:rPr kumimoji="1" lang="en-US" altLang="zh-CN" sz="1200" dirty="0"/>
+              <a:t>Web</a:t>
+            </a:r>
+            <a:r>
+              <a:rPr kumimoji="1" lang="zh-CN" altLang="en-US" sz="1200" dirty="0"/>
+              <a:t>应用中的所有</a:t>
+            </a:r>
+            <a:r>
+              <a:rPr kumimoji="1" lang="en-US" altLang="zh-CN" sz="1200" dirty="0"/>
+              <a:t>Servlet</a:t>
+            </a:r>
+            <a:r>
+              <a:rPr kumimoji="1" lang="zh-CN" altLang="en-US" sz="1200" dirty="0" smtClean="0"/>
+              <a:t>对象</a:t>
+            </a:r>
+            <a:endParaRPr kumimoji="1" lang="en-US" altLang="zh-CN" sz="1200" dirty="0" smtClean="0"/>
+          </a:p>
+          <a:p>
+            <a:r>
+              <a:rPr kumimoji="1" lang="zh-CN" altLang="en-US" sz="1200" dirty="0" smtClean="0"/>
+              <a:t>都</a:t>
+            </a:r>
+            <a:r>
+              <a:rPr kumimoji="1" lang="zh-CN" altLang="en-US" sz="1200" dirty="0"/>
+              <a:t>共享一个</a:t>
+            </a:r>
+            <a:r>
+              <a:rPr kumimoji="1" lang="en-US" altLang="zh-CN" sz="1200" dirty="0" err="1"/>
+              <a:t>ServletContext</a:t>
+            </a:r>
+            <a:r>
+              <a:rPr kumimoji="1" lang="zh-CN" altLang="en-US" sz="1200" dirty="0"/>
+              <a:t>，</a:t>
+            </a:r>
+            <a:r>
+              <a:rPr kumimoji="1" lang="en-US" altLang="zh-CN" sz="1200" dirty="0"/>
+              <a:t>Servlet</a:t>
+            </a:r>
+            <a:r>
+              <a:rPr kumimoji="1" lang="zh-CN" altLang="en-US" sz="1200" dirty="0"/>
+              <a:t>对象可以通过其访问容器中的各种资源。</a:t>
+            </a:r>
+          </a:p>
+          <a:p>
+            <a:endParaRPr kumimoji="1" lang="zh-CN" altLang="en-US" sz="1200" dirty="0"/>
+          </a:p>
+        </p:txBody>
+      </p:sp>
+    </p:spTree>
+    <p:extLst>
+      <p:ext uri="{BB962C8B-B14F-4D97-AF65-F5344CB8AC3E}">
+        <p14:creationId xmlns:p14="http://schemas.microsoft.com/office/powerpoint/2010/main" val="1646528644"/>
+      </p:ext>
+    </p:extLst>
+  </p:cSld>
+  <p:clrMapOvr>
+    <a:masterClrMapping/>
+  </p:clrMapOvr>
+  <p:timing>
+    <p:tnLst>
+      <p:par>
+        <p:cTn id="1" dur="indefinite" restart="never" nodeType="tmRoot"/>
+      </p:par>
+    </p:tnLst>
+  </p:timing>
 </p:sld>
 </file>
 

--- a/doc/doc.pptx
+++ b/doc/doc.pptx
@@ -205,7 +205,7 @@
           <a:p>
             <a:fld id="{A3D7CE87-9499-D644-9D39-658681EEDA03}" type="datetimeFigureOut">
               <a:rPr kumimoji="1" lang="zh-CN" altLang="en-US" smtClean="0"/>
-              <a:t>2019/7/19</a:t>
+              <a:t>2019/8/3</a:t>
             </a:fld>
             <a:endParaRPr kumimoji="1" lang="zh-CN" altLang="en-US"/>
           </a:p>
@@ -517,6 +517,99 @@
           <a:bodyPr/>
           <a:lstStyle/>
           <a:p>
+            <a:pPr algn="l"/>
+            <a:r>
+              <a:rPr kumimoji="1" lang="zh-CN" altLang="en-US" b="1" dirty="0" smtClean="0"/>
+              <a:t>双亲委派模型</a:t>
+            </a:r>
+            <a:r>
+              <a:rPr kumimoji="1" lang="zh-CN" altLang="en-US" dirty="0" smtClean="0"/>
+              <a:t>：一个类加载器收到了类加载的请求，它首先把请求委派给父类加载器去完成，每一层的类加载器都是如此，这样所有的加载请求都会被传送到顶层的启动类加载器中，只有当父加载器无法完成家加载请求，子加载器才会尝试加载类</a:t>
+            </a:r>
+            <a:endParaRPr kumimoji="1" lang="zh-CN" altLang="en-US" dirty="0"/>
+          </a:p>
+        </p:txBody>
+      </p:sp>
+      <p:sp>
+        <p:nvSpPr>
+          <p:cNvPr id="4" name="幻灯片编号占位符 3"/>
+          <p:cNvSpPr>
+            <a:spLocks noGrp="1"/>
+          </p:cNvSpPr>
+          <p:nvPr>
+            <p:ph type="sldNum" sz="quarter" idx="10"/>
+          </p:nvPr>
+        </p:nvSpPr>
+        <p:spPr/>
+        <p:txBody>
+          <a:bodyPr/>
+          <a:lstStyle/>
+          <a:p>
+            <a:fld id="{F2839265-038A-F64A-AC79-1983EAB8A597}" type="slidenum">
+              <a:rPr kumimoji="1" lang="zh-CN" altLang="en-US" smtClean="0"/>
+              <a:t>1</a:t>
+            </a:fld>
+            <a:endParaRPr kumimoji="1" lang="zh-CN" altLang="en-US"/>
+          </a:p>
+        </p:txBody>
+      </p:sp>
+    </p:spTree>
+    <p:extLst>
+      <p:ext uri="{BB962C8B-B14F-4D97-AF65-F5344CB8AC3E}">
+        <p14:creationId xmlns:p14="http://schemas.microsoft.com/office/powerpoint/2010/main" val="962810277"/>
+      </p:ext>
+    </p:extLst>
+  </p:cSld>
+  <p:clrMapOvr>
+    <a:masterClrMapping/>
+  </p:clrMapOvr>
+</p:notes>
+</file>
+
+<file path=ppt/notesSlides/notesSlide2.xml><?xml version="1.0" encoding="utf-8"?>
+<p:notes xmlns:a="http://schemas.openxmlformats.org/drawingml/2006/main" xmlns:r="http://schemas.openxmlformats.org/officeDocument/2006/relationships" xmlns:p="http://schemas.openxmlformats.org/presentationml/2006/main">
+  <p:cSld>
+    <p:spTree>
+      <p:nvGrpSpPr>
+        <p:cNvPr id="1" name=""/>
+        <p:cNvGrpSpPr/>
+        <p:nvPr/>
+      </p:nvGrpSpPr>
+      <p:grpSpPr>
+        <a:xfrm>
+          <a:off x="0" y="0"/>
+          <a:ext cx="0" cy="0"/>
+          <a:chOff x="0" y="0"/>
+          <a:chExt cx="0" cy="0"/>
+        </a:xfrm>
+      </p:grpSpPr>
+      <p:sp>
+        <p:nvSpPr>
+          <p:cNvPr id="2" name="幻灯片图像占位符 1"/>
+          <p:cNvSpPr>
+            <a:spLocks noGrp="1" noRot="1" noChangeAspect="1"/>
+          </p:cNvSpPr>
+          <p:nvPr>
+            <p:ph type="sldImg"/>
+          </p:nvPr>
+        </p:nvSpPr>
+        <p:spPr/>
+      </p:sp>
+      <p:sp>
+        <p:nvSpPr>
+          <p:cNvPr id="3" name="备注占位符 2"/>
+          <p:cNvSpPr>
+            <a:spLocks noGrp="1"/>
+          </p:cNvSpPr>
+          <p:nvPr>
+            <p:ph type="body" idx="1"/>
+          </p:nvPr>
+        </p:nvSpPr>
+        <p:spPr/>
+        <p:txBody>
+          <a:bodyPr/>
+          <a:lstStyle/>
+          <a:p>
             <a:r>
               <a:rPr kumimoji="1" lang="en-US" altLang="zh-CN" dirty="0" smtClean="0"/>
               <a:t>1.</a:t>
@@ -612,7 +705,7 @@
 </p:notes>
 </file>
 
-<file path=ppt/notesSlides/notesSlide2.xml><?xml version="1.0" encoding="utf-8"?>
+<file path=ppt/notesSlides/notesSlide3.xml><?xml version="1.0" encoding="utf-8"?>
 <p:notes xmlns:a="http://schemas.openxmlformats.org/drawingml/2006/main" xmlns:r="http://schemas.openxmlformats.org/officeDocument/2006/relationships" xmlns:p="http://schemas.openxmlformats.org/presentationml/2006/main">
   <p:cSld>
     <p:spTree>
@@ -942,7 +1035,7 @@
           <a:p>
             <a:fld id="{79C7BEE9-4014-F74B-8041-D28506CB9C48}" type="datetimeFigureOut">
               <a:rPr kumimoji="1" lang="zh-CN" altLang="en-US" smtClean="0"/>
-              <a:t>2019/7/19</a:t>
+              <a:t>2019/8/3</a:t>
             </a:fld>
             <a:endParaRPr kumimoji="1" lang="zh-CN" altLang="en-US"/>
           </a:p>
@@ -1112,7 +1205,7 @@
           <a:p>
             <a:fld id="{79C7BEE9-4014-F74B-8041-D28506CB9C48}" type="datetimeFigureOut">
               <a:rPr kumimoji="1" lang="zh-CN" altLang="en-US" smtClean="0"/>
-              <a:t>2019/7/19</a:t>
+              <a:t>2019/8/3</a:t>
             </a:fld>
             <a:endParaRPr kumimoji="1" lang="zh-CN" altLang="en-US"/>
           </a:p>
@@ -1292,7 +1385,7 @@
           <a:p>
             <a:fld id="{79C7BEE9-4014-F74B-8041-D28506CB9C48}" type="datetimeFigureOut">
               <a:rPr kumimoji="1" lang="zh-CN" altLang="en-US" smtClean="0"/>
-              <a:t>2019/7/19</a:t>
+              <a:t>2019/8/3</a:t>
             </a:fld>
             <a:endParaRPr kumimoji="1" lang="zh-CN" altLang="en-US"/>
           </a:p>
@@ -1462,7 +1555,7 @@
           <a:p>
             <a:fld id="{79C7BEE9-4014-F74B-8041-D28506CB9C48}" type="datetimeFigureOut">
               <a:rPr kumimoji="1" lang="zh-CN" altLang="en-US" smtClean="0"/>
-              <a:t>2019/7/19</a:t>
+              <a:t>2019/8/3</a:t>
             </a:fld>
             <a:endParaRPr kumimoji="1" lang="zh-CN" altLang="en-US"/>
           </a:p>
@@ -1708,7 +1801,7 @@
           <a:p>
             <a:fld id="{79C7BEE9-4014-F74B-8041-D28506CB9C48}" type="datetimeFigureOut">
               <a:rPr kumimoji="1" lang="zh-CN" altLang="en-US" smtClean="0"/>
-              <a:t>2019/7/19</a:t>
+              <a:t>2019/8/3</a:t>
             </a:fld>
             <a:endParaRPr kumimoji="1" lang="zh-CN" altLang="en-US"/>
           </a:p>
@@ -1940,7 +2033,7 @@
           <a:p>
             <a:fld id="{79C7BEE9-4014-F74B-8041-D28506CB9C48}" type="datetimeFigureOut">
               <a:rPr kumimoji="1" lang="zh-CN" altLang="en-US" smtClean="0"/>
-              <a:t>2019/7/19</a:t>
+              <a:t>2019/8/3</a:t>
             </a:fld>
             <a:endParaRPr kumimoji="1" lang="zh-CN" altLang="en-US"/>
           </a:p>
@@ -2307,7 +2400,7 @@
           <a:p>
             <a:fld id="{79C7BEE9-4014-F74B-8041-D28506CB9C48}" type="datetimeFigureOut">
               <a:rPr kumimoji="1" lang="zh-CN" altLang="en-US" smtClean="0"/>
-              <a:t>2019/7/19</a:t>
+              <a:t>2019/8/3</a:t>
             </a:fld>
             <a:endParaRPr kumimoji="1" lang="zh-CN" altLang="en-US"/>
           </a:p>
@@ -2425,7 +2518,7 @@
           <a:p>
             <a:fld id="{79C7BEE9-4014-F74B-8041-D28506CB9C48}" type="datetimeFigureOut">
               <a:rPr kumimoji="1" lang="zh-CN" altLang="en-US" smtClean="0"/>
-              <a:t>2019/7/19</a:t>
+              <a:t>2019/8/3</a:t>
             </a:fld>
             <a:endParaRPr kumimoji="1" lang="zh-CN" altLang="en-US"/>
           </a:p>
@@ -2520,7 +2613,7 @@
           <a:p>
             <a:fld id="{79C7BEE9-4014-F74B-8041-D28506CB9C48}" type="datetimeFigureOut">
               <a:rPr kumimoji="1" lang="zh-CN" altLang="en-US" smtClean="0"/>
-              <a:t>2019/7/19</a:t>
+              <a:t>2019/8/3</a:t>
             </a:fld>
             <a:endParaRPr kumimoji="1" lang="zh-CN" altLang="en-US"/>
           </a:p>
@@ -2797,7 +2890,7 @@
           <a:p>
             <a:fld id="{79C7BEE9-4014-F74B-8041-D28506CB9C48}" type="datetimeFigureOut">
               <a:rPr kumimoji="1" lang="zh-CN" altLang="en-US" smtClean="0"/>
-              <a:t>2019/7/19</a:t>
+              <a:t>2019/8/3</a:t>
             </a:fld>
             <a:endParaRPr kumimoji="1" lang="zh-CN" altLang="en-US"/>
           </a:p>
@@ -3050,7 +3143,7 @@
           <a:p>
             <a:fld id="{79C7BEE9-4014-F74B-8041-D28506CB9C48}" type="datetimeFigureOut">
               <a:rPr kumimoji="1" lang="zh-CN" altLang="en-US" smtClean="0"/>
-              <a:t>2019/7/19</a:t>
+              <a:t>2019/8/3</a:t>
             </a:fld>
             <a:endParaRPr kumimoji="1" lang="zh-CN" altLang="en-US"/>
           </a:p>
@@ -3263,7 +3356,7 @@
           <a:p>
             <a:fld id="{79C7BEE9-4014-F74B-8041-D28506CB9C48}" type="datetimeFigureOut">
               <a:rPr kumimoji="1" lang="zh-CN" altLang="en-US" smtClean="0"/>
-              <a:t>2019/7/19</a:t>
+              <a:t>2019/8/3</a:t>
             </a:fld>
             <a:endParaRPr kumimoji="1" lang="zh-CN" altLang="en-US"/>
           </a:p>
@@ -5196,15 +5289,7 @@
           <a:p>
             <a:r>
               <a:rPr kumimoji="1" lang="zh-CN" altLang="en-US" sz="1100" dirty="0" smtClean="0"/>
-              <a:t>永</a:t>
-            </a:r>
-            <a:r>
-              <a:rPr kumimoji="1" lang="zh-CN" altLang="en-US" sz="1100" dirty="0" smtClean="0"/>
-              <a:t>久</a:t>
-            </a:r>
-            <a:r>
-              <a:rPr kumimoji="1" lang="zh-CN" altLang="en-US" sz="1100" dirty="0" smtClean="0"/>
-              <a:t>代</a:t>
+              <a:t>永久代</a:t>
             </a:r>
             <a:endParaRPr kumimoji="1" lang="zh-CN" altLang="en-US" sz="1100" dirty="0"/>
           </a:p>
@@ -5382,7 +5467,7 @@
         </p:nvSpPr>
         <p:spPr>
           <a:xfrm>
-            <a:off x="4425020" y="1951350"/>
+            <a:off x="4425020" y="1738521"/>
             <a:ext cx="720069" cy="276999"/>
           </a:xfrm>
           <a:prstGeom prst="rect">
@@ -5451,15 +5536,7 @@
             </a:pPr>
             <a:r>
               <a:rPr kumimoji="1" lang="zh-CN" altLang="en-US" sz="1100" dirty="0" smtClean="0"/>
-              <a:t>程序</a:t>
-            </a:r>
-            <a:r>
-              <a:rPr kumimoji="1" lang="zh-CN" altLang="en-US" sz="1100" dirty="0" smtClean="0"/>
-              <a:t>计数器指向</a:t>
-            </a:r>
-            <a:r>
-              <a:rPr kumimoji="1" lang="zh-CN" altLang="en-US" sz="1100" dirty="0" smtClean="0"/>
-              <a:t>要执行的下一条指令</a:t>
+              <a:t>程序计数器指向要执行的下一条指令</a:t>
             </a:r>
             <a:endParaRPr kumimoji="1" lang="en-US" altLang="zh-CN" sz="1100" dirty="0" smtClean="0"/>
           </a:p>
@@ -5566,14 +5643,14 @@
       </p:cxnSp>
       <p:sp>
         <p:nvSpPr>
-          <p:cNvPr id="35" name="矩形 34"/>
+          <p:cNvPr id="28" name="矩形 27"/>
           <p:cNvSpPr/>
           <p:nvPr/>
         </p:nvSpPr>
         <p:spPr>
           <a:xfrm>
-            <a:off x="9032619" y="232227"/>
-            <a:ext cx="1470824" cy="1077952"/>
+            <a:off x="4526897" y="2069417"/>
+            <a:ext cx="152715" cy="381388"/>
           </a:xfrm>
           <a:prstGeom prst="rect">
             <a:avLst/>
@@ -5600,135 +5677,470 @@
           <a:bodyPr rtlCol="0" anchor="ctr"/>
           <a:lstStyle/>
           <a:p>
-            <a:r>
-              <a:rPr kumimoji="1" lang="en-US" altLang="zh-CN" sz="1200" dirty="0" smtClean="0">
-                <a:solidFill>
-                  <a:schemeClr val="tx1"/>
-                </a:solidFill>
-              </a:rPr>
+            <a:pPr algn="ctr"/>
+            <a:endParaRPr kumimoji="1" lang="zh-CN" altLang="en-US" dirty="0"/>
+          </a:p>
+        </p:txBody>
+      </p:sp>
+      <p:sp>
+        <p:nvSpPr>
+          <p:cNvPr id="36" name="矩形 35"/>
+          <p:cNvSpPr/>
+          <p:nvPr/>
+        </p:nvSpPr>
+        <p:spPr>
+          <a:xfrm>
+            <a:off x="4836872" y="2068948"/>
+            <a:ext cx="152715" cy="381388"/>
+          </a:xfrm>
+          <a:prstGeom prst="rect">
+            <a:avLst/>
+          </a:prstGeom>
+          <a:noFill/>
+        </p:spPr>
+        <p:style>
+          <a:lnRef idx="2">
+            <a:schemeClr val="accent1">
+              <a:shade val="50000"/>
+            </a:schemeClr>
+          </a:lnRef>
+          <a:fillRef idx="1">
+            <a:schemeClr val="accent1"/>
+          </a:fillRef>
+          <a:effectRef idx="0">
+            <a:schemeClr val="accent1"/>
+          </a:effectRef>
+          <a:fontRef idx="minor">
+            <a:schemeClr val="lt1"/>
+          </a:fontRef>
+        </p:style>
+        <p:txBody>
+          <a:bodyPr rtlCol="0" anchor="ctr"/>
+          <a:lstStyle/>
+          <a:p>
+            <a:pPr algn="ctr"/>
+            <a:endParaRPr kumimoji="1" lang="zh-CN" altLang="en-US"/>
+          </a:p>
+        </p:txBody>
+      </p:sp>
+      <p:sp>
+        <p:nvSpPr>
+          <p:cNvPr id="37" name="文本框 36"/>
+          <p:cNvSpPr txBox="1"/>
+          <p:nvPr/>
+        </p:nvSpPr>
+        <p:spPr>
+          <a:xfrm>
+            <a:off x="7897137" y="4786980"/>
+            <a:ext cx="3866764" cy="1785104"/>
+          </a:xfrm>
+          <a:prstGeom prst="rect">
+            <a:avLst/>
+          </a:prstGeom>
+          <a:noFill/>
+        </p:spPr>
+        <p:txBody>
+          <a:bodyPr wrap="none" rtlCol="0">
+            <a:spAutoFit/>
+          </a:bodyPr>
+          <a:lstStyle/>
+          <a:p>
+            <a:r>
+              <a:rPr kumimoji="1" lang="zh-CN" altLang="en-US" sz="1100" b="1" dirty="0" smtClean="0"/>
+              <a:t>分代回收原理：</a:t>
+            </a:r>
+            <a:endParaRPr kumimoji="1" lang="en-US" altLang="zh-CN" sz="1100" b="1" dirty="0" smtClean="0"/>
+          </a:p>
+          <a:p>
+            <a:r>
+              <a:rPr kumimoji="1" lang="zh-CN" altLang="en-US" sz="1100" dirty="0" smtClean="0"/>
+              <a:t>    </a:t>
+            </a:r>
+            <a:r>
+              <a:rPr kumimoji="1" lang="en-US" altLang="zh-CN" sz="1100" dirty="0" smtClean="0"/>
+              <a:t>1.</a:t>
+            </a:r>
+            <a:r>
+              <a:rPr kumimoji="1" lang="zh-CN" altLang="en-US" sz="1100" dirty="0" smtClean="0"/>
+              <a:t>新生代采用复制算法，新生代里有</a:t>
+            </a:r>
+            <a:r>
+              <a:rPr kumimoji="1" lang="en-US" altLang="zh-CN" sz="1100" dirty="0" smtClean="0"/>
+              <a:t>3</a:t>
+            </a:r>
+            <a:r>
+              <a:rPr kumimoji="1" lang="zh-CN" altLang="en-US" sz="1100" dirty="0" smtClean="0"/>
+              <a:t>个分区：</a:t>
+            </a:r>
+            <a:r>
+              <a:rPr kumimoji="1" lang="en-US" altLang="zh-CN" sz="1100" dirty="0" smtClean="0"/>
+              <a:t>Eden/</a:t>
+            </a:r>
+          </a:p>
+          <a:p>
+            <a:r>
+              <a:rPr kumimoji="1" lang="en-US" altLang="zh-CN" sz="1100" dirty="0" smtClean="0"/>
+              <a:t>From</a:t>
+            </a:r>
+            <a:r>
+              <a:rPr kumimoji="1" lang="zh-CN" altLang="en-US" sz="1100" dirty="0" smtClean="0"/>
+              <a:t> </a:t>
+            </a:r>
+            <a:r>
+              <a:rPr kumimoji="1" lang="en-US" altLang="zh-CN" sz="1100" dirty="0" smtClean="0"/>
+              <a:t>Survivor/To</a:t>
+            </a:r>
+            <a:r>
+              <a:rPr kumimoji="1" lang="zh-CN" altLang="en-US" sz="1100" dirty="0" smtClean="0"/>
+              <a:t> </a:t>
+            </a:r>
+            <a:r>
+              <a:rPr kumimoji="1" lang="en-US" altLang="zh-CN" sz="1100" dirty="0" smtClean="0"/>
+              <a:t>Survivor</a:t>
+            </a:r>
+            <a:r>
+              <a:rPr kumimoji="1" lang="zh-CN" altLang="en-US" sz="1100" dirty="0" smtClean="0"/>
+              <a:t>，将</a:t>
+            </a:r>
+            <a:r>
+              <a:rPr kumimoji="1" lang="en-US" altLang="zh-CN" sz="1100" dirty="0" err="1" smtClean="0"/>
+              <a:t>Edon</a:t>
+            </a:r>
+            <a:r>
+              <a:rPr kumimoji="1" lang="zh-CN" altLang="en-US" sz="1100" dirty="0" smtClean="0"/>
+              <a:t>和</a:t>
+            </a:r>
+            <a:r>
+              <a:rPr kumimoji="1" lang="en-US" altLang="zh-CN" sz="1100" dirty="0" smtClean="0"/>
+              <a:t>From</a:t>
+            </a:r>
+            <a:r>
+              <a:rPr kumimoji="1" lang="zh-CN" altLang="en-US" sz="1100" dirty="0" smtClean="0"/>
+              <a:t> </a:t>
+            </a:r>
+            <a:r>
+              <a:rPr kumimoji="1" lang="en-US" altLang="zh-CN" sz="1100" dirty="0" smtClean="0"/>
+              <a:t>survivor</a:t>
+            </a:r>
+            <a:r>
+              <a:rPr kumimoji="1" lang="zh-CN" altLang="en-US" sz="1100" dirty="0" smtClean="0"/>
+              <a:t>存活的</a:t>
+            </a:r>
+            <a:endParaRPr kumimoji="1" lang="en-US" altLang="zh-CN" sz="1100" dirty="0" smtClean="0"/>
+          </a:p>
+          <a:p>
+            <a:r>
+              <a:rPr kumimoji="1" lang="zh-CN" altLang="en-US" sz="1100" dirty="0" smtClean="0"/>
+              <a:t>对象放入</a:t>
+            </a:r>
+            <a:r>
+              <a:rPr kumimoji="1" lang="en-US" altLang="zh-CN" sz="1100" dirty="0" smtClean="0"/>
+              <a:t>To</a:t>
+            </a:r>
+            <a:r>
+              <a:rPr kumimoji="1" lang="zh-CN" altLang="en-US" sz="1100" dirty="0" smtClean="0"/>
+              <a:t> </a:t>
+            </a:r>
+            <a:r>
+              <a:rPr kumimoji="1" lang="en-US" altLang="zh-CN" sz="1100" dirty="0" smtClean="0"/>
+              <a:t>survivor</a:t>
+            </a:r>
+            <a:r>
+              <a:rPr kumimoji="1" lang="zh-CN" altLang="en-US" sz="1100" dirty="0" smtClean="0"/>
+              <a:t>区，将空</a:t>
+            </a:r>
+            <a:r>
+              <a:rPr kumimoji="1" lang="en-US" altLang="zh-CN" sz="1100" dirty="0" err="1" smtClean="0"/>
+              <a:t>Edon</a:t>
+            </a:r>
+            <a:r>
+              <a:rPr kumimoji="1" lang="zh-CN" altLang="en-US" sz="1100" dirty="0" smtClean="0"/>
+              <a:t>、</a:t>
+            </a:r>
+            <a:r>
+              <a:rPr kumimoji="1" lang="en-US" altLang="zh-CN" sz="1100" dirty="0" smtClean="0"/>
+              <a:t>from</a:t>
+            </a:r>
+            <a:r>
+              <a:rPr kumimoji="1" lang="zh-CN" altLang="en-US" sz="1100" dirty="0" smtClean="0"/>
+              <a:t> </a:t>
+            </a:r>
+            <a:r>
+              <a:rPr kumimoji="1" lang="en-US" altLang="zh-CN" sz="1100" dirty="0" smtClean="0"/>
+              <a:t>survivor</a:t>
+            </a:r>
+            <a:r>
+              <a:rPr kumimoji="1" lang="zh-CN" altLang="en-US" sz="1100" dirty="0" smtClean="0"/>
+              <a:t>，每次</a:t>
+            </a:r>
+            <a:endParaRPr kumimoji="1" lang="en-US" altLang="zh-CN" sz="1100" dirty="0" smtClean="0"/>
+          </a:p>
+          <a:p>
+            <a:r>
+              <a:rPr kumimoji="1" lang="zh-CN" altLang="en-US" sz="1100" dirty="0" smtClean="0"/>
+              <a:t>在</a:t>
+            </a:r>
+            <a:r>
+              <a:rPr kumimoji="1" lang="en-US" altLang="zh-CN" sz="1100" dirty="0" smtClean="0"/>
+              <a:t>From</a:t>
+            </a:r>
+            <a:r>
+              <a:rPr kumimoji="1" lang="zh-CN" altLang="en-US" sz="1100" dirty="0" smtClean="0"/>
+              <a:t> </a:t>
+            </a:r>
+            <a:r>
+              <a:rPr kumimoji="1" lang="en-US" altLang="zh-CN" sz="1100" dirty="0" smtClean="0"/>
+              <a:t>survivor</a:t>
+            </a:r>
+            <a:r>
+              <a:rPr kumimoji="1" lang="zh-CN" altLang="en-US" sz="1100" dirty="0" smtClean="0"/>
+              <a:t>到</a:t>
+            </a:r>
+            <a:r>
+              <a:rPr kumimoji="1" lang="en-US" altLang="zh-CN" sz="1100" dirty="0" smtClean="0"/>
+              <a:t>To</a:t>
+            </a:r>
+            <a:r>
+              <a:rPr kumimoji="1" lang="zh-CN" altLang="en-US" sz="1100" dirty="0" smtClean="0"/>
+              <a:t> </a:t>
+            </a:r>
+            <a:r>
+              <a:rPr kumimoji="1" lang="en-US" altLang="zh-CN" sz="1100" dirty="0" smtClean="0"/>
+              <a:t>survivor</a:t>
+            </a:r>
+            <a:r>
+              <a:rPr kumimoji="1" lang="zh-CN" altLang="en-US" sz="1100" dirty="0" smtClean="0"/>
+              <a:t>分区交换，年龄就</a:t>
+            </a:r>
+            <a:r>
+              <a:rPr kumimoji="1" lang="en-US" altLang="zh-CN" sz="1100" dirty="0" smtClean="0"/>
+              <a:t>+1</a:t>
+            </a:r>
+            <a:r>
+              <a:rPr kumimoji="1" lang="zh-CN" altLang="en-US" sz="1100" dirty="0" smtClean="0"/>
+              <a:t>，当</a:t>
+            </a:r>
+            <a:endParaRPr kumimoji="1" lang="en-US" altLang="zh-CN" sz="1100" dirty="0" smtClean="0"/>
+          </a:p>
+          <a:p>
+            <a:r>
+              <a:rPr kumimoji="1" lang="zh-CN" altLang="en-US" sz="1100" dirty="0" smtClean="0"/>
+              <a:t>年龄到达</a:t>
+            </a:r>
+            <a:r>
+              <a:rPr kumimoji="1" lang="en-US" altLang="zh-CN" sz="1100" dirty="0" smtClean="0"/>
+              <a:t>15</a:t>
+            </a:r>
+            <a:r>
+              <a:rPr kumimoji="1" lang="zh-CN" altLang="en-US" sz="1100" dirty="0" smtClean="0"/>
+              <a:t>时，升级为老年代。</a:t>
+            </a:r>
+            <a:endParaRPr kumimoji="1" lang="en-US" altLang="zh-CN" sz="1100" dirty="0" smtClean="0"/>
+          </a:p>
+          <a:p>
+            <a:r>
+              <a:rPr kumimoji="1" lang="zh-CN" altLang="en-US" sz="1100" dirty="0" smtClean="0"/>
+              <a:t>     </a:t>
+            </a:r>
+            <a:r>
+              <a:rPr kumimoji="1" lang="en-US" altLang="zh-CN" sz="1100" dirty="0" smtClean="0"/>
+              <a:t>2.</a:t>
+            </a:r>
+            <a:r>
+              <a:rPr kumimoji="1" lang="zh-CN" altLang="en-US" sz="1100" dirty="0" smtClean="0"/>
+              <a:t>老年代：当空间占用到达某个值之后就会触发全局垃圾</a:t>
+            </a:r>
+            <a:endParaRPr kumimoji="1" lang="en-US" altLang="zh-CN" sz="1100" dirty="0" smtClean="0"/>
+          </a:p>
+          <a:p>
+            <a:r>
+              <a:rPr kumimoji="1" lang="zh-CN" altLang="en-US" sz="1100" dirty="0" smtClean="0"/>
+              <a:t>回收，一般使用标记整理的算法。</a:t>
+            </a:r>
+            <a:endParaRPr kumimoji="1" lang="en-US" altLang="zh-CN" sz="1100" dirty="0" smtClean="0"/>
+          </a:p>
+          <a:p>
+            <a:r>
+              <a:rPr kumimoji="1" lang="zh-CN" altLang="en-US" sz="1100" dirty="0" smtClean="0"/>
+              <a:t>以上这些循环往复就构成了整个分代垃圾回收的整体执行</a:t>
+            </a:r>
+            <a:endParaRPr kumimoji="1" lang="en-US" altLang="zh-CN" sz="1100" dirty="0" smtClean="0"/>
+          </a:p>
+          <a:p>
+            <a:r>
+              <a:rPr kumimoji="1" lang="zh-CN" altLang="en-US" sz="1100" dirty="0" smtClean="0"/>
+              <a:t>流程</a:t>
+            </a:r>
+            <a:endParaRPr kumimoji="1" lang="en-US" altLang="zh-CN" sz="1100" dirty="0" smtClean="0"/>
+          </a:p>
+        </p:txBody>
+      </p:sp>
+      <p:sp>
+        <p:nvSpPr>
+          <p:cNvPr id="35" name="文本框 34"/>
+          <p:cNvSpPr txBox="1"/>
+          <p:nvPr/>
+        </p:nvSpPr>
+        <p:spPr>
+          <a:xfrm>
+            <a:off x="9186995" y="402238"/>
+            <a:ext cx="2443727" cy="1223412"/>
+          </a:xfrm>
+          <a:prstGeom prst="rect">
+            <a:avLst/>
+          </a:prstGeom>
+          <a:noFill/>
+        </p:spPr>
+        <p:txBody>
+          <a:bodyPr wrap="square" rtlCol="0">
+            <a:spAutoFit/>
+          </a:bodyPr>
+          <a:lstStyle/>
+          <a:p>
+            <a:r>
+              <a:rPr kumimoji="1" lang="zh-CN" altLang="en-US" sz="1050" dirty="0" smtClean="0"/>
+              <a:t>新生代</a:t>
+            </a:r>
+            <a:r>
+              <a:rPr kumimoji="1" lang="en-US" altLang="zh-CN" sz="1050" dirty="0" smtClean="0"/>
               <a:t>GC</a:t>
             </a:r>
             <a:r>
-              <a:rPr kumimoji="1" lang="zh-CN" altLang="en-US" sz="1200" dirty="0" smtClean="0">
-                <a:solidFill>
-                  <a:schemeClr val="tx1"/>
-                </a:solidFill>
-              </a:rPr>
-              <a:t>种类：</a:t>
-            </a:r>
-            <a:endParaRPr kumimoji="1" lang="en-US" altLang="zh-CN" sz="1200" dirty="0" smtClean="0">
-              <a:solidFill>
-                <a:schemeClr val="tx1"/>
-              </a:solidFill>
-            </a:endParaRPr>
-          </a:p>
-          <a:p>
-            <a:r>
-              <a:rPr kumimoji="1" lang="en-US" altLang="zh-CN" sz="1200" dirty="0" smtClean="0">
-                <a:solidFill>
-                  <a:schemeClr val="tx1"/>
-                </a:solidFill>
-              </a:rPr>
-              <a:t>1.serial</a:t>
-            </a:r>
-            <a:r>
-              <a:rPr kumimoji="1" lang="zh-CN" altLang="en-US" sz="1200" dirty="0" smtClean="0">
-                <a:solidFill>
-                  <a:schemeClr val="tx1"/>
-                </a:solidFill>
-              </a:rPr>
-              <a:t>收集器</a:t>
-            </a:r>
-            <a:endParaRPr kumimoji="1" lang="en-US" altLang="zh-CN" sz="1200" dirty="0" smtClean="0">
-              <a:solidFill>
-                <a:schemeClr val="tx1"/>
-              </a:solidFill>
-            </a:endParaRPr>
-          </a:p>
-          <a:p>
-            <a:r>
-              <a:rPr kumimoji="1" lang="en-US" altLang="zh-CN" sz="1200" dirty="0" smtClean="0">
-                <a:solidFill>
-                  <a:schemeClr val="tx1"/>
-                </a:solidFill>
-              </a:rPr>
-              <a:t>2.parallel</a:t>
-            </a:r>
-            <a:r>
-              <a:rPr kumimoji="1" lang="zh-CN" altLang="en-US" sz="1200" dirty="0" smtClean="0">
-                <a:solidFill>
-                  <a:schemeClr val="tx1"/>
-                </a:solidFill>
-              </a:rPr>
-              <a:t>收集器</a:t>
-            </a:r>
-            <a:endParaRPr kumimoji="1" lang="en-US" altLang="zh-CN" sz="1200" dirty="0" smtClean="0">
-              <a:solidFill>
-                <a:schemeClr val="tx1"/>
-              </a:solidFill>
-            </a:endParaRPr>
-          </a:p>
-          <a:p>
-            <a:r>
-              <a:rPr kumimoji="1" lang="en-US" altLang="zh-CN" sz="1200" dirty="0" smtClean="0">
-                <a:solidFill>
-                  <a:schemeClr val="tx1"/>
-                </a:solidFill>
-              </a:rPr>
-              <a:t>3.</a:t>
-            </a:r>
-            <a:r>
-              <a:rPr kumimoji="1" lang="zh-CN" altLang="en-US" sz="1200" dirty="0" smtClean="0">
-                <a:solidFill>
-                  <a:schemeClr val="tx1"/>
-                </a:solidFill>
-              </a:rPr>
+              <a:rPr kumimoji="1" lang="zh-CN" altLang="en-US" sz="1050" dirty="0" smtClean="0"/>
+              <a:t>：</a:t>
+            </a:r>
+            <a:r>
+              <a:rPr kumimoji="1" lang="en-US" altLang="zh-CN" sz="1050" dirty="0" smtClean="0"/>
+              <a:t>minor</a:t>
+            </a:r>
+            <a:r>
+              <a:rPr kumimoji="1" lang="zh-CN" altLang="en-US" sz="1050" dirty="0" smtClean="0"/>
               <a:t> </a:t>
             </a:r>
             <a:r>
-              <a:rPr kumimoji="1" lang="en-US" altLang="zh-CN" sz="1200" dirty="0" smtClean="0">
-                <a:solidFill>
-                  <a:schemeClr val="tx1"/>
-                </a:solidFill>
-              </a:rPr>
-              <a:t>G1</a:t>
-            </a:r>
-            <a:r>
-              <a:rPr kumimoji="1" lang="zh-CN" altLang="en-US" sz="1200" dirty="0" smtClean="0">
-                <a:solidFill>
-                  <a:schemeClr val="tx1"/>
-                </a:solidFill>
-              </a:rPr>
-              <a:t>收集器</a:t>
-            </a:r>
-            <a:endParaRPr kumimoji="1" lang="en-US" altLang="zh-CN" sz="1200" dirty="0" smtClean="0">
-              <a:solidFill>
-                <a:schemeClr val="tx1"/>
-              </a:solidFill>
-            </a:endParaRPr>
-          </a:p>
-          <a:p>
-            <a:r>
-              <a:rPr kumimoji="1" lang="en-US" altLang="zh-CN" sz="1200" dirty="0" smtClean="0">
-                <a:solidFill>
-                  <a:schemeClr val="tx1"/>
-                </a:solidFill>
-              </a:rPr>
-              <a:t>4.CMS</a:t>
-            </a:r>
-            <a:r>
-              <a:rPr kumimoji="1" lang="zh-CN" altLang="en-US" sz="1200" dirty="0" smtClean="0">
-                <a:solidFill>
-                  <a:schemeClr val="tx1"/>
-                </a:solidFill>
-              </a:rPr>
-              <a:t>收集器</a:t>
-            </a:r>
-            <a:endParaRPr kumimoji="1" lang="zh-CN" altLang="en-US" sz="1200" dirty="0">
-              <a:solidFill>
-                <a:schemeClr val="tx1"/>
-              </a:solidFill>
-            </a:endParaRPr>
+              <a:rPr kumimoji="1" lang="en-US" altLang="zh-CN" sz="1050" dirty="0" err="1" smtClean="0"/>
+              <a:t>gc</a:t>
+            </a:r>
+            <a:endParaRPr kumimoji="1" lang="en-US" altLang="zh-CN" sz="1050" dirty="0" smtClean="0"/>
+          </a:p>
+          <a:p>
+            <a:r>
+              <a:rPr kumimoji="1" lang="zh-CN" altLang="en-US" sz="1050" dirty="0" smtClean="0"/>
+              <a:t>老年代</a:t>
+            </a:r>
+            <a:r>
+              <a:rPr kumimoji="1" lang="en-US" altLang="zh-CN" sz="1050" dirty="0" smtClean="0"/>
+              <a:t>GC</a:t>
+            </a:r>
+            <a:r>
+              <a:rPr kumimoji="1" lang="zh-CN" altLang="en-US" sz="1050" dirty="0" smtClean="0"/>
+              <a:t>：</a:t>
+            </a:r>
+            <a:r>
+              <a:rPr kumimoji="1" lang="en-US" altLang="zh-CN" sz="1050" dirty="0" smtClean="0"/>
+              <a:t>major</a:t>
+            </a:r>
+            <a:r>
+              <a:rPr kumimoji="1" lang="zh-CN" altLang="en-US" sz="1050" dirty="0" smtClean="0"/>
+              <a:t> </a:t>
+            </a:r>
+            <a:r>
+              <a:rPr kumimoji="1" lang="en-US" altLang="zh-CN" sz="1050" dirty="0" err="1" smtClean="0"/>
+              <a:t>gc</a:t>
+            </a:r>
+            <a:r>
+              <a:rPr kumimoji="1" lang="zh-CN" altLang="en-US" sz="1050" dirty="0" smtClean="0"/>
+              <a:t> </a:t>
+            </a:r>
+            <a:r>
+              <a:rPr kumimoji="1" lang="en-US" altLang="zh-CN" sz="1050" dirty="0" smtClean="0"/>
+              <a:t>/</a:t>
+            </a:r>
+            <a:r>
+              <a:rPr kumimoji="1" lang="zh-CN" altLang="en-US" sz="1050" dirty="0" smtClean="0"/>
+              <a:t> </a:t>
+            </a:r>
+            <a:r>
+              <a:rPr kumimoji="1" lang="en-US" altLang="zh-CN" sz="1050" dirty="0" smtClean="0"/>
+              <a:t>Full</a:t>
+            </a:r>
+            <a:r>
+              <a:rPr kumimoji="1" lang="zh-CN" altLang="en-US" sz="1050" dirty="0" smtClean="0"/>
+              <a:t> </a:t>
+            </a:r>
+            <a:r>
+              <a:rPr kumimoji="1" lang="en-US" altLang="zh-CN" sz="1050" dirty="0" err="1" smtClean="0"/>
+              <a:t>gc</a:t>
+            </a:r>
+            <a:endParaRPr kumimoji="1" lang="en-US" altLang="zh-CN" sz="1050" dirty="0" smtClean="0"/>
+          </a:p>
+          <a:p>
+            <a:endParaRPr kumimoji="1" lang="en-US" altLang="zh-CN" sz="1050" dirty="0"/>
+          </a:p>
+          <a:p>
+            <a:r>
+              <a:rPr kumimoji="1" lang="zh-CN" altLang="en-US" sz="1050" dirty="0" smtClean="0"/>
+              <a:t>触发</a:t>
+            </a:r>
+            <a:r>
+              <a:rPr kumimoji="1" lang="en-US" altLang="zh-CN" sz="1050" dirty="0" err="1" smtClean="0"/>
+              <a:t>gc</a:t>
+            </a:r>
+            <a:r>
+              <a:rPr kumimoji="1" lang="zh-CN" altLang="en-US" sz="1050" dirty="0" smtClean="0"/>
+              <a:t>条件：</a:t>
+            </a:r>
+            <a:endParaRPr kumimoji="1" lang="en-US" altLang="zh-CN" sz="1050" dirty="0" smtClean="0"/>
+          </a:p>
+          <a:p>
+            <a:r>
+              <a:rPr kumimoji="1" lang="zh-CN" altLang="en-US" sz="1050" dirty="0"/>
+              <a:t> </a:t>
+            </a:r>
+            <a:r>
+              <a:rPr kumimoji="1" lang="en-US" altLang="zh-CN" sz="1050" dirty="0" smtClean="0"/>
+              <a:t>1.</a:t>
+            </a:r>
+            <a:r>
+              <a:rPr kumimoji="1" lang="zh-CN" altLang="en-US" sz="1050" dirty="0" smtClean="0"/>
+              <a:t> 一般在应用程序空闲时调用</a:t>
+            </a:r>
+            <a:endParaRPr kumimoji="1" lang="en-US" altLang="zh-CN" sz="1050" dirty="0" smtClean="0"/>
+          </a:p>
+          <a:p>
+            <a:r>
+              <a:rPr kumimoji="1" lang="zh-CN" altLang="en-US" sz="1050" dirty="0" smtClean="0"/>
+              <a:t> </a:t>
+            </a:r>
+            <a:r>
+              <a:rPr kumimoji="1" lang="en-US" altLang="zh-CN" sz="1050" dirty="0" smtClean="0"/>
+              <a:t>2.</a:t>
+            </a:r>
+            <a:r>
+              <a:rPr kumimoji="1" lang="zh-CN" altLang="en-US" sz="1050" dirty="0" smtClean="0"/>
+              <a:t> </a:t>
+            </a:r>
+            <a:r>
+              <a:rPr kumimoji="1" lang="en-US" altLang="zh-CN" sz="1050" dirty="0" smtClean="0"/>
+              <a:t>Java</a:t>
+            </a:r>
+            <a:r>
+              <a:rPr kumimoji="1" lang="zh-CN" altLang="en-US" sz="1050" dirty="0" smtClean="0"/>
+              <a:t>堆内存不足时，</a:t>
+            </a:r>
+            <a:r>
+              <a:rPr kumimoji="1" lang="en-US" altLang="zh-CN" sz="1050" dirty="0" err="1" smtClean="0"/>
+              <a:t>Gc</a:t>
+            </a:r>
+            <a:r>
+              <a:rPr kumimoji="1" lang="zh-CN" altLang="en-US" sz="1050" dirty="0" smtClean="0"/>
+              <a:t>会被调用</a:t>
+            </a:r>
+            <a:r>
+              <a:rPr kumimoji="1" lang="en-US" altLang="zh-CN" sz="1050" dirty="0"/>
+              <a:t>	</a:t>
+            </a:r>
+            <a:endParaRPr kumimoji="1" lang="zh-CN" altLang="en-US" sz="1050" dirty="0"/>
           </a:p>
         </p:txBody>
       </p:sp>
@@ -6365,7 +6777,7 @@
                   <a:schemeClr val="tx1"/>
                 </a:solidFill>
               </a:rPr>
-              <a:t>复制</a:t>
+              <a:t>复制算法</a:t>
             </a:r>
             <a:endParaRPr kumimoji="1" lang="en-US" altLang="zh-CN" sz="1200" dirty="0" smtClean="0">
               <a:solidFill>
@@ -6481,7 +6893,7 @@
                   <a:schemeClr val="tx1"/>
                 </a:solidFill>
               </a:rPr>
-              <a:t>引用计数</a:t>
+              <a:t>引用计数器</a:t>
             </a:r>
             <a:endParaRPr kumimoji="1" lang="en-US" altLang="zh-CN" sz="1200" dirty="0" smtClean="0">
               <a:solidFill>
@@ -6578,6 +6990,104 @@
           </a:fontRef>
         </p:style>
       </p:cxnSp>
+      <p:sp>
+        <p:nvSpPr>
+          <p:cNvPr id="2" name="文本框 1"/>
+          <p:cNvSpPr txBox="1"/>
+          <p:nvPr/>
+        </p:nvSpPr>
+        <p:spPr>
+          <a:xfrm>
+            <a:off x="390293" y="5341434"/>
+            <a:ext cx="8582799" cy="938719"/>
+          </a:xfrm>
+          <a:prstGeom prst="rect">
+            <a:avLst/>
+          </a:prstGeom>
+          <a:noFill/>
+        </p:spPr>
+        <p:txBody>
+          <a:bodyPr wrap="none" rtlCol="0">
+            <a:spAutoFit/>
+          </a:bodyPr>
+          <a:lstStyle/>
+          <a:p>
+            <a:r>
+              <a:rPr kumimoji="1" lang="en-US" altLang="zh-CN" sz="1100" dirty="0" smtClean="0"/>
+              <a:t>1.</a:t>
+            </a:r>
+            <a:r>
+              <a:rPr kumimoji="1" lang="zh-CN" altLang="en-US" sz="1100" dirty="0" smtClean="0"/>
+              <a:t>标记</a:t>
+            </a:r>
+            <a:r>
+              <a:rPr kumimoji="1" lang="en-US" altLang="zh-CN" sz="1100" dirty="0" smtClean="0"/>
+              <a:t>-</a:t>
+            </a:r>
+            <a:r>
+              <a:rPr kumimoji="1" lang="zh-CN" altLang="en-US" sz="1100" dirty="0" smtClean="0"/>
+              <a:t>清除：标记无用对象，然后进行清除回收。缺点：效率不高，无法清除垃圾碎片</a:t>
+            </a:r>
+            <a:endParaRPr kumimoji="1" lang="en-US" altLang="zh-CN" sz="1100" dirty="0" smtClean="0"/>
+          </a:p>
+          <a:p>
+            <a:r>
+              <a:rPr kumimoji="1" lang="en-US" altLang="zh-CN" sz="1100" dirty="0" smtClean="0"/>
+              <a:t>2.</a:t>
+            </a:r>
+            <a:r>
+              <a:rPr kumimoji="1" lang="zh-CN" altLang="en-US" sz="1100" dirty="0" smtClean="0"/>
+              <a:t>标记</a:t>
+            </a:r>
+            <a:r>
+              <a:rPr kumimoji="1" lang="en-US" altLang="zh-CN" sz="1100" dirty="0" smtClean="0"/>
+              <a:t>-</a:t>
+            </a:r>
+            <a:r>
+              <a:rPr kumimoji="1" lang="zh-CN" altLang="en-US" sz="1100" dirty="0" smtClean="0"/>
+              <a:t>整理：标记无用对象，让所有存活的对象都向一端移动，然后直接清除掉另一端的内存</a:t>
+            </a:r>
+            <a:endParaRPr kumimoji="1" lang="en-US" altLang="zh-CN" sz="1100" dirty="0" smtClean="0"/>
+          </a:p>
+          <a:p>
+            <a:r>
+              <a:rPr kumimoji="1" lang="en-US" altLang="zh-CN" sz="1100" dirty="0" smtClean="0"/>
+              <a:t>3.</a:t>
+            </a:r>
+            <a:r>
+              <a:rPr kumimoji="1" lang="zh-CN" altLang="en-US" sz="1100" dirty="0" smtClean="0"/>
+              <a:t>复制算法：按照容量划分两个大小相等的内存区域，当一块用完的时候将活着的对象复制到另一块上，然后把已使用的内存清理掉。</a:t>
+            </a:r>
+            <a:endParaRPr kumimoji="1" lang="en-US" altLang="zh-CN" sz="1100" dirty="0" smtClean="0"/>
+          </a:p>
+          <a:p>
+            <a:r>
+              <a:rPr kumimoji="1" lang="zh-CN" altLang="en-US" sz="1100" dirty="0"/>
+              <a:t> </a:t>
+            </a:r>
+            <a:r>
+              <a:rPr kumimoji="1" lang="en-US" altLang="zh-CN" sz="1100" dirty="0"/>
+              <a:t>	</a:t>
+            </a:r>
+            <a:r>
+              <a:rPr kumimoji="1" lang="zh-CN" altLang="en-US" sz="1100" dirty="0" smtClean="0"/>
+              <a:t>缺点：内存使用率不高，只有原来的一半</a:t>
+            </a:r>
+            <a:endParaRPr kumimoji="1" lang="en-US" altLang="zh-CN" sz="1100" dirty="0" smtClean="0"/>
+          </a:p>
+          <a:p>
+            <a:r>
+              <a:rPr kumimoji="1" lang="en-US" altLang="zh-CN" sz="1100" dirty="0" smtClean="0"/>
+              <a:t>4.</a:t>
+            </a:r>
+            <a:r>
+              <a:rPr kumimoji="1" lang="zh-CN" altLang="en-US" sz="1100" dirty="0" smtClean="0"/>
+              <a:t>分代回收：根据对象存活的周期不同将内存划分为几块，一般是新生代和老年代，新生代采用复制算法，老年代采用标记整理算法</a:t>
+            </a:r>
+            <a:endParaRPr kumimoji="1" lang="zh-CN" altLang="en-US" sz="1100" dirty="0"/>
+          </a:p>
+        </p:txBody>
+      </p:sp>
     </p:spTree>
     <p:extLst>
       <p:ext uri="{BB962C8B-B14F-4D97-AF65-F5344CB8AC3E}">

--- a/doc/doc.pptx
+++ b/doc/doc.pptx
@@ -205,7 +205,7 @@
           <a:p>
             <a:fld id="{A3D7CE87-9499-D644-9D39-658681EEDA03}" type="datetimeFigureOut">
               <a:rPr kumimoji="1" lang="zh-CN" altLang="en-US" smtClean="0"/>
-              <a:t>2019/8/3</a:t>
+              <a:t>2019/8/9</a:t>
             </a:fld>
             <a:endParaRPr kumimoji="1" lang="zh-CN" altLang="en-US"/>
           </a:p>
@@ -524,9 +524,25 @@
             </a:r>
             <a:r>
               <a:rPr kumimoji="1" lang="zh-CN" altLang="en-US" dirty="0" smtClean="0"/>
-              <a:t>：一个类加载器收到了类加载的请求，它首先把请求委派给父类加载器去完成，每一层的类加载器都是如此，这样所有的加载请求都会被传送到顶层的启动类加载器中，只有当父加载器无法完成家加载请求，子加载器才会尝试加载类</a:t>
-            </a:r>
-            <a:endParaRPr kumimoji="1" lang="zh-CN" altLang="en-US" dirty="0"/>
+              <a:t>：一个类加载器收到了类加载的请求，它首先把请求委派给父类加载器去完成，每一层的类加载器都是如此，这样所有的加载请求都会被传送到顶层的启动类加载器中，只有当父加载器无法完成家加载请求，子加载器才会尝试加载</a:t>
+            </a:r>
+            <a:r>
+              <a:rPr kumimoji="1" lang="zh-CN" altLang="en-US" dirty="0" smtClean="0"/>
+              <a:t>类</a:t>
+            </a:r>
+            <a:endParaRPr kumimoji="1" lang="en-US" altLang="zh-CN" dirty="0" smtClean="0"/>
+          </a:p>
+          <a:p>
+            <a:pPr algn="l"/>
+            <a:r>
+              <a:rPr kumimoji="1" lang="zh-CN" altLang="en-US" b="1" dirty="0" smtClean="0"/>
+              <a:t>优点</a:t>
+            </a:r>
+            <a:r>
+              <a:rPr kumimoji="1" lang="zh-CN" altLang="en-US" dirty="0" smtClean="0"/>
+              <a:t>：为了安全着想</a:t>
+            </a:r>
+            <a:endParaRPr kumimoji="1" lang="en-US" altLang="zh-CN" dirty="0" smtClean="0"/>
           </a:p>
         </p:txBody>
       </p:sp>
@@ -1035,7 +1051,7 @@
           <a:p>
             <a:fld id="{79C7BEE9-4014-F74B-8041-D28506CB9C48}" type="datetimeFigureOut">
               <a:rPr kumimoji="1" lang="zh-CN" altLang="en-US" smtClean="0"/>
-              <a:t>2019/8/3</a:t>
+              <a:t>2019/8/9</a:t>
             </a:fld>
             <a:endParaRPr kumimoji="1" lang="zh-CN" altLang="en-US"/>
           </a:p>
@@ -1205,7 +1221,7 @@
           <a:p>
             <a:fld id="{79C7BEE9-4014-F74B-8041-D28506CB9C48}" type="datetimeFigureOut">
               <a:rPr kumimoji="1" lang="zh-CN" altLang="en-US" smtClean="0"/>
-              <a:t>2019/8/3</a:t>
+              <a:t>2019/8/9</a:t>
             </a:fld>
             <a:endParaRPr kumimoji="1" lang="zh-CN" altLang="en-US"/>
           </a:p>
@@ -1385,7 +1401,7 @@
           <a:p>
             <a:fld id="{79C7BEE9-4014-F74B-8041-D28506CB9C48}" type="datetimeFigureOut">
               <a:rPr kumimoji="1" lang="zh-CN" altLang="en-US" smtClean="0"/>
-              <a:t>2019/8/3</a:t>
+              <a:t>2019/8/9</a:t>
             </a:fld>
             <a:endParaRPr kumimoji="1" lang="zh-CN" altLang="en-US"/>
           </a:p>
@@ -1555,7 +1571,7 @@
           <a:p>
             <a:fld id="{79C7BEE9-4014-F74B-8041-D28506CB9C48}" type="datetimeFigureOut">
               <a:rPr kumimoji="1" lang="zh-CN" altLang="en-US" smtClean="0"/>
-              <a:t>2019/8/3</a:t>
+              <a:t>2019/8/9</a:t>
             </a:fld>
             <a:endParaRPr kumimoji="1" lang="zh-CN" altLang="en-US"/>
           </a:p>
@@ -1801,7 +1817,7 @@
           <a:p>
             <a:fld id="{79C7BEE9-4014-F74B-8041-D28506CB9C48}" type="datetimeFigureOut">
               <a:rPr kumimoji="1" lang="zh-CN" altLang="en-US" smtClean="0"/>
-              <a:t>2019/8/3</a:t>
+              <a:t>2019/8/9</a:t>
             </a:fld>
             <a:endParaRPr kumimoji="1" lang="zh-CN" altLang="en-US"/>
           </a:p>
@@ -2033,7 +2049,7 @@
           <a:p>
             <a:fld id="{79C7BEE9-4014-F74B-8041-D28506CB9C48}" type="datetimeFigureOut">
               <a:rPr kumimoji="1" lang="zh-CN" altLang="en-US" smtClean="0"/>
-              <a:t>2019/8/3</a:t>
+              <a:t>2019/8/9</a:t>
             </a:fld>
             <a:endParaRPr kumimoji="1" lang="zh-CN" altLang="en-US"/>
           </a:p>
@@ -2400,7 +2416,7 @@
           <a:p>
             <a:fld id="{79C7BEE9-4014-F74B-8041-D28506CB9C48}" type="datetimeFigureOut">
               <a:rPr kumimoji="1" lang="zh-CN" altLang="en-US" smtClean="0"/>
-              <a:t>2019/8/3</a:t>
+              <a:t>2019/8/9</a:t>
             </a:fld>
             <a:endParaRPr kumimoji="1" lang="zh-CN" altLang="en-US"/>
           </a:p>
@@ -2518,7 +2534,7 @@
           <a:p>
             <a:fld id="{79C7BEE9-4014-F74B-8041-D28506CB9C48}" type="datetimeFigureOut">
               <a:rPr kumimoji="1" lang="zh-CN" altLang="en-US" smtClean="0"/>
-              <a:t>2019/8/3</a:t>
+              <a:t>2019/8/9</a:t>
             </a:fld>
             <a:endParaRPr kumimoji="1" lang="zh-CN" altLang="en-US"/>
           </a:p>
@@ -2613,7 +2629,7 @@
           <a:p>
             <a:fld id="{79C7BEE9-4014-F74B-8041-D28506CB9C48}" type="datetimeFigureOut">
               <a:rPr kumimoji="1" lang="zh-CN" altLang="en-US" smtClean="0"/>
-              <a:t>2019/8/3</a:t>
+              <a:t>2019/8/9</a:t>
             </a:fld>
             <a:endParaRPr kumimoji="1" lang="zh-CN" altLang="en-US"/>
           </a:p>
@@ -2890,7 +2906,7 @@
           <a:p>
             <a:fld id="{79C7BEE9-4014-F74B-8041-D28506CB9C48}" type="datetimeFigureOut">
               <a:rPr kumimoji="1" lang="zh-CN" altLang="en-US" smtClean="0"/>
-              <a:t>2019/8/3</a:t>
+              <a:t>2019/8/9</a:t>
             </a:fld>
             <a:endParaRPr kumimoji="1" lang="zh-CN" altLang="en-US"/>
           </a:p>
@@ -3143,7 +3159,7 @@
           <a:p>
             <a:fld id="{79C7BEE9-4014-F74B-8041-D28506CB9C48}" type="datetimeFigureOut">
               <a:rPr kumimoji="1" lang="zh-CN" altLang="en-US" smtClean="0"/>
-              <a:t>2019/8/3</a:t>
+              <a:t>2019/8/9</a:t>
             </a:fld>
             <a:endParaRPr kumimoji="1" lang="zh-CN" altLang="en-US"/>
           </a:p>
@@ -3356,7 +3372,7 @@
           <a:p>
             <a:fld id="{79C7BEE9-4014-F74B-8041-D28506CB9C48}" type="datetimeFigureOut">
               <a:rPr kumimoji="1" lang="zh-CN" altLang="en-US" smtClean="0"/>
-              <a:t>2019/8/3</a:t>
+              <a:t>2019/8/9</a:t>
             </a:fld>
             <a:endParaRPr kumimoji="1" lang="zh-CN" altLang="en-US"/>
           </a:p>

--- a/doc/doc.pptx
+++ b/doc/doc.pptx
@@ -205,7 +205,7 @@
           <a:p>
             <a:fld id="{A3D7CE87-9499-D644-9D39-658681EEDA03}" type="datetimeFigureOut">
               <a:rPr kumimoji="1" lang="zh-CN" altLang="en-US" smtClean="0"/>
-              <a:t>2019/8/9</a:t>
+              <a:t>2019/8/22</a:t>
             </a:fld>
             <a:endParaRPr kumimoji="1" lang="zh-CN" altLang="en-US"/>
           </a:p>
@@ -524,11 +524,7 @@
             </a:r>
             <a:r>
               <a:rPr kumimoji="1" lang="zh-CN" altLang="en-US" dirty="0" smtClean="0"/>
-              <a:t>：一个类加载器收到了类加载的请求，它首先把请求委派给父类加载器去完成，每一层的类加载器都是如此，这样所有的加载请求都会被传送到顶层的启动类加载器中，只有当父加载器无法完成家加载请求，子加载器才会尝试加载</a:t>
-            </a:r>
-            <a:r>
-              <a:rPr kumimoji="1" lang="zh-CN" altLang="en-US" dirty="0" smtClean="0"/>
-              <a:t>类</a:t>
+              <a:t>：一个类加载器收到了类加载的请求，它首先把请求委派给父类加载器去完成，每一层的类加载器都是如此，这样所有的加载请求都会被传送到顶层的启动类加载器中，只有当父加载器无法完成家加载请求，子加载器才会尝试加载类</a:t>
             </a:r>
             <a:endParaRPr kumimoji="1" lang="en-US" altLang="zh-CN" dirty="0" smtClean="0"/>
           </a:p>
@@ -1051,7 +1047,7 @@
           <a:p>
             <a:fld id="{79C7BEE9-4014-F74B-8041-D28506CB9C48}" type="datetimeFigureOut">
               <a:rPr kumimoji="1" lang="zh-CN" altLang="en-US" smtClean="0"/>
-              <a:t>2019/8/9</a:t>
+              <a:t>2019/8/22</a:t>
             </a:fld>
             <a:endParaRPr kumimoji="1" lang="zh-CN" altLang="en-US"/>
           </a:p>
@@ -1221,7 +1217,7 @@
           <a:p>
             <a:fld id="{79C7BEE9-4014-F74B-8041-D28506CB9C48}" type="datetimeFigureOut">
               <a:rPr kumimoji="1" lang="zh-CN" altLang="en-US" smtClean="0"/>
-              <a:t>2019/8/9</a:t>
+              <a:t>2019/8/22</a:t>
             </a:fld>
             <a:endParaRPr kumimoji="1" lang="zh-CN" altLang="en-US"/>
           </a:p>
@@ -1401,7 +1397,7 @@
           <a:p>
             <a:fld id="{79C7BEE9-4014-F74B-8041-D28506CB9C48}" type="datetimeFigureOut">
               <a:rPr kumimoji="1" lang="zh-CN" altLang="en-US" smtClean="0"/>
-              <a:t>2019/8/9</a:t>
+              <a:t>2019/8/22</a:t>
             </a:fld>
             <a:endParaRPr kumimoji="1" lang="zh-CN" altLang="en-US"/>
           </a:p>
@@ -1571,7 +1567,7 @@
           <a:p>
             <a:fld id="{79C7BEE9-4014-F74B-8041-D28506CB9C48}" type="datetimeFigureOut">
               <a:rPr kumimoji="1" lang="zh-CN" altLang="en-US" smtClean="0"/>
-              <a:t>2019/8/9</a:t>
+              <a:t>2019/8/22</a:t>
             </a:fld>
             <a:endParaRPr kumimoji="1" lang="zh-CN" altLang="en-US"/>
           </a:p>
@@ -1817,7 +1813,7 @@
           <a:p>
             <a:fld id="{79C7BEE9-4014-F74B-8041-D28506CB9C48}" type="datetimeFigureOut">
               <a:rPr kumimoji="1" lang="zh-CN" altLang="en-US" smtClean="0"/>
-              <a:t>2019/8/9</a:t>
+              <a:t>2019/8/22</a:t>
             </a:fld>
             <a:endParaRPr kumimoji="1" lang="zh-CN" altLang="en-US"/>
           </a:p>
@@ -2049,7 +2045,7 @@
           <a:p>
             <a:fld id="{79C7BEE9-4014-F74B-8041-D28506CB9C48}" type="datetimeFigureOut">
               <a:rPr kumimoji="1" lang="zh-CN" altLang="en-US" smtClean="0"/>
-              <a:t>2019/8/9</a:t>
+              <a:t>2019/8/22</a:t>
             </a:fld>
             <a:endParaRPr kumimoji="1" lang="zh-CN" altLang="en-US"/>
           </a:p>
@@ -2416,7 +2412,7 @@
           <a:p>
             <a:fld id="{79C7BEE9-4014-F74B-8041-D28506CB9C48}" type="datetimeFigureOut">
               <a:rPr kumimoji="1" lang="zh-CN" altLang="en-US" smtClean="0"/>
-              <a:t>2019/8/9</a:t>
+              <a:t>2019/8/22</a:t>
             </a:fld>
             <a:endParaRPr kumimoji="1" lang="zh-CN" altLang="en-US"/>
           </a:p>
@@ -2534,7 +2530,7 @@
           <a:p>
             <a:fld id="{79C7BEE9-4014-F74B-8041-D28506CB9C48}" type="datetimeFigureOut">
               <a:rPr kumimoji="1" lang="zh-CN" altLang="en-US" smtClean="0"/>
-              <a:t>2019/8/9</a:t>
+              <a:t>2019/8/22</a:t>
             </a:fld>
             <a:endParaRPr kumimoji="1" lang="zh-CN" altLang="en-US"/>
           </a:p>
@@ -2629,7 +2625,7 @@
           <a:p>
             <a:fld id="{79C7BEE9-4014-F74B-8041-D28506CB9C48}" type="datetimeFigureOut">
               <a:rPr kumimoji="1" lang="zh-CN" altLang="en-US" smtClean="0"/>
-              <a:t>2019/8/9</a:t>
+              <a:t>2019/8/22</a:t>
             </a:fld>
             <a:endParaRPr kumimoji="1" lang="zh-CN" altLang="en-US"/>
           </a:p>
@@ -2906,7 +2902,7 @@
           <a:p>
             <a:fld id="{79C7BEE9-4014-F74B-8041-D28506CB9C48}" type="datetimeFigureOut">
               <a:rPr kumimoji="1" lang="zh-CN" altLang="en-US" smtClean="0"/>
-              <a:t>2019/8/9</a:t>
+              <a:t>2019/8/22</a:t>
             </a:fld>
             <a:endParaRPr kumimoji="1" lang="zh-CN" altLang="en-US"/>
           </a:p>
@@ -3159,7 +3155,7 @@
           <a:p>
             <a:fld id="{79C7BEE9-4014-F74B-8041-D28506CB9C48}" type="datetimeFigureOut">
               <a:rPr kumimoji="1" lang="zh-CN" altLang="en-US" smtClean="0"/>
-              <a:t>2019/8/9</a:t>
+              <a:t>2019/8/22</a:t>
             </a:fld>
             <a:endParaRPr kumimoji="1" lang="zh-CN" altLang="en-US"/>
           </a:p>
@@ -3372,7 +3368,7 @@
           <a:p>
             <a:fld id="{79C7BEE9-4014-F74B-8041-D28506CB9C48}" type="datetimeFigureOut">
               <a:rPr kumimoji="1" lang="zh-CN" altLang="en-US" smtClean="0"/>
-              <a:t>2019/8/9</a:t>
+              <a:t>2019/8/22</a:t>
             </a:fld>
             <a:endParaRPr kumimoji="1" lang="zh-CN" altLang="en-US"/>
           </a:p>
@@ -4972,8 +4968,8 @@
         </p:nvSpPr>
         <p:spPr>
           <a:xfrm>
-            <a:off x="6698818" y="868225"/>
-            <a:ext cx="1031051" cy="1277273"/>
+            <a:off x="6311780" y="165698"/>
+            <a:ext cx="1031051" cy="938719"/>
           </a:xfrm>
           <a:prstGeom prst="rect">
             <a:avLst/>
@@ -4996,25 +4992,27 @@
             <a:endParaRPr kumimoji="1" lang="en-US" altLang="zh-CN" sz="1100" dirty="0" smtClean="0"/>
           </a:p>
           <a:p>
+            <a:r>
+              <a:rPr kumimoji="1" lang="zh-CN" altLang="en-US" sz="1100" dirty="0" smtClean="0"/>
+              <a:t>操作</a:t>
+            </a:r>
+            <a:r>
+              <a:rPr kumimoji="1" lang="zh-CN" altLang="en-US" sz="1100" dirty="0" smtClean="0"/>
+              <a:t>指令区域</a:t>
+            </a:r>
             <a:endParaRPr kumimoji="1" lang="en-US" altLang="zh-CN" sz="1100" dirty="0" smtClean="0"/>
           </a:p>
           <a:p>
+            <a:endParaRPr kumimoji="1" lang="en-US" altLang="zh-CN" sz="1100" dirty="0" smtClean="0"/>
+          </a:p>
+          <a:p>
             <a:r>
               <a:rPr kumimoji="1" lang="zh-CN" altLang="en-US" sz="1100" dirty="0" smtClean="0"/>
-              <a:t>操作指令区域</a:t>
-            </a:r>
-            <a:endParaRPr kumimoji="1" lang="en-US" altLang="zh-CN" sz="1100" dirty="0" smtClean="0"/>
-          </a:p>
-          <a:p>
-            <a:endParaRPr kumimoji="1" lang="en-US" altLang="zh-CN" sz="1100" dirty="0" smtClean="0"/>
-          </a:p>
-          <a:p>
-            <a:endParaRPr kumimoji="1" lang="en-US" altLang="zh-CN" sz="1100" dirty="0" smtClean="0"/>
-          </a:p>
-          <a:p>
+              <a:t>上下文</a:t>
+            </a:r>
             <a:r>
               <a:rPr kumimoji="1" lang="zh-CN" altLang="en-US" sz="1100" dirty="0" smtClean="0"/>
-              <a:t>上下文等</a:t>
+              <a:t>等</a:t>
             </a:r>
             <a:endParaRPr kumimoji="1" lang="zh-CN" altLang="en-US" sz="1100" dirty="0"/>
           </a:p>
@@ -5028,8 +5026,8 @@
         </p:nvSpPr>
         <p:spPr>
           <a:xfrm>
-            <a:off x="6737531" y="729726"/>
-            <a:ext cx="882502" cy="1609144"/>
+            <a:off x="6351771" y="137577"/>
+            <a:ext cx="991059" cy="1067460"/>
           </a:xfrm>
           <a:prstGeom prst="rect">
             <a:avLst/>
@@ -5069,8 +5067,8 @@
         </p:nvCxnSpPr>
         <p:spPr>
           <a:xfrm flipV="1">
-            <a:off x="5964866" y="1180214"/>
-            <a:ext cx="733952" cy="326647"/>
+            <a:off x="5964866" y="1006725"/>
+            <a:ext cx="282336" cy="500137"/>
           </a:xfrm>
           <a:prstGeom prst="straightConnector1">
             <a:avLst/>
@@ -5532,7 +5530,31 @@
             </a:pPr>
             <a:r>
               <a:rPr kumimoji="1" lang="zh-CN" altLang="en-US" sz="1100" dirty="0" smtClean="0"/>
-              <a:t>方法区放置类相关的信息</a:t>
+              <a:t>方法</a:t>
+            </a:r>
+            <a:r>
+              <a:rPr kumimoji="1" lang="zh-CN" altLang="en-US" sz="1100" dirty="0" smtClean="0"/>
+              <a:t>区</a:t>
+            </a:r>
+            <a:r>
+              <a:rPr kumimoji="1" lang="zh-CN" altLang="en-US" sz="1100" dirty="0" smtClean="0"/>
+              <a:t>：所有</a:t>
+            </a:r>
+            <a:r>
+              <a:rPr kumimoji="1" lang="en-US" altLang="zh-CN" sz="1100" dirty="0" smtClean="0"/>
+              <a:t>class</a:t>
+            </a:r>
+            <a:r>
+              <a:rPr kumimoji="1" lang="zh-CN" altLang="en-US" sz="1100" dirty="0" smtClean="0"/>
+              <a:t>和</a:t>
+            </a:r>
+            <a:r>
+              <a:rPr kumimoji="1" lang="en-US" altLang="zh-CN" sz="1100" dirty="0" smtClean="0"/>
+              <a:t>static</a:t>
+            </a:r>
+            <a:r>
+              <a:rPr kumimoji="1" lang="zh-CN" altLang="en-US" sz="1100" dirty="0" smtClean="0"/>
+              <a:t>变量</a:t>
             </a:r>
             <a:endParaRPr kumimoji="1" lang="en-US" altLang="zh-CN" sz="1100" dirty="0" smtClean="0"/>
           </a:p>
@@ -5542,7 +5564,11 @@
             </a:pPr>
             <a:r>
               <a:rPr kumimoji="1" lang="zh-CN" altLang="en-US" sz="1100" dirty="0" smtClean="0"/>
-              <a:t>堆中放一些实例对象</a:t>
+              <a:t>堆</a:t>
+            </a:r>
+            <a:r>
+              <a:rPr kumimoji="1" lang="zh-CN" altLang="en-US" sz="1100" dirty="0" smtClean="0"/>
+              <a:t>中放一些实例对象</a:t>
             </a:r>
             <a:endParaRPr kumimoji="1" lang="en-US" altLang="zh-CN" sz="1100" dirty="0" smtClean="0"/>
           </a:p>
@@ -5999,7 +6025,7 @@
         </p:nvSpPr>
         <p:spPr>
           <a:xfrm>
-            <a:off x="9186995" y="402238"/>
+            <a:off x="9680149" y="268224"/>
             <a:ext cx="2443727" cy="1223412"/>
           </a:xfrm>
           <a:prstGeom prst="rect">
@@ -6160,6 +6186,381 @@
           </a:p>
         </p:txBody>
       </p:sp>
+      <p:sp>
+        <p:nvSpPr>
+          <p:cNvPr id="38" name="矩形 37"/>
+          <p:cNvSpPr/>
+          <p:nvPr/>
+        </p:nvSpPr>
+        <p:spPr>
+          <a:xfrm>
+            <a:off x="7770812" y="816765"/>
+            <a:ext cx="769435" cy="1988288"/>
+          </a:xfrm>
+          <a:prstGeom prst="rect">
+            <a:avLst/>
+          </a:prstGeom>
+          <a:noFill/>
+        </p:spPr>
+        <p:style>
+          <a:lnRef idx="2">
+            <a:schemeClr val="accent1">
+              <a:shade val="50000"/>
+            </a:schemeClr>
+          </a:lnRef>
+          <a:fillRef idx="1">
+            <a:schemeClr val="accent1"/>
+          </a:fillRef>
+          <a:effectRef idx="0">
+            <a:schemeClr val="accent1"/>
+          </a:effectRef>
+          <a:fontRef idx="minor">
+            <a:schemeClr val="lt1"/>
+          </a:fontRef>
+        </p:style>
+        <p:txBody>
+          <a:bodyPr rtlCol="0" anchor="ctr"/>
+          <a:lstStyle/>
+          <a:p>
+            <a:pPr algn="ctr"/>
+            <a:endParaRPr kumimoji="1" lang="zh-CN" altLang="en-US"/>
+          </a:p>
+        </p:txBody>
+      </p:sp>
+      <p:sp>
+        <p:nvSpPr>
+          <p:cNvPr id="40" name="矩形 39"/>
+          <p:cNvSpPr/>
+          <p:nvPr/>
+        </p:nvSpPr>
+        <p:spPr>
+          <a:xfrm>
+            <a:off x="7770812" y="2423550"/>
+            <a:ext cx="769435" cy="222709"/>
+          </a:xfrm>
+          <a:prstGeom prst="rect">
+            <a:avLst/>
+          </a:prstGeom>
+        </p:spPr>
+        <p:style>
+          <a:lnRef idx="2">
+            <a:schemeClr val="accent1">
+              <a:shade val="50000"/>
+            </a:schemeClr>
+          </a:lnRef>
+          <a:fillRef idx="1">
+            <a:schemeClr val="accent1"/>
+          </a:fillRef>
+          <a:effectRef idx="0">
+            <a:schemeClr val="accent1"/>
+          </a:effectRef>
+          <a:fontRef idx="minor">
+            <a:schemeClr val="lt1"/>
+          </a:fontRef>
+        </p:style>
+        <p:txBody>
+          <a:bodyPr rtlCol="0" anchor="ctr"/>
+          <a:lstStyle/>
+          <a:p>
+            <a:pPr algn="ctr"/>
+            <a:r>
+              <a:rPr kumimoji="1" lang="en-US" altLang="zh-CN" dirty="0" smtClean="0"/>
+              <a:t>main</a:t>
+            </a:r>
+            <a:endParaRPr kumimoji="1" lang="zh-CN" altLang="en-US" dirty="0"/>
+          </a:p>
+        </p:txBody>
+      </p:sp>
+      <p:sp>
+        <p:nvSpPr>
+          <p:cNvPr id="41" name="矩形 40"/>
+          <p:cNvSpPr/>
+          <p:nvPr/>
+        </p:nvSpPr>
+        <p:spPr>
+          <a:xfrm>
+            <a:off x="7770812" y="1957593"/>
+            <a:ext cx="769435" cy="222709"/>
+          </a:xfrm>
+          <a:prstGeom prst="rect">
+            <a:avLst/>
+          </a:prstGeom>
+        </p:spPr>
+        <p:style>
+          <a:lnRef idx="2">
+            <a:schemeClr val="accent1">
+              <a:shade val="50000"/>
+            </a:schemeClr>
+          </a:lnRef>
+          <a:fillRef idx="1">
+            <a:schemeClr val="accent1"/>
+          </a:fillRef>
+          <a:effectRef idx="0">
+            <a:schemeClr val="accent1"/>
+          </a:effectRef>
+          <a:fontRef idx="minor">
+            <a:schemeClr val="lt1"/>
+          </a:fontRef>
+        </p:style>
+        <p:txBody>
+          <a:bodyPr rtlCol="0" anchor="ctr"/>
+          <a:lstStyle/>
+          <a:p>
+            <a:pPr algn="ctr"/>
+            <a:r>
+              <a:rPr kumimoji="1" lang="en-US" altLang="zh-CN" dirty="0" smtClean="0"/>
+              <a:t>A</a:t>
+            </a:r>
+            <a:endParaRPr kumimoji="1" lang="zh-CN" altLang="en-US" dirty="0"/>
+          </a:p>
+        </p:txBody>
+      </p:sp>
+      <p:sp>
+        <p:nvSpPr>
+          <p:cNvPr id="42" name="矩形 41"/>
+          <p:cNvSpPr/>
+          <p:nvPr/>
+        </p:nvSpPr>
+        <p:spPr>
+          <a:xfrm>
+            <a:off x="7770811" y="1491636"/>
+            <a:ext cx="769435" cy="222709"/>
+          </a:xfrm>
+          <a:prstGeom prst="rect">
+            <a:avLst/>
+          </a:prstGeom>
+        </p:spPr>
+        <p:style>
+          <a:lnRef idx="2">
+            <a:schemeClr val="accent1">
+              <a:shade val="50000"/>
+            </a:schemeClr>
+          </a:lnRef>
+          <a:fillRef idx="1">
+            <a:schemeClr val="accent1"/>
+          </a:fillRef>
+          <a:effectRef idx="0">
+            <a:schemeClr val="accent1"/>
+          </a:effectRef>
+          <a:fontRef idx="minor">
+            <a:schemeClr val="lt1"/>
+          </a:fontRef>
+        </p:style>
+        <p:txBody>
+          <a:bodyPr rtlCol="0" anchor="ctr"/>
+          <a:lstStyle/>
+          <a:p>
+            <a:pPr algn="ctr"/>
+            <a:r>
+              <a:rPr kumimoji="1" lang="en-US" altLang="zh-CN" dirty="0" smtClean="0"/>
+              <a:t>B</a:t>
+            </a:r>
+            <a:endParaRPr kumimoji="1" lang="zh-CN" altLang="en-US" dirty="0"/>
+          </a:p>
+        </p:txBody>
+      </p:sp>
+      <p:sp>
+        <p:nvSpPr>
+          <p:cNvPr id="45" name="文本框 44"/>
+          <p:cNvSpPr txBox="1"/>
+          <p:nvPr/>
+        </p:nvSpPr>
+        <p:spPr>
+          <a:xfrm>
+            <a:off x="7407409" y="606615"/>
+            <a:ext cx="466794" cy="261610"/>
+          </a:xfrm>
+          <a:prstGeom prst="rect">
+            <a:avLst/>
+          </a:prstGeom>
+          <a:noFill/>
+        </p:spPr>
+        <p:txBody>
+          <a:bodyPr wrap="none" rtlCol="0">
+            <a:spAutoFit/>
+          </a:bodyPr>
+          <a:lstStyle/>
+          <a:p>
+            <a:r>
+              <a:rPr kumimoji="1" lang="zh-CN" altLang="en-US" sz="1100" dirty="0" smtClean="0"/>
+              <a:t>入栈</a:t>
+            </a:r>
+            <a:endParaRPr kumimoji="1" lang="zh-CN" altLang="en-US" sz="1100" dirty="0"/>
+          </a:p>
+        </p:txBody>
+      </p:sp>
+      <p:cxnSp>
+        <p:nvCxnSpPr>
+          <p:cNvPr id="49" name="曲线连接符 48"/>
+          <p:cNvCxnSpPr/>
+          <p:nvPr/>
+        </p:nvCxnSpPr>
+        <p:spPr>
+          <a:xfrm rot="16200000" flipH="1">
+            <a:off x="7406527" y="702628"/>
+            <a:ext cx="841829" cy="373271"/>
+          </a:xfrm>
+          <a:prstGeom prst="curvedConnector3">
+            <a:avLst>
+              <a:gd name="adj1" fmla="val 2313"/>
+            </a:avLst>
+          </a:prstGeom>
+          <a:ln>
+            <a:tailEnd type="triangle"/>
+          </a:ln>
+        </p:spPr>
+        <p:style>
+          <a:lnRef idx="1">
+            <a:schemeClr val="accent1"/>
+          </a:lnRef>
+          <a:fillRef idx="0">
+            <a:schemeClr val="accent1"/>
+          </a:fillRef>
+          <a:effectRef idx="0">
+            <a:schemeClr val="accent1"/>
+          </a:effectRef>
+          <a:fontRef idx="minor">
+            <a:schemeClr val="tx1"/>
+          </a:fontRef>
+        </p:style>
+      </p:cxnSp>
+      <p:cxnSp>
+        <p:nvCxnSpPr>
+          <p:cNvPr id="62" name="曲线连接符 61"/>
+          <p:cNvCxnSpPr/>
+          <p:nvPr/>
+        </p:nvCxnSpPr>
+        <p:spPr>
+          <a:xfrm rot="5400000" flipH="1" flipV="1">
+            <a:off x="8019367" y="636636"/>
+            <a:ext cx="863847" cy="376473"/>
+          </a:xfrm>
+          <a:prstGeom prst="curvedConnector3">
+            <a:avLst>
+              <a:gd name="adj1" fmla="val 96472"/>
+            </a:avLst>
+          </a:prstGeom>
+          <a:ln>
+            <a:tailEnd type="triangle"/>
+          </a:ln>
+        </p:spPr>
+        <p:style>
+          <a:lnRef idx="1">
+            <a:schemeClr val="accent1"/>
+          </a:lnRef>
+          <a:fillRef idx="0">
+            <a:schemeClr val="accent1"/>
+          </a:fillRef>
+          <a:effectRef idx="0">
+            <a:schemeClr val="accent1"/>
+          </a:effectRef>
+          <a:fontRef idx="minor">
+            <a:schemeClr val="tx1"/>
+          </a:fontRef>
+        </p:style>
+      </p:cxnSp>
+      <p:sp>
+        <p:nvSpPr>
+          <p:cNvPr id="66" name="文本框 65"/>
+          <p:cNvSpPr txBox="1"/>
+          <p:nvPr/>
+        </p:nvSpPr>
+        <p:spPr>
+          <a:xfrm>
+            <a:off x="8530537" y="411137"/>
+            <a:ext cx="466794" cy="261610"/>
+          </a:xfrm>
+          <a:prstGeom prst="rect">
+            <a:avLst/>
+          </a:prstGeom>
+          <a:noFill/>
+        </p:spPr>
+        <p:txBody>
+          <a:bodyPr wrap="none" rtlCol="0">
+            <a:spAutoFit/>
+          </a:bodyPr>
+          <a:lstStyle/>
+          <a:p>
+            <a:r>
+              <a:rPr kumimoji="1" lang="zh-CN" altLang="en-US" sz="1100" dirty="0" smtClean="0"/>
+              <a:t>出栈</a:t>
+            </a:r>
+            <a:endParaRPr kumimoji="1" lang="zh-CN" altLang="en-US" sz="1100" dirty="0"/>
+          </a:p>
+        </p:txBody>
+      </p:sp>
+      <p:cxnSp>
+        <p:nvCxnSpPr>
+          <p:cNvPr id="68" name="直线箭头连接符 67"/>
+          <p:cNvCxnSpPr>
+            <a:stCxn id="40" idx="0"/>
+            <a:endCxn id="41" idx="2"/>
+          </p:cNvCxnSpPr>
+          <p:nvPr/>
+        </p:nvCxnSpPr>
+        <p:spPr>
+          <a:xfrm flipV="1">
+            <a:off x="8155530" y="2180302"/>
+            <a:ext cx="0" cy="243248"/>
+          </a:xfrm>
+          <a:prstGeom prst="straightConnector1">
+            <a:avLst/>
+          </a:prstGeom>
+          <a:ln>
+            <a:tailEnd type="triangle"/>
+          </a:ln>
+        </p:spPr>
+        <p:style>
+          <a:lnRef idx="1">
+            <a:schemeClr val="accent1"/>
+          </a:lnRef>
+          <a:fillRef idx="0">
+            <a:schemeClr val="accent1"/>
+          </a:fillRef>
+          <a:effectRef idx="0">
+            <a:schemeClr val="accent1"/>
+          </a:effectRef>
+          <a:fontRef idx="minor">
+            <a:schemeClr val="tx1"/>
+          </a:fontRef>
+        </p:style>
+      </p:cxnSp>
+      <p:cxnSp>
+        <p:nvCxnSpPr>
+          <p:cNvPr id="70" name="直线箭头连接符 69"/>
+          <p:cNvCxnSpPr>
+            <a:stCxn id="41" idx="0"/>
+            <a:endCxn id="42" idx="2"/>
+          </p:cNvCxnSpPr>
+          <p:nvPr/>
+        </p:nvCxnSpPr>
+        <p:spPr>
+          <a:xfrm flipH="1" flipV="1">
+            <a:off x="8155529" y="1714345"/>
+            <a:ext cx="1" cy="243248"/>
+          </a:xfrm>
+          <a:prstGeom prst="straightConnector1">
+            <a:avLst/>
+          </a:prstGeom>
+          <a:ln>
+            <a:tailEnd type="triangle"/>
+          </a:ln>
+        </p:spPr>
+        <p:style>
+          <a:lnRef idx="1">
+            <a:schemeClr val="accent1"/>
+          </a:lnRef>
+          <a:fillRef idx="0">
+            <a:schemeClr val="accent1"/>
+          </a:fillRef>
+          <a:effectRef idx="0">
+            <a:schemeClr val="accent1"/>
+          </a:effectRef>
+          <a:fontRef idx="minor">
+            <a:schemeClr val="tx1"/>
+          </a:fontRef>
+        </p:style>
+      </p:cxnSp>
     </p:spTree>
     <p:extLst>
       <p:ext uri="{BB962C8B-B14F-4D97-AF65-F5344CB8AC3E}">

--- a/doc/doc.pptx
+++ b/doc/doc.pptx
@@ -5,7 +5,7 @@
     <p:sldMasterId id="2147483648" r:id="rId1"/>
   </p:sldMasterIdLst>
   <p:notesMasterIdLst>
-    <p:notesMasterId r:id="rId11"/>
+    <p:notesMasterId r:id="rId12"/>
   </p:notesMasterIdLst>
   <p:sldIdLst>
     <p:sldId id="264" r:id="rId2"/>
@@ -17,6 +17,7 @@
     <p:sldId id="261" r:id="rId8"/>
     <p:sldId id="262" r:id="rId9"/>
     <p:sldId id="263" r:id="rId10"/>
+    <p:sldId id="266" r:id="rId11"/>
   </p:sldIdLst>
   <p:sldSz cx="12192000" cy="6858000"/>
   <p:notesSz cx="6858000" cy="9144000"/>
@@ -205,7 +206,7 @@
           <a:p>
             <a:fld id="{A3D7CE87-9499-D644-9D39-658681EEDA03}" type="datetimeFigureOut">
               <a:rPr kumimoji="1" lang="zh-CN" altLang="en-US" smtClean="0"/>
-              <a:t>2019/8/22</a:t>
+              <a:t>2019/8/25</a:t>
             </a:fld>
             <a:endParaRPr kumimoji="1" lang="zh-CN" altLang="en-US"/>
           </a:p>
@@ -1047,7 +1048,7 @@
           <a:p>
             <a:fld id="{79C7BEE9-4014-F74B-8041-D28506CB9C48}" type="datetimeFigureOut">
               <a:rPr kumimoji="1" lang="zh-CN" altLang="en-US" smtClean="0"/>
-              <a:t>2019/8/22</a:t>
+              <a:t>2019/8/25</a:t>
             </a:fld>
             <a:endParaRPr kumimoji="1" lang="zh-CN" altLang="en-US"/>
           </a:p>
@@ -1217,7 +1218,7 @@
           <a:p>
             <a:fld id="{79C7BEE9-4014-F74B-8041-D28506CB9C48}" type="datetimeFigureOut">
               <a:rPr kumimoji="1" lang="zh-CN" altLang="en-US" smtClean="0"/>
-              <a:t>2019/8/22</a:t>
+              <a:t>2019/8/25</a:t>
             </a:fld>
             <a:endParaRPr kumimoji="1" lang="zh-CN" altLang="en-US"/>
           </a:p>
@@ -1397,7 +1398,7 @@
           <a:p>
             <a:fld id="{79C7BEE9-4014-F74B-8041-D28506CB9C48}" type="datetimeFigureOut">
               <a:rPr kumimoji="1" lang="zh-CN" altLang="en-US" smtClean="0"/>
-              <a:t>2019/8/22</a:t>
+              <a:t>2019/8/25</a:t>
             </a:fld>
             <a:endParaRPr kumimoji="1" lang="zh-CN" altLang="en-US"/>
           </a:p>
@@ -1567,7 +1568,7 @@
           <a:p>
             <a:fld id="{79C7BEE9-4014-F74B-8041-D28506CB9C48}" type="datetimeFigureOut">
               <a:rPr kumimoji="1" lang="zh-CN" altLang="en-US" smtClean="0"/>
-              <a:t>2019/8/22</a:t>
+              <a:t>2019/8/25</a:t>
             </a:fld>
             <a:endParaRPr kumimoji="1" lang="zh-CN" altLang="en-US"/>
           </a:p>
@@ -1813,7 +1814,7 @@
           <a:p>
             <a:fld id="{79C7BEE9-4014-F74B-8041-D28506CB9C48}" type="datetimeFigureOut">
               <a:rPr kumimoji="1" lang="zh-CN" altLang="en-US" smtClean="0"/>
-              <a:t>2019/8/22</a:t>
+              <a:t>2019/8/25</a:t>
             </a:fld>
             <a:endParaRPr kumimoji="1" lang="zh-CN" altLang="en-US"/>
           </a:p>
@@ -2045,7 +2046,7 @@
           <a:p>
             <a:fld id="{79C7BEE9-4014-F74B-8041-D28506CB9C48}" type="datetimeFigureOut">
               <a:rPr kumimoji="1" lang="zh-CN" altLang="en-US" smtClean="0"/>
-              <a:t>2019/8/22</a:t>
+              <a:t>2019/8/25</a:t>
             </a:fld>
             <a:endParaRPr kumimoji="1" lang="zh-CN" altLang="en-US"/>
           </a:p>
@@ -2412,7 +2413,7 @@
           <a:p>
             <a:fld id="{79C7BEE9-4014-F74B-8041-D28506CB9C48}" type="datetimeFigureOut">
               <a:rPr kumimoji="1" lang="zh-CN" altLang="en-US" smtClean="0"/>
-              <a:t>2019/8/22</a:t>
+              <a:t>2019/8/25</a:t>
             </a:fld>
             <a:endParaRPr kumimoji="1" lang="zh-CN" altLang="en-US"/>
           </a:p>
@@ -2530,7 +2531,7 @@
           <a:p>
             <a:fld id="{79C7BEE9-4014-F74B-8041-D28506CB9C48}" type="datetimeFigureOut">
               <a:rPr kumimoji="1" lang="zh-CN" altLang="en-US" smtClean="0"/>
-              <a:t>2019/8/22</a:t>
+              <a:t>2019/8/25</a:t>
             </a:fld>
             <a:endParaRPr kumimoji="1" lang="zh-CN" altLang="en-US"/>
           </a:p>
@@ -2625,7 +2626,7 @@
           <a:p>
             <a:fld id="{79C7BEE9-4014-F74B-8041-D28506CB9C48}" type="datetimeFigureOut">
               <a:rPr kumimoji="1" lang="zh-CN" altLang="en-US" smtClean="0"/>
-              <a:t>2019/8/22</a:t>
+              <a:t>2019/8/25</a:t>
             </a:fld>
             <a:endParaRPr kumimoji="1" lang="zh-CN" altLang="en-US"/>
           </a:p>
@@ -2902,7 +2903,7 @@
           <a:p>
             <a:fld id="{79C7BEE9-4014-F74B-8041-D28506CB9C48}" type="datetimeFigureOut">
               <a:rPr kumimoji="1" lang="zh-CN" altLang="en-US" smtClean="0"/>
-              <a:t>2019/8/22</a:t>
+              <a:t>2019/8/25</a:t>
             </a:fld>
             <a:endParaRPr kumimoji="1" lang="zh-CN" altLang="en-US"/>
           </a:p>
@@ -3155,7 +3156,7 @@
           <a:p>
             <a:fld id="{79C7BEE9-4014-F74B-8041-D28506CB9C48}" type="datetimeFigureOut">
               <a:rPr kumimoji="1" lang="zh-CN" altLang="en-US" smtClean="0"/>
-              <a:t>2019/8/22</a:t>
+              <a:t>2019/8/25</a:t>
             </a:fld>
             <a:endParaRPr kumimoji="1" lang="zh-CN" altLang="en-US"/>
           </a:p>
@@ -3368,7 +3369,7 @@
           <a:p>
             <a:fld id="{79C7BEE9-4014-F74B-8041-D28506CB9C48}" type="datetimeFigureOut">
               <a:rPr kumimoji="1" lang="zh-CN" altLang="en-US" smtClean="0"/>
-              <a:t>2019/8/22</a:t>
+              <a:t>2019/8/25</a:t>
             </a:fld>
             <a:endParaRPr kumimoji="1" lang="zh-CN" altLang="en-US"/>
           </a:p>
@@ -4440,6 +4441,877 @@
 </p:sld>
 </file>
 
+<file path=ppt/slides/slide10.xml><?xml version="1.0" encoding="utf-8"?>
+<p:sld xmlns:a="http://schemas.openxmlformats.org/drawingml/2006/main" xmlns:r="http://schemas.openxmlformats.org/officeDocument/2006/relationships" xmlns:p="http://schemas.openxmlformats.org/presentationml/2006/main">
+  <p:cSld>
+    <p:spTree>
+      <p:nvGrpSpPr>
+        <p:cNvPr id="1" name=""/>
+        <p:cNvGrpSpPr/>
+        <p:nvPr/>
+      </p:nvGrpSpPr>
+      <p:grpSpPr>
+        <a:xfrm>
+          <a:off x="0" y="0"/>
+          <a:ext cx="0" cy="0"/>
+          <a:chOff x="0" y="0"/>
+          <a:chExt cx="0" cy="0"/>
+        </a:xfrm>
+      </p:grpSpPr>
+      <p:sp>
+        <p:nvSpPr>
+          <p:cNvPr id="4" name="矩形 3"/>
+          <p:cNvSpPr/>
+          <p:nvPr/>
+        </p:nvSpPr>
+        <p:spPr>
+          <a:xfrm>
+            <a:off x="1817650" y="2433494"/>
+            <a:ext cx="1293542" cy="557561"/>
+          </a:xfrm>
+          <a:prstGeom prst="rect">
+            <a:avLst/>
+          </a:prstGeom>
+          <a:noFill/>
+        </p:spPr>
+        <p:style>
+          <a:lnRef idx="2">
+            <a:schemeClr val="accent1">
+              <a:shade val="50000"/>
+            </a:schemeClr>
+          </a:lnRef>
+          <a:fillRef idx="1">
+            <a:schemeClr val="accent1"/>
+          </a:fillRef>
+          <a:effectRef idx="0">
+            <a:schemeClr val="accent1"/>
+          </a:effectRef>
+          <a:fontRef idx="minor">
+            <a:schemeClr val="lt1"/>
+          </a:fontRef>
+        </p:style>
+        <p:txBody>
+          <a:bodyPr rtlCol="0" anchor="ctr"/>
+          <a:lstStyle/>
+          <a:p>
+            <a:pPr algn="ctr"/>
+            <a:r>
+              <a:rPr kumimoji="1" lang="en-US" altLang="zh-CN" dirty="0" err="1" smtClean="0">
+                <a:solidFill>
+                  <a:schemeClr val="tx1"/>
+                </a:solidFill>
+              </a:rPr>
+              <a:t>cpu</a:t>
+            </a:r>
+            <a:endParaRPr kumimoji="1" lang="zh-CN" altLang="en-US" dirty="0">
+              <a:solidFill>
+                <a:schemeClr val="tx1"/>
+              </a:solidFill>
+            </a:endParaRPr>
+          </a:p>
+        </p:txBody>
+      </p:sp>
+      <p:sp>
+        <p:nvSpPr>
+          <p:cNvPr id="6" name="矩形 5"/>
+          <p:cNvSpPr/>
+          <p:nvPr/>
+        </p:nvSpPr>
+        <p:spPr>
+          <a:xfrm>
+            <a:off x="1817650" y="3268646"/>
+            <a:ext cx="1293542" cy="557561"/>
+          </a:xfrm>
+          <a:prstGeom prst="rect">
+            <a:avLst/>
+          </a:prstGeom>
+          <a:noFill/>
+        </p:spPr>
+        <p:style>
+          <a:lnRef idx="2">
+            <a:schemeClr val="accent1">
+              <a:shade val="50000"/>
+            </a:schemeClr>
+          </a:lnRef>
+          <a:fillRef idx="1">
+            <a:schemeClr val="accent1"/>
+          </a:fillRef>
+          <a:effectRef idx="0">
+            <a:schemeClr val="accent1"/>
+          </a:effectRef>
+          <a:fontRef idx="minor">
+            <a:schemeClr val="lt1"/>
+          </a:fontRef>
+        </p:style>
+        <p:txBody>
+          <a:bodyPr rtlCol="0" anchor="ctr"/>
+          <a:lstStyle/>
+          <a:p>
+            <a:pPr algn="ctr"/>
+            <a:r>
+              <a:rPr kumimoji="1" lang="en-US" altLang="zh-CN" dirty="0" err="1" smtClean="0">
+                <a:solidFill>
+                  <a:schemeClr val="tx1"/>
+                </a:solidFill>
+              </a:rPr>
+              <a:t>cpu</a:t>
+            </a:r>
+            <a:endParaRPr kumimoji="1" lang="zh-CN" altLang="en-US" dirty="0">
+              <a:solidFill>
+                <a:schemeClr val="tx1"/>
+              </a:solidFill>
+            </a:endParaRPr>
+          </a:p>
+        </p:txBody>
+      </p:sp>
+      <p:sp>
+        <p:nvSpPr>
+          <p:cNvPr id="7" name="矩形 6"/>
+          <p:cNvSpPr/>
+          <p:nvPr/>
+        </p:nvSpPr>
+        <p:spPr>
+          <a:xfrm>
+            <a:off x="1817650" y="1620644"/>
+            <a:ext cx="1293542" cy="557561"/>
+          </a:xfrm>
+          <a:prstGeom prst="rect">
+            <a:avLst/>
+          </a:prstGeom>
+          <a:noFill/>
+        </p:spPr>
+        <p:style>
+          <a:lnRef idx="2">
+            <a:schemeClr val="accent1">
+              <a:shade val="50000"/>
+            </a:schemeClr>
+          </a:lnRef>
+          <a:fillRef idx="1">
+            <a:schemeClr val="accent1"/>
+          </a:fillRef>
+          <a:effectRef idx="0">
+            <a:schemeClr val="accent1"/>
+          </a:effectRef>
+          <a:fontRef idx="minor">
+            <a:schemeClr val="lt1"/>
+          </a:fontRef>
+        </p:style>
+        <p:txBody>
+          <a:bodyPr rtlCol="0" anchor="ctr"/>
+          <a:lstStyle/>
+          <a:p>
+            <a:pPr algn="ctr"/>
+            <a:r>
+              <a:rPr kumimoji="1" lang="en-US" altLang="zh-CN" dirty="0" err="1" smtClean="0">
+                <a:solidFill>
+                  <a:schemeClr val="tx1"/>
+                </a:solidFill>
+              </a:rPr>
+              <a:t>cpu</a:t>
+            </a:r>
+            <a:endParaRPr kumimoji="1" lang="zh-CN" altLang="en-US" dirty="0">
+              <a:solidFill>
+                <a:schemeClr val="tx1"/>
+              </a:solidFill>
+            </a:endParaRPr>
+          </a:p>
+        </p:txBody>
+      </p:sp>
+      <p:sp>
+        <p:nvSpPr>
+          <p:cNvPr id="8" name="矩形 7"/>
+          <p:cNvSpPr/>
+          <p:nvPr/>
+        </p:nvSpPr>
+        <p:spPr>
+          <a:xfrm>
+            <a:off x="1817650" y="4090120"/>
+            <a:ext cx="1293542" cy="557561"/>
+          </a:xfrm>
+          <a:prstGeom prst="rect">
+            <a:avLst/>
+          </a:prstGeom>
+          <a:noFill/>
+        </p:spPr>
+        <p:style>
+          <a:lnRef idx="2">
+            <a:schemeClr val="accent1">
+              <a:shade val="50000"/>
+            </a:schemeClr>
+          </a:lnRef>
+          <a:fillRef idx="1">
+            <a:schemeClr val="accent1"/>
+          </a:fillRef>
+          <a:effectRef idx="0">
+            <a:schemeClr val="accent1"/>
+          </a:effectRef>
+          <a:fontRef idx="minor">
+            <a:schemeClr val="lt1"/>
+          </a:fontRef>
+        </p:style>
+        <p:txBody>
+          <a:bodyPr rtlCol="0" anchor="ctr"/>
+          <a:lstStyle/>
+          <a:p>
+            <a:pPr algn="ctr"/>
+            <a:r>
+              <a:rPr kumimoji="1" lang="en-US" altLang="zh-CN" dirty="0" err="1" smtClean="0">
+                <a:solidFill>
+                  <a:schemeClr val="tx1"/>
+                </a:solidFill>
+              </a:rPr>
+              <a:t>cpu</a:t>
+            </a:r>
+            <a:endParaRPr kumimoji="1" lang="zh-CN" altLang="en-US" dirty="0">
+              <a:solidFill>
+                <a:schemeClr val="tx1"/>
+              </a:solidFill>
+            </a:endParaRPr>
+          </a:p>
+        </p:txBody>
+      </p:sp>
+      <p:sp>
+        <p:nvSpPr>
+          <p:cNvPr id="9" name="椭圆 8"/>
+          <p:cNvSpPr/>
+          <p:nvPr/>
+        </p:nvSpPr>
+        <p:spPr>
+          <a:xfrm>
+            <a:off x="4025591" y="1650381"/>
+            <a:ext cx="1405053" cy="464634"/>
+          </a:xfrm>
+          <a:prstGeom prst="ellipse">
+            <a:avLst/>
+          </a:prstGeom>
+          <a:solidFill>
+            <a:schemeClr val="accent1"/>
+          </a:solidFill>
+        </p:spPr>
+        <p:style>
+          <a:lnRef idx="2">
+            <a:schemeClr val="accent1">
+              <a:shade val="50000"/>
+            </a:schemeClr>
+          </a:lnRef>
+          <a:fillRef idx="1">
+            <a:schemeClr val="accent1"/>
+          </a:fillRef>
+          <a:effectRef idx="0">
+            <a:schemeClr val="accent1"/>
+          </a:effectRef>
+          <a:fontRef idx="minor">
+            <a:schemeClr val="lt1"/>
+          </a:fontRef>
+        </p:style>
+        <p:txBody>
+          <a:bodyPr rtlCol="0" anchor="ctr"/>
+          <a:lstStyle/>
+          <a:p>
+            <a:pPr algn="ctr"/>
+            <a:r>
+              <a:rPr kumimoji="1" lang="en-US" altLang="zh-CN" sz="1400" dirty="0" err="1" smtClean="0"/>
+              <a:t>cpu</a:t>
+            </a:r>
+            <a:r>
+              <a:rPr kumimoji="1" lang="zh-CN" altLang="en-US" sz="1400" dirty="0" smtClean="0"/>
+              <a:t> </a:t>
+            </a:r>
+            <a:r>
+              <a:rPr kumimoji="1" lang="en-US" altLang="zh-CN" sz="1400" dirty="0" smtClean="0"/>
+              <a:t>cache</a:t>
+            </a:r>
+            <a:endParaRPr kumimoji="1" lang="zh-CN" altLang="en-US" sz="1400" dirty="0"/>
+          </a:p>
+        </p:txBody>
+      </p:sp>
+      <p:sp>
+        <p:nvSpPr>
+          <p:cNvPr id="13" name="椭圆 12"/>
+          <p:cNvSpPr/>
+          <p:nvPr/>
+        </p:nvSpPr>
+        <p:spPr>
+          <a:xfrm>
+            <a:off x="4025591" y="2479957"/>
+            <a:ext cx="1405053" cy="464634"/>
+          </a:xfrm>
+          <a:prstGeom prst="ellipse">
+            <a:avLst/>
+          </a:prstGeom>
+          <a:solidFill>
+            <a:schemeClr val="accent1"/>
+          </a:solidFill>
+        </p:spPr>
+        <p:style>
+          <a:lnRef idx="2">
+            <a:schemeClr val="accent1">
+              <a:shade val="50000"/>
+            </a:schemeClr>
+          </a:lnRef>
+          <a:fillRef idx="1">
+            <a:schemeClr val="accent1"/>
+          </a:fillRef>
+          <a:effectRef idx="0">
+            <a:schemeClr val="accent1"/>
+          </a:effectRef>
+          <a:fontRef idx="minor">
+            <a:schemeClr val="lt1"/>
+          </a:fontRef>
+        </p:style>
+        <p:txBody>
+          <a:bodyPr rtlCol="0" anchor="ctr"/>
+          <a:lstStyle/>
+          <a:p>
+            <a:pPr algn="ctr"/>
+            <a:r>
+              <a:rPr kumimoji="1" lang="en-US" altLang="zh-CN" sz="1400" dirty="0" err="1" smtClean="0"/>
+              <a:t>cpu</a:t>
+            </a:r>
+            <a:r>
+              <a:rPr kumimoji="1" lang="zh-CN" altLang="en-US" sz="1400" dirty="0" smtClean="0"/>
+              <a:t> </a:t>
+            </a:r>
+            <a:r>
+              <a:rPr kumimoji="1" lang="en-US" altLang="zh-CN" sz="1400" dirty="0" smtClean="0"/>
+              <a:t>cache</a:t>
+            </a:r>
+            <a:endParaRPr kumimoji="1" lang="zh-CN" altLang="en-US" sz="1400" dirty="0"/>
+          </a:p>
+        </p:txBody>
+      </p:sp>
+      <p:sp>
+        <p:nvSpPr>
+          <p:cNvPr id="14" name="椭圆 13"/>
+          <p:cNvSpPr/>
+          <p:nvPr/>
+        </p:nvSpPr>
+        <p:spPr>
+          <a:xfrm>
+            <a:off x="4025591" y="3268646"/>
+            <a:ext cx="1405053" cy="464634"/>
+          </a:xfrm>
+          <a:prstGeom prst="ellipse">
+            <a:avLst/>
+          </a:prstGeom>
+          <a:solidFill>
+            <a:schemeClr val="accent1"/>
+          </a:solidFill>
+        </p:spPr>
+        <p:style>
+          <a:lnRef idx="2">
+            <a:schemeClr val="accent1">
+              <a:shade val="50000"/>
+            </a:schemeClr>
+          </a:lnRef>
+          <a:fillRef idx="1">
+            <a:schemeClr val="accent1"/>
+          </a:fillRef>
+          <a:effectRef idx="0">
+            <a:schemeClr val="accent1"/>
+          </a:effectRef>
+          <a:fontRef idx="minor">
+            <a:schemeClr val="lt1"/>
+          </a:fontRef>
+        </p:style>
+        <p:txBody>
+          <a:bodyPr rtlCol="0" anchor="ctr"/>
+          <a:lstStyle/>
+          <a:p>
+            <a:pPr algn="ctr"/>
+            <a:r>
+              <a:rPr kumimoji="1" lang="en-US" altLang="zh-CN" sz="1400" dirty="0" err="1" smtClean="0"/>
+              <a:t>cpu</a:t>
+            </a:r>
+            <a:r>
+              <a:rPr kumimoji="1" lang="zh-CN" altLang="en-US" sz="1400" dirty="0" smtClean="0"/>
+              <a:t> </a:t>
+            </a:r>
+            <a:r>
+              <a:rPr kumimoji="1" lang="en-US" altLang="zh-CN" sz="1400" dirty="0" smtClean="0"/>
+              <a:t>cache</a:t>
+            </a:r>
+            <a:endParaRPr kumimoji="1" lang="zh-CN" altLang="en-US" sz="1400" dirty="0"/>
+          </a:p>
+        </p:txBody>
+      </p:sp>
+      <p:sp>
+        <p:nvSpPr>
+          <p:cNvPr id="15" name="椭圆 14"/>
+          <p:cNvSpPr/>
+          <p:nvPr/>
+        </p:nvSpPr>
+        <p:spPr>
+          <a:xfrm>
+            <a:off x="4025591" y="4159704"/>
+            <a:ext cx="1405053" cy="464634"/>
+          </a:xfrm>
+          <a:prstGeom prst="ellipse">
+            <a:avLst/>
+          </a:prstGeom>
+          <a:solidFill>
+            <a:schemeClr val="accent1"/>
+          </a:solidFill>
+        </p:spPr>
+        <p:style>
+          <a:lnRef idx="2">
+            <a:schemeClr val="accent1">
+              <a:shade val="50000"/>
+            </a:schemeClr>
+          </a:lnRef>
+          <a:fillRef idx="1">
+            <a:schemeClr val="accent1"/>
+          </a:fillRef>
+          <a:effectRef idx="0">
+            <a:schemeClr val="accent1"/>
+          </a:effectRef>
+          <a:fontRef idx="minor">
+            <a:schemeClr val="lt1"/>
+          </a:fontRef>
+        </p:style>
+        <p:txBody>
+          <a:bodyPr rtlCol="0" anchor="ctr"/>
+          <a:lstStyle/>
+          <a:p>
+            <a:pPr algn="ctr"/>
+            <a:r>
+              <a:rPr kumimoji="1" lang="en-US" altLang="zh-CN" sz="1400" dirty="0" err="1" smtClean="0"/>
+              <a:t>cpu</a:t>
+            </a:r>
+            <a:r>
+              <a:rPr kumimoji="1" lang="zh-CN" altLang="en-US" sz="1400" dirty="0" smtClean="0"/>
+              <a:t> </a:t>
+            </a:r>
+            <a:r>
+              <a:rPr kumimoji="1" lang="en-US" altLang="zh-CN" sz="1400" dirty="0" smtClean="0"/>
+              <a:t>cache</a:t>
+            </a:r>
+            <a:endParaRPr kumimoji="1" lang="zh-CN" altLang="en-US" sz="1400" dirty="0"/>
+          </a:p>
+        </p:txBody>
+      </p:sp>
+      <p:sp>
+        <p:nvSpPr>
+          <p:cNvPr id="17" name="矩形 16"/>
+          <p:cNvSpPr/>
+          <p:nvPr/>
+        </p:nvSpPr>
+        <p:spPr>
+          <a:xfrm>
+            <a:off x="6891454" y="1315844"/>
+            <a:ext cx="825190" cy="3635297"/>
+          </a:xfrm>
+          <a:prstGeom prst="rect">
+            <a:avLst/>
+          </a:prstGeom>
+        </p:spPr>
+        <p:style>
+          <a:lnRef idx="2">
+            <a:schemeClr val="accent1">
+              <a:shade val="50000"/>
+            </a:schemeClr>
+          </a:lnRef>
+          <a:fillRef idx="1">
+            <a:schemeClr val="accent1"/>
+          </a:fillRef>
+          <a:effectRef idx="0">
+            <a:schemeClr val="accent1"/>
+          </a:effectRef>
+          <a:fontRef idx="minor">
+            <a:schemeClr val="lt1"/>
+          </a:fontRef>
+        </p:style>
+        <p:txBody>
+          <a:bodyPr rtlCol="0" anchor="ctr"/>
+          <a:lstStyle/>
+          <a:p>
+            <a:pPr algn="ctr"/>
+            <a:r>
+              <a:rPr kumimoji="1" lang="zh-CN" altLang="en-US" dirty="0" smtClean="0"/>
+              <a:t>运行内存</a:t>
+            </a:r>
+            <a:endParaRPr kumimoji="1" lang="zh-CN" altLang="en-US" dirty="0"/>
+          </a:p>
+        </p:txBody>
+      </p:sp>
+      <p:cxnSp>
+        <p:nvCxnSpPr>
+          <p:cNvPr id="19" name="直线箭头连接符 18"/>
+          <p:cNvCxnSpPr>
+            <a:stCxn id="7" idx="3"/>
+          </p:cNvCxnSpPr>
+          <p:nvPr/>
+        </p:nvCxnSpPr>
+        <p:spPr>
+          <a:xfrm flipV="1">
+            <a:off x="3111192" y="1899424"/>
+            <a:ext cx="914399" cy="1"/>
+          </a:xfrm>
+          <a:prstGeom prst="straightConnector1">
+            <a:avLst/>
+          </a:prstGeom>
+          <a:ln>
+            <a:tailEnd type="triangle"/>
+          </a:ln>
+        </p:spPr>
+        <p:style>
+          <a:lnRef idx="1">
+            <a:schemeClr val="accent1"/>
+          </a:lnRef>
+          <a:fillRef idx="0">
+            <a:schemeClr val="accent1"/>
+          </a:fillRef>
+          <a:effectRef idx="0">
+            <a:schemeClr val="accent1"/>
+          </a:effectRef>
+          <a:fontRef idx="minor">
+            <a:schemeClr val="tx1"/>
+          </a:fontRef>
+        </p:style>
+      </p:cxnSp>
+      <p:cxnSp>
+        <p:nvCxnSpPr>
+          <p:cNvPr id="20" name="直线箭头连接符 19"/>
+          <p:cNvCxnSpPr/>
+          <p:nvPr/>
+        </p:nvCxnSpPr>
+        <p:spPr>
+          <a:xfrm flipV="1">
+            <a:off x="3111192" y="2712273"/>
+            <a:ext cx="914399" cy="1"/>
+          </a:xfrm>
+          <a:prstGeom prst="straightConnector1">
+            <a:avLst/>
+          </a:prstGeom>
+          <a:ln>
+            <a:tailEnd type="triangle"/>
+          </a:ln>
+        </p:spPr>
+        <p:style>
+          <a:lnRef idx="1">
+            <a:schemeClr val="accent1"/>
+          </a:lnRef>
+          <a:fillRef idx="0">
+            <a:schemeClr val="accent1"/>
+          </a:fillRef>
+          <a:effectRef idx="0">
+            <a:schemeClr val="accent1"/>
+          </a:effectRef>
+          <a:fontRef idx="minor">
+            <a:schemeClr val="tx1"/>
+          </a:fontRef>
+        </p:style>
+      </p:cxnSp>
+      <p:cxnSp>
+        <p:nvCxnSpPr>
+          <p:cNvPr id="21" name="直线箭头连接符 20"/>
+          <p:cNvCxnSpPr/>
+          <p:nvPr/>
+        </p:nvCxnSpPr>
+        <p:spPr>
+          <a:xfrm flipV="1">
+            <a:off x="3155798" y="3544862"/>
+            <a:ext cx="914399" cy="1"/>
+          </a:xfrm>
+          <a:prstGeom prst="straightConnector1">
+            <a:avLst/>
+          </a:prstGeom>
+          <a:ln>
+            <a:tailEnd type="triangle"/>
+          </a:ln>
+        </p:spPr>
+        <p:style>
+          <a:lnRef idx="1">
+            <a:schemeClr val="accent1"/>
+          </a:lnRef>
+          <a:fillRef idx="0">
+            <a:schemeClr val="accent1"/>
+          </a:fillRef>
+          <a:effectRef idx="0">
+            <a:schemeClr val="accent1"/>
+          </a:effectRef>
+          <a:fontRef idx="minor">
+            <a:schemeClr val="tx1"/>
+          </a:fontRef>
+        </p:style>
+      </p:cxnSp>
+      <p:cxnSp>
+        <p:nvCxnSpPr>
+          <p:cNvPr id="22" name="直线箭头连接符 21"/>
+          <p:cNvCxnSpPr/>
+          <p:nvPr/>
+        </p:nvCxnSpPr>
+        <p:spPr>
+          <a:xfrm flipV="1">
+            <a:off x="3155798" y="4403506"/>
+            <a:ext cx="914399" cy="1"/>
+          </a:xfrm>
+          <a:prstGeom prst="straightConnector1">
+            <a:avLst/>
+          </a:prstGeom>
+          <a:ln>
+            <a:tailEnd type="triangle"/>
+          </a:ln>
+        </p:spPr>
+        <p:style>
+          <a:lnRef idx="1">
+            <a:schemeClr val="accent1"/>
+          </a:lnRef>
+          <a:fillRef idx="0">
+            <a:schemeClr val="accent1"/>
+          </a:fillRef>
+          <a:effectRef idx="0">
+            <a:schemeClr val="accent1"/>
+          </a:effectRef>
+          <a:fontRef idx="minor">
+            <a:schemeClr val="tx1"/>
+          </a:fontRef>
+        </p:style>
+      </p:cxnSp>
+      <p:cxnSp>
+        <p:nvCxnSpPr>
+          <p:cNvPr id="26" name="直线箭头连接符 25"/>
+          <p:cNvCxnSpPr/>
+          <p:nvPr/>
+        </p:nvCxnSpPr>
+        <p:spPr>
+          <a:xfrm flipH="1" flipV="1">
+            <a:off x="5430644" y="1996068"/>
+            <a:ext cx="1460810" cy="948523"/>
+          </a:xfrm>
+          <a:prstGeom prst="straightConnector1">
+            <a:avLst/>
+          </a:prstGeom>
+          <a:ln>
+            <a:tailEnd type="triangle"/>
+          </a:ln>
+        </p:spPr>
+        <p:style>
+          <a:lnRef idx="1">
+            <a:schemeClr val="accent1"/>
+          </a:lnRef>
+          <a:fillRef idx="0">
+            <a:schemeClr val="accent1"/>
+          </a:fillRef>
+          <a:effectRef idx="0">
+            <a:schemeClr val="accent1"/>
+          </a:effectRef>
+          <a:fontRef idx="minor">
+            <a:schemeClr val="tx1"/>
+          </a:fontRef>
+        </p:style>
+      </p:cxnSp>
+      <p:cxnSp>
+        <p:nvCxnSpPr>
+          <p:cNvPr id="28" name="直线箭头连接符 27"/>
+          <p:cNvCxnSpPr>
+            <a:stCxn id="17" idx="1"/>
+            <a:endCxn id="13" idx="6"/>
+          </p:cNvCxnSpPr>
+          <p:nvPr/>
+        </p:nvCxnSpPr>
+        <p:spPr>
+          <a:xfrm flipH="1" flipV="1">
+            <a:off x="5430644" y="2712274"/>
+            <a:ext cx="1460810" cy="421219"/>
+          </a:xfrm>
+          <a:prstGeom prst="straightConnector1">
+            <a:avLst/>
+          </a:prstGeom>
+          <a:ln>
+            <a:tailEnd type="triangle"/>
+          </a:ln>
+        </p:spPr>
+        <p:style>
+          <a:lnRef idx="1">
+            <a:schemeClr val="accent1"/>
+          </a:lnRef>
+          <a:fillRef idx="0">
+            <a:schemeClr val="accent1"/>
+          </a:fillRef>
+          <a:effectRef idx="0">
+            <a:schemeClr val="accent1"/>
+          </a:effectRef>
+          <a:fontRef idx="minor">
+            <a:schemeClr val="tx1"/>
+          </a:fontRef>
+        </p:style>
+      </p:cxnSp>
+      <p:cxnSp>
+        <p:nvCxnSpPr>
+          <p:cNvPr id="30" name="直线箭头连接符 29"/>
+          <p:cNvCxnSpPr/>
+          <p:nvPr/>
+        </p:nvCxnSpPr>
+        <p:spPr>
+          <a:xfrm flipH="1">
+            <a:off x="5430644" y="3268646"/>
+            <a:ext cx="1460810" cy="232317"/>
+          </a:xfrm>
+          <a:prstGeom prst="straightConnector1">
+            <a:avLst/>
+          </a:prstGeom>
+          <a:ln>
+            <a:tailEnd type="triangle"/>
+          </a:ln>
+        </p:spPr>
+        <p:style>
+          <a:lnRef idx="1">
+            <a:schemeClr val="accent1"/>
+          </a:lnRef>
+          <a:fillRef idx="0">
+            <a:schemeClr val="accent1"/>
+          </a:fillRef>
+          <a:effectRef idx="0">
+            <a:schemeClr val="accent1"/>
+          </a:effectRef>
+          <a:fontRef idx="minor">
+            <a:schemeClr val="tx1"/>
+          </a:fontRef>
+        </p:style>
+      </p:cxnSp>
+      <p:cxnSp>
+        <p:nvCxnSpPr>
+          <p:cNvPr id="32" name="直线箭头连接符 31"/>
+          <p:cNvCxnSpPr>
+            <a:endCxn id="15" idx="6"/>
+          </p:cNvCxnSpPr>
+          <p:nvPr/>
+        </p:nvCxnSpPr>
+        <p:spPr>
+          <a:xfrm flipH="1">
+            <a:off x="5430644" y="3365810"/>
+            <a:ext cx="1460810" cy="1026211"/>
+          </a:xfrm>
+          <a:prstGeom prst="straightConnector1">
+            <a:avLst/>
+          </a:prstGeom>
+          <a:ln>
+            <a:tailEnd type="triangle"/>
+          </a:ln>
+        </p:spPr>
+        <p:style>
+          <a:lnRef idx="1">
+            <a:schemeClr val="accent1"/>
+          </a:lnRef>
+          <a:fillRef idx="0">
+            <a:schemeClr val="accent1"/>
+          </a:fillRef>
+          <a:effectRef idx="0">
+            <a:schemeClr val="accent1"/>
+          </a:effectRef>
+          <a:fontRef idx="minor">
+            <a:schemeClr val="tx1"/>
+          </a:fontRef>
+        </p:style>
+      </p:cxnSp>
+      <p:sp>
+        <p:nvSpPr>
+          <p:cNvPr id="33" name="文本框 32"/>
+          <p:cNvSpPr txBox="1"/>
+          <p:nvPr/>
+        </p:nvSpPr>
+        <p:spPr>
+          <a:xfrm>
+            <a:off x="2027442" y="802888"/>
+            <a:ext cx="873957" cy="307777"/>
+          </a:xfrm>
+          <a:prstGeom prst="rect">
+            <a:avLst/>
+          </a:prstGeom>
+          <a:noFill/>
+        </p:spPr>
+        <p:txBody>
+          <a:bodyPr wrap="none" rtlCol="0">
+            <a:spAutoFit/>
+          </a:bodyPr>
+          <a:lstStyle/>
+          <a:p>
+            <a:r>
+              <a:rPr kumimoji="1" lang="zh-CN" altLang="en-US" sz="1400" dirty="0" smtClean="0"/>
+              <a:t>多核</a:t>
+            </a:r>
+            <a:r>
+              <a:rPr kumimoji="1" lang="en-US" altLang="zh-CN" sz="1400" dirty="0" smtClean="0"/>
+              <a:t>CPU</a:t>
+            </a:r>
+            <a:endParaRPr kumimoji="1" lang="zh-CN" altLang="en-US" sz="1400" dirty="0"/>
+          </a:p>
+        </p:txBody>
+      </p:sp>
+      <p:sp>
+        <p:nvSpPr>
+          <p:cNvPr id="34" name="文本框 33"/>
+          <p:cNvSpPr txBox="1"/>
+          <p:nvPr/>
+        </p:nvSpPr>
+        <p:spPr>
+          <a:xfrm>
+            <a:off x="4194942" y="780586"/>
+            <a:ext cx="902811" cy="307777"/>
+          </a:xfrm>
+          <a:prstGeom prst="rect">
+            <a:avLst/>
+          </a:prstGeom>
+          <a:noFill/>
+        </p:spPr>
+        <p:txBody>
+          <a:bodyPr wrap="none" rtlCol="0">
+            <a:spAutoFit/>
+          </a:bodyPr>
+          <a:lstStyle/>
+          <a:p>
+            <a:r>
+              <a:rPr kumimoji="1" lang="zh-CN" altLang="en-US" sz="1400" dirty="0" smtClean="0"/>
+              <a:t>工作内存</a:t>
+            </a:r>
+            <a:endParaRPr kumimoji="1" lang="zh-CN" altLang="en-US" sz="1400" dirty="0"/>
+          </a:p>
+        </p:txBody>
+      </p:sp>
+      <p:sp>
+        <p:nvSpPr>
+          <p:cNvPr id="35" name="文本框 34"/>
+          <p:cNvSpPr txBox="1"/>
+          <p:nvPr/>
+        </p:nvSpPr>
+        <p:spPr>
+          <a:xfrm>
+            <a:off x="6960441" y="773522"/>
+            <a:ext cx="543739" cy="307777"/>
+          </a:xfrm>
+          <a:prstGeom prst="rect">
+            <a:avLst/>
+          </a:prstGeom>
+          <a:noFill/>
+        </p:spPr>
+        <p:txBody>
+          <a:bodyPr wrap="none" rtlCol="0">
+            <a:spAutoFit/>
+          </a:bodyPr>
+          <a:lstStyle/>
+          <a:p>
+            <a:r>
+              <a:rPr kumimoji="1" lang="zh-CN" altLang="en-US" sz="1400" smtClean="0"/>
+              <a:t>主存</a:t>
+            </a:r>
+            <a:endParaRPr kumimoji="1" lang="zh-CN" altLang="en-US" sz="1400" dirty="0"/>
+          </a:p>
+        </p:txBody>
+      </p:sp>
+    </p:spTree>
+    <p:extLst>
+      <p:ext uri="{BB962C8B-B14F-4D97-AF65-F5344CB8AC3E}">
+        <p14:creationId xmlns:p14="http://schemas.microsoft.com/office/powerpoint/2010/main" val="626461063"/>
+      </p:ext>
+    </p:extLst>
+  </p:cSld>
+  <p:clrMapOvr>
+    <a:masterClrMapping/>
+  </p:clrMapOvr>
+</p:sld>
+</file>
+
 <file path=ppt/slides/slide2.xml><?xml version="1.0" encoding="utf-8"?>
 <p:sld xmlns:a="http://schemas.openxmlformats.org/drawingml/2006/main" xmlns:r="http://schemas.openxmlformats.org/officeDocument/2006/relationships" xmlns:p="http://schemas.openxmlformats.org/presentationml/2006/main">
   <p:cSld>
@@ -4994,25 +5866,17 @@
           <a:p>
             <a:r>
               <a:rPr kumimoji="1" lang="zh-CN" altLang="en-US" sz="1100" dirty="0" smtClean="0"/>
-              <a:t>操作</a:t>
-            </a:r>
+              <a:t>操作指令区域</a:t>
+            </a:r>
+            <a:endParaRPr kumimoji="1" lang="en-US" altLang="zh-CN" sz="1100" dirty="0" smtClean="0"/>
+          </a:p>
+          <a:p>
+            <a:endParaRPr kumimoji="1" lang="en-US" altLang="zh-CN" sz="1100" dirty="0" smtClean="0"/>
+          </a:p>
+          <a:p>
             <a:r>
               <a:rPr kumimoji="1" lang="zh-CN" altLang="en-US" sz="1100" dirty="0" smtClean="0"/>
-              <a:t>指令区域</a:t>
-            </a:r>
-            <a:endParaRPr kumimoji="1" lang="en-US" altLang="zh-CN" sz="1100" dirty="0" smtClean="0"/>
-          </a:p>
-          <a:p>
-            <a:endParaRPr kumimoji="1" lang="en-US" altLang="zh-CN" sz="1100" dirty="0" smtClean="0"/>
-          </a:p>
-          <a:p>
-            <a:r>
-              <a:rPr kumimoji="1" lang="zh-CN" altLang="en-US" sz="1100" dirty="0" smtClean="0"/>
-              <a:t>上下文</a:t>
-            </a:r>
-            <a:r>
-              <a:rPr kumimoji="1" lang="zh-CN" altLang="en-US" sz="1100" dirty="0" smtClean="0"/>
-              <a:t>等</a:t>
+              <a:t>上下文等</a:t>
             </a:r>
             <a:endParaRPr kumimoji="1" lang="zh-CN" altLang="en-US" sz="1100" dirty="0"/>
           </a:p>
@@ -5530,15 +6394,7 @@
             </a:pPr>
             <a:r>
               <a:rPr kumimoji="1" lang="zh-CN" altLang="en-US" sz="1100" dirty="0" smtClean="0"/>
-              <a:t>方法</a:t>
-            </a:r>
-            <a:r>
-              <a:rPr kumimoji="1" lang="zh-CN" altLang="en-US" sz="1100" dirty="0" smtClean="0"/>
-              <a:t>区</a:t>
-            </a:r>
-            <a:r>
-              <a:rPr kumimoji="1" lang="zh-CN" altLang="en-US" sz="1100" dirty="0" smtClean="0"/>
-              <a:t>：所有</a:t>
+              <a:t>方法区：所有</a:t>
             </a:r>
             <a:r>
               <a:rPr kumimoji="1" lang="en-US" altLang="zh-CN" sz="1100" dirty="0" smtClean="0"/>
@@ -5564,11 +6420,7 @@
             </a:pPr>
             <a:r>
               <a:rPr kumimoji="1" lang="zh-CN" altLang="en-US" sz="1100" dirty="0" smtClean="0"/>
-              <a:t>堆</a:t>
-            </a:r>
-            <a:r>
-              <a:rPr kumimoji="1" lang="zh-CN" altLang="en-US" sz="1100" dirty="0" smtClean="0"/>
-              <a:t>中放一些实例对象</a:t>
+              <a:t>堆中放一些实例对象</a:t>
             </a:r>
             <a:endParaRPr kumimoji="1" lang="en-US" altLang="zh-CN" sz="1100" dirty="0" smtClean="0"/>
           </a:p>

--- a/doc/doc.pptx
+++ b/doc/doc.pptx
@@ -206,7 +206,7 @@
           <a:p>
             <a:fld id="{A3D7CE87-9499-D644-9D39-658681EEDA03}" type="datetimeFigureOut">
               <a:rPr kumimoji="1" lang="zh-CN" altLang="en-US" smtClean="0"/>
-              <a:t>2019/8/25</a:t>
+              <a:t>2019/9/1</a:t>
             </a:fld>
             <a:endParaRPr kumimoji="1" lang="zh-CN" altLang="en-US"/>
           </a:p>
@@ -1048,7 +1048,7 @@
           <a:p>
             <a:fld id="{79C7BEE9-4014-F74B-8041-D28506CB9C48}" type="datetimeFigureOut">
               <a:rPr kumimoji="1" lang="zh-CN" altLang="en-US" smtClean="0"/>
-              <a:t>2019/8/25</a:t>
+              <a:t>2019/9/1</a:t>
             </a:fld>
             <a:endParaRPr kumimoji="1" lang="zh-CN" altLang="en-US"/>
           </a:p>
@@ -1218,7 +1218,7 @@
           <a:p>
             <a:fld id="{79C7BEE9-4014-F74B-8041-D28506CB9C48}" type="datetimeFigureOut">
               <a:rPr kumimoji="1" lang="zh-CN" altLang="en-US" smtClean="0"/>
-              <a:t>2019/8/25</a:t>
+              <a:t>2019/9/1</a:t>
             </a:fld>
             <a:endParaRPr kumimoji="1" lang="zh-CN" altLang="en-US"/>
           </a:p>
@@ -1398,7 +1398,7 @@
           <a:p>
             <a:fld id="{79C7BEE9-4014-F74B-8041-D28506CB9C48}" type="datetimeFigureOut">
               <a:rPr kumimoji="1" lang="zh-CN" altLang="en-US" smtClean="0"/>
-              <a:t>2019/8/25</a:t>
+              <a:t>2019/9/1</a:t>
             </a:fld>
             <a:endParaRPr kumimoji="1" lang="zh-CN" altLang="en-US"/>
           </a:p>
@@ -1568,7 +1568,7 @@
           <a:p>
             <a:fld id="{79C7BEE9-4014-F74B-8041-D28506CB9C48}" type="datetimeFigureOut">
               <a:rPr kumimoji="1" lang="zh-CN" altLang="en-US" smtClean="0"/>
-              <a:t>2019/8/25</a:t>
+              <a:t>2019/9/1</a:t>
             </a:fld>
             <a:endParaRPr kumimoji="1" lang="zh-CN" altLang="en-US"/>
           </a:p>
@@ -1814,7 +1814,7 @@
           <a:p>
             <a:fld id="{79C7BEE9-4014-F74B-8041-D28506CB9C48}" type="datetimeFigureOut">
               <a:rPr kumimoji="1" lang="zh-CN" altLang="en-US" smtClean="0"/>
-              <a:t>2019/8/25</a:t>
+              <a:t>2019/9/1</a:t>
             </a:fld>
             <a:endParaRPr kumimoji="1" lang="zh-CN" altLang="en-US"/>
           </a:p>
@@ -2046,7 +2046,7 @@
           <a:p>
             <a:fld id="{79C7BEE9-4014-F74B-8041-D28506CB9C48}" type="datetimeFigureOut">
               <a:rPr kumimoji="1" lang="zh-CN" altLang="en-US" smtClean="0"/>
-              <a:t>2019/8/25</a:t>
+              <a:t>2019/9/1</a:t>
             </a:fld>
             <a:endParaRPr kumimoji="1" lang="zh-CN" altLang="en-US"/>
           </a:p>
@@ -2413,7 +2413,7 @@
           <a:p>
             <a:fld id="{79C7BEE9-4014-F74B-8041-D28506CB9C48}" type="datetimeFigureOut">
               <a:rPr kumimoji="1" lang="zh-CN" altLang="en-US" smtClean="0"/>
-              <a:t>2019/8/25</a:t>
+              <a:t>2019/9/1</a:t>
             </a:fld>
             <a:endParaRPr kumimoji="1" lang="zh-CN" altLang="en-US"/>
           </a:p>
@@ -2531,7 +2531,7 @@
           <a:p>
             <a:fld id="{79C7BEE9-4014-F74B-8041-D28506CB9C48}" type="datetimeFigureOut">
               <a:rPr kumimoji="1" lang="zh-CN" altLang="en-US" smtClean="0"/>
-              <a:t>2019/8/25</a:t>
+              <a:t>2019/9/1</a:t>
             </a:fld>
             <a:endParaRPr kumimoji="1" lang="zh-CN" altLang="en-US"/>
           </a:p>
@@ -2626,7 +2626,7 @@
           <a:p>
             <a:fld id="{79C7BEE9-4014-F74B-8041-D28506CB9C48}" type="datetimeFigureOut">
               <a:rPr kumimoji="1" lang="zh-CN" altLang="en-US" smtClean="0"/>
-              <a:t>2019/8/25</a:t>
+              <a:t>2019/9/1</a:t>
             </a:fld>
             <a:endParaRPr kumimoji="1" lang="zh-CN" altLang="en-US"/>
           </a:p>
@@ -2903,7 +2903,7 @@
           <a:p>
             <a:fld id="{79C7BEE9-4014-F74B-8041-D28506CB9C48}" type="datetimeFigureOut">
               <a:rPr kumimoji="1" lang="zh-CN" altLang="en-US" smtClean="0"/>
-              <a:t>2019/8/25</a:t>
+              <a:t>2019/9/1</a:t>
             </a:fld>
             <a:endParaRPr kumimoji="1" lang="zh-CN" altLang="en-US"/>
           </a:p>
@@ -3156,7 +3156,7 @@
           <a:p>
             <a:fld id="{79C7BEE9-4014-F74B-8041-D28506CB9C48}" type="datetimeFigureOut">
               <a:rPr kumimoji="1" lang="zh-CN" altLang="en-US" smtClean="0"/>
-              <a:t>2019/8/25</a:t>
+              <a:t>2019/9/1</a:t>
             </a:fld>
             <a:endParaRPr kumimoji="1" lang="zh-CN" altLang="en-US"/>
           </a:p>
@@ -3369,7 +3369,7 @@
           <a:p>
             <a:fld id="{79C7BEE9-4014-F74B-8041-D28506CB9C48}" type="datetimeFigureOut">
               <a:rPr kumimoji="1" lang="zh-CN" altLang="en-US" smtClean="0"/>
-              <a:t>2019/8/25</a:t>
+              <a:t>2019/9/1</a:t>
             </a:fld>
             <a:endParaRPr kumimoji="1" lang="zh-CN" altLang="en-US"/>
           </a:p>
@@ -8314,7 +8314,11 @@
             </a:r>
             <a:r>
               <a:rPr kumimoji="1" lang="zh-CN" altLang="en-US" sz="1100" dirty="0" smtClean="0"/>
-              <a:t>整理：标记无用对象，让所有存活的对象都向一端移动，然后直接清除掉另一端的内存</a:t>
+              <a:t>整理：标记无用对象，让所有存活的对象都向一端移动，然后直接清除掉另一端的</a:t>
+            </a:r>
+            <a:r>
+              <a:rPr kumimoji="1" lang="zh-CN" altLang="en-US" sz="1100" dirty="0" smtClean="0"/>
+              <a:t>内存；不会产生内存碎片</a:t>
             </a:r>
             <a:endParaRPr kumimoji="1" lang="en-US" altLang="zh-CN" sz="1100" dirty="0" smtClean="0"/>
           </a:p>

--- a/doc/doc.pptx
+++ b/doc/doc.pptx
@@ -206,7 +206,7 @@
           <a:p>
             <a:fld id="{A3D7CE87-9499-D644-9D39-658681EEDA03}" type="datetimeFigureOut">
               <a:rPr kumimoji="1" lang="zh-CN" altLang="en-US" smtClean="0"/>
-              <a:t>2019/9/1</a:t>
+              <a:t>2019/9/5</a:t>
             </a:fld>
             <a:endParaRPr kumimoji="1" lang="zh-CN" altLang="en-US"/>
           </a:p>
@@ -1048,7 +1048,7 @@
           <a:p>
             <a:fld id="{79C7BEE9-4014-F74B-8041-D28506CB9C48}" type="datetimeFigureOut">
               <a:rPr kumimoji="1" lang="zh-CN" altLang="en-US" smtClean="0"/>
-              <a:t>2019/9/1</a:t>
+              <a:t>2019/9/5</a:t>
             </a:fld>
             <a:endParaRPr kumimoji="1" lang="zh-CN" altLang="en-US"/>
           </a:p>
@@ -1218,7 +1218,7 @@
           <a:p>
             <a:fld id="{79C7BEE9-4014-F74B-8041-D28506CB9C48}" type="datetimeFigureOut">
               <a:rPr kumimoji="1" lang="zh-CN" altLang="en-US" smtClean="0"/>
-              <a:t>2019/9/1</a:t>
+              <a:t>2019/9/5</a:t>
             </a:fld>
             <a:endParaRPr kumimoji="1" lang="zh-CN" altLang="en-US"/>
           </a:p>
@@ -1398,7 +1398,7 @@
           <a:p>
             <a:fld id="{79C7BEE9-4014-F74B-8041-D28506CB9C48}" type="datetimeFigureOut">
               <a:rPr kumimoji="1" lang="zh-CN" altLang="en-US" smtClean="0"/>
-              <a:t>2019/9/1</a:t>
+              <a:t>2019/9/5</a:t>
             </a:fld>
             <a:endParaRPr kumimoji="1" lang="zh-CN" altLang="en-US"/>
           </a:p>
@@ -1568,7 +1568,7 @@
           <a:p>
             <a:fld id="{79C7BEE9-4014-F74B-8041-D28506CB9C48}" type="datetimeFigureOut">
               <a:rPr kumimoji="1" lang="zh-CN" altLang="en-US" smtClean="0"/>
-              <a:t>2019/9/1</a:t>
+              <a:t>2019/9/5</a:t>
             </a:fld>
             <a:endParaRPr kumimoji="1" lang="zh-CN" altLang="en-US"/>
           </a:p>
@@ -1814,7 +1814,7 @@
           <a:p>
             <a:fld id="{79C7BEE9-4014-F74B-8041-D28506CB9C48}" type="datetimeFigureOut">
               <a:rPr kumimoji="1" lang="zh-CN" altLang="en-US" smtClean="0"/>
-              <a:t>2019/9/1</a:t>
+              <a:t>2019/9/5</a:t>
             </a:fld>
             <a:endParaRPr kumimoji="1" lang="zh-CN" altLang="en-US"/>
           </a:p>
@@ -2046,7 +2046,7 @@
           <a:p>
             <a:fld id="{79C7BEE9-4014-F74B-8041-D28506CB9C48}" type="datetimeFigureOut">
               <a:rPr kumimoji="1" lang="zh-CN" altLang="en-US" smtClean="0"/>
-              <a:t>2019/9/1</a:t>
+              <a:t>2019/9/5</a:t>
             </a:fld>
             <a:endParaRPr kumimoji="1" lang="zh-CN" altLang="en-US"/>
           </a:p>
@@ -2413,7 +2413,7 @@
           <a:p>
             <a:fld id="{79C7BEE9-4014-F74B-8041-D28506CB9C48}" type="datetimeFigureOut">
               <a:rPr kumimoji="1" lang="zh-CN" altLang="en-US" smtClean="0"/>
-              <a:t>2019/9/1</a:t>
+              <a:t>2019/9/5</a:t>
             </a:fld>
             <a:endParaRPr kumimoji="1" lang="zh-CN" altLang="en-US"/>
           </a:p>
@@ -2531,7 +2531,7 @@
           <a:p>
             <a:fld id="{79C7BEE9-4014-F74B-8041-D28506CB9C48}" type="datetimeFigureOut">
               <a:rPr kumimoji="1" lang="zh-CN" altLang="en-US" smtClean="0"/>
-              <a:t>2019/9/1</a:t>
+              <a:t>2019/9/5</a:t>
             </a:fld>
             <a:endParaRPr kumimoji="1" lang="zh-CN" altLang="en-US"/>
           </a:p>
@@ -2626,7 +2626,7 @@
           <a:p>
             <a:fld id="{79C7BEE9-4014-F74B-8041-D28506CB9C48}" type="datetimeFigureOut">
               <a:rPr kumimoji="1" lang="zh-CN" altLang="en-US" smtClean="0"/>
-              <a:t>2019/9/1</a:t>
+              <a:t>2019/9/5</a:t>
             </a:fld>
             <a:endParaRPr kumimoji="1" lang="zh-CN" altLang="en-US"/>
           </a:p>
@@ -2903,7 +2903,7 @@
           <a:p>
             <a:fld id="{79C7BEE9-4014-F74B-8041-D28506CB9C48}" type="datetimeFigureOut">
               <a:rPr kumimoji="1" lang="zh-CN" altLang="en-US" smtClean="0"/>
-              <a:t>2019/9/1</a:t>
+              <a:t>2019/9/5</a:t>
             </a:fld>
             <a:endParaRPr kumimoji="1" lang="zh-CN" altLang="en-US"/>
           </a:p>
@@ -3156,7 +3156,7 @@
           <a:p>
             <a:fld id="{79C7BEE9-4014-F74B-8041-D28506CB9C48}" type="datetimeFigureOut">
               <a:rPr kumimoji="1" lang="zh-CN" altLang="en-US" smtClean="0"/>
-              <a:t>2019/9/1</a:t>
+              <a:t>2019/9/5</a:t>
             </a:fld>
             <a:endParaRPr kumimoji="1" lang="zh-CN" altLang="en-US"/>
           </a:p>
@@ -3369,7 +3369,7 @@
           <a:p>
             <a:fld id="{79C7BEE9-4014-F74B-8041-D28506CB9C48}" type="datetimeFigureOut">
               <a:rPr kumimoji="1" lang="zh-CN" altLang="en-US" smtClean="0"/>
-              <a:t>2019/9/1</a:t>
+              <a:t>2019/9/5</a:t>
             </a:fld>
             <a:endParaRPr kumimoji="1" lang="zh-CN" altLang="en-US"/>
           </a:p>
@@ -8314,11 +8314,7 @@
             </a:r>
             <a:r>
               <a:rPr kumimoji="1" lang="zh-CN" altLang="en-US" sz="1100" dirty="0" smtClean="0"/>
-              <a:t>整理：标记无用对象，让所有存活的对象都向一端移动，然后直接清除掉另一端的</a:t>
-            </a:r>
-            <a:r>
-              <a:rPr kumimoji="1" lang="zh-CN" altLang="en-US" sz="1100" dirty="0" smtClean="0"/>
-              <a:t>内存；不会产生内存碎片</a:t>
+              <a:t>整理：标记无用对象，让所有存活的对象都向一端移动，然后直接清除掉另一端的内存；不会产生内存碎片</a:t>
             </a:r>
             <a:endParaRPr kumimoji="1" lang="en-US" altLang="zh-CN" sz="1100" dirty="0" smtClean="0"/>
           </a:p>

--- a/doc/doc.pptx
+++ b/doc/doc.pptx
@@ -206,7 +206,7 @@
           <a:p>
             <a:fld id="{A3D7CE87-9499-D644-9D39-658681EEDA03}" type="datetimeFigureOut">
               <a:rPr kumimoji="1" lang="zh-CN" altLang="en-US" smtClean="0"/>
-              <a:t>2019/9/5</a:t>
+              <a:t>2019/9/7</a:t>
             </a:fld>
             <a:endParaRPr kumimoji="1" lang="zh-CN" altLang="en-US"/>
           </a:p>
@@ -629,7 +629,27 @@
             </a:r>
             <a:r>
               <a:rPr kumimoji="1" lang="zh-CN" altLang="en-US" dirty="0" smtClean="0"/>
-              <a:t>栈是线程私有的，描述的是方法的内存模型：每个方法在执行时创建一个栈帧，用于存放局部变量表，</a:t>
+              <a:t>栈是线程私有的</a:t>
+            </a:r>
+            <a:r>
+              <a:rPr kumimoji="1" lang="zh-CN" altLang="en-US" dirty="0" smtClean="0"/>
+              <a:t>，每个</a:t>
+            </a:r>
+            <a:r>
+              <a:rPr kumimoji="1" lang="zh-CN" altLang="en-US" dirty="0" smtClean="0"/>
+              <a:t>方法在执行时创建一个栈帧，</a:t>
+            </a:r>
+            <a:r>
+              <a:rPr kumimoji="1" lang="zh-CN" altLang="en-US" dirty="0" smtClean="0"/>
+              <a:t>用于保存局部</a:t>
+            </a:r>
+            <a:r>
+              <a:rPr kumimoji="1" lang="zh-CN" altLang="en-US" dirty="0" smtClean="0"/>
+              <a:t>变</a:t>
+            </a:r>
+            <a:r>
+              <a:rPr kumimoji="1" lang="zh-CN" altLang="en-US" dirty="0" smtClean="0"/>
+              <a:t>量表和</a:t>
             </a:r>
             <a:r>
               <a:rPr lang="zh-CN" altLang="en-US" sz="1200" b="0" i="0" kern="1200" dirty="0" smtClean="0">
@@ -641,7 +661,31 @@
                 <a:ea typeface="+mn-ea"/>
                 <a:cs typeface="+mn-cs"/>
               </a:rPr>
-              <a:t>操作数栈，方法入口，动态链接等</a:t>
+              <a:t>操作</a:t>
+            </a:r>
+            <a:r>
+              <a:rPr lang="zh-CN" altLang="en-US" sz="1200" b="0" i="0" kern="1200" dirty="0" smtClean="0">
+                <a:solidFill>
+                  <a:schemeClr val="tx1"/>
+                </a:solidFill>
+                <a:effectLst/>
+                <a:latin typeface="+mn-lt"/>
+                <a:ea typeface="+mn-ea"/>
+                <a:cs typeface="+mn-cs"/>
+              </a:rPr>
+              <a:t>数</a:t>
+            </a:r>
+            <a:r>
+              <a:rPr lang="zh-CN" altLang="en-US" sz="1200" b="0" i="0" kern="1200" dirty="0" smtClean="0">
+                <a:solidFill>
+                  <a:schemeClr val="tx1"/>
+                </a:solidFill>
+                <a:effectLst/>
+                <a:latin typeface="+mn-lt"/>
+                <a:ea typeface="+mn-ea"/>
+                <a:cs typeface="+mn-cs"/>
+              </a:rPr>
+              <a:t>栈</a:t>
             </a:r>
             <a:endParaRPr lang="en-US" altLang="zh-CN" sz="1200" b="0" i="0" kern="1200" dirty="0" smtClean="0">
               <a:solidFill>
@@ -664,21 +708,9 @@
                 <a:ea typeface="+mn-ea"/>
                 <a:cs typeface="+mn-cs"/>
               </a:rPr>
-              <a:t>    局部变量表是用来</a:t>
-            </a:r>
-            <a:r>
-              <a:rPr kumimoji="1" lang="zh-CN" altLang="en-US" sz="1200" b="0" i="0" kern="1200" baseline="0" smtClean="0">
-                <a:solidFill>
-                  <a:schemeClr val="tx1"/>
-                </a:solidFill>
-                <a:effectLst/>
-                <a:latin typeface="+mn-lt"/>
-                <a:ea typeface="+mn-ea"/>
-                <a:cs typeface="+mn-cs"/>
-              </a:rPr>
-              <a:t>存放一些基本数据和引用</a:t>
-            </a:r>
-            <a:endParaRPr kumimoji="1" lang="zh-CN" altLang="en-US"/>
+              <a:t>    局部变量表是用来存放一些基本数据和引用</a:t>
+            </a:r>
+            <a:endParaRPr kumimoji="1" lang="zh-CN" altLang="en-US" dirty="0"/>
           </a:p>
         </p:txBody>
       </p:sp>
@@ -1048,7 +1080,7 @@
           <a:p>
             <a:fld id="{79C7BEE9-4014-F74B-8041-D28506CB9C48}" type="datetimeFigureOut">
               <a:rPr kumimoji="1" lang="zh-CN" altLang="en-US" smtClean="0"/>
-              <a:t>2019/9/5</a:t>
+              <a:t>2019/9/7</a:t>
             </a:fld>
             <a:endParaRPr kumimoji="1" lang="zh-CN" altLang="en-US"/>
           </a:p>
@@ -1218,7 +1250,7 @@
           <a:p>
             <a:fld id="{79C7BEE9-4014-F74B-8041-D28506CB9C48}" type="datetimeFigureOut">
               <a:rPr kumimoji="1" lang="zh-CN" altLang="en-US" smtClean="0"/>
-              <a:t>2019/9/5</a:t>
+              <a:t>2019/9/7</a:t>
             </a:fld>
             <a:endParaRPr kumimoji="1" lang="zh-CN" altLang="en-US"/>
           </a:p>
@@ -1398,7 +1430,7 @@
           <a:p>
             <a:fld id="{79C7BEE9-4014-F74B-8041-D28506CB9C48}" type="datetimeFigureOut">
               <a:rPr kumimoji="1" lang="zh-CN" altLang="en-US" smtClean="0"/>
-              <a:t>2019/9/5</a:t>
+              <a:t>2019/9/7</a:t>
             </a:fld>
             <a:endParaRPr kumimoji="1" lang="zh-CN" altLang="en-US"/>
           </a:p>
@@ -1568,7 +1600,7 @@
           <a:p>
             <a:fld id="{79C7BEE9-4014-F74B-8041-D28506CB9C48}" type="datetimeFigureOut">
               <a:rPr kumimoji="1" lang="zh-CN" altLang="en-US" smtClean="0"/>
-              <a:t>2019/9/5</a:t>
+              <a:t>2019/9/7</a:t>
             </a:fld>
             <a:endParaRPr kumimoji="1" lang="zh-CN" altLang="en-US"/>
           </a:p>
@@ -1814,7 +1846,7 @@
           <a:p>
             <a:fld id="{79C7BEE9-4014-F74B-8041-D28506CB9C48}" type="datetimeFigureOut">
               <a:rPr kumimoji="1" lang="zh-CN" altLang="en-US" smtClean="0"/>
-              <a:t>2019/9/5</a:t>
+              <a:t>2019/9/7</a:t>
             </a:fld>
             <a:endParaRPr kumimoji="1" lang="zh-CN" altLang="en-US"/>
           </a:p>
@@ -2046,7 +2078,7 @@
           <a:p>
             <a:fld id="{79C7BEE9-4014-F74B-8041-D28506CB9C48}" type="datetimeFigureOut">
               <a:rPr kumimoji="1" lang="zh-CN" altLang="en-US" smtClean="0"/>
-              <a:t>2019/9/5</a:t>
+              <a:t>2019/9/7</a:t>
             </a:fld>
             <a:endParaRPr kumimoji="1" lang="zh-CN" altLang="en-US"/>
           </a:p>
@@ -2413,7 +2445,7 @@
           <a:p>
             <a:fld id="{79C7BEE9-4014-F74B-8041-D28506CB9C48}" type="datetimeFigureOut">
               <a:rPr kumimoji="1" lang="zh-CN" altLang="en-US" smtClean="0"/>
-              <a:t>2019/9/5</a:t>
+              <a:t>2019/9/7</a:t>
             </a:fld>
             <a:endParaRPr kumimoji="1" lang="zh-CN" altLang="en-US"/>
           </a:p>
@@ -2531,7 +2563,7 @@
           <a:p>
             <a:fld id="{79C7BEE9-4014-F74B-8041-D28506CB9C48}" type="datetimeFigureOut">
               <a:rPr kumimoji="1" lang="zh-CN" altLang="en-US" smtClean="0"/>
-              <a:t>2019/9/5</a:t>
+              <a:t>2019/9/7</a:t>
             </a:fld>
             <a:endParaRPr kumimoji="1" lang="zh-CN" altLang="en-US"/>
           </a:p>
@@ -2626,7 +2658,7 @@
           <a:p>
             <a:fld id="{79C7BEE9-4014-F74B-8041-D28506CB9C48}" type="datetimeFigureOut">
               <a:rPr kumimoji="1" lang="zh-CN" altLang="en-US" smtClean="0"/>
-              <a:t>2019/9/5</a:t>
+              <a:t>2019/9/7</a:t>
             </a:fld>
             <a:endParaRPr kumimoji="1" lang="zh-CN" altLang="en-US"/>
           </a:p>
@@ -2903,7 +2935,7 @@
           <a:p>
             <a:fld id="{79C7BEE9-4014-F74B-8041-D28506CB9C48}" type="datetimeFigureOut">
               <a:rPr kumimoji="1" lang="zh-CN" altLang="en-US" smtClean="0"/>
-              <a:t>2019/9/5</a:t>
+              <a:t>2019/9/7</a:t>
             </a:fld>
             <a:endParaRPr kumimoji="1" lang="zh-CN" altLang="en-US"/>
           </a:p>
@@ -3156,7 +3188,7 @@
           <a:p>
             <a:fld id="{79C7BEE9-4014-F74B-8041-D28506CB9C48}" type="datetimeFigureOut">
               <a:rPr kumimoji="1" lang="zh-CN" altLang="en-US" smtClean="0"/>
-              <a:t>2019/9/5</a:t>
+              <a:t>2019/9/7</a:t>
             </a:fld>
             <a:endParaRPr kumimoji="1" lang="zh-CN" altLang="en-US"/>
           </a:p>
@@ -3369,7 +3401,7 @@
           <a:p>
             <a:fld id="{79C7BEE9-4014-F74B-8041-D28506CB9C48}" type="datetimeFigureOut">
               <a:rPr kumimoji="1" lang="zh-CN" altLang="en-US" smtClean="0"/>
-              <a:t>2019/9/5</a:t>
+              <a:t>2019/9/7</a:t>
             </a:fld>
             <a:endParaRPr kumimoji="1" lang="zh-CN" altLang="en-US"/>
           </a:p>
@@ -4421,6 +4453,121 @@
           </a:fontRef>
         </p:style>
       </p:cxnSp>
+      <p:sp>
+        <p:nvSpPr>
+          <p:cNvPr id="2" name="文本框 1"/>
+          <p:cNvSpPr txBox="1"/>
+          <p:nvPr/>
+        </p:nvSpPr>
+        <p:spPr>
+          <a:xfrm>
+            <a:off x="7580097" y="3358819"/>
+            <a:ext cx="1208049" cy="276999"/>
+          </a:xfrm>
+          <a:prstGeom prst="rect">
+            <a:avLst/>
+          </a:prstGeom>
+          <a:noFill/>
+        </p:spPr>
+        <p:txBody>
+          <a:bodyPr wrap="square" rtlCol="0">
+            <a:spAutoFit/>
+          </a:bodyPr>
+          <a:lstStyle/>
+          <a:p>
+            <a:r>
+              <a:rPr kumimoji="1" lang="zh-CN" altLang="en-US" sz="1200" dirty="0" smtClean="0"/>
+              <a:t>运行</a:t>
+            </a:r>
+            <a:r>
+              <a:rPr kumimoji="1" lang="en-US" altLang="zh-CN" sz="1200" dirty="0" smtClean="0"/>
+              <a:t>205</a:t>
+            </a:r>
+            <a:r>
+              <a:rPr kumimoji="1" lang="zh-CN" altLang="en-US" sz="1200" dirty="0" smtClean="0"/>
+              <a:t>条指令</a:t>
+            </a:r>
+            <a:endParaRPr kumimoji="1" lang="zh-CN" altLang="en-US" sz="1200" dirty="0"/>
+          </a:p>
+        </p:txBody>
+      </p:sp>
+      <p:sp>
+        <p:nvSpPr>
+          <p:cNvPr id="3" name="矩形 2"/>
+          <p:cNvSpPr/>
+          <p:nvPr/>
+        </p:nvSpPr>
+        <p:spPr>
+          <a:xfrm>
+            <a:off x="7482471" y="3204115"/>
+            <a:ext cx="1403300" cy="564997"/>
+          </a:xfrm>
+          <a:prstGeom prst="rect">
+            <a:avLst/>
+          </a:prstGeom>
+          <a:noFill/>
+        </p:spPr>
+        <p:style>
+          <a:lnRef idx="2">
+            <a:schemeClr val="accent1">
+              <a:shade val="50000"/>
+            </a:schemeClr>
+          </a:lnRef>
+          <a:fillRef idx="1">
+            <a:schemeClr val="accent1"/>
+          </a:fillRef>
+          <a:effectRef idx="0">
+            <a:schemeClr val="accent1"/>
+          </a:effectRef>
+          <a:fontRef idx="minor">
+            <a:schemeClr val="lt1"/>
+          </a:fontRef>
+        </p:style>
+        <p:txBody>
+          <a:bodyPr rtlCol="0" anchor="ctr"/>
+          <a:lstStyle/>
+          <a:p>
+            <a:pPr algn="ctr"/>
+            <a:endParaRPr kumimoji="1" lang="zh-CN" altLang="en-US"/>
+          </a:p>
+        </p:txBody>
+      </p:sp>
+      <p:cxnSp>
+        <p:nvCxnSpPr>
+          <p:cNvPr id="10" name="直线箭头连接符 9"/>
+          <p:cNvCxnSpPr>
+            <a:stCxn id="4" idx="2"/>
+            <a:endCxn id="3" idx="0"/>
+          </p:cNvCxnSpPr>
+          <p:nvPr/>
+        </p:nvCxnSpPr>
+        <p:spPr>
+          <a:xfrm>
+            <a:off x="8166410" y="2150327"/>
+            <a:ext cx="17711" cy="1053788"/>
+          </a:xfrm>
+          <a:prstGeom prst="straightConnector1">
+            <a:avLst/>
+          </a:prstGeom>
+          <a:ln>
+            <a:tailEnd type="triangle"/>
+          </a:ln>
+        </p:spPr>
+        <p:style>
+          <a:lnRef idx="1">
+            <a:schemeClr val="accent1"/>
+          </a:lnRef>
+          <a:fillRef idx="0">
+            <a:schemeClr val="accent1"/>
+          </a:fillRef>
+          <a:effectRef idx="0">
+            <a:schemeClr val="accent1"/>
+          </a:effectRef>
+          <a:fontRef idx="minor">
+            <a:schemeClr val="tx1"/>
+          </a:fontRef>
+        </p:style>
+      </p:cxnSp>
     </p:spTree>
     <p:extLst>
       <p:ext uri="{BB962C8B-B14F-4D97-AF65-F5344CB8AC3E}">
@@ -5840,8 +5987,8 @@
         </p:nvSpPr>
         <p:spPr>
           <a:xfrm>
-            <a:off x="6311780" y="165698"/>
-            <a:ext cx="1031051" cy="938719"/>
+            <a:off x="6333334" y="195693"/>
+            <a:ext cx="1172116" cy="1446550"/>
           </a:xfrm>
           <a:prstGeom prst="rect">
             <a:avLst/>
@@ -5855,30 +6002,51 @@
           <a:lstStyle/>
           <a:p>
             <a:r>
+              <a:rPr kumimoji="1" lang="zh-CN" altLang="en-US" sz="1100" dirty="0"/>
+              <a:t>栈由栈帧</a:t>
+            </a:r>
+            <a:r>
               <a:rPr kumimoji="1" lang="zh-CN" altLang="en-US" sz="1100" dirty="0" smtClean="0"/>
-              <a:t>基本数据区域</a:t>
+              <a:t>组成，</a:t>
+            </a:r>
+            <a:endParaRPr kumimoji="1" lang="zh-CN" altLang="en-US" sz="1100" dirty="0"/>
+          </a:p>
+          <a:p>
+            <a:r>
+              <a:rPr kumimoji="1" lang="zh-CN" altLang="en-US" sz="1100" dirty="0" smtClean="0"/>
+              <a:t>栈帧保存方法</a:t>
             </a:r>
             <a:endParaRPr kumimoji="1" lang="en-US" altLang="zh-CN" sz="1100" dirty="0" smtClean="0"/>
           </a:p>
           <a:p>
+            <a:r>
+              <a:rPr kumimoji="1" lang="zh-CN" altLang="en-US" sz="1100" dirty="0" smtClean="0"/>
+              <a:t>的执行状态，</a:t>
+            </a:r>
             <a:endParaRPr kumimoji="1" lang="en-US" altLang="zh-CN" sz="1100" dirty="0" smtClean="0"/>
           </a:p>
           <a:p>
             <a:r>
               <a:rPr kumimoji="1" lang="zh-CN" altLang="en-US" sz="1100" dirty="0" smtClean="0"/>
-              <a:t>操作指令区域</a:t>
+              <a:t>包括局部变量</a:t>
             </a:r>
             <a:endParaRPr kumimoji="1" lang="en-US" altLang="zh-CN" sz="1100" dirty="0" smtClean="0"/>
           </a:p>
           <a:p>
+            <a:r>
+              <a:rPr kumimoji="1" lang="zh-CN" altLang="en-US" sz="1100" dirty="0" smtClean="0"/>
+              <a:t>表和操作数栈</a:t>
+            </a:r>
             <a:endParaRPr kumimoji="1" lang="en-US" altLang="zh-CN" sz="1100" dirty="0" smtClean="0"/>
           </a:p>
           <a:p>
-            <a:r>
-              <a:rPr kumimoji="1" lang="zh-CN" altLang="en-US" sz="1100" dirty="0" smtClean="0"/>
-              <a:t>上下文等</a:t>
-            </a:r>
-            <a:endParaRPr kumimoji="1" lang="zh-CN" altLang="en-US" sz="1100" dirty="0"/>
+            <a:endParaRPr kumimoji="1" lang="en-US" altLang="zh-CN" sz="1100" dirty="0"/>
+          </a:p>
+          <a:p>
+            <a:endParaRPr kumimoji="1" lang="en-US" altLang="zh-CN" sz="1100" dirty="0" smtClean="0"/>
+          </a:p>
+          <a:p>
+            <a:endParaRPr kumimoji="1" lang="en-US" altLang="zh-CN" sz="1100" dirty="0" smtClean="0"/>
           </a:p>
         </p:txBody>
       </p:sp>
@@ -6394,23 +6562,11 @@
             </a:pPr>
             <a:r>
               <a:rPr kumimoji="1" lang="zh-CN" altLang="en-US" sz="1100" dirty="0" smtClean="0"/>
-              <a:t>方法区：所有</a:t>
-            </a:r>
-            <a:r>
-              <a:rPr kumimoji="1" lang="en-US" altLang="zh-CN" sz="1100" dirty="0" smtClean="0"/>
-              <a:t>class</a:t>
+              <a:t>方法区</a:t>
             </a:r>
             <a:r>
               <a:rPr kumimoji="1" lang="zh-CN" altLang="en-US" sz="1100" dirty="0" smtClean="0"/>
-              <a:t>和</a:t>
-            </a:r>
-            <a:r>
-              <a:rPr kumimoji="1" lang="en-US" altLang="zh-CN" sz="1100" dirty="0" smtClean="0"/>
-              <a:t>static</a:t>
-            </a:r>
-            <a:r>
-              <a:rPr kumimoji="1" lang="zh-CN" altLang="en-US" sz="1100" dirty="0" smtClean="0"/>
-              <a:t>变量</a:t>
+              <a:t>：类的字段、方法、常量池</a:t>
             </a:r>
             <a:endParaRPr kumimoji="1" lang="en-US" altLang="zh-CN" sz="1100" dirty="0" smtClean="0"/>
           </a:p>
@@ -6420,7 +6576,11 @@
             </a:pPr>
             <a:r>
               <a:rPr kumimoji="1" lang="zh-CN" altLang="en-US" sz="1100" dirty="0" smtClean="0"/>
-              <a:t>堆中放一些实例对象</a:t>
+              <a:t>堆</a:t>
+            </a:r>
+            <a:r>
+              <a:rPr kumimoji="1" lang="zh-CN" altLang="en-US" sz="1100" dirty="0" smtClean="0"/>
+              <a:t>中放一些实例对象</a:t>
             </a:r>
             <a:endParaRPr kumimoji="1" lang="en-US" altLang="zh-CN" sz="1100" dirty="0" smtClean="0"/>
           </a:p>

--- a/doc/doc.pptx
+++ b/doc/doc.pptx
@@ -5,7 +5,7 @@
     <p:sldMasterId id="2147483648" r:id="rId1"/>
   </p:sldMasterIdLst>
   <p:notesMasterIdLst>
-    <p:notesMasterId r:id="rId12"/>
+    <p:notesMasterId r:id="rId13"/>
   </p:notesMasterIdLst>
   <p:sldIdLst>
     <p:sldId id="264" r:id="rId2"/>
@@ -18,6 +18,7 @@
     <p:sldId id="262" r:id="rId9"/>
     <p:sldId id="263" r:id="rId10"/>
     <p:sldId id="266" r:id="rId11"/>
+    <p:sldId id="267" r:id="rId12"/>
   </p:sldIdLst>
   <p:sldSz cx="12192000" cy="6858000"/>
   <p:notesSz cx="6858000" cy="9144000"/>
@@ -206,7 +207,7 @@
           <a:p>
             <a:fld id="{A3D7CE87-9499-D644-9D39-658681EEDA03}" type="datetimeFigureOut">
               <a:rPr kumimoji="1" lang="zh-CN" altLang="en-US" smtClean="0"/>
-              <a:t>2019/9/7</a:t>
+              <a:t>2019/9/21</a:t>
             </a:fld>
             <a:endParaRPr kumimoji="1" lang="zh-CN" altLang="en-US"/>
           </a:p>
@@ -629,27 +630,7 @@
             </a:r>
             <a:r>
               <a:rPr kumimoji="1" lang="zh-CN" altLang="en-US" dirty="0" smtClean="0"/>
-              <a:t>栈是线程私有的</a:t>
-            </a:r>
-            <a:r>
-              <a:rPr kumimoji="1" lang="zh-CN" altLang="en-US" dirty="0" smtClean="0"/>
-              <a:t>，每个</a:t>
-            </a:r>
-            <a:r>
-              <a:rPr kumimoji="1" lang="zh-CN" altLang="en-US" dirty="0" smtClean="0"/>
-              <a:t>方法在执行时创建一个栈帧，</a:t>
-            </a:r>
-            <a:r>
-              <a:rPr kumimoji="1" lang="zh-CN" altLang="en-US" dirty="0" smtClean="0"/>
-              <a:t>用于保存局部</a:t>
-            </a:r>
-            <a:r>
-              <a:rPr kumimoji="1" lang="zh-CN" altLang="en-US" dirty="0" smtClean="0"/>
-              <a:t>变</a:t>
-            </a:r>
-            <a:r>
-              <a:rPr kumimoji="1" lang="zh-CN" altLang="en-US" dirty="0" smtClean="0"/>
-              <a:t>量表和</a:t>
+              <a:t>栈是线程私有的，每个方法在执行时创建一个栈帧，用于保存局部变量表和</a:t>
             </a:r>
             <a:r>
               <a:rPr lang="zh-CN" altLang="en-US" sz="1200" b="0" i="0" kern="1200" dirty="0" smtClean="0">
@@ -661,31 +642,7 @@
                 <a:ea typeface="+mn-ea"/>
                 <a:cs typeface="+mn-cs"/>
               </a:rPr>
-              <a:t>操作</a:t>
-            </a:r>
-            <a:r>
-              <a:rPr lang="zh-CN" altLang="en-US" sz="1200" b="0" i="0" kern="1200" dirty="0" smtClean="0">
-                <a:solidFill>
-                  <a:schemeClr val="tx1"/>
-                </a:solidFill>
-                <a:effectLst/>
-                <a:latin typeface="+mn-lt"/>
-                <a:ea typeface="+mn-ea"/>
-                <a:cs typeface="+mn-cs"/>
-              </a:rPr>
-              <a:t>数</a:t>
-            </a:r>
-            <a:r>
-              <a:rPr lang="zh-CN" altLang="en-US" sz="1200" b="0" i="0" kern="1200" dirty="0" smtClean="0">
-                <a:solidFill>
-                  <a:schemeClr val="tx1"/>
-                </a:solidFill>
-                <a:effectLst/>
-                <a:latin typeface="+mn-lt"/>
-                <a:ea typeface="+mn-ea"/>
-                <a:cs typeface="+mn-cs"/>
-              </a:rPr>
-              <a:t>栈</a:t>
+              <a:t>操作数栈</a:t>
             </a:r>
             <a:endParaRPr lang="en-US" altLang="zh-CN" sz="1200" b="0" i="0" kern="1200" dirty="0" smtClean="0">
               <a:solidFill>
@@ -1080,7 +1037,7 @@
           <a:p>
             <a:fld id="{79C7BEE9-4014-F74B-8041-D28506CB9C48}" type="datetimeFigureOut">
               <a:rPr kumimoji="1" lang="zh-CN" altLang="en-US" smtClean="0"/>
-              <a:t>2019/9/7</a:t>
+              <a:t>2019/9/21</a:t>
             </a:fld>
             <a:endParaRPr kumimoji="1" lang="zh-CN" altLang="en-US"/>
           </a:p>
@@ -1250,7 +1207,7 @@
           <a:p>
             <a:fld id="{79C7BEE9-4014-F74B-8041-D28506CB9C48}" type="datetimeFigureOut">
               <a:rPr kumimoji="1" lang="zh-CN" altLang="en-US" smtClean="0"/>
-              <a:t>2019/9/7</a:t>
+              <a:t>2019/9/21</a:t>
             </a:fld>
             <a:endParaRPr kumimoji="1" lang="zh-CN" altLang="en-US"/>
           </a:p>
@@ -1430,7 +1387,7 @@
           <a:p>
             <a:fld id="{79C7BEE9-4014-F74B-8041-D28506CB9C48}" type="datetimeFigureOut">
               <a:rPr kumimoji="1" lang="zh-CN" altLang="en-US" smtClean="0"/>
-              <a:t>2019/9/7</a:t>
+              <a:t>2019/9/21</a:t>
             </a:fld>
             <a:endParaRPr kumimoji="1" lang="zh-CN" altLang="en-US"/>
           </a:p>
@@ -1600,7 +1557,7 @@
           <a:p>
             <a:fld id="{79C7BEE9-4014-F74B-8041-D28506CB9C48}" type="datetimeFigureOut">
               <a:rPr kumimoji="1" lang="zh-CN" altLang="en-US" smtClean="0"/>
-              <a:t>2019/9/7</a:t>
+              <a:t>2019/9/21</a:t>
             </a:fld>
             <a:endParaRPr kumimoji="1" lang="zh-CN" altLang="en-US"/>
           </a:p>
@@ -1846,7 +1803,7 @@
           <a:p>
             <a:fld id="{79C7BEE9-4014-F74B-8041-D28506CB9C48}" type="datetimeFigureOut">
               <a:rPr kumimoji="1" lang="zh-CN" altLang="en-US" smtClean="0"/>
-              <a:t>2019/9/7</a:t>
+              <a:t>2019/9/21</a:t>
             </a:fld>
             <a:endParaRPr kumimoji="1" lang="zh-CN" altLang="en-US"/>
           </a:p>
@@ -2078,7 +2035,7 @@
           <a:p>
             <a:fld id="{79C7BEE9-4014-F74B-8041-D28506CB9C48}" type="datetimeFigureOut">
               <a:rPr kumimoji="1" lang="zh-CN" altLang="en-US" smtClean="0"/>
-              <a:t>2019/9/7</a:t>
+              <a:t>2019/9/21</a:t>
             </a:fld>
             <a:endParaRPr kumimoji="1" lang="zh-CN" altLang="en-US"/>
           </a:p>
@@ -2445,7 +2402,7 @@
           <a:p>
             <a:fld id="{79C7BEE9-4014-F74B-8041-D28506CB9C48}" type="datetimeFigureOut">
               <a:rPr kumimoji="1" lang="zh-CN" altLang="en-US" smtClean="0"/>
-              <a:t>2019/9/7</a:t>
+              <a:t>2019/9/21</a:t>
             </a:fld>
             <a:endParaRPr kumimoji="1" lang="zh-CN" altLang="en-US"/>
           </a:p>
@@ -2563,7 +2520,7 @@
           <a:p>
             <a:fld id="{79C7BEE9-4014-F74B-8041-D28506CB9C48}" type="datetimeFigureOut">
               <a:rPr kumimoji="1" lang="zh-CN" altLang="en-US" smtClean="0"/>
-              <a:t>2019/9/7</a:t>
+              <a:t>2019/9/21</a:t>
             </a:fld>
             <a:endParaRPr kumimoji="1" lang="zh-CN" altLang="en-US"/>
           </a:p>
@@ -2658,7 +2615,7 @@
           <a:p>
             <a:fld id="{79C7BEE9-4014-F74B-8041-D28506CB9C48}" type="datetimeFigureOut">
               <a:rPr kumimoji="1" lang="zh-CN" altLang="en-US" smtClean="0"/>
-              <a:t>2019/9/7</a:t>
+              <a:t>2019/9/21</a:t>
             </a:fld>
             <a:endParaRPr kumimoji="1" lang="zh-CN" altLang="en-US"/>
           </a:p>
@@ -2935,7 +2892,7 @@
           <a:p>
             <a:fld id="{79C7BEE9-4014-F74B-8041-D28506CB9C48}" type="datetimeFigureOut">
               <a:rPr kumimoji="1" lang="zh-CN" altLang="en-US" smtClean="0"/>
-              <a:t>2019/9/7</a:t>
+              <a:t>2019/9/21</a:t>
             </a:fld>
             <a:endParaRPr kumimoji="1" lang="zh-CN" altLang="en-US"/>
           </a:p>
@@ -3188,7 +3145,7 @@
           <a:p>
             <a:fld id="{79C7BEE9-4014-F74B-8041-D28506CB9C48}" type="datetimeFigureOut">
               <a:rPr kumimoji="1" lang="zh-CN" altLang="en-US" smtClean="0"/>
-              <a:t>2019/9/7</a:t>
+              <a:t>2019/9/21</a:t>
             </a:fld>
             <a:endParaRPr kumimoji="1" lang="zh-CN" altLang="en-US"/>
           </a:p>
@@ -3401,7 +3358,7 @@
           <a:p>
             <a:fld id="{79C7BEE9-4014-F74B-8041-D28506CB9C48}" type="datetimeFigureOut">
               <a:rPr kumimoji="1" lang="zh-CN" altLang="en-US" smtClean="0"/>
-              <a:t>2019/9/7</a:t>
+              <a:t>2019/9/21</a:t>
             </a:fld>
             <a:endParaRPr kumimoji="1" lang="zh-CN" altLang="en-US"/>
           </a:p>
@@ -5459,6 +5416,568 @@
 </p:sld>
 </file>
 
+<file path=ppt/slides/slide11.xml><?xml version="1.0" encoding="utf-8"?>
+<p:sld xmlns:a="http://schemas.openxmlformats.org/drawingml/2006/main" xmlns:r="http://schemas.openxmlformats.org/officeDocument/2006/relationships" xmlns:p="http://schemas.openxmlformats.org/presentationml/2006/main">
+  <p:cSld>
+    <p:spTree>
+      <p:nvGrpSpPr>
+        <p:cNvPr id="1" name=""/>
+        <p:cNvGrpSpPr/>
+        <p:nvPr/>
+      </p:nvGrpSpPr>
+      <p:grpSpPr>
+        <a:xfrm>
+          <a:off x="0" y="0"/>
+          <a:ext cx="0" cy="0"/>
+          <a:chOff x="0" y="0"/>
+          <a:chExt cx="0" cy="0"/>
+        </a:xfrm>
+      </p:grpSpPr>
+      <p:sp>
+        <p:nvSpPr>
+          <p:cNvPr id="4" name="矩形 3"/>
+          <p:cNvSpPr/>
+          <p:nvPr/>
+        </p:nvSpPr>
+        <p:spPr>
+          <a:xfrm>
+            <a:off x="2375209" y="1148576"/>
+            <a:ext cx="1293541" cy="724829"/>
+          </a:xfrm>
+          <a:prstGeom prst="rect">
+            <a:avLst/>
+          </a:prstGeom>
+          <a:noFill/>
+        </p:spPr>
+        <p:style>
+          <a:lnRef idx="2">
+            <a:schemeClr val="accent1">
+              <a:shade val="50000"/>
+            </a:schemeClr>
+          </a:lnRef>
+          <a:fillRef idx="1">
+            <a:schemeClr val="accent1"/>
+          </a:fillRef>
+          <a:effectRef idx="0">
+            <a:schemeClr val="accent1"/>
+          </a:effectRef>
+          <a:fontRef idx="minor">
+            <a:schemeClr val="lt1"/>
+          </a:fontRef>
+        </p:style>
+        <p:txBody>
+          <a:bodyPr rtlCol="0" anchor="ctr"/>
+          <a:lstStyle/>
+          <a:p>
+            <a:pPr algn="ctr"/>
+            <a:endParaRPr kumimoji="1" lang="zh-CN" altLang="en-US" dirty="0"/>
+          </a:p>
+        </p:txBody>
+      </p:sp>
+      <p:sp>
+        <p:nvSpPr>
+          <p:cNvPr id="5" name="文本框 4"/>
+          <p:cNvSpPr txBox="1"/>
+          <p:nvPr/>
+        </p:nvSpPr>
+        <p:spPr>
+          <a:xfrm>
+            <a:off x="2610648" y="1380185"/>
+            <a:ext cx="822661" cy="261610"/>
+          </a:xfrm>
+          <a:prstGeom prst="rect">
+            <a:avLst/>
+          </a:prstGeom>
+          <a:noFill/>
+        </p:spPr>
+        <p:txBody>
+          <a:bodyPr wrap="none" rtlCol="0">
+            <a:spAutoFit/>
+          </a:bodyPr>
+          <a:lstStyle/>
+          <a:p>
+            <a:r>
+              <a:rPr kumimoji="1" lang="zh-CN" altLang="en-US" sz="1100" dirty="0" smtClean="0"/>
+              <a:t>通信实体</a:t>
+            </a:r>
+            <a:r>
+              <a:rPr kumimoji="1" lang="en-US" altLang="zh-CN" sz="1100" dirty="0" smtClean="0"/>
+              <a:t>1</a:t>
+            </a:r>
+            <a:endParaRPr kumimoji="1" lang="zh-CN" altLang="en-US" sz="1100" dirty="0"/>
+          </a:p>
+        </p:txBody>
+      </p:sp>
+      <p:sp>
+        <p:nvSpPr>
+          <p:cNvPr id="6" name="矩形 5"/>
+          <p:cNvSpPr/>
+          <p:nvPr/>
+        </p:nvSpPr>
+        <p:spPr>
+          <a:xfrm>
+            <a:off x="6107150" y="1148576"/>
+            <a:ext cx="1293541" cy="724829"/>
+          </a:xfrm>
+          <a:prstGeom prst="rect">
+            <a:avLst/>
+          </a:prstGeom>
+          <a:noFill/>
+        </p:spPr>
+        <p:style>
+          <a:lnRef idx="2">
+            <a:schemeClr val="accent1">
+              <a:shade val="50000"/>
+            </a:schemeClr>
+          </a:lnRef>
+          <a:fillRef idx="1">
+            <a:schemeClr val="accent1"/>
+          </a:fillRef>
+          <a:effectRef idx="0">
+            <a:schemeClr val="accent1"/>
+          </a:effectRef>
+          <a:fontRef idx="minor">
+            <a:schemeClr val="lt1"/>
+          </a:fontRef>
+        </p:style>
+        <p:txBody>
+          <a:bodyPr rtlCol="0" anchor="ctr"/>
+          <a:lstStyle/>
+          <a:p>
+            <a:pPr algn="ctr"/>
+            <a:endParaRPr kumimoji="1" lang="zh-CN" altLang="en-US"/>
+          </a:p>
+        </p:txBody>
+      </p:sp>
+      <p:sp>
+        <p:nvSpPr>
+          <p:cNvPr id="7" name="文本框 6"/>
+          <p:cNvSpPr txBox="1"/>
+          <p:nvPr/>
+        </p:nvSpPr>
+        <p:spPr>
+          <a:xfrm>
+            <a:off x="6342589" y="1380185"/>
+            <a:ext cx="822661" cy="261610"/>
+          </a:xfrm>
+          <a:prstGeom prst="rect">
+            <a:avLst/>
+          </a:prstGeom>
+          <a:noFill/>
+        </p:spPr>
+        <p:txBody>
+          <a:bodyPr wrap="none" rtlCol="0">
+            <a:spAutoFit/>
+          </a:bodyPr>
+          <a:lstStyle/>
+          <a:p>
+            <a:r>
+              <a:rPr kumimoji="1" lang="zh-CN" altLang="en-US" sz="1100" dirty="0" smtClean="0"/>
+              <a:t>通信实体</a:t>
+            </a:r>
+            <a:r>
+              <a:rPr kumimoji="1" lang="en-US" altLang="zh-CN" sz="1100" dirty="0"/>
+              <a:t>2</a:t>
+            </a:r>
+            <a:endParaRPr kumimoji="1" lang="zh-CN" altLang="en-US" sz="1100" dirty="0"/>
+          </a:p>
+        </p:txBody>
+      </p:sp>
+      <p:sp>
+        <p:nvSpPr>
+          <p:cNvPr id="8" name="矩形 7"/>
+          <p:cNvSpPr/>
+          <p:nvPr/>
+        </p:nvSpPr>
+        <p:spPr>
+          <a:xfrm>
+            <a:off x="2375209" y="3096323"/>
+            <a:ext cx="1293541" cy="472067"/>
+          </a:xfrm>
+          <a:prstGeom prst="rect">
+            <a:avLst/>
+          </a:prstGeom>
+          <a:noFill/>
+        </p:spPr>
+        <p:style>
+          <a:lnRef idx="2">
+            <a:schemeClr val="accent1">
+              <a:shade val="50000"/>
+            </a:schemeClr>
+          </a:lnRef>
+          <a:fillRef idx="1">
+            <a:schemeClr val="accent1"/>
+          </a:fillRef>
+          <a:effectRef idx="0">
+            <a:schemeClr val="accent1"/>
+          </a:effectRef>
+          <a:fontRef idx="minor">
+            <a:schemeClr val="lt1"/>
+          </a:fontRef>
+        </p:style>
+        <p:txBody>
+          <a:bodyPr rtlCol="0" anchor="ctr"/>
+          <a:lstStyle/>
+          <a:p>
+            <a:pPr algn="ctr"/>
+            <a:endParaRPr kumimoji="1" lang="zh-CN" altLang="en-US"/>
+          </a:p>
+        </p:txBody>
+      </p:sp>
+      <p:sp>
+        <p:nvSpPr>
+          <p:cNvPr id="9" name="文本框 8"/>
+          <p:cNvSpPr txBox="1"/>
+          <p:nvPr/>
+        </p:nvSpPr>
+        <p:spPr>
+          <a:xfrm>
+            <a:off x="2621799" y="3182968"/>
+            <a:ext cx="657552" cy="261610"/>
+          </a:xfrm>
+          <a:prstGeom prst="rect">
+            <a:avLst/>
+          </a:prstGeom>
+          <a:noFill/>
+        </p:spPr>
+        <p:txBody>
+          <a:bodyPr wrap="none" rtlCol="0">
+            <a:spAutoFit/>
+          </a:bodyPr>
+          <a:lstStyle/>
+          <a:p>
+            <a:r>
+              <a:rPr kumimoji="1" lang="en-US" altLang="zh-CN" sz="1100" smtClean="0"/>
+              <a:t>Socket1</a:t>
+            </a:r>
+            <a:endParaRPr kumimoji="1" lang="zh-CN" altLang="en-US" sz="1100" dirty="0"/>
+          </a:p>
+        </p:txBody>
+      </p:sp>
+      <p:sp>
+        <p:nvSpPr>
+          <p:cNvPr id="10" name="矩形 9"/>
+          <p:cNvSpPr/>
+          <p:nvPr/>
+        </p:nvSpPr>
+        <p:spPr>
+          <a:xfrm>
+            <a:off x="6107150" y="3104911"/>
+            <a:ext cx="1293541" cy="472067"/>
+          </a:xfrm>
+          <a:prstGeom prst="rect">
+            <a:avLst/>
+          </a:prstGeom>
+          <a:noFill/>
+        </p:spPr>
+        <p:style>
+          <a:lnRef idx="2">
+            <a:schemeClr val="accent1">
+              <a:shade val="50000"/>
+            </a:schemeClr>
+          </a:lnRef>
+          <a:fillRef idx="1">
+            <a:schemeClr val="accent1"/>
+          </a:fillRef>
+          <a:effectRef idx="0">
+            <a:schemeClr val="accent1"/>
+          </a:effectRef>
+          <a:fontRef idx="minor">
+            <a:schemeClr val="lt1"/>
+          </a:fontRef>
+        </p:style>
+        <p:txBody>
+          <a:bodyPr rtlCol="0" anchor="ctr"/>
+          <a:lstStyle/>
+          <a:p>
+            <a:pPr algn="ctr"/>
+            <a:endParaRPr kumimoji="1" lang="zh-CN" altLang="en-US"/>
+          </a:p>
+        </p:txBody>
+      </p:sp>
+      <p:sp>
+        <p:nvSpPr>
+          <p:cNvPr id="11" name="文本框 10"/>
+          <p:cNvSpPr txBox="1"/>
+          <p:nvPr/>
+        </p:nvSpPr>
+        <p:spPr>
+          <a:xfrm>
+            <a:off x="6398344" y="3225009"/>
+            <a:ext cx="657552" cy="261610"/>
+          </a:xfrm>
+          <a:prstGeom prst="rect">
+            <a:avLst/>
+          </a:prstGeom>
+          <a:noFill/>
+        </p:spPr>
+        <p:txBody>
+          <a:bodyPr wrap="none" rtlCol="0">
+            <a:spAutoFit/>
+          </a:bodyPr>
+          <a:lstStyle/>
+          <a:p>
+            <a:r>
+              <a:rPr kumimoji="1" lang="en-US" altLang="zh-CN" sz="1100" dirty="0" smtClean="0"/>
+              <a:t>Socket2</a:t>
+            </a:r>
+            <a:endParaRPr kumimoji="1" lang="zh-CN" altLang="en-US" sz="1100" dirty="0"/>
+          </a:p>
+        </p:txBody>
+      </p:sp>
+      <p:cxnSp>
+        <p:nvCxnSpPr>
+          <p:cNvPr id="13" name="直线箭头连接符 12"/>
+          <p:cNvCxnSpPr>
+            <a:stCxn id="4" idx="2"/>
+            <a:endCxn id="8" idx="0"/>
+          </p:cNvCxnSpPr>
+          <p:nvPr/>
+        </p:nvCxnSpPr>
+        <p:spPr>
+          <a:xfrm>
+            <a:off x="3021980" y="1873405"/>
+            <a:ext cx="0" cy="1222918"/>
+          </a:xfrm>
+          <a:prstGeom prst="straightConnector1">
+            <a:avLst/>
+          </a:prstGeom>
+          <a:ln>
+            <a:tailEnd type="triangle"/>
+          </a:ln>
+        </p:spPr>
+        <p:style>
+          <a:lnRef idx="1">
+            <a:schemeClr val="accent1"/>
+          </a:lnRef>
+          <a:fillRef idx="0">
+            <a:schemeClr val="accent1"/>
+          </a:fillRef>
+          <a:effectRef idx="0">
+            <a:schemeClr val="accent1"/>
+          </a:effectRef>
+          <a:fontRef idx="minor">
+            <a:schemeClr val="tx1"/>
+          </a:fontRef>
+        </p:style>
+      </p:cxnSp>
+      <p:cxnSp>
+        <p:nvCxnSpPr>
+          <p:cNvPr id="15" name="直线箭头连接符 14"/>
+          <p:cNvCxnSpPr>
+            <a:stCxn id="6" idx="2"/>
+            <a:endCxn id="10" idx="0"/>
+          </p:cNvCxnSpPr>
+          <p:nvPr/>
+        </p:nvCxnSpPr>
+        <p:spPr>
+          <a:xfrm>
+            <a:off x="6753921" y="1873405"/>
+            <a:ext cx="0" cy="1231506"/>
+          </a:xfrm>
+          <a:prstGeom prst="straightConnector1">
+            <a:avLst/>
+          </a:prstGeom>
+          <a:ln>
+            <a:tailEnd type="triangle"/>
+          </a:ln>
+        </p:spPr>
+        <p:style>
+          <a:lnRef idx="1">
+            <a:schemeClr val="accent1"/>
+          </a:lnRef>
+          <a:fillRef idx="0">
+            <a:schemeClr val="accent1"/>
+          </a:fillRef>
+          <a:effectRef idx="0">
+            <a:schemeClr val="accent1"/>
+          </a:effectRef>
+          <a:fontRef idx="minor">
+            <a:schemeClr val="tx1"/>
+          </a:fontRef>
+        </p:style>
+      </p:cxnSp>
+      <p:sp>
+        <p:nvSpPr>
+          <p:cNvPr id="16" name="文本框 15"/>
+          <p:cNvSpPr txBox="1"/>
+          <p:nvPr/>
+        </p:nvSpPr>
+        <p:spPr>
+          <a:xfrm>
+            <a:off x="2375209" y="2346364"/>
+            <a:ext cx="619080" cy="276999"/>
+          </a:xfrm>
+          <a:prstGeom prst="rect">
+            <a:avLst/>
+          </a:prstGeom>
+          <a:noFill/>
+        </p:spPr>
+        <p:txBody>
+          <a:bodyPr wrap="none" rtlCol="0">
+            <a:spAutoFit/>
+          </a:bodyPr>
+          <a:lstStyle/>
+          <a:p>
+            <a:r>
+              <a:rPr kumimoji="1" lang="en-US" altLang="zh-CN" sz="1200" dirty="0" smtClean="0"/>
+              <a:t>Io</a:t>
+            </a:r>
+            <a:r>
+              <a:rPr kumimoji="1" lang="zh-CN" altLang="en-US" sz="1200" dirty="0" smtClean="0"/>
+              <a:t>操作</a:t>
+            </a:r>
+            <a:endParaRPr kumimoji="1" lang="zh-CN" altLang="en-US" sz="1200" dirty="0"/>
+          </a:p>
+        </p:txBody>
+      </p:sp>
+      <p:sp>
+        <p:nvSpPr>
+          <p:cNvPr id="17" name="文本框 16"/>
+          <p:cNvSpPr txBox="1"/>
+          <p:nvPr/>
+        </p:nvSpPr>
+        <p:spPr>
+          <a:xfrm>
+            <a:off x="6855710" y="2346363"/>
+            <a:ext cx="619080" cy="276999"/>
+          </a:xfrm>
+          <a:prstGeom prst="rect">
+            <a:avLst/>
+          </a:prstGeom>
+          <a:noFill/>
+        </p:spPr>
+        <p:txBody>
+          <a:bodyPr wrap="none" rtlCol="0">
+            <a:spAutoFit/>
+          </a:bodyPr>
+          <a:lstStyle/>
+          <a:p>
+            <a:r>
+              <a:rPr kumimoji="1" lang="en-US" altLang="zh-CN" sz="1200" dirty="0" smtClean="0"/>
+              <a:t>Io</a:t>
+            </a:r>
+            <a:r>
+              <a:rPr kumimoji="1" lang="zh-CN" altLang="en-US" sz="1200" dirty="0" smtClean="0"/>
+              <a:t>操作</a:t>
+            </a:r>
+            <a:endParaRPr kumimoji="1" lang="zh-CN" altLang="en-US" sz="1200" dirty="0"/>
+          </a:p>
+        </p:txBody>
+      </p:sp>
+      <p:cxnSp>
+        <p:nvCxnSpPr>
+          <p:cNvPr id="19" name="直线箭头连接符 18"/>
+          <p:cNvCxnSpPr>
+            <a:stCxn id="8" idx="3"/>
+            <a:endCxn id="10" idx="1"/>
+          </p:cNvCxnSpPr>
+          <p:nvPr/>
+        </p:nvCxnSpPr>
+        <p:spPr>
+          <a:xfrm>
+            <a:off x="3668750" y="3332357"/>
+            <a:ext cx="2438400" cy="8588"/>
+          </a:xfrm>
+          <a:prstGeom prst="straightConnector1">
+            <a:avLst/>
+          </a:prstGeom>
+          <a:ln>
+            <a:tailEnd type="triangle"/>
+          </a:ln>
+        </p:spPr>
+        <p:style>
+          <a:lnRef idx="1">
+            <a:schemeClr val="accent1"/>
+          </a:lnRef>
+          <a:fillRef idx="0">
+            <a:schemeClr val="accent1"/>
+          </a:fillRef>
+          <a:effectRef idx="0">
+            <a:schemeClr val="accent1"/>
+          </a:effectRef>
+          <a:fontRef idx="minor">
+            <a:schemeClr val="tx1"/>
+          </a:fontRef>
+        </p:style>
+      </p:cxnSp>
+      <p:sp>
+        <p:nvSpPr>
+          <p:cNvPr id="21" name="文本框 20"/>
+          <p:cNvSpPr txBox="1"/>
+          <p:nvPr/>
+        </p:nvSpPr>
+        <p:spPr>
+          <a:xfrm>
+            <a:off x="4454387" y="3036774"/>
+            <a:ext cx="800219" cy="276999"/>
+          </a:xfrm>
+          <a:prstGeom prst="rect">
+            <a:avLst/>
+          </a:prstGeom>
+          <a:noFill/>
+        </p:spPr>
+        <p:txBody>
+          <a:bodyPr wrap="none" rtlCol="0">
+            <a:spAutoFit/>
+          </a:bodyPr>
+          <a:lstStyle/>
+          <a:p>
+            <a:r>
+              <a:rPr kumimoji="1" lang="zh-CN" altLang="en-US" sz="1200" dirty="0" smtClean="0"/>
+              <a:t>虚拟链路</a:t>
+            </a:r>
+            <a:endParaRPr kumimoji="1" lang="zh-CN" altLang="en-US" sz="1200" dirty="0"/>
+          </a:p>
+        </p:txBody>
+      </p:sp>
+      <p:sp>
+        <p:nvSpPr>
+          <p:cNvPr id="22" name="文本框 21"/>
+          <p:cNvSpPr txBox="1"/>
+          <p:nvPr/>
+        </p:nvSpPr>
+        <p:spPr>
+          <a:xfrm>
+            <a:off x="4054277" y="4203935"/>
+            <a:ext cx="1550424" cy="276999"/>
+          </a:xfrm>
+          <a:prstGeom prst="rect">
+            <a:avLst/>
+          </a:prstGeom>
+          <a:noFill/>
+        </p:spPr>
+        <p:txBody>
+          <a:bodyPr wrap="none" rtlCol="0">
+            <a:spAutoFit/>
+          </a:bodyPr>
+          <a:lstStyle/>
+          <a:p>
+            <a:r>
+              <a:rPr kumimoji="1" lang="en-US" altLang="zh-CN" sz="1200" dirty="0" smtClean="0"/>
+              <a:t>TCP/IP</a:t>
+            </a:r>
+            <a:r>
+              <a:rPr kumimoji="1" lang="zh-CN" altLang="en-US" sz="1200" dirty="0" smtClean="0"/>
+              <a:t>协议通信原理</a:t>
+            </a:r>
+            <a:endParaRPr kumimoji="1" lang="zh-CN" altLang="en-US" sz="1200" dirty="0"/>
+          </a:p>
+        </p:txBody>
+      </p:sp>
+    </p:spTree>
+    <p:extLst>
+      <p:ext uri="{BB962C8B-B14F-4D97-AF65-F5344CB8AC3E}">
+        <p14:creationId xmlns:p14="http://schemas.microsoft.com/office/powerpoint/2010/main" val="1609338129"/>
+      </p:ext>
+    </p:extLst>
+  </p:cSld>
+  <p:clrMapOvr>
+    <a:masterClrMapping/>
+  </p:clrMapOvr>
+</p:sld>
+</file>
+
 <file path=ppt/slides/slide2.xml><?xml version="1.0" encoding="utf-8"?>
 <p:sld xmlns:a="http://schemas.openxmlformats.org/drawingml/2006/main" xmlns:r="http://schemas.openxmlformats.org/officeDocument/2006/relationships" xmlns:p="http://schemas.openxmlformats.org/presentationml/2006/main">
   <p:cSld>
@@ -5837,8 +6356,8 @@
         </p:nvSpPr>
         <p:spPr>
           <a:xfrm>
-            <a:off x="946607" y="2423550"/>
-            <a:ext cx="1372492" cy="553998"/>
+            <a:off x="411707" y="2338077"/>
+            <a:ext cx="2178802" cy="707886"/>
           </a:xfrm>
           <a:prstGeom prst="rect">
             <a:avLst/>
@@ -5852,34 +6371,33 @@
           <a:lstStyle/>
           <a:p>
             <a:r>
-              <a:rPr kumimoji="1" lang="en-US" altLang="zh-CN" sz="1000" dirty="0" smtClean="0"/>
-              <a:t>1.String</a:t>
-            </a:r>
-            <a:r>
               <a:rPr kumimoji="1" lang="zh-CN" altLang="en-US" sz="1000" dirty="0" smtClean="0"/>
-              <a:t>字符串常量池</a:t>
+              <a:t>运行时常量池：</a:t>
             </a:r>
             <a:endParaRPr kumimoji="1" lang="en-US" altLang="zh-CN" sz="1000" dirty="0" smtClean="0"/>
           </a:p>
           <a:p>
             <a:r>
-              <a:rPr kumimoji="1" lang="en-US" altLang="zh-CN" sz="1000" dirty="0" smtClean="0"/>
-              <a:t>2.Class</a:t>
-            </a:r>
-            <a:r>
               <a:rPr kumimoji="1" lang="zh-CN" altLang="en-US" sz="1000" dirty="0" smtClean="0"/>
-              <a:t>常量池</a:t>
+              <a:t> 字面量：整数、浮点数、字符串</a:t>
             </a:r>
             <a:endParaRPr kumimoji="1" lang="en-US" altLang="zh-CN" sz="1000" dirty="0" smtClean="0"/>
           </a:p>
           <a:p>
             <a:r>
-              <a:rPr kumimoji="1" lang="en-US" altLang="zh-CN" sz="1000" dirty="0" smtClean="0"/>
-              <a:t>3.</a:t>
-            </a:r>
-            <a:r>
               <a:rPr kumimoji="1" lang="zh-CN" altLang="en-US" sz="1000" dirty="0" smtClean="0"/>
-              <a:t>运行时常量池</a:t>
+              <a:t> 符号引用：类、字段、方法、接口</a:t>
+            </a:r>
+            <a:endParaRPr kumimoji="1" lang="en-US" altLang="zh-CN" sz="1000" dirty="0" smtClean="0"/>
+          </a:p>
+          <a:p>
+            <a:r>
+              <a:rPr kumimoji="1" lang="zh-CN" altLang="en-US" sz="1000" dirty="0"/>
+              <a:t> </a:t>
+            </a:r>
+            <a:r>
+              <a:rPr kumimoji="1" lang="zh-CN" altLang="en-US" sz="1000" dirty="0" smtClean="0"/>
+              <a:t>   方法符号引用</a:t>
             </a:r>
             <a:endParaRPr kumimoji="1" lang="zh-CN" altLang="en-US" sz="1000" dirty="0"/>
           </a:p>
@@ -6319,7 +6837,7 @@
         </p:nvSpPr>
         <p:spPr>
           <a:xfrm>
-            <a:off x="2523971" y="1556249"/>
+            <a:off x="2523971" y="898329"/>
             <a:ext cx="353943" cy="515526"/>
           </a:xfrm>
           <a:prstGeom prst="rect">
@@ -6349,7 +6867,7 @@
         </p:nvSpPr>
         <p:spPr>
           <a:xfrm>
-            <a:off x="2508582" y="1506861"/>
+            <a:off x="2508582" y="848941"/>
             <a:ext cx="421136" cy="721488"/>
           </a:xfrm>
           <a:prstGeom prst="rect">
@@ -6390,7 +6908,7 @@
         </p:nvSpPr>
         <p:spPr>
           <a:xfrm>
-            <a:off x="2349795" y="1343536"/>
+            <a:off x="2349795" y="685616"/>
             <a:ext cx="417102" cy="307777"/>
           </a:xfrm>
           <a:prstGeom prst="rect">
@@ -6562,11 +7080,7 @@
             </a:pPr>
             <a:r>
               <a:rPr kumimoji="1" lang="zh-CN" altLang="en-US" sz="1100" dirty="0" smtClean="0"/>
-              <a:t>方法区</a:t>
-            </a:r>
-            <a:r>
-              <a:rPr kumimoji="1" lang="zh-CN" altLang="en-US" sz="1100" dirty="0" smtClean="0"/>
-              <a:t>：类的字段、方法、常量池</a:t>
+              <a:t>方法区：类信息：访问标志灯</a:t>
             </a:r>
             <a:endParaRPr kumimoji="1" lang="en-US" altLang="zh-CN" sz="1100" dirty="0" smtClean="0"/>
           </a:p>
@@ -6576,11 +7090,7 @@
             </a:pPr>
             <a:r>
               <a:rPr kumimoji="1" lang="zh-CN" altLang="en-US" sz="1100" dirty="0" smtClean="0"/>
-              <a:t>堆</a:t>
-            </a:r>
-            <a:r>
-              <a:rPr kumimoji="1" lang="zh-CN" altLang="en-US" sz="1100" dirty="0" smtClean="0"/>
-              <a:t>中放一些实例对象</a:t>
+              <a:t>堆中放一些实例对象</a:t>
             </a:r>
             <a:endParaRPr kumimoji="1" lang="en-US" altLang="zh-CN" sz="1100" dirty="0" smtClean="0"/>
           </a:p>
@@ -6670,8 +7180,8 @@
         </p:nvCxnSpPr>
         <p:spPr>
           <a:xfrm>
-            <a:off x="2319099" y="2700549"/>
-            <a:ext cx="722339" cy="0"/>
+            <a:off x="2590509" y="2692020"/>
+            <a:ext cx="450929" cy="8529"/>
           </a:xfrm>
           <a:prstGeom prst="straightConnector1">
             <a:avLst/>

--- a/doc/doc.pptx
+++ b/doc/doc.pptx
@@ -5,7 +5,7 @@
     <p:sldMasterId id="2147483648" r:id="rId1"/>
   </p:sldMasterIdLst>
   <p:notesMasterIdLst>
-    <p:notesMasterId r:id="rId16"/>
+    <p:notesMasterId r:id="rId17"/>
   </p:notesMasterIdLst>
   <p:sldIdLst>
     <p:sldId id="264" r:id="rId2"/>
@@ -22,6 +22,7 @@
     <p:sldId id="262" r:id="rId13"/>
     <p:sldId id="263" r:id="rId14"/>
     <p:sldId id="267" r:id="rId15"/>
+    <p:sldId id="271" r:id="rId16"/>
   </p:sldIdLst>
   <p:sldSz cx="12192000" cy="6858000"/>
   <p:notesSz cx="6858000" cy="9144000"/>
@@ -210,7 +211,7 @@
           <a:p>
             <a:fld id="{A3D7CE87-9499-D644-9D39-658681EEDA03}" type="datetimeFigureOut">
               <a:rPr kumimoji="1" lang="zh-CN" altLang="en-US" smtClean="0"/>
-              <a:t>2019/10/1</a:t>
+              <a:t>2019/10/23</a:t>
             </a:fld>
             <a:endParaRPr kumimoji="1" lang="zh-CN" altLang="en-US"/>
           </a:p>
@@ -524,43 +525,27 @@
           <a:p>
             <a:pPr algn="l"/>
             <a:r>
-              <a:rPr kumimoji="1" lang="zh-CN" altLang="en-US" b="1" dirty="0" smtClean="0"/>
+              <a:rPr kumimoji="1" lang="zh-CN" altLang="en-US" b="1" smtClean="0"/>
               <a:t>双亲委派模型</a:t>
             </a:r>
             <a:r>
-              <a:rPr kumimoji="1" lang="zh-CN" altLang="en-US" dirty="0" smtClean="0"/>
-              <a:t>：一个类加载器收到了类加载的请求，它首先</a:t>
-            </a:r>
-            <a:r>
-              <a:rPr kumimoji="1" lang="zh-CN" altLang="en-US" dirty="0" smtClean="0"/>
-              <a:t>把它委派</a:t>
-            </a:r>
-            <a:r>
-              <a:rPr kumimoji="1" lang="zh-CN" altLang="en-US" dirty="0" smtClean="0"/>
-              <a:t>给父类加载器去完成，每一层的类加载器都是如此，这样所有的加载请求都会被传送到顶层的启动类加载器中，只有当父加载器无法</a:t>
-            </a:r>
-            <a:r>
-              <a:rPr kumimoji="1" lang="zh-CN" altLang="en-US" dirty="0" smtClean="0"/>
-              <a:t>完成加载</a:t>
-            </a:r>
-            <a:r>
-              <a:rPr kumimoji="1" lang="zh-CN" altLang="en-US" dirty="0" smtClean="0"/>
-              <a:t>请求，子加载器才会尝试加载类</a:t>
-            </a:r>
-            <a:endParaRPr kumimoji="1" lang="en-US" altLang="zh-CN" dirty="0" smtClean="0"/>
+              <a:rPr kumimoji="1" lang="zh-CN" altLang="en-US" smtClean="0"/>
+              <a:t>：一个类加载器收到了类加载的请求，它首先把它委派给父类加载器去完成，每一层的类加载器都是如此，这样所有的加载请求都会被传送到顶层的启动类加载器中，只有当父加载器无法完成加载请求，子加载器才会尝试加载类</a:t>
+            </a:r>
+            <a:endParaRPr kumimoji="1" lang="en-US" altLang="zh-CN" smtClean="0"/>
           </a:p>
           <a:p>
             <a:pPr algn="l"/>
             <a:r>
-              <a:rPr kumimoji="1" lang="zh-CN" altLang="en-US" b="1" dirty="0" smtClean="0"/>
+              <a:rPr kumimoji="1" lang="zh-CN" altLang="en-US" b="1" smtClean="0"/>
               <a:t>优点</a:t>
             </a:r>
             <a:r>
-              <a:rPr kumimoji="1" lang="zh-CN" altLang="en-US" dirty="0" smtClean="0"/>
+              <a:rPr kumimoji="1" lang="zh-CN" altLang="en-US" smtClean="0"/>
               <a:t>：</a:t>
             </a:r>
             <a:r>
-              <a:rPr lang="zh-CN" altLang="en-US" sz="1200" b="0" i="0" kern="1200" dirty="0" smtClean="0">
+              <a:rPr lang="zh-CN" altLang="en-US" sz="1200" b="0" i="0" kern="1200" smtClean="0">
                 <a:solidFill>
                   <a:schemeClr val="tx1"/>
                 </a:solidFill>
@@ -571,7 +556,7 @@
               </a:rPr>
               <a:t>避免类的重复加载以及保证安全</a:t>
             </a:r>
-            <a:endParaRPr kumimoji="1" lang="en-US" altLang="zh-CN" dirty="0" smtClean="0"/>
+            <a:endParaRPr kumimoji="1" lang="en-US" altLang="zh-CN" smtClean="0"/>
           </a:p>
         </p:txBody>
       </p:sp>
@@ -656,11 +641,11 @@
           <a:lstStyle/>
           <a:p>
             <a:r>
-              <a:rPr kumimoji="1" lang="en-US" altLang="zh-CN" dirty="0" smtClean="0"/>
+              <a:rPr kumimoji="1" lang="en-US" altLang="zh-CN" smtClean="0"/>
               <a:t>1.</a:t>
             </a:r>
             <a:r>
-              <a:rPr kumimoji="1" lang="zh-CN" altLang="en-US" sz="1200" b="0" i="0" kern="1200" baseline="0" dirty="0" smtClean="0">
+              <a:rPr kumimoji="1" lang="zh-CN" altLang="en-US" sz="1200" b="0" i="0" kern="1200" baseline="0" smtClean="0">
                 <a:solidFill>
                   <a:schemeClr val="tx1"/>
                 </a:solidFill>
@@ -672,7 +657,7 @@
               <a:t>局部变量表存放了编译期可知的基本数据类型</a:t>
             </a:r>
             <a:r>
-              <a:rPr kumimoji="1" lang="en-US" altLang="zh-CN" sz="1200" b="0" i="0" kern="1200" baseline="0" dirty="0" err="1" smtClean="0">
+              <a:rPr kumimoji="1" lang="en-US" altLang="zh-CN" sz="1200" b="0" i="0" kern="1200" baseline="0" err="1" smtClean="0">
                 <a:solidFill>
                   <a:schemeClr val="tx1"/>
                 </a:solidFill>
@@ -684,7 +669,7 @@
               <a:t>boolean</a:t>
             </a:r>
             <a:r>
-              <a:rPr kumimoji="1" lang="en-US" altLang="zh-CN" sz="1200" b="0" i="0" kern="1200" baseline="0" dirty="0" smtClean="0">
+              <a:rPr kumimoji="1" lang="en-US" altLang="zh-CN" sz="1200" b="0" i="0" kern="1200" baseline="0" smtClean="0">
                 <a:solidFill>
                   <a:schemeClr val="tx1"/>
                 </a:solidFill>
@@ -696,7 +681,7 @@
               <a:t>/byte/char/short/</a:t>
             </a:r>
             <a:r>
-              <a:rPr kumimoji="1" lang="en-US" altLang="zh-CN" sz="1200" b="0" i="0" kern="1200" baseline="0" dirty="0" err="1" smtClean="0">
+              <a:rPr kumimoji="1" lang="en-US" altLang="zh-CN" sz="1200" b="0" i="0" kern="1200" baseline="0" err="1" smtClean="0">
                 <a:solidFill>
                   <a:schemeClr val="tx1"/>
                 </a:solidFill>
@@ -708,7 +693,7 @@
               <a:t>int</a:t>
             </a:r>
             <a:r>
-              <a:rPr kumimoji="1" lang="en-US" altLang="zh-CN" sz="1200" b="0" i="0" kern="1200" baseline="0" dirty="0" smtClean="0">
+              <a:rPr kumimoji="1" lang="en-US" altLang="zh-CN" sz="1200" b="0" i="0" kern="1200" baseline="0" smtClean="0">
                 <a:solidFill>
                   <a:schemeClr val="tx1"/>
                 </a:solidFill>
@@ -720,7 +705,7 @@
               <a:t>/float/long/double</a:t>
             </a:r>
             <a:r>
-              <a:rPr kumimoji="1" lang="zh-CN" altLang="en-US" sz="1200" b="0" i="0" kern="1200" baseline="0" dirty="0" smtClean="0">
+              <a:rPr kumimoji="1" lang="zh-CN" altLang="en-US" sz="1200" b="0" i="0" kern="1200" baseline="0" smtClean="0">
                 <a:solidFill>
                   <a:schemeClr val="tx1"/>
                 </a:solidFill>
@@ -732,7 +717,7 @@
               <a:t>以及已用类型；其中</a:t>
             </a:r>
             <a:r>
-              <a:rPr kumimoji="1" lang="en-US" altLang="zh-CN" sz="1200" b="0" i="0" kern="1200" baseline="0" dirty="0" smtClean="0">
+              <a:rPr kumimoji="1" lang="en-US" altLang="zh-CN" sz="1200" b="0" i="0" kern="1200" baseline="0" smtClean="0">
                 <a:solidFill>
                   <a:schemeClr val="tx1"/>
                 </a:solidFill>
@@ -744,7 +729,7 @@
               <a:t>long</a:t>
             </a:r>
             <a:r>
-              <a:rPr kumimoji="1" lang="zh-CN" altLang="en-US" sz="1200" b="0" i="0" kern="1200" baseline="0" dirty="0" smtClean="0">
+              <a:rPr kumimoji="1" lang="zh-CN" altLang="en-US" sz="1200" b="0" i="0" kern="1200" baseline="0" smtClean="0">
                 <a:solidFill>
                   <a:schemeClr val="tx1"/>
                 </a:solidFill>
@@ -756,7 +741,7 @@
               <a:t>和</a:t>
             </a:r>
             <a:r>
-              <a:rPr kumimoji="1" lang="en-US" altLang="zh-CN" sz="1200" b="0" i="0" kern="1200" baseline="0" dirty="0" smtClean="0">
+              <a:rPr kumimoji="1" lang="en-US" altLang="zh-CN" sz="1200" b="0" i="0" kern="1200" baseline="0" smtClean="0">
                 <a:solidFill>
                   <a:schemeClr val="tx1"/>
                 </a:solidFill>
@@ -768,7 +753,7 @@
               <a:t>double</a:t>
             </a:r>
             <a:r>
-              <a:rPr kumimoji="1" lang="zh-CN" altLang="en-US" sz="1200" b="0" i="0" kern="1200" baseline="0" dirty="0" smtClean="0">
+              <a:rPr kumimoji="1" lang="zh-CN" altLang="en-US" sz="1200" b="0" i="0" kern="1200" baseline="0" smtClean="0">
                 <a:solidFill>
                   <a:schemeClr val="tx1"/>
                 </a:solidFill>
@@ -780,7 +765,7 @@
               <a:t>类型的数据会占用</a:t>
             </a:r>
             <a:r>
-              <a:rPr kumimoji="1" lang="en-US" altLang="zh-CN" sz="1200" b="0" i="0" kern="1200" baseline="0" dirty="0" smtClean="0">
+              <a:rPr kumimoji="1" lang="en-US" altLang="zh-CN" sz="1200" b="0" i="0" kern="1200" baseline="0" smtClean="0">
                 <a:solidFill>
                   <a:schemeClr val="tx1"/>
                 </a:solidFill>
@@ -792,7 +777,7 @@
               <a:t>2</a:t>
             </a:r>
             <a:r>
-              <a:rPr kumimoji="1" lang="zh-CN" altLang="en-US" sz="1200" b="0" i="0" kern="1200" baseline="0" dirty="0" smtClean="0">
+              <a:rPr kumimoji="1" lang="zh-CN" altLang="en-US" sz="1200" b="0" i="0" kern="1200" baseline="0" smtClean="0">
                 <a:solidFill>
                   <a:schemeClr val="tx1"/>
                 </a:solidFill>
@@ -804,7 +789,7 @@
               <a:t>个变量空间</a:t>
             </a:r>
             <a:r>
-              <a:rPr kumimoji="1" lang="en-US" altLang="zh-CN" sz="1200" b="0" i="0" kern="1200" baseline="0" dirty="0" smtClean="0">
+              <a:rPr kumimoji="1" lang="en-US" altLang="zh-CN" sz="1200" b="0" i="0" kern="1200" baseline="0" smtClean="0">
                 <a:solidFill>
                   <a:schemeClr val="tx1"/>
                 </a:solidFill>
@@ -816,7 +801,7 @@
               <a:t>(slot)</a:t>
             </a:r>
             <a:r>
-              <a:rPr kumimoji="1" lang="zh-CN" altLang="en-US" sz="1200" b="0" i="0" kern="1200" baseline="0" dirty="0" smtClean="0">
+              <a:rPr kumimoji="1" lang="zh-CN" altLang="en-US" sz="1200" b="0" i="0" kern="1200" baseline="0" smtClean="0">
                 <a:solidFill>
                   <a:schemeClr val="tx1"/>
                 </a:solidFill>
@@ -827,7 +812,7 @@
               </a:rPr>
               <a:t>。局部变量表所需的内存空间在编译期间完成分配，当进入一个方法时，这个方法需要在帧中分配多大的局部变量空间是确定的，在方法运行期间不会改变局部变量表的大小</a:t>
             </a:r>
-            <a:endParaRPr kumimoji="1" lang="en-US" altLang="zh-CN" sz="1200" b="0" i="0" kern="1200" baseline="0" dirty="0" smtClean="0">
+            <a:endParaRPr kumimoji="1" lang="en-US" altLang="zh-CN" sz="1200" b="0" i="0" kern="1200" baseline="0" smtClean="0">
               <a:solidFill>
                 <a:schemeClr val="tx1"/>
               </a:solidFill>
@@ -839,7 +824,7 @@
           </a:p>
           <a:p>
             <a:r>
-              <a:rPr kumimoji="1" lang="en-US" altLang="zh-CN" sz="1200" b="0" i="0" kern="1200" baseline="0" dirty="0" smtClean="0">
+              <a:rPr kumimoji="1" lang="en-US" altLang="zh-CN" sz="1200" b="0" i="0" kern="1200" baseline="0" smtClean="0">
                 <a:solidFill>
                   <a:schemeClr val="tx1"/>
                 </a:solidFill>
@@ -851,7 +836,7 @@
               <a:t>2.</a:t>
             </a:r>
             <a:r>
-              <a:rPr kumimoji="1" lang="zh-CN" altLang="en-US" sz="1200" b="0" i="0" kern="1200" baseline="0" dirty="0" smtClean="0">
+              <a:rPr kumimoji="1" lang="zh-CN" altLang="en-US" sz="1200" b="0" i="0" kern="1200" baseline="0" smtClean="0">
                 <a:solidFill>
                   <a:schemeClr val="tx1"/>
                 </a:solidFill>
@@ -862,7 +847,7 @@
               </a:rPr>
               <a:t>堆的任务：存放对象实例</a:t>
             </a:r>
-            <a:endParaRPr kumimoji="1" lang="zh-CN" altLang="en-US" dirty="0"/>
+            <a:endParaRPr kumimoji="1" lang="zh-CN" altLang="en-US"/>
           </a:p>
         </p:txBody>
       </p:sp>
@@ -947,153 +932,153 @@
           <a:lstStyle/>
           <a:p>
             <a:r>
-              <a:rPr kumimoji="1" lang="zh-CN" altLang="en-US" b="1" dirty="0" smtClean="0"/>
+              <a:rPr kumimoji="1" lang="zh-CN" altLang="en-US" b="1" smtClean="0"/>
               <a:t>工作内存、主内存交互操作：</a:t>
             </a:r>
             <a:r>
-              <a:rPr kumimoji="1" lang="zh-CN" altLang="en-US" dirty="0" smtClean="0"/>
+              <a:rPr kumimoji="1" lang="zh-CN" altLang="en-US" smtClean="0"/>
               <a:t>一个变量如何从主内存</a:t>
             </a:r>
             <a:r>
-              <a:rPr kumimoji="1" lang="en-US" altLang="zh-CN" dirty="0" smtClean="0"/>
+              <a:rPr kumimoji="1" lang="en-US" altLang="zh-CN" smtClean="0"/>
               <a:t>copy</a:t>
             </a:r>
             <a:r>
-              <a:rPr kumimoji="1" lang="zh-CN" altLang="en-US" dirty="0" smtClean="0"/>
+              <a:rPr kumimoji="1" lang="zh-CN" altLang="en-US" smtClean="0"/>
               <a:t>到工作内存、如何从工作内存同步回主内存，</a:t>
             </a:r>
             <a:r>
-              <a:rPr kumimoji="1" lang="en-US" altLang="zh-CN" dirty="0" smtClean="0"/>
+              <a:rPr kumimoji="1" lang="en-US" altLang="zh-CN" smtClean="0"/>
               <a:t>java</a:t>
             </a:r>
             <a:r>
-              <a:rPr kumimoji="1" lang="zh-CN" altLang="en-US" dirty="0" smtClean="0"/>
+              <a:rPr kumimoji="1" lang="zh-CN" altLang="en-US" smtClean="0"/>
               <a:t>内存模型定义了</a:t>
             </a:r>
             <a:r>
-              <a:rPr kumimoji="1" lang="en-US" altLang="zh-CN" dirty="0" smtClean="0"/>
+              <a:rPr kumimoji="1" lang="en-US" altLang="zh-CN" smtClean="0"/>
               <a:t>8</a:t>
             </a:r>
             <a:r>
-              <a:rPr kumimoji="1" lang="zh-CN" altLang="en-US" dirty="0" smtClean="0"/>
+              <a:rPr kumimoji="1" lang="zh-CN" altLang="en-US" smtClean="0"/>
               <a:t>种操作指令来完成</a:t>
             </a:r>
-            <a:endParaRPr kumimoji="1" lang="en-US" altLang="zh-CN" dirty="0" smtClean="0"/>
-          </a:p>
-          <a:p>
-            <a:r>
-              <a:rPr kumimoji="1" lang="en-US" altLang="zh-CN" dirty="0" smtClean="0"/>
+            <a:endParaRPr kumimoji="1" lang="en-US" altLang="zh-CN" smtClean="0"/>
+          </a:p>
+          <a:p>
+            <a:r>
+              <a:rPr kumimoji="1" lang="en-US" altLang="zh-CN" smtClean="0"/>
               <a:t>Lock</a:t>
             </a:r>
             <a:r>
-              <a:rPr kumimoji="1" lang="zh-CN" altLang="en-US" dirty="0" smtClean="0"/>
+              <a:rPr kumimoji="1" lang="zh-CN" altLang="en-US" smtClean="0"/>
               <a:t>：主内存，把变量标识为一条线程独占的状态</a:t>
             </a:r>
-            <a:endParaRPr kumimoji="1" lang="en-US" altLang="zh-CN" dirty="0" smtClean="0"/>
-          </a:p>
-          <a:p>
-            <a:r>
-              <a:rPr kumimoji="1" lang="en-US" altLang="zh-CN" dirty="0" smtClean="0"/>
+            <a:endParaRPr kumimoji="1" lang="en-US" altLang="zh-CN" smtClean="0"/>
+          </a:p>
+          <a:p>
+            <a:r>
+              <a:rPr kumimoji="1" lang="en-US" altLang="zh-CN" smtClean="0"/>
               <a:t>Unlock:</a:t>
             </a:r>
             <a:r>
-              <a:rPr kumimoji="1" lang="zh-CN" altLang="en-US" dirty="0" smtClean="0"/>
+              <a:rPr kumimoji="1" lang="zh-CN" altLang="en-US" smtClean="0"/>
               <a:t>主内存，把一个处于锁定状态的变量释放出来，释放后的变量才可以被其它线程锁定</a:t>
             </a:r>
-            <a:endParaRPr kumimoji="1" lang="en-US" altLang="zh-CN" dirty="0" smtClean="0"/>
-          </a:p>
-          <a:p>
-            <a:r>
-              <a:rPr kumimoji="1" lang="en-US" altLang="zh-CN" dirty="0" smtClean="0"/>
+            <a:endParaRPr kumimoji="1" lang="en-US" altLang="zh-CN" smtClean="0"/>
+          </a:p>
+          <a:p>
+            <a:r>
+              <a:rPr kumimoji="1" lang="en-US" altLang="zh-CN" smtClean="0"/>
               <a:t>Read</a:t>
             </a:r>
             <a:r>
-              <a:rPr kumimoji="1" lang="zh-CN" altLang="en-US" dirty="0" smtClean="0"/>
+              <a:rPr kumimoji="1" lang="zh-CN" altLang="en-US" smtClean="0"/>
               <a:t>：主内存，把一个变量的值从主内存传输到工作内存</a:t>
             </a:r>
-            <a:endParaRPr kumimoji="1" lang="en-US" altLang="zh-CN" dirty="0" smtClean="0"/>
-          </a:p>
-          <a:p>
-            <a:r>
-              <a:rPr kumimoji="1" lang="en-US" altLang="zh-CN" dirty="0" smtClean="0"/>
+            <a:endParaRPr kumimoji="1" lang="en-US" altLang="zh-CN" smtClean="0"/>
+          </a:p>
+          <a:p>
+            <a:r>
+              <a:rPr kumimoji="1" lang="en-US" altLang="zh-CN" smtClean="0"/>
               <a:t>Load:</a:t>
             </a:r>
             <a:r>
-              <a:rPr kumimoji="1" lang="zh-CN" altLang="en-US" dirty="0" smtClean="0"/>
+              <a:rPr kumimoji="1" lang="zh-CN" altLang="en-US" smtClean="0"/>
               <a:t>工作内存，把</a:t>
             </a:r>
             <a:r>
-              <a:rPr kumimoji="1" lang="en-US" altLang="zh-CN" dirty="0" smtClean="0"/>
+              <a:rPr kumimoji="1" lang="en-US" altLang="zh-CN" smtClean="0"/>
               <a:t>read</a:t>
             </a:r>
             <a:r>
-              <a:rPr kumimoji="1" lang="zh-CN" altLang="en-US" dirty="0" smtClean="0"/>
+              <a:rPr kumimoji="1" lang="zh-CN" altLang="en-US" smtClean="0"/>
               <a:t>到主内存的值放入工作内存变量副本中</a:t>
             </a:r>
-            <a:endParaRPr kumimoji="1" lang="en-US" altLang="zh-CN" dirty="0" smtClean="0"/>
-          </a:p>
-          <a:p>
-            <a:r>
-              <a:rPr kumimoji="1" lang="en-US" altLang="zh-CN" dirty="0" smtClean="0"/>
+            <a:endParaRPr kumimoji="1" lang="en-US" altLang="zh-CN" smtClean="0"/>
+          </a:p>
+          <a:p>
+            <a:r>
+              <a:rPr kumimoji="1" lang="en-US" altLang="zh-CN" smtClean="0"/>
               <a:t>Use</a:t>
             </a:r>
             <a:r>
-              <a:rPr kumimoji="1" lang="zh-CN" altLang="en-US" dirty="0" smtClean="0"/>
+              <a:rPr kumimoji="1" lang="zh-CN" altLang="en-US" smtClean="0"/>
               <a:t>：工作内存，把变量值传给执行引擎，当</a:t>
             </a:r>
             <a:r>
-              <a:rPr kumimoji="1" lang="en-US" altLang="zh-CN" dirty="0" err="1" smtClean="0"/>
+              <a:rPr kumimoji="1" lang="en-US" altLang="zh-CN" err="1" smtClean="0"/>
               <a:t>jvm</a:t>
             </a:r>
             <a:r>
-              <a:rPr kumimoji="1" lang="zh-CN" altLang="en-US" dirty="0" smtClean="0"/>
+              <a:rPr kumimoji="1" lang="zh-CN" altLang="en-US" smtClean="0"/>
               <a:t>遇到需要使用到变量的值的字节码指令时执行这个操作</a:t>
             </a:r>
-            <a:endParaRPr kumimoji="1" lang="en-US" altLang="zh-CN" dirty="0" smtClean="0"/>
-          </a:p>
-          <a:p>
-            <a:r>
-              <a:rPr kumimoji="1" lang="en-US" altLang="zh-CN" dirty="0" smtClean="0"/>
+            <a:endParaRPr kumimoji="1" lang="en-US" altLang="zh-CN" smtClean="0"/>
+          </a:p>
+          <a:p>
+            <a:r>
+              <a:rPr kumimoji="1" lang="en-US" altLang="zh-CN" smtClean="0"/>
               <a:t>Assign(</a:t>
             </a:r>
             <a:r>
-              <a:rPr kumimoji="1" lang="zh-CN" altLang="en-US" dirty="0" smtClean="0"/>
+              <a:rPr kumimoji="1" lang="zh-CN" altLang="en-US" smtClean="0"/>
               <a:t>赋值</a:t>
             </a:r>
             <a:r>
-              <a:rPr kumimoji="1" lang="en-US" altLang="zh-CN" dirty="0" smtClean="0"/>
+              <a:rPr kumimoji="1" lang="en-US" altLang="zh-CN" smtClean="0"/>
               <a:t>)</a:t>
             </a:r>
             <a:r>
-              <a:rPr kumimoji="1" lang="zh-CN" altLang="en-US" dirty="0" smtClean="0"/>
+              <a:rPr kumimoji="1" lang="zh-CN" altLang="en-US" smtClean="0"/>
               <a:t>：工作内存，把执行引擎接收到的值赋给工作内存的变量</a:t>
             </a:r>
-            <a:endParaRPr kumimoji="1" lang="en-US" altLang="zh-CN" dirty="0" smtClean="0"/>
-          </a:p>
-          <a:p>
-            <a:r>
-              <a:rPr kumimoji="1" lang="en-US" altLang="zh-CN" dirty="0" smtClean="0"/>
+            <a:endParaRPr kumimoji="1" lang="en-US" altLang="zh-CN" smtClean="0"/>
+          </a:p>
+          <a:p>
+            <a:r>
+              <a:rPr kumimoji="1" lang="en-US" altLang="zh-CN" smtClean="0"/>
               <a:t>Store</a:t>
             </a:r>
             <a:r>
-              <a:rPr kumimoji="1" lang="zh-CN" altLang="en-US" dirty="0" smtClean="0"/>
+              <a:rPr kumimoji="1" lang="zh-CN" altLang="en-US" smtClean="0"/>
               <a:t>：工作内存，把工作内存值传给主内存</a:t>
             </a:r>
-            <a:endParaRPr kumimoji="1" lang="en-US" altLang="zh-CN" dirty="0" smtClean="0"/>
-          </a:p>
-          <a:p>
-            <a:r>
-              <a:rPr kumimoji="1" lang="en-US" altLang="zh-CN" dirty="0" smtClean="0"/>
+            <a:endParaRPr kumimoji="1" lang="en-US" altLang="zh-CN" smtClean="0"/>
+          </a:p>
+          <a:p>
+            <a:r>
+              <a:rPr kumimoji="1" lang="en-US" altLang="zh-CN" smtClean="0"/>
               <a:t>Write</a:t>
             </a:r>
             <a:r>
-              <a:rPr kumimoji="1" lang="zh-CN" altLang="en-US" dirty="0" smtClean="0"/>
+              <a:rPr kumimoji="1" lang="zh-CN" altLang="en-US" smtClean="0"/>
               <a:t>：主内存，把工作内存中得到的值放入主内存</a:t>
             </a:r>
-            <a:endParaRPr kumimoji="1" lang="en-US" altLang="zh-CN" dirty="0" smtClean="0"/>
-          </a:p>
-          <a:p>
-            <a:endParaRPr kumimoji="1" lang="zh-CN" altLang="en-US" dirty="0"/>
+            <a:endParaRPr kumimoji="1" lang="en-US" altLang="zh-CN" smtClean="0"/>
+          </a:p>
+          <a:p>
+            <a:endParaRPr kumimoji="1" lang="zh-CN" altLang="en-US"/>
           </a:p>
         </p:txBody>
       </p:sp>
@@ -1195,7 +1180,7 @@
               <a:defRPr/>
             </a:pPr>
             <a:r>
-              <a:rPr lang="zh-CN" altLang="en-US" sz="1200" b="0" i="0" kern="1200" dirty="0" smtClean="0">
+              <a:rPr lang="zh-CN" altLang="en-US" sz="1200" b="0" i="0" kern="1200" smtClean="0">
                 <a:solidFill>
                   <a:schemeClr val="tx1"/>
                 </a:solidFill>
@@ -1206,7 +1191,7 @@
               </a:rPr>
               <a:t>数据总是从缓冲区写入通道，并从通道读取到缓冲区</a:t>
             </a:r>
-            <a:endParaRPr lang="en-US" altLang="zh-CN" sz="1200" b="0" i="0" kern="1200" dirty="0" smtClean="0">
+            <a:endParaRPr lang="en-US" altLang="zh-CN" sz="1200" b="0" i="0" kern="1200" smtClean="0">
               <a:solidFill>
                 <a:schemeClr val="tx1"/>
               </a:solidFill>
@@ -1235,7 +1220,7 @@
               <a:defRPr/>
             </a:pPr>
             <a:r>
-              <a:rPr lang="zh-CN" altLang="en-US" sz="1200" b="0" i="0" kern="1200" dirty="0" smtClean="0">
+              <a:rPr lang="zh-CN" altLang="en-US" sz="1200" b="0" i="0" kern="1200" smtClean="0">
                 <a:solidFill>
                   <a:schemeClr val="tx1"/>
                 </a:solidFill>
@@ -1247,7 +1232,7 @@
               <a:t>从通道读取：创建一个缓冲区，然后请求通道读取数据</a:t>
             </a:r>
             <a:br>
-              <a:rPr lang="zh-CN" altLang="en-US" sz="1200" b="0" i="0" kern="1200" dirty="0" smtClean="0">
+              <a:rPr lang="zh-CN" altLang="en-US" sz="1200" b="0" i="0" kern="1200" smtClean="0">
                 <a:solidFill>
                   <a:schemeClr val="tx1"/>
                 </a:solidFill>
@@ -1258,7 +1243,7 @@
               </a:rPr>
             </a:br>
             <a:r>
-              <a:rPr lang="zh-CN" altLang="en-US" sz="1200" b="0" i="0" kern="1200" dirty="0" smtClean="0">
+              <a:rPr lang="zh-CN" altLang="en-US" sz="1200" b="0" i="0" kern="1200" smtClean="0">
                 <a:solidFill>
                   <a:schemeClr val="tx1"/>
                 </a:solidFill>
@@ -1269,7 +1254,7 @@
               </a:rPr>
               <a:t>通道写入：创建一个缓冲区，填充数据，并要求通道写入数据</a:t>
             </a:r>
-            <a:endParaRPr kumimoji="1" lang="en-US" altLang="zh-CN" sz="1200" dirty="0" smtClean="0"/>
+            <a:endParaRPr kumimoji="1" lang="en-US" altLang="zh-CN" sz="1200" smtClean="0"/>
           </a:p>
           <a:p>
             <a:pPr marL="228600" marR="0" indent="-228600" algn="l" defTabSz="914400" rtl="0" eaLnBrk="1" fontAlgn="auto" latinLnBrk="0" hangingPunct="1">
@@ -1289,10 +1274,10 @@
               <a:tabLst/>
               <a:defRPr/>
             </a:pPr>
-            <a:endParaRPr kumimoji="1" lang="zh-CN" altLang="en-US" sz="1200" dirty="0" smtClean="0"/>
-          </a:p>
-          <a:p>
-            <a:endParaRPr kumimoji="1" lang="zh-CN" altLang="en-US" dirty="0"/>
+            <a:endParaRPr kumimoji="1" lang="zh-CN" altLang="en-US" sz="1200" smtClean="0"/>
+          </a:p>
+          <a:p>
+            <a:endParaRPr kumimoji="1" lang="zh-CN" altLang="en-US"/>
           </a:p>
         </p:txBody>
       </p:sp>
@@ -1463,7 +1448,7 @@
           <a:p>
             <a:fld id="{79C7BEE9-4014-F74B-8041-D28506CB9C48}" type="datetimeFigureOut">
               <a:rPr kumimoji="1" lang="zh-CN" altLang="en-US" smtClean="0"/>
-              <a:t>2019/10/1</a:t>
+              <a:t>2019/10/23</a:t>
             </a:fld>
             <a:endParaRPr kumimoji="1" lang="zh-CN" altLang="en-US"/>
           </a:p>
@@ -1633,7 +1618,7 @@
           <a:p>
             <a:fld id="{79C7BEE9-4014-F74B-8041-D28506CB9C48}" type="datetimeFigureOut">
               <a:rPr kumimoji="1" lang="zh-CN" altLang="en-US" smtClean="0"/>
-              <a:t>2019/10/1</a:t>
+              <a:t>2019/10/23</a:t>
             </a:fld>
             <a:endParaRPr kumimoji="1" lang="zh-CN" altLang="en-US"/>
           </a:p>
@@ -1813,7 +1798,7 @@
           <a:p>
             <a:fld id="{79C7BEE9-4014-F74B-8041-D28506CB9C48}" type="datetimeFigureOut">
               <a:rPr kumimoji="1" lang="zh-CN" altLang="en-US" smtClean="0"/>
-              <a:t>2019/10/1</a:t>
+              <a:t>2019/10/23</a:t>
             </a:fld>
             <a:endParaRPr kumimoji="1" lang="zh-CN" altLang="en-US"/>
           </a:p>
@@ -1983,7 +1968,7 @@
           <a:p>
             <a:fld id="{79C7BEE9-4014-F74B-8041-D28506CB9C48}" type="datetimeFigureOut">
               <a:rPr kumimoji="1" lang="zh-CN" altLang="en-US" smtClean="0"/>
-              <a:t>2019/10/1</a:t>
+              <a:t>2019/10/23</a:t>
             </a:fld>
             <a:endParaRPr kumimoji="1" lang="zh-CN" altLang="en-US"/>
           </a:p>
@@ -2229,7 +2214,7 @@
           <a:p>
             <a:fld id="{79C7BEE9-4014-F74B-8041-D28506CB9C48}" type="datetimeFigureOut">
               <a:rPr kumimoji="1" lang="zh-CN" altLang="en-US" smtClean="0"/>
-              <a:t>2019/10/1</a:t>
+              <a:t>2019/10/23</a:t>
             </a:fld>
             <a:endParaRPr kumimoji="1" lang="zh-CN" altLang="en-US"/>
           </a:p>
@@ -2461,7 +2446,7 @@
           <a:p>
             <a:fld id="{79C7BEE9-4014-F74B-8041-D28506CB9C48}" type="datetimeFigureOut">
               <a:rPr kumimoji="1" lang="zh-CN" altLang="en-US" smtClean="0"/>
-              <a:t>2019/10/1</a:t>
+              <a:t>2019/10/23</a:t>
             </a:fld>
             <a:endParaRPr kumimoji="1" lang="zh-CN" altLang="en-US"/>
           </a:p>
@@ -2828,7 +2813,7 @@
           <a:p>
             <a:fld id="{79C7BEE9-4014-F74B-8041-D28506CB9C48}" type="datetimeFigureOut">
               <a:rPr kumimoji="1" lang="zh-CN" altLang="en-US" smtClean="0"/>
-              <a:t>2019/10/1</a:t>
+              <a:t>2019/10/23</a:t>
             </a:fld>
             <a:endParaRPr kumimoji="1" lang="zh-CN" altLang="en-US"/>
           </a:p>
@@ -2946,7 +2931,7 @@
           <a:p>
             <a:fld id="{79C7BEE9-4014-F74B-8041-D28506CB9C48}" type="datetimeFigureOut">
               <a:rPr kumimoji="1" lang="zh-CN" altLang="en-US" smtClean="0"/>
-              <a:t>2019/10/1</a:t>
+              <a:t>2019/10/23</a:t>
             </a:fld>
             <a:endParaRPr kumimoji="1" lang="zh-CN" altLang="en-US"/>
           </a:p>
@@ -3041,7 +3026,7 @@
           <a:p>
             <a:fld id="{79C7BEE9-4014-F74B-8041-D28506CB9C48}" type="datetimeFigureOut">
               <a:rPr kumimoji="1" lang="zh-CN" altLang="en-US" smtClean="0"/>
-              <a:t>2019/10/1</a:t>
+              <a:t>2019/10/23</a:t>
             </a:fld>
             <a:endParaRPr kumimoji="1" lang="zh-CN" altLang="en-US"/>
           </a:p>
@@ -3318,7 +3303,7 @@
           <a:p>
             <a:fld id="{79C7BEE9-4014-F74B-8041-D28506CB9C48}" type="datetimeFigureOut">
               <a:rPr kumimoji="1" lang="zh-CN" altLang="en-US" smtClean="0"/>
-              <a:t>2019/10/1</a:t>
+              <a:t>2019/10/23</a:t>
             </a:fld>
             <a:endParaRPr kumimoji="1" lang="zh-CN" altLang="en-US"/>
           </a:p>
@@ -3571,7 +3556,7 @@
           <a:p>
             <a:fld id="{79C7BEE9-4014-F74B-8041-D28506CB9C48}" type="datetimeFigureOut">
               <a:rPr kumimoji="1" lang="zh-CN" altLang="en-US" smtClean="0"/>
-              <a:t>2019/10/1</a:t>
+              <a:t>2019/10/23</a:t>
             </a:fld>
             <a:endParaRPr kumimoji="1" lang="zh-CN" altLang="en-US"/>
           </a:p>
@@ -3784,7 +3769,7 @@
           <a:p>
             <a:fld id="{79C7BEE9-4014-F74B-8041-D28506CB9C48}" type="datetimeFigureOut">
               <a:rPr kumimoji="1" lang="zh-CN" altLang="en-US" smtClean="0"/>
-              <a:t>2019/10/1</a:t>
+              <a:t>2019/10/23</a:t>
             </a:fld>
             <a:endParaRPr kumimoji="1" lang="zh-CN" altLang="en-US"/>
           </a:p>
@@ -4227,14 +4212,14 @@
           <a:p>
             <a:pPr algn="ctr"/>
             <a:r>
-              <a:rPr kumimoji="1" lang="zh-CN" altLang="en-US" sz="1200" dirty="0" smtClean="0">
+              <a:rPr kumimoji="1" lang="zh-CN" altLang="en-US" sz="1200" smtClean="0">
                 <a:solidFill>
                   <a:schemeClr val="tx1"/>
                 </a:solidFill>
               </a:rPr>
               <a:t>执行引擎</a:t>
             </a:r>
-            <a:endParaRPr kumimoji="1" lang="zh-CN" altLang="en-US" sz="1200" dirty="0">
+            <a:endParaRPr kumimoji="1" lang="zh-CN" altLang="en-US" sz="1200">
               <a:solidFill>
                 <a:schemeClr val="tx1"/>
               </a:solidFill>
@@ -4280,14 +4265,14 @@
           <a:p>
             <a:pPr algn="ctr"/>
             <a:r>
-              <a:rPr kumimoji="1" lang="zh-CN" altLang="en-US" sz="1200" dirty="0" smtClean="0">
+              <a:rPr kumimoji="1" lang="zh-CN" altLang="en-US" sz="1200" smtClean="0">
                 <a:solidFill>
                   <a:schemeClr val="tx1"/>
                 </a:solidFill>
               </a:rPr>
               <a:t>类加载器子系统</a:t>
             </a:r>
-            <a:endParaRPr kumimoji="1" lang="zh-CN" altLang="en-US" sz="1200" dirty="0">
+            <a:endParaRPr kumimoji="1" lang="zh-CN" altLang="en-US" sz="1200">
               <a:solidFill>
                 <a:schemeClr val="tx1"/>
               </a:solidFill>
@@ -4333,14 +4318,14 @@
           <a:p>
             <a:pPr algn="ctr"/>
             <a:r>
-              <a:rPr kumimoji="1" lang="en-US" altLang="zh-CN" sz="1400" dirty="0" smtClean="0">
+              <a:rPr kumimoji="1" lang="en-US" altLang="zh-CN" sz="1400" smtClean="0">
                 <a:solidFill>
                   <a:schemeClr val="tx1"/>
                 </a:solidFill>
               </a:rPr>
               <a:t>JVM</a:t>
             </a:r>
-            <a:endParaRPr kumimoji="1" lang="zh-CN" altLang="en-US" sz="1400" dirty="0">
+            <a:endParaRPr kumimoji="1" lang="zh-CN" altLang="en-US" sz="1400">
               <a:solidFill>
                 <a:schemeClr val="tx1"/>
               </a:solidFill>
@@ -4386,14 +4371,14 @@
           <a:p>
             <a:pPr algn="ctr"/>
             <a:r>
-              <a:rPr kumimoji="1" lang="zh-CN" altLang="en-US" sz="1200" dirty="0" smtClean="0">
+              <a:rPr kumimoji="1" lang="zh-CN" altLang="en-US" sz="1200" smtClean="0">
                 <a:solidFill>
                   <a:schemeClr val="tx1"/>
                 </a:solidFill>
               </a:rPr>
               <a:t>运行时数据区</a:t>
             </a:r>
-            <a:endParaRPr kumimoji="1" lang="zh-CN" altLang="en-US" sz="1200" dirty="0">
+            <a:endParaRPr kumimoji="1" lang="zh-CN" altLang="en-US" sz="1200">
               <a:solidFill>
                 <a:schemeClr val="tx1"/>
               </a:solidFill>
@@ -4523,18 +4508,18 @@
           <a:lstStyle/>
           <a:p>
             <a:r>
-              <a:rPr kumimoji="1" lang="en-US" altLang="zh-CN" sz="1200" dirty="0" smtClean="0"/>
+              <a:rPr kumimoji="1" lang="en-US" altLang="zh-CN" sz="1200" smtClean="0"/>
               <a:t>class</a:t>
             </a:r>
             <a:r>
-              <a:rPr kumimoji="1" lang="zh-CN" altLang="en-US" sz="1200" dirty="0" smtClean="0"/>
+              <a:rPr kumimoji="1" lang="zh-CN" altLang="en-US" sz="1200" smtClean="0"/>
               <a:t> </a:t>
             </a:r>
             <a:r>
-              <a:rPr kumimoji="1" lang="en-US" altLang="zh-CN" sz="1200" dirty="0" smtClean="0"/>
+              <a:rPr kumimoji="1" lang="en-US" altLang="zh-CN" sz="1200" smtClean="0"/>
               <a:t>loader</a:t>
             </a:r>
-            <a:endParaRPr kumimoji="1" lang="zh-CN" altLang="en-US" sz="1200" dirty="0"/>
+            <a:endParaRPr kumimoji="1" lang="zh-CN" altLang="en-US" sz="1200"/>
           </a:p>
         </p:txBody>
       </p:sp>
@@ -4575,7 +4560,7 @@
           <a:lstStyle/>
           <a:p>
             <a:r>
-              <a:rPr kumimoji="1" lang="en-US" altLang="zh-CN" sz="1200" dirty="0" smtClean="0">
+              <a:rPr kumimoji="1" lang="en-US" altLang="zh-CN" sz="1200" smtClean="0">
                 <a:solidFill>
                   <a:schemeClr val="tx1"/>
                 </a:solidFill>
@@ -4583,7 +4568,7 @@
               <a:t>1.Bootstrap</a:t>
             </a:r>
             <a:r>
-              <a:rPr kumimoji="1" lang="zh-CN" altLang="en-US" sz="1200" dirty="0" smtClean="0">
+              <a:rPr kumimoji="1" lang="zh-CN" altLang="en-US" sz="1200" smtClean="0">
                 <a:solidFill>
                   <a:schemeClr val="tx1"/>
                 </a:solidFill>
@@ -4591,7 +4576,7 @@
               <a:t> </a:t>
             </a:r>
             <a:r>
-              <a:rPr kumimoji="1" lang="en-US" altLang="zh-CN" sz="1200" dirty="0" smtClean="0">
+              <a:rPr kumimoji="1" lang="en-US" altLang="zh-CN" sz="1200" smtClean="0">
                 <a:solidFill>
                   <a:schemeClr val="tx1"/>
                 </a:solidFill>
@@ -4599,7 +4584,7 @@
               <a:t>class</a:t>
             </a:r>
             <a:r>
-              <a:rPr kumimoji="1" lang="zh-CN" altLang="en-US" sz="1200" dirty="0" smtClean="0">
+              <a:rPr kumimoji="1" lang="zh-CN" altLang="en-US" sz="1200" smtClean="0">
                 <a:solidFill>
                   <a:schemeClr val="tx1"/>
                 </a:solidFill>
@@ -4607,7 +4592,7 @@
               <a:t>  </a:t>
             </a:r>
             <a:r>
-              <a:rPr kumimoji="1" lang="en-US" altLang="zh-CN" sz="1200" dirty="0" smtClean="0">
+              <a:rPr kumimoji="1" lang="en-US" altLang="zh-CN" sz="1200" smtClean="0">
                 <a:solidFill>
                   <a:schemeClr val="tx1"/>
                 </a:solidFill>
@@ -4615,14 +4600,14 @@
               <a:t>loader</a:t>
             </a:r>
             <a:r>
-              <a:rPr kumimoji="1" lang="zh-CN" altLang="en-US" sz="1200" dirty="0" smtClean="0">
+              <a:rPr kumimoji="1" lang="zh-CN" altLang="en-US" sz="1200" smtClean="0">
                 <a:solidFill>
                   <a:schemeClr val="tx1"/>
                 </a:solidFill>
               </a:rPr>
               <a:t> 启动类加载器</a:t>
             </a:r>
-            <a:endParaRPr kumimoji="1" lang="en-US" altLang="zh-CN" sz="1200" dirty="0" smtClean="0">
+            <a:endParaRPr kumimoji="1" lang="en-US" altLang="zh-CN" sz="1200" smtClean="0">
               <a:solidFill>
                 <a:schemeClr val="tx1"/>
               </a:solidFill>
@@ -4630,7 +4615,7 @@
           </a:p>
           <a:p>
             <a:r>
-              <a:rPr kumimoji="1" lang="en-US" altLang="zh-CN" sz="1200" dirty="0" smtClean="0">
+              <a:rPr kumimoji="1" lang="en-US" altLang="zh-CN" sz="1200" smtClean="0">
                 <a:solidFill>
                   <a:schemeClr val="tx1"/>
                 </a:solidFill>
@@ -4638,7 +4623,7 @@
               <a:t>2.Extension</a:t>
             </a:r>
             <a:r>
-              <a:rPr kumimoji="1" lang="zh-CN" altLang="en-US" sz="1200" dirty="0" smtClean="0">
+              <a:rPr kumimoji="1" lang="zh-CN" altLang="en-US" sz="1200" smtClean="0">
                 <a:solidFill>
                   <a:schemeClr val="tx1"/>
                 </a:solidFill>
@@ -4646,7 +4631,7 @@
               <a:t> </a:t>
             </a:r>
             <a:r>
-              <a:rPr kumimoji="1" lang="en-US" altLang="zh-CN" sz="1200" dirty="0" smtClean="0">
+              <a:rPr kumimoji="1" lang="en-US" altLang="zh-CN" sz="1200" smtClean="0">
                 <a:solidFill>
                   <a:schemeClr val="tx1"/>
                 </a:solidFill>
@@ -4654,7 +4639,7 @@
               <a:t>class</a:t>
             </a:r>
             <a:r>
-              <a:rPr kumimoji="1" lang="zh-CN" altLang="en-US" sz="1200" dirty="0" smtClean="0">
+              <a:rPr kumimoji="1" lang="zh-CN" altLang="en-US" sz="1200" smtClean="0">
                 <a:solidFill>
                   <a:schemeClr val="tx1"/>
                 </a:solidFill>
@@ -4662,7 +4647,7 @@
               <a:t> </a:t>
             </a:r>
             <a:r>
-              <a:rPr kumimoji="1" lang="en-US" altLang="zh-CN" sz="1200" dirty="0" smtClean="0">
+              <a:rPr kumimoji="1" lang="en-US" altLang="zh-CN" sz="1200" smtClean="0">
                 <a:solidFill>
                   <a:schemeClr val="tx1"/>
                 </a:solidFill>
@@ -4670,14 +4655,14 @@
               <a:t>loader</a:t>
             </a:r>
             <a:r>
-              <a:rPr kumimoji="1" lang="zh-CN" altLang="en-US" sz="1200" dirty="0" smtClean="0">
+              <a:rPr kumimoji="1" lang="zh-CN" altLang="en-US" sz="1200" smtClean="0">
                 <a:solidFill>
                   <a:schemeClr val="tx1"/>
                 </a:solidFill>
               </a:rPr>
               <a:t> 扩展类加载器</a:t>
             </a:r>
-            <a:endParaRPr kumimoji="1" lang="en-US" altLang="zh-CN" sz="1200" dirty="0" smtClean="0">
+            <a:endParaRPr kumimoji="1" lang="en-US" altLang="zh-CN" sz="1200" smtClean="0">
               <a:solidFill>
                 <a:schemeClr val="tx1"/>
               </a:solidFill>
@@ -4685,7 +4670,7 @@
           </a:p>
           <a:p>
             <a:r>
-              <a:rPr kumimoji="1" lang="en-US" altLang="zh-CN" sz="1200" dirty="0">
+              <a:rPr kumimoji="1" lang="en-US" altLang="zh-CN" sz="1200">
                 <a:solidFill>
                   <a:schemeClr val="tx1"/>
                 </a:solidFill>
@@ -4693,7 +4678,7 @@
               <a:t>3</a:t>
             </a:r>
             <a:r>
-              <a:rPr kumimoji="1" lang="en-US" altLang="zh-CN" sz="1200" dirty="0" smtClean="0">
+              <a:rPr kumimoji="1" lang="en-US" altLang="zh-CN" sz="1200" smtClean="0">
                 <a:solidFill>
                   <a:schemeClr val="tx1"/>
                 </a:solidFill>
@@ -4701,7 +4686,7 @@
               <a:t>.Application</a:t>
             </a:r>
             <a:r>
-              <a:rPr kumimoji="1" lang="zh-CN" altLang="en-US" sz="1200" dirty="0" smtClean="0">
+              <a:rPr kumimoji="1" lang="zh-CN" altLang="en-US" sz="1200" smtClean="0">
                 <a:solidFill>
                   <a:schemeClr val="tx1"/>
                 </a:solidFill>
@@ -4709,7 +4694,7 @@
               <a:t> </a:t>
             </a:r>
             <a:r>
-              <a:rPr kumimoji="1" lang="en-US" altLang="zh-CN" sz="1200" dirty="0" smtClean="0">
+              <a:rPr kumimoji="1" lang="en-US" altLang="zh-CN" sz="1200" smtClean="0">
                 <a:solidFill>
                   <a:schemeClr val="tx1"/>
                 </a:solidFill>
@@ -4717,7 +4702,7 @@
               <a:t>class</a:t>
             </a:r>
             <a:r>
-              <a:rPr kumimoji="1" lang="zh-CN" altLang="en-US" sz="1200" dirty="0" smtClean="0">
+              <a:rPr kumimoji="1" lang="zh-CN" altLang="en-US" sz="1200" smtClean="0">
                 <a:solidFill>
                   <a:schemeClr val="tx1"/>
                 </a:solidFill>
@@ -4725,7 +4710,7 @@
               <a:t> </a:t>
             </a:r>
             <a:r>
-              <a:rPr kumimoji="1" lang="en-US" altLang="zh-CN" sz="1200" dirty="0" smtClean="0">
+              <a:rPr kumimoji="1" lang="en-US" altLang="zh-CN" sz="1200" smtClean="0">
                 <a:solidFill>
                   <a:schemeClr val="tx1"/>
                 </a:solidFill>
@@ -4733,14 +4718,14 @@
               <a:t>loader</a:t>
             </a:r>
             <a:r>
-              <a:rPr kumimoji="1" lang="zh-CN" altLang="en-US" sz="1200" dirty="0" smtClean="0">
+              <a:rPr kumimoji="1" lang="zh-CN" altLang="en-US" sz="1200" smtClean="0">
                 <a:solidFill>
                   <a:schemeClr val="tx1"/>
                 </a:solidFill>
               </a:rPr>
               <a:t> 应用程序类加载器</a:t>
             </a:r>
-            <a:endParaRPr kumimoji="1" lang="en-US" altLang="zh-CN" sz="1200" dirty="0" smtClean="0">
+            <a:endParaRPr kumimoji="1" lang="en-US" altLang="zh-CN" sz="1200" smtClean="0">
               <a:solidFill>
                 <a:schemeClr val="tx1"/>
               </a:solidFill>
@@ -4748,7 +4733,7 @@
           </a:p>
           <a:p>
             <a:r>
-              <a:rPr kumimoji="1" lang="en-US" altLang="zh-CN" sz="1200" dirty="0" smtClean="0">
+              <a:rPr kumimoji="1" lang="en-US" altLang="zh-CN" sz="1200" smtClean="0">
                 <a:solidFill>
                   <a:schemeClr val="tx1"/>
                 </a:solidFill>
@@ -4756,7 +4741,7 @@
               <a:t>4.Customer</a:t>
             </a:r>
             <a:r>
-              <a:rPr kumimoji="1" lang="zh-CN" altLang="en-US" sz="1200" dirty="0" smtClean="0">
+              <a:rPr kumimoji="1" lang="zh-CN" altLang="en-US" sz="1200" smtClean="0">
                 <a:solidFill>
                   <a:schemeClr val="tx1"/>
                 </a:solidFill>
@@ -4764,7 +4749,7 @@
               <a:t> </a:t>
             </a:r>
             <a:r>
-              <a:rPr kumimoji="1" lang="en-US" altLang="zh-CN" sz="1200" dirty="0" smtClean="0">
+              <a:rPr kumimoji="1" lang="en-US" altLang="zh-CN" sz="1200" smtClean="0">
                 <a:solidFill>
                   <a:schemeClr val="tx1"/>
                 </a:solidFill>
@@ -4772,7 +4757,7 @@
               <a:t>class</a:t>
             </a:r>
             <a:r>
-              <a:rPr kumimoji="1" lang="zh-CN" altLang="en-US" sz="1200" dirty="0" smtClean="0">
+              <a:rPr kumimoji="1" lang="zh-CN" altLang="en-US" sz="1200" smtClean="0">
                 <a:solidFill>
                   <a:schemeClr val="tx1"/>
                 </a:solidFill>
@@ -4780,7 +4765,7 @@
               <a:t> </a:t>
             </a:r>
             <a:r>
-              <a:rPr kumimoji="1" lang="en-US" altLang="zh-CN" sz="1200" dirty="0" smtClean="0">
+              <a:rPr kumimoji="1" lang="en-US" altLang="zh-CN" sz="1200" smtClean="0">
                 <a:solidFill>
                   <a:schemeClr val="tx1"/>
                 </a:solidFill>
@@ -4788,14 +4773,14 @@
               <a:t>loader</a:t>
             </a:r>
             <a:r>
-              <a:rPr kumimoji="1" lang="zh-CN" altLang="en-US" sz="1200" dirty="0" smtClean="0">
+              <a:rPr kumimoji="1" lang="zh-CN" altLang="en-US" sz="1200" smtClean="0">
                 <a:solidFill>
                   <a:schemeClr val="tx1"/>
                 </a:solidFill>
               </a:rPr>
               <a:t> 自定义类加载器</a:t>
             </a:r>
-            <a:endParaRPr kumimoji="1" lang="zh-CN" altLang="en-US" sz="1200" dirty="0">
+            <a:endParaRPr kumimoji="1" lang="zh-CN" altLang="en-US" sz="1200">
               <a:solidFill>
                 <a:schemeClr val="tx1"/>
               </a:solidFill>
@@ -4906,7 +4891,7 @@
           <a:lstStyle/>
           <a:p>
             <a:r>
-              <a:rPr kumimoji="1" lang="en-US" altLang="zh-CN" sz="1200" dirty="0" smtClean="0">
+              <a:rPr kumimoji="1" lang="en-US" altLang="zh-CN" sz="1200" smtClean="0">
                 <a:solidFill>
                   <a:schemeClr val="tx1"/>
                 </a:solidFill>
@@ -4914,7 +4899,75 @@
               <a:t>1.</a:t>
             </a:r>
             <a:r>
-              <a:rPr kumimoji="1" lang="zh-CN" altLang="en-US" sz="1200" dirty="0" smtClean="0">
+              <a:rPr kumimoji="1" lang="zh-CN" altLang="en-US" sz="1200" smtClean="0">
+                <a:solidFill>
+                  <a:schemeClr val="tx1"/>
+                </a:solidFill>
+              </a:rPr>
+              <a:t> 加载：</a:t>
+            </a:r>
+            <a:endParaRPr kumimoji="1" lang="en-US" altLang="zh-CN" sz="1200" smtClean="0">
+              <a:solidFill>
+                <a:schemeClr val="tx1"/>
+              </a:solidFill>
+            </a:endParaRPr>
+          </a:p>
+          <a:p>
+            <a:r>
+              <a:rPr kumimoji="1" lang="en-US" altLang="zh-CN" sz="1200" smtClean="0">
+                <a:solidFill>
+                  <a:schemeClr val="tx1"/>
+                </a:solidFill>
+              </a:rPr>
+              <a:t>2.</a:t>
+            </a:r>
+            <a:r>
+              <a:rPr kumimoji="1" lang="zh-CN" altLang="en-US" sz="1200" smtClean="0">
+                <a:solidFill>
+                  <a:schemeClr val="tx1"/>
+                </a:solidFill>
+              </a:rPr>
+              <a:t> 连接：</a:t>
+            </a:r>
+            <a:endParaRPr kumimoji="1" lang="en-US" altLang="zh-CN" sz="1200" smtClean="0">
+              <a:solidFill>
+                <a:schemeClr val="tx1"/>
+              </a:solidFill>
+            </a:endParaRPr>
+          </a:p>
+          <a:p>
+            <a:r>
+              <a:rPr kumimoji="1" lang="zh-CN" altLang="en-US" sz="1200" smtClean="0">
+                <a:solidFill>
+                  <a:schemeClr val="tx1"/>
+                </a:solidFill>
+              </a:rPr>
+              <a:t>        验证：</a:t>
+            </a:r>
+            <a:endParaRPr kumimoji="1" lang="en-US" altLang="zh-CN" sz="1200" smtClean="0">
+              <a:solidFill>
+                <a:schemeClr val="tx1"/>
+              </a:solidFill>
+            </a:endParaRPr>
+          </a:p>
+          <a:p>
+            <a:r>
+              <a:rPr kumimoji="1" lang="zh-CN" altLang="en-US" sz="1200" smtClean="0">
+                <a:solidFill>
+                  <a:schemeClr val="tx1"/>
+                </a:solidFill>
+              </a:rPr>
+              <a:t>        准备：</a:t>
+            </a:r>
+            <a:endParaRPr kumimoji="1" lang="en-US" altLang="zh-CN" sz="1200" smtClean="0">
+              <a:solidFill>
+                <a:schemeClr val="tx1"/>
+              </a:solidFill>
+            </a:endParaRPr>
+          </a:p>
+          <a:p>
+            <a:r>
+              <a:rPr kumimoji="1" lang="zh-CN" altLang="en-US" sz="1200">
                 <a:solidFill>
                   <a:schemeClr val="tx1"/>
                 </a:solidFill>
@@ -4922,90 +4975,14 @@
               <a:t> </a:t>
             </a:r>
             <a:r>
-              <a:rPr kumimoji="1" lang="zh-CN" altLang="en-US" sz="1200" dirty="0" smtClean="0">
-                <a:solidFill>
-                  <a:schemeClr val="tx1"/>
-                </a:solidFill>
-              </a:rPr>
-              <a:t>加载：</a:t>
-            </a:r>
-            <a:endParaRPr kumimoji="1" lang="en-US" altLang="zh-CN" sz="1200" dirty="0" smtClean="0">
-              <a:solidFill>
-                <a:schemeClr val="tx1"/>
-              </a:solidFill>
-            </a:endParaRPr>
-          </a:p>
-          <a:p>
-            <a:r>
-              <a:rPr kumimoji="1" lang="en-US" altLang="zh-CN" sz="1200" dirty="0" smtClean="0">
-                <a:solidFill>
-                  <a:schemeClr val="tx1"/>
-                </a:solidFill>
-              </a:rPr>
-              <a:t>2.</a:t>
-            </a:r>
-            <a:r>
-              <a:rPr kumimoji="1" lang="zh-CN" altLang="en-US" sz="1200" dirty="0" smtClean="0">
-                <a:solidFill>
-                  <a:schemeClr val="tx1"/>
-                </a:solidFill>
-              </a:rPr>
-              <a:t> 连接：</a:t>
-            </a:r>
-            <a:endParaRPr kumimoji="1" lang="en-US" altLang="zh-CN" sz="1200" dirty="0" smtClean="0">
-              <a:solidFill>
-                <a:schemeClr val="tx1"/>
-              </a:solidFill>
-            </a:endParaRPr>
-          </a:p>
-          <a:p>
-            <a:r>
-              <a:rPr kumimoji="1" lang="zh-CN" altLang="en-US" sz="1200" dirty="0" smtClean="0">
-                <a:solidFill>
-                  <a:schemeClr val="tx1"/>
-                </a:solidFill>
-              </a:rPr>
-              <a:t>        验证：</a:t>
-            </a:r>
-            <a:endParaRPr kumimoji="1" lang="en-US" altLang="zh-CN" sz="1200" dirty="0" smtClean="0">
-              <a:solidFill>
-                <a:schemeClr val="tx1"/>
-              </a:solidFill>
-            </a:endParaRPr>
-          </a:p>
-          <a:p>
-            <a:r>
-              <a:rPr kumimoji="1" lang="zh-CN" altLang="en-US" sz="1200" dirty="0" smtClean="0">
-                <a:solidFill>
-                  <a:schemeClr val="tx1"/>
-                </a:solidFill>
-              </a:rPr>
-              <a:t>        准备：</a:t>
-            </a:r>
-            <a:endParaRPr kumimoji="1" lang="en-US" altLang="zh-CN" sz="1200" dirty="0" smtClean="0">
-              <a:solidFill>
-                <a:schemeClr val="tx1"/>
-              </a:solidFill>
-            </a:endParaRPr>
-          </a:p>
-          <a:p>
-            <a:r>
-              <a:rPr kumimoji="1" lang="zh-CN" altLang="en-US" sz="1200" dirty="0">
-                <a:solidFill>
-                  <a:schemeClr val="tx1"/>
-                </a:solidFill>
-              </a:rPr>
-              <a:t> </a:t>
-            </a:r>
-            <a:r>
-              <a:rPr kumimoji="1" lang="zh-CN" altLang="en-US" sz="1200" dirty="0" smtClean="0">
+              <a:rPr kumimoji="1" lang="zh-CN" altLang="en-US" sz="1200" smtClean="0">
                 <a:solidFill>
                   <a:schemeClr val="tx1"/>
                 </a:solidFill>
               </a:rPr>
               <a:t>       解析：</a:t>
             </a:r>
-            <a:endParaRPr kumimoji="1" lang="en-US" altLang="zh-CN" sz="1200" dirty="0" smtClean="0">
+            <a:endParaRPr kumimoji="1" lang="en-US" altLang="zh-CN" sz="1200" smtClean="0">
               <a:solidFill>
                 <a:schemeClr val="tx1"/>
               </a:solidFill>
@@ -5013,7 +4990,7 @@
           </a:p>
           <a:p>
             <a:r>
-              <a:rPr kumimoji="1" lang="en-US" altLang="zh-CN" sz="1200" dirty="0" smtClean="0">
+              <a:rPr kumimoji="1" lang="en-US" altLang="zh-CN" sz="1200" smtClean="0">
                 <a:solidFill>
                   <a:schemeClr val="tx1"/>
                 </a:solidFill>
@@ -5021,14 +4998,14 @@
               <a:t>3.</a:t>
             </a:r>
             <a:r>
-              <a:rPr kumimoji="1" lang="zh-CN" altLang="en-US" sz="1200" dirty="0" smtClean="0">
+              <a:rPr kumimoji="1" lang="zh-CN" altLang="en-US" sz="1200" smtClean="0">
                 <a:solidFill>
                   <a:schemeClr val="tx1"/>
                 </a:solidFill>
               </a:rPr>
               <a:t> 初始化：</a:t>
             </a:r>
-            <a:endParaRPr kumimoji="1" lang="zh-CN" altLang="en-US" sz="1200" dirty="0">
+            <a:endParaRPr kumimoji="1" lang="zh-CN" altLang="en-US" sz="1200">
               <a:solidFill>
                 <a:schemeClr val="tx1"/>
               </a:solidFill>
@@ -5092,14 +5069,14 @@
           <a:lstStyle/>
           <a:p>
             <a:r>
-              <a:rPr kumimoji="1" lang="en-US" altLang="zh-CN" sz="1200" dirty="0" smtClean="0"/>
+              <a:rPr kumimoji="1" lang="en-US" altLang="zh-CN" sz="1200" smtClean="0"/>
               <a:t>JVM</a:t>
             </a:r>
             <a:r>
-              <a:rPr kumimoji="1" lang="zh-CN" altLang="en-US" sz="1200" dirty="0" smtClean="0"/>
+              <a:rPr kumimoji="1" lang="zh-CN" altLang="en-US" sz="1200" smtClean="0"/>
               <a:t>系统：</a:t>
             </a:r>
-            <a:endParaRPr kumimoji="1" lang="zh-CN" altLang="en-US" sz="1200" dirty="0"/>
+            <a:endParaRPr kumimoji="1" lang="zh-CN" altLang="en-US" sz="1200"/>
           </a:p>
         </p:txBody>
       </p:sp>
@@ -5140,7 +5117,7 @@
           <a:lstStyle/>
           <a:p>
             <a:r>
-              <a:rPr kumimoji="1" lang="en-US" altLang="zh-CN" sz="1200" dirty="0" smtClean="0">
+              <a:rPr kumimoji="1" lang="en-US" altLang="zh-CN" sz="1200" smtClean="0">
                 <a:solidFill>
                   <a:schemeClr val="tx1"/>
                 </a:solidFill>
@@ -5148,7 +5125,7 @@
               <a:t>1.</a:t>
             </a:r>
             <a:r>
-              <a:rPr kumimoji="1" lang="zh-CN" altLang="en-US" sz="1200" dirty="0" smtClean="0">
+              <a:rPr kumimoji="1" lang="zh-CN" altLang="en-US" sz="1200" smtClean="0">
                 <a:solidFill>
                   <a:schemeClr val="tx1"/>
                 </a:solidFill>
@@ -5156,7 +5133,7 @@
               <a:t>最多有</a:t>
             </a:r>
             <a:r>
-              <a:rPr kumimoji="1" lang="en-US" altLang="zh-CN" sz="1200" dirty="0" smtClean="0">
+              <a:rPr kumimoji="1" lang="en-US" altLang="zh-CN" sz="1200" smtClean="0">
                 <a:solidFill>
                   <a:schemeClr val="tx1"/>
                 </a:solidFill>
@@ -5164,7 +5141,7 @@
               <a:t>256</a:t>
             </a:r>
             <a:r>
-              <a:rPr kumimoji="1" lang="zh-CN" altLang="en-US" sz="1200" dirty="0" smtClean="0">
+              <a:rPr kumimoji="1" lang="zh-CN" altLang="en-US" sz="1200" smtClean="0">
                 <a:solidFill>
                   <a:schemeClr val="tx1"/>
                 </a:solidFill>
@@ -5172,7 +5149,7 @@
               <a:t>条指令，</a:t>
             </a:r>
             <a:r>
-              <a:rPr kumimoji="1" lang="en-US" altLang="zh-CN" sz="1200" dirty="0" err="1" smtClean="0">
+              <a:rPr kumimoji="1" lang="en-US" altLang="zh-CN" sz="1200" err="1" smtClean="0">
                 <a:solidFill>
                   <a:schemeClr val="tx1"/>
                 </a:solidFill>
@@ -5180,7 +5157,7 @@
               <a:t>jvm</a:t>
             </a:r>
             <a:r>
-              <a:rPr kumimoji="1" lang="zh-CN" altLang="en-US" sz="1200" dirty="0" smtClean="0">
+              <a:rPr kumimoji="1" lang="zh-CN" altLang="en-US" sz="1200" smtClean="0">
                 <a:solidFill>
                   <a:schemeClr val="tx1"/>
                 </a:solidFill>
@@ -5188,7 +5165,7 @@
               <a:t>已经实现</a:t>
             </a:r>
             <a:r>
-              <a:rPr kumimoji="1" lang="en-US" altLang="zh-CN" sz="1200" dirty="0" smtClean="0">
+              <a:rPr kumimoji="1" lang="en-US" altLang="zh-CN" sz="1200" smtClean="0">
                 <a:solidFill>
                   <a:schemeClr val="tx1"/>
                 </a:solidFill>
@@ -5196,14 +5173,14 @@
               <a:t>205</a:t>
             </a:r>
             <a:r>
-              <a:rPr kumimoji="1" lang="zh-CN" altLang="en-US" sz="1200" dirty="0" smtClean="0">
+              <a:rPr kumimoji="1" lang="zh-CN" altLang="en-US" sz="1200" smtClean="0">
                 <a:solidFill>
                   <a:schemeClr val="tx1"/>
                 </a:solidFill>
               </a:rPr>
               <a:t>条指令</a:t>
             </a:r>
-            <a:endParaRPr kumimoji="1" lang="en-US" altLang="zh-CN" sz="1200" dirty="0" smtClean="0">
+            <a:endParaRPr kumimoji="1" lang="en-US" altLang="zh-CN" sz="1200" smtClean="0">
               <a:solidFill>
                 <a:schemeClr val="tx1"/>
               </a:solidFill>
@@ -5211,7 +5188,7 @@
           </a:p>
           <a:p>
             <a:r>
-              <a:rPr kumimoji="1" lang="en-US" altLang="zh-CN" sz="1200" dirty="0" smtClean="0">
+              <a:rPr kumimoji="1" lang="en-US" altLang="zh-CN" sz="1200" smtClean="0">
                 <a:solidFill>
                   <a:schemeClr val="tx1"/>
                 </a:solidFill>
@@ -5219,7 +5196,7 @@
               <a:t>2.</a:t>
             </a:r>
             <a:r>
-              <a:rPr kumimoji="1" lang="zh-CN" altLang="en-US" sz="1200" dirty="0" smtClean="0">
+              <a:rPr kumimoji="1" lang="zh-CN" altLang="en-US" sz="1200" smtClean="0">
                 <a:solidFill>
                   <a:schemeClr val="tx1"/>
                 </a:solidFill>
@@ -5227,7 +5204,7 @@
               <a:t>指令分为</a:t>
             </a:r>
             <a:r>
-              <a:rPr kumimoji="1" lang="en-US" altLang="zh-CN" sz="1200" dirty="0" smtClean="0">
+              <a:rPr kumimoji="1" lang="en-US" altLang="zh-CN" sz="1200" smtClean="0">
                 <a:solidFill>
                   <a:schemeClr val="tx1"/>
                 </a:solidFill>
@@ -5235,23 +5212,15 @@
               <a:t>11</a:t>
             </a:r>
             <a:r>
-              <a:rPr kumimoji="1" lang="zh-CN" altLang="en-US" sz="1200" dirty="0" smtClean="0">
+              <a:rPr kumimoji="1" lang="zh-CN" altLang="en-US" sz="1200" smtClean="0">
                 <a:solidFill>
                   <a:schemeClr val="tx1"/>
                 </a:solidFill>
               </a:rPr>
-              <a:t>类</a:t>
-            </a:r>
-            <a:r>
-              <a:rPr kumimoji="1" lang="zh-CN" altLang="en-US" sz="1200" dirty="0" smtClean="0">
-                <a:solidFill>
-                  <a:schemeClr val="tx1"/>
-                </a:solidFill>
-              </a:rPr>
-              <a:t>：常量指令、加载和存储指令、操作数栈指令、运算指令、</a:t>
-            </a:r>
-            <a:r>
-              <a:rPr kumimoji="1" lang="zh-CN" altLang="en-US" sz="1200" dirty="0">
+              <a:t>类：常量指令、加载和存储指令、操作数栈指令、运算指令、</a:t>
+            </a:r>
+            <a:r>
+              <a:rPr kumimoji="1" lang="zh-CN" altLang="en-US" sz="1200">
                 <a:solidFill>
                   <a:schemeClr val="tx1"/>
                 </a:solidFill>
@@ -5259,14 +5228,14 @@
               <a:t>引用指令、</a:t>
             </a:r>
             <a:r>
-              <a:rPr kumimoji="1" lang="zh-CN" altLang="en-US" sz="1200" dirty="0" smtClean="0">
+              <a:rPr kumimoji="1" lang="zh-CN" altLang="en-US" sz="1200" smtClean="0">
                 <a:solidFill>
                   <a:schemeClr val="tx1"/>
                 </a:solidFill>
               </a:rPr>
               <a:t>转换指令、比较指令、控制指令、扩展指令、保留指令</a:t>
             </a:r>
-            <a:endParaRPr kumimoji="1" lang="zh-CN" altLang="en-US" sz="1200" dirty="0">
+            <a:endParaRPr kumimoji="1" lang="zh-CN" altLang="en-US" sz="1200">
               <a:solidFill>
                 <a:schemeClr val="tx1"/>
               </a:solidFill>
@@ -5457,10 +5426,10 @@
           <a:lstStyle/>
           <a:p>
             <a:r>
-              <a:rPr kumimoji="1" lang="zh-CN" altLang="en-US" sz="1200" dirty="0" smtClean="0"/>
+              <a:rPr kumimoji="1" lang="zh-CN" altLang="en-US" sz="1200" smtClean="0"/>
               <a:t>事件源</a:t>
             </a:r>
-            <a:endParaRPr kumimoji="1" lang="zh-CN" altLang="en-US" sz="1200" dirty="0"/>
+            <a:endParaRPr kumimoji="1" lang="zh-CN" altLang="en-US" sz="1200"/>
           </a:p>
         </p:txBody>
       </p:sp>
@@ -5487,10 +5456,10 @@
           <a:lstStyle/>
           <a:p>
             <a:r>
-              <a:rPr kumimoji="1" lang="zh-CN" altLang="en-US" sz="1200" dirty="0" smtClean="0"/>
+              <a:rPr kumimoji="1" lang="zh-CN" altLang="en-US" sz="1200" smtClean="0"/>
               <a:t>监听器</a:t>
             </a:r>
-            <a:endParaRPr kumimoji="1" lang="zh-CN" altLang="en-US" sz="1200" dirty="0"/>
+            <a:endParaRPr kumimoji="1" lang="zh-CN" altLang="en-US" sz="1200"/>
           </a:p>
         </p:txBody>
       </p:sp>
@@ -5517,10 +5486,10 @@
           <a:lstStyle/>
           <a:p>
             <a:r>
-              <a:rPr kumimoji="1" lang="zh-CN" altLang="en-US" sz="1200" dirty="0" smtClean="0"/>
+              <a:rPr kumimoji="1" lang="zh-CN" altLang="en-US" sz="1200" smtClean="0"/>
               <a:t>事件对象</a:t>
             </a:r>
-            <a:endParaRPr kumimoji="1" lang="zh-CN" altLang="en-US" sz="1200" dirty="0"/>
+            <a:endParaRPr kumimoji="1" lang="zh-CN" altLang="en-US" sz="1200"/>
           </a:p>
         </p:txBody>
       </p:sp>
@@ -5582,10 +5551,10 @@
           <a:lstStyle/>
           <a:p>
             <a:r>
-              <a:rPr kumimoji="1" lang="zh-CN" altLang="en-US" sz="1200" dirty="0" smtClean="0"/>
+              <a:rPr kumimoji="1" lang="zh-CN" altLang="en-US" sz="1200" smtClean="0"/>
               <a:t>监听器注册到事件源</a:t>
             </a:r>
-            <a:endParaRPr kumimoji="1" lang="zh-CN" altLang="en-US" sz="1200" dirty="0"/>
+            <a:endParaRPr kumimoji="1" lang="zh-CN" altLang="en-US" sz="1200"/>
           </a:p>
         </p:txBody>
       </p:sp>
@@ -5648,10 +5617,10 @@
           <a:lstStyle/>
           <a:p>
             <a:r>
-              <a:rPr kumimoji="1" lang="zh-CN" altLang="en-US" sz="1200" dirty="0" smtClean="0"/>
+              <a:rPr kumimoji="1" lang="zh-CN" altLang="en-US" sz="1200" smtClean="0"/>
               <a:t>事件对象封装事件源</a:t>
             </a:r>
-            <a:endParaRPr kumimoji="1" lang="zh-CN" altLang="en-US" sz="1200" dirty="0"/>
+            <a:endParaRPr kumimoji="1" lang="zh-CN" altLang="en-US" sz="1200"/>
           </a:p>
         </p:txBody>
       </p:sp>
@@ -5713,10 +5682,10 @@
           <a:lstStyle/>
           <a:p>
             <a:r>
-              <a:rPr kumimoji="1" lang="zh-CN" altLang="en-US" sz="1200" dirty="0" smtClean="0"/>
+              <a:rPr kumimoji="1" lang="zh-CN" altLang="en-US" sz="1200" smtClean="0"/>
               <a:t>事件对象作为监听器方法的参数</a:t>
             </a:r>
-            <a:endParaRPr kumimoji="1" lang="zh-CN" altLang="en-US" sz="1200" dirty="0"/>
+            <a:endParaRPr kumimoji="1" lang="zh-CN" altLang="en-US" sz="1200"/>
           </a:p>
         </p:txBody>
       </p:sp>
@@ -5743,89 +5712,89 @@
           <a:lstStyle/>
           <a:p>
             <a:r>
-              <a:rPr kumimoji="1" lang="en-US" altLang="zh-CN" sz="1400" dirty="0" err="1" smtClean="0"/>
+              <a:rPr kumimoji="1" lang="en-US" altLang="zh-CN" sz="1400" err="1" smtClean="0"/>
               <a:t>DoorSource</a:t>
             </a:r>
-            <a:endParaRPr kumimoji="1" lang="en-US" altLang="zh-CN" sz="1400" dirty="0" smtClean="0"/>
-          </a:p>
-          <a:p>
-            <a:endParaRPr kumimoji="1" lang="en-US" altLang="zh-CN" sz="1400" dirty="0"/>
-          </a:p>
-          <a:p>
-            <a:r>
-              <a:rPr kumimoji="1" lang="zh-CN" altLang="en-US" sz="1400" dirty="0" smtClean="0"/>
+            <a:endParaRPr kumimoji="1" lang="en-US" altLang="zh-CN" sz="1400" smtClean="0"/>
+          </a:p>
+          <a:p>
+            <a:endParaRPr kumimoji="1" lang="en-US" altLang="zh-CN" sz="1400"/>
+          </a:p>
+          <a:p>
+            <a:r>
+              <a:rPr kumimoji="1" lang="zh-CN" altLang="en-US" sz="1400" smtClean="0"/>
               <a:t>    </a:t>
             </a:r>
             <a:r>
-              <a:rPr kumimoji="1" lang="zh-CN" altLang="en-US" sz="1400" dirty="0"/>
+              <a:rPr kumimoji="1" lang="zh-CN" altLang="en-US" sz="1400"/>
               <a:t> </a:t>
             </a:r>
             <a:r>
-              <a:rPr kumimoji="1" lang="en-US" altLang="zh-CN" sz="1400" dirty="0" err="1" smtClean="0"/>
+              <a:rPr kumimoji="1" lang="en-US" altLang="zh-CN" sz="1400" err="1" smtClean="0"/>
               <a:t>DoorListener</a:t>
             </a:r>
             <a:r>
-              <a:rPr kumimoji="1" lang="zh-CN" altLang="en-US" sz="1400" dirty="0" smtClean="0"/>
+              <a:rPr kumimoji="1" lang="zh-CN" altLang="en-US" sz="1400" smtClean="0"/>
               <a:t> </a:t>
             </a:r>
             <a:r>
-              <a:rPr kumimoji="1" lang="en-US" altLang="zh-CN" sz="1400" dirty="0" err="1" smtClean="0"/>
+              <a:rPr kumimoji="1" lang="en-US" altLang="zh-CN" sz="1400" err="1" smtClean="0"/>
               <a:t>doorListener</a:t>
             </a:r>
-            <a:endParaRPr kumimoji="1" lang="en-US" altLang="zh-CN" sz="1400" dirty="0"/>
-          </a:p>
-          <a:p>
-            <a:endParaRPr kumimoji="1" lang="en-US" altLang="zh-CN" sz="1400" dirty="0"/>
-          </a:p>
-          <a:p>
-            <a:r>
-              <a:rPr kumimoji="1" lang="zh-CN" altLang="en-US" sz="1400" dirty="0" smtClean="0"/>
+            <a:endParaRPr kumimoji="1" lang="en-US" altLang="zh-CN" sz="1400"/>
+          </a:p>
+          <a:p>
+            <a:endParaRPr kumimoji="1" lang="en-US" altLang="zh-CN" sz="1400"/>
+          </a:p>
+          <a:p>
+            <a:r>
+              <a:rPr kumimoji="1" lang="zh-CN" altLang="en-US" sz="1400" smtClean="0"/>
               <a:t>     </a:t>
             </a:r>
             <a:r>
-              <a:rPr kumimoji="1" lang="en-US" altLang="zh-CN" sz="1400" dirty="0" err="1" smtClean="0"/>
+              <a:rPr kumimoji="1" lang="en-US" altLang="zh-CN" sz="1400" err="1" smtClean="0"/>
               <a:t>registerDoorListener</a:t>
             </a:r>
             <a:r>
-              <a:rPr kumimoji="1" lang="en-US" altLang="zh-CN" sz="1400" dirty="0" smtClean="0"/>
+              <a:rPr kumimoji="1" lang="en-US" altLang="zh-CN" sz="1400" smtClean="0"/>
               <a:t>()</a:t>
             </a:r>
           </a:p>
           <a:p>
-            <a:endParaRPr kumimoji="1" lang="en-US" altLang="zh-CN" sz="1400" dirty="0" smtClean="0"/>
-          </a:p>
-          <a:p>
-            <a:r>
-              <a:rPr kumimoji="1" lang="zh-CN" altLang="en-US" sz="1400" dirty="0" smtClean="0"/>
+            <a:endParaRPr kumimoji="1" lang="en-US" altLang="zh-CN" sz="1400" smtClean="0"/>
+          </a:p>
+          <a:p>
+            <a:r>
+              <a:rPr kumimoji="1" lang="zh-CN" altLang="en-US" sz="1400" smtClean="0"/>
               <a:t>    </a:t>
             </a:r>
             <a:r>
-              <a:rPr kumimoji="1" lang="en-US" altLang="zh-CN" sz="1400" dirty="0" err="1" smtClean="0"/>
+              <a:rPr kumimoji="1" lang="en-US" altLang="zh-CN" sz="1400" err="1" smtClean="0"/>
               <a:t>openDoor</a:t>
             </a:r>
             <a:r>
-              <a:rPr kumimoji="1" lang="en-US" altLang="zh-CN" sz="1400" dirty="0" smtClean="0"/>
+              <a:rPr kumimoji="1" lang="en-US" altLang="zh-CN" sz="1400" smtClean="0"/>
               <a:t>()</a:t>
             </a:r>
           </a:p>
           <a:p>
             <a:r>
-              <a:rPr kumimoji="1" lang="zh-CN" altLang="en-US" sz="1400" dirty="0"/>
+              <a:rPr kumimoji="1" lang="zh-CN" altLang="en-US" sz="1400"/>
               <a:t> </a:t>
             </a:r>
             <a:r>
-              <a:rPr kumimoji="1" lang="zh-CN" altLang="en-US" sz="1400" dirty="0" smtClean="0"/>
+              <a:rPr kumimoji="1" lang="zh-CN" altLang="en-US" sz="1400" smtClean="0"/>
               <a:t>   </a:t>
             </a:r>
             <a:r>
-              <a:rPr kumimoji="1" lang="en-US" altLang="zh-CN" sz="1400" dirty="0" err="1" smtClean="0"/>
+              <a:rPr kumimoji="1" lang="en-US" altLang="zh-CN" sz="1400" err="1" smtClean="0"/>
               <a:t>closeDoor</a:t>
             </a:r>
             <a:r>
-              <a:rPr kumimoji="1" lang="en-US" altLang="zh-CN" sz="1400" dirty="0" smtClean="0"/>
+              <a:rPr kumimoji="1" lang="en-US" altLang="zh-CN" sz="1400" smtClean="0"/>
               <a:t>()</a:t>
             </a:r>
-            <a:endParaRPr kumimoji="1" lang="zh-CN" altLang="en-US" sz="1400" dirty="0"/>
+            <a:endParaRPr kumimoji="1" lang="zh-CN" altLang="en-US" sz="1400"/>
           </a:p>
         </p:txBody>
       </p:sp>
@@ -5852,35 +5821,35 @@
           <a:lstStyle/>
           <a:p>
             <a:r>
-              <a:rPr kumimoji="1" lang="en-US" altLang="zh-CN" sz="1400" dirty="0" err="1" smtClean="0"/>
+              <a:rPr kumimoji="1" lang="en-US" altLang="zh-CN" sz="1400" err="1" smtClean="0"/>
               <a:t>DoorEvent</a:t>
             </a:r>
-            <a:endParaRPr kumimoji="1" lang="en-US" altLang="zh-CN" sz="1400" dirty="0" smtClean="0"/>
-          </a:p>
-          <a:p>
-            <a:endParaRPr kumimoji="1" lang="en-US" altLang="zh-CN" sz="1400" dirty="0"/>
-          </a:p>
-          <a:p>
-            <a:r>
-              <a:rPr kumimoji="1" lang="zh-CN" altLang="en-US" sz="1400" dirty="0" smtClean="0"/>
+            <a:endParaRPr kumimoji="1" lang="en-US" altLang="zh-CN" sz="1400" smtClean="0"/>
+          </a:p>
+          <a:p>
+            <a:endParaRPr kumimoji="1" lang="en-US" altLang="zh-CN" sz="1400"/>
+          </a:p>
+          <a:p>
+            <a:r>
+              <a:rPr kumimoji="1" lang="zh-CN" altLang="en-US" sz="1400" smtClean="0"/>
               <a:t>    </a:t>
             </a:r>
             <a:r>
-              <a:rPr kumimoji="1" lang="en-US" altLang="zh-CN" sz="1400" dirty="0" err="1" smtClean="0"/>
+              <a:rPr kumimoji="1" lang="en-US" altLang="zh-CN" sz="1400" err="1" smtClean="0"/>
               <a:t>DoorSource</a:t>
             </a:r>
             <a:r>
-              <a:rPr kumimoji="1" lang="zh-CN" altLang="en-US" sz="1400" dirty="0" smtClean="0"/>
+              <a:rPr kumimoji="1" lang="zh-CN" altLang="en-US" sz="1400" smtClean="0"/>
               <a:t> </a:t>
             </a:r>
             <a:r>
-              <a:rPr kumimoji="1" lang="en-US" altLang="zh-CN" sz="1400" dirty="0" err="1" smtClean="0"/>
+              <a:rPr kumimoji="1" lang="en-US" altLang="zh-CN" sz="1400" err="1" smtClean="0"/>
               <a:t>doorSource</a:t>
             </a:r>
-            <a:endParaRPr kumimoji="1" lang="en-US" altLang="zh-CN" sz="1400" dirty="0"/>
-          </a:p>
-          <a:p>
-            <a:endParaRPr kumimoji="1" lang="zh-CN" altLang="en-US" sz="1400" dirty="0"/>
+            <a:endParaRPr kumimoji="1" lang="en-US" altLang="zh-CN" sz="1400"/>
+          </a:p>
+          <a:p>
+            <a:endParaRPr kumimoji="1" lang="zh-CN" altLang="en-US" sz="1400"/>
           </a:p>
         </p:txBody>
       </p:sp>
@@ -5907,82 +5876,82 @@
           <a:lstStyle/>
           <a:p>
             <a:r>
-              <a:rPr kumimoji="1" lang="en-US" altLang="zh-CN" sz="1400" dirty="0" err="1" smtClean="0"/>
+              <a:rPr kumimoji="1" lang="en-US" altLang="zh-CN" sz="1400" err="1" smtClean="0"/>
               <a:t>DoorListener</a:t>
             </a:r>
-            <a:endParaRPr kumimoji="1" lang="en-US" altLang="zh-CN" sz="1400" dirty="0" smtClean="0"/>
-          </a:p>
-          <a:p>
-            <a:endParaRPr kumimoji="1" lang="en-US" altLang="zh-CN" sz="1400" dirty="0" smtClean="0"/>
-          </a:p>
-          <a:p>
-            <a:r>
-              <a:rPr kumimoji="1" lang="zh-CN" altLang="en-US" sz="1400" dirty="0"/>
+            <a:endParaRPr kumimoji="1" lang="en-US" altLang="zh-CN" sz="1400" smtClean="0"/>
+          </a:p>
+          <a:p>
+            <a:endParaRPr kumimoji="1" lang="en-US" altLang="zh-CN" sz="1400" smtClean="0"/>
+          </a:p>
+          <a:p>
+            <a:r>
+              <a:rPr kumimoji="1" lang="zh-CN" altLang="en-US" sz="1400"/>
               <a:t> </a:t>
             </a:r>
             <a:r>
-              <a:rPr kumimoji="1" lang="zh-CN" altLang="en-US" sz="1400" dirty="0" smtClean="0"/>
+              <a:rPr kumimoji="1" lang="zh-CN" altLang="en-US" sz="1400" smtClean="0"/>
               <a:t>   </a:t>
             </a:r>
             <a:r>
-              <a:rPr kumimoji="1" lang="en-US" altLang="zh-CN" sz="1400" dirty="0" err="1" smtClean="0"/>
+              <a:rPr kumimoji="1" lang="en-US" altLang="zh-CN" sz="1400" err="1" smtClean="0"/>
               <a:t>openDoorListener</a:t>
             </a:r>
             <a:r>
-              <a:rPr kumimoji="1" lang="en-US" altLang="zh-CN" sz="1400" dirty="0" smtClean="0"/>
+              <a:rPr kumimoji="1" lang="en-US" altLang="zh-CN" sz="1400" smtClean="0"/>
               <a:t>(</a:t>
             </a:r>
             <a:r>
-              <a:rPr kumimoji="1" lang="en-US" altLang="zh-CN" sz="1400" dirty="0" err="1" smtClean="0"/>
+              <a:rPr kumimoji="1" lang="en-US" altLang="zh-CN" sz="1400" err="1" smtClean="0"/>
               <a:t>DoorEvent</a:t>
             </a:r>
             <a:r>
-              <a:rPr kumimoji="1" lang="zh-CN" altLang="en-US" sz="1400" dirty="0" smtClean="0"/>
+              <a:rPr kumimoji="1" lang="zh-CN" altLang="en-US" sz="1400" smtClean="0"/>
               <a:t> </a:t>
             </a:r>
             <a:r>
-              <a:rPr kumimoji="1" lang="en-US" altLang="zh-CN" sz="1400" dirty="0" err="1" smtClean="0"/>
+              <a:rPr kumimoji="1" lang="en-US" altLang="zh-CN" sz="1400" err="1" smtClean="0"/>
               <a:t>doorEvent</a:t>
             </a:r>
             <a:r>
-              <a:rPr kumimoji="1" lang="en-US" altLang="zh-CN" sz="1400" dirty="0" smtClean="0"/>
+              <a:rPr kumimoji="1" lang="en-US" altLang="zh-CN" sz="1400" smtClean="0"/>
               <a:t>)</a:t>
             </a:r>
           </a:p>
           <a:p>
             <a:r>
-              <a:rPr kumimoji="1" lang="zh-CN" altLang="en-US" sz="1400" dirty="0"/>
+              <a:rPr kumimoji="1" lang="zh-CN" altLang="en-US" sz="1400"/>
               <a:t> </a:t>
             </a:r>
             <a:r>
-              <a:rPr kumimoji="1" lang="zh-CN" altLang="en-US" sz="1400" dirty="0" smtClean="0"/>
+              <a:rPr kumimoji="1" lang="zh-CN" altLang="en-US" sz="1400" smtClean="0"/>
               <a:t>   </a:t>
             </a:r>
             <a:r>
-              <a:rPr kumimoji="1" lang="en-US" altLang="zh-CN" sz="1400" dirty="0" err="1" smtClean="0"/>
+              <a:rPr kumimoji="1" lang="en-US" altLang="zh-CN" sz="1400" err="1" smtClean="0"/>
               <a:t>closeDoorListener</a:t>
             </a:r>
             <a:r>
-              <a:rPr kumimoji="1" lang="en-US" altLang="zh-CN" sz="1400" dirty="0" smtClean="0"/>
+              <a:rPr kumimoji="1" lang="en-US" altLang="zh-CN" sz="1400" smtClean="0"/>
               <a:t>(</a:t>
             </a:r>
             <a:r>
-              <a:rPr kumimoji="1" lang="en-US" altLang="zh-CN" sz="1400" dirty="0" err="1"/>
+              <a:rPr kumimoji="1" lang="en-US" altLang="zh-CN" sz="1400" err="1"/>
               <a:t>DoorEvent</a:t>
             </a:r>
             <a:r>
-              <a:rPr kumimoji="1" lang="zh-CN" altLang="en-US" sz="1400" dirty="0"/>
+              <a:rPr kumimoji="1" lang="zh-CN" altLang="en-US" sz="1400"/>
               <a:t> </a:t>
             </a:r>
             <a:r>
-              <a:rPr kumimoji="1" lang="en-US" altLang="zh-CN" sz="1400" dirty="0" err="1"/>
+              <a:rPr kumimoji="1" lang="en-US" altLang="zh-CN" sz="1400" err="1"/>
               <a:t>doorEvent</a:t>
             </a:r>
             <a:r>
-              <a:rPr kumimoji="1" lang="en-US" altLang="zh-CN" sz="1400" dirty="0" smtClean="0"/>
+              <a:rPr kumimoji="1" lang="en-US" altLang="zh-CN" sz="1400" smtClean="0"/>
               <a:t>)</a:t>
             </a:r>
-            <a:endParaRPr kumimoji="1" lang="zh-CN" altLang="en-US" sz="1400" dirty="0"/>
+            <a:endParaRPr kumimoji="1" lang="zh-CN" altLang="en-US" sz="1400"/>
           </a:p>
         </p:txBody>
       </p:sp>
@@ -6166,14 +6135,14 @@
           <a:lstStyle/>
           <a:p>
             <a:r>
-              <a:rPr kumimoji="1" lang="en-US" altLang="zh-CN" dirty="0" smtClean="0"/>
+              <a:rPr kumimoji="1" lang="en-US" altLang="zh-CN" smtClean="0"/>
               <a:t>NIO</a:t>
             </a:r>
             <a:r>
-              <a:rPr kumimoji="1" lang="zh-CN" altLang="en-US" dirty="0" smtClean="0"/>
+              <a:rPr kumimoji="1" lang="zh-CN" altLang="en-US" smtClean="0"/>
               <a:t>图解：</a:t>
             </a:r>
-            <a:endParaRPr kumimoji="1" lang="zh-CN" altLang="en-US" dirty="0"/>
+            <a:endParaRPr kumimoji="1" lang="zh-CN" altLang="en-US"/>
           </a:p>
         </p:txBody>
       </p:sp>
@@ -6200,14 +6169,14 @@
           <a:lstStyle/>
           <a:p>
             <a:r>
-              <a:rPr kumimoji="1" lang="zh-CN" altLang="en-US" sz="1200" dirty="0" smtClean="0"/>
+              <a:rPr kumimoji="1" lang="zh-CN" altLang="en-US" sz="1200" smtClean="0"/>
               <a:t>缓冲区</a:t>
             </a:r>
             <a:r>
-              <a:rPr kumimoji="1" lang="en-US" altLang="zh-CN" sz="1200" dirty="0" smtClean="0"/>
+              <a:rPr kumimoji="1" lang="en-US" altLang="zh-CN" sz="1200" smtClean="0"/>
               <a:t>(buffer)</a:t>
             </a:r>
-            <a:endParaRPr kumimoji="1" lang="zh-CN" altLang="en-US" sz="1200" dirty="0"/>
+            <a:endParaRPr kumimoji="1" lang="zh-CN" altLang="en-US" sz="1200"/>
           </a:p>
         </p:txBody>
       </p:sp>
@@ -6234,14 +6203,14 @@
           <a:lstStyle/>
           <a:p>
             <a:r>
-              <a:rPr kumimoji="1" lang="zh-CN" altLang="en-US" sz="1200" dirty="0" smtClean="0"/>
+              <a:rPr kumimoji="1" lang="zh-CN" altLang="en-US" sz="1200" smtClean="0"/>
               <a:t>缓冲区</a:t>
             </a:r>
             <a:r>
-              <a:rPr kumimoji="1" lang="en-US" altLang="zh-CN" sz="1200" dirty="0" smtClean="0"/>
+              <a:rPr kumimoji="1" lang="en-US" altLang="zh-CN" sz="1200" smtClean="0"/>
               <a:t>(buffer)</a:t>
             </a:r>
-            <a:endParaRPr kumimoji="1" lang="zh-CN" altLang="en-US" sz="1200" dirty="0"/>
+            <a:endParaRPr kumimoji="1" lang="zh-CN" altLang="en-US" sz="1200"/>
           </a:p>
         </p:txBody>
       </p:sp>
@@ -6268,25 +6237,25 @@
           <a:lstStyle/>
           <a:p>
             <a:r>
-              <a:rPr kumimoji="1" lang="zh-CN" altLang="en-US" sz="1200" dirty="0" smtClean="0"/>
+              <a:rPr kumimoji="1" lang="zh-CN" altLang="en-US" sz="1200" smtClean="0"/>
               <a:t>选择器：监视通道中的数据达到、连接打开等情况</a:t>
             </a:r>
-            <a:endParaRPr kumimoji="1" lang="en-US" altLang="zh-CN" sz="1200" dirty="0" smtClean="0"/>
-          </a:p>
-          <a:p>
-            <a:r>
-              <a:rPr kumimoji="1" lang="zh-CN" altLang="en-US" sz="1200" dirty="0" smtClean="0"/>
+            <a:endParaRPr kumimoji="1" lang="en-US" altLang="zh-CN" sz="1200" smtClean="0"/>
+          </a:p>
+          <a:p>
+            <a:r>
+              <a:rPr kumimoji="1" lang="zh-CN" altLang="en-US" sz="1200" smtClean="0"/>
               <a:t>非阻塞</a:t>
             </a:r>
             <a:r>
-              <a:rPr kumimoji="1" lang="en-US" altLang="zh-CN" sz="1200" dirty="0" smtClean="0"/>
+              <a:rPr kumimoji="1" lang="en-US" altLang="zh-CN" sz="1200" smtClean="0"/>
               <a:t>I/O</a:t>
             </a:r>
             <a:r>
-              <a:rPr kumimoji="1" lang="zh-CN" altLang="en-US" sz="1200" dirty="0" smtClean="0"/>
+              <a:rPr kumimoji="1" lang="zh-CN" altLang="en-US" sz="1200" smtClean="0"/>
               <a:t>：返回任何可用的数据</a:t>
             </a:r>
-            <a:endParaRPr kumimoji="1" lang="zh-CN" altLang="en-US" sz="1200" dirty="0"/>
+            <a:endParaRPr kumimoji="1" lang="zh-CN" altLang="en-US" sz="1200"/>
           </a:p>
         </p:txBody>
       </p:sp>
@@ -6379,10 +6348,10 @@
           <a:lstStyle/>
           <a:p>
             <a:r>
-              <a:rPr kumimoji="1" lang="zh-CN" altLang="en-US" sz="1200" dirty="0" smtClean="0"/>
+              <a:rPr kumimoji="1" lang="zh-CN" altLang="en-US" sz="1200" smtClean="0"/>
               <a:t>数据读取</a:t>
             </a:r>
-            <a:endParaRPr kumimoji="1" lang="zh-CN" altLang="en-US" sz="1200" dirty="0"/>
+            <a:endParaRPr kumimoji="1" lang="zh-CN" altLang="en-US" sz="1200"/>
           </a:p>
         </p:txBody>
       </p:sp>
@@ -6409,10 +6378,10 @@
           <a:lstStyle/>
           <a:p>
             <a:r>
-              <a:rPr kumimoji="1" lang="zh-CN" altLang="en-US" sz="1200" dirty="0" smtClean="0"/>
+              <a:rPr kumimoji="1" lang="zh-CN" altLang="en-US" sz="1200" smtClean="0"/>
               <a:t>数据写入</a:t>
             </a:r>
-            <a:endParaRPr kumimoji="1" lang="zh-CN" altLang="en-US" sz="1200" dirty="0"/>
+            <a:endParaRPr kumimoji="1" lang="zh-CN" altLang="en-US" sz="1200"/>
           </a:p>
         </p:txBody>
       </p:sp>
@@ -6453,10 +6422,10 @@
           <a:p>
             <a:pPr algn="ctr"/>
             <a:r>
-              <a:rPr kumimoji="1" lang="en-US" altLang="zh-CN" sz="1400" dirty="0" smtClean="0"/>
+              <a:rPr kumimoji="1" lang="en-US" altLang="zh-CN" sz="1400" smtClean="0"/>
               <a:t>disk</a:t>
             </a:r>
-            <a:endParaRPr kumimoji="1" lang="zh-CN" altLang="en-US" sz="1400" dirty="0"/>
+            <a:endParaRPr kumimoji="1" lang="zh-CN" altLang="en-US" sz="1400"/>
           </a:p>
         </p:txBody>
       </p:sp>
@@ -6582,18 +6551,18 @@
           <a:lstStyle/>
           <a:p>
             <a:r>
-              <a:rPr kumimoji="1" lang="zh-CN" altLang="en-US" sz="1200" dirty="0" smtClean="0"/>
+              <a:rPr kumimoji="1" lang="zh-CN" altLang="en-US" sz="1200" smtClean="0"/>
               <a:t>在传统</a:t>
             </a:r>
             <a:r>
-              <a:rPr kumimoji="1" lang="en-US" altLang="zh-CN" sz="1200" dirty="0" smtClean="0"/>
+              <a:rPr kumimoji="1" lang="en-US" altLang="zh-CN" sz="1200" smtClean="0"/>
               <a:t>IO</a:t>
             </a:r>
             <a:r>
-              <a:rPr kumimoji="1" lang="zh-CN" altLang="en-US" sz="1200" dirty="0" smtClean="0"/>
+              <a:rPr kumimoji="1" lang="zh-CN" altLang="en-US" sz="1200" smtClean="0"/>
               <a:t>中，直接使用字符流、字节流</a:t>
             </a:r>
-            <a:endParaRPr kumimoji="1" lang="zh-CN" altLang="en-US" sz="1200" dirty="0"/>
+            <a:endParaRPr kumimoji="1" lang="zh-CN" altLang="en-US" sz="1200"/>
           </a:p>
         </p:txBody>
       </p:sp>
@@ -6660,18 +6629,18 @@
           <a:lstStyle/>
           <a:p>
             <a:r>
-              <a:rPr kumimoji="1" lang="en-US" altLang="zh-CN" sz="1400" dirty="0" smtClean="0"/>
+              <a:rPr kumimoji="1" lang="en-US" altLang="zh-CN" sz="1400" smtClean="0"/>
               <a:t>Java</a:t>
             </a:r>
             <a:r>
-              <a:rPr kumimoji="1" lang="zh-CN" altLang="en-US" sz="1400" dirty="0" smtClean="0"/>
+              <a:rPr kumimoji="1" lang="zh-CN" altLang="en-US" sz="1400" smtClean="0"/>
               <a:t> </a:t>
             </a:r>
             <a:r>
-              <a:rPr kumimoji="1" lang="en-US" altLang="zh-CN" sz="1400" dirty="0" smtClean="0"/>
+              <a:rPr kumimoji="1" lang="en-US" altLang="zh-CN" sz="1400" smtClean="0"/>
               <a:t>program</a:t>
             </a:r>
-            <a:endParaRPr kumimoji="1" lang="zh-CN" altLang="en-US" sz="1400" dirty="0"/>
+            <a:endParaRPr kumimoji="1" lang="zh-CN" altLang="en-US" sz="1400"/>
           </a:p>
         </p:txBody>
       </p:sp>
@@ -6698,10 +6667,10 @@
           <a:lstStyle/>
           <a:p>
             <a:r>
-              <a:rPr kumimoji="1" lang="zh-CN" altLang="en-US" sz="1200" dirty="0" smtClean="0"/>
+              <a:rPr kumimoji="1" lang="zh-CN" altLang="en-US" sz="1200" smtClean="0"/>
               <a:t>读取</a:t>
             </a:r>
-            <a:endParaRPr kumimoji="1" lang="zh-CN" altLang="en-US" sz="1200" dirty="0"/>
+            <a:endParaRPr kumimoji="1" lang="zh-CN" altLang="en-US" sz="1200"/>
           </a:p>
         </p:txBody>
       </p:sp>
@@ -6728,10 +6697,10 @@
           <a:lstStyle/>
           <a:p>
             <a:r>
-              <a:rPr kumimoji="1" lang="zh-CN" altLang="en-US" sz="1200" dirty="0" smtClean="0"/>
+              <a:rPr kumimoji="1" lang="zh-CN" altLang="en-US" sz="1200" smtClean="0"/>
               <a:t>写入</a:t>
             </a:r>
-            <a:endParaRPr kumimoji="1" lang="zh-CN" altLang="en-US" sz="1200" dirty="0"/>
+            <a:endParaRPr kumimoji="1" lang="zh-CN" altLang="en-US" sz="1200"/>
           </a:p>
         </p:txBody>
       </p:sp>
@@ -6758,14 +6727,14 @@
           <a:lstStyle/>
           <a:p>
             <a:r>
-              <a:rPr kumimoji="1" lang="zh-CN" altLang="en-US" sz="1200" dirty="0" smtClean="0"/>
+              <a:rPr kumimoji="1" lang="zh-CN" altLang="en-US" sz="1200" smtClean="0"/>
               <a:t>通道</a:t>
             </a:r>
             <a:r>
-              <a:rPr kumimoji="1" lang="en-US" altLang="zh-CN" sz="1200" dirty="0" smtClean="0"/>
+              <a:rPr kumimoji="1" lang="en-US" altLang="zh-CN" sz="1200" smtClean="0"/>
               <a:t>(channel)</a:t>
             </a:r>
-            <a:endParaRPr kumimoji="1" lang="zh-CN" altLang="en-US" sz="1200" dirty="0"/>
+            <a:endParaRPr kumimoji="1" lang="zh-CN" altLang="en-US" sz="1200"/>
           </a:p>
         </p:txBody>
       </p:sp>
@@ -7148,10 +7117,10 @@
           <a:lstStyle/>
           <a:p>
             <a:r>
-              <a:rPr kumimoji="1" lang="zh-CN" altLang="en-US" sz="1400" dirty="0" smtClean="0"/>
+              <a:rPr kumimoji="1" lang="zh-CN" altLang="en-US" sz="1400" smtClean="0"/>
               <a:t>提供者</a:t>
             </a:r>
-            <a:endParaRPr kumimoji="1" lang="zh-CN" altLang="en-US" sz="1400" dirty="0"/>
+            <a:endParaRPr kumimoji="1" lang="zh-CN" altLang="en-US" sz="1400"/>
           </a:p>
         </p:txBody>
       </p:sp>
@@ -7178,10 +7147,10 @@
           <a:lstStyle/>
           <a:p>
             <a:r>
-              <a:rPr kumimoji="1" lang="zh-CN" altLang="en-US" sz="1400" dirty="0" smtClean="0"/>
+              <a:rPr kumimoji="1" lang="zh-CN" altLang="en-US" sz="1400" smtClean="0"/>
               <a:t>调用者</a:t>
             </a:r>
-            <a:endParaRPr kumimoji="1" lang="zh-CN" altLang="en-US" sz="1400" dirty="0"/>
+            <a:endParaRPr kumimoji="1" lang="zh-CN" altLang="en-US" sz="1400"/>
           </a:p>
         </p:txBody>
       </p:sp>
@@ -7208,10 +7177,10 @@
           <a:lstStyle/>
           <a:p>
             <a:r>
-              <a:rPr kumimoji="1" lang="zh-CN" altLang="en-US" sz="1400" dirty="0" smtClean="0"/>
+              <a:rPr kumimoji="1" lang="zh-CN" altLang="en-US" sz="1400" smtClean="0"/>
               <a:t>注册中心</a:t>
             </a:r>
-            <a:endParaRPr kumimoji="1" lang="zh-CN" altLang="en-US" sz="1400" dirty="0"/>
+            <a:endParaRPr kumimoji="1" lang="zh-CN" altLang="en-US" sz="1400"/>
           </a:p>
         </p:txBody>
       </p:sp>
@@ -7238,16 +7207,16 @@
           <a:lstStyle/>
           <a:p>
             <a:r>
-              <a:rPr kumimoji="1" lang="en-US" altLang="zh-CN" sz="1400" dirty="0" smtClean="0"/>
+              <a:rPr kumimoji="1" lang="en-US" altLang="zh-CN" sz="1400" smtClean="0"/>
               <a:t>Eureka</a:t>
             </a:r>
           </a:p>
           <a:p>
             <a:r>
-              <a:rPr kumimoji="1" lang="en-US" altLang="zh-CN" sz="1400" dirty="0" smtClean="0"/>
+              <a:rPr kumimoji="1" lang="en-US" altLang="zh-CN" sz="1400" smtClean="0"/>
               <a:t>Zookeeper</a:t>
             </a:r>
-            <a:endParaRPr kumimoji="1" lang="zh-CN" altLang="en-US" sz="1400" dirty="0"/>
+            <a:endParaRPr kumimoji="1" lang="zh-CN" altLang="en-US" sz="1400"/>
           </a:p>
         </p:txBody>
       </p:sp>
@@ -7307,10 +7276,10 @@
           <a:lstStyle/>
           <a:p>
             <a:r>
-              <a:rPr kumimoji="1" lang="zh-CN" altLang="en-US" sz="1400" dirty="0" smtClean="0"/>
+              <a:rPr kumimoji="1" lang="zh-CN" altLang="en-US" sz="1400" smtClean="0"/>
               <a:t>调用</a:t>
             </a:r>
-            <a:endParaRPr kumimoji="1" lang="zh-CN" altLang="en-US" sz="1400" dirty="0"/>
+            <a:endParaRPr kumimoji="1" lang="zh-CN" altLang="en-US" sz="1400"/>
           </a:p>
         </p:txBody>
       </p:sp>
@@ -7403,10 +7372,10 @@
           <a:lstStyle/>
           <a:p>
             <a:r>
-              <a:rPr kumimoji="1" lang="zh-CN" altLang="en-US" sz="1400" dirty="0" smtClean="0"/>
+              <a:rPr kumimoji="1" lang="zh-CN" altLang="en-US" sz="1400" smtClean="0"/>
               <a:t>注册</a:t>
             </a:r>
-            <a:endParaRPr kumimoji="1" lang="zh-CN" altLang="en-US" sz="1400" dirty="0"/>
+            <a:endParaRPr kumimoji="1" lang="zh-CN" altLang="en-US" sz="1400"/>
           </a:p>
         </p:txBody>
       </p:sp>
@@ -7433,10 +7402,10 @@
           <a:lstStyle/>
           <a:p>
             <a:r>
-              <a:rPr kumimoji="1" lang="zh-CN" altLang="en-US" sz="1400" dirty="0" smtClean="0"/>
+              <a:rPr kumimoji="1" lang="zh-CN" altLang="en-US" sz="1400" smtClean="0"/>
               <a:t>注册</a:t>
             </a:r>
-            <a:endParaRPr kumimoji="1" lang="en-US" altLang="zh-CN" sz="1400" dirty="0" smtClean="0"/>
+            <a:endParaRPr kumimoji="1" lang="en-US" altLang="zh-CN" sz="1400" smtClean="0"/>
           </a:p>
         </p:txBody>
       </p:sp>
@@ -7466,7 +7435,7 @@
               <a:rPr kumimoji="1" lang="zh-CN" altLang="en-US" sz="1400" smtClean="0"/>
               <a:t>发送心跳</a:t>
             </a:r>
-            <a:endParaRPr kumimoji="1" lang="en-US" altLang="zh-CN" sz="1400" dirty="0" smtClean="0"/>
+            <a:endParaRPr kumimoji="1" lang="en-US" altLang="zh-CN" sz="1400" smtClean="0"/>
           </a:p>
         </p:txBody>
       </p:sp>
@@ -7496,7 +7465,7 @@
               <a:rPr kumimoji="1" lang="zh-CN" altLang="en-US" sz="1400" smtClean="0"/>
               <a:t>发送心跳</a:t>
             </a:r>
-            <a:endParaRPr kumimoji="1" lang="en-US" altLang="zh-CN" sz="1400" dirty="0" smtClean="0"/>
+            <a:endParaRPr kumimoji="1" lang="en-US" altLang="zh-CN" sz="1400" smtClean="0"/>
           </a:p>
         </p:txBody>
       </p:sp>
@@ -7560,24 +7529,24 @@
           <a:lstStyle/>
           <a:p>
             <a:r>
-              <a:rPr kumimoji="1" lang="zh-CN" altLang="en-US" sz="1400" dirty="0"/>
+              <a:rPr kumimoji="1" lang="zh-CN" altLang="en-US" sz="1400"/>
               <a:t> </a:t>
             </a:r>
             <a:r>
-              <a:rPr kumimoji="1" lang="zh-CN" altLang="en-US" sz="1400" dirty="0" smtClean="0"/>
+              <a:rPr kumimoji="1" lang="zh-CN" altLang="en-US" sz="1400" smtClean="0"/>
               <a:t> </a:t>
             </a:r>
             <a:r>
-              <a:rPr kumimoji="1" lang="en-US" altLang="zh-CN" sz="1400" dirty="0" smtClean="0"/>
+              <a:rPr kumimoji="1" lang="en-US" altLang="zh-CN" sz="1400" smtClean="0"/>
               <a:t>Servlet</a:t>
             </a:r>
           </a:p>
           <a:p>
             <a:r>
-              <a:rPr kumimoji="1" lang="zh-CN" altLang="en-US" sz="1400" dirty="0" smtClean="0"/>
+              <a:rPr kumimoji="1" lang="zh-CN" altLang="en-US" sz="1400" smtClean="0"/>
               <a:t>顶级接口</a:t>
             </a:r>
-            <a:endParaRPr kumimoji="1" lang="zh-CN" altLang="en-US" sz="1400" dirty="0"/>
+            <a:endParaRPr kumimoji="1" lang="zh-CN" altLang="en-US" sz="1400"/>
           </a:p>
         </p:txBody>
       </p:sp>
@@ -7607,7 +7576,7 @@
               <a:rPr kumimoji="1" lang="en-US" altLang="zh-CN" sz="1400" smtClean="0"/>
               <a:t>GenericServlet</a:t>
             </a:r>
-            <a:endParaRPr kumimoji="1" lang="zh-CN" altLang="en-US" sz="1400" dirty="0"/>
+            <a:endParaRPr kumimoji="1" lang="zh-CN" altLang="en-US" sz="1400"/>
           </a:p>
         </p:txBody>
       </p:sp>
@@ -7637,7 +7606,7 @@
               <a:rPr kumimoji="1" lang="en-US" altLang="zh-CN" sz="1400" smtClean="0"/>
               <a:t>HttpServlet</a:t>
             </a:r>
-            <a:endParaRPr kumimoji="1" lang="zh-CN" altLang="en-US" sz="1400" dirty="0"/>
+            <a:endParaRPr kumimoji="1" lang="zh-CN" altLang="en-US" sz="1400"/>
           </a:p>
         </p:txBody>
       </p:sp>
@@ -7664,18 +7633,18 @@
           <a:lstStyle/>
           <a:p>
             <a:r>
-              <a:rPr kumimoji="1" lang="en-US" altLang="zh-CN" sz="1400" dirty="0" smtClean="0"/>
+              <a:rPr kumimoji="1" lang="en-US" altLang="zh-CN" sz="1400" smtClean="0"/>
               <a:t>Abstract</a:t>
             </a:r>
             <a:r>
-              <a:rPr kumimoji="1" lang="zh-CN" altLang="en-US" sz="1400" dirty="0" smtClean="0"/>
+              <a:rPr kumimoji="1" lang="zh-CN" altLang="en-US" sz="1400" smtClean="0"/>
               <a:t> </a:t>
             </a:r>
             <a:r>
-              <a:rPr kumimoji="1" lang="en-US" altLang="zh-CN" sz="1400" dirty="0" smtClean="0"/>
+              <a:rPr kumimoji="1" lang="en-US" altLang="zh-CN" sz="1400" smtClean="0"/>
               <a:t>class</a:t>
             </a:r>
-            <a:endParaRPr kumimoji="1" lang="zh-CN" altLang="en-US" sz="1400" dirty="0"/>
+            <a:endParaRPr kumimoji="1" lang="zh-CN" altLang="en-US" sz="1400"/>
           </a:p>
         </p:txBody>
       </p:sp>
@@ -7841,14 +7810,14 @@
           <a:lstStyle/>
           <a:p>
             <a:r>
-              <a:rPr kumimoji="1" lang="zh-CN" altLang="en-US" sz="1400" dirty="0"/>
+              <a:rPr kumimoji="1" lang="zh-CN" altLang="en-US" sz="1400"/>
               <a:t> </a:t>
             </a:r>
             <a:r>
-              <a:rPr kumimoji="1" lang="en-US" altLang="zh-CN" sz="1400" dirty="0" err="1" smtClean="0"/>
+              <a:rPr kumimoji="1" lang="en-US" altLang="zh-CN" sz="1400" err="1" smtClean="0"/>
               <a:t>ServletRequest</a:t>
             </a:r>
-            <a:endParaRPr kumimoji="1" lang="en-US" altLang="zh-CN" sz="1400" dirty="0" smtClean="0"/>
+            <a:endParaRPr kumimoji="1" lang="en-US" altLang="zh-CN" sz="1400" smtClean="0"/>
           </a:p>
         </p:txBody>
       </p:sp>
@@ -7875,18 +7844,18 @@
           <a:lstStyle/>
           <a:p>
             <a:r>
-              <a:rPr kumimoji="1" lang="zh-CN" altLang="en-US" sz="1400" dirty="0"/>
+              <a:rPr kumimoji="1" lang="zh-CN" altLang="en-US" sz="1400"/>
               <a:t> </a:t>
             </a:r>
             <a:r>
-              <a:rPr kumimoji="1" lang="zh-CN" altLang="en-US" sz="1400" dirty="0" smtClean="0"/>
+              <a:rPr kumimoji="1" lang="zh-CN" altLang="en-US" sz="1400" smtClean="0"/>
               <a:t> </a:t>
             </a:r>
             <a:r>
-              <a:rPr kumimoji="1" lang="en-US" altLang="zh-CN" sz="1400" dirty="0" err="1" smtClean="0"/>
+              <a:rPr kumimoji="1" lang="en-US" altLang="zh-CN" sz="1400" err="1" smtClean="0"/>
               <a:t>ServletResponse</a:t>
             </a:r>
-            <a:endParaRPr kumimoji="1" lang="en-US" altLang="zh-CN" sz="1400" dirty="0" smtClean="0"/>
+            <a:endParaRPr kumimoji="1" lang="en-US" altLang="zh-CN" sz="1400" smtClean="0"/>
           </a:p>
         </p:txBody>
       </p:sp>
@@ -7913,18 +7882,18 @@
           <a:lstStyle/>
           <a:p>
             <a:r>
-              <a:rPr kumimoji="1" lang="zh-CN" altLang="en-US" sz="1400" dirty="0"/>
+              <a:rPr kumimoji="1" lang="zh-CN" altLang="en-US" sz="1400"/>
               <a:t> </a:t>
             </a:r>
             <a:r>
-              <a:rPr kumimoji="1" lang="zh-CN" altLang="en-US" sz="1400" dirty="0" smtClean="0"/>
+              <a:rPr kumimoji="1" lang="zh-CN" altLang="en-US" sz="1400" smtClean="0"/>
               <a:t> </a:t>
             </a:r>
             <a:r>
-              <a:rPr kumimoji="1" lang="en-US" altLang="zh-CN" sz="1400" dirty="0" err="1" smtClean="0"/>
+              <a:rPr kumimoji="1" lang="en-US" altLang="zh-CN" sz="1400" err="1" smtClean="0"/>
               <a:t>ServletConfig</a:t>
             </a:r>
-            <a:endParaRPr kumimoji="1" lang="en-US" altLang="zh-CN" sz="1400" dirty="0" smtClean="0"/>
+            <a:endParaRPr kumimoji="1" lang="en-US" altLang="zh-CN" sz="1400" smtClean="0"/>
           </a:p>
         </p:txBody>
       </p:sp>
@@ -7951,14 +7920,14 @@
           <a:lstStyle/>
           <a:p>
             <a:r>
-              <a:rPr kumimoji="1" lang="zh-CN" altLang="en-US" sz="1400" dirty="0"/>
+              <a:rPr kumimoji="1" lang="zh-CN" altLang="en-US" sz="1400"/>
               <a:t> </a:t>
             </a:r>
             <a:r>
-              <a:rPr kumimoji="1" lang="en-US" altLang="zh-CN" sz="1400" dirty="0" err="1" smtClean="0"/>
+              <a:rPr kumimoji="1" lang="en-US" altLang="zh-CN" sz="1400" err="1" smtClean="0"/>
               <a:t>HttpServletRequest</a:t>
             </a:r>
-            <a:endParaRPr kumimoji="1" lang="en-US" altLang="zh-CN" sz="1400" dirty="0" smtClean="0"/>
+            <a:endParaRPr kumimoji="1" lang="en-US" altLang="zh-CN" sz="1400" smtClean="0"/>
           </a:p>
         </p:txBody>
       </p:sp>
@@ -7985,14 +7954,14 @@
           <a:lstStyle/>
           <a:p>
             <a:r>
-              <a:rPr kumimoji="1" lang="zh-CN" altLang="en-US" sz="1400" dirty="0"/>
+              <a:rPr kumimoji="1" lang="zh-CN" altLang="en-US" sz="1400"/>
               <a:t> </a:t>
             </a:r>
             <a:r>
-              <a:rPr kumimoji="1" lang="en-US" altLang="zh-CN" sz="1400" dirty="0" err="1" smtClean="0"/>
+              <a:rPr kumimoji="1" lang="en-US" altLang="zh-CN" sz="1400" err="1" smtClean="0"/>
               <a:t>HttpServletResponse</a:t>
             </a:r>
-            <a:endParaRPr kumimoji="1" lang="en-US" altLang="zh-CN" sz="1400" dirty="0" smtClean="0"/>
+            <a:endParaRPr kumimoji="1" lang="en-US" altLang="zh-CN" sz="1400" smtClean="0"/>
           </a:p>
         </p:txBody>
       </p:sp>
@@ -8087,66 +8056,66 @@
           <a:lstStyle/>
           <a:p>
             <a:r>
-              <a:rPr kumimoji="1" lang="en-US" altLang="zh-CN" sz="1400" dirty="0" smtClean="0"/>
+              <a:rPr kumimoji="1" lang="en-US" altLang="zh-CN" sz="1400" smtClean="0"/>
               <a:t>1.init(</a:t>
             </a:r>
             <a:r>
-              <a:rPr kumimoji="1" lang="en-US" altLang="zh-CN" sz="1400" dirty="0" err="1" smtClean="0"/>
+              <a:rPr kumimoji="1" lang="en-US" altLang="zh-CN" sz="1400" err="1" smtClean="0"/>
               <a:t>ServletConfig</a:t>
             </a:r>
             <a:r>
-              <a:rPr kumimoji="1" lang="en-US" altLang="zh-CN" sz="1400" dirty="0" smtClean="0"/>
+              <a:rPr kumimoji="1" lang="en-US" altLang="zh-CN" sz="1400" smtClean="0"/>
               <a:t>)</a:t>
             </a:r>
           </a:p>
           <a:p>
             <a:r>
-              <a:rPr kumimoji="1" lang="en-US" altLang="zh-CN" sz="1400" dirty="0" smtClean="0"/>
+              <a:rPr kumimoji="1" lang="en-US" altLang="zh-CN" sz="1400" smtClean="0"/>
               <a:t>2.destroy()</a:t>
             </a:r>
           </a:p>
           <a:p>
             <a:r>
-              <a:rPr kumimoji="1" lang="en-US" altLang="zh-CN" sz="1400" dirty="0" smtClean="0"/>
+              <a:rPr kumimoji="1" lang="en-US" altLang="zh-CN" sz="1400" smtClean="0"/>
               <a:t>3.service(</a:t>
             </a:r>
             <a:r>
-              <a:rPr kumimoji="1" lang="en-US" altLang="zh-CN" sz="1400" dirty="0" err="1" smtClean="0"/>
+              <a:rPr kumimoji="1" lang="en-US" altLang="zh-CN" sz="1400" err="1" smtClean="0"/>
               <a:t>ServletRequest</a:t>
             </a:r>
             <a:r>
-              <a:rPr kumimoji="1" lang="zh-CN" altLang="en-US" sz="1400" dirty="0" smtClean="0"/>
+              <a:rPr kumimoji="1" lang="zh-CN" altLang="en-US" sz="1400" smtClean="0"/>
               <a:t> </a:t>
             </a:r>
             <a:r>
-              <a:rPr kumimoji="1" lang="en-US" altLang="zh-CN" sz="1400" dirty="0" smtClean="0"/>
+              <a:rPr kumimoji="1" lang="en-US" altLang="zh-CN" sz="1400" smtClean="0"/>
               <a:t>,</a:t>
             </a:r>
             <a:r>
-              <a:rPr kumimoji="1" lang="zh-CN" altLang="en-US" sz="1400" dirty="0"/>
+              <a:rPr kumimoji="1" lang="zh-CN" altLang="en-US" sz="1400"/>
               <a:t> </a:t>
             </a:r>
             <a:r>
-              <a:rPr kumimoji="1" lang="en-US" altLang="zh-CN" sz="1400" dirty="0" err="1" smtClean="0"/>
+              <a:rPr kumimoji="1" lang="en-US" altLang="zh-CN" sz="1400" err="1" smtClean="0"/>
               <a:t>SerlvetResponse</a:t>
             </a:r>
             <a:r>
-              <a:rPr kumimoji="1" lang="en-US" altLang="zh-CN" sz="1400" dirty="0" smtClean="0"/>
+              <a:rPr kumimoji="1" lang="en-US" altLang="zh-CN" sz="1400" smtClean="0"/>
               <a:t>)</a:t>
             </a:r>
           </a:p>
           <a:p>
             <a:r>
-              <a:rPr kumimoji="1" lang="en-US" altLang="zh-CN" sz="1400" dirty="0" smtClean="0"/>
+              <a:rPr kumimoji="1" lang="en-US" altLang="zh-CN" sz="1400" smtClean="0"/>
               <a:t>4.getServletConfig()</a:t>
             </a:r>
           </a:p>
           <a:p>
             <a:r>
-              <a:rPr kumimoji="1" lang="en-US" altLang="zh-CN" sz="1400" dirty="0" smtClean="0"/>
+              <a:rPr kumimoji="1" lang="en-US" altLang="zh-CN" sz="1400" smtClean="0"/>
               <a:t>5.getServletInfo()</a:t>
             </a:r>
-            <a:endParaRPr kumimoji="1" lang="zh-CN" altLang="en-US" sz="1400" dirty="0"/>
+            <a:endParaRPr kumimoji="1" lang="zh-CN" altLang="en-US" sz="1400"/>
           </a:p>
         </p:txBody>
       </p:sp>
@@ -8206,10 +8175,10 @@
           <a:lstStyle/>
           <a:p>
             <a:r>
-              <a:rPr kumimoji="1" lang="zh-CN" altLang="en-US" sz="1400" dirty="0" smtClean="0"/>
+              <a:rPr kumimoji="1" lang="zh-CN" altLang="en-US" sz="1400" smtClean="0"/>
               <a:t>客户端请求接口</a:t>
             </a:r>
-            <a:endParaRPr kumimoji="1" lang="zh-CN" altLang="en-US" sz="1400" dirty="0"/>
+            <a:endParaRPr kumimoji="1" lang="zh-CN" altLang="en-US" sz="1400"/>
           </a:p>
         </p:txBody>
       </p:sp>
@@ -8306,40 +8275,40 @@
           <a:lstStyle/>
           <a:p>
             <a:r>
-              <a:rPr kumimoji="1" lang="zh-CN" altLang="en-US" sz="1200" dirty="0" smtClean="0"/>
+              <a:rPr kumimoji="1" lang="zh-CN" altLang="en-US" sz="1200" smtClean="0"/>
               <a:t>提供了与</a:t>
             </a:r>
             <a:r>
-              <a:rPr kumimoji="1" lang="en-US" altLang="zh-CN" sz="1200" dirty="0" smtClean="0"/>
+              <a:rPr kumimoji="1" lang="en-US" altLang="zh-CN" sz="1200" smtClean="0"/>
               <a:t>http</a:t>
             </a:r>
             <a:r>
-              <a:rPr kumimoji="1" lang="zh-CN" altLang="en-US" sz="1200" dirty="0" smtClean="0"/>
+              <a:rPr kumimoji="1" lang="zh-CN" altLang="en-US" sz="1200" smtClean="0"/>
               <a:t>协议相关实现，所有</a:t>
             </a:r>
             <a:r>
-              <a:rPr kumimoji="1" lang="en-US" altLang="zh-CN" sz="1200" dirty="0" smtClean="0"/>
+              <a:rPr kumimoji="1" lang="en-US" altLang="zh-CN" sz="1200" smtClean="0"/>
               <a:t>java</a:t>
             </a:r>
             <a:r>
-              <a:rPr kumimoji="1" lang="zh-CN" altLang="en-US" sz="1200" dirty="0" smtClean="0"/>
+              <a:rPr kumimoji="1" lang="zh-CN" altLang="en-US" sz="1200" smtClean="0"/>
               <a:t> </a:t>
             </a:r>
             <a:r>
-              <a:rPr kumimoji="1" lang="en-US" altLang="zh-CN" sz="1200" dirty="0" smtClean="0"/>
+              <a:rPr kumimoji="1" lang="en-US" altLang="zh-CN" sz="1200" smtClean="0"/>
               <a:t>web</a:t>
             </a:r>
           </a:p>
           <a:p>
             <a:r>
-              <a:rPr kumimoji="1" lang="zh-CN" altLang="en-US" sz="1200" dirty="0" smtClean="0"/>
+              <a:rPr kumimoji="1" lang="zh-CN" altLang="en-US" sz="1200" smtClean="0"/>
               <a:t>自定义开发，都实现</a:t>
             </a:r>
             <a:r>
-              <a:rPr kumimoji="1" lang="en-US" altLang="zh-CN" sz="1200" dirty="0" err="1" smtClean="0"/>
+              <a:rPr kumimoji="1" lang="en-US" altLang="zh-CN" sz="1200" err="1" smtClean="0"/>
               <a:t>HttpServlet</a:t>
             </a:r>
-            <a:endParaRPr kumimoji="1" lang="zh-CN" altLang="en-US" sz="1200" dirty="0"/>
+            <a:endParaRPr kumimoji="1" lang="zh-CN" altLang="en-US" sz="1200"/>
           </a:p>
         </p:txBody>
       </p:sp>
@@ -8366,14 +8335,14 @@
           <a:lstStyle/>
           <a:p>
             <a:r>
-              <a:rPr kumimoji="1" lang="en-US" altLang="zh-CN" sz="1400" dirty="0" smtClean="0"/>
+              <a:rPr kumimoji="1" lang="en-US" altLang="zh-CN" sz="1400" smtClean="0"/>
               <a:t>Http</a:t>
             </a:r>
             <a:r>
-              <a:rPr kumimoji="1" lang="zh-CN" altLang="en-US" sz="1400" dirty="0" smtClean="0"/>
+              <a:rPr kumimoji="1" lang="zh-CN" altLang="en-US" sz="1400" smtClean="0"/>
               <a:t>协议相关接口</a:t>
             </a:r>
-            <a:endParaRPr kumimoji="1" lang="zh-CN" altLang="en-US" sz="1400" dirty="0"/>
+            <a:endParaRPr kumimoji="1" lang="zh-CN" altLang="en-US" sz="1400"/>
           </a:p>
         </p:txBody>
       </p:sp>
@@ -8466,7 +8435,7 @@
           <a:lstStyle/>
           <a:p>
             <a:r>
-              <a:rPr kumimoji="1" lang="en-US" altLang="zh-CN" sz="1200" b="1" dirty="0" err="1" smtClean="0">
+              <a:rPr kumimoji="1" lang="en-US" altLang="zh-CN" sz="1200" b="1" err="1" smtClean="0">
                 <a:solidFill>
                   <a:srgbClr val="FF0000"/>
                 </a:solidFill>
@@ -8474,138 +8443,138 @@
               <a:t>ServletContext</a:t>
             </a:r>
             <a:r>
-              <a:rPr kumimoji="1" lang="zh-CN" altLang="en-US" sz="1200" dirty="0" smtClean="0"/>
+              <a:rPr kumimoji="1" lang="zh-CN" altLang="en-US" sz="1200" smtClean="0"/>
               <a:t>：是</a:t>
             </a:r>
             <a:r>
-              <a:rPr kumimoji="1" lang="en-US" altLang="zh-CN" sz="1200" dirty="0" smtClean="0"/>
+              <a:rPr kumimoji="1" lang="en-US" altLang="zh-CN" sz="1200" smtClean="0"/>
               <a:t>servlet</a:t>
             </a:r>
             <a:r>
-              <a:rPr kumimoji="1" lang="zh-CN" altLang="en-US" sz="1200" dirty="0" smtClean="0"/>
+              <a:rPr kumimoji="1" lang="zh-CN" altLang="en-US" sz="1200" smtClean="0"/>
               <a:t>和</a:t>
             </a:r>
             <a:r>
-              <a:rPr kumimoji="1" lang="en-US" altLang="zh-CN" sz="1200" dirty="0" smtClean="0"/>
+              <a:rPr kumimoji="1" lang="en-US" altLang="zh-CN" sz="1200" smtClean="0"/>
               <a:t>servlet</a:t>
             </a:r>
             <a:r>
-              <a:rPr kumimoji="1" lang="zh-CN" altLang="en-US" sz="1200" dirty="0" smtClean="0"/>
+              <a:rPr kumimoji="1" lang="zh-CN" altLang="en-US" sz="1200" smtClean="0"/>
               <a:t>容器之间通信的接口。</a:t>
             </a:r>
             <a:r>
-              <a:rPr kumimoji="1" lang="en-US" altLang="zh-CN" sz="1200" dirty="0"/>
+              <a:rPr kumimoji="1" lang="en-US" altLang="zh-CN" sz="1200"/>
               <a:t>Servlet</a:t>
             </a:r>
             <a:r>
-              <a:rPr kumimoji="1" lang="zh-CN" altLang="en-US" sz="1200" dirty="0"/>
+              <a:rPr kumimoji="1" lang="zh-CN" altLang="en-US" sz="1200"/>
               <a:t>容器在启动一个</a:t>
             </a:r>
             <a:r>
-              <a:rPr kumimoji="1" lang="en-US" altLang="zh-CN" sz="1200" dirty="0"/>
+              <a:rPr kumimoji="1" lang="en-US" altLang="zh-CN" sz="1200"/>
               <a:t>Web</a:t>
             </a:r>
             <a:r>
-              <a:rPr kumimoji="1" lang="zh-CN" altLang="en-US" sz="1200" dirty="0"/>
+              <a:rPr kumimoji="1" lang="zh-CN" altLang="en-US" sz="1200"/>
               <a:t>应用时，会为它创建一个</a:t>
             </a:r>
             <a:r>
-              <a:rPr kumimoji="1" lang="en-US" altLang="zh-CN" sz="1200" dirty="0" err="1"/>
+              <a:rPr kumimoji="1" lang="en-US" altLang="zh-CN" sz="1200" err="1"/>
               <a:t>ServletContext</a:t>
             </a:r>
             <a:r>
-              <a:rPr kumimoji="1" lang="zh-CN" altLang="en-US" sz="1200" dirty="0"/>
+              <a:rPr kumimoji="1" lang="zh-CN" altLang="en-US" sz="1200"/>
               <a:t>对象</a:t>
             </a:r>
             <a:r>
-              <a:rPr kumimoji="1" lang="zh-CN" altLang="en-US" sz="1200" dirty="0" smtClean="0"/>
+              <a:rPr kumimoji="1" lang="zh-CN" altLang="en-US" sz="1200" smtClean="0"/>
               <a:t>。</a:t>
             </a:r>
-            <a:endParaRPr kumimoji="1" lang="en-US" altLang="zh-CN" sz="1200" dirty="0" smtClean="0"/>
-          </a:p>
-          <a:p>
-            <a:r>
-              <a:rPr kumimoji="1" lang="zh-CN" altLang="en-US" sz="1200" dirty="0" smtClean="0"/>
+            <a:endParaRPr kumimoji="1" lang="en-US" altLang="zh-CN" sz="1200" smtClean="0"/>
+          </a:p>
+          <a:p>
+            <a:r>
+              <a:rPr kumimoji="1" lang="zh-CN" altLang="en-US" sz="1200" smtClean="0"/>
               <a:t>每个</a:t>
             </a:r>
             <a:r>
-              <a:rPr kumimoji="1" lang="en-US" altLang="zh-CN" sz="1200" dirty="0"/>
+              <a:rPr kumimoji="1" lang="en-US" altLang="zh-CN" sz="1200"/>
               <a:t>Web</a:t>
             </a:r>
             <a:r>
-              <a:rPr kumimoji="1" lang="zh-CN" altLang="en-US" sz="1200" dirty="0"/>
+              <a:rPr kumimoji="1" lang="zh-CN" altLang="en-US" sz="1200"/>
               <a:t>应用都有唯一的</a:t>
             </a:r>
             <a:r>
-              <a:rPr kumimoji="1" lang="en-US" altLang="zh-CN" sz="1200" dirty="0" err="1"/>
+              <a:rPr kumimoji="1" lang="en-US" altLang="zh-CN" sz="1200" err="1"/>
               <a:t>ServletContext</a:t>
             </a:r>
             <a:r>
-              <a:rPr kumimoji="1" lang="zh-CN" altLang="en-US" sz="1200" dirty="0"/>
+              <a:rPr kumimoji="1" lang="zh-CN" altLang="en-US" sz="1200"/>
               <a:t>对象，可以把</a:t>
             </a:r>
             <a:r>
-              <a:rPr kumimoji="1" lang="en-US" altLang="zh-CN" sz="1200" dirty="0" err="1"/>
+              <a:rPr kumimoji="1" lang="en-US" altLang="zh-CN" sz="1200" err="1"/>
               <a:t>ServletContext</a:t>
             </a:r>
             <a:r>
-              <a:rPr kumimoji="1" lang="zh-CN" altLang="en-US" sz="1200" dirty="0"/>
+              <a:rPr kumimoji="1" lang="zh-CN" altLang="en-US" sz="1200"/>
               <a:t>对象形象地理解为</a:t>
             </a:r>
             <a:r>
-              <a:rPr kumimoji="1" lang="en-US" altLang="zh-CN" sz="1200" dirty="0"/>
+              <a:rPr kumimoji="1" lang="en-US" altLang="zh-CN" sz="1200"/>
               <a:t>Web</a:t>
             </a:r>
             <a:r>
-              <a:rPr kumimoji="1" lang="zh-CN" altLang="en-US" sz="1200" dirty="0"/>
+              <a:rPr kumimoji="1" lang="zh-CN" altLang="en-US" sz="1200"/>
               <a:t>应用的总管家，同一个</a:t>
             </a:r>
             <a:r>
-              <a:rPr kumimoji="1" lang="en-US" altLang="zh-CN" sz="1200" dirty="0"/>
+              <a:rPr kumimoji="1" lang="en-US" altLang="zh-CN" sz="1200"/>
               <a:t>Web</a:t>
             </a:r>
             <a:r>
-              <a:rPr kumimoji="1" lang="zh-CN" altLang="en-US" sz="1200" dirty="0"/>
+              <a:rPr kumimoji="1" lang="zh-CN" altLang="en-US" sz="1200"/>
               <a:t>应用中的所有</a:t>
             </a:r>
             <a:r>
-              <a:rPr kumimoji="1" lang="en-US" altLang="zh-CN" sz="1200" dirty="0"/>
+              <a:rPr kumimoji="1" lang="en-US" altLang="zh-CN" sz="1200"/>
               <a:t>Servlet</a:t>
             </a:r>
             <a:r>
-              <a:rPr kumimoji="1" lang="zh-CN" altLang="en-US" sz="1200" dirty="0" smtClean="0"/>
+              <a:rPr kumimoji="1" lang="zh-CN" altLang="en-US" sz="1200" smtClean="0"/>
               <a:t>对象</a:t>
             </a:r>
-            <a:endParaRPr kumimoji="1" lang="en-US" altLang="zh-CN" sz="1200" dirty="0" smtClean="0"/>
-          </a:p>
-          <a:p>
-            <a:r>
-              <a:rPr kumimoji="1" lang="zh-CN" altLang="en-US" sz="1200" dirty="0" smtClean="0"/>
+            <a:endParaRPr kumimoji="1" lang="en-US" altLang="zh-CN" sz="1200" smtClean="0"/>
+          </a:p>
+          <a:p>
+            <a:r>
+              <a:rPr kumimoji="1" lang="zh-CN" altLang="en-US" sz="1200" smtClean="0"/>
               <a:t>都</a:t>
             </a:r>
             <a:r>
-              <a:rPr kumimoji="1" lang="zh-CN" altLang="en-US" sz="1200" dirty="0"/>
+              <a:rPr kumimoji="1" lang="zh-CN" altLang="en-US" sz="1200"/>
               <a:t>共享一个</a:t>
             </a:r>
             <a:r>
-              <a:rPr kumimoji="1" lang="en-US" altLang="zh-CN" sz="1200" dirty="0" err="1"/>
+              <a:rPr kumimoji="1" lang="en-US" altLang="zh-CN" sz="1200" err="1"/>
               <a:t>ServletContext</a:t>
             </a:r>
             <a:r>
-              <a:rPr kumimoji="1" lang="zh-CN" altLang="en-US" sz="1200" dirty="0"/>
+              <a:rPr kumimoji="1" lang="zh-CN" altLang="en-US" sz="1200"/>
               <a:t>，</a:t>
             </a:r>
             <a:r>
-              <a:rPr kumimoji="1" lang="en-US" altLang="zh-CN" sz="1200" dirty="0"/>
+              <a:rPr kumimoji="1" lang="en-US" altLang="zh-CN" sz="1200"/>
               <a:t>Servlet</a:t>
             </a:r>
             <a:r>
-              <a:rPr kumimoji="1" lang="zh-CN" altLang="en-US" sz="1200" dirty="0"/>
+              <a:rPr kumimoji="1" lang="zh-CN" altLang="en-US" sz="1200"/>
               <a:t>对象可以通过其访问容器中的各种资源。</a:t>
             </a:r>
           </a:p>
           <a:p>
-            <a:endParaRPr kumimoji="1" lang="zh-CN" altLang="en-US" sz="1200" dirty="0"/>
+            <a:endParaRPr kumimoji="1" lang="zh-CN" altLang="en-US" sz="1200"/>
           </a:p>
         </p:txBody>
       </p:sp>
@@ -8683,7 +8652,7 @@
           <a:lstStyle/>
           <a:p>
             <a:pPr algn="ctr"/>
-            <a:endParaRPr kumimoji="1" lang="zh-CN" altLang="en-US" dirty="0"/>
+            <a:endParaRPr kumimoji="1" lang="zh-CN" altLang="en-US"/>
           </a:p>
         </p:txBody>
       </p:sp>
@@ -8710,14 +8679,14 @@
           <a:lstStyle/>
           <a:p>
             <a:r>
-              <a:rPr kumimoji="1" lang="zh-CN" altLang="en-US" sz="1100" dirty="0" smtClean="0"/>
+              <a:rPr kumimoji="1" lang="zh-CN" altLang="en-US" sz="1100" smtClean="0"/>
               <a:t>通信实体</a:t>
             </a:r>
             <a:r>
-              <a:rPr kumimoji="1" lang="en-US" altLang="zh-CN" sz="1100" dirty="0" smtClean="0"/>
+              <a:rPr kumimoji="1" lang="en-US" altLang="zh-CN" sz="1100" smtClean="0"/>
               <a:t>1</a:t>
             </a:r>
-            <a:endParaRPr kumimoji="1" lang="zh-CN" altLang="en-US" sz="1100" dirty="0"/>
+            <a:endParaRPr kumimoji="1" lang="zh-CN" altLang="en-US" sz="1100"/>
           </a:p>
         </p:txBody>
       </p:sp>
@@ -8785,14 +8754,14 @@
           <a:lstStyle/>
           <a:p>
             <a:r>
-              <a:rPr kumimoji="1" lang="zh-CN" altLang="en-US" sz="1100" dirty="0" smtClean="0"/>
+              <a:rPr kumimoji="1" lang="zh-CN" altLang="en-US" sz="1100" smtClean="0"/>
               <a:t>通信实体</a:t>
             </a:r>
             <a:r>
-              <a:rPr kumimoji="1" lang="en-US" altLang="zh-CN" sz="1100" dirty="0"/>
+              <a:rPr kumimoji="1" lang="en-US" altLang="zh-CN" sz="1100"/>
               <a:t>2</a:t>
             </a:r>
-            <a:endParaRPr kumimoji="1" lang="zh-CN" altLang="en-US" sz="1100" dirty="0"/>
+            <a:endParaRPr kumimoji="1" lang="zh-CN" altLang="en-US" sz="1100"/>
           </a:p>
         </p:txBody>
       </p:sp>
@@ -8863,7 +8832,7 @@
               <a:rPr kumimoji="1" lang="en-US" altLang="zh-CN" sz="1100" smtClean="0"/>
               <a:t>Socket1</a:t>
             </a:r>
-            <a:endParaRPr kumimoji="1" lang="zh-CN" altLang="en-US" sz="1100" dirty="0"/>
+            <a:endParaRPr kumimoji="1" lang="zh-CN" altLang="en-US" sz="1100"/>
           </a:p>
         </p:txBody>
       </p:sp>
@@ -8931,10 +8900,10 @@
           <a:lstStyle/>
           <a:p>
             <a:r>
-              <a:rPr kumimoji="1" lang="en-US" altLang="zh-CN" sz="1100" dirty="0" smtClean="0"/>
+              <a:rPr kumimoji="1" lang="en-US" altLang="zh-CN" sz="1100" smtClean="0"/>
               <a:t>Socket2</a:t>
             </a:r>
-            <a:endParaRPr kumimoji="1" lang="zh-CN" altLang="en-US" sz="1100" dirty="0"/>
+            <a:endParaRPr kumimoji="1" lang="zh-CN" altLang="en-US" sz="1100"/>
           </a:p>
         </p:txBody>
       </p:sp>
@@ -9033,14 +9002,14 @@
           <a:lstStyle/>
           <a:p>
             <a:r>
-              <a:rPr kumimoji="1" lang="en-US" altLang="zh-CN" sz="1200" dirty="0" smtClean="0"/>
+              <a:rPr kumimoji="1" lang="en-US" altLang="zh-CN" sz="1200" smtClean="0"/>
               <a:t>Io</a:t>
             </a:r>
             <a:r>
-              <a:rPr kumimoji="1" lang="zh-CN" altLang="en-US" sz="1200" dirty="0" smtClean="0"/>
+              <a:rPr kumimoji="1" lang="zh-CN" altLang="en-US" sz="1200" smtClean="0"/>
               <a:t>操作</a:t>
             </a:r>
-            <a:endParaRPr kumimoji="1" lang="zh-CN" altLang="en-US" sz="1200" dirty="0"/>
+            <a:endParaRPr kumimoji="1" lang="zh-CN" altLang="en-US" sz="1200"/>
           </a:p>
         </p:txBody>
       </p:sp>
@@ -9067,14 +9036,14 @@
           <a:lstStyle/>
           <a:p>
             <a:r>
-              <a:rPr kumimoji="1" lang="en-US" altLang="zh-CN" sz="1200" dirty="0" smtClean="0"/>
+              <a:rPr kumimoji="1" lang="en-US" altLang="zh-CN" sz="1200" smtClean="0"/>
               <a:t>Io</a:t>
             </a:r>
             <a:r>
-              <a:rPr kumimoji="1" lang="zh-CN" altLang="en-US" sz="1200" dirty="0" smtClean="0"/>
+              <a:rPr kumimoji="1" lang="zh-CN" altLang="en-US" sz="1200" smtClean="0"/>
               <a:t>操作</a:t>
             </a:r>
-            <a:endParaRPr kumimoji="1" lang="zh-CN" altLang="en-US" sz="1200" dirty="0"/>
+            <a:endParaRPr kumimoji="1" lang="zh-CN" altLang="en-US" sz="1200"/>
           </a:p>
         </p:txBody>
       </p:sp>
@@ -9137,10 +9106,10 @@
           <a:lstStyle/>
           <a:p>
             <a:r>
-              <a:rPr kumimoji="1" lang="zh-CN" altLang="en-US" sz="1200" dirty="0" smtClean="0"/>
+              <a:rPr kumimoji="1" lang="zh-CN" altLang="en-US" sz="1200" smtClean="0"/>
               <a:t>虚拟链路</a:t>
             </a:r>
-            <a:endParaRPr kumimoji="1" lang="zh-CN" altLang="en-US" sz="1200" dirty="0"/>
+            <a:endParaRPr kumimoji="1" lang="zh-CN" altLang="en-US" sz="1200"/>
           </a:p>
         </p:txBody>
       </p:sp>
@@ -9167,14 +9136,14 @@
           <a:lstStyle/>
           <a:p>
             <a:r>
-              <a:rPr kumimoji="1" lang="en-US" altLang="zh-CN" sz="1200" dirty="0" smtClean="0"/>
+              <a:rPr kumimoji="1" lang="en-US" altLang="zh-CN" sz="1200" smtClean="0"/>
               <a:t>TCP/IP</a:t>
             </a:r>
             <a:r>
-              <a:rPr kumimoji="1" lang="zh-CN" altLang="en-US" sz="1200" dirty="0" smtClean="0"/>
+              <a:rPr kumimoji="1" lang="zh-CN" altLang="en-US" sz="1200" smtClean="0"/>
               <a:t>协议通信原理</a:t>
             </a:r>
-            <a:endParaRPr kumimoji="1" lang="zh-CN" altLang="en-US" sz="1200" dirty="0"/>
+            <a:endParaRPr kumimoji="1" lang="zh-CN" altLang="en-US" sz="1200"/>
           </a:p>
         </p:txBody>
       </p:sp>
@@ -9182,6 +9151,412 @@
     <p:extLst>
       <p:ext uri="{BB962C8B-B14F-4D97-AF65-F5344CB8AC3E}">
         <p14:creationId xmlns:p14="http://schemas.microsoft.com/office/powerpoint/2010/main" val="1609338129"/>
+      </p:ext>
+    </p:extLst>
+  </p:cSld>
+  <p:clrMapOvr>
+    <a:masterClrMapping/>
+  </p:clrMapOvr>
+</p:sld>
+</file>
+
+<file path=ppt/slides/slide15.xml><?xml version="1.0" encoding="utf-8"?>
+<p:sld xmlns:a="http://schemas.openxmlformats.org/drawingml/2006/main" xmlns:r="http://schemas.openxmlformats.org/officeDocument/2006/relationships" xmlns:p="http://schemas.openxmlformats.org/presentationml/2006/main">
+  <p:cSld>
+    <p:spTree>
+      <p:nvGrpSpPr>
+        <p:cNvPr id="1" name=""/>
+        <p:cNvGrpSpPr/>
+        <p:nvPr/>
+      </p:nvGrpSpPr>
+      <p:grpSpPr>
+        <a:xfrm>
+          <a:off x="0" y="0"/>
+          <a:ext cx="0" cy="0"/>
+          <a:chOff x="0" y="0"/>
+          <a:chExt cx="0" cy="0"/>
+        </a:xfrm>
+      </p:grpSpPr>
+      <p:pic>
+        <p:nvPicPr>
+          <p:cNvPr id="6" name="图片 5"/>
+          <p:cNvPicPr>
+            <a:picLocks noChangeAspect="1"/>
+          </p:cNvPicPr>
+          <p:nvPr/>
+        </p:nvPicPr>
+        <p:blipFill>
+          <a:blip r:embed="rId2"/>
+          <a:stretch>
+            <a:fillRect/>
+          </a:stretch>
+        </p:blipFill>
+        <p:spPr>
+          <a:xfrm>
+            <a:off x="3307168" y="1484239"/>
+            <a:ext cx="5824471" cy="3311045"/>
+          </a:xfrm>
+          <a:prstGeom prst="rect">
+            <a:avLst/>
+          </a:prstGeom>
+        </p:spPr>
+      </p:pic>
+      <p:sp>
+        <p:nvSpPr>
+          <p:cNvPr id="7" name="文本框 6"/>
+          <p:cNvSpPr txBox="1"/>
+          <p:nvPr/>
+        </p:nvSpPr>
+        <p:spPr>
+          <a:xfrm>
+            <a:off x="3391784" y="1371600"/>
+            <a:ext cx="1778051" cy="523220"/>
+          </a:xfrm>
+          <a:prstGeom prst="rect">
+            <a:avLst/>
+          </a:prstGeom>
+          <a:noFill/>
+        </p:spPr>
+        <p:txBody>
+          <a:bodyPr wrap="none" rtlCol="0">
+            <a:spAutoFit/>
+          </a:bodyPr>
+          <a:lstStyle/>
+          <a:p>
+            <a:r>
+              <a:rPr lang="en-US" altLang="zh-CN" sz="1400" smtClean="0"/>
+              <a:t>state</a:t>
+            </a:r>
+            <a:r>
+              <a:rPr lang="zh-CN" altLang="en-US" sz="1400" smtClean="0"/>
+              <a:t>：</a:t>
+            </a:r>
+            <a:r>
+              <a:rPr lang="en-US" altLang="zh-CN" sz="1400" smtClean="0"/>
+              <a:t>1</a:t>
+            </a:r>
+          </a:p>
+          <a:p>
+            <a:r>
+              <a:rPr lang="en-US" altLang="zh-CN" sz="1400" smtClean="0"/>
+              <a:t>state</a:t>
+            </a:r>
+            <a:r>
+              <a:rPr lang="zh-CN" altLang="en-US" sz="1400" smtClean="0"/>
+              <a:t>：</a:t>
+            </a:r>
+            <a:r>
+              <a:rPr lang="en-US" altLang="zh-CN" sz="1400" smtClean="0"/>
+              <a:t>2 </a:t>
+            </a:r>
+            <a:r>
+              <a:rPr lang="zh-CN" altLang="en-US" sz="1400" smtClean="0"/>
+              <a:t>增加状态值</a:t>
+            </a:r>
+            <a:endParaRPr lang="zh-CN" altLang="en-US" sz="1400"/>
+          </a:p>
+        </p:txBody>
+      </p:sp>
+      <p:cxnSp>
+        <p:nvCxnSpPr>
+          <p:cNvPr id="9" name="曲线连接符 8"/>
+          <p:cNvCxnSpPr/>
+          <p:nvPr/>
+        </p:nvCxnSpPr>
+        <p:spPr>
+          <a:xfrm rot="5400000" flipH="1" flipV="1">
+            <a:off x="2318119" y="2360654"/>
+            <a:ext cx="2062718" cy="84611"/>
+          </a:xfrm>
+          <a:prstGeom prst="curvedConnector3">
+            <a:avLst>
+              <a:gd name="adj1" fmla="val 113918"/>
+            </a:avLst>
+          </a:prstGeom>
+          <a:ln>
+            <a:tailEnd type="triangle"/>
+          </a:ln>
+        </p:spPr>
+        <p:style>
+          <a:lnRef idx="1">
+            <a:schemeClr val="accent1"/>
+          </a:lnRef>
+          <a:fillRef idx="0">
+            <a:schemeClr val="accent1"/>
+          </a:fillRef>
+          <a:effectRef idx="0">
+            <a:schemeClr val="accent1"/>
+          </a:effectRef>
+          <a:fontRef idx="minor">
+            <a:schemeClr val="tx1"/>
+          </a:fontRef>
+        </p:style>
+      </p:cxnSp>
+      <p:sp>
+        <p:nvSpPr>
+          <p:cNvPr id="21" name="文本框 20"/>
+          <p:cNvSpPr txBox="1"/>
+          <p:nvPr/>
+        </p:nvSpPr>
+        <p:spPr>
+          <a:xfrm>
+            <a:off x="513905" y="163033"/>
+            <a:ext cx="2943434" cy="677108"/>
+          </a:xfrm>
+          <a:prstGeom prst="rect">
+            <a:avLst/>
+          </a:prstGeom>
+          <a:noFill/>
+        </p:spPr>
+        <p:txBody>
+          <a:bodyPr wrap="none" rtlCol="0">
+            <a:spAutoFit/>
+          </a:bodyPr>
+          <a:lstStyle/>
+          <a:p>
+            <a:r>
+              <a:rPr lang="en-US" altLang="zh-CN" sz="1400" smtClean="0"/>
+              <a:t>AQS</a:t>
+            </a:r>
+            <a:r>
+              <a:rPr lang="zh-CN" altLang="en-US" sz="1400" smtClean="0"/>
+              <a:t>的原理：</a:t>
+            </a:r>
+            <a:endParaRPr lang="en-US" altLang="zh-CN" sz="1400" smtClean="0"/>
+          </a:p>
+          <a:p>
+            <a:r>
+              <a:rPr lang="zh-CN" altLang="en-US" sz="1200" smtClean="0"/>
+              <a:t>    独占</a:t>
+            </a:r>
+            <a:r>
+              <a:rPr lang="zh-CN" altLang="en-US" sz="1200"/>
+              <a:t>锁：</a:t>
+            </a:r>
+            <a:r>
+              <a:rPr lang="en-US" altLang="zh-CN" sz="1200"/>
+              <a:t>ReentrantLock</a:t>
+            </a:r>
+          </a:p>
+          <a:p>
+            <a:r>
+              <a:rPr lang="zh-CN" altLang="en-US" sz="1200" smtClean="0"/>
+              <a:t>    共享锁</a:t>
+            </a:r>
+            <a:r>
+              <a:rPr lang="zh-CN" altLang="en-US" sz="1200"/>
+              <a:t>：</a:t>
+            </a:r>
+            <a:r>
+              <a:rPr lang="en-US" altLang="zh-CN" sz="1200"/>
+              <a:t>Semphore</a:t>
+            </a:r>
+            <a:r>
+              <a:rPr lang="zh-CN" altLang="en-US" sz="1200"/>
+              <a:t>、</a:t>
+            </a:r>
+            <a:r>
+              <a:rPr lang="en-US" altLang="zh-CN" sz="1200" smtClean="0"/>
+              <a:t>CountDownLatch</a:t>
+            </a:r>
+            <a:endParaRPr lang="zh-CN" altLang="en-US" sz="1200"/>
+          </a:p>
+        </p:txBody>
+      </p:sp>
+      <p:sp>
+        <p:nvSpPr>
+          <p:cNvPr id="22" name="文本框 21"/>
+          <p:cNvSpPr txBox="1"/>
+          <p:nvPr/>
+        </p:nvSpPr>
+        <p:spPr>
+          <a:xfrm>
+            <a:off x="7003310" y="5153216"/>
+            <a:ext cx="4496744" cy="1354217"/>
+          </a:xfrm>
+          <a:prstGeom prst="rect">
+            <a:avLst/>
+          </a:prstGeom>
+          <a:noFill/>
+        </p:spPr>
+        <p:txBody>
+          <a:bodyPr wrap="none" rtlCol="0">
+            <a:spAutoFit/>
+          </a:bodyPr>
+          <a:lstStyle/>
+          <a:p>
+            <a:r>
+              <a:rPr lang="zh-CN" altLang="en-US" sz="1200" smtClean="0"/>
+              <a:t>获取资源伪代码：</a:t>
+            </a:r>
+            <a:endParaRPr lang="en-US" altLang="zh-CN" sz="1200" smtClean="0"/>
+          </a:p>
+          <a:p>
+            <a:r>
+              <a:rPr lang="en-US" altLang="zh-CN" sz="1400" smtClean="0"/>
+              <a:t>public </a:t>
+            </a:r>
+            <a:r>
+              <a:rPr lang="en-US" altLang="zh-CN" sz="1400"/>
+              <a:t>final void acquire(</a:t>
+            </a:r>
+            <a:r>
+              <a:rPr lang="en-US" altLang="zh-CN" sz="1400" err="1"/>
+              <a:t>int</a:t>
+            </a:r>
+            <a:r>
+              <a:rPr lang="en-US" altLang="zh-CN" sz="1400"/>
+              <a:t> </a:t>
+            </a:r>
+            <a:r>
+              <a:rPr lang="en-US" altLang="zh-CN" sz="1400" err="1"/>
+              <a:t>arg</a:t>
+            </a:r>
+            <a:r>
+              <a:rPr lang="en-US" altLang="zh-CN" sz="1400"/>
+              <a:t>) {</a:t>
+            </a:r>
+          </a:p>
+          <a:p>
+            <a:r>
+              <a:rPr lang="en-US" altLang="zh-CN" sz="1400"/>
+              <a:t>    if (!</a:t>
+            </a:r>
+            <a:r>
+              <a:rPr lang="en-US" altLang="zh-CN" sz="1400" err="1"/>
+              <a:t>tryAcquire</a:t>
+            </a:r>
+            <a:r>
+              <a:rPr lang="en-US" altLang="zh-CN" sz="1400"/>
+              <a:t>(</a:t>
+            </a:r>
+            <a:r>
+              <a:rPr lang="en-US" altLang="zh-CN" sz="1400" err="1"/>
+              <a:t>arg</a:t>
+            </a:r>
+            <a:r>
+              <a:rPr lang="en-US" altLang="zh-CN" sz="1400"/>
+              <a:t>) &amp;&amp;</a:t>
+            </a:r>
+          </a:p>
+          <a:p>
+            <a:r>
+              <a:rPr lang="en-US" altLang="zh-CN" sz="1400"/>
+              <a:t>        </a:t>
+            </a:r>
+            <a:r>
+              <a:rPr lang="en-US" altLang="zh-CN" sz="1400" err="1"/>
+              <a:t>acquireQueued</a:t>
+            </a:r>
+            <a:r>
+              <a:rPr lang="en-US" altLang="zh-CN" sz="1400"/>
+              <a:t>(</a:t>
+            </a:r>
+            <a:r>
+              <a:rPr lang="en-US" altLang="zh-CN" sz="1400" err="1"/>
+              <a:t>addWaiter</a:t>
+            </a:r>
+            <a:r>
+              <a:rPr lang="en-US" altLang="zh-CN" sz="1400"/>
+              <a:t>(</a:t>
+            </a:r>
+            <a:r>
+              <a:rPr lang="en-US" altLang="zh-CN" sz="1400" err="1"/>
+              <a:t>Node.EXCLUSIVE</a:t>
+            </a:r>
+            <a:r>
+              <a:rPr lang="en-US" altLang="zh-CN" sz="1400"/>
+              <a:t>), </a:t>
+            </a:r>
+            <a:r>
+              <a:rPr lang="en-US" altLang="zh-CN" sz="1400" err="1"/>
+              <a:t>arg</a:t>
+            </a:r>
+            <a:r>
+              <a:rPr lang="en-US" altLang="zh-CN" sz="1400"/>
+              <a:t>))</a:t>
+            </a:r>
+          </a:p>
+          <a:p>
+            <a:r>
+              <a:rPr lang="en-US" altLang="zh-CN" sz="1400"/>
+              <a:t>         </a:t>
+            </a:r>
+            <a:r>
+              <a:rPr lang="en-US" altLang="zh-CN" sz="1400" err="1"/>
+              <a:t>selfInterrupt</a:t>
+            </a:r>
+            <a:r>
+              <a:rPr lang="en-US" altLang="zh-CN" sz="1400"/>
+              <a:t>();</a:t>
+            </a:r>
+          </a:p>
+          <a:p>
+            <a:r>
+              <a:rPr lang="en-US" altLang="zh-CN" sz="1400"/>
+              <a:t>}</a:t>
+            </a:r>
+            <a:endParaRPr lang="zh-CN" altLang="en-US" sz="1400"/>
+          </a:p>
+        </p:txBody>
+      </p:sp>
+      <p:sp>
+        <p:nvSpPr>
+          <p:cNvPr id="23" name="文本框 22"/>
+          <p:cNvSpPr txBox="1"/>
+          <p:nvPr/>
+        </p:nvSpPr>
+        <p:spPr>
+          <a:xfrm>
+            <a:off x="7357729" y="316921"/>
+            <a:ext cx="3353803" cy="461665"/>
+          </a:xfrm>
+          <a:prstGeom prst="rect">
+            <a:avLst/>
+          </a:prstGeom>
+          <a:noFill/>
+        </p:spPr>
+        <p:txBody>
+          <a:bodyPr wrap="none" rtlCol="0">
+            <a:spAutoFit/>
+          </a:bodyPr>
+          <a:lstStyle/>
+          <a:p>
+            <a:r>
+              <a:rPr lang="en-US" altLang="zh-CN" sz="1200" smtClean="0"/>
+              <a:t>Node</a:t>
+            </a:r>
+            <a:r>
+              <a:rPr lang="zh-CN" altLang="en-US" sz="1200" smtClean="0"/>
+              <a:t>：底层有个</a:t>
+            </a:r>
+            <a:r>
+              <a:rPr lang="en-US" altLang="zh-CN" sz="1200" smtClean="0"/>
+              <a:t>node</a:t>
+            </a:r>
+            <a:r>
+              <a:rPr lang="zh-CN" altLang="en-US" sz="1200" smtClean="0"/>
+              <a:t>，封装了当前线程的信息</a:t>
+            </a:r>
+            <a:endParaRPr lang="en-US" altLang="zh-CN" sz="1200" smtClean="0"/>
+          </a:p>
+          <a:p>
+            <a:r>
+              <a:rPr lang="en-US" altLang="zh-CN" sz="1200" smtClean="0"/>
+              <a:t>state</a:t>
+            </a:r>
+            <a:r>
+              <a:rPr lang="zh-CN" altLang="en-US" sz="1200" smtClean="0"/>
+              <a:t>：状态值</a:t>
+            </a:r>
+            <a:endParaRPr lang="zh-CN" altLang="en-US" sz="1200"/>
+          </a:p>
+        </p:txBody>
+      </p:sp>
+    </p:spTree>
+    <p:extLst>
+      <p:ext uri="{BB962C8B-B14F-4D97-AF65-F5344CB8AC3E}">
+        <p14:creationId xmlns:p14="http://schemas.microsoft.com/office/powerpoint/2010/main" val="1401220142"/>
       </p:ext>
     </p:extLst>
   </p:cSld>
@@ -9246,14 +9621,14 @@
           <a:p>
             <a:pPr algn="ctr"/>
             <a:r>
-              <a:rPr kumimoji="1" lang="en-US" altLang="zh-CN" dirty="0" smtClean="0">
+              <a:rPr kumimoji="1" lang="en-US" altLang="zh-CN" smtClean="0">
                 <a:solidFill>
                   <a:schemeClr val="bg1"/>
                 </a:solidFill>
               </a:rPr>
               <a:t>m</a:t>
             </a:r>
-            <a:endParaRPr kumimoji="1" lang="zh-CN" altLang="en-US" dirty="0">
+            <a:endParaRPr kumimoji="1" lang="zh-CN" altLang="en-US">
               <a:solidFill>
                 <a:schemeClr val="bg1"/>
               </a:solidFill>
@@ -9404,10 +9779,10 @@
           <a:lstStyle/>
           <a:p>
             <a:r>
-              <a:rPr kumimoji="1" lang="zh-CN" altLang="en-US" sz="1200" dirty="0" smtClean="0"/>
+              <a:rPr kumimoji="1" lang="zh-CN" altLang="en-US" sz="1200" smtClean="0"/>
               <a:t>方法区</a:t>
             </a:r>
-            <a:endParaRPr kumimoji="1" lang="zh-CN" altLang="en-US" sz="1200" dirty="0"/>
+            <a:endParaRPr kumimoji="1" lang="zh-CN" altLang="en-US" sz="1200"/>
           </a:p>
         </p:txBody>
       </p:sp>
@@ -9434,14 +9809,14 @@
           <a:lstStyle/>
           <a:p>
             <a:r>
-              <a:rPr kumimoji="1" lang="zh-CN" altLang="en-US" sz="1200" dirty="0" smtClean="0"/>
+              <a:rPr kumimoji="1" lang="zh-CN" altLang="en-US" sz="1200" smtClean="0"/>
               <a:t>堆</a:t>
             </a:r>
             <a:r>
-              <a:rPr kumimoji="1" lang="en-US" altLang="zh-CN" sz="1200" dirty="0" smtClean="0"/>
+              <a:rPr kumimoji="1" lang="en-US" altLang="zh-CN" sz="1200" smtClean="0"/>
               <a:t>(Heap)</a:t>
             </a:r>
-            <a:endParaRPr kumimoji="1" lang="zh-CN" altLang="en-US" sz="1200" dirty="0"/>
+            <a:endParaRPr kumimoji="1" lang="zh-CN" altLang="en-US" sz="1200"/>
           </a:p>
         </p:txBody>
       </p:sp>
@@ -9468,10 +9843,10 @@
           <a:lstStyle/>
           <a:p>
             <a:r>
-              <a:rPr kumimoji="1" lang="zh-CN" altLang="en-US" sz="1200" dirty="0" smtClean="0"/>
+              <a:rPr kumimoji="1" lang="zh-CN" altLang="en-US" sz="1200" smtClean="0"/>
               <a:t>栈</a:t>
             </a:r>
-            <a:endParaRPr kumimoji="1" lang="zh-CN" altLang="en-US" sz="1200" dirty="0"/>
+            <a:endParaRPr kumimoji="1" lang="zh-CN" altLang="en-US" sz="1200"/>
           </a:p>
         </p:txBody>
       </p:sp>
@@ -9498,14 +9873,14 @@
           <a:lstStyle/>
           <a:p>
             <a:r>
-              <a:rPr kumimoji="1" lang="en-US" altLang="zh-CN" sz="1200" dirty="0"/>
+              <a:rPr kumimoji="1" lang="en-US" altLang="zh-CN" sz="1200"/>
               <a:t>S</a:t>
             </a:r>
             <a:r>
-              <a:rPr kumimoji="1" lang="en-US" altLang="zh-CN" sz="1200" dirty="0" smtClean="0"/>
+              <a:rPr kumimoji="1" lang="en-US" altLang="zh-CN" sz="1200" smtClean="0"/>
               <a:t>tack</a:t>
             </a:r>
-            <a:endParaRPr kumimoji="1" lang="zh-CN" altLang="en-US" sz="1200" dirty="0"/>
+            <a:endParaRPr kumimoji="1" lang="zh-CN" altLang="en-US" sz="1200"/>
           </a:p>
         </p:txBody>
       </p:sp>
@@ -9532,35 +9907,35 @@
           <a:lstStyle/>
           <a:p>
             <a:r>
-              <a:rPr kumimoji="1" lang="zh-CN" altLang="en-US" sz="1000" dirty="0" smtClean="0"/>
+              <a:rPr kumimoji="1" lang="zh-CN" altLang="en-US" sz="1000" smtClean="0"/>
               <a:t>运行时常量池：</a:t>
             </a:r>
-            <a:endParaRPr kumimoji="1" lang="en-US" altLang="zh-CN" sz="1000" dirty="0" smtClean="0"/>
-          </a:p>
-          <a:p>
-            <a:r>
-              <a:rPr kumimoji="1" lang="zh-CN" altLang="en-US" sz="1000" dirty="0" smtClean="0"/>
+            <a:endParaRPr kumimoji="1" lang="en-US" altLang="zh-CN" sz="1000" smtClean="0"/>
+          </a:p>
+          <a:p>
+            <a:r>
+              <a:rPr kumimoji="1" lang="zh-CN" altLang="en-US" sz="1000" smtClean="0"/>
               <a:t> 字面量：整数、浮点数、字符串</a:t>
             </a:r>
-            <a:endParaRPr kumimoji="1" lang="en-US" altLang="zh-CN" sz="1000" dirty="0" smtClean="0"/>
-          </a:p>
-          <a:p>
-            <a:r>
-              <a:rPr kumimoji="1" lang="zh-CN" altLang="en-US" sz="1000" dirty="0" smtClean="0"/>
+            <a:endParaRPr kumimoji="1" lang="en-US" altLang="zh-CN" sz="1000" smtClean="0"/>
+          </a:p>
+          <a:p>
+            <a:r>
+              <a:rPr kumimoji="1" lang="zh-CN" altLang="en-US" sz="1000" smtClean="0"/>
               <a:t> 符号引用：类、字段、方法、接口</a:t>
             </a:r>
-            <a:endParaRPr kumimoji="1" lang="en-US" altLang="zh-CN" sz="1000" dirty="0" smtClean="0"/>
-          </a:p>
-          <a:p>
-            <a:r>
-              <a:rPr kumimoji="1" lang="zh-CN" altLang="en-US" sz="1000" dirty="0"/>
+            <a:endParaRPr kumimoji="1" lang="en-US" altLang="zh-CN" sz="1000" smtClean="0"/>
+          </a:p>
+          <a:p>
+            <a:r>
+              <a:rPr kumimoji="1" lang="zh-CN" altLang="en-US" sz="1000"/>
               <a:t> </a:t>
             </a:r>
             <a:r>
-              <a:rPr kumimoji="1" lang="zh-CN" altLang="en-US" sz="1000" dirty="0" smtClean="0"/>
+              <a:rPr kumimoji="1" lang="zh-CN" altLang="en-US" sz="1000" smtClean="0"/>
               <a:t>   方法符号引用</a:t>
             </a:r>
-            <a:endParaRPr kumimoji="1" lang="zh-CN" altLang="en-US" sz="1000" dirty="0"/>
+            <a:endParaRPr kumimoji="1" lang="zh-CN" altLang="en-US" sz="1000"/>
           </a:p>
         </p:txBody>
       </p:sp>
@@ -9587,10 +9962,10 @@
           <a:lstStyle/>
           <a:p>
             <a:r>
-              <a:rPr kumimoji="1" lang="zh-CN" altLang="en-US" sz="1200" dirty="0" smtClean="0"/>
+              <a:rPr kumimoji="1" lang="zh-CN" altLang="en-US" sz="1200" smtClean="0"/>
               <a:t>程序计数器</a:t>
             </a:r>
-            <a:endParaRPr kumimoji="1" lang="zh-CN" altLang="en-US" sz="1200" dirty="0"/>
+            <a:endParaRPr kumimoji="1" lang="zh-CN" altLang="en-US" sz="1200"/>
           </a:p>
         </p:txBody>
       </p:sp>
@@ -9617,10 +9992,10 @@
           <a:lstStyle/>
           <a:p>
             <a:r>
-              <a:rPr kumimoji="1" lang="zh-CN" altLang="en-US" sz="1200" dirty="0" smtClean="0"/>
+              <a:rPr kumimoji="1" lang="zh-CN" altLang="en-US" sz="1200" smtClean="0"/>
               <a:t>本地方法区</a:t>
             </a:r>
-            <a:endParaRPr kumimoji="1" lang="zh-CN" altLang="en-US" sz="1200" dirty="0"/>
+            <a:endParaRPr kumimoji="1" lang="zh-CN" altLang="en-US" sz="1200"/>
           </a:p>
         </p:txBody>
       </p:sp>
@@ -9647,14 +10022,14 @@
           <a:lstStyle/>
           <a:p>
             <a:r>
-              <a:rPr kumimoji="1" lang="en-US" altLang="zh-CN" sz="1200" dirty="0" smtClean="0"/>
+              <a:rPr kumimoji="1" lang="en-US" altLang="zh-CN" sz="1200" smtClean="0"/>
               <a:t>JVM</a:t>
             </a:r>
             <a:r>
-              <a:rPr kumimoji="1" lang="zh-CN" altLang="en-US" sz="1200" dirty="0" smtClean="0"/>
+              <a:rPr kumimoji="1" lang="zh-CN" altLang="en-US" sz="1200" smtClean="0"/>
               <a:t>运行时数据区</a:t>
             </a:r>
-            <a:endParaRPr kumimoji="1" lang="zh-CN" altLang="en-US" sz="1200" dirty="0"/>
+            <a:endParaRPr kumimoji="1" lang="zh-CN" altLang="en-US" sz="1200"/>
           </a:p>
         </p:txBody>
       </p:sp>
@@ -9681,41 +10056,41 @@
           <a:lstStyle/>
           <a:p>
             <a:r>
-              <a:rPr kumimoji="1" lang="zh-CN" altLang="en-US" sz="1100" dirty="0" smtClean="0"/>
+              <a:rPr kumimoji="1" lang="zh-CN" altLang="en-US" sz="1100" smtClean="0"/>
               <a:t>栈帧用于存储局部</a:t>
             </a:r>
-            <a:endParaRPr kumimoji="1" lang="en-US" altLang="zh-CN" sz="1100" dirty="0" smtClean="0"/>
-          </a:p>
-          <a:p>
-            <a:r>
-              <a:rPr kumimoji="1" lang="zh-CN" altLang="en-US" sz="1100" dirty="0" smtClean="0"/>
+            <a:endParaRPr kumimoji="1" lang="en-US" altLang="zh-CN" sz="1100" smtClean="0"/>
+          </a:p>
+          <a:p>
+            <a:r>
+              <a:rPr kumimoji="1" lang="zh-CN" altLang="en-US" sz="1100" smtClean="0"/>
               <a:t>变量表</a:t>
             </a:r>
             <a:r>
-              <a:rPr kumimoji="1" lang="zh-CN" altLang="en-US" sz="1100" dirty="0"/>
+              <a:rPr kumimoji="1" lang="zh-CN" altLang="en-US" sz="1100"/>
               <a:t>、</a:t>
             </a:r>
             <a:r>
-              <a:rPr kumimoji="1" lang="zh-CN" altLang="en-US" sz="1100" dirty="0" smtClean="0"/>
+              <a:rPr kumimoji="1" lang="zh-CN" altLang="en-US" sz="1100" smtClean="0"/>
               <a:t>操作数</a:t>
             </a:r>
-            <a:endParaRPr kumimoji="1" lang="en-US" altLang="zh-CN" sz="1100" dirty="0" smtClean="0"/>
-          </a:p>
-          <a:p>
-            <a:r>
-              <a:rPr kumimoji="1" lang="zh-CN" altLang="en-US" sz="1100" dirty="0" smtClean="0"/>
+            <a:endParaRPr kumimoji="1" lang="en-US" altLang="zh-CN" sz="1100" smtClean="0"/>
+          </a:p>
+          <a:p>
+            <a:r>
+              <a:rPr kumimoji="1" lang="zh-CN" altLang="en-US" sz="1100" smtClean="0"/>
               <a:t>栈</a:t>
             </a:r>
-            <a:endParaRPr kumimoji="1" lang="en-US" altLang="zh-CN" sz="1100" dirty="0" smtClean="0"/>
-          </a:p>
-          <a:p>
-            <a:endParaRPr kumimoji="1" lang="en-US" altLang="zh-CN" sz="1100" dirty="0"/>
-          </a:p>
-          <a:p>
-            <a:endParaRPr kumimoji="1" lang="en-US" altLang="zh-CN" sz="1100" dirty="0" smtClean="0"/>
-          </a:p>
-          <a:p>
-            <a:endParaRPr kumimoji="1" lang="en-US" altLang="zh-CN" sz="1100" dirty="0" smtClean="0"/>
+            <a:endParaRPr kumimoji="1" lang="en-US" altLang="zh-CN" sz="1100" smtClean="0"/>
+          </a:p>
+          <a:p>
+            <a:endParaRPr kumimoji="1" lang="en-US" altLang="zh-CN" sz="1100"/>
+          </a:p>
+          <a:p>
+            <a:endParaRPr kumimoji="1" lang="en-US" altLang="zh-CN" sz="1100" smtClean="0"/>
+          </a:p>
+          <a:p>
+            <a:endParaRPr kumimoji="1" lang="en-US" altLang="zh-CN" sz="1100" smtClean="0"/>
           </a:p>
         </p:txBody>
       </p:sp>
@@ -9871,7 +10246,7 @@
           <a:lstStyle/>
           <a:p>
             <a:pPr algn="ctr"/>
-            <a:endParaRPr kumimoji="1" lang="zh-CN" altLang="en-US" sz="1100" dirty="0">
+            <a:endParaRPr kumimoji="1" lang="zh-CN" altLang="en-US" sz="1100">
               <a:solidFill>
                 <a:schemeClr val="tx1"/>
               </a:solidFill>
@@ -9946,7 +10321,7 @@
               <a:rPr kumimoji="1" lang="zh-CN" altLang="en-US" sz="1100" smtClean="0"/>
               <a:t>老年代</a:t>
             </a:r>
-            <a:endParaRPr kumimoji="1" lang="zh-CN" altLang="en-US" sz="1100" dirty="0"/>
+            <a:endParaRPr kumimoji="1" lang="zh-CN" altLang="en-US" sz="1100"/>
           </a:p>
         </p:txBody>
       </p:sp>
@@ -9973,10 +10348,10 @@
           <a:lstStyle/>
           <a:p>
             <a:r>
-              <a:rPr kumimoji="1" lang="en-US" altLang="zh-CN" sz="1400" dirty="0" smtClean="0"/>
+              <a:rPr kumimoji="1" lang="en-US" altLang="zh-CN" sz="1400" smtClean="0"/>
               <a:t>GC</a:t>
             </a:r>
-            <a:endParaRPr kumimoji="1" lang="zh-CN" altLang="en-US" sz="1400" dirty="0"/>
+            <a:endParaRPr kumimoji="1" lang="zh-CN" altLang="en-US" sz="1400"/>
           </a:p>
         </p:txBody>
       </p:sp>
@@ -10003,10 +10378,10 @@
           <a:lstStyle/>
           <a:p>
             <a:r>
-              <a:rPr kumimoji="1" lang="zh-CN" altLang="en-US" sz="1100" dirty="0" smtClean="0"/>
+              <a:rPr kumimoji="1" lang="zh-CN" altLang="en-US" sz="1100" smtClean="0"/>
               <a:t>永久代</a:t>
             </a:r>
-            <a:endParaRPr kumimoji="1" lang="zh-CN" altLang="en-US" sz="1100" dirty="0"/>
+            <a:endParaRPr kumimoji="1" lang="zh-CN" altLang="en-US" sz="1100"/>
           </a:p>
         </p:txBody>
       </p:sp>
@@ -10074,10 +10449,10 @@
           <a:lstStyle/>
           <a:p>
             <a:r>
-              <a:rPr kumimoji="1" lang="en-US" altLang="zh-CN" sz="1400" dirty="0" smtClean="0"/>
+              <a:rPr kumimoji="1" lang="en-US" altLang="zh-CN" sz="1400" smtClean="0"/>
               <a:t>GC</a:t>
             </a:r>
-            <a:endParaRPr kumimoji="1" lang="zh-CN" altLang="en-US" sz="1400" dirty="0"/>
+            <a:endParaRPr kumimoji="1" lang="zh-CN" altLang="en-US" sz="1400"/>
           </a:p>
         </p:txBody>
       </p:sp>
@@ -10137,10 +10512,10 @@
           <a:lstStyle/>
           <a:p>
             <a:r>
-              <a:rPr kumimoji="1" lang="zh-CN" altLang="en-US" sz="1050" dirty="0" smtClean="0"/>
+              <a:rPr kumimoji="1" lang="zh-CN" altLang="en-US" sz="1050" smtClean="0"/>
               <a:t>新生代</a:t>
             </a:r>
-            <a:endParaRPr kumimoji="1" lang="zh-CN" altLang="en-US" sz="1000" dirty="0"/>
+            <a:endParaRPr kumimoji="1" lang="zh-CN" altLang="en-US" sz="1000"/>
           </a:p>
         </p:txBody>
       </p:sp>
@@ -10167,10 +10542,10 @@
           <a:lstStyle/>
           <a:p>
             <a:r>
-              <a:rPr kumimoji="1" lang="en-US" altLang="zh-CN" sz="1200" dirty="0" smtClean="0"/>
+              <a:rPr kumimoji="1" lang="en-US" altLang="zh-CN" sz="1200" smtClean="0"/>
               <a:t>Eden</a:t>
             </a:r>
-            <a:endParaRPr kumimoji="1" lang="zh-CN" altLang="en-US" sz="1200" dirty="0"/>
+            <a:endParaRPr kumimoji="1" lang="zh-CN" altLang="en-US" sz="1200"/>
           </a:p>
         </p:txBody>
       </p:sp>
@@ -10197,10 +10572,10 @@
           <a:lstStyle/>
           <a:p>
             <a:r>
-              <a:rPr kumimoji="1" lang="en-US" altLang="zh-CN" sz="1200" dirty="0" smtClean="0"/>
+              <a:rPr kumimoji="1" lang="en-US" altLang="zh-CN" sz="1200" smtClean="0"/>
               <a:t>Survivor</a:t>
             </a:r>
-            <a:endParaRPr kumimoji="1" lang="zh-CN" altLang="en-US" sz="1200" dirty="0"/>
+            <a:endParaRPr kumimoji="1" lang="zh-CN" altLang="en-US" sz="1200"/>
           </a:p>
         </p:txBody>
       </p:sp>
@@ -10242,14 +10617,14 @@
           <a:p>
             <a:pPr algn="ctr"/>
             <a:r>
-              <a:rPr kumimoji="1" lang="zh-CN" altLang="en-US" sz="1100" dirty="0" smtClean="0">
+              <a:rPr kumimoji="1" lang="zh-CN" altLang="en-US" sz="1100" smtClean="0">
                 <a:solidFill>
                   <a:schemeClr val="tx1"/>
                 </a:solidFill>
               </a:rPr>
               <a:t>常量池</a:t>
             </a:r>
-            <a:endParaRPr kumimoji="1" lang="zh-CN" altLang="en-US" sz="1100" dirty="0">
+            <a:endParaRPr kumimoji="1" lang="zh-CN" altLang="en-US" sz="1100">
               <a:solidFill>
                 <a:schemeClr val="tx1"/>
               </a:solidFill>
@@ -10330,7 +10705,7 @@
           <a:lstStyle/>
           <a:p>
             <a:pPr algn="ctr"/>
-            <a:endParaRPr kumimoji="1" lang="zh-CN" altLang="en-US" dirty="0"/>
+            <a:endParaRPr kumimoji="1" lang="zh-CN" altLang="en-US"/>
           </a:p>
         </p:txBody>
       </p:sp>
@@ -10398,266 +10773,234 @@
           <a:lstStyle/>
           <a:p>
             <a:r>
-              <a:rPr kumimoji="1" lang="zh-CN" altLang="en-US" sz="1100" b="1" dirty="0" smtClean="0"/>
+              <a:rPr kumimoji="1" lang="zh-CN" altLang="en-US" sz="1100" b="1" smtClean="0"/>
               <a:t>分代回收原理：</a:t>
             </a:r>
-            <a:endParaRPr kumimoji="1" lang="en-US" altLang="zh-CN" sz="1100" b="1" dirty="0" smtClean="0"/>
-          </a:p>
-          <a:p>
-            <a:r>
-              <a:rPr kumimoji="1" lang="zh-CN" altLang="en-US" sz="1100" dirty="0" smtClean="0"/>
+            <a:endParaRPr kumimoji="1" lang="en-US" altLang="zh-CN" sz="1100" b="1" smtClean="0"/>
+          </a:p>
+          <a:p>
+            <a:r>
+              <a:rPr kumimoji="1" lang="zh-CN" altLang="en-US" sz="1100" smtClean="0"/>
               <a:t>    </a:t>
             </a:r>
             <a:r>
-              <a:rPr kumimoji="1" lang="en-US" altLang="zh-CN" sz="1100" dirty="0" smtClean="0"/>
+              <a:rPr kumimoji="1" lang="en-US" altLang="zh-CN" sz="1100" smtClean="0"/>
               <a:t>1.</a:t>
             </a:r>
             <a:r>
-              <a:rPr kumimoji="1" lang="zh-CN" altLang="en-US" sz="1100" b="1" dirty="0" smtClean="0"/>
+              <a:rPr kumimoji="1" lang="zh-CN" altLang="en-US" sz="1100" b="1" smtClean="0"/>
               <a:t>新生代采用复制算法</a:t>
             </a:r>
             <a:r>
-              <a:rPr kumimoji="1" lang="zh-CN" altLang="en-US" sz="1100" dirty="0" smtClean="0"/>
+              <a:rPr kumimoji="1" lang="zh-CN" altLang="en-US" sz="1100" smtClean="0"/>
               <a:t>，新生代里有</a:t>
             </a:r>
             <a:r>
-              <a:rPr kumimoji="1" lang="en-US" altLang="zh-CN" sz="1100" dirty="0" smtClean="0"/>
+              <a:rPr kumimoji="1" lang="en-US" altLang="zh-CN" sz="1100" smtClean="0"/>
               <a:t>3</a:t>
             </a:r>
             <a:r>
-              <a:rPr kumimoji="1" lang="zh-CN" altLang="en-US" sz="1100" dirty="0" smtClean="0"/>
+              <a:rPr kumimoji="1" lang="zh-CN" altLang="en-US" sz="1100" smtClean="0"/>
               <a:t>个分区：</a:t>
             </a:r>
             <a:r>
-              <a:rPr kumimoji="1" lang="en-US" altLang="zh-CN" sz="1100" dirty="0" smtClean="0"/>
+              <a:rPr kumimoji="1" lang="en-US" altLang="zh-CN" sz="1100" smtClean="0"/>
               <a:t>Eden/</a:t>
             </a:r>
           </a:p>
           <a:p>
             <a:r>
-              <a:rPr kumimoji="1" lang="en-US" altLang="zh-CN" sz="1100" dirty="0" smtClean="0"/>
+              <a:rPr kumimoji="1" lang="en-US" altLang="zh-CN" sz="1100" smtClean="0"/>
               <a:t>From</a:t>
             </a:r>
             <a:r>
-              <a:rPr kumimoji="1" lang="zh-CN" altLang="en-US" sz="1100" dirty="0" smtClean="0"/>
+              <a:rPr kumimoji="1" lang="zh-CN" altLang="en-US" sz="1100" smtClean="0"/>
               <a:t> </a:t>
             </a:r>
             <a:r>
-              <a:rPr kumimoji="1" lang="en-US" altLang="zh-CN" sz="1100" dirty="0" smtClean="0"/>
+              <a:rPr kumimoji="1" lang="en-US" altLang="zh-CN" sz="1100" smtClean="0"/>
               <a:t>Survivor/To</a:t>
             </a:r>
             <a:r>
-              <a:rPr kumimoji="1" lang="zh-CN" altLang="en-US" sz="1100" dirty="0" smtClean="0"/>
+              <a:rPr kumimoji="1" lang="zh-CN" altLang="en-US" sz="1100" smtClean="0"/>
               <a:t> </a:t>
             </a:r>
             <a:r>
-              <a:rPr kumimoji="1" lang="en-US" altLang="zh-CN" sz="1100" dirty="0" smtClean="0"/>
+              <a:rPr kumimoji="1" lang="en-US" altLang="zh-CN" sz="1100" smtClean="0"/>
               <a:t>Survivor</a:t>
             </a:r>
             <a:r>
-              <a:rPr kumimoji="1" lang="zh-CN" altLang="en-US" sz="1100" dirty="0" smtClean="0"/>
+              <a:rPr kumimoji="1" lang="zh-CN" altLang="en-US" sz="1100" smtClean="0"/>
               <a:t>，将</a:t>
             </a:r>
             <a:r>
-              <a:rPr kumimoji="1" lang="en-US" altLang="zh-CN" sz="1100" dirty="0" smtClean="0"/>
+              <a:rPr kumimoji="1" lang="en-US" altLang="zh-CN" sz="1100" smtClean="0"/>
               <a:t>Eden</a:t>
             </a:r>
             <a:r>
-              <a:rPr kumimoji="1" lang="zh-CN" altLang="en-US" sz="1100" dirty="0" smtClean="0"/>
+              <a:rPr kumimoji="1" lang="zh-CN" altLang="en-US" sz="1100" smtClean="0"/>
               <a:t>和</a:t>
             </a:r>
             <a:r>
-              <a:rPr kumimoji="1" lang="en-US" altLang="zh-CN" sz="1100" dirty="0" smtClean="0"/>
+              <a:rPr kumimoji="1" lang="en-US" altLang="zh-CN" sz="1100" smtClean="0"/>
               <a:t>From</a:t>
             </a:r>
             <a:r>
-              <a:rPr kumimoji="1" lang="zh-CN" altLang="en-US" sz="1100" dirty="0" smtClean="0"/>
+              <a:rPr kumimoji="1" lang="zh-CN" altLang="en-US" sz="1100" smtClean="0"/>
               <a:t> </a:t>
             </a:r>
             <a:r>
-              <a:rPr kumimoji="1" lang="en-US" altLang="zh-CN" sz="1100" dirty="0" smtClean="0"/>
+              <a:rPr kumimoji="1" lang="en-US" altLang="zh-CN" sz="1100" smtClean="0"/>
               <a:t>survivor</a:t>
             </a:r>
             <a:r>
-              <a:rPr kumimoji="1" lang="zh-CN" altLang="en-US" sz="1100" dirty="0" smtClean="0"/>
+              <a:rPr kumimoji="1" lang="zh-CN" altLang="en-US" sz="1100" smtClean="0"/>
               <a:t>存活的</a:t>
             </a:r>
-            <a:endParaRPr kumimoji="1" lang="en-US" altLang="zh-CN" sz="1100" dirty="0" smtClean="0"/>
-          </a:p>
-          <a:p>
-            <a:r>
-              <a:rPr kumimoji="1" lang="zh-CN" altLang="en-US" sz="1100" dirty="0" smtClean="0"/>
+            <a:endParaRPr kumimoji="1" lang="en-US" altLang="zh-CN" sz="1100" smtClean="0"/>
+          </a:p>
+          <a:p>
+            <a:r>
+              <a:rPr kumimoji="1" lang="zh-CN" altLang="en-US" sz="1100" smtClean="0"/>
               <a:t>对象放入</a:t>
             </a:r>
             <a:r>
-              <a:rPr kumimoji="1" lang="en-US" altLang="zh-CN" sz="1100" dirty="0" smtClean="0"/>
+              <a:rPr kumimoji="1" lang="en-US" altLang="zh-CN" sz="1100" smtClean="0"/>
               <a:t>To</a:t>
             </a:r>
             <a:r>
-              <a:rPr kumimoji="1" lang="zh-CN" altLang="en-US" sz="1100" dirty="0" smtClean="0"/>
+              <a:rPr kumimoji="1" lang="zh-CN" altLang="en-US" sz="1100" smtClean="0"/>
               <a:t> </a:t>
             </a:r>
             <a:r>
-              <a:rPr kumimoji="1" lang="en-US" altLang="zh-CN" sz="1100" dirty="0" smtClean="0"/>
+              <a:rPr kumimoji="1" lang="en-US" altLang="zh-CN" sz="1100" smtClean="0"/>
               <a:t>survivor</a:t>
             </a:r>
             <a:r>
-              <a:rPr kumimoji="1" lang="zh-CN" altLang="en-US" sz="1100" dirty="0" smtClean="0"/>
+              <a:rPr kumimoji="1" lang="zh-CN" altLang="en-US" sz="1100" smtClean="0"/>
               <a:t>区，将空</a:t>
             </a:r>
             <a:r>
-              <a:rPr kumimoji="1" lang="en-US" altLang="zh-CN" sz="1100" dirty="0" err="1" smtClean="0"/>
+              <a:rPr kumimoji="1" lang="en-US" altLang="zh-CN" sz="1100" err="1" smtClean="0"/>
               <a:t>Edon</a:t>
             </a:r>
             <a:r>
-              <a:rPr kumimoji="1" lang="zh-CN" altLang="en-US" sz="1100" dirty="0" smtClean="0"/>
+              <a:rPr kumimoji="1" lang="zh-CN" altLang="en-US" sz="1100" smtClean="0"/>
               <a:t>、</a:t>
             </a:r>
             <a:r>
-              <a:rPr kumimoji="1" lang="en-US" altLang="zh-CN" sz="1100" dirty="0" smtClean="0"/>
+              <a:rPr kumimoji="1" lang="en-US" altLang="zh-CN" sz="1100" smtClean="0"/>
               <a:t>from</a:t>
             </a:r>
             <a:r>
-              <a:rPr kumimoji="1" lang="zh-CN" altLang="en-US" sz="1100" dirty="0" smtClean="0"/>
+              <a:rPr kumimoji="1" lang="zh-CN" altLang="en-US" sz="1100" smtClean="0"/>
               <a:t> </a:t>
             </a:r>
             <a:r>
-              <a:rPr kumimoji="1" lang="en-US" altLang="zh-CN" sz="1100" dirty="0" smtClean="0"/>
+              <a:rPr kumimoji="1" lang="en-US" altLang="zh-CN" sz="1100" smtClean="0"/>
               <a:t>survivor</a:t>
             </a:r>
             <a:r>
-              <a:rPr kumimoji="1" lang="zh-CN" altLang="en-US" sz="1100" dirty="0" smtClean="0"/>
+              <a:rPr kumimoji="1" lang="zh-CN" altLang="en-US" sz="1100" smtClean="0"/>
               <a:t>，每次</a:t>
             </a:r>
-            <a:endParaRPr kumimoji="1" lang="en-US" altLang="zh-CN" sz="1100" dirty="0" smtClean="0"/>
-          </a:p>
-          <a:p>
-            <a:r>
-              <a:rPr kumimoji="1" lang="zh-CN" altLang="en-US" sz="1100" dirty="0" smtClean="0"/>
+            <a:endParaRPr kumimoji="1" lang="en-US" altLang="zh-CN" sz="1100" smtClean="0"/>
+          </a:p>
+          <a:p>
+            <a:r>
+              <a:rPr kumimoji="1" lang="zh-CN" altLang="en-US" sz="1100" smtClean="0"/>
               <a:t>在</a:t>
             </a:r>
             <a:r>
-              <a:rPr kumimoji="1" lang="en-US" altLang="zh-CN" sz="1100" dirty="0" smtClean="0"/>
+              <a:rPr kumimoji="1" lang="en-US" altLang="zh-CN" sz="1100" smtClean="0"/>
               <a:t>From</a:t>
             </a:r>
             <a:r>
-              <a:rPr kumimoji="1" lang="zh-CN" altLang="en-US" sz="1100" dirty="0" smtClean="0"/>
+              <a:rPr kumimoji="1" lang="zh-CN" altLang="en-US" sz="1100" smtClean="0"/>
               <a:t> </a:t>
             </a:r>
             <a:r>
-              <a:rPr kumimoji="1" lang="en-US" altLang="zh-CN" sz="1100" dirty="0" smtClean="0"/>
+              <a:rPr kumimoji="1" lang="en-US" altLang="zh-CN" sz="1100" smtClean="0"/>
               <a:t>survivor</a:t>
             </a:r>
             <a:r>
-              <a:rPr kumimoji="1" lang="zh-CN" altLang="en-US" sz="1100" dirty="0" smtClean="0"/>
+              <a:rPr kumimoji="1" lang="zh-CN" altLang="en-US" sz="1100" smtClean="0"/>
               <a:t>到</a:t>
             </a:r>
             <a:r>
-              <a:rPr kumimoji="1" lang="en-US" altLang="zh-CN" sz="1100" dirty="0" smtClean="0"/>
+              <a:rPr kumimoji="1" lang="en-US" altLang="zh-CN" sz="1100" smtClean="0"/>
               <a:t>To</a:t>
             </a:r>
             <a:r>
-              <a:rPr kumimoji="1" lang="zh-CN" altLang="en-US" sz="1100" dirty="0" smtClean="0"/>
+              <a:rPr kumimoji="1" lang="zh-CN" altLang="en-US" sz="1100" smtClean="0"/>
               <a:t> </a:t>
             </a:r>
             <a:r>
-              <a:rPr kumimoji="1" lang="en-US" altLang="zh-CN" sz="1100" dirty="0" smtClean="0"/>
+              <a:rPr kumimoji="1" lang="en-US" altLang="zh-CN" sz="1100" smtClean="0"/>
               <a:t>survivor</a:t>
             </a:r>
             <a:r>
-              <a:rPr kumimoji="1" lang="zh-CN" altLang="en-US" sz="1100" dirty="0" smtClean="0"/>
+              <a:rPr kumimoji="1" lang="zh-CN" altLang="en-US" sz="1100" smtClean="0"/>
               <a:t>分区交换，年龄就</a:t>
             </a:r>
             <a:r>
-              <a:rPr kumimoji="1" lang="en-US" altLang="zh-CN" sz="1100" dirty="0" smtClean="0"/>
+              <a:rPr kumimoji="1" lang="en-US" altLang="zh-CN" sz="1100" smtClean="0"/>
               <a:t>+1</a:t>
             </a:r>
             <a:r>
-              <a:rPr kumimoji="1" lang="zh-CN" altLang="en-US" sz="1100" dirty="0" smtClean="0"/>
+              <a:rPr kumimoji="1" lang="zh-CN" altLang="en-US" sz="1100" smtClean="0"/>
               <a:t>，当</a:t>
             </a:r>
-            <a:endParaRPr kumimoji="1" lang="en-US" altLang="zh-CN" sz="1100" dirty="0" smtClean="0"/>
-          </a:p>
-          <a:p>
-            <a:r>
-              <a:rPr kumimoji="1" lang="zh-CN" altLang="en-US" sz="1100" dirty="0" smtClean="0"/>
+            <a:endParaRPr kumimoji="1" lang="en-US" altLang="zh-CN" sz="1100" smtClean="0"/>
+          </a:p>
+          <a:p>
+            <a:r>
+              <a:rPr kumimoji="1" lang="zh-CN" altLang="en-US" sz="1100" smtClean="0"/>
               <a:t>年龄到达</a:t>
             </a:r>
             <a:r>
-              <a:rPr kumimoji="1" lang="en-US" altLang="zh-CN" sz="1100" dirty="0" smtClean="0"/>
+              <a:rPr kumimoji="1" lang="en-US" altLang="zh-CN" sz="1100" smtClean="0"/>
               <a:t>15</a:t>
             </a:r>
             <a:r>
-              <a:rPr kumimoji="1" lang="zh-CN" altLang="en-US" sz="1100" dirty="0" smtClean="0"/>
+              <a:rPr kumimoji="1" lang="zh-CN" altLang="en-US" sz="1100" smtClean="0"/>
               <a:t>时，升级为老年代。</a:t>
             </a:r>
-            <a:endParaRPr kumimoji="1" lang="en-US" altLang="zh-CN" sz="1100" dirty="0" smtClean="0"/>
-          </a:p>
-          <a:p>
-            <a:r>
-              <a:rPr kumimoji="1" lang="zh-CN" altLang="en-US" sz="1100" dirty="0" smtClean="0"/>
+            <a:endParaRPr kumimoji="1" lang="en-US" altLang="zh-CN" sz="1100" smtClean="0"/>
+          </a:p>
+          <a:p>
+            <a:r>
+              <a:rPr kumimoji="1" lang="zh-CN" altLang="en-US" sz="1100" smtClean="0"/>
               <a:t>     </a:t>
             </a:r>
             <a:r>
-              <a:rPr kumimoji="1" lang="en-US" altLang="zh-CN" sz="1100" dirty="0" smtClean="0"/>
+              <a:rPr kumimoji="1" lang="en-US" altLang="zh-CN" sz="1100" smtClean="0"/>
               <a:t>2.</a:t>
             </a:r>
             <a:r>
-              <a:rPr kumimoji="1" lang="zh-CN" altLang="en-US" sz="1100" b="1" dirty="0" smtClean="0"/>
-              <a:t>老</a:t>
-            </a:r>
-            <a:r>
-              <a:rPr kumimoji="1" lang="zh-CN" altLang="en-US" sz="1100" b="1" dirty="0" smtClean="0"/>
-              <a:t>年代</a:t>
-            </a:r>
-            <a:r>
-              <a:rPr kumimoji="1" lang="zh-CN" altLang="en-US" sz="1100" b="1" dirty="0" smtClean="0"/>
-              <a:t>采用</a:t>
-            </a:r>
-            <a:r>
-              <a:rPr kumimoji="1" lang="en-US" altLang="zh-CN" sz="1100" b="1" dirty="0" smtClean="0"/>
+              <a:rPr kumimoji="1" lang="zh-CN" altLang="en-US" sz="1100" b="1" smtClean="0"/>
+              <a:t>老年代采用</a:t>
+            </a:r>
+            <a:r>
+              <a:rPr kumimoji="1" lang="en-US" altLang="zh-CN" sz="1100" b="1" smtClean="0"/>
               <a:t>CMS</a:t>
             </a:r>
             <a:r>
-              <a:rPr kumimoji="1" lang="zh-CN" altLang="en-US" sz="1100" b="1" dirty="0" smtClean="0"/>
+              <a:rPr kumimoji="1" lang="zh-CN" altLang="en-US" sz="1100" b="1" smtClean="0"/>
               <a:t>收集</a:t>
             </a:r>
             <a:r>
-              <a:rPr kumimoji="1" lang="zh-CN" altLang="en-US" sz="1100" dirty="0" smtClean="0"/>
-              <a:t>：</a:t>
-            </a:r>
-            <a:r>
-              <a:rPr kumimoji="1" lang="zh-CN" altLang="en-US" sz="1100" dirty="0" smtClean="0"/>
-              <a:t>当空间占用到达某个值之后就会</a:t>
-            </a:r>
-            <a:r>
-              <a:rPr kumimoji="1" lang="zh-CN" altLang="en-US" sz="1100" dirty="0" smtClean="0"/>
-              <a:t>触</a:t>
-            </a:r>
-            <a:endParaRPr kumimoji="1" lang="en-US" altLang="zh-CN" sz="1100" dirty="0" smtClean="0"/>
-          </a:p>
-          <a:p>
-            <a:r>
-              <a:rPr kumimoji="1" lang="zh-CN" altLang="en-US" sz="1100" dirty="0" smtClean="0"/>
-              <a:t>发</a:t>
-            </a:r>
-            <a:r>
-              <a:rPr kumimoji="1" lang="zh-CN" altLang="en-US" sz="1100" dirty="0" smtClean="0"/>
-              <a:t>全局</a:t>
-            </a:r>
-            <a:r>
-              <a:rPr kumimoji="1" lang="zh-CN" altLang="en-US" sz="1100" dirty="0" smtClean="0"/>
-              <a:t>垃圾回收</a:t>
-            </a:r>
-            <a:r>
-              <a:rPr kumimoji="1" lang="zh-CN" altLang="en-US" sz="1100" dirty="0" smtClean="0"/>
-              <a:t>，一般使用标记整理的算法</a:t>
-            </a:r>
-            <a:r>
-              <a:rPr kumimoji="1" lang="zh-CN" altLang="en-US" sz="1100" dirty="0" smtClean="0"/>
-              <a:t>。</a:t>
-            </a:r>
-            <a:endParaRPr kumimoji="1" lang="en-US" altLang="zh-CN" sz="1100" dirty="0" smtClean="0"/>
+              <a:rPr kumimoji="1" lang="zh-CN" altLang="en-US" sz="1100" smtClean="0"/>
+              <a:t>：当空间占用到达某个值之后就会触</a:t>
+            </a:r>
+            <a:endParaRPr kumimoji="1" lang="en-US" altLang="zh-CN" sz="1100" smtClean="0"/>
+          </a:p>
+          <a:p>
+            <a:r>
+              <a:rPr kumimoji="1" lang="zh-CN" altLang="en-US" sz="1100" smtClean="0"/>
+              <a:t>发全局垃圾回收，一般使用标记整理的算法。</a:t>
+            </a:r>
+            <a:endParaRPr kumimoji="1" lang="en-US" altLang="zh-CN" sz="1100" smtClean="0"/>
           </a:p>
         </p:txBody>
       </p:sp>
@@ -10684,207 +11027,207 @@
           <a:lstStyle/>
           <a:p>
             <a:r>
-              <a:rPr kumimoji="1" lang="en-US" altLang="zh-CN" sz="1050" dirty="0" smtClean="0"/>
+              <a:rPr kumimoji="1" lang="en-US" altLang="zh-CN" sz="1050" smtClean="0"/>
               <a:t>Full</a:t>
             </a:r>
             <a:r>
-              <a:rPr kumimoji="1" lang="zh-CN" altLang="en-US" sz="1050" dirty="0" smtClean="0"/>
+              <a:rPr kumimoji="1" lang="zh-CN" altLang="en-US" sz="1050" smtClean="0"/>
               <a:t> </a:t>
             </a:r>
             <a:r>
-              <a:rPr kumimoji="1" lang="en-US" altLang="zh-CN" sz="1050" dirty="0" err="1" smtClean="0"/>
+              <a:rPr kumimoji="1" lang="en-US" altLang="zh-CN" sz="1050" err="1" smtClean="0"/>
               <a:t>gc</a:t>
             </a:r>
             <a:r>
-              <a:rPr kumimoji="1" lang="zh-CN" altLang="en-US" sz="1050" dirty="0" smtClean="0"/>
+              <a:rPr kumimoji="1" lang="zh-CN" altLang="en-US" sz="1050" smtClean="0"/>
               <a:t> 包括：收集整个堆</a:t>
             </a:r>
-            <a:endParaRPr kumimoji="1" lang="en-US" altLang="zh-CN" sz="1050" dirty="0" smtClean="0"/>
-          </a:p>
-          <a:p>
-            <a:r>
-              <a:rPr kumimoji="1" lang="zh-CN" altLang="en-US" sz="1050" dirty="0" smtClean="0"/>
+            <a:endParaRPr kumimoji="1" lang="en-US" altLang="zh-CN" sz="1050" smtClean="0"/>
+          </a:p>
+          <a:p>
+            <a:r>
+              <a:rPr kumimoji="1" lang="zh-CN" altLang="en-US" sz="1050" smtClean="0"/>
               <a:t>新生代</a:t>
             </a:r>
             <a:r>
-              <a:rPr kumimoji="1" lang="en-US" altLang="zh-CN" sz="1050" dirty="0" smtClean="0"/>
+              <a:rPr kumimoji="1" lang="en-US" altLang="zh-CN" sz="1050" smtClean="0"/>
               <a:t>GC</a:t>
             </a:r>
             <a:r>
-              <a:rPr kumimoji="1" lang="zh-CN" altLang="en-US" sz="1050" dirty="0" smtClean="0"/>
+              <a:rPr kumimoji="1" lang="zh-CN" altLang="en-US" sz="1050" smtClean="0"/>
               <a:t>：</a:t>
             </a:r>
             <a:r>
-              <a:rPr kumimoji="1" lang="en-US" altLang="zh-CN" sz="1050" dirty="0" smtClean="0"/>
+              <a:rPr kumimoji="1" lang="en-US" altLang="zh-CN" sz="1050" smtClean="0"/>
               <a:t>minor</a:t>
             </a:r>
             <a:r>
-              <a:rPr kumimoji="1" lang="zh-CN" altLang="en-US" sz="1050" dirty="0" smtClean="0"/>
+              <a:rPr kumimoji="1" lang="zh-CN" altLang="en-US" sz="1050" smtClean="0"/>
               <a:t> </a:t>
             </a:r>
             <a:r>
-              <a:rPr kumimoji="1" lang="en-US" altLang="zh-CN" sz="1050" dirty="0" err="1" smtClean="0"/>
+              <a:rPr kumimoji="1" lang="en-US" altLang="zh-CN" sz="1050" err="1" smtClean="0"/>
               <a:t>gc</a:t>
             </a:r>
             <a:r>
-              <a:rPr kumimoji="1" lang="zh-CN" altLang="en-US" sz="1050" dirty="0"/>
+              <a:rPr kumimoji="1" lang="zh-CN" altLang="en-US" sz="1050"/>
               <a:t> </a:t>
             </a:r>
             <a:r>
-              <a:rPr kumimoji="1" lang="en-US" altLang="zh-CN" sz="1050" dirty="0" smtClean="0"/>
+              <a:rPr kumimoji="1" lang="en-US" altLang="zh-CN" sz="1050" smtClean="0"/>
               <a:t>,</a:t>
             </a:r>
             <a:r>
-              <a:rPr kumimoji="1" lang="zh-CN" altLang="en-US" sz="1050" dirty="0" smtClean="0"/>
+              <a:rPr kumimoji="1" lang="zh-CN" altLang="en-US" sz="1050" smtClean="0"/>
               <a:t> </a:t>
             </a:r>
             <a:r>
-              <a:rPr kumimoji="1" lang="en-US" altLang="zh-CN" sz="1050" dirty="0" err="1" smtClean="0"/>
+              <a:rPr kumimoji="1" lang="en-US" altLang="zh-CN" sz="1050" err="1" smtClean="0"/>
               <a:t>eden</a:t>
             </a:r>
             <a:r>
-              <a:rPr kumimoji="1" lang="zh-CN" altLang="en-US" sz="1050" dirty="0" smtClean="0"/>
+              <a:rPr kumimoji="1" lang="zh-CN" altLang="en-US" sz="1050" smtClean="0"/>
               <a:t>区满执行</a:t>
             </a:r>
-            <a:endParaRPr kumimoji="1" lang="en-US" altLang="zh-CN" sz="1050" dirty="0" smtClean="0"/>
-          </a:p>
-          <a:p>
-            <a:r>
-              <a:rPr kumimoji="1" lang="zh-CN" altLang="en-US" sz="1050" dirty="0" smtClean="0"/>
+            <a:endParaRPr kumimoji="1" lang="en-US" altLang="zh-CN" sz="1050" smtClean="0"/>
+          </a:p>
+          <a:p>
+            <a:r>
+              <a:rPr kumimoji="1" lang="zh-CN" altLang="en-US" sz="1050" smtClean="0"/>
               <a:t>老年代</a:t>
             </a:r>
             <a:r>
-              <a:rPr kumimoji="1" lang="en-US" altLang="zh-CN" sz="1050" dirty="0" smtClean="0"/>
+              <a:rPr kumimoji="1" lang="en-US" altLang="zh-CN" sz="1050" smtClean="0"/>
               <a:t>GC</a:t>
             </a:r>
             <a:r>
-              <a:rPr kumimoji="1" lang="zh-CN" altLang="en-US" sz="1050" dirty="0" smtClean="0"/>
+              <a:rPr kumimoji="1" lang="zh-CN" altLang="en-US" sz="1050" smtClean="0"/>
               <a:t>：</a:t>
             </a:r>
             <a:r>
-              <a:rPr kumimoji="1" lang="en-US" altLang="zh-CN" sz="1050" dirty="0" smtClean="0"/>
+              <a:rPr kumimoji="1" lang="en-US" altLang="zh-CN" sz="1050" smtClean="0"/>
               <a:t>old</a:t>
             </a:r>
             <a:r>
-              <a:rPr kumimoji="1" lang="zh-CN" altLang="en-US" sz="1050" dirty="0" smtClean="0"/>
+              <a:rPr kumimoji="1" lang="zh-CN" altLang="en-US" sz="1050" smtClean="0"/>
               <a:t> </a:t>
             </a:r>
             <a:r>
-              <a:rPr kumimoji="1" lang="en-US" altLang="zh-CN" sz="1050" dirty="0" err="1" smtClean="0"/>
+              <a:rPr kumimoji="1" lang="en-US" altLang="zh-CN" sz="1050" err="1" smtClean="0"/>
               <a:t>gc</a:t>
             </a:r>
-            <a:endParaRPr kumimoji="1" lang="en-US" altLang="zh-CN" sz="1050" dirty="0"/>
-          </a:p>
-          <a:p>
-            <a:r>
-              <a:rPr kumimoji="1" lang="en-US" altLang="zh-CN" sz="1050" dirty="0" smtClean="0"/>
+            <a:endParaRPr kumimoji="1" lang="en-US" altLang="zh-CN" sz="1050"/>
+          </a:p>
+          <a:p>
+            <a:r>
+              <a:rPr kumimoji="1" lang="en-US" altLang="zh-CN" sz="1050" smtClean="0"/>
               <a:t>Full</a:t>
             </a:r>
             <a:r>
-              <a:rPr kumimoji="1" lang="zh-CN" altLang="en-US" sz="1050" dirty="0" smtClean="0"/>
+              <a:rPr kumimoji="1" lang="zh-CN" altLang="en-US" sz="1050" smtClean="0"/>
               <a:t> </a:t>
             </a:r>
             <a:r>
-              <a:rPr kumimoji="1" lang="en-US" altLang="zh-CN" sz="1050" dirty="0" smtClean="0"/>
+              <a:rPr kumimoji="1" lang="en-US" altLang="zh-CN" sz="1050" smtClean="0"/>
               <a:t>GC</a:t>
             </a:r>
             <a:r>
-              <a:rPr kumimoji="1" lang="zh-CN" altLang="en-US" sz="1050" dirty="0" smtClean="0"/>
+              <a:rPr kumimoji="1" lang="zh-CN" altLang="en-US" sz="1050" smtClean="0"/>
               <a:t>：当准备触发</a:t>
             </a:r>
             <a:r>
-              <a:rPr kumimoji="1" lang="en-US" altLang="zh-CN" sz="1050" dirty="0" smtClean="0"/>
+              <a:rPr kumimoji="1" lang="en-US" altLang="zh-CN" sz="1050" smtClean="0"/>
               <a:t>young</a:t>
             </a:r>
             <a:r>
-              <a:rPr kumimoji="1" lang="zh-CN" altLang="en-US" sz="1050" dirty="0" smtClean="0"/>
+              <a:rPr kumimoji="1" lang="zh-CN" altLang="en-US" sz="1050" smtClean="0"/>
               <a:t> </a:t>
             </a:r>
             <a:r>
-              <a:rPr kumimoji="1" lang="en-US" altLang="zh-CN" sz="1050" dirty="0" err="1" smtClean="0"/>
+              <a:rPr kumimoji="1" lang="en-US" altLang="zh-CN" sz="1050" err="1" smtClean="0"/>
               <a:t>gc</a:t>
             </a:r>
             <a:r>
-              <a:rPr kumimoji="1" lang="zh-CN" altLang="en-US" sz="1050" dirty="0" smtClean="0"/>
+              <a:rPr kumimoji="1" lang="zh-CN" altLang="en-US" sz="1050" smtClean="0"/>
               <a:t>时，如果</a:t>
             </a:r>
             <a:r>
-              <a:rPr kumimoji="1" lang="en-US" altLang="zh-CN" sz="1050" dirty="0" smtClean="0"/>
+              <a:rPr kumimoji="1" lang="en-US" altLang="zh-CN" sz="1050" smtClean="0"/>
               <a:t>young</a:t>
             </a:r>
             <a:r>
-              <a:rPr kumimoji="1" lang="zh-CN" altLang="en-US" sz="1050" dirty="0" smtClean="0"/>
+              <a:rPr kumimoji="1" lang="zh-CN" altLang="en-US" sz="1050" smtClean="0"/>
               <a:t> </a:t>
             </a:r>
             <a:r>
-              <a:rPr kumimoji="1" lang="en-US" altLang="zh-CN" sz="1050" dirty="0" err="1" smtClean="0"/>
+              <a:rPr kumimoji="1" lang="en-US" altLang="zh-CN" sz="1050" err="1" smtClean="0"/>
               <a:t>gc</a:t>
             </a:r>
             <a:r>
-              <a:rPr kumimoji="1" lang="zh-CN" altLang="en-US" sz="1050" dirty="0" smtClean="0"/>
+              <a:rPr kumimoji="1" lang="zh-CN" altLang="en-US" sz="1050" smtClean="0"/>
               <a:t>晋升的大小超过老年代剩余的空间，则不会触发</a:t>
             </a:r>
             <a:r>
-              <a:rPr kumimoji="1" lang="en-US" altLang="zh-CN" sz="1050" dirty="0" smtClean="0"/>
+              <a:rPr kumimoji="1" lang="en-US" altLang="zh-CN" sz="1050" smtClean="0"/>
               <a:t>young</a:t>
             </a:r>
             <a:r>
-              <a:rPr kumimoji="1" lang="zh-CN" altLang="en-US" sz="1050" dirty="0" smtClean="0"/>
+              <a:rPr kumimoji="1" lang="zh-CN" altLang="en-US" sz="1050" smtClean="0"/>
               <a:t> </a:t>
             </a:r>
             <a:r>
-              <a:rPr kumimoji="1" lang="en-US" altLang="zh-CN" sz="1050" dirty="0" err="1" smtClean="0"/>
+              <a:rPr kumimoji="1" lang="en-US" altLang="zh-CN" sz="1050" err="1" smtClean="0"/>
               <a:t>gc</a:t>
             </a:r>
             <a:r>
-              <a:rPr kumimoji="1" lang="zh-CN" altLang="en-US" sz="1050" dirty="0" smtClean="0"/>
+              <a:rPr kumimoji="1" lang="zh-CN" altLang="en-US" sz="1050" smtClean="0"/>
               <a:t>，转而触发</a:t>
             </a:r>
             <a:r>
-              <a:rPr kumimoji="1" lang="en-US" altLang="zh-CN" sz="1050" dirty="0" smtClean="0"/>
+              <a:rPr kumimoji="1" lang="en-US" altLang="zh-CN" sz="1050" smtClean="0"/>
               <a:t>Full</a:t>
             </a:r>
             <a:r>
-              <a:rPr kumimoji="1" lang="zh-CN" altLang="en-US" sz="1050" dirty="0" smtClean="0"/>
+              <a:rPr kumimoji="1" lang="zh-CN" altLang="en-US" sz="1050" smtClean="0"/>
               <a:t> </a:t>
             </a:r>
             <a:r>
-              <a:rPr kumimoji="1" lang="en-US" altLang="zh-CN" sz="1050" dirty="0" err="1" smtClean="0"/>
+              <a:rPr kumimoji="1" lang="en-US" altLang="zh-CN" sz="1050" err="1" smtClean="0"/>
               <a:t>gc</a:t>
             </a:r>
             <a:r>
-              <a:rPr kumimoji="1" lang="zh-CN" altLang="en-US" sz="1050" dirty="0" smtClean="0"/>
+              <a:rPr kumimoji="1" lang="zh-CN" altLang="en-US" sz="1050" smtClean="0"/>
               <a:t>，或者</a:t>
             </a:r>
             <a:r>
-              <a:rPr kumimoji="1" lang="en-US" altLang="zh-CN" sz="1050" dirty="0" err="1" smtClean="0"/>
+              <a:rPr kumimoji="1" lang="en-US" altLang="zh-CN" sz="1050" err="1" smtClean="0"/>
               <a:t>system.gc</a:t>
             </a:r>
             <a:r>
-              <a:rPr kumimoji="1" lang="en-US" altLang="zh-CN" sz="1050" dirty="0" smtClean="0"/>
+              <a:rPr kumimoji="1" lang="en-US" altLang="zh-CN" sz="1050" smtClean="0"/>
               <a:t>()</a:t>
             </a:r>
             <a:r>
-              <a:rPr kumimoji="1" lang="zh-CN" altLang="en-US" sz="1050" dirty="0" smtClean="0"/>
+              <a:rPr kumimoji="1" lang="zh-CN" altLang="en-US" sz="1050" smtClean="0"/>
               <a:t>触发的也是</a:t>
             </a:r>
             <a:r>
-              <a:rPr kumimoji="1" lang="en-US" altLang="zh-CN" sz="1050" dirty="0" smtClean="0"/>
+              <a:rPr kumimoji="1" lang="en-US" altLang="zh-CN" sz="1050" smtClean="0"/>
               <a:t>full</a:t>
             </a:r>
             <a:r>
-              <a:rPr kumimoji="1" lang="zh-CN" altLang="en-US" sz="1050" dirty="0" smtClean="0"/>
+              <a:rPr kumimoji="1" lang="zh-CN" altLang="en-US" sz="1050" smtClean="0"/>
               <a:t> </a:t>
             </a:r>
             <a:r>
-              <a:rPr kumimoji="1" lang="en-US" altLang="zh-CN" sz="1050" dirty="0" err="1" smtClean="0"/>
+              <a:rPr kumimoji="1" lang="en-US" altLang="zh-CN" sz="1050" err="1" smtClean="0"/>
               <a:t>gc</a:t>
             </a:r>
             <a:r>
-              <a:rPr kumimoji="1" lang="en-US" altLang="zh-CN" sz="1050" dirty="0"/>
+              <a:rPr kumimoji="1" lang="en-US" altLang="zh-CN" sz="1050"/>
               <a:t>	</a:t>
             </a:r>
-            <a:endParaRPr kumimoji="1" lang="zh-CN" altLang="en-US" sz="1050" dirty="0"/>
+            <a:endParaRPr kumimoji="1" lang="zh-CN" altLang="en-US" sz="1050"/>
           </a:p>
         </p:txBody>
       </p:sp>
@@ -10966,10 +11309,10 @@
           <a:p>
             <a:pPr algn="ctr"/>
             <a:r>
-              <a:rPr kumimoji="1" lang="en-US" altLang="zh-CN" dirty="0" smtClean="0"/>
+              <a:rPr kumimoji="1" lang="en-US" altLang="zh-CN" smtClean="0"/>
               <a:t>main</a:t>
             </a:r>
-            <a:endParaRPr kumimoji="1" lang="zh-CN" altLang="en-US" dirty="0"/>
+            <a:endParaRPr kumimoji="1" lang="zh-CN" altLang="en-US"/>
           </a:p>
         </p:txBody>
       </p:sp>
@@ -11010,10 +11353,10 @@
           <a:p>
             <a:pPr algn="ctr"/>
             <a:r>
-              <a:rPr kumimoji="1" lang="en-US" altLang="zh-CN" dirty="0" smtClean="0"/>
+              <a:rPr kumimoji="1" lang="en-US" altLang="zh-CN" smtClean="0"/>
               <a:t>A</a:t>
             </a:r>
-            <a:endParaRPr kumimoji="1" lang="zh-CN" altLang="en-US" dirty="0"/>
+            <a:endParaRPr kumimoji="1" lang="zh-CN" altLang="en-US"/>
           </a:p>
         </p:txBody>
       </p:sp>
@@ -11054,10 +11397,10 @@
           <a:p>
             <a:pPr algn="ctr"/>
             <a:r>
-              <a:rPr kumimoji="1" lang="en-US" altLang="zh-CN" dirty="0" smtClean="0"/>
+              <a:rPr kumimoji="1" lang="en-US" altLang="zh-CN" smtClean="0"/>
               <a:t>B</a:t>
             </a:r>
-            <a:endParaRPr kumimoji="1" lang="zh-CN" altLang="en-US" dirty="0"/>
+            <a:endParaRPr kumimoji="1" lang="zh-CN" altLang="en-US"/>
           </a:p>
         </p:txBody>
       </p:sp>
@@ -11084,10 +11427,10 @@
           <a:lstStyle/>
           <a:p>
             <a:r>
-              <a:rPr kumimoji="1" lang="zh-CN" altLang="en-US" sz="1100" dirty="0" smtClean="0"/>
+              <a:rPr kumimoji="1" lang="zh-CN" altLang="en-US" sz="1100" smtClean="0"/>
               <a:t>入栈</a:t>
             </a:r>
-            <a:endParaRPr kumimoji="1" lang="zh-CN" altLang="en-US" sz="1100" dirty="0"/>
+            <a:endParaRPr kumimoji="1" lang="zh-CN" altLang="en-US" sz="1100"/>
           </a:p>
         </p:txBody>
       </p:sp>
@@ -11184,10 +11527,10 @@
           <a:lstStyle/>
           <a:p>
             <a:r>
-              <a:rPr kumimoji="1" lang="zh-CN" altLang="en-US" sz="1100" dirty="0" smtClean="0"/>
+              <a:rPr kumimoji="1" lang="zh-CN" altLang="en-US" sz="1100" smtClean="0"/>
               <a:t>出栈</a:t>
             </a:r>
-            <a:endParaRPr kumimoji="1" lang="zh-CN" altLang="en-US" sz="1100" dirty="0"/>
+            <a:endParaRPr kumimoji="1" lang="zh-CN" altLang="en-US" sz="1100"/>
           </a:p>
         </p:txBody>
       </p:sp>
@@ -11286,18 +11629,18 @@
           <a:lstStyle/>
           <a:p>
             <a:r>
-              <a:rPr kumimoji="1" lang="zh-CN" altLang="en-US" sz="1100" dirty="0" smtClean="0"/>
+              <a:rPr kumimoji="1" lang="zh-CN" altLang="en-US" sz="1100" smtClean="0"/>
               <a:t>唯一没有</a:t>
             </a:r>
             <a:r>
-              <a:rPr kumimoji="1" lang="en-US" altLang="zh-CN" sz="1100" dirty="0" smtClean="0"/>
+              <a:rPr kumimoji="1" lang="en-US" altLang="zh-CN" sz="1100" smtClean="0"/>
               <a:t>OOM</a:t>
             </a:r>
             <a:r>
-              <a:rPr kumimoji="1" lang="zh-CN" altLang="en-US" sz="1100" dirty="0" smtClean="0"/>
+              <a:rPr kumimoji="1" lang="zh-CN" altLang="en-US" sz="1100" smtClean="0"/>
               <a:t>的内存区域</a:t>
             </a:r>
-            <a:endParaRPr kumimoji="1" lang="zh-CN" altLang="en-US" sz="1100" dirty="0"/>
+            <a:endParaRPr kumimoji="1" lang="zh-CN" altLang="en-US" sz="1100"/>
           </a:p>
         </p:txBody>
       </p:sp>
@@ -11324,14 +11667,14 @@
           <a:lstStyle/>
           <a:p>
             <a:r>
-              <a:rPr kumimoji="1" lang="zh-CN" altLang="en-US" sz="1200" dirty="0" smtClean="0">
+              <a:rPr kumimoji="1" lang="zh-CN" altLang="en-US" sz="1200" smtClean="0">
                 <a:solidFill>
                   <a:srgbClr val="FF0000"/>
                 </a:solidFill>
               </a:rPr>
               <a:t>栈帧</a:t>
             </a:r>
-            <a:endParaRPr kumimoji="1" lang="zh-CN" altLang="en-US" sz="1200" dirty="0">
+            <a:endParaRPr kumimoji="1" lang="zh-CN" altLang="en-US" sz="1200">
               <a:solidFill>
                 <a:srgbClr val="FF0000"/>
               </a:solidFill>
@@ -11362,10 +11705,10 @@
           <a:lstStyle/>
           <a:p>
             <a:r>
-              <a:rPr kumimoji="1" lang="en-US" altLang="zh-CN" sz="700" dirty="0" smtClean="0"/>
+              <a:rPr kumimoji="1" lang="en-US" altLang="zh-CN" sz="700" smtClean="0"/>
               <a:t>from</a:t>
             </a:r>
-            <a:endParaRPr kumimoji="1" lang="zh-CN" altLang="en-US" sz="700" dirty="0"/>
+            <a:endParaRPr kumimoji="1" lang="zh-CN" altLang="en-US" sz="700"/>
           </a:p>
         </p:txBody>
       </p:sp>
@@ -11395,7 +11738,7 @@
               <a:rPr kumimoji="1" lang="en-US" altLang="zh-CN" sz="700" smtClean="0"/>
               <a:t>to</a:t>
             </a:r>
-            <a:endParaRPr kumimoji="1" lang="zh-CN" altLang="en-US" sz="700" dirty="0"/>
+            <a:endParaRPr kumimoji="1" lang="zh-CN" altLang="en-US" sz="700"/>
           </a:p>
         </p:txBody>
       </p:sp>
@@ -11463,48 +11806,40 @@
           <a:lstStyle/>
           <a:p>
             <a:r>
-              <a:rPr kumimoji="1" lang="zh-CN" altLang="en-US" sz="1000" dirty="0" smtClean="0"/>
+              <a:rPr kumimoji="1" lang="zh-CN" altLang="en-US" sz="1000" smtClean="0"/>
               <a:t>为对象实例分配内存：</a:t>
             </a:r>
-            <a:endParaRPr kumimoji="1" lang="en-US" altLang="zh-CN" sz="1000" dirty="0" smtClean="0"/>
-          </a:p>
-          <a:p>
-            <a:r>
-              <a:rPr kumimoji="1" lang="zh-CN" altLang="en-US" sz="1000" dirty="0" smtClean="0"/>
+            <a:endParaRPr kumimoji="1" lang="en-US" altLang="zh-CN" sz="1000" smtClean="0"/>
+          </a:p>
+          <a:p>
+            <a:r>
+              <a:rPr kumimoji="1" lang="zh-CN" altLang="en-US" sz="1000" smtClean="0"/>
               <a:t>    </a:t>
             </a:r>
             <a:r>
-              <a:rPr kumimoji="1" lang="en-US" altLang="zh-CN" sz="1000" dirty="0" smtClean="0"/>
-              <a:t>A</a:t>
-            </a:r>
-            <a:r>
-              <a:rPr kumimoji="1" lang="en-US" altLang="zh-CN" sz="1000" dirty="0" smtClean="0"/>
-              <a:t>.</a:t>
-            </a:r>
-            <a:r>
-              <a:rPr kumimoji="1" lang="zh-CN" altLang="en-US" sz="1000" dirty="0" smtClean="0"/>
+              <a:rPr kumimoji="1" lang="en-US" altLang="zh-CN" sz="1000" smtClean="0"/>
+              <a:t>A.</a:t>
+            </a:r>
+            <a:r>
+              <a:rPr kumimoji="1" lang="zh-CN" altLang="en-US" sz="1000" smtClean="0"/>
               <a:t> 指针碰撞</a:t>
             </a:r>
-            <a:endParaRPr kumimoji="1" lang="en-US" altLang="zh-CN" sz="1000" dirty="0" smtClean="0"/>
-          </a:p>
-          <a:p>
-            <a:r>
-              <a:rPr kumimoji="1" lang="zh-CN" altLang="en-US" sz="1000" dirty="0" smtClean="0"/>
+            <a:endParaRPr kumimoji="1" lang="en-US" altLang="zh-CN" sz="1000" smtClean="0"/>
+          </a:p>
+          <a:p>
+            <a:r>
+              <a:rPr kumimoji="1" lang="zh-CN" altLang="en-US" sz="1000" smtClean="0"/>
               <a:t>    </a:t>
             </a:r>
             <a:r>
-              <a:rPr kumimoji="1" lang="en-US" altLang="zh-CN" sz="1000" dirty="0" smtClean="0"/>
-              <a:t>B</a:t>
-            </a:r>
-            <a:r>
-              <a:rPr kumimoji="1" lang="en-US" altLang="zh-CN" sz="1000" dirty="0" smtClean="0"/>
-              <a:t>.</a:t>
-            </a:r>
-            <a:r>
-              <a:rPr kumimoji="1" lang="zh-CN" altLang="en-US" sz="1000" dirty="0" smtClean="0"/>
+              <a:rPr kumimoji="1" lang="en-US" altLang="zh-CN" sz="1000" smtClean="0"/>
+              <a:t>B.</a:t>
+            </a:r>
+            <a:r>
+              <a:rPr kumimoji="1" lang="zh-CN" altLang="en-US" sz="1000" smtClean="0"/>
               <a:t> 空闲列表</a:t>
             </a:r>
-            <a:endParaRPr kumimoji="1" lang="zh-CN" altLang="en-US" sz="1000" dirty="0"/>
+            <a:endParaRPr kumimoji="1" lang="zh-CN" altLang="en-US" sz="1000"/>
           </a:p>
         </p:txBody>
       </p:sp>
@@ -11545,7 +11880,7 @@
           <a:lstStyle/>
           <a:p>
             <a:pPr algn="ctr"/>
-            <a:endParaRPr kumimoji="1" lang="zh-CN" altLang="en-US" sz="1100" dirty="0">
+            <a:endParaRPr kumimoji="1" lang="zh-CN" altLang="en-US" sz="1100">
               <a:solidFill>
                 <a:schemeClr val="tx1"/>
               </a:solidFill>
@@ -11576,14 +11911,14 @@
           <a:lstStyle/>
           <a:p>
             <a:r>
-              <a:rPr kumimoji="1" lang="zh-CN" altLang="en-US" sz="1050" dirty="0" smtClean="0">
+              <a:rPr kumimoji="1" lang="zh-CN" altLang="en-US" sz="1050" smtClean="0">
                 <a:solidFill>
                   <a:srgbClr val="FF0000"/>
                 </a:solidFill>
               </a:rPr>
               <a:t>直接内存</a:t>
             </a:r>
-            <a:endParaRPr kumimoji="1" lang="zh-CN" altLang="en-US" sz="1050" dirty="0">
+            <a:endParaRPr kumimoji="1" lang="zh-CN" altLang="en-US" sz="1050">
               <a:solidFill>
                 <a:srgbClr val="FF0000"/>
               </a:solidFill>
@@ -11614,14 +11949,14 @@
           <a:lstStyle/>
           <a:p>
             <a:r>
-              <a:rPr kumimoji="1" lang="en-US" altLang="zh-CN" sz="1000" dirty="0" smtClean="0"/>
+              <a:rPr kumimoji="1" lang="en-US" altLang="zh-CN" sz="1000" smtClean="0"/>
               <a:t>NIO</a:t>
             </a:r>
             <a:r>
-              <a:rPr kumimoji="1" lang="zh-CN" altLang="en-US" sz="1000" dirty="0" smtClean="0"/>
+              <a:rPr kumimoji="1" lang="zh-CN" altLang="en-US" sz="1000" smtClean="0"/>
               <a:t>直接申请到的内存，不在堆里边</a:t>
             </a:r>
-            <a:endParaRPr kumimoji="1" lang="zh-CN" altLang="en-US" sz="1000" dirty="0"/>
+            <a:endParaRPr kumimoji="1" lang="zh-CN" altLang="en-US" sz="1000"/>
           </a:p>
         </p:txBody>
       </p:sp>
@@ -11648,10 +11983,10 @@
           <a:lstStyle/>
           <a:p>
             <a:r>
-              <a:rPr kumimoji="1" lang="zh-CN" altLang="en-US" sz="1200" dirty="0" smtClean="0"/>
+              <a:rPr kumimoji="1" lang="zh-CN" altLang="en-US" sz="1200" smtClean="0"/>
               <a:t>运行时数据区：</a:t>
             </a:r>
-            <a:endParaRPr kumimoji="1" lang="zh-CN" altLang="en-US" sz="1200" dirty="0"/>
+            <a:endParaRPr kumimoji="1" lang="zh-CN" altLang="en-US" sz="1200"/>
           </a:p>
         </p:txBody>
       </p:sp>
@@ -11685,7 +12020,7 @@
               </a:rPr>
               <a:t>当前线程</a:t>
             </a:r>
-            <a:endParaRPr kumimoji="1" lang="zh-CN" altLang="en-US" sz="1200" dirty="0">
+            <a:endParaRPr kumimoji="1" lang="zh-CN" altLang="en-US" sz="1200">
               <a:solidFill>
                 <a:srgbClr val="FF0000"/>
               </a:solidFill>
@@ -11820,100 +12155,100 @@
           <a:lstStyle/>
           <a:p>
             <a:r>
-              <a:rPr lang="zh-CN" altLang="en-US" sz="1200" b="1" dirty="0" smtClean="0"/>
+              <a:rPr lang="zh-CN" altLang="en-US" sz="1200" b="1" smtClean="0"/>
               <a:t>直接内存</a:t>
             </a:r>
             <a:r>
-              <a:rPr lang="en-US" altLang="zh-CN" sz="1200" b="1" dirty="0" smtClean="0"/>
+              <a:rPr lang="en-US" altLang="zh-CN" sz="1200" b="1" smtClean="0"/>
               <a:t>(</a:t>
             </a:r>
             <a:r>
-              <a:rPr lang="zh-CN" altLang="en-US" sz="1200" b="1" dirty="0" smtClean="0"/>
+              <a:rPr lang="zh-CN" altLang="en-US" sz="1200" b="1" smtClean="0"/>
               <a:t>堆外内存</a:t>
             </a:r>
             <a:r>
-              <a:rPr lang="en-US" altLang="zh-CN" sz="1200" b="1" dirty="0" smtClean="0"/>
+              <a:rPr lang="en-US" altLang="zh-CN" sz="1200" b="1" smtClean="0"/>
               <a:t>)</a:t>
             </a:r>
             <a:r>
-              <a:rPr lang="zh-CN" altLang="en-US" sz="1200" b="1" dirty="0" smtClean="0"/>
+              <a:rPr lang="zh-CN" altLang="en-US" sz="1200" b="1" smtClean="0"/>
               <a:t>：</a:t>
             </a:r>
             <a:r>
-              <a:rPr lang="zh-CN" altLang="en-US" sz="1200" dirty="0" smtClean="0"/>
+              <a:rPr lang="zh-CN" altLang="en-US" sz="1200" smtClean="0"/>
               <a:t>不</a:t>
             </a:r>
             <a:r>
-              <a:rPr lang="zh-CN" altLang="en-US" sz="1200" dirty="0"/>
+              <a:rPr lang="zh-CN" altLang="en-US" sz="1200"/>
               <a:t>是运行时数据区的一部分，</a:t>
             </a:r>
             <a:r>
-              <a:rPr lang="en-US" altLang="zh-CN" sz="1200" dirty="0"/>
+              <a:rPr lang="en-US" altLang="zh-CN" sz="1200"/>
               <a:t>NIO</a:t>
             </a:r>
             <a:r>
-              <a:rPr lang="zh-CN" altLang="en-US" sz="1200" dirty="0"/>
+              <a:rPr lang="zh-CN" altLang="en-US" sz="1200"/>
               <a:t>通过</a:t>
             </a:r>
             <a:r>
-              <a:rPr lang="en-US" altLang="zh-CN" sz="1200" dirty="0"/>
+              <a:rPr lang="en-US" altLang="zh-CN" sz="1200"/>
               <a:t>Native</a:t>
             </a:r>
             <a:r>
-              <a:rPr lang="zh-CN" altLang="en-US" sz="1200" dirty="0"/>
+              <a:rPr lang="zh-CN" altLang="en-US" sz="1200"/>
               <a:t>函数直接分配堆外内存</a:t>
             </a:r>
             <a:r>
-              <a:rPr lang="zh-CN" altLang="en-US" sz="1200" dirty="0" smtClean="0"/>
+              <a:rPr lang="zh-CN" altLang="en-US" sz="1200" smtClean="0"/>
               <a:t>，</a:t>
             </a:r>
-            <a:endParaRPr lang="en-US" altLang="zh-CN" sz="1200" dirty="0" smtClean="0"/>
-          </a:p>
-          <a:p>
-            <a:r>
-              <a:rPr lang="zh-CN" altLang="en-US" sz="1200" dirty="0" smtClean="0"/>
+            <a:endParaRPr lang="en-US" altLang="zh-CN" sz="1200" smtClean="0"/>
+          </a:p>
+          <a:p>
+            <a:r>
+              <a:rPr lang="zh-CN" altLang="en-US" sz="1200" smtClean="0"/>
               <a:t>然后</a:t>
             </a:r>
             <a:r>
-              <a:rPr lang="zh-CN" altLang="en-US" sz="1200" dirty="0"/>
+              <a:rPr lang="zh-CN" altLang="en-US" sz="1200"/>
               <a:t>通过</a:t>
             </a:r>
             <a:r>
-              <a:rPr lang="en-US" altLang="zh-CN" sz="1200" dirty="0" err="1"/>
+              <a:rPr lang="en-US" altLang="zh-CN" sz="1200" err="1"/>
               <a:t>DirectByteBuffer</a:t>
             </a:r>
             <a:r>
-              <a:rPr lang="zh-CN" altLang="en-US" sz="1200" dirty="0"/>
+              <a:rPr lang="zh-CN" altLang="en-US" sz="1200"/>
               <a:t>对象作为这块内存的引用进行操作，避免</a:t>
             </a:r>
             <a:r>
-              <a:rPr lang="zh-CN" altLang="en-US" sz="1200" dirty="0" smtClean="0"/>
+              <a:rPr lang="zh-CN" altLang="en-US" sz="1200" smtClean="0"/>
               <a:t>了在</a:t>
             </a:r>
             <a:r>
-              <a:rPr lang="en-US" altLang="zh-CN" sz="1200" dirty="0"/>
+              <a:rPr lang="en-US" altLang="zh-CN" sz="1200"/>
               <a:t>java</a:t>
             </a:r>
             <a:r>
-              <a:rPr lang="zh-CN" altLang="en-US" sz="1200" dirty="0"/>
+              <a:rPr lang="zh-CN" altLang="en-US" sz="1200"/>
               <a:t>堆</a:t>
             </a:r>
             <a:r>
-              <a:rPr lang="zh-CN" altLang="en-US" sz="1200" dirty="0" smtClean="0"/>
+              <a:rPr lang="zh-CN" altLang="en-US" sz="1200" smtClean="0"/>
               <a:t>和</a:t>
             </a:r>
-            <a:endParaRPr lang="en-US" altLang="zh-CN" sz="1200" dirty="0" smtClean="0"/>
-          </a:p>
-          <a:p>
-            <a:r>
-              <a:rPr lang="en-US" altLang="zh-CN" sz="1200" dirty="0" smtClean="0"/>
+            <a:endParaRPr lang="en-US" altLang="zh-CN" sz="1200" smtClean="0"/>
+          </a:p>
+          <a:p>
+            <a:r>
+              <a:rPr lang="en-US" altLang="zh-CN" sz="1200" smtClean="0"/>
               <a:t>Native</a:t>
             </a:r>
             <a:r>
-              <a:rPr lang="zh-CN" altLang="en-US" sz="1200" dirty="0"/>
+              <a:rPr lang="zh-CN" altLang="en-US" sz="1200"/>
               <a:t>堆中来回复制数据，提高性能。</a:t>
             </a:r>
-            <a:endParaRPr kumimoji="1" lang="zh-CN" altLang="en-US" sz="1200" dirty="0"/>
+            <a:endParaRPr kumimoji="1" lang="zh-CN" altLang="en-US" sz="1200"/>
           </a:p>
         </p:txBody>
       </p:sp>
@@ -12086,18 +12421,18 @@
           <a:lstStyle/>
           <a:p>
             <a:r>
-              <a:rPr kumimoji="1" lang="en-US" altLang="zh-CN" sz="1100" dirty="0" smtClean="0"/>
+              <a:rPr kumimoji="1" lang="en-US" altLang="zh-CN" sz="1100" smtClean="0"/>
               <a:t>Object</a:t>
             </a:r>
             <a:r>
-              <a:rPr kumimoji="1" lang="zh-CN" altLang="en-US" sz="1100" dirty="0" smtClean="0"/>
+              <a:rPr kumimoji="1" lang="zh-CN" altLang="en-US" sz="1100" smtClean="0"/>
               <a:t> </a:t>
             </a:r>
             <a:r>
-              <a:rPr kumimoji="1" lang="en-US" altLang="zh-CN" sz="1100" dirty="0" smtClean="0"/>
+              <a:rPr kumimoji="1" lang="en-US" altLang="zh-CN" sz="1100" smtClean="0"/>
               <a:t>Header</a:t>
             </a:r>
-            <a:endParaRPr kumimoji="1" lang="zh-CN" altLang="en-US" sz="1100" dirty="0"/>
+            <a:endParaRPr kumimoji="1" lang="zh-CN" altLang="en-US" sz="1100"/>
           </a:p>
         </p:txBody>
       </p:sp>
@@ -12124,14 +12459,14 @@
           <a:lstStyle/>
           <a:p>
             <a:r>
-              <a:rPr kumimoji="1" lang="en-US" altLang="zh-CN" sz="1200" dirty="0" err="1" smtClean="0"/>
+              <a:rPr kumimoji="1" lang="en-US" altLang="zh-CN" sz="1200" err="1" smtClean="0"/>
               <a:t>HotSpot</a:t>
             </a:r>
             <a:r>
-              <a:rPr kumimoji="1" lang="zh-CN" altLang="en-US" sz="1200" dirty="0" smtClean="0"/>
+              <a:rPr kumimoji="1" lang="zh-CN" altLang="en-US" sz="1200" smtClean="0"/>
               <a:t> 对象布局：</a:t>
             </a:r>
-            <a:endParaRPr kumimoji="1" lang="zh-CN" altLang="en-US" sz="1200" dirty="0"/>
+            <a:endParaRPr kumimoji="1" lang="zh-CN" altLang="en-US" sz="1200"/>
           </a:p>
         </p:txBody>
       </p:sp>
@@ -12158,18 +12493,18 @@
           <a:lstStyle/>
           <a:p>
             <a:r>
-              <a:rPr kumimoji="1" lang="en-US" altLang="zh-CN" sz="1100" dirty="0" smtClean="0"/>
+              <a:rPr kumimoji="1" lang="en-US" altLang="zh-CN" sz="1100" smtClean="0"/>
               <a:t>Instance</a:t>
             </a:r>
             <a:r>
-              <a:rPr kumimoji="1" lang="zh-CN" altLang="en-US" sz="1100" dirty="0" smtClean="0"/>
+              <a:rPr kumimoji="1" lang="zh-CN" altLang="en-US" sz="1100" smtClean="0"/>
               <a:t> </a:t>
             </a:r>
             <a:r>
-              <a:rPr kumimoji="1" lang="en-US" altLang="zh-CN" sz="1100" dirty="0" smtClean="0"/>
+              <a:rPr kumimoji="1" lang="en-US" altLang="zh-CN" sz="1100" smtClean="0"/>
               <a:t>Data</a:t>
             </a:r>
-            <a:endParaRPr kumimoji="1" lang="zh-CN" altLang="en-US" sz="1100" dirty="0"/>
+            <a:endParaRPr kumimoji="1" lang="zh-CN" altLang="en-US" sz="1100"/>
           </a:p>
         </p:txBody>
       </p:sp>
@@ -12196,10 +12531,10 @@
           <a:lstStyle/>
           <a:p>
             <a:r>
-              <a:rPr kumimoji="1" lang="zh-CN" altLang="en-US" sz="1100" dirty="0" smtClean="0"/>
+              <a:rPr kumimoji="1" lang="zh-CN" altLang="en-US" sz="1100" smtClean="0"/>
               <a:t>对象头</a:t>
             </a:r>
-            <a:endParaRPr kumimoji="1" lang="zh-CN" altLang="en-US" sz="1100" dirty="0"/>
+            <a:endParaRPr kumimoji="1" lang="zh-CN" altLang="en-US" sz="1100"/>
           </a:p>
         </p:txBody>
       </p:sp>
@@ -12226,10 +12561,10 @@
           <a:lstStyle/>
           <a:p>
             <a:r>
-              <a:rPr kumimoji="1" lang="zh-CN" altLang="en-US" sz="1100" dirty="0" smtClean="0"/>
+              <a:rPr kumimoji="1" lang="zh-CN" altLang="en-US" sz="1100" smtClean="0"/>
               <a:t>实例数据</a:t>
             </a:r>
-            <a:endParaRPr kumimoji="1" lang="zh-CN" altLang="en-US" sz="1100" dirty="0"/>
+            <a:endParaRPr kumimoji="1" lang="zh-CN" altLang="en-US" sz="1100"/>
           </a:p>
         </p:txBody>
       </p:sp>
@@ -12256,25 +12591,25 @@
           <a:lstStyle/>
           <a:p>
             <a:r>
-              <a:rPr kumimoji="1" lang="zh-CN" altLang="en-US" sz="1100" dirty="0" smtClean="0"/>
+              <a:rPr kumimoji="1" lang="zh-CN" altLang="en-US" sz="1100" smtClean="0"/>
               <a:t>对齐填充 </a:t>
             </a:r>
-            <a:endParaRPr kumimoji="1" lang="en-US" altLang="zh-CN" sz="1100" dirty="0" smtClean="0"/>
-          </a:p>
-          <a:p>
-            <a:r>
-              <a:rPr kumimoji="1" lang="zh-CN" altLang="en-US" sz="1100" dirty="0"/>
+            <a:endParaRPr kumimoji="1" lang="en-US" altLang="zh-CN" sz="1100" smtClean="0"/>
+          </a:p>
+          <a:p>
+            <a:r>
+              <a:rPr kumimoji="1" lang="zh-CN" altLang="en-US" sz="1100"/>
               <a:t> </a:t>
             </a:r>
             <a:r>
-              <a:rPr kumimoji="1" lang="zh-CN" altLang="en-US" sz="1100" dirty="0" smtClean="0"/>
+              <a:rPr kumimoji="1" lang="zh-CN" altLang="en-US" sz="1100" smtClean="0"/>
               <a:t> </a:t>
             </a:r>
             <a:r>
-              <a:rPr kumimoji="1" lang="en-US" altLang="zh-CN" sz="1100" dirty="0" smtClean="0"/>
+              <a:rPr kumimoji="1" lang="en-US" altLang="zh-CN" sz="1100" smtClean="0"/>
               <a:t>Padding</a:t>
             </a:r>
-            <a:endParaRPr kumimoji="1" lang="zh-CN" altLang="en-US" sz="1100" dirty="0"/>
+            <a:endParaRPr kumimoji="1" lang="zh-CN" altLang="en-US" sz="1100"/>
           </a:p>
         </p:txBody>
       </p:sp>
@@ -12304,81 +12639,77 @@
               <a:buAutoNum type="alphaUcPeriod"/>
             </a:pPr>
             <a:r>
-              <a:rPr kumimoji="1" lang="zh-CN" altLang="en-US" sz="1000" dirty="0" smtClean="0"/>
+              <a:rPr kumimoji="1" lang="zh-CN" altLang="en-US" sz="1000" smtClean="0"/>
               <a:t>存储对象的运行时数据，</a:t>
             </a:r>
             <a:r>
-              <a:rPr kumimoji="1" lang="en-US" altLang="zh-CN" sz="1000" dirty="0" err="1" smtClean="0"/>
+              <a:rPr kumimoji="1" lang="en-US" altLang="zh-CN" sz="1000" err="1" smtClean="0"/>
               <a:t>hashCode</a:t>
             </a:r>
             <a:r>
-              <a:rPr kumimoji="1" lang="zh-CN" altLang="en-US" sz="1000" dirty="0" smtClean="0"/>
+              <a:rPr kumimoji="1" lang="zh-CN" altLang="en-US" sz="1000" smtClean="0"/>
               <a:t>、线程持有的锁、锁状态标志、</a:t>
             </a:r>
-            <a:endParaRPr kumimoji="1" lang="en-US" altLang="zh-CN" sz="1000" dirty="0" smtClean="0"/>
-          </a:p>
-          <a:p>
-            <a:r>
-              <a:rPr kumimoji="1" lang="zh-CN" altLang="en-US" sz="1000" dirty="0" smtClean="0"/>
+            <a:endParaRPr kumimoji="1" lang="en-US" altLang="zh-CN" sz="1000" smtClean="0"/>
+          </a:p>
+          <a:p>
+            <a:r>
+              <a:rPr kumimoji="1" lang="zh-CN" altLang="en-US" sz="1000" smtClean="0"/>
               <a:t>       </a:t>
             </a:r>
             <a:r>
-              <a:rPr kumimoji="1" lang="en-US" altLang="zh-CN" sz="1000" dirty="0" smtClean="0"/>
+              <a:rPr kumimoji="1" lang="en-US" altLang="zh-CN" sz="1000" smtClean="0"/>
               <a:t>GC</a:t>
             </a:r>
             <a:r>
-              <a:rPr kumimoji="1" lang="zh-CN" altLang="en-US" sz="1000" dirty="0"/>
+              <a:rPr kumimoji="1" lang="zh-CN" altLang="en-US" sz="1000"/>
               <a:t>分代</a:t>
             </a:r>
             <a:r>
-              <a:rPr kumimoji="1" lang="zh-CN" altLang="en-US" sz="1000" dirty="0" smtClean="0"/>
+              <a:rPr kumimoji="1" lang="zh-CN" altLang="en-US" sz="1000" smtClean="0"/>
               <a:t>年龄、偏向线程</a:t>
             </a:r>
             <a:r>
-              <a:rPr kumimoji="1" lang="en-US" altLang="zh-CN" sz="1000" dirty="0" smtClean="0"/>
+              <a:rPr kumimoji="1" lang="en-US" altLang="zh-CN" sz="1000" smtClean="0"/>
               <a:t>ID</a:t>
             </a:r>
             <a:r>
-              <a:rPr kumimoji="1" lang="zh-CN" altLang="en-US" sz="1000" dirty="0" smtClean="0"/>
-              <a:t>、偏向时间</a:t>
-            </a:r>
-            <a:r>
-              <a:rPr kumimoji="1" lang="zh-CN" altLang="en-US" sz="1000" dirty="0" smtClean="0"/>
-              <a:t>戳</a:t>
-            </a:r>
-            <a:endParaRPr kumimoji="1" lang="en-US" altLang="zh-CN" sz="1000" dirty="0" smtClean="0"/>
-          </a:p>
-          <a:p>
-            <a:endParaRPr kumimoji="1" lang="en-US" altLang="zh-CN" sz="1000" dirty="0"/>
-          </a:p>
-          <a:p>
-            <a:r>
-              <a:rPr kumimoji="1" lang="en-US" altLang="zh-CN" sz="1000" dirty="0"/>
+              <a:rPr kumimoji="1" lang="zh-CN" altLang="en-US" sz="1000" smtClean="0"/>
+              <a:t>、偏向时间戳</a:t>
+            </a:r>
+            <a:endParaRPr kumimoji="1" lang="en-US" altLang="zh-CN" sz="1000" smtClean="0"/>
+          </a:p>
+          <a:p>
+            <a:endParaRPr kumimoji="1" lang="en-US" altLang="zh-CN" sz="1000"/>
+          </a:p>
+          <a:p>
+            <a:r>
+              <a:rPr kumimoji="1" lang="en-US" altLang="zh-CN" sz="1000"/>
               <a:t>B.</a:t>
             </a:r>
             <a:r>
-              <a:rPr kumimoji="1" lang="zh-CN" altLang="en-US" sz="1000" dirty="0"/>
+              <a:rPr kumimoji="1" lang="zh-CN" altLang="en-US" sz="1000"/>
               <a:t> 类型指针，即指向它的类元数据，判断出是哪个类的实例 </a:t>
             </a:r>
-            <a:endParaRPr kumimoji="1" lang="en-US" altLang="zh-CN" sz="1000" dirty="0" smtClean="0"/>
-          </a:p>
-          <a:p>
-            <a:endParaRPr kumimoji="1" lang="en-US" altLang="zh-CN" sz="1000" dirty="0"/>
-          </a:p>
-          <a:p>
-            <a:r>
-              <a:rPr kumimoji="1" lang="en-US" altLang="zh-CN" sz="1000" dirty="0"/>
+            <a:endParaRPr kumimoji="1" lang="en-US" altLang="zh-CN" sz="1000" smtClean="0"/>
+          </a:p>
+          <a:p>
+            <a:endParaRPr kumimoji="1" lang="en-US" altLang="zh-CN" sz="1000"/>
+          </a:p>
+          <a:p>
+            <a:r>
+              <a:rPr kumimoji="1" lang="en-US" altLang="zh-CN" sz="1000"/>
               <a:t>C.</a:t>
             </a:r>
             <a:r>
-              <a:rPr kumimoji="1" lang="zh-CN" altLang="en-US" sz="1000" dirty="0"/>
+              <a:rPr kumimoji="1" lang="zh-CN" altLang="en-US" sz="1000"/>
               <a:t> 如果是数组的话，还会存储数组的</a:t>
             </a:r>
             <a:r>
-              <a:rPr kumimoji="1" lang="zh-CN" altLang="en-US" sz="1000" dirty="0" smtClean="0"/>
+              <a:rPr kumimoji="1" lang="zh-CN" altLang="en-US" sz="1000" smtClean="0"/>
               <a:t>长度</a:t>
             </a:r>
-            <a:endParaRPr kumimoji="1" lang="zh-CN" altLang="en-US" sz="1000" dirty="0"/>
+            <a:endParaRPr kumimoji="1" lang="zh-CN" altLang="en-US" sz="1000"/>
           </a:p>
         </p:txBody>
       </p:sp>
@@ -12447,21 +12778,17 @@
           <a:p>
             <a:r>
               <a:rPr kumimoji="1" lang="zh-CN" altLang="en-US" sz="1000" smtClean="0"/>
-              <a:t>存储</a:t>
-            </a:r>
-            <a:r>
-              <a:rPr kumimoji="1" lang="zh-CN" altLang="en-US" sz="1000" dirty="0" smtClean="0"/>
-              <a:t>对象的有效信息，也是在</a:t>
-            </a:r>
-            <a:r>
-              <a:rPr kumimoji="1" lang="en-US" altLang="zh-CN" sz="1000" dirty="0" smtClean="0"/>
+              <a:t>存储对象的有效信息，也是在</a:t>
+            </a:r>
+            <a:r>
+              <a:rPr kumimoji="1" lang="en-US" altLang="zh-CN" sz="1000" smtClean="0"/>
               <a:t>code</a:t>
             </a:r>
             <a:r>
-              <a:rPr kumimoji="1" lang="zh-CN" altLang="en-US" sz="1000" dirty="0" smtClean="0"/>
+              <a:rPr kumimoji="1" lang="zh-CN" altLang="en-US" sz="1000" smtClean="0"/>
               <a:t>中定义的各种类型的字段内容。无论是从父类中继承的，还是在子类中定义的，都记录下来</a:t>
             </a:r>
-            <a:endParaRPr kumimoji="1" lang="zh-CN" altLang="en-US" sz="1000" dirty="0"/>
+            <a:endParaRPr kumimoji="1" lang="zh-CN" altLang="en-US" sz="1000"/>
           </a:p>
         </p:txBody>
       </p:sp>
@@ -12488,30 +12815,30 @@
           <a:lstStyle/>
           <a:p>
             <a:r>
-              <a:rPr kumimoji="1" lang="en-US" altLang="zh-CN" sz="1000" dirty="0" smtClean="0"/>
+              <a:rPr kumimoji="1" lang="en-US" altLang="zh-CN" sz="1000" smtClean="0"/>
               <a:t>JVM</a:t>
             </a:r>
             <a:r>
-              <a:rPr kumimoji="1" lang="zh-CN" altLang="en-US" sz="1000" dirty="0" smtClean="0"/>
+              <a:rPr kumimoji="1" lang="zh-CN" altLang="en-US" sz="1000" smtClean="0"/>
               <a:t>要求对象的大小是</a:t>
             </a:r>
             <a:r>
-              <a:rPr kumimoji="1" lang="en-US" altLang="zh-CN" sz="1000" dirty="0" smtClean="0"/>
+              <a:rPr kumimoji="1" lang="en-US" altLang="zh-CN" sz="1000" smtClean="0"/>
               <a:t>8</a:t>
             </a:r>
             <a:r>
-              <a:rPr kumimoji="1" lang="zh-CN" altLang="en-US" sz="1000" dirty="0" smtClean="0"/>
+              <a:rPr kumimoji="1" lang="zh-CN" altLang="en-US" sz="1000" smtClean="0"/>
               <a:t>字节的整数倍，对象头是</a:t>
             </a:r>
             <a:r>
-              <a:rPr kumimoji="1" lang="en-US" altLang="zh-CN" sz="1000" dirty="0" smtClean="0"/>
+              <a:rPr kumimoji="1" lang="en-US" altLang="zh-CN" sz="1000" smtClean="0"/>
               <a:t>8</a:t>
             </a:r>
             <a:r>
-              <a:rPr kumimoji="1" lang="zh-CN" altLang="en-US" sz="1000" dirty="0" smtClean="0"/>
+              <a:rPr kumimoji="1" lang="zh-CN" altLang="en-US" sz="1000" smtClean="0"/>
               <a:t>字节的整数倍，当数据实例部分没有对齐时，通过对齐填充来补充</a:t>
             </a:r>
-            <a:endParaRPr kumimoji="1" lang="zh-CN" altLang="en-US" sz="1000" dirty="0"/>
+            <a:endParaRPr kumimoji="1" lang="zh-CN" altLang="en-US" sz="1000"/>
           </a:p>
         </p:txBody>
       </p:sp>
@@ -12748,10 +13075,10 @@
           <a:p>
             <a:pPr algn="ctr"/>
             <a:r>
-              <a:rPr lang="en-US" altLang="zh-CN" dirty="0"/>
+              <a:rPr lang="en-US" altLang="zh-CN"/>
               <a:t>purge</a:t>
             </a:r>
-            <a:endParaRPr kumimoji="1" lang="zh-CN" altLang="en-US" dirty="0"/>
+            <a:endParaRPr kumimoji="1" lang="zh-CN" altLang="en-US"/>
           </a:p>
         </p:txBody>
       </p:sp>
@@ -12868,14 +13195,14 @@
           <a:lstStyle/>
           <a:p>
             <a:r>
-              <a:rPr kumimoji="1" lang="zh-CN" altLang="en-US" sz="1200" dirty="0" smtClean="0"/>
+              <a:rPr kumimoji="1" lang="zh-CN" altLang="en-US" sz="1200" smtClean="0"/>
               <a:t>线程</a:t>
             </a:r>
             <a:r>
-              <a:rPr kumimoji="1" lang="en-US" altLang="zh-CN" sz="1200" dirty="0"/>
+              <a:rPr kumimoji="1" lang="en-US" altLang="zh-CN" sz="1200"/>
               <a:t>n</a:t>
             </a:r>
-            <a:endParaRPr kumimoji="1" lang="zh-CN" altLang="en-US" sz="1200" dirty="0"/>
+            <a:endParaRPr kumimoji="1" lang="zh-CN" altLang="en-US" sz="1200"/>
           </a:p>
         </p:txBody>
       </p:sp>
@@ -12902,10 +13229,10 @@
           <a:lstStyle/>
           <a:p>
             <a:r>
-              <a:rPr kumimoji="1" lang="zh-CN" altLang="en-US" sz="1200" dirty="0" smtClean="0"/>
+              <a:rPr kumimoji="1" lang="zh-CN" altLang="en-US" sz="1200" smtClean="0"/>
               <a:t>当前线程</a:t>
             </a:r>
-            <a:endParaRPr kumimoji="1" lang="zh-CN" altLang="en-US" sz="1200" dirty="0"/>
+            <a:endParaRPr kumimoji="1" lang="zh-CN" altLang="en-US" sz="1200"/>
           </a:p>
         </p:txBody>
       </p:sp>
@@ -12932,14 +13259,14 @@
           <a:lstStyle/>
           <a:p>
             <a:r>
-              <a:rPr kumimoji="1" lang="zh-CN" altLang="en-US" sz="1200" dirty="0" smtClean="0"/>
+              <a:rPr kumimoji="1" lang="zh-CN" altLang="en-US" sz="1200" smtClean="0"/>
               <a:t>线程</a:t>
             </a:r>
             <a:r>
-              <a:rPr kumimoji="1" lang="en-US" altLang="zh-CN" sz="1200" dirty="0"/>
+              <a:rPr kumimoji="1" lang="en-US" altLang="zh-CN" sz="1200"/>
               <a:t>2</a:t>
             </a:r>
-            <a:endParaRPr kumimoji="1" lang="zh-CN" altLang="en-US" sz="1200" dirty="0"/>
+            <a:endParaRPr kumimoji="1" lang="zh-CN" altLang="en-US" sz="1200"/>
           </a:p>
         </p:txBody>
       </p:sp>
@@ -12969,7 +13296,7 @@
               <a:rPr kumimoji="1" lang="en-US" altLang="zh-CN" smtClean="0"/>
               <a:t>......</a:t>
             </a:r>
-            <a:endParaRPr kumimoji="1" lang="zh-CN" altLang="en-US" dirty="0"/>
+            <a:endParaRPr kumimoji="1" lang="zh-CN" altLang="en-US"/>
           </a:p>
         </p:txBody>
       </p:sp>
@@ -13244,39 +13571,35 @@
             </a:r>
             <a:r>
               <a:rPr kumimoji="1" lang="zh-CN" altLang="en-US" sz="1200" smtClean="0"/>
-              <a:t>     栈</a:t>
-            </a:r>
-            <a:r>
-              <a:rPr kumimoji="1" lang="zh-CN" altLang="en-US" sz="1200" dirty="0" smtClean="0"/>
-              <a:t>帧</a:t>
-            </a:r>
-            <a:r>
-              <a:rPr kumimoji="1" lang="en-US" altLang="zh-CN" sz="1200" dirty="0" smtClean="0"/>
+              <a:t>     栈帧</a:t>
+            </a:r>
+            <a:r>
+              <a:rPr kumimoji="1" lang="en-US" altLang="zh-CN" sz="1200" smtClean="0"/>
               <a:t>main</a:t>
             </a:r>
           </a:p>
           <a:p>
             <a:r>
-              <a:rPr kumimoji="1" lang="en-US" altLang="zh-CN" sz="1200" dirty="0" smtClean="0"/>
+              <a:rPr kumimoji="1" lang="en-US" altLang="zh-CN" sz="1200" smtClean="0"/>
               <a:t>Stack</a:t>
             </a:r>
             <a:r>
-              <a:rPr kumimoji="1" lang="zh-CN" altLang="en-US" sz="1200" dirty="0" smtClean="0"/>
+              <a:rPr kumimoji="1" lang="zh-CN" altLang="en-US" sz="1200" smtClean="0"/>
               <a:t> </a:t>
             </a:r>
             <a:r>
-              <a:rPr kumimoji="1" lang="en-US" altLang="zh-CN" sz="1200" dirty="0" smtClean="0"/>
+              <a:rPr kumimoji="1" lang="en-US" altLang="zh-CN" sz="1200" smtClean="0"/>
               <a:t>Frame</a:t>
             </a:r>
             <a:r>
-              <a:rPr kumimoji="1" lang="zh-CN" altLang="en-US" sz="1200" dirty="0" smtClean="0"/>
+              <a:rPr kumimoji="1" lang="zh-CN" altLang="en-US" sz="1200" smtClean="0"/>
               <a:t> </a:t>
             </a:r>
             <a:r>
-              <a:rPr kumimoji="1" lang="en-US" altLang="zh-CN" sz="1200" dirty="0" smtClean="0"/>
+              <a:rPr kumimoji="1" lang="en-US" altLang="zh-CN" sz="1200" smtClean="0"/>
               <a:t>main</a:t>
             </a:r>
-            <a:endParaRPr kumimoji="1" lang="zh-CN" altLang="en-US" sz="1200" dirty="0"/>
+            <a:endParaRPr kumimoji="1" lang="zh-CN" altLang="en-US" sz="1200"/>
           </a:p>
         </p:txBody>
       </p:sp>
@@ -13303,41 +13626,41 @@
           <a:lstStyle/>
           <a:p>
             <a:r>
-              <a:rPr kumimoji="1" lang="zh-CN" altLang="en-US" sz="1200" dirty="0"/>
+              <a:rPr kumimoji="1" lang="zh-CN" altLang="en-US" sz="1200"/>
               <a:t> </a:t>
             </a:r>
             <a:r>
-              <a:rPr kumimoji="1" lang="zh-CN" altLang="en-US" sz="1200" dirty="0" smtClean="0"/>
+              <a:rPr kumimoji="1" lang="zh-CN" altLang="en-US" sz="1200" smtClean="0"/>
               <a:t>     栈帧</a:t>
             </a:r>
             <a:r>
-              <a:rPr kumimoji="1" lang="en-US" altLang="zh-CN" sz="1200" dirty="0"/>
+              <a:rPr kumimoji="1" lang="en-US" altLang="zh-CN" sz="1200"/>
               <a:t>2</a:t>
             </a:r>
-            <a:endParaRPr kumimoji="1" lang="en-US" altLang="zh-CN" sz="1200" dirty="0" smtClean="0"/>
-          </a:p>
-          <a:p>
-            <a:r>
-              <a:rPr kumimoji="1" lang="en-US" altLang="zh-CN" sz="1200" dirty="0" smtClean="0"/>
+            <a:endParaRPr kumimoji="1" lang="en-US" altLang="zh-CN" sz="1200" smtClean="0"/>
+          </a:p>
+          <a:p>
+            <a:r>
+              <a:rPr kumimoji="1" lang="en-US" altLang="zh-CN" sz="1200" smtClean="0"/>
               <a:t>Stack</a:t>
             </a:r>
             <a:r>
-              <a:rPr kumimoji="1" lang="zh-CN" altLang="en-US" sz="1200" dirty="0" smtClean="0"/>
+              <a:rPr kumimoji="1" lang="zh-CN" altLang="en-US" sz="1200" smtClean="0"/>
               <a:t> </a:t>
             </a:r>
             <a:r>
-              <a:rPr kumimoji="1" lang="en-US" altLang="zh-CN" sz="1200" dirty="0" smtClean="0"/>
+              <a:rPr kumimoji="1" lang="en-US" altLang="zh-CN" sz="1200" smtClean="0"/>
               <a:t>Frame</a:t>
             </a:r>
             <a:r>
-              <a:rPr kumimoji="1" lang="zh-CN" altLang="en-US" sz="1200" dirty="0" smtClean="0"/>
+              <a:rPr kumimoji="1" lang="zh-CN" altLang="en-US" sz="1200" smtClean="0"/>
               <a:t> </a:t>
             </a:r>
             <a:r>
-              <a:rPr kumimoji="1" lang="en-US" altLang="zh-CN" sz="1200" dirty="0" smtClean="0"/>
+              <a:rPr kumimoji="1" lang="en-US" altLang="zh-CN" sz="1200" smtClean="0"/>
               <a:t>2</a:t>
             </a:r>
-            <a:endParaRPr kumimoji="1" lang="zh-CN" altLang="en-US" sz="1200" dirty="0"/>
+            <a:endParaRPr kumimoji="1" lang="zh-CN" altLang="en-US" sz="1200"/>
           </a:p>
         </p:txBody>
       </p:sp>
@@ -13364,41 +13687,40 @@
           <a:lstStyle/>
           <a:p>
             <a:r>
-              <a:rPr kumimoji="1" lang="zh-CN" altLang="en-US" sz="1200" dirty="0"/>
+              <a:rPr kumimoji="1" lang="zh-CN" altLang="en-US" sz="1200"/>
               <a:t> </a:t>
             </a:r>
             <a:r>
-              <a:rPr kumimoji="1" lang="zh-CN" altLang="en-US" sz="1200" dirty="0" smtClean="0"/>
+              <a:rPr kumimoji="1" lang="zh-CN" altLang="en-US" sz="1200" smtClean="0"/>
               <a:t>     栈帧</a:t>
             </a:r>
             <a:r>
-              <a:rPr kumimoji="1" lang="en-US" altLang="zh-CN" sz="1200" dirty="0" smtClean="0"/>
+              <a:rPr kumimoji="1" lang="en-US" altLang="zh-CN" sz="1200" smtClean="0"/>
               <a:t>n</a:t>
             </a:r>
-            <a:endParaRPr kumimoji="1" lang="en-US" altLang="zh-CN" sz="1200" dirty="0" smtClean="0"/>
-          </a:p>
-          <a:p>
-            <a:r>
-              <a:rPr kumimoji="1" lang="en-US" altLang="zh-CN" sz="1200" dirty="0" smtClean="0"/>
+          </a:p>
+          <a:p>
+            <a:r>
+              <a:rPr kumimoji="1" lang="en-US" altLang="zh-CN" sz="1200" smtClean="0"/>
               <a:t>Stack</a:t>
             </a:r>
             <a:r>
-              <a:rPr kumimoji="1" lang="zh-CN" altLang="en-US" sz="1200" dirty="0" smtClean="0"/>
+              <a:rPr kumimoji="1" lang="zh-CN" altLang="en-US" sz="1200" smtClean="0"/>
               <a:t> </a:t>
             </a:r>
             <a:r>
-              <a:rPr kumimoji="1" lang="en-US" altLang="zh-CN" sz="1200" dirty="0" smtClean="0"/>
+              <a:rPr kumimoji="1" lang="en-US" altLang="zh-CN" sz="1200" smtClean="0"/>
               <a:t>Frame</a:t>
             </a:r>
             <a:r>
-              <a:rPr kumimoji="1" lang="zh-CN" altLang="en-US" sz="1200" dirty="0" smtClean="0"/>
+              <a:rPr kumimoji="1" lang="zh-CN" altLang="en-US" sz="1200" smtClean="0"/>
               <a:t> </a:t>
             </a:r>
             <a:r>
-              <a:rPr kumimoji="1" lang="en-US" altLang="zh-CN" sz="1200" dirty="0"/>
+              <a:rPr kumimoji="1" lang="en-US" altLang="zh-CN" sz="1200"/>
               <a:t>n</a:t>
             </a:r>
-            <a:endParaRPr kumimoji="1" lang="zh-CN" altLang="en-US" sz="1200" dirty="0"/>
+            <a:endParaRPr kumimoji="1" lang="zh-CN" altLang="en-US" sz="1200"/>
           </a:p>
         </p:txBody>
       </p:sp>
@@ -13430,40 +13752,36 @@
             </a:r>
             <a:r>
               <a:rPr kumimoji="1" lang="zh-CN" altLang="en-US" sz="1200" smtClean="0"/>
-              <a:t>      当前</a:t>
-            </a:r>
-            <a:r>
-              <a:rPr kumimoji="1" lang="zh-CN" altLang="en-US" sz="1200" dirty="0" smtClean="0"/>
-              <a:t>栈帧</a:t>
-            </a:r>
-            <a:endParaRPr kumimoji="1" lang="en-US" altLang="zh-CN" sz="1200" dirty="0" smtClean="0"/>
-          </a:p>
-          <a:p>
-            <a:r>
-              <a:rPr kumimoji="1" lang="en-US" altLang="zh-CN" sz="1200" dirty="0" smtClean="0"/>
+              <a:t>      当前栈帧</a:t>
+            </a:r>
+            <a:endParaRPr kumimoji="1" lang="en-US" altLang="zh-CN" sz="1200" smtClean="0"/>
+          </a:p>
+          <a:p>
+            <a:r>
+              <a:rPr kumimoji="1" lang="en-US" altLang="zh-CN" sz="1200" smtClean="0"/>
               <a:t>Current</a:t>
             </a:r>
             <a:r>
-              <a:rPr kumimoji="1" lang="zh-CN" altLang="en-US" sz="1200" dirty="0" smtClean="0"/>
+              <a:rPr kumimoji="1" lang="zh-CN" altLang="en-US" sz="1200" smtClean="0"/>
               <a:t> </a:t>
             </a:r>
             <a:r>
-              <a:rPr kumimoji="1" lang="en-US" altLang="zh-CN" sz="1200" dirty="0" smtClean="0"/>
+              <a:rPr kumimoji="1" lang="en-US" altLang="zh-CN" sz="1200" smtClean="0"/>
               <a:t>Stack</a:t>
             </a:r>
             <a:r>
-              <a:rPr kumimoji="1" lang="zh-CN" altLang="en-US" sz="1200" dirty="0" smtClean="0"/>
+              <a:rPr kumimoji="1" lang="zh-CN" altLang="en-US" sz="1200" smtClean="0"/>
               <a:t> </a:t>
             </a:r>
             <a:r>
-              <a:rPr kumimoji="1" lang="en-US" altLang="zh-CN" sz="1200" dirty="0" smtClean="0"/>
+              <a:rPr kumimoji="1" lang="en-US" altLang="zh-CN" sz="1200" smtClean="0"/>
               <a:t>Frame</a:t>
             </a:r>
             <a:r>
-              <a:rPr kumimoji="1" lang="zh-CN" altLang="en-US" sz="1200" dirty="0" smtClean="0"/>
+              <a:rPr kumimoji="1" lang="zh-CN" altLang="en-US" sz="1200" smtClean="0"/>
               <a:t> </a:t>
             </a:r>
-            <a:endParaRPr kumimoji="1" lang="zh-CN" altLang="en-US" sz="1200" dirty="0"/>
+            <a:endParaRPr kumimoji="1" lang="zh-CN" altLang="en-US" sz="1200"/>
           </a:p>
         </p:txBody>
       </p:sp>
@@ -13493,7 +13811,7 @@
               <a:rPr kumimoji="1" lang="zh-CN" altLang="en-US" sz="1200" smtClean="0"/>
               <a:t>局部变量表</a:t>
             </a:r>
-            <a:endParaRPr kumimoji="1" lang="zh-CN" altLang="en-US" sz="1200" dirty="0"/>
+            <a:endParaRPr kumimoji="1" lang="zh-CN" altLang="en-US" sz="1200"/>
           </a:p>
         </p:txBody>
       </p:sp>
@@ -13520,10 +13838,10 @@
           <a:lstStyle/>
           <a:p>
             <a:r>
-              <a:rPr kumimoji="1" lang="zh-CN" altLang="en-US" sz="1200" dirty="0" smtClean="0"/>
+              <a:rPr kumimoji="1" lang="zh-CN" altLang="en-US" sz="1200" smtClean="0"/>
               <a:t>操作数栈</a:t>
             </a:r>
-            <a:endParaRPr kumimoji="1" lang="zh-CN" altLang="en-US" sz="1200" dirty="0"/>
+            <a:endParaRPr kumimoji="1" lang="zh-CN" altLang="en-US" sz="1200"/>
           </a:p>
         </p:txBody>
       </p:sp>
@@ -13550,10 +13868,10 @@
           <a:lstStyle/>
           <a:p>
             <a:r>
-              <a:rPr kumimoji="1" lang="zh-CN" altLang="en-US" sz="1200" dirty="0" smtClean="0"/>
+              <a:rPr kumimoji="1" lang="zh-CN" altLang="en-US" sz="1200" smtClean="0"/>
               <a:t>动态连接</a:t>
             </a:r>
-            <a:endParaRPr kumimoji="1" lang="zh-CN" altLang="en-US" sz="1200" dirty="0"/>
+            <a:endParaRPr kumimoji="1" lang="zh-CN" altLang="en-US" sz="1200"/>
           </a:p>
         </p:txBody>
       </p:sp>
@@ -13580,14 +13898,10 @@
           <a:lstStyle/>
           <a:p>
             <a:r>
-              <a:rPr kumimoji="1" lang="zh-CN" altLang="en-US" sz="1200" dirty="0" smtClean="0"/>
-              <a:t>栈</a:t>
-            </a:r>
-            <a:r>
               <a:rPr kumimoji="1" lang="zh-CN" altLang="en-US" sz="1200" smtClean="0"/>
-              <a:t>帧的结构</a:t>
-            </a:r>
-            <a:endParaRPr kumimoji="1" lang="zh-CN" altLang="en-US" sz="1200" dirty="0"/>
+              <a:t>栈帧的结构</a:t>
+            </a:r>
+            <a:endParaRPr kumimoji="1" lang="zh-CN" altLang="en-US" sz="1200"/>
           </a:p>
         </p:txBody>
       </p:sp>
@@ -13614,29 +13928,29 @@
           <a:lstStyle/>
           <a:p>
             <a:r>
-              <a:rPr kumimoji="1" lang="en-US" altLang="zh-CN" sz="1200" dirty="0" smtClean="0"/>
+              <a:rPr kumimoji="1" lang="en-US" altLang="zh-CN" sz="1200" smtClean="0"/>
               <a:t>load</a:t>
             </a:r>
             <a:r>
-              <a:rPr kumimoji="1" lang="zh-CN" altLang="en-US" sz="1200" dirty="0" smtClean="0"/>
+              <a:rPr kumimoji="1" lang="zh-CN" altLang="en-US" sz="1200" smtClean="0"/>
               <a:t>和</a:t>
             </a:r>
             <a:r>
-              <a:rPr kumimoji="1" lang="en-US" altLang="zh-CN" sz="1200" dirty="0" smtClean="0"/>
+              <a:rPr kumimoji="1" lang="en-US" altLang="zh-CN" sz="1200" smtClean="0"/>
               <a:t>store</a:t>
             </a:r>
             <a:r>
-              <a:rPr kumimoji="1" lang="zh-CN" altLang="en-US" sz="1200" dirty="0" smtClean="0"/>
+              <a:rPr kumimoji="1" lang="zh-CN" altLang="en-US" sz="1200" smtClean="0"/>
               <a:t>指令来</a:t>
             </a:r>
-            <a:endParaRPr kumimoji="1" lang="en-US" altLang="zh-CN" sz="1200" dirty="0" smtClean="0"/>
-          </a:p>
-          <a:p>
-            <a:r>
-              <a:rPr kumimoji="1" lang="zh-CN" altLang="en-US" sz="1200" dirty="0" smtClean="0"/>
+            <a:endParaRPr kumimoji="1" lang="en-US" altLang="zh-CN" sz="1200" smtClean="0"/>
+          </a:p>
+          <a:p>
+            <a:r>
+              <a:rPr kumimoji="1" lang="zh-CN" altLang="en-US" sz="1200" smtClean="0"/>
               <a:t>回在存储和取出</a:t>
             </a:r>
-            <a:endParaRPr kumimoji="1" lang="zh-CN" altLang="en-US" sz="1200" dirty="0"/>
+            <a:endParaRPr kumimoji="1" lang="zh-CN" altLang="en-US" sz="1200"/>
           </a:p>
         </p:txBody>
       </p:sp>
@@ -13776,27 +14090,27 @@
           <a:lstStyle/>
           <a:p>
             <a:r>
-              <a:rPr kumimoji="1" lang="zh-CN" altLang="en-US" sz="1200" dirty="0" smtClean="0"/>
+              <a:rPr kumimoji="1" lang="zh-CN" altLang="en-US" sz="1200" smtClean="0"/>
               <a:t>局部变量表：存放方法参数和方法内部的局部变量</a:t>
             </a:r>
-            <a:endParaRPr kumimoji="1" lang="en-US" altLang="zh-CN" sz="1200" dirty="0" smtClean="0"/>
-          </a:p>
-          <a:p>
-            <a:endParaRPr kumimoji="1" lang="en-US" altLang="zh-CN" sz="1200" dirty="0" smtClean="0"/>
-          </a:p>
-          <a:p>
-            <a:r>
-              <a:rPr kumimoji="1" lang="zh-CN" altLang="en-US" sz="1200" dirty="0" smtClean="0"/>
+            <a:endParaRPr kumimoji="1" lang="en-US" altLang="zh-CN" sz="1200" smtClean="0"/>
+          </a:p>
+          <a:p>
+            <a:endParaRPr kumimoji="1" lang="en-US" altLang="zh-CN" sz="1200" smtClean="0"/>
+          </a:p>
+          <a:p>
+            <a:r>
+              <a:rPr kumimoji="1" lang="zh-CN" altLang="en-US" sz="1200" smtClean="0"/>
               <a:t>操作数栈：方法执行过程中，各种字节码指令在操作数栈中</a:t>
             </a:r>
-            <a:endParaRPr kumimoji="1" lang="en-US" altLang="zh-CN" sz="1200" dirty="0" smtClean="0"/>
-          </a:p>
-          <a:p>
-            <a:r>
-              <a:rPr kumimoji="1" lang="zh-CN" altLang="en-US" sz="1200" dirty="0" smtClean="0"/>
+            <a:endParaRPr kumimoji="1" lang="en-US" altLang="zh-CN" sz="1200" smtClean="0"/>
+          </a:p>
+          <a:p>
+            <a:r>
+              <a:rPr kumimoji="1" lang="zh-CN" altLang="en-US" sz="1200" smtClean="0"/>
               <a:t>        进行写入和提取内容</a:t>
             </a:r>
-            <a:endParaRPr kumimoji="1" lang="zh-CN" altLang="en-US" sz="1200" dirty="0"/>
+            <a:endParaRPr kumimoji="1" lang="zh-CN" altLang="en-US" sz="1200"/>
           </a:p>
         </p:txBody>
       </p:sp>
@@ -13867,7 +14181,7 @@
               <a:rPr kumimoji="1" lang="zh-CN" altLang="en-US" sz="1200" smtClean="0"/>
               <a:t>返回地址</a:t>
             </a:r>
-            <a:endParaRPr kumimoji="1" lang="zh-CN" altLang="en-US" sz="1200" dirty="0"/>
+            <a:endParaRPr kumimoji="1" lang="zh-CN" altLang="en-US" sz="1200"/>
           </a:p>
         </p:txBody>
       </p:sp>
@@ -13939,14 +14253,14 @@
           <a:p>
             <a:pPr algn="ctr"/>
             <a:r>
-              <a:rPr kumimoji="1" lang="en-US" altLang="zh-CN" dirty="0" err="1" smtClean="0">
+              <a:rPr kumimoji="1" lang="en-US" altLang="zh-CN" err="1" smtClean="0">
                 <a:solidFill>
                   <a:schemeClr val="tx1"/>
                 </a:solidFill>
               </a:rPr>
               <a:t>cpu</a:t>
             </a:r>
-            <a:endParaRPr kumimoji="1" lang="zh-CN" altLang="en-US" dirty="0">
+            <a:endParaRPr kumimoji="1" lang="zh-CN" altLang="en-US">
               <a:solidFill>
                 <a:schemeClr val="tx1"/>
               </a:solidFill>
@@ -13992,14 +14306,14 @@
           <a:p>
             <a:pPr algn="ctr"/>
             <a:r>
-              <a:rPr kumimoji="1" lang="en-US" altLang="zh-CN" dirty="0" err="1" smtClean="0">
+              <a:rPr kumimoji="1" lang="en-US" altLang="zh-CN" err="1" smtClean="0">
                 <a:solidFill>
                   <a:schemeClr val="tx1"/>
                 </a:solidFill>
               </a:rPr>
               <a:t>cpu</a:t>
             </a:r>
-            <a:endParaRPr kumimoji="1" lang="zh-CN" altLang="en-US" dirty="0">
+            <a:endParaRPr kumimoji="1" lang="zh-CN" altLang="en-US">
               <a:solidFill>
                 <a:schemeClr val="tx1"/>
               </a:solidFill>
@@ -14045,14 +14359,14 @@
           <a:p>
             <a:pPr algn="ctr"/>
             <a:r>
-              <a:rPr kumimoji="1" lang="en-US" altLang="zh-CN" dirty="0" err="1" smtClean="0">
+              <a:rPr kumimoji="1" lang="en-US" altLang="zh-CN" err="1" smtClean="0">
                 <a:solidFill>
                   <a:schemeClr val="tx1"/>
                 </a:solidFill>
               </a:rPr>
               <a:t>cpu</a:t>
             </a:r>
-            <a:endParaRPr kumimoji="1" lang="zh-CN" altLang="en-US" dirty="0">
+            <a:endParaRPr kumimoji="1" lang="zh-CN" altLang="en-US">
               <a:solidFill>
                 <a:schemeClr val="tx1"/>
               </a:solidFill>
@@ -14098,14 +14412,14 @@
           <a:p>
             <a:pPr algn="ctr"/>
             <a:r>
-              <a:rPr kumimoji="1" lang="en-US" altLang="zh-CN" dirty="0" err="1" smtClean="0">
+              <a:rPr kumimoji="1" lang="en-US" altLang="zh-CN" err="1" smtClean="0">
                 <a:solidFill>
                   <a:schemeClr val="tx1"/>
                 </a:solidFill>
               </a:rPr>
               <a:t>cpu</a:t>
             </a:r>
-            <a:endParaRPr kumimoji="1" lang="zh-CN" altLang="en-US" dirty="0">
+            <a:endParaRPr kumimoji="1" lang="zh-CN" altLang="en-US">
               <a:solidFill>
                 <a:schemeClr val="tx1"/>
               </a:solidFill>
@@ -14153,18 +14467,18 @@
           <a:p>
             <a:pPr algn="ctr"/>
             <a:r>
-              <a:rPr kumimoji="1" lang="en-US" altLang="zh-CN" sz="1400" dirty="0" err="1" smtClean="0"/>
+              <a:rPr kumimoji="1" lang="en-US" altLang="zh-CN" sz="1400" err="1" smtClean="0"/>
               <a:t>cpu</a:t>
             </a:r>
             <a:r>
-              <a:rPr kumimoji="1" lang="zh-CN" altLang="en-US" sz="1400" dirty="0" smtClean="0"/>
+              <a:rPr kumimoji="1" lang="zh-CN" altLang="en-US" sz="1400" smtClean="0"/>
               <a:t> </a:t>
             </a:r>
             <a:r>
-              <a:rPr kumimoji="1" lang="en-US" altLang="zh-CN" sz="1400" dirty="0" smtClean="0"/>
+              <a:rPr kumimoji="1" lang="en-US" altLang="zh-CN" sz="1400" smtClean="0"/>
               <a:t>cache</a:t>
             </a:r>
-            <a:endParaRPr kumimoji="1" lang="zh-CN" altLang="en-US" sz="1400" dirty="0"/>
+            <a:endParaRPr kumimoji="1" lang="zh-CN" altLang="en-US" sz="1400"/>
           </a:p>
         </p:txBody>
       </p:sp>
@@ -14208,18 +14522,18 @@
           <a:p>
             <a:pPr algn="ctr"/>
             <a:r>
-              <a:rPr kumimoji="1" lang="en-US" altLang="zh-CN" sz="1400" dirty="0" err="1" smtClean="0"/>
+              <a:rPr kumimoji="1" lang="en-US" altLang="zh-CN" sz="1400" err="1" smtClean="0"/>
               <a:t>cpu</a:t>
             </a:r>
             <a:r>
-              <a:rPr kumimoji="1" lang="zh-CN" altLang="en-US" sz="1400" dirty="0" smtClean="0"/>
+              <a:rPr kumimoji="1" lang="zh-CN" altLang="en-US" sz="1400" smtClean="0"/>
               <a:t> </a:t>
             </a:r>
             <a:r>
-              <a:rPr kumimoji="1" lang="en-US" altLang="zh-CN" sz="1400" dirty="0" smtClean="0"/>
+              <a:rPr kumimoji="1" lang="en-US" altLang="zh-CN" sz="1400" smtClean="0"/>
               <a:t>cache</a:t>
             </a:r>
-            <a:endParaRPr kumimoji="1" lang="zh-CN" altLang="en-US" sz="1400" dirty="0"/>
+            <a:endParaRPr kumimoji="1" lang="zh-CN" altLang="en-US" sz="1400"/>
           </a:p>
         </p:txBody>
       </p:sp>
@@ -14263,18 +14577,18 @@
           <a:p>
             <a:pPr algn="ctr"/>
             <a:r>
-              <a:rPr kumimoji="1" lang="en-US" altLang="zh-CN" sz="1400" dirty="0" err="1" smtClean="0"/>
+              <a:rPr kumimoji="1" lang="en-US" altLang="zh-CN" sz="1400" err="1" smtClean="0"/>
               <a:t>cpu</a:t>
             </a:r>
             <a:r>
-              <a:rPr kumimoji="1" lang="zh-CN" altLang="en-US" sz="1400" dirty="0" smtClean="0"/>
+              <a:rPr kumimoji="1" lang="zh-CN" altLang="en-US" sz="1400" smtClean="0"/>
               <a:t> </a:t>
             </a:r>
             <a:r>
-              <a:rPr kumimoji="1" lang="en-US" altLang="zh-CN" sz="1400" dirty="0" smtClean="0"/>
+              <a:rPr kumimoji="1" lang="en-US" altLang="zh-CN" sz="1400" smtClean="0"/>
               <a:t>cache</a:t>
             </a:r>
-            <a:endParaRPr kumimoji="1" lang="zh-CN" altLang="en-US" sz="1400" dirty="0"/>
+            <a:endParaRPr kumimoji="1" lang="zh-CN" altLang="en-US" sz="1400"/>
           </a:p>
         </p:txBody>
       </p:sp>
@@ -14318,18 +14632,18 @@
           <a:p>
             <a:pPr algn="ctr"/>
             <a:r>
-              <a:rPr kumimoji="1" lang="en-US" altLang="zh-CN" sz="1400" dirty="0" err="1" smtClean="0"/>
+              <a:rPr kumimoji="1" lang="en-US" altLang="zh-CN" sz="1400" err="1" smtClean="0"/>
               <a:t>cpu</a:t>
             </a:r>
             <a:r>
-              <a:rPr kumimoji="1" lang="zh-CN" altLang="en-US" sz="1400" dirty="0" smtClean="0"/>
+              <a:rPr kumimoji="1" lang="zh-CN" altLang="en-US" sz="1400" smtClean="0"/>
               <a:t> </a:t>
             </a:r>
             <a:r>
-              <a:rPr kumimoji="1" lang="en-US" altLang="zh-CN" sz="1400" dirty="0" smtClean="0"/>
+              <a:rPr kumimoji="1" lang="en-US" altLang="zh-CN" sz="1400" smtClean="0"/>
               <a:t>cache</a:t>
             </a:r>
-            <a:endParaRPr kumimoji="1" lang="zh-CN" altLang="en-US" sz="1400" dirty="0"/>
+            <a:endParaRPr kumimoji="1" lang="zh-CN" altLang="en-US" sz="1400"/>
           </a:p>
         </p:txBody>
       </p:sp>
@@ -14370,10 +14684,10 @@
           <a:p>
             <a:pPr algn="ctr"/>
             <a:r>
-              <a:rPr kumimoji="1" lang="zh-CN" altLang="en-US" dirty="0" smtClean="0"/>
+              <a:rPr kumimoji="1" lang="zh-CN" altLang="en-US" smtClean="0"/>
               <a:t>缓存一致性协议</a:t>
             </a:r>
-            <a:endParaRPr kumimoji="1" lang="en-US" altLang="zh-CN" dirty="0" smtClean="0"/>
+            <a:endParaRPr kumimoji="1" lang="en-US" altLang="zh-CN" smtClean="0"/>
           </a:p>
         </p:txBody>
       </p:sp>
@@ -14671,14 +14985,14 @@
           <a:lstStyle/>
           <a:p>
             <a:r>
-              <a:rPr kumimoji="1" lang="zh-CN" altLang="en-US" sz="1400" dirty="0" smtClean="0"/>
+              <a:rPr kumimoji="1" lang="zh-CN" altLang="en-US" sz="1400" smtClean="0"/>
               <a:t>多核</a:t>
             </a:r>
             <a:r>
-              <a:rPr kumimoji="1" lang="en-US" altLang="zh-CN" sz="1400" dirty="0" smtClean="0"/>
+              <a:rPr kumimoji="1" lang="en-US" altLang="zh-CN" sz="1400" smtClean="0"/>
               <a:t>CPU</a:t>
             </a:r>
-            <a:endParaRPr kumimoji="1" lang="zh-CN" altLang="en-US" sz="1400" dirty="0"/>
+            <a:endParaRPr kumimoji="1" lang="zh-CN" altLang="en-US" sz="1400"/>
           </a:p>
         </p:txBody>
       </p:sp>
@@ -14705,10 +15019,10 @@
           <a:lstStyle/>
           <a:p>
             <a:r>
-              <a:rPr kumimoji="1" lang="zh-CN" altLang="en-US" sz="1400" dirty="0" smtClean="0"/>
+              <a:rPr kumimoji="1" lang="zh-CN" altLang="en-US" sz="1400" smtClean="0"/>
               <a:t>工作内存</a:t>
             </a:r>
-            <a:endParaRPr kumimoji="1" lang="zh-CN" altLang="en-US" sz="1400" dirty="0"/>
+            <a:endParaRPr kumimoji="1" lang="zh-CN" altLang="en-US" sz="1400"/>
           </a:p>
         </p:txBody>
       </p:sp>
@@ -14735,10 +15049,10 @@
           <a:lstStyle/>
           <a:p>
             <a:r>
-              <a:rPr kumimoji="1" lang="zh-CN" altLang="en-US" sz="1400" dirty="0" smtClean="0"/>
+              <a:rPr kumimoji="1" lang="zh-CN" altLang="en-US" sz="1400" smtClean="0"/>
               <a:t>缓存一致性协议</a:t>
             </a:r>
-            <a:endParaRPr kumimoji="1" lang="zh-CN" altLang="en-US" sz="1400" dirty="0"/>
+            <a:endParaRPr kumimoji="1" lang="zh-CN" altLang="en-US" sz="1400"/>
           </a:p>
         </p:txBody>
       </p:sp>
@@ -14779,10 +15093,10 @@
           <a:p>
             <a:pPr algn="ctr"/>
             <a:r>
-              <a:rPr kumimoji="1" lang="zh-CN" altLang="en-US" dirty="0" smtClean="0"/>
+              <a:rPr kumimoji="1" lang="zh-CN" altLang="en-US" smtClean="0"/>
               <a:t>运行内存</a:t>
             </a:r>
-            <a:endParaRPr kumimoji="1" lang="zh-CN" altLang="en-US" dirty="0"/>
+            <a:endParaRPr kumimoji="1" lang="zh-CN" altLang="en-US"/>
           </a:p>
         </p:txBody>
       </p:sp>
@@ -14812,7 +15126,7 @@
               <a:rPr kumimoji="1" lang="zh-CN" altLang="en-US" sz="1400" smtClean="0"/>
               <a:t>主存</a:t>
             </a:r>
-            <a:endParaRPr kumimoji="1" lang="zh-CN" altLang="en-US" sz="1400" dirty="0"/>
+            <a:endParaRPr kumimoji="1" lang="zh-CN" altLang="en-US" sz="1400"/>
           </a:p>
         </p:txBody>
       </p:sp>
@@ -14875,14 +15189,14 @@
           <a:lstStyle/>
           <a:p>
             <a:r>
-              <a:rPr kumimoji="1" lang="en-US" altLang="zh-CN" sz="1400" dirty="0" err="1" smtClean="0"/>
+              <a:rPr kumimoji="1" lang="en-US" altLang="zh-CN" sz="1400" err="1" smtClean="0"/>
               <a:t>cpu</a:t>
             </a:r>
             <a:r>
-              <a:rPr kumimoji="1" lang="zh-CN" altLang="en-US" sz="1400" dirty="0" smtClean="0"/>
+              <a:rPr kumimoji="1" lang="zh-CN" altLang="en-US" sz="1400" smtClean="0"/>
               <a:t>、主存关系</a:t>
             </a:r>
-            <a:endParaRPr kumimoji="1" lang="zh-CN" altLang="en-US" sz="1400" dirty="0"/>
+            <a:endParaRPr kumimoji="1" lang="zh-CN" altLang="en-US" sz="1400"/>
           </a:p>
         </p:txBody>
       </p:sp>
@@ -14954,7 +15268,7 @@
           <a:p>
             <a:pPr algn="ctr"/>
             <a:r>
-              <a:rPr kumimoji="1" lang="en-US" altLang="zh-CN" sz="1400" dirty="0">
+              <a:rPr kumimoji="1" lang="en-US" altLang="zh-CN" sz="1400">
                 <a:solidFill>
                   <a:schemeClr val="tx1"/>
                 </a:solidFill>
@@ -14962,14 +15276,14 @@
               <a:t>Java</a:t>
             </a:r>
             <a:r>
-              <a:rPr kumimoji="1" lang="zh-CN" altLang="en-US" sz="1400" dirty="0" smtClean="0">
+              <a:rPr kumimoji="1" lang="zh-CN" altLang="en-US" sz="1400" smtClean="0">
                 <a:solidFill>
                   <a:schemeClr val="tx1"/>
                 </a:solidFill>
               </a:rPr>
               <a:t>线程</a:t>
             </a:r>
-            <a:endParaRPr kumimoji="1" lang="zh-CN" altLang="en-US" sz="1400" dirty="0">
+            <a:endParaRPr kumimoji="1" lang="zh-CN" altLang="en-US" sz="1400">
               <a:solidFill>
                 <a:schemeClr val="tx1"/>
               </a:solidFill>
@@ -15015,7 +15329,7 @@
           <a:p>
             <a:pPr algn="ctr"/>
             <a:r>
-              <a:rPr kumimoji="1" lang="en-US" altLang="zh-CN" sz="1400" dirty="0">
+              <a:rPr kumimoji="1" lang="en-US" altLang="zh-CN" sz="1400">
                 <a:solidFill>
                   <a:schemeClr val="tx1"/>
                 </a:solidFill>
@@ -15023,14 +15337,14 @@
               <a:t>Java</a:t>
             </a:r>
             <a:r>
-              <a:rPr kumimoji="1" lang="zh-CN" altLang="en-US" sz="1400" dirty="0" smtClean="0">
+              <a:rPr kumimoji="1" lang="zh-CN" altLang="en-US" sz="1400" smtClean="0">
                 <a:solidFill>
                   <a:schemeClr val="tx1"/>
                 </a:solidFill>
               </a:rPr>
               <a:t>线程</a:t>
             </a:r>
-            <a:endParaRPr kumimoji="1" lang="zh-CN" altLang="en-US" sz="1400" dirty="0">
+            <a:endParaRPr kumimoji="1" lang="zh-CN" altLang="en-US" sz="1400">
               <a:solidFill>
                 <a:schemeClr val="tx1"/>
               </a:solidFill>
@@ -15076,7 +15390,7 @@
           <a:p>
             <a:pPr algn="ctr"/>
             <a:r>
-              <a:rPr kumimoji="1" lang="en-US" altLang="zh-CN" sz="1400" dirty="0" smtClean="0">
+              <a:rPr kumimoji="1" lang="en-US" altLang="zh-CN" sz="1400" smtClean="0">
                 <a:solidFill>
                   <a:schemeClr val="tx1"/>
                 </a:solidFill>
@@ -15084,14 +15398,14 @@
               <a:t>Java</a:t>
             </a:r>
             <a:r>
-              <a:rPr kumimoji="1" lang="zh-CN" altLang="en-US" sz="1400" dirty="0" smtClean="0">
+              <a:rPr kumimoji="1" lang="zh-CN" altLang="en-US" sz="1400" smtClean="0">
                 <a:solidFill>
                   <a:schemeClr val="tx1"/>
                 </a:solidFill>
               </a:rPr>
               <a:t>线程</a:t>
             </a:r>
-            <a:endParaRPr kumimoji="1" lang="zh-CN" altLang="en-US" sz="1400" dirty="0">
+            <a:endParaRPr kumimoji="1" lang="zh-CN" altLang="en-US" sz="1400">
               <a:solidFill>
                 <a:schemeClr val="tx1"/>
               </a:solidFill>
@@ -15137,7 +15451,7 @@
           <a:p>
             <a:pPr algn="ctr"/>
             <a:r>
-              <a:rPr kumimoji="1" lang="en-US" altLang="zh-CN" sz="1400" dirty="0">
+              <a:rPr kumimoji="1" lang="en-US" altLang="zh-CN" sz="1400">
                 <a:solidFill>
                   <a:schemeClr val="tx1"/>
                 </a:solidFill>
@@ -15145,14 +15459,14 @@
               <a:t>Java</a:t>
             </a:r>
             <a:r>
-              <a:rPr kumimoji="1" lang="zh-CN" altLang="en-US" sz="1400" dirty="0" smtClean="0">
+              <a:rPr kumimoji="1" lang="zh-CN" altLang="en-US" sz="1400" smtClean="0">
                 <a:solidFill>
                   <a:schemeClr val="tx1"/>
                 </a:solidFill>
               </a:rPr>
               <a:t>线程</a:t>
             </a:r>
-            <a:endParaRPr kumimoji="1" lang="zh-CN" altLang="en-US" sz="1400" dirty="0">
+            <a:endParaRPr kumimoji="1" lang="zh-CN" altLang="en-US" sz="1400">
               <a:solidFill>
                 <a:schemeClr val="tx1"/>
               </a:solidFill>
@@ -15200,10 +15514,10 @@
           <a:p>
             <a:pPr algn="ctr"/>
             <a:r>
-              <a:rPr kumimoji="1" lang="zh-CN" altLang="en-US" sz="1400" dirty="0" smtClean="0"/>
+              <a:rPr kumimoji="1" lang="zh-CN" altLang="en-US" sz="1400" smtClean="0"/>
               <a:t>工作内存</a:t>
             </a:r>
-            <a:endParaRPr kumimoji="1" lang="zh-CN" altLang="en-US" sz="1400" dirty="0"/>
+            <a:endParaRPr kumimoji="1" lang="zh-CN" altLang="en-US" sz="1400"/>
           </a:p>
         </p:txBody>
       </p:sp>
@@ -15247,10 +15561,9 @@
           <a:p>
             <a:pPr algn="ctr"/>
             <a:r>
-              <a:rPr kumimoji="1" lang="zh-CN" altLang="en-US" sz="1400" dirty="0"/>
+              <a:rPr kumimoji="1" lang="zh-CN" altLang="en-US" sz="1400"/>
               <a:t>工作内存</a:t>
             </a:r>
-            <a:endParaRPr kumimoji="1" lang="zh-CN" altLang="en-US" sz="1400" dirty="0"/>
           </a:p>
         </p:txBody>
       </p:sp>
@@ -15294,10 +15607,9 @@
           <a:p>
             <a:pPr algn="ctr"/>
             <a:r>
-              <a:rPr kumimoji="1" lang="zh-CN" altLang="en-US" sz="1400" dirty="0"/>
+              <a:rPr kumimoji="1" lang="zh-CN" altLang="en-US" sz="1400"/>
               <a:t>工作内存</a:t>
             </a:r>
-            <a:endParaRPr kumimoji="1" lang="zh-CN" altLang="en-US" sz="1400" dirty="0"/>
           </a:p>
         </p:txBody>
       </p:sp>
@@ -15341,10 +15653,9 @@
           <a:p>
             <a:pPr algn="ctr"/>
             <a:r>
-              <a:rPr kumimoji="1" lang="zh-CN" altLang="en-US" sz="1400" dirty="0"/>
+              <a:rPr kumimoji="1" lang="zh-CN" altLang="en-US" sz="1400"/>
               <a:t>工作内存</a:t>
             </a:r>
-            <a:endParaRPr kumimoji="1" lang="zh-CN" altLang="en-US" sz="1400" dirty="0"/>
           </a:p>
         </p:txBody>
       </p:sp>
@@ -15385,22 +15696,22 @@
           <a:p>
             <a:pPr algn="ctr"/>
             <a:r>
-              <a:rPr kumimoji="1" lang="en-US" altLang="zh-CN" dirty="0" smtClean="0"/>
+              <a:rPr kumimoji="1" lang="en-US" altLang="zh-CN" smtClean="0"/>
               <a:t>store</a:t>
             </a:r>
             <a:r>
-              <a:rPr kumimoji="1" lang="zh-CN" altLang="en-US" dirty="0" smtClean="0"/>
+              <a:rPr kumimoji="1" lang="zh-CN" altLang="en-US" smtClean="0"/>
               <a:t>和</a:t>
             </a:r>
             <a:r>
-              <a:rPr kumimoji="1" lang="en-US" altLang="zh-CN" dirty="0" smtClean="0"/>
+              <a:rPr kumimoji="1" lang="en-US" altLang="zh-CN" smtClean="0"/>
               <a:t>load</a:t>
             </a:r>
             <a:r>
-              <a:rPr kumimoji="1" lang="zh-CN" altLang="en-US" dirty="0" smtClean="0"/>
+              <a:rPr kumimoji="1" lang="zh-CN" altLang="en-US" smtClean="0"/>
               <a:t>操作</a:t>
             </a:r>
-            <a:endParaRPr kumimoji="1" lang="en-US" altLang="zh-CN" dirty="0" smtClean="0"/>
+            <a:endParaRPr kumimoji="1" lang="en-US" altLang="zh-CN" smtClean="0"/>
           </a:p>
         </p:txBody>
       </p:sp>
@@ -15712,10 +16023,10 @@
           <a:p>
             <a:pPr algn="ctr"/>
             <a:r>
-              <a:rPr kumimoji="1" lang="zh-CN" altLang="en-US" dirty="0" smtClean="0"/>
+              <a:rPr kumimoji="1" lang="zh-CN" altLang="en-US" smtClean="0"/>
               <a:t>主内存</a:t>
             </a:r>
-            <a:endParaRPr kumimoji="1" lang="zh-CN" altLang="en-US" dirty="0"/>
+            <a:endParaRPr kumimoji="1" lang="zh-CN" altLang="en-US"/>
           </a:p>
         </p:txBody>
       </p:sp>
@@ -15777,18 +16088,18 @@
           <a:lstStyle/>
           <a:p>
             <a:r>
-              <a:rPr kumimoji="1" lang="zh-CN" altLang="en-US" sz="1400" dirty="0" smtClean="0"/>
+              <a:rPr kumimoji="1" lang="zh-CN" altLang="en-US" sz="1400" smtClean="0"/>
               <a:t>线程、工作内存关系</a:t>
             </a:r>
             <a:r>
-              <a:rPr kumimoji="1" lang="zh-CN" altLang="en-US" sz="1400" dirty="0"/>
+              <a:rPr kumimoji="1" lang="zh-CN" altLang="en-US" sz="1400"/>
               <a:t>、主</a:t>
             </a:r>
             <a:r>
-              <a:rPr kumimoji="1" lang="zh-CN" altLang="en-US" sz="1400" dirty="0" smtClean="0"/>
+              <a:rPr kumimoji="1" lang="zh-CN" altLang="en-US" sz="1400" smtClean="0"/>
               <a:t>内存的内存模型</a:t>
             </a:r>
-            <a:endParaRPr kumimoji="1" lang="zh-CN" altLang="en-US" sz="1400" dirty="0"/>
+            <a:endParaRPr kumimoji="1" lang="zh-CN" altLang="en-US" sz="1400"/>
           </a:p>
         </p:txBody>
       </p:sp>
@@ -15815,18 +16126,18 @@
           <a:lstStyle/>
           <a:p>
             <a:r>
-              <a:rPr kumimoji="1" lang="zh-CN" altLang="en-US" sz="1400" dirty="0" smtClean="0"/>
+              <a:rPr kumimoji="1" lang="zh-CN" altLang="en-US" sz="1400" smtClean="0"/>
               <a:t>主内存：</a:t>
             </a:r>
             <a:r>
-              <a:rPr kumimoji="1" lang="en-US" altLang="zh-CN" sz="1400" dirty="0" smtClean="0"/>
+              <a:rPr kumimoji="1" lang="en-US" altLang="zh-CN" sz="1400" smtClean="0"/>
               <a:t>JVM</a:t>
             </a:r>
             <a:r>
-              <a:rPr kumimoji="1" lang="zh-CN" altLang="en-US" sz="1400" dirty="0" smtClean="0"/>
+              <a:rPr kumimoji="1" lang="zh-CN" altLang="en-US" sz="1400" smtClean="0"/>
               <a:t>的一部分</a:t>
             </a:r>
-            <a:endParaRPr kumimoji="1" lang="zh-CN" altLang="en-US" sz="1400" dirty="0"/>
+            <a:endParaRPr kumimoji="1" lang="zh-CN" altLang="en-US" sz="1400"/>
           </a:p>
         </p:txBody>
       </p:sp>
@@ -15853,14 +16164,10 @@
           <a:lstStyle/>
           <a:p>
             <a:r>
-              <a:rPr kumimoji="1" lang="zh-CN" altLang="en-US" sz="1400" dirty="0" smtClean="0"/>
-              <a:t>变量：类变量</a:t>
-            </a:r>
-            <a:r>
               <a:rPr kumimoji="1" lang="zh-CN" altLang="en-US" sz="1400" smtClean="0"/>
-              <a:t>，非局部变量</a:t>
-            </a:r>
-            <a:endParaRPr kumimoji="1" lang="zh-CN" altLang="en-US" sz="1400" dirty="0"/>
+              <a:t>变量：类变量，非局部变量</a:t>
+            </a:r>
+            <a:endParaRPr kumimoji="1" lang="zh-CN" altLang="en-US" sz="1400"/>
           </a:p>
         </p:txBody>
       </p:sp>
@@ -15887,29 +16194,29 @@
           <a:lstStyle/>
           <a:p>
             <a:r>
-              <a:rPr kumimoji="1" lang="en-US" altLang="zh-CN" sz="1200" dirty="0" smtClean="0"/>
+              <a:rPr kumimoji="1" lang="en-US" altLang="zh-CN" sz="1200" smtClean="0"/>
               <a:t>Volatile</a:t>
             </a:r>
             <a:r>
-              <a:rPr kumimoji="1" lang="zh-CN" altLang="en-US" sz="1200" dirty="0" smtClean="0"/>
+              <a:rPr kumimoji="1" lang="zh-CN" altLang="en-US" sz="1200" smtClean="0"/>
               <a:t>：每次使用之前都从主内存刷新最新的值，每次修改变量值后立刻同步回主内存，保证数据一致性</a:t>
             </a:r>
-            <a:endParaRPr kumimoji="1" lang="en-US" altLang="zh-CN" sz="1200" dirty="0" smtClean="0"/>
-          </a:p>
-          <a:p>
-            <a:r>
-              <a:rPr kumimoji="1" lang="zh-CN" altLang="en-US" sz="1200" dirty="0" smtClean="0"/>
+            <a:endParaRPr kumimoji="1" lang="en-US" altLang="zh-CN" sz="1200" smtClean="0"/>
+          </a:p>
+          <a:p>
+            <a:r>
+              <a:rPr kumimoji="1" lang="zh-CN" altLang="en-US" sz="1200" smtClean="0"/>
               <a:t>        使用场景：运算结果不依赖变量的当前值，即适合用于</a:t>
             </a:r>
             <a:r>
-              <a:rPr kumimoji="1" lang="en-US" altLang="zh-CN" sz="1200" dirty="0" err="1" smtClean="0"/>
+              <a:rPr kumimoji="1" lang="en-US" altLang="zh-CN" sz="1200" err="1" smtClean="0"/>
               <a:t>boolean</a:t>
             </a:r>
             <a:r>
-              <a:rPr kumimoji="1" lang="zh-CN" altLang="en-US" sz="1200" dirty="0" smtClean="0"/>
+              <a:rPr kumimoji="1" lang="zh-CN" altLang="en-US" sz="1200" smtClean="0"/>
               <a:t>类型</a:t>
             </a:r>
-            <a:endParaRPr kumimoji="1" lang="zh-CN" altLang="en-US" sz="1200" dirty="0"/>
+            <a:endParaRPr kumimoji="1" lang="zh-CN" altLang="en-US" sz="1200"/>
           </a:p>
         </p:txBody>
       </p:sp>
@@ -15936,25 +16243,25 @@
           <a:lstStyle/>
           <a:p>
             <a:r>
-              <a:rPr kumimoji="1" lang="zh-CN" altLang="en-US" sz="1400" dirty="0" smtClean="0"/>
+              <a:rPr kumimoji="1" lang="zh-CN" altLang="en-US" sz="1400" smtClean="0"/>
               <a:t>原子性：由内存模型来保证原子性变量操作，包括</a:t>
             </a:r>
             <a:r>
-              <a:rPr kumimoji="1" lang="en-US" altLang="zh-CN" sz="1400" dirty="0" smtClean="0"/>
+              <a:rPr kumimoji="1" lang="en-US" altLang="zh-CN" sz="1400" smtClean="0"/>
               <a:t>read/load/assign/use/</a:t>
             </a:r>
           </a:p>
           <a:p>
             <a:r>
-              <a:rPr kumimoji="1" lang="en-US" altLang="zh-CN" sz="1400" dirty="0" smtClean="0"/>
+              <a:rPr kumimoji="1" lang="en-US" altLang="zh-CN" sz="1400" smtClean="0"/>
               <a:t>store</a:t>
             </a:r>
             <a:r>
-              <a:rPr kumimoji="1" lang="zh-CN" altLang="en-US" sz="1400" dirty="0" smtClean="0"/>
+              <a:rPr kumimoji="1" lang="zh-CN" altLang="en-US" sz="1400" smtClean="0"/>
               <a:t>和</a:t>
             </a:r>
             <a:r>
-              <a:rPr kumimoji="1" lang="en-US" altLang="zh-CN" sz="1400" dirty="0" smtClean="0"/>
+              <a:rPr kumimoji="1" lang="en-US" altLang="zh-CN" sz="1400" smtClean="0"/>
               <a:t>write</a:t>
             </a:r>
           </a:p>
@@ -16028,7 +16335,7 @@
           <a:p>
             <a:pPr algn="ctr"/>
             <a:r>
-              <a:rPr kumimoji="1" lang="en-US" altLang="zh-CN" sz="1200" dirty="0" smtClean="0">
+              <a:rPr kumimoji="1" lang="en-US" altLang="zh-CN" sz="1200" smtClean="0">
                 <a:solidFill>
                   <a:schemeClr val="tx1"/>
                 </a:solidFill>
@@ -16036,14 +16343,14 @@
               <a:t>GC</a:t>
             </a:r>
             <a:r>
-              <a:rPr kumimoji="1" lang="zh-CN" altLang="en-US" sz="1200" dirty="0" smtClean="0">
+              <a:rPr kumimoji="1" lang="zh-CN" altLang="en-US" sz="1200" smtClean="0">
                 <a:solidFill>
                   <a:schemeClr val="tx1"/>
                 </a:solidFill>
               </a:rPr>
               <a:t>判断策略</a:t>
             </a:r>
-            <a:endParaRPr kumimoji="1" lang="zh-CN" altLang="en-US" sz="1200" dirty="0">
+            <a:endParaRPr kumimoji="1" lang="zh-CN" altLang="en-US" sz="1200">
               <a:solidFill>
                 <a:schemeClr val="tx1"/>
               </a:solidFill>
@@ -16089,7 +16396,7 @@
           <a:p>
             <a:pPr algn="ctr"/>
             <a:r>
-              <a:rPr kumimoji="1" lang="en-US" altLang="zh-CN" sz="1200" dirty="0" smtClean="0">
+              <a:rPr kumimoji="1" lang="en-US" altLang="zh-CN" sz="1200" smtClean="0">
                 <a:solidFill>
                   <a:schemeClr val="tx1"/>
                 </a:solidFill>
@@ -16097,14 +16404,14 @@
               <a:t>GC</a:t>
             </a:r>
             <a:r>
-              <a:rPr kumimoji="1" lang="zh-CN" altLang="en-US" sz="1200" dirty="0" smtClean="0">
+              <a:rPr kumimoji="1" lang="zh-CN" altLang="en-US" sz="1200" smtClean="0">
                 <a:solidFill>
                   <a:schemeClr val="tx1"/>
                 </a:solidFill>
               </a:rPr>
               <a:t>收集器</a:t>
             </a:r>
-            <a:endParaRPr kumimoji="1" lang="zh-CN" altLang="en-US" sz="1200" dirty="0">
+            <a:endParaRPr kumimoji="1" lang="zh-CN" altLang="en-US" sz="1200">
               <a:solidFill>
                 <a:schemeClr val="tx1"/>
               </a:solidFill>
@@ -16150,7 +16457,7 @@
           <a:p>
             <a:pPr algn="ctr"/>
             <a:r>
-              <a:rPr kumimoji="1" lang="en-US" altLang="zh-CN" sz="1400" dirty="0" smtClean="0">
+              <a:rPr kumimoji="1" lang="en-US" altLang="zh-CN" sz="1400" smtClean="0">
                 <a:solidFill>
                   <a:schemeClr val="tx1"/>
                 </a:solidFill>
@@ -16158,14 +16465,14 @@
               <a:t>GC</a:t>
             </a:r>
             <a:r>
-              <a:rPr kumimoji="1" lang="zh-CN" altLang="en-US" sz="1400" dirty="0" smtClean="0">
+              <a:rPr kumimoji="1" lang="zh-CN" altLang="en-US" sz="1400" smtClean="0">
                 <a:solidFill>
                   <a:schemeClr val="tx1"/>
                 </a:solidFill>
               </a:rPr>
               <a:t>系统</a:t>
             </a:r>
-            <a:endParaRPr kumimoji="1" lang="zh-CN" altLang="en-US" sz="1400" dirty="0">
+            <a:endParaRPr kumimoji="1" lang="zh-CN" altLang="en-US" sz="1400">
               <a:solidFill>
                 <a:schemeClr val="tx1"/>
               </a:solidFill>
@@ -16211,7 +16518,7 @@
           <a:p>
             <a:pPr algn="ctr"/>
             <a:r>
-              <a:rPr kumimoji="1" lang="en-US" altLang="zh-CN" sz="1200" dirty="0" smtClean="0">
+              <a:rPr kumimoji="1" lang="en-US" altLang="zh-CN" sz="1200" smtClean="0">
                 <a:solidFill>
                   <a:schemeClr val="tx1"/>
                 </a:solidFill>
@@ -16219,14 +16526,14 @@
               <a:t>GC</a:t>
             </a:r>
             <a:r>
-              <a:rPr kumimoji="1" lang="zh-CN" altLang="en-US" sz="1200" dirty="0" smtClean="0">
+              <a:rPr kumimoji="1" lang="zh-CN" altLang="en-US" sz="1200" smtClean="0">
                 <a:solidFill>
                   <a:schemeClr val="tx1"/>
                 </a:solidFill>
               </a:rPr>
               <a:t>收集算法</a:t>
             </a:r>
-            <a:endParaRPr kumimoji="1" lang="zh-CN" altLang="en-US" sz="1200" dirty="0">
+            <a:endParaRPr kumimoji="1" lang="zh-CN" altLang="en-US" sz="1200">
               <a:solidFill>
                 <a:schemeClr val="tx1"/>
               </a:solidFill>
@@ -16370,7 +16677,7 @@
           <a:lstStyle/>
           <a:p>
             <a:r>
-              <a:rPr kumimoji="1" lang="en-US" altLang="zh-CN" sz="1200" dirty="0" smtClean="0">
+              <a:rPr kumimoji="1" lang="en-US" altLang="zh-CN" sz="1200" smtClean="0">
                 <a:solidFill>
                   <a:schemeClr val="tx1"/>
                 </a:solidFill>
@@ -16380,7 +16687,7 @@
           </a:p>
           <a:p>
             <a:r>
-              <a:rPr kumimoji="1" lang="en-US" altLang="zh-CN" sz="1200" dirty="0" smtClean="0">
+              <a:rPr kumimoji="1" lang="en-US" altLang="zh-CN" sz="1200" smtClean="0">
                 <a:solidFill>
                   <a:schemeClr val="tx1"/>
                 </a:solidFill>
@@ -16390,7 +16697,7 @@
           </a:p>
           <a:p>
             <a:r>
-              <a:rPr kumimoji="1" lang="en-US" altLang="zh-CN" sz="1200" dirty="0" smtClean="0">
+              <a:rPr kumimoji="1" lang="en-US" altLang="zh-CN" sz="1200" smtClean="0">
                 <a:solidFill>
                   <a:schemeClr val="tx1"/>
                 </a:solidFill>
@@ -16400,7 +16707,7 @@
           </a:p>
           <a:p>
             <a:r>
-              <a:rPr kumimoji="1" lang="en-US" altLang="zh-CN" sz="1200" dirty="0" smtClean="0">
+              <a:rPr kumimoji="1" lang="en-US" altLang="zh-CN" sz="1200" smtClean="0">
                 <a:solidFill>
                   <a:schemeClr val="tx1"/>
                 </a:solidFill>
@@ -16410,14 +16717,14 @@
           </a:p>
           <a:p>
             <a:r>
-              <a:rPr kumimoji="1" lang="en-US" altLang="zh-CN" sz="1200" dirty="0" smtClean="0">
+              <a:rPr kumimoji="1" lang="en-US" altLang="zh-CN" sz="1200" smtClean="0">
                 <a:solidFill>
                   <a:schemeClr val="tx1"/>
                 </a:solidFill>
               </a:rPr>
               <a:t>5.CMS</a:t>
             </a:r>
-            <a:endParaRPr kumimoji="1" lang="zh-CN" altLang="en-US" sz="1200" dirty="0">
+            <a:endParaRPr kumimoji="1" lang="zh-CN" altLang="en-US" sz="1200">
               <a:solidFill>
                 <a:schemeClr val="tx1"/>
               </a:solidFill>
@@ -16495,7 +16802,7 @@
           <a:lstStyle/>
           <a:p>
             <a:r>
-              <a:rPr kumimoji="1" lang="en-US" altLang="zh-CN" sz="1200" dirty="0" smtClean="0">
+              <a:rPr kumimoji="1" lang="en-US" altLang="zh-CN" sz="1200" smtClean="0">
                 <a:solidFill>
                   <a:schemeClr val="tx1"/>
                 </a:solidFill>
@@ -16503,7 +16810,7 @@
               <a:t>1.</a:t>
             </a:r>
             <a:r>
-              <a:rPr kumimoji="1" lang="zh-CN" altLang="en-US" sz="1200" dirty="0" smtClean="0">
+              <a:rPr kumimoji="1" lang="zh-CN" altLang="en-US" sz="1200" smtClean="0">
                 <a:solidFill>
                   <a:schemeClr val="tx1"/>
                 </a:solidFill>
@@ -16511,7 +16818,7 @@
               <a:t>标记</a:t>
             </a:r>
             <a:r>
-              <a:rPr kumimoji="1" lang="en-US" altLang="zh-CN" sz="1200" dirty="0" smtClean="0">
+              <a:rPr kumimoji="1" lang="en-US" altLang="zh-CN" sz="1200" smtClean="0">
                 <a:solidFill>
                   <a:schemeClr val="tx1"/>
                 </a:solidFill>
@@ -16519,14 +16826,14 @@
               <a:t>-</a:t>
             </a:r>
             <a:r>
-              <a:rPr kumimoji="1" lang="zh-CN" altLang="en-US" sz="1200" dirty="0" smtClean="0">
+              <a:rPr kumimoji="1" lang="zh-CN" altLang="en-US" sz="1200" smtClean="0">
                 <a:solidFill>
                   <a:schemeClr val="tx1"/>
                 </a:solidFill>
               </a:rPr>
               <a:t>清除</a:t>
             </a:r>
-            <a:endParaRPr kumimoji="1" lang="en-US" altLang="zh-CN" sz="1200" dirty="0" smtClean="0">
+            <a:endParaRPr kumimoji="1" lang="en-US" altLang="zh-CN" sz="1200" smtClean="0">
               <a:solidFill>
                 <a:schemeClr val="tx1"/>
               </a:solidFill>
@@ -16534,7 +16841,7 @@
           </a:p>
           <a:p>
             <a:r>
-              <a:rPr kumimoji="1" lang="en-US" altLang="zh-CN" sz="1200" dirty="0" smtClean="0">
+              <a:rPr kumimoji="1" lang="en-US" altLang="zh-CN" sz="1200" smtClean="0">
                 <a:solidFill>
                   <a:schemeClr val="tx1"/>
                 </a:solidFill>
@@ -16542,7 +16849,7 @@
               <a:t>2.</a:t>
             </a:r>
             <a:r>
-              <a:rPr kumimoji="1" lang="zh-CN" altLang="en-US" sz="1200" dirty="0" smtClean="0">
+              <a:rPr kumimoji="1" lang="zh-CN" altLang="en-US" sz="1200" smtClean="0">
                 <a:solidFill>
                   <a:schemeClr val="tx1"/>
                 </a:solidFill>
@@ -16550,7 +16857,7 @@
               <a:t>标记</a:t>
             </a:r>
             <a:r>
-              <a:rPr kumimoji="1" lang="en-US" altLang="zh-CN" sz="1200" dirty="0" smtClean="0">
+              <a:rPr kumimoji="1" lang="en-US" altLang="zh-CN" sz="1200" smtClean="0">
                 <a:solidFill>
                   <a:schemeClr val="tx1"/>
                 </a:solidFill>
@@ -16558,14 +16865,14 @@
               <a:t>-</a:t>
             </a:r>
             <a:r>
-              <a:rPr kumimoji="1" lang="zh-CN" altLang="en-US" sz="1200" dirty="0" smtClean="0">
+              <a:rPr kumimoji="1" lang="zh-CN" altLang="en-US" sz="1200" smtClean="0">
                 <a:solidFill>
                   <a:schemeClr val="tx1"/>
                 </a:solidFill>
               </a:rPr>
               <a:t>整理</a:t>
             </a:r>
-            <a:endParaRPr kumimoji="1" lang="en-US" altLang="zh-CN" sz="1200" dirty="0" smtClean="0">
+            <a:endParaRPr kumimoji="1" lang="en-US" altLang="zh-CN" sz="1200" smtClean="0">
               <a:solidFill>
                 <a:schemeClr val="tx1"/>
               </a:solidFill>
@@ -16573,7 +16880,7 @@
           </a:p>
           <a:p>
             <a:r>
-              <a:rPr kumimoji="1" lang="en-US" altLang="zh-CN" sz="1200" dirty="0" smtClean="0">
+              <a:rPr kumimoji="1" lang="en-US" altLang="zh-CN" sz="1200" smtClean="0">
                 <a:solidFill>
                   <a:schemeClr val="tx1"/>
                 </a:solidFill>
@@ -16581,14 +16888,14 @@
               <a:t>3.</a:t>
             </a:r>
             <a:r>
-              <a:rPr kumimoji="1" lang="zh-CN" altLang="en-US" sz="1200" dirty="0" smtClean="0">
+              <a:rPr kumimoji="1" lang="zh-CN" altLang="en-US" sz="1200" smtClean="0">
                 <a:solidFill>
                   <a:schemeClr val="tx1"/>
                 </a:solidFill>
               </a:rPr>
               <a:t>复制算法</a:t>
             </a:r>
-            <a:endParaRPr kumimoji="1" lang="en-US" altLang="zh-CN" sz="1200" dirty="0" smtClean="0">
+            <a:endParaRPr kumimoji="1" lang="en-US" altLang="zh-CN" sz="1200" smtClean="0">
               <a:solidFill>
                 <a:schemeClr val="tx1"/>
               </a:solidFill>
@@ -16666,7 +16973,7 @@
           <a:lstStyle/>
           <a:p>
             <a:r>
-              <a:rPr kumimoji="1" lang="en-US" altLang="zh-CN" sz="1200" dirty="0" smtClean="0">
+              <a:rPr kumimoji="1" lang="en-US" altLang="zh-CN" sz="1200" smtClean="0">
                 <a:solidFill>
                   <a:schemeClr val="tx1"/>
                 </a:solidFill>
@@ -16674,14 +16981,14 @@
               <a:t>1.</a:t>
             </a:r>
             <a:r>
-              <a:rPr kumimoji="1" lang="zh-CN" altLang="en-US" sz="1200" dirty="0" smtClean="0">
+              <a:rPr kumimoji="1" lang="zh-CN" altLang="en-US" sz="1200" smtClean="0">
                 <a:solidFill>
                   <a:schemeClr val="tx1"/>
                 </a:solidFill>
               </a:rPr>
               <a:t>引用计数器</a:t>
             </a:r>
-            <a:endParaRPr kumimoji="1" lang="en-US" altLang="zh-CN" sz="1200" dirty="0" smtClean="0">
+            <a:endParaRPr kumimoji="1" lang="en-US" altLang="zh-CN" sz="1200" smtClean="0">
               <a:solidFill>
                 <a:schemeClr val="tx1"/>
               </a:solidFill>
@@ -16689,7 +16996,7 @@
           </a:p>
           <a:p>
             <a:r>
-              <a:rPr kumimoji="1" lang="en-US" altLang="zh-CN" sz="1200" dirty="0" smtClean="0">
+              <a:rPr kumimoji="1" lang="en-US" altLang="zh-CN" sz="1200" smtClean="0">
                 <a:solidFill>
                   <a:schemeClr val="tx1"/>
                 </a:solidFill>
@@ -16697,14 +17004,14 @@
               <a:t>2.</a:t>
             </a:r>
             <a:r>
-              <a:rPr kumimoji="1" lang="zh-CN" altLang="en-US" sz="1200" dirty="0" smtClean="0">
+              <a:rPr kumimoji="1" lang="zh-CN" altLang="en-US" sz="1200" smtClean="0">
                 <a:solidFill>
                   <a:schemeClr val="tx1"/>
                 </a:solidFill>
               </a:rPr>
               <a:t>根搜索算法</a:t>
             </a:r>
-            <a:endParaRPr kumimoji="1" lang="en-US" altLang="zh-CN" sz="1200" dirty="0" smtClean="0">
+            <a:endParaRPr kumimoji="1" lang="en-US" altLang="zh-CN" sz="1200" smtClean="0">
               <a:solidFill>
                 <a:schemeClr val="tx1"/>
               </a:solidFill>
@@ -16712,7 +17019,7 @@
           </a:p>
           <a:p>
             <a:r>
-              <a:rPr kumimoji="1" lang="en-US" altLang="zh-CN" sz="1200" dirty="0" smtClean="0">
+              <a:rPr kumimoji="1" lang="en-US" altLang="zh-CN" sz="1200" smtClean="0">
                 <a:solidFill>
                   <a:schemeClr val="tx1"/>
                 </a:solidFill>
@@ -16720,7 +17027,7 @@
               <a:t>(</a:t>
             </a:r>
             <a:r>
-              <a:rPr kumimoji="1" lang="zh-CN" altLang="en-US" sz="1200" dirty="0" smtClean="0">
+              <a:rPr kumimoji="1" lang="zh-CN" altLang="en-US" sz="1200" smtClean="0">
                 <a:solidFill>
                   <a:schemeClr val="tx1"/>
                 </a:solidFill>
@@ -16728,14 +17035,14 @@
               <a:t>根搜索可达</a:t>
             </a:r>
             <a:r>
-              <a:rPr kumimoji="1" lang="en-US" altLang="zh-CN" sz="1200" dirty="0" smtClean="0">
+              <a:rPr kumimoji="1" lang="en-US" altLang="zh-CN" sz="1200" smtClean="0">
                 <a:solidFill>
                   <a:schemeClr val="tx1"/>
                 </a:solidFill>
               </a:rPr>
               <a:t>)</a:t>
             </a:r>
-            <a:endParaRPr kumimoji="1" lang="zh-CN" altLang="en-US" sz="1200" dirty="0">
+            <a:endParaRPr kumimoji="1" lang="zh-CN" altLang="en-US" sz="1200">
               <a:solidFill>
                 <a:schemeClr val="tx1"/>
               </a:solidFill>
@@ -16799,194 +17106,194 @@
           <a:lstStyle/>
           <a:p>
             <a:r>
-              <a:rPr kumimoji="1" lang="en-US" altLang="zh-CN" sz="1100" dirty="0" smtClean="0"/>
+              <a:rPr kumimoji="1" lang="en-US" altLang="zh-CN" sz="1100" smtClean="0"/>
               <a:t>1.</a:t>
             </a:r>
             <a:r>
-              <a:rPr kumimoji="1" lang="zh-CN" altLang="en-US" sz="1100" dirty="0" smtClean="0"/>
+              <a:rPr kumimoji="1" lang="zh-CN" altLang="en-US" sz="1100" smtClean="0"/>
               <a:t>标记</a:t>
             </a:r>
             <a:r>
-              <a:rPr kumimoji="1" lang="en-US" altLang="zh-CN" sz="1100" dirty="0" smtClean="0"/>
+              <a:rPr kumimoji="1" lang="en-US" altLang="zh-CN" sz="1100" smtClean="0"/>
               <a:t>-</a:t>
             </a:r>
             <a:r>
-              <a:rPr kumimoji="1" lang="zh-CN" altLang="en-US" sz="1100" dirty="0" smtClean="0"/>
+              <a:rPr kumimoji="1" lang="zh-CN" altLang="en-US" sz="1100" smtClean="0"/>
               <a:t>清除：标记无用对象，然后进行清除回收。缺点：</a:t>
             </a:r>
             <a:r>
-              <a:rPr lang="zh-CN" altLang="en-US" sz="1100" dirty="0"/>
+              <a:rPr lang="zh-CN" altLang="en-US" sz="1100"/>
               <a:t>缺点是效率低，且产生大量不连续的内存</a:t>
             </a:r>
             <a:r>
-              <a:rPr lang="zh-CN" altLang="en-US" sz="1100" dirty="0" smtClean="0"/>
+              <a:rPr lang="zh-CN" altLang="en-US" sz="1100" smtClean="0"/>
               <a:t>碎片</a:t>
             </a:r>
-            <a:endParaRPr lang="en-US" altLang="zh-CN" sz="1100" dirty="0" smtClean="0"/>
-          </a:p>
-          <a:p>
-            <a:r>
-              <a:rPr kumimoji="1" lang="en-US" altLang="zh-CN" sz="1100" dirty="0" smtClean="0"/>
+            <a:endParaRPr lang="en-US" altLang="zh-CN" sz="1100" smtClean="0"/>
+          </a:p>
+          <a:p>
+            <a:r>
+              <a:rPr kumimoji="1" lang="en-US" altLang="zh-CN" sz="1100" smtClean="0"/>
               <a:t>2.</a:t>
             </a:r>
             <a:r>
-              <a:rPr kumimoji="1" lang="zh-CN" altLang="en-US" sz="1100" dirty="0" smtClean="0"/>
+              <a:rPr kumimoji="1" lang="zh-CN" altLang="en-US" sz="1100" smtClean="0"/>
               <a:t>标记</a:t>
             </a:r>
             <a:r>
-              <a:rPr kumimoji="1" lang="en-US" altLang="zh-CN" sz="1100" dirty="0" smtClean="0"/>
+              <a:rPr kumimoji="1" lang="en-US" altLang="zh-CN" sz="1100" smtClean="0"/>
               <a:t>-</a:t>
             </a:r>
             <a:r>
-              <a:rPr kumimoji="1" lang="zh-CN" altLang="en-US" sz="1100" dirty="0" smtClean="0"/>
+              <a:rPr kumimoji="1" lang="zh-CN" altLang="en-US" sz="1100" smtClean="0"/>
               <a:t>整理：标记无用对象，让所有存活的对象都向一端移动，然后直接清除掉另一端的内存；不会产生内存碎片</a:t>
             </a:r>
             <a:r>
-              <a:rPr lang="zh-CN" altLang="en-US" sz="1100" dirty="0"/>
+              <a:rPr lang="zh-CN" altLang="en-US" sz="1100"/>
               <a:t>。</a:t>
             </a:r>
             <a:r>
-              <a:rPr lang="zh-CN" altLang="en-US" sz="1100" b="1" dirty="0"/>
+              <a:rPr lang="zh-CN" altLang="en-US" sz="1100" b="1"/>
               <a:t>此为老年代常用算法</a:t>
             </a:r>
-            <a:endParaRPr kumimoji="1" lang="en-US" altLang="zh-CN" sz="1100" dirty="0" smtClean="0"/>
-          </a:p>
-          <a:p>
-            <a:r>
-              <a:rPr kumimoji="1" lang="en-US" altLang="zh-CN" sz="1100" dirty="0" smtClean="0"/>
+            <a:endParaRPr kumimoji="1" lang="en-US" altLang="zh-CN" sz="1100" smtClean="0"/>
+          </a:p>
+          <a:p>
+            <a:r>
+              <a:rPr kumimoji="1" lang="en-US" altLang="zh-CN" sz="1100" smtClean="0"/>
               <a:t>3.</a:t>
             </a:r>
             <a:r>
-              <a:rPr lang="zh-CN" altLang="en-US" sz="1100" b="1" dirty="0"/>
+              <a:rPr lang="zh-CN" altLang="en-US" sz="1100" b="1"/>
               <a:t>复制算法</a:t>
             </a:r>
             <a:r>
-              <a:rPr lang="zh-CN" altLang="en-US" sz="1100" dirty="0"/>
+              <a:rPr lang="zh-CN" altLang="en-US" sz="1100"/>
               <a:t>：将内存分为</a:t>
             </a:r>
             <a:r>
-              <a:rPr lang="en-US" altLang="zh-CN" sz="1100" dirty="0"/>
+              <a:rPr lang="en-US" altLang="zh-CN" sz="1100"/>
               <a:t>Eden</a:t>
             </a:r>
             <a:r>
-              <a:rPr lang="zh-CN" altLang="en-US" sz="1100" dirty="0"/>
+              <a:rPr lang="zh-CN" altLang="en-US" sz="1100"/>
               <a:t>和</a:t>
             </a:r>
             <a:r>
-              <a:rPr lang="en-US" altLang="zh-CN" sz="1100" dirty="0"/>
+              <a:rPr lang="en-US" altLang="zh-CN" sz="1100"/>
               <a:t>Survivor From </a:t>
             </a:r>
             <a:r>
-              <a:rPr lang="zh-CN" altLang="en-US" sz="1100" dirty="0"/>
+              <a:rPr lang="zh-CN" altLang="en-US" sz="1100"/>
               <a:t>及</a:t>
             </a:r>
             <a:r>
-              <a:rPr lang="en-US" altLang="zh-CN" sz="1100" dirty="0"/>
+              <a:rPr lang="en-US" altLang="zh-CN" sz="1100"/>
               <a:t>Survivor To</a:t>
             </a:r>
             <a:r>
-              <a:rPr lang="zh-CN" altLang="en-US" sz="1100" dirty="0"/>
+              <a:rPr lang="zh-CN" altLang="en-US" sz="1100"/>
               <a:t>区域</a:t>
             </a:r>
             <a:r>
-              <a:rPr lang="en-US" altLang="zh-CN" sz="1100" dirty="0"/>
+              <a:rPr lang="en-US" altLang="zh-CN" sz="1100"/>
               <a:t>(8:1:1)</a:t>
             </a:r>
             <a:r>
-              <a:rPr lang="zh-CN" altLang="en-US" sz="1100" dirty="0"/>
+              <a:rPr lang="zh-CN" altLang="en-US" sz="1100"/>
               <a:t>，当回收时，将</a:t>
             </a:r>
             <a:r>
-              <a:rPr lang="en-US" altLang="zh-CN" sz="1100" dirty="0"/>
+              <a:rPr lang="en-US" altLang="zh-CN" sz="1100"/>
               <a:t>Eden</a:t>
             </a:r>
             <a:r>
-              <a:rPr lang="zh-CN" altLang="en-US" sz="1100" dirty="0"/>
+              <a:rPr lang="zh-CN" altLang="en-US" sz="1100"/>
               <a:t>和</a:t>
             </a:r>
             <a:r>
-              <a:rPr lang="en-US" altLang="zh-CN" sz="1100" dirty="0"/>
+              <a:rPr lang="en-US" altLang="zh-CN" sz="1100"/>
               <a:t>Survivor</a:t>
             </a:r>
             <a:r>
-              <a:rPr lang="zh-CN" altLang="en-US" sz="1100" dirty="0"/>
+              <a:rPr lang="zh-CN" altLang="en-US" sz="1100"/>
               <a:t>中还存活着的</a:t>
             </a:r>
             <a:r>
-              <a:rPr lang="zh-CN" altLang="en-US" sz="1100" dirty="0" smtClean="0"/>
+              <a:rPr lang="zh-CN" altLang="en-US" sz="1100" smtClean="0"/>
               <a:t>对</a:t>
             </a:r>
-            <a:endParaRPr lang="en-US" altLang="zh-CN" sz="1100" dirty="0" smtClean="0"/>
-          </a:p>
-          <a:p>
-            <a:r>
-              <a:rPr lang="en-US" altLang="zh-CN" sz="1100" dirty="0" smtClean="0"/>
+            <a:endParaRPr lang="en-US" altLang="zh-CN" sz="1100" smtClean="0"/>
+          </a:p>
+          <a:p>
+            <a:r>
+              <a:rPr lang="en-US" altLang="zh-CN" sz="1100" smtClean="0"/>
               <a:t>	</a:t>
             </a:r>
             <a:r>
-              <a:rPr lang="zh-CN" altLang="en-US" sz="1100" dirty="0" smtClean="0"/>
+              <a:rPr lang="zh-CN" altLang="en-US" sz="1100" smtClean="0"/>
               <a:t>象</a:t>
             </a:r>
             <a:r>
-              <a:rPr lang="zh-CN" altLang="en-US" sz="1100" dirty="0"/>
+              <a:rPr lang="zh-CN" altLang="en-US" sz="1100"/>
               <a:t>一次性地复制到另外一块</a:t>
             </a:r>
             <a:r>
-              <a:rPr lang="en-US" altLang="zh-CN" sz="1100" dirty="0"/>
+              <a:rPr lang="en-US" altLang="zh-CN" sz="1100"/>
               <a:t>Survivor</a:t>
             </a:r>
             <a:r>
-              <a:rPr lang="zh-CN" altLang="en-US" sz="1100" dirty="0"/>
+              <a:rPr lang="zh-CN" altLang="en-US" sz="1100"/>
               <a:t>区域上，然后清理掉</a:t>
             </a:r>
             <a:r>
-              <a:rPr lang="en-US" altLang="zh-CN" sz="1100" dirty="0"/>
+              <a:rPr lang="en-US" altLang="zh-CN" sz="1100"/>
               <a:t>Eden</a:t>
             </a:r>
             <a:r>
-              <a:rPr lang="zh-CN" altLang="en-US" sz="1100" dirty="0"/>
+              <a:rPr lang="zh-CN" altLang="en-US" sz="1100"/>
               <a:t>和刚才用过的</a:t>
             </a:r>
             <a:r>
-              <a:rPr lang="en-US" altLang="zh-CN" sz="1100" dirty="0"/>
+              <a:rPr lang="en-US" altLang="zh-CN" sz="1100"/>
               <a:t>Survivor</a:t>
             </a:r>
             <a:r>
-              <a:rPr lang="zh-CN" altLang="en-US" sz="1100" dirty="0"/>
+              <a:rPr lang="zh-CN" altLang="en-US" sz="1100"/>
               <a:t>取悦。效率高，不会产生内存碎片</a:t>
             </a:r>
             <a:r>
-              <a:rPr lang="zh-CN" altLang="en-US" sz="1100" dirty="0" smtClean="0"/>
+              <a:rPr lang="zh-CN" altLang="en-US" sz="1100" smtClean="0"/>
               <a:t>，</a:t>
             </a:r>
-            <a:endParaRPr lang="en-US" altLang="zh-CN" sz="1100" dirty="0" smtClean="0"/>
-          </a:p>
-          <a:p>
-            <a:r>
-              <a:rPr lang="en-US" altLang="zh-CN" sz="1100" dirty="0" smtClean="0"/>
+            <a:endParaRPr lang="en-US" altLang="zh-CN" sz="1100" smtClean="0"/>
+          </a:p>
+          <a:p>
+            <a:r>
+              <a:rPr lang="en-US" altLang="zh-CN" sz="1100" smtClean="0"/>
               <a:t>	</a:t>
             </a:r>
             <a:r>
-              <a:rPr lang="zh-CN" altLang="en-US" sz="1100" dirty="0" smtClean="0"/>
+              <a:rPr lang="zh-CN" altLang="en-US" sz="1100" smtClean="0"/>
               <a:t>但是</a:t>
             </a:r>
             <a:r>
-              <a:rPr lang="zh-CN" altLang="en-US" sz="1100" dirty="0"/>
+              <a:rPr lang="zh-CN" altLang="en-US" sz="1100"/>
               <a:t>需要</a:t>
             </a:r>
             <a:r>
-              <a:rPr lang="en-US" altLang="zh-CN" sz="1100" dirty="0"/>
+              <a:rPr lang="en-US" altLang="zh-CN" sz="1100"/>
               <a:t>2</a:t>
             </a:r>
             <a:r>
-              <a:rPr lang="zh-CN" altLang="en-US" sz="1100" dirty="0"/>
+              <a:rPr lang="zh-CN" altLang="en-US" sz="1100"/>
               <a:t>倍内存。</a:t>
             </a:r>
             <a:r>
-              <a:rPr lang="zh-CN" altLang="en-US" sz="1100" b="1" dirty="0"/>
+              <a:rPr lang="zh-CN" altLang="en-US" sz="1100" b="1"/>
               <a:t>此为新生代最常用的算法</a:t>
             </a:r>
-            <a:endParaRPr kumimoji="1" lang="zh-CN" altLang="en-US" sz="1100" dirty="0"/>
+            <a:endParaRPr kumimoji="1" lang="zh-CN" altLang="en-US" sz="1100"/>
           </a:p>
         </p:txBody>
       </p:sp>
@@ -17173,14 +17480,14 @@
           <a:lstStyle/>
           <a:p>
             <a:r>
-              <a:rPr kumimoji="1" lang="en-US" altLang="zh-CN" sz="1050" dirty="0" err="1" smtClean="0"/>
+              <a:rPr kumimoji="1" lang="en-US" altLang="zh-CN" sz="1050" err="1" smtClean="0"/>
               <a:t>ActiveMQ</a:t>
             </a:r>
             <a:r>
-              <a:rPr kumimoji="1" lang="zh-CN" altLang="en-US" sz="1050" dirty="0" smtClean="0"/>
+              <a:rPr kumimoji="1" lang="zh-CN" altLang="en-US" sz="1050" smtClean="0"/>
               <a:t>服务器</a:t>
             </a:r>
-            <a:endParaRPr kumimoji="1" lang="zh-CN" altLang="en-US" sz="1050" dirty="0"/>
+            <a:endParaRPr kumimoji="1" lang="zh-CN" altLang="en-US" sz="1050"/>
           </a:p>
         </p:txBody>
       </p:sp>
@@ -17207,14 +17514,14 @@
           <a:lstStyle/>
           <a:p>
             <a:r>
-              <a:rPr kumimoji="1" lang="zh-CN" altLang="en-US" sz="1050" dirty="0" smtClean="0"/>
+              <a:rPr kumimoji="1" lang="zh-CN" altLang="en-US" sz="1050" smtClean="0"/>
               <a:t>消息消费者</a:t>
             </a:r>
             <a:r>
-              <a:rPr kumimoji="1" lang="en-US" altLang="zh-CN" sz="1050" dirty="0" smtClean="0"/>
+              <a:rPr kumimoji="1" lang="en-US" altLang="zh-CN" sz="1050" smtClean="0"/>
               <a:t>consumer</a:t>
             </a:r>
-            <a:endParaRPr kumimoji="1" lang="zh-CN" altLang="en-US" sz="1050" dirty="0"/>
+            <a:endParaRPr kumimoji="1" lang="zh-CN" altLang="en-US" sz="1050"/>
           </a:p>
         </p:txBody>
       </p:sp>
@@ -17241,14 +17548,14 @@
           <a:lstStyle/>
           <a:p>
             <a:r>
-              <a:rPr kumimoji="1" lang="zh-CN" altLang="en-US" sz="1050" dirty="0" smtClean="0"/>
+              <a:rPr kumimoji="1" lang="zh-CN" altLang="en-US" sz="1050" smtClean="0"/>
               <a:t>消息生产者</a:t>
             </a:r>
             <a:r>
-              <a:rPr kumimoji="1" lang="en-US" altLang="zh-CN" sz="1050" dirty="0" smtClean="0"/>
+              <a:rPr kumimoji="1" lang="en-US" altLang="zh-CN" sz="1050" smtClean="0"/>
               <a:t>producer</a:t>
             </a:r>
-            <a:endParaRPr kumimoji="1" lang="zh-CN" altLang="en-US" sz="1050" dirty="0"/>
+            <a:endParaRPr kumimoji="1" lang="zh-CN" altLang="en-US" sz="1050"/>
           </a:p>
         </p:txBody>
       </p:sp>
@@ -17341,10 +17648,10 @@
           <a:lstStyle/>
           <a:p>
             <a:r>
-              <a:rPr kumimoji="1" lang="zh-CN" altLang="en-US" sz="1100" dirty="0" smtClean="0"/>
+              <a:rPr kumimoji="1" lang="zh-CN" altLang="en-US" sz="1100" smtClean="0"/>
               <a:t>生产</a:t>
             </a:r>
-            <a:endParaRPr kumimoji="1" lang="zh-CN" altLang="en-US" sz="1100" dirty="0"/>
+            <a:endParaRPr kumimoji="1" lang="zh-CN" altLang="en-US" sz="1100"/>
           </a:p>
         </p:txBody>
       </p:sp>
@@ -17371,10 +17678,10 @@
           <a:lstStyle/>
           <a:p>
             <a:r>
-              <a:rPr kumimoji="1" lang="zh-CN" altLang="en-US" sz="1100" dirty="0" smtClean="0"/>
+              <a:rPr kumimoji="1" lang="zh-CN" altLang="en-US" sz="1100" smtClean="0"/>
               <a:t>消费</a:t>
             </a:r>
-            <a:endParaRPr kumimoji="1" lang="zh-CN" altLang="en-US" sz="1100" dirty="0"/>
+            <a:endParaRPr kumimoji="1" lang="zh-CN" altLang="en-US" sz="1100"/>
           </a:p>
         </p:txBody>
       </p:sp>
@@ -17401,22 +17708,22 @@
           <a:lstStyle/>
           <a:p>
             <a:r>
-              <a:rPr kumimoji="1" lang="en-US" altLang="zh-CN" sz="1100" dirty="0" smtClean="0"/>
+              <a:rPr kumimoji="1" lang="en-US" altLang="zh-CN" sz="1100" smtClean="0"/>
               <a:t>MQ(</a:t>
             </a:r>
             <a:r>
-              <a:rPr kumimoji="1" lang="zh-CN" altLang="en-US" sz="1100" dirty="0" smtClean="0"/>
+              <a:rPr kumimoji="1" lang="zh-CN" altLang="en-US" sz="1100" smtClean="0"/>
               <a:t>消息队列</a:t>
             </a:r>
             <a:r>
-              <a:rPr kumimoji="1" lang="en-US" altLang="zh-CN" sz="1100" dirty="0" smtClean="0"/>
+              <a:rPr kumimoji="1" lang="en-US" altLang="zh-CN" sz="1100" smtClean="0"/>
               <a:t>):</a:t>
             </a:r>
             <a:r>
-              <a:rPr kumimoji="1" lang="zh-CN" altLang="en-US" sz="1100" dirty="0" smtClean="0"/>
+              <a:rPr kumimoji="1" lang="zh-CN" altLang="en-US" sz="1100" smtClean="0"/>
               <a:t> 多个应用程序间的通信</a:t>
             </a:r>
-            <a:endParaRPr kumimoji="1" lang="zh-CN" altLang="en-US" sz="1100" dirty="0"/>
+            <a:endParaRPr kumimoji="1" lang="zh-CN" altLang="en-US" sz="1100"/>
           </a:p>
         </p:txBody>
       </p:sp>
@@ -17443,26 +17750,26 @@
           <a:lstStyle/>
           <a:p>
             <a:r>
-              <a:rPr kumimoji="1" lang="zh-CN" altLang="en-US" sz="1050" dirty="0" smtClean="0"/>
+              <a:rPr kumimoji="1" lang="zh-CN" altLang="en-US" sz="1050" smtClean="0"/>
               <a:t>消费者通过监听器实时消费 </a:t>
             </a:r>
             <a:r>
-              <a:rPr kumimoji="1" lang="en-US" altLang="zh-CN" sz="1050" dirty="0" smtClean="0"/>
+              <a:rPr kumimoji="1" lang="en-US" altLang="zh-CN" sz="1050" smtClean="0"/>
               <a:t>---&gt;</a:t>
             </a:r>
             <a:r>
-              <a:rPr kumimoji="1" lang="zh-CN" altLang="en-US" sz="1050" dirty="0" smtClean="0"/>
+              <a:rPr kumimoji="1" lang="zh-CN" altLang="en-US" sz="1050" smtClean="0"/>
               <a:t> 实现</a:t>
             </a:r>
             <a:r>
-              <a:rPr kumimoji="1" lang="en-US" altLang="zh-CN" sz="1050" dirty="0" err="1" smtClean="0"/>
+              <a:rPr kumimoji="1" lang="en-US" altLang="zh-CN" sz="1050" err="1" smtClean="0"/>
               <a:t>MessageListener</a:t>
             </a:r>
             <a:r>
               <a:rPr kumimoji="1" lang="zh-CN" altLang="en-US" sz="1050" smtClean="0"/>
               <a:t>接口</a:t>
             </a:r>
-            <a:endParaRPr kumimoji="1" lang="zh-CN" altLang="en-US" sz="1050" dirty="0"/>
+            <a:endParaRPr kumimoji="1" lang="zh-CN" altLang="en-US" sz="1050"/>
           </a:p>
         </p:txBody>
       </p:sp>
@@ -17526,14 +17833,14 @@
           <a:lstStyle/>
           <a:p>
             <a:r>
-              <a:rPr kumimoji="1" lang="en-US" altLang="zh-CN" sz="1200" dirty="0"/>
+              <a:rPr kumimoji="1" lang="en-US" altLang="zh-CN" sz="1200"/>
               <a:t>C</a:t>
             </a:r>
             <a:r>
-              <a:rPr kumimoji="1" lang="en-US" altLang="zh-CN" sz="1200" dirty="0" smtClean="0"/>
+              <a:rPr kumimoji="1" lang="en-US" altLang="zh-CN" sz="1200" smtClean="0"/>
               <a:t>ollection</a:t>
             </a:r>
-            <a:endParaRPr kumimoji="1" lang="zh-CN" altLang="en-US" sz="1200" dirty="0"/>
+            <a:endParaRPr kumimoji="1" lang="zh-CN" altLang="en-US" sz="1200"/>
           </a:p>
         </p:txBody>
       </p:sp>
@@ -17560,10 +17867,10 @@
           <a:lstStyle/>
           <a:p>
             <a:r>
-              <a:rPr kumimoji="1" lang="en-US" altLang="zh-CN" sz="1200" dirty="0" smtClean="0"/>
+              <a:rPr kumimoji="1" lang="en-US" altLang="zh-CN" sz="1200" smtClean="0"/>
               <a:t>Set</a:t>
             </a:r>
-            <a:endParaRPr kumimoji="1" lang="zh-CN" altLang="en-US" sz="1200" dirty="0"/>
+            <a:endParaRPr kumimoji="1" lang="zh-CN" altLang="en-US" sz="1200"/>
           </a:p>
         </p:txBody>
       </p:sp>
@@ -17590,10 +17897,10 @@
           <a:lstStyle/>
           <a:p>
             <a:r>
-              <a:rPr kumimoji="1" lang="en-US" altLang="zh-CN" sz="1200" dirty="0" smtClean="0"/>
+              <a:rPr kumimoji="1" lang="en-US" altLang="zh-CN" sz="1200" smtClean="0"/>
               <a:t>List</a:t>
             </a:r>
-            <a:endParaRPr kumimoji="1" lang="zh-CN" altLang="en-US" sz="1200" dirty="0"/>
+            <a:endParaRPr kumimoji="1" lang="zh-CN" altLang="en-US" sz="1200"/>
           </a:p>
         </p:txBody>
       </p:sp>
@@ -17620,10 +17927,10 @@
           <a:lstStyle/>
           <a:p>
             <a:r>
-              <a:rPr kumimoji="1" lang="en-US" altLang="zh-CN" sz="1200" dirty="0" smtClean="0"/>
+              <a:rPr kumimoji="1" lang="en-US" altLang="zh-CN" sz="1200" smtClean="0"/>
               <a:t>TreeSet</a:t>
             </a:r>
-            <a:endParaRPr kumimoji="1" lang="zh-CN" altLang="en-US" sz="1200" dirty="0"/>
+            <a:endParaRPr kumimoji="1" lang="zh-CN" altLang="en-US" sz="1200"/>
           </a:p>
         </p:txBody>
       </p:sp>
@@ -17650,10 +17957,10 @@
           <a:lstStyle/>
           <a:p>
             <a:r>
-              <a:rPr kumimoji="1" lang="en-US" altLang="zh-CN" sz="1200" dirty="0" smtClean="0"/>
+              <a:rPr kumimoji="1" lang="en-US" altLang="zh-CN" sz="1200" smtClean="0"/>
               <a:t>HashSet</a:t>
             </a:r>
-            <a:endParaRPr kumimoji="1" lang="zh-CN" altLang="en-US" sz="1200" dirty="0"/>
+            <a:endParaRPr kumimoji="1" lang="zh-CN" altLang="en-US" sz="1200"/>
           </a:p>
         </p:txBody>
       </p:sp>
@@ -17680,10 +17987,10 @@
           <a:lstStyle/>
           <a:p>
             <a:r>
-              <a:rPr kumimoji="1" lang="en-US" altLang="zh-CN" sz="1200" dirty="0" smtClean="0"/>
+              <a:rPr kumimoji="1" lang="en-US" altLang="zh-CN" sz="1200" smtClean="0"/>
               <a:t>LinkedList</a:t>
             </a:r>
-            <a:endParaRPr kumimoji="1" lang="zh-CN" altLang="en-US" sz="1200" dirty="0"/>
+            <a:endParaRPr kumimoji="1" lang="zh-CN" altLang="en-US" sz="1200"/>
           </a:p>
         </p:txBody>
       </p:sp>
@@ -17710,10 +18017,10 @@
           <a:lstStyle/>
           <a:p>
             <a:r>
-              <a:rPr kumimoji="1" lang="en-US" altLang="zh-CN" sz="1200" dirty="0" smtClean="0"/>
+              <a:rPr kumimoji="1" lang="en-US" altLang="zh-CN" sz="1200" smtClean="0"/>
               <a:t>Vector</a:t>
             </a:r>
-            <a:endParaRPr kumimoji="1" lang="zh-CN" altLang="en-US" sz="1200" dirty="0"/>
+            <a:endParaRPr kumimoji="1" lang="zh-CN" altLang="en-US" sz="1200"/>
           </a:p>
         </p:txBody>
       </p:sp>
@@ -17740,10 +18047,10 @@
           <a:lstStyle/>
           <a:p>
             <a:r>
-              <a:rPr kumimoji="1" lang="en-US" altLang="zh-CN" sz="1200" dirty="0" smtClean="0"/>
+              <a:rPr kumimoji="1" lang="en-US" altLang="zh-CN" sz="1200" smtClean="0"/>
               <a:t>ArrayList</a:t>
             </a:r>
-            <a:endParaRPr kumimoji="1" lang="zh-CN" altLang="en-US" sz="1200" dirty="0"/>
+            <a:endParaRPr kumimoji="1" lang="zh-CN" altLang="en-US" sz="1200"/>
           </a:p>
         </p:txBody>
       </p:sp>
@@ -18022,10 +18329,10 @@
           <a:lstStyle/>
           <a:p>
             <a:r>
-              <a:rPr kumimoji="1" lang="zh-CN" altLang="en-US" sz="1100" dirty="0" smtClean="0"/>
+              <a:rPr kumimoji="1" lang="zh-CN" altLang="en-US" sz="1100" smtClean="0"/>
               <a:t>有序、有重复</a:t>
             </a:r>
-            <a:endParaRPr kumimoji="1" lang="zh-CN" altLang="en-US" sz="1100" dirty="0"/>
+            <a:endParaRPr kumimoji="1" lang="zh-CN" altLang="en-US" sz="1100"/>
           </a:p>
         </p:txBody>
       </p:sp>
@@ -18052,10 +18359,10 @@
           <a:lstStyle/>
           <a:p>
             <a:r>
-              <a:rPr kumimoji="1" lang="zh-CN" altLang="en-US" sz="1100" dirty="0" smtClean="0"/>
+              <a:rPr kumimoji="1" lang="zh-CN" altLang="en-US" sz="1100" smtClean="0"/>
               <a:t>无序、无重复</a:t>
             </a:r>
-            <a:endParaRPr kumimoji="1" lang="zh-CN" altLang="en-US" sz="1100" dirty="0"/>
+            <a:endParaRPr kumimoji="1" lang="zh-CN" altLang="en-US" sz="1100"/>
           </a:p>
         </p:txBody>
       </p:sp>
@@ -18082,17 +18389,17 @@
           <a:lstStyle/>
           <a:p>
             <a:r>
-              <a:rPr kumimoji="1" lang="zh-CN" altLang="en-US" sz="1100" dirty="0" smtClean="0"/>
+              <a:rPr kumimoji="1" lang="zh-CN" altLang="en-US" sz="1100" smtClean="0"/>
               <a:t>有序：存储和取出的元素一致</a:t>
             </a:r>
-            <a:endParaRPr kumimoji="1" lang="en-US" altLang="zh-CN" sz="1100" dirty="0" smtClean="0"/>
-          </a:p>
-          <a:p>
-            <a:r>
-              <a:rPr kumimoji="1" lang="zh-CN" altLang="en-US" sz="1100" dirty="0" smtClean="0"/>
+            <a:endParaRPr kumimoji="1" lang="en-US" altLang="zh-CN" sz="1100" smtClean="0"/>
+          </a:p>
+          <a:p>
+            <a:r>
+              <a:rPr kumimoji="1" lang="zh-CN" altLang="en-US" sz="1100" smtClean="0"/>
               <a:t>无序：存储和取出元素顺序不一致</a:t>
             </a:r>
-            <a:endParaRPr kumimoji="1" lang="en-US" altLang="zh-CN" sz="1100" dirty="0" smtClean="0"/>
+            <a:endParaRPr kumimoji="1" lang="en-US" altLang="zh-CN" sz="1100" smtClean="0"/>
           </a:p>
         </p:txBody>
       </p:sp>
@@ -18122,7 +18429,7 @@
               <a:rPr kumimoji="1" lang="zh-CN" altLang="en-US" sz="1100" smtClean="0"/>
               <a:t>不常用</a:t>
             </a:r>
-            <a:endParaRPr kumimoji="1" lang="zh-CN" altLang="en-US" sz="1100" dirty="0"/>
+            <a:endParaRPr kumimoji="1" lang="zh-CN" altLang="en-US" sz="1100"/>
           </a:p>
         </p:txBody>
       </p:sp>
@@ -18149,14 +18456,14 @@
           <a:lstStyle/>
           <a:p>
             <a:r>
-              <a:rPr kumimoji="1" lang="zh-CN" altLang="en-US" sz="1100" dirty="0" smtClean="0"/>
+              <a:rPr kumimoji="1" lang="zh-CN" altLang="en-US" sz="1100" smtClean="0"/>
               <a:t>底层</a:t>
             </a:r>
             <a:r>
-              <a:rPr kumimoji="1" lang="en-US" altLang="zh-CN" sz="1100" dirty="0" smtClean="0"/>
+              <a:rPr kumimoji="1" lang="en-US" altLang="zh-CN" sz="1100" smtClean="0"/>
               <a:t>:</a:t>
             </a:r>
-            <a:endParaRPr kumimoji="1" lang="zh-CN" altLang="en-US" sz="1100" dirty="0"/>
+            <a:endParaRPr kumimoji="1" lang="zh-CN" altLang="en-US" sz="1100"/>
           </a:p>
         </p:txBody>
       </p:sp>
@@ -18183,24 +18490,24 @@
           <a:lstStyle/>
           <a:p>
             <a:r>
-              <a:rPr kumimoji="1" lang="zh-CN" altLang="en-US" sz="1000" dirty="0" smtClean="0"/>
+              <a:rPr kumimoji="1" lang="zh-CN" altLang="en-US" sz="1000" smtClean="0"/>
               <a:t>数组</a:t>
             </a:r>
-            <a:endParaRPr kumimoji="1" lang="en-US" altLang="zh-CN" sz="1000" dirty="0" smtClean="0"/>
-          </a:p>
-          <a:p>
-            <a:r>
-              <a:rPr kumimoji="1" lang="zh-CN" altLang="en-US" sz="1000" dirty="0" smtClean="0"/>
+            <a:endParaRPr kumimoji="1" lang="en-US" altLang="zh-CN" sz="1000" smtClean="0"/>
+          </a:p>
+          <a:p>
+            <a:r>
+              <a:rPr kumimoji="1" lang="zh-CN" altLang="en-US" sz="1000" smtClean="0"/>
               <a:t>查询快、增删慢</a:t>
             </a:r>
-            <a:endParaRPr kumimoji="1" lang="en-US" altLang="zh-CN" sz="1000" dirty="0" smtClean="0"/>
-          </a:p>
-          <a:p>
-            <a:r>
-              <a:rPr kumimoji="1" lang="zh-CN" altLang="en-US" sz="1000" dirty="0" smtClean="0"/>
+            <a:endParaRPr kumimoji="1" lang="en-US" altLang="zh-CN" sz="1000" smtClean="0"/>
+          </a:p>
+          <a:p>
+            <a:r>
+              <a:rPr kumimoji="1" lang="zh-CN" altLang="en-US" sz="1000" smtClean="0"/>
               <a:t>线程不安全、效率高</a:t>
             </a:r>
-            <a:endParaRPr kumimoji="1" lang="zh-CN" altLang="en-US" sz="1000" dirty="0"/>
+            <a:endParaRPr kumimoji="1" lang="zh-CN" altLang="en-US" sz="1000"/>
           </a:p>
         </p:txBody>
       </p:sp>
@@ -18227,24 +18534,24 @@
           <a:lstStyle/>
           <a:p>
             <a:r>
-              <a:rPr kumimoji="1" lang="zh-CN" altLang="en-US" sz="1000" dirty="0" smtClean="0"/>
+              <a:rPr kumimoji="1" lang="zh-CN" altLang="en-US" sz="1000" smtClean="0"/>
               <a:t>数组</a:t>
             </a:r>
-            <a:endParaRPr kumimoji="1" lang="en-US" altLang="zh-CN" sz="1000" dirty="0" smtClean="0"/>
-          </a:p>
-          <a:p>
-            <a:r>
-              <a:rPr kumimoji="1" lang="zh-CN" altLang="en-US" sz="1000" dirty="0" smtClean="0"/>
+            <a:endParaRPr kumimoji="1" lang="en-US" altLang="zh-CN" sz="1000" smtClean="0"/>
+          </a:p>
+          <a:p>
+            <a:r>
+              <a:rPr kumimoji="1" lang="zh-CN" altLang="en-US" sz="1000" smtClean="0"/>
               <a:t>查询慢</a:t>
             </a:r>
-            <a:endParaRPr kumimoji="1" lang="en-US" altLang="zh-CN" sz="1000" dirty="0" smtClean="0"/>
-          </a:p>
-          <a:p>
-            <a:r>
-              <a:rPr kumimoji="1" lang="zh-CN" altLang="en-US" sz="1000" dirty="0" smtClean="0"/>
+            <a:endParaRPr kumimoji="1" lang="en-US" altLang="zh-CN" sz="1000" smtClean="0"/>
+          </a:p>
+          <a:p>
+            <a:r>
+              <a:rPr kumimoji="1" lang="zh-CN" altLang="en-US" sz="1000" smtClean="0"/>
               <a:t>线程安全、效率慢</a:t>
             </a:r>
-            <a:endParaRPr kumimoji="1" lang="zh-CN" altLang="en-US" sz="1000" dirty="0"/>
+            <a:endParaRPr kumimoji="1" lang="zh-CN" altLang="en-US" sz="1000"/>
           </a:p>
         </p:txBody>
       </p:sp>
@@ -18271,24 +18578,24 @@
           <a:lstStyle/>
           <a:p>
             <a:r>
-              <a:rPr kumimoji="1" lang="zh-CN" altLang="en-US" sz="1000" dirty="0" smtClean="0"/>
+              <a:rPr kumimoji="1" lang="zh-CN" altLang="en-US" sz="1000" smtClean="0"/>
               <a:t>链表</a:t>
             </a:r>
-            <a:endParaRPr kumimoji="1" lang="en-US" altLang="zh-CN" sz="1000" dirty="0" smtClean="0"/>
-          </a:p>
-          <a:p>
-            <a:r>
-              <a:rPr kumimoji="1" lang="zh-CN" altLang="en-US" sz="1000" dirty="0" smtClean="0"/>
+            <a:endParaRPr kumimoji="1" lang="en-US" altLang="zh-CN" sz="1000" smtClean="0"/>
+          </a:p>
+          <a:p>
+            <a:r>
+              <a:rPr kumimoji="1" lang="zh-CN" altLang="en-US" sz="1000" smtClean="0"/>
               <a:t>查询慢、增删快</a:t>
             </a:r>
-            <a:endParaRPr kumimoji="1" lang="en-US" altLang="zh-CN" sz="1000" dirty="0" smtClean="0"/>
-          </a:p>
-          <a:p>
-            <a:r>
-              <a:rPr kumimoji="1" lang="zh-CN" altLang="en-US" sz="1000" dirty="0" smtClean="0"/>
+            <a:endParaRPr kumimoji="1" lang="en-US" altLang="zh-CN" sz="1000" smtClean="0"/>
+          </a:p>
+          <a:p>
+            <a:r>
+              <a:rPr kumimoji="1" lang="zh-CN" altLang="en-US" sz="1000" smtClean="0"/>
               <a:t>线程不安全、效率高</a:t>
             </a:r>
-            <a:endParaRPr kumimoji="1" lang="zh-CN" altLang="en-US" sz="1000" dirty="0"/>
+            <a:endParaRPr kumimoji="1" lang="zh-CN" altLang="en-US" sz="1000"/>
           </a:p>
         </p:txBody>
       </p:sp>
@@ -18315,24 +18622,24 @@
           <a:lstStyle/>
           <a:p>
             <a:r>
-              <a:rPr kumimoji="1" lang="zh-CN" altLang="en-US" sz="1000" dirty="0" smtClean="0"/>
+              <a:rPr kumimoji="1" lang="zh-CN" altLang="en-US" sz="1000" smtClean="0"/>
               <a:t>链表</a:t>
             </a:r>
-            <a:endParaRPr kumimoji="1" lang="en-US" altLang="zh-CN" sz="1000" dirty="0" smtClean="0"/>
-          </a:p>
-          <a:p>
-            <a:r>
-              <a:rPr kumimoji="1" lang="zh-CN" altLang="en-US" sz="1000" dirty="0" smtClean="0"/>
+            <a:endParaRPr kumimoji="1" lang="en-US" altLang="zh-CN" sz="1000" smtClean="0"/>
+          </a:p>
+          <a:p>
+            <a:r>
+              <a:rPr kumimoji="1" lang="zh-CN" altLang="en-US" sz="1000" smtClean="0"/>
               <a:t>查询慢、增删快</a:t>
             </a:r>
-            <a:endParaRPr kumimoji="1" lang="en-US" altLang="zh-CN" sz="1000" dirty="0" smtClean="0"/>
-          </a:p>
-          <a:p>
-            <a:r>
-              <a:rPr kumimoji="1" lang="zh-CN" altLang="en-US" sz="1000" dirty="0" smtClean="0"/>
+            <a:endParaRPr kumimoji="1" lang="en-US" altLang="zh-CN" sz="1000" smtClean="0"/>
+          </a:p>
+          <a:p>
+            <a:r>
+              <a:rPr kumimoji="1" lang="zh-CN" altLang="en-US" sz="1000" smtClean="0"/>
               <a:t>线程不安全、效率高</a:t>
             </a:r>
-            <a:endParaRPr kumimoji="1" lang="zh-CN" altLang="en-US" sz="1000" dirty="0"/>
+            <a:endParaRPr kumimoji="1" lang="zh-CN" altLang="en-US" sz="1000"/>
           </a:p>
         </p:txBody>
       </p:sp>
@@ -18359,24 +18666,24 @@
           <a:lstStyle/>
           <a:p>
             <a:r>
-              <a:rPr kumimoji="1" lang="zh-CN" altLang="en-US" sz="1000" dirty="0" smtClean="0"/>
+              <a:rPr kumimoji="1" lang="zh-CN" altLang="en-US" sz="1000" smtClean="0"/>
               <a:t>能够对元素按照某个</a:t>
             </a:r>
-            <a:endParaRPr kumimoji="1" lang="en-US" altLang="zh-CN" sz="1000" dirty="0" smtClean="0"/>
-          </a:p>
-          <a:p>
-            <a:r>
-              <a:rPr kumimoji="1" lang="zh-CN" altLang="en-US" sz="1000" dirty="0" smtClean="0"/>
+            <a:endParaRPr kumimoji="1" lang="en-US" altLang="zh-CN" sz="1000" smtClean="0"/>
+          </a:p>
+          <a:p>
+            <a:r>
+              <a:rPr kumimoji="1" lang="zh-CN" altLang="en-US" sz="1000" smtClean="0"/>
               <a:t>规则进行自然排序</a:t>
             </a:r>
-            <a:endParaRPr kumimoji="1" lang="en-US" altLang="zh-CN" sz="1000" dirty="0" smtClean="0"/>
-          </a:p>
-          <a:p>
-            <a:r>
-              <a:rPr kumimoji="1" lang="zh-CN" altLang="en-US" sz="1000" dirty="0" smtClean="0"/>
+            <a:endParaRPr kumimoji="1" lang="en-US" altLang="zh-CN" sz="1000" smtClean="0"/>
+          </a:p>
+          <a:p>
+            <a:r>
+              <a:rPr kumimoji="1" lang="zh-CN" altLang="en-US" sz="1000" smtClean="0"/>
               <a:t>自然排序、比较排序</a:t>
             </a:r>
-            <a:endParaRPr kumimoji="1" lang="zh-CN" altLang="en-US" sz="1000" dirty="0"/>
+            <a:endParaRPr kumimoji="1" lang="zh-CN" altLang="en-US" sz="1000"/>
           </a:p>
         </p:txBody>
       </p:sp>

--- a/doc/doc.pptx
+++ b/doc/doc.pptx
@@ -5,7 +5,7 @@
     <p:sldMasterId id="2147483648" r:id="rId1"/>
   </p:sldMasterIdLst>
   <p:notesMasterIdLst>
-    <p:notesMasterId r:id="rId16"/>
+    <p:notesMasterId r:id="rId17"/>
   </p:notesMasterIdLst>
   <p:sldIdLst>
     <p:sldId id="264" r:id="rId2"/>
@@ -22,6 +22,7 @@
     <p:sldId id="262" r:id="rId13"/>
     <p:sldId id="263" r:id="rId14"/>
     <p:sldId id="267" r:id="rId15"/>
+    <p:sldId id="271" r:id="rId16"/>
   </p:sldIdLst>
   <p:sldSz cx="12192000" cy="6858000"/>
   <p:notesSz cx="6858000" cy="9144000"/>
@@ -210,7 +211,7 @@
           <a:p>
             <a:fld id="{A3D7CE87-9499-D644-9D39-658681EEDA03}" type="datetimeFigureOut">
               <a:rPr kumimoji="1" lang="zh-CN" altLang="en-US" smtClean="0"/>
-              <a:t>2019/10/1</a:t>
+              <a:t>2019/11/4</a:t>
             </a:fld>
             <a:endParaRPr kumimoji="1" lang="zh-CN" altLang="en-US"/>
           </a:p>
@@ -529,23 +530,7 @@
             </a:r>
             <a:r>
               <a:rPr kumimoji="1" lang="zh-CN" altLang="en-US" dirty="0" smtClean="0"/>
-              <a:t>：一个类加载器收到了类加载的请求，它首先</a:t>
-            </a:r>
-            <a:r>
-              <a:rPr kumimoji="1" lang="zh-CN" altLang="en-US" dirty="0" smtClean="0"/>
-              <a:t>把它委派</a:t>
-            </a:r>
-            <a:r>
-              <a:rPr kumimoji="1" lang="zh-CN" altLang="en-US" dirty="0" smtClean="0"/>
-              <a:t>给父类加载器去完成，每一层的类加载器都是如此，这样所有的加载请求都会被传送到顶层的启动类加载器中，只有当父加载器无法</a:t>
-            </a:r>
-            <a:r>
-              <a:rPr kumimoji="1" lang="zh-CN" altLang="en-US" dirty="0" smtClean="0"/>
-              <a:t>完成加载</a:t>
-            </a:r>
-            <a:r>
-              <a:rPr kumimoji="1" lang="zh-CN" altLang="en-US" dirty="0" smtClean="0"/>
-              <a:t>请求，子加载器才会尝试加载类</a:t>
+              <a:t>：一个类加载器收到了类加载的请求，它首先把它委派给父类加载器去完成，每一层的类加载器都是如此，这样所有的加载请求都会被传送到顶层的启动类加载器中，只有当父加载器无法完成加载请求，子加载器才会尝试加载类</a:t>
             </a:r>
             <a:endParaRPr kumimoji="1" lang="en-US" altLang="zh-CN" dirty="0" smtClean="0"/>
           </a:p>
@@ -1463,7 +1448,7 @@
           <a:p>
             <a:fld id="{79C7BEE9-4014-F74B-8041-D28506CB9C48}" type="datetimeFigureOut">
               <a:rPr kumimoji="1" lang="zh-CN" altLang="en-US" smtClean="0"/>
-              <a:t>2019/10/1</a:t>
+              <a:t>2019/11/4</a:t>
             </a:fld>
             <a:endParaRPr kumimoji="1" lang="zh-CN" altLang="en-US"/>
           </a:p>
@@ -1633,7 +1618,7 @@
           <a:p>
             <a:fld id="{79C7BEE9-4014-F74B-8041-D28506CB9C48}" type="datetimeFigureOut">
               <a:rPr kumimoji="1" lang="zh-CN" altLang="en-US" smtClean="0"/>
-              <a:t>2019/10/1</a:t>
+              <a:t>2019/11/4</a:t>
             </a:fld>
             <a:endParaRPr kumimoji="1" lang="zh-CN" altLang="en-US"/>
           </a:p>
@@ -1813,7 +1798,7 @@
           <a:p>
             <a:fld id="{79C7BEE9-4014-F74B-8041-D28506CB9C48}" type="datetimeFigureOut">
               <a:rPr kumimoji="1" lang="zh-CN" altLang="en-US" smtClean="0"/>
-              <a:t>2019/10/1</a:t>
+              <a:t>2019/11/4</a:t>
             </a:fld>
             <a:endParaRPr kumimoji="1" lang="zh-CN" altLang="en-US"/>
           </a:p>
@@ -1983,7 +1968,7 @@
           <a:p>
             <a:fld id="{79C7BEE9-4014-F74B-8041-D28506CB9C48}" type="datetimeFigureOut">
               <a:rPr kumimoji="1" lang="zh-CN" altLang="en-US" smtClean="0"/>
-              <a:t>2019/10/1</a:t>
+              <a:t>2019/11/4</a:t>
             </a:fld>
             <a:endParaRPr kumimoji="1" lang="zh-CN" altLang="en-US"/>
           </a:p>
@@ -2229,7 +2214,7 @@
           <a:p>
             <a:fld id="{79C7BEE9-4014-F74B-8041-D28506CB9C48}" type="datetimeFigureOut">
               <a:rPr kumimoji="1" lang="zh-CN" altLang="en-US" smtClean="0"/>
-              <a:t>2019/10/1</a:t>
+              <a:t>2019/11/4</a:t>
             </a:fld>
             <a:endParaRPr kumimoji="1" lang="zh-CN" altLang="en-US"/>
           </a:p>
@@ -2461,7 +2446,7 @@
           <a:p>
             <a:fld id="{79C7BEE9-4014-F74B-8041-D28506CB9C48}" type="datetimeFigureOut">
               <a:rPr kumimoji="1" lang="zh-CN" altLang="en-US" smtClean="0"/>
-              <a:t>2019/10/1</a:t>
+              <a:t>2019/11/4</a:t>
             </a:fld>
             <a:endParaRPr kumimoji="1" lang="zh-CN" altLang="en-US"/>
           </a:p>
@@ -2828,7 +2813,7 @@
           <a:p>
             <a:fld id="{79C7BEE9-4014-F74B-8041-D28506CB9C48}" type="datetimeFigureOut">
               <a:rPr kumimoji="1" lang="zh-CN" altLang="en-US" smtClean="0"/>
-              <a:t>2019/10/1</a:t>
+              <a:t>2019/11/4</a:t>
             </a:fld>
             <a:endParaRPr kumimoji="1" lang="zh-CN" altLang="en-US"/>
           </a:p>
@@ -2946,7 +2931,7 @@
           <a:p>
             <a:fld id="{79C7BEE9-4014-F74B-8041-D28506CB9C48}" type="datetimeFigureOut">
               <a:rPr kumimoji="1" lang="zh-CN" altLang="en-US" smtClean="0"/>
-              <a:t>2019/10/1</a:t>
+              <a:t>2019/11/4</a:t>
             </a:fld>
             <a:endParaRPr kumimoji="1" lang="zh-CN" altLang="en-US"/>
           </a:p>
@@ -3041,7 +3026,7 @@
           <a:p>
             <a:fld id="{79C7BEE9-4014-F74B-8041-D28506CB9C48}" type="datetimeFigureOut">
               <a:rPr kumimoji="1" lang="zh-CN" altLang="en-US" smtClean="0"/>
-              <a:t>2019/10/1</a:t>
+              <a:t>2019/11/4</a:t>
             </a:fld>
             <a:endParaRPr kumimoji="1" lang="zh-CN" altLang="en-US"/>
           </a:p>
@@ -3318,7 +3303,7 @@
           <a:p>
             <a:fld id="{79C7BEE9-4014-F74B-8041-D28506CB9C48}" type="datetimeFigureOut">
               <a:rPr kumimoji="1" lang="zh-CN" altLang="en-US" smtClean="0"/>
-              <a:t>2019/10/1</a:t>
+              <a:t>2019/11/4</a:t>
             </a:fld>
             <a:endParaRPr kumimoji="1" lang="zh-CN" altLang="en-US"/>
           </a:p>
@@ -3571,7 +3556,7 @@
           <a:p>
             <a:fld id="{79C7BEE9-4014-F74B-8041-D28506CB9C48}" type="datetimeFigureOut">
               <a:rPr kumimoji="1" lang="zh-CN" altLang="en-US" smtClean="0"/>
-              <a:t>2019/10/1</a:t>
+              <a:t>2019/11/4</a:t>
             </a:fld>
             <a:endParaRPr kumimoji="1" lang="zh-CN" altLang="en-US"/>
           </a:p>
@@ -3784,7 +3769,7 @@
           <a:p>
             <a:fld id="{79C7BEE9-4014-F74B-8041-D28506CB9C48}" type="datetimeFigureOut">
               <a:rPr kumimoji="1" lang="zh-CN" altLang="en-US" smtClean="0"/>
-              <a:t>2019/10/1</a:t>
+              <a:t>2019/11/4</a:t>
             </a:fld>
             <a:endParaRPr kumimoji="1" lang="zh-CN" altLang="en-US"/>
           </a:p>
@@ -4919,15 +4904,7 @@
                   <a:schemeClr val="tx1"/>
                 </a:solidFill>
               </a:rPr>
-              <a:t> </a:t>
-            </a:r>
-            <a:r>
-              <a:rPr kumimoji="1" lang="zh-CN" altLang="en-US" sz="1200" dirty="0" smtClean="0">
-                <a:solidFill>
-                  <a:schemeClr val="tx1"/>
-                </a:solidFill>
-              </a:rPr>
-              <a:t>加载：</a:t>
+              <a:t> 加载：</a:t>
             </a:r>
             <a:endParaRPr kumimoji="1" lang="en-US" altLang="zh-CN" sz="1200" dirty="0" smtClean="0">
               <a:solidFill>
@@ -5240,15 +5217,7 @@
                   <a:schemeClr val="tx1"/>
                 </a:solidFill>
               </a:rPr>
-              <a:t>类</a:t>
-            </a:r>
-            <a:r>
-              <a:rPr kumimoji="1" lang="zh-CN" altLang="en-US" sz="1200" dirty="0" smtClean="0">
-                <a:solidFill>
-                  <a:schemeClr val="tx1"/>
-                </a:solidFill>
-              </a:rPr>
-              <a:t>：常量指令、加载和存储指令、操作数栈指令、运算指令、</a:t>
+              <a:t>类：常量指令、加载和存储指令、操作数栈指令、运算指令、</a:t>
             </a:r>
             <a:r>
               <a:rPr kumimoji="1" lang="zh-CN" altLang="en-US" sz="1200" dirty="0">
@@ -9178,10 +9147,1188 @@
           </a:p>
         </p:txBody>
       </p:sp>
+      <p:sp>
+        <p:nvSpPr>
+          <p:cNvPr id="2" name="文本框 1"/>
+          <p:cNvSpPr txBox="1"/>
+          <p:nvPr/>
+        </p:nvSpPr>
+        <p:spPr>
+          <a:xfrm>
+            <a:off x="724829" y="345688"/>
+            <a:ext cx="1056700" cy="307777"/>
+          </a:xfrm>
+          <a:prstGeom prst="rect">
+            <a:avLst/>
+          </a:prstGeom>
+          <a:noFill/>
+        </p:spPr>
+        <p:txBody>
+          <a:bodyPr wrap="none" rtlCol="0">
+            <a:spAutoFit/>
+          </a:bodyPr>
+          <a:lstStyle/>
+          <a:p>
+            <a:r>
+              <a:rPr kumimoji="1" lang="en-US" altLang="zh-CN" sz="1400" dirty="0" smtClean="0"/>
+              <a:t>Socket</a:t>
+            </a:r>
+            <a:r>
+              <a:rPr kumimoji="1" lang="zh-CN" altLang="en-US" sz="1400" dirty="0" smtClean="0"/>
+              <a:t>连接</a:t>
+            </a:r>
+            <a:endParaRPr kumimoji="1" lang="zh-CN" altLang="en-US" sz="1400" dirty="0"/>
+          </a:p>
+        </p:txBody>
+      </p:sp>
     </p:spTree>
     <p:extLst>
       <p:ext uri="{BB962C8B-B14F-4D97-AF65-F5344CB8AC3E}">
         <p14:creationId xmlns:p14="http://schemas.microsoft.com/office/powerpoint/2010/main" val="1609338129"/>
+      </p:ext>
+    </p:extLst>
+  </p:cSld>
+  <p:clrMapOvr>
+    <a:masterClrMapping/>
+  </p:clrMapOvr>
+</p:sld>
+</file>
+
+<file path=ppt/slides/slide15.xml><?xml version="1.0" encoding="utf-8"?>
+<p:sld xmlns:a="http://schemas.openxmlformats.org/drawingml/2006/main" xmlns:r="http://schemas.openxmlformats.org/officeDocument/2006/relationships" xmlns:p="http://schemas.openxmlformats.org/presentationml/2006/main">
+  <p:cSld>
+    <p:spTree>
+      <p:nvGrpSpPr>
+        <p:cNvPr id="1" name=""/>
+        <p:cNvGrpSpPr/>
+        <p:nvPr/>
+      </p:nvGrpSpPr>
+      <p:grpSpPr>
+        <a:xfrm>
+          <a:off x="0" y="0"/>
+          <a:ext cx="0" cy="0"/>
+          <a:chOff x="0" y="0"/>
+          <a:chExt cx="0" cy="0"/>
+        </a:xfrm>
+      </p:grpSpPr>
+      <p:sp>
+        <p:nvSpPr>
+          <p:cNvPr id="4" name="矩形 3"/>
+          <p:cNvSpPr/>
+          <p:nvPr/>
+        </p:nvSpPr>
+        <p:spPr>
+          <a:xfrm>
+            <a:off x="4059045" y="1650380"/>
+            <a:ext cx="2687444" cy="2297152"/>
+          </a:xfrm>
+          <a:prstGeom prst="rect">
+            <a:avLst/>
+          </a:prstGeom>
+          <a:solidFill>
+            <a:schemeClr val="accent3">
+              <a:lumMod val="20000"/>
+              <a:lumOff val="80000"/>
+            </a:schemeClr>
+          </a:solidFill>
+        </p:spPr>
+        <p:style>
+          <a:lnRef idx="2">
+            <a:schemeClr val="accent1">
+              <a:shade val="50000"/>
+            </a:schemeClr>
+          </a:lnRef>
+          <a:fillRef idx="1">
+            <a:schemeClr val="accent1"/>
+          </a:fillRef>
+          <a:effectRef idx="0">
+            <a:schemeClr val="accent1"/>
+          </a:effectRef>
+          <a:fontRef idx="minor">
+            <a:schemeClr val="lt1"/>
+          </a:fontRef>
+        </p:style>
+        <p:txBody>
+          <a:bodyPr rtlCol="0" anchor="ctr"/>
+          <a:lstStyle/>
+          <a:p>
+            <a:pPr algn="ctr"/>
+            <a:endParaRPr kumimoji="1" lang="zh-CN" altLang="en-US"/>
+          </a:p>
+        </p:txBody>
+      </p:sp>
+      <p:cxnSp>
+        <p:nvCxnSpPr>
+          <p:cNvPr id="6" name="直线箭头连接符 5"/>
+          <p:cNvCxnSpPr/>
+          <p:nvPr/>
+        </p:nvCxnSpPr>
+        <p:spPr>
+          <a:xfrm>
+            <a:off x="4772722" y="1126273"/>
+            <a:ext cx="0" cy="423747"/>
+          </a:xfrm>
+          <a:prstGeom prst="straightConnector1">
+            <a:avLst/>
+          </a:prstGeom>
+          <a:ln>
+            <a:tailEnd type="triangle"/>
+          </a:ln>
+        </p:spPr>
+        <p:style>
+          <a:lnRef idx="1">
+            <a:schemeClr val="accent1"/>
+          </a:lnRef>
+          <a:fillRef idx="0">
+            <a:schemeClr val="accent1"/>
+          </a:fillRef>
+          <a:effectRef idx="0">
+            <a:schemeClr val="accent1"/>
+          </a:effectRef>
+          <a:fontRef idx="minor">
+            <a:schemeClr val="tx1"/>
+          </a:fontRef>
+        </p:style>
+      </p:cxnSp>
+      <p:cxnSp>
+        <p:nvCxnSpPr>
+          <p:cNvPr id="7" name="直线箭头连接符 6"/>
+          <p:cNvCxnSpPr/>
+          <p:nvPr/>
+        </p:nvCxnSpPr>
+        <p:spPr>
+          <a:xfrm>
+            <a:off x="5081237" y="1126273"/>
+            <a:ext cx="0" cy="423747"/>
+          </a:xfrm>
+          <a:prstGeom prst="straightConnector1">
+            <a:avLst/>
+          </a:prstGeom>
+          <a:ln>
+            <a:tailEnd type="triangle"/>
+          </a:ln>
+        </p:spPr>
+        <p:style>
+          <a:lnRef idx="1">
+            <a:schemeClr val="accent1"/>
+          </a:lnRef>
+          <a:fillRef idx="0">
+            <a:schemeClr val="accent1"/>
+          </a:fillRef>
+          <a:effectRef idx="0">
+            <a:schemeClr val="accent1"/>
+          </a:effectRef>
+          <a:fontRef idx="minor">
+            <a:schemeClr val="tx1"/>
+          </a:fontRef>
+        </p:style>
+      </p:cxnSp>
+      <p:cxnSp>
+        <p:nvCxnSpPr>
+          <p:cNvPr id="8" name="直线箭头连接符 7"/>
+          <p:cNvCxnSpPr/>
+          <p:nvPr/>
+        </p:nvCxnSpPr>
+        <p:spPr>
+          <a:xfrm>
+            <a:off x="5382321" y="1122559"/>
+            <a:ext cx="0" cy="423747"/>
+          </a:xfrm>
+          <a:prstGeom prst="straightConnector1">
+            <a:avLst/>
+          </a:prstGeom>
+          <a:ln>
+            <a:tailEnd type="triangle"/>
+          </a:ln>
+        </p:spPr>
+        <p:style>
+          <a:lnRef idx="1">
+            <a:schemeClr val="accent1"/>
+          </a:lnRef>
+          <a:fillRef idx="0">
+            <a:schemeClr val="accent1"/>
+          </a:fillRef>
+          <a:effectRef idx="0">
+            <a:schemeClr val="accent1"/>
+          </a:effectRef>
+          <a:fontRef idx="minor">
+            <a:schemeClr val="tx1"/>
+          </a:fontRef>
+        </p:style>
+      </p:cxnSp>
+      <p:cxnSp>
+        <p:nvCxnSpPr>
+          <p:cNvPr id="9" name="直线箭头连接符 8"/>
+          <p:cNvCxnSpPr/>
+          <p:nvPr/>
+        </p:nvCxnSpPr>
+        <p:spPr>
+          <a:xfrm>
+            <a:off x="5661101" y="1122559"/>
+            <a:ext cx="0" cy="423747"/>
+          </a:xfrm>
+          <a:prstGeom prst="straightConnector1">
+            <a:avLst/>
+          </a:prstGeom>
+          <a:ln>
+            <a:tailEnd type="triangle"/>
+          </a:ln>
+        </p:spPr>
+        <p:style>
+          <a:lnRef idx="1">
+            <a:schemeClr val="accent1"/>
+          </a:lnRef>
+          <a:fillRef idx="0">
+            <a:schemeClr val="accent1"/>
+          </a:fillRef>
+          <a:effectRef idx="0">
+            <a:schemeClr val="accent1"/>
+          </a:effectRef>
+          <a:fontRef idx="minor">
+            <a:schemeClr val="tx1"/>
+          </a:fontRef>
+        </p:style>
+      </p:cxnSp>
+      <p:cxnSp>
+        <p:nvCxnSpPr>
+          <p:cNvPr id="10" name="直线箭头连接符 9"/>
+          <p:cNvCxnSpPr/>
+          <p:nvPr/>
+        </p:nvCxnSpPr>
+        <p:spPr>
+          <a:xfrm>
+            <a:off x="5939884" y="1115122"/>
+            <a:ext cx="0" cy="423747"/>
+          </a:xfrm>
+          <a:prstGeom prst="straightConnector1">
+            <a:avLst/>
+          </a:prstGeom>
+          <a:ln>
+            <a:tailEnd type="triangle"/>
+          </a:ln>
+        </p:spPr>
+        <p:style>
+          <a:lnRef idx="1">
+            <a:schemeClr val="accent1"/>
+          </a:lnRef>
+          <a:fillRef idx="0">
+            <a:schemeClr val="accent1"/>
+          </a:fillRef>
+          <a:effectRef idx="0">
+            <a:schemeClr val="accent1"/>
+          </a:effectRef>
+          <a:fontRef idx="minor">
+            <a:schemeClr val="tx1"/>
+          </a:fontRef>
+        </p:style>
+      </p:cxnSp>
+      <p:sp>
+        <p:nvSpPr>
+          <p:cNvPr id="11" name="文本框 10"/>
+          <p:cNvSpPr txBox="1"/>
+          <p:nvPr/>
+        </p:nvSpPr>
+        <p:spPr>
+          <a:xfrm>
+            <a:off x="5064463" y="755312"/>
+            <a:ext cx="596638" cy="307777"/>
+          </a:xfrm>
+          <a:prstGeom prst="rect">
+            <a:avLst/>
+          </a:prstGeom>
+          <a:noFill/>
+        </p:spPr>
+        <p:txBody>
+          <a:bodyPr wrap="none" rtlCol="0">
+            <a:spAutoFit/>
+          </a:bodyPr>
+          <a:lstStyle/>
+          <a:p>
+            <a:r>
+              <a:rPr kumimoji="1" lang="en-US" altLang="zh-CN" sz="1400" dirty="0" smtClean="0"/>
+              <a:t>client</a:t>
+            </a:r>
+            <a:endParaRPr kumimoji="1" lang="zh-CN" altLang="en-US" sz="1400" dirty="0"/>
+          </a:p>
+        </p:txBody>
+      </p:sp>
+      <p:sp>
+        <p:nvSpPr>
+          <p:cNvPr id="12" name="矩形 11"/>
+          <p:cNvSpPr/>
+          <p:nvPr/>
+        </p:nvSpPr>
+        <p:spPr>
+          <a:xfrm>
+            <a:off x="4281113" y="1795346"/>
+            <a:ext cx="2264653" cy="423747"/>
+          </a:xfrm>
+          <a:prstGeom prst="rect">
+            <a:avLst/>
+          </a:prstGeom>
+          <a:solidFill>
+            <a:schemeClr val="accent3"/>
+          </a:solidFill>
+        </p:spPr>
+        <p:style>
+          <a:lnRef idx="2">
+            <a:schemeClr val="accent1">
+              <a:shade val="50000"/>
+            </a:schemeClr>
+          </a:lnRef>
+          <a:fillRef idx="1">
+            <a:schemeClr val="accent1"/>
+          </a:fillRef>
+          <a:effectRef idx="0">
+            <a:schemeClr val="accent1"/>
+          </a:effectRef>
+          <a:fontRef idx="minor">
+            <a:schemeClr val="lt1"/>
+          </a:fontRef>
+        </p:style>
+        <p:txBody>
+          <a:bodyPr rtlCol="0" anchor="ctr"/>
+          <a:lstStyle/>
+          <a:p>
+            <a:pPr algn="ctr"/>
+            <a:endParaRPr kumimoji="1" lang="zh-CN" altLang="en-US"/>
+          </a:p>
+        </p:txBody>
+      </p:sp>
+      <p:sp>
+        <p:nvSpPr>
+          <p:cNvPr id="13" name="矩形 12"/>
+          <p:cNvSpPr/>
+          <p:nvPr/>
+        </p:nvSpPr>
+        <p:spPr>
+          <a:xfrm>
+            <a:off x="4281112" y="2497874"/>
+            <a:ext cx="681180" cy="557562"/>
+          </a:xfrm>
+          <a:prstGeom prst="rect">
+            <a:avLst/>
+          </a:prstGeom>
+          <a:solidFill>
+            <a:schemeClr val="accent3"/>
+          </a:solidFill>
+        </p:spPr>
+        <p:style>
+          <a:lnRef idx="2">
+            <a:schemeClr val="accent1">
+              <a:shade val="50000"/>
+            </a:schemeClr>
+          </a:lnRef>
+          <a:fillRef idx="1">
+            <a:schemeClr val="accent1"/>
+          </a:fillRef>
+          <a:effectRef idx="0">
+            <a:schemeClr val="accent1"/>
+          </a:effectRef>
+          <a:fontRef idx="minor">
+            <a:schemeClr val="lt1"/>
+          </a:fontRef>
+        </p:style>
+        <p:txBody>
+          <a:bodyPr rtlCol="0" anchor="ctr"/>
+          <a:lstStyle/>
+          <a:p>
+            <a:pPr algn="ctr"/>
+            <a:endParaRPr kumimoji="1" lang="zh-CN" altLang="en-US"/>
+          </a:p>
+        </p:txBody>
+      </p:sp>
+      <p:sp>
+        <p:nvSpPr>
+          <p:cNvPr id="14" name="矩形 13"/>
+          <p:cNvSpPr/>
+          <p:nvPr/>
+        </p:nvSpPr>
+        <p:spPr>
+          <a:xfrm>
+            <a:off x="5864586" y="2497874"/>
+            <a:ext cx="681180" cy="557562"/>
+          </a:xfrm>
+          <a:prstGeom prst="rect">
+            <a:avLst/>
+          </a:prstGeom>
+          <a:solidFill>
+            <a:schemeClr val="accent3"/>
+          </a:solidFill>
+        </p:spPr>
+        <p:style>
+          <a:lnRef idx="2">
+            <a:schemeClr val="accent1">
+              <a:shade val="50000"/>
+            </a:schemeClr>
+          </a:lnRef>
+          <a:fillRef idx="1">
+            <a:schemeClr val="accent1"/>
+          </a:fillRef>
+          <a:effectRef idx="0">
+            <a:schemeClr val="accent1"/>
+          </a:effectRef>
+          <a:fontRef idx="minor">
+            <a:schemeClr val="lt1"/>
+          </a:fontRef>
+        </p:style>
+        <p:txBody>
+          <a:bodyPr rtlCol="0" anchor="ctr"/>
+          <a:lstStyle/>
+          <a:p>
+            <a:pPr algn="ctr"/>
+            <a:endParaRPr kumimoji="1" lang="zh-CN" altLang="en-US"/>
+          </a:p>
+        </p:txBody>
+      </p:sp>
+      <p:sp>
+        <p:nvSpPr>
+          <p:cNvPr id="15" name="矩形 14"/>
+          <p:cNvSpPr/>
+          <p:nvPr/>
+        </p:nvSpPr>
+        <p:spPr>
+          <a:xfrm>
+            <a:off x="4281112" y="3339790"/>
+            <a:ext cx="2264653" cy="423747"/>
+          </a:xfrm>
+          <a:prstGeom prst="rect">
+            <a:avLst/>
+          </a:prstGeom>
+          <a:solidFill>
+            <a:schemeClr val="accent3"/>
+          </a:solidFill>
+        </p:spPr>
+        <p:style>
+          <a:lnRef idx="2">
+            <a:schemeClr val="accent1">
+              <a:shade val="50000"/>
+            </a:schemeClr>
+          </a:lnRef>
+          <a:fillRef idx="1">
+            <a:schemeClr val="accent1"/>
+          </a:fillRef>
+          <a:effectRef idx="0">
+            <a:schemeClr val="accent1"/>
+          </a:effectRef>
+          <a:fontRef idx="minor">
+            <a:schemeClr val="lt1"/>
+          </a:fontRef>
+        </p:style>
+        <p:txBody>
+          <a:bodyPr rtlCol="0" anchor="ctr"/>
+          <a:lstStyle/>
+          <a:p>
+            <a:pPr algn="ctr"/>
+            <a:endParaRPr kumimoji="1" lang="zh-CN" altLang="en-US"/>
+          </a:p>
+        </p:txBody>
+      </p:sp>
+      <p:sp>
+        <p:nvSpPr>
+          <p:cNvPr id="16" name="罐形 15"/>
+          <p:cNvSpPr/>
+          <p:nvPr/>
+        </p:nvSpPr>
+        <p:spPr>
+          <a:xfrm>
+            <a:off x="4124998" y="4070193"/>
+            <a:ext cx="257434" cy="367994"/>
+          </a:xfrm>
+          <a:prstGeom prst="can">
+            <a:avLst/>
+          </a:prstGeom>
+        </p:spPr>
+        <p:style>
+          <a:lnRef idx="2">
+            <a:schemeClr val="accent1">
+              <a:shade val="50000"/>
+            </a:schemeClr>
+          </a:lnRef>
+          <a:fillRef idx="1">
+            <a:schemeClr val="accent1"/>
+          </a:fillRef>
+          <a:effectRef idx="0">
+            <a:schemeClr val="accent1"/>
+          </a:effectRef>
+          <a:fontRef idx="minor">
+            <a:schemeClr val="lt1"/>
+          </a:fontRef>
+        </p:style>
+        <p:txBody>
+          <a:bodyPr rtlCol="0" anchor="ctr"/>
+          <a:lstStyle/>
+          <a:p>
+            <a:pPr algn="ctr"/>
+            <a:endParaRPr kumimoji="1" lang="zh-CN" altLang="en-US"/>
+          </a:p>
+        </p:txBody>
+      </p:sp>
+      <p:sp>
+        <p:nvSpPr>
+          <p:cNvPr id="17" name="罐形 16"/>
+          <p:cNvSpPr/>
+          <p:nvPr/>
+        </p:nvSpPr>
+        <p:spPr>
+          <a:xfrm>
+            <a:off x="4593349" y="4070193"/>
+            <a:ext cx="257434" cy="367994"/>
+          </a:xfrm>
+          <a:prstGeom prst="can">
+            <a:avLst/>
+          </a:prstGeom>
+        </p:spPr>
+        <p:style>
+          <a:lnRef idx="2">
+            <a:schemeClr val="accent1">
+              <a:shade val="50000"/>
+            </a:schemeClr>
+          </a:lnRef>
+          <a:fillRef idx="1">
+            <a:schemeClr val="accent1"/>
+          </a:fillRef>
+          <a:effectRef idx="0">
+            <a:schemeClr val="accent1"/>
+          </a:effectRef>
+          <a:fontRef idx="minor">
+            <a:schemeClr val="lt1"/>
+          </a:fontRef>
+        </p:style>
+        <p:txBody>
+          <a:bodyPr rtlCol="0" anchor="ctr"/>
+          <a:lstStyle/>
+          <a:p>
+            <a:pPr algn="ctr"/>
+            <a:endParaRPr kumimoji="1" lang="zh-CN" altLang="en-US"/>
+          </a:p>
+        </p:txBody>
+      </p:sp>
+      <p:sp>
+        <p:nvSpPr>
+          <p:cNvPr id="18" name="罐形 17"/>
+          <p:cNvSpPr/>
+          <p:nvPr/>
+        </p:nvSpPr>
+        <p:spPr>
+          <a:xfrm>
+            <a:off x="5061700" y="4070193"/>
+            <a:ext cx="257434" cy="367994"/>
+          </a:xfrm>
+          <a:prstGeom prst="can">
+            <a:avLst/>
+          </a:prstGeom>
+        </p:spPr>
+        <p:style>
+          <a:lnRef idx="2">
+            <a:schemeClr val="accent1">
+              <a:shade val="50000"/>
+            </a:schemeClr>
+          </a:lnRef>
+          <a:fillRef idx="1">
+            <a:schemeClr val="accent1"/>
+          </a:fillRef>
+          <a:effectRef idx="0">
+            <a:schemeClr val="accent1"/>
+          </a:effectRef>
+          <a:fontRef idx="minor">
+            <a:schemeClr val="lt1"/>
+          </a:fontRef>
+        </p:style>
+        <p:txBody>
+          <a:bodyPr rtlCol="0" anchor="ctr"/>
+          <a:lstStyle/>
+          <a:p>
+            <a:pPr algn="ctr"/>
+            <a:endParaRPr kumimoji="1" lang="zh-CN" altLang="en-US"/>
+          </a:p>
+        </p:txBody>
+      </p:sp>
+      <p:sp>
+        <p:nvSpPr>
+          <p:cNvPr id="19" name="罐形 18"/>
+          <p:cNvSpPr/>
+          <p:nvPr/>
+        </p:nvSpPr>
+        <p:spPr>
+          <a:xfrm>
+            <a:off x="5530051" y="4070193"/>
+            <a:ext cx="257434" cy="367994"/>
+          </a:xfrm>
+          <a:prstGeom prst="can">
+            <a:avLst/>
+          </a:prstGeom>
+        </p:spPr>
+        <p:style>
+          <a:lnRef idx="2">
+            <a:schemeClr val="accent1">
+              <a:shade val="50000"/>
+            </a:schemeClr>
+          </a:lnRef>
+          <a:fillRef idx="1">
+            <a:schemeClr val="accent1"/>
+          </a:fillRef>
+          <a:effectRef idx="0">
+            <a:schemeClr val="accent1"/>
+          </a:effectRef>
+          <a:fontRef idx="minor">
+            <a:schemeClr val="lt1"/>
+          </a:fontRef>
+        </p:style>
+        <p:txBody>
+          <a:bodyPr rtlCol="0" anchor="ctr"/>
+          <a:lstStyle/>
+          <a:p>
+            <a:pPr algn="ctr"/>
+            <a:endParaRPr kumimoji="1" lang="zh-CN" altLang="en-US"/>
+          </a:p>
+        </p:txBody>
+      </p:sp>
+      <p:sp>
+        <p:nvSpPr>
+          <p:cNvPr id="20" name="罐形 19"/>
+          <p:cNvSpPr/>
+          <p:nvPr/>
+        </p:nvSpPr>
+        <p:spPr>
+          <a:xfrm>
+            <a:off x="5998402" y="4055320"/>
+            <a:ext cx="257434" cy="367994"/>
+          </a:xfrm>
+          <a:prstGeom prst="can">
+            <a:avLst/>
+          </a:prstGeom>
+        </p:spPr>
+        <p:style>
+          <a:lnRef idx="2">
+            <a:schemeClr val="accent1">
+              <a:shade val="50000"/>
+            </a:schemeClr>
+          </a:lnRef>
+          <a:fillRef idx="1">
+            <a:schemeClr val="accent1"/>
+          </a:fillRef>
+          <a:effectRef idx="0">
+            <a:schemeClr val="accent1"/>
+          </a:effectRef>
+          <a:fontRef idx="minor">
+            <a:schemeClr val="lt1"/>
+          </a:fontRef>
+        </p:style>
+        <p:txBody>
+          <a:bodyPr rtlCol="0" anchor="ctr"/>
+          <a:lstStyle/>
+          <a:p>
+            <a:pPr algn="ctr"/>
+            <a:endParaRPr kumimoji="1" lang="zh-CN" altLang="en-US"/>
+          </a:p>
+        </p:txBody>
+      </p:sp>
+      <p:sp>
+        <p:nvSpPr>
+          <p:cNvPr id="21" name="罐形 20"/>
+          <p:cNvSpPr/>
+          <p:nvPr/>
+        </p:nvSpPr>
+        <p:spPr>
+          <a:xfrm>
+            <a:off x="6466753" y="4070193"/>
+            <a:ext cx="257434" cy="367994"/>
+          </a:xfrm>
+          <a:prstGeom prst="can">
+            <a:avLst/>
+          </a:prstGeom>
+        </p:spPr>
+        <p:style>
+          <a:lnRef idx="2">
+            <a:schemeClr val="accent1">
+              <a:shade val="50000"/>
+            </a:schemeClr>
+          </a:lnRef>
+          <a:fillRef idx="1">
+            <a:schemeClr val="accent1"/>
+          </a:fillRef>
+          <a:effectRef idx="0">
+            <a:schemeClr val="accent1"/>
+          </a:effectRef>
+          <a:fontRef idx="minor">
+            <a:schemeClr val="lt1"/>
+          </a:fontRef>
+        </p:style>
+        <p:txBody>
+          <a:bodyPr rtlCol="0" anchor="ctr"/>
+          <a:lstStyle/>
+          <a:p>
+            <a:pPr algn="ctr"/>
+            <a:endParaRPr kumimoji="1" lang="zh-CN" altLang="en-US"/>
+          </a:p>
+        </p:txBody>
+      </p:sp>
+      <p:sp>
+        <p:nvSpPr>
+          <p:cNvPr id="22" name="文本框 21"/>
+          <p:cNvSpPr txBox="1"/>
+          <p:nvPr/>
+        </p:nvSpPr>
+        <p:spPr>
+          <a:xfrm>
+            <a:off x="4930915" y="4576457"/>
+            <a:ext cx="902811" cy="307777"/>
+          </a:xfrm>
+          <a:prstGeom prst="rect">
+            <a:avLst/>
+          </a:prstGeom>
+          <a:noFill/>
+        </p:spPr>
+        <p:txBody>
+          <a:bodyPr wrap="none" rtlCol="0">
+            <a:spAutoFit/>
+          </a:bodyPr>
+          <a:lstStyle/>
+          <a:p>
+            <a:r>
+              <a:rPr kumimoji="1" lang="zh-CN" altLang="en-US" sz="1400" smtClean="0"/>
+              <a:t>存储引擎</a:t>
+            </a:r>
+            <a:endParaRPr kumimoji="1" lang="zh-CN" altLang="en-US" sz="1400" dirty="0"/>
+          </a:p>
+        </p:txBody>
+      </p:sp>
+      <p:sp>
+        <p:nvSpPr>
+          <p:cNvPr id="23" name="文本框 22"/>
+          <p:cNvSpPr txBox="1"/>
+          <p:nvPr/>
+        </p:nvSpPr>
+        <p:spPr>
+          <a:xfrm>
+            <a:off x="4820097" y="1853330"/>
+            <a:ext cx="1329210" cy="307777"/>
+          </a:xfrm>
+          <a:prstGeom prst="rect">
+            <a:avLst/>
+          </a:prstGeom>
+          <a:noFill/>
+        </p:spPr>
+        <p:txBody>
+          <a:bodyPr wrap="none" rtlCol="0">
+            <a:spAutoFit/>
+          </a:bodyPr>
+          <a:lstStyle/>
+          <a:p>
+            <a:r>
+              <a:rPr kumimoji="1" lang="zh-CN" altLang="en-US" sz="1400" dirty="0" smtClean="0"/>
+              <a:t>连接</a:t>
+            </a:r>
+            <a:r>
+              <a:rPr kumimoji="1" lang="en-US" altLang="zh-CN" sz="1400" dirty="0" smtClean="0"/>
+              <a:t>/</a:t>
+            </a:r>
+            <a:r>
+              <a:rPr kumimoji="1" lang="zh-CN" altLang="en-US" sz="1400" dirty="0" smtClean="0"/>
+              <a:t>线程处理</a:t>
+            </a:r>
+            <a:endParaRPr kumimoji="1" lang="zh-CN" altLang="en-US" sz="1400" dirty="0"/>
+          </a:p>
+        </p:txBody>
+      </p:sp>
+      <p:sp>
+        <p:nvSpPr>
+          <p:cNvPr id="24" name="文本框 23"/>
+          <p:cNvSpPr txBox="1"/>
+          <p:nvPr/>
+        </p:nvSpPr>
+        <p:spPr>
+          <a:xfrm>
+            <a:off x="4349833" y="2531327"/>
+            <a:ext cx="543739" cy="523220"/>
+          </a:xfrm>
+          <a:prstGeom prst="rect">
+            <a:avLst/>
+          </a:prstGeom>
+          <a:noFill/>
+        </p:spPr>
+        <p:txBody>
+          <a:bodyPr wrap="none" rtlCol="0">
+            <a:spAutoFit/>
+          </a:bodyPr>
+          <a:lstStyle/>
+          <a:p>
+            <a:r>
+              <a:rPr kumimoji="1" lang="zh-CN" altLang="en-US" sz="1400" dirty="0" smtClean="0"/>
+              <a:t>查询</a:t>
+            </a:r>
+            <a:endParaRPr kumimoji="1" lang="en-US" altLang="zh-CN" sz="1400" dirty="0" smtClean="0"/>
+          </a:p>
+          <a:p>
+            <a:r>
+              <a:rPr kumimoji="1" lang="zh-CN" altLang="en-US" sz="1400" dirty="0" smtClean="0"/>
+              <a:t>缓存</a:t>
+            </a:r>
+            <a:endParaRPr kumimoji="1" lang="zh-CN" altLang="en-US" sz="1400" dirty="0"/>
+          </a:p>
+        </p:txBody>
+      </p:sp>
+      <p:sp>
+        <p:nvSpPr>
+          <p:cNvPr id="25" name="文本框 24"/>
+          <p:cNvSpPr txBox="1"/>
+          <p:nvPr/>
+        </p:nvSpPr>
+        <p:spPr>
+          <a:xfrm>
+            <a:off x="5862253" y="2645067"/>
+            <a:ext cx="723275" cy="307777"/>
+          </a:xfrm>
+          <a:prstGeom prst="rect">
+            <a:avLst/>
+          </a:prstGeom>
+          <a:noFill/>
+        </p:spPr>
+        <p:txBody>
+          <a:bodyPr wrap="none" rtlCol="0">
+            <a:spAutoFit/>
+          </a:bodyPr>
+          <a:lstStyle/>
+          <a:p>
+            <a:r>
+              <a:rPr kumimoji="1" lang="zh-CN" altLang="en-US" sz="1400" smtClean="0"/>
+              <a:t>解析器</a:t>
+            </a:r>
+            <a:endParaRPr kumimoji="1" lang="zh-CN" altLang="en-US" sz="1400" dirty="0"/>
+          </a:p>
+        </p:txBody>
+      </p:sp>
+      <p:sp>
+        <p:nvSpPr>
+          <p:cNvPr id="26" name="文本框 25"/>
+          <p:cNvSpPr txBox="1"/>
+          <p:nvPr/>
+        </p:nvSpPr>
+        <p:spPr>
+          <a:xfrm>
+            <a:off x="5055215" y="3418400"/>
+            <a:ext cx="723275" cy="307777"/>
+          </a:xfrm>
+          <a:prstGeom prst="rect">
+            <a:avLst/>
+          </a:prstGeom>
+          <a:noFill/>
+        </p:spPr>
+        <p:txBody>
+          <a:bodyPr wrap="none" rtlCol="0">
+            <a:spAutoFit/>
+          </a:bodyPr>
+          <a:lstStyle/>
+          <a:p>
+            <a:r>
+              <a:rPr kumimoji="1" lang="zh-CN" altLang="en-US" sz="1400" smtClean="0"/>
+              <a:t>优化器</a:t>
+            </a:r>
+            <a:endParaRPr kumimoji="1" lang="zh-CN" altLang="en-US" sz="1400" dirty="0"/>
+          </a:p>
+        </p:txBody>
+      </p:sp>
+      <p:cxnSp>
+        <p:nvCxnSpPr>
+          <p:cNvPr id="27" name="直线箭头连接符 26"/>
+          <p:cNvCxnSpPr/>
+          <p:nvPr/>
+        </p:nvCxnSpPr>
+        <p:spPr>
+          <a:xfrm flipH="1">
+            <a:off x="4621702" y="2221320"/>
+            <a:ext cx="3718" cy="275665"/>
+          </a:xfrm>
+          <a:prstGeom prst="straightConnector1">
+            <a:avLst/>
+          </a:prstGeom>
+          <a:ln>
+            <a:tailEnd type="triangle"/>
+          </a:ln>
+        </p:spPr>
+        <p:style>
+          <a:lnRef idx="1">
+            <a:schemeClr val="accent1"/>
+          </a:lnRef>
+          <a:fillRef idx="0">
+            <a:schemeClr val="accent1"/>
+          </a:fillRef>
+          <a:effectRef idx="0">
+            <a:schemeClr val="accent1"/>
+          </a:effectRef>
+          <a:fontRef idx="minor">
+            <a:schemeClr val="tx1"/>
+          </a:fontRef>
+        </p:style>
+      </p:cxnSp>
+      <p:cxnSp>
+        <p:nvCxnSpPr>
+          <p:cNvPr id="30" name="直线箭头连接符 29"/>
+          <p:cNvCxnSpPr/>
+          <p:nvPr/>
+        </p:nvCxnSpPr>
+        <p:spPr>
+          <a:xfrm flipH="1">
+            <a:off x="6217145" y="2228453"/>
+            <a:ext cx="3718" cy="275665"/>
+          </a:xfrm>
+          <a:prstGeom prst="straightConnector1">
+            <a:avLst/>
+          </a:prstGeom>
+          <a:ln>
+            <a:tailEnd type="triangle"/>
+          </a:ln>
+        </p:spPr>
+        <p:style>
+          <a:lnRef idx="1">
+            <a:schemeClr val="accent1"/>
+          </a:lnRef>
+          <a:fillRef idx="0">
+            <a:schemeClr val="accent1"/>
+          </a:fillRef>
+          <a:effectRef idx="0">
+            <a:schemeClr val="accent1"/>
+          </a:effectRef>
+          <a:fontRef idx="minor">
+            <a:schemeClr val="tx1"/>
+          </a:fontRef>
+        </p:style>
+      </p:cxnSp>
+      <p:cxnSp>
+        <p:nvCxnSpPr>
+          <p:cNvPr id="31" name="直线箭头连接符 30"/>
+          <p:cNvCxnSpPr/>
+          <p:nvPr/>
+        </p:nvCxnSpPr>
+        <p:spPr>
+          <a:xfrm flipH="1">
+            <a:off x="6223890" y="3059780"/>
+            <a:ext cx="3718" cy="275665"/>
+          </a:xfrm>
+          <a:prstGeom prst="straightConnector1">
+            <a:avLst/>
+          </a:prstGeom>
+          <a:ln>
+            <a:tailEnd type="triangle"/>
+          </a:ln>
+        </p:spPr>
+        <p:style>
+          <a:lnRef idx="1">
+            <a:schemeClr val="accent1"/>
+          </a:lnRef>
+          <a:fillRef idx="0">
+            <a:schemeClr val="accent1"/>
+          </a:fillRef>
+          <a:effectRef idx="0">
+            <a:schemeClr val="accent1"/>
+          </a:effectRef>
+          <a:fontRef idx="minor">
+            <a:schemeClr val="tx1"/>
+          </a:fontRef>
+        </p:style>
+      </p:cxnSp>
+      <p:cxnSp>
+        <p:nvCxnSpPr>
+          <p:cNvPr id="33" name="直线箭头连接符 32"/>
+          <p:cNvCxnSpPr>
+            <a:endCxn id="13" idx="3"/>
+          </p:cNvCxnSpPr>
+          <p:nvPr/>
+        </p:nvCxnSpPr>
+        <p:spPr>
+          <a:xfrm flipH="1">
+            <a:off x="4962292" y="2776655"/>
+            <a:ext cx="871435" cy="0"/>
+          </a:xfrm>
+          <a:prstGeom prst="straightConnector1">
+            <a:avLst/>
+          </a:prstGeom>
+          <a:ln>
+            <a:tailEnd type="triangle"/>
+          </a:ln>
+        </p:spPr>
+        <p:style>
+          <a:lnRef idx="1">
+            <a:schemeClr val="accent1"/>
+          </a:lnRef>
+          <a:fillRef idx="0">
+            <a:schemeClr val="accent1"/>
+          </a:fillRef>
+          <a:effectRef idx="0">
+            <a:schemeClr val="accent1"/>
+          </a:effectRef>
+          <a:fontRef idx="minor">
+            <a:schemeClr val="tx1"/>
+          </a:fontRef>
+        </p:style>
+      </p:cxnSp>
+      <p:sp>
+        <p:nvSpPr>
+          <p:cNvPr id="38" name="文本框 37"/>
+          <p:cNvSpPr txBox="1"/>
+          <p:nvPr/>
+        </p:nvSpPr>
+        <p:spPr>
+          <a:xfrm>
+            <a:off x="646770" y="278780"/>
+            <a:ext cx="1035861" cy="276999"/>
+          </a:xfrm>
+          <a:prstGeom prst="rect">
+            <a:avLst/>
+          </a:prstGeom>
+          <a:noFill/>
+        </p:spPr>
+        <p:txBody>
+          <a:bodyPr wrap="none" rtlCol="0">
+            <a:spAutoFit/>
+          </a:bodyPr>
+          <a:lstStyle/>
+          <a:p>
+            <a:r>
+              <a:rPr kumimoji="1" lang="en-US" altLang="zh-CN" sz="1200" dirty="0" err="1" smtClean="0"/>
+              <a:t>Mysql</a:t>
+            </a:r>
+            <a:r>
+              <a:rPr kumimoji="1" lang="zh-CN" altLang="en-US" sz="1200" dirty="0" smtClean="0"/>
+              <a:t>架构图</a:t>
+            </a:r>
+            <a:endParaRPr kumimoji="1" lang="zh-CN" altLang="en-US" sz="1200" dirty="0"/>
+          </a:p>
+        </p:txBody>
+      </p:sp>
+      <p:sp>
+        <p:nvSpPr>
+          <p:cNvPr id="39" name="文本框 38"/>
+          <p:cNvSpPr txBox="1"/>
+          <p:nvPr/>
+        </p:nvSpPr>
+        <p:spPr>
+          <a:xfrm>
+            <a:off x="6990859" y="3957186"/>
+            <a:ext cx="755335" cy="307777"/>
+          </a:xfrm>
+          <a:prstGeom prst="rect">
+            <a:avLst/>
+          </a:prstGeom>
+          <a:noFill/>
+        </p:spPr>
+        <p:txBody>
+          <a:bodyPr wrap="none" rtlCol="0">
+            <a:spAutoFit/>
+          </a:bodyPr>
+          <a:lstStyle/>
+          <a:p>
+            <a:r>
+              <a:rPr kumimoji="1" lang="en-US" altLang="zh-CN" sz="1400" dirty="0" err="1" smtClean="0"/>
+              <a:t>InnoDB</a:t>
+            </a:r>
+            <a:endParaRPr kumimoji="1" lang="zh-CN" altLang="en-US" sz="1400" dirty="0"/>
+          </a:p>
+        </p:txBody>
+      </p:sp>
+      <p:sp>
+        <p:nvSpPr>
+          <p:cNvPr id="40" name="文本框 39"/>
+          <p:cNvSpPr txBox="1"/>
+          <p:nvPr/>
+        </p:nvSpPr>
+        <p:spPr>
+          <a:xfrm>
+            <a:off x="6990859" y="4239317"/>
+            <a:ext cx="830677" cy="307777"/>
+          </a:xfrm>
+          <a:prstGeom prst="rect">
+            <a:avLst/>
+          </a:prstGeom>
+          <a:noFill/>
+        </p:spPr>
+        <p:txBody>
+          <a:bodyPr wrap="none" rtlCol="0">
+            <a:spAutoFit/>
+          </a:bodyPr>
+          <a:lstStyle/>
+          <a:p>
+            <a:r>
+              <a:rPr kumimoji="1" lang="en-US" altLang="zh-CN" sz="1400" dirty="0" err="1" smtClean="0"/>
+              <a:t>MyISAM</a:t>
+            </a:r>
+            <a:endParaRPr kumimoji="1" lang="zh-CN" altLang="en-US" sz="1400" dirty="0"/>
+          </a:p>
+        </p:txBody>
+      </p:sp>
+      <p:cxnSp>
+        <p:nvCxnSpPr>
+          <p:cNvPr id="42" name="直线箭头连接符 41"/>
+          <p:cNvCxnSpPr/>
+          <p:nvPr/>
+        </p:nvCxnSpPr>
+        <p:spPr>
+          <a:xfrm flipV="1">
+            <a:off x="6824547" y="4144527"/>
+            <a:ext cx="200722" cy="128243"/>
+          </a:xfrm>
+          <a:prstGeom prst="straightConnector1">
+            <a:avLst/>
+          </a:prstGeom>
+          <a:ln>
+            <a:tailEnd type="triangle"/>
+          </a:ln>
+        </p:spPr>
+        <p:style>
+          <a:lnRef idx="1">
+            <a:schemeClr val="accent1"/>
+          </a:lnRef>
+          <a:fillRef idx="0">
+            <a:schemeClr val="accent1"/>
+          </a:fillRef>
+          <a:effectRef idx="0">
+            <a:schemeClr val="accent1"/>
+          </a:effectRef>
+          <a:fontRef idx="minor">
+            <a:schemeClr val="tx1"/>
+          </a:fontRef>
+        </p:style>
+      </p:cxnSp>
+      <p:cxnSp>
+        <p:nvCxnSpPr>
+          <p:cNvPr id="45" name="直线箭头连接符 44"/>
+          <p:cNvCxnSpPr>
+            <a:endCxn id="40" idx="1"/>
+          </p:cNvCxnSpPr>
+          <p:nvPr/>
+        </p:nvCxnSpPr>
+        <p:spPr>
+          <a:xfrm>
+            <a:off x="6824547" y="4272770"/>
+            <a:ext cx="166312" cy="120436"/>
+          </a:xfrm>
+          <a:prstGeom prst="straightConnector1">
+            <a:avLst/>
+          </a:prstGeom>
+          <a:ln>
+            <a:tailEnd type="triangle"/>
+          </a:ln>
+        </p:spPr>
+        <p:style>
+          <a:lnRef idx="1">
+            <a:schemeClr val="accent1"/>
+          </a:lnRef>
+          <a:fillRef idx="0">
+            <a:schemeClr val="accent1"/>
+          </a:fillRef>
+          <a:effectRef idx="0">
+            <a:schemeClr val="accent1"/>
+          </a:effectRef>
+          <a:fontRef idx="minor">
+            <a:schemeClr val="tx1"/>
+          </a:fontRef>
+        </p:style>
+      </p:cxnSp>
+    </p:spTree>
+    <p:extLst>
+      <p:ext uri="{BB962C8B-B14F-4D97-AF65-F5344CB8AC3E}">
+        <p14:creationId xmlns:p14="http://schemas.microsoft.com/office/powerpoint/2010/main" val="54221713"/>
       </p:ext>
     </p:extLst>
   </p:cSld>
@@ -10604,15 +11751,7 @@
             </a:r>
             <a:r>
               <a:rPr kumimoji="1" lang="zh-CN" altLang="en-US" sz="1100" b="1" dirty="0" smtClean="0"/>
-              <a:t>老</a:t>
-            </a:r>
-            <a:r>
-              <a:rPr kumimoji="1" lang="zh-CN" altLang="en-US" sz="1100" b="1" dirty="0" smtClean="0"/>
-              <a:t>年代</a:t>
-            </a:r>
-            <a:r>
-              <a:rPr kumimoji="1" lang="zh-CN" altLang="en-US" sz="1100" b="1" dirty="0" smtClean="0"/>
-              <a:t>采用</a:t>
+              <a:t>老年代采用</a:t>
             </a:r>
             <a:r>
               <a:rPr kumimoji="1" lang="en-US" altLang="zh-CN" sz="1100" b="1" dirty="0" smtClean="0"/>
@@ -10624,38 +11763,14 @@
             </a:r>
             <a:r>
               <a:rPr kumimoji="1" lang="zh-CN" altLang="en-US" sz="1100" dirty="0" smtClean="0"/>
-              <a:t>：</a:t>
-            </a:r>
+              <a:t>：当空间占用到达某个值之后就会触</a:t>
+            </a:r>
+            <a:endParaRPr kumimoji="1" lang="en-US" altLang="zh-CN" sz="1100" dirty="0" smtClean="0"/>
+          </a:p>
+          <a:p>
             <a:r>
               <a:rPr kumimoji="1" lang="zh-CN" altLang="en-US" sz="1100" dirty="0" smtClean="0"/>
-              <a:t>当空间占用到达某个值之后就会</a:t>
-            </a:r>
-            <a:r>
-              <a:rPr kumimoji="1" lang="zh-CN" altLang="en-US" sz="1100" dirty="0" smtClean="0"/>
-              <a:t>触</a:t>
-            </a:r>
-            <a:endParaRPr kumimoji="1" lang="en-US" altLang="zh-CN" sz="1100" dirty="0" smtClean="0"/>
-          </a:p>
-          <a:p>
-            <a:r>
-              <a:rPr kumimoji="1" lang="zh-CN" altLang="en-US" sz="1100" dirty="0" smtClean="0"/>
-              <a:t>发</a:t>
-            </a:r>
-            <a:r>
-              <a:rPr kumimoji="1" lang="zh-CN" altLang="en-US" sz="1100" dirty="0" smtClean="0"/>
-              <a:t>全局</a:t>
-            </a:r>
-            <a:r>
-              <a:rPr kumimoji="1" lang="zh-CN" altLang="en-US" sz="1100" dirty="0" smtClean="0"/>
-              <a:t>垃圾回收</a:t>
-            </a:r>
-            <a:r>
-              <a:rPr kumimoji="1" lang="zh-CN" altLang="en-US" sz="1100" dirty="0" smtClean="0"/>
-              <a:t>，一般使用标记整理的算法</a:t>
-            </a:r>
-            <a:r>
-              <a:rPr kumimoji="1" lang="zh-CN" altLang="en-US" sz="1100" dirty="0" smtClean="0"/>
-              <a:t>。</a:t>
+              <a:t>发全局垃圾回收，一般使用标记整理的算法。</a:t>
             </a:r>
             <a:endParaRPr kumimoji="1" lang="en-US" altLang="zh-CN" sz="1100" dirty="0" smtClean="0"/>
           </a:p>
@@ -11475,11 +12590,7 @@
             </a:r>
             <a:r>
               <a:rPr kumimoji="1" lang="en-US" altLang="zh-CN" sz="1000" dirty="0" smtClean="0"/>
-              <a:t>A</a:t>
-            </a:r>
-            <a:r>
-              <a:rPr kumimoji="1" lang="en-US" altLang="zh-CN" sz="1000" dirty="0" smtClean="0"/>
-              <a:t>.</a:t>
+              <a:t>A.</a:t>
             </a:r>
             <a:r>
               <a:rPr kumimoji="1" lang="zh-CN" altLang="en-US" sz="1000" dirty="0" smtClean="0"/>
@@ -11494,11 +12605,7 @@
             </a:r>
             <a:r>
               <a:rPr kumimoji="1" lang="en-US" altLang="zh-CN" sz="1000" dirty="0" smtClean="0"/>
-              <a:t>B</a:t>
-            </a:r>
-            <a:r>
-              <a:rPr kumimoji="1" lang="en-US" altLang="zh-CN" sz="1000" dirty="0" smtClean="0"/>
-              <a:t>.</a:t>
+              <a:t>B.</a:t>
             </a:r>
             <a:r>
               <a:rPr kumimoji="1" lang="zh-CN" altLang="en-US" sz="1000" dirty="0" smtClean="0"/>
@@ -12340,11 +13447,7 @@
             </a:r>
             <a:r>
               <a:rPr kumimoji="1" lang="zh-CN" altLang="en-US" sz="1000" dirty="0" smtClean="0"/>
-              <a:t>、偏向时间</a:t>
-            </a:r>
-            <a:r>
-              <a:rPr kumimoji="1" lang="zh-CN" altLang="en-US" sz="1000" dirty="0" smtClean="0"/>
-              <a:t>戳</a:t>
+              <a:t>、偏向时间戳</a:t>
             </a:r>
             <a:endParaRPr kumimoji="1" lang="en-US" altLang="zh-CN" sz="1000" dirty="0" smtClean="0"/>
           </a:p>
@@ -13375,7 +14478,6 @@
               <a:rPr kumimoji="1" lang="en-US" altLang="zh-CN" sz="1200" dirty="0" smtClean="0"/>
               <a:t>n</a:t>
             </a:r>
-            <a:endParaRPr kumimoji="1" lang="en-US" altLang="zh-CN" sz="1200" dirty="0" smtClean="0"/>
           </a:p>
           <a:p>
             <a:r>
@@ -14861,7 +15963,7 @@
         <p:spPr>
           <a:xfrm>
             <a:off x="446049" y="323386"/>
-            <a:ext cx="1366080" cy="307777"/>
+            <a:ext cx="2802370" cy="307777"/>
           </a:xfrm>
           <a:prstGeom prst="rect">
             <a:avLst/>
@@ -14875,12 +15977,141 @@
           <a:lstStyle/>
           <a:p>
             <a:r>
+              <a:rPr kumimoji="1" lang="zh-CN" altLang="en-US" sz="1400" dirty="0" smtClean="0"/>
+              <a:t>处理器内存</a:t>
+            </a:r>
+            <a:r>
+              <a:rPr kumimoji="1" lang="zh-CN" altLang="en-US" sz="1400" dirty="0" smtClean="0"/>
+              <a:t>模型：</a:t>
+            </a:r>
+            <a:r>
               <a:rPr kumimoji="1" lang="en-US" altLang="zh-CN" sz="1400" dirty="0" err="1" smtClean="0"/>
               <a:t>cpu</a:t>
             </a:r>
             <a:r>
               <a:rPr kumimoji="1" lang="zh-CN" altLang="en-US" sz="1400" dirty="0" smtClean="0"/>
               <a:t>、主存关系</a:t>
+            </a:r>
+            <a:endParaRPr kumimoji="1" lang="zh-CN" altLang="en-US" sz="1400" dirty="0"/>
+          </a:p>
+        </p:txBody>
+      </p:sp>
+      <p:sp>
+        <p:nvSpPr>
+          <p:cNvPr id="27" name="文本框 26"/>
+          <p:cNvSpPr txBox="1"/>
+          <p:nvPr/>
+        </p:nvSpPr>
+        <p:spPr>
+          <a:xfrm>
+            <a:off x="353428" y="5262150"/>
+            <a:ext cx="11990783" cy="523220"/>
+          </a:xfrm>
+          <a:prstGeom prst="rect">
+            <a:avLst/>
+          </a:prstGeom>
+          <a:noFill/>
+        </p:spPr>
+        <p:txBody>
+          <a:bodyPr wrap="none" rtlCol="0">
+            <a:spAutoFit/>
+          </a:bodyPr>
+          <a:lstStyle/>
+          <a:p>
+            <a:r>
+              <a:rPr kumimoji="1" lang="zh-CN" altLang="en-US" sz="1400" dirty="0" smtClean="0"/>
+              <a:t>处理器内存</a:t>
+            </a:r>
+            <a:r>
+              <a:rPr kumimoji="1" lang="zh-CN" altLang="en-US" sz="1400" dirty="0" smtClean="0"/>
+              <a:t>模型</a:t>
+            </a:r>
+            <a:r>
+              <a:rPr kumimoji="1" lang="zh-CN" altLang="en-US" sz="1400" dirty="0" smtClean="0"/>
+              <a:t>：使用</a:t>
+            </a:r>
+            <a:r>
+              <a:rPr kumimoji="1" lang="zh-CN" altLang="en-US" sz="1400" b="1" dirty="0" smtClean="0">
+                <a:solidFill>
+                  <a:srgbClr val="FF0000"/>
+                </a:solidFill>
+              </a:rPr>
+              <a:t>缓存锁定</a:t>
+            </a:r>
+            <a:r>
+              <a:rPr kumimoji="1" lang="zh-CN" altLang="en-US" sz="1400" dirty="0" smtClean="0"/>
+              <a:t>来保证原子性。内存数据被缓存到</a:t>
+            </a:r>
+            <a:r>
+              <a:rPr kumimoji="1" lang="en-US" altLang="zh-CN" sz="1400" dirty="0" err="1" smtClean="0"/>
+              <a:t>cpu</a:t>
+            </a:r>
+            <a:r>
+              <a:rPr kumimoji="1" lang="zh-CN" altLang="en-US" sz="1400" dirty="0" smtClean="0"/>
+              <a:t> </a:t>
+            </a:r>
+            <a:r>
+              <a:rPr kumimoji="1" lang="en-US" altLang="zh-CN" sz="1400" dirty="0" smtClean="0"/>
+              <a:t>cache</a:t>
+            </a:r>
+            <a:r>
+              <a:rPr kumimoji="1" lang="zh-CN" altLang="en-US" sz="1400" dirty="0" smtClean="0"/>
+              <a:t>中，当它回写内存时，处理器修改内部的地址，使其原来的地址失效。</a:t>
+            </a:r>
+            <a:endParaRPr kumimoji="1" lang="en-US" altLang="zh-CN" sz="1400" dirty="0" smtClean="0"/>
+          </a:p>
+          <a:p>
+            <a:r>
+              <a:rPr kumimoji="1" lang="zh-CN" altLang="en-US" sz="1400" dirty="0" smtClean="0"/>
+              <a:t>以及使用</a:t>
+            </a:r>
+            <a:r>
+              <a:rPr kumimoji="1" lang="zh-CN" altLang="en-US" sz="1400" b="1" dirty="0" smtClean="0">
+                <a:solidFill>
+                  <a:srgbClr val="FF0000"/>
+                </a:solidFill>
+              </a:rPr>
+              <a:t>缓存一致性</a:t>
+            </a:r>
+            <a:r>
+              <a:rPr kumimoji="1" lang="zh-CN" altLang="en-US" sz="1400" dirty="0" smtClean="0"/>
+              <a:t>保证修改</a:t>
+            </a:r>
+            <a:r>
+              <a:rPr kumimoji="1" lang="en-US" altLang="zh-CN" sz="1400" dirty="0" err="1" smtClean="0"/>
+              <a:t>cpu</a:t>
+            </a:r>
+            <a:r>
+              <a:rPr kumimoji="1" lang="zh-CN" altLang="en-US" sz="1400" dirty="0" smtClean="0"/>
+              <a:t> </a:t>
+            </a:r>
+            <a:r>
+              <a:rPr kumimoji="1" lang="en-US" altLang="zh-CN" sz="1400" dirty="0" smtClean="0"/>
+              <a:t>cache</a:t>
+            </a:r>
+            <a:r>
+              <a:rPr kumimoji="1" lang="zh-CN" altLang="en-US" sz="1400" dirty="0" smtClean="0"/>
+              <a:t>的原子性：两个</a:t>
+            </a:r>
+            <a:r>
+              <a:rPr kumimoji="1" lang="zh-CN" altLang="en-US" sz="1400" dirty="0" smtClean="0"/>
+              <a:t>以上的</a:t>
+            </a:r>
+            <a:r>
+              <a:rPr kumimoji="1" lang="en-US" altLang="zh-CN" sz="1400" dirty="0" err="1" smtClean="0"/>
+              <a:t>cpu</a:t>
+            </a:r>
+            <a:r>
+              <a:rPr kumimoji="1" lang="zh-CN" altLang="en-US" sz="1400" dirty="0" smtClean="0"/>
+              <a:t> </a:t>
+            </a:r>
+            <a:r>
+              <a:rPr kumimoji="1" lang="en-US" altLang="zh-CN" sz="1400" dirty="0" smtClean="0"/>
+              <a:t>cache</a:t>
+            </a:r>
+            <a:r>
+              <a:rPr kumimoji="1" lang="zh-CN" altLang="en-US" sz="1400" dirty="0" smtClean="0"/>
+              <a:t>的缓存数据不能同时修改</a:t>
             </a:r>
             <a:endParaRPr kumimoji="1" lang="zh-CN" altLang="en-US" sz="1400" dirty="0"/>
           </a:p>
@@ -15250,7 +16481,6 @@
               <a:rPr kumimoji="1" lang="zh-CN" altLang="en-US" sz="1400" dirty="0"/>
               <a:t>工作内存</a:t>
             </a:r>
-            <a:endParaRPr kumimoji="1" lang="zh-CN" altLang="en-US" sz="1400" dirty="0"/>
           </a:p>
         </p:txBody>
       </p:sp>
@@ -15297,7 +16527,6 @@
               <a:rPr kumimoji="1" lang="zh-CN" altLang="en-US" sz="1400" dirty="0"/>
               <a:t>工作内存</a:t>
             </a:r>
-            <a:endParaRPr kumimoji="1" lang="zh-CN" altLang="en-US" sz="1400" dirty="0"/>
           </a:p>
         </p:txBody>
       </p:sp>
@@ -15344,7 +16573,6 @@
               <a:rPr kumimoji="1" lang="zh-CN" altLang="en-US" sz="1400" dirty="0"/>
               <a:t>工作内存</a:t>
             </a:r>
-            <a:endParaRPr kumimoji="1" lang="zh-CN" altLang="en-US" sz="1400" dirty="0"/>
           </a:p>
         </p:txBody>
       </p:sp>
@@ -15786,9 +17014,13 @@
             </a:r>
             <a:r>
               <a:rPr kumimoji="1" lang="zh-CN" altLang="en-US" sz="1400" dirty="0" smtClean="0"/>
-              <a:t>内存的内存模型</a:t>
-            </a:r>
-            <a:endParaRPr kumimoji="1" lang="zh-CN" altLang="en-US" sz="1400" dirty="0"/>
+              <a:t>内存的</a:t>
+            </a:r>
+            <a:r>
+              <a:rPr kumimoji="1" lang="zh-CN" altLang="en-US" sz="1400" b="1" dirty="0" smtClean="0"/>
+              <a:t>内存模型</a:t>
+            </a:r>
+            <a:endParaRPr kumimoji="1" lang="zh-CN" altLang="en-US" sz="1400" b="1" dirty="0"/>
           </a:p>
         </p:txBody>
       </p:sp>
@@ -15960,6 +17192,175 @@
           </a:p>
         </p:txBody>
       </p:sp>
+      <p:sp>
+        <p:nvSpPr>
+          <p:cNvPr id="2" name="文本框 1"/>
+          <p:cNvSpPr txBox="1"/>
+          <p:nvPr/>
+        </p:nvSpPr>
+        <p:spPr>
+          <a:xfrm>
+            <a:off x="5140455" y="47621"/>
+            <a:ext cx="4163319" cy="461665"/>
+          </a:xfrm>
+          <a:prstGeom prst="rect">
+            <a:avLst/>
+          </a:prstGeom>
+          <a:noFill/>
+        </p:spPr>
+        <p:txBody>
+          <a:bodyPr wrap="none" rtlCol="0">
+            <a:spAutoFit/>
+          </a:bodyPr>
+          <a:lstStyle/>
+          <a:p>
+            <a:r>
+              <a:rPr kumimoji="1" lang="zh-CN" altLang="en-US" sz="1200" dirty="0" smtClean="0"/>
+              <a:t>内存交互操作：</a:t>
+            </a:r>
+            <a:endParaRPr kumimoji="1" lang="en-US" altLang="zh-CN" sz="1200" dirty="0" smtClean="0"/>
+          </a:p>
+          <a:p>
+            <a:r>
+              <a:rPr kumimoji="1" lang="zh-CN" altLang="en-US" sz="1200" dirty="0"/>
+              <a:t> </a:t>
+            </a:r>
+            <a:r>
+              <a:rPr kumimoji="1" lang="zh-CN" altLang="en-US" sz="1200" dirty="0" smtClean="0"/>
+              <a:t>       </a:t>
+            </a:r>
+            <a:r>
+              <a:rPr kumimoji="1" lang="en-US" altLang="zh-CN" sz="1200" dirty="0" smtClean="0"/>
+              <a:t>lock</a:t>
+            </a:r>
+            <a:r>
+              <a:rPr kumimoji="1" lang="zh-CN" altLang="en-US" sz="1200" dirty="0" smtClean="0"/>
+              <a:t>、</a:t>
+            </a:r>
+            <a:r>
+              <a:rPr kumimoji="1" lang="en-US" altLang="zh-CN" sz="1200" dirty="0" smtClean="0"/>
+              <a:t>unlock</a:t>
+            </a:r>
+            <a:r>
+              <a:rPr kumimoji="1" lang="zh-CN" altLang="en-US" sz="1200" dirty="0" smtClean="0"/>
+              <a:t>、</a:t>
+            </a:r>
+            <a:r>
+              <a:rPr kumimoji="1" lang="en-US" altLang="zh-CN" sz="1200" dirty="0" smtClean="0"/>
+              <a:t>read</a:t>
+            </a:r>
+            <a:r>
+              <a:rPr kumimoji="1" lang="zh-CN" altLang="en-US" sz="1200" dirty="0" smtClean="0"/>
+              <a:t>、</a:t>
+            </a:r>
+            <a:r>
+              <a:rPr kumimoji="1" lang="en-US" altLang="zh-CN" sz="1200" dirty="0" smtClean="0"/>
+              <a:t>load</a:t>
+            </a:r>
+            <a:r>
+              <a:rPr kumimoji="1" lang="zh-CN" altLang="en-US" sz="1200" dirty="0" smtClean="0"/>
+              <a:t>、</a:t>
+            </a:r>
+            <a:r>
+              <a:rPr kumimoji="1" lang="en-US" altLang="zh-CN" sz="1200" dirty="0" smtClean="0"/>
+              <a:t>use</a:t>
+            </a:r>
+            <a:r>
+              <a:rPr kumimoji="1" lang="zh-CN" altLang="en-US" sz="1200" dirty="0" smtClean="0"/>
+              <a:t>、</a:t>
+            </a:r>
+            <a:r>
+              <a:rPr kumimoji="1" lang="en-US" altLang="zh-CN" sz="1200" dirty="0" smtClean="0"/>
+              <a:t>assign</a:t>
+            </a:r>
+            <a:r>
+              <a:rPr kumimoji="1" lang="zh-CN" altLang="en-US" sz="1200" dirty="0" smtClean="0"/>
+              <a:t>、</a:t>
+            </a:r>
+            <a:r>
+              <a:rPr kumimoji="1" lang="en-US" altLang="zh-CN" sz="1200" dirty="0" smtClean="0"/>
+              <a:t>store</a:t>
+            </a:r>
+            <a:r>
+              <a:rPr kumimoji="1" lang="zh-CN" altLang="en-US" sz="1200" dirty="0" smtClean="0"/>
+              <a:t>、</a:t>
+            </a:r>
+            <a:r>
+              <a:rPr kumimoji="1" lang="en-US" altLang="zh-CN" sz="1200" dirty="0" smtClean="0"/>
+              <a:t>write</a:t>
+            </a:r>
+            <a:endParaRPr kumimoji="1" lang="zh-CN" altLang="en-US" sz="1200" dirty="0"/>
+          </a:p>
+        </p:txBody>
+      </p:sp>
+      <p:cxnSp>
+        <p:nvCxnSpPr>
+          <p:cNvPr id="21" name="直线箭头连接符 20"/>
+          <p:cNvCxnSpPr/>
+          <p:nvPr/>
+        </p:nvCxnSpPr>
+        <p:spPr>
+          <a:xfrm flipV="1">
+            <a:off x="4808035" y="509286"/>
+            <a:ext cx="2083419" cy="951524"/>
+          </a:xfrm>
+          <a:prstGeom prst="straightConnector1">
+            <a:avLst/>
+          </a:prstGeom>
+          <a:ln>
+            <a:tailEnd type="triangle"/>
+          </a:ln>
+        </p:spPr>
+        <p:style>
+          <a:lnRef idx="1">
+            <a:schemeClr val="accent1"/>
+          </a:lnRef>
+          <a:fillRef idx="0">
+            <a:schemeClr val="accent1"/>
+          </a:fillRef>
+          <a:effectRef idx="0">
+            <a:schemeClr val="accent1"/>
+          </a:effectRef>
+          <a:fontRef idx="minor">
+            <a:schemeClr val="tx1"/>
+          </a:fontRef>
+        </p:style>
+      </p:cxnSp>
+      <p:cxnSp>
+        <p:nvCxnSpPr>
+          <p:cNvPr id="23" name="直线箭头连接符 22"/>
+          <p:cNvCxnSpPr>
+            <a:stCxn id="24" idx="0"/>
+          </p:cNvCxnSpPr>
+          <p:nvPr/>
+        </p:nvCxnSpPr>
+        <p:spPr>
+          <a:xfrm flipH="1" flipV="1">
+            <a:off x="7002966" y="525751"/>
+            <a:ext cx="1970047" cy="786377"/>
+          </a:xfrm>
+          <a:prstGeom prst="straightConnector1">
+            <a:avLst/>
+          </a:prstGeom>
+          <a:ln>
+            <a:tailEnd type="triangle"/>
+          </a:ln>
+        </p:spPr>
+        <p:style>
+          <a:lnRef idx="1">
+            <a:schemeClr val="accent1"/>
+          </a:lnRef>
+          <a:fillRef idx="0">
+            <a:schemeClr val="accent1"/>
+          </a:fillRef>
+          <a:effectRef idx="0">
+            <a:schemeClr val="accent1"/>
+          </a:effectRef>
+          <a:fontRef idx="minor">
+            <a:schemeClr val="tx1"/>
+          </a:fontRef>
+        </p:style>
+      </p:cxnSp>
     </p:spTree>
     <p:extLst>
       <p:ext uri="{BB962C8B-B14F-4D97-AF65-F5344CB8AC3E}">

--- a/doc/doc.pptx
+++ b/doc/doc.pptx
@@ -5,7 +5,7 @@
     <p:sldMasterId id="2147483648" r:id="rId1"/>
   </p:sldMasterIdLst>
   <p:notesMasterIdLst>
-    <p:notesMasterId r:id="rId17"/>
+    <p:notesMasterId r:id="rId18"/>
   </p:notesMasterIdLst>
   <p:sldIdLst>
     <p:sldId id="264" r:id="rId2"/>
@@ -23,6 +23,7 @@
     <p:sldId id="263" r:id="rId14"/>
     <p:sldId id="267" r:id="rId15"/>
     <p:sldId id="271" r:id="rId16"/>
+    <p:sldId id="272" r:id="rId17"/>
   </p:sldIdLst>
   <p:sldSz cx="12192000" cy="6858000"/>
   <p:notesSz cx="6858000" cy="9144000"/>
@@ -211,7 +212,7 @@
           <a:p>
             <a:fld id="{A3D7CE87-9499-D644-9D39-658681EEDA03}" type="datetimeFigureOut">
               <a:rPr kumimoji="1" lang="zh-CN" altLang="en-US" smtClean="0"/>
-              <a:t>2019/10/23</a:t>
+              <a:t>2020/1/2</a:t>
             </a:fld>
             <a:endParaRPr kumimoji="1" lang="zh-CN" altLang="en-US"/>
           </a:p>
@@ -1448,7 +1449,7 @@
           <a:p>
             <a:fld id="{79C7BEE9-4014-F74B-8041-D28506CB9C48}" type="datetimeFigureOut">
               <a:rPr kumimoji="1" lang="zh-CN" altLang="en-US" smtClean="0"/>
-              <a:t>2019/10/23</a:t>
+              <a:t>2020/1/2</a:t>
             </a:fld>
             <a:endParaRPr kumimoji="1" lang="zh-CN" altLang="en-US"/>
           </a:p>
@@ -1618,7 +1619,7 @@
           <a:p>
             <a:fld id="{79C7BEE9-4014-F74B-8041-D28506CB9C48}" type="datetimeFigureOut">
               <a:rPr kumimoji="1" lang="zh-CN" altLang="en-US" smtClean="0"/>
-              <a:t>2019/10/23</a:t>
+              <a:t>2020/1/2</a:t>
             </a:fld>
             <a:endParaRPr kumimoji="1" lang="zh-CN" altLang="en-US"/>
           </a:p>
@@ -1798,7 +1799,7 @@
           <a:p>
             <a:fld id="{79C7BEE9-4014-F74B-8041-D28506CB9C48}" type="datetimeFigureOut">
               <a:rPr kumimoji="1" lang="zh-CN" altLang="en-US" smtClean="0"/>
-              <a:t>2019/10/23</a:t>
+              <a:t>2020/1/2</a:t>
             </a:fld>
             <a:endParaRPr kumimoji="1" lang="zh-CN" altLang="en-US"/>
           </a:p>
@@ -1968,7 +1969,7 @@
           <a:p>
             <a:fld id="{79C7BEE9-4014-F74B-8041-D28506CB9C48}" type="datetimeFigureOut">
               <a:rPr kumimoji="1" lang="zh-CN" altLang="en-US" smtClean="0"/>
-              <a:t>2019/10/23</a:t>
+              <a:t>2020/1/2</a:t>
             </a:fld>
             <a:endParaRPr kumimoji="1" lang="zh-CN" altLang="en-US"/>
           </a:p>
@@ -2214,7 +2215,7 @@
           <a:p>
             <a:fld id="{79C7BEE9-4014-F74B-8041-D28506CB9C48}" type="datetimeFigureOut">
               <a:rPr kumimoji="1" lang="zh-CN" altLang="en-US" smtClean="0"/>
-              <a:t>2019/10/23</a:t>
+              <a:t>2020/1/2</a:t>
             </a:fld>
             <a:endParaRPr kumimoji="1" lang="zh-CN" altLang="en-US"/>
           </a:p>
@@ -2446,7 +2447,7 @@
           <a:p>
             <a:fld id="{79C7BEE9-4014-F74B-8041-D28506CB9C48}" type="datetimeFigureOut">
               <a:rPr kumimoji="1" lang="zh-CN" altLang="en-US" smtClean="0"/>
-              <a:t>2019/10/23</a:t>
+              <a:t>2020/1/2</a:t>
             </a:fld>
             <a:endParaRPr kumimoji="1" lang="zh-CN" altLang="en-US"/>
           </a:p>
@@ -2813,7 +2814,7 @@
           <a:p>
             <a:fld id="{79C7BEE9-4014-F74B-8041-D28506CB9C48}" type="datetimeFigureOut">
               <a:rPr kumimoji="1" lang="zh-CN" altLang="en-US" smtClean="0"/>
-              <a:t>2019/10/23</a:t>
+              <a:t>2020/1/2</a:t>
             </a:fld>
             <a:endParaRPr kumimoji="1" lang="zh-CN" altLang="en-US"/>
           </a:p>
@@ -2931,7 +2932,7 @@
           <a:p>
             <a:fld id="{79C7BEE9-4014-F74B-8041-D28506CB9C48}" type="datetimeFigureOut">
               <a:rPr kumimoji="1" lang="zh-CN" altLang="en-US" smtClean="0"/>
-              <a:t>2019/10/23</a:t>
+              <a:t>2020/1/2</a:t>
             </a:fld>
             <a:endParaRPr kumimoji="1" lang="zh-CN" altLang="en-US"/>
           </a:p>
@@ -3026,7 +3027,7 @@
           <a:p>
             <a:fld id="{79C7BEE9-4014-F74B-8041-D28506CB9C48}" type="datetimeFigureOut">
               <a:rPr kumimoji="1" lang="zh-CN" altLang="en-US" smtClean="0"/>
-              <a:t>2019/10/23</a:t>
+              <a:t>2020/1/2</a:t>
             </a:fld>
             <a:endParaRPr kumimoji="1" lang="zh-CN" altLang="en-US"/>
           </a:p>
@@ -3303,7 +3304,7 @@
           <a:p>
             <a:fld id="{79C7BEE9-4014-F74B-8041-D28506CB9C48}" type="datetimeFigureOut">
               <a:rPr kumimoji="1" lang="zh-CN" altLang="en-US" smtClean="0"/>
-              <a:t>2019/10/23</a:t>
+              <a:t>2020/1/2</a:t>
             </a:fld>
             <a:endParaRPr kumimoji="1" lang="zh-CN" altLang="en-US"/>
           </a:p>
@@ -3556,7 +3557,7 @@
           <a:p>
             <a:fld id="{79C7BEE9-4014-F74B-8041-D28506CB9C48}" type="datetimeFigureOut">
               <a:rPr kumimoji="1" lang="zh-CN" altLang="en-US" smtClean="0"/>
-              <a:t>2019/10/23</a:t>
+              <a:t>2020/1/2</a:t>
             </a:fld>
             <a:endParaRPr kumimoji="1" lang="zh-CN" altLang="en-US"/>
           </a:p>
@@ -3769,7 +3770,7 @@
           <a:p>
             <a:fld id="{79C7BEE9-4014-F74B-8041-D28506CB9C48}" type="datetimeFigureOut">
               <a:rPr kumimoji="1" lang="zh-CN" altLang="en-US" smtClean="0"/>
-              <a:t>2019/10/23</a:t>
+              <a:t>2020/1/2</a:t>
             </a:fld>
             <a:endParaRPr kumimoji="1" lang="zh-CN" altLang="en-US"/>
           </a:p>
@@ -9557,6 +9558,199 @@
     <p:extLst>
       <p:ext uri="{BB962C8B-B14F-4D97-AF65-F5344CB8AC3E}">
         <p14:creationId xmlns:p14="http://schemas.microsoft.com/office/powerpoint/2010/main" val="1401220142"/>
+      </p:ext>
+    </p:extLst>
+  </p:cSld>
+  <p:clrMapOvr>
+    <a:masterClrMapping/>
+  </p:clrMapOvr>
+</p:sld>
+</file>
+
+<file path=ppt/slides/slide16.xml><?xml version="1.0" encoding="utf-8"?>
+<p:sld xmlns:a="http://schemas.openxmlformats.org/drawingml/2006/main" xmlns:r="http://schemas.openxmlformats.org/officeDocument/2006/relationships" xmlns:p="http://schemas.openxmlformats.org/presentationml/2006/main">
+  <p:cSld>
+    <p:spTree>
+      <p:nvGrpSpPr>
+        <p:cNvPr id="1" name=""/>
+        <p:cNvGrpSpPr/>
+        <p:nvPr/>
+      </p:nvGrpSpPr>
+      <p:grpSpPr>
+        <a:xfrm>
+          <a:off x="0" y="0"/>
+          <a:ext cx="0" cy="0"/>
+          <a:chOff x="0" y="0"/>
+          <a:chExt cx="0" cy="0"/>
+        </a:xfrm>
+      </p:grpSpPr>
+      <p:sp>
+        <p:nvSpPr>
+          <p:cNvPr id="27" name="文本框 26"/>
+          <p:cNvSpPr txBox="1"/>
+          <p:nvPr/>
+        </p:nvSpPr>
+        <p:spPr>
+          <a:xfrm>
+            <a:off x="672352" y="3210491"/>
+            <a:ext cx="10400604" cy="861774"/>
+          </a:xfrm>
+          <a:prstGeom prst="rect">
+            <a:avLst/>
+          </a:prstGeom>
+          <a:noFill/>
+        </p:spPr>
+        <p:txBody>
+          <a:bodyPr wrap="none" rtlCol="0">
+            <a:spAutoFit/>
+          </a:bodyPr>
+          <a:lstStyle/>
+          <a:p>
+            <a:r>
+              <a:rPr lang="zh-CN" altLang="en-US" sz="1000" b="1"/>
+              <a:t>标准</a:t>
+            </a:r>
+            <a:r>
+              <a:rPr lang="zh-CN" altLang="en-US" sz="1000" b="1" smtClean="0"/>
+              <a:t>访问文件方式：</a:t>
+            </a:r>
+            <a:r>
+              <a:rPr lang="zh-CN" altLang="en-US" sz="1000" smtClean="0"/>
+              <a:t>应用调用</a:t>
+            </a:r>
+            <a:r>
+              <a:rPr lang="en-US" altLang="zh-CN" sz="1000" smtClean="0"/>
+              <a:t>read()</a:t>
+            </a:r>
+            <a:r>
+              <a:rPr lang="zh-CN" altLang="en-US" sz="1000" smtClean="0"/>
+              <a:t>接口，操作系统检查内核的高速缓存中有没有数据，如果有直接返回，否则读取磁盘信息，然后缓存在内核缓存中</a:t>
+            </a:r>
+            <a:endParaRPr lang="en-US" altLang="zh-CN" sz="1000" smtClean="0"/>
+          </a:p>
+          <a:p>
+            <a:r>
+              <a:rPr lang="en-US" altLang="zh-CN" sz="1000" smtClean="0"/>
+              <a:t>        (</a:t>
+            </a:r>
+            <a:r>
+              <a:rPr lang="zh-CN" altLang="en-US" sz="1000" smtClean="0"/>
+              <a:t>内核缓存：将磁盘读取的文件按照一定的组织方式进行缓存，用户如果访问的是同一段磁盘地址的空间数据，操作系统从内核缓冲中直接读取信息，减少</a:t>
+            </a:r>
+            <a:r>
+              <a:rPr lang="en-US" altLang="zh-CN" sz="1000" smtClean="0"/>
+              <a:t>I/O</a:t>
+            </a:r>
+            <a:r>
+              <a:rPr lang="zh-CN" altLang="en-US" sz="1000" smtClean="0"/>
+              <a:t>响应时间</a:t>
+            </a:r>
+            <a:r>
+              <a:rPr lang="en-US" altLang="zh-CN" sz="1000" smtClean="0"/>
+              <a:t>)</a:t>
+            </a:r>
+          </a:p>
+          <a:p>
+            <a:endParaRPr lang="en-US" altLang="zh-CN" sz="1000" smtClean="0"/>
+          </a:p>
+          <a:p>
+            <a:r>
+              <a:rPr lang="zh-CN" altLang="en-US" sz="1000" b="1" smtClean="0"/>
+              <a:t>写入文件：</a:t>
+            </a:r>
+            <a:r>
+              <a:rPr lang="zh-CN" altLang="en-US" sz="1000" smtClean="0"/>
+              <a:t>应用调用</a:t>
+            </a:r>
+            <a:r>
+              <a:rPr lang="en-US" altLang="zh-CN" sz="1000" smtClean="0"/>
+              <a:t>wirte()</a:t>
+            </a:r>
+            <a:r>
+              <a:rPr lang="zh-CN" altLang="en-US" sz="1000" smtClean="0"/>
+              <a:t>接口，将数据从用户地址空间复制到内核地址空间的缓存中，这时对用户来说写操作就已经完成，至于什么时候再写到磁盘中，由操作系统决定，除非调用</a:t>
+            </a:r>
+            <a:endParaRPr lang="en-US" altLang="zh-CN" sz="1000" smtClean="0"/>
+          </a:p>
+          <a:p>
+            <a:r>
+              <a:rPr lang="en-US" altLang="zh-CN" sz="1000"/>
+              <a:t> </a:t>
+            </a:r>
+            <a:r>
+              <a:rPr lang="en-US" altLang="zh-CN" sz="1000" smtClean="0"/>
+              <a:t>   sync</a:t>
+            </a:r>
+            <a:r>
+              <a:rPr lang="zh-CN" altLang="en-US" sz="1000" smtClean="0"/>
+              <a:t>同步命令</a:t>
+            </a:r>
+            <a:endParaRPr lang="zh-CN" altLang="en-US" sz="1000"/>
+          </a:p>
+        </p:txBody>
+      </p:sp>
+      <p:sp>
+        <p:nvSpPr>
+          <p:cNvPr id="28" name="文本框 27"/>
+          <p:cNvSpPr txBox="1"/>
+          <p:nvPr/>
+        </p:nvSpPr>
+        <p:spPr>
+          <a:xfrm>
+            <a:off x="528918" y="305707"/>
+            <a:ext cx="1321196" cy="276999"/>
+          </a:xfrm>
+          <a:prstGeom prst="rect">
+            <a:avLst/>
+          </a:prstGeom>
+          <a:noFill/>
+        </p:spPr>
+        <p:txBody>
+          <a:bodyPr wrap="none" rtlCol="0">
+            <a:spAutoFit/>
+          </a:bodyPr>
+          <a:lstStyle/>
+          <a:p>
+            <a:r>
+              <a:rPr lang="en-US" altLang="zh-CN" sz="1200" smtClean="0"/>
+              <a:t>I/O</a:t>
+            </a:r>
+            <a:r>
+              <a:rPr lang="zh-CN" altLang="en-US" sz="1200" smtClean="0"/>
+              <a:t>访问文件方式</a:t>
+            </a:r>
+            <a:endParaRPr lang="zh-CN" altLang="en-US" sz="1200"/>
+          </a:p>
+        </p:txBody>
+      </p:sp>
+      <p:pic>
+        <p:nvPicPr>
+          <p:cNvPr id="29" name="图片 28"/>
+          <p:cNvPicPr>
+            <a:picLocks noChangeAspect="1"/>
+          </p:cNvPicPr>
+          <p:nvPr/>
+        </p:nvPicPr>
+        <p:blipFill>
+          <a:blip r:embed="rId2"/>
+          <a:stretch>
+            <a:fillRect/>
+          </a:stretch>
+        </p:blipFill>
+        <p:spPr>
+          <a:xfrm>
+            <a:off x="3962891" y="542820"/>
+            <a:ext cx="3819525" cy="2476500"/>
+          </a:xfrm>
+          <a:prstGeom prst="rect">
+            <a:avLst/>
+          </a:prstGeom>
+        </p:spPr>
+      </p:pic>
+    </p:spTree>
+    <p:extLst>
+      <p:ext uri="{BB962C8B-B14F-4D97-AF65-F5344CB8AC3E}">
+        <p14:creationId xmlns:p14="http://schemas.microsoft.com/office/powerpoint/2010/main" val="627570997"/>
       </p:ext>
     </p:extLst>
   </p:cSld>

--- a/doc/doc.pptx
+++ b/doc/doc.pptx
@@ -18,12 +18,12 @@
     <p:sldId id="257" r:id="rId9"/>
     <p:sldId id="259" r:id="rId10"/>
     <p:sldId id="260" r:id="rId11"/>
-    <p:sldId id="261" r:id="rId12"/>
-    <p:sldId id="262" r:id="rId13"/>
-    <p:sldId id="263" r:id="rId14"/>
-    <p:sldId id="267" r:id="rId15"/>
-    <p:sldId id="271" r:id="rId16"/>
-    <p:sldId id="272" r:id="rId17"/>
+    <p:sldId id="262" r:id="rId12"/>
+    <p:sldId id="263" r:id="rId13"/>
+    <p:sldId id="271" r:id="rId14"/>
+    <p:sldId id="272" r:id="rId15"/>
+    <p:sldId id="273" r:id="rId16"/>
+    <p:sldId id="274" r:id="rId17"/>
   </p:sldIdLst>
   <p:sldSz cx="12192000" cy="6858000"/>
   <p:notesSz cx="6858000" cy="9144000"/>
@@ -212,7 +212,7 @@
           <a:p>
             <a:fld id="{A3D7CE87-9499-D644-9D39-658681EEDA03}" type="datetimeFigureOut">
               <a:rPr kumimoji="1" lang="zh-CN" altLang="en-US" smtClean="0"/>
-              <a:t>2020/1/2</a:t>
+              <a:t>2020/1/3</a:t>
             </a:fld>
             <a:endParaRPr kumimoji="1" lang="zh-CN" altLang="en-US"/>
           </a:p>
@@ -1119,205 +1119,6 @@
 </p:notes>
 </file>
 
-<file path=ppt/notesSlides/notesSlide4.xml><?xml version="1.0" encoding="utf-8"?>
-<p:notes xmlns:a="http://schemas.openxmlformats.org/drawingml/2006/main" xmlns:r="http://schemas.openxmlformats.org/officeDocument/2006/relationships" xmlns:p="http://schemas.openxmlformats.org/presentationml/2006/main">
-  <p:cSld>
-    <p:spTree>
-      <p:nvGrpSpPr>
-        <p:cNvPr id="1" name=""/>
-        <p:cNvGrpSpPr/>
-        <p:nvPr/>
-      </p:nvGrpSpPr>
-      <p:grpSpPr>
-        <a:xfrm>
-          <a:off x="0" y="0"/>
-          <a:ext cx="0" cy="0"/>
-          <a:chOff x="0" y="0"/>
-          <a:chExt cx="0" cy="0"/>
-        </a:xfrm>
-      </p:grpSpPr>
-      <p:sp>
-        <p:nvSpPr>
-          <p:cNvPr id="2" name="幻灯片图像占位符 1"/>
-          <p:cNvSpPr>
-            <a:spLocks noGrp="1" noRot="1" noChangeAspect="1"/>
-          </p:cNvSpPr>
-          <p:nvPr>
-            <p:ph type="sldImg"/>
-          </p:nvPr>
-        </p:nvSpPr>
-        <p:spPr/>
-      </p:sp>
-      <p:sp>
-        <p:nvSpPr>
-          <p:cNvPr id="3" name="备注占位符 2"/>
-          <p:cNvSpPr>
-            <a:spLocks noGrp="1"/>
-          </p:cNvSpPr>
-          <p:nvPr>
-            <p:ph type="body" idx="1"/>
-          </p:nvPr>
-        </p:nvSpPr>
-        <p:spPr/>
-        <p:txBody>
-          <a:bodyPr/>
-          <a:lstStyle/>
-          <a:p>
-            <a:pPr marL="228600" marR="0" indent="-228600" algn="l" defTabSz="914400" rtl="0" eaLnBrk="1" fontAlgn="auto" latinLnBrk="0" hangingPunct="1">
-              <a:lnSpc>
-                <a:spcPct val="100000"/>
-              </a:lnSpc>
-              <a:spcBef>
-                <a:spcPts val="0"/>
-              </a:spcBef>
-              <a:spcAft>
-                <a:spcPts val="0"/>
-              </a:spcAft>
-              <a:buClrTx/>
-              <a:buSzTx/>
-              <a:buFontTx/>
-              <a:buAutoNum type="arabicPeriod"/>
-              <a:tabLst/>
-              <a:defRPr/>
-            </a:pPr>
-            <a:r>
-              <a:rPr lang="zh-CN" altLang="en-US" sz="1200" b="0" i="0" kern="1200" smtClean="0">
-                <a:solidFill>
-                  <a:schemeClr val="tx1"/>
-                </a:solidFill>
-                <a:effectLst/>
-                <a:latin typeface="+mn-lt"/>
-                <a:ea typeface="+mn-ea"/>
-                <a:cs typeface="+mn-cs"/>
-              </a:rPr>
-              <a:t>数据总是从缓冲区写入通道，并从通道读取到缓冲区</a:t>
-            </a:r>
-            <a:endParaRPr lang="en-US" altLang="zh-CN" sz="1200" b="0" i="0" kern="1200" smtClean="0">
-              <a:solidFill>
-                <a:schemeClr val="tx1"/>
-              </a:solidFill>
-              <a:effectLst/>
-              <a:latin typeface="+mn-lt"/>
-              <a:ea typeface="+mn-ea"/>
-              <a:cs typeface="+mn-cs"/>
-            </a:endParaRPr>
-          </a:p>
-          <a:p>
-            <a:pPr marL="228600" marR="0" indent="-228600" algn="l" defTabSz="914400" rtl="0" eaLnBrk="1" fontAlgn="auto" latinLnBrk="0" hangingPunct="1">
-              <a:lnSpc>
-                <a:spcPct val="100000"/>
-              </a:lnSpc>
-              <a:spcBef>
-                <a:spcPts val="0"/>
-              </a:spcBef>
-              <a:spcAft>
-                <a:spcPts val="0"/>
-              </a:spcAft>
-              <a:buClrTx/>
-              <a:buSzTx/>
-              <a:buFontTx/>
-              <a:buAutoNum type="arabicPeriod"/>
-              <a:tabLst/>
-              <a:defRPr/>
-            </a:pPr>
-            <a:r>
-              <a:rPr lang="zh-CN" altLang="en-US" sz="1200" b="0" i="0" kern="1200" smtClean="0">
-                <a:solidFill>
-                  <a:schemeClr val="tx1"/>
-                </a:solidFill>
-                <a:effectLst/>
-                <a:latin typeface="+mn-lt"/>
-                <a:ea typeface="+mn-ea"/>
-                <a:cs typeface="+mn-cs"/>
-              </a:rPr>
-              <a:t>从通道读取：创建一个缓冲区，然后请求通道读取数据</a:t>
-            </a:r>
-            <a:br>
-              <a:rPr lang="zh-CN" altLang="en-US" sz="1200" b="0" i="0" kern="1200" smtClean="0">
-                <a:solidFill>
-                  <a:schemeClr val="tx1"/>
-                </a:solidFill>
-                <a:effectLst/>
-                <a:latin typeface="+mn-lt"/>
-                <a:ea typeface="+mn-ea"/>
-                <a:cs typeface="+mn-cs"/>
-              </a:rPr>
-            </a:br>
-            <a:r>
-              <a:rPr lang="zh-CN" altLang="en-US" sz="1200" b="0" i="0" kern="1200" smtClean="0">
-                <a:solidFill>
-                  <a:schemeClr val="tx1"/>
-                </a:solidFill>
-                <a:effectLst/>
-                <a:latin typeface="+mn-lt"/>
-                <a:ea typeface="+mn-ea"/>
-                <a:cs typeface="+mn-cs"/>
-              </a:rPr>
-              <a:t>通道写入：创建一个缓冲区，填充数据，并要求通道写入数据</a:t>
-            </a:r>
-            <a:endParaRPr kumimoji="1" lang="en-US" altLang="zh-CN" sz="1200" smtClean="0"/>
-          </a:p>
-          <a:p>
-            <a:pPr marL="228600" marR="0" indent="-228600" algn="l" defTabSz="914400" rtl="0" eaLnBrk="1" fontAlgn="auto" latinLnBrk="0" hangingPunct="1">
-              <a:lnSpc>
-                <a:spcPct val="100000"/>
-              </a:lnSpc>
-              <a:spcBef>
-                <a:spcPts val="0"/>
-              </a:spcBef>
-              <a:spcAft>
-                <a:spcPts val="0"/>
-              </a:spcAft>
-              <a:buClrTx/>
-              <a:buSzTx/>
-              <a:buFontTx/>
-              <a:buAutoNum type="arabicPeriod"/>
-              <a:tabLst/>
-              <a:defRPr/>
-            </a:pPr>
-            <a:endParaRPr kumimoji="1" lang="zh-CN" altLang="en-US" sz="1200" smtClean="0"/>
-          </a:p>
-          <a:p>
-            <a:endParaRPr kumimoji="1" lang="zh-CN" altLang="en-US"/>
-          </a:p>
-        </p:txBody>
-      </p:sp>
-      <p:sp>
-        <p:nvSpPr>
-          <p:cNvPr id="4" name="幻灯片编号占位符 3"/>
-          <p:cNvSpPr>
-            <a:spLocks noGrp="1"/>
-          </p:cNvSpPr>
-          <p:nvPr>
-            <p:ph type="sldNum" sz="quarter" idx="10"/>
-          </p:nvPr>
-        </p:nvSpPr>
-        <p:spPr/>
-        <p:txBody>
-          <a:bodyPr/>
-          <a:lstStyle/>
-          <a:p>
-            <a:fld id="{F2839265-038A-F64A-AC79-1983EAB8A597}" type="slidenum">
-              <a:rPr kumimoji="1" lang="zh-CN" altLang="en-US" smtClean="0"/>
-              <a:t>11</a:t>
-            </a:fld>
-            <a:endParaRPr kumimoji="1" lang="zh-CN" altLang="en-US"/>
-          </a:p>
-        </p:txBody>
-      </p:sp>
-    </p:spTree>
-    <p:extLst>
-      <p:ext uri="{BB962C8B-B14F-4D97-AF65-F5344CB8AC3E}">
-        <p14:creationId xmlns:p14="http://schemas.microsoft.com/office/powerpoint/2010/main" val="1199694531"/>
-      </p:ext>
-    </p:extLst>
-  </p:cSld>
-  <p:clrMapOvr>
-    <a:masterClrMapping/>
-  </p:clrMapOvr>
-</p:notes>
-</file>
-
 <file path=ppt/slideLayouts/slideLayout1.xml><?xml version="1.0" encoding="utf-8"?>
 <p:sldLayout xmlns:a="http://schemas.openxmlformats.org/drawingml/2006/main" xmlns:r="http://schemas.openxmlformats.org/officeDocument/2006/relationships" xmlns:p="http://schemas.openxmlformats.org/presentationml/2006/main" type="title" preserve="1">
   <p:cSld name="标题幻灯片">
@@ -1449,7 +1250,7 @@
           <a:p>
             <a:fld id="{79C7BEE9-4014-F74B-8041-D28506CB9C48}" type="datetimeFigureOut">
               <a:rPr kumimoji="1" lang="zh-CN" altLang="en-US" smtClean="0"/>
-              <a:t>2020/1/2</a:t>
+              <a:t>2020/1/3</a:t>
             </a:fld>
             <a:endParaRPr kumimoji="1" lang="zh-CN" altLang="en-US"/>
           </a:p>
@@ -1619,7 +1420,7 @@
           <a:p>
             <a:fld id="{79C7BEE9-4014-F74B-8041-D28506CB9C48}" type="datetimeFigureOut">
               <a:rPr kumimoji="1" lang="zh-CN" altLang="en-US" smtClean="0"/>
-              <a:t>2020/1/2</a:t>
+              <a:t>2020/1/3</a:t>
             </a:fld>
             <a:endParaRPr kumimoji="1" lang="zh-CN" altLang="en-US"/>
           </a:p>
@@ -1799,7 +1600,7 @@
           <a:p>
             <a:fld id="{79C7BEE9-4014-F74B-8041-D28506CB9C48}" type="datetimeFigureOut">
               <a:rPr kumimoji="1" lang="zh-CN" altLang="en-US" smtClean="0"/>
-              <a:t>2020/1/2</a:t>
+              <a:t>2020/1/3</a:t>
             </a:fld>
             <a:endParaRPr kumimoji="1" lang="zh-CN" altLang="en-US"/>
           </a:p>
@@ -1969,7 +1770,7 @@
           <a:p>
             <a:fld id="{79C7BEE9-4014-F74B-8041-D28506CB9C48}" type="datetimeFigureOut">
               <a:rPr kumimoji="1" lang="zh-CN" altLang="en-US" smtClean="0"/>
-              <a:t>2020/1/2</a:t>
+              <a:t>2020/1/3</a:t>
             </a:fld>
             <a:endParaRPr kumimoji="1" lang="zh-CN" altLang="en-US"/>
           </a:p>
@@ -2215,7 +2016,7 @@
           <a:p>
             <a:fld id="{79C7BEE9-4014-F74B-8041-D28506CB9C48}" type="datetimeFigureOut">
               <a:rPr kumimoji="1" lang="zh-CN" altLang="en-US" smtClean="0"/>
-              <a:t>2020/1/2</a:t>
+              <a:t>2020/1/3</a:t>
             </a:fld>
             <a:endParaRPr kumimoji="1" lang="zh-CN" altLang="en-US"/>
           </a:p>
@@ -2447,7 +2248,7 @@
           <a:p>
             <a:fld id="{79C7BEE9-4014-F74B-8041-D28506CB9C48}" type="datetimeFigureOut">
               <a:rPr kumimoji="1" lang="zh-CN" altLang="en-US" smtClean="0"/>
-              <a:t>2020/1/2</a:t>
+              <a:t>2020/1/3</a:t>
             </a:fld>
             <a:endParaRPr kumimoji="1" lang="zh-CN" altLang="en-US"/>
           </a:p>
@@ -2814,7 +2615,7 @@
           <a:p>
             <a:fld id="{79C7BEE9-4014-F74B-8041-D28506CB9C48}" type="datetimeFigureOut">
               <a:rPr kumimoji="1" lang="zh-CN" altLang="en-US" smtClean="0"/>
-              <a:t>2020/1/2</a:t>
+              <a:t>2020/1/3</a:t>
             </a:fld>
             <a:endParaRPr kumimoji="1" lang="zh-CN" altLang="en-US"/>
           </a:p>
@@ -2932,7 +2733,7 @@
           <a:p>
             <a:fld id="{79C7BEE9-4014-F74B-8041-D28506CB9C48}" type="datetimeFigureOut">
               <a:rPr kumimoji="1" lang="zh-CN" altLang="en-US" smtClean="0"/>
-              <a:t>2020/1/2</a:t>
+              <a:t>2020/1/3</a:t>
             </a:fld>
             <a:endParaRPr kumimoji="1" lang="zh-CN" altLang="en-US"/>
           </a:p>
@@ -3027,7 +2828,7 @@
           <a:p>
             <a:fld id="{79C7BEE9-4014-F74B-8041-D28506CB9C48}" type="datetimeFigureOut">
               <a:rPr kumimoji="1" lang="zh-CN" altLang="en-US" smtClean="0"/>
-              <a:t>2020/1/2</a:t>
+              <a:t>2020/1/3</a:t>
             </a:fld>
             <a:endParaRPr kumimoji="1" lang="zh-CN" altLang="en-US"/>
           </a:p>
@@ -3304,7 +3105,7 @@
           <a:p>
             <a:fld id="{79C7BEE9-4014-F74B-8041-D28506CB9C48}" type="datetimeFigureOut">
               <a:rPr kumimoji="1" lang="zh-CN" altLang="en-US" smtClean="0"/>
-              <a:t>2020/1/2</a:t>
+              <a:t>2020/1/3</a:t>
             </a:fld>
             <a:endParaRPr kumimoji="1" lang="zh-CN" altLang="en-US"/>
           </a:p>
@@ -3557,7 +3358,7 @@
           <a:p>
             <a:fld id="{79C7BEE9-4014-F74B-8041-D28506CB9C48}" type="datetimeFigureOut">
               <a:rPr kumimoji="1" lang="zh-CN" altLang="en-US" smtClean="0"/>
-              <a:t>2020/1/2</a:t>
+              <a:t>2020/1/3</a:t>
             </a:fld>
             <a:endParaRPr kumimoji="1" lang="zh-CN" altLang="en-US"/>
           </a:p>
@@ -3770,7 +3571,7 @@
           <a:p>
             <a:fld id="{79C7BEE9-4014-F74B-8041-D28506CB9C48}" type="datetimeFigureOut">
               <a:rPr kumimoji="1" lang="zh-CN" altLang="en-US" smtClean="0"/>
-              <a:t>2020/1/2</a:t>
+              <a:t>2020/1/3</a:t>
             </a:fld>
             <a:endParaRPr kumimoji="1" lang="zh-CN" altLang="en-US"/>
           </a:p>
@@ -6001,12 +5802,13 @@
         </p:nvSpPr>
         <p:spPr>
           <a:xfrm>
-            <a:off x="6356328" y="1164693"/>
-            <a:ext cx="847751" cy="871583"/>
-          </a:xfrm>
-          <a:prstGeom prst="rect">
-            <a:avLst/>
-          </a:prstGeom>
+            <a:off x="2130996" y="3902928"/>
+            <a:ext cx="1170878" cy="1193180"/>
+          </a:xfrm>
+          <a:prstGeom prst="rect">
+            <a:avLst/>
+          </a:prstGeom>
+          <a:noFill/>
         </p:spPr>
         <p:style>
           <a:lnRef idx="2">
@@ -6035,18 +5837,19 @@
       </p:sp>
       <p:sp>
         <p:nvSpPr>
-          <p:cNvPr id="5" name="矩形 4"/>
+          <p:cNvPr id="6" name="矩形 5"/>
           <p:cNvSpPr/>
           <p:nvPr/>
         </p:nvSpPr>
         <p:spPr>
           <a:xfrm>
-            <a:off x="6356327" y="2856782"/>
-            <a:ext cx="847751" cy="871583"/>
-          </a:xfrm>
-          <a:prstGeom prst="rect">
-            <a:avLst/>
-          </a:prstGeom>
+            <a:off x="6910038" y="3902928"/>
+            <a:ext cx="1170878" cy="1193180"/>
+          </a:xfrm>
+          <a:prstGeom prst="rect">
+            <a:avLst/>
+          </a:prstGeom>
+          <a:noFill/>
         </p:spPr>
         <p:style>
           <a:lnRef idx="2">
@@ -6075,18 +5878,19 @@
       </p:sp>
       <p:sp>
         <p:nvSpPr>
-          <p:cNvPr id="6" name="罐形 5"/>
+          <p:cNvPr id="7" name="矩形 6"/>
           <p:cNvSpPr/>
           <p:nvPr/>
         </p:nvSpPr>
         <p:spPr>
-          <a:xfrm rot="5400000">
-            <a:off x="2816185" y="1193689"/>
-            <a:ext cx="1566213" cy="2587707"/>
-          </a:xfrm>
-          <a:prstGeom prst="can">
-            <a:avLst/>
-          </a:prstGeom>
+          <a:xfrm>
+            <a:off x="4545980" y="1267522"/>
+            <a:ext cx="1170878" cy="1193180"/>
+          </a:xfrm>
+          <a:prstGeom prst="rect">
+            <a:avLst/>
+          </a:prstGeom>
+          <a:noFill/>
         </p:spPr>
         <p:style>
           <a:lnRef idx="2">
@@ -6115,14 +5919,14 @@
       </p:sp>
       <p:sp>
         <p:nvSpPr>
-          <p:cNvPr id="11" name="文本框 10"/>
+          <p:cNvPr id="8" name="文本框 7"/>
           <p:cNvSpPr txBox="1"/>
           <p:nvPr/>
         </p:nvSpPr>
         <p:spPr>
           <a:xfrm>
-            <a:off x="946298" y="595423"/>
-            <a:ext cx="1277914" cy="369332"/>
+            <a:off x="2354798" y="4326001"/>
+            <a:ext cx="723275" cy="307777"/>
           </a:xfrm>
           <a:prstGeom prst="rect">
             <a:avLst/>
@@ -6136,95 +5940,23 @@
           <a:lstStyle/>
           <a:p>
             <a:r>
-              <a:rPr kumimoji="1" lang="en-US" altLang="zh-CN" smtClean="0"/>
-              <a:t>NIO</a:t>
-            </a:r>
-            <a:r>
-              <a:rPr kumimoji="1" lang="zh-CN" altLang="en-US" smtClean="0"/>
-              <a:t>图解：</a:t>
-            </a:r>
-            <a:endParaRPr kumimoji="1" lang="zh-CN" altLang="en-US"/>
-          </a:p>
-        </p:txBody>
-      </p:sp>
-      <p:sp>
-        <p:nvSpPr>
-          <p:cNvPr id="12" name="文本框 11"/>
+              <a:rPr kumimoji="1" lang="zh-CN" altLang="en-US" sz="1400" smtClean="0"/>
+              <a:t>提供者</a:t>
+            </a:r>
+            <a:endParaRPr kumimoji="1" lang="zh-CN" altLang="en-US" sz="1400"/>
+          </a:p>
+        </p:txBody>
+      </p:sp>
+      <p:sp>
+        <p:nvSpPr>
+          <p:cNvPr id="9" name="文本框 8"/>
           <p:cNvSpPr txBox="1"/>
           <p:nvPr/>
         </p:nvSpPr>
         <p:spPr>
           <a:xfrm>
-            <a:off x="6389781" y="1457135"/>
-            <a:ext cx="929192" cy="461665"/>
-          </a:xfrm>
-          <a:prstGeom prst="rect">
-            <a:avLst/>
-          </a:prstGeom>
-          <a:noFill/>
-        </p:spPr>
-        <p:txBody>
-          <a:bodyPr wrap="square" rtlCol="0">
-            <a:spAutoFit/>
-          </a:bodyPr>
-          <a:lstStyle/>
-          <a:p>
-            <a:r>
-              <a:rPr kumimoji="1" lang="zh-CN" altLang="en-US" sz="1200" smtClean="0"/>
-              <a:t>缓冲区</a:t>
-            </a:r>
-            <a:r>
-              <a:rPr kumimoji="1" lang="en-US" altLang="zh-CN" sz="1200" smtClean="0"/>
-              <a:t>(buffer)</a:t>
-            </a:r>
-            <a:endParaRPr kumimoji="1" lang="zh-CN" altLang="en-US" sz="1200"/>
-          </a:p>
-        </p:txBody>
-      </p:sp>
-      <p:sp>
-        <p:nvSpPr>
-          <p:cNvPr id="13" name="文本框 12"/>
-          <p:cNvSpPr txBox="1"/>
-          <p:nvPr/>
-        </p:nvSpPr>
-        <p:spPr>
-          <a:xfrm>
-            <a:off x="6458643" y="3090229"/>
-            <a:ext cx="929192" cy="461665"/>
-          </a:xfrm>
-          <a:prstGeom prst="rect">
-            <a:avLst/>
-          </a:prstGeom>
-          <a:noFill/>
-        </p:spPr>
-        <p:txBody>
-          <a:bodyPr wrap="square" rtlCol="0">
-            <a:spAutoFit/>
-          </a:bodyPr>
-          <a:lstStyle/>
-          <a:p>
-            <a:r>
-              <a:rPr kumimoji="1" lang="zh-CN" altLang="en-US" sz="1200" smtClean="0"/>
-              <a:t>缓冲区</a:t>
-            </a:r>
-            <a:r>
-              <a:rPr kumimoji="1" lang="en-US" altLang="zh-CN" sz="1200" smtClean="0"/>
-              <a:t>(buffer)</a:t>
-            </a:r>
-            <a:endParaRPr kumimoji="1" lang="zh-CN" altLang="en-US" sz="1200"/>
-          </a:p>
-        </p:txBody>
-      </p:sp>
-      <p:sp>
-        <p:nvSpPr>
-          <p:cNvPr id="19" name="文本框 18"/>
-          <p:cNvSpPr txBox="1"/>
-          <p:nvPr/>
-        </p:nvSpPr>
-        <p:spPr>
-          <a:xfrm>
-            <a:off x="946298" y="5266138"/>
-            <a:ext cx="3570208" cy="461665"/>
+            <a:off x="7133840" y="4323101"/>
+            <a:ext cx="723275" cy="307777"/>
           </a:xfrm>
           <a:prstGeom prst="rect">
             <a:avLst/>
@@ -6238,38 +5970,152 @@
           <a:lstStyle/>
           <a:p>
             <a:r>
-              <a:rPr kumimoji="1" lang="zh-CN" altLang="en-US" sz="1200" smtClean="0"/>
-              <a:t>选择器：监视通道中的数据达到、连接打开等情况</a:t>
-            </a:r>
-            <a:endParaRPr kumimoji="1" lang="en-US" altLang="zh-CN" sz="1200" smtClean="0"/>
-          </a:p>
-          <a:p>
-            <a:r>
-              <a:rPr kumimoji="1" lang="zh-CN" altLang="en-US" sz="1200" smtClean="0"/>
-              <a:t>非阻塞</a:t>
-            </a:r>
-            <a:r>
-              <a:rPr kumimoji="1" lang="en-US" altLang="zh-CN" sz="1200" smtClean="0"/>
-              <a:t>I/O</a:t>
-            </a:r>
-            <a:r>
-              <a:rPr kumimoji="1" lang="zh-CN" altLang="en-US" sz="1200" smtClean="0"/>
-              <a:t>：返回任何可用的数据</a:t>
-            </a:r>
-            <a:endParaRPr kumimoji="1" lang="zh-CN" altLang="en-US" sz="1200"/>
+              <a:rPr kumimoji="1" lang="zh-CN" altLang="en-US" sz="1400" smtClean="0"/>
+              <a:t>调用者</a:t>
+            </a:r>
+            <a:endParaRPr kumimoji="1" lang="zh-CN" altLang="en-US" sz="1400"/>
+          </a:p>
+        </p:txBody>
+      </p:sp>
+      <p:sp>
+        <p:nvSpPr>
+          <p:cNvPr id="10" name="文本框 9"/>
+          <p:cNvSpPr txBox="1"/>
+          <p:nvPr/>
+        </p:nvSpPr>
+        <p:spPr>
+          <a:xfrm>
+            <a:off x="4680013" y="1556335"/>
+            <a:ext cx="902811" cy="307777"/>
+          </a:xfrm>
+          <a:prstGeom prst="rect">
+            <a:avLst/>
+          </a:prstGeom>
+          <a:noFill/>
+        </p:spPr>
+        <p:txBody>
+          <a:bodyPr wrap="none" rtlCol="0">
+            <a:spAutoFit/>
+          </a:bodyPr>
+          <a:lstStyle/>
+          <a:p>
+            <a:r>
+              <a:rPr kumimoji="1" lang="zh-CN" altLang="en-US" sz="1400" smtClean="0"/>
+              <a:t>注册中心</a:t>
+            </a:r>
+            <a:endParaRPr kumimoji="1" lang="zh-CN" altLang="en-US" sz="1400"/>
+          </a:p>
+        </p:txBody>
+      </p:sp>
+      <p:sp>
+        <p:nvSpPr>
+          <p:cNvPr id="11" name="文本框 10"/>
+          <p:cNvSpPr txBox="1"/>
+          <p:nvPr/>
+        </p:nvSpPr>
+        <p:spPr>
+          <a:xfrm>
+            <a:off x="4545980" y="474292"/>
+            <a:ext cx="1019831" cy="523220"/>
+          </a:xfrm>
+          <a:prstGeom prst="rect">
+            <a:avLst/>
+          </a:prstGeom>
+          <a:noFill/>
+        </p:spPr>
+        <p:txBody>
+          <a:bodyPr wrap="none" rtlCol="0">
+            <a:spAutoFit/>
+          </a:bodyPr>
+          <a:lstStyle/>
+          <a:p>
+            <a:r>
+              <a:rPr kumimoji="1" lang="en-US" altLang="zh-CN" sz="1400" smtClean="0"/>
+              <a:t>Eureka</a:t>
+            </a:r>
+          </a:p>
+          <a:p>
+            <a:r>
+              <a:rPr kumimoji="1" lang="en-US" altLang="zh-CN" sz="1400" smtClean="0"/>
+              <a:t>Zookeeper</a:t>
+            </a:r>
+            <a:endParaRPr kumimoji="1" lang="zh-CN" altLang="en-US" sz="1400"/>
           </a:p>
         </p:txBody>
       </p:sp>
       <p:cxnSp>
         <p:nvCxnSpPr>
-          <p:cNvPr id="23" name="直线箭头连接符 22"/>
+          <p:cNvPr id="13" name="直线箭头连接符 12"/>
           <p:cNvCxnSpPr/>
           <p:nvPr/>
         </p:nvCxnSpPr>
         <p:spPr>
+          <a:xfrm flipH="1">
+            <a:off x="3301874" y="4323101"/>
+            <a:ext cx="3608164" cy="0"/>
+          </a:xfrm>
+          <a:prstGeom prst="straightConnector1">
+            <a:avLst/>
+          </a:prstGeom>
+          <a:ln>
+            <a:tailEnd type="triangle"/>
+          </a:ln>
+        </p:spPr>
+        <p:style>
+          <a:lnRef idx="1">
+            <a:schemeClr val="accent1"/>
+          </a:lnRef>
+          <a:fillRef idx="0">
+            <a:schemeClr val="accent1"/>
+          </a:fillRef>
+          <a:effectRef idx="0">
+            <a:schemeClr val="accent1"/>
+          </a:effectRef>
+          <a:fontRef idx="minor">
+            <a:schemeClr val="tx1"/>
+          </a:fontRef>
+        </p:style>
+      </p:cxnSp>
+      <p:sp>
+        <p:nvSpPr>
+          <p:cNvPr id="14" name="文本框 13"/>
+          <p:cNvSpPr txBox="1"/>
+          <p:nvPr/>
+        </p:nvSpPr>
+        <p:spPr>
+          <a:xfrm>
+            <a:off x="4834086" y="4015324"/>
+            <a:ext cx="543739" cy="307777"/>
+          </a:xfrm>
+          <a:prstGeom prst="rect">
+            <a:avLst/>
+          </a:prstGeom>
+          <a:noFill/>
+        </p:spPr>
+        <p:txBody>
+          <a:bodyPr wrap="none" rtlCol="0">
+            <a:spAutoFit/>
+          </a:bodyPr>
+          <a:lstStyle/>
+          <a:p>
+            <a:r>
+              <a:rPr kumimoji="1" lang="zh-CN" altLang="en-US" sz="1400" smtClean="0"/>
+              <a:t>调用</a:t>
+            </a:r>
+            <a:endParaRPr kumimoji="1" lang="zh-CN" altLang="en-US" sz="1400"/>
+          </a:p>
+        </p:txBody>
+      </p:sp>
+      <p:cxnSp>
+        <p:nvCxnSpPr>
+          <p:cNvPr id="16" name="直线箭头连接符 15"/>
+          <p:cNvCxnSpPr/>
+          <p:nvPr/>
+        </p:nvCxnSpPr>
+        <p:spPr>
           <a:xfrm flipV="1">
-            <a:off x="2451711" y="4770027"/>
-            <a:ext cx="367990" cy="496112"/>
+            <a:off x="2716435" y="2107580"/>
+            <a:ext cx="1576785" cy="1627072"/>
           </a:xfrm>
           <a:prstGeom prst="straightConnector1">
             <a:avLst/>
@@ -6295,14 +6141,14 @@
       </p:cxnSp>
       <p:cxnSp>
         <p:nvCxnSpPr>
-          <p:cNvPr id="26" name="直线箭头连接符 25"/>
+          <p:cNvPr id="18" name="直线箭头连接符 17"/>
           <p:cNvCxnSpPr/>
           <p:nvPr/>
         </p:nvCxnSpPr>
         <p:spPr>
           <a:xfrm flipH="1" flipV="1">
-            <a:off x="5126215" y="2856782"/>
-            <a:ext cx="873142" cy="484644"/>
+            <a:off x="5843240" y="2085278"/>
+            <a:ext cx="1674539" cy="1727431"/>
           </a:xfrm>
           <a:prstGeom prst="straightConnector1">
             <a:avLst/>
@@ -6328,44 +6174,14 @@
       </p:cxnSp>
       <p:sp>
         <p:nvSpPr>
-          <p:cNvPr id="27" name="文本框 26"/>
+          <p:cNvPr id="22" name="文本框 21"/>
           <p:cNvSpPr txBox="1"/>
           <p:nvPr/>
         </p:nvSpPr>
         <p:spPr>
           <a:xfrm>
-            <a:off x="5110838" y="1648500"/>
-            <a:ext cx="800219" cy="276999"/>
-          </a:xfrm>
-          <a:prstGeom prst="rect">
-            <a:avLst/>
-          </a:prstGeom>
-          <a:noFill/>
-        </p:spPr>
-        <p:txBody>
-          <a:bodyPr wrap="square" rtlCol="0">
-            <a:spAutoFit/>
-          </a:bodyPr>
-          <a:lstStyle/>
-          <a:p>
-            <a:r>
-              <a:rPr kumimoji="1" lang="zh-CN" altLang="en-US" sz="1200" smtClean="0"/>
-              <a:t>数据读取</a:t>
-            </a:r>
-            <a:endParaRPr kumimoji="1" lang="zh-CN" altLang="en-US" sz="1200"/>
-          </a:p>
-        </p:txBody>
-      </p:sp>
-      <p:sp>
-        <p:nvSpPr>
-          <p:cNvPr id="28" name="文本框 27"/>
-          <p:cNvSpPr txBox="1"/>
-          <p:nvPr/>
-        </p:nvSpPr>
-        <p:spPr>
-          <a:xfrm>
-            <a:off x="5162676" y="3206319"/>
-            <a:ext cx="800219" cy="276999"/>
+            <a:off x="2930572" y="2641216"/>
+            <a:ext cx="543739" cy="307777"/>
           </a:xfrm>
           <a:prstGeom prst="rect">
             <a:avLst/>
@@ -6379,166 +6195,23 @@
           <a:lstStyle/>
           <a:p>
             <a:r>
-              <a:rPr kumimoji="1" lang="zh-CN" altLang="en-US" sz="1200" smtClean="0"/>
-              <a:t>数据写入</a:t>
-            </a:r>
-            <a:endParaRPr kumimoji="1" lang="zh-CN" altLang="en-US" sz="1200"/>
-          </a:p>
-        </p:txBody>
-      </p:sp>
-      <p:sp>
-        <p:nvSpPr>
-          <p:cNvPr id="31" name="罐形 30"/>
-          <p:cNvSpPr/>
-          <p:nvPr/>
-        </p:nvSpPr>
-        <p:spPr>
-          <a:xfrm>
-            <a:off x="857011" y="2237424"/>
-            <a:ext cx="1302938" cy="657975"/>
-          </a:xfrm>
-          <a:prstGeom prst="can">
-            <a:avLst/>
-          </a:prstGeom>
-        </p:spPr>
-        <p:style>
-          <a:lnRef idx="2">
-            <a:schemeClr val="accent1">
-              <a:shade val="50000"/>
-            </a:schemeClr>
-          </a:lnRef>
-          <a:fillRef idx="1">
-            <a:schemeClr val="accent1"/>
-          </a:fillRef>
-          <a:effectRef idx="0">
-            <a:schemeClr val="accent1"/>
-          </a:effectRef>
-          <a:fontRef idx="minor">
-            <a:schemeClr val="lt1"/>
-          </a:fontRef>
-        </p:style>
-        <p:txBody>
-          <a:bodyPr rtlCol="0" anchor="ctr"/>
-          <a:lstStyle/>
-          <a:p>
-            <a:pPr algn="ctr"/>
-            <a:r>
-              <a:rPr kumimoji="1" lang="en-US" altLang="zh-CN" sz="1400" smtClean="0"/>
-              <a:t>disk</a:t>
+              <a:rPr kumimoji="1" lang="zh-CN" altLang="en-US" sz="1400" smtClean="0"/>
+              <a:t>注册</a:t>
             </a:r>
             <a:endParaRPr kumimoji="1" lang="zh-CN" altLang="en-US" sz="1400"/>
           </a:p>
         </p:txBody>
       </p:sp>
-      <p:cxnSp>
-        <p:nvCxnSpPr>
-          <p:cNvPr id="33" name="直线箭头连接符 32"/>
-          <p:cNvCxnSpPr/>
-          <p:nvPr/>
-        </p:nvCxnSpPr>
-        <p:spPr>
-          <a:xfrm flipV="1">
-            <a:off x="5126215" y="1704436"/>
-            <a:ext cx="973356" cy="442126"/>
-          </a:xfrm>
-          <a:prstGeom prst="straightConnector1">
-            <a:avLst/>
-          </a:prstGeom>
-          <a:ln>
-            <a:tailEnd type="triangle"/>
-          </a:ln>
-        </p:spPr>
-        <p:style>
-          <a:lnRef idx="1">
-            <a:schemeClr val="accent1"/>
-          </a:lnRef>
-          <a:fillRef idx="0">
-            <a:schemeClr val="accent1"/>
-          </a:fillRef>
-          <a:effectRef idx="0">
-            <a:schemeClr val="accent1"/>
-          </a:effectRef>
-          <a:fontRef idx="minor">
-            <a:schemeClr val="tx1"/>
-          </a:fontRef>
-        </p:style>
-      </p:cxnSp>
-      <p:cxnSp>
-        <p:nvCxnSpPr>
-          <p:cNvPr id="40" name="直线箭头连接符 39"/>
-          <p:cNvCxnSpPr/>
-          <p:nvPr/>
-        </p:nvCxnSpPr>
-        <p:spPr>
-          <a:xfrm>
-            <a:off x="7414137" y="1687967"/>
-            <a:ext cx="1240767" cy="647014"/>
-          </a:xfrm>
-          <a:prstGeom prst="straightConnector1">
-            <a:avLst/>
-          </a:prstGeom>
-          <a:ln>
-            <a:tailEnd type="triangle"/>
-          </a:ln>
-        </p:spPr>
-        <p:style>
-          <a:lnRef idx="1">
-            <a:schemeClr val="accent1"/>
-          </a:lnRef>
-          <a:fillRef idx="0">
-            <a:schemeClr val="accent1"/>
-          </a:fillRef>
-          <a:effectRef idx="0">
-            <a:schemeClr val="accent1"/>
-          </a:effectRef>
-          <a:fontRef idx="minor">
-            <a:schemeClr val="tx1"/>
-          </a:fontRef>
-        </p:style>
-      </p:cxnSp>
-      <p:cxnSp>
-        <p:nvCxnSpPr>
-          <p:cNvPr id="42" name="直线箭头连接符 41"/>
-          <p:cNvCxnSpPr/>
-          <p:nvPr/>
-        </p:nvCxnSpPr>
-        <p:spPr>
-          <a:xfrm flipH="1">
-            <a:off x="7339779" y="2669720"/>
-            <a:ext cx="1315125" cy="719214"/>
-          </a:xfrm>
-          <a:prstGeom prst="straightConnector1">
-            <a:avLst/>
-          </a:prstGeom>
-          <a:ln>
-            <a:tailEnd type="triangle"/>
-          </a:ln>
-        </p:spPr>
-        <p:style>
-          <a:lnRef idx="1">
-            <a:schemeClr val="accent1"/>
-          </a:lnRef>
-          <a:fillRef idx="0">
-            <a:schemeClr val="accent1"/>
-          </a:fillRef>
-          <a:effectRef idx="0">
-            <a:schemeClr val="accent1"/>
-          </a:effectRef>
-          <a:fontRef idx="minor">
-            <a:schemeClr val="tx1"/>
-          </a:fontRef>
-        </p:style>
-      </p:cxnSp>
-      <p:sp>
-        <p:nvSpPr>
-          <p:cNvPr id="45" name="文本框 44"/>
+      <p:sp>
+        <p:nvSpPr>
+          <p:cNvPr id="23" name="文本框 22"/>
           <p:cNvSpPr txBox="1"/>
           <p:nvPr/>
         </p:nvSpPr>
         <p:spPr>
           <a:xfrm>
-            <a:off x="184070" y="6209328"/>
-            <a:ext cx="2802370" cy="276999"/>
+            <a:off x="6600472" y="2613339"/>
+            <a:ext cx="543739" cy="307777"/>
           </a:xfrm>
           <a:prstGeom prst="rect">
             <a:avLst/>
@@ -6552,71 +6225,23 @@
           <a:lstStyle/>
           <a:p>
             <a:r>
-              <a:rPr kumimoji="1" lang="zh-CN" altLang="en-US" sz="1200" smtClean="0"/>
-              <a:t>在传统</a:t>
-            </a:r>
-            <a:r>
-              <a:rPr kumimoji="1" lang="en-US" altLang="zh-CN" sz="1200" smtClean="0"/>
-              <a:t>IO</a:t>
-            </a:r>
-            <a:r>
-              <a:rPr kumimoji="1" lang="zh-CN" altLang="en-US" sz="1200" smtClean="0"/>
-              <a:t>中，直接使用字符流、字节流</a:t>
-            </a:r>
-            <a:endParaRPr kumimoji="1" lang="zh-CN" altLang="en-US" sz="1200"/>
-          </a:p>
-        </p:txBody>
-      </p:sp>
-      <p:sp>
-        <p:nvSpPr>
-          <p:cNvPr id="46" name="矩形 45"/>
-          <p:cNvSpPr/>
-          <p:nvPr/>
-        </p:nvSpPr>
-        <p:spPr>
-          <a:xfrm>
-            <a:off x="8868668" y="1943829"/>
-            <a:ext cx="1382751" cy="993378"/>
-          </a:xfrm>
-          <a:prstGeom prst="rect">
-            <a:avLst/>
-          </a:prstGeom>
-        </p:spPr>
-        <p:style>
-          <a:lnRef idx="2">
-            <a:schemeClr val="accent1">
-              <a:shade val="50000"/>
-            </a:schemeClr>
-          </a:lnRef>
-          <a:fillRef idx="1">
-            <a:schemeClr val="accent1"/>
-          </a:fillRef>
-          <a:effectRef idx="0">
-            <a:schemeClr val="accent1"/>
-          </a:effectRef>
-          <a:fontRef idx="minor">
-            <a:schemeClr val="lt1"/>
-          </a:fontRef>
-        </p:style>
-        <p:txBody>
-          <a:bodyPr rtlCol="0" anchor="ctr"/>
-          <a:lstStyle/>
-          <a:p>
-            <a:pPr algn="ctr"/>
-            <a:endParaRPr kumimoji="1" lang="zh-CN" altLang="en-US"/>
-          </a:p>
-        </p:txBody>
-      </p:sp>
-      <p:sp>
-        <p:nvSpPr>
-          <p:cNvPr id="47" name="文本框 46"/>
+              <a:rPr kumimoji="1" lang="zh-CN" altLang="en-US" sz="1400" smtClean="0"/>
+              <a:t>注册</a:t>
+            </a:r>
+            <a:endParaRPr kumimoji="1" lang="en-US" altLang="zh-CN" sz="1400" smtClean="0"/>
+          </a:p>
+        </p:txBody>
+      </p:sp>
+      <p:sp>
+        <p:nvSpPr>
+          <p:cNvPr id="24" name="文本框 23"/>
           <p:cNvSpPr txBox="1"/>
           <p:nvPr/>
         </p:nvSpPr>
         <p:spPr>
           <a:xfrm>
-            <a:off x="8945932" y="2326994"/>
-            <a:ext cx="1228221" cy="307777"/>
+            <a:off x="5969530" y="3113022"/>
+            <a:ext cx="902811" cy="307777"/>
           </a:xfrm>
           <a:prstGeom prst="rect">
             <a:avLst/>
@@ -6630,31 +6255,23 @@
           <a:lstStyle/>
           <a:p>
             <a:r>
-              <a:rPr kumimoji="1" lang="en-US" altLang="zh-CN" sz="1400" smtClean="0"/>
-              <a:t>Java</a:t>
-            </a:r>
-            <a:r>
               <a:rPr kumimoji="1" lang="zh-CN" altLang="en-US" sz="1400" smtClean="0"/>
-              <a:t> </a:t>
-            </a:r>
-            <a:r>
-              <a:rPr kumimoji="1" lang="en-US" altLang="zh-CN" sz="1400" smtClean="0"/>
-              <a:t>program</a:t>
-            </a:r>
-            <a:endParaRPr kumimoji="1" lang="zh-CN" altLang="en-US" sz="1400"/>
-          </a:p>
-        </p:txBody>
-      </p:sp>
-      <p:sp>
-        <p:nvSpPr>
-          <p:cNvPr id="50" name="文本框 49"/>
+              <a:t>发送心跳</a:t>
+            </a:r>
+            <a:endParaRPr kumimoji="1" lang="en-US" altLang="zh-CN" sz="1400" smtClean="0"/>
+          </a:p>
+        </p:txBody>
+      </p:sp>
+      <p:sp>
+        <p:nvSpPr>
+          <p:cNvPr id="25" name="文本框 24"/>
           <p:cNvSpPr txBox="1"/>
           <p:nvPr/>
         </p:nvSpPr>
         <p:spPr>
           <a:xfrm>
-            <a:off x="8119177" y="1805330"/>
-            <a:ext cx="492443" cy="276999"/>
+            <a:off x="3390409" y="3061389"/>
+            <a:ext cx="902811" cy="307777"/>
           </a:xfrm>
           <a:prstGeom prst="rect">
             <a:avLst/>
@@ -6668,277 +6285,17 @@
           <a:lstStyle/>
           <a:p>
             <a:r>
-              <a:rPr kumimoji="1" lang="zh-CN" altLang="en-US" sz="1200" smtClean="0"/>
-              <a:t>读取</a:t>
-            </a:r>
-            <a:endParaRPr kumimoji="1" lang="zh-CN" altLang="en-US" sz="1200"/>
-          </a:p>
-        </p:txBody>
-      </p:sp>
-      <p:sp>
-        <p:nvSpPr>
-          <p:cNvPr id="51" name="文本框 50"/>
-          <p:cNvSpPr txBox="1"/>
-          <p:nvPr/>
-        </p:nvSpPr>
-        <p:spPr>
-          <a:xfrm>
-            <a:off x="8005958" y="3028993"/>
-            <a:ext cx="492443" cy="276999"/>
-          </a:xfrm>
-          <a:prstGeom prst="rect">
-            <a:avLst/>
-          </a:prstGeom>
-          <a:noFill/>
-        </p:spPr>
-        <p:txBody>
-          <a:bodyPr wrap="none" rtlCol="0">
-            <a:spAutoFit/>
-          </a:bodyPr>
-          <a:lstStyle/>
-          <a:p>
-            <a:r>
-              <a:rPr kumimoji="1" lang="zh-CN" altLang="en-US" sz="1200" smtClean="0"/>
-              <a:t>写入</a:t>
-            </a:r>
-            <a:endParaRPr kumimoji="1" lang="zh-CN" altLang="en-US" sz="1200"/>
-          </a:p>
-        </p:txBody>
-      </p:sp>
-      <p:sp>
-        <p:nvSpPr>
-          <p:cNvPr id="52" name="文本框 51"/>
-          <p:cNvSpPr txBox="1"/>
-          <p:nvPr/>
-        </p:nvSpPr>
-        <p:spPr>
-          <a:xfrm>
-            <a:off x="2731402" y="4457399"/>
-            <a:ext cx="1095172" cy="276999"/>
-          </a:xfrm>
-          <a:prstGeom prst="rect">
-            <a:avLst/>
-          </a:prstGeom>
-          <a:noFill/>
-        </p:spPr>
-        <p:txBody>
-          <a:bodyPr wrap="none" rtlCol="0">
-            <a:spAutoFit/>
-          </a:bodyPr>
-          <a:lstStyle/>
-          <a:p>
-            <a:r>
-              <a:rPr kumimoji="1" lang="zh-CN" altLang="en-US" sz="1200" smtClean="0"/>
-              <a:t>通道</a:t>
-            </a:r>
-            <a:r>
-              <a:rPr kumimoji="1" lang="en-US" altLang="zh-CN" sz="1200" smtClean="0"/>
-              <a:t>(channel)</a:t>
-            </a:r>
-            <a:endParaRPr kumimoji="1" lang="zh-CN" altLang="en-US" sz="1200"/>
-          </a:p>
-        </p:txBody>
-      </p:sp>
-      <p:cxnSp>
-        <p:nvCxnSpPr>
-          <p:cNvPr id="58" name="直线箭头连接符 57"/>
-          <p:cNvCxnSpPr/>
-          <p:nvPr/>
-        </p:nvCxnSpPr>
-        <p:spPr>
-          <a:xfrm>
-            <a:off x="2912636" y="2237424"/>
-            <a:ext cx="1269071" cy="0"/>
-          </a:xfrm>
-          <a:prstGeom prst="straightConnector1">
-            <a:avLst/>
-          </a:prstGeom>
-          <a:ln>
-            <a:solidFill>
-              <a:schemeClr val="tx2">
-                <a:lumMod val="40000"/>
-                <a:lumOff val="60000"/>
-              </a:schemeClr>
-            </a:solidFill>
-            <a:tailEnd type="triangle"/>
-          </a:ln>
-        </p:spPr>
-        <p:style>
-          <a:lnRef idx="1">
-            <a:schemeClr val="accent1"/>
-          </a:lnRef>
-          <a:fillRef idx="0">
-            <a:schemeClr val="accent1"/>
-          </a:fillRef>
-          <a:effectRef idx="0">
-            <a:schemeClr val="accent1"/>
-          </a:effectRef>
-          <a:fontRef idx="minor">
-            <a:schemeClr val="tx1"/>
-          </a:fontRef>
-        </p:style>
-      </p:cxnSp>
-      <p:cxnSp>
-        <p:nvCxnSpPr>
-          <p:cNvPr id="59" name="直线箭头连接符 58"/>
-          <p:cNvCxnSpPr/>
-          <p:nvPr/>
-        </p:nvCxnSpPr>
-        <p:spPr>
-          <a:xfrm flipH="1" flipV="1">
-            <a:off x="2912637" y="2667405"/>
-            <a:ext cx="1190867" cy="2315"/>
-          </a:xfrm>
-          <a:prstGeom prst="straightConnector1">
-            <a:avLst/>
-          </a:prstGeom>
-          <a:ln>
-            <a:solidFill>
-              <a:schemeClr val="tx2">
-                <a:lumMod val="40000"/>
-                <a:lumOff val="60000"/>
-              </a:schemeClr>
-            </a:solidFill>
-            <a:tailEnd type="triangle"/>
-          </a:ln>
-        </p:spPr>
-        <p:style>
-          <a:lnRef idx="1">
-            <a:schemeClr val="accent1"/>
-          </a:lnRef>
-          <a:fillRef idx="0">
-            <a:schemeClr val="accent1"/>
-          </a:fillRef>
-          <a:effectRef idx="0">
-            <a:schemeClr val="accent1"/>
-          </a:effectRef>
-          <a:fontRef idx="minor">
-            <a:schemeClr val="tx1"/>
-          </a:fontRef>
-        </p:style>
-      </p:cxnSp>
-      <p:cxnSp>
-        <p:nvCxnSpPr>
-          <p:cNvPr id="64" name="直线箭头连接符 63"/>
-          <p:cNvCxnSpPr/>
-          <p:nvPr/>
-        </p:nvCxnSpPr>
-        <p:spPr>
-          <a:xfrm>
-            <a:off x="2912635" y="2011474"/>
-            <a:ext cx="1269071" cy="0"/>
-          </a:xfrm>
-          <a:prstGeom prst="straightConnector1">
-            <a:avLst/>
-          </a:prstGeom>
-          <a:ln>
-            <a:solidFill>
-              <a:schemeClr val="tx2">
-                <a:lumMod val="40000"/>
-                <a:lumOff val="60000"/>
-              </a:schemeClr>
-            </a:solidFill>
-            <a:tailEnd type="triangle"/>
-          </a:ln>
-        </p:spPr>
-        <p:style>
-          <a:lnRef idx="1">
-            <a:schemeClr val="accent1"/>
-          </a:lnRef>
-          <a:fillRef idx="0">
-            <a:schemeClr val="accent1"/>
-          </a:fillRef>
-          <a:effectRef idx="0">
-            <a:schemeClr val="accent1"/>
-          </a:effectRef>
-          <a:fontRef idx="minor">
-            <a:schemeClr val="tx1"/>
-          </a:fontRef>
-        </p:style>
-      </p:cxnSp>
-      <p:cxnSp>
-        <p:nvCxnSpPr>
-          <p:cNvPr id="65" name="直线箭头连接符 64"/>
-          <p:cNvCxnSpPr/>
-          <p:nvPr/>
-        </p:nvCxnSpPr>
-        <p:spPr>
-          <a:xfrm flipH="1" flipV="1">
-            <a:off x="2912635" y="2919796"/>
-            <a:ext cx="1190867" cy="2315"/>
-          </a:xfrm>
-          <a:prstGeom prst="straightConnector1">
-            <a:avLst/>
-          </a:prstGeom>
-          <a:ln>
-            <a:solidFill>
-              <a:schemeClr val="tx2">
-                <a:lumMod val="40000"/>
-                <a:lumOff val="60000"/>
-              </a:schemeClr>
-            </a:solidFill>
-            <a:tailEnd type="triangle"/>
-          </a:ln>
-        </p:spPr>
-        <p:style>
-          <a:lnRef idx="1">
-            <a:schemeClr val="accent1"/>
-          </a:lnRef>
-          <a:fillRef idx="0">
-            <a:schemeClr val="accent1"/>
-          </a:fillRef>
-          <a:effectRef idx="0">
-            <a:schemeClr val="accent1"/>
-          </a:effectRef>
-          <a:fontRef idx="minor">
-            <a:schemeClr val="tx1"/>
-          </a:fontRef>
-        </p:style>
-      </p:cxnSp>
-      <p:sp>
-        <p:nvSpPr>
-          <p:cNvPr id="66" name="罐形 65"/>
-          <p:cNvSpPr/>
-          <p:nvPr/>
-        </p:nvSpPr>
-        <p:spPr>
-          <a:xfrm rot="5400000">
-            <a:off x="3361825" y="2790515"/>
-            <a:ext cx="483819" cy="2304048"/>
-          </a:xfrm>
-          <a:prstGeom prst="can">
-            <a:avLst/>
-          </a:prstGeom>
-        </p:spPr>
-        <p:style>
-          <a:lnRef idx="2">
-            <a:schemeClr val="accent1">
-              <a:shade val="50000"/>
-            </a:schemeClr>
-          </a:lnRef>
-          <a:fillRef idx="1">
-            <a:schemeClr val="accent1"/>
-          </a:fillRef>
-          <a:effectRef idx="0">
-            <a:schemeClr val="accent1"/>
-          </a:effectRef>
-          <a:fontRef idx="minor">
-            <a:schemeClr val="lt1"/>
-          </a:fontRef>
-        </p:style>
-        <p:txBody>
-          <a:bodyPr rtlCol="0" anchor="ctr"/>
-          <a:lstStyle/>
-          <a:p>
-            <a:pPr algn="ctr"/>
-            <a:endParaRPr kumimoji="1" lang="zh-CN" altLang="en-US"/>
+              <a:rPr kumimoji="1" lang="zh-CN" altLang="en-US" sz="1400" smtClean="0"/>
+              <a:t>发送心跳</a:t>
+            </a:r>
+            <a:endParaRPr kumimoji="1" lang="en-US" altLang="zh-CN" sz="1400" smtClean="0"/>
           </a:p>
         </p:txBody>
       </p:sp>
     </p:spTree>
     <p:extLst>
       <p:ext uri="{BB962C8B-B14F-4D97-AF65-F5344CB8AC3E}">
-        <p14:creationId xmlns:p14="http://schemas.microsoft.com/office/powerpoint/2010/main" val="1796816923"/>
+        <p14:creationId xmlns:p14="http://schemas.microsoft.com/office/powerpoint/2010/main" val="797312727"/>
       </p:ext>
     </p:extLst>
   </p:cSld>
@@ -6974,137 +6331,14 @@
       </p:grpSpPr>
       <p:sp>
         <p:nvSpPr>
-          <p:cNvPr id="4" name="矩形 3"/>
-          <p:cNvSpPr/>
-          <p:nvPr/>
-        </p:nvSpPr>
-        <p:spPr>
-          <a:xfrm>
-            <a:off x="2130996" y="3902928"/>
-            <a:ext cx="1170878" cy="1193180"/>
-          </a:xfrm>
-          <a:prstGeom prst="rect">
-            <a:avLst/>
-          </a:prstGeom>
-          <a:noFill/>
-        </p:spPr>
-        <p:style>
-          <a:lnRef idx="2">
-            <a:schemeClr val="accent1">
-              <a:shade val="50000"/>
-            </a:schemeClr>
-          </a:lnRef>
-          <a:fillRef idx="1">
-            <a:schemeClr val="accent1"/>
-          </a:fillRef>
-          <a:effectRef idx="0">
-            <a:schemeClr val="accent1"/>
-          </a:effectRef>
-          <a:fontRef idx="minor">
-            <a:schemeClr val="lt1"/>
-          </a:fontRef>
-        </p:style>
-        <p:txBody>
-          <a:bodyPr rtlCol="0" anchor="ctr"/>
-          <a:lstStyle/>
-          <a:p>
-            <a:pPr algn="ctr"/>
-            <a:endParaRPr kumimoji="1" lang="zh-CN" altLang="en-US"/>
-          </a:p>
-        </p:txBody>
-      </p:sp>
-      <p:sp>
-        <p:nvSpPr>
-          <p:cNvPr id="6" name="矩形 5"/>
-          <p:cNvSpPr/>
-          <p:nvPr/>
-        </p:nvSpPr>
-        <p:spPr>
-          <a:xfrm>
-            <a:off x="6910038" y="3902928"/>
-            <a:ext cx="1170878" cy="1193180"/>
-          </a:xfrm>
-          <a:prstGeom prst="rect">
-            <a:avLst/>
-          </a:prstGeom>
-          <a:noFill/>
-        </p:spPr>
-        <p:style>
-          <a:lnRef idx="2">
-            <a:schemeClr val="accent1">
-              <a:shade val="50000"/>
-            </a:schemeClr>
-          </a:lnRef>
-          <a:fillRef idx="1">
-            <a:schemeClr val="accent1"/>
-          </a:fillRef>
-          <a:effectRef idx="0">
-            <a:schemeClr val="accent1"/>
-          </a:effectRef>
-          <a:fontRef idx="minor">
-            <a:schemeClr val="lt1"/>
-          </a:fontRef>
-        </p:style>
-        <p:txBody>
-          <a:bodyPr rtlCol="0" anchor="ctr"/>
-          <a:lstStyle/>
-          <a:p>
-            <a:pPr algn="ctr"/>
-            <a:endParaRPr kumimoji="1" lang="zh-CN" altLang="en-US"/>
-          </a:p>
-        </p:txBody>
-      </p:sp>
-      <p:sp>
-        <p:nvSpPr>
-          <p:cNvPr id="7" name="矩形 6"/>
-          <p:cNvSpPr/>
-          <p:nvPr/>
-        </p:nvSpPr>
-        <p:spPr>
-          <a:xfrm>
-            <a:off x="4545980" y="1267522"/>
-            <a:ext cx="1170878" cy="1193180"/>
-          </a:xfrm>
-          <a:prstGeom prst="rect">
-            <a:avLst/>
-          </a:prstGeom>
-          <a:noFill/>
-        </p:spPr>
-        <p:style>
-          <a:lnRef idx="2">
-            <a:schemeClr val="accent1">
-              <a:shade val="50000"/>
-            </a:schemeClr>
-          </a:lnRef>
-          <a:fillRef idx="1">
-            <a:schemeClr val="accent1"/>
-          </a:fillRef>
-          <a:effectRef idx="0">
-            <a:schemeClr val="accent1"/>
-          </a:effectRef>
-          <a:fontRef idx="minor">
-            <a:schemeClr val="lt1"/>
-          </a:fontRef>
-        </p:style>
-        <p:txBody>
-          <a:bodyPr rtlCol="0" anchor="ctr"/>
-          <a:lstStyle/>
-          <a:p>
-            <a:pPr algn="ctr"/>
-            <a:endParaRPr kumimoji="1" lang="zh-CN" altLang="en-US"/>
-          </a:p>
-        </p:txBody>
-      </p:sp>
-      <p:sp>
-        <p:nvSpPr>
-          <p:cNvPr id="8" name="文本框 7"/>
+          <p:cNvPr id="10" name="文本框 9"/>
           <p:cNvSpPr txBox="1"/>
           <p:nvPr/>
         </p:nvSpPr>
         <p:spPr>
           <a:xfrm>
-            <a:off x="2354798" y="4326001"/>
-            <a:ext cx="723275" cy="307777"/>
+            <a:off x="3624149" y="1929162"/>
+            <a:ext cx="902811" cy="523220"/>
           </a:xfrm>
           <a:prstGeom prst="rect">
             <a:avLst/>
@@ -7118,8 +6352,22 @@
           <a:lstStyle/>
           <a:p>
             <a:r>
+              <a:rPr kumimoji="1" lang="zh-CN" altLang="en-US" sz="1400"/>
+              <a:t> </a:t>
+            </a:r>
+            <a:r>
               <a:rPr kumimoji="1" lang="zh-CN" altLang="en-US" sz="1400" smtClean="0"/>
-              <a:t>提供者</a:t>
+              <a:t> </a:t>
+            </a:r>
+            <a:r>
+              <a:rPr kumimoji="1" lang="en-US" altLang="zh-CN" sz="1400" smtClean="0"/>
+              <a:t>Servlet</a:t>
+            </a:r>
+          </a:p>
+          <a:p>
+            <a:r>
+              <a:rPr kumimoji="1" lang="zh-CN" altLang="en-US" sz="1400" smtClean="0"/>
+              <a:t>顶级接口</a:t>
             </a:r>
             <a:endParaRPr kumimoji="1" lang="zh-CN" altLang="en-US" sz="1400"/>
           </a:p>
@@ -7127,14 +6375,14 @@
       </p:sp>
       <p:sp>
         <p:nvSpPr>
-          <p:cNvPr id="9" name="文本框 8"/>
+          <p:cNvPr id="12" name="文本框 11"/>
           <p:cNvSpPr txBox="1"/>
           <p:nvPr/>
         </p:nvSpPr>
         <p:spPr>
           <a:xfrm>
-            <a:off x="7133840" y="4323101"/>
-            <a:ext cx="723275" cy="307777"/>
+            <a:off x="3561592" y="2989416"/>
+            <a:ext cx="1295547" cy="307777"/>
           </a:xfrm>
           <a:prstGeom prst="rect">
             <a:avLst/>
@@ -7148,8 +6396,8 @@
           <a:lstStyle/>
           <a:p>
             <a:r>
-              <a:rPr kumimoji="1" lang="zh-CN" altLang="en-US" sz="1400" smtClean="0"/>
-              <a:t>调用者</a:t>
+              <a:rPr kumimoji="1" lang="en-US" altLang="zh-CN" sz="1400" smtClean="0"/>
+              <a:t>GenericServlet</a:t>
             </a:r>
             <a:endParaRPr kumimoji="1" lang="zh-CN" altLang="en-US" sz="1400"/>
           </a:p>
@@ -7157,14 +6405,14 @@
       </p:sp>
       <p:sp>
         <p:nvSpPr>
-          <p:cNvPr id="10" name="文本框 9"/>
+          <p:cNvPr id="13" name="文本框 12"/>
           <p:cNvSpPr txBox="1"/>
           <p:nvPr/>
         </p:nvSpPr>
         <p:spPr>
           <a:xfrm>
-            <a:off x="4680013" y="1556335"/>
-            <a:ext cx="902811" cy="307777"/>
+            <a:off x="3612087" y="3843585"/>
+            <a:ext cx="1048685" cy="307777"/>
           </a:xfrm>
           <a:prstGeom prst="rect">
             <a:avLst/>
@@ -7178,8 +6426,8 @@
           <a:lstStyle/>
           <a:p>
             <a:r>
-              <a:rPr kumimoji="1" lang="zh-CN" altLang="en-US" sz="1400" smtClean="0"/>
-              <a:t>注册中心</a:t>
+              <a:rPr kumimoji="1" lang="en-US" altLang="zh-CN" sz="1400" smtClean="0"/>
+              <a:t>HttpServlet</a:t>
             </a:r>
             <a:endParaRPr kumimoji="1" lang="zh-CN" altLang="en-US" sz="1400"/>
           </a:p>
@@ -7187,14 +6435,14 @@
       </p:sp>
       <p:sp>
         <p:nvSpPr>
-          <p:cNvPr id="11" name="文本框 10"/>
+          <p:cNvPr id="15" name="文本框 14"/>
           <p:cNvSpPr txBox="1"/>
           <p:nvPr/>
         </p:nvSpPr>
         <p:spPr>
           <a:xfrm>
-            <a:off x="4545980" y="474292"/>
-            <a:ext cx="1019831" cy="523220"/>
+            <a:off x="1639865" y="3408703"/>
+            <a:ext cx="1231427" cy="307777"/>
           </a:xfrm>
           <a:prstGeom prst="rect">
             <a:avLst/>
@@ -7209,13 +6457,15 @@
           <a:p>
             <a:r>
               <a:rPr kumimoji="1" lang="en-US" altLang="zh-CN" sz="1400" smtClean="0"/>
-              <a:t>Eureka</a:t>
-            </a:r>
-          </a:p>
-          <a:p>
+              <a:t>Abstract</a:t>
+            </a:r>
+            <a:r>
+              <a:rPr kumimoji="1" lang="zh-CN" altLang="en-US" sz="1400" smtClean="0"/>
+              <a:t> </a:t>
+            </a:r>
             <a:r>
               <a:rPr kumimoji="1" lang="en-US" altLang="zh-CN" sz="1400" smtClean="0"/>
-              <a:t>Zookeeper</a:t>
+              <a:t>class</a:t>
             </a:r>
             <a:endParaRPr kumimoji="1" lang="zh-CN" altLang="en-US" sz="1400"/>
           </a:p>
@@ -7223,77 +6473,17 @@
       </p:sp>
       <p:cxnSp>
         <p:nvCxnSpPr>
-          <p:cNvPr id="13" name="直线箭头连接符 12"/>
-          <p:cNvCxnSpPr/>
+          <p:cNvPr id="17" name="直线箭头连接符 16"/>
+          <p:cNvCxnSpPr>
+            <a:stCxn id="15" idx="3"/>
+            <a:endCxn id="12" idx="1"/>
+          </p:cNvCxnSpPr>
           <p:nvPr/>
         </p:nvCxnSpPr>
         <p:spPr>
-          <a:xfrm flipH="1">
-            <a:off x="3301874" y="4323101"/>
-            <a:ext cx="3608164" cy="0"/>
-          </a:xfrm>
-          <a:prstGeom prst="straightConnector1">
-            <a:avLst/>
-          </a:prstGeom>
-          <a:ln>
-            <a:tailEnd type="triangle"/>
-          </a:ln>
-        </p:spPr>
-        <p:style>
-          <a:lnRef idx="1">
-            <a:schemeClr val="accent1"/>
-          </a:lnRef>
-          <a:fillRef idx="0">
-            <a:schemeClr val="accent1"/>
-          </a:fillRef>
-          <a:effectRef idx="0">
-            <a:schemeClr val="accent1"/>
-          </a:effectRef>
-          <a:fontRef idx="minor">
-            <a:schemeClr val="tx1"/>
-          </a:fontRef>
-        </p:style>
-      </p:cxnSp>
-      <p:sp>
-        <p:nvSpPr>
-          <p:cNvPr id="14" name="文本框 13"/>
-          <p:cNvSpPr txBox="1"/>
-          <p:nvPr/>
-        </p:nvSpPr>
-        <p:spPr>
-          <a:xfrm>
-            <a:off x="4834086" y="4015324"/>
-            <a:ext cx="543739" cy="307777"/>
-          </a:xfrm>
-          <a:prstGeom prst="rect">
-            <a:avLst/>
-          </a:prstGeom>
-          <a:noFill/>
-        </p:spPr>
-        <p:txBody>
-          <a:bodyPr wrap="none" rtlCol="0">
-            <a:spAutoFit/>
-          </a:bodyPr>
-          <a:lstStyle/>
-          <a:p>
-            <a:r>
-              <a:rPr kumimoji="1" lang="zh-CN" altLang="en-US" sz="1400" smtClean="0"/>
-              <a:t>调用</a:t>
-            </a:r>
-            <a:endParaRPr kumimoji="1" lang="zh-CN" altLang="en-US" sz="1400"/>
-          </a:p>
-        </p:txBody>
-      </p:sp>
-      <p:cxnSp>
-        <p:nvCxnSpPr>
-          <p:cNvPr id="16" name="直线箭头连接符 15"/>
-          <p:cNvCxnSpPr/>
-          <p:nvPr/>
-        </p:nvCxnSpPr>
-        <p:spPr>
           <a:xfrm flipV="1">
-            <a:off x="2716435" y="2107580"/>
-            <a:ext cx="1576785" cy="1627072"/>
+            <a:off x="2871292" y="3143305"/>
+            <a:ext cx="690300" cy="419287"/>
           </a:xfrm>
           <a:prstGeom prst="straightConnector1">
             <a:avLst/>
@@ -7319,14 +6509,16 @@
       </p:cxnSp>
       <p:cxnSp>
         <p:nvCxnSpPr>
-          <p:cNvPr id="18" name="直线箭头连接符 17"/>
-          <p:cNvCxnSpPr/>
+          <p:cNvPr id="19" name="直线箭头连接符 18"/>
+          <p:cNvCxnSpPr>
+            <a:stCxn id="15" idx="3"/>
+          </p:cNvCxnSpPr>
           <p:nvPr/>
         </p:nvCxnSpPr>
         <p:spPr>
-          <a:xfrm flipH="1" flipV="1">
-            <a:off x="5843240" y="2085278"/>
-            <a:ext cx="1674539" cy="1727431"/>
+          <a:xfrm>
+            <a:off x="2871292" y="3562592"/>
+            <a:ext cx="690300" cy="392503"/>
           </a:xfrm>
           <a:prstGeom prst="straightConnector1">
             <a:avLst/>
@@ -7350,16 +6542,84 @@
           </a:fontRef>
         </p:style>
       </p:cxnSp>
-      <p:sp>
-        <p:nvSpPr>
-          <p:cNvPr id="22" name="文本框 21"/>
+      <p:cxnSp>
+        <p:nvCxnSpPr>
+          <p:cNvPr id="23" name="直线箭头连接符 22"/>
+          <p:cNvCxnSpPr>
+            <a:stCxn id="10" idx="2"/>
+          </p:cNvCxnSpPr>
+          <p:nvPr/>
+        </p:nvCxnSpPr>
+        <p:spPr>
+          <a:xfrm flipH="1">
+            <a:off x="4070195" y="2452382"/>
+            <a:ext cx="5360" cy="546392"/>
+          </a:xfrm>
+          <a:prstGeom prst="straightConnector1">
+            <a:avLst/>
+          </a:prstGeom>
+          <a:ln>
+            <a:tailEnd type="triangle"/>
+          </a:ln>
+        </p:spPr>
+        <p:style>
+          <a:lnRef idx="1">
+            <a:schemeClr val="accent1"/>
+          </a:lnRef>
+          <a:fillRef idx="0">
+            <a:schemeClr val="accent1"/>
+          </a:fillRef>
+          <a:effectRef idx="0">
+            <a:schemeClr val="accent1"/>
+          </a:effectRef>
+          <a:fontRef idx="minor">
+            <a:schemeClr val="tx1"/>
+          </a:fontRef>
+        </p:style>
+      </p:cxnSp>
+      <p:cxnSp>
+        <p:nvCxnSpPr>
+          <p:cNvPr id="26" name="直线箭头连接符 25"/>
+          <p:cNvCxnSpPr/>
+          <p:nvPr/>
+        </p:nvCxnSpPr>
+        <p:spPr>
+          <a:xfrm>
+            <a:off x="4070195" y="3297193"/>
+            <a:ext cx="0" cy="419287"/>
+          </a:xfrm>
+          <a:prstGeom prst="straightConnector1">
+            <a:avLst/>
+          </a:prstGeom>
+          <a:ln>
+            <a:tailEnd type="triangle"/>
+          </a:ln>
+        </p:spPr>
+        <p:style>
+          <a:lnRef idx="1">
+            <a:schemeClr val="accent1"/>
+          </a:lnRef>
+          <a:fillRef idx="0">
+            <a:schemeClr val="accent1"/>
+          </a:fillRef>
+          <a:effectRef idx="0">
+            <a:schemeClr val="accent1"/>
+          </a:effectRef>
+          <a:fontRef idx="minor">
+            <a:schemeClr val="tx1"/>
+          </a:fontRef>
+        </p:style>
+      </p:cxnSp>
+      <p:sp>
+        <p:nvSpPr>
+          <p:cNvPr id="27" name="文本框 26"/>
           <p:cNvSpPr txBox="1"/>
           <p:nvPr/>
         </p:nvSpPr>
         <p:spPr>
           <a:xfrm>
-            <a:off x="2930572" y="2641216"/>
-            <a:ext cx="543739" cy="307777"/>
+            <a:off x="5572845" y="1929163"/>
+            <a:ext cx="1378904" cy="307777"/>
           </a:xfrm>
           <a:prstGeom prst="rect">
             <a:avLst/>
@@ -7373,23 +6633,27 @@
           <a:lstStyle/>
           <a:p>
             <a:r>
-              <a:rPr kumimoji="1" lang="zh-CN" altLang="en-US" sz="1400" smtClean="0"/>
-              <a:t>注册</a:t>
-            </a:r>
-            <a:endParaRPr kumimoji="1" lang="zh-CN" altLang="en-US" sz="1400"/>
-          </a:p>
-        </p:txBody>
-      </p:sp>
-      <p:sp>
-        <p:nvSpPr>
-          <p:cNvPr id="23" name="文本框 22"/>
+              <a:rPr kumimoji="1" lang="zh-CN" altLang="en-US" sz="1400"/>
+              <a:t> </a:t>
+            </a:r>
+            <a:r>
+              <a:rPr kumimoji="1" lang="en-US" altLang="zh-CN" sz="1400" err="1" smtClean="0"/>
+              <a:t>ServletRequest</a:t>
+            </a:r>
+            <a:endParaRPr kumimoji="1" lang="en-US" altLang="zh-CN" sz="1400" smtClean="0"/>
+          </a:p>
+        </p:txBody>
+      </p:sp>
+      <p:sp>
+        <p:nvSpPr>
+          <p:cNvPr id="28" name="文本框 27"/>
           <p:cNvSpPr txBox="1"/>
           <p:nvPr/>
         </p:nvSpPr>
         <p:spPr>
           <a:xfrm>
-            <a:off x="6600472" y="2613339"/>
-            <a:ext cx="543739" cy="307777"/>
+            <a:off x="7670353" y="1929162"/>
+            <a:ext cx="1547218" cy="307777"/>
           </a:xfrm>
           <a:prstGeom prst="rect">
             <a:avLst/>
@@ -7403,8 +6667,16 @@
           <a:lstStyle/>
           <a:p>
             <a:r>
+              <a:rPr kumimoji="1" lang="zh-CN" altLang="en-US" sz="1400"/>
+              <a:t> </a:t>
+            </a:r>
+            <a:r>
               <a:rPr kumimoji="1" lang="zh-CN" altLang="en-US" sz="1400" smtClean="0"/>
-              <a:t>注册</a:t>
+              <a:t> </a:t>
+            </a:r>
+            <a:r>
+              <a:rPr kumimoji="1" lang="en-US" altLang="zh-CN" sz="1400" err="1" smtClean="0"/>
+              <a:t>ServletResponse</a:t>
             </a:r>
             <a:endParaRPr kumimoji="1" lang="en-US" altLang="zh-CN" sz="1400" smtClean="0"/>
           </a:p>
@@ -7412,14 +6684,14 @@
       </p:sp>
       <p:sp>
         <p:nvSpPr>
-          <p:cNvPr id="24" name="文本框 23"/>
+          <p:cNvPr id="29" name="文本框 28"/>
           <p:cNvSpPr txBox="1"/>
           <p:nvPr/>
         </p:nvSpPr>
         <p:spPr>
           <a:xfrm>
-            <a:off x="5969530" y="3113022"/>
-            <a:ext cx="902811" cy="307777"/>
+            <a:off x="9768907" y="1929162"/>
+            <a:ext cx="1313180" cy="307777"/>
           </a:xfrm>
           <a:prstGeom prst="rect">
             <a:avLst/>
@@ -7433,8 +6705,16 @@
           <a:lstStyle/>
           <a:p>
             <a:r>
+              <a:rPr kumimoji="1" lang="zh-CN" altLang="en-US" sz="1400"/>
+              <a:t> </a:t>
+            </a:r>
+            <a:r>
               <a:rPr kumimoji="1" lang="zh-CN" altLang="en-US" sz="1400" smtClean="0"/>
-              <a:t>发送心跳</a:t>
+              <a:t> </a:t>
+            </a:r>
+            <a:r>
+              <a:rPr kumimoji="1" lang="en-US" altLang="zh-CN" sz="1400" err="1" smtClean="0"/>
+              <a:t>ServletConfig</a:t>
             </a:r>
             <a:endParaRPr kumimoji="1" lang="en-US" altLang="zh-CN" sz="1400" smtClean="0"/>
           </a:p>
@@ -7442,14 +6722,14 @@
       </p:sp>
       <p:sp>
         <p:nvSpPr>
-          <p:cNvPr id="25" name="文本框 24"/>
+          <p:cNvPr id="30" name="文本框 29"/>
           <p:cNvSpPr txBox="1"/>
           <p:nvPr/>
         </p:nvSpPr>
         <p:spPr>
           <a:xfrm>
-            <a:off x="3390409" y="3061389"/>
-            <a:ext cx="902811" cy="307777"/>
+            <a:off x="5370281" y="2866752"/>
+            <a:ext cx="1721946" cy="307777"/>
           </a:xfrm>
           <a:prstGeom prst="rect">
             <a:avLst/>
@@ -7463,17 +6743,668 @@
           <a:lstStyle/>
           <a:p>
             <a:r>
+              <a:rPr kumimoji="1" lang="zh-CN" altLang="en-US" sz="1400"/>
+              <a:t> </a:t>
+            </a:r>
+            <a:r>
+              <a:rPr kumimoji="1" lang="en-US" altLang="zh-CN" sz="1400" err="1" smtClean="0"/>
+              <a:t>HttpServletRequest</a:t>
+            </a:r>
+            <a:endParaRPr kumimoji="1" lang="en-US" altLang="zh-CN" sz="1400" smtClean="0"/>
+          </a:p>
+        </p:txBody>
+      </p:sp>
+      <p:sp>
+        <p:nvSpPr>
+          <p:cNvPr id="31" name="文本框 30"/>
+          <p:cNvSpPr txBox="1"/>
+          <p:nvPr/>
+        </p:nvSpPr>
+        <p:spPr>
+          <a:xfrm>
+            <a:off x="7670353" y="2835527"/>
+            <a:ext cx="1840568" cy="307777"/>
+          </a:xfrm>
+          <a:prstGeom prst="rect">
+            <a:avLst/>
+          </a:prstGeom>
+          <a:noFill/>
+        </p:spPr>
+        <p:txBody>
+          <a:bodyPr wrap="none" rtlCol="0">
+            <a:spAutoFit/>
+          </a:bodyPr>
+          <a:lstStyle/>
+          <a:p>
+            <a:r>
+              <a:rPr kumimoji="1" lang="zh-CN" altLang="en-US" sz="1400"/>
+              <a:t> </a:t>
+            </a:r>
+            <a:r>
+              <a:rPr kumimoji="1" lang="en-US" altLang="zh-CN" sz="1400" err="1" smtClean="0"/>
+              <a:t>HttpServletResponse</a:t>
+            </a:r>
+            <a:endParaRPr kumimoji="1" lang="en-US" altLang="zh-CN" sz="1400" smtClean="0"/>
+          </a:p>
+        </p:txBody>
+      </p:sp>
+      <p:cxnSp>
+        <p:nvCxnSpPr>
+          <p:cNvPr id="33" name="直线箭头连接符 32"/>
+          <p:cNvCxnSpPr/>
+          <p:nvPr/>
+        </p:nvCxnSpPr>
+        <p:spPr>
+          <a:xfrm>
+            <a:off x="6262297" y="2330605"/>
+            <a:ext cx="0" cy="394973"/>
+          </a:xfrm>
+          <a:prstGeom prst="straightConnector1">
+            <a:avLst/>
+          </a:prstGeom>
+          <a:ln>
+            <a:tailEnd type="triangle"/>
+          </a:ln>
+        </p:spPr>
+        <p:style>
+          <a:lnRef idx="1">
+            <a:schemeClr val="accent1"/>
+          </a:lnRef>
+          <a:fillRef idx="0">
+            <a:schemeClr val="accent1"/>
+          </a:fillRef>
+          <a:effectRef idx="0">
+            <a:schemeClr val="accent1"/>
+          </a:effectRef>
+          <a:fontRef idx="minor">
+            <a:schemeClr val="tx1"/>
+          </a:fontRef>
+        </p:style>
+      </p:cxnSp>
+      <p:cxnSp>
+        <p:nvCxnSpPr>
+          <p:cNvPr id="35" name="直线箭头连接符 34"/>
+          <p:cNvCxnSpPr>
+            <a:stCxn id="28" idx="2"/>
+          </p:cNvCxnSpPr>
+          <p:nvPr/>
+        </p:nvCxnSpPr>
+        <p:spPr>
+          <a:xfrm>
+            <a:off x="8443962" y="2236939"/>
+            <a:ext cx="0" cy="488639"/>
+          </a:xfrm>
+          <a:prstGeom prst="straightConnector1">
+            <a:avLst/>
+          </a:prstGeom>
+          <a:ln>
+            <a:tailEnd type="triangle"/>
+          </a:ln>
+        </p:spPr>
+        <p:style>
+          <a:lnRef idx="1">
+            <a:schemeClr val="accent1"/>
+          </a:lnRef>
+          <a:fillRef idx="0">
+            <a:schemeClr val="accent1"/>
+          </a:fillRef>
+          <a:effectRef idx="0">
+            <a:schemeClr val="accent1"/>
+          </a:effectRef>
+          <a:fontRef idx="minor">
+            <a:schemeClr val="tx1"/>
+          </a:fontRef>
+        </p:style>
+      </p:cxnSp>
+      <p:sp>
+        <p:nvSpPr>
+          <p:cNvPr id="37" name="文本框 36"/>
+          <p:cNvSpPr txBox="1"/>
+          <p:nvPr/>
+        </p:nvSpPr>
+        <p:spPr>
+          <a:xfrm>
+            <a:off x="144749" y="111283"/>
+            <a:ext cx="3498073" cy="1169551"/>
+          </a:xfrm>
+          <a:prstGeom prst="rect">
+            <a:avLst/>
+          </a:prstGeom>
+          <a:noFill/>
+        </p:spPr>
+        <p:txBody>
+          <a:bodyPr wrap="none" rtlCol="0">
+            <a:spAutoFit/>
+          </a:bodyPr>
+          <a:lstStyle/>
+          <a:p>
+            <a:r>
+              <a:rPr kumimoji="1" lang="en-US" altLang="zh-CN" sz="1400" smtClean="0"/>
+              <a:t>1.init(</a:t>
+            </a:r>
+            <a:r>
+              <a:rPr kumimoji="1" lang="en-US" altLang="zh-CN" sz="1400" err="1" smtClean="0"/>
+              <a:t>ServletConfig</a:t>
+            </a:r>
+            <a:r>
+              <a:rPr kumimoji="1" lang="en-US" altLang="zh-CN" sz="1400" smtClean="0"/>
+              <a:t>)</a:t>
+            </a:r>
+          </a:p>
+          <a:p>
+            <a:r>
+              <a:rPr kumimoji="1" lang="en-US" altLang="zh-CN" sz="1400" smtClean="0"/>
+              <a:t>2.destroy()</a:t>
+            </a:r>
+          </a:p>
+          <a:p>
+            <a:r>
+              <a:rPr kumimoji="1" lang="en-US" altLang="zh-CN" sz="1400" smtClean="0"/>
+              <a:t>3.service(</a:t>
+            </a:r>
+            <a:r>
+              <a:rPr kumimoji="1" lang="en-US" altLang="zh-CN" sz="1400" err="1" smtClean="0"/>
+              <a:t>ServletRequest</a:t>
+            </a:r>
+            <a:r>
               <a:rPr kumimoji="1" lang="zh-CN" altLang="en-US" sz="1400" smtClean="0"/>
-              <a:t>发送心跳</a:t>
-            </a:r>
-            <a:endParaRPr kumimoji="1" lang="en-US" altLang="zh-CN" sz="1400" smtClean="0"/>
+              <a:t> </a:t>
+            </a:r>
+            <a:r>
+              <a:rPr kumimoji="1" lang="en-US" altLang="zh-CN" sz="1400" smtClean="0"/>
+              <a:t>,</a:t>
+            </a:r>
+            <a:r>
+              <a:rPr kumimoji="1" lang="zh-CN" altLang="en-US" sz="1400"/>
+              <a:t> </a:t>
+            </a:r>
+            <a:r>
+              <a:rPr kumimoji="1" lang="en-US" altLang="zh-CN" sz="1400" err="1" smtClean="0"/>
+              <a:t>SerlvetResponse</a:t>
+            </a:r>
+            <a:r>
+              <a:rPr kumimoji="1" lang="en-US" altLang="zh-CN" sz="1400" smtClean="0"/>
+              <a:t>)</a:t>
+            </a:r>
+          </a:p>
+          <a:p>
+            <a:r>
+              <a:rPr kumimoji="1" lang="en-US" altLang="zh-CN" sz="1400" smtClean="0"/>
+              <a:t>4.getServletConfig()</a:t>
+            </a:r>
+          </a:p>
+          <a:p>
+            <a:r>
+              <a:rPr kumimoji="1" lang="en-US" altLang="zh-CN" sz="1400" smtClean="0"/>
+              <a:t>5.getServletInfo()</a:t>
+            </a:r>
+            <a:endParaRPr kumimoji="1" lang="zh-CN" altLang="en-US" sz="1400"/>
+          </a:p>
+        </p:txBody>
+      </p:sp>
+      <p:cxnSp>
+        <p:nvCxnSpPr>
+          <p:cNvPr id="39" name="直线箭头连接符 38"/>
+          <p:cNvCxnSpPr/>
+          <p:nvPr/>
+        </p:nvCxnSpPr>
+        <p:spPr>
+          <a:xfrm>
+            <a:off x="1895707" y="1405054"/>
+            <a:ext cx="1460810" cy="677996"/>
+          </a:xfrm>
+          <a:prstGeom prst="straightConnector1">
+            <a:avLst/>
+          </a:prstGeom>
+          <a:ln>
+            <a:tailEnd type="triangle"/>
+          </a:ln>
+        </p:spPr>
+        <p:style>
+          <a:lnRef idx="1">
+            <a:schemeClr val="accent1"/>
+          </a:lnRef>
+          <a:fillRef idx="0">
+            <a:schemeClr val="accent1"/>
+          </a:fillRef>
+          <a:effectRef idx="0">
+            <a:schemeClr val="accent1"/>
+          </a:effectRef>
+          <a:fontRef idx="minor">
+            <a:schemeClr val="tx1"/>
+          </a:fontRef>
+        </p:style>
+      </p:cxnSp>
+      <p:sp>
+        <p:nvSpPr>
+          <p:cNvPr id="40" name="文本框 39"/>
+          <p:cNvSpPr txBox="1"/>
+          <p:nvPr/>
+        </p:nvSpPr>
+        <p:spPr>
+          <a:xfrm>
+            <a:off x="6501161" y="1028606"/>
+            <a:ext cx="1441420" cy="307777"/>
+          </a:xfrm>
+          <a:prstGeom prst="rect">
+            <a:avLst/>
+          </a:prstGeom>
+          <a:noFill/>
+        </p:spPr>
+        <p:txBody>
+          <a:bodyPr wrap="none" rtlCol="0">
+            <a:spAutoFit/>
+          </a:bodyPr>
+          <a:lstStyle/>
+          <a:p>
+            <a:r>
+              <a:rPr kumimoji="1" lang="zh-CN" altLang="en-US" sz="1400" smtClean="0"/>
+              <a:t>客户端请求接口</a:t>
+            </a:r>
+            <a:endParaRPr kumimoji="1" lang="zh-CN" altLang="en-US" sz="1400"/>
+          </a:p>
+        </p:txBody>
+      </p:sp>
+      <p:cxnSp>
+        <p:nvCxnSpPr>
+          <p:cNvPr id="42" name="直线箭头连接符 41"/>
+          <p:cNvCxnSpPr>
+            <a:stCxn id="40" idx="2"/>
+          </p:cNvCxnSpPr>
+          <p:nvPr/>
+        </p:nvCxnSpPr>
+        <p:spPr>
+          <a:xfrm flipH="1">
+            <a:off x="6701907" y="1336383"/>
+            <a:ext cx="519964" cy="492417"/>
+          </a:xfrm>
+          <a:prstGeom prst="straightConnector1">
+            <a:avLst/>
+          </a:prstGeom>
+          <a:ln>
+            <a:tailEnd type="triangle"/>
+          </a:ln>
+        </p:spPr>
+        <p:style>
+          <a:lnRef idx="1">
+            <a:schemeClr val="accent1"/>
+          </a:lnRef>
+          <a:fillRef idx="0">
+            <a:schemeClr val="accent1"/>
+          </a:fillRef>
+          <a:effectRef idx="0">
+            <a:schemeClr val="accent1"/>
+          </a:effectRef>
+          <a:fontRef idx="minor">
+            <a:schemeClr val="tx1"/>
+          </a:fontRef>
+        </p:style>
+      </p:cxnSp>
+      <p:cxnSp>
+        <p:nvCxnSpPr>
+          <p:cNvPr id="44" name="直线箭头连接符 43"/>
+          <p:cNvCxnSpPr>
+            <a:stCxn id="40" idx="2"/>
+          </p:cNvCxnSpPr>
+          <p:nvPr/>
+        </p:nvCxnSpPr>
+        <p:spPr>
+          <a:xfrm>
+            <a:off x="7221871" y="1336383"/>
+            <a:ext cx="684344" cy="499115"/>
+          </a:xfrm>
+          <a:prstGeom prst="straightConnector1">
+            <a:avLst/>
+          </a:prstGeom>
+          <a:ln>
+            <a:tailEnd type="triangle"/>
+          </a:ln>
+        </p:spPr>
+        <p:style>
+          <a:lnRef idx="1">
+            <a:schemeClr val="accent1"/>
+          </a:lnRef>
+          <a:fillRef idx="0">
+            <a:schemeClr val="accent1"/>
+          </a:fillRef>
+          <a:effectRef idx="0">
+            <a:schemeClr val="accent1"/>
+          </a:effectRef>
+          <a:fontRef idx="minor">
+            <a:schemeClr val="tx1"/>
+          </a:fontRef>
+        </p:style>
+      </p:cxnSp>
+      <p:sp>
+        <p:nvSpPr>
+          <p:cNvPr id="45" name="文本框 44"/>
+          <p:cNvSpPr txBox="1"/>
+          <p:nvPr/>
+        </p:nvSpPr>
+        <p:spPr>
+          <a:xfrm>
+            <a:off x="2255578" y="4197522"/>
+            <a:ext cx="3033203" cy="461665"/>
+          </a:xfrm>
+          <a:prstGeom prst="rect">
+            <a:avLst/>
+          </a:prstGeom>
+          <a:noFill/>
+        </p:spPr>
+        <p:txBody>
+          <a:bodyPr wrap="none" rtlCol="0">
+            <a:spAutoFit/>
+          </a:bodyPr>
+          <a:lstStyle/>
+          <a:p>
+            <a:r>
+              <a:rPr kumimoji="1" lang="zh-CN" altLang="en-US" sz="1200" smtClean="0"/>
+              <a:t>提供了与</a:t>
+            </a:r>
+            <a:r>
+              <a:rPr kumimoji="1" lang="en-US" altLang="zh-CN" sz="1200" smtClean="0"/>
+              <a:t>http</a:t>
+            </a:r>
+            <a:r>
+              <a:rPr kumimoji="1" lang="zh-CN" altLang="en-US" sz="1200" smtClean="0"/>
+              <a:t>协议相关实现，所有</a:t>
+            </a:r>
+            <a:r>
+              <a:rPr kumimoji="1" lang="en-US" altLang="zh-CN" sz="1200" smtClean="0"/>
+              <a:t>java</a:t>
+            </a:r>
+            <a:r>
+              <a:rPr kumimoji="1" lang="zh-CN" altLang="en-US" sz="1200" smtClean="0"/>
+              <a:t> </a:t>
+            </a:r>
+            <a:r>
+              <a:rPr kumimoji="1" lang="en-US" altLang="zh-CN" sz="1200" smtClean="0"/>
+              <a:t>web</a:t>
+            </a:r>
+          </a:p>
+          <a:p>
+            <a:r>
+              <a:rPr kumimoji="1" lang="zh-CN" altLang="en-US" sz="1200" smtClean="0"/>
+              <a:t>自定义开发，都实现</a:t>
+            </a:r>
+            <a:r>
+              <a:rPr kumimoji="1" lang="en-US" altLang="zh-CN" sz="1200" err="1" smtClean="0"/>
+              <a:t>HttpServlet</a:t>
+            </a:r>
+            <a:endParaRPr kumimoji="1" lang="zh-CN" altLang="en-US" sz="1200"/>
+          </a:p>
+        </p:txBody>
+      </p:sp>
+      <p:sp>
+        <p:nvSpPr>
+          <p:cNvPr id="46" name="文本框 45"/>
+          <p:cNvSpPr txBox="1"/>
+          <p:nvPr/>
+        </p:nvSpPr>
+        <p:spPr>
+          <a:xfrm>
+            <a:off x="6501161" y="3517507"/>
+            <a:ext cx="1604927" cy="307777"/>
+          </a:xfrm>
+          <a:prstGeom prst="rect">
+            <a:avLst/>
+          </a:prstGeom>
+          <a:noFill/>
+        </p:spPr>
+        <p:txBody>
+          <a:bodyPr wrap="none" rtlCol="0">
+            <a:spAutoFit/>
+          </a:bodyPr>
+          <a:lstStyle/>
+          <a:p>
+            <a:r>
+              <a:rPr kumimoji="1" lang="en-US" altLang="zh-CN" sz="1400" smtClean="0"/>
+              <a:t>Http</a:t>
+            </a:r>
+            <a:r>
+              <a:rPr kumimoji="1" lang="zh-CN" altLang="en-US" sz="1400" smtClean="0"/>
+              <a:t>协议相关接口</a:t>
+            </a:r>
+            <a:endParaRPr kumimoji="1" lang="zh-CN" altLang="en-US" sz="1400"/>
+          </a:p>
+        </p:txBody>
+      </p:sp>
+      <p:cxnSp>
+        <p:nvCxnSpPr>
+          <p:cNvPr id="48" name="直线箭头连接符 47"/>
+          <p:cNvCxnSpPr/>
+          <p:nvPr/>
+        </p:nvCxnSpPr>
+        <p:spPr>
+          <a:xfrm flipH="1" flipV="1">
+            <a:off x="6813395" y="3297193"/>
+            <a:ext cx="278832" cy="111510"/>
+          </a:xfrm>
+          <a:prstGeom prst="straightConnector1">
+            <a:avLst/>
+          </a:prstGeom>
+          <a:ln>
+            <a:tailEnd type="triangle"/>
+          </a:ln>
+        </p:spPr>
+        <p:style>
+          <a:lnRef idx="1">
+            <a:schemeClr val="accent1"/>
+          </a:lnRef>
+          <a:fillRef idx="0">
+            <a:schemeClr val="accent1"/>
+          </a:fillRef>
+          <a:effectRef idx="0">
+            <a:schemeClr val="accent1"/>
+          </a:effectRef>
+          <a:fontRef idx="minor">
+            <a:schemeClr val="tx1"/>
+          </a:fontRef>
+        </p:style>
+      </p:cxnSp>
+      <p:cxnSp>
+        <p:nvCxnSpPr>
+          <p:cNvPr id="50" name="直线箭头连接符 49"/>
+          <p:cNvCxnSpPr/>
+          <p:nvPr/>
+        </p:nvCxnSpPr>
+        <p:spPr>
+          <a:xfrm flipV="1">
+            <a:off x="7221871" y="3315703"/>
+            <a:ext cx="260597" cy="93000"/>
+          </a:xfrm>
+          <a:prstGeom prst="straightConnector1">
+            <a:avLst/>
+          </a:prstGeom>
+          <a:ln>
+            <a:tailEnd type="triangle"/>
+          </a:ln>
+        </p:spPr>
+        <p:style>
+          <a:lnRef idx="1">
+            <a:schemeClr val="accent1"/>
+          </a:lnRef>
+          <a:fillRef idx="0">
+            <a:schemeClr val="accent1"/>
+          </a:fillRef>
+          <a:effectRef idx="0">
+            <a:schemeClr val="accent1"/>
+          </a:effectRef>
+          <a:fontRef idx="minor">
+            <a:schemeClr val="tx1"/>
+          </a:fontRef>
+        </p:style>
+      </p:cxnSp>
+      <p:sp>
+        <p:nvSpPr>
+          <p:cNvPr id="51" name="文本框 50"/>
+          <p:cNvSpPr txBox="1"/>
+          <p:nvPr/>
+        </p:nvSpPr>
+        <p:spPr>
+          <a:xfrm>
+            <a:off x="197691" y="5405627"/>
+            <a:ext cx="9778639" cy="830997"/>
+          </a:xfrm>
+          <a:prstGeom prst="rect">
+            <a:avLst/>
+          </a:prstGeom>
+          <a:noFill/>
+        </p:spPr>
+        <p:txBody>
+          <a:bodyPr wrap="none" rtlCol="0">
+            <a:spAutoFit/>
+          </a:bodyPr>
+          <a:lstStyle/>
+          <a:p>
+            <a:r>
+              <a:rPr kumimoji="1" lang="en-US" altLang="zh-CN" sz="1200" b="1" err="1" smtClean="0">
+                <a:solidFill>
+                  <a:srgbClr val="FF0000"/>
+                </a:solidFill>
+              </a:rPr>
+              <a:t>ServletContext</a:t>
+            </a:r>
+            <a:r>
+              <a:rPr kumimoji="1" lang="zh-CN" altLang="en-US" sz="1200" smtClean="0"/>
+              <a:t>：是</a:t>
+            </a:r>
+            <a:r>
+              <a:rPr kumimoji="1" lang="en-US" altLang="zh-CN" sz="1200" smtClean="0"/>
+              <a:t>servlet</a:t>
+            </a:r>
+            <a:r>
+              <a:rPr kumimoji="1" lang="zh-CN" altLang="en-US" sz="1200" smtClean="0"/>
+              <a:t>和</a:t>
+            </a:r>
+            <a:r>
+              <a:rPr kumimoji="1" lang="en-US" altLang="zh-CN" sz="1200" smtClean="0"/>
+              <a:t>servlet</a:t>
+            </a:r>
+            <a:r>
+              <a:rPr kumimoji="1" lang="zh-CN" altLang="en-US" sz="1200" smtClean="0"/>
+              <a:t>容器之间通信的接口。</a:t>
+            </a:r>
+            <a:r>
+              <a:rPr kumimoji="1" lang="en-US" altLang="zh-CN" sz="1200"/>
+              <a:t>Servlet</a:t>
+            </a:r>
+            <a:r>
+              <a:rPr kumimoji="1" lang="zh-CN" altLang="en-US" sz="1200"/>
+              <a:t>容器在启动一个</a:t>
+            </a:r>
+            <a:r>
+              <a:rPr kumimoji="1" lang="en-US" altLang="zh-CN" sz="1200"/>
+              <a:t>Web</a:t>
+            </a:r>
+            <a:r>
+              <a:rPr kumimoji="1" lang="zh-CN" altLang="en-US" sz="1200"/>
+              <a:t>应用时，会为它创建一个</a:t>
+            </a:r>
+            <a:r>
+              <a:rPr kumimoji="1" lang="en-US" altLang="zh-CN" sz="1200" err="1"/>
+              <a:t>ServletContext</a:t>
+            </a:r>
+            <a:r>
+              <a:rPr kumimoji="1" lang="zh-CN" altLang="en-US" sz="1200"/>
+              <a:t>对象</a:t>
+            </a:r>
+            <a:r>
+              <a:rPr kumimoji="1" lang="zh-CN" altLang="en-US" sz="1200" smtClean="0"/>
+              <a:t>。</a:t>
+            </a:r>
+            <a:endParaRPr kumimoji="1" lang="en-US" altLang="zh-CN" sz="1200" smtClean="0"/>
+          </a:p>
+          <a:p>
+            <a:r>
+              <a:rPr kumimoji="1" lang="zh-CN" altLang="en-US" sz="1200" smtClean="0"/>
+              <a:t>每个</a:t>
+            </a:r>
+            <a:r>
+              <a:rPr kumimoji="1" lang="en-US" altLang="zh-CN" sz="1200"/>
+              <a:t>Web</a:t>
+            </a:r>
+            <a:r>
+              <a:rPr kumimoji="1" lang="zh-CN" altLang="en-US" sz="1200"/>
+              <a:t>应用都有唯一的</a:t>
+            </a:r>
+            <a:r>
+              <a:rPr kumimoji="1" lang="en-US" altLang="zh-CN" sz="1200" err="1"/>
+              <a:t>ServletContext</a:t>
+            </a:r>
+            <a:r>
+              <a:rPr kumimoji="1" lang="zh-CN" altLang="en-US" sz="1200"/>
+              <a:t>对象，可以把</a:t>
+            </a:r>
+            <a:r>
+              <a:rPr kumimoji="1" lang="en-US" altLang="zh-CN" sz="1200" err="1"/>
+              <a:t>ServletContext</a:t>
+            </a:r>
+            <a:r>
+              <a:rPr kumimoji="1" lang="zh-CN" altLang="en-US" sz="1200"/>
+              <a:t>对象形象地理解为</a:t>
+            </a:r>
+            <a:r>
+              <a:rPr kumimoji="1" lang="en-US" altLang="zh-CN" sz="1200"/>
+              <a:t>Web</a:t>
+            </a:r>
+            <a:r>
+              <a:rPr kumimoji="1" lang="zh-CN" altLang="en-US" sz="1200"/>
+              <a:t>应用的总管家，同一个</a:t>
+            </a:r>
+            <a:r>
+              <a:rPr kumimoji="1" lang="en-US" altLang="zh-CN" sz="1200"/>
+              <a:t>Web</a:t>
+            </a:r>
+            <a:r>
+              <a:rPr kumimoji="1" lang="zh-CN" altLang="en-US" sz="1200"/>
+              <a:t>应用中的所有</a:t>
+            </a:r>
+            <a:r>
+              <a:rPr kumimoji="1" lang="en-US" altLang="zh-CN" sz="1200"/>
+              <a:t>Servlet</a:t>
+            </a:r>
+            <a:r>
+              <a:rPr kumimoji="1" lang="zh-CN" altLang="en-US" sz="1200" smtClean="0"/>
+              <a:t>对象</a:t>
+            </a:r>
+            <a:endParaRPr kumimoji="1" lang="en-US" altLang="zh-CN" sz="1200" smtClean="0"/>
+          </a:p>
+          <a:p>
+            <a:r>
+              <a:rPr kumimoji="1" lang="zh-CN" altLang="en-US" sz="1200" smtClean="0"/>
+              <a:t>都</a:t>
+            </a:r>
+            <a:r>
+              <a:rPr kumimoji="1" lang="zh-CN" altLang="en-US" sz="1200"/>
+              <a:t>共享一个</a:t>
+            </a:r>
+            <a:r>
+              <a:rPr kumimoji="1" lang="en-US" altLang="zh-CN" sz="1200" err="1"/>
+              <a:t>ServletContext</a:t>
+            </a:r>
+            <a:r>
+              <a:rPr kumimoji="1" lang="zh-CN" altLang="en-US" sz="1200"/>
+              <a:t>，</a:t>
+            </a:r>
+            <a:r>
+              <a:rPr kumimoji="1" lang="en-US" altLang="zh-CN" sz="1200"/>
+              <a:t>Servlet</a:t>
+            </a:r>
+            <a:r>
+              <a:rPr kumimoji="1" lang="zh-CN" altLang="en-US" sz="1200"/>
+              <a:t>对象可以通过其访问容器中的各种资源。</a:t>
+            </a:r>
+          </a:p>
+          <a:p>
+            <a:endParaRPr kumimoji="1" lang="zh-CN" altLang="en-US" sz="1200"/>
           </a:p>
         </p:txBody>
       </p:sp>
     </p:spTree>
     <p:extLst>
       <p:ext uri="{BB962C8B-B14F-4D97-AF65-F5344CB8AC3E}">
-        <p14:creationId xmlns:p14="http://schemas.microsoft.com/office/powerpoint/2010/main" val="797312727"/>
+        <p14:creationId xmlns:p14="http://schemas.microsoft.com/office/powerpoint/2010/main" val="1646528644"/>
       </p:ext>
     </p:extLst>
   </p:cSld>
@@ -7507,16 +7438,40 @@
           <a:chExt cx="0" cy="0"/>
         </a:xfrm>
       </p:grpSpPr>
-      <p:sp>
-        <p:nvSpPr>
-          <p:cNvPr id="10" name="文本框 9"/>
+      <p:pic>
+        <p:nvPicPr>
+          <p:cNvPr id="6" name="图片 5"/>
+          <p:cNvPicPr>
+            <a:picLocks noChangeAspect="1"/>
+          </p:cNvPicPr>
+          <p:nvPr/>
+        </p:nvPicPr>
+        <p:blipFill>
+          <a:blip r:embed="rId2"/>
+          <a:stretch>
+            <a:fillRect/>
+          </a:stretch>
+        </p:blipFill>
+        <p:spPr>
+          <a:xfrm>
+            <a:off x="3307168" y="1484239"/>
+            <a:ext cx="5824471" cy="3311045"/>
+          </a:xfrm>
+          <a:prstGeom prst="rect">
+            <a:avLst/>
+          </a:prstGeom>
+        </p:spPr>
+      </p:pic>
+      <p:sp>
+        <p:nvSpPr>
+          <p:cNvPr id="7" name="文本框 6"/>
           <p:cNvSpPr txBox="1"/>
           <p:nvPr/>
         </p:nvSpPr>
         <p:spPr>
           <a:xfrm>
-            <a:off x="3624149" y="1929162"/>
-            <a:ext cx="902811" cy="523220"/>
+            <a:off x="3391784" y="1371600"/>
+            <a:ext cx="1778051" cy="523220"/>
           </a:xfrm>
           <a:prstGeom prst="rect">
             <a:avLst/>
@@ -7530,141 +7485,54 @@
           <a:lstStyle/>
           <a:p>
             <a:r>
-              <a:rPr kumimoji="1" lang="zh-CN" altLang="en-US" sz="1400"/>
-              <a:t> </a:t>
-            </a:r>
-            <a:r>
-              <a:rPr kumimoji="1" lang="zh-CN" altLang="en-US" sz="1400" smtClean="0"/>
-              <a:t> </a:t>
-            </a:r>
-            <a:r>
-              <a:rPr kumimoji="1" lang="en-US" altLang="zh-CN" sz="1400" smtClean="0"/>
-              <a:t>Servlet</a:t>
-            </a:r>
-          </a:p>
-          <a:p>
-            <a:r>
-              <a:rPr kumimoji="1" lang="zh-CN" altLang="en-US" sz="1400" smtClean="0"/>
-              <a:t>顶级接口</a:t>
-            </a:r>
-            <a:endParaRPr kumimoji="1" lang="zh-CN" altLang="en-US" sz="1400"/>
-          </a:p>
-        </p:txBody>
-      </p:sp>
-      <p:sp>
-        <p:nvSpPr>
-          <p:cNvPr id="12" name="文本框 11"/>
-          <p:cNvSpPr txBox="1"/>
-          <p:nvPr/>
-        </p:nvSpPr>
-        <p:spPr>
-          <a:xfrm>
-            <a:off x="3561592" y="2989416"/>
-            <a:ext cx="1295547" cy="307777"/>
-          </a:xfrm>
-          <a:prstGeom prst="rect">
-            <a:avLst/>
-          </a:prstGeom>
-          <a:noFill/>
-        </p:spPr>
-        <p:txBody>
-          <a:bodyPr wrap="none" rtlCol="0">
-            <a:spAutoFit/>
-          </a:bodyPr>
-          <a:lstStyle/>
-          <a:p>
-            <a:r>
-              <a:rPr kumimoji="1" lang="en-US" altLang="zh-CN" sz="1400" smtClean="0"/>
-              <a:t>GenericServlet</a:t>
-            </a:r>
-            <a:endParaRPr kumimoji="1" lang="zh-CN" altLang="en-US" sz="1400"/>
-          </a:p>
-        </p:txBody>
-      </p:sp>
-      <p:sp>
-        <p:nvSpPr>
-          <p:cNvPr id="13" name="文本框 12"/>
-          <p:cNvSpPr txBox="1"/>
-          <p:nvPr/>
-        </p:nvSpPr>
-        <p:spPr>
-          <a:xfrm>
-            <a:off x="3612087" y="3843585"/>
-            <a:ext cx="1048685" cy="307777"/>
-          </a:xfrm>
-          <a:prstGeom prst="rect">
-            <a:avLst/>
-          </a:prstGeom>
-          <a:noFill/>
-        </p:spPr>
-        <p:txBody>
-          <a:bodyPr wrap="none" rtlCol="0">
-            <a:spAutoFit/>
-          </a:bodyPr>
-          <a:lstStyle/>
-          <a:p>
-            <a:r>
-              <a:rPr kumimoji="1" lang="en-US" altLang="zh-CN" sz="1400" smtClean="0"/>
-              <a:t>HttpServlet</a:t>
-            </a:r>
-            <a:endParaRPr kumimoji="1" lang="zh-CN" altLang="en-US" sz="1400"/>
-          </a:p>
-        </p:txBody>
-      </p:sp>
-      <p:sp>
-        <p:nvSpPr>
-          <p:cNvPr id="15" name="文本框 14"/>
-          <p:cNvSpPr txBox="1"/>
-          <p:nvPr/>
-        </p:nvSpPr>
-        <p:spPr>
-          <a:xfrm>
-            <a:off x="1639865" y="3408703"/>
-            <a:ext cx="1231427" cy="307777"/>
-          </a:xfrm>
-          <a:prstGeom prst="rect">
-            <a:avLst/>
-          </a:prstGeom>
-          <a:noFill/>
-        </p:spPr>
-        <p:txBody>
-          <a:bodyPr wrap="none" rtlCol="0">
-            <a:spAutoFit/>
-          </a:bodyPr>
-          <a:lstStyle/>
-          <a:p>
-            <a:r>
-              <a:rPr kumimoji="1" lang="en-US" altLang="zh-CN" sz="1400" smtClean="0"/>
-              <a:t>Abstract</a:t>
-            </a:r>
-            <a:r>
-              <a:rPr kumimoji="1" lang="zh-CN" altLang="en-US" sz="1400" smtClean="0"/>
-              <a:t> </a:t>
-            </a:r>
-            <a:r>
-              <a:rPr kumimoji="1" lang="en-US" altLang="zh-CN" sz="1400" smtClean="0"/>
-              <a:t>class</a:t>
-            </a:r>
-            <a:endParaRPr kumimoji="1" lang="zh-CN" altLang="en-US" sz="1400"/>
+              <a:rPr lang="en-US" altLang="zh-CN" sz="1400" smtClean="0"/>
+              <a:t>state</a:t>
+            </a:r>
+            <a:r>
+              <a:rPr lang="zh-CN" altLang="en-US" sz="1400" smtClean="0"/>
+              <a:t>：</a:t>
+            </a:r>
+            <a:r>
+              <a:rPr lang="en-US" altLang="zh-CN" sz="1400" smtClean="0"/>
+              <a:t>1</a:t>
+            </a:r>
+          </a:p>
+          <a:p>
+            <a:r>
+              <a:rPr lang="en-US" altLang="zh-CN" sz="1400" smtClean="0"/>
+              <a:t>state</a:t>
+            </a:r>
+            <a:r>
+              <a:rPr lang="zh-CN" altLang="en-US" sz="1400" smtClean="0"/>
+              <a:t>：</a:t>
+            </a:r>
+            <a:r>
+              <a:rPr lang="en-US" altLang="zh-CN" sz="1400" smtClean="0"/>
+              <a:t>2 </a:t>
+            </a:r>
+            <a:r>
+              <a:rPr lang="zh-CN" altLang="en-US" sz="1400" smtClean="0"/>
+              <a:t>增加状态值</a:t>
+            </a:r>
+            <a:endParaRPr lang="zh-CN" altLang="en-US" sz="1400"/>
           </a:p>
         </p:txBody>
       </p:sp>
       <p:cxnSp>
         <p:nvCxnSpPr>
-          <p:cNvPr id="17" name="直线箭头连接符 16"/>
-          <p:cNvCxnSpPr>
-            <a:stCxn id="15" idx="3"/>
-            <a:endCxn id="12" idx="1"/>
-          </p:cNvCxnSpPr>
+          <p:cNvPr id="9" name="曲线连接符 8"/>
+          <p:cNvCxnSpPr/>
           <p:nvPr/>
         </p:nvCxnSpPr>
         <p:spPr>
-          <a:xfrm flipV="1">
-            <a:off x="2871292" y="3143305"/>
-            <a:ext cx="690300" cy="419287"/>
-          </a:xfrm>
-          <a:prstGeom prst="straightConnector1">
-            <a:avLst/>
+          <a:xfrm rot="5400000" flipH="1" flipV="1">
+            <a:off x="2318119" y="2360654"/>
+            <a:ext cx="2062718" cy="84611"/>
+          </a:xfrm>
+          <a:prstGeom prst="curvedConnector3">
+            <a:avLst>
+              <a:gd name="adj1" fmla="val 113918"/>
+            </a:avLst>
           </a:prstGeom>
           <a:ln>
             <a:tailEnd type="triangle"/>
@@ -7685,119 +7553,16 @@
           </a:fontRef>
         </p:style>
       </p:cxnSp>
-      <p:cxnSp>
-        <p:nvCxnSpPr>
-          <p:cNvPr id="19" name="直线箭头连接符 18"/>
-          <p:cNvCxnSpPr>
-            <a:stCxn id="15" idx="3"/>
-          </p:cNvCxnSpPr>
-          <p:nvPr/>
-        </p:nvCxnSpPr>
-        <p:spPr>
-          <a:xfrm>
-            <a:off x="2871292" y="3562592"/>
-            <a:ext cx="690300" cy="392503"/>
-          </a:xfrm>
-          <a:prstGeom prst="straightConnector1">
-            <a:avLst/>
-          </a:prstGeom>
-          <a:ln>
-            <a:tailEnd type="triangle"/>
-          </a:ln>
-        </p:spPr>
-        <p:style>
-          <a:lnRef idx="1">
-            <a:schemeClr val="accent1"/>
-          </a:lnRef>
-          <a:fillRef idx="0">
-            <a:schemeClr val="accent1"/>
-          </a:fillRef>
-          <a:effectRef idx="0">
-            <a:schemeClr val="accent1"/>
-          </a:effectRef>
-          <a:fontRef idx="minor">
-            <a:schemeClr val="tx1"/>
-          </a:fontRef>
-        </p:style>
-      </p:cxnSp>
-      <p:cxnSp>
-        <p:nvCxnSpPr>
-          <p:cNvPr id="23" name="直线箭头连接符 22"/>
-          <p:cNvCxnSpPr>
-            <a:stCxn id="10" idx="2"/>
-          </p:cNvCxnSpPr>
-          <p:nvPr/>
-        </p:nvCxnSpPr>
-        <p:spPr>
-          <a:xfrm flipH="1">
-            <a:off x="4070195" y="2452382"/>
-            <a:ext cx="5360" cy="546392"/>
-          </a:xfrm>
-          <a:prstGeom prst="straightConnector1">
-            <a:avLst/>
-          </a:prstGeom>
-          <a:ln>
-            <a:tailEnd type="triangle"/>
-          </a:ln>
-        </p:spPr>
-        <p:style>
-          <a:lnRef idx="1">
-            <a:schemeClr val="accent1"/>
-          </a:lnRef>
-          <a:fillRef idx="0">
-            <a:schemeClr val="accent1"/>
-          </a:fillRef>
-          <a:effectRef idx="0">
-            <a:schemeClr val="accent1"/>
-          </a:effectRef>
-          <a:fontRef idx="minor">
-            <a:schemeClr val="tx1"/>
-          </a:fontRef>
-        </p:style>
-      </p:cxnSp>
-      <p:cxnSp>
-        <p:nvCxnSpPr>
-          <p:cNvPr id="26" name="直线箭头连接符 25"/>
-          <p:cNvCxnSpPr/>
-          <p:nvPr/>
-        </p:nvCxnSpPr>
-        <p:spPr>
-          <a:xfrm>
-            <a:off x="4070195" y="3297193"/>
-            <a:ext cx="0" cy="419287"/>
-          </a:xfrm>
-          <a:prstGeom prst="straightConnector1">
-            <a:avLst/>
-          </a:prstGeom>
-          <a:ln>
-            <a:tailEnd type="triangle"/>
-          </a:ln>
-        </p:spPr>
-        <p:style>
-          <a:lnRef idx="1">
-            <a:schemeClr val="accent1"/>
-          </a:lnRef>
-          <a:fillRef idx="0">
-            <a:schemeClr val="accent1"/>
-          </a:fillRef>
-          <a:effectRef idx="0">
-            <a:schemeClr val="accent1"/>
-          </a:effectRef>
-          <a:fontRef idx="minor">
-            <a:schemeClr val="tx1"/>
-          </a:fontRef>
-        </p:style>
-      </p:cxnSp>
-      <p:sp>
-        <p:nvSpPr>
-          <p:cNvPr id="27" name="文本框 26"/>
+      <p:sp>
+        <p:nvSpPr>
+          <p:cNvPr id="21" name="文本框 20"/>
           <p:cNvSpPr txBox="1"/>
           <p:nvPr/>
         </p:nvSpPr>
         <p:spPr>
           <a:xfrm>
-            <a:off x="5572845" y="1929163"/>
-            <a:ext cx="1378904" cy="307777"/>
+            <a:off x="513905" y="163033"/>
+            <a:ext cx="2943434" cy="677108"/>
           </a:xfrm>
           <a:prstGeom prst="rect">
             <a:avLst/>
@@ -7811,27 +7576,64 @@
           <a:lstStyle/>
           <a:p>
             <a:r>
-              <a:rPr kumimoji="1" lang="zh-CN" altLang="en-US" sz="1400"/>
-              <a:t> </a:t>
-            </a:r>
-            <a:r>
-              <a:rPr kumimoji="1" lang="en-US" altLang="zh-CN" sz="1400" err="1" smtClean="0"/>
-              <a:t>ServletRequest</a:t>
-            </a:r>
-            <a:endParaRPr kumimoji="1" lang="en-US" altLang="zh-CN" sz="1400" smtClean="0"/>
-          </a:p>
-        </p:txBody>
-      </p:sp>
-      <p:sp>
-        <p:nvSpPr>
-          <p:cNvPr id="28" name="文本框 27"/>
+              <a:rPr lang="en-US" altLang="zh-CN" sz="1400" smtClean="0"/>
+              <a:t>AQS</a:t>
+            </a:r>
+            <a:r>
+              <a:rPr lang="zh-CN" altLang="en-US" sz="1400" smtClean="0"/>
+              <a:t>的原理：</a:t>
+            </a:r>
+            <a:endParaRPr lang="en-US" altLang="zh-CN" sz="1400" smtClean="0"/>
+          </a:p>
+          <a:p>
+            <a:r>
+              <a:rPr lang="zh-CN" altLang="en-US" sz="1200" smtClean="0"/>
+              <a:t>    独占</a:t>
+            </a:r>
+            <a:r>
+              <a:rPr lang="zh-CN" altLang="en-US" sz="1200"/>
+              <a:t>锁：</a:t>
+            </a:r>
+            <a:r>
+              <a:rPr lang="en-US" altLang="zh-CN" sz="1200"/>
+              <a:t>ReentrantLock</a:t>
+            </a:r>
+          </a:p>
+          <a:p>
+            <a:r>
+              <a:rPr lang="zh-CN" altLang="en-US" sz="1200" smtClean="0"/>
+              <a:t>    共享锁</a:t>
+            </a:r>
+            <a:r>
+              <a:rPr lang="zh-CN" altLang="en-US" sz="1200"/>
+              <a:t>：</a:t>
+            </a:r>
+            <a:r>
+              <a:rPr lang="en-US" altLang="zh-CN" sz="1200"/>
+              <a:t>Semphore</a:t>
+            </a:r>
+            <a:r>
+              <a:rPr lang="zh-CN" altLang="en-US" sz="1200"/>
+              <a:t>、</a:t>
+            </a:r>
+            <a:r>
+              <a:rPr lang="en-US" altLang="zh-CN" sz="1200" smtClean="0"/>
+              <a:t>CountDownLatch</a:t>
+            </a:r>
+            <a:endParaRPr lang="zh-CN" altLang="en-US" sz="1200"/>
+          </a:p>
+        </p:txBody>
+      </p:sp>
+      <p:sp>
+        <p:nvSpPr>
+          <p:cNvPr id="22" name="文本框 21"/>
           <p:cNvSpPr txBox="1"/>
           <p:nvPr/>
         </p:nvSpPr>
         <p:spPr>
           <a:xfrm>
-            <a:off x="7670353" y="1929162"/>
-            <a:ext cx="1547218" cy="307777"/>
+            <a:off x="7003310" y="5153216"/>
+            <a:ext cx="4496744" cy="1354217"/>
           </a:xfrm>
           <a:prstGeom prst="rect">
             <a:avLst/>
@@ -7845,31 +7647,130 @@
           <a:lstStyle/>
           <a:p>
             <a:r>
-              <a:rPr kumimoji="1" lang="zh-CN" altLang="en-US" sz="1400"/>
+              <a:rPr lang="zh-CN" altLang="en-US" sz="1200" smtClean="0"/>
+              <a:t>获取资源伪代码：</a:t>
+            </a:r>
+            <a:endParaRPr lang="en-US" altLang="zh-CN" sz="1200" smtClean="0"/>
+          </a:p>
+          <a:p>
+            <a:r>
+              <a:rPr lang="en-US" altLang="zh-CN" sz="1400" smtClean="0"/>
+              <a:t>public </a:t>
+            </a:r>
+            <a:r>
+              <a:rPr lang="en-US" altLang="zh-CN" sz="1400"/>
+              <a:t>final void acquire(</a:t>
+            </a:r>
+            <a:r>
+              <a:rPr lang="en-US" altLang="zh-CN" sz="1400" err="1"/>
+              <a:t>int</a:t>
+            </a:r>
+            <a:r>
+              <a:rPr lang="en-US" altLang="zh-CN" sz="1400"/>
               <a:t> </a:t>
             </a:r>
             <a:r>
-              <a:rPr kumimoji="1" lang="zh-CN" altLang="en-US" sz="1400" smtClean="0"/>
-              <a:t> </a:t>
-            </a:r>
-            <a:r>
-              <a:rPr kumimoji="1" lang="en-US" altLang="zh-CN" sz="1400" err="1" smtClean="0"/>
-              <a:t>ServletResponse</a:t>
-            </a:r>
-            <a:endParaRPr kumimoji="1" lang="en-US" altLang="zh-CN" sz="1400" smtClean="0"/>
-          </a:p>
-        </p:txBody>
-      </p:sp>
-      <p:sp>
-        <p:nvSpPr>
-          <p:cNvPr id="29" name="文本框 28"/>
+              <a:rPr lang="en-US" altLang="zh-CN" sz="1400" err="1"/>
+              <a:t>arg</a:t>
+            </a:r>
+            <a:r>
+              <a:rPr lang="en-US" altLang="zh-CN" sz="1400"/>
+              <a:t>) {</a:t>
+            </a:r>
+          </a:p>
+          <a:p>
+            <a:r>
+              <a:rPr lang="en-US" altLang="zh-CN" sz="1400"/>
+              <a:t>    if (!</a:t>
+            </a:r>
+            <a:r>
+              <a:rPr lang="en-US" altLang="zh-CN" sz="1400" err="1"/>
+              <a:t>tryAcquire</a:t>
+            </a:r>
+            <a:r>
+              <a:rPr lang="en-US" altLang="zh-CN" sz="1400"/>
+              <a:t>(</a:t>
+            </a:r>
+            <a:r>
+              <a:rPr lang="en-US" altLang="zh-CN" sz="1400" err="1"/>
+              <a:t>arg</a:t>
+            </a:r>
+            <a:r>
+              <a:rPr lang="en-US" altLang="zh-CN" sz="1400"/>
+              <a:t>) &amp;&amp;</a:t>
+            </a:r>
+          </a:p>
+          <a:p>
+            <a:r>
+              <a:rPr lang="en-US" altLang="zh-CN" sz="1400"/>
+              <a:t>        </a:t>
+            </a:r>
+            <a:r>
+              <a:rPr lang="en-US" altLang="zh-CN" sz="1400" err="1"/>
+              <a:t>acquireQueued</a:t>
+            </a:r>
+            <a:r>
+              <a:rPr lang="en-US" altLang="zh-CN" sz="1400"/>
+              <a:t>(</a:t>
+            </a:r>
+            <a:r>
+              <a:rPr lang="en-US" altLang="zh-CN" sz="1400" err="1"/>
+              <a:t>addWaiter</a:t>
+            </a:r>
+            <a:r>
+              <a:rPr lang="en-US" altLang="zh-CN" sz="1400"/>
+              <a:t>(</a:t>
+            </a:r>
+            <a:r>
+              <a:rPr lang="en-US" altLang="zh-CN" sz="1400" err="1"/>
+              <a:t>Node.EXCLUSIVE</a:t>
+            </a:r>
+            <a:r>
+              <a:rPr lang="en-US" altLang="zh-CN" sz="1400"/>
+              <a:t>), </a:t>
+            </a:r>
+            <a:r>
+              <a:rPr lang="en-US" altLang="zh-CN" sz="1400" err="1"/>
+              <a:t>arg</a:t>
+            </a:r>
+            <a:r>
+              <a:rPr lang="en-US" altLang="zh-CN" sz="1400"/>
+              <a:t>))</a:t>
+            </a:r>
+          </a:p>
+          <a:p>
+            <a:r>
+              <a:rPr lang="en-US" altLang="zh-CN" sz="1400"/>
+              <a:t>         </a:t>
+            </a:r>
+            <a:r>
+              <a:rPr lang="en-US" altLang="zh-CN" sz="1400" err="1"/>
+              <a:t>selfInterrupt</a:t>
+            </a:r>
+            <a:r>
+              <a:rPr lang="en-US" altLang="zh-CN" sz="1400"/>
+              <a:t>();</a:t>
+            </a:r>
+          </a:p>
+          <a:p>
+            <a:r>
+              <a:rPr lang="en-US" altLang="zh-CN" sz="1400"/>
+              <a:t>}</a:t>
+            </a:r>
+            <a:endParaRPr lang="zh-CN" altLang="en-US" sz="1400"/>
+          </a:p>
+        </p:txBody>
+      </p:sp>
+      <p:sp>
+        <p:nvSpPr>
+          <p:cNvPr id="23" name="文本框 22"/>
           <p:cNvSpPr txBox="1"/>
           <p:nvPr/>
         </p:nvSpPr>
         <p:spPr>
           <a:xfrm>
-            <a:off x="9768907" y="1929162"/>
-            <a:ext cx="1313180" cy="307777"/>
+            <a:off x="7357729" y="316921"/>
+            <a:ext cx="3353803" cy="461665"/>
           </a:xfrm>
           <a:prstGeom prst="rect">
             <a:avLst/>
@@ -7883,719 +7784,46 @@
           <a:lstStyle/>
           <a:p>
             <a:r>
-              <a:rPr kumimoji="1" lang="zh-CN" altLang="en-US" sz="1400"/>
-              <a:t> </a:t>
-            </a:r>
-            <a:r>
-              <a:rPr kumimoji="1" lang="zh-CN" altLang="en-US" sz="1400" smtClean="0"/>
-              <a:t> </a:t>
-            </a:r>
-            <a:r>
-              <a:rPr kumimoji="1" lang="en-US" altLang="zh-CN" sz="1400" err="1" smtClean="0"/>
-              <a:t>ServletConfig</a:t>
-            </a:r>
-            <a:endParaRPr kumimoji="1" lang="en-US" altLang="zh-CN" sz="1400" smtClean="0"/>
-          </a:p>
-        </p:txBody>
-      </p:sp>
-      <p:sp>
-        <p:nvSpPr>
-          <p:cNvPr id="30" name="文本框 29"/>
-          <p:cNvSpPr txBox="1"/>
-          <p:nvPr/>
-        </p:nvSpPr>
-        <p:spPr>
-          <a:xfrm>
-            <a:off x="5370281" y="2866752"/>
-            <a:ext cx="1721946" cy="307777"/>
-          </a:xfrm>
-          <a:prstGeom prst="rect">
-            <a:avLst/>
-          </a:prstGeom>
-          <a:noFill/>
-        </p:spPr>
-        <p:txBody>
-          <a:bodyPr wrap="none" rtlCol="0">
-            <a:spAutoFit/>
-          </a:bodyPr>
-          <a:lstStyle/>
-          <a:p>
-            <a:r>
-              <a:rPr kumimoji="1" lang="zh-CN" altLang="en-US" sz="1400"/>
-              <a:t> </a:t>
-            </a:r>
-            <a:r>
-              <a:rPr kumimoji="1" lang="en-US" altLang="zh-CN" sz="1400" err="1" smtClean="0"/>
-              <a:t>HttpServletRequest</a:t>
-            </a:r>
-            <a:endParaRPr kumimoji="1" lang="en-US" altLang="zh-CN" sz="1400" smtClean="0"/>
-          </a:p>
-        </p:txBody>
-      </p:sp>
-      <p:sp>
-        <p:nvSpPr>
-          <p:cNvPr id="31" name="文本框 30"/>
-          <p:cNvSpPr txBox="1"/>
-          <p:nvPr/>
-        </p:nvSpPr>
-        <p:spPr>
-          <a:xfrm>
-            <a:off x="7670353" y="2835527"/>
-            <a:ext cx="1840568" cy="307777"/>
-          </a:xfrm>
-          <a:prstGeom prst="rect">
-            <a:avLst/>
-          </a:prstGeom>
-          <a:noFill/>
-        </p:spPr>
-        <p:txBody>
-          <a:bodyPr wrap="none" rtlCol="0">
-            <a:spAutoFit/>
-          </a:bodyPr>
-          <a:lstStyle/>
-          <a:p>
-            <a:r>
-              <a:rPr kumimoji="1" lang="zh-CN" altLang="en-US" sz="1400"/>
-              <a:t> </a:t>
-            </a:r>
-            <a:r>
-              <a:rPr kumimoji="1" lang="en-US" altLang="zh-CN" sz="1400" err="1" smtClean="0"/>
-              <a:t>HttpServletResponse</a:t>
-            </a:r>
-            <a:endParaRPr kumimoji="1" lang="en-US" altLang="zh-CN" sz="1400" smtClean="0"/>
-          </a:p>
-        </p:txBody>
-      </p:sp>
-      <p:cxnSp>
-        <p:nvCxnSpPr>
-          <p:cNvPr id="33" name="直线箭头连接符 32"/>
-          <p:cNvCxnSpPr/>
-          <p:nvPr/>
-        </p:nvCxnSpPr>
-        <p:spPr>
-          <a:xfrm>
-            <a:off x="6262297" y="2330605"/>
-            <a:ext cx="0" cy="394973"/>
-          </a:xfrm>
-          <a:prstGeom prst="straightConnector1">
-            <a:avLst/>
-          </a:prstGeom>
-          <a:ln>
-            <a:tailEnd type="triangle"/>
-          </a:ln>
-        </p:spPr>
-        <p:style>
-          <a:lnRef idx="1">
-            <a:schemeClr val="accent1"/>
-          </a:lnRef>
-          <a:fillRef idx="0">
-            <a:schemeClr val="accent1"/>
-          </a:fillRef>
-          <a:effectRef idx="0">
-            <a:schemeClr val="accent1"/>
-          </a:effectRef>
-          <a:fontRef idx="minor">
-            <a:schemeClr val="tx1"/>
-          </a:fontRef>
-        </p:style>
-      </p:cxnSp>
-      <p:cxnSp>
-        <p:nvCxnSpPr>
-          <p:cNvPr id="35" name="直线箭头连接符 34"/>
-          <p:cNvCxnSpPr>
-            <a:stCxn id="28" idx="2"/>
-          </p:cNvCxnSpPr>
-          <p:nvPr/>
-        </p:nvCxnSpPr>
-        <p:spPr>
-          <a:xfrm>
-            <a:off x="8443962" y="2236939"/>
-            <a:ext cx="0" cy="488639"/>
-          </a:xfrm>
-          <a:prstGeom prst="straightConnector1">
-            <a:avLst/>
-          </a:prstGeom>
-          <a:ln>
-            <a:tailEnd type="triangle"/>
-          </a:ln>
-        </p:spPr>
-        <p:style>
-          <a:lnRef idx="1">
-            <a:schemeClr val="accent1"/>
-          </a:lnRef>
-          <a:fillRef idx="0">
-            <a:schemeClr val="accent1"/>
-          </a:fillRef>
-          <a:effectRef idx="0">
-            <a:schemeClr val="accent1"/>
-          </a:effectRef>
-          <a:fontRef idx="minor">
-            <a:schemeClr val="tx1"/>
-          </a:fontRef>
-        </p:style>
-      </p:cxnSp>
-      <p:sp>
-        <p:nvSpPr>
-          <p:cNvPr id="37" name="文本框 36"/>
-          <p:cNvSpPr txBox="1"/>
-          <p:nvPr/>
-        </p:nvSpPr>
-        <p:spPr>
-          <a:xfrm>
-            <a:off x="144749" y="111283"/>
-            <a:ext cx="3498073" cy="1169551"/>
-          </a:xfrm>
-          <a:prstGeom prst="rect">
-            <a:avLst/>
-          </a:prstGeom>
-          <a:noFill/>
-        </p:spPr>
-        <p:txBody>
-          <a:bodyPr wrap="none" rtlCol="0">
-            <a:spAutoFit/>
-          </a:bodyPr>
-          <a:lstStyle/>
-          <a:p>
-            <a:r>
-              <a:rPr kumimoji="1" lang="en-US" altLang="zh-CN" sz="1400" smtClean="0"/>
-              <a:t>1.init(</a:t>
-            </a:r>
-            <a:r>
-              <a:rPr kumimoji="1" lang="en-US" altLang="zh-CN" sz="1400" err="1" smtClean="0"/>
-              <a:t>ServletConfig</a:t>
-            </a:r>
-            <a:r>
-              <a:rPr kumimoji="1" lang="en-US" altLang="zh-CN" sz="1400" smtClean="0"/>
-              <a:t>)</a:t>
-            </a:r>
-          </a:p>
-          <a:p>
-            <a:r>
-              <a:rPr kumimoji="1" lang="en-US" altLang="zh-CN" sz="1400" smtClean="0"/>
-              <a:t>2.destroy()</a:t>
-            </a:r>
-          </a:p>
-          <a:p>
-            <a:r>
-              <a:rPr kumimoji="1" lang="en-US" altLang="zh-CN" sz="1400" smtClean="0"/>
-              <a:t>3.service(</a:t>
-            </a:r>
-            <a:r>
-              <a:rPr kumimoji="1" lang="en-US" altLang="zh-CN" sz="1400" err="1" smtClean="0"/>
-              <a:t>ServletRequest</a:t>
-            </a:r>
-            <a:r>
-              <a:rPr kumimoji="1" lang="zh-CN" altLang="en-US" sz="1400" smtClean="0"/>
-              <a:t> </a:t>
-            </a:r>
-            <a:r>
-              <a:rPr kumimoji="1" lang="en-US" altLang="zh-CN" sz="1400" smtClean="0"/>
-              <a:t>,</a:t>
-            </a:r>
-            <a:r>
-              <a:rPr kumimoji="1" lang="zh-CN" altLang="en-US" sz="1400"/>
-              <a:t> </a:t>
-            </a:r>
-            <a:r>
-              <a:rPr kumimoji="1" lang="en-US" altLang="zh-CN" sz="1400" err="1" smtClean="0"/>
-              <a:t>SerlvetResponse</a:t>
-            </a:r>
-            <a:r>
-              <a:rPr kumimoji="1" lang="en-US" altLang="zh-CN" sz="1400" smtClean="0"/>
-              <a:t>)</a:t>
-            </a:r>
-          </a:p>
-          <a:p>
-            <a:r>
-              <a:rPr kumimoji="1" lang="en-US" altLang="zh-CN" sz="1400" smtClean="0"/>
-              <a:t>4.getServletConfig()</a:t>
-            </a:r>
-          </a:p>
-          <a:p>
-            <a:r>
-              <a:rPr kumimoji="1" lang="en-US" altLang="zh-CN" sz="1400" smtClean="0"/>
-              <a:t>5.getServletInfo()</a:t>
-            </a:r>
-            <a:endParaRPr kumimoji="1" lang="zh-CN" altLang="en-US" sz="1400"/>
-          </a:p>
-        </p:txBody>
-      </p:sp>
-      <p:cxnSp>
-        <p:nvCxnSpPr>
-          <p:cNvPr id="39" name="直线箭头连接符 38"/>
-          <p:cNvCxnSpPr/>
-          <p:nvPr/>
-        </p:nvCxnSpPr>
-        <p:spPr>
-          <a:xfrm>
-            <a:off x="1895707" y="1405054"/>
-            <a:ext cx="1460810" cy="677996"/>
-          </a:xfrm>
-          <a:prstGeom prst="straightConnector1">
-            <a:avLst/>
-          </a:prstGeom>
-          <a:ln>
-            <a:tailEnd type="triangle"/>
-          </a:ln>
-        </p:spPr>
-        <p:style>
-          <a:lnRef idx="1">
-            <a:schemeClr val="accent1"/>
-          </a:lnRef>
-          <a:fillRef idx="0">
-            <a:schemeClr val="accent1"/>
-          </a:fillRef>
-          <a:effectRef idx="0">
-            <a:schemeClr val="accent1"/>
-          </a:effectRef>
-          <a:fontRef idx="minor">
-            <a:schemeClr val="tx1"/>
-          </a:fontRef>
-        </p:style>
-      </p:cxnSp>
-      <p:sp>
-        <p:nvSpPr>
-          <p:cNvPr id="40" name="文本框 39"/>
-          <p:cNvSpPr txBox="1"/>
-          <p:nvPr/>
-        </p:nvSpPr>
-        <p:spPr>
-          <a:xfrm>
-            <a:off x="6501161" y="1028606"/>
-            <a:ext cx="1441420" cy="307777"/>
-          </a:xfrm>
-          <a:prstGeom prst="rect">
-            <a:avLst/>
-          </a:prstGeom>
-          <a:noFill/>
-        </p:spPr>
-        <p:txBody>
-          <a:bodyPr wrap="none" rtlCol="0">
-            <a:spAutoFit/>
-          </a:bodyPr>
-          <a:lstStyle/>
-          <a:p>
-            <a:r>
-              <a:rPr kumimoji="1" lang="zh-CN" altLang="en-US" sz="1400" smtClean="0"/>
-              <a:t>客户端请求接口</a:t>
-            </a:r>
-            <a:endParaRPr kumimoji="1" lang="zh-CN" altLang="en-US" sz="1400"/>
-          </a:p>
-        </p:txBody>
-      </p:sp>
-      <p:cxnSp>
-        <p:nvCxnSpPr>
-          <p:cNvPr id="42" name="直线箭头连接符 41"/>
-          <p:cNvCxnSpPr>
-            <a:stCxn id="40" idx="2"/>
-          </p:cNvCxnSpPr>
-          <p:nvPr/>
-        </p:nvCxnSpPr>
-        <p:spPr>
-          <a:xfrm flipH="1">
-            <a:off x="6701907" y="1336383"/>
-            <a:ext cx="519964" cy="492417"/>
-          </a:xfrm>
-          <a:prstGeom prst="straightConnector1">
-            <a:avLst/>
-          </a:prstGeom>
-          <a:ln>
-            <a:tailEnd type="triangle"/>
-          </a:ln>
-        </p:spPr>
-        <p:style>
-          <a:lnRef idx="1">
-            <a:schemeClr val="accent1"/>
-          </a:lnRef>
-          <a:fillRef idx="0">
-            <a:schemeClr val="accent1"/>
-          </a:fillRef>
-          <a:effectRef idx="0">
-            <a:schemeClr val="accent1"/>
-          </a:effectRef>
-          <a:fontRef idx="minor">
-            <a:schemeClr val="tx1"/>
-          </a:fontRef>
-        </p:style>
-      </p:cxnSp>
-      <p:cxnSp>
-        <p:nvCxnSpPr>
-          <p:cNvPr id="44" name="直线箭头连接符 43"/>
-          <p:cNvCxnSpPr>
-            <a:stCxn id="40" idx="2"/>
-          </p:cNvCxnSpPr>
-          <p:nvPr/>
-        </p:nvCxnSpPr>
-        <p:spPr>
-          <a:xfrm>
-            <a:off x="7221871" y="1336383"/>
-            <a:ext cx="684344" cy="499115"/>
-          </a:xfrm>
-          <a:prstGeom prst="straightConnector1">
-            <a:avLst/>
-          </a:prstGeom>
-          <a:ln>
-            <a:tailEnd type="triangle"/>
-          </a:ln>
-        </p:spPr>
-        <p:style>
-          <a:lnRef idx="1">
-            <a:schemeClr val="accent1"/>
-          </a:lnRef>
-          <a:fillRef idx="0">
-            <a:schemeClr val="accent1"/>
-          </a:fillRef>
-          <a:effectRef idx="0">
-            <a:schemeClr val="accent1"/>
-          </a:effectRef>
-          <a:fontRef idx="minor">
-            <a:schemeClr val="tx1"/>
-          </a:fontRef>
-        </p:style>
-      </p:cxnSp>
-      <p:sp>
-        <p:nvSpPr>
-          <p:cNvPr id="45" name="文本框 44"/>
-          <p:cNvSpPr txBox="1"/>
-          <p:nvPr/>
-        </p:nvSpPr>
-        <p:spPr>
-          <a:xfrm>
-            <a:off x="2255578" y="4197522"/>
-            <a:ext cx="3033203" cy="461665"/>
-          </a:xfrm>
-          <a:prstGeom prst="rect">
-            <a:avLst/>
-          </a:prstGeom>
-          <a:noFill/>
-        </p:spPr>
-        <p:txBody>
-          <a:bodyPr wrap="none" rtlCol="0">
-            <a:spAutoFit/>
-          </a:bodyPr>
-          <a:lstStyle/>
-          <a:p>
-            <a:r>
-              <a:rPr kumimoji="1" lang="zh-CN" altLang="en-US" sz="1200" smtClean="0"/>
-              <a:t>提供了与</a:t>
-            </a:r>
-            <a:r>
-              <a:rPr kumimoji="1" lang="en-US" altLang="zh-CN" sz="1200" smtClean="0"/>
-              <a:t>http</a:t>
-            </a:r>
-            <a:r>
-              <a:rPr kumimoji="1" lang="zh-CN" altLang="en-US" sz="1200" smtClean="0"/>
-              <a:t>协议相关实现，所有</a:t>
-            </a:r>
-            <a:r>
-              <a:rPr kumimoji="1" lang="en-US" altLang="zh-CN" sz="1200" smtClean="0"/>
-              <a:t>java</a:t>
-            </a:r>
-            <a:r>
-              <a:rPr kumimoji="1" lang="zh-CN" altLang="en-US" sz="1200" smtClean="0"/>
-              <a:t> </a:t>
-            </a:r>
-            <a:r>
-              <a:rPr kumimoji="1" lang="en-US" altLang="zh-CN" sz="1200" smtClean="0"/>
-              <a:t>web</a:t>
-            </a:r>
-          </a:p>
-          <a:p>
-            <a:r>
-              <a:rPr kumimoji="1" lang="zh-CN" altLang="en-US" sz="1200" smtClean="0"/>
-              <a:t>自定义开发，都实现</a:t>
-            </a:r>
-            <a:r>
-              <a:rPr kumimoji="1" lang="en-US" altLang="zh-CN" sz="1200" err="1" smtClean="0"/>
-              <a:t>HttpServlet</a:t>
-            </a:r>
-            <a:endParaRPr kumimoji="1" lang="zh-CN" altLang="en-US" sz="1200"/>
-          </a:p>
-        </p:txBody>
-      </p:sp>
-      <p:sp>
-        <p:nvSpPr>
-          <p:cNvPr id="46" name="文本框 45"/>
-          <p:cNvSpPr txBox="1"/>
-          <p:nvPr/>
-        </p:nvSpPr>
-        <p:spPr>
-          <a:xfrm>
-            <a:off x="6501161" y="3517507"/>
-            <a:ext cx="1604927" cy="307777"/>
-          </a:xfrm>
-          <a:prstGeom prst="rect">
-            <a:avLst/>
-          </a:prstGeom>
-          <a:noFill/>
-        </p:spPr>
-        <p:txBody>
-          <a:bodyPr wrap="none" rtlCol="0">
-            <a:spAutoFit/>
-          </a:bodyPr>
-          <a:lstStyle/>
-          <a:p>
-            <a:r>
-              <a:rPr kumimoji="1" lang="en-US" altLang="zh-CN" sz="1400" smtClean="0"/>
-              <a:t>Http</a:t>
-            </a:r>
-            <a:r>
-              <a:rPr kumimoji="1" lang="zh-CN" altLang="en-US" sz="1400" smtClean="0"/>
-              <a:t>协议相关接口</a:t>
-            </a:r>
-            <a:endParaRPr kumimoji="1" lang="zh-CN" altLang="en-US" sz="1400"/>
-          </a:p>
-        </p:txBody>
-      </p:sp>
-      <p:cxnSp>
-        <p:nvCxnSpPr>
-          <p:cNvPr id="48" name="直线箭头连接符 47"/>
-          <p:cNvCxnSpPr/>
-          <p:nvPr/>
-        </p:nvCxnSpPr>
-        <p:spPr>
-          <a:xfrm flipH="1" flipV="1">
-            <a:off x="6813395" y="3297193"/>
-            <a:ext cx="278832" cy="111510"/>
-          </a:xfrm>
-          <a:prstGeom prst="straightConnector1">
-            <a:avLst/>
-          </a:prstGeom>
-          <a:ln>
-            <a:tailEnd type="triangle"/>
-          </a:ln>
-        </p:spPr>
-        <p:style>
-          <a:lnRef idx="1">
-            <a:schemeClr val="accent1"/>
-          </a:lnRef>
-          <a:fillRef idx="0">
-            <a:schemeClr val="accent1"/>
-          </a:fillRef>
-          <a:effectRef idx="0">
-            <a:schemeClr val="accent1"/>
-          </a:effectRef>
-          <a:fontRef idx="minor">
-            <a:schemeClr val="tx1"/>
-          </a:fontRef>
-        </p:style>
-      </p:cxnSp>
-      <p:cxnSp>
-        <p:nvCxnSpPr>
-          <p:cNvPr id="50" name="直线箭头连接符 49"/>
-          <p:cNvCxnSpPr/>
-          <p:nvPr/>
-        </p:nvCxnSpPr>
-        <p:spPr>
-          <a:xfrm flipV="1">
-            <a:off x="7221871" y="3315703"/>
-            <a:ext cx="260597" cy="93000"/>
-          </a:xfrm>
-          <a:prstGeom prst="straightConnector1">
-            <a:avLst/>
-          </a:prstGeom>
-          <a:ln>
-            <a:tailEnd type="triangle"/>
-          </a:ln>
-        </p:spPr>
-        <p:style>
-          <a:lnRef idx="1">
-            <a:schemeClr val="accent1"/>
-          </a:lnRef>
-          <a:fillRef idx="0">
-            <a:schemeClr val="accent1"/>
-          </a:fillRef>
-          <a:effectRef idx="0">
-            <a:schemeClr val="accent1"/>
-          </a:effectRef>
-          <a:fontRef idx="minor">
-            <a:schemeClr val="tx1"/>
-          </a:fontRef>
-        </p:style>
-      </p:cxnSp>
-      <p:sp>
-        <p:nvSpPr>
-          <p:cNvPr id="51" name="文本框 50"/>
-          <p:cNvSpPr txBox="1"/>
-          <p:nvPr/>
-        </p:nvSpPr>
-        <p:spPr>
-          <a:xfrm>
-            <a:off x="197691" y="5405627"/>
-            <a:ext cx="9778639" cy="830997"/>
-          </a:xfrm>
-          <a:prstGeom prst="rect">
-            <a:avLst/>
-          </a:prstGeom>
-          <a:noFill/>
-        </p:spPr>
-        <p:txBody>
-          <a:bodyPr wrap="none" rtlCol="0">
-            <a:spAutoFit/>
-          </a:bodyPr>
-          <a:lstStyle/>
-          <a:p>
-            <a:r>
-              <a:rPr kumimoji="1" lang="en-US" altLang="zh-CN" sz="1200" b="1" err="1" smtClean="0">
-                <a:solidFill>
-                  <a:srgbClr val="FF0000"/>
-                </a:solidFill>
-              </a:rPr>
-              <a:t>ServletContext</a:t>
-            </a:r>
-            <a:r>
-              <a:rPr kumimoji="1" lang="zh-CN" altLang="en-US" sz="1200" smtClean="0"/>
-              <a:t>：是</a:t>
-            </a:r>
-            <a:r>
-              <a:rPr kumimoji="1" lang="en-US" altLang="zh-CN" sz="1200" smtClean="0"/>
-              <a:t>servlet</a:t>
-            </a:r>
-            <a:r>
-              <a:rPr kumimoji="1" lang="zh-CN" altLang="en-US" sz="1200" smtClean="0"/>
-              <a:t>和</a:t>
-            </a:r>
-            <a:r>
-              <a:rPr kumimoji="1" lang="en-US" altLang="zh-CN" sz="1200" smtClean="0"/>
-              <a:t>servlet</a:t>
-            </a:r>
-            <a:r>
-              <a:rPr kumimoji="1" lang="zh-CN" altLang="en-US" sz="1200" smtClean="0"/>
-              <a:t>容器之间通信的接口。</a:t>
-            </a:r>
-            <a:r>
-              <a:rPr kumimoji="1" lang="en-US" altLang="zh-CN" sz="1200"/>
-              <a:t>Servlet</a:t>
-            </a:r>
-            <a:r>
-              <a:rPr kumimoji="1" lang="zh-CN" altLang="en-US" sz="1200"/>
-              <a:t>容器在启动一个</a:t>
-            </a:r>
-            <a:r>
-              <a:rPr kumimoji="1" lang="en-US" altLang="zh-CN" sz="1200"/>
-              <a:t>Web</a:t>
-            </a:r>
-            <a:r>
-              <a:rPr kumimoji="1" lang="zh-CN" altLang="en-US" sz="1200"/>
-              <a:t>应用时，会为它创建一个</a:t>
-            </a:r>
-            <a:r>
-              <a:rPr kumimoji="1" lang="en-US" altLang="zh-CN" sz="1200" err="1"/>
-              <a:t>ServletContext</a:t>
-            </a:r>
-            <a:r>
-              <a:rPr kumimoji="1" lang="zh-CN" altLang="en-US" sz="1200"/>
-              <a:t>对象</a:t>
-            </a:r>
-            <a:r>
-              <a:rPr kumimoji="1" lang="zh-CN" altLang="en-US" sz="1200" smtClean="0"/>
-              <a:t>。</a:t>
-            </a:r>
-            <a:endParaRPr kumimoji="1" lang="en-US" altLang="zh-CN" sz="1200" smtClean="0"/>
-          </a:p>
-          <a:p>
-            <a:r>
-              <a:rPr kumimoji="1" lang="zh-CN" altLang="en-US" sz="1200" smtClean="0"/>
-              <a:t>每个</a:t>
-            </a:r>
-            <a:r>
-              <a:rPr kumimoji="1" lang="en-US" altLang="zh-CN" sz="1200"/>
-              <a:t>Web</a:t>
-            </a:r>
-            <a:r>
-              <a:rPr kumimoji="1" lang="zh-CN" altLang="en-US" sz="1200"/>
-              <a:t>应用都有唯一的</a:t>
-            </a:r>
-            <a:r>
-              <a:rPr kumimoji="1" lang="en-US" altLang="zh-CN" sz="1200" err="1"/>
-              <a:t>ServletContext</a:t>
-            </a:r>
-            <a:r>
-              <a:rPr kumimoji="1" lang="zh-CN" altLang="en-US" sz="1200"/>
-              <a:t>对象，可以把</a:t>
-            </a:r>
-            <a:r>
-              <a:rPr kumimoji="1" lang="en-US" altLang="zh-CN" sz="1200" err="1"/>
-              <a:t>ServletContext</a:t>
-            </a:r>
-            <a:r>
-              <a:rPr kumimoji="1" lang="zh-CN" altLang="en-US" sz="1200"/>
-              <a:t>对象形象地理解为</a:t>
-            </a:r>
-            <a:r>
-              <a:rPr kumimoji="1" lang="en-US" altLang="zh-CN" sz="1200"/>
-              <a:t>Web</a:t>
-            </a:r>
-            <a:r>
-              <a:rPr kumimoji="1" lang="zh-CN" altLang="en-US" sz="1200"/>
-              <a:t>应用的总管家，同一个</a:t>
-            </a:r>
-            <a:r>
-              <a:rPr kumimoji="1" lang="en-US" altLang="zh-CN" sz="1200"/>
-              <a:t>Web</a:t>
-            </a:r>
-            <a:r>
-              <a:rPr kumimoji="1" lang="zh-CN" altLang="en-US" sz="1200"/>
-              <a:t>应用中的所有</a:t>
-            </a:r>
-            <a:r>
-              <a:rPr kumimoji="1" lang="en-US" altLang="zh-CN" sz="1200"/>
-              <a:t>Servlet</a:t>
-            </a:r>
-            <a:r>
-              <a:rPr kumimoji="1" lang="zh-CN" altLang="en-US" sz="1200" smtClean="0"/>
-              <a:t>对象</a:t>
-            </a:r>
-            <a:endParaRPr kumimoji="1" lang="en-US" altLang="zh-CN" sz="1200" smtClean="0"/>
-          </a:p>
-          <a:p>
-            <a:r>
-              <a:rPr kumimoji="1" lang="zh-CN" altLang="en-US" sz="1200" smtClean="0"/>
-              <a:t>都</a:t>
-            </a:r>
-            <a:r>
-              <a:rPr kumimoji="1" lang="zh-CN" altLang="en-US" sz="1200"/>
-              <a:t>共享一个</a:t>
-            </a:r>
-            <a:r>
-              <a:rPr kumimoji="1" lang="en-US" altLang="zh-CN" sz="1200" err="1"/>
-              <a:t>ServletContext</a:t>
-            </a:r>
-            <a:r>
-              <a:rPr kumimoji="1" lang="zh-CN" altLang="en-US" sz="1200"/>
-              <a:t>，</a:t>
-            </a:r>
-            <a:r>
-              <a:rPr kumimoji="1" lang="en-US" altLang="zh-CN" sz="1200"/>
-              <a:t>Servlet</a:t>
-            </a:r>
-            <a:r>
-              <a:rPr kumimoji="1" lang="zh-CN" altLang="en-US" sz="1200"/>
-              <a:t>对象可以通过其访问容器中的各种资源。</a:t>
-            </a:r>
-          </a:p>
-          <a:p>
-            <a:endParaRPr kumimoji="1" lang="zh-CN" altLang="en-US" sz="1200"/>
+              <a:rPr lang="en-US" altLang="zh-CN" sz="1200" smtClean="0"/>
+              <a:t>Node</a:t>
+            </a:r>
+            <a:r>
+              <a:rPr lang="zh-CN" altLang="en-US" sz="1200" smtClean="0"/>
+              <a:t>：底层有个</a:t>
+            </a:r>
+            <a:r>
+              <a:rPr lang="en-US" altLang="zh-CN" sz="1200" smtClean="0"/>
+              <a:t>node</a:t>
+            </a:r>
+            <a:r>
+              <a:rPr lang="zh-CN" altLang="en-US" sz="1200" smtClean="0"/>
+              <a:t>，封装了当前线程的信息</a:t>
+            </a:r>
+            <a:endParaRPr lang="en-US" altLang="zh-CN" sz="1200" smtClean="0"/>
+          </a:p>
+          <a:p>
+            <a:r>
+              <a:rPr lang="en-US" altLang="zh-CN" sz="1200" smtClean="0"/>
+              <a:t>state</a:t>
+            </a:r>
+            <a:r>
+              <a:rPr lang="zh-CN" altLang="en-US" sz="1200" smtClean="0"/>
+              <a:t>：状态值</a:t>
+            </a:r>
+            <a:endParaRPr lang="zh-CN" altLang="en-US" sz="1200"/>
           </a:p>
         </p:txBody>
       </p:sp>
     </p:spTree>
     <p:extLst>
       <p:ext uri="{BB962C8B-B14F-4D97-AF65-F5344CB8AC3E}">
-        <p14:creationId xmlns:p14="http://schemas.microsoft.com/office/powerpoint/2010/main" val="1646528644"/>
+        <p14:creationId xmlns:p14="http://schemas.microsoft.com/office/powerpoint/2010/main" val="1401220142"/>
       </p:ext>
     </p:extLst>
   </p:cSld>
   <p:clrMapOvr>
     <a:masterClrMapping/>
   </p:clrMapOvr>
-  <p:timing>
-    <p:tnLst>
-      <p:par>
-        <p:cTn id="1" dur="indefinite" restart="never" nodeType="tmRoot"/>
-      </p:par>
-    </p:tnLst>
-  </p:timing>
 </p:sld>
 </file>
 
@@ -8618,55 +7846,14 @@
       </p:grpSpPr>
       <p:sp>
         <p:nvSpPr>
-          <p:cNvPr id="4" name="矩形 3"/>
-          <p:cNvSpPr/>
-          <p:nvPr/>
-        </p:nvSpPr>
-        <p:spPr>
-          <a:xfrm>
-            <a:off x="2375209" y="1148576"/>
-            <a:ext cx="1293541" cy="724829"/>
-          </a:xfrm>
-          <a:prstGeom prst="rect">
-            <a:avLst/>
-          </a:prstGeom>
-          <a:noFill/>
-        </p:spPr>
-        <p:style>
-          <a:lnRef idx="2">
-            <a:schemeClr val="accent1">
-              <a:shade val="50000"/>
-            </a:schemeClr>
-          </a:lnRef>
-          <a:fillRef idx="1">
-            <a:schemeClr val="accent1"/>
-          </a:fillRef>
-          <a:effectRef idx="0">
-            <a:schemeClr val="accent1"/>
-          </a:effectRef>
-          <a:fontRef idx="minor">
-            <a:schemeClr val="lt1"/>
-          </a:fontRef>
-        </p:style>
-        <p:txBody>
-          <a:bodyPr rtlCol="0" anchor="ctr"/>
-          <a:lstStyle/>
-          <a:p>
-            <a:pPr algn="ctr"/>
-            <a:endParaRPr kumimoji="1" lang="zh-CN" altLang="en-US"/>
-          </a:p>
-        </p:txBody>
-      </p:sp>
-      <p:sp>
-        <p:nvSpPr>
-          <p:cNvPr id="5" name="文本框 4"/>
+          <p:cNvPr id="27" name="文本框 26"/>
           <p:cNvSpPr txBox="1"/>
           <p:nvPr/>
         </p:nvSpPr>
         <p:spPr>
           <a:xfrm>
-            <a:off x="2610648" y="1380185"/>
-            <a:ext cx="822661" cy="261610"/>
+            <a:off x="672352" y="3210491"/>
+            <a:ext cx="10400604" cy="861774"/>
           </a:xfrm>
           <a:prstGeom prst="rect">
             <a:avLst/>
@@ -8680,68 +7867,98 @@
           <a:lstStyle/>
           <a:p>
             <a:r>
-              <a:rPr kumimoji="1" lang="zh-CN" altLang="en-US" sz="1100" smtClean="0"/>
-              <a:t>通信实体</a:t>
-            </a:r>
-            <a:r>
-              <a:rPr kumimoji="1" lang="en-US" altLang="zh-CN" sz="1100" smtClean="0"/>
-              <a:t>1</a:t>
-            </a:r>
-            <a:endParaRPr kumimoji="1" lang="zh-CN" altLang="en-US" sz="1100"/>
-          </a:p>
-        </p:txBody>
-      </p:sp>
-      <p:sp>
-        <p:nvSpPr>
-          <p:cNvPr id="6" name="矩形 5"/>
-          <p:cNvSpPr/>
-          <p:nvPr/>
-        </p:nvSpPr>
-        <p:spPr>
-          <a:xfrm>
-            <a:off x="6107150" y="1148576"/>
-            <a:ext cx="1293541" cy="724829"/>
-          </a:xfrm>
-          <a:prstGeom prst="rect">
-            <a:avLst/>
-          </a:prstGeom>
-          <a:noFill/>
-        </p:spPr>
-        <p:style>
-          <a:lnRef idx="2">
-            <a:schemeClr val="accent1">
-              <a:shade val="50000"/>
-            </a:schemeClr>
-          </a:lnRef>
-          <a:fillRef idx="1">
-            <a:schemeClr val="accent1"/>
-          </a:fillRef>
-          <a:effectRef idx="0">
-            <a:schemeClr val="accent1"/>
-          </a:effectRef>
-          <a:fontRef idx="minor">
-            <a:schemeClr val="lt1"/>
-          </a:fontRef>
-        </p:style>
-        <p:txBody>
-          <a:bodyPr rtlCol="0" anchor="ctr"/>
-          <a:lstStyle/>
-          <a:p>
-            <a:pPr algn="ctr"/>
-            <a:endParaRPr kumimoji="1" lang="zh-CN" altLang="en-US"/>
-          </a:p>
-        </p:txBody>
-      </p:sp>
-      <p:sp>
-        <p:nvSpPr>
-          <p:cNvPr id="7" name="文本框 6"/>
+              <a:rPr lang="zh-CN" altLang="en-US" sz="1000" b="1"/>
+              <a:t>标准</a:t>
+            </a:r>
+            <a:r>
+              <a:rPr lang="zh-CN" altLang="en-US" sz="1000" b="1" smtClean="0"/>
+              <a:t>访问文件方式：</a:t>
+            </a:r>
+            <a:r>
+              <a:rPr lang="zh-CN" altLang="en-US" sz="1000" smtClean="0"/>
+              <a:t>应用调用</a:t>
+            </a:r>
+            <a:r>
+              <a:rPr lang="en-US" altLang="zh-CN" sz="1000" smtClean="0"/>
+              <a:t>read()</a:t>
+            </a:r>
+            <a:r>
+              <a:rPr lang="zh-CN" altLang="en-US" sz="1000" smtClean="0"/>
+              <a:t>接口，操作系统检查内核的高速缓存中有没有数据，如果有直接返回，否则读取磁盘信息，然后缓存在内核缓存中</a:t>
+            </a:r>
+            <a:endParaRPr lang="en-US" altLang="zh-CN" sz="1000" smtClean="0"/>
+          </a:p>
+          <a:p>
+            <a:r>
+              <a:rPr lang="en-US" altLang="zh-CN" sz="1000" smtClean="0"/>
+              <a:t>        (</a:t>
+            </a:r>
+            <a:r>
+              <a:rPr lang="zh-CN" altLang="en-US" sz="1000" smtClean="0"/>
+              <a:t>内核缓存：将磁盘读取的文件按照一定的组织方式进行缓存，用户如果访问的是同一段磁盘地址的空间数据，操作系统从内核缓冲中直接读取信息，减少</a:t>
+            </a:r>
+            <a:r>
+              <a:rPr lang="en-US" altLang="zh-CN" sz="1000" smtClean="0"/>
+              <a:t>I/O</a:t>
+            </a:r>
+            <a:r>
+              <a:rPr lang="zh-CN" altLang="en-US" sz="1000" smtClean="0"/>
+              <a:t>响应时间</a:t>
+            </a:r>
+            <a:r>
+              <a:rPr lang="en-US" altLang="zh-CN" sz="1000" smtClean="0"/>
+              <a:t>)</a:t>
+            </a:r>
+          </a:p>
+          <a:p>
+            <a:endParaRPr lang="en-US" altLang="zh-CN" sz="1000" smtClean="0"/>
+          </a:p>
+          <a:p>
+            <a:r>
+              <a:rPr lang="zh-CN" altLang="en-US" sz="1000" b="1" smtClean="0"/>
+              <a:t>写入文件：</a:t>
+            </a:r>
+            <a:r>
+              <a:rPr lang="zh-CN" altLang="en-US" sz="1000" smtClean="0"/>
+              <a:t>应用调用</a:t>
+            </a:r>
+            <a:r>
+              <a:rPr lang="en-US" altLang="zh-CN" sz="1000" smtClean="0"/>
+              <a:t>wirte()</a:t>
+            </a:r>
+            <a:r>
+              <a:rPr lang="zh-CN" altLang="en-US" sz="1000" smtClean="0"/>
+              <a:t>接口，将数据从用户地址空间复制到内核地址空间的缓存中，这时对用户来说写操作就已经完成，至于什么时候再写到磁盘中，由操作系统决定，除非调用</a:t>
+            </a:r>
+            <a:endParaRPr lang="en-US" altLang="zh-CN" sz="1000" smtClean="0"/>
+          </a:p>
+          <a:p>
+            <a:r>
+              <a:rPr lang="en-US" altLang="zh-CN" sz="1000"/>
+              <a:t> </a:t>
+            </a:r>
+            <a:r>
+              <a:rPr lang="en-US" altLang="zh-CN" sz="1000" smtClean="0"/>
+              <a:t>   sync</a:t>
+            </a:r>
+            <a:r>
+              <a:rPr lang="zh-CN" altLang="en-US" sz="1000" smtClean="0"/>
+              <a:t>同步命令</a:t>
+            </a:r>
+            <a:endParaRPr lang="zh-CN" altLang="en-US" sz="1000"/>
+          </a:p>
+        </p:txBody>
+      </p:sp>
+      <p:sp>
+        <p:nvSpPr>
+          <p:cNvPr id="28" name="文本框 27"/>
           <p:cNvSpPr txBox="1"/>
           <p:nvPr/>
         </p:nvSpPr>
         <p:spPr>
           <a:xfrm>
-            <a:off x="6342589" y="1380185"/>
-            <a:ext cx="822661" cy="261610"/>
+            <a:off x="528918" y="305707"/>
+            <a:ext cx="1321196" cy="276999"/>
           </a:xfrm>
           <a:prstGeom prst="rect">
             <a:avLst/>
@@ -8755,403 +7972,45 @@
           <a:lstStyle/>
           <a:p>
             <a:r>
-              <a:rPr kumimoji="1" lang="zh-CN" altLang="en-US" sz="1100" smtClean="0"/>
-              <a:t>通信实体</a:t>
-            </a:r>
-            <a:r>
-              <a:rPr kumimoji="1" lang="en-US" altLang="zh-CN" sz="1100"/>
-              <a:t>2</a:t>
-            </a:r>
-            <a:endParaRPr kumimoji="1" lang="zh-CN" altLang="en-US" sz="1100"/>
-          </a:p>
-        </p:txBody>
-      </p:sp>
-      <p:sp>
-        <p:nvSpPr>
-          <p:cNvPr id="8" name="矩形 7"/>
-          <p:cNvSpPr/>
-          <p:nvPr/>
-        </p:nvSpPr>
-        <p:spPr>
-          <a:xfrm>
-            <a:off x="2375209" y="3096323"/>
-            <a:ext cx="1293541" cy="472067"/>
-          </a:xfrm>
-          <a:prstGeom prst="rect">
-            <a:avLst/>
-          </a:prstGeom>
-          <a:noFill/>
-        </p:spPr>
-        <p:style>
-          <a:lnRef idx="2">
-            <a:schemeClr val="accent1">
-              <a:shade val="50000"/>
-            </a:schemeClr>
-          </a:lnRef>
-          <a:fillRef idx="1">
-            <a:schemeClr val="accent1"/>
-          </a:fillRef>
-          <a:effectRef idx="0">
-            <a:schemeClr val="accent1"/>
-          </a:effectRef>
-          <a:fontRef idx="minor">
-            <a:schemeClr val="lt1"/>
-          </a:fontRef>
-        </p:style>
-        <p:txBody>
-          <a:bodyPr rtlCol="0" anchor="ctr"/>
-          <a:lstStyle/>
-          <a:p>
-            <a:pPr algn="ctr"/>
-            <a:endParaRPr kumimoji="1" lang="zh-CN" altLang="en-US"/>
-          </a:p>
-        </p:txBody>
-      </p:sp>
-      <p:sp>
-        <p:nvSpPr>
-          <p:cNvPr id="9" name="文本框 8"/>
-          <p:cNvSpPr txBox="1"/>
-          <p:nvPr/>
-        </p:nvSpPr>
-        <p:spPr>
-          <a:xfrm>
-            <a:off x="2621799" y="3182968"/>
-            <a:ext cx="657552" cy="261610"/>
-          </a:xfrm>
-          <a:prstGeom prst="rect">
-            <a:avLst/>
-          </a:prstGeom>
-          <a:noFill/>
-        </p:spPr>
-        <p:txBody>
-          <a:bodyPr wrap="none" rtlCol="0">
-            <a:spAutoFit/>
-          </a:bodyPr>
-          <a:lstStyle/>
-          <a:p>
-            <a:r>
-              <a:rPr kumimoji="1" lang="en-US" altLang="zh-CN" sz="1100" smtClean="0"/>
-              <a:t>Socket1</a:t>
-            </a:r>
-            <a:endParaRPr kumimoji="1" lang="zh-CN" altLang="en-US" sz="1100"/>
-          </a:p>
-        </p:txBody>
-      </p:sp>
-      <p:sp>
-        <p:nvSpPr>
-          <p:cNvPr id="10" name="矩形 9"/>
-          <p:cNvSpPr/>
-          <p:nvPr/>
-        </p:nvSpPr>
-        <p:spPr>
-          <a:xfrm>
-            <a:off x="6107150" y="3104911"/>
-            <a:ext cx="1293541" cy="472067"/>
-          </a:xfrm>
-          <a:prstGeom prst="rect">
-            <a:avLst/>
-          </a:prstGeom>
-          <a:noFill/>
-        </p:spPr>
-        <p:style>
-          <a:lnRef idx="2">
-            <a:schemeClr val="accent1">
-              <a:shade val="50000"/>
-            </a:schemeClr>
-          </a:lnRef>
-          <a:fillRef idx="1">
-            <a:schemeClr val="accent1"/>
-          </a:fillRef>
-          <a:effectRef idx="0">
-            <a:schemeClr val="accent1"/>
-          </a:effectRef>
-          <a:fontRef idx="minor">
-            <a:schemeClr val="lt1"/>
-          </a:fontRef>
-        </p:style>
-        <p:txBody>
-          <a:bodyPr rtlCol="0" anchor="ctr"/>
-          <a:lstStyle/>
-          <a:p>
-            <a:pPr algn="ctr"/>
-            <a:endParaRPr kumimoji="1" lang="zh-CN" altLang="en-US"/>
-          </a:p>
-        </p:txBody>
-      </p:sp>
-      <p:sp>
-        <p:nvSpPr>
-          <p:cNvPr id="11" name="文本框 10"/>
-          <p:cNvSpPr txBox="1"/>
-          <p:nvPr/>
-        </p:nvSpPr>
-        <p:spPr>
-          <a:xfrm>
-            <a:off x="6398344" y="3225009"/>
-            <a:ext cx="657552" cy="261610"/>
-          </a:xfrm>
-          <a:prstGeom prst="rect">
-            <a:avLst/>
-          </a:prstGeom>
-          <a:noFill/>
-        </p:spPr>
-        <p:txBody>
-          <a:bodyPr wrap="none" rtlCol="0">
-            <a:spAutoFit/>
-          </a:bodyPr>
-          <a:lstStyle/>
-          <a:p>
-            <a:r>
-              <a:rPr kumimoji="1" lang="en-US" altLang="zh-CN" sz="1100" smtClean="0"/>
-              <a:t>Socket2</a:t>
-            </a:r>
-            <a:endParaRPr kumimoji="1" lang="zh-CN" altLang="en-US" sz="1100"/>
-          </a:p>
-        </p:txBody>
-      </p:sp>
-      <p:cxnSp>
-        <p:nvCxnSpPr>
-          <p:cNvPr id="13" name="直线箭头连接符 12"/>
-          <p:cNvCxnSpPr>
-            <a:stCxn id="4" idx="2"/>
-            <a:endCxn id="8" idx="0"/>
-          </p:cNvCxnSpPr>
-          <p:nvPr/>
-        </p:nvCxnSpPr>
-        <p:spPr>
-          <a:xfrm>
-            <a:off x="3021980" y="1873405"/>
-            <a:ext cx="0" cy="1222918"/>
-          </a:xfrm>
-          <a:prstGeom prst="straightConnector1">
-            <a:avLst/>
-          </a:prstGeom>
-          <a:ln>
-            <a:tailEnd type="triangle"/>
-          </a:ln>
-        </p:spPr>
-        <p:style>
-          <a:lnRef idx="1">
-            <a:schemeClr val="accent1"/>
-          </a:lnRef>
-          <a:fillRef idx="0">
-            <a:schemeClr val="accent1"/>
-          </a:fillRef>
-          <a:effectRef idx="0">
-            <a:schemeClr val="accent1"/>
-          </a:effectRef>
-          <a:fontRef idx="minor">
-            <a:schemeClr val="tx1"/>
-          </a:fontRef>
-        </p:style>
-      </p:cxnSp>
-      <p:cxnSp>
-        <p:nvCxnSpPr>
-          <p:cNvPr id="15" name="直线箭头连接符 14"/>
-          <p:cNvCxnSpPr>
-            <a:stCxn id="6" idx="2"/>
-            <a:endCxn id="10" idx="0"/>
-          </p:cNvCxnSpPr>
-          <p:nvPr/>
-        </p:nvCxnSpPr>
-        <p:spPr>
-          <a:xfrm>
-            <a:off x="6753921" y="1873405"/>
-            <a:ext cx="0" cy="1231506"/>
-          </a:xfrm>
-          <a:prstGeom prst="straightConnector1">
-            <a:avLst/>
-          </a:prstGeom>
-          <a:ln>
-            <a:tailEnd type="triangle"/>
-          </a:ln>
-        </p:spPr>
-        <p:style>
-          <a:lnRef idx="1">
-            <a:schemeClr val="accent1"/>
-          </a:lnRef>
-          <a:fillRef idx="0">
-            <a:schemeClr val="accent1"/>
-          </a:fillRef>
-          <a:effectRef idx="0">
-            <a:schemeClr val="accent1"/>
-          </a:effectRef>
-          <a:fontRef idx="minor">
-            <a:schemeClr val="tx1"/>
-          </a:fontRef>
-        </p:style>
-      </p:cxnSp>
-      <p:sp>
-        <p:nvSpPr>
-          <p:cNvPr id="16" name="文本框 15"/>
-          <p:cNvSpPr txBox="1"/>
-          <p:nvPr/>
-        </p:nvSpPr>
-        <p:spPr>
-          <a:xfrm>
-            <a:off x="2375209" y="2346364"/>
-            <a:ext cx="619080" cy="276999"/>
-          </a:xfrm>
-          <a:prstGeom prst="rect">
-            <a:avLst/>
-          </a:prstGeom>
-          <a:noFill/>
-        </p:spPr>
-        <p:txBody>
-          <a:bodyPr wrap="none" rtlCol="0">
-            <a:spAutoFit/>
-          </a:bodyPr>
-          <a:lstStyle/>
-          <a:p>
-            <a:r>
-              <a:rPr kumimoji="1" lang="en-US" altLang="zh-CN" sz="1200" smtClean="0"/>
-              <a:t>Io</a:t>
-            </a:r>
-            <a:r>
-              <a:rPr kumimoji="1" lang="zh-CN" altLang="en-US" sz="1200" smtClean="0"/>
-              <a:t>操作</a:t>
-            </a:r>
-            <a:endParaRPr kumimoji="1" lang="zh-CN" altLang="en-US" sz="1200"/>
-          </a:p>
-        </p:txBody>
-      </p:sp>
-      <p:sp>
-        <p:nvSpPr>
-          <p:cNvPr id="17" name="文本框 16"/>
-          <p:cNvSpPr txBox="1"/>
-          <p:nvPr/>
-        </p:nvSpPr>
-        <p:spPr>
-          <a:xfrm>
-            <a:off x="6855710" y="2346363"/>
-            <a:ext cx="619080" cy="276999"/>
-          </a:xfrm>
-          <a:prstGeom prst="rect">
-            <a:avLst/>
-          </a:prstGeom>
-          <a:noFill/>
-        </p:spPr>
-        <p:txBody>
-          <a:bodyPr wrap="none" rtlCol="0">
-            <a:spAutoFit/>
-          </a:bodyPr>
-          <a:lstStyle/>
-          <a:p>
-            <a:r>
-              <a:rPr kumimoji="1" lang="en-US" altLang="zh-CN" sz="1200" smtClean="0"/>
-              <a:t>Io</a:t>
-            </a:r>
-            <a:r>
-              <a:rPr kumimoji="1" lang="zh-CN" altLang="en-US" sz="1200" smtClean="0"/>
-              <a:t>操作</a:t>
-            </a:r>
-            <a:endParaRPr kumimoji="1" lang="zh-CN" altLang="en-US" sz="1200"/>
-          </a:p>
-        </p:txBody>
-      </p:sp>
-      <p:cxnSp>
-        <p:nvCxnSpPr>
-          <p:cNvPr id="19" name="直线箭头连接符 18"/>
-          <p:cNvCxnSpPr>
-            <a:stCxn id="8" idx="3"/>
-            <a:endCxn id="10" idx="1"/>
-          </p:cNvCxnSpPr>
-          <p:nvPr/>
-        </p:nvCxnSpPr>
-        <p:spPr>
-          <a:xfrm>
-            <a:off x="3668750" y="3332357"/>
-            <a:ext cx="2438400" cy="8588"/>
-          </a:xfrm>
-          <a:prstGeom prst="straightConnector1">
-            <a:avLst/>
-          </a:prstGeom>
-          <a:ln>
-            <a:tailEnd type="triangle"/>
-          </a:ln>
-        </p:spPr>
-        <p:style>
-          <a:lnRef idx="1">
-            <a:schemeClr val="accent1"/>
-          </a:lnRef>
-          <a:fillRef idx="0">
-            <a:schemeClr val="accent1"/>
-          </a:fillRef>
-          <a:effectRef idx="0">
-            <a:schemeClr val="accent1"/>
-          </a:effectRef>
-          <a:fontRef idx="minor">
-            <a:schemeClr val="tx1"/>
-          </a:fontRef>
-        </p:style>
-      </p:cxnSp>
-      <p:sp>
-        <p:nvSpPr>
-          <p:cNvPr id="21" name="文本框 20"/>
-          <p:cNvSpPr txBox="1"/>
-          <p:nvPr/>
-        </p:nvSpPr>
-        <p:spPr>
-          <a:xfrm>
-            <a:off x="4454387" y="3036774"/>
-            <a:ext cx="800219" cy="276999"/>
-          </a:xfrm>
-          <a:prstGeom prst="rect">
-            <a:avLst/>
-          </a:prstGeom>
-          <a:noFill/>
-        </p:spPr>
-        <p:txBody>
-          <a:bodyPr wrap="none" rtlCol="0">
-            <a:spAutoFit/>
-          </a:bodyPr>
-          <a:lstStyle/>
-          <a:p>
-            <a:r>
-              <a:rPr kumimoji="1" lang="zh-CN" altLang="en-US" sz="1200" smtClean="0"/>
-              <a:t>虚拟链路</a:t>
-            </a:r>
-            <a:endParaRPr kumimoji="1" lang="zh-CN" altLang="en-US" sz="1200"/>
-          </a:p>
-        </p:txBody>
-      </p:sp>
-      <p:sp>
-        <p:nvSpPr>
-          <p:cNvPr id="22" name="文本框 21"/>
-          <p:cNvSpPr txBox="1"/>
-          <p:nvPr/>
-        </p:nvSpPr>
-        <p:spPr>
-          <a:xfrm>
-            <a:off x="4054277" y="4203935"/>
-            <a:ext cx="1550424" cy="276999"/>
-          </a:xfrm>
-          <a:prstGeom prst="rect">
-            <a:avLst/>
-          </a:prstGeom>
-          <a:noFill/>
-        </p:spPr>
-        <p:txBody>
-          <a:bodyPr wrap="none" rtlCol="0">
-            <a:spAutoFit/>
-          </a:bodyPr>
-          <a:lstStyle/>
-          <a:p>
-            <a:r>
-              <a:rPr kumimoji="1" lang="en-US" altLang="zh-CN" sz="1200" smtClean="0"/>
-              <a:t>TCP/IP</a:t>
-            </a:r>
-            <a:r>
-              <a:rPr kumimoji="1" lang="zh-CN" altLang="en-US" sz="1200" smtClean="0"/>
-              <a:t>协议通信原理</a:t>
-            </a:r>
-            <a:endParaRPr kumimoji="1" lang="zh-CN" altLang="en-US" sz="1200"/>
-          </a:p>
-        </p:txBody>
-      </p:sp>
+              <a:rPr lang="en-US" altLang="zh-CN" sz="1200" smtClean="0"/>
+              <a:t>I/O</a:t>
+            </a:r>
+            <a:r>
+              <a:rPr lang="zh-CN" altLang="en-US" sz="1200" smtClean="0"/>
+              <a:t>访问文件方式</a:t>
+            </a:r>
+            <a:endParaRPr lang="zh-CN" altLang="en-US" sz="1200"/>
+          </a:p>
+        </p:txBody>
+      </p:sp>
+      <p:pic>
+        <p:nvPicPr>
+          <p:cNvPr id="29" name="图片 28"/>
+          <p:cNvPicPr>
+            <a:picLocks noChangeAspect="1"/>
+          </p:cNvPicPr>
+          <p:nvPr/>
+        </p:nvPicPr>
+        <p:blipFill>
+          <a:blip r:embed="rId2"/>
+          <a:stretch>
+            <a:fillRect/>
+          </a:stretch>
+        </p:blipFill>
+        <p:spPr>
+          <a:xfrm>
+            <a:off x="3962891" y="542820"/>
+            <a:ext cx="3819525" cy="2476500"/>
+          </a:xfrm>
+          <a:prstGeom prst="rect">
+            <a:avLst/>
+          </a:prstGeom>
+        </p:spPr>
+      </p:pic>
     </p:spTree>
     <p:extLst>
       <p:ext uri="{BB962C8B-B14F-4D97-AF65-F5344CB8AC3E}">
-        <p14:creationId xmlns:p14="http://schemas.microsoft.com/office/powerpoint/2010/main" val="1609338129"/>
+        <p14:creationId xmlns:p14="http://schemas.microsoft.com/office/powerpoint/2010/main" val="627570997"/>
       </p:ext>
     </p:extLst>
   </p:cSld>
@@ -9178,40 +8037,57 @@
           <a:chExt cx="0" cy="0"/>
         </a:xfrm>
       </p:grpSpPr>
-      <p:pic>
-        <p:nvPicPr>
-          <p:cNvPr id="6" name="图片 5"/>
-          <p:cNvPicPr>
-            <a:picLocks noChangeAspect="1"/>
-          </p:cNvPicPr>
-          <p:nvPr/>
-        </p:nvPicPr>
-        <p:blipFill>
-          <a:blip r:embed="rId2"/>
-          <a:stretch>
-            <a:fillRect/>
-          </a:stretch>
-        </p:blipFill>
-        <p:spPr>
-          <a:xfrm>
-            <a:off x="3307168" y="1484239"/>
-            <a:ext cx="5824471" cy="3311045"/>
-          </a:xfrm>
-          <a:prstGeom prst="rect">
-            <a:avLst/>
-          </a:prstGeom>
-        </p:spPr>
-      </p:pic>
-      <p:sp>
-        <p:nvSpPr>
-          <p:cNvPr id="7" name="文本框 6"/>
+      <p:sp>
+        <p:nvSpPr>
+          <p:cNvPr id="4" name="矩形 3"/>
+          <p:cNvSpPr/>
+          <p:nvPr/>
+        </p:nvSpPr>
+        <p:spPr>
+          <a:xfrm>
+            <a:off x="2594344" y="925029"/>
+            <a:ext cx="1244009" cy="1052623"/>
+          </a:xfrm>
+          <a:prstGeom prst="rect">
+            <a:avLst/>
+          </a:prstGeom>
+          <a:noFill/>
+        </p:spPr>
+        <p:style>
+          <a:lnRef idx="2">
+            <a:schemeClr val="accent1">
+              <a:shade val="50000"/>
+            </a:schemeClr>
+          </a:lnRef>
+          <a:fillRef idx="1">
+            <a:schemeClr val="accent1"/>
+          </a:fillRef>
+          <a:effectRef idx="0">
+            <a:schemeClr val="accent1"/>
+          </a:effectRef>
+          <a:fontRef idx="minor">
+            <a:schemeClr val="lt1"/>
+          </a:fontRef>
+        </p:style>
+        <p:txBody>
+          <a:bodyPr rtlCol="0" anchor="ctr"/>
+          <a:lstStyle/>
+          <a:p>
+            <a:pPr algn="ctr"/>
+            <a:endParaRPr kumimoji="1" lang="zh-CN" altLang="en-US"/>
+          </a:p>
+        </p:txBody>
+      </p:sp>
+      <p:sp>
+        <p:nvSpPr>
+          <p:cNvPr id="5" name="文本框 4"/>
           <p:cNvSpPr txBox="1"/>
           <p:nvPr/>
         </p:nvSpPr>
         <p:spPr>
           <a:xfrm>
-            <a:off x="3391784" y="1371600"/>
-            <a:ext cx="1778051" cy="523220"/>
+            <a:off x="2861122" y="1266674"/>
+            <a:ext cx="710451" cy="369332"/>
           </a:xfrm>
           <a:prstGeom prst="rect">
             <a:avLst/>
@@ -9225,54 +8101,177 @@
           <a:lstStyle/>
           <a:p>
             <a:r>
-              <a:rPr lang="en-US" altLang="zh-CN" sz="1400" smtClean="0"/>
-              <a:t>state</a:t>
-            </a:r>
-            <a:r>
-              <a:rPr lang="zh-CN" altLang="en-US" sz="1400" smtClean="0"/>
-              <a:t>：</a:t>
-            </a:r>
-            <a:r>
-              <a:rPr lang="en-US" altLang="zh-CN" sz="1400" smtClean="0"/>
-              <a:t>1</a:t>
-            </a:r>
-          </a:p>
-          <a:p>
-            <a:r>
-              <a:rPr lang="en-US" altLang="zh-CN" sz="1400" smtClean="0"/>
-              <a:t>state</a:t>
-            </a:r>
-            <a:r>
-              <a:rPr lang="zh-CN" altLang="en-US" sz="1400" smtClean="0"/>
-              <a:t>：</a:t>
-            </a:r>
-            <a:r>
-              <a:rPr lang="en-US" altLang="zh-CN" sz="1400" smtClean="0"/>
-              <a:t>2 </a:t>
-            </a:r>
-            <a:r>
-              <a:rPr lang="zh-CN" altLang="en-US" sz="1400" smtClean="0"/>
-              <a:t>增加状态值</a:t>
-            </a:r>
-            <a:endParaRPr lang="zh-CN" altLang="en-US" sz="1400"/>
+              <a:rPr kumimoji="1" lang="en-US" altLang="zh-CN" smtClean="0"/>
+              <a:t>client</a:t>
+            </a:r>
+            <a:endParaRPr kumimoji="1" lang="zh-CN" altLang="en-US" dirty="0"/>
+          </a:p>
+        </p:txBody>
+      </p:sp>
+      <p:sp>
+        <p:nvSpPr>
+          <p:cNvPr id="6" name="矩形 5"/>
+          <p:cNvSpPr/>
+          <p:nvPr/>
+        </p:nvSpPr>
+        <p:spPr>
+          <a:xfrm>
+            <a:off x="6755219" y="925029"/>
+            <a:ext cx="1244009" cy="1052623"/>
+          </a:xfrm>
+          <a:prstGeom prst="rect">
+            <a:avLst/>
+          </a:prstGeom>
+          <a:noFill/>
+        </p:spPr>
+        <p:style>
+          <a:lnRef idx="2">
+            <a:schemeClr val="accent1">
+              <a:shade val="50000"/>
+            </a:schemeClr>
+          </a:lnRef>
+          <a:fillRef idx="1">
+            <a:schemeClr val="accent1"/>
+          </a:fillRef>
+          <a:effectRef idx="0">
+            <a:schemeClr val="accent1"/>
+          </a:effectRef>
+          <a:fontRef idx="minor">
+            <a:schemeClr val="lt1"/>
+          </a:fontRef>
+        </p:style>
+        <p:txBody>
+          <a:bodyPr rtlCol="0" anchor="ctr"/>
+          <a:lstStyle/>
+          <a:p>
+            <a:pPr algn="ctr"/>
+            <a:endParaRPr kumimoji="1" lang="zh-CN" altLang="en-US"/>
+          </a:p>
+        </p:txBody>
+      </p:sp>
+      <p:sp>
+        <p:nvSpPr>
+          <p:cNvPr id="7" name="文本框 6"/>
+          <p:cNvSpPr txBox="1"/>
+          <p:nvPr/>
+        </p:nvSpPr>
+        <p:spPr>
+          <a:xfrm>
+            <a:off x="6986731" y="1266674"/>
+            <a:ext cx="780983" cy="369332"/>
+          </a:xfrm>
+          <a:prstGeom prst="rect">
+            <a:avLst/>
+          </a:prstGeom>
+          <a:noFill/>
+        </p:spPr>
+        <p:txBody>
+          <a:bodyPr wrap="none" rtlCol="0">
+            <a:spAutoFit/>
+          </a:bodyPr>
+          <a:lstStyle/>
+          <a:p>
+            <a:r>
+              <a:rPr kumimoji="1" lang="en-US" altLang="zh-CN" smtClean="0"/>
+              <a:t>server</a:t>
+            </a:r>
+            <a:endParaRPr kumimoji="1" lang="zh-CN" altLang="en-US" dirty="0"/>
+          </a:p>
+        </p:txBody>
+      </p:sp>
+      <p:sp>
+        <p:nvSpPr>
+          <p:cNvPr id="8" name="椭圆 7"/>
+          <p:cNvSpPr/>
+          <p:nvPr/>
+        </p:nvSpPr>
+        <p:spPr>
+          <a:xfrm>
+            <a:off x="2594344" y="2594348"/>
+            <a:ext cx="1221780" cy="584790"/>
+          </a:xfrm>
+          <a:prstGeom prst="ellipse">
+            <a:avLst/>
+          </a:prstGeom>
+        </p:spPr>
+        <p:style>
+          <a:lnRef idx="2">
+            <a:schemeClr val="accent1">
+              <a:shade val="50000"/>
+            </a:schemeClr>
+          </a:lnRef>
+          <a:fillRef idx="1">
+            <a:schemeClr val="accent1"/>
+          </a:fillRef>
+          <a:effectRef idx="0">
+            <a:schemeClr val="accent1"/>
+          </a:effectRef>
+          <a:fontRef idx="minor">
+            <a:schemeClr val="lt1"/>
+          </a:fontRef>
+        </p:style>
+        <p:txBody>
+          <a:bodyPr rtlCol="0" anchor="ctr"/>
+          <a:lstStyle/>
+          <a:p>
+            <a:pPr algn="ctr"/>
+            <a:endParaRPr kumimoji="1" lang="zh-CN" altLang="en-US"/>
+          </a:p>
+        </p:txBody>
+      </p:sp>
+      <p:sp>
+        <p:nvSpPr>
+          <p:cNvPr id="9" name="椭圆 8"/>
+          <p:cNvSpPr/>
+          <p:nvPr/>
+        </p:nvSpPr>
+        <p:spPr>
+          <a:xfrm>
+            <a:off x="6777448" y="2594348"/>
+            <a:ext cx="1221780" cy="584790"/>
+          </a:xfrm>
+          <a:prstGeom prst="ellipse">
+            <a:avLst/>
+          </a:prstGeom>
+        </p:spPr>
+        <p:style>
+          <a:lnRef idx="2">
+            <a:schemeClr val="accent1">
+              <a:shade val="50000"/>
+            </a:schemeClr>
+          </a:lnRef>
+          <a:fillRef idx="1">
+            <a:schemeClr val="accent1"/>
+          </a:fillRef>
+          <a:effectRef idx="0">
+            <a:schemeClr val="accent1"/>
+          </a:effectRef>
+          <a:fontRef idx="minor">
+            <a:schemeClr val="lt1"/>
+          </a:fontRef>
+        </p:style>
+        <p:txBody>
+          <a:bodyPr rtlCol="0" anchor="ctr"/>
+          <a:lstStyle/>
+          <a:p>
+            <a:pPr algn="ctr"/>
+            <a:endParaRPr kumimoji="1" lang="zh-CN" altLang="en-US"/>
           </a:p>
         </p:txBody>
       </p:sp>
       <p:cxnSp>
         <p:nvCxnSpPr>
-          <p:cNvPr id="9" name="曲线连接符 8"/>
+          <p:cNvPr id="10" name="直线箭头连接符 9"/>
           <p:cNvCxnSpPr/>
           <p:nvPr/>
         </p:nvCxnSpPr>
         <p:spPr>
-          <a:xfrm rot="5400000" flipH="1" flipV="1">
-            <a:off x="2318119" y="2360654"/>
-            <a:ext cx="2062718" cy="84611"/>
-          </a:xfrm>
-          <a:prstGeom prst="curvedConnector3">
-            <a:avLst>
-              <a:gd name="adj1" fmla="val 113918"/>
-            </a:avLst>
+          <a:xfrm>
+            <a:off x="2861122" y="1977652"/>
+            <a:ext cx="0" cy="616696"/>
+          </a:xfrm>
+          <a:prstGeom prst="straightConnector1">
+            <a:avLst/>
           </a:prstGeom>
           <a:ln>
             <a:tailEnd type="triangle"/>
@@ -9293,16 +8292,49 @@
           </a:fontRef>
         </p:style>
       </p:cxnSp>
-      <p:sp>
-        <p:nvSpPr>
-          <p:cNvPr id="21" name="文本框 20"/>
+      <p:cxnSp>
+        <p:nvCxnSpPr>
+          <p:cNvPr id="11" name="直线箭头连接符 10"/>
+          <p:cNvCxnSpPr/>
+          <p:nvPr/>
+        </p:nvCxnSpPr>
+        <p:spPr>
+          <a:xfrm flipV="1">
+            <a:off x="3571573" y="1977651"/>
+            <a:ext cx="0" cy="616698"/>
+          </a:xfrm>
+          <a:prstGeom prst="straightConnector1">
+            <a:avLst/>
+          </a:prstGeom>
+          <a:ln>
+            <a:tailEnd type="triangle"/>
+          </a:ln>
+        </p:spPr>
+        <p:style>
+          <a:lnRef idx="1">
+            <a:schemeClr val="accent1"/>
+          </a:lnRef>
+          <a:fillRef idx="0">
+            <a:schemeClr val="accent1"/>
+          </a:fillRef>
+          <a:effectRef idx="0">
+            <a:schemeClr val="accent1"/>
+          </a:effectRef>
+          <a:fontRef idx="minor">
+            <a:schemeClr val="tx1"/>
+          </a:fontRef>
+        </p:style>
+      </p:cxnSp>
+      <p:sp>
+        <p:nvSpPr>
+          <p:cNvPr id="12" name="文本框 11"/>
           <p:cNvSpPr txBox="1"/>
           <p:nvPr/>
         </p:nvSpPr>
         <p:spPr>
           <a:xfrm>
-            <a:off x="513905" y="163033"/>
-            <a:ext cx="2943434" cy="677108"/>
+            <a:off x="3571573" y="2175060"/>
+            <a:ext cx="893193" cy="415498"/>
           </a:xfrm>
           <a:prstGeom prst="rect">
             <a:avLst/>
@@ -9316,64 +8348,34 @@
           <a:lstStyle/>
           <a:p>
             <a:r>
-              <a:rPr lang="en-US" altLang="zh-CN" sz="1400" smtClean="0"/>
-              <a:t>AQS</a:t>
-            </a:r>
-            <a:r>
-              <a:rPr lang="zh-CN" altLang="en-US" sz="1400" smtClean="0"/>
-              <a:t>的原理：</a:t>
-            </a:r>
-            <a:endParaRPr lang="en-US" altLang="zh-CN" sz="1400" smtClean="0"/>
-          </a:p>
-          <a:p>
-            <a:r>
-              <a:rPr lang="zh-CN" altLang="en-US" sz="1200" smtClean="0"/>
-              <a:t>    独占</a:t>
-            </a:r>
-            <a:r>
-              <a:rPr lang="zh-CN" altLang="en-US" sz="1200"/>
-              <a:t>锁：</a:t>
-            </a:r>
-            <a:r>
-              <a:rPr lang="en-US" altLang="zh-CN" sz="1200"/>
-              <a:t>ReentrantLock</a:t>
-            </a:r>
-          </a:p>
-          <a:p>
-            <a:r>
-              <a:rPr lang="zh-CN" altLang="en-US" sz="1200" smtClean="0"/>
-              <a:t>    共享锁</a:t>
-            </a:r>
-            <a:r>
-              <a:rPr lang="zh-CN" altLang="en-US" sz="1200"/>
-              <a:t>：</a:t>
-            </a:r>
-            <a:r>
-              <a:rPr lang="en-US" altLang="zh-CN" sz="1200"/>
-              <a:t>Semphore</a:t>
-            </a:r>
-            <a:r>
-              <a:rPr lang="zh-CN" altLang="en-US" sz="1200"/>
-              <a:t>、</a:t>
-            </a:r>
-            <a:r>
-              <a:rPr lang="en-US" altLang="zh-CN" sz="1200" smtClean="0"/>
-              <a:t>CountDownLatch</a:t>
-            </a:r>
-            <a:endParaRPr lang="zh-CN" altLang="en-US" sz="1200"/>
-          </a:p>
-        </p:txBody>
-      </p:sp>
-      <p:sp>
-        <p:nvSpPr>
-          <p:cNvPr id="22" name="文本框 21"/>
+              <a:rPr kumimoji="1" lang="en-US" altLang="zh-CN" sz="1050" dirty="0" err="1" smtClean="0"/>
+              <a:t>InputStream</a:t>
+            </a:r>
+            <a:endParaRPr kumimoji="1" lang="en-US" altLang="zh-CN" sz="1050" dirty="0" smtClean="0"/>
+          </a:p>
+          <a:p>
+            <a:r>
+              <a:rPr kumimoji="1" lang="zh-CN" altLang="en-US" sz="1050" dirty="0" smtClean="0"/>
+              <a:t>     </a:t>
+            </a:r>
+            <a:r>
+              <a:rPr kumimoji="1" lang="en-US" altLang="zh-CN" sz="1050" dirty="0" smtClean="0"/>
+              <a:t>read()</a:t>
+            </a:r>
+            <a:endParaRPr kumimoji="1" lang="en-US" altLang="zh-CN" sz="1050" dirty="0"/>
+          </a:p>
+        </p:txBody>
+      </p:sp>
+      <p:sp>
+        <p:nvSpPr>
+          <p:cNvPr id="13" name="文本框 12"/>
           <p:cNvSpPr txBox="1"/>
           <p:nvPr/>
         </p:nvSpPr>
         <p:spPr>
           <a:xfrm>
-            <a:off x="7003310" y="5153216"/>
-            <a:ext cx="4496744" cy="1354217"/>
+            <a:off x="1937703" y="2175060"/>
+            <a:ext cx="1005403" cy="415498"/>
           </a:xfrm>
           <a:prstGeom prst="rect">
             <a:avLst/>
@@ -9387,130 +8389,100 @@
           <a:lstStyle/>
           <a:p>
             <a:r>
-              <a:rPr lang="zh-CN" altLang="en-US" sz="1200" smtClean="0"/>
-              <a:t>获取资源伪代码：</a:t>
-            </a:r>
-            <a:endParaRPr lang="en-US" altLang="zh-CN" sz="1200" smtClean="0"/>
-          </a:p>
-          <a:p>
-            <a:r>
-              <a:rPr lang="en-US" altLang="zh-CN" sz="1400" smtClean="0"/>
-              <a:t>public </a:t>
-            </a:r>
-            <a:r>
-              <a:rPr lang="en-US" altLang="zh-CN" sz="1400"/>
-              <a:t>final void acquire(</a:t>
-            </a:r>
-            <a:r>
-              <a:rPr lang="en-US" altLang="zh-CN" sz="1400" err="1"/>
-              <a:t>int</a:t>
-            </a:r>
-            <a:r>
-              <a:rPr lang="en-US" altLang="zh-CN" sz="1400"/>
-              <a:t> </a:t>
-            </a:r>
-            <a:r>
-              <a:rPr lang="en-US" altLang="zh-CN" sz="1400" err="1"/>
-              <a:t>arg</a:t>
-            </a:r>
-            <a:r>
-              <a:rPr lang="en-US" altLang="zh-CN" sz="1400"/>
-              <a:t>) {</a:t>
-            </a:r>
-          </a:p>
-          <a:p>
-            <a:r>
-              <a:rPr lang="en-US" altLang="zh-CN" sz="1400"/>
-              <a:t>    if (!</a:t>
-            </a:r>
-            <a:r>
-              <a:rPr lang="en-US" altLang="zh-CN" sz="1400" err="1"/>
-              <a:t>tryAcquire</a:t>
-            </a:r>
-            <a:r>
-              <a:rPr lang="en-US" altLang="zh-CN" sz="1400"/>
-              <a:t>(</a:t>
-            </a:r>
-            <a:r>
-              <a:rPr lang="en-US" altLang="zh-CN" sz="1400" err="1"/>
-              <a:t>arg</a:t>
-            </a:r>
-            <a:r>
-              <a:rPr lang="en-US" altLang="zh-CN" sz="1400"/>
-              <a:t>) &amp;&amp;</a:t>
-            </a:r>
-          </a:p>
-          <a:p>
-            <a:r>
-              <a:rPr lang="en-US" altLang="zh-CN" sz="1400"/>
-              <a:t>        </a:t>
-            </a:r>
-            <a:r>
-              <a:rPr lang="en-US" altLang="zh-CN" sz="1400" err="1"/>
-              <a:t>acquireQueued</a:t>
-            </a:r>
-            <a:r>
-              <a:rPr lang="en-US" altLang="zh-CN" sz="1400"/>
-              <a:t>(</a:t>
-            </a:r>
-            <a:r>
-              <a:rPr lang="en-US" altLang="zh-CN" sz="1400" err="1"/>
-              <a:t>addWaiter</a:t>
-            </a:r>
-            <a:r>
-              <a:rPr lang="en-US" altLang="zh-CN" sz="1400"/>
-              <a:t>(</a:t>
-            </a:r>
-            <a:r>
-              <a:rPr lang="en-US" altLang="zh-CN" sz="1400" err="1"/>
-              <a:t>Node.EXCLUSIVE</a:t>
-            </a:r>
-            <a:r>
-              <a:rPr lang="en-US" altLang="zh-CN" sz="1400"/>
-              <a:t>), </a:t>
-            </a:r>
-            <a:r>
-              <a:rPr lang="en-US" altLang="zh-CN" sz="1400" err="1"/>
-              <a:t>arg</a:t>
-            </a:r>
-            <a:r>
-              <a:rPr lang="en-US" altLang="zh-CN" sz="1400"/>
-              <a:t>))</a:t>
-            </a:r>
-          </a:p>
-          <a:p>
-            <a:r>
-              <a:rPr lang="en-US" altLang="zh-CN" sz="1400"/>
-              <a:t>         </a:t>
-            </a:r>
-            <a:r>
-              <a:rPr lang="en-US" altLang="zh-CN" sz="1400" err="1"/>
-              <a:t>selfInterrupt</a:t>
-            </a:r>
-            <a:r>
-              <a:rPr lang="en-US" altLang="zh-CN" sz="1400"/>
-              <a:t>();</a:t>
-            </a:r>
-          </a:p>
-          <a:p>
-            <a:r>
-              <a:rPr lang="en-US" altLang="zh-CN" sz="1400"/>
-              <a:t>}</a:t>
-            </a:r>
-            <a:endParaRPr lang="zh-CN" altLang="en-US" sz="1400"/>
-          </a:p>
-        </p:txBody>
-      </p:sp>
-      <p:sp>
-        <p:nvSpPr>
-          <p:cNvPr id="23" name="文本框 22"/>
+              <a:rPr kumimoji="1" lang="en-US" altLang="zh-CN" sz="1050" dirty="0" err="1" smtClean="0"/>
+              <a:t>OutputStream</a:t>
+            </a:r>
+            <a:endParaRPr kumimoji="1" lang="en-US" altLang="zh-CN" sz="1050" dirty="0" smtClean="0"/>
+          </a:p>
+          <a:p>
+            <a:r>
+              <a:rPr kumimoji="1" lang="zh-CN" altLang="en-US" sz="1050" dirty="0" smtClean="0"/>
+              <a:t>     </a:t>
+            </a:r>
+            <a:r>
+              <a:rPr kumimoji="1" lang="en-US" altLang="zh-CN" sz="1050" dirty="0" smtClean="0"/>
+              <a:t>write()</a:t>
+            </a:r>
+            <a:endParaRPr kumimoji="1" lang="zh-CN" altLang="en-US" sz="1050" dirty="0"/>
+          </a:p>
+        </p:txBody>
+      </p:sp>
+      <p:cxnSp>
+        <p:nvCxnSpPr>
+          <p:cNvPr id="14" name="直线箭头连接符 13"/>
+          <p:cNvCxnSpPr/>
+          <p:nvPr/>
+        </p:nvCxnSpPr>
+        <p:spPr>
+          <a:xfrm>
+            <a:off x="7057263" y="1991084"/>
+            <a:ext cx="0" cy="616696"/>
+          </a:xfrm>
+          <a:prstGeom prst="straightConnector1">
+            <a:avLst/>
+          </a:prstGeom>
+          <a:ln>
+            <a:tailEnd type="triangle"/>
+          </a:ln>
+        </p:spPr>
+        <p:style>
+          <a:lnRef idx="1">
+            <a:schemeClr val="accent1"/>
+          </a:lnRef>
+          <a:fillRef idx="0">
+            <a:schemeClr val="accent1"/>
+          </a:fillRef>
+          <a:effectRef idx="0">
+            <a:schemeClr val="accent1"/>
+          </a:effectRef>
+          <a:fontRef idx="minor">
+            <a:schemeClr val="tx1"/>
+          </a:fontRef>
+        </p:style>
+      </p:cxnSp>
+      <p:cxnSp>
+        <p:nvCxnSpPr>
+          <p:cNvPr id="15" name="直线箭头连接符 14"/>
+          <p:cNvCxnSpPr/>
+          <p:nvPr/>
+        </p:nvCxnSpPr>
+        <p:spPr>
+          <a:xfrm flipV="1">
+            <a:off x="7767714" y="1991083"/>
+            <a:ext cx="0" cy="616698"/>
+          </a:xfrm>
+          <a:prstGeom prst="straightConnector1">
+            <a:avLst/>
+          </a:prstGeom>
+          <a:ln>
+            <a:tailEnd type="triangle"/>
+          </a:ln>
+        </p:spPr>
+        <p:style>
+          <a:lnRef idx="1">
+            <a:schemeClr val="accent1"/>
+          </a:lnRef>
+          <a:fillRef idx="0">
+            <a:schemeClr val="accent1"/>
+          </a:fillRef>
+          <a:effectRef idx="0">
+            <a:schemeClr val="accent1"/>
+          </a:effectRef>
+          <a:fontRef idx="minor">
+            <a:schemeClr val="tx1"/>
+          </a:fontRef>
+        </p:style>
+      </p:cxnSp>
+      <p:sp>
+        <p:nvSpPr>
+          <p:cNvPr id="16" name="文本框 15"/>
           <p:cNvSpPr txBox="1"/>
           <p:nvPr/>
         </p:nvSpPr>
         <p:spPr>
           <a:xfrm>
-            <a:off x="7357729" y="316921"/>
-            <a:ext cx="3353803" cy="461665"/>
+            <a:off x="7767714" y="2188492"/>
+            <a:ext cx="893193" cy="415498"/>
           </a:xfrm>
           <a:prstGeom prst="rect">
             <a:avLst/>
@@ -9524,40 +8496,693 @@
           <a:lstStyle/>
           <a:p>
             <a:r>
-              <a:rPr lang="en-US" altLang="zh-CN" sz="1200" smtClean="0"/>
-              <a:t>Node</a:t>
-            </a:r>
-            <a:r>
-              <a:rPr lang="zh-CN" altLang="en-US" sz="1200" smtClean="0"/>
-              <a:t>：底层有个</a:t>
-            </a:r>
-            <a:r>
-              <a:rPr lang="en-US" altLang="zh-CN" sz="1200" smtClean="0"/>
-              <a:t>node</a:t>
-            </a:r>
-            <a:r>
-              <a:rPr lang="zh-CN" altLang="en-US" sz="1200" smtClean="0"/>
-              <a:t>，封装了当前线程的信息</a:t>
-            </a:r>
-            <a:endParaRPr lang="en-US" altLang="zh-CN" sz="1200" smtClean="0"/>
-          </a:p>
-          <a:p>
-            <a:r>
-              <a:rPr lang="en-US" altLang="zh-CN" sz="1200" smtClean="0"/>
-              <a:t>state</a:t>
-            </a:r>
-            <a:r>
-              <a:rPr lang="zh-CN" altLang="en-US" sz="1200" smtClean="0"/>
-              <a:t>：状态值</a:t>
-            </a:r>
-            <a:endParaRPr lang="zh-CN" altLang="en-US" sz="1200"/>
+              <a:rPr kumimoji="1" lang="en-US" altLang="zh-CN" sz="1050" dirty="0" err="1" smtClean="0"/>
+              <a:t>InputStream</a:t>
+            </a:r>
+            <a:endParaRPr kumimoji="1" lang="en-US" altLang="zh-CN" sz="1050" dirty="0" smtClean="0"/>
+          </a:p>
+          <a:p>
+            <a:r>
+              <a:rPr kumimoji="1" lang="zh-CN" altLang="en-US" sz="1050" dirty="0"/>
+              <a:t> </a:t>
+            </a:r>
+            <a:r>
+              <a:rPr kumimoji="1" lang="zh-CN" altLang="en-US" sz="1050" dirty="0" smtClean="0"/>
+              <a:t>    </a:t>
+            </a:r>
+            <a:r>
+              <a:rPr kumimoji="1" lang="en-US" altLang="zh-CN" sz="1050" dirty="0" smtClean="0"/>
+              <a:t>read()</a:t>
+            </a:r>
+            <a:endParaRPr kumimoji="1" lang="zh-CN" altLang="en-US" sz="1050" dirty="0"/>
+          </a:p>
+        </p:txBody>
+      </p:sp>
+      <p:sp>
+        <p:nvSpPr>
+          <p:cNvPr id="17" name="文本框 16"/>
+          <p:cNvSpPr txBox="1"/>
+          <p:nvPr/>
+        </p:nvSpPr>
+        <p:spPr>
+          <a:xfrm>
+            <a:off x="6133844" y="2188492"/>
+            <a:ext cx="1005403" cy="415498"/>
+          </a:xfrm>
+          <a:prstGeom prst="rect">
+            <a:avLst/>
+          </a:prstGeom>
+          <a:noFill/>
+        </p:spPr>
+        <p:txBody>
+          <a:bodyPr wrap="none" rtlCol="0">
+            <a:spAutoFit/>
+          </a:bodyPr>
+          <a:lstStyle/>
+          <a:p>
+            <a:r>
+              <a:rPr kumimoji="1" lang="en-US" altLang="zh-CN" sz="1050" dirty="0" err="1" smtClean="0"/>
+              <a:t>OutputStream</a:t>
+            </a:r>
+            <a:endParaRPr kumimoji="1" lang="en-US" altLang="zh-CN" sz="1050" dirty="0" smtClean="0"/>
+          </a:p>
+          <a:p>
+            <a:r>
+              <a:rPr kumimoji="1" lang="zh-CN" altLang="en-US" sz="1050" dirty="0"/>
+              <a:t> </a:t>
+            </a:r>
+            <a:r>
+              <a:rPr kumimoji="1" lang="zh-CN" altLang="en-US" sz="1050" dirty="0" smtClean="0"/>
+              <a:t>      </a:t>
+            </a:r>
+            <a:r>
+              <a:rPr kumimoji="1" lang="en-US" altLang="zh-CN" sz="1050" dirty="0" smtClean="0"/>
+              <a:t>write()</a:t>
+            </a:r>
+            <a:endParaRPr kumimoji="1" lang="zh-CN" altLang="en-US" sz="1050" dirty="0"/>
+          </a:p>
+        </p:txBody>
+      </p:sp>
+      <p:sp>
+        <p:nvSpPr>
+          <p:cNvPr id="18" name="矩形 17"/>
+          <p:cNvSpPr/>
+          <p:nvPr/>
+        </p:nvSpPr>
+        <p:spPr>
+          <a:xfrm>
+            <a:off x="3838353" y="3700131"/>
+            <a:ext cx="2693582" cy="329610"/>
+          </a:xfrm>
+          <a:prstGeom prst="rect">
+            <a:avLst/>
+          </a:prstGeom>
+          <a:noFill/>
+        </p:spPr>
+        <p:style>
+          <a:lnRef idx="2">
+            <a:schemeClr val="accent1">
+              <a:shade val="50000"/>
+            </a:schemeClr>
+          </a:lnRef>
+          <a:fillRef idx="1">
+            <a:schemeClr val="accent1"/>
+          </a:fillRef>
+          <a:effectRef idx="0">
+            <a:schemeClr val="accent1"/>
+          </a:effectRef>
+          <a:fontRef idx="minor">
+            <a:schemeClr val="lt1"/>
+          </a:fontRef>
+        </p:style>
+        <p:txBody>
+          <a:bodyPr rtlCol="0" anchor="ctr"/>
+          <a:lstStyle/>
+          <a:p>
+            <a:pPr algn="ctr"/>
+            <a:endParaRPr kumimoji="1" lang="zh-CN" altLang="en-US"/>
+          </a:p>
+        </p:txBody>
+      </p:sp>
+      <p:sp>
+        <p:nvSpPr>
+          <p:cNvPr id="19" name="文本框 18"/>
+          <p:cNvSpPr txBox="1"/>
+          <p:nvPr/>
+        </p:nvSpPr>
+        <p:spPr>
+          <a:xfrm>
+            <a:off x="4805917" y="3721397"/>
+            <a:ext cx="928459" cy="276999"/>
+          </a:xfrm>
+          <a:prstGeom prst="rect">
+            <a:avLst/>
+          </a:prstGeom>
+          <a:noFill/>
+        </p:spPr>
+        <p:txBody>
+          <a:bodyPr wrap="none" rtlCol="0">
+            <a:spAutoFit/>
+          </a:bodyPr>
+          <a:lstStyle/>
+          <a:p>
+            <a:r>
+              <a:rPr kumimoji="1" lang="en-US" altLang="zh-CN" sz="1200" dirty="0" smtClean="0"/>
+              <a:t>Socket</a:t>
+            </a:r>
+            <a:r>
+              <a:rPr kumimoji="1" lang="zh-CN" altLang="en-US" sz="1200" dirty="0" smtClean="0"/>
+              <a:t>通道</a:t>
+            </a:r>
+            <a:endParaRPr kumimoji="1" lang="zh-CN" altLang="en-US" sz="1200" dirty="0"/>
+          </a:p>
+        </p:txBody>
+      </p:sp>
+      <p:cxnSp>
+        <p:nvCxnSpPr>
+          <p:cNvPr id="20" name="肘形连接符 19"/>
+          <p:cNvCxnSpPr/>
+          <p:nvPr/>
+        </p:nvCxnSpPr>
+        <p:spPr>
+          <a:xfrm rot="16200000" flipH="1">
+            <a:off x="3181414" y="3202957"/>
+            <a:ext cx="680758" cy="633119"/>
+          </a:xfrm>
+          <a:prstGeom prst="bentConnector3">
+            <a:avLst>
+              <a:gd name="adj1" fmla="val 99980"/>
+            </a:avLst>
+          </a:prstGeom>
+          <a:ln>
+            <a:tailEnd type="triangle"/>
+          </a:ln>
+        </p:spPr>
+        <p:style>
+          <a:lnRef idx="1">
+            <a:schemeClr val="accent1"/>
+          </a:lnRef>
+          <a:fillRef idx="0">
+            <a:schemeClr val="accent1"/>
+          </a:fillRef>
+          <a:effectRef idx="0">
+            <a:schemeClr val="accent1"/>
+          </a:effectRef>
+          <a:fontRef idx="minor">
+            <a:schemeClr val="tx1"/>
+          </a:fontRef>
+        </p:style>
+      </p:cxnSp>
+      <p:cxnSp>
+        <p:nvCxnSpPr>
+          <p:cNvPr id="21" name="肘形连接符 20"/>
+          <p:cNvCxnSpPr/>
+          <p:nvPr/>
+        </p:nvCxnSpPr>
+        <p:spPr>
+          <a:xfrm flipV="1">
+            <a:off x="6543356" y="3211045"/>
+            <a:ext cx="1027814" cy="685798"/>
+          </a:xfrm>
+          <a:prstGeom prst="bentConnector3">
+            <a:avLst>
+              <a:gd name="adj1" fmla="val 100690"/>
+            </a:avLst>
+          </a:prstGeom>
+          <a:ln>
+            <a:tailEnd type="triangle"/>
+          </a:ln>
+        </p:spPr>
+        <p:style>
+          <a:lnRef idx="1">
+            <a:schemeClr val="accent1"/>
+          </a:lnRef>
+          <a:fillRef idx="0">
+            <a:schemeClr val="accent1"/>
+          </a:fillRef>
+          <a:effectRef idx="0">
+            <a:schemeClr val="accent1"/>
+          </a:effectRef>
+          <a:fontRef idx="minor">
+            <a:schemeClr val="tx1"/>
+          </a:fontRef>
+        </p:style>
+      </p:cxnSp>
+      <p:sp>
+        <p:nvSpPr>
+          <p:cNvPr id="22" name="文本框 21"/>
+          <p:cNvSpPr txBox="1"/>
+          <p:nvPr/>
+        </p:nvSpPr>
+        <p:spPr>
+          <a:xfrm>
+            <a:off x="2016854" y="2925221"/>
+            <a:ext cx="588623" cy="253916"/>
+          </a:xfrm>
+          <a:prstGeom prst="rect">
+            <a:avLst/>
+          </a:prstGeom>
+          <a:noFill/>
+        </p:spPr>
+        <p:txBody>
+          <a:bodyPr wrap="none" rtlCol="0">
+            <a:spAutoFit/>
+          </a:bodyPr>
+          <a:lstStyle/>
+          <a:p>
+            <a:r>
+              <a:rPr kumimoji="1" lang="zh-CN" altLang="en-US" sz="1050" dirty="0" smtClean="0"/>
+              <a:t>缓存区</a:t>
+            </a:r>
+            <a:endParaRPr kumimoji="1" lang="zh-CN" altLang="en-US" sz="1050" dirty="0"/>
+          </a:p>
+        </p:txBody>
+      </p:sp>
+      <p:sp>
+        <p:nvSpPr>
+          <p:cNvPr id="23" name="文本框 22"/>
+          <p:cNvSpPr txBox="1"/>
+          <p:nvPr/>
+        </p:nvSpPr>
+        <p:spPr>
+          <a:xfrm>
+            <a:off x="7967243" y="2886743"/>
+            <a:ext cx="588623" cy="253916"/>
+          </a:xfrm>
+          <a:prstGeom prst="rect">
+            <a:avLst/>
+          </a:prstGeom>
+          <a:noFill/>
+        </p:spPr>
+        <p:txBody>
+          <a:bodyPr wrap="none" rtlCol="0">
+            <a:spAutoFit/>
+          </a:bodyPr>
+          <a:lstStyle/>
+          <a:p>
+            <a:r>
+              <a:rPr kumimoji="1" lang="zh-CN" altLang="en-US" sz="1050" smtClean="0"/>
+              <a:t>缓存区</a:t>
+            </a:r>
+            <a:endParaRPr kumimoji="1" lang="zh-CN" altLang="en-US" sz="1050" dirty="0"/>
+          </a:p>
+        </p:txBody>
+      </p:sp>
+      <p:sp>
+        <p:nvSpPr>
+          <p:cNvPr id="24" name="矩形 23"/>
+          <p:cNvSpPr/>
+          <p:nvPr/>
+        </p:nvSpPr>
+        <p:spPr>
+          <a:xfrm>
+            <a:off x="2861121" y="2753833"/>
+            <a:ext cx="169157" cy="298346"/>
+          </a:xfrm>
+          <a:prstGeom prst="rect">
+            <a:avLst/>
+          </a:prstGeom>
+          <a:solidFill>
+            <a:schemeClr val="accent4"/>
+          </a:solidFill>
+        </p:spPr>
+        <p:style>
+          <a:lnRef idx="2">
+            <a:schemeClr val="accent1">
+              <a:shade val="50000"/>
+            </a:schemeClr>
+          </a:lnRef>
+          <a:fillRef idx="1">
+            <a:schemeClr val="accent1"/>
+          </a:fillRef>
+          <a:effectRef idx="0">
+            <a:schemeClr val="accent1"/>
+          </a:effectRef>
+          <a:fontRef idx="minor">
+            <a:schemeClr val="lt1"/>
+          </a:fontRef>
+        </p:style>
+        <p:txBody>
+          <a:bodyPr rtlCol="0" anchor="ctr"/>
+          <a:lstStyle/>
+          <a:p>
+            <a:pPr algn="ctr"/>
+            <a:endParaRPr kumimoji="1" lang="zh-CN" altLang="en-US"/>
+          </a:p>
+        </p:txBody>
+      </p:sp>
+      <p:sp>
+        <p:nvSpPr>
+          <p:cNvPr id="25" name="矩形 24"/>
+          <p:cNvSpPr/>
+          <p:nvPr/>
+        </p:nvSpPr>
+        <p:spPr>
+          <a:xfrm>
+            <a:off x="3297055" y="2753833"/>
+            <a:ext cx="169157" cy="298346"/>
+          </a:xfrm>
+          <a:prstGeom prst="rect">
+            <a:avLst/>
+          </a:prstGeom>
+          <a:solidFill>
+            <a:schemeClr val="accent4"/>
+          </a:solidFill>
+        </p:spPr>
+        <p:style>
+          <a:lnRef idx="2">
+            <a:schemeClr val="accent1">
+              <a:shade val="50000"/>
+            </a:schemeClr>
+          </a:lnRef>
+          <a:fillRef idx="1">
+            <a:schemeClr val="accent1"/>
+          </a:fillRef>
+          <a:effectRef idx="0">
+            <a:schemeClr val="accent1"/>
+          </a:effectRef>
+          <a:fontRef idx="minor">
+            <a:schemeClr val="lt1"/>
+          </a:fontRef>
+        </p:style>
+        <p:txBody>
+          <a:bodyPr rtlCol="0" anchor="ctr"/>
+          <a:lstStyle/>
+          <a:p>
+            <a:pPr algn="ctr"/>
+            <a:endParaRPr kumimoji="1" lang="zh-CN" altLang="en-US"/>
+          </a:p>
+        </p:txBody>
+      </p:sp>
+      <p:sp>
+        <p:nvSpPr>
+          <p:cNvPr id="26" name="矩形 25"/>
+          <p:cNvSpPr/>
+          <p:nvPr/>
+        </p:nvSpPr>
+        <p:spPr>
+          <a:xfrm>
+            <a:off x="7592341" y="2753833"/>
+            <a:ext cx="169157" cy="298346"/>
+          </a:xfrm>
+          <a:prstGeom prst="rect">
+            <a:avLst/>
+          </a:prstGeom>
+          <a:solidFill>
+            <a:schemeClr val="accent4"/>
+          </a:solidFill>
+        </p:spPr>
+        <p:style>
+          <a:lnRef idx="2">
+            <a:schemeClr val="accent1">
+              <a:shade val="50000"/>
+            </a:schemeClr>
+          </a:lnRef>
+          <a:fillRef idx="1">
+            <a:schemeClr val="accent1"/>
+          </a:fillRef>
+          <a:effectRef idx="0">
+            <a:schemeClr val="accent1"/>
+          </a:effectRef>
+          <a:fontRef idx="minor">
+            <a:schemeClr val="lt1"/>
+          </a:fontRef>
+        </p:style>
+        <p:txBody>
+          <a:bodyPr rtlCol="0" anchor="ctr"/>
+          <a:lstStyle/>
+          <a:p>
+            <a:pPr algn="ctr"/>
+            <a:endParaRPr kumimoji="1" lang="zh-CN" altLang="en-US"/>
+          </a:p>
+        </p:txBody>
+      </p:sp>
+      <p:sp>
+        <p:nvSpPr>
+          <p:cNvPr id="27" name="矩形 26"/>
+          <p:cNvSpPr/>
+          <p:nvPr/>
+        </p:nvSpPr>
+        <p:spPr>
+          <a:xfrm>
+            <a:off x="7086573" y="2747645"/>
+            <a:ext cx="169157" cy="298346"/>
+          </a:xfrm>
+          <a:prstGeom prst="rect">
+            <a:avLst/>
+          </a:prstGeom>
+          <a:solidFill>
+            <a:schemeClr val="accent4"/>
+          </a:solidFill>
+        </p:spPr>
+        <p:style>
+          <a:lnRef idx="2">
+            <a:schemeClr val="accent1">
+              <a:shade val="50000"/>
+            </a:schemeClr>
+          </a:lnRef>
+          <a:fillRef idx="1">
+            <a:schemeClr val="accent1"/>
+          </a:fillRef>
+          <a:effectRef idx="0">
+            <a:schemeClr val="accent1"/>
+          </a:effectRef>
+          <a:fontRef idx="minor">
+            <a:schemeClr val="lt1"/>
+          </a:fontRef>
+        </p:style>
+        <p:txBody>
+          <a:bodyPr rtlCol="0" anchor="ctr"/>
+          <a:lstStyle/>
+          <a:p>
+            <a:pPr algn="ctr"/>
+            <a:endParaRPr kumimoji="1" lang="zh-CN" altLang="en-US"/>
+          </a:p>
+        </p:txBody>
+      </p:sp>
+      <p:sp>
+        <p:nvSpPr>
+          <p:cNvPr id="28" name="文本框 27"/>
+          <p:cNvSpPr txBox="1"/>
+          <p:nvPr/>
+        </p:nvSpPr>
+        <p:spPr>
+          <a:xfrm>
+            <a:off x="2627724" y="3179136"/>
+            <a:ext cx="575799" cy="253916"/>
+          </a:xfrm>
+          <a:prstGeom prst="rect">
+            <a:avLst/>
+          </a:prstGeom>
+          <a:noFill/>
+        </p:spPr>
+        <p:txBody>
+          <a:bodyPr wrap="none" rtlCol="0">
+            <a:spAutoFit/>
+          </a:bodyPr>
+          <a:lstStyle/>
+          <a:p>
+            <a:r>
+              <a:rPr kumimoji="1" lang="en-US" altLang="zh-CN" sz="1050" dirty="0" err="1" smtClean="0"/>
+              <a:t>SendQ</a:t>
+            </a:r>
+            <a:endParaRPr kumimoji="1" lang="zh-CN" altLang="en-US" sz="1050" dirty="0"/>
+          </a:p>
+        </p:txBody>
+      </p:sp>
+      <p:sp>
+        <p:nvSpPr>
+          <p:cNvPr id="29" name="文本框 28"/>
+          <p:cNvSpPr txBox="1"/>
+          <p:nvPr/>
+        </p:nvSpPr>
+        <p:spPr>
+          <a:xfrm>
+            <a:off x="7576305" y="3183200"/>
+            <a:ext cx="724878" cy="253916"/>
+          </a:xfrm>
+          <a:prstGeom prst="rect">
+            <a:avLst/>
+          </a:prstGeom>
+          <a:noFill/>
+        </p:spPr>
+        <p:txBody>
+          <a:bodyPr wrap="none" rtlCol="0">
+            <a:spAutoFit/>
+          </a:bodyPr>
+          <a:lstStyle/>
+          <a:p>
+            <a:r>
+              <a:rPr kumimoji="1" lang="en-US" altLang="zh-CN" sz="1050" dirty="0" err="1" smtClean="0"/>
+              <a:t>ReceiveQ</a:t>
+            </a:r>
+            <a:endParaRPr kumimoji="1" lang="zh-CN" altLang="en-US" sz="1050" dirty="0"/>
+          </a:p>
+        </p:txBody>
+      </p:sp>
+      <p:sp>
+        <p:nvSpPr>
+          <p:cNvPr id="30" name="文本框 29"/>
+          <p:cNvSpPr txBox="1"/>
+          <p:nvPr/>
+        </p:nvSpPr>
+        <p:spPr>
+          <a:xfrm>
+            <a:off x="6819520" y="3178502"/>
+            <a:ext cx="575799" cy="253916"/>
+          </a:xfrm>
+          <a:prstGeom prst="rect">
+            <a:avLst/>
+          </a:prstGeom>
+          <a:noFill/>
+        </p:spPr>
+        <p:txBody>
+          <a:bodyPr wrap="none" rtlCol="0">
+            <a:spAutoFit/>
+          </a:bodyPr>
+          <a:lstStyle/>
+          <a:p>
+            <a:r>
+              <a:rPr kumimoji="1" lang="en-US" altLang="zh-CN" sz="1050" dirty="0" err="1" smtClean="0"/>
+              <a:t>SendQ</a:t>
+            </a:r>
+            <a:endParaRPr kumimoji="1" lang="zh-CN" altLang="en-US" sz="1050" dirty="0"/>
+          </a:p>
+        </p:txBody>
+      </p:sp>
+      <p:sp>
+        <p:nvSpPr>
+          <p:cNvPr id="31" name="文本框 30"/>
+          <p:cNvSpPr txBox="1"/>
+          <p:nvPr/>
+        </p:nvSpPr>
+        <p:spPr>
+          <a:xfrm>
+            <a:off x="3249979" y="3195429"/>
+            <a:ext cx="724878" cy="253916"/>
+          </a:xfrm>
+          <a:prstGeom prst="rect">
+            <a:avLst/>
+          </a:prstGeom>
+          <a:noFill/>
+        </p:spPr>
+        <p:txBody>
+          <a:bodyPr wrap="none" rtlCol="0">
+            <a:spAutoFit/>
+          </a:bodyPr>
+          <a:lstStyle/>
+          <a:p>
+            <a:r>
+              <a:rPr kumimoji="1" lang="en-US" altLang="zh-CN" sz="1050" dirty="0" err="1" smtClean="0"/>
+              <a:t>ReceiveQ</a:t>
+            </a:r>
+            <a:endParaRPr kumimoji="1" lang="zh-CN" altLang="en-US" sz="1050" dirty="0"/>
+          </a:p>
+        </p:txBody>
+      </p:sp>
+      <p:sp>
+        <p:nvSpPr>
+          <p:cNvPr id="32" name="文本框 31"/>
+          <p:cNvSpPr txBox="1"/>
+          <p:nvPr/>
+        </p:nvSpPr>
+        <p:spPr>
+          <a:xfrm>
+            <a:off x="1889893" y="4528559"/>
+            <a:ext cx="6891630" cy="461665"/>
+          </a:xfrm>
+          <a:prstGeom prst="rect">
+            <a:avLst/>
+          </a:prstGeom>
+          <a:noFill/>
+        </p:spPr>
+        <p:txBody>
+          <a:bodyPr wrap="none" rtlCol="0">
+            <a:spAutoFit/>
+          </a:bodyPr>
+          <a:lstStyle/>
+          <a:p>
+            <a:r>
+              <a:rPr kumimoji="1" lang="zh-CN" altLang="en-US" sz="1200" dirty="0" smtClean="0"/>
+              <a:t>传输过程：当</a:t>
+            </a:r>
+            <a:r>
+              <a:rPr kumimoji="1" lang="en-US" altLang="zh-CN" sz="1200" dirty="0" err="1" smtClean="0"/>
+              <a:t>SendQ</a:t>
+            </a:r>
+            <a:r>
+              <a:rPr kumimoji="1" lang="zh-CN" altLang="en-US" sz="1200" dirty="0" smtClean="0"/>
+              <a:t>填满时，会发送到对端的</a:t>
+            </a:r>
+            <a:r>
+              <a:rPr kumimoji="1" lang="en-US" altLang="zh-CN" sz="1200" dirty="0" err="1" smtClean="0"/>
+              <a:t>ReceiveQ</a:t>
+            </a:r>
+            <a:r>
+              <a:rPr kumimoji="1" lang="zh-CN" altLang="en-US" sz="1200" dirty="0" smtClean="0"/>
+              <a:t>中，当</a:t>
+            </a:r>
+            <a:r>
+              <a:rPr kumimoji="1" lang="en-US" altLang="zh-CN" sz="1200" dirty="0" err="1" smtClean="0"/>
+              <a:t>ReceiveQ</a:t>
+            </a:r>
+            <a:r>
+              <a:rPr kumimoji="1" lang="zh-CN" altLang="en-US" sz="1200" dirty="0" smtClean="0"/>
+              <a:t>填满时，</a:t>
+            </a:r>
+            <a:r>
+              <a:rPr kumimoji="1" lang="en-US" altLang="zh-CN" sz="1200" dirty="0" smtClean="0"/>
+              <a:t>write()</a:t>
+            </a:r>
+            <a:r>
+              <a:rPr kumimoji="1" lang="zh-CN" altLang="en-US" sz="1200" dirty="0" smtClean="0"/>
+              <a:t>方法会阻塞，</a:t>
+            </a:r>
+            <a:endParaRPr kumimoji="1" lang="en-US" altLang="zh-CN" sz="1200" dirty="0" smtClean="0"/>
+          </a:p>
+          <a:p>
+            <a:r>
+              <a:rPr kumimoji="1" lang="zh-CN" altLang="en-US" sz="1200" dirty="0" smtClean="0"/>
+              <a:t>                   直到</a:t>
+            </a:r>
+            <a:r>
+              <a:rPr kumimoji="1" lang="en-US" altLang="zh-CN" sz="1200" dirty="0" err="1" smtClean="0"/>
+              <a:t>ReceiveQ</a:t>
+            </a:r>
+            <a:r>
+              <a:rPr kumimoji="1" lang="zh-CN" altLang="en-US" sz="1200" dirty="0" smtClean="0"/>
+              <a:t>能够容纳</a:t>
+            </a:r>
+            <a:r>
+              <a:rPr kumimoji="1" lang="en-US" altLang="zh-CN" sz="1200" dirty="0" err="1" smtClean="0"/>
+              <a:t>SendQ</a:t>
+            </a:r>
+            <a:r>
+              <a:rPr kumimoji="1" lang="zh-CN" altLang="en-US" sz="1200" dirty="0" smtClean="0"/>
+              <a:t>中的数据</a:t>
+            </a:r>
+            <a:endParaRPr kumimoji="1" lang="zh-CN" altLang="en-US" sz="1200" dirty="0"/>
+          </a:p>
+        </p:txBody>
+      </p:sp>
+      <p:sp>
+        <p:nvSpPr>
+          <p:cNvPr id="33" name="文本框 32"/>
+          <p:cNvSpPr txBox="1"/>
+          <p:nvPr/>
+        </p:nvSpPr>
+        <p:spPr>
+          <a:xfrm>
+            <a:off x="501805" y="323385"/>
+            <a:ext cx="1826141" cy="307777"/>
+          </a:xfrm>
+          <a:prstGeom prst="rect">
+            <a:avLst/>
+          </a:prstGeom>
+          <a:noFill/>
+        </p:spPr>
+        <p:txBody>
+          <a:bodyPr wrap="none" rtlCol="0">
+            <a:spAutoFit/>
+          </a:bodyPr>
+          <a:lstStyle/>
+          <a:p>
+            <a:r>
+              <a:rPr kumimoji="1" lang="en-US" altLang="zh-CN" sz="1400" smtClean="0"/>
+              <a:t>IO Socket</a:t>
+            </a:r>
+            <a:r>
+              <a:rPr kumimoji="1" lang="zh-CN" altLang="en-US" sz="1400" dirty="0" smtClean="0"/>
+              <a:t>传输过程：</a:t>
+            </a:r>
+            <a:endParaRPr kumimoji="1" lang="zh-CN" altLang="en-US" sz="1400" dirty="0"/>
           </a:p>
         </p:txBody>
       </p:sp>
     </p:spTree>
     <p:extLst>
       <p:ext uri="{BB962C8B-B14F-4D97-AF65-F5344CB8AC3E}">
-        <p14:creationId xmlns:p14="http://schemas.microsoft.com/office/powerpoint/2010/main" val="1401220142"/>
+        <p14:creationId xmlns:p14="http://schemas.microsoft.com/office/powerpoint/2010/main" val="812992357"/>
       </p:ext>
     </p:extLst>
   </p:cSld>
@@ -9586,14 +9211,55 @@
       </p:grpSpPr>
       <p:sp>
         <p:nvSpPr>
-          <p:cNvPr id="27" name="文本框 26"/>
+          <p:cNvPr id="4" name="矩形 3"/>
+          <p:cNvSpPr/>
+          <p:nvPr/>
+        </p:nvSpPr>
+        <p:spPr>
+          <a:xfrm>
+            <a:off x="2594344" y="925029"/>
+            <a:ext cx="1244009" cy="1052623"/>
+          </a:xfrm>
+          <a:prstGeom prst="rect">
+            <a:avLst/>
+          </a:prstGeom>
+          <a:noFill/>
+        </p:spPr>
+        <p:style>
+          <a:lnRef idx="2">
+            <a:schemeClr val="accent1">
+              <a:shade val="50000"/>
+            </a:schemeClr>
+          </a:lnRef>
+          <a:fillRef idx="1">
+            <a:schemeClr val="accent1"/>
+          </a:fillRef>
+          <a:effectRef idx="0">
+            <a:schemeClr val="accent1"/>
+          </a:effectRef>
+          <a:fontRef idx="minor">
+            <a:schemeClr val="lt1"/>
+          </a:fontRef>
+        </p:style>
+        <p:txBody>
+          <a:bodyPr rtlCol="0" anchor="ctr"/>
+          <a:lstStyle/>
+          <a:p>
+            <a:pPr algn="ctr"/>
+            <a:endParaRPr kumimoji="1" lang="zh-CN" altLang="en-US"/>
+          </a:p>
+        </p:txBody>
+      </p:sp>
+      <p:sp>
+        <p:nvSpPr>
+          <p:cNvPr id="5" name="文本框 4"/>
           <p:cNvSpPr txBox="1"/>
           <p:nvPr/>
         </p:nvSpPr>
         <p:spPr>
           <a:xfrm>
-            <a:off x="672352" y="3210491"/>
-            <a:ext cx="10400604" cy="861774"/>
+            <a:off x="2861122" y="1266674"/>
+            <a:ext cx="710451" cy="369332"/>
           </a:xfrm>
           <a:prstGeom prst="rect">
             <a:avLst/>
@@ -9607,98 +9273,64 @@
           <a:lstStyle/>
           <a:p>
             <a:r>
-              <a:rPr lang="zh-CN" altLang="en-US" sz="1000" b="1"/>
-              <a:t>标准</a:t>
-            </a:r>
-            <a:r>
-              <a:rPr lang="zh-CN" altLang="en-US" sz="1000" b="1" smtClean="0"/>
-              <a:t>访问文件方式：</a:t>
-            </a:r>
-            <a:r>
-              <a:rPr lang="zh-CN" altLang="en-US" sz="1000" smtClean="0"/>
-              <a:t>应用调用</a:t>
-            </a:r>
-            <a:r>
-              <a:rPr lang="en-US" altLang="zh-CN" sz="1000" smtClean="0"/>
-              <a:t>read()</a:t>
-            </a:r>
-            <a:r>
-              <a:rPr lang="zh-CN" altLang="en-US" sz="1000" smtClean="0"/>
-              <a:t>接口，操作系统检查内核的高速缓存中有没有数据，如果有直接返回，否则读取磁盘信息，然后缓存在内核缓存中</a:t>
-            </a:r>
-            <a:endParaRPr lang="en-US" altLang="zh-CN" sz="1000" smtClean="0"/>
-          </a:p>
-          <a:p>
-            <a:r>
-              <a:rPr lang="en-US" altLang="zh-CN" sz="1000" smtClean="0"/>
-              <a:t>        (</a:t>
-            </a:r>
-            <a:r>
-              <a:rPr lang="zh-CN" altLang="en-US" sz="1000" smtClean="0"/>
-              <a:t>内核缓存：将磁盘读取的文件按照一定的组织方式进行缓存，用户如果访问的是同一段磁盘地址的空间数据，操作系统从内核缓冲中直接读取信息，减少</a:t>
-            </a:r>
-            <a:r>
-              <a:rPr lang="en-US" altLang="zh-CN" sz="1000" smtClean="0"/>
-              <a:t>I/O</a:t>
-            </a:r>
-            <a:r>
-              <a:rPr lang="zh-CN" altLang="en-US" sz="1000" smtClean="0"/>
-              <a:t>响应时间</a:t>
-            </a:r>
-            <a:r>
-              <a:rPr lang="en-US" altLang="zh-CN" sz="1000" smtClean="0"/>
-              <a:t>)</a:t>
-            </a:r>
-          </a:p>
-          <a:p>
-            <a:endParaRPr lang="en-US" altLang="zh-CN" sz="1000" smtClean="0"/>
-          </a:p>
-          <a:p>
-            <a:r>
-              <a:rPr lang="zh-CN" altLang="en-US" sz="1000" b="1" smtClean="0"/>
-              <a:t>写入文件：</a:t>
-            </a:r>
-            <a:r>
-              <a:rPr lang="zh-CN" altLang="en-US" sz="1000" smtClean="0"/>
-              <a:t>应用调用</a:t>
-            </a:r>
-            <a:r>
-              <a:rPr lang="en-US" altLang="zh-CN" sz="1000" smtClean="0"/>
-              <a:t>wirte()</a:t>
-            </a:r>
-            <a:r>
-              <a:rPr lang="zh-CN" altLang="en-US" sz="1000" smtClean="0"/>
-              <a:t>接口，将数据从用户地址空间复制到内核地址空间的缓存中，这时对用户来说写操作就已经完成，至于什么时候再写到磁盘中，由操作系统决定，除非调用</a:t>
-            </a:r>
-            <a:endParaRPr lang="en-US" altLang="zh-CN" sz="1000" smtClean="0"/>
-          </a:p>
-          <a:p>
-            <a:r>
-              <a:rPr lang="en-US" altLang="zh-CN" sz="1000"/>
-              <a:t> </a:t>
-            </a:r>
-            <a:r>
-              <a:rPr lang="en-US" altLang="zh-CN" sz="1000" smtClean="0"/>
-              <a:t>   sync</a:t>
-            </a:r>
-            <a:r>
-              <a:rPr lang="zh-CN" altLang="en-US" sz="1000" smtClean="0"/>
-              <a:t>同步命令</a:t>
-            </a:r>
-            <a:endParaRPr lang="zh-CN" altLang="en-US" sz="1000"/>
-          </a:p>
-        </p:txBody>
-      </p:sp>
-      <p:sp>
-        <p:nvSpPr>
-          <p:cNvPr id="28" name="文本框 27"/>
+              <a:rPr kumimoji="1" lang="en-US" altLang="zh-CN" smtClean="0"/>
+              <a:t>client</a:t>
+            </a:r>
+            <a:endParaRPr kumimoji="1" lang="zh-CN" altLang="en-US" dirty="0"/>
+          </a:p>
+        </p:txBody>
+      </p:sp>
+      <p:sp>
+        <p:nvSpPr>
+          <p:cNvPr id="6" name="矩形 5"/>
+          <p:cNvSpPr/>
+          <p:nvPr/>
+        </p:nvSpPr>
+        <p:spPr>
+          <a:xfrm>
+            <a:off x="6755219" y="925029"/>
+            <a:ext cx="1244009" cy="1052623"/>
+          </a:xfrm>
+          <a:prstGeom prst="rect">
+            <a:avLst/>
+          </a:prstGeom>
+          <a:noFill/>
+        </p:spPr>
+        <p:style>
+          <a:lnRef idx="2">
+            <a:schemeClr val="accent1">
+              <a:shade val="50000"/>
+            </a:schemeClr>
+          </a:lnRef>
+          <a:fillRef idx="1">
+            <a:schemeClr val="accent1"/>
+          </a:fillRef>
+          <a:effectRef idx="0">
+            <a:schemeClr val="accent1"/>
+          </a:effectRef>
+          <a:fontRef idx="minor">
+            <a:schemeClr val="lt1"/>
+          </a:fontRef>
+        </p:style>
+        <p:txBody>
+          <a:bodyPr rtlCol="0" anchor="ctr"/>
+          <a:lstStyle/>
+          <a:p>
+            <a:pPr algn="ctr"/>
+            <a:endParaRPr kumimoji="1" lang="zh-CN" altLang="en-US"/>
+          </a:p>
+        </p:txBody>
+      </p:sp>
+      <p:sp>
+        <p:nvSpPr>
+          <p:cNvPr id="7" name="文本框 6"/>
           <p:cNvSpPr txBox="1"/>
           <p:nvPr/>
         </p:nvSpPr>
         <p:spPr>
           <a:xfrm>
-            <a:off x="528918" y="305707"/>
-            <a:ext cx="1321196" cy="276999"/>
+            <a:off x="6986731" y="1266674"/>
+            <a:ext cx="780983" cy="369332"/>
           </a:xfrm>
           <a:prstGeom prst="rect">
             <a:avLst/>
@@ -9712,45 +9344,2338 @@
           <a:lstStyle/>
           <a:p>
             <a:r>
-              <a:rPr lang="en-US" altLang="zh-CN" sz="1200" smtClean="0"/>
-              <a:t>I/O</a:t>
-            </a:r>
-            <a:r>
-              <a:rPr lang="zh-CN" altLang="en-US" sz="1200" smtClean="0"/>
-              <a:t>访问文件方式</a:t>
-            </a:r>
-            <a:endParaRPr lang="zh-CN" altLang="en-US" sz="1200"/>
-          </a:p>
-        </p:txBody>
-      </p:sp>
-      <p:pic>
-        <p:nvPicPr>
-          <p:cNvPr id="29" name="图片 28"/>
-          <p:cNvPicPr>
-            <a:picLocks noChangeAspect="1"/>
-          </p:cNvPicPr>
-          <p:nvPr/>
-        </p:nvPicPr>
-        <p:blipFill>
-          <a:blip r:embed="rId2"/>
-          <a:stretch>
-            <a:fillRect/>
-          </a:stretch>
-        </p:blipFill>
-        <p:spPr>
-          <a:xfrm>
-            <a:off x="3962891" y="542820"/>
-            <a:ext cx="3819525" cy="2476500"/>
-          </a:xfrm>
-          <a:prstGeom prst="rect">
-            <a:avLst/>
-          </a:prstGeom>
-        </p:spPr>
-      </p:pic>
+              <a:rPr kumimoji="1" lang="en-US" altLang="zh-CN" smtClean="0"/>
+              <a:t>server</a:t>
+            </a:r>
+            <a:endParaRPr kumimoji="1" lang="zh-CN" altLang="en-US" dirty="0"/>
+          </a:p>
+        </p:txBody>
+      </p:sp>
+      <p:sp>
+        <p:nvSpPr>
+          <p:cNvPr id="8" name="椭圆 7"/>
+          <p:cNvSpPr/>
+          <p:nvPr/>
+        </p:nvSpPr>
+        <p:spPr>
+          <a:xfrm>
+            <a:off x="2594344" y="2594348"/>
+            <a:ext cx="1221780" cy="584790"/>
+          </a:xfrm>
+          <a:prstGeom prst="ellipse">
+            <a:avLst/>
+          </a:prstGeom>
+        </p:spPr>
+        <p:style>
+          <a:lnRef idx="2">
+            <a:schemeClr val="accent1">
+              <a:shade val="50000"/>
+            </a:schemeClr>
+          </a:lnRef>
+          <a:fillRef idx="1">
+            <a:schemeClr val="accent1"/>
+          </a:fillRef>
+          <a:effectRef idx="0">
+            <a:schemeClr val="accent1"/>
+          </a:effectRef>
+          <a:fontRef idx="minor">
+            <a:schemeClr val="lt1"/>
+          </a:fontRef>
+        </p:style>
+        <p:txBody>
+          <a:bodyPr rtlCol="0" anchor="ctr"/>
+          <a:lstStyle/>
+          <a:p>
+            <a:pPr algn="ctr"/>
+            <a:endParaRPr kumimoji="1" lang="zh-CN" altLang="en-US"/>
+          </a:p>
+        </p:txBody>
+      </p:sp>
+      <p:sp>
+        <p:nvSpPr>
+          <p:cNvPr id="9" name="椭圆 8"/>
+          <p:cNvSpPr/>
+          <p:nvPr/>
+        </p:nvSpPr>
+        <p:spPr>
+          <a:xfrm>
+            <a:off x="6777448" y="2594348"/>
+            <a:ext cx="1221780" cy="584790"/>
+          </a:xfrm>
+          <a:prstGeom prst="ellipse">
+            <a:avLst/>
+          </a:prstGeom>
+        </p:spPr>
+        <p:style>
+          <a:lnRef idx="2">
+            <a:schemeClr val="accent1">
+              <a:shade val="50000"/>
+            </a:schemeClr>
+          </a:lnRef>
+          <a:fillRef idx="1">
+            <a:schemeClr val="accent1"/>
+          </a:fillRef>
+          <a:effectRef idx="0">
+            <a:schemeClr val="accent1"/>
+          </a:effectRef>
+          <a:fontRef idx="minor">
+            <a:schemeClr val="lt1"/>
+          </a:fontRef>
+        </p:style>
+        <p:txBody>
+          <a:bodyPr rtlCol="0" anchor="ctr"/>
+          <a:lstStyle/>
+          <a:p>
+            <a:pPr algn="ctr"/>
+            <a:endParaRPr kumimoji="1" lang="zh-CN" altLang="en-US"/>
+          </a:p>
+        </p:txBody>
+      </p:sp>
+      <p:cxnSp>
+        <p:nvCxnSpPr>
+          <p:cNvPr id="10" name="直线箭头连接符 9"/>
+          <p:cNvCxnSpPr/>
+          <p:nvPr/>
+        </p:nvCxnSpPr>
+        <p:spPr>
+          <a:xfrm>
+            <a:off x="2861122" y="1977652"/>
+            <a:ext cx="0" cy="616696"/>
+          </a:xfrm>
+          <a:prstGeom prst="straightConnector1">
+            <a:avLst/>
+          </a:prstGeom>
+          <a:ln>
+            <a:tailEnd type="triangle"/>
+          </a:ln>
+        </p:spPr>
+        <p:style>
+          <a:lnRef idx="1">
+            <a:schemeClr val="accent1"/>
+          </a:lnRef>
+          <a:fillRef idx="0">
+            <a:schemeClr val="accent1"/>
+          </a:fillRef>
+          <a:effectRef idx="0">
+            <a:schemeClr val="accent1"/>
+          </a:effectRef>
+          <a:fontRef idx="minor">
+            <a:schemeClr val="tx1"/>
+          </a:fontRef>
+        </p:style>
+      </p:cxnSp>
+      <p:cxnSp>
+        <p:nvCxnSpPr>
+          <p:cNvPr id="11" name="直线箭头连接符 10"/>
+          <p:cNvCxnSpPr/>
+          <p:nvPr/>
+        </p:nvCxnSpPr>
+        <p:spPr>
+          <a:xfrm flipV="1">
+            <a:off x="3571573" y="1977651"/>
+            <a:ext cx="0" cy="616698"/>
+          </a:xfrm>
+          <a:prstGeom prst="straightConnector1">
+            <a:avLst/>
+          </a:prstGeom>
+          <a:ln>
+            <a:tailEnd type="triangle"/>
+          </a:ln>
+        </p:spPr>
+        <p:style>
+          <a:lnRef idx="1">
+            <a:schemeClr val="accent1"/>
+          </a:lnRef>
+          <a:fillRef idx="0">
+            <a:schemeClr val="accent1"/>
+          </a:fillRef>
+          <a:effectRef idx="0">
+            <a:schemeClr val="accent1"/>
+          </a:effectRef>
+          <a:fontRef idx="minor">
+            <a:schemeClr val="tx1"/>
+          </a:fontRef>
+        </p:style>
+      </p:cxnSp>
+      <p:sp>
+        <p:nvSpPr>
+          <p:cNvPr id="12" name="文本框 11"/>
+          <p:cNvSpPr txBox="1"/>
+          <p:nvPr/>
+        </p:nvSpPr>
+        <p:spPr>
+          <a:xfrm>
+            <a:off x="3571573" y="2175060"/>
+            <a:ext cx="893193" cy="415498"/>
+          </a:xfrm>
+          <a:prstGeom prst="rect">
+            <a:avLst/>
+          </a:prstGeom>
+          <a:noFill/>
+        </p:spPr>
+        <p:txBody>
+          <a:bodyPr wrap="none" rtlCol="0">
+            <a:spAutoFit/>
+          </a:bodyPr>
+          <a:lstStyle/>
+          <a:p>
+            <a:r>
+              <a:rPr kumimoji="1" lang="en-US" altLang="zh-CN" sz="1050" dirty="0" err="1" smtClean="0"/>
+              <a:t>InputStream</a:t>
+            </a:r>
+            <a:endParaRPr kumimoji="1" lang="en-US" altLang="zh-CN" sz="1050" dirty="0" smtClean="0"/>
+          </a:p>
+          <a:p>
+            <a:r>
+              <a:rPr kumimoji="1" lang="zh-CN" altLang="en-US" sz="1050" dirty="0" smtClean="0"/>
+              <a:t>     </a:t>
+            </a:r>
+            <a:r>
+              <a:rPr kumimoji="1" lang="en-US" altLang="zh-CN" sz="1050" dirty="0" smtClean="0"/>
+              <a:t>read()</a:t>
+            </a:r>
+            <a:endParaRPr kumimoji="1" lang="en-US" altLang="zh-CN" sz="1050" dirty="0"/>
+          </a:p>
+        </p:txBody>
+      </p:sp>
+      <p:sp>
+        <p:nvSpPr>
+          <p:cNvPr id="13" name="文本框 12"/>
+          <p:cNvSpPr txBox="1"/>
+          <p:nvPr/>
+        </p:nvSpPr>
+        <p:spPr>
+          <a:xfrm>
+            <a:off x="1937703" y="2175060"/>
+            <a:ext cx="1005403" cy="415498"/>
+          </a:xfrm>
+          <a:prstGeom prst="rect">
+            <a:avLst/>
+          </a:prstGeom>
+          <a:noFill/>
+        </p:spPr>
+        <p:txBody>
+          <a:bodyPr wrap="none" rtlCol="0">
+            <a:spAutoFit/>
+          </a:bodyPr>
+          <a:lstStyle/>
+          <a:p>
+            <a:r>
+              <a:rPr kumimoji="1" lang="en-US" altLang="zh-CN" sz="1050" dirty="0" err="1" smtClean="0"/>
+              <a:t>OutputStream</a:t>
+            </a:r>
+            <a:endParaRPr kumimoji="1" lang="en-US" altLang="zh-CN" sz="1050" dirty="0" smtClean="0"/>
+          </a:p>
+          <a:p>
+            <a:r>
+              <a:rPr kumimoji="1" lang="zh-CN" altLang="en-US" sz="1050" dirty="0" smtClean="0"/>
+              <a:t>     </a:t>
+            </a:r>
+            <a:r>
+              <a:rPr kumimoji="1" lang="en-US" altLang="zh-CN" sz="1050" dirty="0" smtClean="0"/>
+              <a:t>write()</a:t>
+            </a:r>
+            <a:endParaRPr kumimoji="1" lang="zh-CN" altLang="en-US" sz="1050" dirty="0"/>
+          </a:p>
+        </p:txBody>
+      </p:sp>
+      <p:cxnSp>
+        <p:nvCxnSpPr>
+          <p:cNvPr id="14" name="直线箭头连接符 13"/>
+          <p:cNvCxnSpPr/>
+          <p:nvPr/>
+        </p:nvCxnSpPr>
+        <p:spPr>
+          <a:xfrm>
+            <a:off x="7057263" y="1991084"/>
+            <a:ext cx="0" cy="616696"/>
+          </a:xfrm>
+          <a:prstGeom prst="straightConnector1">
+            <a:avLst/>
+          </a:prstGeom>
+          <a:ln>
+            <a:tailEnd type="triangle"/>
+          </a:ln>
+        </p:spPr>
+        <p:style>
+          <a:lnRef idx="1">
+            <a:schemeClr val="accent1"/>
+          </a:lnRef>
+          <a:fillRef idx="0">
+            <a:schemeClr val="accent1"/>
+          </a:fillRef>
+          <a:effectRef idx="0">
+            <a:schemeClr val="accent1"/>
+          </a:effectRef>
+          <a:fontRef idx="minor">
+            <a:schemeClr val="tx1"/>
+          </a:fontRef>
+        </p:style>
+      </p:cxnSp>
+      <p:cxnSp>
+        <p:nvCxnSpPr>
+          <p:cNvPr id="15" name="直线箭头连接符 14"/>
+          <p:cNvCxnSpPr/>
+          <p:nvPr/>
+        </p:nvCxnSpPr>
+        <p:spPr>
+          <a:xfrm flipV="1">
+            <a:off x="7767714" y="1991083"/>
+            <a:ext cx="0" cy="616698"/>
+          </a:xfrm>
+          <a:prstGeom prst="straightConnector1">
+            <a:avLst/>
+          </a:prstGeom>
+          <a:ln>
+            <a:tailEnd type="triangle"/>
+          </a:ln>
+        </p:spPr>
+        <p:style>
+          <a:lnRef idx="1">
+            <a:schemeClr val="accent1"/>
+          </a:lnRef>
+          <a:fillRef idx="0">
+            <a:schemeClr val="accent1"/>
+          </a:fillRef>
+          <a:effectRef idx="0">
+            <a:schemeClr val="accent1"/>
+          </a:effectRef>
+          <a:fontRef idx="minor">
+            <a:schemeClr val="tx1"/>
+          </a:fontRef>
+        </p:style>
+      </p:cxnSp>
+      <p:sp>
+        <p:nvSpPr>
+          <p:cNvPr id="16" name="文本框 15"/>
+          <p:cNvSpPr txBox="1"/>
+          <p:nvPr/>
+        </p:nvSpPr>
+        <p:spPr>
+          <a:xfrm>
+            <a:off x="7767714" y="2188492"/>
+            <a:ext cx="893193" cy="415498"/>
+          </a:xfrm>
+          <a:prstGeom prst="rect">
+            <a:avLst/>
+          </a:prstGeom>
+          <a:noFill/>
+        </p:spPr>
+        <p:txBody>
+          <a:bodyPr wrap="none" rtlCol="0">
+            <a:spAutoFit/>
+          </a:bodyPr>
+          <a:lstStyle/>
+          <a:p>
+            <a:r>
+              <a:rPr kumimoji="1" lang="en-US" altLang="zh-CN" sz="1050" dirty="0" err="1" smtClean="0"/>
+              <a:t>InputStream</a:t>
+            </a:r>
+            <a:endParaRPr kumimoji="1" lang="en-US" altLang="zh-CN" sz="1050" dirty="0" smtClean="0"/>
+          </a:p>
+          <a:p>
+            <a:r>
+              <a:rPr kumimoji="1" lang="zh-CN" altLang="en-US" sz="1050" dirty="0"/>
+              <a:t> </a:t>
+            </a:r>
+            <a:r>
+              <a:rPr kumimoji="1" lang="zh-CN" altLang="en-US" sz="1050" dirty="0" smtClean="0"/>
+              <a:t>    </a:t>
+            </a:r>
+            <a:r>
+              <a:rPr kumimoji="1" lang="en-US" altLang="zh-CN" sz="1050" dirty="0" smtClean="0"/>
+              <a:t>read()</a:t>
+            </a:r>
+            <a:endParaRPr kumimoji="1" lang="zh-CN" altLang="en-US" sz="1050" dirty="0"/>
+          </a:p>
+        </p:txBody>
+      </p:sp>
+      <p:sp>
+        <p:nvSpPr>
+          <p:cNvPr id="17" name="文本框 16"/>
+          <p:cNvSpPr txBox="1"/>
+          <p:nvPr/>
+        </p:nvSpPr>
+        <p:spPr>
+          <a:xfrm>
+            <a:off x="6133844" y="2188492"/>
+            <a:ext cx="1005403" cy="415498"/>
+          </a:xfrm>
+          <a:prstGeom prst="rect">
+            <a:avLst/>
+          </a:prstGeom>
+          <a:noFill/>
+        </p:spPr>
+        <p:txBody>
+          <a:bodyPr wrap="none" rtlCol="0">
+            <a:spAutoFit/>
+          </a:bodyPr>
+          <a:lstStyle/>
+          <a:p>
+            <a:r>
+              <a:rPr kumimoji="1" lang="en-US" altLang="zh-CN" sz="1050" dirty="0" err="1" smtClean="0"/>
+              <a:t>OutputStream</a:t>
+            </a:r>
+            <a:endParaRPr kumimoji="1" lang="en-US" altLang="zh-CN" sz="1050" dirty="0" smtClean="0"/>
+          </a:p>
+          <a:p>
+            <a:r>
+              <a:rPr kumimoji="1" lang="zh-CN" altLang="en-US" sz="1050" dirty="0"/>
+              <a:t> </a:t>
+            </a:r>
+            <a:r>
+              <a:rPr kumimoji="1" lang="zh-CN" altLang="en-US" sz="1050" dirty="0" smtClean="0"/>
+              <a:t>      </a:t>
+            </a:r>
+            <a:r>
+              <a:rPr kumimoji="1" lang="en-US" altLang="zh-CN" sz="1050" dirty="0" smtClean="0"/>
+              <a:t>write()</a:t>
+            </a:r>
+            <a:endParaRPr kumimoji="1" lang="zh-CN" altLang="en-US" sz="1050" dirty="0"/>
+          </a:p>
+        </p:txBody>
+      </p:sp>
+      <p:sp>
+        <p:nvSpPr>
+          <p:cNvPr id="18" name="矩形 17"/>
+          <p:cNvSpPr/>
+          <p:nvPr/>
+        </p:nvSpPr>
+        <p:spPr>
+          <a:xfrm>
+            <a:off x="3503250" y="3711104"/>
+            <a:ext cx="3458164" cy="1014265"/>
+          </a:xfrm>
+          <a:prstGeom prst="rect">
+            <a:avLst/>
+          </a:prstGeom>
+          <a:noFill/>
+        </p:spPr>
+        <p:style>
+          <a:lnRef idx="2">
+            <a:schemeClr val="accent1">
+              <a:shade val="50000"/>
+            </a:schemeClr>
+          </a:lnRef>
+          <a:fillRef idx="1">
+            <a:schemeClr val="accent1"/>
+          </a:fillRef>
+          <a:effectRef idx="0">
+            <a:schemeClr val="accent1"/>
+          </a:effectRef>
+          <a:fontRef idx="minor">
+            <a:schemeClr val="lt1"/>
+          </a:fontRef>
+        </p:style>
+        <p:txBody>
+          <a:bodyPr rtlCol="0" anchor="ctr"/>
+          <a:lstStyle/>
+          <a:p>
+            <a:pPr algn="ctr"/>
+            <a:endParaRPr kumimoji="1" lang="zh-CN" altLang="en-US"/>
+          </a:p>
+        </p:txBody>
+      </p:sp>
+      <p:sp>
+        <p:nvSpPr>
+          <p:cNvPr id="19" name="文本框 18"/>
+          <p:cNvSpPr txBox="1"/>
+          <p:nvPr/>
+        </p:nvSpPr>
+        <p:spPr>
+          <a:xfrm>
+            <a:off x="6950986" y="4491505"/>
+            <a:ext cx="928459" cy="276999"/>
+          </a:xfrm>
+          <a:prstGeom prst="rect">
+            <a:avLst/>
+          </a:prstGeom>
+          <a:noFill/>
+        </p:spPr>
+        <p:txBody>
+          <a:bodyPr wrap="none" rtlCol="0">
+            <a:spAutoFit/>
+          </a:bodyPr>
+          <a:lstStyle/>
+          <a:p>
+            <a:r>
+              <a:rPr kumimoji="1" lang="en-US" altLang="zh-CN" sz="1200" dirty="0" smtClean="0"/>
+              <a:t>Socket</a:t>
+            </a:r>
+            <a:r>
+              <a:rPr kumimoji="1" lang="zh-CN" altLang="en-US" sz="1200" dirty="0" smtClean="0"/>
+              <a:t>通道</a:t>
+            </a:r>
+            <a:endParaRPr kumimoji="1" lang="zh-CN" altLang="en-US" sz="1200" dirty="0"/>
+          </a:p>
+        </p:txBody>
+      </p:sp>
+      <p:sp>
+        <p:nvSpPr>
+          <p:cNvPr id="22" name="文本框 21"/>
+          <p:cNvSpPr txBox="1"/>
+          <p:nvPr/>
+        </p:nvSpPr>
+        <p:spPr>
+          <a:xfrm>
+            <a:off x="2016854" y="2925221"/>
+            <a:ext cx="588623" cy="253916"/>
+          </a:xfrm>
+          <a:prstGeom prst="rect">
+            <a:avLst/>
+          </a:prstGeom>
+          <a:noFill/>
+        </p:spPr>
+        <p:txBody>
+          <a:bodyPr wrap="none" rtlCol="0">
+            <a:spAutoFit/>
+          </a:bodyPr>
+          <a:lstStyle/>
+          <a:p>
+            <a:r>
+              <a:rPr kumimoji="1" lang="zh-CN" altLang="en-US" sz="1050" dirty="0" smtClean="0"/>
+              <a:t>缓存区</a:t>
+            </a:r>
+            <a:endParaRPr kumimoji="1" lang="zh-CN" altLang="en-US" sz="1050" dirty="0"/>
+          </a:p>
+        </p:txBody>
+      </p:sp>
+      <p:sp>
+        <p:nvSpPr>
+          <p:cNvPr id="23" name="文本框 22"/>
+          <p:cNvSpPr txBox="1"/>
+          <p:nvPr/>
+        </p:nvSpPr>
+        <p:spPr>
+          <a:xfrm>
+            <a:off x="7967243" y="2886743"/>
+            <a:ext cx="588623" cy="253916"/>
+          </a:xfrm>
+          <a:prstGeom prst="rect">
+            <a:avLst/>
+          </a:prstGeom>
+          <a:noFill/>
+        </p:spPr>
+        <p:txBody>
+          <a:bodyPr wrap="none" rtlCol="0">
+            <a:spAutoFit/>
+          </a:bodyPr>
+          <a:lstStyle/>
+          <a:p>
+            <a:r>
+              <a:rPr kumimoji="1" lang="zh-CN" altLang="en-US" sz="1050" smtClean="0"/>
+              <a:t>缓存区</a:t>
+            </a:r>
+            <a:endParaRPr kumimoji="1" lang="zh-CN" altLang="en-US" sz="1050" dirty="0"/>
+          </a:p>
+        </p:txBody>
+      </p:sp>
+      <p:sp>
+        <p:nvSpPr>
+          <p:cNvPr id="24" name="矩形 23"/>
+          <p:cNvSpPr/>
+          <p:nvPr/>
+        </p:nvSpPr>
+        <p:spPr>
+          <a:xfrm>
+            <a:off x="2861121" y="2753833"/>
+            <a:ext cx="169157" cy="298346"/>
+          </a:xfrm>
+          <a:prstGeom prst="rect">
+            <a:avLst/>
+          </a:prstGeom>
+          <a:solidFill>
+            <a:schemeClr val="accent4"/>
+          </a:solidFill>
+        </p:spPr>
+        <p:style>
+          <a:lnRef idx="2">
+            <a:schemeClr val="accent1">
+              <a:shade val="50000"/>
+            </a:schemeClr>
+          </a:lnRef>
+          <a:fillRef idx="1">
+            <a:schemeClr val="accent1"/>
+          </a:fillRef>
+          <a:effectRef idx="0">
+            <a:schemeClr val="accent1"/>
+          </a:effectRef>
+          <a:fontRef idx="minor">
+            <a:schemeClr val="lt1"/>
+          </a:fontRef>
+        </p:style>
+        <p:txBody>
+          <a:bodyPr rtlCol="0" anchor="ctr"/>
+          <a:lstStyle/>
+          <a:p>
+            <a:pPr algn="ctr"/>
+            <a:endParaRPr kumimoji="1" lang="zh-CN" altLang="en-US"/>
+          </a:p>
+        </p:txBody>
+      </p:sp>
+      <p:sp>
+        <p:nvSpPr>
+          <p:cNvPr id="25" name="矩形 24"/>
+          <p:cNvSpPr/>
+          <p:nvPr/>
+        </p:nvSpPr>
+        <p:spPr>
+          <a:xfrm>
+            <a:off x="3297055" y="2753833"/>
+            <a:ext cx="169157" cy="298346"/>
+          </a:xfrm>
+          <a:prstGeom prst="rect">
+            <a:avLst/>
+          </a:prstGeom>
+          <a:solidFill>
+            <a:schemeClr val="accent4"/>
+          </a:solidFill>
+        </p:spPr>
+        <p:style>
+          <a:lnRef idx="2">
+            <a:schemeClr val="accent1">
+              <a:shade val="50000"/>
+            </a:schemeClr>
+          </a:lnRef>
+          <a:fillRef idx="1">
+            <a:schemeClr val="accent1"/>
+          </a:fillRef>
+          <a:effectRef idx="0">
+            <a:schemeClr val="accent1"/>
+          </a:effectRef>
+          <a:fontRef idx="minor">
+            <a:schemeClr val="lt1"/>
+          </a:fontRef>
+        </p:style>
+        <p:txBody>
+          <a:bodyPr rtlCol="0" anchor="ctr"/>
+          <a:lstStyle/>
+          <a:p>
+            <a:pPr algn="ctr"/>
+            <a:endParaRPr kumimoji="1" lang="zh-CN" altLang="en-US"/>
+          </a:p>
+        </p:txBody>
+      </p:sp>
+      <p:sp>
+        <p:nvSpPr>
+          <p:cNvPr id="26" name="矩形 25"/>
+          <p:cNvSpPr/>
+          <p:nvPr/>
+        </p:nvSpPr>
+        <p:spPr>
+          <a:xfrm>
+            <a:off x="7592341" y="2753833"/>
+            <a:ext cx="169157" cy="298346"/>
+          </a:xfrm>
+          <a:prstGeom prst="rect">
+            <a:avLst/>
+          </a:prstGeom>
+          <a:solidFill>
+            <a:schemeClr val="accent4"/>
+          </a:solidFill>
+        </p:spPr>
+        <p:style>
+          <a:lnRef idx="2">
+            <a:schemeClr val="accent1">
+              <a:shade val="50000"/>
+            </a:schemeClr>
+          </a:lnRef>
+          <a:fillRef idx="1">
+            <a:schemeClr val="accent1"/>
+          </a:fillRef>
+          <a:effectRef idx="0">
+            <a:schemeClr val="accent1"/>
+          </a:effectRef>
+          <a:fontRef idx="minor">
+            <a:schemeClr val="lt1"/>
+          </a:fontRef>
+        </p:style>
+        <p:txBody>
+          <a:bodyPr rtlCol="0" anchor="ctr"/>
+          <a:lstStyle/>
+          <a:p>
+            <a:pPr algn="ctr"/>
+            <a:endParaRPr kumimoji="1" lang="zh-CN" altLang="en-US"/>
+          </a:p>
+        </p:txBody>
+      </p:sp>
+      <p:sp>
+        <p:nvSpPr>
+          <p:cNvPr id="27" name="矩形 26"/>
+          <p:cNvSpPr/>
+          <p:nvPr/>
+        </p:nvSpPr>
+        <p:spPr>
+          <a:xfrm>
+            <a:off x="7086573" y="2747645"/>
+            <a:ext cx="169157" cy="298346"/>
+          </a:xfrm>
+          <a:prstGeom prst="rect">
+            <a:avLst/>
+          </a:prstGeom>
+          <a:solidFill>
+            <a:schemeClr val="accent4"/>
+          </a:solidFill>
+        </p:spPr>
+        <p:style>
+          <a:lnRef idx="2">
+            <a:schemeClr val="accent1">
+              <a:shade val="50000"/>
+            </a:schemeClr>
+          </a:lnRef>
+          <a:fillRef idx="1">
+            <a:schemeClr val="accent1"/>
+          </a:fillRef>
+          <a:effectRef idx="0">
+            <a:schemeClr val="accent1"/>
+          </a:effectRef>
+          <a:fontRef idx="minor">
+            <a:schemeClr val="lt1"/>
+          </a:fontRef>
+        </p:style>
+        <p:txBody>
+          <a:bodyPr rtlCol="0" anchor="ctr"/>
+          <a:lstStyle/>
+          <a:p>
+            <a:pPr algn="ctr"/>
+            <a:endParaRPr kumimoji="1" lang="zh-CN" altLang="en-US"/>
+          </a:p>
+        </p:txBody>
+      </p:sp>
+      <p:sp>
+        <p:nvSpPr>
+          <p:cNvPr id="28" name="文本框 27"/>
+          <p:cNvSpPr txBox="1"/>
+          <p:nvPr/>
+        </p:nvSpPr>
+        <p:spPr>
+          <a:xfrm>
+            <a:off x="2627724" y="3179136"/>
+            <a:ext cx="575799" cy="253916"/>
+          </a:xfrm>
+          <a:prstGeom prst="rect">
+            <a:avLst/>
+          </a:prstGeom>
+          <a:noFill/>
+        </p:spPr>
+        <p:txBody>
+          <a:bodyPr wrap="none" rtlCol="0">
+            <a:spAutoFit/>
+          </a:bodyPr>
+          <a:lstStyle/>
+          <a:p>
+            <a:r>
+              <a:rPr kumimoji="1" lang="en-US" altLang="zh-CN" sz="1050" dirty="0" err="1" smtClean="0"/>
+              <a:t>SendQ</a:t>
+            </a:r>
+            <a:endParaRPr kumimoji="1" lang="zh-CN" altLang="en-US" sz="1050" dirty="0"/>
+          </a:p>
+        </p:txBody>
+      </p:sp>
+      <p:sp>
+        <p:nvSpPr>
+          <p:cNvPr id="29" name="文本框 28"/>
+          <p:cNvSpPr txBox="1"/>
+          <p:nvPr/>
+        </p:nvSpPr>
+        <p:spPr>
+          <a:xfrm>
+            <a:off x="7576305" y="3183200"/>
+            <a:ext cx="724878" cy="253916"/>
+          </a:xfrm>
+          <a:prstGeom prst="rect">
+            <a:avLst/>
+          </a:prstGeom>
+          <a:noFill/>
+        </p:spPr>
+        <p:txBody>
+          <a:bodyPr wrap="none" rtlCol="0">
+            <a:spAutoFit/>
+          </a:bodyPr>
+          <a:lstStyle/>
+          <a:p>
+            <a:r>
+              <a:rPr kumimoji="1" lang="en-US" altLang="zh-CN" sz="1050" dirty="0" err="1" smtClean="0"/>
+              <a:t>ReceiveQ</a:t>
+            </a:r>
+            <a:endParaRPr kumimoji="1" lang="zh-CN" altLang="en-US" sz="1050" dirty="0"/>
+          </a:p>
+        </p:txBody>
+      </p:sp>
+      <p:sp>
+        <p:nvSpPr>
+          <p:cNvPr id="30" name="文本框 29"/>
+          <p:cNvSpPr txBox="1"/>
+          <p:nvPr/>
+        </p:nvSpPr>
+        <p:spPr>
+          <a:xfrm>
+            <a:off x="6819520" y="3178502"/>
+            <a:ext cx="575799" cy="253916"/>
+          </a:xfrm>
+          <a:prstGeom prst="rect">
+            <a:avLst/>
+          </a:prstGeom>
+          <a:noFill/>
+        </p:spPr>
+        <p:txBody>
+          <a:bodyPr wrap="none" rtlCol="0">
+            <a:spAutoFit/>
+          </a:bodyPr>
+          <a:lstStyle/>
+          <a:p>
+            <a:r>
+              <a:rPr kumimoji="1" lang="en-US" altLang="zh-CN" sz="1050" dirty="0" err="1" smtClean="0"/>
+              <a:t>SendQ</a:t>
+            </a:r>
+            <a:endParaRPr kumimoji="1" lang="zh-CN" altLang="en-US" sz="1050" dirty="0"/>
+          </a:p>
+        </p:txBody>
+      </p:sp>
+      <p:sp>
+        <p:nvSpPr>
+          <p:cNvPr id="31" name="文本框 30"/>
+          <p:cNvSpPr txBox="1"/>
+          <p:nvPr/>
+        </p:nvSpPr>
+        <p:spPr>
+          <a:xfrm>
+            <a:off x="3249979" y="3195429"/>
+            <a:ext cx="724878" cy="253916"/>
+          </a:xfrm>
+          <a:prstGeom prst="rect">
+            <a:avLst/>
+          </a:prstGeom>
+          <a:noFill/>
+        </p:spPr>
+        <p:txBody>
+          <a:bodyPr wrap="none" rtlCol="0">
+            <a:spAutoFit/>
+          </a:bodyPr>
+          <a:lstStyle/>
+          <a:p>
+            <a:r>
+              <a:rPr kumimoji="1" lang="en-US" altLang="zh-CN" sz="1050" dirty="0" err="1" smtClean="0"/>
+              <a:t>ReceiveQ</a:t>
+            </a:r>
+            <a:endParaRPr kumimoji="1" lang="zh-CN" altLang="en-US" sz="1050" dirty="0"/>
+          </a:p>
+        </p:txBody>
+      </p:sp>
+      <p:sp>
+        <p:nvSpPr>
+          <p:cNvPr id="32" name="文本框 31"/>
+          <p:cNvSpPr txBox="1"/>
+          <p:nvPr/>
+        </p:nvSpPr>
+        <p:spPr>
+          <a:xfrm>
+            <a:off x="392538" y="6125659"/>
+            <a:ext cx="4851008" cy="276999"/>
+          </a:xfrm>
+          <a:prstGeom prst="rect">
+            <a:avLst/>
+          </a:prstGeom>
+          <a:noFill/>
+        </p:spPr>
+        <p:txBody>
+          <a:bodyPr wrap="none" rtlCol="0">
+            <a:spAutoFit/>
+          </a:bodyPr>
+          <a:lstStyle/>
+          <a:p>
+            <a:r>
+              <a:rPr kumimoji="1" lang="en-US" altLang="zh-CN" sz="1200" smtClean="0"/>
+              <a:t>Channel</a:t>
+            </a:r>
+            <a:r>
+              <a:rPr kumimoji="1" lang="zh-CN" altLang="en-US" sz="1200" smtClean="0"/>
+              <a:t>是车，</a:t>
+            </a:r>
+            <a:r>
+              <a:rPr kumimoji="1" lang="en-US" altLang="zh-CN" sz="1200" smtClean="0"/>
+              <a:t>B</a:t>
+            </a:r>
+            <a:r>
+              <a:rPr kumimoji="1" lang="en-US" altLang="zh-CN" sz="1200" smtClean="0"/>
+              <a:t>uffer</a:t>
+            </a:r>
+            <a:r>
+              <a:rPr kumimoji="1" lang="zh-CN" altLang="en-US" sz="1200" smtClean="0"/>
+              <a:t>是座位</a:t>
+            </a:r>
+            <a:r>
+              <a:rPr kumimoji="1" lang="en-US" altLang="zh-CN" sz="1200" smtClean="0"/>
+              <a:t>(</a:t>
+            </a:r>
+            <a:r>
+              <a:rPr kumimoji="1" lang="zh-CN" altLang="en-US" sz="1200" smtClean="0"/>
+              <a:t>传输</a:t>
+            </a:r>
+            <a:r>
+              <a:rPr kumimoji="1" lang="zh-CN" altLang="en-US" sz="1200" smtClean="0"/>
+              <a:t>的数据</a:t>
+            </a:r>
+            <a:r>
+              <a:rPr kumimoji="1" lang="en-US" altLang="zh-CN" sz="1200" smtClean="0"/>
+              <a:t>)</a:t>
+            </a:r>
+            <a:r>
+              <a:rPr kumimoji="1" lang="zh-CN" altLang="en-US" sz="1200" smtClean="0"/>
+              <a:t>，</a:t>
+            </a:r>
+            <a:r>
+              <a:rPr kumimoji="1" lang="en-US" altLang="zh-CN" sz="1200" smtClean="0"/>
+              <a:t>S</a:t>
+            </a:r>
+            <a:r>
+              <a:rPr kumimoji="1" lang="en-US" altLang="zh-CN" sz="1200" smtClean="0"/>
+              <a:t>elector</a:t>
+            </a:r>
+            <a:r>
+              <a:rPr kumimoji="1" lang="zh-CN" altLang="en-US" sz="1200" smtClean="0"/>
+              <a:t>是</a:t>
+            </a:r>
+            <a:r>
+              <a:rPr kumimoji="1" lang="en-US" altLang="zh-CN" sz="1200" smtClean="0"/>
+              <a:t>channel</a:t>
+            </a:r>
+            <a:r>
+              <a:rPr kumimoji="1" lang="zh-CN" altLang="en-US" sz="1200" smtClean="0"/>
+              <a:t>的监听器</a:t>
+            </a:r>
+            <a:endParaRPr kumimoji="1" lang="zh-CN" altLang="en-US" sz="1200" dirty="0"/>
+          </a:p>
+        </p:txBody>
+      </p:sp>
+      <p:sp>
+        <p:nvSpPr>
+          <p:cNvPr id="33" name="文本框 32"/>
+          <p:cNvSpPr txBox="1"/>
+          <p:nvPr/>
+        </p:nvSpPr>
+        <p:spPr>
+          <a:xfrm>
+            <a:off x="501805" y="323385"/>
+            <a:ext cx="1957587" cy="307777"/>
+          </a:xfrm>
+          <a:prstGeom prst="rect">
+            <a:avLst/>
+          </a:prstGeom>
+          <a:noFill/>
+        </p:spPr>
+        <p:txBody>
+          <a:bodyPr wrap="none" rtlCol="0">
+            <a:spAutoFit/>
+          </a:bodyPr>
+          <a:lstStyle/>
+          <a:p>
+            <a:r>
+              <a:rPr kumimoji="1" lang="en-US" altLang="zh-CN" sz="1400" smtClean="0"/>
+              <a:t>NIO Socket</a:t>
+            </a:r>
+            <a:r>
+              <a:rPr kumimoji="1" lang="zh-CN" altLang="en-US" sz="1400" dirty="0" smtClean="0"/>
+              <a:t>传输过程：</a:t>
+            </a:r>
+            <a:endParaRPr kumimoji="1" lang="zh-CN" altLang="en-US" sz="1400" dirty="0"/>
+          </a:p>
+        </p:txBody>
+      </p:sp>
+      <p:sp>
+        <p:nvSpPr>
+          <p:cNvPr id="35" name="圆角矩形 34"/>
+          <p:cNvSpPr/>
+          <p:nvPr/>
+        </p:nvSpPr>
+        <p:spPr>
+          <a:xfrm>
+            <a:off x="3818613" y="3784009"/>
+            <a:ext cx="2895958" cy="317825"/>
+          </a:xfrm>
+          <a:prstGeom prst="roundRect">
+            <a:avLst/>
+          </a:prstGeom>
+        </p:spPr>
+        <p:style>
+          <a:lnRef idx="2">
+            <a:schemeClr val="accent1">
+              <a:shade val="50000"/>
+            </a:schemeClr>
+          </a:lnRef>
+          <a:fillRef idx="1">
+            <a:schemeClr val="accent1"/>
+          </a:fillRef>
+          <a:effectRef idx="0">
+            <a:schemeClr val="accent1"/>
+          </a:effectRef>
+          <a:fontRef idx="minor">
+            <a:schemeClr val="lt1"/>
+          </a:fontRef>
+        </p:style>
+        <p:txBody>
+          <a:bodyPr rtlCol="0" anchor="ctr"/>
+          <a:lstStyle/>
+          <a:p>
+            <a:pPr algn="ctr"/>
+            <a:endParaRPr lang="zh-CN" altLang="en-US"/>
+          </a:p>
+        </p:txBody>
+      </p:sp>
+      <p:sp>
+        <p:nvSpPr>
+          <p:cNvPr id="39" name="矩形 38"/>
+          <p:cNvSpPr/>
+          <p:nvPr/>
+        </p:nvSpPr>
+        <p:spPr>
+          <a:xfrm>
+            <a:off x="4392713" y="3784009"/>
+            <a:ext cx="134470" cy="79779"/>
+          </a:xfrm>
+          <a:prstGeom prst="rect">
+            <a:avLst/>
+          </a:prstGeom>
+          <a:solidFill>
+            <a:schemeClr val="accent2"/>
+          </a:solidFill>
+        </p:spPr>
+        <p:style>
+          <a:lnRef idx="2">
+            <a:schemeClr val="accent1">
+              <a:shade val="50000"/>
+            </a:schemeClr>
+          </a:lnRef>
+          <a:fillRef idx="1">
+            <a:schemeClr val="accent1"/>
+          </a:fillRef>
+          <a:effectRef idx="0">
+            <a:schemeClr val="accent1"/>
+          </a:effectRef>
+          <a:fontRef idx="minor">
+            <a:schemeClr val="lt1"/>
+          </a:fontRef>
+        </p:style>
+        <p:txBody>
+          <a:bodyPr rtlCol="0" anchor="ctr"/>
+          <a:lstStyle/>
+          <a:p>
+            <a:pPr algn="ctr"/>
+            <a:endParaRPr lang="zh-CN" altLang="en-US"/>
+          </a:p>
+        </p:txBody>
+      </p:sp>
+      <p:sp>
+        <p:nvSpPr>
+          <p:cNvPr id="40" name="矩形 39"/>
+          <p:cNvSpPr/>
+          <p:nvPr/>
+        </p:nvSpPr>
+        <p:spPr>
+          <a:xfrm>
+            <a:off x="5961446" y="3784009"/>
+            <a:ext cx="134470" cy="79779"/>
+          </a:xfrm>
+          <a:prstGeom prst="rect">
+            <a:avLst/>
+          </a:prstGeom>
+          <a:solidFill>
+            <a:schemeClr val="accent2"/>
+          </a:solidFill>
+        </p:spPr>
+        <p:style>
+          <a:lnRef idx="2">
+            <a:schemeClr val="accent1">
+              <a:shade val="50000"/>
+            </a:schemeClr>
+          </a:lnRef>
+          <a:fillRef idx="1">
+            <a:schemeClr val="accent1"/>
+          </a:fillRef>
+          <a:effectRef idx="0">
+            <a:schemeClr val="accent1"/>
+          </a:effectRef>
+          <a:fontRef idx="minor">
+            <a:schemeClr val="lt1"/>
+          </a:fontRef>
+        </p:style>
+        <p:txBody>
+          <a:bodyPr rtlCol="0" anchor="ctr"/>
+          <a:lstStyle/>
+          <a:p>
+            <a:pPr algn="ctr"/>
+            <a:endParaRPr lang="zh-CN" altLang="en-US"/>
+          </a:p>
+        </p:txBody>
+      </p:sp>
+      <p:sp>
+        <p:nvSpPr>
+          <p:cNvPr id="41" name="矩形 40"/>
+          <p:cNvSpPr/>
+          <p:nvPr/>
+        </p:nvSpPr>
+        <p:spPr>
+          <a:xfrm>
+            <a:off x="5547165" y="3781783"/>
+            <a:ext cx="134470" cy="79779"/>
+          </a:xfrm>
+          <a:prstGeom prst="rect">
+            <a:avLst/>
+          </a:prstGeom>
+          <a:solidFill>
+            <a:schemeClr val="accent2"/>
+          </a:solidFill>
+        </p:spPr>
+        <p:style>
+          <a:lnRef idx="2">
+            <a:schemeClr val="accent1">
+              <a:shade val="50000"/>
+            </a:schemeClr>
+          </a:lnRef>
+          <a:fillRef idx="1">
+            <a:schemeClr val="accent1"/>
+          </a:fillRef>
+          <a:effectRef idx="0">
+            <a:schemeClr val="accent1"/>
+          </a:effectRef>
+          <a:fontRef idx="minor">
+            <a:schemeClr val="lt1"/>
+          </a:fontRef>
+        </p:style>
+        <p:txBody>
+          <a:bodyPr rtlCol="0" anchor="ctr"/>
+          <a:lstStyle/>
+          <a:p>
+            <a:pPr algn="ctr"/>
+            <a:endParaRPr lang="zh-CN" altLang="en-US"/>
+          </a:p>
+        </p:txBody>
+      </p:sp>
+      <p:sp>
+        <p:nvSpPr>
+          <p:cNvPr id="42" name="矩形 41"/>
+          <p:cNvSpPr/>
+          <p:nvPr/>
+        </p:nvSpPr>
+        <p:spPr>
+          <a:xfrm>
+            <a:off x="5199357" y="3781784"/>
+            <a:ext cx="134470" cy="79779"/>
+          </a:xfrm>
+          <a:prstGeom prst="rect">
+            <a:avLst/>
+          </a:prstGeom>
+          <a:solidFill>
+            <a:schemeClr val="accent2"/>
+          </a:solidFill>
+        </p:spPr>
+        <p:style>
+          <a:lnRef idx="2">
+            <a:schemeClr val="accent1">
+              <a:shade val="50000"/>
+            </a:schemeClr>
+          </a:lnRef>
+          <a:fillRef idx="1">
+            <a:schemeClr val="accent1"/>
+          </a:fillRef>
+          <a:effectRef idx="0">
+            <a:schemeClr val="accent1"/>
+          </a:effectRef>
+          <a:fontRef idx="minor">
+            <a:schemeClr val="lt1"/>
+          </a:fontRef>
+        </p:style>
+        <p:txBody>
+          <a:bodyPr rtlCol="0" anchor="ctr"/>
+          <a:lstStyle/>
+          <a:p>
+            <a:pPr algn="ctr"/>
+            <a:endParaRPr lang="zh-CN" altLang="en-US"/>
+          </a:p>
+        </p:txBody>
+      </p:sp>
+      <p:sp>
+        <p:nvSpPr>
+          <p:cNvPr id="43" name="矩形 42"/>
+          <p:cNvSpPr/>
+          <p:nvPr/>
+        </p:nvSpPr>
+        <p:spPr>
+          <a:xfrm>
+            <a:off x="4778195" y="3781785"/>
+            <a:ext cx="134470" cy="79779"/>
+          </a:xfrm>
+          <a:prstGeom prst="rect">
+            <a:avLst/>
+          </a:prstGeom>
+          <a:solidFill>
+            <a:schemeClr val="accent2"/>
+          </a:solidFill>
+        </p:spPr>
+        <p:style>
+          <a:lnRef idx="2">
+            <a:schemeClr val="accent1">
+              <a:shade val="50000"/>
+            </a:schemeClr>
+          </a:lnRef>
+          <a:fillRef idx="1">
+            <a:schemeClr val="accent1"/>
+          </a:fillRef>
+          <a:effectRef idx="0">
+            <a:schemeClr val="accent1"/>
+          </a:effectRef>
+          <a:fontRef idx="minor">
+            <a:schemeClr val="lt1"/>
+          </a:fontRef>
+        </p:style>
+        <p:txBody>
+          <a:bodyPr rtlCol="0" anchor="ctr"/>
+          <a:lstStyle/>
+          <a:p>
+            <a:pPr algn="ctr"/>
+            <a:endParaRPr lang="zh-CN" altLang="en-US"/>
+          </a:p>
+        </p:txBody>
+      </p:sp>
+      <p:sp>
+        <p:nvSpPr>
+          <p:cNvPr id="44" name="矩形 43"/>
+          <p:cNvSpPr/>
+          <p:nvPr/>
+        </p:nvSpPr>
+        <p:spPr>
+          <a:xfrm>
+            <a:off x="4387589" y="4024741"/>
+            <a:ext cx="134470" cy="79779"/>
+          </a:xfrm>
+          <a:prstGeom prst="rect">
+            <a:avLst/>
+          </a:prstGeom>
+          <a:solidFill>
+            <a:schemeClr val="accent2"/>
+          </a:solidFill>
+        </p:spPr>
+        <p:style>
+          <a:lnRef idx="2">
+            <a:schemeClr val="accent1">
+              <a:shade val="50000"/>
+            </a:schemeClr>
+          </a:lnRef>
+          <a:fillRef idx="1">
+            <a:schemeClr val="accent1"/>
+          </a:fillRef>
+          <a:effectRef idx="0">
+            <a:schemeClr val="accent1"/>
+          </a:effectRef>
+          <a:fontRef idx="minor">
+            <a:schemeClr val="lt1"/>
+          </a:fontRef>
+        </p:style>
+        <p:txBody>
+          <a:bodyPr rtlCol="0" anchor="ctr"/>
+          <a:lstStyle/>
+          <a:p>
+            <a:pPr algn="ctr"/>
+            <a:endParaRPr lang="zh-CN" altLang="en-US"/>
+          </a:p>
+        </p:txBody>
+      </p:sp>
+      <p:sp>
+        <p:nvSpPr>
+          <p:cNvPr id="45" name="矩形 44"/>
+          <p:cNvSpPr/>
+          <p:nvPr/>
+        </p:nvSpPr>
+        <p:spPr>
+          <a:xfrm>
+            <a:off x="4784276" y="4022055"/>
+            <a:ext cx="134470" cy="79779"/>
+          </a:xfrm>
+          <a:prstGeom prst="rect">
+            <a:avLst/>
+          </a:prstGeom>
+          <a:solidFill>
+            <a:schemeClr val="accent2"/>
+          </a:solidFill>
+        </p:spPr>
+        <p:style>
+          <a:lnRef idx="2">
+            <a:schemeClr val="accent1">
+              <a:shade val="50000"/>
+            </a:schemeClr>
+          </a:lnRef>
+          <a:fillRef idx="1">
+            <a:schemeClr val="accent1"/>
+          </a:fillRef>
+          <a:effectRef idx="0">
+            <a:schemeClr val="accent1"/>
+          </a:effectRef>
+          <a:fontRef idx="minor">
+            <a:schemeClr val="lt1"/>
+          </a:fontRef>
+        </p:style>
+        <p:txBody>
+          <a:bodyPr rtlCol="0" anchor="ctr"/>
+          <a:lstStyle/>
+          <a:p>
+            <a:pPr algn="ctr"/>
+            <a:endParaRPr lang="zh-CN" altLang="en-US"/>
+          </a:p>
+        </p:txBody>
+      </p:sp>
+      <p:sp>
+        <p:nvSpPr>
+          <p:cNvPr id="46" name="矩形 45"/>
+          <p:cNvSpPr/>
+          <p:nvPr/>
+        </p:nvSpPr>
+        <p:spPr>
+          <a:xfrm>
+            <a:off x="5199357" y="4024741"/>
+            <a:ext cx="134470" cy="79779"/>
+          </a:xfrm>
+          <a:prstGeom prst="rect">
+            <a:avLst/>
+          </a:prstGeom>
+          <a:solidFill>
+            <a:schemeClr val="accent2"/>
+          </a:solidFill>
+        </p:spPr>
+        <p:style>
+          <a:lnRef idx="2">
+            <a:schemeClr val="accent1">
+              <a:shade val="50000"/>
+            </a:schemeClr>
+          </a:lnRef>
+          <a:fillRef idx="1">
+            <a:schemeClr val="accent1"/>
+          </a:fillRef>
+          <a:effectRef idx="0">
+            <a:schemeClr val="accent1"/>
+          </a:effectRef>
+          <a:fontRef idx="minor">
+            <a:schemeClr val="lt1"/>
+          </a:fontRef>
+        </p:style>
+        <p:txBody>
+          <a:bodyPr rtlCol="0" anchor="ctr"/>
+          <a:lstStyle/>
+          <a:p>
+            <a:pPr algn="ctr"/>
+            <a:endParaRPr lang="zh-CN" altLang="en-US"/>
+          </a:p>
+        </p:txBody>
+      </p:sp>
+      <p:sp>
+        <p:nvSpPr>
+          <p:cNvPr id="47" name="矩形 46"/>
+          <p:cNvSpPr/>
+          <p:nvPr/>
+        </p:nvSpPr>
+        <p:spPr>
+          <a:xfrm>
+            <a:off x="5547165" y="4025201"/>
+            <a:ext cx="134470" cy="79779"/>
+          </a:xfrm>
+          <a:prstGeom prst="rect">
+            <a:avLst/>
+          </a:prstGeom>
+          <a:solidFill>
+            <a:schemeClr val="accent2"/>
+          </a:solidFill>
+        </p:spPr>
+        <p:style>
+          <a:lnRef idx="2">
+            <a:schemeClr val="accent1">
+              <a:shade val="50000"/>
+            </a:schemeClr>
+          </a:lnRef>
+          <a:fillRef idx="1">
+            <a:schemeClr val="accent1"/>
+          </a:fillRef>
+          <a:effectRef idx="0">
+            <a:schemeClr val="accent1"/>
+          </a:effectRef>
+          <a:fontRef idx="minor">
+            <a:schemeClr val="lt1"/>
+          </a:fontRef>
+        </p:style>
+        <p:txBody>
+          <a:bodyPr rtlCol="0" anchor="ctr"/>
+          <a:lstStyle/>
+          <a:p>
+            <a:pPr algn="ctr"/>
+            <a:endParaRPr lang="zh-CN" altLang="en-US"/>
+          </a:p>
+        </p:txBody>
+      </p:sp>
+      <p:sp>
+        <p:nvSpPr>
+          <p:cNvPr id="48" name="矩形 47"/>
+          <p:cNvSpPr/>
+          <p:nvPr/>
+        </p:nvSpPr>
+        <p:spPr>
+          <a:xfrm>
+            <a:off x="5965838" y="4018898"/>
+            <a:ext cx="134470" cy="79779"/>
+          </a:xfrm>
+          <a:prstGeom prst="rect">
+            <a:avLst/>
+          </a:prstGeom>
+          <a:solidFill>
+            <a:schemeClr val="accent2"/>
+          </a:solidFill>
+        </p:spPr>
+        <p:style>
+          <a:lnRef idx="2">
+            <a:schemeClr val="accent1">
+              <a:shade val="50000"/>
+            </a:schemeClr>
+          </a:lnRef>
+          <a:fillRef idx="1">
+            <a:schemeClr val="accent1"/>
+          </a:fillRef>
+          <a:effectRef idx="0">
+            <a:schemeClr val="accent1"/>
+          </a:effectRef>
+          <a:fontRef idx="minor">
+            <a:schemeClr val="lt1"/>
+          </a:fontRef>
+        </p:style>
+        <p:txBody>
+          <a:bodyPr rtlCol="0" anchor="ctr"/>
+          <a:lstStyle/>
+          <a:p>
+            <a:pPr algn="ctr"/>
+            <a:endParaRPr lang="zh-CN" altLang="en-US"/>
+          </a:p>
+        </p:txBody>
+      </p:sp>
+      <p:sp>
+        <p:nvSpPr>
+          <p:cNvPr id="49" name="文本框 48"/>
+          <p:cNvSpPr txBox="1"/>
+          <p:nvPr/>
+        </p:nvSpPr>
+        <p:spPr>
+          <a:xfrm>
+            <a:off x="4312062" y="3187735"/>
+            <a:ext cx="654346" cy="261610"/>
+          </a:xfrm>
+          <a:prstGeom prst="rect">
+            <a:avLst/>
+          </a:prstGeom>
+          <a:noFill/>
+        </p:spPr>
+        <p:txBody>
+          <a:bodyPr wrap="none" rtlCol="0">
+            <a:spAutoFit/>
+          </a:bodyPr>
+          <a:lstStyle/>
+          <a:p>
+            <a:r>
+              <a:rPr lang="en-US" altLang="zh-CN" sz="1100" smtClean="0"/>
+              <a:t>channel</a:t>
+            </a:r>
+            <a:endParaRPr lang="zh-CN" altLang="en-US" sz="1100"/>
+          </a:p>
+        </p:txBody>
+      </p:sp>
+      <p:cxnSp>
+        <p:nvCxnSpPr>
+          <p:cNvPr id="51" name="直接箭头连接符 50"/>
+          <p:cNvCxnSpPr/>
+          <p:nvPr/>
+        </p:nvCxnSpPr>
+        <p:spPr>
+          <a:xfrm flipH="1">
+            <a:off x="4016930" y="3433052"/>
+            <a:ext cx="447836" cy="350957"/>
+          </a:xfrm>
+          <a:prstGeom prst="straightConnector1">
+            <a:avLst/>
+          </a:prstGeom>
+          <a:ln>
+            <a:tailEnd type="triangle"/>
+          </a:ln>
+        </p:spPr>
+        <p:style>
+          <a:lnRef idx="1">
+            <a:schemeClr val="accent1"/>
+          </a:lnRef>
+          <a:fillRef idx="0">
+            <a:schemeClr val="accent1"/>
+          </a:fillRef>
+          <a:effectRef idx="0">
+            <a:schemeClr val="accent1"/>
+          </a:effectRef>
+          <a:fontRef idx="minor">
+            <a:schemeClr val="tx1"/>
+          </a:fontRef>
+        </p:style>
+      </p:cxnSp>
+      <p:sp>
+        <p:nvSpPr>
+          <p:cNvPr id="53" name="文本框 52"/>
+          <p:cNvSpPr txBox="1"/>
+          <p:nvPr/>
+        </p:nvSpPr>
+        <p:spPr>
+          <a:xfrm>
+            <a:off x="5372902" y="3332399"/>
+            <a:ext cx="545342" cy="261610"/>
+          </a:xfrm>
+          <a:prstGeom prst="rect">
+            <a:avLst/>
+          </a:prstGeom>
+          <a:noFill/>
+        </p:spPr>
+        <p:txBody>
+          <a:bodyPr wrap="none" rtlCol="0">
+            <a:spAutoFit/>
+          </a:bodyPr>
+          <a:lstStyle/>
+          <a:p>
+            <a:r>
+              <a:rPr lang="en-US" altLang="zh-CN" sz="1100" smtClean="0"/>
+              <a:t>buffer</a:t>
+            </a:r>
+            <a:endParaRPr lang="zh-CN" altLang="en-US" sz="1100"/>
+          </a:p>
+        </p:txBody>
+      </p:sp>
+      <p:cxnSp>
+        <p:nvCxnSpPr>
+          <p:cNvPr id="55" name="直接箭头连接符 54"/>
+          <p:cNvCxnSpPr>
+            <a:endCxn id="40" idx="0"/>
+          </p:cNvCxnSpPr>
+          <p:nvPr/>
+        </p:nvCxnSpPr>
+        <p:spPr>
+          <a:xfrm>
+            <a:off x="5779500" y="3543847"/>
+            <a:ext cx="249181" cy="240162"/>
+          </a:xfrm>
+          <a:prstGeom prst="straightConnector1">
+            <a:avLst/>
+          </a:prstGeom>
+          <a:ln>
+            <a:tailEnd type="triangle"/>
+          </a:ln>
+        </p:spPr>
+        <p:style>
+          <a:lnRef idx="1">
+            <a:schemeClr val="accent1"/>
+          </a:lnRef>
+          <a:fillRef idx="0">
+            <a:schemeClr val="accent1"/>
+          </a:fillRef>
+          <a:effectRef idx="0">
+            <a:schemeClr val="accent1"/>
+          </a:effectRef>
+          <a:fontRef idx="minor">
+            <a:schemeClr val="tx1"/>
+          </a:fontRef>
+        </p:style>
+      </p:cxnSp>
+      <p:cxnSp>
+        <p:nvCxnSpPr>
+          <p:cNvPr id="59" name="直接箭头连接符 58"/>
+          <p:cNvCxnSpPr>
+            <a:endCxn id="41" idx="0"/>
+          </p:cNvCxnSpPr>
+          <p:nvPr/>
+        </p:nvCxnSpPr>
+        <p:spPr>
+          <a:xfrm flipH="1">
+            <a:off x="5614400" y="3541441"/>
+            <a:ext cx="174469" cy="240342"/>
+          </a:xfrm>
+          <a:prstGeom prst="straightConnector1">
+            <a:avLst/>
+          </a:prstGeom>
+          <a:ln>
+            <a:tailEnd type="triangle"/>
+          </a:ln>
+        </p:spPr>
+        <p:style>
+          <a:lnRef idx="1">
+            <a:schemeClr val="accent1"/>
+          </a:lnRef>
+          <a:fillRef idx="0">
+            <a:schemeClr val="accent1"/>
+          </a:fillRef>
+          <a:effectRef idx="0">
+            <a:schemeClr val="accent1"/>
+          </a:effectRef>
+          <a:fontRef idx="minor">
+            <a:schemeClr val="tx1"/>
+          </a:fontRef>
+        </p:style>
+      </p:cxnSp>
+      <p:sp>
+        <p:nvSpPr>
+          <p:cNvPr id="60" name="圆角矩形 59"/>
+          <p:cNvSpPr/>
+          <p:nvPr/>
+        </p:nvSpPr>
+        <p:spPr>
+          <a:xfrm>
+            <a:off x="3818613" y="4332593"/>
+            <a:ext cx="2895958" cy="317825"/>
+          </a:xfrm>
+          <a:prstGeom prst="roundRect">
+            <a:avLst/>
+          </a:prstGeom>
+        </p:spPr>
+        <p:style>
+          <a:lnRef idx="2">
+            <a:schemeClr val="accent1">
+              <a:shade val="50000"/>
+            </a:schemeClr>
+          </a:lnRef>
+          <a:fillRef idx="1">
+            <a:schemeClr val="accent1"/>
+          </a:fillRef>
+          <a:effectRef idx="0">
+            <a:schemeClr val="accent1"/>
+          </a:effectRef>
+          <a:fontRef idx="minor">
+            <a:schemeClr val="lt1"/>
+          </a:fontRef>
+        </p:style>
+        <p:txBody>
+          <a:bodyPr rtlCol="0" anchor="ctr"/>
+          <a:lstStyle/>
+          <a:p>
+            <a:pPr algn="ctr"/>
+            <a:endParaRPr lang="zh-CN" altLang="en-US"/>
+          </a:p>
+        </p:txBody>
+      </p:sp>
+      <p:sp>
+        <p:nvSpPr>
+          <p:cNvPr id="61" name="矩形 60"/>
+          <p:cNvSpPr/>
+          <p:nvPr/>
+        </p:nvSpPr>
+        <p:spPr>
+          <a:xfrm>
+            <a:off x="4392713" y="4332593"/>
+            <a:ext cx="134470" cy="79779"/>
+          </a:xfrm>
+          <a:prstGeom prst="rect">
+            <a:avLst/>
+          </a:prstGeom>
+          <a:solidFill>
+            <a:schemeClr val="accent2"/>
+          </a:solidFill>
+        </p:spPr>
+        <p:style>
+          <a:lnRef idx="2">
+            <a:schemeClr val="accent1">
+              <a:shade val="50000"/>
+            </a:schemeClr>
+          </a:lnRef>
+          <a:fillRef idx="1">
+            <a:schemeClr val="accent1"/>
+          </a:fillRef>
+          <a:effectRef idx="0">
+            <a:schemeClr val="accent1"/>
+          </a:effectRef>
+          <a:fontRef idx="minor">
+            <a:schemeClr val="lt1"/>
+          </a:fontRef>
+        </p:style>
+        <p:txBody>
+          <a:bodyPr rtlCol="0" anchor="ctr"/>
+          <a:lstStyle/>
+          <a:p>
+            <a:pPr algn="ctr"/>
+            <a:endParaRPr lang="zh-CN" altLang="en-US"/>
+          </a:p>
+        </p:txBody>
+      </p:sp>
+      <p:sp>
+        <p:nvSpPr>
+          <p:cNvPr id="62" name="矩形 61"/>
+          <p:cNvSpPr/>
+          <p:nvPr/>
+        </p:nvSpPr>
+        <p:spPr>
+          <a:xfrm>
+            <a:off x="5961446" y="4332593"/>
+            <a:ext cx="134470" cy="79779"/>
+          </a:xfrm>
+          <a:prstGeom prst="rect">
+            <a:avLst/>
+          </a:prstGeom>
+          <a:solidFill>
+            <a:schemeClr val="accent2"/>
+          </a:solidFill>
+        </p:spPr>
+        <p:style>
+          <a:lnRef idx="2">
+            <a:schemeClr val="accent1">
+              <a:shade val="50000"/>
+            </a:schemeClr>
+          </a:lnRef>
+          <a:fillRef idx="1">
+            <a:schemeClr val="accent1"/>
+          </a:fillRef>
+          <a:effectRef idx="0">
+            <a:schemeClr val="accent1"/>
+          </a:effectRef>
+          <a:fontRef idx="minor">
+            <a:schemeClr val="lt1"/>
+          </a:fontRef>
+        </p:style>
+        <p:txBody>
+          <a:bodyPr rtlCol="0" anchor="ctr"/>
+          <a:lstStyle/>
+          <a:p>
+            <a:pPr algn="ctr"/>
+            <a:endParaRPr lang="zh-CN" altLang="en-US"/>
+          </a:p>
+        </p:txBody>
+      </p:sp>
+      <p:sp>
+        <p:nvSpPr>
+          <p:cNvPr id="63" name="矩形 62"/>
+          <p:cNvSpPr/>
+          <p:nvPr/>
+        </p:nvSpPr>
+        <p:spPr>
+          <a:xfrm>
+            <a:off x="5547165" y="4330367"/>
+            <a:ext cx="134470" cy="79779"/>
+          </a:xfrm>
+          <a:prstGeom prst="rect">
+            <a:avLst/>
+          </a:prstGeom>
+          <a:solidFill>
+            <a:schemeClr val="accent2"/>
+          </a:solidFill>
+        </p:spPr>
+        <p:style>
+          <a:lnRef idx="2">
+            <a:schemeClr val="accent1">
+              <a:shade val="50000"/>
+            </a:schemeClr>
+          </a:lnRef>
+          <a:fillRef idx="1">
+            <a:schemeClr val="accent1"/>
+          </a:fillRef>
+          <a:effectRef idx="0">
+            <a:schemeClr val="accent1"/>
+          </a:effectRef>
+          <a:fontRef idx="minor">
+            <a:schemeClr val="lt1"/>
+          </a:fontRef>
+        </p:style>
+        <p:txBody>
+          <a:bodyPr rtlCol="0" anchor="ctr"/>
+          <a:lstStyle/>
+          <a:p>
+            <a:pPr algn="ctr"/>
+            <a:endParaRPr lang="zh-CN" altLang="en-US"/>
+          </a:p>
+        </p:txBody>
+      </p:sp>
+      <p:sp>
+        <p:nvSpPr>
+          <p:cNvPr id="64" name="矩形 63"/>
+          <p:cNvSpPr/>
+          <p:nvPr/>
+        </p:nvSpPr>
+        <p:spPr>
+          <a:xfrm>
+            <a:off x="5199357" y="4330368"/>
+            <a:ext cx="134470" cy="79779"/>
+          </a:xfrm>
+          <a:prstGeom prst="rect">
+            <a:avLst/>
+          </a:prstGeom>
+          <a:solidFill>
+            <a:schemeClr val="accent2"/>
+          </a:solidFill>
+        </p:spPr>
+        <p:style>
+          <a:lnRef idx="2">
+            <a:schemeClr val="accent1">
+              <a:shade val="50000"/>
+            </a:schemeClr>
+          </a:lnRef>
+          <a:fillRef idx="1">
+            <a:schemeClr val="accent1"/>
+          </a:fillRef>
+          <a:effectRef idx="0">
+            <a:schemeClr val="accent1"/>
+          </a:effectRef>
+          <a:fontRef idx="minor">
+            <a:schemeClr val="lt1"/>
+          </a:fontRef>
+        </p:style>
+        <p:txBody>
+          <a:bodyPr rtlCol="0" anchor="ctr"/>
+          <a:lstStyle/>
+          <a:p>
+            <a:pPr algn="ctr"/>
+            <a:endParaRPr lang="zh-CN" altLang="en-US"/>
+          </a:p>
+        </p:txBody>
+      </p:sp>
+      <p:sp>
+        <p:nvSpPr>
+          <p:cNvPr id="65" name="矩形 64"/>
+          <p:cNvSpPr/>
+          <p:nvPr/>
+        </p:nvSpPr>
+        <p:spPr>
+          <a:xfrm>
+            <a:off x="4778195" y="4330369"/>
+            <a:ext cx="134470" cy="79779"/>
+          </a:xfrm>
+          <a:prstGeom prst="rect">
+            <a:avLst/>
+          </a:prstGeom>
+          <a:solidFill>
+            <a:schemeClr val="accent2"/>
+          </a:solidFill>
+        </p:spPr>
+        <p:style>
+          <a:lnRef idx="2">
+            <a:schemeClr val="accent1">
+              <a:shade val="50000"/>
+            </a:schemeClr>
+          </a:lnRef>
+          <a:fillRef idx="1">
+            <a:schemeClr val="accent1"/>
+          </a:fillRef>
+          <a:effectRef idx="0">
+            <a:schemeClr val="accent1"/>
+          </a:effectRef>
+          <a:fontRef idx="minor">
+            <a:schemeClr val="lt1"/>
+          </a:fontRef>
+        </p:style>
+        <p:txBody>
+          <a:bodyPr rtlCol="0" anchor="ctr"/>
+          <a:lstStyle/>
+          <a:p>
+            <a:pPr algn="ctr"/>
+            <a:endParaRPr lang="zh-CN" altLang="en-US"/>
+          </a:p>
+        </p:txBody>
+      </p:sp>
+      <p:sp>
+        <p:nvSpPr>
+          <p:cNvPr id="66" name="矩形 65"/>
+          <p:cNvSpPr/>
+          <p:nvPr/>
+        </p:nvSpPr>
+        <p:spPr>
+          <a:xfrm>
+            <a:off x="4387589" y="4573325"/>
+            <a:ext cx="134470" cy="79779"/>
+          </a:xfrm>
+          <a:prstGeom prst="rect">
+            <a:avLst/>
+          </a:prstGeom>
+          <a:solidFill>
+            <a:schemeClr val="accent2"/>
+          </a:solidFill>
+        </p:spPr>
+        <p:style>
+          <a:lnRef idx="2">
+            <a:schemeClr val="accent1">
+              <a:shade val="50000"/>
+            </a:schemeClr>
+          </a:lnRef>
+          <a:fillRef idx="1">
+            <a:schemeClr val="accent1"/>
+          </a:fillRef>
+          <a:effectRef idx="0">
+            <a:schemeClr val="accent1"/>
+          </a:effectRef>
+          <a:fontRef idx="minor">
+            <a:schemeClr val="lt1"/>
+          </a:fontRef>
+        </p:style>
+        <p:txBody>
+          <a:bodyPr rtlCol="0" anchor="ctr"/>
+          <a:lstStyle/>
+          <a:p>
+            <a:pPr algn="ctr"/>
+            <a:endParaRPr lang="zh-CN" altLang="en-US"/>
+          </a:p>
+        </p:txBody>
+      </p:sp>
+      <p:sp>
+        <p:nvSpPr>
+          <p:cNvPr id="67" name="矩形 66"/>
+          <p:cNvSpPr/>
+          <p:nvPr/>
+        </p:nvSpPr>
+        <p:spPr>
+          <a:xfrm>
+            <a:off x="4784276" y="4570639"/>
+            <a:ext cx="134470" cy="79779"/>
+          </a:xfrm>
+          <a:prstGeom prst="rect">
+            <a:avLst/>
+          </a:prstGeom>
+          <a:solidFill>
+            <a:schemeClr val="accent2"/>
+          </a:solidFill>
+        </p:spPr>
+        <p:style>
+          <a:lnRef idx="2">
+            <a:schemeClr val="accent1">
+              <a:shade val="50000"/>
+            </a:schemeClr>
+          </a:lnRef>
+          <a:fillRef idx="1">
+            <a:schemeClr val="accent1"/>
+          </a:fillRef>
+          <a:effectRef idx="0">
+            <a:schemeClr val="accent1"/>
+          </a:effectRef>
+          <a:fontRef idx="minor">
+            <a:schemeClr val="lt1"/>
+          </a:fontRef>
+        </p:style>
+        <p:txBody>
+          <a:bodyPr rtlCol="0" anchor="ctr"/>
+          <a:lstStyle/>
+          <a:p>
+            <a:pPr algn="ctr"/>
+            <a:endParaRPr lang="zh-CN" altLang="en-US"/>
+          </a:p>
+        </p:txBody>
+      </p:sp>
+      <p:sp>
+        <p:nvSpPr>
+          <p:cNvPr id="68" name="矩形 67"/>
+          <p:cNvSpPr/>
+          <p:nvPr/>
+        </p:nvSpPr>
+        <p:spPr>
+          <a:xfrm>
+            <a:off x="5199357" y="4573325"/>
+            <a:ext cx="134470" cy="79779"/>
+          </a:xfrm>
+          <a:prstGeom prst="rect">
+            <a:avLst/>
+          </a:prstGeom>
+          <a:solidFill>
+            <a:schemeClr val="accent2"/>
+          </a:solidFill>
+        </p:spPr>
+        <p:style>
+          <a:lnRef idx="2">
+            <a:schemeClr val="accent1">
+              <a:shade val="50000"/>
+            </a:schemeClr>
+          </a:lnRef>
+          <a:fillRef idx="1">
+            <a:schemeClr val="accent1"/>
+          </a:fillRef>
+          <a:effectRef idx="0">
+            <a:schemeClr val="accent1"/>
+          </a:effectRef>
+          <a:fontRef idx="minor">
+            <a:schemeClr val="lt1"/>
+          </a:fontRef>
+        </p:style>
+        <p:txBody>
+          <a:bodyPr rtlCol="0" anchor="ctr"/>
+          <a:lstStyle/>
+          <a:p>
+            <a:pPr algn="ctr"/>
+            <a:endParaRPr lang="zh-CN" altLang="en-US"/>
+          </a:p>
+        </p:txBody>
+      </p:sp>
+      <p:sp>
+        <p:nvSpPr>
+          <p:cNvPr id="69" name="矩形 68"/>
+          <p:cNvSpPr/>
+          <p:nvPr/>
+        </p:nvSpPr>
+        <p:spPr>
+          <a:xfrm>
+            <a:off x="5547165" y="4573785"/>
+            <a:ext cx="134470" cy="79779"/>
+          </a:xfrm>
+          <a:prstGeom prst="rect">
+            <a:avLst/>
+          </a:prstGeom>
+          <a:solidFill>
+            <a:schemeClr val="accent2"/>
+          </a:solidFill>
+        </p:spPr>
+        <p:style>
+          <a:lnRef idx="2">
+            <a:schemeClr val="accent1">
+              <a:shade val="50000"/>
+            </a:schemeClr>
+          </a:lnRef>
+          <a:fillRef idx="1">
+            <a:schemeClr val="accent1"/>
+          </a:fillRef>
+          <a:effectRef idx="0">
+            <a:schemeClr val="accent1"/>
+          </a:effectRef>
+          <a:fontRef idx="minor">
+            <a:schemeClr val="lt1"/>
+          </a:fontRef>
+        </p:style>
+        <p:txBody>
+          <a:bodyPr rtlCol="0" anchor="ctr"/>
+          <a:lstStyle/>
+          <a:p>
+            <a:pPr algn="ctr"/>
+            <a:endParaRPr lang="zh-CN" altLang="en-US"/>
+          </a:p>
+        </p:txBody>
+      </p:sp>
+      <p:sp>
+        <p:nvSpPr>
+          <p:cNvPr id="70" name="矩形 69"/>
+          <p:cNvSpPr/>
+          <p:nvPr/>
+        </p:nvSpPr>
+        <p:spPr>
+          <a:xfrm>
+            <a:off x="5965838" y="4567482"/>
+            <a:ext cx="134470" cy="79779"/>
+          </a:xfrm>
+          <a:prstGeom prst="rect">
+            <a:avLst/>
+          </a:prstGeom>
+          <a:solidFill>
+            <a:schemeClr val="accent2"/>
+          </a:solidFill>
+        </p:spPr>
+        <p:style>
+          <a:lnRef idx="2">
+            <a:schemeClr val="accent1">
+              <a:shade val="50000"/>
+            </a:schemeClr>
+          </a:lnRef>
+          <a:fillRef idx="1">
+            <a:schemeClr val="accent1"/>
+          </a:fillRef>
+          <a:effectRef idx="0">
+            <a:schemeClr val="accent1"/>
+          </a:effectRef>
+          <a:fontRef idx="minor">
+            <a:schemeClr val="lt1"/>
+          </a:fontRef>
+        </p:style>
+        <p:txBody>
+          <a:bodyPr rtlCol="0" anchor="ctr"/>
+          <a:lstStyle/>
+          <a:p>
+            <a:pPr algn="ctr"/>
+            <a:endParaRPr lang="zh-CN" altLang="en-US"/>
+          </a:p>
+        </p:txBody>
+      </p:sp>
+      <p:sp>
+        <p:nvSpPr>
+          <p:cNvPr id="71" name="矩形 70"/>
+          <p:cNvSpPr/>
+          <p:nvPr/>
+        </p:nvSpPr>
+        <p:spPr>
+          <a:xfrm>
+            <a:off x="4779348" y="5055325"/>
+            <a:ext cx="1117908" cy="502024"/>
+          </a:xfrm>
+          <a:prstGeom prst="rect">
+            <a:avLst/>
+          </a:prstGeom>
+        </p:spPr>
+        <p:style>
+          <a:lnRef idx="2">
+            <a:schemeClr val="accent1">
+              <a:shade val="50000"/>
+            </a:schemeClr>
+          </a:lnRef>
+          <a:fillRef idx="1">
+            <a:schemeClr val="accent1"/>
+          </a:fillRef>
+          <a:effectRef idx="0">
+            <a:schemeClr val="accent1"/>
+          </a:effectRef>
+          <a:fontRef idx="minor">
+            <a:schemeClr val="lt1"/>
+          </a:fontRef>
+        </p:style>
+        <p:txBody>
+          <a:bodyPr rtlCol="0" anchor="ctr"/>
+          <a:lstStyle/>
+          <a:p>
+            <a:pPr algn="ctr"/>
+            <a:r>
+              <a:rPr lang="en-US" altLang="zh-CN" smtClean="0"/>
+              <a:t>Selector</a:t>
+            </a:r>
+            <a:endParaRPr lang="zh-CN" altLang="en-US"/>
+          </a:p>
+        </p:txBody>
+      </p:sp>
+      <p:cxnSp>
+        <p:nvCxnSpPr>
+          <p:cNvPr id="73" name="直接箭头连接符 72"/>
+          <p:cNvCxnSpPr/>
+          <p:nvPr/>
+        </p:nvCxnSpPr>
+        <p:spPr>
+          <a:xfrm flipV="1">
+            <a:off x="5047136" y="4104980"/>
+            <a:ext cx="8965" cy="950345"/>
+          </a:xfrm>
+          <a:prstGeom prst="straightConnector1">
+            <a:avLst/>
+          </a:prstGeom>
+          <a:ln>
+            <a:tailEnd type="triangle"/>
+          </a:ln>
+        </p:spPr>
+        <p:style>
+          <a:lnRef idx="1">
+            <a:schemeClr val="accent1"/>
+          </a:lnRef>
+          <a:fillRef idx="0">
+            <a:schemeClr val="accent1"/>
+          </a:fillRef>
+          <a:effectRef idx="0">
+            <a:schemeClr val="accent1"/>
+          </a:effectRef>
+          <a:fontRef idx="minor">
+            <a:schemeClr val="tx1"/>
+          </a:fontRef>
+        </p:style>
+      </p:cxnSp>
+      <p:cxnSp>
+        <p:nvCxnSpPr>
+          <p:cNvPr id="75" name="直接箭头连接符 74"/>
+          <p:cNvCxnSpPr/>
+          <p:nvPr/>
+        </p:nvCxnSpPr>
+        <p:spPr>
+          <a:xfrm flipV="1">
+            <a:off x="5481641" y="4653564"/>
+            <a:ext cx="0" cy="401761"/>
+          </a:xfrm>
+          <a:prstGeom prst="straightConnector1">
+            <a:avLst/>
+          </a:prstGeom>
+          <a:ln>
+            <a:tailEnd type="triangle"/>
+          </a:ln>
+        </p:spPr>
+        <p:style>
+          <a:lnRef idx="1">
+            <a:schemeClr val="accent1"/>
+          </a:lnRef>
+          <a:fillRef idx="0">
+            <a:schemeClr val="accent1"/>
+          </a:fillRef>
+          <a:effectRef idx="0">
+            <a:schemeClr val="accent1"/>
+          </a:effectRef>
+          <a:fontRef idx="minor">
+            <a:schemeClr val="tx1"/>
+          </a:fontRef>
+        </p:style>
+      </p:cxnSp>
+      <p:sp>
+        <p:nvSpPr>
+          <p:cNvPr id="76" name="文本框 75"/>
+          <p:cNvSpPr txBox="1"/>
+          <p:nvPr/>
+        </p:nvSpPr>
+        <p:spPr>
+          <a:xfrm>
+            <a:off x="5020233" y="4771524"/>
+            <a:ext cx="654346" cy="261610"/>
+          </a:xfrm>
+          <a:prstGeom prst="rect">
+            <a:avLst/>
+          </a:prstGeom>
+          <a:noFill/>
+        </p:spPr>
+        <p:txBody>
+          <a:bodyPr wrap="none" rtlCol="0">
+            <a:spAutoFit/>
+          </a:bodyPr>
+          <a:lstStyle/>
+          <a:p>
+            <a:r>
+              <a:rPr lang="en-US" altLang="zh-CN" sz="1100"/>
+              <a:t>L</a:t>
+            </a:r>
+            <a:r>
+              <a:rPr lang="en-US" altLang="zh-CN" sz="1100" smtClean="0"/>
+              <a:t>istener</a:t>
+            </a:r>
+            <a:endParaRPr lang="zh-CN" altLang="en-US" sz="1100"/>
+          </a:p>
+        </p:txBody>
+      </p:sp>
+      <p:cxnSp>
+        <p:nvCxnSpPr>
+          <p:cNvPr id="78" name="肘形连接符 77"/>
+          <p:cNvCxnSpPr>
+            <a:endCxn id="18" idx="1"/>
+          </p:cNvCxnSpPr>
+          <p:nvPr/>
+        </p:nvCxnSpPr>
+        <p:spPr>
+          <a:xfrm rot="16200000" flipH="1">
+            <a:off x="2718746" y="3433732"/>
+            <a:ext cx="1048961" cy="520047"/>
+          </a:xfrm>
+          <a:prstGeom prst="bentConnector2">
+            <a:avLst/>
+          </a:prstGeom>
+          <a:ln>
+            <a:tailEnd type="triangle"/>
+          </a:ln>
+        </p:spPr>
+        <p:style>
+          <a:lnRef idx="1">
+            <a:schemeClr val="accent1"/>
+          </a:lnRef>
+          <a:fillRef idx="0">
+            <a:schemeClr val="accent1"/>
+          </a:fillRef>
+          <a:effectRef idx="0">
+            <a:schemeClr val="accent1"/>
+          </a:effectRef>
+          <a:fontRef idx="minor">
+            <a:schemeClr val="tx1"/>
+          </a:fontRef>
+        </p:style>
+      </p:cxnSp>
+      <p:cxnSp>
+        <p:nvCxnSpPr>
+          <p:cNvPr id="83" name="肘形连接符 82"/>
+          <p:cNvCxnSpPr/>
+          <p:nvPr/>
+        </p:nvCxnSpPr>
+        <p:spPr>
+          <a:xfrm rot="5400000" flipH="1" flipV="1">
+            <a:off x="6690204" y="3478784"/>
+            <a:ext cx="1059324" cy="486156"/>
+          </a:xfrm>
+          <a:prstGeom prst="bentConnector3">
+            <a:avLst>
+              <a:gd name="adj1" fmla="val 70"/>
+            </a:avLst>
+          </a:prstGeom>
+          <a:ln>
+            <a:tailEnd type="triangle"/>
+          </a:ln>
+        </p:spPr>
+        <p:style>
+          <a:lnRef idx="1">
+            <a:schemeClr val="accent1"/>
+          </a:lnRef>
+          <a:fillRef idx="0">
+            <a:schemeClr val="accent1"/>
+          </a:fillRef>
+          <a:effectRef idx="0">
+            <a:schemeClr val="accent1"/>
+          </a:effectRef>
+          <a:fontRef idx="minor">
+            <a:schemeClr val="tx1"/>
+          </a:fontRef>
+        </p:style>
+      </p:cxnSp>
+      <p:sp>
+        <p:nvSpPr>
+          <p:cNvPr id="89" name="文本框 88"/>
+          <p:cNvSpPr txBox="1"/>
+          <p:nvPr/>
+        </p:nvSpPr>
+        <p:spPr>
+          <a:xfrm>
+            <a:off x="5897256" y="5178167"/>
+            <a:ext cx="5139548" cy="430887"/>
+          </a:xfrm>
+          <a:prstGeom prst="rect">
+            <a:avLst/>
+          </a:prstGeom>
+          <a:noFill/>
+        </p:spPr>
+        <p:txBody>
+          <a:bodyPr wrap="none" rtlCol="0">
+            <a:spAutoFit/>
+          </a:bodyPr>
+          <a:lstStyle/>
+          <a:p>
+            <a:r>
+              <a:rPr kumimoji="1" lang="zh-CN" altLang="en-US" sz="1100" smtClean="0"/>
+              <a:t>当</a:t>
+            </a:r>
+            <a:r>
+              <a:rPr kumimoji="1" lang="en-US" altLang="zh-CN" sz="1100" smtClean="0"/>
+              <a:t>Selector</a:t>
+            </a:r>
+            <a:r>
+              <a:rPr kumimoji="1" lang="zh-CN" altLang="en-US" sz="1100" smtClean="0"/>
+              <a:t>监听</a:t>
+            </a:r>
+            <a:r>
+              <a:rPr kumimoji="1" lang="en-US" altLang="zh-CN" sz="1100" smtClean="0"/>
+              <a:t>channel</a:t>
+            </a:r>
+            <a:r>
+              <a:rPr kumimoji="1" lang="zh-CN" altLang="en-US" sz="1100" smtClean="0"/>
+              <a:t>通道有数据传输时，通过</a:t>
+            </a:r>
+            <a:r>
+              <a:rPr kumimoji="1" lang="en-US" altLang="zh-CN" sz="1100" smtClean="0"/>
+              <a:t>select()</a:t>
+            </a:r>
+            <a:r>
+              <a:rPr kumimoji="1" lang="zh-CN" altLang="en-US" sz="1100" smtClean="0"/>
+              <a:t>方法获取</a:t>
+            </a:r>
+            <a:r>
+              <a:rPr kumimoji="1" lang="en-US" altLang="zh-CN" sz="1100" smtClean="0"/>
+              <a:t>SocketChannel</a:t>
+            </a:r>
+            <a:r>
+              <a:rPr kumimoji="1" lang="zh-CN" altLang="en-US" sz="1100" smtClean="0"/>
+              <a:t>，</a:t>
+            </a:r>
+            <a:endParaRPr kumimoji="1" lang="en-US" altLang="zh-CN" sz="1100" smtClean="0"/>
+          </a:p>
+          <a:p>
+            <a:r>
+              <a:rPr kumimoji="1" lang="zh-CN" altLang="en-US" sz="1100" smtClean="0"/>
+              <a:t>将数据读取或写入</a:t>
+            </a:r>
+            <a:r>
+              <a:rPr kumimoji="1" lang="en-US" altLang="zh-CN" sz="1100" smtClean="0"/>
+              <a:t>Buffer</a:t>
+            </a:r>
+            <a:endParaRPr kumimoji="1" lang="zh-CN" altLang="en-US" sz="1100" dirty="0"/>
+          </a:p>
+        </p:txBody>
+      </p:sp>
     </p:spTree>
     <p:extLst>
       <p:ext uri="{BB962C8B-B14F-4D97-AF65-F5344CB8AC3E}">
-        <p14:creationId xmlns:p14="http://schemas.microsoft.com/office/powerpoint/2010/main" val="627570997"/>
+        <p14:creationId xmlns:p14="http://schemas.microsoft.com/office/powerpoint/2010/main" val="2036321160"/>
       </p:ext>
     </p:extLst>
   </p:cSld>
@@ -15303,7 +17228,7 @@
         <p:spPr>
           <a:xfrm>
             <a:off x="8629405" y="769806"/>
-            <a:ext cx="543739" cy="307777"/>
+            <a:ext cx="723275" cy="307777"/>
           </a:xfrm>
           <a:prstGeom prst="rect">
             <a:avLst/>
@@ -15318,7 +17243,7 @@
           <a:p>
             <a:r>
               <a:rPr kumimoji="1" lang="zh-CN" altLang="en-US" sz="1400" smtClean="0"/>
-              <a:t>主存</a:t>
+              <a:t>主内存</a:t>
             </a:r>
             <a:endParaRPr kumimoji="1" lang="zh-CN" altLang="en-US" sz="1400"/>
           </a:p>

--- a/doc/doc.pptx
+++ b/doc/doc.pptx
@@ -5,7 +5,7 @@
     <p:sldMasterId id="2147483648" r:id="rId1"/>
   </p:sldMasterIdLst>
   <p:notesMasterIdLst>
-    <p:notesMasterId r:id="rId18"/>
+    <p:notesMasterId r:id="rId19"/>
   </p:notesMasterIdLst>
   <p:sldIdLst>
     <p:sldId id="264" r:id="rId2"/>
@@ -24,6 +24,7 @@
     <p:sldId id="272" r:id="rId15"/>
     <p:sldId id="273" r:id="rId16"/>
     <p:sldId id="274" r:id="rId17"/>
+    <p:sldId id="275" r:id="rId18"/>
   </p:sldIdLst>
   <p:sldSz cx="12192000" cy="6858000"/>
   <p:notesSz cx="6858000" cy="9144000"/>
@@ -212,7 +213,7 @@
           <a:p>
             <a:fld id="{A3D7CE87-9499-D644-9D39-658681EEDA03}" type="datetimeFigureOut">
               <a:rPr kumimoji="1" lang="zh-CN" altLang="en-US" smtClean="0"/>
-              <a:t>2020/1/3</a:t>
+              <a:t>2020/1/8</a:t>
             </a:fld>
             <a:endParaRPr kumimoji="1" lang="zh-CN" altLang="en-US"/>
           </a:p>
@@ -1250,7 +1251,7 @@
           <a:p>
             <a:fld id="{79C7BEE9-4014-F74B-8041-D28506CB9C48}" type="datetimeFigureOut">
               <a:rPr kumimoji="1" lang="zh-CN" altLang="en-US" smtClean="0"/>
-              <a:t>2020/1/3</a:t>
+              <a:t>2020/1/8</a:t>
             </a:fld>
             <a:endParaRPr kumimoji="1" lang="zh-CN" altLang="en-US"/>
           </a:p>
@@ -1420,7 +1421,7 @@
           <a:p>
             <a:fld id="{79C7BEE9-4014-F74B-8041-D28506CB9C48}" type="datetimeFigureOut">
               <a:rPr kumimoji="1" lang="zh-CN" altLang="en-US" smtClean="0"/>
-              <a:t>2020/1/3</a:t>
+              <a:t>2020/1/8</a:t>
             </a:fld>
             <a:endParaRPr kumimoji="1" lang="zh-CN" altLang="en-US"/>
           </a:p>
@@ -1600,7 +1601,7 @@
           <a:p>
             <a:fld id="{79C7BEE9-4014-F74B-8041-D28506CB9C48}" type="datetimeFigureOut">
               <a:rPr kumimoji="1" lang="zh-CN" altLang="en-US" smtClean="0"/>
-              <a:t>2020/1/3</a:t>
+              <a:t>2020/1/8</a:t>
             </a:fld>
             <a:endParaRPr kumimoji="1" lang="zh-CN" altLang="en-US"/>
           </a:p>
@@ -1770,7 +1771,7 @@
           <a:p>
             <a:fld id="{79C7BEE9-4014-F74B-8041-D28506CB9C48}" type="datetimeFigureOut">
               <a:rPr kumimoji="1" lang="zh-CN" altLang="en-US" smtClean="0"/>
-              <a:t>2020/1/3</a:t>
+              <a:t>2020/1/8</a:t>
             </a:fld>
             <a:endParaRPr kumimoji="1" lang="zh-CN" altLang="en-US"/>
           </a:p>
@@ -2016,7 +2017,7 @@
           <a:p>
             <a:fld id="{79C7BEE9-4014-F74B-8041-D28506CB9C48}" type="datetimeFigureOut">
               <a:rPr kumimoji="1" lang="zh-CN" altLang="en-US" smtClean="0"/>
-              <a:t>2020/1/3</a:t>
+              <a:t>2020/1/8</a:t>
             </a:fld>
             <a:endParaRPr kumimoji="1" lang="zh-CN" altLang="en-US"/>
           </a:p>
@@ -2248,7 +2249,7 @@
           <a:p>
             <a:fld id="{79C7BEE9-4014-F74B-8041-D28506CB9C48}" type="datetimeFigureOut">
               <a:rPr kumimoji="1" lang="zh-CN" altLang="en-US" smtClean="0"/>
-              <a:t>2020/1/3</a:t>
+              <a:t>2020/1/8</a:t>
             </a:fld>
             <a:endParaRPr kumimoji="1" lang="zh-CN" altLang="en-US"/>
           </a:p>
@@ -2615,7 +2616,7 @@
           <a:p>
             <a:fld id="{79C7BEE9-4014-F74B-8041-D28506CB9C48}" type="datetimeFigureOut">
               <a:rPr kumimoji="1" lang="zh-CN" altLang="en-US" smtClean="0"/>
-              <a:t>2020/1/3</a:t>
+              <a:t>2020/1/8</a:t>
             </a:fld>
             <a:endParaRPr kumimoji="1" lang="zh-CN" altLang="en-US"/>
           </a:p>
@@ -2733,7 +2734,7 @@
           <a:p>
             <a:fld id="{79C7BEE9-4014-F74B-8041-D28506CB9C48}" type="datetimeFigureOut">
               <a:rPr kumimoji="1" lang="zh-CN" altLang="en-US" smtClean="0"/>
-              <a:t>2020/1/3</a:t>
+              <a:t>2020/1/8</a:t>
             </a:fld>
             <a:endParaRPr kumimoji="1" lang="zh-CN" altLang="en-US"/>
           </a:p>
@@ -2828,7 +2829,7 @@
           <a:p>
             <a:fld id="{79C7BEE9-4014-F74B-8041-D28506CB9C48}" type="datetimeFigureOut">
               <a:rPr kumimoji="1" lang="zh-CN" altLang="en-US" smtClean="0"/>
-              <a:t>2020/1/3</a:t>
+              <a:t>2020/1/8</a:t>
             </a:fld>
             <a:endParaRPr kumimoji="1" lang="zh-CN" altLang="en-US"/>
           </a:p>
@@ -3105,7 +3106,7 @@
           <a:p>
             <a:fld id="{79C7BEE9-4014-F74B-8041-D28506CB9C48}" type="datetimeFigureOut">
               <a:rPr kumimoji="1" lang="zh-CN" altLang="en-US" smtClean="0"/>
-              <a:t>2020/1/3</a:t>
+              <a:t>2020/1/8</a:t>
             </a:fld>
             <a:endParaRPr kumimoji="1" lang="zh-CN" altLang="en-US"/>
           </a:p>
@@ -3358,7 +3359,7 @@
           <a:p>
             <a:fld id="{79C7BEE9-4014-F74B-8041-D28506CB9C48}" type="datetimeFigureOut">
               <a:rPr kumimoji="1" lang="zh-CN" altLang="en-US" smtClean="0"/>
-              <a:t>2020/1/3</a:t>
+              <a:t>2020/1/8</a:t>
             </a:fld>
             <a:endParaRPr kumimoji="1" lang="zh-CN" altLang="en-US"/>
           </a:p>
@@ -3571,7 +3572,7 @@
           <a:p>
             <a:fld id="{79C7BEE9-4014-F74B-8041-D28506CB9C48}" type="datetimeFigureOut">
               <a:rPr kumimoji="1" lang="zh-CN" altLang="en-US" smtClean="0"/>
-              <a:t>2020/1/3</a:t>
+              <a:t>2020/1/8</a:t>
             </a:fld>
             <a:endParaRPr kumimoji="1" lang="zh-CN" altLang="en-US"/>
           </a:p>
@@ -10194,11 +10195,7 @@
             </a:r>
             <a:r>
               <a:rPr kumimoji="1" lang="en-US" altLang="zh-CN" sz="1200" smtClean="0"/>
-              <a:t>B</a:t>
-            </a:r>
-            <a:r>
-              <a:rPr kumimoji="1" lang="en-US" altLang="zh-CN" sz="1200" smtClean="0"/>
-              <a:t>uffer</a:t>
+              <a:t>Buffer</a:t>
             </a:r>
             <a:r>
               <a:rPr kumimoji="1" lang="zh-CN" altLang="en-US" sz="1200" smtClean="0"/>
@@ -10210,11 +10207,7 @@
             </a:r>
             <a:r>
               <a:rPr kumimoji="1" lang="zh-CN" altLang="en-US" sz="1200" smtClean="0"/>
-              <a:t>传输</a:t>
-            </a:r>
-            <a:r>
-              <a:rPr kumimoji="1" lang="zh-CN" altLang="en-US" sz="1200" smtClean="0"/>
-              <a:t>的数据</a:t>
+              <a:t>传输的数据</a:t>
             </a:r>
             <a:r>
               <a:rPr kumimoji="1" lang="en-US" altLang="zh-CN" sz="1200" smtClean="0"/>
@@ -10226,11 +10219,7 @@
             </a:r>
             <a:r>
               <a:rPr kumimoji="1" lang="en-US" altLang="zh-CN" sz="1200" smtClean="0"/>
-              <a:t>S</a:t>
-            </a:r>
-            <a:r>
-              <a:rPr kumimoji="1" lang="en-US" altLang="zh-CN" sz="1200" smtClean="0"/>
-              <a:t>elector</a:t>
+              <a:t>Selector</a:t>
             </a:r>
             <a:r>
               <a:rPr kumimoji="1" lang="zh-CN" altLang="en-US" sz="1200" smtClean="0"/>
@@ -11676,6 +11665,701 @@
     <p:extLst>
       <p:ext uri="{BB962C8B-B14F-4D97-AF65-F5344CB8AC3E}">
         <p14:creationId xmlns:p14="http://schemas.microsoft.com/office/powerpoint/2010/main" val="2036321160"/>
+      </p:ext>
+    </p:extLst>
+  </p:cSld>
+  <p:clrMapOvr>
+    <a:masterClrMapping/>
+  </p:clrMapOvr>
+</p:sld>
+</file>
+
+<file path=ppt/slides/slide17.xml><?xml version="1.0" encoding="utf-8"?>
+<p:sld xmlns:a="http://schemas.openxmlformats.org/drawingml/2006/main" xmlns:r="http://schemas.openxmlformats.org/officeDocument/2006/relationships" xmlns:p="http://schemas.openxmlformats.org/presentationml/2006/main">
+  <p:cSld>
+    <p:spTree>
+      <p:nvGrpSpPr>
+        <p:cNvPr id="1" name=""/>
+        <p:cNvGrpSpPr/>
+        <p:nvPr/>
+      </p:nvGrpSpPr>
+      <p:grpSpPr>
+        <a:xfrm>
+          <a:off x="0" y="0"/>
+          <a:ext cx="0" cy="0"/>
+          <a:chOff x="0" y="0"/>
+          <a:chExt cx="0" cy="0"/>
+        </a:xfrm>
+      </p:grpSpPr>
+      <p:sp>
+        <p:nvSpPr>
+          <p:cNvPr id="4" name="文本框 3"/>
+          <p:cNvSpPr txBox="1"/>
+          <p:nvPr/>
+        </p:nvSpPr>
+        <p:spPr>
+          <a:xfrm>
+            <a:off x="501805" y="323385"/>
+            <a:ext cx="2872902" cy="307777"/>
+          </a:xfrm>
+          <a:prstGeom prst="rect">
+            <a:avLst/>
+          </a:prstGeom>
+          <a:noFill/>
+        </p:spPr>
+        <p:txBody>
+          <a:bodyPr wrap="none" rtlCol="0">
+            <a:spAutoFit/>
+          </a:bodyPr>
+          <a:lstStyle/>
+          <a:p>
+            <a:r>
+              <a:rPr kumimoji="1" lang="zh-CN" altLang="en-US" sz="1400" smtClean="0"/>
+              <a:t>如何处理跨域名共享</a:t>
+            </a:r>
+            <a:r>
+              <a:rPr kumimoji="1" lang="en-US" altLang="zh-CN" sz="1400" smtClean="0"/>
+              <a:t>Cookie</a:t>
+            </a:r>
+            <a:r>
+              <a:rPr kumimoji="1" lang="zh-CN" altLang="en-US" sz="1400" smtClean="0"/>
+              <a:t>问题：</a:t>
+            </a:r>
+            <a:endParaRPr kumimoji="1" lang="zh-CN" altLang="en-US" sz="1400" dirty="0"/>
+          </a:p>
+        </p:txBody>
+      </p:sp>
+      <p:sp>
+        <p:nvSpPr>
+          <p:cNvPr id="5" name="椭圆 4"/>
+          <p:cNvSpPr/>
+          <p:nvPr/>
+        </p:nvSpPr>
+        <p:spPr>
+          <a:xfrm>
+            <a:off x="849086" y="2789853"/>
+            <a:ext cx="774440" cy="475861"/>
+          </a:xfrm>
+          <a:prstGeom prst="ellipse">
+            <a:avLst/>
+          </a:prstGeom>
+          <a:noFill/>
+        </p:spPr>
+        <p:style>
+          <a:lnRef idx="2">
+            <a:schemeClr val="accent1">
+              <a:shade val="50000"/>
+            </a:schemeClr>
+          </a:lnRef>
+          <a:fillRef idx="1">
+            <a:schemeClr val="accent1"/>
+          </a:fillRef>
+          <a:effectRef idx="0">
+            <a:schemeClr val="accent1"/>
+          </a:effectRef>
+          <a:fontRef idx="minor">
+            <a:schemeClr val="lt1"/>
+          </a:fontRef>
+        </p:style>
+        <p:txBody>
+          <a:bodyPr rtlCol="0" anchor="ctr"/>
+          <a:lstStyle/>
+          <a:p>
+            <a:pPr algn="ctr"/>
+            <a:endParaRPr lang="zh-CN" altLang="en-US"/>
+          </a:p>
+        </p:txBody>
+      </p:sp>
+      <p:sp>
+        <p:nvSpPr>
+          <p:cNvPr id="6" name="圆角矩形 5"/>
+          <p:cNvSpPr/>
+          <p:nvPr/>
+        </p:nvSpPr>
+        <p:spPr>
+          <a:xfrm>
+            <a:off x="2649894" y="4049485"/>
+            <a:ext cx="942391" cy="419878"/>
+          </a:xfrm>
+          <a:prstGeom prst="roundRect">
+            <a:avLst/>
+          </a:prstGeom>
+          <a:noFill/>
+        </p:spPr>
+        <p:style>
+          <a:lnRef idx="2">
+            <a:schemeClr val="accent1">
+              <a:shade val="50000"/>
+            </a:schemeClr>
+          </a:lnRef>
+          <a:fillRef idx="1">
+            <a:schemeClr val="accent1"/>
+          </a:fillRef>
+          <a:effectRef idx="0">
+            <a:schemeClr val="accent1"/>
+          </a:effectRef>
+          <a:fontRef idx="minor">
+            <a:schemeClr val="lt1"/>
+          </a:fontRef>
+        </p:style>
+        <p:txBody>
+          <a:bodyPr rtlCol="0" anchor="ctr"/>
+          <a:lstStyle/>
+          <a:p>
+            <a:pPr algn="ctr"/>
+            <a:endParaRPr lang="zh-CN" altLang="en-US"/>
+          </a:p>
+        </p:txBody>
+      </p:sp>
+      <p:sp>
+        <p:nvSpPr>
+          <p:cNvPr id="7" name="圆角矩形 6"/>
+          <p:cNvSpPr/>
+          <p:nvPr/>
+        </p:nvSpPr>
+        <p:spPr>
+          <a:xfrm>
+            <a:off x="2649894" y="1491237"/>
+            <a:ext cx="942391" cy="419878"/>
+          </a:xfrm>
+          <a:prstGeom prst="roundRect">
+            <a:avLst/>
+          </a:prstGeom>
+          <a:noFill/>
+        </p:spPr>
+        <p:style>
+          <a:lnRef idx="2">
+            <a:schemeClr val="accent1">
+              <a:shade val="50000"/>
+            </a:schemeClr>
+          </a:lnRef>
+          <a:fillRef idx="1">
+            <a:schemeClr val="accent1"/>
+          </a:fillRef>
+          <a:effectRef idx="0">
+            <a:schemeClr val="accent1"/>
+          </a:effectRef>
+          <a:fontRef idx="minor">
+            <a:schemeClr val="lt1"/>
+          </a:fontRef>
+        </p:style>
+        <p:txBody>
+          <a:bodyPr rtlCol="0" anchor="ctr"/>
+          <a:lstStyle/>
+          <a:p>
+            <a:pPr algn="ctr"/>
+            <a:endParaRPr lang="zh-CN" altLang="en-US"/>
+          </a:p>
+        </p:txBody>
+      </p:sp>
+      <p:cxnSp>
+        <p:nvCxnSpPr>
+          <p:cNvPr id="9" name="直接箭头连接符 8"/>
+          <p:cNvCxnSpPr>
+            <a:stCxn id="5" idx="6"/>
+            <a:endCxn id="7" idx="2"/>
+          </p:cNvCxnSpPr>
+          <p:nvPr/>
+        </p:nvCxnSpPr>
+        <p:spPr>
+          <a:xfrm flipV="1">
+            <a:off x="1623526" y="1911115"/>
+            <a:ext cx="1497564" cy="1116669"/>
+          </a:xfrm>
+          <a:prstGeom prst="straightConnector1">
+            <a:avLst/>
+          </a:prstGeom>
+          <a:ln>
+            <a:tailEnd type="triangle"/>
+          </a:ln>
+        </p:spPr>
+        <p:style>
+          <a:lnRef idx="1">
+            <a:schemeClr val="accent1"/>
+          </a:lnRef>
+          <a:fillRef idx="0">
+            <a:schemeClr val="accent1"/>
+          </a:fillRef>
+          <a:effectRef idx="0">
+            <a:schemeClr val="accent1"/>
+          </a:effectRef>
+          <a:fontRef idx="minor">
+            <a:schemeClr val="tx1"/>
+          </a:fontRef>
+        </p:style>
+      </p:cxnSp>
+      <p:cxnSp>
+        <p:nvCxnSpPr>
+          <p:cNvPr id="12" name="直接箭头连接符 11"/>
+          <p:cNvCxnSpPr>
+            <a:stCxn id="5" idx="6"/>
+            <a:endCxn id="6" idx="0"/>
+          </p:cNvCxnSpPr>
+          <p:nvPr/>
+        </p:nvCxnSpPr>
+        <p:spPr>
+          <a:xfrm>
+            <a:off x="1623526" y="3027784"/>
+            <a:ext cx="1497564" cy="1021701"/>
+          </a:xfrm>
+          <a:prstGeom prst="straightConnector1">
+            <a:avLst/>
+          </a:prstGeom>
+          <a:ln>
+            <a:tailEnd type="triangle"/>
+          </a:ln>
+        </p:spPr>
+        <p:style>
+          <a:lnRef idx="1">
+            <a:schemeClr val="accent1"/>
+          </a:lnRef>
+          <a:fillRef idx="0">
+            <a:schemeClr val="accent1"/>
+          </a:fillRef>
+          <a:effectRef idx="0">
+            <a:schemeClr val="accent1"/>
+          </a:effectRef>
+          <a:fontRef idx="minor">
+            <a:schemeClr val="tx1"/>
+          </a:fontRef>
+        </p:style>
+      </p:cxnSp>
+      <p:sp>
+        <p:nvSpPr>
+          <p:cNvPr id="14" name="文本框 13"/>
+          <p:cNvSpPr txBox="1"/>
+          <p:nvPr/>
+        </p:nvSpPr>
+        <p:spPr>
+          <a:xfrm>
+            <a:off x="2761861" y="1203649"/>
+            <a:ext cx="492443" cy="276999"/>
+          </a:xfrm>
+          <a:prstGeom prst="rect">
+            <a:avLst/>
+          </a:prstGeom>
+          <a:noFill/>
+        </p:spPr>
+        <p:txBody>
+          <a:bodyPr wrap="none" rtlCol="0">
+            <a:spAutoFit/>
+          </a:bodyPr>
+          <a:lstStyle/>
+          <a:p>
+            <a:r>
+              <a:rPr lang="zh-CN" altLang="en-US" sz="1200" smtClean="0"/>
+              <a:t>淘宝</a:t>
+            </a:r>
+            <a:endParaRPr lang="zh-CN" altLang="en-US" sz="1200"/>
+          </a:p>
+        </p:txBody>
+      </p:sp>
+      <p:sp>
+        <p:nvSpPr>
+          <p:cNvPr id="15" name="文本框 14"/>
+          <p:cNvSpPr txBox="1"/>
+          <p:nvPr/>
+        </p:nvSpPr>
+        <p:spPr>
+          <a:xfrm>
+            <a:off x="2761861" y="4537785"/>
+            <a:ext cx="492443" cy="276999"/>
+          </a:xfrm>
+          <a:prstGeom prst="rect">
+            <a:avLst/>
+          </a:prstGeom>
+          <a:noFill/>
+        </p:spPr>
+        <p:txBody>
+          <a:bodyPr wrap="none" rtlCol="0">
+            <a:spAutoFit/>
+          </a:bodyPr>
+          <a:lstStyle/>
+          <a:p>
+            <a:r>
+              <a:rPr lang="zh-CN" altLang="en-US" sz="1200" smtClean="0"/>
+              <a:t>天猫</a:t>
+            </a:r>
+            <a:endParaRPr lang="zh-CN" altLang="en-US" sz="1200"/>
+          </a:p>
+        </p:txBody>
+      </p:sp>
+      <p:sp>
+        <p:nvSpPr>
+          <p:cNvPr id="16" name="文本框 15"/>
+          <p:cNvSpPr txBox="1"/>
+          <p:nvPr/>
+        </p:nvSpPr>
+        <p:spPr>
+          <a:xfrm rot="19382220">
+            <a:off x="1941815" y="2209252"/>
+            <a:ext cx="973343" cy="276999"/>
+          </a:xfrm>
+          <a:prstGeom prst="rect">
+            <a:avLst/>
+          </a:prstGeom>
+          <a:noFill/>
+        </p:spPr>
+        <p:txBody>
+          <a:bodyPr wrap="none" rtlCol="0">
+            <a:spAutoFit/>
+          </a:bodyPr>
+          <a:lstStyle/>
+          <a:p>
+            <a:r>
+              <a:rPr lang="en-US" altLang="zh-CN" sz="1200"/>
+              <a:t>t</a:t>
+            </a:r>
+            <a:r>
+              <a:rPr lang="en-US" altLang="zh-CN" sz="1200" smtClean="0"/>
+              <a:t>aobao.com</a:t>
+            </a:r>
+            <a:endParaRPr lang="zh-CN" altLang="en-US" sz="1200"/>
+          </a:p>
+        </p:txBody>
+      </p:sp>
+      <p:sp>
+        <p:nvSpPr>
+          <p:cNvPr id="17" name="文本框 16"/>
+          <p:cNvSpPr txBox="1"/>
+          <p:nvPr/>
+        </p:nvSpPr>
+        <p:spPr>
+          <a:xfrm rot="2119116">
+            <a:off x="1910777" y="3325197"/>
+            <a:ext cx="1045479" cy="276999"/>
+          </a:xfrm>
+          <a:prstGeom prst="rect">
+            <a:avLst/>
+          </a:prstGeom>
+          <a:noFill/>
+        </p:spPr>
+        <p:txBody>
+          <a:bodyPr wrap="none" rtlCol="0">
+            <a:spAutoFit/>
+          </a:bodyPr>
+          <a:lstStyle/>
+          <a:p>
+            <a:r>
+              <a:rPr lang="en-US" altLang="zh-CN" sz="1200" smtClean="0"/>
+              <a:t>tianmao.com</a:t>
+            </a:r>
+            <a:endParaRPr lang="zh-CN" altLang="en-US" sz="1200"/>
+          </a:p>
+        </p:txBody>
+      </p:sp>
+      <p:sp>
+        <p:nvSpPr>
+          <p:cNvPr id="18" name="文本框 17"/>
+          <p:cNvSpPr txBox="1"/>
+          <p:nvPr/>
+        </p:nvSpPr>
+        <p:spPr>
+          <a:xfrm>
+            <a:off x="926782" y="3380600"/>
+            <a:ext cx="492443" cy="276999"/>
+          </a:xfrm>
+          <a:prstGeom prst="rect">
+            <a:avLst/>
+          </a:prstGeom>
+          <a:noFill/>
+        </p:spPr>
+        <p:txBody>
+          <a:bodyPr wrap="none" rtlCol="0">
+            <a:spAutoFit/>
+          </a:bodyPr>
+          <a:lstStyle/>
+          <a:p>
+            <a:r>
+              <a:rPr lang="zh-CN" altLang="en-US" sz="1200"/>
+              <a:t>用户</a:t>
+            </a:r>
+          </a:p>
+        </p:txBody>
+      </p:sp>
+      <p:sp>
+        <p:nvSpPr>
+          <p:cNvPr id="19" name="圆角矩形 18"/>
+          <p:cNvSpPr/>
+          <p:nvPr/>
+        </p:nvSpPr>
+        <p:spPr>
+          <a:xfrm>
+            <a:off x="4892351" y="2713010"/>
+            <a:ext cx="1499118" cy="629548"/>
+          </a:xfrm>
+          <a:prstGeom prst="roundRect">
+            <a:avLst/>
+          </a:prstGeom>
+          <a:noFill/>
+        </p:spPr>
+        <p:style>
+          <a:lnRef idx="2">
+            <a:schemeClr val="accent1">
+              <a:shade val="50000"/>
+            </a:schemeClr>
+          </a:lnRef>
+          <a:fillRef idx="1">
+            <a:schemeClr val="accent1"/>
+          </a:fillRef>
+          <a:effectRef idx="0">
+            <a:schemeClr val="accent1"/>
+          </a:effectRef>
+          <a:fontRef idx="minor">
+            <a:schemeClr val="lt1"/>
+          </a:fontRef>
+        </p:style>
+        <p:txBody>
+          <a:bodyPr rtlCol="0" anchor="ctr"/>
+          <a:lstStyle/>
+          <a:p>
+            <a:pPr algn="ctr"/>
+            <a:endParaRPr lang="zh-CN" altLang="en-US"/>
+          </a:p>
+        </p:txBody>
+      </p:sp>
+      <p:sp>
+        <p:nvSpPr>
+          <p:cNvPr id="20" name="文本框 19"/>
+          <p:cNvSpPr txBox="1"/>
+          <p:nvPr/>
+        </p:nvSpPr>
+        <p:spPr>
+          <a:xfrm>
+            <a:off x="4780384" y="2209251"/>
+            <a:ext cx="1877437" cy="461665"/>
+          </a:xfrm>
+          <a:prstGeom prst="rect">
+            <a:avLst/>
+          </a:prstGeom>
+          <a:noFill/>
+        </p:spPr>
+        <p:txBody>
+          <a:bodyPr wrap="none" rtlCol="0">
+            <a:spAutoFit/>
+          </a:bodyPr>
+          <a:lstStyle/>
+          <a:p>
+            <a:r>
+              <a:rPr lang="zh-CN" altLang="en-US" sz="1200" smtClean="0"/>
+              <a:t>允许登录多个域名的中间</a:t>
+            </a:r>
+            <a:endParaRPr lang="en-US" altLang="zh-CN" sz="1200" smtClean="0"/>
+          </a:p>
+          <a:p>
+            <a:r>
+              <a:rPr lang="zh-CN" altLang="en-US" sz="1200" smtClean="0"/>
+              <a:t>跳转应用</a:t>
+            </a:r>
+            <a:endParaRPr lang="zh-CN" altLang="en-US" sz="1200"/>
+          </a:p>
+        </p:txBody>
+      </p:sp>
+      <p:cxnSp>
+        <p:nvCxnSpPr>
+          <p:cNvPr id="22" name="直接箭头连接符 21"/>
+          <p:cNvCxnSpPr>
+            <a:stCxn id="5" idx="6"/>
+          </p:cNvCxnSpPr>
+          <p:nvPr/>
+        </p:nvCxnSpPr>
+        <p:spPr>
+          <a:xfrm flipV="1">
+            <a:off x="1623526" y="2789853"/>
+            <a:ext cx="3268825" cy="237931"/>
+          </a:xfrm>
+          <a:prstGeom prst="straightConnector1">
+            <a:avLst/>
+          </a:prstGeom>
+          <a:ln>
+            <a:tailEnd type="triangle"/>
+          </a:ln>
+        </p:spPr>
+        <p:style>
+          <a:lnRef idx="1">
+            <a:schemeClr val="accent1"/>
+          </a:lnRef>
+          <a:fillRef idx="0">
+            <a:schemeClr val="accent1"/>
+          </a:fillRef>
+          <a:effectRef idx="0">
+            <a:schemeClr val="accent1"/>
+          </a:effectRef>
+          <a:fontRef idx="minor">
+            <a:schemeClr val="tx1"/>
+          </a:fontRef>
+        </p:style>
+      </p:cxnSp>
+      <p:cxnSp>
+        <p:nvCxnSpPr>
+          <p:cNvPr id="24" name="直接箭头连接符 23"/>
+          <p:cNvCxnSpPr>
+            <a:endCxn id="5" idx="6"/>
+          </p:cNvCxnSpPr>
+          <p:nvPr/>
+        </p:nvCxnSpPr>
+        <p:spPr>
+          <a:xfrm flipH="1">
+            <a:off x="1623526" y="2895304"/>
+            <a:ext cx="3268825" cy="132480"/>
+          </a:xfrm>
+          <a:prstGeom prst="straightConnector1">
+            <a:avLst/>
+          </a:prstGeom>
+          <a:ln>
+            <a:tailEnd type="triangle"/>
+          </a:ln>
+        </p:spPr>
+        <p:style>
+          <a:lnRef idx="1">
+            <a:schemeClr val="accent1"/>
+          </a:lnRef>
+          <a:fillRef idx="0">
+            <a:schemeClr val="accent1"/>
+          </a:fillRef>
+          <a:effectRef idx="0">
+            <a:schemeClr val="accent1"/>
+          </a:effectRef>
+          <a:fontRef idx="minor">
+            <a:schemeClr val="tx1"/>
+          </a:fontRef>
+        </p:style>
+      </p:cxnSp>
+      <p:cxnSp>
+        <p:nvCxnSpPr>
+          <p:cNvPr id="26" name="直接箭头连接符 25"/>
+          <p:cNvCxnSpPr>
+            <a:stCxn id="5" idx="6"/>
+          </p:cNvCxnSpPr>
+          <p:nvPr/>
+        </p:nvCxnSpPr>
+        <p:spPr>
+          <a:xfrm>
+            <a:off x="1623526" y="3027784"/>
+            <a:ext cx="3268825" cy="118937"/>
+          </a:xfrm>
+          <a:prstGeom prst="straightConnector1">
+            <a:avLst/>
+          </a:prstGeom>
+          <a:ln>
+            <a:tailEnd type="triangle"/>
+          </a:ln>
+        </p:spPr>
+        <p:style>
+          <a:lnRef idx="1">
+            <a:schemeClr val="accent1"/>
+          </a:lnRef>
+          <a:fillRef idx="0">
+            <a:schemeClr val="accent1"/>
+          </a:fillRef>
+          <a:effectRef idx="0">
+            <a:schemeClr val="accent1"/>
+          </a:effectRef>
+          <a:fontRef idx="minor">
+            <a:schemeClr val="tx1"/>
+          </a:fontRef>
+        </p:style>
+      </p:cxnSp>
+      <p:cxnSp>
+        <p:nvCxnSpPr>
+          <p:cNvPr id="28" name="直接箭头连接符 27"/>
+          <p:cNvCxnSpPr>
+            <a:endCxn id="5" idx="6"/>
+          </p:cNvCxnSpPr>
+          <p:nvPr/>
+        </p:nvCxnSpPr>
+        <p:spPr>
+          <a:xfrm flipH="1" flipV="1">
+            <a:off x="1623526" y="3027784"/>
+            <a:ext cx="3268825" cy="237930"/>
+          </a:xfrm>
+          <a:prstGeom prst="straightConnector1">
+            <a:avLst/>
+          </a:prstGeom>
+          <a:ln>
+            <a:tailEnd type="triangle"/>
+          </a:ln>
+        </p:spPr>
+        <p:style>
+          <a:lnRef idx="1">
+            <a:schemeClr val="accent1"/>
+          </a:lnRef>
+          <a:fillRef idx="0">
+            <a:schemeClr val="accent1"/>
+          </a:fillRef>
+          <a:effectRef idx="0">
+            <a:schemeClr val="accent1"/>
+          </a:effectRef>
+          <a:fontRef idx="minor">
+            <a:schemeClr val="tx1"/>
+          </a:fontRef>
+        </p:style>
+      </p:cxnSp>
+      <p:sp>
+        <p:nvSpPr>
+          <p:cNvPr id="29" name="文本框 28"/>
+          <p:cNvSpPr txBox="1"/>
+          <p:nvPr/>
+        </p:nvSpPr>
+        <p:spPr>
+          <a:xfrm>
+            <a:off x="4892351" y="3434509"/>
+            <a:ext cx="2287806" cy="430887"/>
+          </a:xfrm>
+          <a:prstGeom prst="rect">
+            <a:avLst/>
+          </a:prstGeom>
+          <a:noFill/>
+        </p:spPr>
+        <p:txBody>
+          <a:bodyPr wrap="none" rtlCol="0">
+            <a:spAutoFit/>
+          </a:bodyPr>
+          <a:lstStyle/>
+          <a:p>
+            <a:r>
+              <a:rPr lang="zh-CN" altLang="en-US" sz="1100" smtClean="0"/>
+              <a:t>目的通过一个域名后去</a:t>
+            </a:r>
+            <a:r>
+              <a:rPr lang="en-US" altLang="zh-CN" sz="1100" smtClean="0"/>
+              <a:t>sessionId</a:t>
+            </a:r>
+            <a:r>
+              <a:rPr lang="zh-CN" altLang="en-US" sz="1100" smtClean="0"/>
+              <a:t>，</a:t>
+            </a:r>
+            <a:endParaRPr lang="en-US" altLang="zh-CN" sz="1100" smtClean="0"/>
+          </a:p>
+          <a:p>
+            <a:r>
+              <a:rPr lang="zh-CN" altLang="en-US" sz="1100" smtClean="0"/>
+              <a:t>将</a:t>
+            </a:r>
+            <a:r>
+              <a:rPr lang="en-US" altLang="zh-CN" sz="1100" smtClean="0"/>
+              <a:t>sessionId</a:t>
+            </a:r>
+            <a:r>
+              <a:rPr lang="zh-CN" altLang="en-US" sz="1100" smtClean="0"/>
+              <a:t>同步到另</a:t>
+            </a:r>
+            <a:r>
+              <a:rPr lang="zh-CN" altLang="en-US" sz="1100"/>
+              <a:t>一</a:t>
+            </a:r>
+            <a:r>
+              <a:rPr lang="zh-CN" altLang="en-US" sz="1100" smtClean="0"/>
+              <a:t>个域名下</a:t>
+            </a:r>
+            <a:endParaRPr lang="zh-CN" altLang="en-US" sz="1100"/>
+          </a:p>
+        </p:txBody>
+      </p:sp>
+    </p:spTree>
+    <p:extLst>
+      <p:ext uri="{BB962C8B-B14F-4D97-AF65-F5344CB8AC3E}">
+        <p14:creationId xmlns:p14="http://schemas.microsoft.com/office/powerpoint/2010/main" val="1524821486"/>
       </p:ext>
     </p:extLst>
   </p:cSld>

--- a/doc/doc.pptx
+++ b/doc/doc.pptx
@@ -213,7 +213,7 @@
           <a:p>
             <a:fld id="{A3D7CE87-9499-D644-9D39-658681EEDA03}" type="datetimeFigureOut">
               <a:rPr kumimoji="1" lang="zh-CN" altLang="en-US" smtClean="0"/>
-              <a:t>2020/1/8</a:t>
+              <a:t>2020/1/17</a:t>
             </a:fld>
             <a:endParaRPr kumimoji="1" lang="zh-CN" altLang="en-US"/>
           </a:p>
@@ -1251,7 +1251,7 @@
           <a:p>
             <a:fld id="{79C7BEE9-4014-F74B-8041-D28506CB9C48}" type="datetimeFigureOut">
               <a:rPr kumimoji="1" lang="zh-CN" altLang="en-US" smtClean="0"/>
-              <a:t>2020/1/8</a:t>
+              <a:t>2020/1/17</a:t>
             </a:fld>
             <a:endParaRPr kumimoji="1" lang="zh-CN" altLang="en-US"/>
           </a:p>
@@ -1421,7 +1421,7 @@
           <a:p>
             <a:fld id="{79C7BEE9-4014-F74B-8041-D28506CB9C48}" type="datetimeFigureOut">
               <a:rPr kumimoji="1" lang="zh-CN" altLang="en-US" smtClean="0"/>
-              <a:t>2020/1/8</a:t>
+              <a:t>2020/1/17</a:t>
             </a:fld>
             <a:endParaRPr kumimoji="1" lang="zh-CN" altLang="en-US"/>
           </a:p>
@@ -1601,7 +1601,7 @@
           <a:p>
             <a:fld id="{79C7BEE9-4014-F74B-8041-D28506CB9C48}" type="datetimeFigureOut">
               <a:rPr kumimoji="1" lang="zh-CN" altLang="en-US" smtClean="0"/>
-              <a:t>2020/1/8</a:t>
+              <a:t>2020/1/17</a:t>
             </a:fld>
             <a:endParaRPr kumimoji="1" lang="zh-CN" altLang="en-US"/>
           </a:p>
@@ -1771,7 +1771,7 @@
           <a:p>
             <a:fld id="{79C7BEE9-4014-F74B-8041-D28506CB9C48}" type="datetimeFigureOut">
               <a:rPr kumimoji="1" lang="zh-CN" altLang="en-US" smtClean="0"/>
-              <a:t>2020/1/8</a:t>
+              <a:t>2020/1/17</a:t>
             </a:fld>
             <a:endParaRPr kumimoji="1" lang="zh-CN" altLang="en-US"/>
           </a:p>
@@ -2017,7 +2017,7 @@
           <a:p>
             <a:fld id="{79C7BEE9-4014-F74B-8041-D28506CB9C48}" type="datetimeFigureOut">
               <a:rPr kumimoji="1" lang="zh-CN" altLang="en-US" smtClean="0"/>
-              <a:t>2020/1/8</a:t>
+              <a:t>2020/1/17</a:t>
             </a:fld>
             <a:endParaRPr kumimoji="1" lang="zh-CN" altLang="en-US"/>
           </a:p>
@@ -2249,7 +2249,7 @@
           <a:p>
             <a:fld id="{79C7BEE9-4014-F74B-8041-D28506CB9C48}" type="datetimeFigureOut">
               <a:rPr kumimoji="1" lang="zh-CN" altLang="en-US" smtClean="0"/>
-              <a:t>2020/1/8</a:t>
+              <a:t>2020/1/17</a:t>
             </a:fld>
             <a:endParaRPr kumimoji="1" lang="zh-CN" altLang="en-US"/>
           </a:p>
@@ -2616,7 +2616,7 @@
           <a:p>
             <a:fld id="{79C7BEE9-4014-F74B-8041-D28506CB9C48}" type="datetimeFigureOut">
               <a:rPr kumimoji="1" lang="zh-CN" altLang="en-US" smtClean="0"/>
-              <a:t>2020/1/8</a:t>
+              <a:t>2020/1/17</a:t>
             </a:fld>
             <a:endParaRPr kumimoji="1" lang="zh-CN" altLang="en-US"/>
           </a:p>
@@ -2734,7 +2734,7 @@
           <a:p>
             <a:fld id="{79C7BEE9-4014-F74B-8041-D28506CB9C48}" type="datetimeFigureOut">
               <a:rPr kumimoji="1" lang="zh-CN" altLang="en-US" smtClean="0"/>
-              <a:t>2020/1/8</a:t>
+              <a:t>2020/1/17</a:t>
             </a:fld>
             <a:endParaRPr kumimoji="1" lang="zh-CN" altLang="en-US"/>
           </a:p>
@@ -2829,7 +2829,7 @@
           <a:p>
             <a:fld id="{79C7BEE9-4014-F74B-8041-D28506CB9C48}" type="datetimeFigureOut">
               <a:rPr kumimoji="1" lang="zh-CN" altLang="en-US" smtClean="0"/>
-              <a:t>2020/1/8</a:t>
+              <a:t>2020/1/17</a:t>
             </a:fld>
             <a:endParaRPr kumimoji="1" lang="zh-CN" altLang="en-US"/>
           </a:p>
@@ -3106,7 +3106,7 @@
           <a:p>
             <a:fld id="{79C7BEE9-4014-F74B-8041-D28506CB9C48}" type="datetimeFigureOut">
               <a:rPr kumimoji="1" lang="zh-CN" altLang="en-US" smtClean="0"/>
-              <a:t>2020/1/8</a:t>
+              <a:t>2020/1/17</a:t>
             </a:fld>
             <a:endParaRPr kumimoji="1" lang="zh-CN" altLang="en-US"/>
           </a:p>
@@ -3359,7 +3359,7 @@
           <a:p>
             <a:fld id="{79C7BEE9-4014-F74B-8041-D28506CB9C48}" type="datetimeFigureOut">
               <a:rPr kumimoji="1" lang="zh-CN" altLang="en-US" smtClean="0"/>
-              <a:t>2020/1/8</a:t>
+              <a:t>2020/1/17</a:t>
             </a:fld>
             <a:endParaRPr kumimoji="1" lang="zh-CN" altLang="en-US"/>
           </a:p>
@@ -3572,7 +3572,7 @@
           <a:p>
             <a:fld id="{79C7BEE9-4014-F74B-8041-D28506CB9C48}" type="datetimeFigureOut">
               <a:rPr kumimoji="1" lang="zh-CN" altLang="en-US" smtClean="0"/>
-              <a:t>2020/1/8</a:t>
+              <a:t>2020/1/17</a:t>
             </a:fld>
             <a:endParaRPr kumimoji="1" lang="zh-CN" altLang="en-US"/>
           </a:p>
@@ -7402,6 +7402,64 @@
           </a:p>
         </p:txBody>
       </p:sp>
+      <p:sp>
+        <p:nvSpPr>
+          <p:cNvPr id="32" name="文本框 31"/>
+          <p:cNvSpPr txBox="1"/>
+          <p:nvPr/>
+        </p:nvSpPr>
+        <p:spPr>
+          <a:xfrm>
+            <a:off x="190589" y="2207270"/>
+            <a:ext cx="2270173" cy="261610"/>
+          </a:xfrm>
+          <a:prstGeom prst="rect">
+            <a:avLst/>
+          </a:prstGeom>
+          <a:noFill/>
+        </p:spPr>
+        <p:txBody>
+          <a:bodyPr wrap="none" rtlCol="0">
+            <a:spAutoFit/>
+          </a:bodyPr>
+          <a:lstStyle/>
+          <a:p>
+            <a:r>
+              <a:rPr kumimoji="1" lang="zh-CN" altLang="en-US" sz="1100"/>
+              <a:t> </a:t>
+            </a:r>
+            <a:r>
+              <a:rPr kumimoji="1" lang="zh-CN" altLang="en-US" sz="1100" smtClean="0"/>
+              <a:t> </a:t>
+            </a:r>
+            <a:r>
+              <a:rPr kumimoji="1" lang="en-US" altLang="zh-CN" sz="1100" smtClean="0"/>
+              <a:t>tomcat</a:t>
+            </a:r>
+            <a:r>
+              <a:rPr kumimoji="1" lang="zh-CN" altLang="en-US" sz="1100" smtClean="0"/>
+              <a:t>：</a:t>
+            </a:r>
+            <a:r>
+              <a:rPr kumimoji="1" lang="en-US" altLang="zh-CN" sz="1100" smtClean="0"/>
+              <a:t>web</a:t>
+            </a:r>
+            <a:r>
+              <a:rPr kumimoji="1" lang="zh-CN" altLang="en-US" sz="1100" smtClean="0"/>
+              <a:t>服务器</a:t>
+            </a:r>
+            <a:r>
+              <a:rPr kumimoji="1" lang="en-US" altLang="zh-CN" sz="1100" smtClean="0"/>
+              <a:t>+servlet</a:t>
+            </a:r>
+            <a:r>
+              <a:rPr kumimoji="1" lang="zh-CN" altLang="en-US" sz="1100" smtClean="0"/>
+              <a:t>容器</a:t>
+            </a:r>
+            <a:endParaRPr kumimoji="1" lang="en-US" altLang="zh-CN" sz="1100" smtClean="0"/>
+          </a:p>
+        </p:txBody>
+      </p:sp>
     </p:spTree>
     <p:extLst>
       <p:ext uri="{BB962C8B-B14F-4D97-AF65-F5344CB8AC3E}">
@@ -7771,7 +7829,7 @@
         <p:spPr>
           <a:xfrm>
             <a:off x="7357729" y="316921"/>
-            <a:ext cx="3353803" cy="461665"/>
+            <a:ext cx="3937296" cy="461665"/>
           </a:xfrm>
           <a:prstGeom prst="rect">
             <a:avLst/>
@@ -7790,15 +7848,15 @@
             </a:r>
             <a:r>
               <a:rPr lang="zh-CN" altLang="en-US" sz="1200" smtClean="0"/>
-              <a:t>：底层有个</a:t>
+              <a:t>：封装了当前线程</a:t>
             </a:r>
             <a:r>
               <a:rPr lang="en-US" altLang="zh-CN" sz="1200" smtClean="0"/>
-              <a:t>node</a:t>
+              <a:t>Thread</a:t>
             </a:r>
             <a:r>
               <a:rPr lang="zh-CN" altLang="en-US" sz="1200" smtClean="0"/>
-              <a:t>，封装了当前线程的信息</a:t>
+              <a:t>的信息，共享锁、独占锁</a:t>
             </a:r>
             <a:endParaRPr lang="en-US" altLang="zh-CN" sz="1200" smtClean="0"/>
           </a:p>
@@ -7812,6 +7870,96 @@
               <a:t>：状态值</a:t>
             </a:r>
             <a:endParaRPr lang="zh-CN" altLang="en-US" sz="1200"/>
+          </a:p>
+        </p:txBody>
+      </p:sp>
+      <p:sp>
+        <p:nvSpPr>
+          <p:cNvPr id="2" name="文本框 1"/>
+          <p:cNvSpPr txBox="1"/>
+          <p:nvPr/>
+        </p:nvSpPr>
+        <p:spPr>
+          <a:xfrm>
+            <a:off x="4280809" y="3894348"/>
+            <a:ext cx="495649" cy="261610"/>
+          </a:xfrm>
+          <a:prstGeom prst="rect">
+            <a:avLst/>
+          </a:prstGeom>
+          <a:noFill/>
+        </p:spPr>
+        <p:txBody>
+          <a:bodyPr wrap="none" rtlCol="0">
+            <a:spAutoFit/>
+          </a:bodyPr>
+          <a:lstStyle/>
+          <a:p>
+            <a:r>
+              <a:rPr lang="en-US" altLang="zh-CN" sz="1100" smtClean="0"/>
+              <a:t>node</a:t>
+            </a:r>
+            <a:endParaRPr lang="zh-CN" altLang="en-US" sz="1100"/>
+          </a:p>
+        </p:txBody>
+      </p:sp>
+      <p:sp>
+        <p:nvSpPr>
+          <p:cNvPr id="10" name="文本框 9"/>
+          <p:cNvSpPr txBox="1"/>
+          <p:nvPr/>
+        </p:nvSpPr>
+        <p:spPr>
+          <a:xfrm>
+            <a:off x="4776458" y="4344816"/>
+            <a:ext cx="495649" cy="261610"/>
+          </a:xfrm>
+          <a:prstGeom prst="rect">
+            <a:avLst/>
+          </a:prstGeom>
+          <a:noFill/>
+        </p:spPr>
+        <p:txBody>
+          <a:bodyPr wrap="none" rtlCol="0">
+            <a:spAutoFit/>
+          </a:bodyPr>
+          <a:lstStyle/>
+          <a:p>
+            <a:r>
+              <a:rPr lang="en-US" altLang="zh-CN" sz="1100" smtClean="0"/>
+              <a:t>node</a:t>
+            </a:r>
+            <a:endParaRPr lang="zh-CN" altLang="en-US" sz="1100"/>
+          </a:p>
+        </p:txBody>
+      </p:sp>
+      <p:sp>
+        <p:nvSpPr>
+          <p:cNvPr id="11" name="文本框 10"/>
+          <p:cNvSpPr txBox="1"/>
+          <p:nvPr/>
+        </p:nvSpPr>
+        <p:spPr>
+          <a:xfrm>
+            <a:off x="5971578" y="4475621"/>
+            <a:ext cx="495649" cy="261610"/>
+          </a:xfrm>
+          <a:prstGeom prst="rect">
+            <a:avLst/>
+          </a:prstGeom>
+          <a:noFill/>
+        </p:spPr>
+        <p:txBody>
+          <a:bodyPr wrap="none" rtlCol="0">
+            <a:spAutoFit/>
+          </a:bodyPr>
+          <a:lstStyle/>
+          <a:p>
+            <a:r>
+              <a:rPr lang="en-US" altLang="zh-CN" sz="1100" smtClean="0"/>
+              <a:t>node</a:t>
+            </a:r>
+            <a:endParaRPr lang="zh-CN" altLang="en-US" sz="1100"/>
           </a:p>
         </p:txBody>
       </p:sp>
@@ -13936,7 +14084,7 @@
             </a:r>
             <a:r>
               <a:rPr kumimoji="1" lang="zh-CN" altLang="en-US" sz="1050" smtClean="0"/>
-              <a:t>：当准备触发</a:t>
+              <a:t>触发条件：当准备触发</a:t>
             </a:r>
             <a:r>
               <a:rPr kumimoji="1" lang="en-US" altLang="zh-CN" sz="1050" smtClean="0"/>
@@ -19452,7 +19600,7 @@
         <p:spPr>
           <a:xfrm>
             <a:off x="2549913" y="2771078"/>
-            <a:ext cx="918117" cy="1276815"/>
+            <a:ext cx="1144263" cy="1276815"/>
           </a:xfrm>
           <a:prstGeom prst="rect">
             <a:avLst/>
@@ -19525,7 +19673,15 @@
                   <a:schemeClr val="tx1"/>
                 </a:solidFill>
               </a:rPr>
-              <a:t>5.CMS</a:t>
+              <a:t>5.CMS </a:t>
+            </a:r>
+            <a:r>
+              <a:rPr kumimoji="1" lang="zh-CN" altLang="en-US" sz="1200" smtClean="0">
+                <a:solidFill>
+                  <a:schemeClr val="tx1"/>
+                </a:solidFill>
+              </a:rPr>
+              <a:t>老年代</a:t>
             </a:r>
             <a:endParaRPr kumimoji="1" lang="zh-CN" altLang="en-US" sz="1200">
               <a:solidFill>

--- a/doc/doc.pptx
+++ b/doc/doc.pptx
@@ -213,7 +213,7 @@
           <a:p>
             <a:fld id="{A3D7CE87-9499-D644-9D39-658681EEDA03}" type="datetimeFigureOut">
               <a:rPr kumimoji="1" lang="zh-CN" altLang="en-US" smtClean="0"/>
-              <a:t>2020/1/17</a:t>
+              <a:t>2020/2/5</a:t>
             </a:fld>
             <a:endParaRPr kumimoji="1" lang="zh-CN" altLang="en-US"/>
           </a:p>
@@ -1251,7 +1251,7 @@
           <a:p>
             <a:fld id="{79C7BEE9-4014-F74B-8041-D28506CB9C48}" type="datetimeFigureOut">
               <a:rPr kumimoji="1" lang="zh-CN" altLang="en-US" smtClean="0"/>
-              <a:t>2020/1/17</a:t>
+              <a:t>2020/2/5</a:t>
             </a:fld>
             <a:endParaRPr kumimoji="1" lang="zh-CN" altLang="en-US"/>
           </a:p>
@@ -1421,7 +1421,7 @@
           <a:p>
             <a:fld id="{79C7BEE9-4014-F74B-8041-D28506CB9C48}" type="datetimeFigureOut">
               <a:rPr kumimoji="1" lang="zh-CN" altLang="en-US" smtClean="0"/>
-              <a:t>2020/1/17</a:t>
+              <a:t>2020/2/5</a:t>
             </a:fld>
             <a:endParaRPr kumimoji="1" lang="zh-CN" altLang="en-US"/>
           </a:p>
@@ -1601,7 +1601,7 @@
           <a:p>
             <a:fld id="{79C7BEE9-4014-F74B-8041-D28506CB9C48}" type="datetimeFigureOut">
               <a:rPr kumimoji="1" lang="zh-CN" altLang="en-US" smtClean="0"/>
-              <a:t>2020/1/17</a:t>
+              <a:t>2020/2/5</a:t>
             </a:fld>
             <a:endParaRPr kumimoji="1" lang="zh-CN" altLang="en-US"/>
           </a:p>
@@ -1771,7 +1771,7 @@
           <a:p>
             <a:fld id="{79C7BEE9-4014-F74B-8041-D28506CB9C48}" type="datetimeFigureOut">
               <a:rPr kumimoji="1" lang="zh-CN" altLang="en-US" smtClean="0"/>
-              <a:t>2020/1/17</a:t>
+              <a:t>2020/2/5</a:t>
             </a:fld>
             <a:endParaRPr kumimoji="1" lang="zh-CN" altLang="en-US"/>
           </a:p>
@@ -2017,7 +2017,7 @@
           <a:p>
             <a:fld id="{79C7BEE9-4014-F74B-8041-D28506CB9C48}" type="datetimeFigureOut">
               <a:rPr kumimoji="1" lang="zh-CN" altLang="en-US" smtClean="0"/>
-              <a:t>2020/1/17</a:t>
+              <a:t>2020/2/5</a:t>
             </a:fld>
             <a:endParaRPr kumimoji="1" lang="zh-CN" altLang="en-US"/>
           </a:p>
@@ -2249,7 +2249,7 @@
           <a:p>
             <a:fld id="{79C7BEE9-4014-F74B-8041-D28506CB9C48}" type="datetimeFigureOut">
               <a:rPr kumimoji="1" lang="zh-CN" altLang="en-US" smtClean="0"/>
-              <a:t>2020/1/17</a:t>
+              <a:t>2020/2/5</a:t>
             </a:fld>
             <a:endParaRPr kumimoji="1" lang="zh-CN" altLang="en-US"/>
           </a:p>
@@ -2616,7 +2616,7 @@
           <a:p>
             <a:fld id="{79C7BEE9-4014-F74B-8041-D28506CB9C48}" type="datetimeFigureOut">
               <a:rPr kumimoji="1" lang="zh-CN" altLang="en-US" smtClean="0"/>
-              <a:t>2020/1/17</a:t>
+              <a:t>2020/2/5</a:t>
             </a:fld>
             <a:endParaRPr kumimoji="1" lang="zh-CN" altLang="en-US"/>
           </a:p>
@@ -2734,7 +2734,7 @@
           <a:p>
             <a:fld id="{79C7BEE9-4014-F74B-8041-D28506CB9C48}" type="datetimeFigureOut">
               <a:rPr kumimoji="1" lang="zh-CN" altLang="en-US" smtClean="0"/>
-              <a:t>2020/1/17</a:t>
+              <a:t>2020/2/5</a:t>
             </a:fld>
             <a:endParaRPr kumimoji="1" lang="zh-CN" altLang="en-US"/>
           </a:p>
@@ -2829,7 +2829,7 @@
           <a:p>
             <a:fld id="{79C7BEE9-4014-F74B-8041-D28506CB9C48}" type="datetimeFigureOut">
               <a:rPr kumimoji="1" lang="zh-CN" altLang="en-US" smtClean="0"/>
-              <a:t>2020/1/17</a:t>
+              <a:t>2020/2/5</a:t>
             </a:fld>
             <a:endParaRPr kumimoji="1" lang="zh-CN" altLang="en-US"/>
           </a:p>
@@ -3106,7 +3106,7 @@
           <a:p>
             <a:fld id="{79C7BEE9-4014-F74B-8041-D28506CB9C48}" type="datetimeFigureOut">
               <a:rPr kumimoji="1" lang="zh-CN" altLang="en-US" smtClean="0"/>
-              <a:t>2020/1/17</a:t>
+              <a:t>2020/2/5</a:t>
             </a:fld>
             <a:endParaRPr kumimoji="1" lang="zh-CN" altLang="en-US"/>
           </a:p>
@@ -3359,7 +3359,7 @@
           <a:p>
             <a:fld id="{79C7BEE9-4014-F74B-8041-D28506CB9C48}" type="datetimeFigureOut">
               <a:rPr kumimoji="1" lang="zh-CN" altLang="en-US" smtClean="0"/>
-              <a:t>2020/1/17</a:t>
+              <a:t>2020/2/5</a:t>
             </a:fld>
             <a:endParaRPr kumimoji="1" lang="zh-CN" altLang="en-US"/>
           </a:p>
@@ -3572,7 +3572,7 @@
           <a:p>
             <a:fld id="{79C7BEE9-4014-F74B-8041-D28506CB9C48}" type="datetimeFigureOut">
               <a:rPr kumimoji="1" lang="zh-CN" altLang="en-US" smtClean="0"/>
-              <a:t>2020/1/17</a:t>
+              <a:t>2020/2/5</a:t>
             </a:fld>
             <a:endParaRPr kumimoji="1" lang="zh-CN" altLang="en-US"/>
           </a:p>

--- a/doc/doc.pptx
+++ b/doc/doc.pptx
@@ -5,7 +5,7 @@
     <p:sldMasterId id="2147483648" r:id="rId1"/>
   </p:sldMasterIdLst>
   <p:notesMasterIdLst>
-    <p:notesMasterId r:id="rId19"/>
+    <p:notesMasterId r:id="rId20"/>
   </p:notesMasterIdLst>
   <p:sldIdLst>
     <p:sldId id="264" r:id="rId2"/>
@@ -25,6 +25,7 @@
     <p:sldId id="273" r:id="rId16"/>
     <p:sldId id="274" r:id="rId17"/>
     <p:sldId id="275" r:id="rId18"/>
+    <p:sldId id="276" r:id="rId19"/>
   </p:sldIdLst>
   <p:sldSz cx="12192000" cy="6858000"/>
   <p:notesSz cx="6858000" cy="9144000"/>
@@ -213,7 +214,7 @@
           <a:p>
             <a:fld id="{A3D7CE87-9499-D644-9D39-658681EEDA03}" type="datetimeFigureOut">
               <a:rPr kumimoji="1" lang="zh-CN" altLang="en-US" smtClean="0"/>
-              <a:t>2020/2/7</a:t>
+              <a:t>2020/2/12</a:t>
             </a:fld>
             <a:endParaRPr kumimoji="1" lang="zh-CN" altLang="en-US"/>
           </a:p>
@@ -1251,7 +1252,7 @@
           <a:p>
             <a:fld id="{79C7BEE9-4014-F74B-8041-D28506CB9C48}" type="datetimeFigureOut">
               <a:rPr kumimoji="1" lang="zh-CN" altLang="en-US" smtClean="0"/>
-              <a:t>2020/2/7</a:t>
+              <a:t>2020/2/12</a:t>
             </a:fld>
             <a:endParaRPr kumimoji="1" lang="zh-CN" altLang="en-US"/>
           </a:p>
@@ -1421,7 +1422,7 @@
           <a:p>
             <a:fld id="{79C7BEE9-4014-F74B-8041-D28506CB9C48}" type="datetimeFigureOut">
               <a:rPr kumimoji="1" lang="zh-CN" altLang="en-US" smtClean="0"/>
-              <a:t>2020/2/7</a:t>
+              <a:t>2020/2/12</a:t>
             </a:fld>
             <a:endParaRPr kumimoji="1" lang="zh-CN" altLang="en-US"/>
           </a:p>
@@ -1601,7 +1602,7 @@
           <a:p>
             <a:fld id="{79C7BEE9-4014-F74B-8041-D28506CB9C48}" type="datetimeFigureOut">
               <a:rPr kumimoji="1" lang="zh-CN" altLang="en-US" smtClean="0"/>
-              <a:t>2020/2/7</a:t>
+              <a:t>2020/2/12</a:t>
             </a:fld>
             <a:endParaRPr kumimoji="1" lang="zh-CN" altLang="en-US"/>
           </a:p>
@@ -1771,7 +1772,7 @@
           <a:p>
             <a:fld id="{79C7BEE9-4014-F74B-8041-D28506CB9C48}" type="datetimeFigureOut">
               <a:rPr kumimoji="1" lang="zh-CN" altLang="en-US" smtClean="0"/>
-              <a:t>2020/2/7</a:t>
+              <a:t>2020/2/12</a:t>
             </a:fld>
             <a:endParaRPr kumimoji="1" lang="zh-CN" altLang="en-US"/>
           </a:p>
@@ -2017,7 +2018,7 @@
           <a:p>
             <a:fld id="{79C7BEE9-4014-F74B-8041-D28506CB9C48}" type="datetimeFigureOut">
               <a:rPr kumimoji="1" lang="zh-CN" altLang="en-US" smtClean="0"/>
-              <a:t>2020/2/7</a:t>
+              <a:t>2020/2/12</a:t>
             </a:fld>
             <a:endParaRPr kumimoji="1" lang="zh-CN" altLang="en-US"/>
           </a:p>
@@ -2249,7 +2250,7 @@
           <a:p>
             <a:fld id="{79C7BEE9-4014-F74B-8041-D28506CB9C48}" type="datetimeFigureOut">
               <a:rPr kumimoji="1" lang="zh-CN" altLang="en-US" smtClean="0"/>
-              <a:t>2020/2/7</a:t>
+              <a:t>2020/2/12</a:t>
             </a:fld>
             <a:endParaRPr kumimoji="1" lang="zh-CN" altLang="en-US"/>
           </a:p>
@@ -2616,7 +2617,7 @@
           <a:p>
             <a:fld id="{79C7BEE9-4014-F74B-8041-D28506CB9C48}" type="datetimeFigureOut">
               <a:rPr kumimoji="1" lang="zh-CN" altLang="en-US" smtClean="0"/>
-              <a:t>2020/2/7</a:t>
+              <a:t>2020/2/12</a:t>
             </a:fld>
             <a:endParaRPr kumimoji="1" lang="zh-CN" altLang="en-US"/>
           </a:p>
@@ -2734,7 +2735,7 @@
           <a:p>
             <a:fld id="{79C7BEE9-4014-F74B-8041-D28506CB9C48}" type="datetimeFigureOut">
               <a:rPr kumimoji="1" lang="zh-CN" altLang="en-US" smtClean="0"/>
-              <a:t>2020/2/7</a:t>
+              <a:t>2020/2/12</a:t>
             </a:fld>
             <a:endParaRPr kumimoji="1" lang="zh-CN" altLang="en-US"/>
           </a:p>
@@ -2829,7 +2830,7 @@
           <a:p>
             <a:fld id="{79C7BEE9-4014-F74B-8041-D28506CB9C48}" type="datetimeFigureOut">
               <a:rPr kumimoji="1" lang="zh-CN" altLang="en-US" smtClean="0"/>
-              <a:t>2020/2/7</a:t>
+              <a:t>2020/2/12</a:t>
             </a:fld>
             <a:endParaRPr kumimoji="1" lang="zh-CN" altLang="en-US"/>
           </a:p>
@@ -3106,7 +3107,7 @@
           <a:p>
             <a:fld id="{79C7BEE9-4014-F74B-8041-D28506CB9C48}" type="datetimeFigureOut">
               <a:rPr kumimoji="1" lang="zh-CN" altLang="en-US" smtClean="0"/>
-              <a:t>2020/2/7</a:t>
+              <a:t>2020/2/12</a:t>
             </a:fld>
             <a:endParaRPr kumimoji="1" lang="zh-CN" altLang="en-US"/>
           </a:p>
@@ -3359,7 +3360,7 @@
           <a:p>
             <a:fld id="{79C7BEE9-4014-F74B-8041-D28506CB9C48}" type="datetimeFigureOut">
               <a:rPr kumimoji="1" lang="zh-CN" altLang="en-US" smtClean="0"/>
-              <a:t>2020/2/7</a:t>
+              <a:t>2020/2/12</a:t>
             </a:fld>
             <a:endParaRPr kumimoji="1" lang="zh-CN" altLang="en-US"/>
           </a:p>
@@ -3572,7 +3573,7 @@
           <a:p>
             <a:fld id="{79C7BEE9-4014-F74B-8041-D28506CB9C48}" type="datetimeFigureOut">
               <a:rPr kumimoji="1" lang="zh-CN" altLang="en-US" smtClean="0"/>
-              <a:t>2020/2/7</a:t>
+              <a:t>2020/2/12</a:t>
             </a:fld>
             <a:endParaRPr kumimoji="1" lang="zh-CN" altLang="en-US"/>
           </a:p>
@@ -11866,11 +11867,11 @@
               <a:t>如何处理跨域名共享</a:t>
             </a:r>
             <a:r>
-              <a:rPr kumimoji="1" lang="en-US" altLang="zh-CN" sz="1400" smtClean="0"/>
+              <a:rPr kumimoji="1" lang="en-US" altLang="zh-CN" sz="1400" dirty="0" smtClean="0"/>
               <a:t>Cookie</a:t>
             </a:r>
             <a:r>
-              <a:rPr kumimoji="1" lang="zh-CN" altLang="en-US" sz="1400" smtClean="0"/>
+              <a:rPr kumimoji="1" lang="zh-CN" altLang="en-US" sz="1400" dirty="0" smtClean="0"/>
               <a:t>问题：</a:t>
             </a:r>
             <a:endParaRPr kumimoji="1" lang="zh-CN" altLang="en-US" sz="1400" dirty="0"/>
@@ -12508,6 +12509,989 @@
     <p:extLst>
       <p:ext uri="{BB962C8B-B14F-4D97-AF65-F5344CB8AC3E}">
         <p14:creationId xmlns:p14="http://schemas.microsoft.com/office/powerpoint/2010/main" val="1524821486"/>
+      </p:ext>
+    </p:extLst>
+  </p:cSld>
+  <p:clrMapOvr>
+    <a:masterClrMapping/>
+  </p:clrMapOvr>
+</p:sld>
+</file>
+
+<file path=ppt/slides/slide18.xml><?xml version="1.0" encoding="utf-8"?>
+<p:sld xmlns:a="http://schemas.openxmlformats.org/drawingml/2006/main" xmlns:r="http://schemas.openxmlformats.org/officeDocument/2006/relationships" xmlns:p="http://schemas.openxmlformats.org/presentationml/2006/main">
+  <p:cSld>
+    <p:spTree>
+      <p:nvGrpSpPr>
+        <p:cNvPr id="1" name=""/>
+        <p:cNvGrpSpPr/>
+        <p:nvPr/>
+      </p:nvGrpSpPr>
+      <p:grpSpPr>
+        <a:xfrm>
+          <a:off x="0" y="0"/>
+          <a:ext cx="0" cy="0"/>
+          <a:chOff x="0" y="0"/>
+          <a:chExt cx="0" cy="0"/>
+        </a:xfrm>
+      </p:grpSpPr>
+      <p:cxnSp>
+        <p:nvCxnSpPr>
+          <p:cNvPr id="5" name="直线连接符 4"/>
+          <p:cNvCxnSpPr/>
+          <p:nvPr/>
+        </p:nvCxnSpPr>
+        <p:spPr>
+          <a:xfrm>
+            <a:off x="5486400" y="1140449"/>
+            <a:ext cx="11575" cy="3466277"/>
+          </a:xfrm>
+          <a:prstGeom prst="line">
+            <a:avLst/>
+          </a:prstGeom>
+        </p:spPr>
+        <p:style>
+          <a:lnRef idx="1">
+            <a:schemeClr val="accent1"/>
+          </a:lnRef>
+          <a:fillRef idx="0">
+            <a:schemeClr val="accent1"/>
+          </a:fillRef>
+          <a:effectRef idx="0">
+            <a:schemeClr val="accent1"/>
+          </a:effectRef>
+          <a:fontRef idx="minor">
+            <a:schemeClr val="tx1"/>
+          </a:fontRef>
+        </p:style>
+      </p:cxnSp>
+      <p:sp>
+        <p:nvSpPr>
+          <p:cNvPr id="7" name="矩形 6"/>
+          <p:cNvSpPr/>
+          <p:nvPr/>
+        </p:nvSpPr>
+        <p:spPr>
+          <a:xfrm>
+            <a:off x="2685326" y="2268639"/>
+            <a:ext cx="1435261" cy="277792"/>
+          </a:xfrm>
+          <a:prstGeom prst="rect">
+            <a:avLst/>
+          </a:prstGeom>
+        </p:spPr>
+        <p:style>
+          <a:lnRef idx="2">
+            <a:schemeClr val="accent1">
+              <a:shade val="50000"/>
+            </a:schemeClr>
+          </a:lnRef>
+          <a:fillRef idx="1">
+            <a:schemeClr val="accent1"/>
+          </a:fillRef>
+          <a:effectRef idx="0">
+            <a:schemeClr val="accent1"/>
+          </a:effectRef>
+          <a:fontRef idx="minor">
+            <a:schemeClr val="lt1"/>
+          </a:fontRef>
+        </p:style>
+        <p:txBody>
+          <a:bodyPr rtlCol="0" anchor="ctr"/>
+          <a:lstStyle/>
+          <a:p>
+            <a:pPr algn="ctr"/>
+            <a:endParaRPr kumimoji="1" lang="zh-CN" altLang="en-US"/>
+          </a:p>
+        </p:txBody>
+      </p:sp>
+      <p:sp>
+        <p:nvSpPr>
+          <p:cNvPr id="9" name="矩形 8"/>
+          <p:cNvSpPr/>
+          <p:nvPr/>
+        </p:nvSpPr>
+        <p:spPr>
+          <a:xfrm>
+            <a:off x="2685326" y="3547642"/>
+            <a:ext cx="1435261" cy="277792"/>
+          </a:xfrm>
+          <a:prstGeom prst="rect">
+            <a:avLst/>
+          </a:prstGeom>
+        </p:spPr>
+        <p:style>
+          <a:lnRef idx="2">
+            <a:schemeClr val="accent1">
+              <a:shade val="50000"/>
+            </a:schemeClr>
+          </a:lnRef>
+          <a:fillRef idx="1">
+            <a:schemeClr val="accent1"/>
+          </a:fillRef>
+          <a:effectRef idx="0">
+            <a:schemeClr val="accent1"/>
+          </a:effectRef>
+          <a:fontRef idx="minor">
+            <a:schemeClr val="lt1"/>
+          </a:fontRef>
+        </p:style>
+        <p:txBody>
+          <a:bodyPr rtlCol="0" anchor="ctr"/>
+          <a:lstStyle/>
+          <a:p>
+            <a:pPr algn="ctr"/>
+            <a:endParaRPr kumimoji="1" lang="zh-CN" altLang="en-US"/>
+          </a:p>
+        </p:txBody>
+      </p:sp>
+      <p:sp>
+        <p:nvSpPr>
+          <p:cNvPr id="10" name="矩形 9"/>
+          <p:cNvSpPr/>
+          <p:nvPr/>
+        </p:nvSpPr>
+        <p:spPr>
+          <a:xfrm>
+            <a:off x="6956387" y="3547642"/>
+            <a:ext cx="1435261" cy="277792"/>
+          </a:xfrm>
+          <a:prstGeom prst="rect">
+            <a:avLst/>
+          </a:prstGeom>
+        </p:spPr>
+        <p:style>
+          <a:lnRef idx="2">
+            <a:schemeClr val="accent1">
+              <a:shade val="50000"/>
+            </a:schemeClr>
+          </a:lnRef>
+          <a:fillRef idx="1">
+            <a:schemeClr val="accent1"/>
+          </a:fillRef>
+          <a:effectRef idx="0">
+            <a:schemeClr val="accent1"/>
+          </a:effectRef>
+          <a:fontRef idx="minor">
+            <a:schemeClr val="lt1"/>
+          </a:fontRef>
+        </p:style>
+        <p:txBody>
+          <a:bodyPr rtlCol="0" anchor="ctr"/>
+          <a:lstStyle/>
+          <a:p>
+            <a:pPr algn="ctr"/>
+            <a:endParaRPr kumimoji="1" lang="zh-CN" altLang="en-US"/>
+          </a:p>
+        </p:txBody>
+      </p:sp>
+      <p:sp>
+        <p:nvSpPr>
+          <p:cNvPr id="11" name="矩形 10"/>
+          <p:cNvSpPr/>
+          <p:nvPr/>
+        </p:nvSpPr>
+        <p:spPr>
+          <a:xfrm>
+            <a:off x="6956387" y="2268639"/>
+            <a:ext cx="1435261" cy="277792"/>
+          </a:xfrm>
+          <a:prstGeom prst="rect">
+            <a:avLst/>
+          </a:prstGeom>
+        </p:spPr>
+        <p:style>
+          <a:lnRef idx="2">
+            <a:schemeClr val="accent1">
+              <a:shade val="50000"/>
+            </a:schemeClr>
+          </a:lnRef>
+          <a:fillRef idx="1">
+            <a:schemeClr val="accent1"/>
+          </a:fillRef>
+          <a:effectRef idx="0">
+            <a:schemeClr val="accent1"/>
+          </a:effectRef>
+          <a:fontRef idx="minor">
+            <a:schemeClr val="lt1"/>
+          </a:fontRef>
+        </p:style>
+        <p:txBody>
+          <a:bodyPr rtlCol="0" anchor="ctr"/>
+          <a:lstStyle/>
+          <a:p>
+            <a:pPr algn="ctr"/>
+            <a:endParaRPr kumimoji="1" lang="zh-CN" altLang="en-US"/>
+          </a:p>
+        </p:txBody>
+      </p:sp>
+      <p:sp>
+        <p:nvSpPr>
+          <p:cNvPr id="13" name="文本框 12"/>
+          <p:cNvSpPr txBox="1"/>
+          <p:nvPr/>
+        </p:nvSpPr>
+        <p:spPr>
+          <a:xfrm>
+            <a:off x="501805" y="323385"/>
+            <a:ext cx="4493538" cy="307777"/>
+          </a:xfrm>
+          <a:prstGeom prst="rect">
+            <a:avLst/>
+          </a:prstGeom>
+          <a:noFill/>
+        </p:spPr>
+        <p:txBody>
+          <a:bodyPr wrap="none" rtlCol="0">
+            <a:spAutoFit/>
+          </a:bodyPr>
+          <a:lstStyle/>
+          <a:p>
+            <a:r>
+              <a:rPr kumimoji="1" lang="zh-CN" altLang="en-US" sz="1400" dirty="0" smtClean="0"/>
+              <a:t>分布式事务：本质是保持不同数据库之间的数据一致性</a:t>
+            </a:r>
+            <a:endParaRPr kumimoji="1" lang="zh-CN" altLang="en-US" sz="1400" dirty="0"/>
+          </a:p>
+        </p:txBody>
+      </p:sp>
+      <p:cxnSp>
+        <p:nvCxnSpPr>
+          <p:cNvPr id="15" name="直线箭头连接符 14"/>
+          <p:cNvCxnSpPr>
+            <a:endCxn id="7" idx="3"/>
+          </p:cNvCxnSpPr>
+          <p:nvPr/>
+        </p:nvCxnSpPr>
+        <p:spPr>
+          <a:xfrm flipH="1">
+            <a:off x="4120587" y="1493135"/>
+            <a:ext cx="1365813" cy="914400"/>
+          </a:xfrm>
+          <a:prstGeom prst="straightConnector1">
+            <a:avLst/>
+          </a:prstGeom>
+          <a:ln>
+            <a:tailEnd type="triangle"/>
+          </a:ln>
+        </p:spPr>
+        <p:style>
+          <a:lnRef idx="1">
+            <a:schemeClr val="accent1"/>
+          </a:lnRef>
+          <a:fillRef idx="0">
+            <a:schemeClr val="accent1"/>
+          </a:fillRef>
+          <a:effectRef idx="0">
+            <a:schemeClr val="accent1"/>
+          </a:effectRef>
+          <a:fontRef idx="minor">
+            <a:schemeClr val="tx1"/>
+          </a:fontRef>
+        </p:style>
+      </p:cxnSp>
+      <p:cxnSp>
+        <p:nvCxnSpPr>
+          <p:cNvPr id="17" name="直线箭头连接符 16"/>
+          <p:cNvCxnSpPr>
+            <a:endCxn id="11" idx="1"/>
+          </p:cNvCxnSpPr>
+          <p:nvPr/>
+        </p:nvCxnSpPr>
+        <p:spPr>
+          <a:xfrm>
+            <a:off x="5497975" y="1493135"/>
+            <a:ext cx="1458412" cy="914400"/>
+          </a:xfrm>
+          <a:prstGeom prst="straightConnector1">
+            <a:avLst/>
+          </a:prstGeom>
+          <a:ln>
+            <a:tailEnd type="triangle"/>
+          </a:ln>
+        </p:spPr>
+        <p:style>
+          <a:lnRef idx="1">
+            <a:schemeClr val="accent1"/>
+          </a:lnRef>
+          <a:fillRef idx="0">
+            <a:schemeClr val="accent1"/>
+          </a:fillRef>
+          <a:effectRef idx="0">
+            <a:schemeClr val="accent1"/>
+          </a:effectRef>
+          <a:fontRef idx="minor">
+            <a:schemeClr val="tx1"/>
+          </a:fontRef>
+        </p:style>
+      </p:cxnSp>
+      <p:cxnSp>
+        <p:nvCxnSpPr>
+          <p:cNvPr id="20" name="直线箭头连接符 19"/>
+          <p:cNvCxnSpPr/>
+          <p:nvPr/>
+        </p:nvCxnSpPr>
+        <p:spPr>
+          <a:xfrm flipH="1">
+            <a:off x="4132162" y="2772138"/>
+            <a:ext cx="1365813" cy="914400"/>
+          </a:xfrm>
+          <a:prstGeom prst="straightConnector1">
+            <a:avLst/>
+          </a:prstGeom>
+          <a:ln>
+            <a:tailEnd type="triangle"/>
+          </a:ln>
+        </p:spPr>
+        <p:style>
+          <a:lnRef idx="1">
+            <a:schemeClr val="accent1"/>
+          </a:lnRef>
+          <a:fillRef idx="0">
+            <a:schemeClr val="accent1"/>
+          </a:fillRef>
+          <a:effectRef idx="0">
+            <a:schemeClr val="accent1"/>
+          </a:effectRef>
+          <a:fontRef idx="minor">
+            <a:schemeClr val="tx1"/>
+          </a:fontRef>
+        </p:style>
+      </p:cxnSp>
+      <p:cxnSp>
+        <p:nvCxnSpPr>
+          <p:cNvPr id="22" name="直线箭头连接符 21"/>
+          <p:cNvCxnSpPr/>
+          <p:nvPr/>
+        </p:nvCxnSpPr>
+        <p:spPr>
+          <a:xfrm>
+            <a:off x="5497975" y="2772138"/>
+            <a:ext cx="1458412" cy="914400"/>
+          </a:xfrm>
+          <a:prstGeom prst="straightConnector1">
+            <a:avLst/>
+          </a:prstGeom>
+          <a:ln>
+            <a:tailEnd type="triangle"/>
+          </a:ln>
+        </p:spPr>
+        <p:style>
+          <a:lnRef idx="1">
+            <a:schemeClr val="accent1"/>
+          </a:lnRef>
+          <a:fillRef idx="0">
+            <a:schemeClr val="accent1"/>
+          </a:fillRef>
+          <a:effectRef idx="0">
+            <a:schemeClr val="accent1"/>
+          </a:effectRef>
+          <a:fontRef idx="minor">
+            <a:schemeClr val="tx1"/>
+          </a:fontRef>
+        </p:style>
+      </p:cxnSp>
+      <p:sp>
+        <p:nvSpPr>
+          <p:cNvPr id="24" name="文本框 23"/>
+          <p:cNvSpPr txBox="1"/>
+          <p:nvPr/>
+        </p:nvSpPr>
+        <p:spPr>
+          <a:xfrm>
+            <a:off x="4956801" y="719818"/>
+            <a:ext cx="1082348" cy="307777"/>
+          </a:xfrm>
+          <a:prstGeom prst="rect">
+            <a:avLst/>
+          </a:prstGeom>
+          <a:noFill/>
+        </p:spPr>
+        <p:txBody>
+          <a:bodyPr wrap="none" rtlCol="0">
+            <a:spAutoFit/>
+          </a:bodyPr>
+          <a:lstStyle/>
+          <a:p>
+            <a:r>
+              <a:rPr kumimoji="1" lang="zh-CN" altLang="en-US" sz="1400" dirty="0" smtClean="0"/>
+              <a:t>事务协调者</a:t>
+            </a:r>
+            <a:endParaRPr kumimoji="1" lang="zh-CN" altLang="en-US" sz="1400" dirty="0"/>
+          </a:p>
+        </p:txBody>
+      </p:sp>
+      <p:sp>
+        <p:nvSpPr>
+          <p:cNvPr id="25" name="文本框 24"/>
+          <p:cNvSpPr txBox="1"/>
+          <p:nvPr/>
+        </p:nvSpPr>
+        <p:spPr>
+          <a:xfrm>
+            <a:off x="2861782" y="1573110"/>
+            <a:ext cx="1082348" cy="307777"/>
+          </a:xfrm>
+          <a:prstGeom prst="rect">
+            <a:avLst/>
+          </a:prstGeom>
+          <a:noFill/>
+        </p:spPr>
+        <p:txBody>
+          <a:bodyPr wrap="none" rtlCol="0">
+            <a:spAutoFit/>
+          </a:bodyPr>
+          <a:lstStyle/>
+          <a:p>
+            <a:r>
+              <a:rPr kumimoji="1" lang="zh-CN" altLang="en-US" sz="1400" dirty="0" smtClean="0"/>
+              <a:t>事务参与者</a:t>
+            </a:r>
+            <a:endParaRPr kumimoji="1" lang="zh-CN" altLang="en-US" sz="1400" dirty="0"/>
+          </a:p>
+        </p:txBody>
+      </p:sp>
+      <p:sp>
+        <p:nvSpPr>
+          <p:cNvPr id="26" name="文本框 25"/>
+          <p:cNvSpPr txBox="1"/>
+          <p:nvPr/>
+        </p:nvSpPr>
+        <p:spPr>
+          <a:xfrm>
+            <a:off x="7132843" y="1573110"/>
+            <a:ext cx="1082348" cy="307777"/>
+          </a:xfrm>
+          <a:prstGeom prst="rect">
+            <a:avLst/>
+          </a:prstGeom>
+          <a:noFill/>
+        </p:spPr>
+        <p:txBody>
+          <a:bodyPr wrap="none" rtlCol="0">
+            <a:spAutoFit/>
+          </a:bodyPr>
+          <a:lstStyle/>
+          <a:p>
+            <a:r>
+              <a:rPr kumimoji="1" lang="zh-CN" altLang="en-US" sz="1400" dirty="0" smtClean="0"/>
+              <a:t>事务参与者</a:t>
+            </a:r>
+            <a:endParaRPr kumimoji="1" lang="zh-CN" altLang="en-US" sz="1400" dirty="0"/>
+          </a:p>
+        </p:txBody>
+      </p:sp>
+      <p:sp>
+        <p:nvSpPr>
+          <p:cNvPr id="27" name="文本框 26"/>
+          <p:cNvSpPr txBox="1"/>
+          <p:nvPr/>
+        </p:nvSpPr>
+        <p:spPr>
+          <a:xfrm>
+            <a:off x="4273894" y="1642558"/>
+            <a:ext cx="787395" cy="307777"/>
+          </a:xfrm>
+          <a:prstGeom prst="rect">
+            <a:avLst/>
+          </a:prstGeom>
+          <a:noFill/>
+        </p:spPr>
+        <p:txBody>
+          <a:bodyPr wrap="none" rtlCol="0">
+            <a:spAutoFit/>
+          </a:bodyPr>
+          <a:lstStyle/>
+          <a:p>
+            <a:r>
+              <a:rPr kumimoji="1" lang="en-US" altLang="zh-CN" sz="1400" dirty="0" smtClean="0"/>
+              <a:t>prepare</a:t>
+            </a:r>
+            <a:endParaRPr kumimoji="1" lang="zh-CN" altLang="en-US" sz="1400" dirty="0"/>
+          </a:p>
+        </p:txBody>
+      </p:sp>
+      <p:sp>
+        <p:nvSpPr>
+          <p:cNvPr id="28" name="文本框 27"/>
+          <p:cNvSpPr txBox="1"/>
+          <p:nvPr/>
+        </p:nvSpPr>
+        <p:spPr>
+          <a:xfrm>
+            <a:off x="5914664" y="1642557"/>
+            <a:ext cx="787395" cy="307777"/>
+          </a:xfrm>
+          <a:prstGeom prst="rect">
+            <a:avLst/>
+          </a:prstGeom>
+          <a:noFill/>
+        </p:spPr>
+        <p:txBody>
+          <a:bodyPr wrap="none" rtlCol="0">
+            <a:spAutoFit/>
+          </a:bodyPr>
+          <a:lstStyle/>
+          <a:p>
+            <a:r>
+              <a:rPr kumimoji="1" lang="en-US" altLang="zh-CN" sz="1400" smtClean="0"/>
+              <a:t>prepare</a:t>
+            </a:r>
+            <a:endParaRPr kumimoji="1" lang="zh-CN" altLang="en-US" sz="1400" dirty="0"/>
+          </a:p>
+        </p:txBody>
+      </p:sp>
+      <p:cxnSp>
+        <p:nvCxnSpPr>
+          <p:cNvPr id="30" name="直线箭头连接符 29"/>
+          <p:cNvCxnSpPr/>
+          <p:nvPr/>
+        </p:nvCxnSpPr>
+        <p:spPr>
+          <a:xfrm flipV="1">
+            <a:off x="4132162" y="1642557"/>
+            <a:ext cx="1354238" cy="903874"/>
+          </a:xfrm>
+          <a:prstGeom prst="straightConnector1">
+            <a:avLst/>
+          </a:prstGeom>
+          <a:ln>
+            <a:tailEnd type="triangle"/>
+          </a:ln>
+        </p:spPr>
+        <p:style>
+          <a:lnRef idx="1">
+            <a:schemeClr val="accent1"/>
+          </a:lnRef>
+          <a:fillRef idx="0">
+            <a:schemeClr val="accent1"/>
+          </a:fillRef>
+          <a:effectRef idx="0">
+            <a:schemeClr val="accent1"/>
+          </a:effectRef>
+          <a:fontRef idx="minor">
+            <a:schemeClr val="tx1"/>
+          </a:fontRef>
+        </p:style>
+      </p:cxnSp>
+      <p:cxnSp>
+        <p:nvCxnSpPr>
+          <p:cNvPr id="31" name="直线箭头连接符 30"/>
+          <p:cNvCxnSpPr/>
+          <p:nvPr/>
+        </p:nvCxnSpPr>
+        <p:spPr>
+          <a:xfrm flipV="1">
+            <a:off x="4157949" y="2911034"/>
+            <a:ext cx="1354238" cy="903874"/>
+          </a:xfrm>
+          <a:prstGeom prst="straightConnector1">
+            <a:avLst/>
+          </a:prstGeom>
+          <a:ln>
+            <a:tailEnd type="triangle"/>
+          </a:ln>
+        </p:spPr>
+        <p:style>
+          <a:lnRef idx="1">
+            <a:schemeClr val="accent1"/>
+          </a:lnRef>
+          <a:fillRef idx="0">
+            <a:schemeClr val="accent1"/>
+          </a:fillRef>
+          <a:effectRef idx="0">
+            <a:schemeClr val="accent1"/>
+          </a:effectRef>
+          <a:fontRef idx="minor">
+            <a:schemeClr val="tx1"/>
+          </a:fontRef>
+        </p:style>
+      </p:cxnSp>
+      <p:cxnSp>
+        <p:nvCxnSpPr>
+          <p:cNvPr id="33" name="直线箭头连接符 32"/>
+          <p:cNvCxnSpPr/>
+          <p:nvPr/>
+        </p:nvCxnSpPr>
+        <p:spPr>
+          <a:xfrm flipH="1" flipV="1">
+            <a:off x="5512187" y="1642557"/>
+            <a:ext cx="1455775" cy="903874"/>
+          </a:xfrm>
+          <a:prstGeom prst="straightConnector1">
+            <a:avLst/>
+          </a:prstGeom>
+          <a:ln>
+            <a:tailEnd type="triangle"/>
+          </a:ln>
+        </p:spPr>
+        <p:style>
+          <a:lnRef idx="1">
+            <a:schemeClr val="accent1"/>
+          </a:lnRef>
+          <a:fillRef idx="0">
+            <a:schemeClr val="accent1"/>
+          </a:fillRef>
+          <a:effectRef idx="0">
+            <a:schemeClr val="accent1"/>
+          </a:effectRef>
+          <a:fontRef idx="minor">
+            <a:schemeClr val="tx1"/>
+          </a:fontRef>
+        </p:style>
+      </p:cxnSp>
+      <p:cxnSp>
+        <p:nvCxnSpPr>
+          <p:cNvPr id="35" name="直线箭头连接符 34"/>
+          <p:cNvCxnSpPr/>
+          <p:nvPr/>
+        </p:nvCxnSpPr>
+        <p:spPr>
+          <a:xfrm flipH="1" flipV="1">
+            <a:off x="5480355" y="2921560"/>
+            <a:ext cx="1455775" cy="903874"/>
+          </a:xfrm>
+          <a:prstGeom prst="straightConnector1">
+            <a:avLst/>
+          </a:prstGeom>
+          <a:ln>
+            <a:tailEnd type="triangle"/>
+          </a:ln>
+        </p:spPr>
+        <p:style>
+          <a:lnRef idx="1">
+            <a:schemeClr val="accent1"/>
+          </a:lnRef>
+          <a:fillRef idx="0">
+            <a:schemeClr val="accent1"/>
+          </a:fillRef>
+          <a:effectRef idx="0">
+            <a:schemeClr val="accent1"/>
+          </a:effectRef>
+          <a:fontRef idx="minor">
+            <a:schemeClr val="tx1"/>
+          </a:fontRef>
+        </p:style>
+      </p:cxnSp>
+      <p:sp>
+        <p:nvSpPr>
+          <p:cNvPr id="37" name="文本框 36"/>
+          <p:cNvSpPr txBox="1"/>
+          <p:nvPr/>
+        </p:nvSpPr>
+        <p:spPr>
+          <a:xfrm>
+            <a:off x="4273894" y="2902877"/>
+            <a:ext cx="768159" cy="307777"/>
+          </a:xfrm>
+          <a:prstGeom prst="rect">
+            <a:avLst/>
+          </a:prstGeom>
+          <a:noFill/>
+        </p:spPr>
+        <p:txBody>
+          <a:bodyPr wrap="none" rtlCol="0">
+            <a:spAutoFit/>
+          </a:bodyPr>
+          <a:lstStyle/>
+          <a:p>
+            <a:r>
+              <a:rPr kumimoji="1" lang="en-US" altLang="zh-CN" sz="1400" dirty="0" smtClean="0"/>
+              <a:t>commit</a:t>
+            </a:r>
+            <a:endParaRPr kumimoji="1" lang="zh-CN" altLang="en-US" sz="1400" dirty="0"/>
+          </a:p>
+        </p:txBody>
+      </p:sp>
+      <p:sp>
+        <p:nvSpPr>
+          <p:cNvPr id="38" name="文本框 37"/>
+          <p:cNvSpPr txBox="1"/>
+          <p:nvPr/>
+        </p:nvSpPr>
+        <p:spPr>
+          <a:xfrm>
+            <a:off x="5989997" y="2916821"/>
+            <a:ext cx="768159" cy="307777"/>
+          </a:xfrm>
+          <a:prstGeom prst="rect">
+            <a:avLst/>
+          </a:prstGeom>
+          <a:noFill/>
+        </p:spPr>
+        <p:txBody>
+          <a:bodyPr wrap="none" rtlCol="0">
+            <a:spAutoFit/>
+          </a:bodyPr>
+          <a:lstStyle/>
+          <a:p>
+            <a:r>
+              <a:rPr kumimoji="1" lang="en-US" altLang="zh-CN" sz="1400" dirty="0" smtClean="0"/>
+              <a:t>commit</a:t>
+            </a:r>
+            <a:endParaRPr kumimoji="1" lang="zh-CN" altLang="en-US" sz="1400" dirty="0"/>
+          </a:p>
+        </p:txBody>
+      </p:sp>
+      <p:sp>
+        <p:nvSpPr>
+          <p:cNvPr id="39" name="文本框 38"/>
+          <p:cNvSpPr txBox="1"/>
+          <p:nvPr/>
+        </p:nvSpPr>
+        <p:spPr>
+          <a:xfrm>
+            <a:off x="4445967" y="2142365"/>
+            <a:ext cx="614271" cy="307777"/>
+          </a:xfrm>
+          <a:prstGeom prst="rect">
+            <a:avLst/>
+          </a:prstGeom>
+          <a:noFill/>
+        </p:spPr>
+        <p:txBody>
+          <a:bodyPr wrap="none" rtlCol="0">
+            <a:spAutoFit/>
+          </a:bodyPr>
+          <a:lstStyle/>
+          <a:p>
+            <a:r>
+              <a:rPr kumimoji="1" lang="en-US" altLang="zh-CN" sz="1400" dirty="0" smtClean="0"/>
+              <a:t>ready</a:t>
+            </a:r>
+            <a:endParaRPr kumimoji="1" lang="zh-CN" altLang="en-US" sz="1400" dirty="0"/>
+          </a:p>
+        </p:txBody>
+      </p:sp>
+      <p:sp>
+        <p:nvSpPr>
+          <p:cNvPr id="40" name="文本框 39"/>
+          <p:cNvSpPr txBox="1"/>
+          <p:nvPr/>
+        </p:nvSpPr>
+        <p:spPr>
+          <a:xfrm>
+            <a:off x="5768189" y="2142115"/>
+            <a:ext cx="614271" cy="307777"/>
+          </a:xfrm>
+          <a:prstGeom prst="rect">
+            <a:avLst/>
+          </a:prstGeom>
+          <a:noFill/>
+        </p:spPr>
+        <p:txBody>
+          <a:bodyPr wrap="none" rtlCol="0">
+            <a:spAutoFit/>
+          </a:bodyPr>
+          <a:lstStyle/>
+          <a:p>
+            <a:r>
+              <a:rPr kumimoji="1" lang="en-US" altLang="zh-CN" sz="1400" dirty="0" smtClean="0"/>
+              <a:t>ready</a:t>
+            </a:r>
+            <a:endParaRPr kumimoji="1" lang="zh-CN" altLang="en-US" sz="1400" dirty="0"/>
+          </a:p>
+        </p:txBody>
+      </p:sp>
+      <p:sp>
+        <p:nvSpPr>
+          <p:cNvPr id="41" name="文本框 40"/>
+          <p:cNvSpPr txBox="1"/>
+          <p:nvPr/>
+        </p:nvSpPr>
+        <p:spPr>
+          <a:xfrm>
+            <a:off x="4525227" y="3428135"/>
+            <a:ext cx="963725" cy="307777"/>
+          </a:xfrm>
+          <a:prstGeom prst="rect">
+            <a:avLst/>
+          </a:prstGeom>
+          <a:noFill/>
+        </p:spPr>
+        <p:txBody>
+          <a:bodyPr wrap="none" rtlCol="0">
+            <a:spAutoFit/>
+          </a:bodyPr>
+          <a:lstStyle/>
+          <a:p>
+            <a:r>
+              <a:rPr kumimoji="1" lang="en-US" altLang="zh-CN" sz="1400" dirty="0" err="1" smtClean="0"/>
+              <a:t>commited</a:t>
+            </a:r>
+            <a:endParaRPr kumimoji="1" lang="zh-CN" altLang="en-US" sz="1400" dirty="0"/>
+          </a:p>
+        </p:txBody>
+      </p:sp>
+      <p:sp>
+        <p:nvSpPr>
+          <p:cNvPr id="42" name="文本框 41"/>
+          <p:cNvSpPr txBox="1"/>
+          <p:nvPr/>
+        </p:nvSpPr>
+        <p:spPr>
+          <a:xfrm>
+            <a:off x="5679900" y="3428134"/>
+            <a:ext cx="963725" cy="307777"/>
+          </a:xfrm>
+          <a:prstGeom prst="rect">
+            <a:avLst/>
+          </a:prstGeom>
+          <a:noFill/>
+        </p:spPr>
+        <p:txBody>
+          <a:bodyPr wrap="none" rtlCol="0">
+            <a:spAutoFit/>
+          </a:bodyPr>
+          <a:lstStyle/>
+          <a:p>
+            <a:r>
+              <a:rPr kumimoji="1" lang="en-US" altLang="zh-CN" sz="1400" dirty="0" err="1" smtClean="0"/>
+              <a:t>commited</a:t>
+            </a:r>
+            <a:endParaRPr kumimoji="1" lang="zh-CN" altLang="en-US" sz="1400" dirty="0"/>
+          </a:p>
+        </p:txBody>
+      </p:sp>
+      <p:sp>
+        <p:nvSpPr>
+          <p:cNvPr id="43" name="文本框 42"/>
+          <p:cNvSpPr txBox="1"/>
+          <p:nvPr/>
+        </p:nvSpPr>
+        <p:spPr>
+          <a:xfrm>
+            <a:off x="933452" y="4757199"/>
+            <a:ext cx="9191940" cy="523220"/>
+          </a:xfrm>
+          <a:prstGeom prst="rect">
+            <a:avLst/>
+          </a:prstGeom>
+          <a:noFill/>
+        </p:spPr>
+        <p:txBody>
+          <a:bodyPr wrap="none" rtlCol="0">
+            <a:spAutoFit/>
+          </a:bodyPr>
+          <a:lstStyle/>
+          <a:p>
+            <a:r>
+              <a:rPr kumimoji="1" lang="en-US" altLang="zh-CN" sz="1400" b="1" dirty="0" smtClean="0"/>
+              <a:t>1</a:t>
+            </a:r>
+            <a:r>
+              <a:rPr kumimoji="1" lang="en-US" altLang="zh-CN" sz="1400" b="1" dirty="0"/>
+              <a:t>.</a:t>
+            </a:r>
+            <a:r>
+              <a:rPr kumimoji="1" lang="zh-CN" altLang="en-US" sz="1400" b="1" dirty="0" smtClean="0"/>
+              <a:t>准备阶段：</a:t>
+            </a:r>
+            <a:endParaRPr kumimoji="1" lang="en-US" altLang="zh-CN" sz="1400" b="1" dirty="0" smtClean="0"/>
+          </a:p>
+          <a:p>
+            <a:r>
+              <a:rPr kumimoji="1" lang="zh-CN" altLang="en-US" sz="1400" dirty="0"/>
+              <a:t> </a:t>
+            </a:r>
+            <a:r>
+              <a:rPr kumimoji="1" lang="zh-CN" altLang="en-US" sz="1400" dirty="0" smtClean="0"/>
+              <a:t>   事务协调者给每个事务参与者发送准备消息，每个参与者要么直接返回失败，要么在本地执行事务，但不提交</a:t>
+            </a:r>
+            <a:endParaRPr kumimoji="1" lang="zh-CN" altLang="en-US" sz="1400" dirty="0"/>
+          </a:p>
+        </p:txBody>
+      </p:sp>
+      <p:sp>
+        <p:nvSpPr>
+          <p:cNvPr id="45" name="文本框 44"/>
+          <p:cNvSpPr txBox="1"/>
+          <p:nvPr/>
+        </p:nvSpPr>
+        <p:spPr>
+          <a:xfrm>
+            <a:off x="933452" y="5483704"/>
+            <a:ext cx="10078400" cy="738664"/>
+          </a:xfrm>
+          <a:prstGeom prst="rect">
+            <a:avLst/>
+          </a:prstGeom>
+          <a:noFill/>
+        </p:spPr>
+        <p:txBody>
+          <a:bodyPr wrap="none" rtlCol="0">
+            <a:spAutoFit/>
+          </a:bodyPr>
+          <a:lstStyle/>
+          <a:p>
+            <a:r>
+              <a:rPr kumimoji="1" lang="en-US" altLang="zh-CN" sz="1400" b="1" dirty="0" smtClean="0"/>
+              <a:t>2.</a:t>
+            </a:r>
+            <a:r>
+              <a:rPr kumimoji="1" lang="zh-CN" altLang="en-US" sz="1400" b="1" dirty="0" smtClean="0"/>
+              <a:t>提交</a:t>
+            </a:r>
+            <a:r>
+              <a:rPr kumimoji="1" lang="zh-CN" altLang="en-US" sz="1400" b="1" dirty="0" smtClean="0"/>
+              <a:t>阶段：</a:t>
+            </a:r>
+            <a:endParaRPr kumimoji="1" lang="en-US" altLang="zh-CN" sz="1400" b="1" dirty="0" smtClean="0"/>
+          </a:p>
+          <a:p>
+            <a:r>
+              <a:rPr kumimoji="1" lang="zh-CN" altLang="en-US" sz="1400" dirty="0"/>
+              <a:t> </a:t>
+            </a:r>
+            <a:r>
+              <a:rPr kumimoji="1" lang="zh-CN" altLang="en-US" sz="1400" dirty="0" smtClean="0"/>
+              <a:t>   如果协调者收到了参与者的超时或失败消息时，直接给每个参与者发送回滚命令，否则发送提交命令，参与者根据命令进行</a:t>
+            </a:r>
+            <a:endParaRPr kumimoji="1" lang="en-US" altLang="zh-CN" sz="1400" dirty="0" smtClean="0"/>
+          </a:p>
+          <a:p>
+            <a:r>
+              <a:rPr kumimoji="1" lang="zh-CN" altLang="en-US" sz="1400" dirty="0" smtClean="0"/>
+              <a:t>回滚或者提交</a:t>
+            </a:r>
+            <a:endParaRPr kumimoji="1" lang="en-US" altLang="zh-CN" sz="1400" dirty="0" smtClean="0"/>
+          </a:p>
+        </p:txBody>
+      </p:sp>
+      <p:sp>
+        <p:nvSpPr>
+          <p:cNvPr id="46" name="文本框 45"/>
+          <p:cNvSpPr txBox="1"/>
+          <p:nvPr/>
+        </p:nvSpPr>
+        <p:spPr>
+          <a:xfrm>
+            <a:off x="482993" y="4260423"/>
+            <a:ext cx="1261884" cy="307777"/>
+          </a:xfrm>
+          <a:prstGeom prst="rect">
+            <a:avLst/>
+          </a:prstGeom>
+          <a:noFill/>
+        </p:spPr>
+        <p:txBody>
+          <a:bodyPr wrap="none" rtlCol="0">
+            <a:spAutoFit/>
+          </a:bodyPr>
+          <a:lstStyle/>
+          <a:p>
+            <a:r>
+              <a:rPr kumimoji="1" lang="zh-CN" altLang="en-US" sz="1400" b="1" dirty="0" smtClean="0"/>
+              <a:t>两阶段事务：</a:t>
+            </a:r>
+            <a:endParaRPr kumimoji="1" lang="zh-CN" altLang="en-US" sz="1400" b="1" dirty="0"/>
+          </a:p>
+        </p:txBody>
+      </p:sp>
+    </p:spTree>
+    <p:extLst>
+      <p:ext uri="{BB962C8B-B14F-4D97-AF65-F5344CB8AC3E}">
+        <p14:creationId xmlns:p14="http://schemas.microsoft.com/office/powerpoint/2010/main" val="1912657155"/>
       </p:ext>
     </p:extLst>
   </p:cSld>
@@ -19469,7 +20453,7 @@
           <a:p>
             <a:pPr algn="ctr"/>
             <a:r>
-              <a:rPr kumimoji="1" lang="en-US" altLang="zh-CN" sz="1200" smtClean="0">
+              <a:rPr kumimoji="1" lang="en-US" altLang="zh-CN" sz="1200" dirty="0" smtClean="0">
                 <a:solidFill>
                   <a:schemeClr val="tx1"/>
                 </a:solidFill>
@@ -19477,14 +20461,14 @@
               <a:t>GC</a:t>
             </a:r>
             <a:r>
-              <a:rPr kumimoji="1" lang="zh-CN" altLang="en-US" sz="1200" smtClean="0">
+              <a:rPr kumimoji="1" lang="zh-CN" altLang="en-US" sz="1200" dirty="0" smtClean="0">
                 <a:solidFill>
                   <a:schemeClr val="tx1"/>
                 </a:solidFill>
               </a:rPr>
-              <a:t>收集算法</a:t>
-            </a:r>
-            <a:endParaRPr kumimoji="1" lang="zh-CN" altLang="en-US" sz="1200">
+              <a:t>算法</a:t>
+            </a:r>
+            <a:endParaRPr kumimoji="1" lang="zh-CN" altLang="en-US" sz="1200" dirty="0">
               <a:solidFill>
                 <a:schemeClr val="tx1"/>
               </a:solidFill>
@@ -20777,7 +21761,7 @@
         </p:nvSpPr>
         <p:spPr>
           <a:xfrm>
-            <a:off x="4992827" y="630222"/>
+            <a:off x="4100731" y="1210084"/>
             <a:ext cx="840295" cy="276999"/>
           </a:xfrm>
           <a:prstGeom prst="rect">
@@ -20792,14 +21776,14 @@
           <a:lstStyle/>
           <a:p>
             <a:r>
-              <a:rPr kumimoji="1" lang="en-US" altLang="zh-CN" sz="1200"/>
+              <a:rPr kumimoji="1" lang="en-US" altLang="zh-CN" sz="1200" dirty="0"/>
               <a:t>C</a:t>
             </a:r>
             <a:r>
-              <a:rPr kumimoji="1" lang="en-US" altLang="zh-CN" sz="1200" smtClean="0"/>
+              <a:rPr kumimoji="1" lang="en-US" altLang="zh-CN" sz="1200" dirty="0" smtClean="0"/>
               <a:t>ollection</a:t>
             </a:r>
-            <a:endParaRPr kumimoji="1" lang="zh-CN" altLang="en-US" sz="1200"/>
+            <a:endParaRPr kumimoji="1" lang="zh-CN" altLang="en-US" sz="1200" dirty="0"/>
           </a:p>
         </p:txBody>
       </p:sp>
@@ -20811,7 +21795,7 @@
         </p:nvSpPr>
         <p:spPr>
           <a:xfrm>
-            <a:off x="6878761" y="1432481"/>
+            <a:off x="5986665" y="2012343"/>
             <a:ext cx="391454" cy="276999"/>
           </a:xfrm>
           <a:prstGeom prst="rect">
@@ -20841,7 +21825,7 @@
         </p:nvSpPr>
         <p:spPr>
           <a:xfrm>
-            <a:off x="3381471" y="1358916"/>
+            <a:off x="2489375" y="1938778"/>
             <a:ext cx="402674" cy="276999"/>
           </a:xfrm>
           <a:prstGeom prst="rect">
@@ -20871,7 +21855,7 @@
         </p:nvSpPr>
         <p:spPr>
           <a:xfrm>
-            <a:off x="7453805" y="2165492"/>
+            <a:off x="6561709" y="2745354"/>
             <a:ext cx="681597" cy="276999"/>
           </a:xfrm>
           <a:prstGeom prst="rect">
@@ -20901,7 +21885,7 @@
         </p:nvSpPr>
         <p:spPr>
           <a:xfrm>
-            <a:off x="6057509" y="2165492"/>
+            <a:off x="5165413" y="2745354"/>
             <a:ext cx="723275" cy="276999"/>
           </a:xfrm>
           <a:prstGeom prst="rect">
@@ -20931,7 +21915,7 @@
         </p:nvSpPr>
         <p:spPr>
           <a:xfrm>
-            <a:off x="4453006" y="2215690"/>
+            <a:off x="3560910" y="2795552"/>
             <a:ext cx="832279" cy="276999"/>
           </a:xfrm>
           <a:prstGeom prst="rect">
@@ -20961,7 +21945,7 @@
         </p:nvSpPr>
         <p:spPr>
           <a:xfrm>
-            <a:off x="3274070" y="2183218"/>
+            <a:off x="2381974" y="2763080"/>
             <a:ext cx="617477" cy="276999"/>
           </a:xfrm>
           <a:prstGeom prst="rect">
@@ -20991,7 +21975,7 @@
         </p:nvSpPr>
         <p:spPr>
           <a:xfrm>
-            <a:off x="1841338" y="2183218"/>
+            <a:off x="949242" y="2763080"/>
             <a:ext cx="755335" cy="276999"/>
           </a:xfrm>
           <a:prstGeom prst="rect">
@@ -21024,7 +22008,7 @@
         </p:nvCxnSpPr>
         <p:spPr>
           <a:xfrm flipH="1">
-            <a:off x="3784145" y="907221"/>
+            <a:off x="2892049" y="1487083"/>
             <a:ext cx="1628830" cy="590195"/>
           </a:xfrm>
           <a:prstGeom prst="straightConnector1">
@@ -21060,7 +22044,7 @@
         </p:nvCxnSpPr>
         <p:spPr>
           <a:xfrm>
-            <a:off x="5412975" y="907221"/>
+            <a:off x="4520879" y="1487083"/>
             <a:ext cx="1465786" cy="663760"/>
           </a:xfrm>
           <a:prstGeom prst="straightConnector1">
@@ -21096,7 +22080,7 @@
         </p:nvCxnSpPr>
         <p:spPr>
           <a:xfrm flipH="1">
-            <a:off x="2219006" y="1635915"/>
+            <a:off x="1326910" y="2215777"/>
             <a:ext cx="1363802" cy="547303"/>
           </a:xfrm>
           <a:prstGeom prst="straightConnector1">
@@ -21132,7 +22116,7 @@
         </p:nvCxnSpPr>
         <p:spPr>
           <a:xfrm>
-            <a:off x="3582808" y="1635915"/>
+            <a:off x="2690712" y="2215777"/>
             <a:ext cx="1" cy="547303"/>
           </a:xfrm>
           <a:prstGeom prst="straightConnector1">
@@ -21168,7 +22152,7 @@
         </p:nvCxnSpPr>
         <p:spPr>
           <a:xfrm>
-            <a:off x="3582808" y="1635915"/>
+            <a:off x="2690712" y="2215777"/>
             <a:ext cx="1286338" cy="579775"/>
           </a:xfrm>
           <a:prstGeom prst="straightConnector1">
@@ -21204,7 +22188,7 @@
         </p:nvCxnSpPr>
         <p:spPr>
           <a:xfrm flipH="1">
-            <a:off x="6419147" y="1709480"/>
+            <a:off x="5527051" y="2289342"/>
             <a:ext cx="655341" cy="456012"/>
           </a:xfrm>
           <a:prstGeom prst="straightConnector1">
@@ -21240,7 +22224,7 @@
         </p:nvCxnSpPr>
         <p:spPr>
           <a:xfrm>
-            <a:off x="7074488" y="1709480"/>
+            <a:off x="6182392" y="2289342"/>
             <a:ext cx="720116" cy="456012"/>
           </a:xfrm>
           <a:prstGeom prst="straightConnector1">
@@ -21273,7 +22257,7 @@
         </p:nvSpPr>
         <p:spPr>
           <a:xfrm>
-            <a:off x="3596001" y="1100654"/>
+            <a:off x="2703905" y="1680516"/>
             <a:ext cx="1031051" cy="261610"/>
           </a:xfrm>
           <a:prstGeom prst="rect">
@@ -21303,7 +22287,7 @@
         </p:nvSpPr>
         <p:spPr>
           <a:xfrm>
-            <a:off x="5954036" y="991859"/>
+            <a:off x="5061940" y="1571721"/>
             <a:ext cx="1031051" cy="261610"/>
           </a:xfrm>
           <a:prstGeom prst="rect">
@@ -21333,7 +22317,7 @@
         </p:nvSpPr>
         <p:spPr>
           <a:xfrm>
-            <a:off x="1212985" y="654377"/>
+            <a:off x="437876" y="653218"/>
             <a:ext cx="2300630" cy="430887"/>
           </a:xfrm>
           <a:prstGeom prst="rect">
@@ -21351,14 +22335,14 @@
               <a:rPr kumimoji="1" lang="zh-CN" altLang="en-US" sz="1100" smtClean="0"/>
               <a:t>有序：存储和取出的元素一致</a:t>
             </a:r>
-            <a:endParaRPr kumimoji="1" lang="en-US" altLang="zh-CN" sz="1100" smtClean="0"/>
-          </a:p>
-          <a:p>
-            <a:r>
-              <a:rPr kumimoji="1" lang="zh-CN" altLang="en-US" sz="1100" smtClean="0"/>
+            <a:endParaRPr kumimoji="1" lang="en-US" altLang="zh-CN" sz="1100" dirty="0" smtClean="0"/>
+          </a:p>
+          <a:p>
+            <a:r>
+              <a:rPr kumimoji="1" lang="zh-CN" altLang="en-US" sz="1100" dirty="0" smtClean="0"/>
               <a:t>无序：存储和取出元素顺序不一致</a:t>
             </a:r>
-            <a:endParaRPr kumimoji="1" lang="en-US" altLang="zh-CN" sz="1100" smtClean="0"/>
+            <a:endParaRPr kumimoji="1" lang="en-US" altLang="zh-CN" sz="1100" dirty="0" smtClean="0"/>
           </a:p>
         </p:txBody>
       </p:sp>
@@ -21370,7 +22354,7 @@
         </p:nvSpPr>
         <p:spPr>
           <a:xfrm>
-            <a:off x="3283688" y="1963880"/>
+            <a:off x="2391592" y="2543742"/>
             <a:ext cx="607859" cy="261610"/>
           </a:xfrm>
           <a:prstGeom prst="rect">
@@ -21400,7 +22384,7 @@
         </p:nvSpPr>
         <p:spPr>
           <a:xfrm>
-            <a:off x="1160494" y="2442491"/>
+            <a:off x="268398" y="3022353"/>
             <a:ext cx="497252" cy="261610"/>
           </a:xfrm>
           <a:prstGeom prst="rect">
@@ -21434,7 +22418,7 @@
         </p:nvSpPr>
         <p:spPr>
           <a:xfrm>
-            <a:off x="1759601" y="2489589"/>
+            <a:off x="867505" y="3069451"/>
             <a:ext cx="1338828" cy="553998"/>
           </a:xfrm>
           <a:prstGeom prst="rect">
@@ -21478,7 +22462,7 @@
         </p:nvSpPr>
         <p:spPr>
           <a:xfrm>
-            <a:off x="3086751" y="2489589"/>
+            <a:off x="2194655" y="3069451"/>
             <a:ext cx="1210588" cy="553998"/>
           </a:xfrm>
           <a:prstGeom prst="rect">
@@ -21522,7 +22506,7 @@
         </p:nvSpPr>
         <p:spPr>
           <a:xfrm>
-            <a:off x="4326561" y="2486567"/>
+            <a:off x="3434465" y="3066429"/>
             <a:ext cx="1338828" cy="553998"/>
           </a:xfrm>
           <a:prstGeom prst="rect">
@@ -21566,7 +22550,7 @@
         </p:nvSpPr>
         <p:spPr>
           <a:xfrm>
-            <a:off x="5821056" y="2483004"/>
+            <a:off x="4928960" y="3062866"/>
             <a:ext cx="1338828" cy="553998"/>
           </a:xfrm>
           <a:prstGeom prst="rect">
@@ -21610,7 +22594,7 @@
         </p:nvSpPr>
         <p:spPr>
           <a:xfrm>
-            <a:off x="7287005" y="2478956"/>
+            <a:off x="6394909" y="3058818"/>
             <a:ext cx="1338828" cy="553998"/>
           </a:xfrm>
           <a:prstGeom prst="rect">
@@ -21646,6 +22630,234 @@
           </a:p>
         </p:txBody>
       </p:sp>
+      <p:sp>
+        <p:nvSpPr>
+          <p:cNvPr id="35" name="文本框 34"/>
+          <p:cNvSpPr txBox="1"/>
+          <p:nvPr/>
+        </p:nvSpPr>
+        <p:spPr>
+          <a:xfrm>
+            <a:off x="10898376" y="2745353"/>
+            <a:ext cx="772969" cy="276999"/>
+          </a:xfrm>
+          <a:prstGeom prst="rect">
+            <a:avLst/>
+          </a:prstGeom>
+          <a:noFill/>
+        </p:spPr>
+        <p:txBody>
+          <a:bodyPr wrap="none" rtlCol="0">
+            <a:spAutoFit/>
+          </a:bodyPr>
+          <a:lstStyle/>
+          <a:p>
+            <a:r>
+              <a:rPr kumimoji="1" lang="en-US" altLang="zh-CN" sz="1200" dirty="0" err="1" smtClean="0"/>
+              <a:t>TreeMap</a:t>
+            </a:r>
+            <a:endParaRPr kumimoji="1" lang="zh-CN" altLang="en-US" sz="1200" dirty="0"/>
+          </a:p>
+        </p:txBody>
+      </p:sp>
+      <p:sp>
+        <p:nvSpPr>
+          <p:cNvPr id="36" name="文本框 35"/>
+          <p:cNvSpPr txBox="1"/>
+          <p:nvPr/>
+        </p:nvSpPr>
+        <p:spPr>
+          <a:xfrm>
+            <a:off x="9555630" y="2781819"/>
+            <a:ext cx="873957" cy="276999"/>
+          </a:xfrm>
+          <a:prstGeom prst="rect">
+            <a:avLst/>
+          </a:prstGeom>
+          <a:noFill/>
+        </p:spPr>
+        <p:txBody>
+          <a:bodyPr wrap="none" rtlCol="0">
+            <a:spAutoFit/>
+          </a:bodyPr>
+          <a:lstStyle/>
+          <a:p>
+            <a:r>
+              <a:rPr kumimoji="1" lang="en-US" altLang="zh-CN" sz="1200" dirty="0" err="1" smtClean="0"/>
+              <a:t>HashTable</a:t>
+            </a:r>
+            <a:endParaRPr kumimoji="1" lang="zh-CN" altLang="en-US" sz="1200" dirty="0"/>
+          </a:p>
+        </p:txBody>
+      </p:sp>
+      <p:sp>
+        <p:nvSpPr>
+          <p:cNvPr id="37" name="文本框 36"/>
+          <p:cNvSpPr txBox="1"/>
+          <p:nvPr/>
+        </p:nvSpPr>
+        <p:spPr>
+          <a:xfrm>
+            <a:off x="8227397" y="2761100"/>
+            <a:ext cx="814647" cy="276999"/>
+          </a:xfrm>
+          <a:prstGeom prst="rect">
+            <a:avLst/>
+          </a:prstGeom>
+          <a:noFill/>
+        </p:spPr>
+        <p:txBody>
+          <a:bodyPr wrap="none" rtlCol="0">
+            <a:spAutoFit/>
+          </a:bodyPr>
+          <a:lstStyle/>
+          <a:p>
+            <a:r>
+              <a:rPr kumimoji="1" lang="en-US" altLang="zh-CN" sz="1200" dirty="0" err="1" smtClean="0"/>
+              <a:t>HashMap</a:t>
+            </a:r>
+            <a:endParaRPr kumimoji="1" lang="zh-CN" altLang="en-US" sz="1200" dirty="0"/>
+          </a:p>
+        </p:txBody>
+      </p:sp>
+      <p:sp>
+        <p:nvSpPr>
+          <p:cNvPr id="46" name="文本框 45"/>
+          <p:cNvSpPr txBox="1"/>
+          <p:nvPr/>
+        </p:nvSpPr>
+        <p:spPr>
+          <a:xfrm>
+            <a:off x="9757111" y="1168790"/>
+            <a:ext cx="482824" cy="276999"/>
+          </a:xfrm>
+          <a:prstGeom prst="rect">
+            <a:avLst/>
+          </a:prstGeom>
+          <a:noFill/>
+        </p:spPr>
+        <p:txBody>
+          <a:bodyPr wrap="none" rtlCol="0">
+            <a:spAutoFit/>
+          </a:bodyPr>
+          <a:lstStyle/>
+          <a:p>
+            <a:r>
+              <a:rPr kumimoji="1" lang="en-US" altLang="zh-CN" sz="1200" smtClean="0"/>
+              <a:t>Map</a:t>
+            </a:r>
+            <a:endParaRPr kumimoji="1" lang="zh-CN" altLang="en-US" sz="1200" dirty="0"/>
+          </a:p>
+        </p:txBody>
+      </p:sp>
+      <p:cxnSp>
+        <p:nvCxnSpPr>
+          <p:cNvPr id="317" name="直线箭头连接符 316"/>
+          <p:cNvCxnSpPr>
+            <a:stCxn id="46" idx="2"/>
+            <a:endCxn id="35" idx="0"/>
+          </p:cNvCxnSpPr>
+          <p:nvPr/>
+        </p:nvCxnSpPr>
+        <p:spPr>
+          <a:xfrm>
+            <a:off x="9998523" y="1445789"/>
+            <a:ext cx="1286338" cy="1299564"/>
+          </a:xfrm>
+          <a:prstGeom prst="straightConnector1">
+            <a:avLst/>
+          </a:prstGeom>
+          <a:ln>
+            <a:tailEnd type="triangle"/>
+          </a:ln>
+        </p:spPr>
+        <p:style>
+          <a:lnRef idx="1">
+            <a:schemeClr val="accent1"/>
+          </a:lnRef>
+          <a:fillRef idx="0">
+            <a:schemeClr val="accent1"/>
+          </a:fillRef>
+          <a:effectRef idx="0">
+            <a:schemeClr val="accent1"/>
+          </a:effectRef>
+          <a:fontRef idx="minor">
+            <a:schemeClr val="tx1"/>
+          </a:fontRef>
+        </p:style>
+      </p:cxnSp>
+      <p:cxnSp>
+        <p:nvCxnSpPr>
+          <p:cNvPr id="319" name="直线箭头连接符 318"/>
+          <p:cNvCxnSpPr>
+            <a:stCxn id="46" idx="2"/>
+            <a:endCxn id="37" idx="0"/>
+          </p:cNvCxnSpPr>
+          <p:nvPr/>
+        </p:nvCxnSpPr>
+        <p:spPr>
+          <a:xfrm flipH="1">
+            <a:off x="8634721" y="1445789"/>
+            <a:ext cx="1363802" cy="1315311"/>
+          </a:xfrm>
+          <a:prstGeom prst="straightConnector1">
+            <a:avLst/>
+          </a:prstGeom>
+          <a:ln>
+            <a:tailEnd type="triangle"/>
+          </a:ln>
+        </p:spPr>
+        <p:style>
+          <a:lnRef idx="1">
+            <a:schemeClr val="accent1"/>
+          </a:lnRef>
+          <a:fillRef idx="0">
+            <a:schemeClr val="accent1"/>
+          </a:fillRef>
+          <a:effectRef idx="0">
+            <a:schemeClr val="accent1"/>
+          </a:effectRef>
+          <a:fontRef idx="minor">
+            <a:schemeClr val="tx1"/>
+          </a:fontRef>
+        </p:style>
+      </p:cxnSp>
+      <p:cxnSp>
+        <p:nvCxnSpPr>
+          <p:cNvPr id="321" name="直线箭头连接符 320"/>
+          <p:cNvCxnSpPr>
+            <a:stCxn id="46" idx="2"/>
+            <a:endCxn id="36" idx="0"/>
+          </p:cNvCxnSpPr>
+          <p:nvPr/>
+        </p:nvCxnSpPr>
+        <p:spPr>
+          <a:xfrm flipH="1">
+            <a:off x="9992609" y="1445789"/>
+            <a:ext cx="5914" cy="1336030"/>
+          </a:xfrm>
+          <a:prstGeom prst="straightConnector1">
+            <a:avLst/>
+          </a:prstGeom>
+          <a:ln>
+            <a:tailEnd type="triangle"/>
+          </a:ln>
+        </p:spPr>
+        <p:style>
+          <a:lnRef idx="1">
+            <a:schemeClr val="accent1"/>
+          </a:lnRef>
+          <a:fillRef idx="0">
+            <a:schemeClr val="accent1"/>
+          </a:fillRef>
+          <a:effectRef idx="0">
+            <a:schemeClr val="accent1"/>
+          </a:effectRef>
+          <a:fontRef idx="minor">
+            <a:schemeClr val="tx1"/>
+          </a:fontRef>
+        </p:style>
+      </p:cxnSp>
     </p:spTree>
     <p:extLst>
       <p:ext uri="{BB962C8B-B14F-4D97-AF65-F5344CB8AC3E}">

--- a/doc/doc.pptx
+++ b/doc/doc.pptx
@@ -214,7 +214,7 @@
           <a:p>
             <a:fld id="{A3D7CE87-9499-D644-9D39-658681EEDA03}" type="datetimeFigureOut">
               <a:rPr kumimoji="1" lang="zh-CN" altLang="en-US" smtClean="0"/>
-              <a:t>2020/2/12</a:t>
+              <a:t>2020/2/22</a:t>
             </a:fld>
             <a:endParaRPr kumimoji="1" lang="zh-CN" altLang="en-US"/>
           </a:p>
@@ -1252,7 +1252,7 @@
           <a:p>
             <a:fld id="{79C7BEE9-4014-F74B-8041-D28506CB9C48}" type="datetimeFigureOut">
               <a:rPr kumimoji="1" lang="zh-CN" altLang="en-US" smtClean="0"/>
-              <a:t>2020/2/12</a:t>
+              <a:t>2020/2/22</a:t>
             </a:fld>
             <a:endParaRPr kumimoji="1" lang="zh-CN" altLang="en-US"/>
           </a:p>
@@ -1422,7 +1422,7 @@
           <a:p>
             <a:fld id="{79C7BEE9-4014-F74B-8041-D28506CB9C48}" type="datetimeFigureOut">
               <a:rPr kumimoji="1" lang="zh-CN" altLang="en-US" smtClean="0"/>
-              <a:t>2020/2/12</a:t>
+              <a:t>2020/2/22</a:t>
             </a:fld>
             <a:endParaRPr kumimoji="1" lang="zh-CN" altLang="en-US"/>
           </a:p>
@@ -1602,7 +1602,7 @@
           <a:p>
             <a:fld id="{79C7BEE9-4014-F74B-8041-D28506CB9C48}" type="datetimeFigureOut">
               <a:rPr kumimoji="1" lang="zh-CN" altLang="en-US" smtClean="0"/>
-              <a:t>2020/2/12</a:t>
+              <a:t>2020/2/22</a:t>
             </a:fld>
             <a:endParaRPr kumimoji="1" lang="zh-CN" altLang="en-US"/>
           </a:p>
@@ -1772,7 +1772,7 @@
           <a:p>
             <a:fld id="{79C7BEE9-4014-F74B-8041-D28506CB9C48}" type="datetimeFigureOut">
               <a:rPr kumimoji="1" lang="zh-CN" altLang="en-US" smtClean="0"/>
-              <a:t>2020/2/12</a:t>
+              <a:t>2020/2/22</a:t>
             </a:fld>
             <a:endParaRPr kumimoji="1" lang="zh-CN" altLang="en-US"/>
           </a:p>
@@ -2018,7 +2018,7 @@
           <a:p>
             <a:fld id="{79C7BEE9-4014-F74B-8041-D28506CB9C48}" type="datetimeFigureOut">
               <a:rPr kumimoji="1" lang="zh-CN" altLang="en-US" smtClean="0"/>
-              <a:t>2020/2/12</a:t>
+              <a:t>2020/2/22</a:t>
             </a:fld>
             <a:endParaRPr kumimoji="1" lang="zh-CN" altLang="en-US"/>
           </a:p>
@@ -2250,7 +2250,7 @@
           <a:p>
             <a:fld id="{79C7BEE9-4014-F74B-8041-D28506CB9C48}" type="datetimeFigureOut">
               <a:rPr kumimoji="1" lang="zh-CN" altLang="en-US" smtClean="0"/>
-              <a:t>2020/2/12</a:t>
+              <a:t>2020/2/22</a:t>
             </a:fld>
             <a:endParaRPr kumimoji="1" lang="zh-CN" altLang="en-US"/>
           </a:p>
@@ -2617,7 +2617,7 @@
           <a:p>
             <a:fld id="{79C7BEE9-4014-F74B-8041-D28506CB9C48}" type="datetimeFigureOut">
               <a:rPr kumimoji="1" lang="zh-CN" altLang="en-US" smtClean="0"/>
-              <a:t>2020/2/12</a:t>
+              <a:t>2020/2/22</a:t>
             </a:fld>
             <a:endParaRPr kumimoji="1" lang="zh-CN" altLang="en-US"/>
           </a:p>
@@ -2735,7 +2735,7 @@
           <a:p>
             <a:fld id="{79C7BEE9-4014-F74B-8041-D28506CB9C48}" type="datetimeFigureOut">
               <a:rPr kumimoji="1" lang="zh-CN" altLang="en-US" smtClean="0"/>
-              <a:t>2020/2/12</a:t>
+              <a:t>2020/2/22</a:t>
             </a:fld>
             <a:endParaRPr kumimoji="1" lang="zh-CN" altLang="en-US"/>
           </a:p>
@@ -2830,7 +2830,7 @@
           <a:p>
             <a:fld id="{79C7BEE9-4014-F74B-8041-D28506CB9C48}" type="datetimeFigureOut">
               <a:rPr kumimoji="1" lang="zh-CN" altLang="en-US" smtClean="0"/>
-              <a:t>2020/2/12</a:t>
+              <a:t>2020/2/22</a:t>
             </a:fld>
             <a:endParaRPr kumimoji="1" lang="zh-CN" altLang="en-US"/>
           </a:p>
@@ -3107,7 +3107,7 @@
           <a:p>
             <a:fld id="{79C7BEE9-4014-F74B-8041-D28506CB9C48}" type="datetimeFigureOut">
               <a:rPr kumimoji="1" lang="zh-CN" altLang="en-US" smtClean="0"/>
-              <a:t>2020/2/12</a:t>
+              <a:t>2020/2/22</a:t>
             </a:fld>
             <a:endParaRPr kumimoji="1" lang="zh-CN" altLang="en-US"/>
           </a:p>
@@ -3360,7 +3360,7 @@
           <a:p>
             <a:fld id="{79C7BEE9-4014-F74B-8041-D28506CB9C48}" type="datetimeFigureOut">
               <a:rPr kumimoji="1" lang="zh-CN" altLang="en-US" smtClean="0"/>
-              <a:t>2020/2/12</a:t>
+              <a:t>2020/2/22</a:t>
             </a:fld>
             <a:endParaRPr kumimoji="1" lang="zh-CN" altLang="en-US"/>
           </a:p>
@@ -3573,7 +3573,7 @@
           <a:p>
             <a:fld id="{79C7BEE9-4014-F74B-8041-D28506CB9C48}" type="datetimeFigureOut">
               <a:rPr kumimoji="1" lang="zh-CN" altLang="en-US" smtClean="0"/>
-              <a:t>2020/2/12</a:t>
+              <a:t>2020/2/22</a:t>
             </a:fld>
             <a:endParaRPr kumimoji="1" lang="zh-CN" altLang="en-US"/>
           </a:p>
@@ -13430,11 +13430,7 @@
             </a:r>
             <a:r>
               <a:rPr kumimoji="1" lang="zh-CN" altLang="en-US" sz="1400" b="1" dirty="0" smtClean="0"/>
-              <a:t>提交</a:t>
-            </a:r>
-            <a:r>
-              <a:rPr kumimoji="1" lang="zh-CN" altLang="en-US" sz="1400" b="1" dirty="0" smtClean="0"/>
-              <a:t>阶段：</a:t>
+              <a:t>提交阶段：</a:t>
             </a:r>
             <a:endParaRPr kumimoji="1" lang="en-US" altLang="zh-CN" sz="1400" b="1" dirty="0" smtClean="0"/>
           </a:p>
@@ -22565,24 +22561,44 @@
           <a:lstStyle/>
           <a:p>
             <a:r>
-              <a:rPr kumimoji="1" lang="zh-CN" altLang="en-US" sz="1000" smtClean="0"/>
-              <a:t>链表</a:t>
-            </a:r>
-            <a:endParaRPr kumimoji="1" lang="en-US" altLang="zh-CN" sz="1000" smtClean="0"/>
-          </a:p>
-          <a:p>
-            <a:r>
-              <a:rPr kumimoji="1" lang="zh-CN" altLang="en-US" sz="1000" smtClean="0"/>
-              <a:t>查询慢、增删快</a:t>
-            </a:r>
-            <a:endParaRPr kumimoji="1" lang="en-US" altLang="zh-CN" sz="1000" smtClean="0"/>
-          </a:p>
-          <a:p>
-            <a:r>
-              <a:rPr kumimoji="1" lang="zh-CN" altLang="en-US" sz="1000" smtClean="0"/>
+              <a:rPr kumimoji="1" lang="en-US" altLang="zh-CN" sz="1000" dirty="0" err="1" smtClean="0"/>
+              <a:t>HashMap</a:t>
+            </a:r>
+            <a:r>
+              <a:rPr kumimoji="1" lang="en-US" altLang="zh-CN" sz="1000" dirty="0" smtClean="0"/>
+              <a:t>(</a:t>
+            </a:r>
+            <a:r>
+              <a:rPr kumimoji="1" lang="zh-CN" altLang="en-US" sz="1000" dirty="0" smtClean="0"/>
+              <a:t>数组</a:t>
+            </a:r>
+            <a:r>
+              <a:rPr kumimoji="1" lang="en-US" altLang="zh-CN" sz="1000" dirty="0" smtClean="0"/>
+              <a:t>)</a:t>
+            </a:r>
+            <a:endParaRPr kumimoji="1" lang="en-US" altLang="zh-CN" sz="1000" dirty="0" smtClean="0"/>
+          </a:p>
+          <a:p>
+            <a:r>
+              <a:rPr kumimoji="1" lang="zh-CN" altLang="en-US" sz="1000" dirty="0" smtClean="0"/>
+              <a:t>查询快、</a:t>
+            </a:r>
+            <a:r>
+              <a:rPr kumimoji="1" lang="zh-CN" altLang="en-US" sz="1000" dirty="0" smtClean="0"/>
+              <a:t>增</a:t>
+            </a:r>
+            <a:r>
+              <a:rPr kumimoji="1" lang="zh-CN" altLang="en-US" sz="1000" dirty="0" smtClean="0"/>
+              <a:t>删慢</a:t>
+            </a:r>
+            <a:endParaRPr kumimoji="1" lang="en-US" altLang="zh-CN" sz="1000" dirty="0" smtClean="0"/>
+          </a:p>
+          <a:p>
+            <a:r>
+              <a:rPr kumimoji="1" lang="zh-CN" altLang="en-US" sz="1000" dirty="0" smtClean="0"/>
               <a:t>线程不安全、效率高</a:t>
             </a:r>
-            <a:endParaRPr kumimoji="1" lang="zh-CN" altLang="en-US" sz="1000"/>
+            <a:endParaRPr kumimoji="1" lang="zh-CN" altLang="en-US" sz="1000" dirty="0"/>
           </a:p>
         </p:txBody>
       </p:sp>
@@ -22728,7 +22744,7 @@
         </p:nvSpPr>
         <p:spPr>
           <a:xfrm>
-            <a:off x="9757111" y="1168790"/>
+            <a:off x="9751196" y="1210083"/>
             <a:ext cx="482824" cy="276999"/>
           </a:xfrm>
           <a:prstGeom prst="rect">
@@ -22761,8 +22777,8 @@
         </p:nvCxnSpPr>
         <p:spPr>
           <a:xfrm>
-            <a:off x="9998523" y="1445789"/>
-            <a:ext cx="1286338" cy="1299564"/>
+            <a:off x="9992608" y="1487082"/>
+            <a:ext cx="1292253" cy="1258271"/>
           </a:xfrm>
           <a:prstGeom prst="straightConnector1">
             <a:avLst/>
@@ -22797,8 +22813,8 @@
         </p:nvCxnSpPr>
         <p:spPr>
           <a:xfrm flipH="1">
-            <a:off x="8634721" y="1445789"/>
-            <a:ext cx="1363802" cy="1315311"/>
+            <a:off x="8634721" y="1487082"/>
+            <a:ext cx="1357887" cy="1274018"/>
           </a:xfrm>
           <a:prstGeom prst="straightConnector1">
             <a:avLst/>
@@ -22832,9 +22848,9 @@
           <p:nvPr/>
         </p:nvCxnSpPr>
         <p:spPr>
-          <a:xfrm flipH="1">
-            <a:off x="9992609" y="1445789"/>
-            <a:ext cx="5914" cy="1336030"/>
+          <a:xfrm>
+            <a:off x="9992608" y="1487082"/>
+            <a:ext cx="1" cy="1294737"/>
           </a:xfrm>
           <a:prstGeom prst="straightConnector1">
             <a:avLst/>

--- a/doc/doc.pptx
+++ b/doc/doc.pptx
@@ -214,7 +214,7 @@
           <a:p>
             <a:fld id="{A3D7CE87-9499-D644-9D39-658681EEDA03}" type="datetimeFigureOut">
               <a:rPr kumimoji="1" lang="zh-CN" altLang="en-US" smtClean="0"/>
-              <a:t>2020/2/12</a:t>
+              <a:t>2020/2/18</a:t>
             </a:fld>
             <a:endParaRPr kumimoji="1" lang="zh-CN" altLang="en-US"/>
           </a:p>
@@ -1252,7 +1252,7 @@
           <a:p>
             <a:fld id="{79C7BEE9-4014-F74B-8041-D28506CB9C48}" type="datetimeFigureOut">
               <a:rPr kumimoji="1" lang="zh-CN" altLang="en-US" smtClean="0"/>
-              <a:t>2020/2/12</a:t>
+              <a:t>2020/2/18</a:t>
             </a:fld>
             <a:endParaRPr kumimoji="1" lang="zh-CN" altLang="en-US"/>
           </a:p>
@@ -1422,7 +1422,7 @@
           <a:p>
             <a:fld id="{79C7BEE9-4014-F74B-8041-D28506CB9C48}" type="datetimeFigureOut">
               <a:rPr kumimoji="1" lang="zh-CN" altLang="en-US" smtClean="0"/>
-              <a:t>2020/2/12</a:t>
+              <a:t>2020/2/18</a:t>
             </a:fld>
             <a:endParaRPr kumimoji="1" lang="zh-CN" altLang="en-US"/>
           </a:p>
@@ -1602,7 +1602,7 @@
           <a:p>
             <a:fld id="{79C7BEE9-4014-F74B-8041-D28506CB9C48}" type="datetimeFigureOut">
               <a:rPr kumimoji="1" lang="zh-CN" altLang="en-US" smtClean="0"/>
-              <a:t>2020/2/12</a:t>
+              <a:t>2020/2/18</a:t>
             </a:fld>
             <a:endParaRPr kumimoji="1" lang="zh-CN" altLang="en-US"/>
           </a:p>
@@ -1772,7 +1772,7 @@
           <a:p>
             <a:fld id="{79C7BEE9-4014-F74B-8041-D28506CB9C48}" type="datetimeFigureOut">
               <a:rPr kumimoji="1" lang="zh-CN" altLang="en-US" smtClean="0"/>
-              <a:t>2020/2/12</a:t>
+              <a:t>2020/2/18</a:t>
             </a:fld>
             <a:endParaRPr kumimoji="1" lang="zh-CN" altLang="en-US"/>
           </a:p>
@@ -2018,7 +2018,7 @@
           <a:p>
             <a:fld id="{79C7BEE9-4014-F74B-8041-D28506CB9C48}" type="datetimeFigureOut">
               <a:rPr kumimoji="1" lang="zh-CN" altLang="en-US" smtClean="0"/>
-              <a:t>2020/2/12</a:t>
+              <a:t>2020/2/18</a:t>
             </a:fld>
             <a:endParaRPr kumimoji="1" lang="zh-CN" altLang="en-US"/>
           </a:p>
@@ -2250,7 +2250,7 @@
           <a:p>
             <a:fld id="{79C7BEE9-4014-F74B-8041-D28506CB9C48}" type="datetimeFigureOut">
               <a:rPr kumimoji="1" lang="zh-CN" altLang="en-US" smtClean="0"/>
-              <a:t>2020/2/12</a:t>
+              <a:t>2020/2/18</a:t>
             </a:fld>
             <a:endParaRPr kumimoji="1" lang="zh-CN" altLang="en-US"/>
           </a:p>
@@ -2617,7 +2617,7 @@
           <a:p>
             <a:fld id="{79C7BEE9-4014-F74B-8041-D28506CB9C48}" type="datetimeFigureOut">
               <a:rPr kumimoji="1" lang="zh-CN" altLang="en-US" smtClean="0"/>
-              <a:t>2020/2/12</a:t>
+              <a:t>2020/2/18</a:t>
             </a:fld>
             <a:endParaRPr kumimoji="1" lang="zh-CN" altLang="en-US"/>
           </a:p>
@@ -2735,7 +2735,7 @@
           <a:p>
             <a:fld id="{79C7BEE9-4014-F74B-8041-D28506CB9C48}" type="datetimeFigureOut">
               <a:rPr kumimoji="1" lang="zh-CN" altLang="en-US" smtClean="0"/>
-              <a:t>2020/2/12</a:t>
+              <a:t>2020/2/18</a:t>
             </a:fld>
             <a:endParaRPr kumimoji="1" lang="zh-CN" altLang="en-US"/>
           </a:p>
@@ -2830,7 +2830,7 @@
           <a:p>
             <a:fld id="{79C7BEE9-4014-F74B-8041-D28506CB9C48}" type="datetimeFigureOut">
               <a:rPr kumimoji="1" lang="zh-CN" altLang="en-US" smtClean="0"/>
-              <a:t>2020/2/12</a:t>
+              <a:t>2020/2/18</a:t>
             </a:fld>
             <a:endParaRPr kumimoji="1" lang="zh-CN" altLang="en-US"/>
           </a:p>
@@ -3107,7 +3107,7 @@
           <a:p>
             <a:fld id="{79C7BEE9-4014-F74B-8041-D28506CB9C48}" type="datetimeFigureOut">
               <a:rPr kumimoji="1" lang="zh-CN" altLang="en-US" smtClean="0"/>
-              <a:t>2020/2/12</a:t>
+              <a:t>2020/2/18</a:t>
             </a:fld>
             <a:endParaRPr kumimoji="1" lang="zh-CN" altLang="en-US"/>
           </a:p>
@@ -3360,7 +3360,7 @@
           <a:p>
             <a:fld id="{79C7BEE9-4014-F74B-8041-D28506CB9C48}" type="datetimeFigureOut">
               <a:rPr kumimoji="1" lang="zh-CN" altLang="en-US" smtClean="0"/>
-              <a:t>2020/2/12</a:t>
+              <a:t>2020/2/18</a:t>
             </a:fld>
             <a:endParaRPr kumimoji="1" lang="zh-CN" altLang="en-US"/>
           </a:p>
@@ -3573,7 +3573,7 @@
           <a:p>
             <a:fld id="{79C7BEE9-4014-F74B-8041-D28506CB9C48}" type="datetimeFigureOut">
               <a:rPr kumimoji="1" lang="zh-CN" altLang="en-US" smtClean="0"/>
-              <a:t>2020/2/12</a:t>
+              <a:t>2020/2/18</a:t>
             </a:fld>
             <a:endParaRPr kumimoji="1" lang="zh-CN" altLang="en-US"/>
           </a:p>
@@ -13430,11 +13430,7 @@
             </a:r>
             <a:r>
               <a:rPr kumimoji="1" lang="zh-CN" altLang="en-US" sz="1400" b="1" dirty="0" smtClean="0"/>
-              <a:t>提交</a:t>
-            </a:r>
-            <a:r>
-              <a:rPr kumimoji="1" lang="zh-CN" altLang="en-US" sz="1400" b="1" dirty="0" smtClean="0"/>
-              <a:t>阶段：</a:t>
+              <a:t>提交阶段：</a:t>
             </a:r>
             <a:endParaRPr kumimoji="1" lang="en-US" altLang="zh-CN" sz="1400" b="1" dirty="0" smtClean="0"/>
           </a:p>

--- a/doc/doc.pptx
+++ b/doc/doc.pptx
@@ -214,7 +214,7 @@
           <a:p>
             <a:fld id="{A3D7CE87-9499-D644-9D39-658681EEDA03}" type="datetimeFigureOut">
               <a:rPr kumimoji="1" lang="zh-CN" altLang="en-US" smtClean="0"/>
-              <a:t>2020/2/18</a:t>
+              <a:t>2020/2/27</a:t>
             </a:fld>
             <a:endParaRPr kumimoji="1" lang="zh-CN" altLang="en-US"/>
           </a:p>
@@ -1252,7 +1252,7 @@
           <a:p>
             <a:fld id="{79C7BEE9-4014-F74B-8041-D28506CB9C48}" type="datetimeFigureOut">
               <a:rPr kumimoji="1" lang="zh-CN" altLang="en-US" smtClean="0"/>
-              <a:t>2020/2/18</a:t>
+              <a:t>2020/2/27</a:t>
             </a:fld>
             <a:endParaRPr kumimoji="1" lang="zh-CN" altLang="en-US"/>
           </a:p>
@@ -1422,7 +1422,7 @@
           <a:p>
             <a:fld id="{79C7BEE9-4014-F74B-8041-D28506CB9C48}" type="datetimeFigureOut">
               <a:rPr kumimoji="1" lang="zh-CN" altLang="en-US" smtClean="0"/>
-              <a:t>2020/2/18</a:t>
+              <a:t>2020/2/27</a:t>
             </a:fld>
             <a:endParaRPr kumimoji="1" lang="zh-CN" altLang="en-US"/>
           </a:p>
@@ -1602,7 +1602,7 @@
           <a:p>
             <a:fld id="{79C7BEE9-4014-F74B-8041-D28506CB9C48}" type="datetimeFigureOut">
               <a:rPr kumimoji="1" lang="zh-CN" altLang="en-US" smtClean="0"/>
-              <a:t>2020/2/18</a:t>
+              <a:t>2020/2/27</a:t>
             </a:fld>
             <a:endParaRPr kumimoji="1" lang="zh-CN" altLang="en-US"/>
           </a:p>
@@ -1772,7 +1772,7 @@
           <a:p>
             <a:fld id="{79C7BEE9-4014-F74B-8041-D28506CB9C48}" type="datetimeFigureOut">
               <a:rPr kumimoji="1" lang="zh-CN" altLang="en-US" smtClean="0"/>
-              <a:t>2020/2/18</a:t>
+              <a:t>2020/2/27</a:t>
             </a:fld>
             <a:endParaRPr kumimoji="1" lang="zh-CN" altLang="en-US"/>
           </a:p>
@@ -2018,7 +2018,7 @@
           <a:p>
             <a:fld id="{79C7BEE9-4014-F74B-8041-D28506CB9C48}" type="datetimeFigureOut">
               <a:rPr kumimoji="1" lang="zh-CN" altLang="en-US" smtClean="0"/>
-              <a:t>2020/2/18</a:t>
+              <a:t>2020/2/27</a:t>
             </a:fld>
             <a:endParaRPr kumimoji="1" lang="zh-CN" altLang="en-US"/>
           </a:p>
@@ -2250,7 +2250,7 @@
           <a:p>
             <a:fld id="{79C7BEE9-4014-F74B-8041-D28506CB9C48}" type="datetimeFigureOut">
               <a:rPr kumimoji="1" lang="zh-CN" altLang="en-US" smtClean="0"/>
-              <a:t>2020/2/18</a:t>
+              <a:t>2020/2/27</a:t>
             </a:fld>
             <a:endParaRPr kumimoji="1" lang="zh-CN" altLang="en-US"/>
           </a:p>
@@ -2617,7 +2617,7 @@
           <a:p>
             <a:fld id="{79C7BEE9-4014-F74B-8041-D28506CB9C48}" type="datetimeFigureOut">
               <a:rPr kumimoji="1" lang="zh-CN" altLang="en-US" smtClean="0"/>
-              <a:t>2020/2/18</a:t>
+              <a:t>2020/2/27</a:t>
             </a:fld>
             <a:endParaRPr kumimoji="1" lang="zh-CN" altLang="en-US"/>
           </a:p>
@@ -2735,7 +2735,7 @@
           <a:p>
             <a:fld id="{79C7BEE9-4014-F74B-8041-D28506CB9C48}" type="datetimeFigureOut">
               <a:rPr kumimoji="1" lang="zh-CN" altLang="en-US" smtClean="0"/>
-              <a:t>2020/2/18</a:t>
+              <a:t>2020/2/27</a:t>
             </a:fld>
             <a:endParaRPr kumimoji="1" lang="zh-CN" altLang="en-US"/>
           </a:p>
@@ -2830,7 +2830,7 @@
           <a:p>
             <a:fld id="{79C7BEE9-4014-F74B-8041-D28506CB9C48}" type="datetimeFigureOut">
               <a:rPr kumimoji="1" lang="zh-CN" altLang="en-US" smtClean="0"/>
-              <a:t>2020/2/18</a:t>
+              <a:t>2020/2/27</a:t>
             </a:fld>
             <a:endParaRPr kumimoji="1" lang="zh-CN" altLang="en-US"/>
           </a:p>
@@ -3107,7 +3107,7 @@
           <a:p>
             <a:fld id="{79C7BEE9-4014-F74B-8041-D28506CB9C48}" type="datetimeFigureOut">
               <a:rPr kumimoji="1" lang="zh-CN" altLang="en-US" smtClean="0"/>
-              <a:t>2020/2/18</a:t>
+              <a:t>2020/2/27</a:t>
             </a:fld>
             <a:endParaRPr kumimoji="1" lang="zh-CN" altLang="en-US"/>
           </a:p>
@@ -3360,7 +3360,7 @@
           <a:p>
             <a:fld id="{79C7BEE9-4014-F74B-8041-D28506CB9C48}" type="datetimeFigureOut">
               <a:rPr kumimoji="1" lang="zh-CN" altLang="en-US" smtClean="0"/>
-              <a:t>2020/2/18</a:t>
+              <a:t>2020/2/27</a:t>
             </a:fld>
             <a:endParaRPr kumimoji="1" lang="zh-CN" altLang="en-US"/>
           </a:p>
@@ -3573,7 +3573,7 @@
           <a:p>
             <a:fld id="{79C7BEE9-4014-F74B-8041-D28506CB9C48}" type="datetimeFigureOut">
               <a:rPr kumimoji="1" lang="zh-CN" altLang="en-US" smtClean="0"/>
-              <a:t>2020/2/18</a:t>
+              <a:t>2020/2/27</a:t>
             </a:fld>
             <a:endParaRPr kumimoji="1" lang="zh-CN" altLang="en-US"/>
           </a:p>
@@ -15866,7 +15866,7 @@
         <p:spPr>
           <a:xfrm>
             <a:off x="5004610" y="3964561"/>
-            <a:ext cx="2202847" cy="246221"/>
+            <a:ext cx="3910045" cy="246221"/>
           </a:xfrm>
           <a:prstGeom prst="rect">
             <a:avLst/>
@@ -15881,11 +15881,27 @@
           <a:p>
             <a:r>
               <a:rPr kumimoji="1" lang="en-US" altLang="zh-CN" sz="1000" smtClean="0"/>
-              <a:t>NIO</a:t>
+              <a:t>Unsafe</a:t>
+            </a:r>
+            <a:r>
+              <a:rPr kumimoji="1" lang="en-US" altLang="zh-CN" sz="1000" smtClean="0"/>
+              <a:t>.allocate()</a:t>
             </a:r>
             <a:r>
               <a:rPr kumimoji="1" lang="zh-CN" altLang="en-US" sz="1000" smtClean="0"/>
-              <a:t>直接申请到的内存，不在堆里边</a:t>
+              <a:t>申请内存（</a:t>
+            </a:r>
+            <a:r>
+              <a:rPr kumimoji="1" lang="en-US" altLang="zh-CN" sz="1000" smtClean="0"/>
+              <a:t> NIO</a:t>
+            </a:r>
+            <a:r>
+              <a:rPr kumimoji="1" lang="zh-CN" altLang="en-US" sz="1000" smtClean="0"/>
+              <a:t>直接申请到的内存，不在堆</a:t>
+            </a:r>
+            <a:r>
+              <a:rPr kumimoji="1" lang="zh-CN" altLang="en-US" sz="1000" smtClean="0"/>
+              <a:t>里边）</a:t>
             </a:r>
             <a:endParaRPr kumimoji="1" lang="zh-CN" altLang="en-US" sz="1000"/>
           </a:p>

--- a/doc/doc.pptx
+++ b/doc/doc.pptx
@@ -214,7 +214,7 @@
           <a:p>
             <a:fld id="{A3D7CE87-9499-D644-9D39-658681EEDA03}" type="datetimeFigureOut">
               <a:rPr kumimoji="1" lang="zh-CN" altLang="en-US" smtClean="0"/>
-              <a:t>2020/2/27</a:t>
+              <a:t>2020/3/5</a:t>
             </a:fld>
             <a:endParaRPr kumimoji="1" lang="zh-CN" altLang="en-US"/>
           </a:p>
@@ -1252,7 +1252,7 @@
           <a:p>
             <a:fld id="{79C7BEE9-4014-F74B-8041-D28506CB9C48}" type="datetimeFigureOut">
               <a:rPr kumimoji="1" lang="zh-CN" altLang="en-US" smtClean="0"/>
-              <a:t>2020/2/27</a:t>
+              <a:t>2020/3/5</a:t>
             </a:fld>
             <a:endParaRPr kumimoji="1" lang="zh-CN" altLang="en-US"/>
           </a:p>
@@ -1422,7 +1422,7 @@
           <a:p>
             <a:fld id="{79C7BEE9-4014-F74B-8041-D28506CB9C48}" type="datetimeFigureOut">
               <a:rPr kumimoji="1" lang="zh-CN" altLang="en-US" smtClean="0"/>
-              <a:t>2020/2/27</a:t>
+              <a:t>2020/3/5</a:t>
             </a:fld>
             <a:endParaRPr kumimoji="1" lang="zh-CN" altLang="en-US"/>
           </a:p>
@@ -1602,7 +1602,7 @@
           <a:p>
             <a:fld id="{79C7BEE9-4014-F74B-8041-D28506CB9C48}" type="datetimeFigureOut">
               <a:rPr kumimoji="1" lang="zh-CN" altLang="en-US" smtClean="0"/>
-              <a:t>2020/2/27</a:t>
+              <a:t>2020/3/5</a:t>
             </a:fld>
             <a:endParaRPr kumimoji="1" lang="zh-CN" altLang="en-US"/>
           </a:p>
@@ -1772,7 +1772,7 @@
           <a:p>
             <a:fld id="{79C7BEE9-4014-F74B-8041-D28506CB9C48}" type="datetimeFigureOut">
               <a:rPr kumimoji="1" lang="zh-CN" altLang="en-US" smtClean="0"/>
-              <a:t>2020/2/27</a:t>
+              <a:t>2020/3/5</a:t>
             </a:fld>
             <a:endParaRPr kumimoji="1" lang="zh-CN" altLang="en-US"/>
           </a:p>
@@ -2018,7 +2018,7 @@
           <a:p>
             <a:fld id="{79C7BEE9-4014-F74B-8041-D28506CB9C48}" type="datetimeFigureOut">
               <a:rPr kumimoji="1" lang="zh-CN" altLang="en-US" smtClean="0"/>
-              <a:t>2020/2/27</a:t>
+              <a:t>2020/3/5</a:t>
             </a:fld>
             <a:endParaRPr kumimoji="1" lang="zh-CN" altLang="en-US"/>
           </a:p>
@@ -2250,7 +2250,7 @@
           <a:p>
             <a:fld id="{79C7BEE9-4014-F74B-8041-D28506CB9C48}" type="datetimeFigureOut">
               <a:rPr kumimoji="1" lang="zh-CN" altLang="en-US" smtClean="0"/>
-              <a:t>2020/2/27</a:t>
+              <a:t>2020/3/5</a:t>
             </a:fld>
             <a:endParaRPr kumimoji="1" lang="zh-CN" altLang="en-US"/>
           </a:p>
@@ -2617,7 +2617,7 @@
           <a:p>
             <a:fld id="{79C7BEE9-4014-F74B-8041-D28506CB9C48}" type="datetimeFigureOut">
               <a:rPr kumimoji="1" lang="zh-CN" altLang="en-US" smtClean="0"/>
-              <a:t>2020/2/27</a:t>
+              <a:t>2020/3/5</a:t>
             </a:fld>
             <a:endParaRPr kumimoji="1" lang="zh-CN" altLang="en-US"/>
           </a:p>
@@ -2735,7 +2735,7 @@
           <a:p>
             <a:fld id="{79C7BEE9-4014-F74B-8041-D28506CB9C48}" type="datetimeFigureOut">
               <a:rPr kumimoji="1" lang="zh-CN" altLang="en-US" smtClean="0"/>
-              <a:t>2020/2/27</a:t>
+              <a:t>2020/3/5</a:t>
             </a:fld>
             <a:endParaRPr kumimoji="1" lang="zh-CN" altLang="en-US"/>
           </a:p>
@@ -2830,7 +2830,7 @@
           <a:p>
             <a:fld id="{79C7BEE9-4014-F74B-8041-D28506CB9C48}" type="datetimeFigureOut">
               <a:rPr kumimoji="1" lang="zh-CN" altLang="en-US" smtClean="0"/>
-              <a:t>2020/2/27</a:t>
+              <a:t>2020/3/5</a:t>
             </a:fld>
             <a:endParaRPr kumimoji="1" lang="zh-CN" altLang="en-US"/>
           </a:p>
@@ -3107,7 +3107,7 @@
           <a:p>
             <a:fld id="{79C7BEE9-4014-F74B-8041-D28506CB9C48}" type="datetimeFigureOut">
               <a:rPr kumimoji="1" lang="zh-CN" altLang="en-US" smtClean="0"/>
-              <a:t>2020/2/27</a:t>
+              <a:t>2020/3/5</a:t>
             </a:fld>
             <a:endParaRPr kumimoji="1" lang="zh-CN" altLang="en-US"/>
           </a:p>
@@ -3360,7 +3360,7 @@
           <a:p>
             <a:fld id="{79C7BEE9-4014-F74B-8041-D28506CB9C48}" type="datetimeFigureOut">
               <a:rPr kumimoji="1" lang="zh-CN" altLang="en-US" smtClean="0"/>
-              <a:t>2020/2/27</a:t>
+              <a:t>2020/3/5</a:t>
             </a:fld>
             <a:endParaRPr kumimoji="1" lang="zh-CN" altLang="en-US"/>
           </a:p>
@@ -3573,7 +3573,7 @@
           <a:p>
             <a:fld id="{79C7BEE9-4014-F74B-8041-D28506CB9C48}" type="datetimeFigureOut">
               <a:rPr kumimoji="1" lang="zh-CN" altLang="en-US" smtClean="0"/>
-              <a:t>2020/2/27</a:t>
+              <a:t>2020/3/5</a:t>
             </a:fld>
             <a:endParaRPr kumimoji="1" lang="zh-CN" altLang="en-US"/>
           </a:p>
@@ -14689,7 +14689,7 @@
         </p:nvSpPr>
         <p:spPr>
           <a:xfrm>
-            <a:off x="7874203" y="4828222"/>
+            <a:off x="7692660" y="5366448"/>
             <a:ext cx="4007828" cy="1446550"/>
           </a:xfrm>
           <a:prstGeom prst="rect">
@@ -14943,7 +14943,7 @@
         </p:nvSpPr>
         <p:spPr>
           <a:xfrm>
-            <a:off x="9438304" y="245339"/>
+            <a:off x="9343255" y="3874814"/>
             <a:ext cx="2443727" cy="1384995"/>
           </a:xfrm>
           <a:prstGeom prst="rect">
@@ -15545,8 +15545,8 @@
         </p:nvSpPr>
         <p:spPr>
           <a:xfrm>
-            <a:off x="5988095" y="3155233"/>
-            <a:ext cx="1790875" cy="261610"/>
+            <a:off x="5878488" y="3198848"/>
+            <a:ext cx="1454244" cy="369332"/>
           </a:xfrm>
           <a:prstGeom prst="rect">
             <a:avLst/>
@@ -15560,18 +15560,41 @@
           <a:lstStyle/>
           <a:p>
             <a:r>
-              <a:rPr kumimoji="1" lang="zh-CN" altLang="en-US" sz="1100" smtClean="0"/>
-              <a:t>唯一没有</a:t>
-            </a:r>
-            <a:r>
-              <a:rPr kumimoji="1" lang="en-US" altLang="zh-CN" sz="1100" smtClean="0"/>
-              <a:t>OOM</a:t>
-            </a:r>
-            <a:r>
-              <a:rPr kumimoji="1" lang="zh-CN" altLang="en-US" sz="1100" smtClean="0"/>
-              <a:t>的内存区域</a:t>
-            </a:r>
-            <a:endParaRPr kumimoji="1" lang="zh-CN" altLang="en-US" sz="1100"/>
+              <a:rPr kumimoji="1" lang="zh-CN" altLang="en-US" sz="900" smtClean="0"/>
+              <a:t>记录</a:t>
+            </a:r>
+            <a:r>
+              <a:rPr kumimoji="1" lang="zh-CN" altLang="en-US" sz="900"/>
+              <a:t>当前线程执行</a:t>
+            </a:r>
+            <a:r>
+              <a:rPr kumimoji="1" lang="zh-CN" altLang="en-US" sz="900"/>
+              <a:t>字节</a:t>
+            </a:r>
+            <a:r>
+              <a:rPr kumimoji="1" lang="zh-CN" altLang="en-US" sz="900" smtClean="0"/>
+              <a:t>码</a:t>
+            </a:r>
+            <a:endParaRPr kumimoji="1" lang="en-US" altLang="zh-CN" sz="900" smtClean="0"/>
+          </a:p>
+          <a:p>
+            <a:r>
+              <a:rPr kumimoji="1" lang="zh-CN" altLang="en-US" sz="900" smtClean="0"/>
+              <a:t>的</a:t>
+            </a:r>
+            <a:r>
+              <a:rPr kumimoji="1" lang="zh-CN" altLang="en-US" sz="900"/>
+              <a:t>行</a:t>
+            </a:r>
+            <a:r>
+              <a:rPr kumimoji="1" lang="zh-CN" altLang="en-US" sz="900" smtClean="0"/>
+              <a:t>号</a:t>
+            </a:r>
+            <a:r>
+              <a:rPr kumimoji="1" lang="zh-CN" altLang="en-US" sz="900"/>
+              <a:t>指示器</a:t>
+            </a:r>
+            <a:endParaRPr kumimoji="1" lang="zh-CN" altLang="en-US" sz="1400"/>
           </a:p>
         </p:txBody>
       </p:sp>
@@ -15583,7 +15606,7 @@
         </p:nvSpPr>
         <p:spPr>
           <a:xfrm>
-            <a:off x="8751109" y="2402714"/>
+            <a:off x="6984360" y="2794402"/>
             <a:ext cx="492443" cy="276999"/>
           </a:xfrm>
           <a:prstGeom prst="rect">
@@ -15881,11 +15904,7 @@
           <a:p>
             <a:r>
               <a:rPr kumimoji="1" lang="en-US" altLang="zh-CN" sz="1000" smtClean="0"/>
-              <a:t>Unsafe</a:t>
-            </a:r>
-            <a:r>
-              <a:rPr kumimoji="1" lang="en-US" altLang="zh-CN" sz="1000" smtClean="0"/>
-              <a:t>.allocate()</a:t>
+              <a:t>Unsafe.allocate()</a:t>
             </a:r>
             <a:r>
               <a:rPr kumimoji="1" lang="zh-CN" altLang="en-US" sz="1000" smtClean="0"/>
@@ -15897,11 +15916,7 @@
             </a:r>
             <a:r>
               <a:rPr kumimoji="1" lang="zh-CN" altLang="en-US" sz="1000" smtClean="0"/>
-              <a:t>直接申请到的内存，不在堆</a:t>
-            </a:r>
-            <a:r>
-              <a:rPr kumimoji="1" lang="zh-CN" altLang="en-US" sz="1000" smtClean="0"/>
-              <a:t>里边）</a:t>
+              <a:t>直接申请到的内存，不在堆里边）</a:t>
             </a:r>
             <a:endParaRPr kumimoji="1" lang="zh-CN" altLang="en-US" sz="1000"/>
           </a:p>
@@ -15977,14 +15992,615 @@
       </p:sp>
       <p:cxnSp>
         <p:nvCxnSpPr>
-          <p:cNvPr id="56" name="直线箭头连接符 55"/>
+          <p:cNvPr id="67" name="直线箭头连接符 66"/>
+          <p:cNvCxnSpPr>
+            <a:stCxn id="43" idx="3"/>
+          </p:cNvCxnSpPr>
+          <p:nvPr/>
+        </p:nvCxnSpPr>
+        <p:spPr>
+          <a:xfrm flipV="1">
+            <a:off x="7476803" y="2588515"/>
+            <a:ext cx="315714" cy="344387"/>
+          </a:xfrm>
+          <a:prstGeom prst="straightConnector1">
+            <a:avLst/>
+          </a:prstGeom>
+          <a:ln>
+            <a:tailEnd type="triangle"/>
+          </a:ln>
+        </p:spPr>
+        <p:style>
+          <a:lnRef idx="1">
+            <a:schemeClr val="accent1"/>
+          </a:lnRef>
+          <a:fillRef idx="0">
+            <a:schemeClr val="accent1"/>
+          </a:fillRef>
+          <a:effectRef idx="0">
+            <a:schemeClr val="accent1"/>
+          </a:effectRef>
+          <a:fontRef idx="minor">
+            <a:schemeClr val="tx1"/>
+          </a:fontRef>
+        </p:style>
+      </p:cxnSp>
+      <p:sp>
+        <p:nvSpPr>
+          <p:cNvPr id="71" name="文本框 70"/>
+          <p:cNvSpPr txBox="1"/>
+          <p:nvPr/>
+        </p:nvSpPr>
+        <p:spPr>
+          <a:xfrm>
+            <a:off x="403315" y="4599218"/>
+            <a:ext cx="6433171" cy="646331"/>
+          </a:xfrm>
+          <a:prstGeom prst="rect">
+            <a:avLst/>
+          </a:prstGeom>
+          <a:noFill/>
+        </p:spPr>
+        <p:txBody>
+          <a:bodyPr wrap="none" rtlCol="0">
+            <a:spAutoFit/>
+          </a:bodyPr>
+          <a:lstStyle/>
+          <a:p>
+            <a:r>
+              <a:rPr lang="zh-CN" altLang="en-US" sz="1200" b="1" smtClean="0"/>
+              <a:t>直接内存</a:t>
+            </a:r>
+            <a:r>
+              <a:rPr lang="en-US" altLang="zh-CN" sz="1200" b="1" smtClean="0"/>
+              <a:t>(</a:t>
+            </a:r>
+            <a:r>
+              <a:rPr lang="zh-CN" altLang="en-US" sz="1200" b="1" smtClean="0"/>
+              <a:t>堆外内存</a:t>
+            </a:r>
+            <a:r>
+              <a:rPr lang="en-US" altLang="zh-CN" sz="1200" b="1" smtClean="0"/>
+              <a:t>)</a:t>
+            </a:r>
+            <a:r>
+              <a:rPr lang="zh-CN" altLang="en-US" sz="1200" b="1" smtClean="0"/>
+              <a:t>：</a:t>
+            </a:r>
+            <a:r>
+              <a:rPr lang="zh-CN" altLang="en-US" sz="1200" smtClean="0"/>
+              <a:t>不</a:t>
+            </a:r>
+            <a:r>
+              <a:rPr lang="zh-CN" altLang="en-US" sz="1200"/>
+              <a:t>是运行时数据区的一部分，</a:t>
+            </a:r>
+            <a:r>
+              <a:rPr lang="en-US" altLang="zh-CN" sz="1200"/>
+              <a:t>NIO</a:t>
+            </a:r>
+            <a:r>
+              <a:rPr lang="zh-CN" altLang="en-US" sz="1200"/>
+              <a:t>通过</a:t>
+            </a:r>
+            <a:r>
+              <a:rPr lang="en-US" altLang="zh-CN" sz="1200"/>
+              <a:t>Native</a:t>
+            </a:r>
+            <a:r>
+              <a:rPr lang="zh-CN" altLang="en-US" sz="1200"/>
+              <a:t>函数直接分配堆外内存</a:t>
+            </a:r>
+            <a:r>
+              <a:rPr lang="zh-CN" altLang="en-US" sz="1200" smtClean="0"/>
+              <a:t>，</a:t>
+            </a:r>
+            <a:endParaRPr lang="en-US" altLang="zh-CN" sz="1200" smtClean="0"/>
+          </a:p>
+          <a:p>
+            <a:r>
+              <a:rPr lang="zh-CN" altLang="en-US" sz="1200" smtClean="0"/>
+              <a:t>然后</a:t>
+            </a:r>
+            <a:r>
+              <a:rPr lang="zh-CN" altLang="en-US" sz="1200"/>
+              <a:t>通过</a:t>
+            </a:r>
+            <a:r>
+              <a:rPr lang="en-US" altLang="zh-CN" sz="1200" err="1"/>
+              <a:t>DirectByteBuffer</a:t>
+            </a:r>
+            <a:r>
+              <a:rPr lang="zh-CN" altLang="en-US" sz="1200"/>
+              <a:t>对象作为这块内存的引用进行操作，避免</a:t>
+            </a:r>
+            <a:r>
+              <a:rPr lang="zh-CN" altLang="en-US" sz="1200" smtClean="0"/>
+              <a:t>了在</a:t>
+            </a:r>
+            <a:r>
+              <a:rPr lang="en-US" altLang="zh-CN" sz="1200"/>
+              <a:t>java</a:t>
+            </a:r>
+            <a:r>
+              <a:rPr lang="zh-CN" altLang="en-US" sz="1200"/>
+              <a:t>堆</a:t>
+            </a:r>
+            <a:r>
+              <a:rPr lang="zh-CN" altLang="en-US" sz="1200" smtClean="0"/>
+              <a:t>和</a:t>
+            </a:r>
+            <a:endParaRPr lang="en-US" altLang="zh-CN" sz="1200" smtClean="0"/>
+          </a:p>
+          <a:p>
+            <a:r>
+              <a:rPr lang="en-US" altLang="zh-CN" sz="1200" smtClean="0"/>
+              <a:t>Native</a:t>
+            </a:r>
+            <a:r>
+              <a:rPr lang="zh-CN" altLang="en-US" sz="1200"/>
+              <a:t>堆中来回复制数据，提高性能。</a:t>
+            </a:r>
+            <a:endParaRPr kumimoji="1" lang="zh-CN" altLang="en-US" sz="1200"/>
+          </a:p>
+        </p:txBody>
+      </p:sp>
+      <p:cxnSp>
+        <p:nvCxnSpPr>
+          <p:cNvPr id="73" name="直线箭头连接符 72"/>
           <p:cNvCxnSpPr/>
           <p:nvPr/>
         </p:nvCxnSpPr>
         <p:spPr>
-          <a:xfrm flipH="1" flipV="1">
-            <a:off x="8557941" y="1635227"/>
-            <a:ext cx="422996" cy="788324"/>
+          <a:xfrm flipH="1">
+            <a:off x="3782048" y="4277918"/>
+            <a:ext cx="622750" cy="312891"/>
+          </a:xfrm>
+          <a:prstGeom prst="straightConnector1">
+            <a:avLst/>
+          </a:prstGeom>
+          <a:ln>
+            <a:tailEnd type="triangle"/>
+          </a:ln>
+        </p:spPr>
+        <p:style>
+          <a:lnRef idx="1">
+            <a:schemeClr val="accent1"/>
+          </a:lnRef>
+          <a:fillRef idx="0">
+            <a:schemeClr val="accent1"/>
+          </a:fillRef>
+          <a:effectRef idx="0">
+            <a:schemeClr val="accent1"/>
+          </a:effectRef>
+          <a:fontRef idx="minor">
+            <a:schemeClr val="tx1"/>
+          </a:fontRef>
+        </p:style>
+      </p:cxnSp>
+      <p:sp>
+        <p:nvSpPr>
+          <p:cNvPr id="13" name="矩形 12"/>
+          <p:cNvSpPr/>
+          <p:nvPr/>
+        </p:nvSpPr>
+        <p:spPr>
+          <a:xfrm>
+            <a:off x="7841602" y="2032567"/>
+            <a:ext cx="208677" cy="86732"/>
+          </a:xfrm>
+          <a:prstGeom prst="rect">
+            <a:avLst/>
+          </a:prstGeom>
+          <a:solidFill>
+            <a:srgbClr val="FF0000"/>
+          </a:solidFill>
+          <a:ln>
+            <a:solidFill>
+              <a:srgbClr val="FF0000"/>
+            </a:solidFill>
+          </a:ln>
+        </p:spPr>
+        <p:style>
+          <a:lnRef idx="2">
+            <a:schemeClr val="accent1">
+              <a:shade val="50000"/>
+            </a:schemeClr>
+          </a:lnRef>
+          <a:fillRef idx="1">
+            <a:schemeClr val="accent1"/>
+          </a:fillRef>
+          <a:effectRef idx="0">
+            <a:schemeClr val="accent1"/>
+          </a:effectRef>
+          <a:fontRef idx="minor">
+            <a:schemeClr val="lt1"/>
+          </a:fontRef>
+        </p:style>
+        <p:txBody>
+          <a:bodyPr rtlCol="0" anchor="ctr"/>
+          <a:lstStyle/>
+          <a:p>
+            <a:pPr algn="ctr"/>
+            <a:endParaRPr lang="zh-CN" altLang="en-US"/>
+          </a:p>
+        </p:txBody>
+      </p:sp>
+      <p:sp>
+        <p:nvSpPr>
+          <p:cNvPr id="63" name="矩形 62"/>
+          <p:cNvSpPr/>
+          <p:nvPr/>
+        </p:nvSpPr>
+        <p:spPr>
+          <a:xfrm>
+            <a:off x="8262638" y="2029491"/>
+            <a:ext cx="208677" cy="86732"/>
+          </a:xfrm>
+          <a:prstGeom prst="rect">
+            <a:avLst/>
+          </a:prstGeom>
+          <a:solidFill>
+            <a:srgbClr val="FF0000"/>
+          </a:solidFill>
+          <a:ln>
+            <a:solidFill>
+              <a:srgbClr val="FF0000"/>
+            </a:solidFill>
+          </a:ln>
+        </p:spPr>
+        <p:style>
+          <a:lnRef idx="2">
+            <a:schemeClr val="accent1">
+              <a:shade val="50000"/>
+            </a:schemeClr>
+          </a:lnRef>
+          <a:fillRef idx="1">
+            <a:schemeClr val="accent1"/>
+          </a:fillRef>
+          <a:effectRef idx="0">
+            <a:schemeClr val="accent1"/>
+          </a:effectRef>
+          <a:fontRef idx="minor">
+            <a:schemeClr val="lt1"/>
+          </a:fontRef>
+        </p:style>
+        <p:txBody>
+          <a:bodyPr rtlCol="0" anchor="ctr"/>
+          <a:lstStyle/>
+          <a:p>
+            <a:pPr algn="ctr"/>
+            <a:endParaRPr lang="zh-CN" altLang="en-US"/>
+          </a:p>
+        </p:txBody>
+      </p:sp>
+      <p:sp>
+        <p:nvSpPr>
+          <p:cNvPr id="64" name="矩形 63"/>
+          <p:cNvSpPr/>
+          <p:nvPr/>
+        </p:nvSpPr>
+        <p:spPr>
+          <a:xfrm>
+            <a:off x="7841602" y="1576397"/>
+            <a:ext cx="208677" cy="86732"/>
+          </a:xfrm>
+          <a:prstGeom prst="rect">
+            <a:avLst/>
+          </a:prstGeom>
+          <a:solidFill>
+            <a:srgbClr val="FF0000"/>
+          </a:solidFill>
+          <a:ln>
+            <a:solidFill>
+              <a:srgbClr val="FF0000"/>
+            </a:solidFill>
+          </a:ln>
+        </p:spPr>
+        <p:style>
+          <a:lnRef idx="2">
+            <a:schemeClr val="accent1">
+              <a:shade val="50000"/>
+            </a:schemeClr>
+          </a:lnRef>
+          <a:fillRef idx="1">
+            <a:schemeClr val="accent1"/>
+          </a:fillRef>
+          <a:effectRef idx="0">
+            <a:schemeClr val="accent1"/>
+          </a:effectRef>
+          <a:fontRef idx="minor">
+            <a:schemeClr val="lt1"/>
+          </a:fontRef>
+        </p:style>
+        <p:txBody>
+          <a:bodyPr rtlCol="0" anchor="ctr"/>
+          <a:lstStyle/>
+          <a:p>
+            <a:pPr algn="ctr"/>
+            <a:endParaRPr lang="zh-CN" altLang="en-US"/>
+          </a:p>
+        </p:txBody>
+      </p:sp>
+      <p:sp>
+        <p:nvSpPr>
+          <p:cNvPr id="65" name="矩形 64"/>
+          <p:cNvSpPr/>
+          <p:nvPr/>
+        </p:nvSpPr>
+        <p:spPr>
+          <a:xfrm>
+            <a:off x="8262637" y="1567489"/>
+            <a:ext cx="208677" cy="86732"/>
+          </a:xfrm>
+          <a:prstGeom prst="rect">
+            <a:avLst/>
+          </a:prstGeom>
+          <a:solidFill>
+            <a:srgbClr val="FF0000"/>
+          </a:solidFill>
+          <a:ln>
+            <a:solidFill>
+              <a:srgbClr val="FF0000"/>
+            </a:solidFill>
+          </a:ln>
+        </p:spPr>
+        <p:style>
+          <a:lnRef idx="2">
+            <a:schemeClr val="accent1">
+              <a:shade val="50000"/>
+            </a:schemeClr>
+          </a:lnRef>
+          <a:fillRef idx="1">
+            <a:schemeClr val="accent1"/>
+          </a:fillRef>
+          <a:effectRef idx="0">
+            <a:schemeClr val="accent1"/>
+          </a:effectRef>
+          <a:fontRef idx="minor">
+            <a:schemeClr val="lt1"/>
+          </a:fontRef>
+        </p:style>
+        <p:txBody>
+          <a:bodyPr rtlCol="0" anchor="ctr"/>
+          <a:lstStyle/>
+          <a:p>
+            <a:pPr algn="ctr"/>
+            <a:endParaRPr lang="zh-CN" altLang="en-US"/>
+          </a:p>
+        </p:txBody>
+      </p:sp>
+      <p:grpSp>
+        <p:nvGrpSpPr>
+          <p:cNvPr id="53" name="组合 52"/>
+          <p:cNvGrpSpPr/>
+          <p:nvPr/>
+        </p:nvGrpSpPr>
+        <p:grpSpPr>
+          <a:xfrm>
+            <a:off x="6515963" y="1776114"/>
+            <a:ext cx="902811" cy="338554"/>
+            <a:chOff x="6984360" y="2120351"/>
+            <a:chExt cx="777470" cy="225491"/>
+          </a:xfrm>
+        </p:grpSpPr>
+        <p:sp>
+          <p:nvSpPr>
+            <p:cNvPr id="25" name="文本框 24"/>
+            <p:cNvSpPr txBox="1"/>
+            <p:nvPr/>
+          </p:nvSpPr>
+          <p:spPr>
+            <a:xfrm>
+              <a:off x="6984360" y="2120351"/>
+              <a:ext cx="777470" cy="225491"/>
+            </a:xfrm>
+            <a:prstGeom prst="rect">
+              <a:avLst/>
+            </a:prstGeom>
+            <a:noFill/>
+          </p:spPr>
+          <p:txBody>
+            <a:bodyPr wrap="none" rtlCol="0">
+              <a:spAutoFit/>
+            </a:bodyPr>
+            <a:lstStyle/>
+            <a:p>
+              <a:r>
+                <a:rPr lang="zh-CN" altLang="en-US" sz="800"/>
+                <a:t>局部变量</a:t>
+              </a:r>
+              <a:r>
+                <a:rPr lang="zh-CN" altLang="en-US" sz="800" smtClean="0"/>
+                <a:t>表：保</a:t>
+              </a:r>
+              <a:endParaRPr lang="en-US" altLang="zh-CN" sz="800" smtClean="0"/>
+            </a:p>
+            <a:p>
+              <a:r>
+                <a:rPr lang="zh-CN" altLang="en-US" sz="800" smtClean="0"/>
+                <a:t>存局部变量</a:t>
+              </a:r>
+              <a:endParaRPr lang="en-US" altLang="zh-CN" sz="800" smtClean="0"/>
+            </a:p>
+          </p:txBody>
+        </p:sp>
+        <p:sp>
+          <p:nvSpPr>
+            <p:cNvPr id="50" name="矩形 49"/>
+            <p:cNvSpPr/>
+            <p:nvPr/>
+          </p:nvSpPr>
+          <p:spPr>
+            <a:xfrm>
+              <a:off x="7005221" y="2120351"/>
+              <a:ext cx="724648" cy="208732"/>
+            </a:xfrm>
+            <a:prstGeom prst="rect">
+              <a:avLst/>
+            </a:prstGeom>
+            <a:noFill/>
+          </p:spPr>
+          <p:style>
+            <a:lnRef idx="2">
+              <a:schemeClr val="accent1">
+                <a:shade val="50000"/>
+              </a:schemeClr>
+            </a:lnRef>
+            <a:fillRef idx="1">
+              <a:schemeClr val="accent1"/>
+            </a:fillRef>
+            <a:effectRef idx="0">
+              <a:schemeClr val="accent1"/>
+            </a:effectRef>
+            <a:fontRef idx="minor">
+              <a:schemeClr val="lt1"/>
+            </a:fontRef>
+          </p:style>
+          <p:txBody>
+            <a:bodyPr rtlCol="0" anchor="ctr"/>
+            <a:lstStyle/>
+            <a:p>
+              <a:pPr algn="ctr"/>
+              <a:endParaRPr lang="zh-CN" altLang="en-US"/>
+            </a:p>
+          </p:txBody>
+        </p:sp>
+      </p:grpSp>
+      <p:cxnSp>
+        <p:nvCxnSpPr>
+          <p:cNvPr id="58" name="直接箭头连接符 57"/>
+          <p:cNvCxnSpPr>
+            <a:stCxn id="25" idx="3"/>
+            <a:endCxn id="13" idx="1"/>
+          </p:cNvCxnSpPr>
+          <p:nvPr/>
+        </p:nvCxnSpPr>
+        <p:spPr>
+          <a:xfrm>
+            <a:off x="7418774" y="1945391"/>
+            <a:ext cx="422828" cy="130542"/>
+          </a:xfrm>
+          <a:prstGeom prst="straightConnector1">
+            <a:avLst/>
+          </a:prstGeom>
+          <a:ln>
+            <a:tailEnd type="triangle"/>
+          </a:ln>
+        </p:spPr>
+        <p:style>
+          <a:lnRef idx="1">
+            <a:schemeClr val="accent1"/>
+          </a:lnRef>
+          <a:fillRef idx="0">
+            <a:schemeClr val="accent1"/>
+          </a:fillRef>
+          <a:effectRef idx="0">
+            <a:schemeClr val="accent1"/>
+          </a:effectRef>
+          <a:fontRef idx="minor">
+            <a:schemeClr val="tx1"/>
+          </a:fontRef>
+        </p:style>
+      </p:cxnSp>
+      <p:grpSp>
+        <p:nvGrpSpPr>
+          <p:cNvPr id="74" name="组合 73"/>
+          <p:cNvGrpSpPr/>
+          <p:nvPr/>
+        </p:nvGrpSpPr>
+        <p:grpSpPr>
+          <a:xfrm>
+            <a:off x="6617793" y="2301926"/>
+            <a:ext cx="595032" cy="233881"/>
+            <a:chOff x="6984363" y="2120351"/>
+            <a:chExt cx="745506" cy="237971"/>
+          </a:xfrm>
+        </p:grpSpPr>
+        <p:sp>
+          <p:nvSpPr>
+            <p:cNvPr id="75" name="文本框 74"/>
+            <p:cNvSpPr txBox="1"/>
+            <p:nvPr/>
+          </p:nvSpPr>
+          <p:spPr>
+            <a:xfrm>
+              <a:off x="6984363" y="2120352"/>
+              <a:ext cx="635876" cy="237970"/>
+            </a:xfrm>
+            <a:prstGeom prst="rect">
+              <a:avLst/>
+            </a:prstGeom>
+            <a:noFill/>
+          </p:spPr>
+          <p:txBody>
+            <a:bodyPr wrap="none" rtlCol="0">
+              <a:spAutoFit/>
+            </a:bodyPr>
+            <a:lstStyle/>
+            <a:p>
+              <a:r>
+                <a:rPr lang="zh-CN" altLang="en-US" sz="800" smtClean="0"/>
+                <a:t>操作数栈</a:t>
+              </a:r>
+              <a:endParaRPr lang="zh-CN" altLang="en-US" sz="800"/>
+            </a:p>
+          </p:txBody>
+        </p:sp>
+        <p:sp>
+          <p:nvSpPr>
+            <p:cNvPr id="76" name="矩形 75"/>
+            <p:cNvSpPr/>
+            <p:nvPr/>
+          </p:nvSpPr>
+          <p:spPr>
+            <a:xfrm>
+              <a:off x="7005221" y="2120351"/>
+              <a:ext cx="724648" cy="208732"/>
+            </a:xfrm>
+            <a:prstGeom prst="rect">
+              <a:avLst/>
+            </a:prstGeom>
+            <a:noFill/>
+          </p:spPr>
+          <p:style>
+            <a:lnRef idx="2">
+              <a:schemeClr val="accent1">
+                <a:shade val="50000"/>
+              </a:schemeClr>
+            </a:lnRef>
+            <a:fillRef idx="1">
+              <a:schemeClr val="accent1"/>
+            </a:fillRef>
+            <a:effectRef idx="0">
+              <a:schemeClr val="accent1"/>
+            </a:effectRef>
+            <a:fontRef idx="minor">
+              <a:schemeClr val="lt1"/>
+            </a:fontRef>
+          </p:style>
+          <p:txBody>
+            <a:bodyPr rtlCol="0" anchor="ctr"/>
+            <a:lstStyle/>
+            <a:p>
+              <a:pPr algn="ctr"/>
+              <a:endParaRPr lang="zh-CN" altLang="en-US"/>
+            </a:p>
+          </p:txBody>
+        </p:sp>
+      </p:grpSp>
+      <p:cxnSp>
+        <p:nvCxnSpPr>
+          <p:cNvPr id="77" name="直接箭头连接符 76"/>
+          <p:cNvCxnSpPr>
+            <a:stCxn id="76" idx="3"/>
+          </p:cNvCxnSpPr>
+          <p:nvPr/>
+        </p:nvCxnSpPr>
+        <p:spPr>
+          <a:xfrm flipV="1">
+            <a:off x="7212825" y="2140342"/>
+            <a:ext cx="1050229" cy="264157"/>
           </a:xfrm>
           <a:prstGeom prst="straightConnector1">
             <a:avLst/>
@@ -16010,16 +16626,16 @@
       </p:cxnSp>
       <p:cxnSp>
         <p:nvCxnSpPr>
-          <p:cNvPr id="59" name="直线箭头连接符 58"/>
+          <p:cNvPr id="82" name="直接箭头连接符 81"/>
           <p:cNvCxnSpPr>
-            <a:endCxn id="41" idx="3"/>
+            <a:stCxn id="43" idx="3"/>
           </p:cNvCxnSpPr>
           <p:nvPr/>
         </p:nvCxnSpPr>
         <p:spPr>
-          <a:xfrm flipH="1" flipV="1">
-            <a:off x="8540247" y="2068948"/>
-            <a:ext cx="278182" cy="354602"/>
+          <a:xfrm flipV="1">
+            <a:off x="7476803" y="2155013"/>
+            <a:ext cx="286647" cy="777889"/>
           </a:xfrm>
           <a:prstGeom prst="straightConnector1">
             <a:avLst/>
@@ -16045,17 +16661,17 @@
       </p:cxnSp>
       <p:cxnSp>
         <p:nvCxnSpPr>
-          <p:cNvPr id="67" name="直线箭头连接符 66"/>
+          <p:cNvPr id="84" name="直接箭头连接符 83"/>
           <p:cNvCxnSpPr>
-            <a:stCxn id="43" idx="1"/>
-            <a:endCxn id="40" idx="3"/>
+            <a:stCxn id="43" idx="3"/>
+            <a:endCxn id="42" idx="1"/>
           </p:cNvCxnSpPr>
           <p:nvPr/>
         </p:nvCxnSpPr>
         <p:spPr>
-          <a:xfrm flipH="1" flipV="1">
-            <a:off x="8540247" y="2534905"/>
-            <a:ext cx="210862" cy="6309"/>
+          <a:xfrm flipV="1">
+            <a:off x="7476803" y="1602991"/>
+            <a:ext cx="294008" cy="1329911"/>
           </a:xfrm>
           <a:prstGeom prst="straightConnector1">
             <a:avLst/>
@@ -16081,14 +16697,106 @@
       </p:cxnSp>
       <p:sp>
         <p:nvSpPr>
-          <p:cNvPr id="71" name="文本框 70"/>
+          <p:cNvPr id="86" name="矩形 85"/>
+          <p:cNvSpPr/>
+          <p:nvPr/>
+        </p:nvSpPr>
+        <p:spPr>
+          <a:xfrm>
+            <a:off x="8535019" y="816765"/>
+            <a:ext cx="769435" cy="1988288"/>
+          </a:xfrm>
+          <a:prstGeom prst="rect">
+            <a:avLst/>
+          </a:prstGeom>
+          <a:noFill/>
+          <a:ln>
+            <a:solidFill>
+              <a:srgbClr val="00B050"/>
+            </a:solidFill>
+          </a:ln>
+        </p:spPr>
+        <p:style>
+          <a:lnRef idx="2">
+            <a:schemeClr val="accent1">
+              <a:shade val="50000"/>
+            </a:schemeClr>
+          </a:lnRef>
+          <a:fillRef idx="1">
+            <a:schemeClr val="accent1"/>
+          </a:fillRef>
+          <a:effectRef idx="0">
+            <a:schemeClr val="accent1"/>
+          </a:effectRef>
+          <a:fontRef idx="minor">
+            <a:schemeClr val="lt1"/>
+          </a:fontRef>
+        </p:style>
+        <p:txBody>
+          <a:bodyPr rtlCol="0" anchor="ctr"/>
+          <a:lstStyle/>
+          <a:p>
+            <a:pPr algn="ctr"/>
+            <a:endParaRPr kumimoji="1" lang="zh-CN" altLang="en-US"/>
+          </a:p>
+        </p:txBody>
+      </p:sp>
+      <p:sp>
+        <p:nvSpPr>
+          <p:cNvPr id="87" name="矩形 86"/>
+          <p:cNvSpPr/>
+          <p:nvPr/>
+        </p:nvSpPr>
+        <p:spPr>
+          <a:xfrm>
+            <a:off x="9318253" y="815236"/>
+            <a:ext cx="769435" cy="1988288"/>
+          </a:xfrm>
+          <a:prstGeom prst="rect">
+            <a:avLst/>
+          </a:prstGeom>
+          <a:noFill/>
+          <a:ln>
+            <a:solidFill>
+              <a:srgbClr val="00B050"/>
+            </a:solidFill>
+          </a:ln>
+        </p:spPr>
+        <p:style>
+          <a:lnRef idx="2">
+            <a:schemeClr val="accent1">
+              <a:shade val="50000"/>
+            </a:schemeClr>
+          </a:lnRef>
+          <a:fillRef idx="1">
+            <a:schemeClr val="accent1"/>
+          </a:fillRef>
+          <a:effectRef idx="0">
+            <a:schemeClr val="accent1"/>
+          </a:effectRef>
+          <a:fontRef idx="minor">
+            <a:schemeClr val="lt1"/>
+          </a:fontRef>
+        </p:style>
+        <p:txBody>
+          <a:bodyPr rtlCol="0" anchor="ctr"/>
+          <a:lstStyle/>
+          <a:p>
+            <a:pPr algn="ctr"/>
+            <a:endParaRPr kumimoji="1" lang="zh-CN" altLang="en-US"/>
+          </a:p>
+        </p:txBody>
+      </p:sp>
+      <p:sp>
+        <p:nvSpPr>
+          <p:cNvPr id="88" name="文本框 87"/>
           <p:cNvSpPr txBox="1"/>
           <p:nvPr/>
         </p:nvSpPr>
         <p:spPr>
           <a:xfrm>
-            <a:off x="1325108" y="4590809"/>
-            <a:ext cx="6433171" cy="646331"/>
+            <a:off x="8588461" y="1726487"/>
+            <a:ext cx="646331" cy="461665"/>
           </a:xfrm>
           <a:prstGeom prst="rect">
             <a:avLst/>
@@ -16102,136 +16810,357 @@
           <a:lstStyle/>
           <a:p>
             <a:r>
-              <a:rPr lang="zh-CN" altLang="en-US" sz="1200" b="1" smtClean="0"/>
-              <a:t>直接内存</a:t>
-            </a:r>
-            <a:r>
-              <a:rPr lang="en-US" altLang="zh-CN" sz="1200" b="1" smtClean="0"/>
-              <a:t>(</a:t>
-            </a:r>
-            <a:r>
-              <a:rPr lang="zh-CN" altLang="en-US" sz="1200" b="1" smtClean="0"/>
-              <a:t>堆外内存</a:t>
-            </a:r>
-            <a:r>
-              <a:rPr lang="en-US" altLang="zh-CN" sz="1200" b="1" smtClean="0"/>
-              <a:t>)</a:t>
-            </a:r>
-            <a:r>
-              <a:rPr lang="zh-CN" altLang="en-US" sz="1200" b="1" smtClean="0"/>
-              <a:t>：</a:t>
-            </a:r>
-            <a:r>
-              <a:rPr lang="zh-CN" altLang="en-US" sz="1200" smtClean="0"/>
-              <a:t>不</a:t>
-            </a:r>
-            <a:r>
-              <a:rPr lang="zh-CN" altLang="en-US" sz="1200"/>
-              <a:t>是运行时数据区的一部分，</a:t>
-            </a:r>
-            <a:r>
-              <a:rPr lang="en-US" altLang="zh-CN" sz="1200"/>
-              <a:t>NIO</a:t>
-            </a:r>
-            <a:r>
-              <a:rPr lang="zh-CN" altLang="en-US" sz="1200"/>
-              <a:t>通过</a:t>
-            </a:r>
-            <a:r>
-              <a:rPr lang="en-US" altLang="zh-CN" sz="1200"/>
-              <a:t>Native</a:t>
-            </a:r>
-            <a:r>
-              <a:rPr lang="zh-CN" altLang="en-US" sz="1200"/>
-              <a:t>函数直接分配堆外内存</a:t>
-            </a:r>
-            <a:r>
-              <a:rPr lang="zh-CN" altLang="en-US" sz="1200" smtClean="0"/>
-              <a:t>，</a:t>
-            </a:r>
-            <a:endParaRPr lang="en-US" altLang="zh-CN" sz="1200" smtClean="0"/>
-          </a:p>
-          <a:p>
-            <a:r>
-              <a:rPr lang="zh-CN" altLang="en-US" sz="1200" smtClean="0"/>
-              <a:t>然后</a:t>
-            </a:r>
-            <a:r>
-              <a:rPr lang="zh-CN" altLang="en-US" sz="1200"/>
-              <a:t>通过</a:t>
-            </a:r>
-            <a:r>
-              <a:rPr lang="en-US" altLang="zh-CN" sz="1200" err="1"/>
-              <a:t>DirectByteBuffer</a:t>
-            </a:r>
-            <a:r>
-              <a:rPr lang="zh-CN" altLang="en-US" sz="1200"/>
-              <a:t>对象作为这块内存的引用进行操作，避免</a:t>
-            </a:r>
-            <a:r>
-              <a:rPr lang="zh-CN" altLang="en-US" sz="1200" smtClean="0"/>
-              <a:t>了在</a:t>
-            </a:r>
-            <a:r>
-              <a:rPr lang="en-US" altLang="zh-CN" sz="1200"/>
-              <a:t>java</a:t>
-            </a:r>
-            <a:r>
-              <a:rPr lang="zh-CN" altLang="en-US" sz="1200"/>
-              <a:t>堆</a:t>
-            </a:r>
-            <a:r>
-              <a:rPr lang="zh-CN" altLang="en-US" sz="1200" smtClean="0"/>
-              <a:t>和</a:t>
-            </a:r>
-            <a:endParaRPr lang="en-US" altLang="zh-CN" sz="1200" smtClean="0"/>
-          </a:p>
-          <a:p>
-            <a:r>
-              <a:rPr lang="en-US" altLang="zh-CN" sz="1200" smtClean="0"/>
-              <a:t>Native</a:t>
-            </a:r>
-            <a:r>
-              <a:rPr lang="zh-CN" altLang="en-US" sz="1200"/>
-              <a:t>堆中来回复制数据，提高性能。</a:t>
-            </a:r>
-            <a:endParaRPr kumimoji="1" lang="zh-CN" altLang="en-US" sz="1200"/>
-          </a:p>
-        </p:txBody>
-      </p:sp>
-      <p:cxnSp>
-        <p:nvCxnSpPr>
-          <p:cNvPr id="73" name="直线箭头连接符 72"/>
-          <p:cNvCxnSpPr/>
-          <p:nvPr/>
-        </p:nvCxnSpPr>
-        <p:spPr>
-          <a:xfrm flipH="1">
-            <a:off x="3782048" y="4277918"/>
-            <a:ext cx="622750" cy="312891"/>
-          </a:xfrm>
-          <a:prstGeom prst="straightConnector1">
-            <a:avLst/>
-          </a:prstGeom>
-          <a:ln>
-            <a:tailEnd type="triangle"/>
-          </a:ln>
-        </p:spPr>
-        <p:style>
-          <a:lnRef idx="1">
-            <a:schemeClr val="accent1"/>
-          </a:lnRef>
-          <a:fillRef idx="0">
-            <a:schemeClr val="accent1"/>
-          </a:fillRef>
-          <a:effectRef idx="0">
-            <a:schemeClr val="accent1"/>
-          </a:effectRef>
-          <a:fontRef idx="minor">
-            <a:schemeClr val="tx1"/>
-          </a:fontRef>
-        </p:style>
-      </p:cxnSp>
+              <a:rPr kumimoji="1" lang="en-US" altLang="zh-CN" sz="1200" smtClean="0">
+                <a:solidFill>
+                  <a:srgbClr val="FF0000"/>
+                </a:solidFill>
+              </a:rPr>
+              <a:t>Thread</a:t>
+            </a:r>
+          </a:p>
+          <a:p>
+            <a:r>
+              <a:rPr kumimoji="1" lang="en-US" altLang="zh-CN" sz="1200">
+                <a:solidFill>
+                  <a:srgbClr val="FF0000"/>
+                </a:solidFill>
+              </a:rPr>
+              <a:t> </a:t>
+            </a:r>
+            <a:r>
+              <a:rPr kumimoji="1" lang="en-US" altLang="zh-CN" sz="1200" smtClean="0">
+                <a:solidFill>
+                  <a:srgbClr val="FF0000"/>
+                </a:solidFill>
+              </a:rPr>
+              <a:t>   </a:t>
+            </a:r>
+            <a:r>
+              <a:rPr kumimoji="1" lang="en-US" altLang="zh-CN" sz="1200" smtClean="0">
+                <a:solidFill>
+                  <a:srgbClr val="FF0000"/>
+                </a:solidFill>
+              </a:rPr>
+              <a:t>2</a:t>
+            </a:r>
+            <a:endParaRPr kumimoji="1" lang="zh-CN" altLang="en-US" sz="1200">
+              <a:solidFill>
+                <a:srgbClr val="FF0000"/>
+              </a:solidFill>
+            </a:endParaRPr>
+          </a:p>
+        </p:txBody>
+      </p:sp>
+      <p:sp>
+        <p:nvSpPr>
+          <p:cNvPr id="89" name="文本框 88"/>
+          <p:cNvSpPr txBox="1"/>
+          <p:nvPr/>
+        </p:nvSpPr>
+        <p:spPr>
+          <a:xfrm>
+            <a:off x="9379804" y="1722648"/>
+            <a:ext cx="646331" cy="461665"/>
+          </a:xfrm>
+          <a:prstGeom prst="rect">
+            <a:avLst/>
+          </a:prstGeom>
+          <a:noFill/>
+        </p:spPr>
+        <p:txBody>
+          <a:bodyPr wrap="none" rtlCol="0">
+            <a:spAutoFit/>
+          </a:bodyPr>
+          <a:lstStyle/>
+          <a:p>
+            <a:r>
+              <a:rPr kumimoji="1" lang="en-US" altLang="zh-CN" sz="1200" smtClean="0">
+                <a:solidFill>
+                  <a:srgbClr val="FF0000"/>
+                </a:solidFill>
+              </a:rPr>
+              <a:t>Thread</a:t>
+            </a:r>
+          </a:p>
+          <a:p>
+            <a:r>
+              <a:rPr kumimoji="1" lang="en-US" altLang="zh-CN" sz="1200">
+                <a:solidFill>
+                  <a:srgbClr val="FF0000"/>
+                </a:solidFill>
+              </a:rPr>
+              <a:t> </a:t>
+            </a:r>
+            <a:r>
+              <a:rPr kumimoji="1" lang="en-US" altLang="zh-CN" sz="1200" smtClean="0">
+                <a:solidFill>
+                  <a:srgbClr val="FF0000"/>
+                </a:solidFill>
+              </a:rPr>
+              <a:t>   </a:t>
+            </a:r>
+            <a:r>
+              <a:rPr kumimoji="1" lang="en-US" altLang="zh-CN" sz="1200">
+                <a:solidFill>
+                  <a:srgbClr val="FF0000"/>
+                </a:solidFill>
+              </a:rPr>
+              <a:t>3</a:t>
+            </a:r>
+            <a:endParaRPr kumimoji="1" lang="zh-CN" altLang="en-US" sz="1200">
+              <a:solidFill>
+                <a:srgbClr val="FF0000"/>
+              </a:solidFill>
+            </a:endParaRPr>
+          </a:p>
+        </p:txBody>
+      </p:sp>
+      <p:sp>
+        <p:nvSpPr>
+          <p:cNvPr id="90" name="文本框 89"/>
+          <p:cNvSpPr txBox="1"/>
+          <p:nvPr/>
+        </p:nvSpPr>
+        <p:spPr>
+          <a:xfrm>
+            <a:off x="7989717" y="2755654"/>
+            <a:ext cx="338554" cy="276999"/>
+          </a:xfrm>
+          <a:prstGeom prst="rect">
+            <a:avLst/>
+          </a:prstGeom>
+          <a:noFill/>
+        </p:spPr>
+        <p:txBody>
+          <a:bodyPr wrap="none" rtlCol="0">
+            <a:spAutoFit/>
+          </a:bodyPr>
+          <a:lstStyle/>
+          <a:p>
+            <a:r>
+              <a:rPr kumimoji="1" lang="zh-CN" altLang="en-US" sz="1200" smtClean="0">
+                <a:solidFill>
+                  <a:srgbClr val="FF0000"/>
+                </a:solidFill>
+              </a:rPr>
+              <a:t>栈</a:t>
+            </a:r>
+            <a:endParaRPr kumimoji="1" lang="zh-CN" altLang="en-US" sz="1200">
+              <a:solidFill>
+                <a:srgbClr val="FF0000"/>
+              </a:solidFill>
+            </a:endParaRPr>
+          </a:p>
+        </p:txBody>
+      </p:sp>
+      <p:sp>
+        <p:nvSpPr>
+          <p:cNvPr id="91" name="文本框 90"/>
+          <p:cNvSpPr txBox="1"/>
+          <p:nvPr/>
+        </p:nvSpPr>
+        <p:spPr>
+          <a:xfrm>
+            <a:off x="8770860" y="2769513"/>
+            <a:ext cx="338554" cy="228925"/>
+          </a:xfrm>
+          <a:prstGeom prst="rect">
+            <a:avLst/>
+          </a:prstGeom>
+          <a:noFill/>
+        </p:spPr>
+        <p:txBody>
+          <a:bodyPr wrap="square" rtlCol="0">
+            <a:spAutoFit/>
+          </a:bodyPr>
+          <a:lstStyle/>
+          <a:p>
+            <a:r>
+              <a:rPr kumimoji="1" lang="zh-CN" altLang="en-US" sz="1200" smtClean="0">
+                <a:solidFill>
+                  <a:srgbClr val="FF0000"/>
+                </a:solidFill>
+              </a:rPr>
+              <a:t>栈</a:t>
+            </a:r>
+            <a:endParaRPr kumimoji="1" lang="zh-CN" altLang="en-US" sz="1200">
+              <a:solidFill>
+                <a:srgbClr val="FF0000"/>
+              </a:solidFill>
+            </a:endParaRPr>
+          </a:p>
+        </p:txBody>
+      </p:sp>
+      <p:sp>
+        <p:nvSpPr>
+          <p:cNvPr id="92" name="文本框 91"/>
+          <p:cNvSpPr txBox="1"/>
+          <p:nvPr/>
+        </p:nvSpPr>
+        <p:spPr>
+          <a:xfrm>
+            <a:off x="9491226" y="2757522"/>
+            <a:ext cx="338554" cy="276999"/>
+          </a:xfrm>
+          <a:prstGeom prst="rect">
+            <a:avLst/>
+          </a:prstGeom>
+          <a:noFill/>
+        </p:spPr>
+        <p:txBody>
+          <a:bodyPr wrap="none" rtlCol="0">
+            <a:spAutoFit/>
+          </a:bodyPr>
+          <a:lstStyle/>
+          <a:p>
+            <a:r>
+              <a:rPr kumimoji="1" lang="zh-CN" altLang="en-US" sz="1200" smtClean="0">
+                <a:solidFill>
+                  <a:srgbClr val="FF0000"/>
+                </a:solidFill>
+              </a:rPr>
+              <a:t>栈</a:t>
+            </a:r>
+            <a:endParaRPr kumimoji="1" lang="zh-CN" altLang="en-US" sz="1200">
+              <a:solidFill>
+                <a:srgbClr val="FF0000"/>
+              </a:solidFill>
+            </a:endParaRPr>
+          </a:p>
+        </p:txBody>
+      </p:sp>
+      <p:grpSp>
+        <p:nvGrpSpPr>
+          <p:cNvPr id="98" name="组合 97"/>
+          <p:cNvGrpSpPr/>
+          <p:nvPr/>
+        </p:nvGrpSpPr>
+        <p:grpSpPr>
+          <a:xfrm>
+            <a:off x="8366975" y="3036830"/>
+            <a:ext cx="1404511" cy="215444"/>
+            <a:chOff x="8445218" y="3028445"/>
+            <a:chExt cx="1404511" cy="215444"/>
+          </a:xfrm>
+        </p:grpSpPr>
+        <p:sp>
+          <p:nvSpPr>
+            <p:cNvPr id="96" name="文本框 95"/>
+            <p:cNvSpPr txBox="1"/>
+            <p:nvPr/>
+          </p:nvSpPr>
+          <p:spPr>
+            <a:xfrm>
+              <a:off x="8445218" y="3028445"/>
+              <a:ext cx="1404511" cy="215444"/>
+            </a:xfrm>
+            <a:prstGeom prst="rect">
+              <a:avLst/>
+            </a:prstGeom>
+            <a:noFill/>
+          </p:spPr>
+          <p:txBody>
+            <a:bodyPr wrap="square" rtlCol="0">
+              <a:spAutoFit/>
+            </a:bodyPr>
+            <a:lstStyle/>
+            <a:p>
+              <a:r>
+                <a:rPr lang="zh-CN" altLang="en-US" sz="800" smtClean="0"/>
+                <a:t>每个线程都有自己的一个栈</a:t>
+              </a:r>
+              <a:endParaRPr lang="zh-CN" altLang="en-US" sz="800"/>
+            </a:p>
+          </p:txBody>
+        </p:sp>
+        <p:sp>
+          <p:nvSpPr>
+            <p:cNvPr id="97" name="矩形 96"/>
+            <p:cNvSpPr/>
+            <p:nvPr/>
+          </p:nvSpPr>
+          <p:spPr>
+            <a:xfrm>
+              <a:off x="8484519" y="3028445"/>
+              <a:ext cx="1345261" cy="215444"/>
+            </a:xfrm>
+            <a:prstGeom prst="rect">
+              <a:avLst/>
+            </a:prstGeom>
+            <a:noFill/>
+          </p:spPr>
+          <p:style>
+            <a:lnRef idx="2">
+              <a:schemeClr val="accent1">
+                <a:shade val="50000"/>
+              </a:schemeClr>
+            </a:lnRef>
+            <a:fillRef idx="1">
+              <a:schemeClr val="accent1"/>
+            </a:fillRef>
+            <a:effectRef idx="0">
+              <a:schemeClr val="accent1"/>
+            </a:effectRef>
+            <a:fontRef idx="minor">
+              <a:schemeClr val="lt1"/>
+            </a:fontRef>
+          </p:style>
+          <p:txBody>
+            <a:bodyPr rtlCol="0" anchor="ctr"/>
+            <a:lstStyle/>
+            <a:p>
+              <a:pPr algn="ctr"/>
+              <a:endParaRPr lang="zh-CN" altLang="en-US"/>
+            </a:p>
+          </p:txBody>
+        </p:sp>
+      </p:grpSp>
+      <p:sp>
+        <p:nvSpPr>
+          <p:cNvPr id="99" name="文本框 98"/>
+          <p:cNvSpPr txBox="1"/>
+          <p:nvPr/>
+        </p:nvSpPr>
+        <p:spPr>
+          <a:xfrm>
+            <a:off x="312234" y="5633985"/>
+            <a:ext cx="2637260" cy="261610"/>
+          </a:xfrm>
+          <a:prstGeom prst="rect">
+            <a:avLst/>
+          </a:prstGeom>
+          <a:noFill/>
+        </p:spPr>
+        <p:txBody>
+          <a:bodyPr wrap="none" rtlCol="0">
+            <a:spAutoFit/>
+          </a:bodyPr>
+          <a:lstStyle/>
+          <a:p>
+            <a:r>
+              <a:rPr kumimoji="1" lang="zh-CN" altLang="en-US" sz="1100" smtClean="0"/>
+              <a:t>程序计数器：</a:t>
+            </a:r>
+            <a:r>
+              <a:rPr kumimoji="1" lang="zh-CN" altLang="en-US" sz="1100" smtClean="0"/>
+              <a:t>唯一</a:t>
+            </a:r>
+            <a:r>
+              <a:rPr kumimoji="1" lang="zh-CN" altLang="en-US" sz="1100" smtClean="0"/>
+              <a:t>没有</a:t>
+            </a:r>
+            <a:r>
+              <a:rPr kumimoji="1" lang="en-US" altLang="zh-CN" sz="1100" smtClean="0"/>
+              <a:t>OOM</a:t>
+            </a:r>
+            <a:r>
+              <a:rPr kumimoji="1" lang="zh-CN" altLang="en-US" sz="1100" smtClean="0"/>
+              <a:t>的内存区域</a:t>
+            </a:r>
+            <a:endParaRPr kumimoji="1" lang="zh-CN" altLang="en-US" sz="1100"/>
+          </a:p>
+        </p:txBody>
+      </p:sp>
     </p:spTree>
     <p:extLst>
       <p:ext uri="{BB962C8B-B14F-4D97-AF65-F5344CB8AC3E}">

--- a/doc/doc.pptx
+++ b/doc/doc.pptx
@@ -214,7 +214,7 @@
           <a:p>
             <a:fld id="{A3D7CE87-9499-D644-9D39-658681EEDA03}" type="datetimeFigureOut">
               <a:rPr kumimoji="1" lang="zh-CN" altLang="en-US" smtClean="0"/>
-              <a:t>2020/3/5</a:t>
+              <a:t>2020/3/6</a:t>
             </a:fld>
             <a:endParaRPr kumimoji="1" lang="zh-CN" altLang="en-US"/>
           </a:p>
@@ -1252,7 +1252,7 @@
           <a:p>
             <a:fld id="{79C7BEE9-4014-F74B-8041-D28506CB9C48}" type="datetimeFigureOut">
               <a:rPr kumimoji="1" lang="zh-CN" altLang="en-US" smtClean="0"/>
-              <a:t>2020/3/5</a:t>
+              <a:t>2020/3/6</a:t>
             </a:fld>
             <a:endParaRPr kumimoji="1" lang="zh-CN" altLang="en-US"/>
           </a:p>
@@ -1422,7 +1422,7 @@
           <a:p>
             <a:fld id="{79C7BEE9-4014-F74B-8041-D28506CB9C48}" type="datetimeFigureOut">
               <a:rPr kumimoji="1" lang="zh-CN" altLang="en-US" smtClean="0"/>
-              <a:t>2020/3/5</a:t>
+              <a:t>2020/3/6</a:t>
             </a:fld>
             <a:endParaRPr kumimoji="1" lang="zh-CN" altLang="en-US"/>
           </a:p>
@@ -1602,7 +1602,7 @@
           <a:p>
             <a:fld id="{79C7BEE9-4014-F74B-8041-D28506CB9C48}" type="datetimeFigureOut">
               <a:rPr kumimoji="1" lang="zh-CN" altLang="en-US" smtClean="0"/>
-              <a:t>2020/3/5</a:t>
+              <a:t>2020/3/6</a:t>
             </a:fld>
             <a:endParaRPr kumimoji="1" lang="zh-CN" altLang="en-US"/>
           </a:p>
@@ -1772,7 +1772,7 @@
           <a:p>
             <a:fld id="{79C7BEE9-4014-F74B-8041-D28506CB9C48}" type="datetimeFigureOut">
               <a:rPr kumimoji="1" lang="zh-CN" altLang="en-US" smtClean="0"/>
-              <a:t>2020/3/5</a:t>
+              <a:t>2020/3/6</a:t>
             </a:fld>
             <a:endParaRPr kumimoji="1" lang="zh-CN" altLang="en-US"/>
           </a:p>
@@ -2018,7 +2018,7 @@
           <a:p>
             <a:fld id="{79C7BEE9-4014-F74B-8041-D28506CB9C48}" type="datetimeFigureOut">
               <a:rPr kumimoji="1" lang="zh-CN" altLang="en-US" smtClean="0"/>
-              <a:t>2020/3/5</a:t>
+              <a:t>2020/3/6</a:t>
             </a:fld>
             <a:endParaRPr kumimoji="1" lang="zh-CN" altLang="en-US"/>
           </a:p>
@@ -2250,7 +2250,7 @@
           <a:p>
             <a:fld id="{79C7BEE9-4014-F74B-8041-D28506CB9C48}" type="datetimeFigureOut">
               <a:rPr kumimoji="1" lang="zh-CN" altLang="en-US" smtClean="0"/>
-              <a:t>2020/3/5</a:t>
+              <a:t>2020/3/6</a:t>
             </a:fld>
             <a:endParaRPr kumimoji="1" lang="zh-CN" altLang="en-US"/>
           </a:p>
@@ -2617,7 +2617,7 @@
           <a:p>
             <a:fld id="{79C7BEE9-4014-F74B-8041-D28506CB9C48}" type="datetimeFigureOut">
               <a:rPr kumimoji="1" lang="zh-CN" altLang="en-US" smtClean="0"/>
-              <a:t>2020/3/5</a:t>
+              <a:t>2020/3/6</a:t>
             </a:fld>
             <a:endParaRPr kumimoji="1" lang="zh-CN" altLang="en-US"/>
           </a:p>
@@ -2735,7 +2735,7 @@
           <a:p>
             <a:fld id="{79C7BEE9-4014-F74B-8041-D28506CB9C48}" type="datetimeFigureOut">
               <a:rPr kumimoji="1" lang="zh-CN" altLang="en-US" smtClean="0"/>
-              <a:t>2020/3/5</a:t>
+              <a:t>2020/3/6</a:t>
             </a:fld>
             <a:endParaRPr kumimoji="1" lang="zh-CN" altLang="en-US"/>
           </a:p>
@@ -2830,7 +2830,7 @@
           <a:p>
             <a:fld id="{79C7BEE9-4014-F74B-8041-D28506CB9C48}" type="datetimeFigureOut">
               <a:rPr kumimoji="1" lang="zh-CN" altLang="en-US" smtClean="0"/>
-              <a:t>2020/3/5</a:t>
+              <a:t>2020/3/6</a:t>
             </a:fld>
             <a:endParaRPr kumimoji="1" lang="zh-CN" altLang="en-US"/>
           </a:p>
@@ -3107,7 +3107,7 @@
           <a:p>
             <a:fld id="{79C7BEE9-4014-F74B-8041-D28506CB9C48}" type="datetimeFigureOut">
               <a:rPr kumimoji="1" lang="zh-CN" altLang="en-US" smtClean="0"/>
-              <a:t>2020/3/5</a:t>
+              <a:t>2020/3/6</a:t>
             </a:fld>
             <a:endParaRPr kumimoji="1" lang="zh-CN" altLang="en-US"/>
           </a:p>
@@ -3360,7 +3360,7 @@
           <a:p>
             <a:fld id="{79C7BEE9-4014-F74B-8041-D28506CB9C48}" type="datetimeFigureOut">
               <a:rPr kumimoji="1" lang="zh-CN" altLang="en-US" smtClean="0"/>
-              <a:t>2020/3/5</a:t>
+              <a:t>2020/3/6</a:t>
             </a:fld>
             <a:endParaRPr kumimoji="1" lang="zh-CN" altLang="en-US"/>
           </a:p>
@@ -3573,7 +3573,7 @@
           <a:p>
             <a:fld id="{79C7BEE9-4014-F74B-8041-D28506CB9C48}" type="datetimeFigureOut">
               <a:rPr kumimoji="1" lang="zh-CN" altLang="en-US" smtClean="0"/>
-              <a:t>2020/3/5</a:t>
+              <a:t>2020/3/6</a:t>
             </a:fld>
             <a:endParaRPr kumimoji="1" lang="zh-CN" altLang="en-US"/>
           </a:p>
@@ -15565,11 +15565,7 @@
             </a:r>
             <a:r>
               <a:rPr kumimoji="1" lang="zh-CN" altLang="en-US" sz="900"/>
-              <a:t>当前线程执行</a:t>
-            </a:r>
-            <a:r>
-              <a:rPr kumimoji="1" lang="zh-CN" altLang="en-US" sz="900"/>
-              <a:t>字节</a:t>
+              <a:t>当前线程执行字节</a:t>
             </a:r>
             <a:r>
               <a:rPr kumimoji="1" lang="zh-CN" altLang="en-US" sz="900" smtClean="0"/>
@@ -16833,15 +16829,7 @@
                   <a:srgbClr val="FF0000"/>
                 </a:solidFill>
               </a:rPr>
-              <a:t>   </a:t>
-            </a:r>
-            <a:r>
-              <a:rPr kumimoji="1" lang="en-US" altLang="zh-CN" sz="1200" smtClean="0">
-                <a:solidFill>
-                  <a:srgbClr val="FF0000"/>
-                </a:solidFill>
-              </a:rPr>
-              <a:t>2</a:t>
+              <a:t>   2</a:t>
             </a:r>
             <a:endParaRPr kumimoji="1" lang="zh-CN" altLang="en-US" sz="1200">
               <a:solidFill>
@@ -17037,8 +17025,8 @@
         </p:nvGrpSpPr>
         <p:grpSpPr>
           <a:xfrm>
-            <a:off x="8366975" y="3036830"/>
-            <a:ext cx="1404511" cy="215444"/>
+            <a:off x="8085393" y="3036830"/>
+            <a:ext cx="2048041" cy="260829"/>
             <a:chOff x="8445218" y="3028445"/>
             <a:chExt cx="1404511" cy="215444"/>
           </a:xfrm>
@@ -17052,7 +17040,7 @@
           <p:spPr>
             <a:xfrm>
               <a:off x="8445218" y="3028445"/>
-              <a:ext cx="1404511" cy="215444"/>
+              <a:ext cx="1404511" cy="155166"/>
             </a:xfrm>
             <a:prstGeom prst="rect">
               <a:avLst/>
@@ -17067,7 +17055,19 @@
             <a:p>
               <a:r>
                 <a:rPr lang="zh-CN" altLang="en-US" sz="800" smtClean="0"/>
-                <a:t>每个线程都有自己的一个栈</a:t>
+                <a:t>每个线程都有自己的一个</a:t>
+              </a:r>
+              <a:r>
+                <a:rPr lang="zh-CN" altLang="en-US" sz="800" smtClean="0"/>
+                <a:t>栈（</a:t>
+              </a:r>
+              <a:r>
+                <a:rPr lang="en-US" altLang="zh-CN" sz="800" smtClean="0"/>
+                <a:t>1M</a:t>
+              </a:r>
+              <a:r>
+                <a:rPr lang="zh-CN" altLang="en-US" sz="800" smtClean="0"/>
+                <a:t>）</a:t>
               </a:r>
               <a:endParaRPr lang="zh-CN" altLang="en-US" sz="800"/>
             </a:p>
@@ -17139,15 +17139,7 @@
           <a:p>
             <a:r>
               <a:rPr kumimoji="1" lang="zh-CN" altLang="en-US" sz="1100" smtClean="0"/>
-              <a:t>程序计数器：</a:t>
-            </a:r>
-            <a:r>
-              <a:rPr kumimoji="1" lang="zh-CN" altLang="en-US" sz="1100" smtClean="0"/>
-              <a:t>唯一</a:t>
-            </a:r>
-            <a:r>
-              <a:rPr kumimoji="1" lang="zh-CN" altLang="en-US" sz="1100" smtClean="0"/>
-              <a:t>没有</a:t>
+              <a:t>程序计数器：唯一没有</a:t>
             </a:r>
             <a:r>
               <a:rPr kumimoji="1" lang="en-US" altLang="zh-CN" sz="1100" smtClean="0"/>
@@ -21606,9 +21598,57 @@
                   <a:schemeClr val="tx1"/>
                 </a:solidFill>
               </a:rPr>
-              <a:t>老年代</a:t>
-            </a:r>
-            <a:endParaRPr kumimoji="1" lang="zh-CN" altLang="en-US" sz="1200">
+              <a:t>老</a:t>
+            </a:r>
+            <a:r>
+              <a:rPr kumimoji="1" lang="zh-CN" altLang="en-US" sz="1200" smtClean="0">
+                <a:solidFill>
+                  <a:schemeClr val="tx1"/>
+                </a:solidFill>
+              </a:rPr>
+              <a:t>年代</a:t>
+            </a:r>
+            <a:r>
+              <a:rPr kumimoji="1" lang="en-US" altLang="zh-CN" sz="800" smtClean="0">
+                <a:solidFill>
+                  <a:schemeClr val="tx1"/>
+                </a:solidFill>
+              </a:rPr>
+              <a:t>(</a:t>
+            </a:r>
+            <a:r>
+              <a:rPr kumimoji="1" lang="zh-CN" altLang="en-US" sz="800" smtClean="0">
+                <a:solidFill>
+                  <a:schemeClr val="tx1"/>
+                </a:solidFill>
+              </a:rPr>
+              <a:t>为了减少</a:t>
+            </a:r>
+            <a:r>
+              <a:rPr kumimoji="1" lang="en-US" altLang="zh-CN" sz="800" smtClean="0">
+                <a:solidFill>
+                  <a:schemeClr val="tx1"/>
+                </a:solidFill>
+              </a:rPr>
+              <a:t>full gc</a:t>
+            </a:r>
+            <a:r>
+              <a:rPr kumimoji="1" lang="zh-CN" altLang="en-US" sz="800" smtClean="0">
+                <a:solidFill>
+                  <a:schemeClr val="tx1"/>
+                </a:solidFill>
+              </a:rPr>
+              <a:t>时间</a:t>
+            </a:r>
+            <a:r>
+              <a:rPr kumimoji="1" lang="en-US" altLang="zh-CN" sz="800" smtClean="0">
+                <a:solidFill>
+                  <a:schemeClr val="tx1"/>
+                </a:solidFill>
+              </a:rPr>
+              <a:t>)</a:t>
+            </a:r>
+            <a:endParaRPr kumimoji="1" lang="en-US" altLang="zh-CN" sz="800" smtClean="0">
               <a:solidFill>
                 <a:schemeClr val="tx1"/>
               </a:solidFill>
@@ -21975,7 +22015,7 @@
         </p:nvSpPr>
         <p:spPr>
           <a:xfrm>
-            <a:off x="390293" y="5341434"/>
+            <a:off x="390293" y="4872074"/>
             <a:ext cx="8682185" cy="938719"/>
           </a:xfrm>
           <a:prstGeom prst="rect">
@@ -22176,6 +22216,48 @@
             <a:r>
               <a:rPr lang="zh-CN" altLang="en-US" sz="1100" b="1"/>
               <a:t>此为新生代最常用的算法</a:t>
+            </a:r>
+            <a:endParaRPr kumimoji="1" lang="zh-CN" altLang="en-US" sz="1100"/>
+          </a:p>
+        </p:txBody>
+      </p:sp>
+      <p:sp>
+        <p:nvSpPr>
+          <p:cNvPr id="16" name="文本框 15"/>
+          <p:cNvSpPr txBox="1"/>
+          <p:nvPr/>
+        </p:nvSpPr>
+        <p:spPr>
+          <a:xfrm>
+            <a:off x="298853" y="6224803"/>
+            <a:ext cx="2512226" cy="261610"/>
+          </a:xfrm>
+          <a:prstGeom prst="rect">
+            <a:avLst/>
+          </a:prstGeom>
+          <a:noFill/>
+        </p:spPr>
+        <p:txBody>
+          <a:bodyPr wrap="none" rtlCol="0">
+            <a:spAutoFit/>
+          </a:bodyPr>
+          <a:lstStyle/>
+          <a:p>
+            <a:r>
+              <a:rPr kumimoji="1" lang="en-US" altLang="zh-CN" sz="1100" smtClean="0"/>
+              <a:t>1.JVM</a:t>
+            </a:r>
+            <a:r>
+              <a:rPr kumimoji="1" lang="zh-CN" altLang="en-US" sz="1100" smtClean="0"/>
+              <a:t>为什么要分代：减少</a:t>
+            </a:r>
+            <a:r>
+              <a:rPr kumimoji="1" lang="en-US" altLang="zh-CN" sz="1100" smtClean="0"/>
+              <a:t>STW</a:t>
+            </a:r>
+            <a:r>
+              <a:rPr kumimoji="1" lang="zh-CN" altLang="en-US" sz="1100" smtClean="0"/>
+              <a:t>的时间</a:t>
             </a:r>
             <a:endParaRPr kumimoji="1" lang="zh-CN" altLang="en-US" sz="1100"/>
           </a:p>

--- a/doc/doc.pptx
+++ b/doc/doc.pptx
@@ -1112,6 +1112,122 @@
     <p:extLst>
       <p:ext uri="{BB962C8B-B14F-4D97-AF65-F5344CB8AC3E}">
         <p14:creationId xmlns:p14="http://schemas.microsoft.com/office/powerpoint/2010/main" val="1325953737"/>
+      </p:ext>
+    </p:extLst>
+  </p:cSld>
+  <p:clrMapOvr>
+    <a:masterClrMapping/>
+  </p:clrMapOvr>
+</p:notes>
+</file>
+
+<file path=ppt/notesSlides/notesSlide4.xml><?xml version="1.0" encoding="utf-8"?>
+<p:notes xmlns:a="http://schemas.openxmlformats.org/drawingml/2006/main" xmlns:r="http://schemas.openxmlformats.org/officeDocument/2006/relationships" xmlns:p="http://schemas.openxmlformats.org/presentationml/2006/main">
+  <p:cSld>
+    <p:spTree>
+      <p:nvGrpSpPr>
+        <p:cNvPr id="1" name=""/>
+        <p:cNvGrpSpPr/>
+        <p:nvPr/>
+      </p:nvGrpSpPr>
+      <p:grpSpPr>
+        <a:xfrm>
+          <a:off x="0" y="0"/>
+          <a:ext cx="0" cy="0"/>
+          <a:chOff x="0" y="0"/>
+          <a:chExt cx="0" cy="0"/>
+        </a:xfrm>
+      </p:grpSpPr>
+      <p:sp>
+        <p:nvSpPr>
+          <p:cNvPr id="2" name="幻灯片图像占位符 1"/>
+          <p:cNvSpPr>
+            <a:spLocks noGrp="1" noRot="1" noChangeAspect="1"/>
+          </p:cNvSpPr>
+          <p:nvPr>
+            <p:ph type="sldImg"/>
+          </p:nvPr>
+        </p:nvSpPr>
+        <p:spPr/>
+      </p:sp>
+      <p:sp>
+        <p:nvSpPr>
+          <p:cNvPr id="3" name="备注占位符 2"/>
+          <p:cNvSpPr>
+            <a:spLocks noGrp="1"/>
+          </p:cNvSpPr>
+          <p:nvPr>
+            <p:ph type="body" idx="1"/>
+          </p:nvPr>
+        </p:nvSpPr>
+        <p:spPr/>
+        <p:txBody>
+          <a:bodyPr/>
+          <a:lstStyle/>
+          <a:p>
+            <a:r>
+              <a:rPr kumimoji="1" lang="en-US" altLang="zh-CN" dirty="0" smtClean="0"/>
+              <a:t>CMS</a:t>
+            </a:r>
+            <a:r>
+              <a:rPr kumimoji="1" lang="zh-CN" altLang="en-US" dirty="0" smtClean="0"/>
+              <a:t>：</a:t>
+            </a:r>
+            <a:r>
+              <a:rPr kumimoji="1" lang="en-US" altLang="zh-CN" dirty="0" err="1" smtClean="0"/>
+              <a:t>coucurrent</a:t>
+            </a:r>
+            <a:r>
+              <a:rPr kumimoji="1" lang="zh-CN" altLang="en-US" dirty="0" smtClean="0"/>
+              <a:t> </a:t>
+            </a:r>
+            <a:r>
+              <a:rPr kumimoji="1" lang="en-US" altLang="zh-CN" dirty="0" smtClean="0"/>
+              <a:t>mark</a:t>
+            </a:r>
+            <a:r>
+              <a:rPr kumimoji="1" lang="zh-CN" altLang="en-US" dirty="0" smtClean="0"/>
+              <a:t> </a:t>
+            </a:r>
+            <a:r>
+              <a:rPr kumimoji="1" lang="en-US" altLang="zh-CN" dirty="0" smtClean="0"/>
+              <a:t>sweep</a:t>
+            </a:r>
+            <a:r>
+              <a:rPr kumimoji="1" lang="zh-CN" altLang="en-US" dirty="0" smtClean="0"/>
+              <a:t>，并发标记清除，采用的标记清除算法</a:t>
+            </a:r>
+            <a:endParaRPr kumimoji="1" lang="zh-CN" altLang="en-US" dirty="0"/>
+          </a:p>
+        </p:txBody>
+      </p:sp>
+      <p:sp>
+        <p:nvSpPr>
+          <p:cNvPr id="4" name="幻灯片编号占位符 3"/>
+          <p:cNvSpPr>
+            <a:spLocks noGrp="1"/>
+          </p:cNvSpPr>
+          <p:nvPr>
+            <p:ph type="sldNum" sz="quarter" idx="10"/>
+          </p:nvPr>
+        </p:nvSpPr>
+        <p:spPr/>
+        <p:txBody>
+          <a:bodyPr/>
+          <a:lstStyle/>
+          <a:p>
+            <a:fld id="{F2839265-038A-F64A-AC79-1983EAB8A597}" type="slidenum">
+              <a:rPr kumimoji="1" lang="zh-CN" altLang="en-US" smtClean="0"/>
+              <a:t>7</a:t>
+            </a:fld>
+            <a:endParaRPr kumimoji="1" lang="zh-CN" altLang="en-US"/>
+          </a:p>
+        </p:txBody>
+      </p:sp>
+    </p:spTree>
+    <p:extLst>
+      <p:ext uri="{BB962C8B-B14F-4D97-AF65-F5344CB8AC3E}">
+        <p14:creationId xmlns:p14="http://schemas.microsoft.com/office/powerpoint/2010/main" val="1616117887"/>
       </p:ext>
     </p:extLst>
   </p:cSld>
@@ -15565,11 +15681,7 @@
             </a:r>
             <a:r>
               <a:rPr kumimoji="1" lang="zh-CN" altLang="en-US" sz="900"/>
-              <a:t>当前线程执行</a:t>
-            </a:r>
-            <a:r>
-              <a:rPr kumimoji="1" lang="zh-CN" altLang="en-US" sz="900"/>
-              <a:t>字节</a:t>
+              <a:t>当前线程执行字节</a:t>
             </a:r>
             <a:r>
               <a:rPr kumimoji="1" lang="zh-CN" altLang="en-US" sz="900" smtClean="0"/>
@@ -16833,15 +16945,7 @@
                   <a:srgbClr val="FF0000"/>
                 </a:solidFill>
               </a:rPr>
-              <a:t>   </a:t>
-            </a:r>
-            <a:r>
-              <a:rPr kumimoji="1" lang="en-US" altLang="zh-CN" sz="1200" smtClean="0">
-                <a:solidFill>
-                  <a:srgbClr val="FF0000"/>
-                </a:solidFill>
-              </a:rPr>
-              <a:t>2</a:t>
+              <a:t>   2</a:t>
             </a:r>
             <a:endParaRPr kumimoji="1" lang="zh-CN" altLang="en-US" sz="1200">
               <a:solidFill>
@@ -17139,15 +17243,7 @@
           <a:p>
             <a:r>
               <a:rPr kumimoji="1" lang="zh-CN" altLang="en-US" sz="1100" smtClean="0"/>
-              <a:t>程序计数器：</a:t>
-            </a:r>
-            <a:r>
-              <a:rPr kumimoji="1" lang="zh-CN" altLang="en-US" sz="1100" smtClean="0"/>
-              <a:t>唯一</a:t>
-            </a:r>
-            <a:r>
-              <a:rPr kumimoji="1" lang="zh-CN" altLang="en-US" sz="1100" smtClean="0"/>
-              <a:t>没有</a:t>
+              <a:t>程序计数器：唯一没有</a:t>
             </a:r>
             <a:r>
               <a:rPr kumimoji="1" lang="en-US" altLang="zh-CN" sz="1100" smtClean="0"/>
@@ -21553,7 +21649,7 @@
           <a:lstStyle/>
           <a:p>
             <a:r>
-              <a:rPr kumimoji="1" lang="en-US" altLang="zh-CN" sz="1200" smtClean="0">
+              <a:rPr kumimoji="1" lang="en-US" altLang="zh-CN" sz="1200" dirty="0" smtClean="0">
                 <a:solidFill>
                   <a:schemeClr val="tx1"/>
                 </a:solidFill>
@@ -21563,7 +21659,7 @@
           </a:p>
           <a:p>
             <a:r>
-              <a:rPr kumimoji="1" lang="en-US" altLang="zh-CN" sz="1200" smtClean="0">
+              <a:rPr kumimoji="1" lang="en-US" altLang="zh-CN" sz="1200" dirty="0" smtClean="0">
                 <a:solidFill>
                   <a:schemeClr val="tx1"/>
                 </a:solidFill>
@@ -21573,7 +21669,7 @@
           </a:p>
           <a:p>
             <a:r>
-              <a:rPr kumimoji="1" lang="en-US" altLang="zh-CN" sz="1200" smtClean="0">
+              <a:rPr kumimoji="1" lang="en-US" altLang="zh-CN" sz="1200" dirty="0" smtClean="0">
                 <a:solidFill>
                   <a:schemeClr val="tx1"/>
                 </a:solidFill>
@@ -21583,7 +21679,7 @@
           </a:p>
           <a:p>
             <a:r>
-              <a:rPr kumimoji="1" lang="en-US" altLang="zh-CN" sz="1200" smtClean="0">
+              <a:rPr kumimoji="1" lang="en-US" altLang="zh-CN" sz="1200" dirty="0" smtClean="0">
                 <a:solidFill>
                   <a:schemeClr val="tx1"/>
                 </a:solidFill>
@@ -21593,7 +21689,7 @@
           </a:p>
           <a:p>
             <a:r>
-              <a:rPr kumimoji="1" lang="en-US" altLang="zh-CN" sz="1200" smtClean="0">
+              <a:rPr kumimoji="1" lang="en-US" altLang="zh-CN" sz="1200" dirty="0" smtClean="0">
                 <a:solidFill>
                   <a:schemeClr val="tx1"/>
                 </a:solidFill>
@@ -21601,14 +21697,14 @@
               <a:t>5.CMS </a:t>
             </a:r>
             <a:r>
-              <a:rPr kumimoji="1" lang="zh-CN" altLang="en-US" sz="1200" smtClean="0">
+              <a:rPr kumimoji="1" lang="zh-CN" altLang="en-US" sz="1200" dirty="0" smtClean="0">
                 <a:solidFill>
                   <a:schemeClr val="tx1"/>
                 </a:solidFill>
               </a:rPr>
               <a:t>老年代</a:t>
             </a:r>
-            <a:endParaRPr kumimoji="1" lang="zh-CN" altLang="en-US" sz="1200">
+            <a:endParaRPr kumimoji="1" lang="zh-CN" altLang="en-US" sz="1200" dirty="0">
               <a:solidFill>
                 <a:schemeClr val="tx1"/>
               </a:solidFill>
@@ -21990,194 +22086,202 @@
           <a:lstStyle/>
           <a:p>
             <a:r>
-              <a:rPr kumimoji="1" lang="en-US" altLang="zh-CN" sz="1100" smtClean="0"/>
+              <a:rPr kumimoji="1" lang="en-US" altLang="zh-CN" sz="1100" dirty="0" smtClean="0"/>
               <a:t>1.</a:t>
             </a:r>
             <a:r>
-              <a:rPr kumimoji="1" lang="zh-CN" altLang="en-US" sz="1100" smtClean="0"/>
+              <a:rPr kumimoji="1" lang="zh-CN" altLang="en-US" sz="1100" dirty="0" smtClean="0"/>
               <a:t>标记</a:t>
             </a:r>
             <a:r>
-              <a:rPr kumimoji="1" lang="en-US" altLang="zh-CN" sz="1100" smtClean="0"/>
+              <a:rPr kumimoji="1" lang="en-US" altLang="zh-CN" sz="1100" dirty="0" smtClean="0"/>
               <a:t>-</a:t>
             </a:r>
             <a:r>
-              <a:rPr kumimoji="1" lang="zh-CN" altLang="en-US" sz="1100" smtClean="0"/>
+              <a:rPr kumimoji="1" lang="zh-CN" altLang="en-US" sz="1100" dirty="0" smtClean="0"/>
               <a:t>清除：标记无用对象，然后进行清除回收。缺点：</a:t>
             </a:r>
             <a:r>
-              <a:rPr lang="zh-CN" altLang="en-US" sz="1100"/>
+              <a:rPr lang="zh-CN" altLang="en-US" sz="1100" dirty="0"/>
               <a:t>缺点是效率低，且产生大量不连续的内存</a:t>
             </a:r>
             <a:r>
-              <a:rPr lang="zh-CN" altLang="en-US" sz="1100" smtClean="0"/>
-              <a:t>碎片</a:t>
-            </a:r>
-            <a:endParaRPr lang="en-US" altLang="zh-CN" sz="1100" smtClean="0"/>
-          </a:p>
-          <a:p>
-            <a:r>
-              <a:rPr kumimoji="1" lang="en-US" altLang="zh-CN" sz="1100" smtClean="0"/>
+              <a:rPr lang="zh-CN" altLang="en-US" sz="1100" dirty="0" smtClean="0"/>
+              <a:t>碎片 （</a:t>
+            </a:r>
+            <a:r>
+              <a:rPr lang="en-US" altLang="zh-CN" sz="1100" dirty="0" smtClean="0"/>
+              <a:t>CMS</a:t>
+            </a:r>
+            <a:r>
+              <a:rPr lang="zh-CN" altLang="en-US" sz="1100" dirty="0" smtClean="0"/>
+              <a:t>）</a:t>
+            </a:r>
+            <a:endParaRPr lang="en-US" altLang="zh-CN" sz="1100" dirty="0" smtClean="0"/>
+          </a:p>
+          <a:p>
+            <a:r>
+              <a:rPr kumimoji="1" lang="en-US" altLang="zh-CN" sz="1100" dirty="0" smtClean="0"/>
               <a:t>2.</a:t>
             </a:r>
             <a:r>
-              <a:rPr kumimoji="1" lang="zh-CN" altLang="en-US" sz="1100" smtClean="0"/>
+              <a:rPr kumimoji="1" lang="zh-CN" altLang="en-US" sz="1100" dirty="0" smtClean="0"/>
               <a:t>标记</a:t>
             </a:r>
             <a:r>
-              <a:rPr kumimoji="1" lang="en-US" altLang="zh-CN" sz="1100" smtClean="0"/>
+              <a:rPr kumimoji="1" lang="en-US" altLang="zh-CN" sz="1100" dirty="0" smtClean="0"/>
               <a:t>-</a:t>
             </a:r>
             <a:r>
-              <a:rPr kumimoji="1" lang="zh-CN" altLang="en-US" sz="1100" smtClean="0"/>
+              <a:rPr kumimoji="1" lang="zh-CN" altLang="en-US" sz="1100" dirty="0" smtClean="0"/>
               <a:t>整理：标记无用对象，让所有存活的对象都向一端移动，然后直接清除掉另一端的内存；不会产生内存碎片</a:t>
             </a:r>
             <a:r>
-              <a:rPr lang="zh-CN" altLang="en-US" sz="1100"/>
+              <a:rPr lang="zh-CN" altLang="en-US" sz="1100" dirty="0"/>
               <a:t>。</a:t>
             </a:r>
             <a:r>
-              <a:rPr lang="zh-CN" altLang="en-US" sz="1100" b="1"/>
+              <a:rPr lang="zh-CN" altLang="en-US" sz="1100" b="1" dirty="0"/>
               <a:t>此为老年代常用算法</a:t>
             </a:r>
-            <a:endParaRPr kumimoji="1" lang="en-US" altLang="zh-CN" sz="1100" smtClean="0"/>
-          </a:p>
-          <a:p>
-            <a:r>
-              <a:rPr kumimoji="1" lang="en-US" altLang="zh-CN" sz="1100" smtClean="0"/>
+            <a:endParaRPr kumimoji="1" lang="en-US" altLang="zh-CN" sz="1100" dirty="0" smtClean="0"/>
+          </a:p>
+          <a:p>
+            <a:r>
+              <a:rPr kumimoji="1" lang="en-US" altLang="zh-CN" sz="1100" dirty="0" smtClean="0"/>
               <a:t>3.</a:t>
             </a:r>
             <a:r>
-              <a:rPr lang="zh-CN" altLang="en-US" sz="1100" b="1"/>
+              <a:rPr lang="zh-CN" altLang="en-US" sz="1100" b="1" dirty="0"/>
               <a:t>复制算法</a:t>
             </a:r>
             <a:r>
-              <a:rPr lang="zh-CN" altLang="en-US" sz="1100"/>
+              <a:rPr lang="zh-CN" altLang="en-US" sz="1100" dirty="0"/>
               <a:t>：将内存分为</a:t>
             </a:r>
             <a:r>
-              <a:rPr lang="en-US" altLang="zh-CN" sz="1100"/>
+              <a:rPr lang="en-US" altLang="zh-CN" sz="1100" dirty="0"/>
               <a:t>Eden</a:t>
             </a:r>
             <a:r>
-              <a:rPr lang="zh-CN" altLang="en-US" sz="1100"/>
+              <a:rPr lang="zh-CN" altLang="en-US" sz="1100" dirty="0"/>
               <a:t>和</a:t>
             </a:r>
             <a:r>
-              <a:rPr lang="en-US" altLang="zh-CN" sz="1100"/>
+              <a:rPr lang="en-US" altLang="zh-CN" sz="1100" dirty="0"/>
               <a:t>Survivor From </a:t>
             </a:r>
             <a:r>
-              <a:rPr lang="zh-CN" altLang="en-US" sz="1100"/>
+              <a:rPr lang="zh-CN" altLang="en-US" sz="1100" dirty="0"/>
               <a:t>及</a:t>
             </a:r>
             <a:r>
-              <a:rPr lang="en-US" altLang="zh-CN" sz="1100"/>
+              <a:rPr lang="en-US" altLang="zh-CN" sz="1100" dirty="0"/>
               <a:t>Survivor To</a:t>
             </a:r>
             <a:r>
-              <a:rPr lang="zh-CN" altLang="en-US" sz="1100"/>
+              <a:rPr lang="zh-CN" altLang="en-US" sz="1100" dirty="0"/>
               <a:t>区域</a:t>
             </a:r>
             <a:r>
-              <a:rPr lang="en-US" altLang="zh-CN" sz="1100"/>
+              <a:rPr lang="en-US" altLang="zh-CN" sz="1100" dirty="0"/>
               <a:t>(8:1:1)</a:t>
             </a:r>
             <a:r>
-              <a:rPr lang="zh-CN" altLang="en-US" sz="1100"/>
+              <a:rPr lang="zh-CN" altLang="en-US" sz="1100" dirty="0"/>
               <a:t>，当回收时，将</a:t>
             </a:r>
             <a:r>
-              <a:rPr lang="en-US" altLang="zh-CN" sz="1100"/>
+              <a:rPr lang="en-US" altLang="zh-CN" sz="1100" dirty="0"/>
               <a:t>Eden</a:t>
             </a:r>
             <a:r>
-              <a:rPr lang="zh-CN" altLang="en-US" sz="1100"/>
+              <a:rPr lang="zh-CN" altLang="en-US" sz="1100" dirty="0"/>
               <a:t>和</a:t>
             </a:r>
             <a:r>
-              <a:rPr lang="en-US" altLang="zh-CN" sz="1100"/>
+              <a:rPr lang="en-US" altLang="zh-CN" sz="1100" dirty="0"/>
               <a:t>Survivor</a:t>
             </a:r>
             <a:r>
-              <a:rPr lang="zh-CN" altLang="en-US" sz="1100"/>
+              <a:rPr lang="zh-CN" altLang="en-US" sz="1100" dirty="0"/>
               <a:t>中还存活着的</a:t>
             </a:r>
             <a:r>
-              <a:rPr lang="zh-CN" altLang="en-US" sz="1100" smtClean="0"/>
+              <a:rPr lang="zh-CN" altLang="en-US" sz="1100" dirty="0" smtClean="0"/>
               <a:t>对</a:t>
             </a:r>
-            <a:endParaRPr lang="en-US" altLang="zh-CN" sz="1100" smtClean="0"/>
-          </a:p>
-          <a:p>
-            <a:r>
-              <a:rPr lang="en-US" altLang="zh-CN" sz="1100" smtClean="0"/>
+            <a:endParaRPr lang="en-US" altLang="zh-CN" sz="1100" dirty="0" smtClean="0"/>
+          </a:p>
+          <a:p>
+            <a:r>
+              <a:rPr lang="en-US" altLang="zh-CN" sz="1100" dirty="0" smtClean="0"/>
               <a:t>	</a:t>
             </a:r>
             <a:r>
-              <a:rPr lang="zh-CN" altLang="en-US" sz="1100" smtClean="0"/>
+              <a:rPr lang="zh-CN" altLang="en-US" sz="1100" dirty="0" smtClean="0"/>
               <a:t>象</a:t>
             </a:r>
             <a:r>
-              <a:rPr lang="zh-CN" altLang="en-US" sz="1100"/>
+              <a:rPr lang="zh-CN" altLang="en-US" sz="1100" dirty="0"/>
               <a:t>一次性地复制到另外一块</a:t>
             </a:r>
             <a:r>
-              <a:rPr lang="en-US" altLang="zh-CN" sz="1100"/>
+              <a:rPr lang="en-US" altLang="zh-CN" sz="1100" dirty="0"/>
               <a:t>Survivor</a:t>
             </a:r>
             <a:r>
-              <a:rPr lang="zh-CN" altLang="en-US" sz="1100"/>
+              <a:rPr lang="zh-CN" altLang="en-US" sz="1100" dirty="0"/>
               <a:t>区域上，然后清理掉</a:t>
             </a:r>
             <a:r>
-              <a:rPr lang="en-US" altLang="zh-CN" sz="1100"/>
+              <a:rPr lang="en-US" altLang="zh-CN" sz="1100" dirty="0"/>
               <a:t>Eden</a:t>
             </a:r>
             <a:r>
-              <a:rPr lang="zh-CN" altLang="en-US" sz="1100"/>
+              <a:rPr lang="zh-CN" altLang="en-US" sz="1100" dirty="0"/>
               <a:t>和刚才用过的</a:t>
             </a:r>
             <a:r>
-              <a:rPr lang="en-US" altLang="zh-CN" sz="1100"/>
+              <a:rPr lang="en-US" altLang="zh-CN" sz="1100" dirty="0"/>
               <a:t>Survivor</a:t>
             </a:r>
             <a:r>
-              <a:rPr lang="zh-CN" altLang="en-US" sz="1100"/>
+              <a:rPr lang="zh-CN" altLang="en-US" sz="1100" dirty="0"/>
               <a:t>取悦。效率高，不会产生内存碎片</a:t>
             </a:r>
             <a:r>
-              <a:rPr lang="zh-CN" altLang="en-US" sz="1100" smtClean="0"/>
+              <a:rPr lang="zh-CN" altLang="en-US" sz="1100" dirty="0" smtClean="0"/>
               <a:t>，</a:t>
             </a:r>
-            <a:endParaRPr lang="en-US" altLang="zh-CN" sz="1100" smtClean="0"/>
-          </a:p>
-          <a:p>
-            <a:r>
-              <a:rPr lang="en-US" altLang="zh-CN" sz="1100" smtClean="0"/>
+            <a:endParaRPr lang="en-US" altLang="zh-CN" sz="1100" dirty="0" smtClean="0"/>
+          </a:p>
+          <a:p>
+            <a:r>
+              <a:rPr lang="en-US" altLang="zh-CN" sz="1100" dirty="0" smtClean="0"/>
               <a:t>	</a:t>
             </a:r>
             <a:r>
-              <a:rPr lang="zh-CN" altLang="en-US" sz="1100" smtClean="0"/>
+              <a:rPr lang="zh-CN" altLang="en-US" sz="1100" dirty="0" smtClean="0"/>
               <a:t>但是</a:t>
             </a:r>
             <a:r>
-              <a:rPr lang="zh-CN" altLang="en-US" sz="1100"/>
+              <a:rPr lang="zh-CN" altLang="en-US" sz="1100" dirty="0"/>
               <a:t>需要</a:t>
             </a:r>
             <a:r>
-              <a:rPr lang="en-US" altLang="zh-CN" sz="1100"/>
+              <a:rPr lang="en-US" altLang="zh-CN" sz="1100" dirty="0"/>
               <a:t>2</a:t>
             </a:r>
             <a:r>
-              <a:rPr lang="zh-CN" altLang="en-US" sz="1100"/>
+              <a:rPr lang="zh-CN" altLang="en-US" sz="1100" dirty="0"/>
               <a:t>倍内存。</a:t>
             </a:r>
             <a:r>
-              <a:rPr lang="zh-CN" altLang="en-US" sz="1100" b="1"/>
+              <a:rPr lang="zh-CN" altLang="en-US" sz="1100" b="1" dirty="0"/>
               <a:t>此为新生代最常用的算法</a:t>
             </a:r>
-            <a:endParaRPr kumimoji="1" lang="zh-CN" altLang="en-US" sz="1100"/>
+            <a:endParaRPr kumimoji="1" lang="zh-CN" altLang="en-US" sz="1100" dirty="0"/>
           </a:p>
         </p:txBody>
       </p:sp>

--- a/doc/doc.pptx
+++ b/doc/doc.pptx
@@ -214,7 +214,7 @@
           <a:p>
             <a:fld id="{A3D7CE87-9499-D644-9D39-658681EEDA03}" type="datetimeFigureOut">
               <a:rPr kumimoji="1" lang="zh-CN" altLang="en-US" smtClean="0"/>
-              <a:t>2020/3/5</a:t>
+              <a:t>2020/3/8</a:t>
             </a:fld>
             <a:endParaRPr kumimoji="1" lang="zh-CN" altLang="en-US"/>
           </a:p>
@@ -1368,7 +1368,7 @@
           <a:p>
             <a:fld id="{79C7BEE9-4014-F74B-8041-D28506CB9C48}" type="datetimeFigureOut">
               <a:rPr kumimoji="1" lang="zh-CN" altLang="en-US" smtClean="0"/>
-              <a:t>2020/3/5</a:t>
+              <a:t>2020/3/8</a:t>
             </a:fld>
             <a:endParaRPr kumimoji="1" lang="zh-CN" altLang="en-US"/>
           </a:p>
@@ -1538,7 +1538,7 @@
           <a:p>
             <a:fld id="{79C7BEE9-4014-F74B-8041-D28506CB9C48}" type="datetimeFigureOut">
               <a:rPr kumimoji="1" lang="zh-CN" altLang="en-US" smtClean="0"/>
-              <a:t>2020/3/5</a:t>
+              <a:t>2020/3/8</a:t>
             </a:fld>
             <a:endParaRPr kumimoji="1" lang="zh-CN" altLang="en-US"/>
           </a:p>
@@ -1718,7 +1718,7 @@
           <a:p>
             <a:fld id="{79C7BEE9-4014-F74B-8041-D28506CB9C48}" type="datetimeFigureOut">
               <a:rPr kumimoji="1" lang="zh-CN" altLang="en-US" smtClean="0"/>
-              <a:t>2020/3/5</a:t>
+              <a:t>2020/3/8</a:t>
             </a:fld>
             <a:endParaRPr kumimoji="1" lang="zh-CN" altLang="en-US"/>
           </a:p>
@@ -1888,7 +1888,7 @@
           <a:p>
             <a:fld id="{79C7BEE9-4014-F74B-8041-D28506CB9C48}" type="datetimeFigureOut">
               <a:rPr kumimoji="1" lang="zh-CN" altLang="en-US" smtClean="0"/>
-              <a:t>2020/3/5</a:t>
+              <a:t>2020/3/8</a:t>
             </a:fld>
             <a:endParaRPr kumimoji="1" lang="zh-CN" altLang="en-US"/>
           </a:p>
@@ -2134,7 +2134,7 @@
           <a:p>
             <a:fld id="{79C7BEE9-4014-F74B-8041-D28506CB9C48}" type="datetimeFigureOut">
               <a:rPr kumimoji="1" lang="zh-CN" altLang="en-US" smtClean="0"/>
-              <a:t>2020/3/5</a:t>
+              <a:t>2020/3/8</a:t>
             </a:fld>
             <a:endParaRPr kumimoji="1" lang="zh-CN" altLang="en-US"/>
           </a:p>
@@ -2366,7 +2366,7 @@
           <a:p>
             <a:fld id="{79C7BEE9-4014-F74B-8041-D28506CB9C48}" type="datetimeFigureOut">
               <a:rPr kumimoji="1" lang="zh-CN" altLang="en-US" smtClean="0"/>
-              <a:t>2020/3/5</a:t>
+              <a:t>2020/3/8</a:t>
             </a:fld>
             <a:endParaRPr kumimoji="1" lang="zh-CN" altLang="en-US"/>
           </a:p>
@@ -2733,7 +2733,7 @@
           <a:p>
             <a:fld id="{79C7BEE9-4014-F74B-8041-D28506CB9C48}" type="datetimeFigureOut">
               <a:rPr kumimoji="1" lang="zh-CN" altLang="en-US" smtClean="0"/>
-              <a:t>2020/3/5</a:t>
+              <a:t>2020/3/8</a:t>
             </a:fld>
             <a:endParaRPr kumimoji="1" lang="zh-CN" altLang="en-US"/>
           </a:p>
@@ -2851,7 +2851,7 @@
           <a:p>
             <a:fld id="{79C7BEE9-4014-F74B-8041-D28506CB9C48}" type="datetimeFigureOut">
               <a:rPr kumimoji="1" lang="zh-CN" altLang="en-US" smtClean="0"/>
-              <a:t>2020/3/5</a:t>
+              <a:t>2020/3/8</a:t>
             </a:fld>
             <a:endParaRPr kumimoji="1" lang="zh-CN" altLang="en-US"/>
           </a:p>
@@ -2946,7 +2946,7 @@
           <a:p>
             <a:fld id="{79C7BEE9-4014-F74B-8041-D28506CB9C48}" type="datetimeFigureOut">
               <a:rPr kumimoji="1" lang="zh-CN" altLang="en-US" smtClean="0"/>
-              <a:t>2020/3/5</a:t>
+              <a:t>2020/3/8</a:t>
             </a:fld>
             <a:endParaRPr kumimoji="1" lang="zh-CN" altLang="en-US"/>
           </a:p>
@@ -3223,7 +3223,7 @@
           <a:p>
             <a:fld id="{79C7BEE9-4014-F74B-8041-D28506CB9C48}" type="datetimeFigureOut">
               <a:rPr kumimoji="1" lang="zh-CN" altLang="en-US" smtClean="0"/>
-              <a:t>2020/3/5</a:t>
+              <a:t>2020/3/8</a:t>
             </a:fld>
             <a:endParaRPr kumimoji="1" lang="zh-CN" altLang="en-US"/>
           </a:p>
@@ -3476,7 +3476,7 @@
           <a:p>
             <a:fld id="{79C7BEE9-4014-F74B-8041-D28506CB9C48}" type="datetimeFigureOut">
               <a:rPr kumimoji="1" lang="zh-CN" altLang="en-US" smtClean="0"/>
-              <a:t>2020/3/5</a:t>
+              <a:t>2020/3/8</a:t>
             </a:fld>
             <a:endParaRPr kumimoji="1" lang="zh-CN" altLang="en-US"/>
           </a:p>
@@ -3689,7 +3689,7 @@
           <a:p>
             <a:fld id="{79C7BEE9-4014-F74B-8041-D28506CB9C48}" type="datetimeFigureOut">
               <a:rPr kumimoji="1" lang="zh-CN" altLang="en-US" smtClean="0"/>
-              <a:t>2020/3/5</a:t>
+              <a:t>2020/3/8</a:t>
             </a:fld>
             <a:endParaRPr kumimoji="1" lang="zh-CN" altLang="en-US"/>
           </a:p>

--- a/doc/doc.pptx
+++ b/doc/doc.pptx
@@ -214,7 +214,7 @@
           <a:p>
             <a:fld id="{A3D7CE87-9499-D644-9D39-658681EEDA03}" type="datetimeFigureOut">
               <a:rPr kumimoji="1" lang="zh-CN" altLang="en-US" smtClean="0"/>
-              <a:t>2020/3/8</a:t>
+              <a:t>2020/3/26</a:t>
             </a:fld>
             <a:endParaRPr kumimoji="1" lang="zh-CN" altLang="en-US"/>
           </a:p>
@@ -848,9 +848,72 @@
                 <a:ea typeface="+mn-ea"/>
                 <a:cs typeface="+mn-cs"/>
               </a:rPr>
-              <a:t>堆的任务：存放对象实例</a:t>
-            </a:r>
-            <a:endParaRPr kumimoji="1" lang="zh-CN" altLang="en-US"/>
+              <a:t>堆的任务：存放对象</a:t>
+            </a:r>
+            <a:r>
+              <a:rPr kumimoji="1" lang="zh-CN" altLang="en-US" sz="1200" b="0" i="0" kern="1200" baseline="0" smtClean="0">
+                <a:solidFill>
+                  <a:schemeClr val="tx1"/>
+                </a:solidFill>
+                <a:effectLst/>
+                <a:latin typeface="+mn-lt"/>
+                <a:ea typeface="+mn-ea"/>
+                <a:cs typeface="+mn-cs"/>
+              </a:rPr>
+              <a:t>实例</a:t>
+            </a:r>
+            <a:endParaRPr kumimoji="1" lang="en-US" altLang="zh-CN" sz="1200" b="0" i="0" kern="1200" baseline="0" smtClean="0">
+              <a:solidFill>
+                <a:schemeClr val="tx1"/>
+              </a:solidFill>
+              <a:effectLst/>
+              <a:latin typeface="+mn-lt"/>
+              <a:ea typeface="+mn-ea"/>
+              <a:cs typeface="+mn-cs"/>
+            </a:endParaRPr>
+          </a:p>
+          <a:p>
+            <a:pPr marL="0" marR="0" lvl="0" indent="0" algn="l" defTabSz="914400" rtl="0" eaLnBrk="1" fontAlgn="auto" latinLnBrk="0" hangingPunct="1">
+              <a:lnSpc>
+                <a:spcPct val="100000"/>
+              </a:lnSpc>
+              <a:spcBef>
+                <a:spcPts val="0"/>
+              </a:spcBef>
+              <a:spcAft>
+                <a:spcPts val="0"/>
+              </a:spcAft>
+              <a:buClrTx/>
+              <a:buSzTx/>
+              <a:buFontTx/>
+              <a:buNone/>
+              <a:tabLst/>
+              <a:defRPr/>
+            </a:pPr>
+            <a:r>
+              <a:rPr kumimoji="1" lang="en-US" altLang="zh-CN" sz="1200" b="0" i="0" kern="1200" baseline="0" smtClean="0">
+                <a:solidFill>
+                  <a:schemeClr val="tx1"/>
+                </a:solidFill>
+                <a:effectLst/>
+                <a:latin typeface="+mn-lt"/>
+                <a:ea typeface="+mn-ea"/>
+                <a:cs typeface="+mn-cs"/>
+              </a:rPr>
+              <a:t>3.</a:t>
+            </a:r>
+            <a:r>
+              <a:rPr kumimoji="1" lang="zh-CN" altLang="en-US" sz="1200" smtClean="0"/>
+              <a:t>程序计数器：唯一没有</a:t>
+            </a:r>
+            <a:r>
+              <a:rPr kumimoji="1" lang="en-US" altLang="zh-CN" sz="1200" smtClean="0"/>
+              <a:t>OOM</a:t>
+            </a:r>
+            <a:r>
+              <a:rPr kumimoji="1" lang="zh-CN" altLang="en-US" sz="1200" smtClean="0"/>
+              <a:t>的内存区域</a:t>
+            </a:r>
           </a:p>
         </p:txBody>
       </p:sp>
@@ -1368,7 +1431,7 @@
           <a:p>
             <a:fld id="{79C7BEE9-4014-F74B-8041-D28506CB9C48}" type="datetimeFigureOut">
               <a:rPr kumimoji="1" lang="zh-CN" altLang="en-US" smtClean="0"/>
-              <a:t>2020/3/8</a:t>
+              <a:t>2020/3/26</a:t>
             </a:fld>
             <a:endParaRPr kumimoji="1" lang="zh-CN" altLang="en-US"/>
           </a:p>
@@ -1538,7 +1601,7 @@
           <a:p>
             <a:fld id="{79C7BEE9-4014-F74B-8041-D28506CB9C48}" type="datetimeFigureOut">
               <a:rPr kumimoji="1" lang="zh-CN" altLang="en-US" smtClean="0"/>
-              <a:t>2020/3/8</a:t>
+              <a:t>2020/3/26</a:t>
             </a:fld>
             <a:endParaRPr kumimoji="1" lang="zh-CN" altLang="en-US"/>
           </a:p>
@@ -1718,7 +1781,7 @@
           <a:p>
             <a:fld id="{79C7BEE9-4014-F74B-8041-D28506CB9C48}" type="datetimeFigureOut">
               <a:rPr kumimoji="1" lang="zh-CN" altLang="en-US" smtClean="0"/>
-              <a:t>2020/3/8</a:t>
+              <a:t>2020/3/26</a:t>
             </a:fld>
             <a:endParaRPr kumimoji="1" lang="zh-CN" altLang="en-US"/>
           </a:p>
@@ -1888,7 +1951,7 @@
           <a:p>
             <a:fld id="{79C7BEE9-4014-F74B-8041-D28506CB9C48}" type="datetimeFigureOut">
               <a:rPr kumimoji="1" lang="zh-CN" altLang="en-US" smtClean="0"/>
-              <a:t>2020/3/8</a:t>
+              <a:t>2020/3/26</a:t>
             </a:fld>
             <a:endParaRPr kumimoji="1" lang="zh-CN" altLang="en-US"/>
           </a:p>
@@ -2134,7 +2197,7 @@
           <a:p>
             <a:fld id="{79C7BEE9-4014-F74B-8041-D28506CB9C48}" type="datetimeFigureOut">
               <a:rPr kumimoji="1" lang="zh-CN" altLang="en-US" smtClean="0"/>
-              <a:t>2020/3/8</a:t>
+              <a:t>2020/3/26</a:t>
             </a:fld>
             <a:endParaRPr kumimoji="1" lang="zh-CN" altLang="en-US"/>
           </a:p>
@@ -2366,7 +2429,7 @@
           <a:p>
             <a:fld id="{79C7BEE9-4014-F74B-8041-D28506CB9C48}" type="datetimeFigureOut">
               <a:rPr kumimoji="1" lang="zh-CN" altLang="en-US" smtClean="0"/>
-              <a:t>2020/3/8</a:t>
+              <a:t>2020/3/26</a:t>
             </a:fld>
             <a:endParaRPr kumimoji="1" lang="zh-CN" altLang="en-US"/>
           </a:p>
@@ -2733,7 +2796,7 @@
           <a:p>
             <a:fld id="{79C7BEE9-4014-F74B-8041-D28506CB9C48}" type="datetimeFigureOut">
               <a:rPr kumimoji="1" lang="zh-CN" altLang="en-US" smtClean="0"/>
-              <a:t>2020/3/8</a:t>
+              <a:t>2020/3/26</a:t>
             </a:fld>
             <a:endParaRPr kumimoji="1" lang="zh-CN" altLang="en-US"/>
           </a:p>
@@ -2851,7 +2914,7 @@
           <a:p>
             <a:fld id="{79C7BEE9-4014-F74B-8041-D28506CB9C48}" type="datetimeFigureOut">
               <a:rPr kumimoji="1" lang="zh-CN" altLang="en-US" smtClean="0"/>
-              <a:t>2020/3/8</a:t>
+              <a:t>2020/3/26</a:t>
             </a:fld>
             <a:endParaRPr kumimoji="1" lang="zh-CN" altLang="en-US"/>
           </a:p>
@@ -2946,7 +3009,7 @@
           <a:p>
             <a:fld id="{79C7BEE9-4014-F74B-8041-D28506CB9C48}" type="datetimeFigureOut">
               <a:rPr kumimoji="1" lang="zh-CN" altLang="en-US" smtClean="0"/>
-              <a:t>2020/3/8</a:t>
+              <a:t>2020/3/26</a:t>
             </a:fld>
             <a:endParaRPr kumimoji="1" lang="zh-CN" altLang="en-US"/>
           </a:p>
@@ -3223,7 +3286,7 @@
           <a:p>
             <a:fld id="{79C7BEE9-4014-F74B-8041-D28506CB9C48}" type="datetimeFigureOut">
               <a:rPr kumimoji="1" lang="zh-CN" altLang="en-US" smtClean="0"/>
-              <a:t>2020/3/8</a:t>
+              <a:t>2020/3/26</a:t>
             </a:fld>
             <a:endParaRPr kumimoji="1" lang="zh-CN" altLang="en-US"/>
           </a:p>
@@ -3476,7 +3539,7 @@
           <a:p>
             <a:fld id="{79C7BEE9-4014-F74B-8041-D28506CB9C48}" type="datetimeFigureOut">
               <a:rPr kumimoji="1" lang="zh-CN" altLang="en-US" smtClean="0"/>
-              <a:t>2020/3/8</a:t>
+              <a:t>2020/3/26</a:t>
             </a:fld>
             <a:endParaRPr kumimoji="1" lang="zh-CN" altLang="en-US"/>
           </a:p>
@@ -3689,7 +3752,7 @@
           <a:p>
             <a:fld id="{79C7BEE9-4014-F74B-8041-D28506CB9C48}" type="datetimeFigureOut">
               <a:rPr kumimoji="1" lang="zh-CN" altLang="en-US" smtClean="0"/>
-              <a:t>2020/3/8</a:t>
+              <a:t>2020/3/26</a:t>
             </a:fld>
             <a:endParaRPr kumimoji="1" lang="zh-CN" altLang="en-US"/>
           </a:p>
@@ -14805,7 +14868,7 @@
         </p:nvSpPr>
         <p:spPr>
           <a:xfrm>
-            <a:off x="7692660" y="5366448"/>
+            <a:off x="411707" y="5383571"/>
             <a:ext cx="4007828" cy="1446550"/>
           </a:xfrm>
           <a:prstGeom prst="rect">
@@ -15059,8 +15122,8 @@
         </p:nvSpPr>
         <p:spPr>
           <a:xfrm>
-            <a:off x="9343255" y="3874814"/>
-            <a:ext cx="2443727" cy="1384995"/>
+            <a:off x="7291346" y="4430972"/>
+            <a:ext cx="2945176" cy="1869743"/>
           </a:xfrm>
           <a:prstGeom prst="rect">
             <a:avLst/>
@@ -15074,6 +15137,194 @@
           <a:lstStyle/>
           <a:p>
             <a:r>
+              <a:rPr kumimoji="1" lang="zh-CN" altLang="en-US" sz="1050" b="1" smtClean="0"/>
+              <a:t>新生代</a:t>
+            </a:r>
+            <a:r>
+              <a:rPr kumimoji="1" lang="en-US" altLang="zh-CN" sz="1050" b="1" smtClean="0"/>
+              <a:t>GC</a:t>
+            </a:r>
+            <a:r>
+              <a:rPr kumimoji="1" lang="zh-CN" altLang="en-US" sz="1050" b="1" smtClean="0"/>
+              <a:t>：</a:t>
+            </a:r>
+            <a:r>
+              <a:rPr kumimoji="1" lang="en-US" altLang="zh-CN" sz="1050" smtClean="0"/>
+              <a:t>minor</a:t>
+            </a:r>
+            <a:r>
+              <a:rPr kumimoji="1" lang="zh-CN" altLang="en-US" sz="1050" smtClean="0"/>
+              <a:t> </a:t>
+            </a:r>
+            <a:r>
+              <a:rPr kumimoji="1" lang="en-US" altLang="zh-CN" sz="1050" smtClean="0"/>
+              <a:t>gc / Youong gc</a:t>
+            </a:r>
+            <a:r>
+              <a:rPr kumimoji="1" lang="zh-CN" altLang="en-US" sz="1050" smtClean="0"/>
+              <a:t> ，</a:t>
+            </a:r>
+            <a:r>
+              <a:rPr kumimoji="1" lang="en-US" altLang="zh-CN" sz="1050" smtClean="0"/>
+              <a:t>Eden</a:t>
+            </a:r>
+            <a:r>
+              <a:rPr kumimoji="1" lang="zh-CN" altLang="en-US" sz="1050"/>
+              <a:t>区已满，就触发一次</a:t>
+            </a:r>
+            <a:r>
+              <a:rPr kumimoji="1" lang="en-US" altLang="zh-CN" sz="1050"/>
+              <a:t>Young GC</a:t>
+            </a:r>
+            <a:r>
+              <a:rPr kumimoji="1" lang="zh-CN" altLang="en-US" sz="1050"/>
+              <a:t>，然后转移到</a:t>
+            </a:r>
+            <a:r>
+              <a:rPr kumimoji="1" lang="en-US" altLang="zh-CN" sz="1050"/>
+              <a:t>From</a:t>
+            </a:r>
+            <a:r>
+              <a:rPr kumimoji="1" lang="zh-CN" altLang="en-US" sz="1050"/>
+              <a:t>或</a:t>
+            </a:r>
+            <a:r>
+              <a:rPr kumimoji="1" lang="en-US" altLang="zh-CN" sz="1050"/>
+              <a:t>To</a:t>
+            </a:r>
+            <a:r>
+              <a:rPr kumimoji="1" lang="zh-CN" altLang="en-US" sz="1050"/>
+              <a:t>区，同时年龄</a:t>
+            </a:r>
+            <a:r>
+              <a:rPr kumimoji="1" lang="en-US" altLang="zh-CN" sz="1050"/>
+              <a:t>+1</a:t>
+            </a:r>
+          </a:p>
+          <a:p>
+            <a:r>
+              <a:rPr kumimoji="1" lang="zh-CN" altLang="en-US" sz="1050" b="1" smtClean="0"/>
+              <a:t>老年代</a:t>
+            </a:r>
+            <a:r>
+              <a:rPr kumimoji="1" lang="en-US" altLang="zh-CN" sz="1050" b="1" smtClean="0"/>
+              <a:t>GC</a:t>
+            </a:r>
+            <a:r>
+              <a:rPr kumimoji="1" lang="zh-CN" altLang="en-US" sz="1050" b="1" smtClean="0"/>
+              <a:t>：</a:t>
+            </a:r>
+            <a:r>
+              <a:rPr kumimoji="1" lang="en-US" altLang="zh-CN" sz="1050" smtClean="0"/>
+              <a:t>magir</a:t>
+            </a:r>
+            <a:r>
+              <a:rPr kumimoji="1" lang="zh-CN" altLang="en-US" sz="1050" smtClean="0"/>
+              <a:t> </a:t>
+            </a:r>
+            <a:r>
+              <a:rPr kumimoji="1" lang="en-US" altLang="zh-CN" sz="1050" smtClean="0"/>
+              <a:t>gc / old gc</a:t>
+            </a:r>
+            <a:r>
+              <a:rPr kumimoji="1" lang="zh-CN" altLang="en-US" sz="1050" smtClean="0"/>
+              <a:t>，</a:t>
+            </a:r>
+            <a:r>
+              <a:rPr kumimoji="1" lang="zh-CN" altLang="en-US" sz="1050"/>
+              <a:t>老</a:t>
+            </a:r>
+            <a:r>
+              <a:rPr kumimoji="1" lang="zh-CN" altLang="en-US" sz="1050" smtClean="0"/>
+              <a:t>年代不够用</a:t>
+            </a:r>
+            <a:endParaRPr kumimoji="1" lang="en-US" altLang="zh-CN" sz="1050" smtClean="0"/>
+          </a:p>
+          <a:p>
+            <a:r>
+              <a:rPr kumimoji="1" lang="en-US" altLang="zh-CN" sz="1050" b="1"/>
+              <a:t>Full</a:t>
+            </a:r>
+            <a:r>
+              <a:rPr kumimoji="1" lang="zh-CN" altLang="en-US" sz="1050" b="1"/>
+              <a:t> </a:t>
+            </a:r>
+            <a:r>
+              <a:rPr kumimoji="1" lang="en-US" altLang="zh-CN" sz="1050" b="1" smtClean="0"/>
+              <a:t>GC</a:t>
+            </a:r>
+            <a:r>
+              <a:rPr kumimoji="1" lang="zh-CN" altLang="en-US" sz="1050" smtClean="0"/>
+              <a:t>：</a:t>
+            </a:r>
+            <a:r>
+              <a:rPr kumimoji="1" lang="zh-CN" altLang="en-US" sz="1050"/>
+              <a:t>收集整个堆</a:t>
+            </a:r>
+            <a:endParaRPr kumimoji="1" lang="en-US" altLang="zh-CN" sz="1050"/>
+          </a:p>
+          <a:p>
+            <a:r>
+              <a:rPr kumimoji="1" lang="en-US" altLang="zh-CN" sz="1050" smtClean="0"/>
+              <a:t>    </a:t>
+            </a:r>
+            <a:r>
+              <a:rPr kumimoji="1" lang="zh-CN" altLang="en-US" sz="1050" smtClean="0"/>
+              <a:t>当</a:t>
+            </a:r>
+            <a:r>
+              <a:rPr kumimoji="1" lang="zh-CN" altLang="en-US" sz="1050" smtClean="0"/>
+              <a:t>准备触发</a:t>
+            </a:r>
+            <a:r>
+              <a:rPr kumimoji="1" lang="en-US" altLang="zh-CN" sz="1050" smtClean="0"/>
+              <a:t>young</a:t>
+            </a:r>
+            <a:r>
+              <a:rPr kumimoji="1" lang="zh-CN" altLang="en-US" sz="1050" smtClean="0"/>
+              <a:t> </a:t>
+            </a:r>
+            <a:r>
+              <a:rPr kumimoji="1" lang="en-US" altLang="zh-CN" sz="1050" err="1" smtClean="0"/>
+              <a:t>gc</a:t>
+            </a:r>
+            <a:r>
+              <a:rPr kumimoji="1" lang="zh-CN" altLang="en-US" sz="1050" smtClean="0"/>
+              <a:t>时，如果</a:t>
+            </a:r>
+            <a:r>
+              <a:rPr kumimoji="1" lang="en-US" altLang="zh-CN" sz="1050" smtClean="0"/>
+              <a:t>young</a:t>
+            </a:r>
+            <a:r>
+              <a:rPr kumimoji="1" lang="zh-CN" altLang="en-US" sz="1050" smtClean="0"/>
+              <a:t> </a:t>
+            </a:r>
+            <a:r>
+              <a:rPr kumimoji="1" lang="en-US" altLang="zh-CN" sz="1050" err="1" smtClean="0"/>
+              <a:t>gc</a:t>
+            </a:r>
+            <a:r>
+              <a:rPr kumimoji="1" lang="zh-CN" altLang="en-US" sz="1050" smtClean="0"/>
+              <a:t>晋升的大小超过老年代剩余的空间，则不会触发</a:t>
+            </a:r>
+            <a:r>
+              <a:rPr kumimoji="1" lang="en-US" altLang="zh-CN" sz="1050" smtClean="0"/>
+              <a:t>young</a:t>
+            </a:r>
+            <a:r>
+              <a:rPr kumimoji="1" lang="zh-CN" altLang="en-US" sz="1050" smtClean="0"/>
+              <a:t> </a:t>
+            </a:r>
+            <a:r>
+              <a:rPr kumimoji="1" lang="en-US" altLang="zh-CN" sz="1050" err="1" smtClean="0"/>
+              <a:t>gc</a:t>
+            </a:r>
+            <a:r>
+              <a:rPr kumimoji="1" lang="zh-CN" altLang="en-US" sz="1050" smtClean="0"/>
+              <a:t>，转而触发</a:t>
+            </a:r>
+            <a:r>
               <a:rPr kumimoji="1" lang="en-US" altLang="zh-CN" sz="1050" smtClean="0"/>
               <a:t>Full</a:t>
             </a:r>
@@ -15087,194 +15338,75 @@
             </a:r>
             <a:r>
               <a:rPr kumimoji="1" lang="zh-CN" altLang="en-US" sz="1050" smtClean="0"/>
-              <a:t> 包括：收集整个堆</a:t>
-            </a:r>
-            <a:endParaRPr kumimoji="1" lang="en-US" altLang="zh-CN" sz="1050" smtClean="0"/>
-          </a:p>
-          <a:p>
+              <a:t>，或者</a:t>
+            </a:r>
+            <a:r>
+              <a:rPr kumimoji="1" lang="en-US" altLang="zh-CN" sz="1050" b="1" err="1" smtClean="0"/>
+              <a:t>system.gc</a:t>
+            </a:r>
+            <a:r>
+              <a:rPr kumimoji="1" lang="en-US" altLang="zh-CN" sz="1050" b="1" smtClean="0"/>
+              <a:t>()</a:t>
+            </a:r>
             <a:r>
               <a:rPr kumimoji="1" lang="zh-CN" altLang="en-US" sz="1050" smtClean="0"/>
-              <a:t>新生代</a:t>
+              <a:t>触发的也是</a:t>
             </a:r>
             <a:r>
               <a:rPr kumimoji="1" lang="en-US" altLang="zh-CN" sz="1050" smtClean="0"/>
-              <a:t>GC</a:t>
-            </a:r>
-            <a:r>
-              <a:rPr kumimoji="1" lang="zh-CN" altLang="en-US" sz="1050" smtClean="0"/>
-              <a:t>：</a:t>
-            </a:r>
-            <a:r>
-              <a:rPr kumimoji="1" lang="en-US" altLang="zh-CN" sz="1050" smtClean="0"/>
-              <a:t>minor</a:t>
+              <a:t>full</a:t>
             </a:r>
             <a:r>
               <a:rPr kumimoji="1" lang="zh-CN" altLang="en-US" sz="1050" smtClean="0"/>
               <a:t> </a:t>
             </a:r>
             <a:r>
-              <a:rPr kumimoji="1" lang="en-US" altLang="zh-CN" sz="1050" err="1" smtClean="0"/>
+              <a:rPr kumimoji="1" lang="en-US" altLang="zh-CN" sz="1050" smtClean="0"/>
               <a:t>gc</a:t>
             </a:r>
-            <a:r>
-              <a:rPr kumimoji="1" lang="zh-CN" altLang="en-US" sz="1050"/>
-              <a:t> </a:t>
-            </a:r>
-            <a:r>
-              <a:rPr kumimoji="1" lang="en-US" altLang="zh-CN" sz="1050" smtClean="0"/>
-              <a:t>,</a:t>
-            </a:r>
-            <a:r>
-              <a:rPr kumimoji="1" lang="zh-CN" altLang="en-US" sz="1050" smtClean="0"/>
-              <a:t> </a:t>
-            </a:r>
-            <a:r>
-              <a:rPr kumimoji="1" lang="en-US" altLang="zh-CN" sz="1050" err="1" smtClean="0"/>
-              <a:t>eden</a:t>
-            </a:r>
-            <a:r>
-              <a:rPr kumimoji="1" lang="zh-CN" altLang="en-US" sz="1050" smtClean="0"/>
-              <a:t>区满执行</a:t>
-            </a:r>
-            <a:endParaRPr kumimoji="1" lang="en-US" altLang="zh-CN" sz="1050" smtClean="0"/>
-          </a:p>
-          <a:p>
-            <a:r>
-              <a:rPr kumimoji="1" lang="zh-CN" altLang="en-US" sz="1050" smtClean="0"/>
-              <a:t>老年代</a:t>
-            </a:r>
-            <a:r>
-              <a:rPr kumimoji="1" lang="en-US" altLang="zh-CN" sz="1050" smtClean="0"/>
-              <a:t>GC</a:t>
-            </a:r>
-            <a:r>
-              <a:rPr kumimoji="1" lang="zh-CN" altLang="en-US" sz="1050" smtClean="0"/>
-              <a:t>：</a:t>
-            </a:r>
-            <a:r>
-              <a:rPr kumimoji="1" lang="en-US" altLang="zh-CN" sz="1050" smtClean="0"/>
-              <a:t>old</a:t>
-            </a:r>
-            <a:r>
-              <a:rPr kumimoji="1" lang="zh-CN" altLang="en-US" sz="1050" smtClean="0"/>
-              <a:t> </a:t>
-            </a:r>
-            <a:r>
-              <a:rPr kumimoji="1" lang="en-US" altLang="zh-CN" sz="1050" err="1" smtClean="0"/>
-              <a:t>gc</a:t>
-            </a:r>
             <a:endParaRPr kumimoji="1" lang="en-US" altLang="zh-CN" sz="1050"/>
           </a:p>
           <a:p>
-            <a:r>
-              <a:rPr kumimoji="1" lang="en-US" altLang="zh-CN" sz="1050" smtClean="0"/>
-              <a:t>Full</a:t>
-            </a:r>
-            <a:r>
-              <a:rPr kumimoji="1" lang="zh-CN" altLang="en-US" sz="1050" smtClean="0"/>
-              <a:t> </a:t>
-            </a:r>
-            <a:r>
-              <a:rPr kumimoji="1" lang="en-US" altLang="zh-CN" sz="1050" smtClean="0"/>
-              <a:t>GC</a:t>
-            </a:r>
-            <a:r>
-              <a:rPr kumimoji="1" lang="zh-CN" altLang="en-US" sz="1050" smtClean="0"/>
-              <a:t>触发条件：当准备触发</a:t>
-            </a:r>
-            <a:r>
-              <a:rPr kumimoji="1" lang="en-US" altLang="zh-CN" sz="1050" smtClean="0"/>
-              <a:t>young</a:t>
-            </a:r>
-            <a:r>
-              <a:rPr kumimoji="1" lang="zh-CN" altLang="en-US" sz="1050" smtClean="0"/>
-              <a:t> </a:t>
-            </a:r>
-            <a:r>
-              <a:rPr kumimoji="1" lang="en-US" altLang="zh-CN" sz="1050" err="1" smtClean="0"/>
-              <a:t>gc</a:t>
-            </a:r>
-            <a:r>
-              <a:rPr kumimoji="1" lang="zh-CN" altLang="en-US" sz="1050" smtClean="0"/>
-              <a:t>时，如果</a:t>
-            </a:r>
-            <a:r>
-              <a:rPr kumimoji="1" lang="en-US" altLang="zh-CN" sz="1050" smtClean="0"/>
-              <a:t>young</a:t>
-            </a:r>
-            <a:r>
-              <a:rPr kumimoji="1" lang="zh-CN" altLang="en-US" sz="1050" smtClean="0"/>
-              <a:t> </a:t>
-            </a:r>
-            <a:r>
-              <a:rPr kumimoji="1" lang="en-US" altLang="zh-CN" sz="1050" err="1" smtClean="0"/>
-              <a:t>gc</a:t>
-            </a:r>
-            <a:r>
-              <a:rPr kumimoji="1" lang="zh-CN" altLang="en-US" sz="1050" smtClean="0"/>
-              <a:t>晋升的大小超过老年代剩余的空间，则不会触发</a:t>
-            </a:r>
-            <a:r>
-              <a:rPr kumimoji="1" lang="en-US" altLang="zh-CN" sz="1050" smtClean="0"/>
-              <a:t>young</a:t>
-            </a:r>
-            <a:r>
-              <a:rPr kumimoji="1" lang="zh-CN" altLang="en-US" sz="1050" smtClean="0"/>
-              <a:t> </a:t>
-            </a:r>
-            <a:r>
-              <a:rPr kumimoji="1" lang="en-US" altLang="zh-CN" sz="1050" err="1" smtClean="0"/>
-              <a:t>gc</a:t>
-            </a:r>
-            <a:r>
-              <a:rPr kumimoji="1" lang="zh-CN" altLang="en-US" sz="1050" smtClean="0"/>
-              <a:t>，转而触发</a:t>
-            </a:r>
-            <a:r>
-              <a:rPr kumimoji="1" lang="en-US" altLang="zh-CN" sz="1050" smtClean="0"/>
-              <a:t>Full</a:t>
-            </a:r>
-            <a:r>
-              <a:rPr kumimoji="1" lang="zh-CN" altLang="en-US" sz="1050" smtClean="0"/>
-              <a:t> </a:t>
-            </a:r>
-            <a:r>
-              <a:rPr kumimoji="1" lang="en-US" altLang="zh-CN" sz="1050" err="1" smtClean="0"/>
-              <a:t>gc</a:t>
-            </a:r>
-            <a:r>
-              <a:rPr kumimoji="1" lang="zh-CN" altLang="en-US" sz="1050" smtClean="0"/>
-              <a:t>，或者</a:t>
-            </a:r>
-            <a:r>
-              <a:rPr kumimoji="1" lang="en-US" altLang="zh-CN" sz="1050" err="1" smtClean="0"/>
-              <a:t>system.gc</a:t>
-            </a:r>
-            <a:r>
-              <a:rPr kumimoji="1" lang="en-US" altLang="zh-CN" sz="1050" smtClean="0"/>
-              <a:t>()</a:t>
-            </a:r>
-            <a:r>
-              <a:rPr kumimoji="1" lang="zh-CN" altLang="en-US" sz="1050" smtClean="0"/>
-              <a:t>触发的也是</a:t>
-            </a:r>
-            <a:r>
-              <a:rPr kumimoji="1" lang="en-US" altLang="zh-CN" sz="1050" smtClean="0"/>
-              <a:t>full</a:t>
-            </a:r>
-            <a:r>
-              <a:rPr kumimoji="1" lang="zh-CN" altLang="en-US" sz="1050" smtClean="0"/>
-              <a:t> </a:t>
-            </a:r>
-            <a:r>
-              <a:rPr kumimoji="1" lang="en-US" altLang="zh-CN" sz="1050" err="1" smtClean="0"/>
-              <a:t>gc</a:t>
-            </a:r>
-            <a:r>
-              <a:rPr kumimoji="1" lang="en-US" altLang="zh-CN" sz="1050"/>
-              <a:t>	</a:t>
-            </a:r>
-            <a:endParaRPr kumimoji="1" lang="zh-CN" altLang="en-US" sz="1050"/>
+            <a:endParaRPr kumimoji="1" lang="en-US" altLang="zh-CN" sz="1050"/>
+          </a:p>
+          <a:p>
+            <a:r>
+              <a:rPr kumimoji="1" lang="zh-CN" altLang="en-US" sz="1050" b="1" smtClean="0">
+                <a:solidFill>
+                  <a:srgbClr val="FF0000"/>
+                </a:solidFill>
+              </a:rPr>
+              <a:t>某些</a:t>
+            </a:r>
+            <a:r>
+              <a:rPr kumimoji="1" lang="en-US" altLang="zh-CN" sz="1050" b="1" smtClean="0">
+                <a:solidFill>
+                  <a:srgbClr val="FF0000"/>
+                </a:solidFill>
+              </a:rPr>
+              <a:t>Web</a:t>
+            </a:r>
+            <a:r>
+              <a:rPr kumimoji="1" lang="zh-CN" altLang="en-US" sz="1050" b="1" smtClean="0">
+                <a:solidFill>
+                  <a:srgbClr val="FF0000"/>
+                </a:solidFill>
+              </a:rPr>
+              <a:t>应用在整个运行期间做到从不</a:t>
+            </a:r>
+            <a:r>
+              <a:rPr kumimoji="1" lang="en-US" altLang="zh-CN" sz="1050" b="1" smtClean="0">
+                <a:solidFill>
+                  <a:srgbClr val="FF0000"/>
+                </a:solidFill>
+              </a:rPr>
+              <a:t>Full GC</a:t>
+            </a:r>
+            <a:endParaRPr kumimoji="1" lang="zh-CN" altLang="en-US" sz="1050" b="1">
+              <a:solidFill>
+                <a:srgbClr val="FF0000"/>
+              </a:solidFill>
+            </a:endParaRPr>
           </a:p>
         </p:txBody>
       </p:sp>
@@ -17219,44 +17351,6 @@
           </p:txBody>
         </p:sp>
       </p:grpSp>
-      <p:sp>
-        <p:nvSpPr>
-          <p:cNvPr id="99" name="文本框 98"/>
-          <p:cNvSpPr txBox="1"/>
-          <p:nvPr/>
-        </p:nvSpPr>
-        <p:spPr>
-          <a:xfrm>
-            <a:off x="312234" y="5633985"/>
-            <a:ext cx="2637260" cy="261610"/>
-          </a:xfrm>
-          <a:prstGeom prst="rect">
-            <a:avLst/>
-          </a:prstGeom>
-          <a:noFill/>
-        </p:spPr>
-        <p:txBody>
-          <a:bodyPr wrap="none" rtlCol="0">
-            <a:spAutoFit/>
-          </a:bodyPr>
-          <a:lstStyle/>
-          <a:p>
-            <a:r>
-              <a:rPr kumimoji="1" lang="zh-CN" altLang="en-US" sz="1100" smtClean="0"/>
-              <a:t>程序计数器：唯一没有</a:t>
-            </a:r>
-            <a:r>
-              <a:rPr kumimoji="1" lang="en-US" altLang="zh-CN" sz="1100" smtClean="0"/>
-              <a:t>OOM</a:t>
-            </a:r>
-            <a:r>
-              <a:rPr kumimoji="1" lang="zh-CN" altLang="en-US" sz="1100" smtClean="0"/>
-              <a:t>的内存区域</a:t>
-            </a:r>
-            <a:endParaRPr kumimoji="1" lang="zh-CN" altLang="en-US" sz="1100"/>
-          </a:p>
-        </p:txBody>
-      </p:sp>
     </p:spTree>
     <p:extLst>
       <p:ext uri="{BB962C8B-B14F-4D97-AF65-F5344CB8AC3E}">

--- a/doc/doc.pptx
+++ b/doc/doc.pptx
@@ -5,7 +5,7 @@
     <p:sldMasterId id="2147483648" r:id="rId1"/>
   </p:sldMasterIdLst>
   <p:notesMasterIdLst>
-    <p:notesMasterId r:id="rId20"/>
+    <p:notesMasterId r:id="rId21"/>
   </p:notesMasterIdLst>
   <p:sldIdLst>
     <p:sldId id="264" r:id="rId2"/>
@@ -23,9 +23,10 @@
     <p:sldId id="271" r:id="rId14"/>
     <p:sldId id="272" r:id="rId15"/>
     <p:sldId id="273" r:id="rId16"/>
-    <p:sldId id="274" r:id="rId17"/>
-    <p:sldId id="275" r:id="rId18"/>
-    <p:sldId id="276" r:id="rId19"/>
+    <p:sldId id="277" r:id="rId17"/>
+    <p:sldId id="274" r:id="rId18"/>
+    <p:sldId id="275" r:id="rId19"/>
+    <p:sldId id="276" r:id="rId20"/>
   </p:sldIdLst>
   <p:sldSz cx="12192000" cy="6858000"/>
   <p:notesSz cx="6858000" cy="9144000"/>
@@ -214,7 +215,7 @@
           <a:p>
             <a:fld id="{A3D7CE87-9499-D644-9D39-658681EEDA03}" type="datetimeFigureOut">
               <a:rPr kumimoji="1" lang="zh-CN" altLang="en-US" smtClean="0"/>
-              <a:t>2020/3/26</a:t>
+              <a:t>2020/4/1</a:t>
             </a:fld>
             <a:endParaRPr kumimoji="1" lang="zh-CN" altLang="en-US"/>
           </a:p>
@@ -848,19 +849,7 @@
                 <a:ea typeface="+mn-ea"/>
                 <a:cs typeface="+mn-cs"/>
               </a:rPr>
-              <a:t>堆的任务：存放对象</a:t>
-            </a:r>
-            <a:r>
-              <a:rPr kumimoji="1" lang="zh-CN" altLang="en-US" sz="1200" b="0" i="0" kern="1200" baseline="0" smtClean="0">
-                <a:solidFill>
-                  <a:schemeClr val="tx1"/>
-                </a:solidFill>
-                <a:effectLst/>
-                <a:latin typeface="+mn-lt"/>
-                <a:ea typeface="+mn-ea"/>
-                <a:cs typeface="+mn-cs"/>
-              </a:rPr>
-              <a:t>实例</a:t>
+              <a:t>堆的任务：存放对象实例</a:t>
             </a:r>
             <a:endParaRPr kumimoji="1" lang="en-US" altLang="zh-CN" sz="1200" b="0" i="0" kern="1200" baseline="0" smtClean="0">
               <a:solidFill>
@@ -1431,7 +1420,7 @@
           <a:p>
             <a:fld id="{79C7BEE9-4014-F74B-8041-D28506CB9C48}" type="datetimeFigureOut">
               <a:rPr kumimoji="1" lang="zh-CN" altLang="en-US" smtClean="0"/>
-              <a:t>2020/3/26</a:t>
+              <a:t>2020/4/1</a:t>
             </a:fld>
             <a:endParaRPr kumimoji="1" lang="zh-CN" altLang="en-US"/>
           </a:p>
@@ -1601,7 +1590,7 @@
           <a:p>
             <a:fld id="{79C7BEE9-4014-F74B-8041-D28506CB9C48}" type="datetimeFigureOut">
               <a:rPr kumimoji="1" lang="zh-CN" altLang="en-US" smtClean="0"/>
-              <a:t>2020/3/26</a:t>
+              <a:t>2020/4/1</a:t>
             </a:fld>
             <a:endParaRPr kumimoji="1" lang="zh-CN" altLang="en-US"/>
           </a:p>
@@ -1781,7 +1770,7 @@
           <a:p>
             <a:fld id="{79C7BEE9-4014-F74B-8041-D28506CB9C48}" type="datetimeFigureOut">
               <a:rPr kumimoji="1" lang="zh-CN" altLang="en-US" smtClean="0"/>
-              <a:t>2020/3/26</a:t>
+              <a:t>2020/4/1</a:t>
             </a:fld>
             <a:endParaRPr kumimoji="1" lang="zh-CN" altLang="en-US"/>
           </a:p>
@@ -1951,7 +1940,7 @@
           <a:p>
             <a:fld id="{79C7BEE9-4014-F74B-8041-D28506CB9C48}" type="datetimeFigureOut">
               <a:rPr kumimoji="1" lang="zh-CN" altLang="en-US" smtClean="0"/>
-              <a:t>2020/3/26</a:t>
+              <a:t>2020/4/1</a:t>
             </a:fld>
             <a:endParaRPr kumimoji="1" lang="zh-CN" altLang="en-US"/>
           </a:p>
@@ -2197,7 +2186,7 @@
           <a:p>
             <a:fld id="{79C7BEE9-4014-F74B-8041-D28506CB9C48}" type="datetimeFigureOut">
               <a:rPr kumimoji="1" lang="zh-CN" altLang="en-US" smtClean="0"/>
-              <a:t>2020/3/26</a:t>
+              <a:t>2020/4/1</a:t>
             </a:fld>
             <a:endParaRPr kumimoji="1" lang="zh-CN" altLang="en-US"/>
           </a:p>
@@ -2429,7 +2418,7 @@
           <a:p>
             <a:fld id="{79C7BEE9-4014-F74B-8041-D28506CB9C48}" type="datetimeFigureOut">
               <a:rPr kumimoji="1" lang="zh-CN" altLang="en-US" smtClean="0"/>
-              <a:t>2020/3/26</a:t>
+              <a:t>2020/4/1</a:t>
             </a:fld>
             <a:endParaRPr kumimoji="1" lang="zh-CN" altLang="en-US"/>
           </a:p>
@@ -2796,7 +2785,7 @@
           <a:p>
             <a:fld id="{79C7BEE9-4014-F74B-8041-D28506CB9C48}" type="datetimeFigureOut">
               <a:rPr kumimoji="1" lang="zh-CN" altLang="en-US" smtClean="0"/>
-              <a:t>2020/3/26</a:t>
+              <a:t>2020/4/1</a:t>
             </a:fld>
             <a:endParaRPr kumimoji="1" lang="zh-CN" altLang="en-US"/>
           </a:p>
@@ -2914,7 +2903,7 @@
           <a:p>
             <a:fld id="{79C7BEE9-4014-F74B-8041-D28506CB9C48}" type="datetimeFigureOut">
               <a:rPr kumimoji="1" lang="zh-CN" altLang="en-US" smtClean="0"/>
-              <a:t>2020/3/26</a:t>
+              <a:t>2020/4/1</a:t>
             </a:fld>
             <a:endParaRPr kumimoji="1" lang="zh-CN" altLang="en-US"/>
           </a:p>
@@ -3009,7 +2998,7 @@
           <a:p>
             <a:fld id="{79C7BEE9-4014-F74B-8041-D28506CB9C48}" type="datetimeFigureOut">
               <a:rPr kumimoji="1" lang="zh-CN" altLang="en-US" smtClean="0"/>
-              <a:t>2020/3/26</a:t>
+              <a:t>2020/4/1</a:t>
             </a:fld>
             <a:endParaRPr kumimoji="1" lang="zh-CN" altLang="en-US"/>
           </a:p>
@@ -3286,7 +3275,7 @@
           <a:p>
             <a:fld id="{79C7BEE9-4014-F74B-8041-D28506CB9C48}" type="datetimeFigureOut">
               <a:rPr kumimoji="1" lang="zh-CN" altLang="en-US" smtClean="0"/>
-              <a:t>2020/3/26</a:t>
+              <a:t>2020/4/1</a:t>
             </a:fld>
             <a:endParaRPr kumimoji="1" lang="zh-CN" altLang="en-US"/>
           </a:p>
@@ -3539,7 +3528,7 @@
           <a:p>
             <a:fld id="{79C7BEE9-4014-F74B-8041-D28506CB9C48}" type="datetimeFigureOut">
               <a:rPr kumimoji="1" lang="zh-CN" altLang="en-US" smtClean="0"/>
-              <a:t>2020/3/26</a:t>
+              <a:t>2020/4/1</a:t>
             </a:fld>
             <a:endParaRPr kumimoji="1" lang="zh-CN" altLang="en-US"/>
           </a:p>
@@ -3752,7 +3741,7 @@
           <a:p>
             <a:fld id="{79C7BEE9-4014-F74B-8041-D28506CB9C48}" type="datetimeFigureOut">
               <a:rPr kumimoji="1" lang="zh-CN" altLang="en-US" smtClean="0"/>
-              <a:t>2020/3/26</a:t>
+              <a:t>2020/4/1</a:t>
             </a:fld>
             <a:endParaRPr kumimoji="1" lang="zh-CN" altLang="en-US"/>
           </a:p>
@@ -8415,8 +8404,8 @@
         </p:nvSpPr>
         <p:spPr>
           <a:xfrm>
-            <a:off x="2861122" y="1266674"/>
-            <a:ext cx="710451" cy="369332"/>
+            <a:off x="2284842" y="521788"/>
+            <a:ext cx="1837362" cy="261610"/>
           </a:xfrm>
           <a:prstGeom prst="rect">
             <a:avLst/>
@@ -8430,10 +8419,10 @@
           <a:lstStyle/>
           <a:p>
             <a:r>
-              <a:rPr kumimoji="1" lang="en-US" altLang="zh-CN" smtClean="0"/>
-              <a:t>client</a:t>
-            </a:r>
-            <a:endParaRPr kumimoji="1" lang="zh-CN" altLang="en-US" dirty="0"/>
+              <a:rPr kumimoji="1" lang="en-US" altLang="zh-CN" sz="1100" smtClean="0"/>
+              <a:t>      Socket / SocketChannel</a:t>
+            </a:r>
+            <a:endParaRPr kumimoji="1" lang="zh-CN" altLang="en-US" sz="1100" dirty="0"/>
           </a:p>
         </p:txBody>
       </p:sp>
@@ -8486,8 +8475,8 @@
         </p:nvSpPr>
         <p:spPr>
           <a:xfrm>
-            <a:off x="6986731" y="1266674"/>
-            <a:ext cx="780983" cy="369332"/>
+            <a:off x="6677707" y="522705"/>
+            <a:ext cx="2167581" cy="246221"/>
           </a:xfrm>
           <a:prstGeom prst="rect">
             <a:avLst/>
@@ -8501,10 +8490,17 @@
           <a:lstStyle/>
           <a:p>
             <a:r>
-              <a:rPr kumimoji="1" lang="en-US" altLang="zh-CN" smtClean="0"/>
-              <a:t>server</a:t>
-            </a:r>
-            <a:endParaRPr kumimoji="1" lang="zh-CN" altLang="en-US" dirty="0"/>
+              <a:rPr kumimoji="1" lang="en-US" altLang="zh-CN" sz="1000" smtClean="0"/>
+              <a:t>ServerSocket</a:t>
+            </a:r>
+            <a:r>
+              <a:rPr kumimoji="1" lang="zh-CN" altLang="en-US" sz="1000"/>
+              <a:t> </a:t>
+            </a:r>
+            <a:r>
+              <a:rPr kumimoji="1" lang="en-US" altLang="zh-CN" sz="1000" smtClean="0"/>
+              <a:t>/ ServerSocketChannel</a:t>
+            </a:r>
           </a:p>
         </p:txBody>
       </p:sp>
@@ -8744,7 +8740,7 @@
         </p:nvCxnSpPr>
         <p:spPr>
           <a:xfrm>
-            <a:off x="7057263" y="1991084"/>
+            <a:off x="7761498" y="1983433"/>
             <a:ext cx="0" cy="616696"/>
           </a:xfrm>
           <a:prstGeom prst="straightConnector1">
@@ -8777,7 +8773,7 @@
         </p:nvCxnSpPr>
         <p:spPr>
           <a:xfrm flipV="1">
-            <a:off x="7767714" y="1991083"/>
+            <a:off x="7034289" y="1977652"/>
             <a:ext cx="0" cy="616698"/>
           </a:xfrm>
           <a:prstGeom prst="straightConnector1">
@@ -8810,7 +8806,7 @@
         </p:nvSpPr>
         <p:spPr>
           <a:xfrm>
-            <a:off x="7767714" y="2188492"/>
+            <a:off x="5821409" y="2168882"/>
             <a:ext cx="893193" cy="415498"/>
           </a:xfrm>
           <a:prstGeom prst="rect">
@@ -8855,7 +8851,7 @@
         </p:nvSpPr>
         <p:spPr>
           <a:xfrm>
-            <a:off x="6133844" y="2188492"/>
+            <a:off x="7860131" y="2242226"/>
             <a:ext cx="1005403" cy="415498"/>
           </a:xfrm>
           <a:prstGeom prst="rect">
@@ -8941,8 +8937,8 @@
         </p:nvSpPr>
         <p:spPr>
           <a:xfrm>
-            <a:off x="4805917" y="3721397"/>
-            <a:ext cx="928459" cy="276999"/>
+            <a:off x="4162267" y="4084080"/>
+            <a:ext cx="2045753" cy="276999"/>
           </a:xfrm>
           <a:prstGeom prst="rect">
             <a:avLst/>
@@ -8956,11 +8952,11 @@
           <a:lstStyle/>
           <a:p>
             <a:r>
-              <a:rPr kumimoji="1" lang="en-US" altLang="zh-CN" sz="1200" dirty="0" smtClean="0"/>
-              <a:t>Socket</a:t>
-            </a:r>
-            <a:r>
-              <a:rPr kumimoji="1" lang="zh-CN" altLang="en-US" sz="1200" dirty="0" smtClean="0"/>
+              <a:rPr kumimoji="1" lang="en-US" altLang="zh-CN" sz="1200" smtClean="0"/>
+              <a:t>Socket / SocketChannel</a:t>
+            </a:r>
+            <a:r>
+              <a:rPr kumimoji="1" lang="zh-CN" altLang="en-US" sz="1200" smtClean="0"/>
               <a:t>通道</a:t>
             </a:r>
             <a:endParaRPr kumimoji="1" lang="zh-CN" altLang="en-US" sz="1200" dirty="0"/>
@@ -9045,8 +9041,8 @@
         </p:nvSpPr>
         <p:spPr>
           <a:xfrm>
-            <a:off x="2016854" y="2925221"/>
-            <a:ext cx="588623" cy="253916"/>
+            <a:off x="1918099" y="2868869"/>
+            <a:ext cx="527709" cy="253916"/>
           </a:xfrm>
           <a:prstGeom prst="rect">
             <a:avLst/>
@@ -9060,8 +9056,8 @@
           <a:lstStyle/>
           <a:p>
             <a:r>
-              <a:rPr kumimoji="1" lang="zh-CN" altLang="en-US" sz="1050" dirty="0" smtClean="0"/>
-              <a:t>缓存区</a:t>
+              <a:rPr kumimoji="1" lang="en-US" altLang="zh-CN" sz="1050" smtClean="0"/>
+              <a:t>Buffer</a:t>
             </a:r>
             <a:endParaRPr kumimoji="1" lang="zh-CN" altLang="en-US" sz="1050" dirty="0"/>
           </a:p>
@@ -9076,7 +9072,7 @@
         <p:spPr>
           <a:xfrm>
             <a:off x="7967243" y="2886743"/>
-            <a:ext cx="588623" cy="253916"/>
+            <a:ext cx="527709" cy="253916"/>
           </a:xfrm>
           <a:prstGeom prst="rect">
             <a:avLst/>
@@ -9090,8 +9086,8 @@
           <a:lstStyle/>
           <a:p>
             <a:r>
-              <a:rPr kumimoji="1" lang="zh-CN" altLang="en-US" sz="1050" smtClean="0"/>
-              <a:t>缓存区</a:t>
+              <a:rPr kumimoji="1" lang="en-US" altLang="zh-CN" sz="1050" smtClean="0"/>
+              <a:t>Buffer</a:t>
             </a:r>
             <a:endParaRPr kumimoji="1" lang="zh-CN" altLang="en-US" sz="1050" dirty="0"/>
           </a:p>
@@ -9397,7 +9393,7 @@
         </p:nvSpPr>
         <p:spPr>
           <a:xfrm>
-            <a:off x="1889893" y="4528559"/>
+            <a:off x="1824331" y="5614409"/>
             <a:ext cx="6891630" cy="461665"/>
           </a:xfrm>
           <a:prstGeom prst="rect">
@@ -9505,6 +9501,49 @@
               <a:t>传输过程：</a:t>
             </a:r>
             <a:endParaRPr kumimoji="1" lang="zh-CN" altLang="en-US" sz="1400" dirty="0"/>
+          </a:p>
+        </p:txBody>
+      </p:sp>
+      <p:sp>
+        <p:nvSpPr>
+          <p:cNvPr id="35" name="文本框 34"/>
+          <p:cNvSpPr txBox="1"/>
+          <p:nvPr/>
+        </p:nvSpPr>
+        <p:spPr>
+          <a:xfrm>
+            <a:off x="9088675" y="926638"/>
+            <a:ext cx="2117887" cy="400110"/>
+          </a:xfrm>
+          <a:prstGeom prst="rect">
+            <a:avLst/>
+          </a:prstGeom>
+          <a:noFill/>
+        </p:spPr>
+        <p:txBody>
+          <a:bodyPr wrap="none" rtlCol="0">
+            <a:spAutoFit/>
+          </a:bodyPr>
+          <a:lstStyle/>
+          <a:p>
+            <a:r>
+              <a:rPr kumimoji="1" lang="en-US" altLang="zh-CN" sz="1000"/>
+              <a:t>s</a:t>
+            </a:r>
+            <a:r>
+              <a:rPr kumimoji="1" lang="en-US" altLang="zh-CN" sz="1000" smtClean="0"/>
+              <a:t>erverScoket = new ServerSocket();</a:t>
+            </a:r>
+          </a:p>
+          <a:p>
+            <a:r>
+              <a:rPr kumimoji="1" lang="en-US" altLang="zh-CN" sz="1000"/>
+              <a:t>s</a:t>
+            </a:r>
+            <a:r>
+              <a:rPr kumimoji="1" lang="en-US" altLang="zh-CN" sz="1000" smtClean="0"/>
+              <a:t>ocket = serverSocket.accpent;</a:t>
+            </a:r>
           </a:p>
         </p:txBody>
       </p:sp>
@@ -9540,19 +9579,22 @@
       </p:grpSpPr>
       <p:sp>
         <p:nvSpPr>
-          <p:cNvPr id="4" name="矩形 3"/>
+          <p:cNvPr id="13" name="矩形 12"/>
           <p:cNvSpPr/>
           <p:nvPr/>
         </p:nvSpPr>
         <p:spPr>
           <a:xfrm>
-            <a:off x="2594344" y="925029"/>
-            <a:ext cx="1244009" cy="1052623"/>
-          </a:xfrm>
-          <a:prstGeom prst="rect">
-            <a:avLst/>
-          </a:prstGeom>
-          <a:noFill/>
+            <a:off x="4901184" y="1865376"/>
+            <a:ext cx="4956048" cy="1225296"/>
+          </a:xfrm>
+          <a:prstGeom prst="rect">
+            <a:avLst/>
+          </a:prstGeom>
+          <a:noFill/>
+          <a:ln>
+            <a:prstDash val="sysDot"/>
+          </a:ln>
         </p:spPr>
         <p:style>
           <a:lnRef idx="2">
@@ -9575,20 +9617,20 @@
           <a:lstStyle/>
           <a:p>
             <a:pPr algn="ctr"/>
-            <a:endParaRPr kumimoji="1" lang="zh-CN" altLang="en-US"/>
-          </a:p>
-        </p:txBody>
-      </p:sp>
-      <p:sp>
-        <p:nvSpPr>
-          <p:cNvPr id="5" name="文本框 4"/>
+            <a:endParaRPr lang="zh-CN" altLang="en-US"/>
+          </a:p>
+        </p:txBody>
+      </p:sp>
+      <p:sp>
+        <p:nvSpPr>
+          <p:cNvPr id="4" name="文本框 3"/>
           <p:cNvSpPr txBox="1"/>
           <p:nvPr/>
         </p:nvSpPr>
         <p:spPr>
           <a:xfrm>
-            <a:off x="2861122" y="1266674"/>
-            <a:ext cx="710451" cy="369332"/>
+            <a:off x="346357" y="169496"/>
+            <a:ext cx="939681" cy="307777"/>
           </a:xfrm>
           <a:prstGeom prst="rect">
             <a:avLst/>
@@ -9602,25 +9644,29 @@
           <a:lstStyle/>
           <a:p>
             <a:r>
-              <a:rPr kumimoji="1" lang="en-US" altLang="zh-CN" smtClean="0"/>
-              <a:t>client</a:t>
-            </a:r>
-            <a:endParaRPr kumimoji="1" lang="zh-CN" altLang="en-US" dirty="0"/>
-          </a:p>
-        </p:txBody>
-      </p:sp>
-      <p:sp>
-        <p:nvSpPr>
-          <p:cNvPr id="6" name="矩形 5"/>
+              <a:rPr kumimoji="1" lang="en-US" altLang="zh-CN" sz="1400" smtClean="0"/>
+              <a:t>Tomcat</a:t>
+            </a:r>
+            <a:r>
+              <a:rPr kumimoji="1" lang="zh-CN" altLang="en-US" sz="1400" smtClean="0"/>
+              <a:t>：</a:t>
+            </a:r>
+            <a:endParaRPr kumimoji="1" lang="zh-CN" altLang="en-US" sz="1400" dirty="0"/>
+          </a:p>
+        </p:txBody>
+      </p:sp>
+      <p:sp>
+        <p:nvSpPr>
+          <p:cNvPr id="5" name="等腰三角形 4"/>
           <p:cNvSpPr/>
           <p:nvPr/>
         </p:nvSpPr>
         <p:spPr>
           <a:xfrm>
-            <a:off x="6755219" y="925029"/>
-            <a:ext cx="1244009" cy="1052623"/>
-          </a:xfrm>
-          <a:prstGeom prst="rect">
+            <a:off x="1167166" y="2276856"/>
+            <a:ext cx="389926" cy="347472"/>
+          </a:xfrm>
+          <a:prstGeom prst="triangle">
             <a:avLst/>
           </a:prstGeom>
           <a:noFill/>
@@ -9646,54 +9692,25 @@
           <a:lstStyle/>
           <a:p>
             <a:pPr algn="ctr"/>
-            <a:endParaRPr kumimoji="1" lang="zh-CN" altLang="en-US"/>
-          </a:p>
-        </p:txBody>
-      </p:sp>
-      <p:sp>
-        <p:nvSpPr>
-          <p:cNvPr id="7" name="文本框 6"/>
-          <p:cNvSpPr txBox="1"/>
-          <p:nvPr/>
-        </p:nvSpPr>
-        <p:spPr>
-          <a:xfrm>
-            <a:off x="6986731" y="1266674"/>
-            <a:ext cx="780983" cy="369332"/>
-          </a:xfrm>
-          <a:prstGeom prst="rect">
-            <a:avLst/>
-          </a:prstGeom>
-          <a:noFill/>
-        </p:spPr>
-        <p:txBody>
-          <a:bodyPr wrap="none" rtlCol="0">
-            <a:spAutoFit/>
-          </a:bodyPr>
-          <a:lstStyle/>
-          <a:p>
-            <a:r>
-              <a:rPr kumimoji="1" lang="en-US" altLang="zh-CN" smtClean="0"/>
-              <a:t>server</a:t>
-            </a:r>
-            <a:endParaRPr kumimoji="1" lang="zh-CN" altLang="en-US" dirty="0"/>
-          </a:p>
-        </p:txBody>
-      </p:sp>
-      <p:sp>
-        <p:nvSpPr>
-          <p:cNvPr id="8" name="椭圆 7"/>
+            <a:endParaRPr lang="zh-CN" altLang="en-US"/>
+          </a:p>
+        </p:txBody>
+      </p:sp>
+      <p:sp>
+        <p:nvSpPr>
+          <p:cNvPr id="6" name="矩形 5"/>
           <p:cNvSpPr/>
           <p:nvPr/>
         </p:nvSpPr>
         <p:spPr>
           <a:xfrm>
-            <a:off x="2594344" y="2594348"/>
-            <a:ext cx="1221780" cy="584790"/>
-          </a:xfrm>
-          <a:prstGeom prst="ellipse">
-            <a:avLst/>
-          </a:prstGeom>
+            <a:off x="3328416" y="2135124"/>
+            <a:ext cx="850392" cy="630936"/>
+          </a:xfrm>
+          <a:prstGeom prst="rect">
+            <a:avLst/>
+          </a:prstGeom>
+          <a:noFill/>
         </p:spPr>
         <p:style>
           <a:lnRef idx="2">
@@ -9716,24 +9733,25 @@
           <a:lstStyle/>
           <a:p>
             <a:pPr algn="ctr"/>
-            <a:endParaRPr kumimoji="1" lang="zh-CN" altLang="en-US"/>
-          </a:p>
-        </p:txBody>
-      </p:sp>
-      <p:sp>
-        <p:nvSpPr>
-          <p:cNvPr id="9" name="椭圆 8"/>
+            <a:endParaRPr lang="zh-CN" altLang="en-US"/>
+          </a:p>
+        </p:txBody>
+      </p:sp>
+      <p:sp>
+        <p:nvSpPr>
+          <p:cNvPr id="9" name="矩形 8"/>
           <p:cNvSpPr/>
           <p:nvPr/>
         </p:nvSpPr>
         <p:spPr>
           <a:xfrm>
-            <a:off x="6777448" y="2594348"/>
-            <a:ext cx="1221780" cy="584790"/>
-          </a:xfrm>
-          <a:prstGeom prst="ellipse">
-            <a:avLst/>
-          </a:prstGeom>
+            <a:off x="5145024" y="2135124"/>
+            <a:ext cx="850392" cy="630936"/>
+          </a:xfrm>
+          <a:prstGeom prst="rect">
+            <a:avLst/>
+          </a:prstGeom>
+          <a:noFill/>
         </p:spPr>
         <p:style>
           <a:lnRef idx="2">
@@ -9756,324 +9774,32 @@
           <a:lstStyle/>
           <a:p>
             <a:pPr algn="ctr"/>
-            <a:endParaRPr kumimoji="1" lang="zh-CN" altLang="en-US"/>
-          </a:p>
-        </p:txBody>
-      </p:sp>
-      <p:cxnSp>
-        <p:nvCxnSpPr>
-          <p:cNvPr id="10" name="直线箭头连接符 9"/>
-          <p:cNvCxnSpPr/>
-          <p:nvPr/>
-        </p:nvCxnSpPr>
-        <p:spPr>
-          <a:xfrm>
-            <a:off x="2861122" y="1977652"/>
-            <a:ext cx="0" cy="616696"/>
-          </a:xfrm>
-          <a:prstGeom prst="straightConnector1">
-            <a:avLst/>
-          </a:prstGeom>
-          <a:ln>
-            <a:tailEnd type="triangle"/>
-          </a:ln>
-        </p:spPr>
-        <p:style>
-          <a:lnRef idx="1">
-            <a:schemeClr val="accent1"/>
-          </a:lnRef>
-          <a:fillRef idx="0">
-            <a:schemeClr val="accent1"/>
-          </a:fillRef>
-          <a:effectRef idx="0">
-            <a:schemeClr val="accent1"/>
-          </a:effectRef>
-          <a:fontRef idx="minor">
-            <a:schemeClr val="tx1"/>
-          </a:fontRef>
-        </p:style>
-      </p:cxnSp>
-      <p:cxnSp>
-        <p:nvCxnSpPr>
-          <p:cNvPr id="11" name="直线箭头连接符 10"/>
-          <p:cNvCxnSpPr/>
-          <p:nvPr/>
-        </p:nvCxnSpPr>
-        <p:spPr>
-          <a:xfrm flipV="1">
-            <a:off x="3571573" y="1977651"/>
-            <a:ext cx="0" cy="616698"/>
-          </a:xfrm>
-          <a:prstGeom prst="straightConnector1">
-            <a:avLst/>
-          </a:prstGeom>
-          <a:ln>
-            <a:tailEnd type="triangle"/>
-          </a:ln>
-        </p:spPr>
-        <p:style>
-          <a:lnRef idx="1">
-            <a:schemeClr val="accent1"/>
-          </a:lnRef>
-          <a:fillRef idx="0">
-            <a:schemeClr val="accent1"/>
-          </a:fillRef>
-          <a:effectRef idx="0">
-            <a:schemeClr val="accent1"/>
-          </a:effectRef>
-          <a:fontRef idx="minor">
-            <a:schemeClr val="tx1"/>
-          </a:fontRef>
-        </p:style>
-      </p:cxnSp>
-      <p:sp>
-        <p:nvSpPr>
-          <p:cNvPr id="12" name="文本框 11"/>
-          <p:cNvSpPr txBox="1"/>
-          <p:nvPr/>
-        </p:nvSpPr>
-        <p:spPr>
-          <a:xfrm>
-            <a:off x="3571573" y="2175060"/>
-            <a:ext cx="893193" cy="415498"/>
-          </a:xfrm>
-          <a:prstGeom prst="rect">
-            <a:avLst/>
-          </a:prstGeom>
-          <a:noFill/>
-        </p:spPr>
-        <p:txBody>
-          <a:bodyPr wrap="none" rtlCol="0">
-            <a:spAutoFit/>
-          </a:bodyPr>
-          <a:lstStyle/>
-          <a:p>
-            <a:r>
-              <a:rPr kumimoji="1" lang="en-US" altLang="zh-CN" sz="1050" dirty="0" err="1" smtClean="0"/>
-              <a:t>InputStream</a:t>
-            </a:r>
-            <a:endParaRPr kumimoji="1" lang="en-US" altLang="zh-CN" sz="1050" dirty="0" smtClean="0"/>
-          </a:p>
-          <a:p>
-            <a:r>
-              <a:rPr kumimoji="1" lang="zh-CN" altLang="en-US" sz="1050" dirty="0" smtClean="0"/>
-              <a:t>     </a:t>
-            </a:r>
-            <a:r>
-              <a:rPr kumimoji="1" lang="en-US" altLang="zh-CN" sz="1050" dirty="0" smtClean="0"/>
-              <a:t>read()</a:t>
-            </a:r>
-            <a:endParaRPr kumimoji="1" lang="en-US" altLang="zh-CN" sz="1050" dirty="0"/>
-          </a:p>
-        </p:txBody>
-      </p:sp>
-      <p:sp>
-        <p:nvSpPr>
-          <p:cNvPr id="13" name="文本框 12"/>
-          <p:cNvSpPr txBox="1"/>
-          <p:nvPr/>
-        </p:nvSpPr>
-        <p:spPr>
-          <a:xfrm>
-            <a:off x="1937703" y="2175060"/>
-            <a:ext cx="1005403" cy="415498"/>
-          </a:xfrm>
-          <a:prstGeom prst="rect">
-            <a:avLst/>
-          </a:prstGeom>
-          <a:noFill/>
-        </p:spPr>
-        <p:txBody>
-          <a:bodyPr wrap="none" rtlCol="0">
-            <a:spAutoFit/>
-          </a:bodyPr>
-          <a:lstStyle/>
-          <a:p>
-            <a:r>
-              <a:rPr kumimoji="1" lang="en-US" altLang="zh-CN" sz="1050" dirty="0" err="1" smtClean="0"/>
-              <a:t>OutputStream</a:t>
-            </a:r>
-            <a:endParaRPr kumimoji="1" lang="en-US" altLang="zh-CN" sz="1050" dirty="0" smtClean="0"/>
-          </a:p>
-          <a:p>
-            <a:r>
-              <a:rPr kumimoji="1" lang="zh-CN" altLang="en-US" sz="1050" dirty="0" smtClean="0"/>
-              <a:t>     </a:t>
-            </a:r>
-            <a:r>
-              <a:rPr kumimoji="1" lang="en-US" altLang="zh-CN" sz="1050" dirty="0" smtClean="0"/>
-              <a:t>write()</a:t>
-            </a:r>
-            <a:endParaRPr kumimoji="1" lang="zh-CN" altLang="en-US" sz="1050" dirty="0"/>
-          </a:p>
-        </p:txBody>
-      </p:sp>
-      <p:cxnSp>
-        <p:nvCxnSpPr>
-          <p:cNvPr id="14" name="直线箭头连接符 13"/>
-          <p:cNvCxnSpPr/>
-          <p:nvPr/>
-        </p:nvCxnSpPr>
-        <p:spPr>
-          <a:xfrm>
-            <a:off x="7057263" y="1991084"/>
-            <a:ext cx="0" cy="616696"/>
-          </a:xfrm>
-          <a:prstGeom prst="straightConnector1">
-            <a:avLst/>
-          </a:prstGeom>
-          <a:ln>
-            <a:tailEnd type="triangle"/>
-          </a:ln>
-        </p:spPr>
-        <p:style>
-          <a:lnRef idx="1">
-            <a:schemeClr val="accent1"/>
-          </a:lnRef>
-          <a:fillRef idx="0">
-            <a:schemeClr val="accent1"/>
-          </a:fillRef>
-          <a:effectRef idx="0">
-            <a:schemeClr val="accent1"/>
-          </a:effectRef>
-          <a:fontRef idx="minor">
-            <a:schemeClr val="tx1"/>
-          </a:fontRef>
-        </p:style>
-      </p:cxnSp>
-      <p:cxnSp>
-        <p:nvCxnSpPr>
-          <p:cNvPr id="15" name="直线箭头连接符 14"/>
-          <p:cNvCxnSpPr/>
-          <p:nvPr/>
-        </p:nvCxnSpPr>
-        <p:spPr>
-          <a:xfrm flipV="1">
-            <a:off x="7767714" y="1991083"/>
-            <a:ext cx="0" cy="616698"/>
-          </a:xfrm>
-          <a:prstGeom prst="straightConnector1">
-            <a:avLst/>
-          </a:prstGeom>
-          <a:ln>
-            <a:tailEnd type="triangle"/>
-          </a:ln>
-        </p:spPr>
-        <p:style>
-          <a:lnRef idx="1">
-            <a:schemeClr val="accent1"/>
-          </a:lnRef>
-          <a:fillRef idx="0">
-            <a:schemeClr val="accent1"/>
-          </a:fillRef>
-          <a:effectRef idx="0">
-            <a:schemeClr val="accent1"/>
-          </a:effectRef>
-          <a:fontRef idx="minor">
-            <a:schemeClr val="tx1"/>
-          </a:fontRef>
-        </p:style>
-      </p:cxnSp>
-      <p:sp>
-        <p:nvSpPr>
-          <p:cNvPr id="16" name="文本框 15"/>
-          <p:cNvSpPr txBox="1"/>
-          <p:nvPr/>
-        </p:nvSpPr>
-        <p:spPr>
-          <a:xfrm>
-            <a:off x="7767714" y="2188492"/>
-            <a:ext cx="893193" cy="415498"/>
-          </a:xfrm>
-          <a:prstGeom prst="rect">
-            <a:avLst/>
-          </a:prstGeom>
-          <a:noFill/>
-        </p:spPr>
-        <p:txBody>
-          <a:bodyPr wrap="none" rtlCol="0">
-            <a:spAutoFit/>
-          </a:bodyPr>
-          <a:lstStyle/>
-          <a:p>
-            <a:r>
-              <a:rPr kumimoji="1" lang="en-US" altLang="zh-CN" sz="1050" dirty="0" err="1" smtClean="0"/>
-              <a:t>InputStream</a:t>
-            </a:r>
-            <a:endParaRPr kumimoji="1" lang="en-US" altLang="zh-CN" sz="1050" dirty="0" smtClean="0"/>
-          </a:p>
-          <a:p>
-            <a:r>
-              <a:rPr kumimoji="1" lang="zh-CN" altLang="en-US" sz="1050" dirty="0"/>
-              <a:t> </a:t>
-            </a:r>
-            <a:r>
-              <a:rPr kumimoji="1" lang="zh-CN" altLang="en-US" sz="1050" dirty="0" smtClean="0"/>
-              <a:t>    </a:t>
-            </a:r>
-            <a:r>
-              <a:rPr kumimoji="1" lang="en-US" altLang="zh-CN" sz="1050" dirty="0" smtClean="0"/>
-              <a:t>read()</a:t>
-            </a:r>
-            <a:endParaRPr kumimoji="1" lang="zh-CN" altLang="en-US" sz="1050" dirty="0"/>
-          </a:p>
-        </p:txBody>
-      </p:sp>
-      <p:sp>
-        <p:nvSpPr>
-          <p:cNvPr id="17" name="文本框 16"/>
-          <p:cNvSpPr txBox="1"/>
-          <p:nvPr/>
-        </p:nvSpPr>
-        <p:spPr>
-          <a:xfrm>
-            <a:off x="6133844" y="2188492"/>
-            <a:ext cx="1005403" cy="415498"/>
-          </a:xfrm>
-          <a:prstGeom prst="rect">
-            <a:avLst/>
-          </a:prstGeom>
-          <a:noFill/>
-        </p:spPr>
-        <p:txBody>
-          <a:bodyPr wrap="none" rtlCol="0">
-            <a:spAutoFit/>
-          </a:bodyPr>
-          <a:lstStyle/>
-          <a:p>
-            <a:r>
-              <a:rPr kumimoji="1" lang="en-US" altLang="zh-CN" sz="1050" dirty="0" err="1" smtClean="0"/>
-              <a:t>OutputStream</a:t>
-            </a:r>
-            <a:endParaRPr kumimoji="1" lang="en-US" altLang="zh-CN" sz="1050" dirty="0" smtClean="0"/>
-          </a:p>
-          <a:p>
-            <a:r>
-              <a:rPr kumimoji="1" lang="zh-CN" altLang="en-US" sz="1050" dirty="0"/>
-              <a:t> </a:t>
-            </a:r>
-            <a:r>
-              <a:rPr kumimoji="1" lang="zh-CN" altLang="en-US" sz="1050" dirty="0" smtClean="0"/>
-              <a:t>      </a:t>
-            </a:r>
-            <a:r>
-              <a:rPr kumimoji="1" lang="en-US" altLang="zh-CN" sz="1050" dirty="0" smtClean="0"/>
-              <a:t>write()</a:t>
-            </a:r>
-            <a:endParaRPr kumimoji="1" lang="zh-CN" altLang="en-US" sz="1050" dirty="0"/>
-          </a:p>
-        </p:txBody>
-      </p:sp>
-      <p:sp>
-        <p:nvSpPr>
-          <p:cNvPr id="18" name="矩形 17"/>
+            <a:r>
+              <a:rPr lang="en-US" altLang="zh-CN" sz="1200" smtClean="0">
+                <a:solidFill>
+                  <a:schemeClr val="tx1"/>
+                </a:solidFill>
+              </a:rPr>
+              <a:t>Engine</a:t>
+            </a:r>
+            <a:endParaRPr lang="zh-CN" altLang="en-US" sz="1400">
+              <a:solidFill>
+                <a:schemeClr val="tx1"/>
+              </a:solidFill>
+            </a:endParaRPr>
+          </a:p>
+        </p:txBody>
+      </p:sp>
+      <p:sp>
+        <p:nvSpPr>
+          <p:cNvPr id="10" name="矩形 9"/>
           <p:cNvSpPr/>
           <p:nvPr/>
         </p:nvSpPr>
         <p:spPr>
           <a:xfrm>
-            <a:off x="3503250" y="3711104"/>
-            <a:ext cx="3458164" cy="1014265"/>
+            <a:off x="6326124" y="2135124"/>
+            <a:ext cx="850392" cy="630936"/>
           </a:xfrm>
           <a:prstGeom prst="rect">
             <a:avLst/>
@@ -10101,121 +9827,37 @@
           <a:lstStyle/>
           <a:p>
             <a:pPr algn="ctr"/>
-            <a:endParaRPr kumimoji="1" lang="zh-CN" altLang="en-US"/>
-          </a:p>
-        </p:txBody>
-      </p:sp>
-      <p:sp>
-        <p:nvSpPr>
-          <p:cNvPr id="19" name="文本框 18"/>
-          <p:cNvSpPr txBox="1"/>
-          <p:nvPr/>
-        </p:nvSpPr>
-        <p:spPr>
-          <a:xfrm>
-            <a:off x="6950986" y="4491505"/>
-            <a:ext cx="928459" cy="276999"/>
-          </a:xfrm>
-          <a:prstGeom prst="rect">
-            <a:avLst/>
-          </a:prstGeom>
-          <a:noFill/>
-        </p:spPr>
-        <p:txBody>
-          <a:bodyPr wrap="none" rtlCol="0">
-            <a:spAutoFit/>
-          </a:bodyPr>
-          <a:lstStyle/>
-          <a:p>
-            <a:r>
-              <a:rPr kumimoji="1" lang="en-US" altLang="zh-CN" sz="1200" dirty="0" smtClean="0"/>
-              <a:t>Socket</a:t>
-            </a:r>
-            <a:r>
-              <a:rPr kumimoji="1" lang="zh-CN" altLang="en-US" sz="1200" dirty="0" smtClean="0"/>
-              <a:t>通道</a:t>
-            </a:r>
-            <a:endParaRPr kumimoji="1" lang="zh-CN" altLang="en-US" sz="1200" dirty="0"/>
-          </a:p>
-        </p:txBody>
-      </p:sp>
-      <p:sp>
-        <p:nvSpPr>
-          <p:cNvPr id="22" name="文本框 21"/>
-          <p:cNvSpPr txBox="1"/>
-          <p:nvPr/>
-        </p:nvSpPr>
-        <p:spPr>
-          <a:xfrm>
-            <a:off x="2016854" y="2925221"/>
-            <a:ext cx="588623" cy="253916"/>
-          </a:xfrm>
-          <a:prstGeom prst="rect">
-            <a:avLst/>
-          </a:prstGeom>
-          <a:noFill/>
-        </p:spPr>
-        <p:txBody>
-          <a:bodyPr wrap="none" rtlCol="0">
-            <a:spAutoFit/>
-          </a:bodyPr>
-          <a:lstStyle/>
-          <a:p>
-            <a:r>
-              <a:rPr kumimoji="1" lang="zh-CN" altLang="en-US" sz="1050" dirty="0" smtClean="0"/>
-              <a:t>缓存区</a:t>
-            </a:r>
-            <a:endParaRPr kumimoji="1" lang="zh-CN" altLang="en-US" sz="1050" dirty="0"/>
-          </a:p>
-        </p:txBody>
-      </p:sp>
-      <p:sp>
-        <p:nvSpPr>
-          <p:cNvPr id="23" name="文本框 22"/>
-          <p:cNvSpPr txBox="1"/>
-          <p:nvPr/>
-        </p:nvSpPr>
-        <p:spPr>
-          <a:xfrm>
-            <a:off x="7967243" y="2886743"/>
-            <a:ext cx="588623" cy="253916"/>
-          </a:xfrm>
-          <a:prstGeom prst="rect">
-            <a:avLst/>
-          </a:prstGeom>
-          <a:noFill/>
-        </p:spPr>
-        <p:txBody>
-          <a:bodyPr wrap="none" rtlCol="0">
-            <a:spAutoFit/>
-          </a:bodyPr>
-          <a:lstStyle/>
-          <a:p>
-            <a:r>
-              <a:rPr kumimoji="1" lang="zh-CN" altLang="en-US" sz="1050" smtClean="0"/>
-              <a:t>缓存区</a:t>
-            </a:r>
-            <a:endParaRPr kumimoji="1" lang="zh-CN" altLang="en-US" sz="1050" dirty="0"/>
-          </a:p>
-        </p:txBody>
-      </p:sp>
-      <p:sp>
-        <p:nvSpPr>
-          <p:cNvPr id="24" name="矩形 23"/>
+            <a:r>
+              <a:rPr lang="en-US" altLang="zh-CN" sz="1200" smtClean="0">
+                <a:solidFill>
+                  <a:schemeClr val="tx1"/>
+                </a:solidFill>
+              </a:rPr>
+              <a:t>Host</a:t>
+            </a:r>
+            <a:endParaRPr lang="zh-CN" altLang="en-US" sz="1400">
+              <a:solidFill>
+                <a:schemeClr val="tx1"/>
+              </a:solidFill>
+            </a:endParaRPr>
+          </a:p>
+        </p:txBody>
+      </p:sp>
+      <p:sp>
+        <p:nvSpPr>
+          <p:cNvPr id="11" name="矩形 10"/>
           <p:cNvSpPr/>
           <p:nvPr/>
         </p:nvSpPr>
         <p:spPr>
           <a:xfrm>
-            <a:off x="2861121" y="2753833"/>
-            <a:ext cx="169157" cy="298346"/>
-          </a:xfrm>
-          <a:prstGeom prst="rect">
-            <a:avLst/>
-          </a:prstGeom>
-          <a:solidFill>
-            <a:schemeClr val="accent4"/>
-          </a:solidFill>
+            <a:off x="7507224" y="2139696"/>
+            <a:ext cx="850392" cy="630936"/>
+          </a:xfrm>
+          <a:prstGeom prst="rect">
+            <a:avLst/>
+          </a:prstGeom>
+          <a:noFill/>
         </p:spPr>
         <p:style>
           <a:lnRef idx="2">
@@ -10238,27 +9880,37 @@
           <a:lstStyle/>
           <a:p>
             <a:pPr algn="ctr"/>
-            <a:endParaRPr kumimoji="1" lang="zh-CN" altLang="en-US"/>
-          </a:p>
-        </p:txBody>
-      </p:sp>
-      <p:sp>
-        <p:nvSpPr>
-          <p:cNvPr id="25" name="矩形 24"/>
+            <a:r>
+              <a:rPr lang="en-US" altLang="zh-CN" sz="1200" smtClean="0">
+                <a:solidFill>
+                  <a:schemeClr val="tx1"/>
+                </a:solidFill>
+              </a:rPr>
+              <a:t>Context</a:t>
+            </a:r>
+            <a:endParaRPr lang="zh-CN" altLang="en-US" sz="1400">
+              <a:solidFill>
+                <a:schemeClr val="tx1"/>
+              </a:solidFill>
+            </a:endParaRPr>
+          </a:p>
+        </p:txBody>
+      </p:sp>
+      <p:sp>
+        <p:nvSpPr>
+          <p:cNvPr id="12" name="矩形 11"/>
           <p:cNvSpPr/>
           <p:nvPr/>
         </p:nvSpPr>
         <p:spPr>
           <a:xfrm>
-            <a:off x="3297055" y="2753833"/>
-            <a:ext cx="169157" cy="298346"/>
-          </a:xfrm>
-          <a:prstGeom prst="rect">
-            <a:avLst/>
-          </a:prstGeom>
-          <a:solidFill>
-            <a:schemeClr val="accent4"/>
-          </a:solidFill>
+            <a:off x="8688324" y="2139696"/>
+            <a:ext cx="850392" cy="630936"/>
+          </a:xfrm>
+          <a:prstGeom prst="rect">
+            <a:avLst/>
+          </a:prstGeom>
+          <a:noFill/>
         </p:spPr>
         <p:style>
           <a:lnRef idx="2">
@@ -10281,106 +9933,32 @@
           <a:lstStyle/>
           <a:p>
             <a:pPr algn="ctr"/>
-            <a:endParaRPr kumimoji="1" lang="zh-CN" altLang="en-US"/>
-          </a:p>
-        </p:txBody>
-      </p:sp>
-      <p:sp>
-        <p:nvSpPr>
-          <p:cNvPr id="26" name="矩形 25"/>
-          <p:cNvSpPr/>
-          <p:nvPr/>
-        </p:nvSpPr>
-        <p:spPr>
-          <a:xfrm>
-            <a:off x="7592341" y="2753833"/>
-            <a:ext cx="169157" cy="298346"/>
-          </a:xfrm>
-          <a:prstGeom prst="rect">
-            <a:avLst/>
-          </a:prstGeom>
-          <a:solidFill>
-            <a:schemeClr val="accent4"/>
-          </a:solidFill>
-        </p:spPr>
-        <p:style>
-          <a:lnRef idx="2">
-            <a:schemeClr val="accent1">
-              <a:shade val="50000"/>
-            </a:schemeClr>
-          </a:lnRef>
-          <a:fillRef idx="1">
-            <a:schemeClr val="accent1"/>
-          </a:fillRef>
-          <a:effectRef idx="0">
-            <a:schemeClr val="accent1"/>
-          </a:effectRef>
-          <a:fontRef idx="minor">
-            <a:schemeClr val="lt1"/>
-          </a:fontRef>
-        </p:style>
-        <p:txBody>
-          <a:bodyPr rtlCol="0" anchor="ctr"/>
-          <a:lstStyle/>
-          <a:p>
-            <a:pPr algn="ctr"/>
-            <a:endParaRPr kumimoji="1" lang="zh-CN" altLang="en-US"/>
-          </a:p>
-        </p:txBody>
-      </p:sp>
-      <p:sp>
-        <p:nvSpPr>
-          <p:cNvPr id="27" name="矩形 26"/>
-          <p:cNvSpPr/>
-          <p:nvPr/>
-        </p:nvSpPr>
-        <p:spPr>
-          <a:xfrm>
-            <a:off x="7086573" y="2747645"/>
-            <a:ext cx="169157" cy="298346"/>
-          </a:xfrm>
-          <a:prstGeom prst="rect">
-            <a:avLst/>
-          </a:prstGeom>
-          <a:solidFill>
-            <a:schemeClr val="accent4"/>
-          </a:solidFill>
-        </p:spPr>
-        <p:style>
-          <a:lnRef idx="2">
-            <a:schemeClr val="accent1">
-              <a:shade val="50000"/>
-            </a:schemeClr>
-          </a:lnRef>
-          <a:fillRef idx="1">
-            <a:schemeClr val="accent1"/>
-          </a:fillRef>
-          <a:effectRef idx="0">
-            <a:schemeClr val="accent1"/>
-          </a:effectRef>
-          <a:fontRef idx="minor">
-            <a:schemeClr val="lt1"/>
-          </a:fontRef>
-        </p:style>
-        <p:txBody>
-          <a:bodyPr rtlCol="0" anchor="ctr"/>
-          <a:lstStyle/>
-          <a:p>
-            <a:pPr algn="ctr"/>
-            <a:endParaRPr kumimoji="1" lang="zh-CN" altLang="en-US"/>
-          </a:p>
-        </p:txBody>
-      </p:sp>
-      <p:sp>
-        <p:nvSpPr>
-          <p:cNvPr id="28" name="文本框 27"/>
+            <a:r>
+              <a:rPr lang="en-US" altLang="zh-CN" sz="1200" smtClean="0">
+                <a:solidFill>
+                  <a:schemeClr val="tx1"/>
+                </a:solidFill>
+              </a:rPr>
+              <a:t>Wrapper</a:t>
+            </a:r>
+            <a:endParaRPr lang="zh-CN" altLang="en-US" sz="1400">
+              <a:solidFill>
+                <a:schemeClr val="tx1"/>
+              </a:solidFill>
+            </a:endParaRPr>
+          </a:p>
+        </p:txBody>
+      </p:sp>
+      <p:sp>
+        <p:nvSpPr>
+          <p:cNvPr id="14" name="文本框 13"/>
           <p:cNvSpPr txBox="1"/>
           <p:nvPr/>
         </p:nvSpPr>
         <p:spPr>
           <a:xfrm>
-            <a:off x="2627724" y="3179136"/>
-            <a:ext cx="575799" cy="253916"/>
+            <a:off x="3292729" y="1290178"/>
+            <a:ext cx="992579" cy="307777"/>
           </a:xfrm>
           <a:prstGeom prst="rect">
             <a:avLst/>
@@ -10394,23 +9972,23 @@
           <a:lstStyle/>
           <a:p>
             <a:r>
-              <a:rPr kumimoji="1" lang="en-US" altLang="zh-CN" sz="1050" dirty="0" err="1" smtClean="0"/>
-              <a:t>SendQ</a:t>
-            </a:r>
-            <a:endParaRPr kumimoji="1" lang="zh-CN" altLang="en-US" sz="1050" dirty="0"/>
-          </a:p>
-        </p:txBody>
-      </p:sp>
-      <p:sp>
-        <p:nvSpPr>
-          <p:cNvPr id="29" name="文本框 28"/>
+              <a:rPr kumimoji="1" lang="en-US" altLang="zh-CN" sz="1400" smtClean="0"/>
+              <a:t>Connector</a:t>
+            </a:r>
+            <a:endParaRPr kumimoji="1" lang="en-US" altLang="zh-CN" sz="1400" smtClean="0"/>
+          </a:p>
+        </p:txBody>
+      </p:sp>
+      <p:sp>
+        <p:nvSpPr>
+          <p:cNvPr id="15" name="文本框 14"/>
           <p:cNvSpPr txBox="1"/>
           <p:nvPr/>
         </p:nvSpPr>
         <p:spPr>
           <a:xfrm>
-            <a:off x="7576305" y="3183200"/>
-            <a:ext cx="724878" cy="253916"/>
+            <a:off x="6910169" y="1239316"/>
+            <a:ext cx="938077" cy="307777"/>
           </a:xfrm>
           <a:prstGeom prst="rect">
             <a:avLst/>
@@ -10424,23 +10002,23 @@
           <a:lstStyle/>
           <a:p>
             <a:r>
-              <a:rPr kumimoji="1" lang="en-US" altLang="zh-CN" sz="1050" dirty="0" err="1" smtClean="0"/>
-              <a:t>ReceiveQ</a:t>
-            </a:r>
-            <a:endParaRPr kumimoji="1" lang="zh-CN" altLang="en-US" sz="1050" dirty="0"/>
-          </a:p>
-        </p:txBody>
-      </p:sp>
-      <p:sp>
-        <p:nvSpPr>
-          <p:cNvPr id="30" name="文本框 29"/>
+              <a:rPr kumimoji="1" lang="en-US" altLang="zh-CN" sz="1400" smtClean="0"/>
+              <a:t>Container</a:t>
+            </a:r>
+            <a:endParaRPr kumimoji="1" lang="zh-CN" altLang="en-US" sz="1400" dirty="0"/>
+          </a:p>
+        </p:txBody>
+      </p:sp>
+      <p:sp>
+        <p:nvSpPr>
+          <p:cNvPr id="16" name="文本框 15"/>
           <p:cNvSpPr txBox="1"/>
           <p:nvPr/>
         </p:nvSpPr>
         <p:spPr>
           <a:xfrm>
-            <a:off x="6819520" y="3178502"/>
-            <a:ext cx="575799" cy="253916"/>
+            <a:off x="1063810" y="1252333"/>
+            <a:ext cx="596638" cy="307777"/>
           </a:xfrm>
           <a:prstGeom prst="rect">
             <a:avLst/>
@@ -10454,23 +10032,197 @@
           <a:lstStyle/>
           <a:p>
             <a:r>
-              <a:rPr kumimoji="1" lang="en-US" altLang="zh-CN" sz="1050" dirty="0" err="1" smtClean="0"/>
-              <a:t>SendQ</a:t>
-            </a:r>
-            <a:endParaRPr kumimoji="1" lang="zh-CN" altLang="en-US" sz="1050" dirty="0"/>
-          </a:p>
-        </p:txBody>
-      </p:sp>
-      <p:sp>
-        <p:nvSpPr>
-          <p:cNvPr id="31" name="文本框 30"/>
+              <a:rPr kumimoji="1" lang="en-US" altLang="zh-CN" sz="1400" smtClean="0"/>
+              <a:t>client</a:t>
+            </a:r>
+            <a:endParaRPr kumimoji="1" lang="zh-CN" altLang="en-US" sz="1400" dirty="0"/>
+          </a:p>
+        </p:txBody>
+      </p:sp>
+      <p:cxnSp>
+        <p:nvCxnSpPr>
+          <p:cNvPr id="18" name="直接箭头连接符 17"/>
+          <p:cNvCxnSpPr/>
+          <p:nvPr/>
+        </p:nvCxnSpPr>
+        <p:spPr>
+          <a:xfrm>
+            <a:off x="1660448" y="2450592"/>
+            <a:ext cx="1525781" cy="0"/>
+          </a:xfrm>
+          <a:prstGeom prst="straightConnector1">
+            <a:avLst/>
+          </a:prstGeom>
+          <a:ln>
+            <a:tailEnd type="triangle"/>
+          </a:ln>
+        </p:spPr>
+        <p:style>
+          <a:lnRef idx="1">
+            <a:schemeClr val="accent1"/>
+          </a:lnRef>
+          <a:fillRef idx="0">
+            <a:schemeClr val="accent1"/>
+          </a:fillRef>
+          <a:effectRef idx="0">
+            <a:schemeClr val="accent1"/>
+          </a:effectRef>
+          <a:fontRef idx="minor">
+            <a:schemeClr val="tx1"/>
+          </a:fontRef>
+        </p:style>
+      </p:cxnSp>
+      <p:cxnSp>
+        <p:nvCxnSpPr>
+          <p:cNvPr id="20" name="直接箭头连接符 19"/>
+          <p:cNvCxnSpPr/>
+          <p:nvPr/>
+        </p:nvCxnSpPr>
+        <p:spPr>
+          <a:xfrm>
+            <a:off x="4242816" y="2478024"/>
+            <a:ext cx="603504" cy="0"/>
+          </a:xfrm>
+          <a:prstGeom prst="straightConnector1">
+            <a:avLst/>
+          </a:prstGeom>
+          <a:ln>
+            <a:tailEnd type="triangle"/>
+          </a:ln>
+        </p:spPr>
+        <p:style>
+          <a:lnRef idx="1">
+            <a:schemeClr val="accent1"/>
+          </a:lnRef>
+          <a:fillRef idx="0">
+            <a:schemeClr val="accent1"/>
+          </a:fillRef>
+          <a:effectRef idx="0">
+            <a:schemeClr val="accent1"/>
+          </a:effectRef>
+          <a:fontRef idx="minor">
+            <a:schemeClr val="tx1"/>
+          </a:fontRef>
+        </p:style>
+      </p:cxnSp>
+      <p:cxnSp>
+        <p:nvCxnSpPr>
+          <p:cNvPr id="24" name="直接箭头连接符 23"/>
+          <p:cNvCxnSpPr>
+            <a:stCxn id="9" idx="3"/>
+            <a:endCxn id="10" idx="1"/>
+          </p:cNvCxnSpPr>
+          <p:nvPr/>
+        </p:nvCxnSpPr>
+        <p:spPr>
+          <a:xfrm>
+            <a:off x="5995416" y="2450592"/>
+            <a:ext cx="330708" cy="0"/>
+          </a:xfrm>
+          <a:prstGeom prst="straightConnector1">
+            <a:avLst/>
+          </a:prstGeom>
+          <a:ln>
+            <a:tailEnd type="triangle"/>
+          </a:ln>
+        </p:spPr>
+        <p:style>
+          <a:lnRef idx="1">
+            <a:schemeClr val="accent1"/>
+          </a:lnRef>
+          <a:fillRef idx="0">
+            <a:schemeClr val="accent1"/>
+          </a:fillRef>
+          <a:effectRef idx="0">
+            <a:schemeClr val="accent1"/>
+          </a:effectRef>
+          <a:fontRef idx="minor">
+            <a:schemeClr val="tx1"/>
+          </a:fontRef>
+        </p:style>
+      </p:cxnSp>
+      <p:cxnSp>
+        <p:nvCxnSpPr>
+          <p:cNvPr id="26" name="直接箭头连接符 25"/>
+          <p:cNvCxnSpPr>
+            <a:stCxn id="10" idx="3"/>
+            <a:endCxn id="11" idx="1"/>
+          </p:cNvCxnSpPr>
+          <p:nvPr/>
+        </p:nvCxnSpPr>
+        <p:spPr>
+          <a:xfrm>
+            <a:off x="7176516" y="2450592"/>
+            <a:ext cx="330708" cy="4572"/>
+          </a:xfrm>
+          <a:prstGeom prst="straightConnector1">
+            <a:avLst/>
+          </a:prstGeom>
+          <a:ln>
+            <a:tailEnd type="triangle"/>
+          </a:ln>
+        </p:spPr>
+        <p:style>
+          <a:lnRef idx="1">
+            <a:schemeClr val="accent1"/>
+          </a:lnRef>
+          <a:fillRef idx="0">
+            <a:schemeClr val="accent1"/>
+          </a:fillRef>
+          <a:effectRef idx="0">
+            <a:schemeClr val="accent1"/>
+          </a:effectRef>
+          <a:fontRef idx="minor">
+            <a:schemeClr val="tx1"/>
+          </a:fontRef>
+        </p:style>
+      </p:cxnSp>
+      <p:cxnSp>
+        <p:nvCxnSpPr>
+          <p:cNvPr id="28" name="直接箭头连接符 27"/>
+          <p:cNvCxnSpPr>
+            <a:stCxn id="11" idx="3"/>
+            <a:endCxn id="12" idx="1"/>
+          </p:cNvCxnSpPr>
+          <p:nvPr/>
+        </p:nvCxnSpPr>
+        <p:spPr>
+          <a:xfrm>
+            <a:off x="8357616" y="2455164"/>
+            <a:ext cx="330708" cy="0"/>
+          </a:xfrm>
+          <a:prstGeom prst="straightConnector1">
+            <a:avLst/>
+          </a:prstGeom>
+          <a:ln>
+            <a:tailEnd type="triangle"/>
+          </a:ln>
+        </p:spPr>
+        <p:style>
+          <a:lnRef idx="1">
+            <a:schemeClr val="accent1"/>
+          </a:lnRef>
+          <a:fillRef idx="0">
+            <a:schemeClr val="accent1"/>
+          </a:fillRef>
+          <a:effectRef idx="0">
+            <a:schemeClr val="accent1"/>
+          </a:effectRef>
+          <a:fontRef idx="minor">
+            <a:schemeClr val="tx1"/>
+          </a:fontRef>
+        </p:style>
+      </p:cxnSp>
+      <p:sp>
+        <p:nvSpPr>
+          <p:cNvPr id="29" name="文本框 28"/>
           <p:cNvSpPr txBox="1"/>
           <p:nvPr/>
         </p:nvSpPr>
         <p:spPr>
           <a:xfrm>
-            <a:off x="3249979" y="3195429"/>
-            <a:ext cx="724878" cy="253916"/>
+            <a:off x="5002837" y="526909"/>
+            <a:ext cx="862737" cy="307777"/>
           </a:xfrm>
           <a:prstGeom prst="rect">
             <a:avLst/>
@@ -10484,28 +10236,104 @@
           <a:lstStyle/>
           <a:p>
             <a:r>
-              <a:rPr kumimoji="1" lang="en-US" altLang="zh-CN" sz="1050" dirty="0" err="1" smtClean="0"/>
-              <a:t>ReceiveQ</a:t>
-            </a:r>
-            <a:endParaRPr kumimoji="1" lang="zh-CN" altLang="en-US" sz="1050" dirty="0"/>
-          </a:p>
-        </p:txBody>
-      </p:sp>
-      <p:sp>
-        <p:nvSpPr>
-          <p:cNvPr id="32" name="文本框 31"/>
+              <a:rPr kumimoji="1" lang="en-US" altLang="zh-CN" sz="1400" smtClean="0"/>
+              <a:t>LifeCycle</a:t>
+            </a:r>
+            <a:endParaRPr kumimoji="1" lang="zh-CN" altLang="en-US" sz="1400" dirty="0"/>
+          </a:p>
+        </p:txBody>
+      </p:sp>
+      <p:cxnSp>
+        <p:nvCxnSpPr>
+          <p:cNvPr id="31" name="直接箭头连接符 30"/>
+          <p:cNvCxnSpPr>
+            <a:endCxn id="29" idx="2"/>
+          </p:cNvCxnSpPr>
+          <p:nvPr/>
+        </p:nvCxnSpPr>
+        <p:spPr>
+          <a:xfrm flipV="1">
+            <a:off x="3849624" y="834686"/>
+            <a:ext cx="1584582" cy="455048"/>
+          </a:xfrm>
+          <a:prstGeom prst="straightConnector1">
+            <a:avLst/>
+          </a:prstGeom>
+          <a:ln>
+            <a:tailEnd type="triangle"/>
+          </a:ln>
+        </p:spPr>
+        <p:style>
+          <a:lnRef idx="1">
+            <a:schemeClr val="accent1"/>
+          </a:lnRef>
+          <a:fillRef idx="0">
+            <a:schemeClr val="accent1"/>
+          </a:fillRef>
+          <a:effectRef idx="0">
+            <a:schemeClr val="accent1"/>
+          </a:effectRef>
+          <a:fontRef idx="minor">
+            <a:schemeClr val="tx1"/>
+          </a:fontRef>
+        </p:style>
+      </p:cxnSp>
+      <p:cxnSp>
+        <p:nvCxnSpPr>
+          <p:cNvPr id="33" name="直接箭头连接符 32"/>
+          <p:cNvCxnSpPr>
+            <a:endCxn id="29" idx="2"/>
+          </p:cNvCxnSpPr>
+          <p:nvPr/>
+        </p:nvCxnSpPr>
+        <p:spPr>
+          <a:xfrm flipH="1" flipV="1">
+            <a:off x="5434206" y="834686"/>
+            <a:ext cx="1742311" cy="451633"/>
+          </a:xfrm>
+          <a:prstGeom prst="straightConnector1">
+            <a:avLst/>
+          </a:prstGeom>
+          <a:ln>
+            <a:tailEnd type="triangle"/>
+          </a:ln>
+        </p:spPr>
+        <p:style>
+          <a:lnRef idx="1">
+            <a:schemeClr val="accent1"/>
+          </a:lnRef>
+          <a:fillRef idx="0">
+            <a:schemeClr val="accent1"/>
+          </a:fillRef>
+          <a:effectRef idx="0">
+            <a:schemeClr val="accent1"/>
+          </a:effectRef>
+          <a:fontRef idx="minor">
+            <a:schemeClr val="tx1"/>
+          </a:fontRef>
+        </p:style>
+      </p:cxnSp>
+      <p:sp>
+        <p:nvSpPr>
+          <p:cNvPr id="2" name="文本框 1"/>
           <p:cNvSpPr txBox="1"/>
           <p:nvPr/>
         </p:nvSpPr>
         <p:spPr>
           <a:xfrm>
-            <a:off x="392538" y="6125659"/>
-            <a:ext cx="4851008" cy="276999"/>
-          </a:xfrm>
-          <a:prstGeom prst="rect">
-            <a:avLst/>
-          </a:prstGeom>
-          <a:noFill/>
+            <a:off x="3077849" y="3954350"/>
+            <a:ext cx="1342034" cy="577081"/>
+          </a:xfrm>
+          <a:prstGeom prst="rect">
+            <a:avLst/>
+          </a:prstGeom>
+          <a:noFill/>
+          <a:ln>
+            <a:solidFill>
+              <a:schemeClr val="tx1"/>
+            </a:solidFill>
+            <a:prstDash val="sysDot"/>
+          </a:ln>
         </p:spPr>
         <p:txBody>
           <a:bodyPr wrap="none" rtlCol="0">
@@ -10514,601 +10342,51 @@
           <a:lstStyle/>
           <a:p>
             <a:r>
-              <a:rPr kumimoji="1" lang="en-US" altLang="zh-CN" sz="1200" smtClean="0"/>
-              <a:t>Channel</a:t>
-            </a:r>
-            <a:r>
-              <a:rPr kumimoji="1" lang="zh-CN" altLang="en-US" sz="1200" smtClean="0"/>
-              <a:t>是车，</a:t>
-            </a:r>
-            <a:r>
-              <a:rPr kumimoji="1" lang="en-US" altLang="zh-CN" sz="1200" smtClean="0"/>
-              <a:t>Buffer</a:t>
-            </a:r>
-            <a:r>
-              <a:rPr kumimoji="1" lang="zh-CN" altLang="en-US" sz="1200" smtClean="0"/>
-              <a:t>是座位</a:t>
-            </a:r>
-            <a:r>
-              <a:rPr kumimoji="1" lang="en-US" altLang="zh-CN" sz="1200" smtClean="0"/>
-              <a:t>(</a:t>
-            </a:r>
-            <a:r>
-              <a:rPr kumimoji="1" lang="zh-CN" altLang="en-US" sz="1200" smtClean="0"/>
-              <a:t>传输的数据</a:t>
-            </a:r>
-            <a:r>
-              <a:rPr kumimoji="1" lang="en-US" altLang="zh-CN" sz="1200" smtClean="0"/>
-              <a:t>)</a:t>
-            </a:r>
-            <a:r>
-              <a:rPr kumimoji="1" lang="zh-CN" altLang="en-US" sz="1200" smtClean="0"/>
-              <a:t>，</a:t>
-            </a:r>
-            <a:r>
-              <a:rPr kumimoji="1" lang="en-US" altLang="zh-CN" sz="1200" smtClean="0"/>
-              <a:t>Selector</a:t>
-            </a:r>
-            <a:r>
-              <a:rPr kumimoji="1" lang="zh-CN" altLang="en-US" sz="1200" smtClean="0"/>
-              <a:t>是</a:t>
-            </a:r>
-            <a:r>
-              <a:rPr kumimoji="1" lang="en-US" altLang="zh-CN" sz="1200" smtClean="0"/>
-              <a:t>channel</a:t>
-            </a:r>
-            <a:r>
-              <a:rPr kumimoji="1" lang="zh-CN" altLang="en-US" sz="1200" smtClean="0"/>
-              <a:t>的监听器</a:t>
-            </a:r>
-            <a:endParaRPr kumimoji="1" lang="zh-CN" altLang="en-US" sz="1200" dirty="0"/>
-          </a:p>
-        </p:txBody>
-      </p:sp>
-      <p:sp>
-        <p:nvSpPr>
-          <p:cNvPr id="33" name="文本框 32"/>
-          <p:cNvSpPr txBox="1"/>
-          <p:nvPr/>
-        </p:nvSpPr>
-        <p:spPr>
-          <a:xfrm>
-            <a:off x="501805" y="323385"/>
-            <a:ext cx="1957587" cy="307777"/>
-          </a:xfrm>
-          <a:prstGeom prst="rect">
-            <a:avLst/>
-          </a:prstGeom>
-          <a:noFill/>
-        </p:spPr>
-        <p:txBody>
-          <a:bodyPr wrap="none" rtlCol="0">
-            <a:spAutoFit/>
-          </a:bodyPr>
-          <a:lstStyle/>
-          <a:p>
-            <a:r>
-              <a:rPr kumimoji="1" lang="en-US" altLang="zh-CN" sz="1400" smtClean="0"/>
-              <a:t>NIO Socket</a:t>
-            </a:r>
-            <a:r>
-              <a:rPr kumimoji="1" lang="zh-CN" altLang="en-US" sz="1400" dirty="0" smtClean="0"/>
-              <a:t>传输过程：</a:t>
-            </a:r>
-            <a:endParaRPr kumimoji="1" lang="zh-CN" altLang="en-US" sz="1400" dirty="0"/>
-          </a:p>
-        </p:txBody>
-      </p:sp>
-      <p:sp>
-        <p:nvSpPr>
-          <p:cNvPr id="35" name="圆角矩形 34"/>
-          <p:cNvSpPr/>
-          <p:nvPr/>
-        </p:nvSpPr>
-        <p:spPr>
-          <a:xfrm>
-            <a:off x="3818613" y="3784009"/>
-            <a:ext cx="2895958" cy="317825"/>
-          </a:xfrm>
-          <a:prstGeom prst="roundRect">
-            <a:avLst/>
-          </a:prstGeom>
-        </p:spPr>
-        <p:style>
-          <a:lnRef idx="2">
-            <a:schemeClr val="accent1">
-              <a:shade val="50000"/>
-            </a:schemeClr>
-          </a:lnRef>
-          <a:fillRef idx="1">
-            <a:schemeClr val="accent1"/>
-          </a:fillRef>
-          <a:effectRef idx="0">
-            <a:schemeClr val="accent1"/>
-          </a:effectRef>
-          <a:fontRef idx="minor">
-            <a:schemeClr val="lt1"/>
-          </a:fontRef>
-        </p:style>
-        <p:txBody>
-          <a:bodyPr rtlCol="0" anchor="ctr"/>
-          <a:lstStyle/>
-          <a:p>
-            <a:pPr algn="ctr"/>
-            <a:endParaRPr lang="zh-CN" altLang="en-US"/>
-          </a:p>
-        </p:txBody>
-      </p:sp>
-      <p:sp>
-        <p:nvSpPr>
-          <p:cNvPr id="39" name="矩形 38"/>
-          <p:cNvSpPr/>
-          <p:nvPr/>
-        </p:nvSpPr>
-        <p:spPr>
-          <a:xfrm>
-            <a:off x="4392713" y="3784009"/>
-            <a:ext cx="134470" cy="79779"/>
-          </a:xfrm>
-          <a:prstGeom prst="rect">
-            <a:avLst/>
-          </a:prstGeom>
-          <a:solidFill>
-            <a:schemeClr val="accent2"/>
-          </a:solidFill>
-        </p:spPr>
-        <p:style>
-          <a:lnRef idx="2">
-            <a:schemeClr val="accent1">
-              <a:shade val="50000"/>
-            </a:schemeClr>
-          </a:lnRef>
-          <a:fillRef idx="1">
-            <a:schemeClr val="accent1"/>
-          </a:fillRef>
-          <a:effectRef idx="0">
-            <a:schemeClr val="accent1"/>
-          </a:effectRef>
-          <a:fontRef idx="minor">
-            <a:schemeClr val="lt1"/>
-          </a:fontRef>
-        </p:style>
-        <p:txBody>
-          <a:bodyPr rtlCol="0" anchor="ctr"/>
-          <a:lstStyle/>
-          <a:p>
-            <a:pPr algn="ctr"/>
-            <a:endParaRPr lang="zh-CN" altLang="en-US"/>
-          </a:p>
-        </p:txBody>
-      </p:sp>
-      <p:sp>
-        <p:nvSpPr>
-          <p:cNvPr id="40" name="矩形 39"/>
-          <p:cNvSpPr/>
-          <p:nvPr/>
-        </p:nvSpPr>
-        <p:spPr>
-          <a:xfrm>
-            <a:off x="5961446" y="3784009"/>
-            <a:ext cx="134470" cy="79779"/>
-          </a:xfrm>
-          <a:prstGeom prst="rect">
-            <a:avLst/>
-          </a:prstGeom>
-          <a:solidFill>
-            <a:schemeClr val="accent2"/>
-          </a:solidFill>
-        </p:spPr>
-        <p:style>
-          <a:lnRef idx="2">
-            <a:schemeClr val="accent1">
-              <a:shade val="50000"/>
-            </a:schemeClr>
-          </a:lnRef>
-          <a:fillRef idx="1">
-            <a:schemeClr val="accent1"/>
-          </a:fillRef>
-          <a:effectRef idx="0">
-            <a:schemeClr val="accent1"/>
-          </a:effectRef>
-          <a:fontRef idx="minor">
-            <a:schemeClr val="lt1"/>
-          </a:fontRef>
-        </p:style>
-        <p:txBody>
-          <a:bodyPr rtlCol="0" anchor="ctr"/>
-          <a:lstStyle/>
-          <a:p>
-            <a:pPr algn="ctr"/>
-            <a:endParaRPr lang="zh-CN" altLang="en-US"/>
-          </a:p>
-        </p:txBody>
-      </p:sp>
-      <p:sp>
-        <p:nvSpPr>
-          <p:cNvPr id="41" name="矩形 40"/>
-          <p:cNvSpPr/>
-          <p:nvPr/>
-        </p:nvSpPr>
-        <p:spPr>
-          <a:xfrm>
-            <a:off x="5547165" y="3781783"/>
-            <a:ext cx="134470" cy="79779"/>
-          </a:xfrm>
-          <a:prstGeom prst="rect">
-            <a:avLst/>
-          </a:prstGeom>
-          <a:solidFill>
-            <a:schemeClr val="accent2"/>
-          </a:solidFill>
-        </p:spPr>
-        <p:style>
-          <a:lnRef idx="2">
-            <a:schemeClr val="accent1">
-              <a:shade val="50000"/>
-            </a:schemeClr>
-          </a:lnRef>
-          <a:fillRef idx="1">
-            <a:schemeClr val="accent1"/>
-          </a:fillRef>
-          <a:effectRef idx="0">
-            <a:schemeClr val="accent1"/>
-          </a:effectRef>
-          <a:fontRef idx="minor">
-            <a:schemeClr val="lt1"/>
-          </a:fontRef>
-        </p:style>
-        <p:txBody>
-          <a:bodyPr rtlCol="0" anchor="ctr"/>
-          <a:lstStyle/>
-          <a:p>
-            <a:pPr algn="ctr"/>
-            <a:endParaRPr lang="zh-CN" altLang="en-US"/>
-          </a:p>
-        </p:txBody>
-      </p:sp>
-      <p:sp>
-        <p:nvSpPr>
-          <p:cNvPr id="42" name="矩形 41"/>
-          <p:cNvSpPr/>
-          <p:nvPr/>
-        </p:nvSpPr>
-        <p:spPr>
-          <a:xfrm>
-            <a:off x="5199357" y="3781784"/>
-            <a:ext cx="134470" cy="79779"/>
-          </a:xfrm>
-          <a:prstGeom prst="rect">
-            <a:avLst/>
-          </a:prstGeom>
-          <a:solidFill>
-            <a:schemeClr val="accent2"/>
-          </a:solidFill>
-        </p:spPr>
-        <p:style>
-          <a:lnRef idx="2">
-            <a:schemeClr val="accent1">
-              <a:shade val="50000"/>
-            </a:schemeClr>
-          </a:lnRef>
-          <a:fillRef idx="1">
-            <a:schemeClr val="accent1"/>
-          </a:fillRef>
-          <a:effectRef idx="0">
-            <a:schemeClr val="accent1"/>
-          </a:effectRef>
-          <a:fontRef idx="minor">
-            <a:schemeClr val="lt1"/>
-          </a:fontRef>
-        </p:style>
-        <p:txBody>
-          <a:bodyPr rtlCol="0" anchor="ctr"/>
-          <a:lstStyle/>
-          <a:p>
-            <a:pPr algn="ctr"/>
-            <a:endParaRPr lang="zh-CN" altLang="en-US"/>
-          </a:p>
-        </p:txBody>
-      </p:sp>
-      <p:sp>
-        <p:nvSpPr>
-          <p:cNvPr id="43" name="矩形 42"/>
-          <p:cNvSpPr/>
-          <p:nvPr/>
-        </p:nvSpPr>
-        <p:spPr>
-          <a:xfrm>
-            <a:off x="4778195" y="3781785"/>
-            <a:ext cx="134470" cy="79779"/>
-          </a:xfrm>
-          <a:prstGeom prst="rect">
-            <a:avLst/>
-          </a:prstGeom>
-          <a:solidFill>
-            <a:schemeClr val="accent2"/>
-          </a:solidFill>
-        </p:spPr>
-        <p:style>
-          <a:lnRef idx="2">
-            <a:schemeClr val="accent1">
-              <a:shade val="50000"/>
-            </a:schemeClr>
-          </a:lnRef>
-          <a:fillRef idx="1">
-            <a:schemeClr val="accent1"/>
-          </a:fillRef>
-          <a:effectRef idx="0">
-            <a:schemeClr val="accent1"/>
-          </a:effectRef>
-          <a:fontRef idx="minor">
-            <a:schemeClr val="lt1"/>
-          </a:fontRef>
-        </p:style>
-        <p:txBody>
-          <a:bodyPr rtlCol="0" anchor="ctr"/>
-          <a:lstStyle/>
-          <a:p>
-            <a:pPr algn="ctr"/>
-            <a:endParaRPr lang="zh-CN" altLang="en-US"/>
-          </a:p>
-        </p:txBody>
-      </p:sp>
-      <p:sp>
-        <p:nvSpPr>
-          <p:cNvPr id="44" name="矩形 43"/>
-          <p:cNvSpPr/>
-          <p:nvPr/>
-        </p:nvSpPr>
-        <p:spPr>
-          <a:xfrm>
-            <a:off x="4387589" y="4024741"/>
-            <a:ext cx="134470" cy="79779"/>
-          </a:xfrm>
-          <a:prstGeom prst="rect">
-            <a:avLst/>
-          </a:prstGeom>
-          <a:solidFill>
-            <a:schemeClr val="accent2"/>
-          </a:solidFill>
-        </p:spPr>
-        <p:style>
-          <a:lnRef idx="2">
-            <a:schemeClr val="accent1">
-              <a:shade val="50000"/>
-            </a:schemeClr>
-          </a:lnRef>
-          <a:fillRef idx="1">
-            <a:schemeClr val="accent1"/>
-          </a:fillRef>
-          <a:effectRef idx="0">
-            <a:schemeClr val="accent1"/>
-          </a:effectRef>
-          <a:fontRef idx="minor">
-            <a:schemeClr val="lt1"/>
-          </a:fontRef>
-        </p:style>
-        <p:txBody>
-          <a:bodyPr rtlCol="0" anchor="ctr"/>
-          <a:lstStyle/>
-          <a:p>
-            <a:pPr algn="ctr"/>
-            <a:endParaRPr lang="zh-CN" altLang="en-US"/>
-          </a:p>
-        </p:txBody>
-      </p:sp>
-      <p:sp>
-        <p:nvSpPr>
-          <p:cNvPr id="45" name="矩形 44"/>
-          <p:cNvSpPr/>
-          <p:nvPr/>
-        </p:nvSpPr>
-        <p:spPr>
-          <a:xfrm>
-            <a:off x="4784276" y="4022055"/>
-            <a:ext cx="134470" cy="79779"/>
-          </a:xfrm>
-          <a:prstGeom prst="rect">
-            <a:avLst/>
-          </a:prstGeom>
-          <a:solidFill>
-            <a:schemeClr val="accent2"/>
-          </a:solidFill>
-        </p:spPr>
-        <p:style>
-          <a:lnRef idx="2">
-            <a:schemeClr val="accent1">
-              <a:shade val="50000"/>
-            </a:schemeClr>
-          </a:lnRef>
-          <a:fillRef idx="1">
-            <a:schemeClr val="accent1"/>
-          </a:fillRef>
-          <a:effectRef idx="0">
-            <a:schemeClr val="accent1"/>
-          </a:effectRef>
-          <a:fontRef idx="minor">
-            <a:schemeClr val="lt1"/>
-          </a:fontRef>
-        </p:style>
-        <p:txBody>
-          <a:bodyPr rtlCol="0" anchor="ctr"/>
-          <a:lstStyle/>
-          <a:p>
-            <a:pPr algn="ctr"/>
-            <a:endParaRPr lang="zh-CN" altLang="en-US"/>
-          </a:p>
-        </p:txBody>
-      </p:sp>
-      <p:sp>
-        <p:nvSpPr>
-          <p:cNvPr id="46" name="矩形 45"/>
-          <p:cNvSpPr/>
-          <p:nvPr/>
-        </p:nvSpPr>
-        <p:spPr>
-          <a:xfrm>
-            <a:off x="5199357" y="4024741"/>
-            <a:ext cx="134470" cy="79779"/>
-          </a:xfrm>
-          <a:prstGeom prst="rect">
-            <a:avLst/>
-          </a:prstGeom>
-          <a:solidFill>
-            <a:schemeClr val="accent2"/>
-          </a:solidFill>
-        </p:spPr>
-        <p:style>
-          <a:lnRef idx="2">
-            <a:schemeClr val="accent1">
-              <a:shade val="50000"/>
-            </a:schemeClr>
-          </a:lnRef>
-          <a:fillRef idx="1">
-            <a:schemeClr val="accent1"/>
-          </a:fillRef>
-          <a:effectRef idx="0">
-            <a:schemeClr val="accent1"/>
-          </a:effectRef>
-          <a:fontRef idx="minor">
-            <a:schemeClr val="lt1"/>
-          </a:fontRef>
-        </p:style>
-        <p:txBody>
-          <a:bodyPr rtlCol="0" anchor="ctr"/>
-          <a:lstStyle/>
-          <a:p>
-            <a:pPr algn="ctr"/>
-            <a:endParaRPr lang="zh-CN" altLang="en-US"/>
-          </a:p>
-        </p:txBody>
-      </p:sp>
-      <p:sp>
-        <p:nvSpPr>
-          <p:cNvPr id="47" name="矩形 46"/>
-          <p:cNvSpPr/>
-          <p:nvPr/>
-        </p:nvSpPr>
-        <p:spPr>
-          <a:xfrm>
-            <a:off x="5547165" y="4025201"/>
-            <a:ext cx="134470" cy="79779"/>
-          </a:xfrm>
-          <a:prstGeom prst="rect">
-            <a:avLst/>
-          </a:prstGeom>
-          <a:solidFill>
-            <a:schemeClr val="accent2"/>
-          </a:solidFill>
-        </p:spPr>
-        <p:style>
-          <a:lnRef idx="2">
-            <a:schemeClr val="accent1">
-              <a:shade val="50000"/>
-            </a:schemeClr>
-          </a:lnRef>
-          <a:fillRef idx="1">
-            <a:schemeClr val="accent1"/>
-          </a:fillRef>
-          <a:effectRef idx="0">
-            <a:schemeClr val="accent1"/>
-          </a:effectRef>
-          <a:fontRef idx="minor">
-            <a:schemeClr val="lt1"/>
-          </a:fontRef>
-        </p:style>
-        <p:txBody>
-          <a:bodyPr rtlCol="0" anchor="ctr"/>
-          <a:lstStyle/>
-          <a:p>
-            <a:pPr algn="ctr"/>
-            <a:endParaRPr lang="zh-CN" altLang="en-US"/>
-          </a:p>
-        </p:txBody>
-      </p:sp>
-      <p:sp>
-        <p:nvSpPr>
-          <p:cNvPr id="48" name="矩形 47"/>
-          <p:cNvSpPr/>
-          <p:nvPr/>
-        </p:nvSpPr>
-        <p:spPr>
-          <a:xfrm>
-            <a:off x="5965838" y="4018898"/>
-            <a:ext cx="134470" cy="79779"/>
-          </a:xfrm>
-          <a:prstGeom prst="rect">
-            <a:avLst/>
-          </a:prstGeom>
-          <a:solidFill>
-            <a:schemeClr val="accent2"/>
-          </a:solidFill>
-        </p:spPr>
-        <p:style>
-          <a:lnRef idx="2">
-            <a:schemeClr val="accent1">
-              <a:shade val="50000"/>
-            </a:schemeClr>
-          </a:lnRef>
-          <a:fillRef idx="1">
-            <a:schemeClr val="accent1"/>
-          </a:fillRef>
-          <a:effectRef idx="0">
-            <a:schemeClr val="accent1"/>
-          </a:effectRef>
-          <a:fontRef idx="minor">
-            <a:schemeClr val="lt1"/>
-          </a:fontRef>
-        </p:style>
-        <p:txBody>
-          <a:bodyPr rtlCol="0" anchor="ctr"/>
-          <a:lstStyle/>
-          <a:p>
-            <a:pPr algn="ctr"/>
-            <a:endParaRPr lang="zh-CN" altLang="en-US"/>
-          </a:p>
-        </p:txBody>
-      </p:sp>
-      <p:sp>
-        <p:nvSpPr>
-          <p:cNvPr id="49" name="文本框 48"/>
-          <p:cNvSpPr txBox="1"/>
-          <p:nvPr/>
-        </p:nvSpPr>
-        <p:spPr>
-          <a:xfrm>
-            <a:off x="4312062" y="3187735"/>
-            <a:ext cx="654346" cy="261610"/>
-          </a:xfrm>
-          <a:prstGeom prst="rect">
-            <a:avLst/>
-          </a:prstGeom>
-          <a:noFill/>
-        </p:spPr>
-        <p:txBody>
-          <a:bodyPr wrap="none" rtlCol="0">
-            <a:spAutoFit/>
-          </a:bodyPr>
-          <a:lstStyle/>
-          <a:p>
-            <a:r>
-              <a:rPr lang="en-US" altLang="zh-CN" sz="1100" smtClean="0"/>
-              <a:t>channel</a:t>
-            </a:r>
-            <a:endParaRPr lang="zh-CN" altLang="en-US" sz="1100"/>
+              <a:rPr lang="zh-CN" altLang="en-US" sz="1050"/>
+              <a:t>监听</a:t>
+            </a:r>
+            <a:r>
+              <a:rPr lang="en-US" altLang="zh-CN" sz="1050" smtClean="0"/>
+              <a:t>socket</a:t>
+            </a:r>
+            <a:r>
+              <a:rPr lang="zh-CN" altLang="en-US" sz="1050" smtClean="0"/>
+              <a:t>连接，</a:t>
+            </a:r>
+            <a:endParaRPr lang="en-US" altLang="zh-CN" sz="1050" smtClean="0"/>
+          </a:p>
+          <a:p>
+            <a:r>
+              <a:rPr lang="zh-CN" altLang="en-US" sz="1050" smtClean="0"/>
+              <a:t>封装</a:t>
+            </a:r>
+            <a:r>
+              <a:rPr lang="en-US" altLang="zh-CN" sz="1050" smtClean="0"/>
+              <a:t>servletRequest/</a:t>
+            </a:r>
+          </a:p>
+          <a:p>
+            <a:r>
+              <a:rPr lang="en-US" altLang="zh-CN" sz="1050" smtClean="0"/>
+              <a:t>ServetletResponse</a:t>
+            </a:r>
+            <a:endParaRPr lang="zh-CN" altLang="en-US" sz="1600"/>
           </a:p>
         </p:txBody>
       </p:sp>
       <p:cxnSp>
         <p:nvCxnSpPr>
-          <p:cNvPr id="51" name="直接箭头连接符 50"/>
-          <p:cNvCxnSpPr/>
+          <p:cNvPr id="7" name="直接箭头连接符 6"/>
+          <p:cNvCxnSpPr>
+            <a:stCxn id="6" idx="2"/>
+            <a:endCxn id="2" idx="0"/>
+          </p:cNvCxnSpPr>
           <p:nvPr/>
         </p:nvCxnSpPr>
         <p:spPr>
           <a:xfrm flipH="1">
-            <a:off x="4016930" y="3433052"/>
-            <a:ext cx="447836" cy="350957"/>
+            <a:off x="3748866" y="2766060"/>
+            <a:ext cx="4746" cy="1188290"/>
           </a:xfrm>
           <a:prstGeom prst="straightConnector1">
             <a:avLst/>
@@ -11132,867 +10410,10 @@
           </a:fontRef>
         </p:style>
       </p:cxnSp>
-      <p:sp>
-        <p:nvSpPr>
-          <p:cNvPr id="53" name="文本框 52"/>
-          <p:cNvSpPr txBox="1"/>
-          <p:nvPr/>
-        </p:nvSpPr>
-        <p:spPr>
-          <a:xfrm>
-            <a:off x="5372902" y="3332399"/>
-            <a:ext cx="545342" cy="261610"/>
-          </a:xfrm>
-          <a:prstGeom prst="rect">
-            <a:avLst/>
-          </a:prstGeom>
-          <a:noFill/>
-        </p:spPr>
-        <p:txBody>
-          <a:bodyPr wrap="none" rtlCol="0">
-            <a:spAutoFit/>
-          </a:bodyPr>
-          <a:lstStyle/>
-          <a:p>
-            <a:r>
-              <a:rPr lang="en-US" altLang="zh-CN" sz="1100" smtClean="0"/>
-              <a:t>buffer</a:t>
-            </a:r>
-            <a:endParaRPr lang="zh-CN" altLang="en-US" sz="1100"/>
-          </a:p>
-        </p:txBody>
-      </p:sp>
-      <p:cxnSp>
-        <p:nvCxnSpPr>
-          <p:cNvPr id="55" name="直接箭头连接符 54"/>
-          <p:cNvCxnSpPr>
-            <a:endCxn id="40" idx="0"/>
-          </p:cNvCxnSpPr>
-          <p:nvPr/>
-        </p:nvCxnSpPr>
-        <p:spPr>
-          <a:xfrm>
-            <a:off x="5779500" y="3543847"/>
-            <a:ext cx="249181" cy="240162"/>
-          </a:xfrm>
-          <a:prstGeom prst="straightConnector1">
-            <a:avLst/>
-          </a:prstGeom>
-          <a:ln>
-            <a:tailEnd type="triangle"/>
-          </a:ln>
-        </p:spPr>
-        <p:style>
-          <a:lnRef idx="1">
-            <a:schemeClr val="accent1"/>
-          </a:lnRef>
-          <a:fillRef idx="0">
-            <a:schemeClr val="accent1"/>
-          </a:fillRef>
-          <a:effectRef idx="0">
-            <a:schemeClr val="accent1"/>
-          </a:effectRef>
-          <a:fontRef idx="minor">
-            <a:schemeClr val="tx1"/>
-          </a:fontRef>
-        </p:style>
-      </p:cxnSp>
-      <p:cxnSp>
-        <p:nvCxnSpPr>
-          <p:cNvPr id="59" name="直接箭头连接符 58"/>
-          <p:cNvCxnSpPr>
-            <a:endCxn id="41" idx="0"/>
-          </p:cNvCxnSpPr>
-          <p:nvPr/>
-        </p:nvCxnSpPr>
-        <p:spPr>
-          <a:xfrm flipH="1">
-            <a:off x="5614400" y="3541441"/>
-            <a:ext cx="174469" cy="240342"/>
-          </a:xfrm>
-          <a:prstGeom prst="straightConnector1">
-            <a:avLst/>
-          </a:prstGeom>
-          <a:ln>
-            <a:tailEnd type="triangle"/>
-          </a:ln>
-        </p:spPr>
-        <p:style>
-          <a:lnRef idx="1">
-            <a:schemeClr val="accent1"/>
-          </a:lnRef>
-          <a:fillRef idx="0">
-            <a:schemeClr val="accent1"/>
-          </a:fillRef>
-          <a:effectRef idx="0">
-            <a:schemeClr val="accent1"/>
-          </a:effectRef>
-          <a:fontRef idx="minor">
-            <a:schemeClr val="tx1"/>
-          </a:fontRef>
-        </p:style>
-      </p:cxnSp>
-      <p:sp>
-        <p:nvSpPr>
-          <p:cNvPr id="60" name="圆角矩形 59"/>
-          <p:cNvSpPr/>
-          <p:nvPr/>
-        </p:nvSpPr>
-        <p:spPr>
-          <a:xfrm>
-            <a:off x="3818613" y="4332593"/>
-            <a:ext cx="2895958" cy="317825"/>
-          </a:xfrm>
-          <a:prstGeom prst="roundRect">
-            <a:avLst/>
-          </a:prstGeom>
-        </p:spPr>
-        <p:style>
-          <a:lnRef idx="2">
-            <a:schemeClr val="accent1">
-              <a:shade val="50000"/>
-            </a:schemeClr>
-          </a:lnRef>
-          <a:fillRef idx="1">
-            <a:schemeClr val="accent1"/>
-          </a:fillRef>
-          <a:effectRef idx="0">
-            <a:schemeClr val="accent1"/>
-          </a:effectRef>
-          <a:fontRef idx="minor">
-            <a:schemeClr val="lt1"/>
-          </a:fontRef>
-        </p:style>
-        <p:txBody>
-          <a:bodyPr rtlCol="0" anchor="ctr"/>
-          <a:lstStyle/>
-          <a:p>
-            <a:pPr algn="ctr"/>
-            <a:endParaRPr lang="zh-CN" altLang="en-US"/>
-          </a:p>
-        </p:txBody>
-      </p:sp>
-      <p:sp>
-        <p:nvSpPr>
-          <p:cNvPr id="61" name="矩形 60"/>
-          <p:cNvSpPr/>
-          <p:nvPr/>
-        </p:nvSpPr>
-        <p:spPr>
-          <a:xfrm>
-            <a:off x="4392713" y="4332593"/>
-            <a:ext cx="134470" cy="79779"/>
-          </a:xfrm>
-          <a:prstGeom prst="rect">
-            <a:avLst/>
-          </a:prstGeom>
-          <a:solidFill>
-            <a:schemeClr val="accent2"/>
-          </a:solidFill>
-        </p:spPr>
-        <p:style>
-          <a:lnRef idx="2">
-            <a:schemeClr val="accent1">
-              <a:shade val="50000"/>
-            </a:schemeClr>
-          </a:lnRef>
-          <a:fillRef idx="1">
-            <a:schemeClr val="accent1"/>
-          </a:fillRef>
-          <a:effectRef idx="0">
-            <a:schemeClr val="accent1"/>
-          </a:effectRef>
-          <a:fontRef idx="minor">
-            <a:schemeClr val="lt1"/>
-          </a:fontRef>
-        </p:style>
-        <p:txBody>
-          <a:bodyPr rtlCol="0" anchor="ctr"/>
-          <a:lstStyle/>
-          <a:p>
-            <a:pPr algn="ctr"/>
-            <a:endParaRPr lang="zh-CN" altLang="en-US"/>
-          </a:p>
-        </p:txBody>
-      </p:sp>
-      <p:sp>
-        <p:nvSpPr>
-          <p:cNvPr id="62" name="矩形 61"/>
-          <p:cNvSpPr/>
-          <p:nvPr/>
-        </p:nvSpPr>
-        <p:spPr>
-          <a:xfrm>
-            <a:off x="5961446" y="4332593"/>
-            <a:ext cx="134470" cy="79779"/>
-          </a:xfrm>
-          <a:prstGeom prst="rect">
-            <a:avLst/>
-          </a:prstGeom>
-          <a:solidFill>
-            <a:schemeClr val="accent2"/>
-          </a:solidFill>
-        </p:spPr>
-        <p:style>
-          <a:lnRef idx="2">
-            <a:schemeClr val="accent1">
-              <a:shade val="50000"/>
-            </a:schemeClr>
-          </a:lnRef>
-          <a:fillRef idx="1">
-            <a:schemeClr val="accent1"/>
-          </a:fillRef>
-          <a:effectRef idx="0">
-            <a:schemeClr val="accent1"/>
-          </a:effectRef>
-          <a:fontRef idx="minor">
-            <a:schemeClr val="lt1"/>
-          </a:fontRef>
-        </p:style>
-        <p:txBody>
-          <a:bodyPr rtlCol="0" anchor="ctr"/>
-          <a:lstStyle/>
-          <a:p>
-            <a:pPr algn="ctr"/>
-            <a:endParaRPr lang="zh-CN" altLang="en-US"/>
-          </a:p>
-        </p:txBody>
-      </p:sp>
-      <p:sp>
-        <p:nvSpPr>
-          <p:cNvPr id="63" name="矩形 62"/>
-          <p:cNvSpPr/>
-          <p:nvPr/>
-        </p:nvSpPr>
-        <p:spPr>
-          <a:xfrm>
-            <a:off x="5547165" y="4330367"/>
-            <a:ext cx="134470" cy="79779"/>
-          </a:xfrm>
-          <a:prstGeom prst="rect">
-            <a:avLst/>
-          </a:prstGeom>
-          <a:solidFill>
-            <a:schemeClr val="accent2"/>
-          </a:solidFill>
-        </p:spPr>
-        <p:style>
-          <a:lnRef idx="2">
-            <a:schemeClr val="accent1">
-              <a:shade val="50000"/>
-            </a:schemeClr>
-          </a:lnRef>
-          <a:fillRef idx="1">
-            <a:schemeClr val="accent1"/>
-          </a:fillRef>
-          <a:effectRef idx="0">
-            <a:schemeClr val="accent1"/>
-          </a:effectRef>
-          <a:fontRef idx="minor">
-            <a:schemeClr val="lt1"/>
-          </a:fontRef>
-        </p:style>
-        <p:txBody>
-          <a:bodyPr rtlCol="0" anchor="ctr"/>
-          <a:lstStyle/>
-          <a:p>
-            <a:pPr algn="ctr"/>
-            <a:endParaRPr lang="zh-CN" altLang="en-US"/>
-          </a:p>
-        </p:txBody>
-      </p:sp>
-      <p:sp>
-        <p:nvSpPr>
-          <p:cNvPr id="64" name="矩形 63"/>
-          <p:cNvSpPr/>
-          <p:nvPr/>
-        </p:nvSpPr>
-        <p:spPr>
-          <a:xfrm>
-            <a:off x="5199357" y="4330368"/>
-            <a:ext cx="134470" cy="79779"/>
-          </a:xfrm>
-          <a:prstGeom prst="rect">
-            <a:avLst/>
-          </a:prstGeom>
-          <a:solidFill>
-            <a:schemeClr val="accent2"/>
-          </a:solidFill>
-        </p:spPr>
-        <p:style>
-          <a:lnRef idx="2">
-            <a:schemeClr val="accent1">
-              <a:shade val="50000"/>
-            </a:schemeClr>
-          </a:lnRef>
-          <a:fillRef idx="1">
-            <a:schemeClr val="accent1"/>
-          </a:fillRef>
-          <a:effectRef idx="0">
-            <a:schemeClr val="accent1"/>
-          </a:effectRef>
-          <a:fontRef idx="minor">
-            <a:schemeClr val="lt1"/>
-          </a:fontRef>
-        </p:style>
-        <p:txBody>
-          <a:bodyPr rtlCol="0" anchor="ctr"/>
-          <a:lstStyle/>
-          <a:p>
-            <a:pPr algn="ctr"/>
-            <a:endParaRPr lang="zh-CN" altLang="en-US"/>
-          </a:p>
-        </p:txBody>
-      </p:sp>
-      <p:sp>
-        <p:nvSpPr>
-          <p:cNvPr id="65" name="矩形 64"/>
-          <p:cNvSpPr/>
-          <p:nvPr/>
-        </p:nvSpPr>
-        <p:spPr>
-          <a:xfrm>
-            <a:off x="4778195" y="4330369"/>
-            <a:ext cx="134470" cy="79779"/>
-          </a:xfrm>
-          <a:prstGeom prst="rect">
-            <a:avLst/>
-          </a:prstGeom>
-          <a:solidFill>
-            <a:schemeClr val="accent2"/>
-          </a:solidFill>
-        </p:spPr>
-        <p:style>
-          <a:lnRef idx="2">
-            <a:schemeClr val="accent1">
-              <a:shade val="50000"/>
-            </a:schemeClr>
-          </a:lnRef>
-          <a:fillRef idx="1">
-            <a:schemeClr val="accent1"/>
-          </a:fillRef>
-          <a:effectRef idx="0">
-            <a:schemeClr val="accent1"/>
-          </a:effectRef>
-          <a:fontRef idx="minor">
-            <a:schemeClr val="lt1"/>
-          </a:fontRef>
-        </p:style>
-        <p:txBody>
-          <a:bodyPr rtlCol="0" anchor="ctr"/>
-          <a:lstStyle/>
-          <a:p>
-            <a:pPr algn="ctr"/>
-            <a:endParaRPr lang="zh-CN" altLang="en-US"/>
-          </a:p>
-        </p:txBody>
-      </p:sp>
-      <p:sp>
-        <p:nvSpPr>
-          <p:cNvPr id="66" name="矩形 65"/>
-          <p:cNvSpPr/>
-          <p:nvPr/>
-        </p:nvSpPr>
-        <p:spPr>
-          <a:xfrm>
-            <a:off x="4387589" y="4573325"/>
-            <a:ext cx="134470" cy="79779"/>
-          </a:xfrm>
-          <a:prstGeom prst="rect">
-            <a:avLst/>
-          </a:prstGeom>
-          <a:solidFill>
-            <a:schemeClr val="accent2"/>
-          </a:solidFill>
-        </p:spPr>
-        <p:style>
-          <a:lnRef idx="2">
-            <a:schemeClr val="accent1">
-              <a:shade val="50000"/>
-            </a:schemeClr>
-          </a:lnRef>
-          <a:fillRef idx="1">
-            <a:schemeClr val="accent1"/>
-          </a:fillRef>
-          <a:effectRef idx="0">
-            <a:schemeClr val="accent1"/>
-          </a:effectRef>
-          <a:fontRef idx="minor">
-            <a:schemeClr val="lt1"/>
-          </a:fontRef>
-        </p:style>
-        <p:txBody>
-          <a:bodyPr rtlCol="0" anchor="ctr"/>
-          <a:lstStyle/>
-          <a:p>
-            <a:pPr algn="ctr"/>
-            <a:endParaRPr lang="zh-CN" altLang="en-US"/>
-          </a:p>
-        </p:txBody>
-      </p:sp>
-      <p:sp>
-        <p:nvSpPr>
-          <p:cNvPr id="67" name="矩形 66"/>
-          <p:cNvSpPr/>
-          <p:nvPr/>
-        </p:nvSpPr>
-        <p:spPr>
-          <a:xfrm>
-            <a:off x="4784276" y="4570639"/>
-            <a:ext cx="134470" cy="79779"/>
-          </a:xfrm>
-          <a:prstGeom prst="rect">
-            <a:avLst/>
-          </a:prstGeom>
-          <a:solidFill>
-            <a:schemeClr val="accent2"/>
-          </a:solidFill>
-        </p:spPr>
-        <p:style>
-          <a:lnRef idx="2">
-            <a:schemeClr val="accent1">
-              <a:shade val="50000"/>
-            </a:schemeClr>
-          </a:lnRef>
-          <a:fillRef idx="1">
-            <a:schemeClr val="accent1"/>
-          </a:fillRef>
-          <a:effectRef idx="0">
-            <a:schemeClr val="accent1"/>
-          </a:effectRef>
-          <a:fontRef idx="minor">
-            <a:schemeClr val="lt1"/>
-          </a:fontRef>
-        </p:style>
-        <p:txBody>
-          <a:bodyPr rtlCol="0" anchor="ctr"/>
-          <a:lstStyle/>
-          <a:p>
-            <a:pPr algn="ctr"/>
-            <a:endParaRPr lang="zh-CN" altLang="en-US"/>
-          </a:p>
-        </p:txBody>
-      </p:sp>
-      <p:sp>
-        <p:nvSpPr>
-          <p:cNvPr id="68" name="矩形 67"/>
-          <p:cNvSpPr/>
-          <p:nvPr/>
-        </p:nvSpPr>
-        <p:spPr>
-          <a:xfrm>
-            <a:off x="5199357" y="4573325"/>
-            <a:ext cx="134470" cy="79779"/>
-          </a:xfrm>
-          <a:prstGeom prst="rect">
-            <a:avLst/>
-          </a:prstGeom>
-          <a:solidFill>
-            <a:schemeClr val="accent2"/>
-          </a:solidFill>
-        </p:spPr>
-        <p:style>
-          <a:lnRef idx="2">
-            <a:schemeClr val="accent1">
-              <a:shade val="50000"/>
-            </a:schemeClr>
-          </a:lnRef>
-          <a:fillRef idx="1">
-            <a:schemeClr val="accent1"/>
-          </a:fillRef>
-          <a:effectRef idx="0">
-            <a:schemeClr val="accent1"/>
-          </a:effectRef>
-          <a:fontRef idx="minor">
-            <a:schemeClr val="lt1"/>
-          </a:fontRef>
-        </p:style>
-        <p:txBody>
-          <a:bodyPr rtlCol="0" anchor="ctr"/>
-          <a:lstStyle/>
-          <a:p>
-            <a:pPr algn="ctr"/>
-            <a:endParaRPr lang="zh-CN" altLang="en-US"/>
-          </a:p>
-        </p:txBody>
-      </p:sp>
-      <p:sp>
-        <p:nvSpPr>
-          <p:cNvPr id="69" name="矩形 68"/>
-          <p:cNvSpPr/>
-          <p:nvPr/>
-        </p:nvSpPr>
-        <p:spPr>
-          <a:xfrm>
-            <a:off x="5547165" y="4573785"/>
-            <a:ext cx="134470" cy="79779"/>
-          </a:xfrm>
-          <a:prstGeom prst="rect">
-            <a:avLst/>
-          </a:prstGeom>
-          <a:solidFill>
-            <a:schemeClr val="accent2"/>
-          </a:solidFill>
-        </p:spPr>
-        <p:style>
-          <a:lnRef idx="2">
-            <a:schemeClr val="accent1">
-              <a:shade val="50000"/>
-            </a:schemeClr>
-          </a:lnRef>
-          <a:fillRef idx="1">
-            <a:schemeClr val="accent1"/>
-          </a:fillRef>
-          <a:effectRef idx="0">
-            <a:schemeClr val="accent1"/>
-          </a:effectRef>
-          <a:fontRef idx="minor">
-            <a:schemeClr val="lt1"/>
-          </a:fontRef>
-        </p:style>
-        <p:txBody>
-          <a:bodyPr rtlCol="0" anchor="ctr"/>
-          <a:lstStyle/>
-          <a:p>
-            <a:pPr algn="ctr"/>
-            <a:endParaRPr lang="zh-CN" altLang="en-US"/>
-          </a:p>
-        </p:txBody>
-      </p:sp>
-      <p:sp>
-        <p:nvSpPr>
-          <p:cNvPr id="70" name="矩形 69"/>
-          <p:cNvSpPr/>
-          <p:nvPr/>
-        </p:nvSpPr>
-        <p:spPr>
-          <a:xfrm>
-            <a:off x="5965838" y="4567482"/>
-            <a:ext cx="134470" cy="79779"/>
-          </a:xfrm>
-          <a:prstGeom prst="rect">
-            <a:avLst/>
-          </a:prstGeom>
-          <a:solidFill>
-            <a:schemeClr val="accent2"/>
-          </a:solidFill>
-        </p:spPr>
-        <p:style>
-          <a:lnRef idx="2">
-            <a:schemeClr val="accent1">
-              <a:shade val="50000"/>
-            </a:schemeClr>
-          </a:lnRef>
-          <a:fillRef idx="1">
-            <a:schemeClr val="accent1"/>
-          </a:fillRef>
-          <a:effectRef idx="0">
-            <a:schemeClr val="accent1"/>
-          </a:effectRef>
-          <a:fontRef idx="minor">
-            <a:schemeClr val="lt1"/>
-          </a:fontRef>
-        </p:style>
-        <p:txBody>
-          <a:bodyPr rtlCol="0" anchor="ctr"/>
-          <a:lstStyle/>
-          <a:p>
-            <a:pPr algn="ctr"/>
-            <a:endParaRPr lang="zh-CN" altLang="en-US"/>
-          </a:p>
-        </p:txBody>
-      </p:sp>
-      <p:sp>
-        <p:nvSpPr>
-          <p:cNvPr id="71" name="矩形 70"/>
-          <p:cNvSpPr/>
-          <p:nvPr/>
-        </p:nvSpPr>
-        <p:spPr>
-          <a:xfrm>
-            <a:off x="4779348" y="5055325"/>
-            <a:ext cx="1117908" cy="502024"/>
-          </a:xfrm>
-          <a:prstGeom prst="rect">
-            <a:avLst/>
-          </a:prstGeom>
-        </p:spPr>
-        <p:style>
-          <a:lnRef idx="2">
-            <a:schemeClr val="accent1">
-              <a:shade val="50000"/>
-            </a:schemeClr>
-          </a:lnRef>
-          <a:fillRef idx="1">
-            <a:schemeClr val="accent1"/>
-          </a:fillRef>
-          <a:effectRef idx="0">
-            <a:schemeClr val="accent1"/>
-          </a:effectRef>
-          <a:fontRef idx="minor">
-            <a:schemeClr val="lt1"/>
-          </a:fontRef>
-        </p:style>
-        <p:txBody>
-          <a:bodyPr rtlCol="0" anchor="ctr"/>
-          <a:lstStyle/>
-          <a:p>
-            <a:pPr algn="ctr"/>
-            <a:r>
-              <a:rPr lang="en-US" altLang="zh-CN" smtClean="0"/>
-              <a:t>Selector</a:t>
-            </a:r>
-            <a:endParaRPr lang="zh-CN" altLang="en-US"/>
-          </a:p>
-        </p:txBody>
-      </p:sp>
-      <p:cxnSp>
-        <p:nvCxnSpPr>
-          <p:cNvPr id="73" name="直接箭头连接符 72"/>
-          <p:cNvCxnSpPr/>
-          <p:nvPr/>
-        </p:nvCxnSpPr>
-        <p:spPr>
-          <a:xfrm flipV="1">
-            <a:off x="5047136" y="4104980"/>
-            <a:ext cx="8965" cy="950345"/>
-          </a:xfrm>
-          <a:prstGeom prst="straightConnector1">
-            <a:avLst/>
-          </a:prstGeom>
-          <a:ln>
-            <a:tailEnd type="triangle"/>
-          </a:ln>
-        </p:spPr>
-        <p:style>
-          <a:lnRef idx="1">
-            <a:schemeClr val="accent1"/>
-          </a:lnRef>
-          <a:fillRef idx="0">
-            <a:schemeClr val="accent1"/>
-          </a:fillRef>
-          <a:effectRef idx="0">
-            <a:schemeClr val="accent1"/>
-          </a:effectRef>
-          <a:fontRef idx="minor">
-            <a:schemeClr val="tx1"/>
-          </a:fontRef>
-        </p:style>
-      </p:cxnSp>
-      <p:cxnSp>
-        <p:nvCxnSpPr>
-          <p:cNvPr id="75" name="直接箭头连接符 74"/>
-          <p:cNvCxnSpPr/>
-          <p:nvPr/>
-        </p:nvCxnSpPr>
-        <p:spPr>
-          <a:xfrm flipV="1">
-            <a:off x="5481641" y="4653564"/>
-            <a:ext cx="0" cy="401761"/>
-          </a:xfrm>
-          <a:prstGeom prst="straightConnector1">
-            <a:avLst/>
-          </a:prstGeom>
-          <a:ln>
-            <a:tailEnd type="triangle"/>
-          </a:ln>
-        </p:spPr>
-        <p:style>
-          <a:lnRef idx="1">
-            <a:schemeClr val="accent1"/>
-          </a:lnRef>
-          <a:fillRef idx="0">
-            <a:schemeClr val="accent1"/>
-          </a:fillRef>
-          <a:effectRef idx="0">
-            <a:schemeClr val="accent1"/>
-          </a:effectRef>
-          <a:fontRef idx="minor">
-            <a:schemeClr val="tx1"/>
-          </a:fontRef>
-        </p:style>
-      </p:cxnSp>
-      <p:sp>
-        <p:nvSpPr>
-          <p:cNvPr id="76" name="文本框 75"/>
-          <p:cNvSpPr txBox="1"/>
-          <p:nvPr/>
-        </p:nvSpPr>
-        <p:spPr>
-          <a:xfrm>
-            <a:off x="5020233" y="4771524"/>
-            <a:ext cx="654346" cy="261610"/>
-          </a:xfrm>
-          <a:prstGeom prst="rect">
-            <a:avLst/>
-          </a:prstGeom>
-          <a:noFill/>
-        </p:spPr>
-        <p:txBody>
-          <a:bodyPr wrap="none" rtlCol="0">
-            <a:spAutoFit/>
-          </a:bodyPr>
-          <a:lstStyle/>
-          <a:p>
-            <a:r>
-              <a:rPr lang="en-US" altLang="zh-CN" sz="1100"/>
-              <a:t>L</a:t>
-            </a:r>
-            <a:r>
-              <a:rPr lang="en-US" altLang="zh-CN" sz="1100" smtClean="0"/>
-              <a:t>istener</a:t>
-            </a:r>
-            <a:endParaRPr lang="zh-CN" altLang="en-US" sz="1100"/>
-          </a:p>
-        </p:txBody>
-      </p:sp>
-      <p:cxnSp>
-        <p:nvCxnSpPr>
-          <p:cNvPr id="78" name="肘形连接符 77"/>
-          <p:cNvCxnSpPr>
-            <a:endCxn id="18" idx="1"/>
-          </p:cNvCxnSpPr>
-          <p:nvPr/>
-        </p:nvCxnSpPr>
-        <p:spPr>
-          <a:xfrm rot="16200000" flipH="1">
-            <a:off x="2718746" y="3433732"/>
-            <a:ext cx="1048961" cy="520047"/>
-          </a:xfrm>
-          <a:prstGeom prst="bentConnector2">
-            <a:avLst/>
-          </a:prstGeom>
-          <a:ln>
-            <a:tailEnd type="triangle"/>
-          </a:ln>
-        </p:spPr>
-        <p:style>
-          <a:lnRef idx="1">
-            <a:schemeClr val="accent1"/>
-          </a:lnRef>
-          <a:fillRef idx="0">
-            <a:schemeClr val="accent1"/>
-          </a:fillRef>
-          <a:effectRef idx="0">
-            <a:schemeClr val="accent1"/>
-          </a:effectRef>
-          <a:fontRef idx="minor">
-            <a:schemeClr val="tx1"/>
-          </a:fontRef>
-        </p:style>
-      </p:cxnSp>
-      <p:cxnSp>
-        <p:nvCxnSpPr>
-          <p:cNvPr id="83" name="肘形连接符 82"/>
-          <p:cNvCxnSpPr/>
-          <p:nvPr/>
-        </p:nvCxnSpPr>
-        <p:spPr>
-          <a:xfrm rot="5400000" flipH="1" flipV="1">
-            <a:off x="6690204" y="3478784"/>
-            <a:ext cx="1059324" cy="486156"/>
-          </a:xfrm>
-          <a:prstGeom prst="bentConnector3">
-            <a:avLst>
-              <a:gd name="adj1" fmla="val 70"/>
-            </a:avLst>
-          </a:prstGeom>
-          <a:ln>
-            <a:tailEnd type="triangle"/>
-          </a:ln>
-        </p:spPr>
-        <p:style>
-          <a:lnRef idx="1">
-            <a:schemeClr val="accent1"/>
-          </a:lnRef>
-          <a:fillRef idx="0">
-            <a:schemeClr val="accent1"/>
-          </a:fillRef>
-          <a:effectRef idx="0">
-            <a:schemeClr val="accent1"/>
-          </a:effectRef>
-          <a:fontRef idx="minor">
-            <a:schemeClr val="tx1"/>
-          </a:fontRef>
-        </p:style>
-      </p:cxnSp>
-      <p:sp>
-        <p:nvSpPr>
-          <p:cNvPr id="89" name="文本框 88"/>
-          <p:cNvSpPr txBox="1"/>
-          <p:nvPr/>
-        </p:nvSpPr>
-        <p:spPr>
-          <a:xfrm>
-            <a:off x="5897256" y="5178167"/>
-            <a:ext cx="5139548" cy="430887"/>
-          </a:xfrm>
-          <a:prstGeom prst="rect">
-            <a:avLst/>
-          </a:prstGeom>
-          <a:noFill/>
-        </p:spPr>
-        <p:txBody>
-          <a:bodyPr wrap="none" rtlCol="0">
-            <a:spAutoFit/>
-          </a:bodyPr>
-          <a:lstStyle/>
-          <a:p>
-            <a:r>
-              <a:rPr kumimoji="1" lang="zh-CN" altLang="en-US" sz="1100" smtClean="0"/>
-              <a:t>当</a:t>
-            </a:r>
-            <a:r>
-              <a:rPr kumimoji="1" lang="en-US" altLang="zh-CN" sz="1100" smtClean="0"/>
-              <a:t>Selector</a:t>
-            </a:r>
-            <a:r>
-              <a:rPr kumimoji="1" lang="zh-CN" altLang="en-US" sz="1100" smtClean="0"/>
-              <a:t>监听</a:t>
-            </a:r>
-            <a:r>
-              <a:rPr kumimoji="1" lang="en-US" altLang="zh-CN" sz="1100" smtClean="0"/>
-              <a:t>channel</a:t>
-            </a:r>
-            <a:r>
-              <a:rPr kumimoji="1" lang="zh-CN" altLang="en-US" sz="1100" smtClean="0"/>
-              <a:t>通道有数据传输时，通过</a:t>
-            </a:r>
-            <a:r>
-              <a:rPr kumimoji="1" lang="en-US" altLang="zh-CN" sz="1100" smtClean="0"/>
-              <a:t>select()</a:t>
-            </a:r>
-            <a:r>
-              <a:rPr kumimoji="1" lang="zh-CN" altLang="en-US" sz="1100" smtClean="0"/>
-              <a:t>方法获取</a:t>
-            </a:r>
-            <a:r>
-              <a:rPr kumimoji="1" lang="en-US" altLang="zh-CN" sz="1100" smtClean="0"/>
-              <a:t>SocketChannel</a:t>
-            </a:r>
-            <a:r>
-              <a:rPr kumimoji="1" lang="zh-CN" altLang="en-US" sz="1100" smtClean="0"/>
-              <a:t>，</a:t>
-            </a:r>
-            <a:endParaRPr kumimoji="1" lang="en-US" altLang="zh-CN" sz="1100" smtClean="0"/>
-          </a:p>
-          <a:p>
-            <a:r>
-              <a:rPr kumimoji="1" lang="zh-CN" altLang="en-US" sz="1100" smtClean="0"/>
-              <a:t>将数据读取或写入</a:t>
-            </a:r>
-            <a:r>
-              <a:rPr kumimoji="1" lang="en-US" altLang="zh-CN" sz="1100" smtClean="0"/>
-              <a:t>Buffer</a:t>
-            </a:r>
-            <a:endParaRPr kumimoji="1" lang="zh-CN" altLang="en-US" sz="1100" dirty="0"/>
-          </a:p>
-        </p:txBody>
-      </p:sp>
     </p:spTree>
     <p:extLst>
       <p:ext uri="{BB962C8B-B14F-4D97-AF65-F5344CB8AC3E}">
-        <p14:creationId xmlns:p14="http://schemas.microsoft.com/office/powerpoint/2010/main" val="2036321160"/>
+        <p14:creationId xmlns:p14="http://schemas.microsoft.com/office/powerpoint/2010/main" val="4089134841"/>
       </p:ext>
     </p:extLst>
   </p:cSld>
@@ -12021,6 +10442,2487 @@
       </p:grpSpPr>
       <p:sp>
         <p:nvSpPr>
+          <p:cNvPr id="4" name="矩形 3"/>
+          <p:cNvSpPr/>
+          <p:nvPr/>
+        </p:nvSpPr>
+        <p:spPr>
+          <a:xfrm>
+            <a:off x="2594344" y="925029"/>
+            <a:ext cx="1244009" cy="1052623"/>
+          </a:xfrm>
+          <a:prstGeom prst="rect">
+            <a:avLst/>
+          </a:prstGeom>
+          <a:noFill/>
+        </p:spPr>
+        <p:style>
+          <a:lnRef idx="2">
+            <a:schemeClr val="accent1">
+              <a:shade val="50000"/>
+            </a:schemeClr>
+          </a:lnRef>
+          <a:fillRef idx="1">
+            <a:schemeClr val="accent1"/>
+          </a:fillRef>
+          <a:effectRef idx="0">
+            <a:schemeClr val="accent1"/>
+          </a:effectRef>
+          <a:fontRef idx="minor">
+            <a:schemeClr val="lt1"/>
+          </a:fontRef>
+        </p:style>
+        <p:txBody>
+          <a:bodyPr rtlCol="0" anchor="ctr"/>
+          <a:lstStyle/>
+          <a:p>
+            <a:pPr algn="ctr"/>
+            <a:endParaRPr kumimoji="1" lang="zh-CN" altLang="en-US"/>
+          </a:p>
+        </p:txBody>
+      </p:sp>
+      <p:sp>
+        <p:nvSpPr>
+          <p:cNvPr id="5" name="文本框 4"/>
+          <p:cNvSpPr txBox="1"/>
+          <p:nvPr/>
+        </p:nvSpPr>
+        <p:spPr>
+          <a:xfrm>
+            <a:off x="2861122" y="1266674"/>
+            <a:ext cx="710451" cy="369332"/>
+          </a:xfrm>
+          <a:prstGeom prst="rect">
+            <a:avLst/>
+          </a:prstGeom>
+          <a:noFill/>
+        </p:spPr>
+        <p:txBody>
+          <a:bodyPr wrap="none" rtlCol="0">
+            <a:spAutoFit/>
+          </a:bodyPr>
+          <a:lstStyle/>
+          <a:p>
+            <a:r>
+              <a:rPr kumimoji="1" lang="en-US" altLang="zh-CN" smtClean="0"/>
+              <a:t>client</a:t>
+            </a:r>
+            <a:endParaRPr kumimoji="1" lang="zh-CN" altLang="en-US" dirty="0"/>
+          </a:p>
+        </p:txBody>
+      </p:sp>
+      <p:sp>
+        <p:nvSpPr>
+          <p:cNvPr id="6" name="矩形 5"/>
+          <p:cNvSpPr/>
+          <p:nvPr/>
+        </p:nvSpPr>
+        <p:spPr>
+          <a:xfrm>
+            <a:off x="6755219" y="925029"/>
+            <a:ext cx="1244009" cy="1052623"/>
+          </a:xfrm>
+          <a:prstGeom prst="rect">
+            <a:avLst/>
+          </a:prstGeom>
+          <a:noFill/>
+        </p:spPr>
+        <p:style>
+          <a:lnRef idx="2">
+            <a:schemeClr val="accent1">
+              <a:shade val="50000"/>
+            </a:schemeClr>
+          </a:lnRef>
+          <a:fillRef idx="1">
+            <a:schemeClr val="accent1"/>
+          </a:fillRef>
+          <a:effectRef idx="0">
+            <a:schemeClr val="accent1"/>
+          </a:effectRef>
+          <a:fontRef idx="minor">
+            <a:schemeClr val="lt1"/>
+          </a:fontRef>
+        </p:style>
+        <p:txBody>
+          <a:bodyPr rtlCol="0" anchor="ctr"/>
+          <a:lstStyle/>
+          <a:p>
+            <a:pPr algn="ctr"/>
+            <a:endParaRPr kumimoji="1" lang="zh-CN" altLang="en-US"/>
+          </a:p>
+        </p:txBody>
+      </p:sp>
+      <p:sp>
+        <p:nvSpPr>
+          <p:cNvPr id="7" name="文本框 6"/>
+          <p:cNvSpPr txBox="1"/>
+          <p:nvPr/>
+        </p:nvSpPr>
+        <p:spPr>
+          <a:xfrm>
+            <a:off x="6986731" y="1266674"/>
+            <a:ext cx="780983" cy="369332"/>
+          </a:xfrm>
+          <a:prstGeom prst="rect">
+            <a:avLst/>
+          </a:prstGeom>
+          <a:noFill/>
+        </p:spPr>
+        <p:txBody>
+          <a:bodyPr wrap="none" rtlCol="0">
+            <a:spAutoFit/>
+          </a:bodyPr>
+          <a:lstStyle/>
+          <a:p>
+            <a:r>
+              <a:rPr kumimoji="1" lang="en-US" altLang="zh-CN" smtClean="0"/>
+              <a:t>server</a:t>
+            </a:r>
+            <a:endParaRPr kumimoji="1" lang="zh-CN" altLang="en-US" dirty="0"/>
+          </a:p>
+        </p:txBody>
+      </p:sp>
+      <p:sp>
+        <p:nvSpPr>
+          <p:cNvPr id="8" name="椭圆 7"/>
+          <p:cNvSpPr/>
+          <p:nvPr/>
+        </p:nvSpPr>
+        <p:spPr>
+          <a:xfrm>
+            <a:off x="2594344" y="2594348"/>
+            <a:ext cx="1221780" cy="584790"/>
+          </a:xfrm>
+          <a:prstGeom prst="ellipse">
+            <a:avLst/>
+          </a:prstGeom>
+        </p:spPr>
+        <p:style>
+          <a:lnRef idx="2">
+            <a:schemeClr val="accent1">
+              <a:shade val="50000"/>
+            </a:schemeClr>
+          </a:lnRef>
+          <a:fillRef idx="1">
+            <a:schemeClr val="accent1"/>
+          </a:fillRef>
+          <a:effectRef idx="0">
+            <a:schemeClr val="accent1"/>
+          </a:effectRef>
+          <a:fontRef idx="minor">
+            <a:schemeClr val="lt1"/>
+          </a:fontRef>
+        </p:style>
+        <p:txBody>
+          <a:bodyPr rtlCol="0" anchor="ctr"/>
+          <a:lstStyle/>
+          <a:p>
+            <a:pPr algn="ctr"/>
+            <a:endParaRPr kumimoji="1" lang="zh-CN" altLang="en-US"/>
+          </a:p>
+        </p:txBody>
+      </p:sp>
+      <p:sp>
+        <p:nvSpPr>
+          <p:cNvPr id="9" name="椭圆 8"/>
+          <p:cNvSpPr/>
+          <p:nvPr/>
+        </p:nvSpPr>
+        <p:spPr>
+          <a:xfrm>
+            <a:off x="6777448" y="2594348"/>
+            <a:ext cx="1221780" cy="584790"/>
+          </a:xfrm>
+          <a:prstGeom prst="ellipse">
+            <a:avLst/>
+          </a:prstGeom>
+        </p:spPr>
+        <p:style>
+          <a:lnRef idx="2">
+            <a:schemeClr val="accent1">
+              <a:shade val="50000"/>
+            </a:schemeClr>
+          </a:lnRef>
+          <a:fillRef idx="1">
+            <a:schemeClr val="accent1"/>
+          </a:fillRef>
+          <a:effectRef idx="0">
+            <a:schemeClr val="accent1"/>
+          </a:effectRef>
+          <a:fontRef idx="minor">
+            <a:schemeClr val="lt1"/>
+          </a:fontRef>
+        </p:style>
+        <p:txBody>
+          <a:bodyPr rtlCol="0" anchor="ctr"/>
+          <a:lstStyle/>
+          <a:p>
+            <a:pPr algn="ctr"/>
+            <a:endParaRPr kumimoji="1" lang="zh-CN" altLang="en-US"/>
+          </a:p>
+        </p:txBody>
+      </p:sp>
+      <p:cxnSp>
+        <p:nvCxnSpPr>
+          <p:cNvPr id="10" name="直线箭头连接符 9"/>
+          <p:cNvCxnSpPr/>
+          <p:nvPr/>
+        </p:nvCxnSpPr>
+        <p:spPr>
+          <a:xfrm>
+            <a:off x="2861122" y="1977652"/>
+            <a:ext cx="0" cy="616696"/>
+          </a:xfrm>
+          <a:prstGeom prst="straightConnector1">
+            <a:avLst/>
+          </a:prstGeom>
+          <a:ln>
+            <a:tailEnd type="triangle"/>
+          </a:ln>
+        </p:spPr>
+        <p:style>
+          <a:lnRef idx="1">
+            <a:schemeClr val="accent1"/>
+          </a:lnRef>
+          <a:fillRef idx="0">
+            <a:schemeClr val="accent1"/>
+          </a:fillRef>
+          <a:effectRef idx="0">
+            <a:schemeClr val="accent1"/>
+          </a:effectRef>
+          <a:fontRef idx="minor">
+            <a:schemeClr val="tx1"/>
+          </a:fontRef>
+        </p:style>
+      </p:cxnSp>
+      <p:cxnSp>
+        <p:nvCxnSpPr>
+          <p:cNvPr id="11" name="直线箭头连接符 10"/>
+          <p:cNvCxnSpPr/>
+          <p:nvPr/>
+        </p:nvCxnSpPr>
+        <p:spPr>
+          <a:xfrm flipV="1">
+            <a:off x="3571573" y="1977651"/>
+            <a:ext cx="0" cy="616698"/>
+          </a:xfrm>
+          <a:prstGeom prst="straightConnector1">
+            <a:avLst/>
+          </a:prstGeom>
+          <a:ln>
+            <a:tailEnd type="triangle"/>
+          </a:ln>
+        </p:spPr>
+        <p:style>
+          <a:lnRef idx="1">
+            <a:schemeClr val="accent1"/>
+          </a:lnRef>
+          <a:fillRef idx="0">
+            <a:schemeClr val="accent1"/>
+          </a:fillRef>
+          <a:effectRef idx="0">
+            <a:schemeClr val="accent1"/>
+          </a:effectRef>
+          <a:fontRef idx="minor">
+            <a:schemeClr val="tx1"/>
+          </a:fontRef>
+        </p:style>
+      </p:cxnSp>
+      <p:sp>
+        <p:nvSpPr>
+          <p:cNvPr id="12" name="文本框 11"/>
+          <p:cNvSpPr txBox="1"/>
+          <p:nvPr/>
+        </p:nvSpPr>
+        <p:spPr>
+          <a:xfrm>
+            <a:off x="3571573" y="2175060"/>
+            <a:ext cx="893193" cy="415498"/>
+          </a:xfrm>
+          <a:prstGeom prst="rect">
+            <a:avLst/>
+          </a:prstGeom>
+          <a:noFill/>
+        </p:spPr>
+        <p:txBody>
+          <a:bodyPr wrap="none" rtlCol="0">
+            <a:spAutoFit/>
+          </a:bodyPr>
+          <a:lstStyle/>
+          <a:p>
+            <a:r>
+              <a:rPr kumimoji="1" lang="en-US" altLang="zh-CN" sz="1050" dirty="0" err="1" smtClean="0"/>
+              <a:t>InputStream</a:t>
+            </a:r>
+            <a:endParaRPr kumimoji="1" lang="en-US" altLang="zh-CN" sz="1050" dirty="0" smtClean="0"/>
+          </a:p>
+          <a:p>
+            <a:r>
+              <a:rPr kumimoji="1" lang="zh-CN" altLang="en-US" sz="1050" dirty="0" smtClean="0"/>
+              <a:t>     </a:t>
+            </a:r>
+            <a:r>
+              <a:rPr kumimoji="1" lang="en-US" altLang="zh-CN" sz="1050" dirty="0" smtClean="0"/>
+              <a:t>read()</a:t>
+            </a:r>
+            <a:endParaRPr kumimoji="1" lang="en-US" altLang="zh-CN" sz="1050" dirty="0"/>
+          </a:p>
+        </p:txBody>
+      </p:sp>
+      <p:sp>
+        <p:nvSpPr>
+          <p:cNvPr id="13" name="文本框 12"/>
+          <p:cNvSpPr txBox="1"/>
+          <p:nvPr/>
+        </p:nvSpPr>
+        <p:spPr>
+          <a:xfrm>
+            <a:off x="1937703" y="2175060"/>
+            <a:ext cx="1005403" cy="415498"/>
+          </a:xfrm>
+          <a:prstGeom prst="rect">
+            <a:avLst/>
+          </a:prstGeom>
+          <a:noFill/>
+        </p:spPr>
+        <p:txBody>
+          <a:bodyPr wrap="none" rtlCol="0">
+            <a:spAutoFit/>
+          </a:bodyPr>
+          <a:lstStyle/>
+          <a:p>
+            <a:r>
+              <a:rPr kumimoji="1" lang="en-US" altLang="zh-CN" sz="1050" dirty="0" err="1" smtClean="0"/>
+              <a:t>OutputStream</a:t>
+            </a:r>
+            <a:endParaRPr kumimoji="1" lang="en-US" altLang="zh-CN" sz="1050" dirty="0" smtClean="0"/>
+          </a:p>
+          <a:p>
+            <a:r>
+              <a:rPr kumimoji="1" lang="zh-CN" altLang="en-US" sz="1050" dirty="0" smtClean="0"/>
+              <a:t>     </a:t>
+            </a:r>
+            <a:r>
+              <a:rPr kumimoji="1" lang="en-US" altLang="zh-CN" sz="1050" dirty="0" smtClean="0"/>
+              <a:t>write()</a:t>
+            </a:r>
+            <a:endParaRPr kumimoji="1" lang="zh-CN" altLang="en-US" sz="1050" dirty="0"/>
+          </a:p>
+        </p:txBody>
+      </p:sp>
+      <p:cxnSp>
+        <p:nvCxnSpPr>
+          <p:cNvPr id="14" name="直线箭头连接符 13"/>
+          <p:cNvCxnSpPr/>
+          <p:nvPr/>
+        </p:nvCxnSpPr>
+        <p:spPr>
+          <a:xfrm>
+            <a:off x="7057263" y="1991084"/>
+            <a:ext cx="0" cy="616696"/>
+          </a:xfrm>
+          <a:prstGeom prst="straightConnector1">
+            <a:avLst/>
+          </a:prstGeom>
+          <a:ln>
+            <a:tailEnd type="triangle"/>
+          </a:ln>
+        </p:spPr>
+        <p:style>
+          <a:lnRef idx="1">
+            <a:schemeClr val="accent1"/>
+          </a:lnRef>
+          <a:fillRef idx="0">
+            <a:schemeClr val="accent1"/>
+          </a:fillRef>
+          <a:effectRef idx="0">
+            <a:schemeClr val="accent1"/>
+          </a:effectRef>
+          <a:fontRef idx="minor">
+            <a:schemeClr val="tx1"/>
+          </a:fontRef>
+        </p:style>
+      </p:cxnSp>
+      <p:cxnSp>
+        <p:nvCxnSpPr>
+          <p:cNvPr id="15" name="直线箭头连接符 14"/>
+          <p:cNvCxnSpPr/>
+          <p:nvPr/>
+        </p:nvCxnSpPr>
+        <p:spPr>
+          <a:xfrm flipV="1">
+            <a:off x="7767714" y="1991083"/>
+            <a:ext cx="0" cy="616698"/>
+          </a:xfrm>
+          <a:prstGeom prst="straightConnector1">
+            <a:avLst/>
+          </a:prstGeom>
+          <a:ln>
+            <a:tailEnd type="triangle"/>
+          </a:ln>
+        </p:spPr>
+        <p:style>
+          <a:lnRef idx="1">
+            <a:schemeClr val="accent1"/>
+          </a:lnRef>
+          <a:fillRef idx="0">
+            <a:schemeClr val="accent1"/>
+          </a:fillRef>
+          <a:effectRef idx="0">
+            <a:schemeClr val="accent1"/>
+          </a:effectRef>
+          <a:fontRef idx="minor">
+            <a:schemeClr val="tx1"/>
+          </a:fontRef>
+        </p:style>
+      </p:cxnSp>
+      <p:sp>
+        <p:nvSpPr>
+          <p:cNvPr id="16" name="文本框 15"/>
+          <p:cNvSpPr txBox="1"/>
+          <p:nvPr/>
+        </p:nvSpPr>
+        <p:spPr>
+          <a:xfrm>
+            <a:off x="7767714" y="2188492"/>
+            <a:ext cx="893193" cy="415498"/>
+          </a:xfrm>
+          <a:prstGeom prst="rect">
+            <a:avLst/>
+          </a:prstGeom>
+          <a:noFill/>
+        </p:spPr>
+        <p:txBody>
+          <a:bodyPr wrap="none" rtlCol="0">
+            <a:spAutoFit/>
+          </a:bodyPr>
+          <a:lstStyle/>
+          <a:p>
+            <a:r>
+              <a:rPr kumimoji="1" lang="en-US" altLang="zh-CN" sz="1050" dirty="0" err="1" smtClean="0"/>
+              <a:t>InputStream</a:t>
+            </a:r>
+            <a:endParaRPr kumimoji="1" lang="en-US" altLang="zh-CN" sz="1050" dirty="0" smtClean="0"/>
+          </a:p>
+          <a:p>
+            <a:r>
+              <a:rPr kumimoji="1" lang="zh-CN" altLang="en-US" sz="1050" dirty="0"/>
+              <a:t> </a:t>
+            </a:r>
+            <a:r>
+              <a:rPr kumimoji="1" lang="zh-CN" altLang="en-US" sz="1050" dirty="0" smtClean="0"/>
+              <a:t>    </a:t>
+            </a:r>
+            <a:r>
+              <a:rPr kumimoji="1" lang="en-US" altLang="zh-CN" sz="1050" dirty="0" smtClean="0"/>
+              <a:t>read()</a:t>
+            </a:r>
+            <a:endParaRPr kumimoji="1" lang="zh-CN" altLang="en-US" sz="1050" dirty="0"/>
+          </a:p>
+        </p:txBody>
+      </p:sp>
+      <p:sp>
+        <p:nvSpPr>
+          <p:cNvPr id="17" name="文本框 16"/>
+          <p:cNvSpPr txBox="1"/>
+          <p:nvPr/>
+        </p:nvSpPr>
+        <p:spPr>
+          <a:xfrm>
+            <a:off x="6133844" y="2188492"/>
+            <a:ext cx="1005403" cy="415498"/>
+          </a:xfrm>
+          <a:prstGeom prst="rect">
+            <a:avLst/>
+          </a:prstGeom>
+          <a:noFill/>
+        </p:spPr>
+        <p:txBody>
+          <a:bodyPr wrap="none" rtlCol="0">
+            <a:spAutoFit/>
+          </a:bodyPr>
+          <a:lstStyle/>
+          <a:p>
+            <a:r>
+              <a:rPr kumimoji="1" lang="en-US" altLang="zh-CN" sz="1050" dirty="0" err="1" smtClean="0"/>
+              <a:t>OutputStream</a:t>
+            </a:r>
+            <a:endParaRPr kumimoji="1" lang="en-US" altLang="zh-CN" sz="1050" dirty="0" smtClean="0"/>
+          </a:p>
+          <a:p>
+            <a:r>
+              <a:rPr kumimoji="1" lang="zh-CN" altLang="en-US" sz="1050" dirty="0"/>
+              <a:t> </a:t>
+            </a:r>
+            <a:r>
+              <a:rPr kumimoji="1" lang="zh-CN" altLang="en-US" sz="1050" dirty="0" smtClean="0"/>
+              <a:t>      </a:t>
+            </a:r>
+            <a:r>
+              <a:rPr kumimoji="1" lang="en-US" altLang="zh-CN" sz="1050" dirty="0" smtClean="0"/>
+              <a:t>write()</a:t>
+            </a:r>
+            <a:endParaRPr kumimoji="1" lang="zh-CN" altLang="en-US" sz="1050" dirty="0"/>
+          </a:p>
+        </p:txBody>
+      </p:sp>
+      <p:sp>
+        <p:nvSpPr>
+          <p:cNvPr id="18" name="矩形 17"/>
+          <p:cNvSpPr/>
+          <p:nvPr/>
+        </p:nvSpPr>
+        <p:spPr>
+          <a:xfrm>
+            <a:off x="3503250" y="3711104"/>
+            <a:ext cx="3458164" cy="1014265"/>
+          </a:xfrm>
+          <a:prstGeom prst="rect">
+            <a:avLst/>
+          </a:prstGeom>
+          <a:noFill/>
+        </p:spPr>
+        <p:style>
+          <a:lnRef idx="2">
+            <a:schemeClr val="accent1">
+              <a:shade val="50000"/>
+            </a:schemeClr>
+          </a:lnRef>
+          <a:fillRef idx="1">
+            <a:schemeClr val="accent1"/>
+          </a:fillRef>
+          <a:effectRef idx="0">
+            <a:schemeClr val="accent1"/>
+          </a:effectRef>
+          <a:fontRef idx="minor">
+            <a:schemeClr val="lt1"/>
+          </a:fontRef>
+        </p:style>
+        <p:txBody>
+          <a:bodyPr rtlCol="0" anchor="ctr"/>
+          <a:lstStyle/>
+          <a:p>
+            <a:pPr algn="ctr"/>
+            <a:endParaRPr kumimoji="1" lang="zh-CN" altLang="en-US"/>
+          </a:p>
+        </p:txBody>
+      </p:sp>
+      <p:sp>
+        <p:nvSpPr>
+          <p:cNvPr id="19" name="文本框 18"/>
+          <p:cNvSpPr txBox="1"/>
+          <p:nvPr/>
+        </p:nvSpPr>
+        <p:spPr>
+          <a:xfrm>
+            <a:off x="6950986" y="4491505"/>
+            <a:ext cx="928459" cy="276999"/>
+          </a:xfrm>
+          <a:prstGeom prst="rect">
+            <a:avLst/>
+          </a:prstGeom>
+          <a:noFill/>
+        </p:spPr>
+        <p:txBody>
+          <a:bodyPr wrap="none" rtlCol="0">
+            <a:spAutoFit/>
+          </a:bodyPr>
+          <a:lstStyle/>
+          <a:p>
+            <a:r>
+              <a:rPr kumimoji="1" lang="en-US" altLang="zh-CN" sz="1200" dirty="0" smtClean="0"/>
+              <a:t>Socket</a:t>
+            </a:r>
+            <a:r>
+              <a:rPr kumimoji="1" lang="zh-CN" altLang="en-US" sz="1200" dirty="0" smtClean="0"/>
+              <a:t>通道</a:t>
+            </a:r>
+            <a:endParaRPr kumimoji="1" lang="zh-CN" altLang="en-US" sz="1200" dirty="0"/>
+          </a:p>
+        </p:txBody>
+      </p:sp>
+      <p:sp>
+        <p:nvSpPr>
+          <p:cNvPr id="22" name="文本框 21"/>
+          <p:cNvSpPr txBox="1"/>
+          <p:nvPr/>
+        </p:nvSpPr>
+        <p:spPr>
+          <a:xfrm>
+            <a:off x="2016854" y="2925221"/>
+            <a:ext cx="588623" cy="253916"/>
+          </a:xfrm>
+          <a:prstGeom prst="rect">
+            <a:avLst/>
+          </a:prstGeom>
+          <a:noFill/>
+        </p:spPr>
+        <p:txBody>
+          <a:bodyPr wrap="none" rtlCol="0">
+            <a:spAutoFit/>
+          </a:bodyPr>
+          <a:lstStyle/>
+          <a:p>
+            <a:r>
+              <a:rPr kumimoji="1" lang="zh-CN" altLang="en-US" sz="1050" dirty="0" smtClean="0"/>
+              <a:t>缓存区</a:t>
+            </a:r>
+            <a:endParaRPr kumimoji="1" lang="zh-CN" altLang="en-US" sz="1050" dirty="0"/>
+          </a:p>
+        </p:txBody>
+      </p:sp>
+      <p:sp>
+        <p:nvSpPr>
+          <p:cNvPr id="23" name="文本框 22"/>
+          <p:cNvSpPr txBox="1"/>
+          <p:nvPr/>
+        </p:nvSpPr>
+        <p:spPr>
+          <a:xfrm>
+            <a:off x="7967243" y="2886743"/>
+            <a:ext cx="588623" cy="253916"/>
+          </a:xfrm>
+          <a:prstGeom prst="rect">
+            <a:avLst/>
+          </a:prstGeom>
+          <a:noFill/>
+        </p:spPr>
+        <p:txBody>
+          <a:bodyPr wrap="none" rtlCol="0">
+            <a:spAutoFit/>
+          </a:bodyPr>
+          <a:lstStyle/>
+          <a:p>
+            <a:r>
+              <a:rPr kumimoji="1" lang="zh-CN" altLang="en-US" sz="1050" smtClean="0"/>
+              <a:t>缓存区</a:t>
+            </a:r>
+            <a:endParaRPr kumimoji="1" lang="zh-CN" altLang="en-US" sz="1050" dirty="0"/>
+          </a:p>
+        </p:txBody>
+      </p:sp>
+      <p:sp>
+        <p:nvSpPr>
+          <p:cNvPr id="24" name="矩形 23"/>
+          <p:cNvSpPr/>
+          <p:nvPr/>
+        </p:nvSpPr>
+        <p:spPr>
+          <a:xfrm>
+            <a:off x="2861121" y="2753833"/>
+            <a:ext cx="169157" cy="298346"/>
+          </a:xfrm>
+          <a:prstGeom prst="rect">
+            <a:avLst/>
+          </a:prstGeom>
+          <a:solidFill>
+            <a:schemeClr val="accent4"/>
+          </a:solidFill>
+        </p:spPr>
+        <p:style>
+          <a:lnRef idx="2">
+            <a:schemeClr val="accent1">
+              <a:shade val="50000"/>
+            </a:schemeClr>
+          </a:lnRef>
+          <a:fillRef idx="1">
+            <a:schemeClr val="accent1"/>
+          </a:fillRef>
+          <a:effectRef idx="0">
+            <a:schemeClr val="accent1"/>
+          </a:effectRef>
+          <a:fontRef idx="minor">
+            <a:schemeClr val="lt1"/>
+          </a:fontRef>
+        </p:style>
+        <p:txBody>
+          <a:bodyPr rtlCol="0" anchor="ctr"/>
+          <a:lstStyle/>
+          <a:p>
+            <a:pPr algn="ctr"/>
+            <a:endParaRPr kumimoji="1" lang="zh-CN" altLang="en-US"/>
+          </a:p>
+        </p:txBody>
+      </p:sp>
+      <p:sp>
+        <p:nvSpPr>
+          <p:cNvPr id="25" name="矩形 24"/>
+          <p:cNvSpPr/>
+          <p:nvPr/>
+        </p:nvSpPr>
+        <p:spPr>
+          <a:xfrm>
+            <a:off x="3297055" y="2753833"/>
+            <a:ext cx="169157" cy="298346"/>
+          </a:xfrm>
+          <a:prstGeom prst="rect">
+            <a:avLst/>
+          </a:prstGeom>
+          <a:solidFill>
+            <a:schemeClr val="accent4"/>
+          </a:solidFill>
+        </p:spPr>
+        <p:style>
+          <a:lnRef idx="2">
+            <a:schemeClr val="accent1">
+              <a:shade val="50000"/>
+            </a:schemeClr>
+          </a:lnRef>
+          <a:fillRef idx="1">
+            <a:schemeClr val="accent1"/>
+          </a:fillRef>
+          <a:effectRef idx="0">
+            <a:schemeClr val="accent1"/>
+          </a:effectRef>
+          <a:fontRef idx="minor">
+            <a:schemeClr val="lt1"/>
+          </a:fontRef>
+        </p:style>
+        <p:txBody>
+          <a:bodyPr rtlCol="0" anchor="ctr"/>
+          <a:lstStyle/>
+          <a:p>
+            <a:pPr algn="ctr"/>
+            <a:endParaRPr kumimoji="1" lang="zh-CN" altLang="en-US"/>
+          </a:p>
+        </p:txBody>
+      </p:sp>
+      <p:sp>
+        <p:nvSpPr>
+          <p:cNvPr id="26" name="矩形 25"/>
+          <p:cNvSpPr/>
+          <p:nvPr/>
+        </p:nvSpPr>
+        <p:spPr>
+          <a:xfrm>
+            <a:off x="7592341" y="2753833"/>
+            <a:ext cx="169157" cy="298346"/>
+          </a:xfrm>
+          <a:prstGeom prst="rect">
+            <a:avLst/>
+          </a:prstGeom>
+          <a:solidFill>
+            <a:schemeClr val="accent4"/>
+          </a:solidFill>
+        </p:spPr>
+        <p:style>
+          <a:lnRef idx="2">
+            <a:schemeClr val="accent1">
+              <a:shade val="50000"/>
+            </a:schemeClr>
+          </a:lnRef>
+          <a:fillRef idx="1">
+            <a:schemeClr val="accent1"/>
+          </a:fillRef>
+          <a:effectRef idx="0">
+            <a:schemeClr val="accent1"/>
+          </a:effectRef>
+          <a:fontRef idx="minor">
+            <a:schemeClr val="lt1"/>
+          </a:fontRef>
+        </p:style>
+        <p:txBody>
+          <a:bodyPr rtlCol="0" anchor="ctr"/>
+          <a:lstStyle/>
+          <a:p>
+            <a:pPr algn="ctr"/>
+            <a:endParaRPr kumimoji="1" lang="zh-CN" altLang="en-US"/>
+          </a:p>
+        </p:txBody>
+      </p:sp>
+      <p:sp>
+        <p:nvSpPr>
+          <p:cNvPr id="27" name="矩形 26"/>
+          <p:cNvSpPr/>
+          <p:nvPr/>
+        </p:nvSpPr>
+        <p:spPr>
+          <a:xfrm>
+            <a:off x="7086573" y="2747645"/>
+            <a:ext cx="169157" cy="298346"/>
+          </a:xfrm>
+          <a:prstGeom prst="rect">
+            <a:avLst/>
+          </a:prstGeom>
+          <a:solidFill>
+            <a:schemeClr val="accent4"/>
+          </a:solidFill>
+        </p:spPr>
+        <p:style>
+          <a:lnRef idx="2">
+            <a:schemeClr val="accent1">
+              <a:shade val="50000"/>
+            </a:schemeClr>
+          </a:lnRef>
+          <a:fillRef idx="1">
+            <a:schemeClr val="accent1"/>
+          </a:fillRef>
+          <a:effectRef idx="0">
+            <a:schemeClr val="accent1"/>
+          </a:effectRef>
+          <a:fontRef idx="minor">
+            <a:schemeClr val="lt1"/>
+          </a:fontRef>
+        </p:style>
+        <p:txBody>
+          <a:bodyPr rtlCol="0" anchor="ctr"/>
+          <a:lstStyle/>
+          <a:p>
+            <a:pPr algn="ctr"/>
+            <a:endParaRPr kumimoji="1" lang="zh-CN" altLang="en-US"/>
+          </a:p>
+        </p:txBody>
+      </p:sp>
+      <p:sp>
+        <p:nvSpPr>
+          <p:cNvPr id="28" name="文本框 27"/>
+          <p:cNvSpPr txBox="1"/>
+          <p:nvPr/>
+        </p:nvSpPr>
+        <p:spPr>
+          <a:xfrm>
+            <a:off x="2627724" y="3179136"/>
+            <a:ext cx="575799" cy="253916"/>
+          </a:xfrm>
+          <a:prstGeom prst="rect">
+            <a:avLst/>
+          </a:prstGeom>
+          <a:noFill/>
+        </p:spPr>
+        <p:txBody>
+          <a:bodyPr wrap="none" rtlCol="0">
+            <a:spAutoFit/>
+          </a:bodyPr>
+          <a:lstStyle/>
+          <a:p>
+            <a:r>
+              <a:rPr kumimoji="1" lang="en-US" altLang="zh-CN" sz="1050" dirty="0" err="1" smtClean="0"/>
+              <a:t>SendQ</a:t>
+            </a:r>
+            <a:endParaRPr kumimoji="1" lang="zh-CN" altLang="en-US" sz="1050" dirty="0"/>
+          </a:p>
+        </p:txBody>
+      </p:sp>
+      <p:sp>
+        <p:nvSpPr>
+          <p:cNvPr id="29" name="文本框 28"/>
+          <p:cNvSpPr txBox="1"/>
+          <p:nvPr/>
+        </p:nvSpPr>
+        <p:spPr>
+          <a:xfrm>
+            <a:off x="7576305" y="3183200"/>
+            <a:ext cx="724878" cy="253916"/>
+          </a:xfrm>
+          <a:prstGeom prst="rect">
+            <a:avLst/>
+          </a:prstGeom>
+          <a:noFill/>
+        </p:spPr>
+        <p:txBody>
+          <a:bodyPr wrap="none" rtlCol="0">
+            <a:spAutoFit/>
+          </a:bodyPr>
+          <a:lstStyle/>
+          <a:p>
+            <a:r>
+              <a:rPr kumimoji="1" lang="en-US" altLang="zh-CN" sz="1050" dirty="0" err="1" smtClean="0"/>
+              <a:t>ReceiveQ</a:t>
+            </a:r>
+            <a:endParaRPr kumimoji="1" lang="zh-CN" altLang="en-US" sz="1050" dirty="0"/>
+          </a:p>
+        </p:txBody>
+      </p:sp>
+      <p:sp>
+        <p:nvSpPr>
+          <p:cNvPr id="30" name="文本框 29"/>
+          <p:cNvSpPr txBox="1"/>
+          <p:nvPr/>
+        </p:nvSpPr>
+        <p:spPr>
+          <a:xfrm>
+            <a:off x="6819520" y="3178502"/>
+            <a:ext cx="575799" cy="253916"/>
+          </a:xfrm>
+          <a:prstGeom prst="rect">
+            <a:avLst/>
+          </a:prstGeom>
+          <a:noFill/>
+        </p:spPr>
+        <p:txBody>
+          <a:bodyPr wrap="none" rtlCol="0">
+            <a:spAutoFit/>
+          </a:bodyPr>
+          <a:lstStyle/>
+          <a:p>
+            <a:r>
+              <a:rPr kumimoji="1" lang="en-US" altLang="zh-CN" sz="1050" dirty="0" err="1" smtClean="0"/>
+              <a:t>SendQ</a:t>
+            </a:r>
+            <a:endParaRPr kumimoji="1" lang="zh-CN" altLang="en-US" sz="1050" dirty="0"/>
+          </a:p>
+        </p:txBody>
+      </p:sp>
+      <p:sp>
+        <p:nvSpPr>
+          <p:cNvPr id="31" name="文本框 30"/>
+          <p:cNvSpPr txBox="1"/>
+          <p:nvPr/>
+        </p:nvSpPr>
+        <p:spPr>
+          <a:xfrm>
+            <a:off x="3249979" y="3195429"/>
+            <a:ext cx="724878" cy="253916"/>
+          </a:xfrm>
+          <a:prstGeom prst="rect">
+            <a:avLst/>
+          </a:prstGeom>
+          <a:noFill/>
+        </p:spPr>
+        <p:txBody>
+          <a:bodyPr wrap="none" rtlCol="0">
+            <a:spAutoFit/>
+          </a:bodyPr>
+          <a:lstStyle/>
+          <a:p>
+            <a:r>
+              <a:rPr kumimoji="1" lang="en-US" altLang="zh-CN" sz="1050" dirty="0" err="1" smtClean="0"/>
+              <a:t>ReceiveQ</a:t>
+            </a:r>
+            <a:endParaRPr kumimoji="1" lang="zh-CN" altLang="en-US" sz="1050" dirty="0"/>
+          </a:p>
+        </p:txBody>
+      </p:sp>
+      <p:sp>
+        <p:nvSpPr>
+          <p:cNvPr id="32" name="文本框 31"/>
+          <p:cNvSpPr txBox="1"/>
+          <p:nvPr/>
+        </p:nvSpPr>
+        <p:spPr>
+          <a:xfrm>
+            <a:off x="392538" y="6125659"/>
+            <a:ext cx="4851008" cy="276999"/>
+          </a:xfrm>
+          <a:prstGeom prst="rect">
+            <a:avLst/>
+          </a:prstGeom>
+          <a:noFill/>
+        </p:spPr>
+        <p:txBody>
+          <a:bodyPr wrap="none" rtlCol="0">
+            <a:spAutoFit/>
+          </a:bodyPr>
+          <a:lstStyle/>
+          <a:p>
+            <a:r>
+              <a:rPr kumimoji="1" lang="en-US" altLang="zh-CN" sz="1200" smtClean="0"/>
+              <a:t>Channel</a:t>
+            </a:r>
+            <a:r>
+              <a:rPr kumimoji="1" lang="zh-CN" altLang="en-US" sz="1200" smtClean="0"/>
+              <a:t>是车，</a:t>
+            </a:r>
+            <a:r>
+              <a:rPr kumimoji="1" lang="en-US" altLang="zh-CN" sz="1200" smtClean="0"/>
+              <a:t>Buffer</a:t>
+            </a:r>
+            <a:r>
+              <a:rPr kumimoji="1" lang="zh-CN" altLang="en-US" sz="1200" smtClean="0"/>
+              <a:t>是座位</a:t>
+            </a:r>
+            <a:r>
+              <a:rPr kumimoji="1" lang="en-US" altLang="zh-CN" sz="1200" smtClean="0"/>
+              <a:t>(</a:t>
+            </a:r>
+            <a:r>
+              <a:rPr kumimoji="1" lang="zh-CN" altLang="en-US" sz="1200" smtClean="0"/>
+              <a:t>传输的数据</a:t>
+            </a:r>
+            <a:r>
+              <a:rPr kumimoji="1" lang="en-US" altLang="zh-CN" sz="1200" smtClean="0"/>
+              <a:t>)</a:t>
+            </a:r>
+            <a:r>
+              <a:rPr kumimoji="1" lang="zh-CN" altLang="en-US" sz="1200" smtClean="0"/>
+              <a:t>，</a:t>
+            </a:r>
+            <a:r>
+              <a:rPr kumimoji="1" lang="en-US" altLang="zh-CN" sz="1200" smtClean="0"/>
+              <a:t>Selector</a:t>
+            </a:r>
+            <a:r>
+              <a:rPr kumimoji="1" lang="zh-CN" altLang="en-US" sz="1200" smtClean="0"/>
+              <a:t>是</a:t>
+            </a:r>
+            <a:r>
+              <a:rPr kumimoji="1" lang="en-US" altLang="zh-CN" sz="1200" smtClean="0"/>
+              <a:t>channel</a:t>
+            </a:r>
+            <a:r>
+              <a:rPr kumimoji="1" lang="zh-CN" altLang="en-US" sz="1200" smtClean="0"/>
+              <a:t>的监听器</a:t>
+            </a:r>
+            <a:endParaRPr kumimoji="1" lang="zh-CN" altLang="en-US" sz="1200" dirty="0"/>
+          </a:p>
+        </p:txBody>
+      </p:sp>
+      <p:sp>
+        <p:nvSpPr>
+          <p:cNvPr id="33" name="文本框 32"/>
+          <p:cNvSpPr txBox="1"/>
+          <p:nvPr/>
+        </p:nvSpPr>
+        <p:spPr>
+          <a:xfrm>
+            <a:off x="501805" y="323385"/>
+            <a:ext cx="1957587" cy="307777"/>
+          </a:xfrm>
+          <a:prstGeom prst="rect">
+            <a:avLst/>
+          </a:prstGeom>
+          <a:noFill/>
+        </p:spPr>
+        <p:txBody>
+          <a:bodyPr wrap="none" rtlCol="0">
+            <a:spAutoFit/>
+          </a:bodyPr>
+          <a:lstStyle/>
+          <a:p>
+            <a:r>
+              <a:rPr kumimoji="1" lang="en-US" altLang="zh-CN" sz="1400" smtClean="0"/>
+              <a:t>NIO Socket</a:t>
+            </a:r>
+            <a:r>
+              <a:rPr kumimoji="1" lang="zh-CN" altLang="en-US" sz="1400" dirty="0" smtClean="0"/>
+              <a:t>传输过程：</a:t>
+            </a:r>
+            <a:endParaRPr kumimoji="1" lang="zh-CN" altLang="en-US" sz="1400" dirty="0"/>
+          </a:p>
+        </p:txBody>
+      </p:sp>
+      <p:sp>
+        <p:nvSpPr>
+          <p:cNvPr id="35" name="圆角矩形 34"/>
+          <p:cNvSpPr/>
+          <p:nvPr/>
+        </p:nvSpPr>
+        <p:spPr>
+          <a:xfrm>
+            <a:off x="3818613" y="3784009"/>
+            <a:ext cx="2895958" cy="317825"/>
+          </a:xfrm>
+          <a:prstGeom prst="roundRect">
+            <a:avLst/>
+          </a:prstGeom>
+        </p:spPr>
+        <p:style>
+          <a:lnRef idx="2">
+            <a:schemeClr val="accent1">
+              <a:shade val="50000"/>
+            </a:schemeClr>
+          </a:lnRef>
+          <a:fillRef idx="1">
+            <a:schemeClr val="accent1"/>
+          </a:fillRef>
+          <a:effectRef idx="0">
+            <a:schemeClr val="accent1"/>
+          </a:effectRef>
+          <a:fontRef idx="minor">
+            <a:schemeClr val="lt1"/>
+          </a:fontRef>
+        </p:style>
+        <p:txBody>
+          <a:bodyPr rtlCol="0" anchor="ctr"/>
+          <a:lstStyle/>
+          <a:p>
+            <a:pPr algn="ctr"/>
+            <a:endParaRPr lang="zh-CN" altLang="en-US"/>
+          </a:p>
+        </p:txBody>
+      </p:sp>
+      <p:sp>
+        <p:nvSpPr>
+          <p:cNvPr id="39" name="矩形 38"/>
+          <p:cNvSpPr/>
+          <p:nvPr/>
+        </p:nvSpPr>
+        <p:spPr>
+          <a:xfrm>
+            <a:off x="4392713" y="3784009"/>
+            <a:ext cx="134470" cy="79779"/>
+          </a:xfrm>
+          <a:prstGeom prst="rect">
+            <a:avLst/>
+          </a:prstGeom>
+          <a:solidFill>
+            <a:schemeClr val="accent2"/>
+          </a:solidFill>
+        </p:spPr>
+        <p:style>
+          <a:lnRef idx="2">
+            <a:schemeClr val="accent1">
+              <a:shade val="50000"/>
+            </a:schemeClr>
+          </a:lnRef>
+          <a:fillRef idx="1">
+            <a:schemeClr val="accent1"/>
+          </a:fillRef>
+          <a:effectRef idx="0">
+            <a:schemeClr val="accent1"/>
+          </a:effectRef>
+          <a:fontRef idx="minor">
+            <a:schemeClr val="lt1"/>
+          </a:fontRef>
+        </p:style>
+        <p:txBody>
+          <a:bodyPr rtlCol="0" anchor="ctr"/>
+          <a:lstStyle/>
+          <a:p>
+            <a:pPr algn="ctr"/>
+            <a:endParaRPr lang="zh-CN" altLang="en-US"/>
+          </a:p>
+        </p:txBody>
+      </p:sp>
+      <p:sp>
+        <p:nvSpPr>
+          <p:cNvPr id="40" name="矩形 39"/>
+          <p:cNvSpPr/>
+          <p:nvPr/>
+        </p:nvSpPr>
+        <p:spPr>
+          <a:xfrm>
+            <a:off x="5961446" y="3784009"/>
+            <a:ext cx="134470" cy="79779"/>
+          </a:xfrm>
+          <a:prstGeom prst="rect">
+            <a:avLst/>
+          </a:prstGeom>
+          <a:solidFill>
+            <a:schemeClr val="accent2"/>
+          </a:solidFill>
+        </p:spPr>
+        <p:style>
+          <a:lnRef idx="2">
+            <a:schemeClr val="accent1">
+              <a:shade val="50000"/>
+            </a:schemeClr>
+          </a:lnRef>
+          <a:fillRef idx="1">
+            <a:schemeClr val="accent1"/>
+          </a:fillRef>
+          <a:effectRef idx="0">
+            <a:schemeClr val="accent1"/>
+          </a:effectRef>
+          <a:fontRef idx="minor">
+            <a:schemeClr val="lt1"/>
+          </a:fontRef>
+        </p:style>
+        <p:txBody>
+          <a:bodyPr rtlCol="0" anchor="ctr"/>
+          <a:lstStyle/>
+          <a:p>
+            <a:pPr algn="ctr"/>
+            <a:endParaRPr lang="zh-CN" altLang="en-US"/>
+          </a:p>
+        </p:txBody>
+      </p:sp>
+      <p:sp>
+        <p:nvSpPr>
+          <p:cNvPr id="41" name="矩形 40"/>
+          <p:cNvSpPr/>
+          <p:nvPr/>
+        </p:nvSpPr>
+        <p:spPr>
+          <a:xfrm>
+            <a:off x="5547165" y="3781783"/>
+            <a:ext cx="134470" cy="79779"/>
+          </a:xfrm>
+          <a:prstGeom prst="rect">
+            <a:avLst/>
+          </a:prstGeom>
+          <a:solidFill>
+            <a:schemeClr val="accent2"/>
+          </a:solidFill>
+        </p:spPr>
+        <p:style>
+          <a:lnRef idx="2">
+            <a:schemeClr val="accent1">
+              <a:shade val="50000"/>
+            </a:schemeClr>
+          </a:lnRef>
+          <a:fillRef idx="1">
+            <a:schemeClr val="accent1"/>
+          </a:fillRef>
+          <a:effectRef idx="0">
+            <a:schemeClr val="accent1"/>
+          </a:effectRef>
+          <a:fontRef idx="minor">
+            <a:schemeClr val="lt1"/>
+          </a:fontRef>
+        </p:style>
+        <p:txBody>
+          <a:bodyPr rtlCol="0" anchor="ctr"/>
+          <a:lstStyle/>
+          <a:p>
+            <a:pPr algn="ctr"/>
+            <a:endParaRPr lang="zh-CN" altLang="en-US"/>
+          </a:p>
+        </p:txBody>
+      </p:sp>
+      <p:sp>
+        <p:nvSpPr>
+          <p:cNvPr id="42" name="矩形 41"/>
+          <p:cNvSpPr/>
+          <p:nvPr/>
+        </p:nvSpPr>
+        <p:spPr>
+          <a:xfrm>
+            <a:off x="5199357" y="3781784"/>
+            <a:ext cx="134470" cy="79779"/>
+          </a:xfrm>
+          <a:prstGeom prst="rect">
+            <a:avLst/>
+          </a:prstGeom>
+          <a:solidFill>
+            <a:schemeClr val="accent2"/>
+          </a:solidFill>
+        </p:spPr>
+        <p:style>
+          <a:lnRef idx="2">
+            <a:schemeClr val="accent1">
+              <a:shade val="50000"/>
+            </a:schemeClr>
+          </a:lnRef>
+          <a:fillRef idx="1">
+            <a:schemeClr val="accent1"/>
+          </a:fillRef>
+          <a:effectRef idx="0">
+            <a:schemeClr val="accent1"/>
+          </a:effectRef>
+          <a:fontRef idx="minor">
+            <a:schemeClr val="lt1"/>
+          </a:fontRef>
+        </p:style>
+        <p:txBody>
+          <a:bodyPr rtlCol="0" anchor="ctr"/>
+          <a:lstStyle/>
+          <a:p>
+            <a:pPr algn="ctr"/>
+            <a:endParaRPr lang="zh-CN" altLang="en-US"/>
+          </a:p>
+        </p:txBody>
+      </p:sp>
+      <p:sp>
+        <p:nvSpPr>
+          <p:cNvPr id="43" name="矩形 42"/>
+          <p:cNvSpPr/>
+          <p:nvPr/>
+        </p:nvSpPr>
+        <p:spPr>
+          <a:xfrm>
+            <a:off x="4778195" y="3781785"/>
+            <a:ext cx="134470" cy="79779"/>
+          </a:xfrm>
+          <a:prstGeom prst="rect">
+            <a:avLst/>
+          </a:prstGeom>
+          <a:solidFill>
+            <a:schemeClr val="accent2"/>
+          </a:solidFill>
+        </p:spPr>
+        <p:style>
+          <a:lnRef idx="2">
+            <a:schemeClr val="accent1">
+              <a:shade val="50000"/>
+            </a:schemeClr>
+          </a:lnRef>
+          <a:fillRef idx="1">
+            <a:schemeClr val="accent1"/>
+          </a:fillRef>
+          <a:effectRef idx="0">
+            <a:schemeClr val="accent1"/>
+          </a:effectRef>
+          <a:fontRef idx="minor">
+            <a:schemeClr val="lt1"/>
+          </a:fontRef>
+        </p:style>
+        <p:txBody>
+          <a:bodyPr rtlCol="0" anchor="ctr"/>
+          <a:lstStyle/>
+          <a:p>
+            <a:pPr algn="ctr"/>
+            <a:endParaRPr lang="zh-CN" altLang="en-US"/>
+          </a:p>
+        </p:txBody>
+      </p:sp>
+      <p:sp>
+        <p:nvSpPr>
+          <p:cNvPr id="44" name="矩形 43"/>
+          <p:cNvSpPr/>
+          <p:nvPr/>
+        </p:nvSpPr>
+        <p:spPr>
+          <a:xfrm>
+            <a:off x="4387589" y="4024741"/>
+            <a:ext cx="134470" cy="79779"/>
+          </a:xfrm>
+          <a:prstGeom prst="rect">
+            <a:avLst/>
+          </a:prstGeom>
+          <a:solidFill>
+            <a:schemeClr val="accent2"/>
+          </a:solidFill>
+        </p:spPr>
+        <p:style>
+          <a:lnRef idx="2">
+            <a:schemeClr val="accent1">
+              <a:shade val="50000"/>
+            </a:schemeClr>
+          </a:lnRef>
+          <a:fillRef idx="1">
+            <a:schemeClr val="accent1"/>
+          </a:fillRef>
+          <a:effectRef idx="0">
+            <a:schemeClr val="accent1"/>
+          </a:effectRef>
+          <a:fontRef idx="minor">
+            <a:schemeClr val="lt1"/>
+          </a:fontRef>
+        </p:style>
+        <p:txBody>
+          <a:bodyPr rtlCol="0" anchor="ctr"/>
+          <a:lstStyle/>
+          <a:p>
+            <a:pPr algn="ctr"/>
+            <a:endParaRPr lang="zh-CN" altLang="en-US"/>
+          </a:p>
+        </p:txBody>
+      </p:sp>
+      <p:sp>
+        <p:nvSpPr>
+          <p:cNvPr id="45" name="矩形 44"/>
+          <p:cNvSpPr/>
+          <p:nvPr/>
+        </p:nvSpPr>
+        <p:spPr>
+          <a:xfrm>
+            <a:off x="4784276" y="4022055"/>
+            <a:ext cx="134470" cy="79779"/>
+          </a:xfrm>
+          <a:prstGeom prst="rect">
+            <a:avLst/>
+          </a:prstGeom>
+          <a:solidFill>
+            <a:schemeClr val="accent2"/>
+          </a:solidFill>
+        </p:spPr>
+        <p:style>
+          <a:lnRef idx="2">
+            <a:schemeClr val="accent1">
+              <a:shade val="50000"/>
+            </a:schemeClr>
+          </a:lnRef>
+          <a:fillRef idx="1">
+            <a:schemeClr val="accent1"/>
+          </a:fillRef>
+          <a:effectRef idx="0">
+            <a:schemeClr val="accent1"/>
+          </a:effectRef>
+          <a:fontRef idx="minor">
+            <a:schemeClr val="lt1"/>
+          </a:fontRef>
+        </p:style>
+        <p:txBody>
+          <a:bodyPr rtlCol="0" anchor="ctr"/>
+          <a:lstStyle/>
+          <a:p>
+            <a:pPr algn="ctr"/>
+            <a:endParaRPr lang="zh-CN" altLang="en-US"/>
+          </a:p>
+        </p:txBody>
+      </p:sp>
+      <p:sp>
+        <p:nvSpPr>
+          <p:cNvPr id="46" name="矩形 45"/>
+          <p:cNvSpPr/>
+          <p:nvPr/>
+        </p:nvSpPr>
+        <p:spPr>
+          <a:xfrm>
+            <a:off x="5199357" y="4024741"/>
+            <a:ext cx="134470" cy="79779"/>
+          </a:xfrm>
+          <a:prstGeom prst="rect">
+            <a:avLst/>
+          </a:prstGeom>
+          <a:solidFill>
+            <a:schemeClr val="accent2"/>
+          </a:solidFill>
+        </p:spPr>
+        <p:style>
+          <a:lnRef idx="2">
+            <a:schemeClr val="accent1">
+              <a:shade val="50000"/>
+            </a:schemeClr>
+          </a:lnRef>
+          <a:fillRef idx="1">
+            <a:schemeClr val="accent1"/>
+          </a:fillRef>
+          <a:effectRef idx="0">
+            <a:schemeClr val="accent1"/>
+          </a:effectRef>
+          <a:fontRef idx="minor">
+            <a:schemeClr val="lt1"/>
+          </a:fontRef>
+        </p:style>
+        <p:txBody>
+          <a:bodyPr rtlCol="0" anchor="ctr"/>
+          <a:lstStyle/>
+          <a:p>
+            <a:pPr algn="ctr"/>
+            <a:endParaRPr lang="zh-CN" altLang="en-US"/>
+          </a:p>
+        </p:txBody>
+      </p:sp>
+      <p:sp>
+        <p:nvSpPr>
+          <p:cNvPr id="47" name="矩形 46"/>
+          <p:cNvSpPr/>
+          <p:nvPr/>
+        </p:nvSpPr>
+        <p:spPr>
+          <a:xfrm>
+            <a:off x="5547165" y="4025201"/>
+            <a:ext cx="134470" cy="79779"/>
+          </a:xfrm>
+          <a:prstGeom prst="rect">
+            <a:avLst/>
+          </a:prstGeom>
+          <a:solidFill>
+            <a:schemeClr val="accent2"/>
+          </a:solidFill>
+        </p:spPr>
+        <p:style>
+          <a:lnRef idx="2">
+            <a:schemeClr val="accent1">
+              <a:shade val="50000"/>
+            </a:schemeClr>
+          </a:lnRef>
+          <a:fillRef idx="1">
+            <a:schemeClr val="accent1"/>
+          </a:fillRef>
+          <a:effectRef idx="0">
+            <a:schemeClr val="accent1"/>
+          </a:effectRef>
+          <a:fontRef idx="minor">
+            <a:schemeClr val="lt1"/>
+          </a:fontRef>
+        </p:style>
+        <p:txBody>
+          <a:bodyPr rtlCol="0" anchor="ctr"/>
+          <a:lstStyle/>
+          <a:p>
+            <a:pPr algn="ctr"/>
+            <a:endParaRPr lang="zh-CN" altLang="en-US"/>
+          </a:p>
+        </p:txBody>
+      </p:sp>
+      <p:sp>
+        <p:nvSpPr>
+          <p:cNvPr id="48" name="矩形 47"/>
+          <p:cNvSpPr/>
+          <p:nvPr/>
+        </p:nvSpPr>
+        <p:spPr>
+          <a:xfrm>
+            <a:off x="5965838" y="4018898"/>
+            <a:ext cx="134470" cy="79779"/>
+          </a:xfrm>
+          <a:prstGeom prst="rect">
+            <a:avLst/>
+          </a:prstGeom>
+          <a:solidFill>
+            <a:schemeClr val="accent2"/>
+          </a:solidFill>
+        </p:spPr>
+        <p:style>
+          <a:lnRef idx="2">
+            <a:schemeClr val="accent1">
+              <a:shade val="50000"/>
+            </a:schemeClr>
+          </a:lnRef>
+          <a:fillRef idx="1">
+            <a:schemeClr val="accent1"/>
+          </a:fillRef>
+          <a:effectRef idx="0">
+            <a:schemeClr val="accent1"/>
+          </a:effectRef>
+          <a:fontRef idx="minor">
+            <a:schemeClr val="lt1"/>
+          </a:fontRef>
+        </p:style>
+        <p:txBody>
+          <a:bodyPr rtlCol="0" anchor="ctr"/>
+          <a:lstStyle/>
+          <a:p>
+            <a:pPr algn="ctr"/>
+            <a:endParaRPr lang="zh-CN" altLang="en-US"/>
+          </a:p>
+        </p:txBody>
+      </p:sp>
+      <p:sp>
+        <p:nvSpPr>
+          <p:cNvPr id="49" name="文本框 48"/>
+          <p:cNvSpPr txBox="1"/>
+          <p:nvPr/>
+        </p:nvSpPr>
+        <p:spPr>
+          <a:xfrm>
+            <a:off x="4312062" y="3187735"/>
+            <a:ext cx="654346" cy="261610"/>
+          </a:xfrm>
+          <a:prstGeom prst="rect">
+            <a:avLst/>
+          </a:prstGeom>
+          <a:noFill/>
+        </p:spPr>
+        <p:txBody>
+          <a:bodyPr wrap="none" rtlCol="0">
+            <a:spAutoFit/>
+          </a:bodyPr>
+          <a:lstStyle/>
+          <a:p>
+            <a:r>
+              <a:rPr lang="en-US" altLang="zh-CN" sz="1100" smtClean="0"/>
+              <a:t>channel</a:t>
+            </a:r>
+            <a:endParaRPr lang="zh-CN" altLang="en-US" sz="1100"/>
+          </a:p>
+        </p:txBody>
+      </p:sp>
+      <p:cxnSp>
+        <p:nvCxnSpPr>
+          <p:cNvPr id="51" name="直接箭头连接符 50"/>
+          <p:cNvCxnSpPr/>
+          <p:nvPr/>
+        </p:nvCxnSpPr>
+        <p:spPr>
+          <a:xfrm flipH="1">
+            <a:off x="4016930" y="3433052"/>
+            <a:ext cx="447836" cy="350957"/>
+          </a:xfrm>
+          <a:prstGeom prst="straightConnector1">
+            <a:avLst/>
+          </a:prstGeom>
+          <a:ln>
+            <a:tailEnd type="triangle"/>
+          </a:ln>
+        </p:spPr>
+        <p:style>
+          <a:lnRef idx="1">
+            <a:schemeClr val="accent1"/>
+          </a:lnRef>
+          <a:fillRef idx="0">
+            <a:schemeClr val="accent1"/>
+          </a:fillRef>
+          <a:effectRef idx="0">
+            <a:schemeClr val="accent1"/>
+          </a:effectRef>
+          <a:fontRef idx="minor">
+            <a:schemeClr val="tx1"/>
+          </a:fontRef>
+        </p:style>
+      </p:cxnSp>
+      <p:sp>
+        <p:nvSpPr>
+          <p:cNvPr id="53" name="文本框 52"/>
+          <p:cNvSpPr txBox="1"/>
+          <p:nvPr/>
+        </p:nvSpPr>
+        <p:spPr>
+          <a:xfrm>
+            <a:off x="5372902" y="3332399"/>
+            <a:ext cx="545342" cy="261610"/>
+          </a:xfrm>
+          <a:prstGeom prst="rect">
+            <a:avLst/>
+          </a:prstGeom>
+          <a:noFill/>
+        </p:spPr>
+        <p:txBody>
+          <a:bodyPr wrap="none" rtlCol="0">
+            <a:spAutoFit/>
+          </a:bodyPr>
+          <a:lstStyle/>
+          <a:p>
+            <a:r>
+              <a:rPr lang="en-US" altLang="zh-CN" sz="1100" smtClean="0"/>
+              <a:t>buffer</a:t>
+            </a:r>
+            <a:endParaRPr lang="zh-CN" altLang="en-US" sz="1100"/>
+          </a:p>
+        </p:txBody>
+      </p:sp>
+      <p:cxnSp>
+        <p:nvCxnSpPr>
+          <p:cNvPr id="55" name="直接箭头连接符 54"/>
+          <p:cNvCxnSpPr>
+            <a:endCxn id="40" idx="0"/>
+          </p:cNvCxnSpPr>
+          <p:nvPr/>
+        </p:nvCxnSpPr>
+        <p:spPr>
+          <a:xfrm>
+            <a:off x="5779500" y="3543847"/>
+            <a:ext cx="249181" cy="240162"/>
+          </a:xfrm>
+          <a:prstGeom prst="straightConnector1">
+            <a:avLst/>
+          </a:prstGeom>
+          <a:ln>
+            <a:tailEnd type="triangle"/>
+          </a:ln>
+        </p:spPr>
+        <p:style>
+          <a:lnRef idx="1">
+            <a:schemeClr val="accent1"/>
+          </a:lnRef>
+          <a:fillRef idx="0">
+            <a:schemeClr val="accent1"/>
+          </a:fillRef>
+          <a:effectRef idx="0">
+            <a:schemeClr val="accent1"/>
+          </a:effectRef>
+          <a:fontRef idx="minor">
+            <a:schemeClr val="tx1"/>
+          </a:fontRef>
+        </p:style>
+      </p:cxnSp>
+      <p:cxnSp>
+        <p:nvCxnSpPr>
+          <p:cNvPr id="59" name="直接箭头连接符 58"/>
+          <p:cNvCxnSpPr>
+            <a:endCxn id="41" idx="0"/>
+          </p:cNvCxnSpPr>
+          <p:nvPr/>
+        </p:nvCxnSpPr>
+        <p:spPr>
+          <a:xfrm flipH="1">
+            <a:off x="5614400" y="3541441"/>
+            <a:ext cx="174469" cy="240342"/>
+          </a:xfrm>
+          <a:prstGeom prst="straightConnector1">
+            <a:avLst/>
+          </a:prstGeom>
+          <a:ln>
+            <a:tailEnd type="triangle"/>
+          </a:ln>
+        </p:spPr>
+        <p:style>
+          <a:lnRef idx="1">
+            <a:schemeClr val="accent1"/>
+          </a:lnRef>
+          <a:fillRef idx="0">
+            <a:schemeClr val="accent1"/>
+          </a:fillRef>
+          <a:effectRef idx="0">
+            <a:schemeClr val="accent1"/>
+          </a:effectRef>
+          <a:fontRef idx="minor">
+            <a:schemeClr val="tx1"/>
+          </a:fontRef>
+        </p:style>
+      </p:cxnSp>
+      <p:sp>
+        <p:nvSpPr>
+          <p:cNvPr id="60" name="圆角矩形 59"/>
+          <p:cNvSpPr/>
+          <p:nvPr/>
+        </p:nvSpPr>
+        <p:spPr>
+          <a:xfrm>
+            <a:off x="3818613" y="4332593"/>
+            <a:ext cx="2895958" cy="317825"/>
+          </a:xfrm>
+          <a:prstGeom prst="roundRect">
+            <a:avLst/>
+          </a:prstGeom>
+        </p:spPr>
+        <p:style>
+          <a:lnRef idx="2">
+            <a:schemeClr val="accent1">
+              <a:shade val="50000"/>
+            </a:schemeClr>
+          </a:lnRef>
+          <a:fillRef idx="1">
+            <a:schemeClr val="accent1"/>
+          </a:fillRef>
+          <a:effectRef idx="0">
+            <a:schemeClr val="accent1"/>
+          </a:effectRef>
+          <a:fontRef idx="minor">
+            <a:schemeClr val="lt1"/>
+          </a:fontRef>
+        </p:style>
+        <p:txBody>
+          <a:bodyPr rtlCol="0" anchor="ctr"/>
+          <a:lstStyle/>
+          <a:p>
+            <a:pPr algn="ctr"/>
+            <a:endParaRPr lang="zh-CN" altLang="en-US"/>
+          </a:p>
+        </p:txBody>
+      </p:sp>
+      <p:sp>
+        <p:nvSpPr>
+          <p:cNvPr id="61" name="矩形 60"/>
+          <p:cNvSpPr/>
+          <p:nvPr/>
+        </p:nvSpPr>
+        <p:spPr>
+          <a:xfrm>
+            <a:off x="4392713" y="4332593"/>
+            <a:ext cx="134470" cy="79779"/>
+          </a:xfrm>
+          <a:prstGeom prst="rect">
+            <a:avLst/>
+          </a:prstGeom>
+          <a:solidFill>
+            <a:schemeClr val="accent2"/>
+          </a:solidFill>
+        </p:spPr>
+        <p:style>
+          <a:lnRef idx="2">
+            <a:schemeClr val="accent1">
+              <a:shade val="50000"/>
+            </a:schemeClr>
+          </a:lnRef>
+          <a:fillRef idx="1">
+            <a:schemeClr val="accent1"/>
+          </a:fillRef>
+          <a:effectRef idx="0">
+            <a:schemeClr val="accent1"/>
+          </a:effectRef>
+          <a:fontRef idx="minor">
+            <a:schemeClr val="lt1"/>
+          </a:fontRef>
+        </p:style>
+        <p:txBody>
+          <a:bodyPr rtlCol="0" anchor="ctr"/>
+          <a:lstStyle/>
+          <a:p>
+            <a:pPr algn="ctr"/>
+            <a:endParaRPr lang="zh-CN" altLang="en-US"/>
+          </a:p>
+        </p:txBody>
+      </p:sp>
+      <p:sp>
+        <p:nvSpPr>
+          <p:cNvPr id="62" name="矩形 61"/>
+          <p:cNvSpPr/>
+          <p:nvPr/>
+        </p:nvSpPr>
+        <p:spPr>
+          <a:xfrm>
+            <a:off x="5961446" y="4332593"/>
+            <a:ext cx="134470" cy="79779"/>
+          </a:xfrm>
+          <a:prstGeom prst="rect">
+            <a:avLst/>
+          </a:prstGeom>
+          <a:solidFill>
+            <a:schemeClr val="accent2"/>
+          </a:solidFill>
+        </p:spPr>
+        <p:style>
+          <a:lnRef idx="2">
+            <a:schemeClr val="accent1">
+              <a:shade val="50000"/>
+            </a:schemeClr>
+          </a:lnRef>
+          <a:fillRef idx="1">
+            <a:schemeClr val="accent1"/>
+          </a:fillRef>
+          <a:effectRef idx="0">
+            <a:schemeClr val="accent1"/>
+          </a:effectRef>
+          <a:fontRef idx="minor">
+            <a:schemeClr val="lt1"/>
+          </a:fontRef>
+        </p:style>
+        <p:txBody>
+          <a:bodyPr rtlCol="0" anchor="ctr"/>
+          <a:lstStyle/>
+          <a:p>
+            <a:pPr algn="ctr"/>
+            <a:endParaRPr lang="zh-CN" altLang="en-US"/>
+          </a:p>
+        </p:txBody>
+      </p:sp>
+      <p:sp>
+        <p:nvSpPr>
+          <p:cNvPr id="63" name="矩形 62"/>
+          <p:cNvSpPr/>
+          <p:nvPr/>
+        </p:nvSpPr>
+        <p:spPr>
+          <a:xfrm>
+            <a:off x="5547165" y="4330367"/>
+            <a:ext cx="134470" cy="79779"/>
+          </a:xfrm>
+          <a:prstGeom prst="rect">
+            <a:avLst/>
+          </a:prstGeom>
+          <a:solidFill>
+            <a:schemeClr val="accent2"/>
+          </a:solidFill>
+        </p:spPr>
+        <p:style>
+          <a:lnRef idx="2">
+            <a:schemeClr val="accent1">
+              <a:shade val="50000"/>
+            </a:schemeClr>
+          </a:lnRef>
+          <a:fillRef idx="1">
+            <a:schemeClr val="accent1"/>
+          </a:fillRef>
+          <a:effectRef idx="0">
+            <a:schemeClr val="accent1"/>
+          </a:effectRef>
+          <a:fontRef idx="minor">
+            <a:schemeClr val="lt1"/>
+          </a:fontRef>
+        </p:style>
+        <p:txBody>
+          <a:bodyPr rtlCol="0" anchor="ctr"/>
+          <a:lstStyle/>
+          <a:p>
+            <a:pPr algn="ctr"/>
+            <a:endParaRPr lang="zh-CN" altLang="en-US"/>
+          </a:p>
+        </p:txBody>
+      </p:sp>
+      <p:sp>
+        <p:nvSpPr>
+          <p:cNvPr id="64" name="矩形 63"/>
+          <p:cNvSpPr/>
+          <p:nvPr/>
+        </p:nvSpPr>
+        <p:spPr>
+          <a:xfrm>
+            <a:off x="5199357" y="4330368"/>
+            <a:ext cx="134470" cy="79779"/>
+          </a:xfrm>
+          <a:prstGeom prst="rect">
+            <a:avLst/>
+          </a:prstGeom>
+          <a:solidFill>
+            <a:schemeClr val="accent2"/>
+          </a:solidFill>
+        </p:spPr>
+        <p:style>
+          <a:lnRef idx="2">
+            <a:schemeClr val="accent1">
+              <a:shade val="50000"/>
+            </a:schemeClr>
+          </a:lnRef>
+          <a:fillRef idx="1">
+            <a:schemeClr val="accent1"/>
+          </a:fillRef>
+          <a:effectRef idx="0">
+            <a:schemeClr val="accent1"/>
+          </a:effectRef>
+          <a:fontRef idx="minor">
+            <a:schemeClr val="lt1"/>
+          </a:fontRef>
+        </p:style>
+        <p:txBody>
+          <a:bodyPr rtlCol="0" anchor="ctr"/>
+          <a:lstStyle/>
+          <a:p>
+            <a:pPr algn="ctr"/>
+            <a:endParaRPr lang="zh-CN" altLang="en-US"/>
+          </a:p>
+        </p:txBody>
+      </p:sp>
+      <p:sp>
+        <p:nvSpPr>
+          <p:cNvPr id="65" name="矩形 64"/>
+          <p:cNvSpPr/>
+          <p:nvPr/>
+        </p:nvSpPr>
+        <p:spPr>
+          <a:xfrm>
+            <a:off x="4778195" y="4330369"/>
+            <a:ext cx="134470" cy="79779"/>
+          </a:xfrm>
+          <a:prstGeom prst="rect">
+            <a:avLst/>
+          </a:prstGeom>
+          <a:solidFill>
+            <a:schemeClr val="accent2"/>
+          </a:solidFill>
+        </p:spPr>
+        <p:style>
+          <a:lnRef idx="2">
+            <a:schemeClr val="accent1">
+              <a:shade val="50000"/>
+            </a:schemeClr>
+          </a:lnRef>
+          <a:fillRef idx="1">
+            <a:schemeClr val="accent1"/>
+          </a:fillRef>
+          <a:effectRef idx="0">
+            <a:schemeClr val="accent1"/>
+          </a:effectRef>
+          <a:fontRef idx="minor">
+            <a:schemeClr val="lt1"/>
+          </a:fontRef>
+        </p:style>
+        <p:txBody>
+          <a:bodyPr rtlCol="0" anchor="ctr"/>
+          <a:lstStyle/>
+          <a:p>
+            <a:pPr algn="ctr"/>
+            <a:endParaRPr lang="zh-CN" altLang="en-US"/>
+          </a:p>
+        </p:txBody>
+      </p:sp>
+      <p:sp>
+        <p:nvSpPr>
+          <p:cNvPr id="66" name="矩形 65"/>
+          <p:cNvSpPr/>
+          <p:nvPr/>
+        </p:nvSpPr>
+        <p:spPr>
+          <a:xfrm>
+            <a:off x="4387589" y="4573325"/>
+            <a:ext cx="134470" cy="79779"/>
+          </a:xfrm>
+          <a:prstGeom prst="rect">
+            <a:avLst/>
+          </a:prstGeom>
+          <a:solidFill>
+            <a:schemeClr val="accent2"/>
+          </a:solidFill>
+        </p:spPr>
+        <p:style>
+          <a:lnRef idx="2">
+            <a:schemeClr val="accent1">
+              <a:shade val="50000"/>
+            </a:schemeClr>
+          </a:lnRef>
+          <a:fillRef idx="1">
+            <a:schemeClr val="accent1"/>
+          </a:fillRef>
+          <a:effectRef idx="0">
+            <a:schemeClr val="accent1"/>
+          </a:effectRef>
+          <a:fontRef idx="minor">
+            <a:schemeClr val="lt1"/>
+          </a:fontRef>
+        </p:style>
+        <p:txBody>
+          <a:bodyPr rtlCol="0" anchor="ctr"/>
+          <a:lstStyle/>
+          <a:p>
+            <a:pPr algn="ctr"/>
+            <a:endParaRPr lang="zh-CN" altLang="en-US"/>
+          </a:p>
+        </p:txBody>
+      </p:sp>
+      <p:sp>
+        <p:nvSpPr>
+          <p:cNvPr id="67" name="矩形 66"/>
+          <p:cNvSpPr/>
+          <p:nvPr/>
+        </p:nvSpPr>
+        <p:spPr>
+          <a:xfrm>
+            <a:off x="4784276" y="4570639"/>
+            <a:ext cx="134470" cy="79779"/>
+          </a:xfrm>
+          <a:prstGeom prst="rect">
+            <a:avLst/>
+          </a:prstGeom>
+          <a:solidFill>
+            <a:schemeClr val="accent2"/>
+          </a:solidFill>
+        </p:spPr>
+        <p:style>
+          <a:lnRef idx="2">
+            <a:schemeClr val="accent1">
+              <a:shade val="50000"/>
+            </a:schemeClr>
+          </a:lnRef>
+          <a:fillRef idx="1">
+            <a:schemeClr val="accent1"/>
+          </a:fillRef>
+          <a:effectRef idx="0">
+            <a:schemeClr val="accent1"/>
+          </a:effectRef>
+          <a:fontRef idx="minor">
+            <a:schemeClr val="lt1"/>
+          </a:fontRef>
+        </p:style>
+        <p:txBody>
+          <a:bodyPr rtlCol="0" anchor="ctr"/>
+          <a:lstStyle/>
+          <a:p>
+            <a:pPr algn="ctr"/>
+            <a:endParaRPr lang="zh-CN" altLang="en-US"/>
+          </a:p>
+        </p:txBody>
+      </p:sp>
+      <p:sp>
+        <p:nvSpPr>
+          <p:cNvPr id="68" name="矩形 67"/>
+          <p:cNvSpPr/>
+          <p:nvPr/>
+        </p:nvSpPr>
+        <p:spPr>
+          <a:xfrm>
+            <a:off x="5199357" y="4573325"/>
+            <a:ext cx="134470" cy="79779"/>
+          </a:xfrm>
+          <a:prstGeom prst="rect">
+            <a:avLst/>
+          </a:prstGeom>
+          <a:solidFill>
+            <a:schemeClr val="accent2"/>
+          </a:solidFill>
+        </p:spPr>
+        <p:style>
+          <a:lnRef idx="2">
+            <a:schemeClr val="accent1">
+              <a:shade val="50000"/>
+            </a:schemeClr>
+          </a:lnRef>
+          <a:fillRef idx="1">
+            <a:schemeClr val="accent1"/>
+          </a:fillRef>
+          <a:effectRef idx="0">
+            <a:schemeClr val="accent1"/>
+          </a:effectRef>
+          <a:fontRef idx="minor">
+            <a:schemeClr val="lt1"/>
+          </a:fontRef>
+        </p:style>
+        <p:txBody>
+          <a:bodyPr rtlCol="0" anchor="ctr"/>
+          <a:lstStyle/>
+          <a:p>
+            <a:pPr algn="ctr"/>
+            <a:endParaRPr lang="zh-CN" altLang="en-US"/>
+          </a:p>
+        </p:txBody>
+      </p:sp>
+      <p:sp>
+        <p:nvSpPr>
+          <p:cNvPr id="69" name="矩形 68"/>
+          <p:cNvSpPr/>
+          <p:nvPr/>
+        </p:nvSpPr>
+        <p:spPr>
+          <a:xfrm>
+            <a:off x="5547165" y="4573785"/>
+            <a:ext cx="134470" cy="79779"/>
+          </a:xfrm>
+          <a:prstGeom prst="rect">
+            <a:avLst/>
+          </a:prstGeom>
+          <a:solidFill>
+            <a:schemeClr val="accent2"/>
+          </a:solidFill>
+        </p:spPr>
+        <p:style>
+          <a:lnRef idx="2">
+            <a:schemeClr val="accent1">
+              <a:shade val="50000"/>
+            </a:schemeClr>
+          </a:lnRef>
+          <a:fillRef idx="1">
+            <a:schemeClr val="accent1"/>
+          </a:fillRef>
+          <a:effectRef idx="0">
+            <a:schemeClr val="accent1"/>
+          </a:effectRef>
+          <a:fontRef idx="minor">
+            <a:schemeClr val="lt1"/>
+          </a:fontRef>
+        </p:style>
+        <p:txBody>
+          <a:bodyPr rtlCol="0" anchor="ctr"/>
+          <a:lstStyle/>
+          <a:p>
+            <a:pPr algn="ctr"/>
+            <a:endParaRPr lang="zh-CN" altLang="en-US"/>
+          </a:p>
+        </p:txBody>
+      </p:sp>
+      <p:sp>
+        <p:nvSpPr>
+          <p:cNvPr id="70" name="矩形 69"/>
+          <p:cNvSpPr/>
+          <p:nvPr/>
+        </p:nvSpPr>
+        <p:spPr>
+          <a:xfrm>
+            <a:off x="5965838" y="4567482"/>
+            <a:ext cx="134470" cy="79779"/>
+          </a:xfrm>
+          <a:prstGeom prst="rect">
+            <a:avLst/>
+          </a:prstGeom>
+          <a:solidFill>
+            <a:schemeClr val="accent2"/>
+          </a:solidFill>
+        </p:spPr>
+        <p:style>
+          <a:lnRef idx="2">
+            <a:schemeClr val="accent1">
+              <a:shade val="50000"/>
+            </a:schemeClr>
+          </a:lnRef>
+          <a:fillRef idx="1">
+            <a:schemeClr val="accent1"/>
+          </a:fillRef>
+          <a:effectRef idx="0">
+            <a:schemeClr val="accent1"/>
+          </a:effectRef>
+          <a:fontRef idx="minor">
+            <a:schemeClr val="lt1"/>
+          </a:fontRef>
+        </p:style>
+        <p:txBody>
+          <a:bodyPr rtlCol="0" anchor="ctr"/>
+          <a:lstStyle/>
+          <a:p>
+            <a:pPr algn="ctr"/>
+            <a:endParaRPr lang="zh-CN" altLang="en-US"/>
+          </a:p>
+        </p:txBody>
+      </p:sp>
+      <p:sp>
+        <p:nvSpPr>
+          <p:cNvPr id="71" name="矩形 70"/>
+          <p:cNvSpPr/>
+          <p:nvPr/>
+        </p:nvSpPr>
+        <p:spPr>
+          <a:xfrm>
+            <a:off x="4779348" y="5055325"/>
+            <a:ext cx="1117908" cy="502024"/>
+          </a:xfrm>
+          <a:prstGeom prst="rect">
+            <a:avLst/>
+          </a:prstGeom>
+        </p:spPr>
+        <p:style>
+          <a:lnRef idx="2">
+            <a:schemeClr val="accent1">
+              <a:shade val="50000"/>
+            </a:schemeClr>
+          </a:lnRef>
+          <a:fillRef idx="1">
+            <a:schemeClr val="accent1"/>
+          </a:fillRef>
+          <a:effectRef idx="0">
+            <a:schemeClr val="accent1"/>
+          </a:effectRef>
+          <a:fontRef idx="minor">
+            <a:schemeClr val="lt1"/>
+          </a:fontRef>
+        </p:style>
+        <p:txBody>
+          <a:bodyPr rtlCol="0" anchor="ctr"/>
+          <a:lstStyle/>
+          <a:p>
+            <a:pPr algn="ctr"/>
+            <a:r>
+              <a:rPr lang="en-US" altLang="zh-CN" smtClean="0"/>
+              <a:t>Selector</a:t>
+            </a:r>
+            <a:endParaRPr lang="zh-CN" altLang="en-US"/>
+          </a:p>
+        </p:txBody>
+      </p:sp>
+      <p:cxnSp>
+        <p:nvCxnSpPr>
+          <p:cNvPr id="73" name="直接箭头连接符 72"/>
+          <p:cNvCxnSpPr/>
+          <p:nvPr/>
+        </p:nvCxnSpPr>
+        <p:spPr>
+          <a:xfrm flipV="1">
+            <a:off x="5047136" y="4104980"/>
+            <a:ext cx="8965" cy="950345"/>
+          </a:xfrm>
+          <a:prstGeom prst="straightConnector1">
+            <a:avLst/>
+          </a:prstGeom>
+          <a:ln>
+            <a:tailEnd type="triangle"/>
+          </a:ln>
+        </p:spPr>
+        <p:style>
+          <a:lnRef idx="1">
+            <a:schemeClr val="accent1"/>
+          </a:lnRef>
+          <a:fillRef idx="0">
+            <a:schemeClr val="accent1"/>
+          </a:fillRef>
+          <a:effectRef idx="0">
+            <a:schemeClr val="accent1"/>
+          </a:effectRef>
+          <a:fontRef idx="minor">
+            <a:schemeClr val="tx1"/>
+          </a:fontRef>
+        </p:style>
+      </p:cxnSp>
+      <p:cxnSp>
+        <p:nvCxnSpPr>
+          <p:cNvPr id="75" name="直接箭头连接符 74"/>
+          <p:cNvCxnSpPr/>
+          <p:nvPr/>
+        </p:nvCxnSpPr>
+        <p:spPr>
+          <a:xfrm flipV="1">
+            <a:off x="5481641" y="4653564"/>
+            <a:ext cx="0" cy="401761"/>
+          </a:xfrm>
+          <a:prstGeom prst="straightConnector1">
+            <a:avLst/>
+          </a:prstGeom>
+          <a:ln>
+            <a:tailEnd type="triangle"/>
+          </a:ln>
+        </p:spPr>
+        <p:style>
+          <a:lnRef idx="1">
+            <a:schemeClr val="accent1"/>
+          </a:lnRef>
+          <a:fillRef idx="0">
+            <a:schemeClr val="accent1"/>
+          </a:fillRef>
+          <a:effectRef idx="0">
+            <a:schemeClr val="accent1"/>
+          </a:effectRef>
+          <a:fontRef idx="minor">
+            <a:schemeClr val="tx1"/>
+          </a:fontRef>
+        </p:style>
+      </p:cxnSp>
+      <p:sp>
+        <p:nvSpPr>
+          <p:cNvPr id="76" name="文本框 75"/>
+          <p:cNvSpPr txBox="1"/>
+          <p:nvPr/>
+        </p:nvSpPr>
+        <p:spPr>
+          <a:xfrm>
+            <a:off x="5020233" y="4771524"/>
+            <a:ext cx="654346" cy="261610"/>
+          </a:xfrm>
+          <a:prstGeom prst="rect">
+            <a:avLst/>
+          </a:prstGeom>
+          <a:noFill/>
+        </p:spPr>
+        <p:txBody>
+          <a:bodyPr wrap="none" rtlCol="0">
+            <a:spAutoFit/>
+          </a:bodyPr>
+          <a:lstStyle/>
+          <a:p>
+            <a:r>
+              <a:rPr lang="en-US" altLang="zh-CN" sz="1100"/>
+              <a:t>L</a:t>
+            </a:r>
+            <a:r>
+              <a:rPr lang="en-US" altLang="zh-CN" sz="1100" smtClean="0"/>
+              <a:t>istener</a:t>
+            </a:r>
+            <a:endParaRPr lang="zh-CN" altLang="en-US" sz="1100"/>
+          </a:p>
+        </p:txBody>
+      </p:sp>
+      <p:cxnSp>
+        <p:nvCxnSpPr>
+          <p:cNvPr id="78" name="肘形连接符 77"/>
+          <p:cNvCxnSpPr>
+            <a:endCxn id="18" idx="1"/>
+          </p:cNvCxnSpPr>
+          <p:nvPr/>
+        </p:nvCxnSpPr>
+        <p:spPr>
+          <a:xfrm rot="16200000" flipH="1">
+            <a:off x="2718746" y="3433732"/>
+            <a:ext cx="1048961" cy="520047"/>
+          </a:xfrm>
+          <a:prstGeom prst="bentConnector2">
+            <a:avLst/>
+          </a:prstGeom>
+          <a:ln>
+            <a:tailEnd type="triangle"/>
+          </a:ln>
+        </p:spPr>
+        <p:style>
+          <a:lnRef idx="1">
+            <a:schemeClr val="accent1"/>
+          </a:lnRef>
+          <a:fillRef idx="0">
+            <a:schemeClr val="accent1"/>
+          </a:fillRef>
+          <a:effectRef idx="0">
+            <a:schemeClr val="accent1"/>
+          </a:effectRef>
+          <a:fontRef idx="minor">
+            <a:schemeClr val="tx1"/>
+          </a:fontRef>
+        </p:style>
+      </p:cxnSp>
+      <p:cxnSp>
+        <p:nvCxnSpPr>
+          <p:cNvPr id="83" name="肘形连接符 82"/>
+          <p:cNvCxnSpPr/>
+          <p:nvPr/>
+        </p:nvCxnSpPr>
+        <p:spPr>
+          <a:xfrm rot="5400000" flipH="1" flipV="1">
+            <a:off x="6690204" y="3478784"/>
+            <a:ext cx="1059324" cy="486156"/>
+          </a:xfrm>
+          <a:prstGeom prst="bentConnector3">
+            <a:avLst>
+              <a:gd name="adj1" fmla="val 70"/>
+            </a:avLst>
+          </a:prstGeom>
+          <a:ln>
+            <a:tailEnd type="triangle"/>
+          </a:ln>
+        </p:spPr>
+        <p:style>
+          <a:lnRef idx="1">
+            <a:schemeClr val="accent1"/>
+          </a:lnRef>
+          <a:fillRef idx="0">
+            <a:schemeClr val="accent1"/>
+          </a:fillRef>
+          <a:effectRef idx="0">
+            <a:schemeClr val="accent1"/>
+          </a:effectRef>
+          <a:fontRef idx="minor">
+            <a:schemeClr val="tx1"/>
+          </a:fontRef>
+        </p:style>
+      </p:cxnSp>
+      <p:sp>
+        <p:nvSpPr>
+          <p:cNvPr id="89" name="文本框 88"/>
+          <p:cNvSpPr txBox="1"/>
+          <p:nvPr/>
+        </p:nvSpPr>
+        <p:spPr>
+          <a:xfrm>
+            <a:off x="5897256" y="5178167"/>
+            <a:ext cx="5139548" cy="430887"/>
+          </a:xfrm>
+          <a:prstGeom prst="rect">
+            <a:avLst/>
+          </a:prstGeom>
+          <a:noFill/>
+        </p:spPr>
+        <p:txBody>
+          <a:bodyPr wrap="none" rtlCol="0">
+            <a:spAutoFit/>
+          </a:bodyPr>
+          <a:lstStyle/>
+          <a:p>
+            <a:r>
+              <a:rPr kumimoji="1" lang="zh-CN" altLang="en-US" sz="1100" smtClean="0"/>
+              <a:t>当</a:t>
+            </a:r>
+            <a:r>
+              <a:rPr kumimoji="1" lang="en-US" altLang="zh-CN" sz="1100" smtClean="0"/>
+              <a:t>Selector</a:t>
+            </a:r>
+            <a:r>
+              <a:rPr kumimoji="1" lang="zh-CN" altLang="en-US" sz="1100" smtClean="0"/>
+              <a:t>监听</a:t>
+            </a:r>
+            <a:r>
+              <a:rPr kumimoji="1" lang="en-US" altLang="zh-CN" sz="1100" smtClean="0"/>
+              <a:t>channel</a:t>
+            </a:r>
+            <a:r>
+              <a:rPr kumimoji="1" lang="zh-CN" altLang="en-US" sz="1100" smtClean="0"/>
+              <a:t>通道有数据传输时，通过</a:t>
+            </a:r>
+            <a:r>
+              <a:rPr kumimoji="1" lang="en-US" altLang="zh-CN" sz="1100" smtClean="0"/>
+              <a:t>select()</a:t>
+            </a:r>
+            <a:r>
+              <a:rPr kumimoji="1" lang="zh-CN" altLang="en-US" sz="1100" smtClean="0"/>
+              <a:t>方法获取</a:t>
+            </a:r>
+            <a:r>
+              <a:rPr kumimoji="1" lang="en-US" altLang="zh-CN" sz="1100" smtClean="0"/>
+              <a:t>SocketChannel</a:t>
+            </a:r>
+            <a:r>
+              <a:rPr kumimoji="1" lang="zh-CN" altLang="en-US" sz="1100" smtClean="0"/>
+              <a:t>，</a:t>
+            </a:r>
+            <a:endParaRPr kumimoji="1" lang="en-US" altLang="zh-CN" sz="1100" smtClean="0"/>
+          </a:p>
+          <a:p>
+            <a:r>
+              <a:rPr kumimoji="1" lang="zh-CN" altLang="en-US" sz="1100" smtClean="0"/>
+              <a:t>将数据读取或写入</a:t>
+            </a:r>
+            <a:r>
+              <a:rPr kumimoji="1" lang="en-US" altLang="zh-CN" sz="1100" smtClean="0"/>
+              <a:t>Buffer</a:t>
+            </a:r>
+            <a:endParaRPr kumimoji="1" lang="zh-CN" altLang="en-US" sz="1100" dirty="0"/>
+          </a:p>
+        </p:txBody>
+      </p:sp>
+    </p:spTree>
+    <p:extLst>
+      <p:ext uri="{BB962C8B-B14F-4D97-AF65-F5344CB8AC3E}">
+        <p14:creationId xmlns:p14="http://schemas.microsoft.com/office/powerpoint/2010/main" val="2036321160"/>
+      </p:ext>
+    </p:extLst>
+  </p:cSld>
+  <p:clrMapOvr>
+    <a:masterClrMapping/>
+  </p:clrMapOvr>
+</p:sld>
+</file>
+
+<file path=ppt/slides/slide18.xml><?xml version="1.0" encoding="utf-8"?>
+<p:sld xmlns:a="http://schemas.openxmlformats.org/drawingml/2006/main" xmlns:r="http://schemas.openxmlformats.org/officeDocument/2006/relationships" xmlns:p="http://schemas.openxmlformats.org/presentationml/2006/main">
+  <p:cSld>
+    <p:spTree>
+      <p:nvGrpSpPr>
+        <p:cNvPr id="1" name=""/>
+        <p:cNvGrpSpPr/>
+        <p:nvPr/>
+      </p:nvGrpSpPr>
+      <p:grpSpPr>
+        <a:xfrm>
+          <a:off x="0" y="0"/>
+          <a:ext cx="0" cy="0"/>
+          <a:chOff x="0" y="0"/>
+          <a:chExt cx="0" cy="0"/>
+        </a:xfrm>
+      </p:grpSpPr>
+      <p:sp>
+        <p:nvSpPr>
           <p:cNvPr id="4" name="文本框 3"/>
           <p:cNvSpPr txBox="1"/>
           <p:nvPr/>
@@ -12697,7 +13599,7 @@
 </p:sld>
 </file>
 
-<file path=ppt/slides/slide18.xml><?xml version="1.0" encoding="utf-8"?>
+<file path=ppt/slides/slide19.xml><?xml version="1.0" encoding="utf-8"?>
 <p:sld xmlns:a="http://schemas.openxmlformats.org/drawingml/2006/main" xmlns:r="http://schemas.openxmlformats.org/officeDocument/2006/relationships" xmlns:p="http://schemas.openxmlformats.org/presentationml/2006/main">
   <p:cSld>
     <p:spTree>
@@ -15270,11 +16172,7 @@
             </a:r>
             <a:r>
               <a:rPr kumimoji="1" lang="zh-CN" altLang="en-US" sz="1050" smtClean="0"/>
-              <a:t>当</a:t>
-            </a:r>
-            <a:r>
-              <a:rPr kumimoji="1" lang="zh-CN" altLang="en-US" sz="1050" smtClean="0"/>
-              <a:t>准备触发</a:t>
+              <a:t>当准备触发</a:t>
             </a:r>
             <a:r>
               <a:rPr kumimoji="1" lang="en-US" altLang="zh-CN" sz="1050" smtClean="0"/>

--- a/doc/doc.pptx
+++ b/doc/doc.pptx
@@ -19,10 +19,10 @@
     <p:sldId id="259" r:id="rId10"/>
     <p:sldId id="260" r:id="rId11"/>
     <p:sldId id="262" r:id="rId12"/>
-    <p:sldId id="263" r:id="rId13"/>
-    <p:sldId id="271" r:id="rId14"/>
-    <p:sldId id="272" r:id="rId15"/>
-    <p:sldId id="273" r:id="rId16"/>
+    <p:sldId id="271" r:id="rId13"/>
+    <p:sldId id="272" r:id="rId14"/>
+    <p:sldId id="273" r:id="rId15"/>
+    <p:sldId id="263" r:id="rId16"/>
     <p:sldId id="277" r:id="rId17"/>
     <p:sldId id="274" r:id="rId18"/>
     <p:sldId id="275" r:id="rId19"/>
@@ -215,7 +215,7 @@
           <a:p>
             <a:fld id="{A3D7CE87-9499-D644-9D39-658681EEDA03}" type="datetimeFigureOut">
               <a:rPr kumimoji="1" lang="zh-CN" altLang="en-US" smtClean="0"/>
-              <a:t>2020/4/1</a:t>
+              <a:t>2020/4/2</a:t>
             </a:fld>
             <a:endParaRPr kumimoji="1" lang="zh-CN" altLang="en-US"/>
           </a:p>
@@ -1420,7 +1420,7 @@
           <a:p>
             <a:fld id="{79C7BEE9-4014-F74B-8041-D28506CB9C48}" type="datetimeFigureOut">
               <a:rPr kumimoji="1" lang="zh-CN" altLang="en-US" smtClean="0"/>
-              <a:t>2020/4/1</a:t>
+              <a:t>2020/4/2</a:t>
             </a:fld>
             <a:endParaRPr kumimoji="1" lang="zh-CN" altLang="en-US"/>
           </a:p>
@@ -1590,7 +1590,7 @@
           <a:p>
             <a:fld id="{79C7BEE9-4014-F74B-8041-D28506CB9C48}" type="datetimeFigureOut">
               <a:rPr kumimoji="1" lang="zh-CN" altLang="en-US" smtClean="0"/>
-              <a:t>2020/4/1</a:t>
+              <a:t>2020/4/2</a:t>
             </a:fld>
             <a:endParaRPr kumimoji="1" lang="zh-CN" altLang="en-US"/>
           </a:p>
@@ -1770,7 +1770,7 @@
           <a:p>
             <a:fld id="{79C7BEE9-4014-F74B-8041-D28506CB9C48}" type="datetimeFigureOut">
               <a:rPr kumimoji="1" lang="zh-CN" altLang="en-US" smtClean="0"/>
-              <a:t>2020/4/1</a:t>
+              <a:t>2020/4/2</a:t>
             </a:fld>
             <a:endParaRPr kumimoji="1" lang="zh-CN" altLang="en-US"/>
           </a:p>
@@ -1940,7 +1940,7 @@
           <a:p>
             <a:fld id="{79C7BEE9-4014-F74B-8041-D28506CB9C48}" type="datetimeFigureOut">
               <a:rPr kumimoji="1" lang="zh-CN" altLang="en-US" smtClean="0"/>
-              <a:t>2020/4/1</a:t>
+              <a:t>2020/4/2</a:t>
             </a:fld>
             <a:endParaRPr kumimoji="1" lang="zh-CN" altLang="en-US"/>
           </a:p>
@@ -2186,7 +2186,7 @@
           <a:p>
             <a:fld id="{79C7BEE9-4014-F74B-8041-D28506CB9C48}" type="datetimeFigureOut">
               <a:rPr kumimoji="1" lang="zh-CN" altLang="en-US" smtClean="0"/>
-              <a:t>2020/4/1</a:t>
+              <a:t>2020/4/2</a:t>
             </a:fld>
             <a:endParaRPr kumimoji="1" lang="zh-CN" altLang="en-US"/>
           </a:p>
@@ -2418,7 +2418,7 @@
           <a:p>
             <a:fld id="{79C7BEE9-4014-F74B-8041-D28506CB9C48}" type="datetimeFigureOut">
               <a:rPr kumimoji="1" lang="zh-CN" altLang="en-US" smtClean="0"/>
-              <a:t>2020/4/1</a:t>
+              <a:t>2020/4/2</a:t>
             </a:fld>
             <a:endParaRPr kumimoji="1" lang="zh-CN" altLang="en-US"/>
           </a:p>
@@ -2785,7 +2785,7 @@
           <a:p>
             <a:fld id="{79C7BEE9-4014-F74B-8041-D28506CB9C48}" type="datetimeFigureOut">
               <a:rPr kumimoji="1" lang="zh-CN" altLang="en-US" smtClean="0"/>
-              <a:t>2020/4/1</a:t>
+              <a:t>2020/4/2</a:t>
             </a:fld>
             <a:endParaRPr kumimoji="1" lang="zh-CN" altLang="en-US"/>
           </a:p>
@@ -2903,7 +2903,7 @@
           <a:p>
             <a:fld id="{79C7BEE9-4014-F74B-8041-D28506CB9C48}" type="datetimeFigureOut">
               <a:rPr kumimoji="1" lang="zh-CN" altLang="en-US" smtClean="0"/>
-              <a:t>2020/4/1</a:t>
+              <a:t>2020/4/2</a:t>
             </a:fld>
             <a:endParaRPr kumimoji="1" lang="zh-CN" altLang="en-US"/>
           </a:p>
@@ -2998,7 +2998,7 @@
           <a:p>
             <a:fld id="{79C7BEE9-4014-F74B-8041-D28506CB9C48}" type="datetimeFigureOut">
               <a:rPr kumimoji="1" lang="zh-CN" altLang="en-US" smtClean="0"/>
-              <a:t>2020/4/1</a:t>
+              <a:t>2020/4/2</a:t>
             </a:fld>
             <a:endParaRPr kumimoji="1" lang="zh-CN" altLang="en-US"/>
           </a:p>
@@ -3275,7 +3275,7 @@
           <a:p>
             <a:fld id="{79C7BEE9-4014-F74B-8041-D28506CB9C48}" type="datetimeFigureOut">
               <a:rPr kumimoji="1" lang="zh-CN" altLang="en-US" smtClean="0"/>
-              <a:t>2020/4/1</a:t>
+              <a:t>2020/4/2</a:t>
             </a:fld>
             <a:endParaRPr kumimoji="1" lang="zh-CN" altLang="en-US"/>
           </a:p>
@@ -3528,7 +3528,7 @@
           <a:p>
             <a:fld id="{79C7BEE9-4014-F74B-8041-D28506CB9C48}" type="datetimeFigureOut">
               <a:rPr kumimoji="1" lang="zh-CN" altLang="en-US" smtClean="0"/>
-              <a:t>2020/4/1</a:t>
+              <a:t>2020/4/2</a:t>
             </a:fld>
             <a:endParaRPr kumimoji="1" lang="zh-CN" altLang="en-US"/>
           </a:p>
@@ -3741,7 +3741,7 @@
           <a:p>
             <a:fld id="{79C7BEE9-4014-F74B-8041-D28506CB9C48}" type="datetimeFigureOut">
               <a:rPr kumimoji="1" lang="zh-CN" altLang="en-US" smtClean="0"/>
-              <a:t>2020/4/1</a:t>
+              <a:t>2020/4/2</a:t>
             </a:fld>
             <a:endParaRPr kumimoji="1" lang="zh-CN" altLang="en-US"/>
           </a:p>
@@ -6499,16 +6499,40 @@
           <a:chExt cx="0" cy="0"/>
         </a:xfrm>
       </p:grpSpPr>
-      <p:sp>
-        <p:nvSpPr>
-          <p:cNvPr id="10" name="文本框 9"/>
+      <p:pic>
+        <p:nvPicPr>
+          <p:cNvPr id="6" name="图片 5"/>
+          <p:cNvPicPr>
+            <a:picLocks noChangeAspect="1"/>
+          </p:cNvPicPr>
+          <p:nvPr/>
+        </p:nvPicPr>
+        <p:blipFill>
+          <a:blip r:embed="rId2"/>
+          <a:stretch>
+            <a:fillRect/>
+          </a:stretch>
+        </p:blipFill>
+        <p:spPr>
+          <a:xfrm>
+            <a:off x="3307168" y="1484239"/>
+            <a:ext cx="5824471" cy="3311045"/>
+          </a:xfrm>
+          <a:prstGeom prst="rect">
+            <a:avLst/>
+          </a:prstGeom>
+        </p:spPr>
+      </p:pic>
+      <p:sp>
+        <p:nvSpPr>
+          <p:cNvPr id="7" name="文本框 6"/>
           <p:cNvSpPr txBox="1"/>
           <p:nvPr/>
         </p:nvSpPr>
         <p:spPr>
           <a:xfrm>
-            <a:off x="3624149" y="1929162"/>
-            <a:ext cx="902811" cy="523220"/>
+            <a:off x="3391784" y="1371600"/>
+            <a:ext cx="1778051" cy="523220"/>
           </a:xfrm>
           <a:prstGeom prst="rect">
             <a:avLst/>
@@ -6522,37 +6546,84 @@
           <a:lstStyle/>
           <a:p>
             <a:r>
-              <a:rPr kumimoji="1" lang="zh-CN" altLang="en-US" sz="1400"/>
-              <a:t> </a:t>
-            </a:r>
-            <a:r>
-              <a:rPr kumimoji="1" lang="zh-CN" altLang="en-US" sz="1400" smtClean="0"/>
-              <a:t> </a:t>
-            </a:r>
-            <a:r>
-              <a:rPr kumimoji="1" lang="en-US" altLang="zh-CN" sz="1400" smtClean="0"/>
-              <a:t>Servlet</a:t>
-            </a:r>
-          </a:p>
-          <a:p>
-            <a:r>
-              <a:rPr kumimoji="1" lang="zh-CN" altLang="en-US" sz="1400" smtClean="0"/>
-              <a:t>顶级接口</a:t>
-            </a:r>
-            <a:endParaRPr kumimoji="1" lang="zh-CN" altLang="en-US" sz="1400"/>
-          </a:p>
-        </p:txBody>
-      </p:sp>
-      <p:sp>
-        <p:nvSpPr>
-          <p:cNvPr id="12" name="文本框 11"/>
+              <a:rPr lang="en-US" altLang="zh-CN" sz="1400" smtClean="0"/>
+              <a:t>state</a:t>
+            </a:r>
+            <a:r>
+              <a:rPr lang="zh-CN" altLang="en-US" sz="1400" smtClean="0"/>
+              <a:t>：</a:t>
+            </a:r>
+            <a:r>
+              <a:rPr lang="en-US" altLang="zh-CN" sz="1400" smtClean="0"/>
+              <a:t>1</a:t>
+            </a:r>
+          </a:p>
+          <a:p>
+            <a:r>
+              <a:rPr lang="en-US" altLang="zh-CN" sz="1400" smtClean="0"/>
+              <a:t>state</a:t>
+            </a:r>
+            <a:r>
+              <a:rPr lang="zh-CN" altLang="en-US" sz="1400" smtClean="0"/>
+              <a:t>：</a:t>
+            </a:r>
+            <a:r>
+              <a:rPr lang="en-US" altLang="zh-CN" sz="1400" smtClean="0"/>
+              <a:t>2 </a:t>
+            </a:r>
+            <a:r>
+              <a:rPr lang="zh-CN" altLang="en-US" sz="1400" smtClean="0"/>
+              <a:t>增加状态值</a:t>
+            </a:r>
+            <a:endParaRPr lang="zh-CN" altLang="en-US" sz="1400"/>
+          </a:p>
+        </p:txBody>
+      </p:sp>
+      <p:cxnSp>
+        <p:nvCxnSpPr>
+          <p:cNvPr id="9" name="曲线连接符 8"/>
+          <p:cNvCxnSpPr/>
+          <p:nvPr/>
+        </p:nvCxnSpPr>
+        <p:spPr>
+          <a:xfrm rot="5400000" flipH="1" flipV="1">
+            <a:off x="2318119" y="2360654"/>
+            <a:ext cx="2062718" cy="84611"/>
+          </a:xfrm>
+          <a:prstGeom prst="curvedConnector3">
+            <a:avLst>
+              <a:gd name="adj1" fmla="val 113918"/>
+            </a:avLst>
+          </a:prstGeom>
+          <a:ln>
+            <a:tailEnd type="triangle"/>
+          </a:ln>
+        </p:spPr>
+        <p:style>
+          <a:lnRef idx="1">
+            <a:schemeClr val="accent1"/>
+          </a:lnRef>
+          <a:fillRef idx="0">
+            <a:schemeClr val="accent1"/>
+          </a:fillRef>
+          <a:effectRef idx="0">
+            <a:schemeClr val="accent1"/>
+          </a:effectRef>
+          <a:fontRef idx="minor">
+            <a:schemeClr val="tx1"/>
+          </a:fontRef>
+        </p:style>
+      </p:cxnSp>
+      <p:sp>
+        <p:nvSpPr>
+          <p:cNvPr id="21" name="文本框 20"/>
           <p:cNvSpPr txBox="1"/>
           <p:nvPr/>
         </p:nvSpPr>
         <p:spPr>
           <a:xfrm>
-            <a:off x="3561592" y="2989416"/>
-            <a:ext cx="1295547" cy="307777"/>
+            <a:off x="513905" y="163033"/>
+            <a:ext cx="2943434" cy="677108"/>
           </a:xfrm>
           <a:prstGeom prst="rect">
             <a:avLst/>
@@ -6566,23 +6637,64 @@
           <a:lstStyle/>
           <a:p>
             <a:r>
-              <a:rPr kumimoji="1" lang="en-US" altLang="zh-CN" sz="1400" smtClean="0"/>
-              <a:t>GenericServlet</a:t>
-            </a:r>
-            <a:endParaRPr kumimoji="1" lang="zh-CN" altLang="en-US" sz="1400"/>
-          </a:p>
-        </p:txBody>
-      </p:sp>
-      <p:sp>
-        <p:nvSpPr>
-          <p:cNvPr id="13" name="文本框 12"/>
+              <a:rPr lang="en-US" altLang="zh-CN" sz="1400" smtClean="0"/>
+              <a:t>AQS</a:t>
+            </a:r>
+            <a:r>
+              <a:rPr lang="zh-CN" altLang="en-US" sz="1400" smtClean="0"/>
+              <a:t>的原理：</a:t>
+            </a:r>
+            <a:endParaRPr lang="en-US" altLang="zh-CN" sz="1400" smtClean="0"/>
+          </a:p>
+          <a:p>
+            <a:r>
+              <a:rPr lang="zh-CN" altLang="en-US" sz="1200" smtClean="0"/>
+              <a:t>    独占</a:t>
+            </a:r>
+            <a:r>
+              <a:rPr lang="zh-CN" altLang="en-US" sz="1200"/>
+              <a:t>锁：</a:t>
+            </a:r>
+            <a:r>
+              <a:rPr lang="en-US" altLang="zh-CN" sz="1200"/>
+              <a:t>ReentrantLock</a:t>
+            </a:r>
+          </a:p>
+          <a:p>
+            <a:r>
+              <a:rPr lang="zh-CN" altLang="en-US" sz="1200" smtClean="0"/>
+              <a:t>    共享锁</a:t>
+            </a:r>
+            <a:r>
+              <a:rPr lang="zh-CN" altLang="en-US" sz="1200"/>
+              <a:t>：</a:t>
+            </a:r>
+            <a:r>
+              <a:rPr lang="en-US" altLang="zh-CN" sz="1200"/>
+              <a:t>Semphore</a:t>
+            </a:r>
+            <a:r>
+              <a:rPr lang="zh-CN" altLang="en-US" sz="1200"/>
+              <a:t>、</a:t>
+            </a:r>
+            <a:r>
+              <a:rPr lang="en-US" altLang="zh-CN" sz="1200" smtClean="0"/>
+              <a:t>CountDownLatch</a:t>
+            </a:r>
+            <a:endParaRPr lang="zh-CN" altLang="en-US" sz="1200"/>
+          </a:p>
+        </p:txBody>
+      </p:sp>
+      <p:sp>
+        <p:nvSpPr>
+          <p:cNvPr id="22" name="文本框 21"/>
           <p:cNvSpPr txBox="1"/>
           <p:nvPr/>
         </p:nvSpPr>
         <p:spPr>
           <a:xfrm>
-            <a:off x="3612087" y="3843585"/>
-            <a:ext cx="1048685" cy="307777"/>
+            <a:off x="7003310" y="5153216"/>
+            <a:ext cx="4496744" cy="1354217"/>
           </a:xfrm>
           <a:prstGeom prst="rect">
             <a:avLst/>
@@ -6596,23 +6708,130 @@
           <a:lstStyle/>
           <a:p>
             <a:r>
-              <a:rPr kumimoji="1" lang="en-US" altLang="zh-CN" sz="1400" smtClean="0"/>
-              <a:t>HttpServlet</a:t>
-            </a:r>
-            <a:endParaRPr kumimoji="1" lang="zh-CN" altLang="en-US" sz="1400"/>
-          </a:p>
-        </p:txBody>
-      </p:sp>
-      <p:sp>
-        <p:nvSpPr>
-          <p:cNvPr id="15" name="文本框 14"/>
+              <a:rPr lang="zh-CN" altLang="en-US" sz="1200" smtClean="0"/>
+              <a:t>获取资源伪代码：</a:t>
+            </a:r>
+            <a:endParaRPr lang="en-US" altLang="zh-CN" sz="1200" smtClean="0"/>
+          </a:p>
+          <a:p>
+            <a:r>
+              <a:rPr lang="en-US" altLang="zh-CN" sz="1400" smtClean="0"/>
+              <a:t>public </a:t>
+            </a:r>
+            <a:r>
+              <a:rPr lang="en-US" altLang="zh-CN" sz="1400"/>
+              <a:t>final void acquire(</a:t>
+            </a:r>
+            <a:r>
+              <a:rPr lang="en-US" altLang="zh-CN" sz="1400" err="1"/>
+              <a:t>int</a:t>
+            </a:r>
+            <a:r>
+              <a:rPr lang="en-US" altLang="zh-CN" sz="1400"/>
+              <a:t> </a:t>
+            </a:r>
+            <a:r>
+              <a:rPr lang="en-US" altLang="zh-CN" sz="1400" err="1"/>
+              <a:t>arg</a:t>
+            </a:r>
+            <a:r>
+              <a:rPr lang="en-US" altLang="zh-CN" sz="1400"/>
+              <a:t>) {</a:t>
+            </a:r>
+          </a:p>
+          <a:p>
+            <a:r>
+              <a:rPr lang="en-US" altLang="zh-CN" sz="1400"/>
+              <a:t>    if (!</a:t>
+            </a:r>
+            <a:r>
+              <a:rPr lang="en-US" altLang="zh-CN" sz="1400" err="1"/>
+              <a:t>tryAcquire</a:t>
+            </a:r>
+            <a:r>
+              <a:rPr lang="en-US" altLang="zh-CN" sz="1400"/>
+              <a:t>(</a:t>
+            </a:r>
+            <a:r>
+              <a:rPr lang="en-US" altLang="zh-CN" sz="1400" err="1"/>
+              <a:t>arg</a:t>
+            </a:r>
+            <a:r>
+              <a:rPr lang="en-US" altLang="zh-CN" sz="1400"/>
+              <a:t>) &amp;&amp;</a:t>
+            </a:r>
+          </a:p>
+          <a:p>
+            <a:r>
+              <a:rPr lang="en-US" altLang="zh-CN" sz="1400"/>
+              <a:t>        </a:t>
+            </a:r>
+            <a:r>
+              <a:rPr lang="en-US" altLang="zh-CN" sz="1400" err="1"/>
+              <a:t>acquireQueued</a:t>
+            </a:r>
+            <a:r>
+              <a:rPr lang="en-US" altLang="zh-CN" sz="1400"/>
+              <a:t>(</a:t>
+            </a:r>
+            <a:r>
+              <a:rPr lang="en-US" altLang="zh-CN" sz="1400" err="1"/>
+              <a:t>addWaiter</a:t>
+            </a:r>
+            <a:r>
+              <a:rPr lang="en-US" altLang="zh-CN" sz="1400"/>
+              <a:t>(</a:t>
+            </a:r>
+            <a:r>
+              <a:rPr lang="en-US" altLang="zh-CN" sz="1400" err="1"/>
+              <a:t>Node.EXCLUSIVE</a:t>
+            </a:r>
+            <a:r>
+              <a:rPr lang="en-US" altLang="zh-CN" sz="1400"/>
+              <a:t>), </a:t>
+            </a:r>
+            <a:r>
+              <a:rPr lang="en-US" altLang="zh-CN" sz="1400" err="1"/>
+              <a:t>arg</a:t>
+            </a:r>
+            <a:r>
+              <a:rPr lang="en-US" altLang="zh-CN" sz="1400"/>
+              <a:t>))</a:t>
+            </a:r>
+          </a:p>
+          <a:p>
+            <a:r>
+              <a:rPr lang="en-US" altLang="zh-CN" sz="1400"/>
+              <a:t>         </a:t>
+            </a:r>
+            <a:r>
+              <a:rPr lang="en-US" altLang="zh-CN" sz="1400" err="1"/>
+              <a:t>selfInterrupt</a:t>
+            </a:r>
+            <a:r>
+              <a:rPr lang="en-US" altLang="zh-CN" sz="1400"/>
+              <a:t>();</a:t>
+            </a:r>
+          </a:p>
+          <a:p>
+            <a:r>
+              <a:rPr lang="en-US" altLang="zh-CN" sz="1400"/>
+              <a:t>}</a:t>
+            </a:r>
+            <a:endParaRPr lang="zh-CN" altLang="en-US" sz="1400"/>
+          </a:p>
+        </p:txBody>
+      </p:sp>
+      <p:sp>
+        <p:nvSpPr>
+          <p:cNvPr id="23" name="文本框 22"/>
           <p:cNvSpPr txBox="1"/>
           <p:nvPr/>
         </p:nvSpPr>
         <p:spPr>
           <a:xfrm>
-            <a:off x="1639865" y="3408703"/>
-            <a:ext cx="1231427" cy="307777"/>
+            <a:off x="7357729" y="316921"/>
+            <a:ext cx="3937296" cy="461665"/>
           </a:xfrm>
           <a:prstGeom prst="rect">
             <a:avLst/>
@@ -6626,170 +6845,46 @@
           <a:lstStyle/>
           <a:p>
             <a:r>
-              <a:rPr kumimoji="1" lang="en-US" altLang="zh-CN" sz="1400" smtClean="0"/>
-              <a:t>Abstract</a:t>
-            </a:r>
-            <a:r>
-              <a:rPr kumimoji="1" lang="zh-CN" altLang="en-US" sz="1400" smtClean="0"/>
-              <a:t> </a:t>
-            </a:r>
-            <a:r>
-              <a:rPr kumimoji="1" lang="en-US" altLang="zh-CN" sz="1400" smtClean="0"/>
-              <a:t>class</a:t>
-            </a:r>
-            <a:endParaRPr kumimoji="1" lang="zh-CN" altLang="en-US" sz="1400"/>
-          </a:p>
-        </p:txBody>
-      </p:sp>
-      <p:cxnSp>
-        <p:nvCxnSpPr>
-          <p:cNvPr id="17" name="直线箭头连接符 16"/>
-          <p:cNvCxnSpPr>
-            <a:stCxn id="15" idx="3"/>
-            <a:endCxn id="12" idx="1"/>
-          </p:cNvCxnSpPr>
-          <p:nvPr/>
-        </p:nvCxnSpPr>
-        <p:spPr>
-          <a:xfrm flipV="1">
-            <a:off x="2871292" y="3143305"/>
-            <a:ext cx="690300" cy="419287"/>
-          </a:xfrm>
-          <a:prstGeom prst="straightConnector1">
-            <a:avLst/>
-          </a:prstGeom>
-          <a:ln>
-            <a:tailEnd type="triangle"/>
-          </a:ln>
-        </p:spPr>
-        <p:style>
-          <a:lnRef idx="1">
-            <a:schemeClr val="accent1"/>
-          </a:lnRef>
-          <a:fillRef idx="0">
-            <a:schemeClr val="accent1"/>
-          </a:fillRef>
-          <a:effectRef idx="0">
-            <a:schemeClr val="accent1"/>
-          </a:effectRef>
-          <a:fontRef idx="minor">
-            <a:schemeClr val="tx1"/>
-          </a:fontRef>
-        </p:style>
-      </p:cxnSp>
-      <p:cxnSp>
-        <p:nvCxnSpPr>
-          <p:cNvPr id="19" name="直线箭头连接符 18"/>
-          <p:cNvCxnSpPr>
-            <a:stCxn id="15" idx="3"/>
-          </p:cNvCxnSpPr>
-          <p:nvPr/>
-        </p:nvCxnSpPr>
-        <p:spPr>
-          <a:xfrm>
-            <a:off x="2871292" y="3562592"/>
-            <a:ext cx="690300" cy="392503"/>
-          </a:xfrm>
-          <a:prstGeom prst="straightConnector1">
-            <a:avLst/>
-          </a:prstGeom>
-          <a:ln>
-            <a:tailEnd type="triangle"/>
-          </a:ln>
-        </p:spPr>
-        <p:style>
-          <a:lnRef idx="1">
-            <a:schemeClr val="accent1"/>
-          </a:lnRef>
-          <a:fillRef idx="0">
-            <a:schemeClr val="accent1"/>
-          </a:fillRef>
-          <a:effectRef idx="0">
-            <a:schemeClr val="accent1"/>
-          </a:effectRef>
-          <a:fontRef idx="minor">
-            <a:schemeClr val="tx1"/>
-          </a:fontRef>
-        </p:style>
-      </p:cxnSp>
-      <p:cxnSp>
-        <p:nvCxnSpPr>
-          <p:cNvPr id="23" name="直线箭头连接符 22"/>
-          <p:cNvCxnSpPr>
-            <a:stCxn id="10" idx="2"/>
-          </p:cNvCxnSpPr>
-          <p:nvPr/>
-        </p:nvCxnSpPr>
-        <p:spPr>
-          <a:xfrm flipH="1">
-            <a:off x="4070195" y="2452382"/>
-            <a:ext cx="5360" cy="546392"/>
-          </a:xfrm>
-          <a:prstGeom prst="straightConnector1">
-            <a:avLst/>
-          </a:prstGeom>
-          <a:ln>
-            <a:tailEnd type="triangle"/>
-          </a:ln>
-        </p:spPr>
-        <p:style>
-          <a:lnRef idx="1">
-            <a:schemeClr val="accent1"/>
-          </a:lnRef>
-          <a:fillRef idx="0">
-            <a:schemeClr val="accent1"/>
-          </a:fillRef>
-          <a:effectRef idx="0">
-            <a:schemeClr val="accent1"/>
-          </a:effectRef>
-          <a:fontRef idx="minor">
-            <a:schemeClr val="tx1"/>
-          </a:fontRef>
-        </p:style>
-      </p:cxnSp>
-      <p:cxnSp>
-        <p:nvCxnSpPr>
-          <p:cNvPr id="26" name="直线箭头连接符 25"/>
-          <p:cNvCxnSpPr/>
-          <p:nvPr/>
-        </p:nvCxnSpPr>
-        <p:spPr>
-          <a:xfrm>
-            <a:off x="4070195" y="3297193"/>
-            <a:ext cx="0" cy="419287"/>
-          </a:xfrm>
-          <a:prstGeom prst="straightConnector1">
-            <a:avLst/>
-          </a:prstGeom>
-          <a:ln>
-            <a:tailEnd type="triangle"/>
-          </a:ln>
-        </p:spPr>
-        <p:style>
-          <a:lnRef idx="1">
-            <a:schemeClr val="accent1"/>
-          </a:lnRef>
-          <a:fillRef idx="0">
-            <a:schemeClr val="accent1"/>
-          </a:fillRef>
-          <a:effectRef idx="0">
-            <a:schemeClr val="accent1"/>
-          </a:effectRef>
-          <a:fontRef idx="minor">
-            <a:schemeClr val="tx1"/>
-          </a:fontRef>
-        </p:style>
-      </p:cxnSp>
-      <p:sp>
-        <p:nvSpPr>
-          <p:cNvPr id="27" name="文本框 26"/>
+              <a:rPr lang="en-US" altLang="zh-CN" sz="1200" smtClean="0"/>
+              <a:t>Node</a:t>
+            </a:r>
+            <a:r>
+              <a:rPr lang="zh-CN" altLang="en-US" sz="1200" smtClean="0"/>
+              <a:t>：封装了当前线程</a:t>
+            </a:r>
+            <a:r>
+              <a:rPr lang="en-US" altLang="zh-CN" sz="1200" smtClean="0"/>
+              <a:t>Thread</a:t>
+            </a:r>
+            <a:r>
+              <a:rPr lang="zh-CN" altLang="en-US" sz="1200" smtClean="0"/>
+              <a:t>的信息，共享锁、独占锁</a:t>
+            </a:r>
+            <a:endParaRPr lang="en-US" altLang="zh-CN" sz="1200" smtClean="0"/>
+          </a:p>
+          <a:p>
+            <a:r>
+              <a:rPr lang="en-US" altLang="zh-CN" sz="1200" smtClean="0"/>
+              <a:t>state</a:t>
+            </a:r>
+            <a:r>
+              <a:rPr lang="zh-CN" altLang="en-US" sz="1200" smtClean="0"/>
+              <a:t>：状态值</a:t>
+            </a:r>
+            <a:endParaRPr lang="zh-CN" altLang="en-US" sz="1200"/>
+          </a:p>
+        </p:txBody>
+      </p:sp>
+      <p:sp>
+        <p:nvSpPr>
+          <p:cNvPr id="2" name="文本框 1"/>
           <p:cNvSpPr txBox="1"/>
           <p:nvPr/>
         </p:nvSpPr>
         <p:spPr>
           <a:xfrm>
-            <a:off x="5572845" y="1929163"/>
-            <a:ext cx="1378904" cy="307777"/>
+            <a:off x="4280809" y="3894348"/>
+            <a:ext cx="495649" cy="261610"/>
           </a:xfrm>
           <a:prstGeom prst="rect">
             <a:avLst/>
@@ -6803,27 +6898,23 @@
           <a:lstStyle/>
           <a:p>
             <a:r>
-              <a:rPr kumimoji="1" lang="zh-CN" altLang="en-US" sz="1400"/>
-              <a:t> </a:t>
-            </a:r>
-            <a:r>
-              <a:rPr kumimoji="1" lang="en-US" altLang="zh-CN" sz="1400" err="1" smtClean="0"/>
-              <a:t>ServletRequest</a:t>
-            </a:r>
-            <a:endParaRPr kumimoji="1" lang="en-US" altLang="zh-CN" sz="1400" smtClean="0"/>
-          </a:p>
-        </p:txBody>
-      </p:sp>
-      <p:sp>
-        <p:nvSpPr>
-          <p:cNvPr id="28" name="文本框 27"/>
+              <a:rPr lang="en-US" altLang="zh-CN" sz="1100" smtClean="0"/>
+              <a:t>node</a:t>
+            </a:r>
+            <a:endParaRPr lang="zh-CN" altLang="en-US" sz="1100"/>
+          </a:p>
+        </p:txBody>
+      </p:sp>
+      <p:sp>
+        <p:nvSpPr>
+          <p:cNvPr id="10" name="文本框 9"/>
           <p:cNvSpPr txBox="1"/>
           <p:nvPr/>
         </p:nvSpPr>
         <p:spPr>
           <a:xfrm>
-            <a:off x="7670353" y="1929162"/>
-            <a:ext cx="1547218" cy="307777"/>
+            <a:off x="4776458" y="4344816"/>
+            <a:ext cx="495649" cy="261610"/>
           </a:xfrm>
           <a:prstGeom prst="rect">
             <a:avLst/>
@@ -6837,31 +6928,23 @@
           <a:lstStyle/>
           <a:p>
             <a:r>
-              <a:rPr kumimoji="1" lang="zh-CN" altLang="en-US" sz="1400"/>
-              <a:t> </a:t>
-            </a:r>
-            <a:r>
-              <a:rPr kumimoji="1" lang="zh-CN" altLang="en-US" sz="1400" smtClean="0"/>
-              <a:t> </a:t>
-            </a:r>
-            <a:r>
-              <a:rPr kumimoji="1" lang="en-US" altLang="zh-CN" sz="1400" err="1" smtClean="0"/>
-              <a:t>ServletResponse</a:t>
-            </a:r>
-            <a:endParaRPr kumimoji="1" lang="en-US" altLang="zh-CN" sz="1400" smtClean="0"/>
-          </a:p>
-        </p:txBody>
-      </p:sp>
-      <p:sp>
-        <p:nvSpPr>
-          <p:cNvPr id="29" name="文本框 28"/>
+              <a:rPr lang="en-US" altLang="zh-CN" sz="1100" smtClean="0"/>
+              <a:t>node</a:t>
+            </a:r>
+            <a:endParaRPr lang="zh-CN" altLang="en-US" sz="1100"/>
+          </a:p>
+        </p:txBody>
+      </p:sp>
+      <p:sp>
+        <p:nvSpPr>
+          <p:cNvPr id="11" name="文本框 10"/>
           <p:cNvSpPr txBox="1"/>
           <p:nvPr/>
         </p:nvSpPr>
         <p:spPr>
           <a:xfrm>
-            <a:off x="9768907" y="1929162"/>
-            <a:ext cx="1313180" cy="307777"/>
+            <a:off x="5971578" y="4475621"/>
+            <a:ext cx="495649" cy="261610"/>
           </a:xfrm>
           <a:prstGeom prst="rect">
             <a:avLst/>
@@ -6875,777 +6958,23 @@
           <a:lstStyle/>
           <a:p>
             <a:r>
-              <a:rPr kumimoji="1" lang="zh-CN" altLang="en-US" sz="1400"/>
-              <a:t> </a:t>
-            </a:r>
-            <a:r>
-              <a:rPr kumimoji="1" lang="zh-CN" altLang="en-US" sz="1400" smtClean="0"/>
-              <a:t> </a:t>
-            </a:r>
-            <a:r>
-              <a:rPr kumimoji="1" lang="en-US" altLang="zh-CN" sz="1400" err="1" smtClean="0"/>
-              <a:t>ServletConfig</a:t>
-            </a:r>
-            <a:endParaRPr kumimoji="1" lang="en-US" altLang="zh-CN" sz="1400" smtClean="0"/>
-          </a:p>
-        </p:txBody>
-      </p:sp>
-      <p:sp>
-        <p:nvSpPr>
-          <p:cNvPr id="30" name="文本框 29"/>
-          <p:cNvSpPr txBox="1"/>
-          <p:nvPr/>
-        </p:nvSpPr>
-        <p:spPr>
-          <a:xfrm>
-            <a:off x="5370281" y="2866752"/>
-            <a:ext cx="1721946" cy="307777"/>
-          </a:xfrm>
-          <a:prstGeom prst="rect">
-            <a:avLst/>
-          </a:prstGeom>
-          <a:noFill/>
-        </p:spPr>
-        <p:txBody>
-          <a:bodyPr wrap="none" rtlCol="0">
-            <a:spAutoFit/>
-          </a:bodyPr>
-          <a:lstStyle/>
-          <a:p>
-            <a:r>
-              <a:rPr kumimoji="1" lang="zh-CN" altLang="en-US" sz="1400"/>
-              <a:t> </a:t>
-            </a:r>
-            <a:r>
-              <a:rPr kumimoji="1" lang="en-US" altLang="zh-CN" sz="1400" err="1" smtClean="0"/>
-              <a:t>HttpServletRequest</a:t>
-            </a:r>
-            <a:endParaRPr kumimoji="1" lang="en-US" altLang="zh-CN" sz="1400" smtClean="0"/>
-          </a:p>
-        </p:txBody>
-      </p:sp>
-      <p:sp>
-        <p:nvSpPr>
-          <p:cNvPr id="31" name="文本框 30"/>
-          <p:cNvSpPr txBox="1"/>
-          <p:nvPr/>
-        </p:nvSpPr>
-        <p:spPr>
-          <a:xfrm>
-            <a:off x="7670353" y="2835527"/>
-            <a:ext cx="1840568" cy="307777"/>
-          </a:xfrm>
-          <a:prstGeom prst="rect">
-            <a:avLst/>
-          </a:prstGeom>
-          <a:noFill/>
-        </p:spPr>
-        <p:txBody>
-          <a:bodyPr wrap="none" rtlCol="0">
-            <a:spAutoFit/>
-          </a:bodyPr>
-          <a:lstStyle/>
-          <a:p>
-            <a:r>
-              <a:rPr kumimoji="1" lang="zh-CN" altLang="en-US" sz="1400"/>
-              <a:t> </a:t>
-            </a:r>
-            <a:r>
-              <a:rPr kumimoji="1" lang="en-US" altLang="zh-CN" sz="1400" err="1" smtClean="0"/>
-              <a:t>HttpServletResponse</a:t>
-            </a:r>
-            <a:endParaRPr kumimoji="1" lang="en-US" altLang="zh-CN" sz="1400" smtClean="0"/>
-          </a:p>
-        </p:txBody>
-      </p:sp>
-      <p:cxnSp>
-        <p:nvCxnSpPr>
-          <p:cNvPr id="33" name="直线箭头连接符 32"/>
-          <p:cNvCxnSpPr/>
-          <p:nvPr/>
-        </p:nvCxnSpPr>
-        <p:spPr>
-          <a:xfrm>
-            <a:off x="6262297" y="2330605"/>
-            <a:ext cx="0" cy="394973"/>
-          </a:xfrm>
-          <a:prstGeom prst="straightConnector1">
-            <a:avLst/>
-          </a:prstGeom>
-          <a:ln>
-            <a:tailEnd type="triangle"/>
-          </a:ln>
-        </p:spPr>
-        <p:style>
-          <a:lnRef idx="1">
-            <a:schemeClr val="accent1"/>
-          </a:lnRef>
-          <a:fillRef idx="0">
-            <a:schemeClr val="accent1"/>
-          </a:fillRef>
-          <a:effectRef idx="0">
-            <a:schemeClr val="accent1"/>
-          </a:effectRef>
-          <a:fontRef idx="minor">
-            <a:schemeClr val="tx1"/>
-          </a:fontRef>
-        </p:style>
-      </p:cxnSp>
-      <p:cxnSp>
-        <p:nvCxnSpPr>
-          <p:cNvPr id="35" name="直线箭头连接符 34"/>
-          <p:cNvCxnSpPr>
-            <a:stCxn id="28" idx="2"/>
-          </p:cNvCxnSpPr>
-          <p:nvPr/>
-        </p:nvCxnSpPr>
-        <p:spPr>
-          <a:xfrm>
-            <a:off x="8443962" y="2236939"/>
-            <a:ext cx="0" cy="488639"/>
-          </a:xfrm>
-          <a:prstGeom prst="straightConnector1">
-            <a:avLst/>
-          </a:prstGeom>
-          <a:ln>
-            <a:tailEnd type="triangle"/>
-          </a:ln>
-        </p:spPr>
-        <p:style>
-          <a:lnRef idx="1">
-            <a:schemeClr val="accent1"/>
-          </a:lnRef>
-          <a:fillRef idx="0">
-            <a:schemeClr val="accent1"/>
-          </a:fillRef>
-          <a:effectRef idx="0">
-            <a:schemeClr val="accent1"/>
-          </a:effectRef>
-          <a:fontRef idx="minor">
-            <a:schemeClr val="tx1"/>
-          </a:fontRef>
-        </p:style>
-      </p:cxnSp>
-      <p:sp>
-        <p:nvSpPr>
-          <p:cNvPr id="37" name="文本框 36"/>
-          <p:cNvSpPr txBox="1"/>
-          <p:nvPr/>
-        </p:nvSpPr>
-        <p:spPr>
-          <a:xfrm>
-            <a:off x="144749" y="111283"/>
-            <a:ext cx="3498073" cy="1169551"/>
-          </a:xfrm>
-          <a:prstGeom prst="rect">
-            <a:avLst/>
-          </a:prstGeom>
-          <a:noFill/>
-        </p:spPr>
-        <p:txBody>
-          <a:bodyPr wrap="none" rtlCol="0">
-            <a:spAutoFit/>
-          </a:bodyPr>
-          <a:lstStyle/>
-          <a:p>
-            <a:r>
-              <a:rPr kumimoji="1" lang="en-US" altLang="zh-CN" sz="1400" smtClean="0"/>
-              <a:t>1.init(</a:t>
-            </a:r>
-            <a:r>
-              <a:rPr kumimoji="1" lang="en-US" altLang="zh-CN" sz="1400" err="1" smtClean="0"/>
-              <a:t>ServletConfig</a:t>
-            </a:r>
-            <a:r>
-              <a:rPr kumimoji="1" lang="en-US" altLang="zh-CN" sz="1400" smtClean="0"/>
-              <a:t>)</a:t>
-            </a:r>
-          </a:p>
-          <a:p>
-            <a:r>
-              <a:rPr kumimoji="1" lang="en-US" altLang="zh-CN" sz="1400" smtClean="0"/>
-              <a:t>2.destroy()</a:t>
-            </a:r>
-          </a:p>
-          <a:p>
-            <a:r>
-              <a:rPr kumimoji="1" lang="en-US" altLang="zh-CN" sz="1400" smtClean="0"/>
-              <a:t>3.service(</a:t>
-            </a:r>
-            <a:r>
-              <a:rPr kumimoji="1" lang="en-US" altLang="zh-CN" sz="1400" err="1" smtClean="0"/>
-              <a:t>ServletRequest</a:t>
-            </a:r>
-            <a:r>
-              <a:rPr kumimoji="1" lang="zh-CN" altLang="en-US" sz="1400" smtClean="0"/>
-              <a:t> </a:t>
-            </a:r>
-            <a:r>
-              <a:rPr kumimoji="1" lang="en-US" altLang="zh-CN" sz="1400" smtClean="0"/>
-              <a:t>,</a:t>
-            </a:r>
-            <a:r>
-              <a:rPr kumimoji="1" lang="zh-CN" altLang="en-US" sz="1400"/>
-              <a:t> </a:t>
-            </a:r>
-            <a:r>
-              <a:rPr kumimoji="1" lang="en-US" altLang="zh-CN" sz="1400" err="1" smtClean="0"/>
-              <a:t>SerlvetResponse</a:t>
-            </a:r>
-            <a:r>
-              <a:rPr kumimoji="1" lang="en-US" altLang="zh-CN" sz="1400" smtClean="0"/>
-              <a:t>)</a:t>
-            </a:r>
-          </a:p>
-          <a:p>
-            <a:r>
-              <a:rPr kumimoji="1" lang="en-US" altLang="zh-CN" sz="1400" smtClean="0"/>
-              <a:t>4.getServletConfig()</a:t>
-            </a:r>
-          </a:p>
-          <a:p>
-            <a:r>
-              <a:rPr kumimoji="1" lang="en-US" altLang="zh-CN" sz="1400" smtClean="0"/>
-              <a:t>5.getServletInfo()</a:t>
-            </a:r>
-            <a:endParaRPr kumimoji="1" lang="zh-CN" altLang="en-US" sz="1400"/>
-          </a:p>
-        </p:txBody>
-      </p:sp>
-      <p:cxnSp>
-        <p:nvCxnSpPr>
-          <p:cNvPr id="39" name="直线箭头连接符 38"/>
-          <p:cNvCxnSpPr/>
-          <p:nvPr/>
-        </p:nvCxnSpPr>
-        <p:spPr>
-          <a:xfrm>
-            <a:off x="1895707" y="1405054"/>
-            <a:ext cx="1460810" cy="677996"/>
-          </a:xfrm>
-          <a:prstGeom prst="straightConnector1">
-            <a:avLst/>
-          </a:prstGeom>
-          <a:ln>
-            <a:tailEnd type="triangle"/>
-          </a:ln>
-        </p:spPr>
-        <p:style>
-          <a:lnRef idx="1">
-            <a:schemeClr val="accent1"/>
-          </a:lnRef>
-          <a:fillRef idx="0">
-            <a:schemeClr val="accent1"/>
-          </a:fillRef>
-          <a:effectRef idx="0">
-            <a:schemeClr val="accent1"/>
-          </a:effectRef>
-          <a:fontRef idx="minor">
-            <a:schemeClr val="tx1"/>
-          </a:fontRef>
-        </p:style>
-      </p:cxnSp>
-      <p:sp>
-        <p:nvSpPr>
-          <p:cNvPr id="40" name="文本框 39"/>
-          <p:cNvSpPr txBox="1"/>
-          <p:nvPr/>
-        </p:nvSpPr>
-        <p:spPr>
-          <a:xfrm>
-            <a:off x="6501161" y="1028606"/>
-            <a:ext cx="1441420" cy="307777"/>
-          </a:xfrm>
-          <a:prstGeom prst="rect">
-            <a:avLst/>
-          </a:prstGeom>
-          <a:noFill/>
-        </p:spPr>
-        <p:txBody>
-          <a:bodyPr wrap="none" rtlCol="0">
-            <a:spAutoFit/>
-          </a:bodyPr>
-          <a:lstStyle/>
-          <a:p>
-            <a:r>
-              <a:rPr kumimoji="1" lang="zh-CN" altLang="en-US" sz="1400" smtClean="0"/>
-              <a:t>客户端请求接口</a:t>
-            </a:r>
-            <a:endParaRPr kumimoji="1" lang="zh-CN" altLang="en-US" sz="1400"/>
-          </a:p>
-        </p:txBody>
-      </p:sp>
-      <p:cxnSp>
-        <p:nvCxnSpPr>
-          <p:cNvPr id="42" name="直线箭头连接符 41"/>
-          <p:cNvCxnSpPr>
-            <a:stCxn id="40" idx="2"/>
-          </p:cNvCxnSpPr>
-          <p:nvPr/>
-        </p:nvCxnSpPr>
-        <p:spPr>
-          <a:xfrm flipH="1">
-            <a:off x="6701907" y="1336383"/>
-            <a:ext cx="519964" cy="492417"/>
-          </a:xfrm>
-          <a:prstGeom prst="straightConnector1">
-            <a:avLst/>
-          </a:prstGeom>
-          <a:ln>
-            <a:tailEnd type="triangle"/>
-          </a:ln>
-        </p:spPr>
-        <p:style>
-          <a:lnRef idx="1">
-            <a:schemeClr val="accent1"/>
-          </a:lnRef>
-          <a:fillRef idx="0">
-            <a:schemeClr val="accent1"/>
-          </a:fillRef>
-          <a:effectRef idx="0">
-            <a:schemeClr val="accent1"/>
-          </a:effectRef>
-          <a:fontRef idx="minor">
-            <a:schemeClr val="tx1"/>
-          </a:fontRef>
-        </p:style>
-      </p:cxnSp>
-      <p:cxnSp>
-        <p:nvCxnSpPr>
-          <p:cNvPr id="44" name="直线箭头连接符 43"/>
-          <p:cNvCxnSpPr>
-            <a:stCxn id="40" idx="2"/>
-          </p:cNvCxnSpPr>
-          <p:nvPr/>
-        </p:nvCxnSpPr>
-        <p:spPr>
-          <a:xfrm>
-            <a:off x="7221871" y="1336383"/>
-            <a:ext cx="684344" cy="499115"/>
-          </a:xfrm>
-          <a:prstGeom prst="straightConnector1">
-            <a:avLst/>
-          </a:prstGeom>
-          <a:ln>
-            <a:tailEnd type="triangle"/>
-          </a:ln>
-        </p:spPr>
-        <p:style>
-          <a:lnRef idx="1">
-            <a:schemeClr val="accent1"/>
-          </a:lnRef>
-          <a:fillRef idx="0">
-            <a:schemeClr val="accent1"/>
-          </a:fillRef>
-          <a:effectRef idx="0">
-            <a:schemeClr val="accent1"/>
-          </a:effectRef>
-          <a:fontRef idx="minor">
-            <a:schemeClr val="tx1"/>
-          </a:fontRef>
-        </p:style>
-      </p:cxnSp>
-      <p:sp>
-        <p:nvSpPr>
-          <p:cNvPr id="45" name="文本框 44"/>
-          <p:cNvSpPr txBox="1"/>
-          <p:nvPr/>
-        </p:nvSpPr>
-        <p:spPr>
-          <a:xfrm>
-            <a:off x="2255578" y="4197522"/>
-            <a:ext cx="3033203" cy="461665"/>
-          </a:xfrm>
-          <a:prstGeom prst="rect">
-            <a:avLst/>
-          </a:prstGeom>
-          <a:noFill/>
-        </p:spPr>
-        <p:txBody>
-          <a:bodyPr wrap="none" rtlCol="0">
-            <a:spAutoFit/>
-          </a:bodyPr>
-          <a:lstStyle/>
-          <a:p>
-            <a:r>
-              <a:rPr kumimoji="1" lang="zh-CN" altLang="en-US" sz="1200" smtClean="0"/>
-              <a:t>提供了与</a:t>
-            </a:r>
-            <a:r>
-              <a:rPr kumimoji="1" lang="en-US" altLang="zh-CN" sz="1200" smtClean="0"/>
-              <a:t>http</a:t>
-            </a:r>
-            <a:r>
-              <a:rPr kumimoji="1" lang="zh-CN" altLang="en-US" sz="1200" smtClean="0"/>
-              <a:t>协议相关实现，所有</a:t>
-            </a:r>
-            <a:r>
-              <a:rPr kumimoji="1" lang="en-US" altLang="zh-CN" sz="1200" smtClean="0"/>
-              <a:t>java</a:t>
-            </a:r>
-            <a:r>
-              <a:rPr kumimoji="1" lang="zh-CN" altLang="en-US" sz="1200" smtClean="0"/>
-              <a:t> </a:t>
-            </a:r>
-            <a:r>
-              <a:rPr kumimoji="1" lang="en-US" altLang="zh-CN" sz="1200" smtClean="0"/>
-              <a:t>web</a:t>
-            </a:r>
-          </a:p>
-          <a:p>
-            <a:r>
-              <a:rPr kumimoji="1" lang="zh-CN" altLang="en-US" sz="1200" smtClean="0"/>
-              <a:t>自定义开发，都实现</a:t>
-            </a:r>
-            <a:r>
-              <a:rPr kumimoji="1" lang="en-US" altLang="zh-CN" sz="1200" err="1" smtClean="0"/>
-              <a:t>HttpServlet</a:t>
-            </a:r>
-            <a:endParaRPr kumimoji="1" lang="zh-CN" altLang="en-US" sz="1200"/>
-          </a:p>
-        </p:txBody>
-      </p:sp>
-      <p:sp>
-        <p:nvSpPr>
-          <p:cNvPr id="46" name="文本框 45"/>
-          <p:cNvSpPr txBox="1"/>
-          <p:nvPr/>
-        </p:nvSpPr>
-        <p:spPr>
-          <a:xfrm>
-            <a:off x="6501161" y="3517507"/>
-            <a:ext cx="1604927" cy="307777"/>
-          </a:xfrm>
-          <a:prstGeom prst="rect">
-            <a:avLst/>
-          </a:prstGeom>
-          <a:noFill/>
-        </p:spPr>
-        <p:txBody>
-          <a:bodyPr wrap="none" rtlCol="0">
-            <a:spAutoFit/>
-          </a:bodyPr>
-          <a:lstStyle/>
-          <a:p>
-            <a:r>
-              <a:rPr kumimoji="1" lang="en-US" altLang="zh-CN" sz="1400" smtClean="0"/>
-              <a:t>Http</a:t>
-            </a:r>
-            <a:r>
-              <a:rPr kumimoji="1" lang="zh-CN" altLang="en-US" sz="1400" smtClean="0"/>
-              <a:t>协议相关接口</a:t>
-            </a:r>
-            <a:endParaRPr kumimoji="1" lang="zh-CN" altLang="en-US" sz="1400"/>
-          </a:p>
-        </p:txBody>
-      </p:sp>
-      <p:cxnSp>
-        <p:nvCxnSpPr>
-          <p:cNvPr id="48" name="直线箭头连接符 47"/>
-          <p:cNvCxnSpPr/>
-          <p:nvPr/>
-        </p:nvCxnSpPr>
-        <p:spPr>
-          <a:xfrm flipH="1" flipV="1">
-            <a:off x="6813395" y="3297193"/>
-            <a:ext cx="278832" cy="111510"/>
-          </a:xfrm>
-          <a:prstGeom prst="straightConnector1">
-            <a:avLst/>
-          </a:prstGeom>
-          <a:ln>
-            <a:tailEnd type="triangle"/>
-          </a:ln>
-        </p:spPr>
-        <p:style>
-          <a:lnRef idx="1">
-            <a:schemeClr val="accent1"/>
-          </a:lnRef>
-          <a:fillRef idx="0">
-            <a:schemeClr val="accent1"/>
-          </a:fillRef>
-          <a:effectRef idx="0">
-            <a:schemeClr val="accent1"/>
-          </a:effectRef>
-          <a:fontRef idx="minor">
-            <a:schemeClr val="tx1"/>
-          </a:fontRef>
-        </p:style>
-      </p:cxnSp>
-      <p:cxnSp>
-        <p:nvCxnSpPr>
-          <p:cNvPr id="50" name="直线箭头连接符 49"/>
-          <p:cNvCxnSpPr/>
-          <p:nvPr/>
-        </p:nvCxnSpPr>
-        <p:spPr>
-          <a:xfrm flipV="1">
-            <a:off x="7221871" y="3315703"/>
-            <a:ext cx="260597" cy="93000"/>
-          </a:xfrm>
-          <a:prstGeom prst="straightConnector1">
-            <a:avLst/>
-          </a:prstGeom>
-          <a:ln>
-            <a:tailEnd type="triangle"/>
-          </a:ln>
-        </p:spPr>
-        <p:style>
-          <a:lnRef idx="1">
-            <a:schemeClr val="accent1"/>
-          </a:lnRef>
-          <a:fillRef idx="0">
-            <a:schemeClr val="accent1"/>
-          </a:fillRef>
-          <a:effectRef idx="0">
-            <a:schemeClr val="accent1"/>
-          </a:effectRef>
-          <a:fontRef idx="minor">
-            <a:schemeClr val="tx1"/>
-          </a:fontRef>
-        </p:style>
-      </p:cxnSp>
-      <p:sp>
-        <p:nvSpPr>
-          <p:cNvPr id="51" name="文本框 50"/>
-          <p:cNvSpPr txBox="1"/>
-          <p:nvPr/>
-        </p:nvSpPr>
-        <p:spPr>
-          <a:xfrm>
-            <a:off x="197691" y="5405627"/>
-            <a:ext cx="9778639" cy="830997"/>
-          </a:xfrm>
-          <a:prstGeom prst="rect">
-            <a:avLst/>
-          </a:prstGeom>
-          <a:noFill/>
-        </p:spPr>
-        <p:txBody>
-          <a:bodyPr wrap="none" rtlCol="0">
-            <a:spAutoFit/>
-          </a:bodyPr>
-          <a:lstStyle/>
-          <a:p>
-            <a:r>
-              <a:rPr kumimoji="1" lang="en-US" altLang="zh-CN" sz="1200" b="1" err="1" smtClean="0">
-                <a:solidFill>
-                  <a:srgbClr val="FF0000"/>
-                </a:solidFill>
-              </a:rPr>
-              <a:t>ServletContext</a:t>
-            </a:r>
-            <a:r>
-              <a:rPr kumimoji="1" lang="zh-CN" altLang="en-US" sz="1200" smtClean="0"/>
-              <a:t>：是</a:t>
-            </a:r>
-            <a:r>
-              <a:rPr kumimoji="1" lang="en-US" altLang="zh-CN" sz="1200" smtClean="0"/>
-              <a:t>servlet</a:t>
-            </a:r>
-            <a:r>
-              <a:rPr kumimoji="1" lang="zh-CN" altLang="en-US" sz="1200" smtClean="0"/>
-              <a:t>和</a:t>
-            </a:r>
-            <a:r>
-              <a:rPr kumimoji="1" lang="en-US" altLang="zh-CN" sz="1200" smtClean="0"/>
-              <a:t>servlet</a:t>
-            </a:r>
-            <a:r>
-              <a:rPr kumimoji="1" lang="zh-CN" altLang="en-US" sz="1200" smtClean="0"/>
-              <a:t>容器之间通信的接口。</a:t>
-            </a:r>
-            <a:r>
-              <a:rPr kumimoji="1" lang="en-US" altLang="zh-CN" sz="1200"/>
-              <a:t>Servlet</a:t>
-            </a:r>
-            <a:r>
-              <a:rPr kumimoji="1" lang="zh-CN" altLang="en-US" sz="1200"/>
-              <a:t>容器在启动一个</a:t>
-            </a:r>
-            <a:r>
-              <a:rPr kumimoji="1" lang="en-US" altLang="zh-CN" sz="1200"/>
-              <a:t>Web</a:t>
-            </a:r>
-            <a:r>
-              <a:rPr kumimoji="1" lang="zh-CN" altLang="en-US" sz="1200"/>
-              <a:t>应用时，会为它创建一个</a:t>
-            </a:r>
-            <a:r>
-              <a:rPr kumimoji="1" lang="en-US" altLang="zh-CN" sz="1200" err="1"/>
-              <a:t>ServletContext</a:t>
-            </a:r>
-            <a:r>
-              <a:rPr kumimoji="1" lang="zh-CN" altLang="en-US" sz="1200"/>
-              <a:t>对象</a:t>
-            </a:r>
-            <a:r>
-              <a:rPr kumimoji="1" lang="zh-CN" altLang="en-US" sz="1200" smtClean="0"/>
-              <a:t>。</a:t>
-            </a:r>
-            <a:endParaRPr kumimoji="1" lang="en-US" altLang="zh-CN" sz="1200" smtClean="0"/>
-          </a:p>
-          <a:p>
-            <a:r>
-              <a:rPr kumimoji="1" lang="zh-CN" altLang="en-US" sz="1200" smtClean="0"/>
-              <a:t>每个</a:t>
-            </a:r>
-            <a:r>
-              <a:rPr kumimoji="1" lang="en-US" altLang="zh-CN" sz="1200"/>
-              <a:t>Web</a:t>
-            </a:r>
-            <a:r>
-              <a:rPr kumimoji="1" lang="zh-CN" altLang="en-US" sz="1200"/>
-              <a:t>应用都有唯一的</a:t>
-            </a:r>
-            <a:r>
-              <a:rPr kumimoji="1" lang="en-US" altLang="zh-CN" sz="1200" err="1"/>
-              <a:t>ServletContext</a:t>
-            </a:r>
-            <a:r>
-              <a:rPr kumimoji="1" lang="zh-CN" altLang="en-US" sz="1200"/>
-              <a:t>对象，可以把</a:t>
-            </a:r>
-            <a:r>
-              <a:rPr kumimoji="1" lang="en-US" altLang="zh-CN" sz="1200" err="1"/>
-              <a:t>ServletContext</a:t>
-            </a:r>
-            <a:r>
-              <a:rPr kumimoji="1" lang="zh-CN" altLang="en-US" sz="1200"/>
-              <a:t>对象形象地理解为</a:t>
-            </a:r>
-            <a:r>
-              <a:rPr kumimoji="1" lang="en-US" altLang="zh-CN" sz="1200"/>
-              <a:t>Web</a:t>
-            </a:r>
-            <a:r>
-              <a:rPr kumimoji="1" lang="zh-CN" altLang="en-US" sz="1200"/>
-              <a:t>应用的总管家，同一个</a:t>
-            </a:r>
-            <a:r>
-              <a:rPr kumimoji="1" lang="en-US" altLang="zh-CN" sz="1200"/>
-              <a:t>Web</a:t>
-            </a:r>
-            <a:r>
-              <a:rPr kumimoji="1" lang="zh-CN" altLang="en-US" sz="1200"/>
-              <a:t>应用中的所有</a:t>
-            </a:r>
-            <a:r>
-              <a:rPr kumimoji="1" lang="en-US" altLang="zh-CN" sz="1200"/>
-              <a:t>Servlet</a:t>
-            </a:r>
-            <a:r>
-              <a:rPr kumimoji="1" lang="zh-CN" altLang="en-US" sz="1200" smtClean="0"/>
-              <a:t>对象</a:t>
-            </a:r>
-            <a:endParaRPr kumimoji="1" lang="en-US" altLang="zh-CN" sz="1200" smtClean="0"/>
-          </a:p>
-          <a:p>
-            <a:r>
-              <a:rPr kumimoji="1" lang="zh-CN" altLang="en-US" sz="1200" smtClean="0"/>
-              <a:t>都</a:t>
-            </a:r>
-            <a:r>
-              <a:rPr kumimoji="1" lang="zh-CN" altLang="en-US" sz="1200"/>
-              <a:t>共享一个</a:t>
-            </a:r>
-            <a:r>
-              <a:rPr kumimoji="1" lang="en-US" altLang="zh-CN" sz="1200" err="1"/>
-              <a:t>ServletContext</a:t>
-            </a:r>
-            <a:r>
-              <a:rPr kumimoji="1" lang="zh-CN" altLang="en-US" sz="1200"/>
-              <a:t>，</a:t>
-            </a:r>
-            <a:r>
-              <a:rPr kumimoji="1" lang="en-US" altLang="zh-CN" sz="1200"/>
-              <a:t>Servlet</a:t>
-            </a:r>
-            <a:r>
-              <a:rPr kumimoji="1" lang="zh-CN" altLang="en-US" sz="1200"/>
-              <a:t>对象可以通过其访问容器中的各种资源。</a:t>
-            </a:r>
-          </a:p>
-          <a:p>
-            <a:endParaRPr kumimoji="1" lang="zh-CN" altLang="en-US" sz="1200"/>
-          </a:p>
-        </p:txBody>
-      </p:sp>
-      <p:sp>
-        <p:nvSpPr>
-          <p:cNvPr id="32" name="文本框 31"/>
-          <p:cNvSpPr txBox="1"/>
-          <p:nvPr/>
-        </p:nvSpPr>
-        <p:spPr>
-          <a:xfrm>
-            <a:off x="190589" y="2207270"/>
-            <a:ext cx="2270173" cy="261610"/>
-          </a:xfrm>
-          <a:prstGeom prst="rect">
-            <a:avLst/>
-          </a:prstGeom>
-          <a:noFill/>
-        </p:spPr>
-        <p:txBody>
-          <a:bodyPr wrap="none" rtlCol="0">
-            <a:spAutoFit/>
-          </a:bodyPr>
-          <a:lstStyle/>
-          <a:p>
-            <a:r>
-              <a:rPr kumimoji="1" lang="zh-CN" altLang="en-US" sz="1100"/>
-              <a:t> </a:t>
-            </a:r>
-            <a:r>
-              <a:rPr kumimoji="1" lang="zh-CN" altLang="en-US" sz="1100" smtClean="0"/>
-              <a:t> </a:t>
-            </a:r>
-            <a:r>
-              <a:rPr kumimoji="1" lang="en-US" altLang="zh-CN" sz="1100" smtClean="0"/>
-              <a:t>tomcat</a:t>
-            </a:r>
-            <a:r>
-              <a:rPr kumimoji="1" lang="zh-CN" altLang="en-US" sz="1100" smtClean="0"/>
-              <a:t>：</a:t>
-            </a:r>
-            <a:r>
-              <a:rPr kumimoji="1" lang="en-US" altLang="zh-CN" sz="1100" smtClean="0"/>
-              <a:t>web</a:t>
-            </a:r>
-            <a:r>
-              <a:rPr kumimoji="1" lang="zh-CN" altLang="en-US" sz="1100" smtClean="0"/>
-              <a:t>服务器</a:t>
-            </a:r>
-            <a:r>
-              <a:rPr kumimoji="1" lang="en-US" altLang="zh-CN" sz="1100" smtClean="0"/>
-              <a:t>+servlet</a:t>
-            </a:r>
-            <a:r>
-              <a:rPr kumimoji="1" lang="zh-CN" altLang="en-US" sz="1100" smtClean="0"/>
-              <a:t>容器</a:t>
-            </a:r>
-            <a:endParaRPr kumimoji="1" lang="en-US" altLang="zh-CN" sz="1100" smtClean="0"/>
+              <a:rPr lang="en-US" altLang="zh-CN" sz="1100" smtClean="0"/>
+              <a:t>node</a:t>
+            </a:r>
+            <a:endParaRPr lang="zh-CN" altLang="en-US" sz="1100"/>
           </a:p>
         </p:txBody>
       </p:sp>
     </p:spTree>
     <p:extLst>
       <p:ext uri="{BB962C8B-B14F-4D97-AF65-F5344CB8AC3E}">
-        <p14:creationId xmlns:p14="http://schemas.microsoft.com/office/powerpoint/2010/main" val="1646528644"/>
+        <p14:creationId xmlns:p14="http://schemas.microsoft.com/office/powerpoint/2010/main" val="1401220142"/>
       </p:ext>
     </p:extLst>
   </p:cSld>
   <p:clrMapOvr>
     <a:masterClrMapping/>
   </p:clrMapOvr>
-  <p:timing>
-    <p:tnLst>
-      <p:par>
-        <p:cTn id="1" dur="indefinite" restart="never" nodeType="tmRoot"/>
-      </p:par>
-    </p:tnLst>
-  </p:timing>
 </p:sld>
 </file>
 
@@ -7666,9 +6995,148 @@
           <a:chExt cx="0" cy="0"/>
         </a:xfrm>
       </p:grpSpPr>
+      <p:sp>
+        <p:nvSpPr>
+          <p:cNvPr id="27" name="文本框 26"/>
+          <p:cNvSpPr txBox="1"/>
+          <p:nvPr/>
+        </p:nvSpPr>
+        <p:spPr>
+          <a:xfrm>
+            <a:off x="672352" y="3210491"/>
+            <a:ext cx="10400604" cy="861774"/>
+          </a:xfrm>
+          <a:prstGeom prst="rect">
+            <a:avLst/>
+          </a:prstGeom>
+          <a:noFill/>
+        </p:spPr>
+        <p:txBody>
+          <a:bodyPr wrap="none" rtlCol="0">
+            <a:spAutoFit/>
+          </a:bodyPr>
+          <a:lstStyle/>
+          <a:p>
+            <a:r>
+              <a:rPr lang="zh-CN" altLang="en-US" sz="1000" b="1"/>
+              <a:t>标准</a:t>
+            </a:r>
+            <a:r>
+              <a:rPr lang="zh-CN" altLang="en-US" sz="1000" b="1" smtClean="0"/>
+              <a:t>访问文件方式：</a:t>
+            </a:r>
+            <a:r>
+              <a:rPr lang="zh-CN" altLang="en-US" sz="1000" smtClean="0"/>
+              <a:t>应用调用</a:t>
+            </a:r>
+            <a:r>
+              <a:rPr lang="en-US" altLang="zh-CN" sz="1000" smtClean="0"/>
+              <a:t>read()</a:t>
+            </a:r>
+            <a:r>
+              <a:rPr lang="zh-CN" altLang="en-US" sz="1000" smtClean="0"/>
+              <a:t>接口，操作系统检查内核的高速缓存中有没有数据，如果有直接返回，否则读取磁盘信息，然后缓存在内核缓存中</a:t>
+            </a:r>
+            <a:endParaRPr lang="en-US" altLang="zh-CN" sz="1000" smtClean="0"/>
+          </a:p>
+          <a:p>
+            <a:r>
+              <a:rPr lang="en-US" altLang="zh-CN" sz="1000" smtClean="0"/>
+              <a:t>        (</a:t>
+            </a:r>
+            <a:r>
+              <a:rPr lang="zh-CN" altLang="en-US" sz="1000" smtClean="0"/>
+              <a:t>内核缓存：将磁盘读取的文件按照一定的组织方式进行缓存，用户如果访问的是同一段磁盘地址的空间数据，操作系统从内核缓冲中直接读取信息，减少</a:t>
+            </a:r>
+            <a:r>
+              <a:rPr lang="en-US" altLang="zh-CN" sz="1000" smtClean="0"/>
+              <a:t>I/O</a:t>
+            </a:r>
+            <a:r>
+              <a:rPr lang="zh-CN" altLang="en-US" sz="1000" smtClean="0"/>
+              <a:t>响应时间</a:t>
+            </a:r>
+            <a:r>
+              <a:rPr lang="en-US" altLang="zh-CN" sz="1000" smtClean="0"/>
+              <a:t>)</a:t>
+            </a:r>
+          </a:p>
+          <a:p>
+            <a:endParaRPr lang="en-US" altLang="zh-CN" sz="1000" smtClean="0"/>
+          </a:p>
+          <a:p>
+            <a:r>
+              <a:rPr lang="zh-CN" altLang="en-US" sz="1000" b="1" smtClean="0"/>
+              <a:t>写入文件：</a:t>
+            </a:r>
+            <a:r>
+              <a:rPr lang="zh-CN" altLang="en-US" sz="1000" smtClean="0"/>
+              <a:t>应用调用</a:t>
+            </a:r>
+            <a:r>
+              <a:rPr lang="en-US" altLang="zh-CN" sz="1000" smtClean="0"/>
+              <a:t>wirte()</a:t>
+            </a:r>
+            <a:r>
+              <a:rPr lang="zh-CN" altLang="en-US" sz="1000" smtClean="0"/>
+              <a:t>接口，将数据从用户地址空间复制到内核地址空间的缓存中，这时对用户来说写操作就已经完成，至于什么时候再写到磁盘中，由操作系统决定，除非调用</a:t>
+            </a:r>
+            <a:endParaRPr lang="en-US" altLang="zh-CN" sz="1000" smtClean="0"/>
+          </a:p>
+          <a:p>
+            <a:r>
+              <a:rPr lang="en-US" altLang="zh-CN" sz="1000"/>
+              <a:t> </a:t>
+            </a:r>
+            <a:r>
+              <a:rPr lang="en-US" altLang="zh-CN" sz="1000" smtClean="0"/>
+              <a:t>   sync</a:t>
+            </a:r>
+            <a:r>
+              <a:rPr lang="zh-CN" altLang="en-US" sz="1000" smtClean="0"/>
+              <a:t>同步命令</a:t>
+            </a:r>
+            <a:endParaRPr lang="zh-CN" altLang="en-US" sz="1000"/>
+          </a:p>
+        </p:txBody>
+      </p:sp>
+      <p:sp>
+        <p:nvSpPr>
+          <p:cNvPr id="28" name="文本框 27"/>
+          <p:cNvSpPr txBox="1"/>
+          <p:nvPr/>
+        </p:nvSpPr>
+        <p:spPr>
+          <a:xfrm>
+            <a:off x="528918" y="305707"/>
+            <a:ext cx="1321196" cy="276999"/>
+          </a:xfrm>
+          <a:prstGeom prst="rect">
+            <a:avLst/>
+          </a:prstGeom>
+          <a:noFill/>
+        </p:spPr>
+        <p:txBody>
+          <a:bodyPr wrap="none" rtlCol="0">
+            <a:spAutoFit/>
+          </a:bodyPr>
+          <a:lstStyle/>
+          <a:p>
+            <a:r>
+              <a:rPr lang="en-US" altLang="zh-CN" sz="1200" smtClean="0"/>
+              <a:t>I/O</a:t>
+            </a:r>
+            <a:r>
+              <a:rPr lang="zh-CN" altLang="en-US" sz="1200" smtClean="0"/>
+              <a:t>访问文件方式</a:t>
+            </a:r>
+            <a:endParaRPr lang="zh-CN" altLang="en-US" sz="1200"/>
+          </a:p>
+        </p:txBody>
+      </p:sp>
       <p:pic>
         <p:nvPicPr>
-          <p:cNvPr id="6" name="图片 5"/>
+          <p:cNvPr id="29" name="图片 28"/>
           <p:cNvPicPr>
             <a:picLocks noChangeAspect="1"/>
           </p:cNvPicPr>
@@ -7682,460 +7150,18 @@
         </p:blipFill>
         <p:spPr>
           <a:xfrm>
-            <a:off x="3307168" y="1484239"/>
-            <a:ext cx="5824471" cy="3311045"/>
+            <a:off x="3962891" y="542820"/>
+            <a:ext cx="3819525" cy="2476500"/>
           </a:xfrm>
           <a:prstGeom prst="rect">
             <a:avLst/>
           </a:prstGeom>
         </p:spPr>
       </p:pic>
-      <p:sp>
-        <p:nvSpPr>
-          <p:cNvPr id="7" name="文本框 6"/>
-          <p:cNvSpPr txBox="1"/>
-          <p:nvPr/>
-        </p:nvSpPr>
-        <p:spPr>
-          <a:xfrm>
-            <a:off x="3391784" y="1371600"/>
-            <a:ext cx="1778051" cy="523220"/>
-          </a:xfrm>
-          <a:prstGeom prst="rect">
-            <a:avLst/>
-          </a:prstGeom>
-          <a:noFill/>
-        </p:spPr>
-        <p:txBody>
-          <a:bodyPr wrap="none" rtlCol="0">
-            <a:spAutoFit/>
-          </a:bodyPr>
-          <a:lstStyle/>
-          <a:p>
-            <a:r>
-              <a:rPr lang="en-US" altLang="zh-CN" sz="1400" smtClean="0"/>
-              <a:t>state</a:t>
-            </a:r>
-            <a:r>
-              <a:rPr lang="zh-CN" altLang="en-US" sz="1400" smtClean="0"/>
-              <a:t>：</a:t>
-            </a:r>
-            <a:r>
-              <a:rPr lang="en-US" altLang="zh-CN" sz="1400" smtClean="0"/>
-              <a:t>1</a:t>
-            </a:r>
-          </a:p>
-          <a:p>
-            <a:r>
-              <a:rPr lang="en-US" altLang="zh-CN" sz="1400" smtClean="0"/>
-              <a:t>state</a:t>
-            </a:r>
-            <a:r>
-              <a:rPr lang="zh-CN" altLang="en-US" sz="1400" smtClean="0"/>
-              <a:t>：</a:t>
-            </a:r>
-            <a:r>
-              <a:rPr lang="en-US" altLang="zh-CN" sz="1400" smtClean="0"/>
-              <a:t>2 </a:t>
-            </a:r>
-            <a:r>
-              <a:rPr lang="zh-CN" altLang="en-US" sz="1400" smtClean="0"/>
-              <a:t>增加状态值</a:t>
-            </a:r>
-            <a:endParaRPr lang="zh-CN" altLang="en-US" sz="1400"/>
-          </a:p>
-        </p:txBody>
-      </p:sp>
-      <p:cxnSp>
-        <p:nvCxnSpPr>
-          <p:cNvPr id="9" name="曲线连接符 8"/>
-          <p:cNvCxnSpPr/>
-          <p:nvPr/>
-        </p:nvCxnSpPr>
-        <p:spPr>
-          <a:xfrm rot="5400000" flipH="1" flipV="1">
-            <a:off x="2318119" y="2360654"/>
-            <a:ext cx="2062718" cy="84611"/>
-          </a:xfrm>
-          <a:prstGeom prst="curvedConnector3">
-            <a:avLst>
-              <a:gd name="adj1" fmla="val 113918"/>
-            </a:avLst>
-          </a:prstGeom>
-          <a:ln>
-            <a:tailEnd type="triangle"/>
-          </a:ln>
-        </p:spPr>
-        <p:style>
-          <a:lnRef idx="1">
-            <a:schemeClr val="accent1"/>
-          </a:lnRef>
-          <a:fillRef idx="0">
-            <a:schemeClr val="accent1"/>
-          </a:fillRef>
-          <a:effectRef idx="0">
-            <a:schemeClr val="accent1"/>
-          </a:effectRef>
-          <a:fontRef idx="minor">
-            <a:schemeClr val="tx1"/>
-          </a:fontRef>
-        </p:style>
-      </p:cxnSp>
-      <p:sp>
-        <p:nvSpPr>
-          <p:cNvPr id="21" name="文本框 20"/>
-          <p:cNvSpPr txBox="1"/>
-          <p:nvPr/>
-        </p:nvSpPr>
-        <p:spPr>
-          <a:xfrm>
-            <a:off x="513905" y="163033"/>
-            <a:ext cx="2943434" cy="677108"/>
-          </a:xfrm>
-          <a:prstGeom prst="rect">
-            <a:avLst/>
-          </a:prstGeom>
-          <a:noFill/>
-        </p:spPr>
-        <p:txBody>
-          <a:bodyPr wrap="none" rtlCol="0">
-            <a:spAutoFit/>
-          </a:bodyPr>
-          <a:lstStyle/>
-          <a:p>
-            <a:r>
-              <a:rPr lang="en-US" altLang="zh-CN" sz="1400" smtClean="0"/>
-              <a:t>AQS</a:t>
-            </a:r>
-            <a:r>
-              <a:rPr lang="zh-CN" altLang="en-US" sz="1400" smtClean="0"/>
-              <a:t>的原理：</a:t>
-            </a:r>
-            <a:endParaRPr lang="en-US" altLang="zh-CN" sz="1400" smtClean="0"/>
-          </a:p>
-          <a:p>
-            <a:r>
-              <a:rPr lang="zh-CN" altLang="en-US" sz="1200" smtClean="0"/>
-              <a:t>    独占</a:t>
-            </a:r>
-            <a:r>
-              <a:rPr lang="zh-CN" altLang="en-US" sz="1200"/>
-              <a:t>锁：</a:t>
-            </a:r>
-            <a:r>
-              <a:rPr lang="en-US" altLang="zh-CN" sz="1200"/>
-              <a:t>ReentrantLock</a:t>
-            </a:r>
-          </a:p>
-          <a:p>
-            <a:r>
-              <a:rPr lang="zh-CN" altLang="en-US" sz="1200" smtClean="0"/>
-              <a:t>    共享锁</a:t>
-            </a:r>
-            <a:r>
-              <a:rPr lang="zh-CN" altLang="en-US" sz="1200"/>
-              <a:t>：</a:t>
-            </a:r>
-            <a:r>
-              <a:rPr lang="en-US" altLang="zh-CN" sz="1200"/>
-              <a:t>Semphore</a:t>
-            </a:r>
-            <a:r>
-              <a:rPr lang="zh-CN" altLang="en-US" sz="1200"/>
-              <a:t>、</a:t>
-            </a:r>
-            <a:r>
-              <a:rPr lang="en-US" altLang="zh-CN" sz="1200" smtClean="0"/>
-              <a:t>CountDownLatch</a:t>
-            </a:r>
-            <a:endParaRPr lang="zh-CN" altLang="en-US" sz="1200"/>
-          </a:p>
-        </p:txBody>
-      </p:sp>
-      <p:sp>
-        <p:nvSpPr>
-          <p:cNvPr id="22" name="文本框 21"/>
-          <p:cNvSpPr txBox="1"/>
-          <p:nvPr/>
-        </p:nvSpPr>
-        <p:spPr>
-          <a:xfrm>
-            <a:off x="7003310" y="5153216"/>
-            <a:ext cx="4496744" cy="1354217"/>
-          </a:xfrm>
-          <a:prstGeom prst="rect">
-            <a:avLst/>
-          </a:prstGeom>
-          <a:noFill/>
-        </p:spPr>
-        <p:txBody>
-          <a:bodyPr wrap="none" rtlCol="0">
-            <a:spAutoFit/>
-          </a:bodyPr>
-          <a:lstStyle/>
-          <a:p>
-            <a:r>
-              <a:rPr lang="zh-CN" altLang="en-US" sz="1200" smtClean="0"/>
-              <a:t>获取资源伪代码：</a:t>
-            </a:r>
-            <a:endParaRPr lang="en-US" altLang="zh-CN" sz="1200" smtClean="0"/>
-          </a:p>
-          <a:p>
-            <a:r>
-              <a:rPr lang="en-US" altLang="zh-CN" sz="1400" smtClean="0"/>
-              <a:t>public </a:t>
-            </a:r>
-            <a:r>
-              <a:rPr lang="en-US" altLang="zh-CN" sz="1400"/>
-              <a:t>final void acquire(</a:t>
-            </a:r>
-            <a:r>
-              <a:rPr lang="en-US" altLang="zh-CN" sz="1400" err="1"/>
-              <a:t>int</a:t>
-            </a:r>
-            <a:r>
-              <a:rPr lang="en-US" altLang="zh-CN" sz="1400"/>
-              <a:t> </a:t>
-            </a:r>
-            <a:r>
-              <a:rPr lang="en-US" altLang="zh-CN" sz="1400" err="1"/>
-              <a:t>arg</a:t>
-            </a:r>
-            <a:r>
-              <a:rPr lang="en-US" altLang="zh-CN" sz="1400"/>
-              <a:t>) {</a:t>
-            </a:r>
-          </a:p>
-          <a:p>
-            <a:r>
-              <a:rPr lang="en-US" altLang="zh-CN" sz="1400"/>
-              <a:t>    if (!</a:t>
-            </a:r>
-            <a:r>
-              <a:rPr lang="en-US" altLang="zh-CN" sz="1400" err="1"/>
-              <a:t>tryAcquire</a:t>
-            </a:r>
-            <a:r>
-              <a:rPr lang="en-US" altLang="zh-CN" sz="1400"/>
-              <a:t>(</a:t>
-            </a:r>
-            <a:r>
-              <a:rPr lang="en-US" altLang="zh-CN" sz="1400" err="1"/>
-              <a:t>arg</a:t>
-            </a:r>
-            <a:r>
-              <a:rPr lang="en-US" altLang="zh-CN" sz="1400"/>
-              <a:t>) &amp;&amp;</a:t>
-            </a:r>
-          </a:p>
-          <a:p>
-            <a:r>
-              <a:rPr lang="en-US" altLang="zh-CN" sz="1400"/>
-              <a:t>        </a:t>
-            </a:r>
-            <a:r>
-              <a:rPr lang="en-US" altLang="zh-CN" sz="1400" err="1"/>
-              <a:t>acquireQueued</a:t>
-            </a:r>
-            <a:r>
-              <a:rPr lang="en-US" altLang="zh-CN" sz="1400"/>
-              <a:t>(</a:t>
-            </a:r>
-            <a:r>
-              <a:rPr lang="en-US" altLang="zh-CN" sz="1400" err="1"/>
-              <a:t>addWaiter</a:t>
-            </a:r>
-            <a:r>
-              <a:rPr lang="en-US" altLang="zh-CN" sz="1400"/>
-              <a:t>(</a:t>
-            </a:r>
-            <a:r>
-              <a:rPr lang="en-US" altLang="zh-CN" sz="1400" err="1"/>
-              <a:t>Node.EXCLUSIVE</a:t>
-            </a:r>
-            <a:r>
-              <a:rPr lang="en-US" altLang="zh-CN" sz="1400"/>
-              <a:t>), </a:t>
-            </a:r>
-            <a:r>
-              <a:rPr lang="en-US" altLang="zh-CN" sz="1400" err="1"/>
-              <a:t>arg</a:t>
-            </a:r>
-            <a:r>
-              <a:rPr lang="en-US" altLang="zh-CN" sz="1400"/>
-              <a:t>))</a:t>
-            </a:r>
-          </a:p>
-          <a:p>
-            <a:r>
-              <a:rPr lang="en-US" altLang="zh-CN" sz="1400"/>
-              <a:t>         </a:t>
-            </a:r>
-            <a:r>
-              <a:rPr lang="en-US" altLang="zh-CN" sz="1400" err="1"/>
-              <a:t>selfInterrupt</a:t>
-            </a:r>
-            <a:r>
-              <a:rPr lang="en-US" altLang="zh-CN" sz="1400"/>
-              <a:t>();</a:t>
-            </a:r>
-          </a:p>
-          <a:p>
-            <a:r>
-              <a:rPr lang="en-US" altLang="zh-CN" sz="1400"/>
-              <a:t>}</a:t>
-            </a:r>
-            <a:endParaRPr lang="zh-CN" altLang="en-US" sz="1400"/>
-          </a:p>
-        </p:txBody>
-      </p:sp>
-      <p:sp>
-        <p:nvSpPr>
-          <p:cNvPr id="23" name="文本框 22"/>
-          <p:cNvSpPr txBox="1"/>
-          <p:nvPr/>
-        </p:nvSpPr>
-        <p:spPr>
-          <a:xfrm>
-            <a:off x="7357729" y="316921"/>
-            <a:ext cx="3937296" cy="461665"/>
-          </a:xfrm>
-          <a:prstGeom prst="rect">
-            <a:avLst/>
-          </a:prstGeom>
-          <a:noFill/>
-        </p:spPr>
-        <p:txBody>
-          <a:bodyPr wrap="none" rtlCol="0">
-            <a:spAutoFit/>
-          </a:bodyPr>
-          <a:lstStyle/>
-          <a:p>
-            <a:r>
-              <a:rPr lang="en-US" altLang="zh-CN" sz="1200" smtClean="0"/>
-              <a:t>Node</a:t>
-            </a:r>
-            <a:r>
-              <a:rPr lang="zh-CN" altLang="en-US" sz="1200" smtClean="0"/>
-              <a:t>：封装了当前线程</a:t>
-            </a:r>
-            <a:r>
-              <a:rPr lang="en-US" altLang="zh-CN" sz="1200" smtClean="0"/>
-              <a:t>Thread</a:t>
-            </a:r>
-            <a:r>
-              <a:rPr lang="zh-CN" altLang="en-US" sz="1200" smtClean="0"/>
-              <a:t>的信息，共享锁、独占锁</a:t>
-            </a:r>
-            <a:endParaRPr lang="en-US" altLang="zh-CN" sz="1200" smtClean="0"/>
-          </a:p>
-          <a:p>
-            <a:r>
-              <a:rPr lang="en-US" altLang="zh-CN" sz="1200" smtClean="0"/>
-              <a:t>state</a:t>
-            </a:r>
-            <a:r>
-              <a:rPr lang="zh-CN" altLang="en-US" sz="1200" smtClean="0"/>
-              <a:t>：状态值</a:t>
-            </a:r>
-            <a:endParaRPr lang="zh-CN" altLang="en-US" sz="1200"/>
-          </a:p>
-        </p:txBody>
-      </p:sp>
-      <p:sp>
-        <p:nvSpPr>
-          <p:cNvPr id="2" name="文本框 1"/>
-          <p:cNvSpPr txBox="1"/>
-          <p:nvPr/>
-        </p:nvSpPr>
-        <p:spPr>
-          <a:xfrm>
-            <a:off x="4280809" y="3894348"/>
-            <a:ext cx="495649" cy="261610"/>
-          </a:xfrm>
-          <a:prstGeom prst="rect">
-            <a:avLst/>
-          </a:prstGeom>
-          <a:noFill/>
-        </p:spPr>
-        <p:txBody>
-          <a:bodyPr wrap="none" rtlCol="0">
-            <a:spAutoFit/>
-          </a:bodyPr>
-          <a:lstStyle/>
-          <a:p>
-            <a:r>
-              <a:rPr lang="en-US" altLang="zh-CN" sz="1100" smtClean="0"/>
-              <a:t>node</a:t>
-            </a:r>
-            <a:endParaRPr lang="zh-CN" altLang="en-US" sz="1100"/>
-          </a:p>
-        </p:txBody>
-      </p:sp>
-      <p:sp>
-        <p:nvSpPr>
-          <p:cNvPr id="10" name="文本框 9"/>
-          <p:cNvSpPr txBox="1"/>
-          <p:nvPr/>
-        </p:nvSpPr>
-        <p:spPr>
-          <a:xfrm>
-            <a:off x="4776458" y="4344816"/>
-            <a:ext cx="495649" cy="261610"/>
-          </a:xfrm>
-          <a:prstGeom prst="rect">
-            <a:avLst/>
-          </a:prstGeom>
-          <a:noFill/>
-        </p:spPr>
-        <p:txBody>
-          <a:bodyPr wrap="none" rtlCol="0">
-            <a:spAutoFit/>
-          </a:bodyPr>
-          <a:lstStyle/>
-          <a:p>
-            <a:r>
-              <a:rPr lang="en-US" altLang="zh-CN" sz="1100" smtClean="0"/>
-              <a:t>node</a:t>
-            </a:r>
-            <a:endParaRPr lang="zh-CN" altLang="en-US" sz="1100"/>
-          </a:p>
-        </p:txBody>
-      </p:sp>
-      <p:sp>
-        <p:nvSpPr>
-          <p:cNvPr id="11" name="文本框 10"/>
-          <p:cNvSpPr txBox="1"/>
-          <p:nvPr/>
-        </p:nvSpPr>
-        <p:spPr>
-          <a:xfrm>
-            <a:off x="5971578" y="4475621"/>
-            <a:ext cx="495649" cy="261610"/>
-          </a:xfrm>
-          <a:prstGeom prst="rect">
-            <a:avLst/>
-          </a:prstGeom>
-          <a:noFill/>
-        </p:spPr>
-        <p:txBody>
-          <a:bodyPr wrap="none" rtlCol="0">
-            <a:spAutoFit/>
-          </a:bodyPr>
-          <a:lstStyle/>
-          <a:p>
-            <a:r>
-              <a:rPr lang="en-US" altLang="zh-CN" sz="1100" smtClean="0"/>
-              <a:t>node</a:t>
-            </a:r>
-            <a:endParaRPr lang="zh-CN" altLang="en-US" sz="1100"/>
-          </a:p>
-        </p:txBody>
-      </p:sp>
     </p:spTree>
     <p:extLst>
       <p:ext uri="{BB962C8B-B14F-4D97-AF65-F5344CB8AC3E}">
-        <p14:creationId xmlns:p14="http://schemas.microsoft.com/office/powerpoint/2010/main" val="1401220142"/>
+        <p14:creationId xmlns:p14="http://schemas.microsoft.com/office/powerpoint/2010/main" val="627570997"/>
       </p:ext>
     </p:extLst>
   </p:cSld>
@@ -8164,14 +7190,55 @@
       </p:grpSpPr>
       <p:sp>
         <p:nvSpPr>
-          <p:cNvPr id="27" name="文本框 26"/>
+          <p:cNvPr id="4" name="矩形 3"/>
+          <p:cNvSpPr/>
+          <p:nvPr/>
+        </p:nvSpPr>
+        <p:spPr>
+          <a:xfrm>
+            <a:off x="2594344" y="925029"/>
+            <a:ext cx="1244009" cy="1052623"/>
+          </a:xfrm>
+          <a:prstGeom prst="rect">
+            <a:avLst/>
+          </a:prstGeom>
+          <a:noFill/>
+        </p:spPr>
+        <p:style>
+          <a:lnRef idx="2">
+            <a:schemeClr val="accent1">
+              <a:shade val="50000"/>
+            </a:schemeClr>
+          </a:lnRef>
+          <a:fillRef idx="1">
+            <a:schemeClr val="accent1"/>
+          </a:fillRef>
+          <a:effectRef idx="0">
+            <a:schemeClr val="accent1"/>
+          </a:effectRef>
+          <a:fontRef idx="minor">
+            <a:schemeClr val="lt1"/>
+          </a:fontRef>
+        </p:style>
+        <p:txBody>
+          <a:bodyPr rtlCol="0" anchor="ctr"/>
+          <a:lstStyle/>
+          <a:p>
+            <a:pPr algn="ctr"/>
+            <a:endParaRPr kumimoji="1" lang="zh-CN" altLang="en-US"/>
+          </a:p>
+        </p:txBody>
+      </p:sp>
+      <p:sp>
+        <p:nvSpPr>
+          <p:cNvPr id="5" name="文本框 4"/>
           <p:cNvSpPr txBox="1"/>
           <p:nvPr/>
         </p:nvSpPr>
         <p:spPr>
           <a:xfrm>
-            <a:off x="672352" y="3210491"/>
-            <a:ext cx="10400604" cy="861774"/>
+            <a:off x="2284842" y="521788"/>
+            <a:ext cx="1837362" cy="261610"/>
           </a:xfrm>
           <a:prstGeom prst="rect">
             <a:avLst/>
@@ -8185,98 +7252,64 @@
           <a:lstStyle/>
           <a:p>
             <a:r>
-              <a:rPr lang="zh-CN" altLang="en-US" sz="1000" b="1"/>
-              <a:t>标准</a:t>
-            </a:r>
-            <a:r>
-              <a:rPr lang="zh-CN" altLang="en-US" sz="1000" b="1" smtClean="0"/>
-              <a:t>访问文件方式：</a:t>
-            </a:r>
-            <a:r>
-              <a:rPr lang="zh-CN" altLang="en-US" sz="1000" smtClean="0"/>
-              <a:t>应用调用</a:t>
-            </a:r>
-            <a:r>
-              <a:rPr lang="en-US" altLang="zh-CN" sz="1000" smtClean="0"/>
-              <a:t>read()</a:t>
-            </a:r>
-            <a:r>
-              <a:rPr lang="zh-CN" altLang="en-US" sz="1000" smtClean="0"/>
-              <a:t>接口，操作系统检查内核的高速缓存中有没有数据，如果有直接返回，否则读取磁盘信息，然后缓存在内核缓存中</a:t>
-            </a:r>
-            <a:endParaRPr lang="en-US" altLang="zh-CN" sz="1000" smtClean="0"/>
-          </a:p>
-          <a:p>
-            <a:r>
-              <a:rPr lang="en-US" altLang="zh-CN" sz="1000" smtClean="0"/>
-              <a:t>        (</a:t>
-            </a:r>
-            <a:r>
-              <a:rPr lang="zh-CN" altLang="en-US" sz="1000" smtClean="0"/>
-              <a:t>内核缓存：将磁盘读取的文件按照一定的组织方式进行缓存，用户如果访问的是同一段磁盘地址的空间数据，操作系统从内核缓冲中直接读取信息，减少</a:t>
-            </a:r>
-            <a:r>
-              <a:rPr lang="en-US" altLang="zh-CN" sz="1000" smtClean="0"/>
-              <a:t>I/O</a:t>
-            </a:r>
-            <a:r>
-              <a:rPr lang="zh-CN" altLang="en-US" sz="1000" smtClean="0"/>
-              <a:t>响应时间</a:t>
-            </a:r>
-            <a:r>
-              <a:rPr lang="en-US" altLang="zh-CN" sz="1000" smtClean="0"/>
-              <a:t>)</a:t>
-            </a:r>
-          </a:p>
-          <a:p>
-            <a:endParaRPr lang="en-US" altLang="zh-CN" sz="1000" smtClean="0"/>
-          </a:p>
-          <a:p>
-            <a:r>
-              <a:rPr lang="zh-CN" altLang="en-US" sz="1000" b="1" smtClean="0"/>
-              <a:t>写入文件：</a:t>
-            </a:r>
-            <a:r>
-              <a:rPr lang="zh-CN" altLang="en-US" sz="1000" smtClean="0"/>
-              <a:t>应用调用</a:t>
-            </a:r>
-            <a:r>
-              <a:rPr lang="en-US" altLang="zh-CN" sz="1000" smtClean="0"/>
-              <a:t>wirte()</a:t>
-            </a:r>
-            <a:r>
-              <a:rPr lang="zh-CN" altLang="en-US" sz="1000" smtClean="0"/>
-              <a:t>接口，将数据从用户地址空间复制到内核地址空间的缓存中，这时对用户来说写操作就已经完成，至于什么时候再写到磁盘中，由操作系统决定，除非调用</a:t>
-            </a:r>
-            <a:endParaRPr lang="en-US" altLang="zh-CN" sz="1000" smtClean="0"/>
-          </a:p>
-          <a:p>
-            <a:r>
-              <a:rPr lang="en-US" altLang="zh-CN" sz="1000"/>
-              <a:t> </a:t>
-            </a:r>
-            <a:r>
-              <a:rPr lang="en-US" altLang="zh-CN" sz="1000" smtClean="0"/>
-              <a:t>   sync</a:t>
-            </a:r>
-            <a:r>
-              <a:rPr lang="zh-CN" altLang="en-US" sz="1000" smtClean="0"/>
-              <a:t>同步命令</a:t>
-            </a:r>
-            <a:endParaRPr lang="zh-CN" altLang="en-US" sz="1000"/>
-          </a:p>
-        </p:txBody>
-      </p:sp>
-      <p:sp>
-        <p:nvSpPr>
-          <p:cNvPr id="28" name="文本框 27"/>
+              <a:rPr kumimoji="1" lang="en-US" altLang="zh-CN" sz="1100" smtClean="0"/>
+              <a:t>      Socket / SocketChannel</a:t>
+            </a:r>
+            <a:endParaRPr kumimoji="1" lang="zh-CN" altLang="en-US" sz="1100" dirty="0"/>
+          </a:p>
+        </p:txBody>
+      </p:sp>
+      <p:sp>
+        <p:nvSpPr>
+          <p:cNvPr id="6" name="矩形 5"/>
+          <p:cNvSpPr/>
+          <p:nvPr/>
+        </p:nvSpPr>
+        <p:spPr>
+          <a:xfrm>
+            <a:off x="6755219" y="925029"/>
+            <a:ext cx="1244009" cy="1052623"/>
+          </a:xfrm>
+          <a:prstGeom prst="rect">
+            <a:avLst/>
+          </a:prstGeom>
+          <a:noFill/>
+        </p:spPr>
+        <p:style>
+          <a:lnRef idx="2">
+            <a:schemeClr val="accent1">
+              <a:shade val="50000"/>
+            </a:schemeClr>
+          </a:lnRef>
+          <a:fillRef idx="1">
+            <a:schemeClr val="accent1"/>
+          </a:fillRef>
+          <a:effectRef idx="0">
+            <a:schemeClr val="accent1"/>
+          </a:effectRef>
+          <a:fontRef idx="minor">
+            <a:schemeClr val="lt1"/>
+          </a:fontRef>
+        </p:style>
+        <p:txBody>
+          <a:bodyPr rtlCol="0" anchor="ctr"/>
+          <a:lstStyle/>
+          <a:p>
+            <a:pPr algn="ctr"/>
+            <a:endParaRPr kumimoji="1" lang="zh-CN" altLang="en-US"/>
+          </a:p>
+        </p:txBody>
+      </p:sp>
+      <p:sp>
+        <p:nvSpPr>
+          <p:cNvPr id="7" name="文本框 6"/>
           <p:cNvSpPr txBox="1"/>
           <p:nvPr/>
         </p:nvSpPr>
         <p:spPr>
           <a:xfrm>
-            <a:off x="528918" y="305707"/>
-            <a:ext cx="1321196" cy="276999"/>
+            <a:off x="6677707" y="522705"/>
+            <a:ext cx="2167581" cy="246221"/>
           </a:xfrm>
           <a:prstGeom prst="rect">
             <a:avLst/>
@@ -8290,45 +7323,1067 @@
           <a:lstStyle/>
           <a:p>
             <a:r>
-              <a:rPr lang="en-US" altLang="zh-CN" sz="1200" smtClean="0"/>
-              <a:t>I/O</a:t>
-            </a:r>
-            <a:r>
-              <a:rPr lang="zh-CN" altLang="en-US" sz="1200" smtClean="0"/>
-              <a:t>访问文件方式</a:t>
-            </a:r>
-            <a:endParaRPr lang="zh-CN" altLang="en-US" sz="1200"/>
-          </a:p>
-        </p:txBody>
-      </p:sp>
-      <p:pic>
-        <p:nvPicPr>
-          <p:cNvPr id="29" name="图片 28"/>
-          <p:cNvPicPr>
-            <a:picLocks noChangeAspect="1"/>
-          </p:cNvPicPr>
-          <p:nvPr/>
-        </p:nvPicPr>
-        <p:blipFill>
-          <a:blip r:embed="rId2"/>
-          <a:stretch>
-            <a:fillRect/>
-          </a:stretch>
-        </p:blipFill>
-        <p:spPr>
-          <a:xfrm>
-            <a:off x="3962891" y="542820"/>
-            <a:ext cx="3819525" cy="2476500"/>
-          </a:xfrm>
-          <a:prstGeom prst="rect">
-            <a:avLst/>
-          </a:prstGeom>
-        </p:spPr>
-      </p:pic>
+              <a:rPr kumimoji="1" lang="en-US" altLang="zh-CN" sz="1000" smtClean="0"/>
+              <a:t>ServerSocket</a:t>
+            </a:r>
+            <a:r>
+              <a:rPr kumimoji="1" lang="zh-CN" altLang="en-US" sz="1000"/>
+              <a:t> </a:t>
+            </a:r>
+            <a:r>
+              <a:rPr kumimoji="1" lang="en-US" altLang="zh-CN" sz="1000" smtClean="0"/>
+              <a:t>/ ServerSocketChannel</a:t>
+            </a:r>
+          </a:p>
+        </p:txBody>
+      </p:sp>
+      <p:sp>
+        <p:nvSpPr>
+          <p:cNvPr id="8" name="椭圆 7"/>
+          <p:cNvSpPr/>
+          <p:nvPr/>
+        </p:nvSpPr>
+        <p:spPr>
+          <a:xfrm>
+            <a:off x="2594344" y="2594348"/>
+            <a:ext cx="1221780" cy="584790"/>
+          </a:xfrm>
+          <a:prstGeom prst="ellipse">
+            <a:avLst/>
+          </a:prstGeom>
+        </p:spPr>
+        <p:style>
+          <a:lnRef idx="2">
+            <a:schemeClr val="accent1">
+              <a:shade val="50000"/>
+            </a:schemeClr>
+          </a:lnRef>
+          <a:fillRef idx="1">
+            <a:schemeClr val="accent1"/>
+          </a:fillRef>
+          <a:effectRef idx="0">
+            <a:schemeClr val="accent1"/>
+          </a:effectRef>
+          <a:fontRef idx="minor">
+            <a:schemeClr val="lt1"/>
+          </a:fontRef>
+        </p:style>
+        <p:txBody>
+          <a:bodyPr rtlCol="0" anchor="ctr"/>
+          <a:lstStyle/>
+          <a:p>
+            <a:pPr algn="ctr"/>
+            <a:endParaRPr kumimoji="1" lang="zh-CN" altLang="en-US"/>
+          </a:p>
+        </p:txBody>
+      </p:sp>
+      <p:sp>
+        <p:nvSpPr>
+          <p:cNvPr id="9" name="椭圆 8"/>
+          <p:cNvSpPr/>
+          <p:nvPr/>
+        </p:nvSpPr>
+        <p:spPr>
+          <a:xfrm>
+            <a:off x="6777448" y="2594348"/>
+            <a:ext cx="1221780" cy="584790"/>
+          </a:xfrm>
+          <a:prstGeom prst="ellipse">
+            <a:avLst/>
+          </a:prstGeom>
+        </p:spPr>
+        <p:style>
+          <a:lnRef idx="2">
+            <a:schemeClr val="accent1">
+              <a:shade val="50000"/>
+            </a:schemeClr>
+          </a:lnRef>
+          <a:fillRef idx="1">
+            <a:schemeClr val="accent1"/>
+          </a:fillRef>
+          <a:effectRef idx="0">
+            <a:schemeClr val="accent1"/>
+          </a:effectRef>
+          <a:fontRef idx="minor">
+            <a:schemeClr val="lt1"/>
+          </a:fontRef>
+        </p:style>
+        <p:txBody>
+          <a:bodyPr rtlCol="0" anchor="ctr"/>
+          <a:lstStyle/>
+          <a:p>
+            <a:pPr algn="ctr"/>
+            <a:endParaRPr kumimoji="1" lang="zh-CN" altLang="en-US"/>
+          </a:p>
+        </p:txBody>
+      </p:sp>
+      <p:cxnSp>
+        <p:nvCxnSpPr>
+          <p:cNvPr id="10" name="直线箭头连接符 9"/>
+          <p:cNvCxnSpPr/>
+          <p:nvPr/>
+        </p:nvCxnSpPr>
+        <p:spPr>
+          <a:xfrm>
+            <a:off x="2861122" y="1977652"/>
+            <a:ext cx="0" cy="616696"/>
+          </a:xfrm>
+          <a:prstGeom prst="straightConnector1">
+            <a:avLst/>
+          </a:prstGeom>
+          <a:ln>
+            <a:tailEnd type="triangle"/>
+          </a:ln>
+        </p:spPr>
+        <p:style>
+          <a:lnRef idx="1">
+            <a:schemeClr val="accent1"/>
+          </a:lnRef>
+          <a:fillRef idx="0">
+            <a:schemeClr val="accent1"/>
+          </a:fillRef>
+          <a:effectRef idx="0">
+            <a:schemeClr val="accent1"/>
+          </a:effectRef>
+          <a:fontRef idx="minor">
+            <a:schemeClr val="tx1"/>
+          </a:fontRef>
+        </p:style>
+      </p:cxnSp>
+      <p:cxnSp>
+        <p:nvCxnSpPr>
+          <p:cNvPr id="11" name="直线箭头连接符 10"/>
+          <p:cNvCxnSpPr/>
+          <p:nvPr/>
+        </p:nvCxnSpPr>
+        <p:spPr>
+          <a:xfrm flipV="1">
+            <a:off x="3571573" y="1977651"/>
+            <a:ext cx="0" cy="616698"/>
+          </a:xfrm>
+          <a:prstGeom prst="straightConnector1">
+            <a:avLst/>
+          </a:prstGeom>
+          <a:ln>
+            <a:tailEnd type="triangle"/>
+          </a:ln>
+        </p:spPr>
+        <p:style>
+          <a:lnRef idx="1">
+            <a:schemeClr val="accent1"/>
+          </a:lnRef>
+          <a:fillRef idx="0">
+            <a:schemeClr val="accent1"/>
+          </a:fillRef>
+          <a:effectRef idx="0">
+            <a:schemeClr val="accent1"/>
+          </a:effectRef>
+          <a:fontRef idx="minor">
+            <a:schemeClr val="tx1"/>
+          </a:fontRef>
+        </p:style>
+      </p:cxnSp>
+      <p:sp>
+        <p:nvSpPr>
+          <p:cNvPr id="12" name="文本框 11"/>
+          <p:cNvSpPr txBox="1"/>
+          <p:nvPr/>
+        </p:nvSpPr>
+        <p:spPr>
+          <a:xfrm>
+            <a:off x="3571573" y="2175060"/>
+            <a:ext cx="893193" cy="415498"/>
+          </a:xfrm>
+          <a:prstGeom prst="rect">
+            <a:avLst/>
+          </a:prstGeom>
+          <a:noFill/>
+        </p:spPr>
+        <p:txBody>
+          <a:bodyPr wrap="none" rtlCol="0">
+            <a:spAutoFit/>
+          </a:bodyPr>
+          <a:lstStyle/>
+          <a:p>
+            <a:r>
+              <a:rPr kumimoji="1" lang="en-US" altLang="zh-CN" sz="1050" dirty="0" err="1" smtClean="0"/>
+              <a:t>InputStream</a:t>
+            </a:r>
+            <a:endParaRPr kumimoji="1" lang="en-US" altLang="zh-CN" sz="1050" dirty="0" smtClean="0"/>
+          </a:p>
+          <a:p>
+            <a:r>
+              <a:rPr kumimoji="1" lang="zh-CN" altLang="en-US" sz="1050" dirty="0" smtClean="0"/>
+              <a:t>     </a:t>
+            </a:r>
+            <a:r>
+              <a:rPr kumimoji="1" lang="en-US" altLang="zh-CN" sz="1050" dirty="0" smtClean="0"/>
+              <a:t>read()</a:t>
+            </a:r>
+            <a:endParaRPr kumimoji="1" lang="en-US" altLang="zh-CN" sz="1050" dirty="0"/>
+          </a:p>
+        </p:txBody>
+      </p:sp>
+      <p:sp>
+        <p:nvSpPr>
+          <p:cNvPr id="13" name="文本框 12"/>
+          <p:cNvSpPr txBox="1"/>
+          <p:nvPr/>
+        </p:nvSpPr>
+        <p:spPr>
+          <a:xfrm>
+            <a:off x="1937703" y="2175060"/>
+            <a:ext cx="1005403" cy="415498"/>
+          </a:xfrm>
+          <a:prstGeom prst="rect">
+            <a:avLst/>
+          </a:prstGeom>
+          <a:noFill/>
+        </p:spPr>
+        <p:txBody>
+          <a:bodyPr wrap="none" rtlCol="0">
+            <a:spAutoFit/>
+          </a:bodyPr>
+          <a:lstStyle/>
+          <a:p>
+            <a:r>
+              <a:rPr kumimoji="1" lang="en-US" altLang="zh-CN" sz="1050" dirty="0" err="1" smtClean="0"/>
+              <a:t>OutputStream</a:t>
+            </a:r>
+            <a:endParaRPr kumimoji="1" lang="en-US" altLang="zh-CN" sz="1050" dirty="0" smtClean="0"/>
+          </a:p>
+          <a:p>
+            <a:r>
+              <a:rPr kumimoji="1" lang="zh-CN" altLang="en-US" sz="1050" dirty="0" smtClean="0"/>
+              <a:t>     </a:t>
+            </a:r>
+            <a:r>
+              <a:rPr kumimoji="1" lang="en-US" altLang="zh-CN" sz="1050" dirty="0" smtClean="0"/>
+              <a:t>write()</a:t>
+            </a:r>
+            <a:endParaRPr kumimoji="1" lang="zh-CN" altLang="en-US" sz="1050" dirty="0"/>
+          </a:p>
+        </p:txBody>
+      </p:sp>
+      <p:cxnSp>
+        <p:nvCxnSpPr>
+          <p:cNvPr id="14" name="直线箭头连接符 13"/>
+          <p:cNvCxnSpPr/>
+          <p:nvPr/>
+        </p:nvCxnSpPr>
+        <p:spPr>
+          <a:xfrm>
+            <a:off x="7761498" y="1983433"/>
+            <a:ext cx="0" cy="616696"/>
+          </a:xfrm>
+          <a:prstGeom prst="straightConnector1">
+            <a:avLst/>
+          </a:prstGeom>
+          <a:ln>
+            <a:tailEnd type="triangle"/>
+          </a:ln>
+        </p:spPr>
+        <p:style>
+          <a:lnRef idx="1">
+            <a:schemeClr val="accent1"/>
+          </a:lnRef>
+          <a:fillRef idx="0">
+            <a:schemeClr val="accent1"/>
+          </a:fillRef>
+          <a:effectRef idx="0">
+            <a:schemeClr val="accent1"/>
+          </a:effectRef>
+          <a:fontRef idx="minor">
+            <a:schemeClr val="tx1"/>
+          </a:fontRef>
+        </p:style>
+      </p:cxnSp>
+      <p:cxnSp>
+        <p:nvCxnSpPr>
+          <p:cNvPr id="15" name="直线箭头连接符 14"/>
+          <p:cNvCxnSpPr/>
+          <p:nvPr/>
+        </p:nvCxnSpPr>
+        <p:spPr>
+          <a:xfrm flipV="1">
+            <a:off x="7034289" y="1977652"/>
+            <a:ext cx="0" cy="616698"/>
+          </a:xfrm>
+          <a:prstGeom prst="straightConnector1">
+            <a:avLst/>
+          </a:prstGeom>
+          <a:ln>
+            <a:tailEnd type="triangle"/>
+          </a:ln>
+        </p:spPr>
+        <p:style>
+          <a:lnRef idx="1">
+            <a:schemeClr val="accent1"/>
+          </a:lnRef>
+          <a:fillRef idx="0">
+            <a:schemeClr val="accent1"/>
+          </a:fillRef>
+          <a:effectRef idx="0">
+            <a:schemeClr val="accent1"/>
+          </a:effectRef>
+          <a:fontRef idx="minor">
+            <a:schemeClr val="tx1"/>
+          </a:fontRef>
+        </p:style>
+      </p:cxnSp>
+      <p:sp>
+        <p:nvSpPr>
+          <p:cNvPr id="16" name="文本框 15"/>
+          <p:cNvSpPr txBox="1"/>
+          <p:nvPr/>
+        </p:nvSpPr>
+        <p:spPr>
+          <a:xfrm>
+            <a:off x="5821409" y="2168882"/>
+            <a:ext cx="893193" cy="415498"/>
+          </a:xfrm>
+          <a:prstGeom prst="rect">
+            <a:avLst/>
+          </a:prstGeom>
+          <a:noFill/>
+        </p:spPr>
+        <p:txBody>
+          <a:bodyPr wrap="none" rtlCol="0">
+            <a:spAutoFit/>
+          </a:bodyPr>
+          <a:lstStyle/>
+          <a:p>
+            <a:r>
+              <a:rPr kumimoji="1" lang="en-US" altLang="zh-CN" sz="1050" dirty="0" err="1" smtClean="0"/>
+              <a:t>InputStream</a:t>
+            </a:r>
+            <a:endParaRPr kumimoji="1" lang="en-US" altLang="zh-CN" sz="1050" dirty="0" smtClean="0"/>
+          </a:p>
+          <a:p>
+            <a:r>
+              <a:rPr kumimoji="1" lang="zh-CN" altLang="en-US" sz="1050" dirty="0"/>
+              <a:t> </a:t>
+            </a:r>
+            <a:r>
+              <a:rPr kumimoji="1" lang="zh-CN" altLang="en-US" sz="1050" dirty="0" smtClean="0"/>
+              <a:t>    </a:t>
+            </a:r>
+            <a:r>
+              <a:rPr kumimoji="1" lang="en-US" altLang="zh-CN" sz="1050" dirty="0" smtClean="0"/>
+              <a:t>read()</a:t>
+            </a:r>
+            <a:endParaRPr kumimoji="1" lang="zh-CN" altLang="en-US" sz="1050" dirty="0"/>
+          </a:p>
+        </p:txBody>
+      </p:sp>
+      <p:sp>
+        <p:nvSpPr>
+          <p:cNvPr id="17" name="文本框 16"/>
+          <p:cNvSpPr txBox="1"/>
+          <p:nvPr/>
+        </p:nvSpPr>
+        <p:spPr>
+          <a:xfrm>
+            <a:off x="7860131" y="2242226"/>
+            <a:ext cx="1005403" cy="415498"/>
+          </a:xfrm>
+          <a:prstGeom prst="rect">
+            <a:avLst/>
+          </a:prstGeom>
+          <a:noFill/>
+        </p:spPr>
+        <p:txBody>
+          <a:bodyPr wrap="none" rtlCol="0">
+            <a:spAutoFit/>
+          </a:bodyPr>
+          <a:lstStyle/>
+          <a:p>
+            <a:r>
+              <a:rPr kumimoji="1" lang="en-US" altLang="zh-CN" sz="1050" dirty="0" err="1" smtClean="0"/>
+              <a:t>OutputStream</a:t>
+            </a:r>
+            <a:endParaRPr kumimoji="1" lang="en-US" altLang="zh-CN" sz="1050" dirty="0" smtClean="0"/>
+          </a:p>
+          <a:p>
+            <a:r>
+              <a:rPr kumimoji="1" lang="zh-CN" altLang="en-US" sz="1050" dirty="0"/>
+              <a:t> </a:t>
+            </a:r>
+            <a:r>
+              <a:rPr kumimoji="1" lang="zh-CN" altLang="en-US" sz="1050" dirty="0" smtClean="0"/>
+              <a:t>      </a:t>
+            </a:r>
+            <a:r>
+              <a:rPr kumimoji="1" lang="en-US" altLang="zh-CN" sz="1050" dirty="0" smtClean="0"/>
+              <a:t>write()</a:t>
+            </a:r>
+            <a:endParaRPr kumimoji="1" lang="zh-CN" altLang="en-US" sz="1050" dirty="0"/>
+          </a:p>
+        </p:txBody>
+      </p:sp>
+      <p:sp>
+        <p:nvSpPr>
+          <p:cNvPr id="18" name="矩形 17"/>
+          <p:cNvSpPr/>
+          <p:nvPr/>
+        </p:nvSpPr>
+        <p:spPr>
+          <a:xfrm>
+            <a:off x="3838353" y="3700131"/>
+            <a:ext cx="2693582" cy="329610"/>
+          </a:xfrm>
+          <a:prstGeom prst="rect">
+            <a:avLst/>
+          </a:prstGeom>
+          <a:noFill/>
+        </p:spPr>
+        <p:style>
+          <a:lnRef idx="2">
+            <a:schemeClr val="accent1">
+              <a:shade val="50000"/>
+            </a:schemeClr>
+          </a:lnRef>
+          <a:fillRef idx="1">
+            <a:schemeClr val="accent1"/>
+          </a:fillRef>
+          <a:effectRef idx="0">
+            <a:schemeClr val="accent1"/>
+          </a:effectRef>
+          <a:fontRef idx="minor">
+            <a:schemeClr val="lt1"/>
+          </a:fontRef>
+        </p:style>
+        <p:txBody>
+          <a:bodyPr rtlCol="0" anchor="ctr"/>
+          <a:lstStyle/>
+          <a:p>
+            <a:pPr algn="ctr"/>
+            <a:endParaRPr kumimoji="1" lang="zh-CN" altLang="en-US"/>
+          </a:p>
+        </p:txBody>
+      </p:sp>
+      <p:sp>
+        <p:nvSpPr>
+          <p:cNvPr id="19" name="文本框 18"/>
+          <p:cNvSpPr txBox="1"/>
+          <p:nvPr/>
+        </p:nvSpPr>
+        <p:spPr>
+          <a:xfrm>
+            <a:off x="4162267" y="4084080"/>
+            <a:ext cx="2045753" cy="276999"/>
+          </a:xfrm>
+          <a:prstGeom prst="rect">
+            <a:avLst/>
+          </a:prstGeom>
+          <a:noFill/>
+        </p:spPr>
+        <p:txBody>
+          <a:bodyPr wrap="none" rtlCol="0">
+            <a:spAutoFit/>
+          </a:bodyPr>
+          <a:lstStyle/>
+          <a:p>
+            <a:r>
+              <a:rPr kumimoji="1" lang="en-US" altLang="zh-CN" sz="1200" smtClean="0"/>
+              <a:t>Socket / SocketChannel</a:t>
+            </a:r>
+            <a:r>
+              <a:rPr kumimoji="1" lang="zh-CN" altLang="en-US" sz="1200" smtClean="0"/>
+              <a:t>通道</a:t>
+            </a:r>
+            <a:endParaRPr kumimoji="1" lang="zh-CN" altLang="en-US" sz="1200" dirty="0"/>
+          </a:p>
+        </p:txBody>
+      </p:sp>
+      <p:cxnSp>
+        <p:nvCxnSpPr>
+          <p:cNvPr id="20" name="肘形连接符 19"/>
+          <p:cNvCxnSpPr/>
+          <p:nvPr/>
+        </p:nvCxnSpPr>
+        <p:spPr>
+          <a:xfrm rot="16200000" flipH="1">
+            <a:off x="3181414" y="3202957"/>
+            <a:ext cx="680758" cy="633119"/>
+          </a:xfrm>
+          <a:prstGeom prst="bentConnector3">
+            <a:avLst>
+              <a:gd name="adj1" fmla="val 99980"/>
+            </a:avLst>
+          </a:prstGeom>
+          <a:ln>
+            <a:tailEnd type="triangle"/>
+          </a:ln>
+        </p:spPr>
+        <p:style>
+          <a:lnRef idx="1">
+            <a:schemeClr val="accent1"/>
+          </a:lnRef>
+          <a:fillRef idx="0">
+            <a:schemeClr val="accent1"/>
+          </a:fillRef>
+          <a:effectRef idx="0">
+            <a:schemeClr val="accent1"/>
+          </a:effectRef>
+          <a:fontRef idx="minor">
+            <a:schemeClr val="tx1"/>
+          </a:fontRef>
+        </p:style>
+      </p:cxnSp>
+      <p:cxnSp>
+        <p:nvCxnSpPr>
+          <p:cNvPr id="21" name="肘形连接符 20"/>
+          <p:cNvCxnSpPr/>
+          <p:nvPr/>
+        </p:nvCxnSpPr>
+        <p:spPr>
+          <a:xfrm flipV="1">
+            <a:off x="6543356" y="3211045"/>
+            <a:ext cx="1027814" cy="685798"/>
+          </a:xfrm>
+          <a:prstGeom prst="bentConnector3">
+            <a:avLst>
+              <a:gd name="adj1" fmla="val 100690"/>
+            </a:avLst>
+          </a:prstGeom>
+          <a:ln>
+            <a:tailEnd type="triangle"/>
+          </a:ln>
+        </p:spPr>
+        <p:style>
+          <a:lnRef idx="1">
+            <a:schemeClr val="accent1"/>
+          </a:lnRef>
+          <a:fillRef idx="0">
+            <a:schemeClr val="accent1"/>
+          </a:fillRef>
+          <a:effectRef idx="0">
+            <a:schemeClr val="accent1"/>
+          </a:effectRef>
+          <a:fontRef idx="minor">
+            <a:schemeClr val="tx1"/>
+          </a:fontRef>
+        </p:style>
+      </p:cxnSp>
+      <p:sp>
+        <p:nvSpPr>
+          <p:cNvPr id="22" name="文本框 21"/>
+          <p:cNvSpPr txBox="1"/>
+          <p:nvPr/>
+        </p:nvSpPr>
+        <p:spPr>
+          <a:xfrm>
+            <a:off x="1918099" y="2868869"/>
+            <a:ext cx="527709" cy="253916"/>
+          </a:xfrm>
+          <a:prstGeom prst="rect">
+            <a:avLst/>
+          </a:prstGeom>
+          <a:noFill/>
+        </p:spPr>
+        <p:txBody>
+          <a:bodyPr wrap="none" rtlCol="0">
+            <a:spAutoFit/>
+          </a:bodyPr>
+          <a:lstStyle/>
+          <a:p>
+            <a:r>
+              <a:rPr kumimoji="1" lang="en-US" altLang="zh-CN" sz="1050" smtClean="0"/>
+              <a:t>Buffer</a:t>
+            </a:r>
+            <a:endParaRPr kumimoji="1" lang="zh-CN" altLang="en-US" sz="1050" dirty="0"/>
+          </a:p>
+        </p:txBody>
+      </p:sp>
+      <p:sp>
+        <p:nvSpPr>
+          <p:cNvPr id="23" name="文本框 22"/>
+          <p:cNvSpPr txBox="1"/>
+          <p:nvPr/>
+        </p:nvSpPr>
+        <p:spPr>
+          <a:xfrm>
+            <a:off x="7967243" y="2886743"/>
+            <a:ext cx="527709" cy="253916"/>
+          </a:xfrm>
+          <a:prstGeom prst="rect">
+            <a:avLst/>
+          </a:prstGeom>
+          <a:noFill/>
+        </p:spPr>
+        <p:txBody>
+          <a:bodyPr wrap="none" rtlCol="0">
+            <a:spAutoFit/>
+          </a:bodyPr>
+          <a:lstStyle/>
+          <a:p>
+            <a:r>
+              <a:rPr kumimoji="1" lang="en-US" altLang="zh-CN" sz="1050" smtClean="0"/>
+              <a:t>Buffer</a:t>
+            </a:r>
+            <a:endParaRPr kumimoji="1" lang="zh-CN" altLang="en-US" sz="1050" dirty="0"/>
+          </a:p>
+        </p:txBody>
+      </p:sp>
+      <p:sp>
+        <p:nvSpPr>
+          <p:cNvPr id="24" name="矩形 23"/>
+          <p:cNvSpPr/>
+          <p:nvPr/>
+        </p:nvSpPr>
+        <p:spPr>
+          <a:xfrm>
+            <a:off x="2861121" y="2753833"/>
+            <a:ext cx="169157" cy="298346"/>
+          </a:xfrm>
+          <a:prstGeom prst="rect">
+            <a:avLst/>
+          </a:prstGeom>
+          <a:solidFill>
+            <a:schemeClr val="accent4"/>
+          </a:solidFill>
+        </p:spPr>
+        <p:style>
+          <a:lnRef idx="2">
+            <a:schemeClr val="accent1">
+              <a:shade val="50000"/>
+            </a:schemeClr>
+          </a:lnRef>
+          <a:fillRef idx="1">
+            <a:schemeClr val="accent1"/>
+          </a:fillRef>
+          <a:effectRef idx="0">
+            <a:schemeClr val="accent1"/>
+          </a:effectRef>
+          <a:fontRef idx="minor">
+            <a:schemeClr val="lt1"/>
+          </a:fontRef>
+        </p:style>
+        <p:txBody>
+          <a:bodyPr rtlCol="0" anchor="ctr"/>
+          <a:lstStyle/>
+          <a:p>
+            <a:pPr algn="ctr"/>
+            <a:endParaRPr kumimoji="1" lang="zh-CN" altLang="en-US"/>
+          </a:p>
+        </p:txBody>
+      </p:sp>
+      <p:sp>
+        <p:nvSpPr>
+          <p:cNvPr id="25" name="矩形 24"/>
+          <p:cNvSpPr/>
+          <p:nvPr/>
+        </p:nvSpPr>
+        <p:spPr>
+          <a:xfrm>
+            <a:off x="3297055" y="2753833"/>
+            <a:ext cx="169157" cy="298346"/>
+          </a:xfrm>
+          <a:prstGeom prst="rect">
+            <a:avLst/>
+          </a:prstGeom>
+          <a:solidFill>
+            <a:schemeClr val="accent4"/>
+          </a:solidFill>
+        </p:spPr>
+        <p:style>
+          <a:lnRef idx="2">
+            <a:schemeClr val="accent1">
+              <a:shade val="50000"/>
+            </a:schemeClr>
+          </a:lnRef>
+          <a:fillRef idx="1">
+            <a:schemeClr val="accent1"/>
+          </a:fillRef>
+          <a:effectRef idx="0">
+            <a:schemeClr val="accent1"/>
+          </a:effectRef>
+          <a:fontRef idx="minor">
+            <a:schemeClr val="lt1"/>
+          </a:fontRef>
+        </p:style>
+        <p:txBody>
+          <a:bodyPr rtlCol="0" anchor="ctr"/>
+          <a:lstStyle/>
+          <a:p>
+            <a:pPr algn="ctr"/>
+            <a:endParaRPr kumimoji="1" lang="zh-CN" altLang="en-US"/>
+          </a:p>
+        </p:txBody>
+      </p:sp>
+      <p:sp>
+        <p:nvSpPr>
+          <p:cNvPr id="26" name="矩形 25"/>
+          <p:cNvSpPr/>
+          <p:nvPr/>
+        </p:nvSpPr>
+        <p:spPr>
+          <a:xfrm>
+            <a:off x="7592341" y="2753833"/>
+            <a:ext cx="169157" cy="298346"/>
+          </a:xfrm>
+          <a:prstGeom prst="rect">
+            <a:avLst/>
+          </a:prstGeom>
+          <a:solidFill>
+            <a:schemeClr val="accent4"/>
+          </a:solidFill>
+        </p:spPr>
+        <p:style>
+          <a:lnRef idx="2">
+            <a:schemeClr val="accent1">
+              <a:shade val="50000"/>
+            </a:schemeClr>
+          </a:lnRef>
+          <a:fillRef idx="1">
+            <a:schemeClr val="accent1"/>
+          </a:fillRef>
+          <a:effectRef idx="0">
+            <a:schemeClr val="accent1"/>
+          </a:effectRef>
+          <a:fontRef idx="minor">
+            <a:schemeClr val="lt1"/>
+          </a:fontRef>
+        </p:style>
+        <p:txBody>
+          <a:bodyPr rtlCol="0" anchor="ctr"/>
+          <a:lstStyle/>
+          <a:p>
+            <a:pPr algn="ctr"/>
+            <a:endParaRPr kumimoji="1" lang="zh-CN" altLang="en-US"/>
+          </a:p>
+        </p:txBody>
+      </p:sp>
+      <p:sp>
+        <p:nvSpPr>
+          <p:cNvPr id="27" name="矩形 26"/>
+          <p:cNvSpPr/>
+          <p:nvPr/>
+        </p:nvSpPr>
+        <p:spPr>
+          <a:xfrm>
+            <a:off x="7086573" y="2747645"/>
+            <a:ext cx="169157" cy="298346"/>
+          </a:xfrm>
+          <a:prstGeom prst="rect">
+            <a:avLst/>
+          </a:prstGeom>
+          <a:solidFill>
+            <a:schemeClr val="accent4"/>
+          </a:solidFill>
+        </p:spPr>
+        <p:style>
+          <a:lnRef idx="2">
+            <a:schemeClr val="accent1">
+              <a:shade val="50000"/>
+            </a:schemeClr>
+          </a:lnRef>
+          <a:fillRef idx="1">
+            <a:schemeClr val="accent1"/>
+          </a:fillRef>
+          <a:effectRef idx="0">
+            <a:schemeClr val="accent1"/>
+          </a:effectRef>
+          <a:fontRef idx="minor">
+            <a:schemeClr val="lt1"/>
+          </a:fontRef>
+        </p:style>
+        <p:txBody>
+          <a:bodyPr rtlCol="0" anchor="ctr"/>
+          <a:lstStyle/>
+          <a:p>
+            <a:pPr algn="ctr"/>
+            <a:endParaRPr kumimoji="1" lang="zh-CN" altLang="en-US"/>
+          </a:p>
+        </p:txBody>
+      </p:sp>
+      <p:sp>
+        <p:nvSpPr>
+          <p:cNvPr id="28" name="文本框 27"/>
+          <p:cNvSpPr txBox="1"/>
+          <p:nvPr/>
+        </p:nvSpPr>
+        <p:spPr>
+          <a:xfrm>
+            <a:off x="2627724" y="3179136"/>
+            <a:ext cx="575799" cy="253916"/>
+          </a:xfrm>
+          <a:prstGeom prst="rect">
+            <a:avLst/>
+          </a:prstGeom>
+          <a:noFill/>
+        </p:spPr>
+        <p:txBody>
+          <a:bodyPr wrap="none" rtlCol="0">
+            <a:spAutoFit/>
+          </a:bodyPr>
+          <a:lstStyle/>
+          <a:p>
+            <a:r>
+              <a:rPr kumimoji="1" lang="en-US" altLang="zh-CN" sz="1050" dirty="0" err="1" smtClean="0"/>
+              <a:t>SendQ</a:t>
+            </a:r>
+            <a:endParaRPr kumimoji="1" lang="zh-CN" altLang="en-US" sz="1050" dirty="0"/>
+          </a:p>
+        </p:txBody>
+      </p:sp>
+      <p:sp>
+        <p:nvSpPr>
+          <p:cNvPr id="29" name="文本框 28"/>
+          <p:cNvSpPr txBox="1"/>
+          <p:nvPr/>
+        </p:nvSpPr>
+        <p:spPr>
+          <a:xfrm>
+            <a:off x="7576305" y="3183200"/>
+            <a:ext cx="724878" cy="253916"/>
+          </a:xfrm>
+          <a:prstGeom prst="rect">
+            <a:avLst/>
+          </a:prstGeom>
+          <a:noFill/>
+        </p:spPr>
+        <p:txBody>
+          <a:bodyPr wrap="none" rtlCol="0">
+            <a:spAutoFit/>
+          </a:bodyPr>
+          <a:lstStyle/>
+          <a:p>
+            <a:r>
+              <a:rPr kumimoji="1" lang="en-US" altLang="zh-CN" sz="1050" dirty="0" err="1" smtClean="0"/>
+              <a:t>ReceiveQ</a:t>
+            </a:r>
+            <a:endParaRPr kumimoji="1" lang="zh-CN" altLang="en-US" sz="1050" dirty="0"/>
+          </a:p>
+        </p:txBody>
+      </p:sp>
+      <p:sp>
+        <p:nvSpPr>
+          <p:cNvPr id="30" name="文本框 29"/>
+          <p:cNvSpPr txBox="1"/>
+          <p:nvPr/>
+        </p:nvSpPr>
+        <p:spPr>
+          <a:xfrm>
+            <a:off x="6819520" y="3178502"/>
+            <a:ext cx="575799" cy="253916"/>
+          </a:xfrm>
+          <a:prstGeom prst="rect">
+            <a:avLst/>
+          </a:prstGeom>
+          <a:noFill/>
+        </p:spPr>
+        <p:txBody>
+          <a:bodyPr wrap="none" rtlCol="0">
+            <a:spAutoFit/>
+          </a:bodyPr>
+          <a:lstStyle/>
+          <a:p>
+            <a:r>
+              <a:rPr kumimoji="1" lang="en-US" altLang="zh-CN" sz="1050" dirty="0" err="1" smtClean="0"/>
+              <a:t>SendQ</a:t>
+            </a:r>
+            <a:endParaRPr kumimoji="1" lang="zh-CN" altLang="en-US" sz="1050" dirty="0"/>
+          </a:p>
+        </p:txBody>
+      </p:sp>
+      <p:sp>
+        <p:nvSpPr>
+          <p:cNvPr id="31" name="文本框 30"/>
+          <p:cNvSpPr txBox="1"/>
+          <p:nvPr/>
+        </p:nvSpPr>
+        <p:spPr>
+          <a:xfrm>
+            <a:off x="3249979" y="3195429"/>
+            <a:ext cx="724878" cy="253916"/>
+          </a:xfrm>
+          <a:prstGeom prst="rect">
+            <a:avLst/>
+          </a:prstGeom>
+          <a:noFill/>
+        </p:spPr>
+        <p:txBody>
+          <a:bodyPr wrap="none" rtlCol="0">
+            <a:spAutoFit/>
+          </a:bodyPr>
+          <a:lstStyle/>
+          <a:p>
+            <a:r>
+              <a:rPr kumimoji="1" lang="en-US" altLang="zh-CN" sz="1050" dirty="0" err="1" smtClean="0"/>
+              <a:t>ReceiveQ</a:t>
+            </a:r>
+            <a:endParaRPr kumimoji="1" lang="zh-CN" altLang="en-US" sz="1050" dirty="0"/>
+          </a:p>
+        </p:txBody>
+      </p:sp>
+      <p:sp>
+        <p:nvSpPr>
+          <p:cNvPr id="32" name="文本框 31"/>
+          <p:cNvSpPr txBox="1"/>
+          <p:nvPr/>
+        </p:nvSpPr>
+        <p:spPr>
+          <a:xfrm>
+            <a:off x="1824331" y="5614409"/>
+            <a:ext cx="6891630" cy="461665"/>
+          </a:xfrm>
+          <a:prstGeom prst="rect">
+            <a:avLst/>
+          </a:prstGeom>
+          <a:noFill/>
+        </p:spPr>
+        <p:txBody>
+          <a:bodyPr wrap="none" rtlCol="0">
+            <a:spAutoFit/>
+          </a:bodyPr>
+          <a:lstStyle/>
+          <a:p>
+            <a:r>
+              <a:rPr kumimoji="1" lang="zh-CN" altLang="en-US" sz="1200" dirty="0" smtClean="0"/>
+              <a:t>传输过程：当</a:t>
+            </a:r>
+            <a:r>
+              <a:rPr kumimoji="1" lang="en-US" altLang="zh-CN" sz="1200" dirty="0" err="1" smtClean="0"/>
+              <a:t>SendQ</a:t>
+            </a:r>
+            <a:r>
+              <a:rPr kumimoji="1" lang="zh-CN" altLang="en-US" sz="1200" dirty="0" smtClean="0"/>
+              <a:t>填满时，会发送到对端的</a:t>
+            </a:r>
+            <a:r>
+              <a:rPr kumimoji="1" lang="en-US" altLang="zh-CN" sz="1200" dirty="0" err="1" smtClean="0"/>
+              <a:t>ReceiveQ</a:t>
+            </a:r>
+            <a:r>
+              <a:rPr kumimoji="1" lang="zh-CN" altLang="en-US" sz="1200" dirty="0" smtClean="0"/>
+              <a:t>中，当</a:t>
+            </a:r>
+            <a:r>
+              <a:rPr kumimoji="1" lang="en-US" altLang="zh-CN" sz="1200" dirty="0" err="1" smtClean="0"/>
+              <a:t>ReceiveQ</a:t>
+            </a:r>
+            <a:r>
+              <a:rPr kumimoji="1" lang="zh-CN" altLang="en-US" sz="1200" dirty="0" smtClean="0"/>
+              <a:t>填满时，</a:t>
+            </a:r>
+            <a:r>
+              <a:rPr kumimoji="1" lang="en-US" altLang="zh-CN" sz="1200" dirty="0" smtClean="0"/>
+              <a:t>write()</a:t>
+            </a:r>
+            <a:r>
+              <a:rPr kumimoji="1" lang="zh-CN" altLang="en-US" sz="1200" dirty="0" smtClean="0"/>
+              <a:t>方法会阻塞，</a:t>
+            </a:r>
+            <a:endParaRPr kumimoji="1" lang="en-US" altLang="zh-CN" sz="1200" dirty="0" smtClean="0"/>
+          </a:p>
+          <a:p>
+            <a:r>
+              <a:rPr kumimoji="1" lang="zh-CN" altLang="en-US" sz="1200" dirty="0" smtClean="0"/>
+              <a:t>                   直到</a:t>
+            </a:r>
+            <a:r>
+              <a:rPr kumimoji="1" lang="en-US" altLang="zh-CN" sz="1200" dirty="0" err="1" smtClean="0"/>
+              <a:t>ReceiveQ</a:t>
+            </a:r>
+            <a:r>
+              <a:rPr kumimoji="1" lang="zh-CN" altLang="en-US" sz="1200" dirty="0" smtClean="0"/>
+              <a:t>能够容纳</a:t>
+            </a:r>
+            <a:r>
+              <a:rPr kumimoji="1" lang="en-US" altLang="zh-CN" sz="1200" dirty="0" err="1" smtClean="0"/>
+              <a:t>SendQ</a:t>
+            </a:r>
+            <a:r>
+              <a:rPr kumimoji="1" lang="zh-CN" altLang="en-US" sz="1200" dirty="0" smtClean="0"/>
+              <a:t>中的数据</a:t>
+            </a:r>
+            <a:endParaRPr kumimoji="1" lang="zh-CN" altLang="en-US" sz="1200" dirty="0"/>
+          </a:p>
+        </p:txBody>
+      </p:sp>
+      <p:sp>
+        <p:nvSpPr>
+          <p:cNvPr id="33" name="文本框 32"/>
+          <p:cNvSpPr txBox="1"/>
+          <p:nvPr/>
+        </p:nvSpPr>
+        <p:spPr>
+          <a:xfrm>
+            <a:off x="501805" y="323385"/>
+            <a:ext cx="1826141" cy="307777"/>
+          </a:xfrm>
+          <a:prstGeom prst="rect">
+            <a:avLst/>
+          </a:prstGeom>
+          <a:noFill/>
+        </p:spPr>
+        <p:txBody>
+          <a:bodyPr wrap="none" rtlCol="0">
+            <a:spAutoFit/>
+          </a:bodyPr>
+          <a:lstStyle/>
+          <a:p>
+            <a:r>
+              <a:rPr kumimoji="1" lang="en-US" altLang="zh-CN" sz="1400" smtClean="0"/>
+              <a:t>IO Socket</a:t>
+            </a:r>
+            <a:r>
+              <a:rPr kumimoji="1" lang="zh-CN" altLang="en-US" sz="1400" dirty="0" smtClean="0"/>
+              <a:t>传输过程：</a:t>
+            </a:r>
+            <a:endParaRPr kumimoji="1" lang="zh-CN" altLang="en-US" sz="1400" dirty="0"/>
+          </a:p>
+        </p:txBody>
+      </p:sp>
+      <p:sp>
+        <p:nvSpPr>
+          <p:cNvPr id="35" name="文本框 34"/>
+          <p:cNvSpPr txBox="1"/>
+          <p:nvPr/>
+        </p:nvSpPr>
+        <p:spPr>
+          <a:xfrm>
+            <a:off x="9088675" y="926638"/>
+            <a:ext cx="2117887" cy="400110"/>
+          </a:xfrm>
+          <a:prstGeom prst="rect">
+            <a:avLst/>
+          </a:prstGeom>
+          <a:noFill/>
+        </p:spPr>
+        <p:txBody>
+          <a:bodyPr wrap="none" rtlCol="0">
+            <a:spAutoFit/>
+          </a:bodyPr>
+          <a:lstStyle/>
+          <a:p>
+            <a:r>
+              <a:rPr kumimoji="1" lang="en-US" altLang="zh-CN" sz="1000"/>
+              <a:t>s</a:t>
+            </a:r>
+            <a:r>
+              <a:rPr kumimoji="1" lang="en-US" altLang="zh-CN" sz="1000" smtClean="0"/>
+              <a:t>erverScoket = new ServerSocket();</a:t>
+            </a:r>
+          </a:p>
+          <a:p>
+            <a:r>
+              <a:rPr kumimoji="1" lang="en-US" altLang="zh-CN" sz="1000"/>
+              <a:t>s</a:t>
+            </a:r>
+            <a:r>
+              <a:rPr kumimoji="1" lang="en-US" altLang="zh-CN" sz="1000" smtClean="0"/>
+              <a:t>ocket = serverSocket.accpent;</a:t>
+            </a:r>
+          </a:p>
+        </p:txBody>
+      </p:sp>
     </p:spTree>
     <p:extLst>
       <p:ext uri="{BB962C8B-B14F-4D97-AF65-F5344CB8AC3E}">
-        <p14:creationId xmlns:p14="http://schemas.microsoft.com/office/powerpoint/2010/main" val="627570997"/>
+        <p14:creationId xmlns:p14="http://schemas.microsoft.com/office/powerpoint/2010/main" val="812992357"/>
       </p:ext>
     </p:extLst>
   </p:cSld>
@@ -8357,55 +8412,14 @@
       </p:grpSpPr>
       <p:sp>
         <p:nvSpPr>
-          <p:cNvPr id="4" name="矩形 3"/>
-          <p:cNvSpPr/>
-          <p:nvPr/>
-        </p:nvSpPr>
-        <p:spPr>
-          <a:xfrm>
-            <a:off x="2594344" y="925029"/>
-            <a:ext cx="1244009" cy="1052623"/>
-          </a:xfrm>
-          <a:prstGeom prst="rect">
-            <a:avLst/>
-          </a:prstGeom>
-          <a:noFill/>
-        </p:spPr>
-        <p:style>
-          <a:lnRef idx="2">
-            <a:schemeClr val="accent1">
-              <a:shade val="50000"/>
-            </a:schemeClr>
-          </a:lnRef>
-          <a:fillRef idx="1">
-            <a:schemeClr val="accent1"/>
-          </a:fillRef>
-          <a:effectRef idx="0">
-            <a:schemeClr val="accent1"/>
-          </a:effectRef>
-          <a:fontRef idx="minor">
-            <a:schemeClr val="lt1"/>
-          </a:fontRef>
-        </p:style>
-        <p:txBody>
-          <a:bodyPr rtlCol="0" anchor="ctr"/>
-          <a:lstStyle/>
-          <a:p>
-            <a:pPr algn="ctr"/>
-            <a:endParaRPr kumimoji="1" lang="zh-CN" altLang="en-US"/>
-          </a:p>
-        </p:txBody>
-      </p:sp>
-      <p:sp>
-        <p:nvSpPr>
-          <p:cNvPr id="5" name="文本框 4"/>
+          <p:cNvPr id="10" name="文本框 9"/>
           <p:cNvSpPr txBox="1"/>
           <p:nvPr/>
         </p:nvSpPr>
         <p:spPr>
           <a:xfrm>
-            <a:off x="2284842" y="521788"/>
-            <a:ext cx="1837362" cy="261610"/>
+            <a:off x="3624149" y="1929162"/>
+            <a:ext cx="902811" cy="523220"/>
           </a:xfrm>
           <a:prstGeom prst="rect">
             <a:avLst/>
@@ -8419,64 +8433,37 @@
           <a:lstStyle/>
           <a:p>
             <a:r>
-              <a:rPr kumimoji="1" lang="en-US" altLang="zh-CN" sz="1100" smtClean="0"/>
-              <a:t>      Socket / SocketChannel</a:t>
-            </a:r>
-            <a:endParaRPr kumimoji="1" lang="zh-CN" altLang="en-US" sz="1100" dirty="0"/>
-          </a:p>
-        </p:txBody>
-      </p:sp>
-      <p:sp>
-        <p:nvSpPr>
-          <p:cNvPr id="6" name="矩形 5"/>
-          <p:cNvSpPr/>
-          <p:nvPr/>
-        </p:nvSpPr>
-        <p:spPr>
-          <a:xfrm>
-            <a:off x="6755219" y="925029"/>
-            <a:ext cx="1244009" cy="1052623"/>
-          </a:xfrm>
-          <a:prstGeom prst="rect">
-            <a:avLst/>
-          </a:prstGeom>
-          <a:noFill/>
-        </p:spPr>
-        <p:style>
-          <a:lnRef idx="2">
-            <a:schemeClr val="accent1">
-              <a:shade val="50000"/>
-            </a:schemeClr>
-          </a:lnRef>
-          <a:fillRef idx="1">
-            <a:schemeClr val="accent1"/>
-          </a:fillRef>
-          <a:effectRef idx="0">
-            <a:schemeClr val="accent1"/>
-          </a:effectRef>
-          <a:fontRef idx="minor">
-            <a:schemeClr val="lt1"/>
-          </a:fontRef>
-        </p:style>
-        <p:txBody>
-          <a:bodyPr rtlCol="0" anchor="ctr"/>
-          <a:lstStyle/>
-          <a:p>
-            <a:pPr algn="ctr"/>
-            <a:endParaRPr kumimoji="1" lang="zh-CN" altLang="en-US"/>
-          </a:p>
-        </p:txBody>
-      </p:sp>
-      <p:sp>
-        <p:nvSpPr>
-          <p:cNvPr id="7" name="文本框 6"/>
+              <a:rPr kumimoji="1" lang="zh-CN" altLang="en-US" sz="1400"/>
+              <a:t> </a:t>
+            </a:r>
+            <a:r>
+              <a:rPr kumimoji="1" lang="zh-CN" altLang="en-US" sz="1400" smtClean="0"/>
+              <a:t> </a:t>
+            </a:r>
+            <a:r>
+              <a:rPr kumimoji="1" lang="en-US" altLang="zh-CN" sz="1400" smtClean="0"/>
+              <a:t>Servlet</a:t>
+            </a:r>
+          </a:p>
+          <a:p>
+            <a:r>
+              <a:rPr kumimoji="1" lang="zh-CN" altLang="en-US" sz="1400" smtClean="0"/>
+              <a:t>顶级接口</a:t>
+            </a:r>
+            <a:endParaRPr kumimoji="1" lang="zh-CN" altLang="en-US" sz="1400"/>
+          </a:p>
+        </p:txBody>
+      </p:sp>
+      <p:sp>
+        <p:nvSpPr>
+          <p:cNvPr id="12" name="文本框 11"/>
           <p:cNvSpPr txBox="1"/>
           <p:nvPr/>
         </p:nvSpPr>
         <p:spPr>
           <a:xfrm>
-            <a:off x="6677707" y="522705"/>
-            <a:ext cx="2167581" cy="246221"/>
+            <a:off x="3561592" y="2989416"/>
+            <a:ext cx="1295547" cy="307777"/>
           </a:xfrm>
           <a:prstGeom prst="rect">
             <a:avLst/>
@@ -8490,110 +8477,94 @@
           <a:lstStyle/>
           <a:p>
             <a:r>
-              <a:rPr kumimoji="1" lang="en-US" altLang="zh-CN" sz="1000" smtClean="0"/>
-              <a:t>ServerSocket</a:t>
-            </a:r>
-            <a:r>
-              <a:rPr kumimoji="1" lang="zh-CN" altLang="en-US" sz="1000"/>
+              <a:rPr kumimoji="1" lang="en-US" altLang="zh-CN" sz="1400" smtClean="0"/>
+              <a:t>GenericServlet</a:t>
+            </a:r>
+            <a:endParaRPr kumimoji="1" lang="zh-CN" altLang="en-US" sz="1400"/>
+          </a:p>
+        </p:txBody>
+      </p:sp>
+      <p:sp>
+        <p:nvSpPr>
+          <p:cNvPr id="13" name="文本框 12"/>
+          <p:cNvSpPr txBox="1"/>
+          <p:nvPr/>
+        </p:nvSpPr>
+        <p:spPr>
+          <a:xfrm>
+            <a:off x="3612087" y="3843585"/>
+            <a:ext cx="1048685" cy="307777"/>
+          </a:xfrm>
+          <a:prstGeom prst="rect">
+            <a:avLst/>
+          </a:prstGeom>
+          <a:noFill/>
+        </p:spPr>
+        <p:txBody>
+          <a:bodyPr wrap="none" rtlCol="0">
+            <a:spAutoFit/>
+          </a:bodyPr>
+          <a:lstStyle/>
+          <a:p>
+            <a:r>
+              <a:rPr kumimoji="1" lang="en-US" altLang="zh-CN" sz="1400" smtClean="0"/>
+              <a:t>HttpServlet</a:t>
+            </a:r>
+            <a:endParaRPr kumimoji="1" lang="zh-CN" altLang="en-US" sz="1400"/>
+          </a:p>
+        </p:txBody>
+      </p:sp>
+      <p:sp>
+        <p:nvSpPr>
+          <p:cNvPr id="15" name="文本框 14"/>
+          <p:cNvSpPr txBox="1"/>
+          <p:nvPr/>
+        </p:nvSpPr>
+        <p:spPr>
+          <a:xfrm>
+            <a:off x="1639865" y="3408703"/>
+            <a:ext cx="1231427" cy="307777"/>
+          </a:xfrm>
+          <a:prstGeom prst="rect">
+            <a:avLst/>
+          </a:prstGeom>
+          <a:noFill/>
+        </p:spPr>
+        <p:txBody>
+          <a:bodyPr wrap="none" rtlCol="0">
+            <a:spAutoFit/>
+          </a:bodyPr>
+          <a:lstStyle/>
+          <a:p>
+            <a:r>
+              <a:rPr kumimoji="1" lang="en-US" altLang="zh-CN" sz="1400" smtClean="0"/>
+              <a:t>Abstract</a:t>
+            </a:r>
+            <a:r>
+              <a:rPr kumimoji="1" lang="zh-CN" altLang="en-US" sz="1400" smtClean="0"/>
               <a:t> </a:t>
             </a:r>
             <a:r>
-              <a:rPr kumimoji="1" lang="en-US" altLang="zh-CN" sz="1000" smtClean="0"/>
-              <a:t>/ ServerSocketChannel</a:t>
-            </a:r>
-          </a:p>
-        </p:txBody>
-      </p:sp>
-      <p:sp>
-        <p:nvSpPr>
-          <p:cNvPr id="8" name="椭圆 7"/>
-          <p:cNvSpPr/>
-          <p:nvPr/>
-        </p:nvSpPr>
-        <p:spPr>
-          <a:xfrm>
-            <a:off x="2594344" y="2594348"/>
-            <a:ext cx="1221780" cy="584790"/>
-          </a:xfrm>
-          <a:prstGeom prst="ellipse">
-            <a:avLst/>
-          </a:prstGeom>
-        </p:spPr>
-        <p:style>
-          <a:lnRef idx="2">
-            <a:schemeClr val="accent1">
-              <a:shade val="50000"/>
-            </a:schemeClr>
-          </a:lnRef>
-          <a:fillRef idx="1">
-            <a:schemeClr val="accent1"/>
-          </a:fillRef>
-          <a:effectRef idx="0">
-            <a:schemeClr val="accent1"/>
-          </a:effectRef>
-          <a:fontRef idx="minor">
-            <a:schemeClr val="lt1"/>
-          </a:fontRef>
-        </p:style>
-        <p:txBody>
-          <a:bodyPr rtlCol="0" anchor="ctr"/>
-          <a:lstStyle/>
-          <a:p>
-            <a:pPr algn="ctr"/>
-            <a:endParaRPr kumimoji="1" lang="zh-CN" altLang="en-US"/>
-          </a:p>
-        </p:txBody>
-      </p:sp>
-      <p:sp>
-        <p:nvSpPr>
-          <p:cNvPr id="9" name="椭圆 8"/>
-          <p:cNvSpPr/>
-          <p:nvPr/>
-        </p:nvSpPr>
-        <p:spPr>
-          <a:xfrm>
-            <a:off x="6777448" y="2594348"/>
-            <a:ext cx="1221780" cy="584790"/>
-          </a:xfrm>
-          <a:prstGeom prst="ellipse">
-            <a:avLst/>
-          </a:prstGeom>
-        </p:spPr>
-        <p:style>
-          <a:lnRef idx="2">
-            <a:schemeClr val="accent1">
-              <a:shade val="50000"/>
-            </a:schemeClr>
-          </a:lnRef>
-          <a:fillRef idx="1">
-            <a:schemeClr val="accent1"/>
-          </a:fillRef>
-          <a:effectRef idx="0">
-            <a:schemeClr val="accent1"/>
-          </a:effectRef>
-          <a:fontRef idx="minor">
-            <a:schemeClr val="lt1"/>
-          </a:fontRef>
-        </p:style>
-        <p:txBody>
-          <a:bodyPr rtlCol="0" anchor="ctr"/>
-          <a:lstStyle/>
-          <a:p>
-            <a:pPr algn="ctr"/>
-            <a:endParaRPr kumimoji="1" lang="zh-CN" altLang="en-US"/>
+              <a:rPr kumimoji="1" lang="en-US" altLang="zh-CN" sz="1400" smtClean="0"/>
+              <a:t>class</a:t>
+            </a:r>
+            <a:endParaRPr kumimoji="1" lang="zh-CN" altLang="en-US" sz="1400"/>
           </a:p>
         </p:txBody>
       </p:sp>
       <p:cxnSp>
         <p:nvCxnSpPr>
-          <p:cNvPr id="10" name="直线箭头连接符 9"/>
-          <p:cNvCxnSpPr/>
+          <p:cNvPr id="17" name="直线箭头连接符 16"/>
+          <p:cNvCxnSpPr>
+            <a:stCxn id="15" idx="3"/>
+            <a:endCxn id="12" idx="1"/>
+          </p:cNvCxnSpPr>
           <p:nvPr/>
         </p:nvCxnSpPr>
         <p:spPr>
-          <a:xfrm>
-            <a:off x="2861122" y="1977652"/>
-            <a:ext cx="0" cy="616696"/>
+          <a:xfrm flipV="1">
+            <a:off x="2871292" y="3143305"/>
+            <a:ext cx="690300" cy="419287"/>
           </a:xfrm>
           <a:prstGeom prst="straightConnector1">
             <a:avLst/>
@@ -8619,14 +8590,16 @@
       </p:cxnSp>
       <p:cxnSp>
         <p:nvCxnSpPr>
-          <p:cNvPr id="11" name="直线箭头连接符 10"/>
-          <p:cNvCxnSpPr/>
+          <p:cNvPr id="19" name="直线箭头连接符 18"/>
+          <p:cNvCxnSpPr>
+            <a:stCxn id="15" idx="3"/>
+          </p:cNvCxnSpPr>
           <p:nvPr/>
         </p:nvCxnSpPr>
         <p:spPr>
-          <a:xfrm flipV="1">
-            <a:off x="3571573" y="1977651"/>
-            <a:ext cx="0" cy="616698"/>
+          <a:xfrm>
+            <a:off x="2871292" y="3562592"/>
+            <a:ext cx="690300" cy="392503"/>
           </a:xfrm>
           <a:prstGeom prst="straightConnector1">
             <a:avLst/>
@@ -8650,16 +8623,84 @@
           </a:fontRef>
         </p:style>
       </p:cxnSp>
-      <p:sp>
-        <p:nvSpPr>
-          <p:cNvPr id="12" name="文本框 11"/>
+      <p:cxnSp>
+        <p:nvCxnSpPr>
+          <p:cNvPr id="23" name="直线箭头连接符 22"/>
+          <p:cNvCxnSpPr>
+            <a:stCxn id="10" idx="2"/>
+          </p:cNvCxnSpPr>
+          <p:nvPr/>
+        </p:nvCxnSpPr>
+        <p:spPr>
+          <a:xfrm flipH="1">
+            <a:off x="4070195" y="2452382"/>
+            <a:ext cx="5360" cy="546392"/>
+          </a:xfrm>
+          <a:prstGeom prst="straightConnector1">
+            <a:avLst/>
+          </a:prstGeom>
+          <a:ln>
+            <a:tailEnd type="triangle"/>
+          </a:ln>
+        </p:spPr>
+        <p:style>
+          <a:lnRef idx="1">
+            <a:schemeClr val="accent1"/>
+          </a:lnRef>
+          <a:fillRef idx="0">
+            <a:schemeClr val="accent1"/>
+          </a:fillRef>
+          <a:effectRef idx="0">
+            <a:schemeClr val="accent1"/>
+          </a:effectRef>
+          <a:fontRef idx="minor">
+            <a:schemeClr val="tx1"/>
+          </a:fontRef>
+        </p:style>
+      </p:cxnSp>
+      <p:cxnSp>
+        <p:nvCxnSpPr>
+          <p:cNvPr id="26" name="直线箭头连接符 25"/>
+          <p:cNvCxnSpPr/>
+          <p:nvPr/>
+        </p:nvCxnSpPr>
+        <p:spPr>
+          <a:xfrm>
+            <a:off x="4070195" y="3297193"/>
+            <a:ext cx="0" cy="419287"/>
+          </a:xfrm>
+          <a:prstGeom prst="straightConnector1">
+            <a:avLst/>
+          </a:prstGeom>
+          <a:ln>
+            <a:tailEnd type="triangle"/>
+          </a:ln>
+        </p:spPr>
+        <p:style>
+          <a:lnRef idx="1">
+            <a:schemeClr val="accent1"/>
+          </a:lnRef>
+          <a:fillRef idx="0">
+            <a:schemeClr val="accent1"/>
+          </a:fillRef>
+          <a:effectRef idx="0">
+            <a:schemeClr val="accent1"/>
+          </a:effectRef>
+          <a:fontRef idx="minor">
+            <a:schemeClr val="tx1"/>
+          </a:fontRef>
+        </p:style>
+      </p:cxnSp>
+      <p:sp>
+        <p:nvSpPr>
+          <p:cNvPr id="27" name="文本框 26"/>
           <p:cNvSpPr txBox="1"/>
           <p:nvPr/>
         </p:nvSpPr>
         <p:spPr>
           <a:xfrm>
-            <a:off x="3571573" y="2175060"/>
-            <a:ext cx="893193" cy="415498"/>
+            <a:off x="5572845" y="1929163"/>
+            <a:ext cx="1378904" cy="307777"/>
           </a:xfrm>
           <a:prstGeom prst="rect">
             <a:avLst/>
@@ -8673,34 +8714,27 @@
           <a:lstStyle/>
           <a:p>
             <a:r>
-              <a:rPr kumimoji="1" lang="en-US" altLang="zh-CN" sz="1050" dirty="0" err="1" smtClean="0"/>
-              <a:t>InputStream</a:t>
-            </a:r>
-            <a:endParaRPr kumimoji="1" lang="en-US" altLang="zh-CN" sz="1050" dirty="0" smtClean="0"/>
-          </a:p>
-          <a:p>
-            <a:r>
-              <a:rPr kumimoji="1" lang="zh-CN" altLang="en-US" sz="1050" dirty="0" smtClean="0"/>
-              <a:t>     </a:t>
-            </a:r>
-            <a:r>
-              <a:rPr kumimoji="1" lang="en-US" altLang="zh-CN" sz="1050" dirty="0" smtClean="0"/>
-              <a:t>read()</a:t>
-            </a:r>
-            <a:endParaRPr kumimoji="1" lang="en-US" altLang="zh-CN" sz="1050" dirty="0"/>
-          </a:p>
-        </p:txBody>
-      </p:sp>
-      <p:sp>
-        <p:nvSpPr>
-          <p:cNvPr id="13" name="文本框 12"/>
+              <a:rPr kumimoji="1" lang="zh-CN" altLang="en-US" sz="1400"/>
+              <a:t> </a:t>
+            </a:r>
+            <a:r>
+              <a:rPr kumimoji="1" lang="en-US" altLang="zh-CN" sz="1400" err="1" smtClean="0"/>
+              <a:t>ServletRequest</a:t>
+            </a:r>
+            <a:endParaRPr kumimoji="1" lang="en-US" altLang="zh-CN" sz="1400" smtClean="0"/>
+          </a:p>
+        </p:txBody>
+      </p:sp>
+      <p:sp>
+        <p:nvSpPr>
+          <p:cNvPr id="28" name="文本框 27"/>
           <p:cNvSpPr txBox="1"/>
           <p:nvPr/>
         </p:nvSpPr>
         <p:spPr>
           <a:xfrm>
-            <a:off x="1937703" y="2175060"/>
-            <a:ext cx="1005403" cy="415498"/>
+            <a:off x="7670353" y="1929162"/>
+            <a:ext cx="1547218" cy="307777"/>
           </a:xfrm>
           <a:prstGeom prst="rect">
             <a:avLst/>
@@ -8714,34 +8748,137 @@
           <a:lstStyle/>
           <a:p>
             <a:r>
-              <a:rPr kumimoji="1" lang="en-US" altLang="zh-CN" sz="1050" dirty="0" err="1" smtClean="0"/>
-              <a:t>OutputStream</a:t>
-            </a:r>
-            <a:endParaRPr kumimoji="1" lang="en-US" altLang="zh-CN" sz="1050" dirty="0" smtClean="0"/>
-          </a:p>
-          <a:p>
-            <a:r>
-              <a:rPr kumimoji="1" lang="zh-CN" altLang="en-US" sz="1050" dirty="0" smtClean="0"/>
-              <a:t>     </a:t>
-            </a:r>
-            <a:r>
-              <a:rPr kumimoji="1" lang="en-US" altLang="zh-CN" sz="1050" dirty="0" smtClean="0"/>
-              <a:t>write()</a:t>
-            </a:r>
-            <a:endParaRPr kumimoji="1" lang="zh-CN" altLang="en-US" sz="1050" dirty="0"/>
+              <a:rPr kumimoji="1" lang="zh-CN" altLang="en-US" sz="1400"/>
+              <a:t> </a:t>
+            </a:r>
+            <a:r>
+              <a:rPr kumimoji="1" lang="zh-CN" altLang="en-US" sz="1400" smtClean="0"/>
+              <a:t> </a:t>
+            </a:r>
+            <a:r>
+              <a:rPr kumimoji="1" lang="en-US" altLang="zh-CN" sz="1400" err="1" smtClean="0"/>
+              <a:t>ServletResponse</a:t>
+            </a:r>
+            <a:endParaRPr kumimoji="1" lang="en-US" altLang="zh-CN" sz="1400" smtClean="0"/>
+          </a:p>
+        </p:txBody>
+      </p:sp>
+      <p:sp>
+        <p:nvSpPr>
+          <p:cNvPr id="29" name="文本框 28"/>
+          <p:cNvSpPr txBox="1"/>
+          <p:nvPr/>
+        </p:nvSpPr>
+        <p:spPr>
+          <a:xfrm>
+            <a:off x="9768907" y="1929162"/>
+            <a:ext cx="1313180" cy="307777"/>
+          </a:xfrm>
+          <a:prstGeom prst="rect">
+            <a:avLst/>
+          </a:prstGeom>
+          <a:noFill/>
+        </p:spPr>
+        <p:txBody>
+          <a:bodyPr wrap="none" rtlCol="0">
+            <a:spAutoFit/>
+          </a:bodyPr>
+          <a:lstStyle/>
+          <a:p>
+            <a:r>
+              <a:rPr kumimoji="1" lang="zh-CN" altLang="en-US" sz="1400"/>
+              <a:t> </a:t>
+            </a:r>
+            <a:r>
+              <a:rPr kumimoji="1" lang="zh-CN" altLang="en-US" sz="1400" smtClean="0"/>
+              <a:t> </a:t>
+            </a:r>
+            <a:r>
+              <a:rPr kumimoji="1" lang="en-US" altLang="zh-CN" sz="1400" err="1" smtClean="0"/>
+              <a:t>ServletConfig</a:t>
+            </a:r>
+            <a:endParaRPr kumimoji="1" lang="en-US" altLang="zh-CN" sz="1400" smtClean="0"/>
+          </a:p>
+        </p:txBody>
+      </p:sp>
+      <p:sp>
+        <p:nvSpPr>
+          <p:cNvPr id="30" name="文本框 29"/>
+          <p:cNvSpPr txBox="1"/>
+          <p:nvPr/>
+        </p:nvSpPr>
+        <p:spPr>
+          <a:xfrm>
+            <a:off x="5370281" y="2866752"/>
+            <a:ext cx="1721946" cy="307777"/>
+          </a:xfrm>
+          <a:prstGeom prst="rect">
+            <a:avLst/>
+          </a:prstGeom>
+          <a:noFill/>
+        </p:spPr>
+        <p:txBody>
+          <a:bodyPr wrap="none" rtlCol="0">
+            <a:spAutoFit/>
+          </a:bodyPr>
+          <a:lstStyle/>
+          <a:p>
+            <a:r>
+              <a:rPr kumimoji="1" lang="zh-CN" altLang="en-US" sz="1400"/>
+              <a:t> </a:t>
+            </a:r>
+            <a:r>
+              <a:rPr kumimoji="1" lang="en-US" altLang="zh-CN" sz="1400" err="1" smtClean="0"/>
+              <a:t>HttpServletRequest</a:t>
+            </a:r>
+            <a:endParaRPr kumimoji="1" lang="en-US" altLang="zh-CN" sz="1400" smtClean="0"/>
+          </a:p>
+        </p:txBody>
+      </p:sp>
+      <p:sp>
+        <p:nvSpPr>
+          <p:cNvPr id="31" name="文本框 30"/>
+          <p:cNvSpPr txBox="1"/>
+          <p:nvPr/>
+        </p:nvSpPr>
+        <p:spPr>
+          <a:xfrm>
+            <a:off x="7670353" y="2835527"/>
+            <a:ext cx="1840568" cy="307777"/>
+          </a:xfrm>
+          <a:prstGeom prst="rect">
+            <a:avLst/>
+          </a:prstGeom>
+          <a:noFill/>
+        </p:spPr>
+        <p:txBody>
+          <a:bodyPr wrap="none" rtlCol="0">
+            <a:spAutoFit/>
+          </a:bodyPr>
+          <a:lstStyle/>
+          <a:p>
+            <a:r>
+              <a:rPr kumimoji="1" lang="zh-CN" altLang="en-US" sz="1400"/>
+              <a:t> </a:t>
+            </a:r>
+            <a:r>
+              <a:rPr kumimoji="1" lang="en-US" altLang="zh-CN" sz="1400" err="1" smtClean="0"/>
+              <a:t>HttpServletResponse</a:t>
+            </a:r>
+            <a:endParaRPr kumimoji="1" lang="en-US" altLang="zh-CN" sz="1400" smtClean="0"/>
           </a:p>
         </p:txBody>
       </p:sp>
       <p:cxnSp>
         <p:nvCxnSpPr>
-          <p:cNvPr id="14" name="直线箭头连接符 13"/>
+          <p:cNvPr id="33" name="直线箭头连接符 32"/>
           <p:cNvCxnSpPr/>
           <p:nvPr/>
         </p:nvCxnSpPr>
         <p:spPr>
           <a:xfrm>
-            <a:off x="7761498" y="1983433"/>
-            <a:ext cx="0" cy="616696"/>
+            <a:off x="6262297" y="2330605"/>
+            <a:ext cx="0" cy="394973"/>
           </a:xfrm>
           <a:prstGeom prst="straightConnector1">
             <a:avLst/>
@@ -8767,14 +8904,16 @@
       </p:cxnSp>
       <p:cxnSp>
         <p:nvCxnSpPr>
-          <p:cNvPr id="15" name="直线箭头连接符 14"/>
-          <p:cNvCxnSpPr/>
+          <p:cNvPr id="35" name="直线箭头连接符 34"/>
+          <p:cNvCxnSpPr>
+            <a:stCxn id="28" idx="2"/>
+          </p:cNvCxnSpPr>
           <p:nvPr/>
         </p:nvCxnSpPr>
         <p:spPr>
-          <a:xfrm flipV="1">
-            <a:off x="7034289" y="1977652"/>
-            <a:ext cx="0" cy="616698"/>
+          <a:xfrm>
+            <a:off x="8443962" y="2236939"/>
+            <a:ext cx="0" cy="488639"/>
           </a:xfrm>
           <a:prstGeom prst="straightConnector1">
             <a:avLst/>
@@ -8800,14 +8939,14 @@
       </p:cxnSp>
       <p:sp>
         <p:nvSpPr>
-          <p:cNvPr id="16" name="文本框 15"/>
+          <p:cNvPr id="37" name="文本框 36"/>
           <p:cNvSpPr txBox="1"/>
           <p:nvPr/>
         </p:nvSpPr>
         <p:spPr>
           <a:xfrm>
-            <a:off x="5821409" y="2168882"/>
-            <a:ext cx="893193" cy="415498"/>
+            <a:off x="144749" y="111283"/>
+            <a:ext cx="3498073" cy="1169551"/>
           </a:xfrm>
           <a:prstGeom prst="rect">
             <a:avLst/>
@@ -8821,38 +8960,112 @@
           <a:lstStyle/>
           <a:p>
             <a:r>
-              <a:rPr kumimoji="1" lang="en-US" altLang="zh-CN" sz="1050" dirty="0" err="1" smtClean="0"/>
-              <a:t>InputStream</a:t>
-            </a:r>
-            <a:endParaRPr kumimoji="1" lang="en-US" altLang="zh-CN" sz="1050" dirty="0" smtClean="0"/>
-          </a:p>
-          <a:p>
-            <a:r>
-              <a:rPr kumimoji="1" lang="zh-CN" altLang="en-US" sz="1050" dirty="0"/>
+              <a:rPr kumimoji="1" lang="en-US" altLang="zh-CN" sz="1400" smtClean="0"/>
+              <a:t>1.init(</a:t>
+            </a:r>
+            <a:r>
+              <a:rPr kumimoji="1" lang="en-US" altLang="zh-CN" sz="1400" err="1" smtClean="0"/>
+              <a:t>ServletConfig</a:t>
+            </a:r>
+            <a:r>
+              <a:rPr kumimoji="1" lang="en-US" altLang="zh-CN" sz="1400" smtClean="0"/>
+              <a:t>)</a:t>
+            </a:r>
+          </a:p>
+          <a:p>
+            <a:r>
+              <a:rPr kumimoji="1" lang="en-US" altLang="zh-CN" sz="1400" smtClean="0"/>
+              <a:t>2.destroy()</a:t>
+            </a:r>
+          </a:p>
+          <a:p>
+            <a:r>
+              <a:rPr kumimoji="1" lang="en-US" altLang="zh-CN" sz="1400" smtClean="0"/>
+              <a:t>3.service(</a:t>
+            </a:r>
+            <a:r>
+              <a:rPr kumimoji="1" lang="en-US" altLang="zh-CN" sz="1400" err="1" smtClean="0"/>
+              <a:t>ServletRequest</a:t>
+            </a:r>
+            <a:r>
+              <a:rPr kumimoji="1" lang="zh-CN" altLang="en-US" sz="1400" smtClean="0"/>
               <a:t> </a:t>
             </a:r>
             <a:r>
-              <a:rPr kumimoji="1" lang="zh-CN" altLang="en-US" sz="1050" dirty="0" smtClean="0"/>
-              <a:t>    </a:t>
-            </a:r>
-            <a:r>
-              <a:rPr kumimoji="1" lang="en-US" altLang="zh-CN" sz="1050" dirty="0" smtClean="0"/>
-              <a:t>read()</a:t>
-            </a:r>
-            <a:endParaRPr kumimoji="1" lang="zh-CN" altLang="en-US" sz="1050" dirty="0"/>
-          </a:p>
-        </p:txBody>
-      </p:sp>
-      <p:sp>
-        <p:nvSpPr>
-          <p:cNvPr id="17" name="文本框 16"/>
+              <a:rPr kumimoji="1" lang="en-US" altLang="zh-CN" sz="1400" smtClean="0"/>
+              <a:t>,</a:t>
+            </a:r>
+            <a:r>
+              <a:rPr kumimoji="1" lang="zh-CN" altLang="en-US" sz="1400"/>
+              <a:t> </a:t>
+            </a:r>
+            <a:r>
+              <a:rPr kumimoji="1" lang="en-US" altLang="zh-CN" sz="1400" err="1" smtClean="0"/>
+              <a:t>SerlvetResponse</a:t>
+            </a:r>
+            <a:r>
+              <a:rPr kumimoji="1" lang="en-US" altLang="zh-CN" sz="1400" smtClean="0"/>
+              <a:t>)</a:t>
+            </a:r>
+          </a:p>
+          <a:p>
+            <a:r>
+              <a:rPr kumimoji="1" lang="en-US" altLang="zh-CN" sz="1400" smtClean="0"/>
+              <a:t>4.getServletConfig()</a:t>
+            </a:r>
+          </a:p>
+          <a:p>
+            <a:r>
+              <a:rPr kumimoji="1" lang="en-US" altLang="zh-CN" sz="1400" smtClean="0"/>
+              <a:t>5.getServletInfo()</a:t>
+            </a:r>
+            <a:endParaRPr kumimoji="1" lang="zh-CN" altLang="en-US" sz="1400"/>
+          </a:p>
+        </p:txBody>
+      </p:sp>
+      <p:cxnSp>
+        <p:nvCxnSpPr>
+          <p:cNvPr id="39" name="直线箭头连接符 38"/>
+          <p:cNvCxnSpPr/>
+          <p:nvPr/>
+        </p:nvCxnSpPr>
+        <p:spPr>
+          <a:xfrm>
+            <a:off x="1895707" y="1405054"/>
+            <a:ext cx="1460810" cy="677996"/>
+          </a:xfrm>
+          <a:prstGeom prst="straightConnector1">
+            <a:avLst/>
+          </a:prstGeom>
+          <a:ln>
+            <a:tailEnd type="triangle"/>
+          </a:ln>
+        </p:spPr>
+        <p:style>
+          <a:lnRef idx="1">
+            <a:schemeClr val="accent1"/>
+          </a:lnRef>
+          <a:fillRef idx="0">
+            <a:schemeClr val="accent1"/>
+          </a:fillRef>
+          <a:effectRef idx="0">
+            <a:schemeClr val="accent1"/>
+          </a:effectRef>
+          <a:fontRef idx="minor">
+            <a:schemeClr val="tx1"/>
+          </a:fontRef>
+        </p:style>
+      </p:cxnSp>
+      <p:sp>
+        <p:nvSpPr>
+          <p:cNvPr id="40" name="文本框 39"/>
           <p:cNvSpPr txBox="1"/>
           <p:nvPr/>
         </p:nvSpPr>
         <p:spPr>
           <a:xfrm>
-            <a:off x="7860131" y="2242226"/>
-            <a:ext cx="1005403" cy="415498"/>
+            <a:off x="6501161" y="1028606"/>
+            <a:ext cx="1441420" cy="307777"/>
           </a:xfrm>
           <a:prstGeom prst="rect">
             <a:avLst/>
@@ -8866,79 +9079,93 @@
           <a:lstStyle/>
           <a:p>
             <a:r>
-              <a:rPr kumimoji="1" lang="en-US" altLang="zh-CN" sz="1050" dirty="0" err="1" smtClean="0"/>
-              <a:t>OutputStream</a:t>
-            </a:r>
-            <a:endParaRPr kumimoji="1" lang="en-US" altLang="zh-CN" sz="1050" dirty="0" smtClean="0"/>
-          </a:p>
-          <a:p>
-            <a:r>
-              <a:rPr kumimoji="1" lang="zh-CN" altLang="en-US" sz="1050" dirty="0"/>
-              <a:t> </a:t>
-            </a:r>
-            <a:r>
-              <a:rPr kumimoji="1" lang="zh-CN" altLang="en-US" sz="1050" dirty="0" smtClean="0"/>
-              <a:t>      </a:t>
-            </a:r>
-            <a:r>
-              <a:rPr kumimoji="1" lang="en-US" altLang="zh-CN" sz="1050" dirty="0" smtClean="0"/>
-              <a:t>write()</a:t>
-            </a:r>
-            <a:endParaRPr kumimoji="1" lang="zh-CN" altLang="en-US" sz="1050" dirty="0"/>
-          </a:p>
-        </p:txBody>
-      </p:sp>
-      <p:sp>
-        <p:nvSpPr>
-          <p:cNvPr id="18" name="矩形 17"/>
-          <p:cNvSpPr/>
-          <p:nvPr/>
-        </p:nvSpPr>
-        <p:spPr>
-          <a:xfrm>
-            <a:off x="3838353" y="3700131"/>
-            <a:ext cx="2693582" cy="329610"/>
-          </a:xfrm>
-          <a:prstGeom prst="rect">
-            <a:avLst/>
-          </a:prstGeom>
-          <a:noFill/>
-        </p:spPr>
-        <p:style>
-          <a:lnRef idx="2">
-            <a:schemeClr val="accent1">
-              <a:shade val="50000"/>
-            </a:schemeClr>
-          </a:lnRef>
-          <a:fillRef idx="1">
-            <a:schemeClr val="accent1"/>
-          </a:fillRef>
-          <a:effectRef idx="0">
-            <a:schemeClr val="accent1"/>
-          </a:effectRef>
-          <a:fontRef idx="minor">
-            <a:schemeClr val="lt1"/>
-          </a:fontRef>
-        </p:style>
-        <p:txBody>
-          <a:bodyPr rtlCol="0" anchor="ctr"/>
-          <a:lstStyle/>
-          <a:p>
-            <a:pPr algn="ctr"/>
-            <a:endParaRPr kumimoji="1" lang="zh-CN" altLang="en-US"/>
-          </a:p>
-        </p:txBody>
-      </p:sp>
-      <p:sp>
-        <p:nvSpPr>
-          <p:cNvPr id="19" name="文本框 18"/>
+              <a:rPr kumimoji="1" lang="zh-CN" altLang="en-US" sz="1400" smtClean="0"/>
+              <a:t>客户端请求接口</a:t>
+            </a:r>
+            <a:endParaRPr kumimoji="1" lang="zh-CN" altLang="en-US" sz="1400"/>
+          </a:p>
+        </p:txBody>
+      </p:sp>
+      <p:cxnSp>
+        <p:nvCxnSpPr>
+          <p:cNvPr id="42" name="直线箭头连接符 41"/>
+          <p:cNvCxnSpPr>
+            <a:stCxn id="40" idx="2"/>
+          </p:cNvCxnSpPr>
+          <p:nvPr/>
+        </p:nvCxnSpPr>
+        <p:spPr>
+          <a:xfrm flipH="1">
+            <a:off x="6701907" y="1336383"/>
+            <a:ext cx="519964" cy="492417"/>
+          </a:xfrm>
+          <a:prstGeom prst="straightConnector1">
+            <a:avLst/>
+          </a:prstGeom>
+          <a:ln>
+            <a:tailEnd type="triangle"/>
+          </a:ln>
+        </p:spPr>
+        <p:style>
+          <a:lnRef idx="1">
+            <a:schemeClr val="accent1"/>
+          </a:lnRef>
+          <a:fillRef idx="0">
+            <a:schemeClr val="accent1"/>
+          </a:fillRef>
+          <a:effectRef idx="0">
+            <a:schemeClr val="accent1"/>
+          </a:effectRef>
+          <a:fontRef idx="minor">
+            <a:schemeClr val="tx1"/>
+          </a:fontRef>
+        </p:style>
+      </p:cxnSp>
+      <p:cxnSp>
+        <p:nvCxnSpPr>
+          <p:cNvPr id="44" name="直线箭头连接符 43"/>
+          <p:cNvCxnSpPr>
+            <a:stCxn id="40" idx="2"/>
+          </p:cNvCxnSpPr>
+          <p:nvPr/>
+        </p:nvCxnSpPr>
+        <p:spPr>
+          <a:xfrm>
+            <a:off x="7221871" y="1336383"/>
+            <a:ext cx="684344" cy="499115"/>
+          </a:xfrm>
+          <a:prstGeom prst="straightConnector1">
+            <a:avLst/>
+          </a:prstGeom>
+          <a:ln>
+            <a:tailEnd type="triangle"/>
+          </a:ln>
+        </p:spPr>
+        <p:style>
+          <a:lnRef idx="1">
+            <a:schemeClr val="accent1"/>
+          </a:lnRef>
+          <a:fillRef idx="0">
+            <a:schemeClr val="accent1"/>
+          </a:fillRef>
+          <a:effectRef idx="0">
+            <a:schemeClr val="accent1"/>
+          </a:effectRef>
+          <a:fontRef idx="minor">
+            <a:schemeClr val="tx1"/>
+          </a:fontRef>
+        </p:style>
+      </p:cxnSp>
+      <p:sp>
+        <p:nvSpPr>
+          <p:cNvPr id="45" name="文本框 44"/>
           <p:cNvSpPr txBox="1"/>
           <p:nvPr/>
         </p:nvSpPr>
         <p:spPr>
           <a:xfrm>
-            <a:off x="4162267" y="4084080"/>
-            <a:ext cx="2045753" cy="276999"/>
+            <a:off x="2255578" y="4197522"/>
+            <a:ext cx="3033203" cy="461665"/>
           </a:xfrm>
           <a:prstGeom prst="rect">
             <a:avLst/>
@@ -8952,32 +9179,90 @@
           <a:lstStyle/>
           <a:p>
             <a:r>
+              <a:rPr kumimoji="1" lang="zh-CN" altLang="en-US" sz="1200" smtClean="0"/>
+              <a:t>提供了与</a:t>
+            </a:r>
+            <a:r>
               <a:rPr kumimoji="1" lang="en-US" altLang="zh-CN" sz="1200" smtClean="0"/>
-              <a:t>Socket / SocketChannel</a:t>
+              <a:t>http</a:t>
             </a:r>
             <a:r>
               <a:rPr kumimoji="1" lang="zh-CN" altLang="en-US" sz="1200" smtClean="0"/>
-              <a:t>通道</a:t>
-            </a:r>
-            <a:endParaRPr kumimoji="1" lang="zh-CN" altLang="en-US" sz="1200" dirty="0"/>
+              <a:t>协议相关实现，所有</a:t>
+            </a:r>
+            <a:r>
+              <a:rPr kumimoji="1" lang="en-US" altLang="zh-CN" sz="1200" smtClean="0"/>
+              <a:t>java</a:t>
+            </a:r>
+            <a:r>
+              <a:rPr kumimoji="1" lang="zh-CN" altLang="en-US" sz="1200" smtClean="0"/>
+              <a:t> </a:t>
+            </a:r>
+            <a:r>
+              <a:rPr kumimoji="1" lang="en-US" altLang="zh-CN" sz="1200" smtClean="0"/>
+              <a:t>web</a:t>
+            </a:r>
+          </a:p>
+          <a:p>
+            <a:r>
+              <a:rPr kumimoji="1" lang="zh-CN" altLang="en-US" sz="1200" smtClean="0"/>
+              <a:t>自定义开发，都实现</a:t>
+            </a:r>
+            <a:r>
+              <a:rPr kumimoji="1" lang="en-US" altLang="zh-CN" sz="1200" err="1" smtClean="0"/>
+              <a:t>HttpServlet</a:t>
+            </a:r>
+            <a:endParaRPr kumimoji="1" lang="zh-CN" altLang="en-US" sz="1200"/>
+          </a:p>
+        </p:txBody>
+      </p:sp>
+      <p:sp>
+        <p:nvSpPr>
+          <p:cNvPr id="46" name="文本框 45"/>
+          <p:cNvSpPr txBox="1"/>
+          <p:nvPr/>
+        </p:nvSpPr>
+        <p:spPr>
+          <a:xfrm>
+            <a:off x="6501161" y="3517507"/>
+            <a:ext cx="1604927" cy="307777"/>
+          </a:xfrm>
+          <a:prstGeom prst="rect">
+            <a:avLst/>
+          </a:prstGeom>
+          <a:noFill/>
+        </p:spPr>
+        <p:txBody>
+          <a:bodyPr wrap="none" rtlCol="0">
+            <a:spAutoFit/>
+          </a:bodyPr>
+          <a:lstStyle/>
+          <a:p>
+            <a:r>
+              <a:rPr kumimoji="1" lang="en-US" altLang="zh-CN" sz="1400" smtClean="0"/>
+              <a:t>Http</a:t>
+            </a:r>
+            <a:r>
+              <a:rPr kumimoji="1" lang="zh-CN" altLang="en-US" sz="1400" smtClean="0"/>
+              <a:t>协议相关接口</a:t>
+            </a:r>
+            <a:endParaRPr kumimoji="1" lang="zh-CN" altLang="en-US" sz="1400"/>
           </a:p>
         </p:txBody>
       </p:sp>
       <p:cxnSp>
         <p:nvCxnSpPr>
-          <p:cNvPr id="20" name="肘形连接符 19"/>
+          <p:cNvPr id="48" name="直线箭头连接符 47"/>
           <p:cNvCxnSpPr/>
           <p:nvPr/>
         </p:nvCxnSpPr>
         <p:spPr>
-          <a:xfrm rot="16200000" flipH="1">
-            <a:off x="3181414" y="3202957"/>
-            <a:ext cx="680758" cy="633119"/>
-          </a:xfrm>
-          <a:prstGeom prst="bentConnector3">
-            <a:avLst>
-              <a:gd name="adj1" fmla="val 99980"/>
-            </a:avLst>
+          <a:xfrm flipH="1" flipV="1">
+            <a:off x="6813395" y="3297193"/>
+            <a:ext cx="278832" cy="111510"/>
+          </a:xfrm>
+          <a:prstGeom prst="straightConnector1">
+            <a:avLst/>
           </a:prstGeom>
           <a:ln>
             <a:tailEnd type="triangle"/>
@@ -9000,19 +9285,17 @@
       </p:cxnSp>
       <p:cxnSp>
         <p:nvCxnSpPr>
-          <p:cNvPr id="21" name="肘形连接符 20"/>
+          <p:cNvPr id="50" name="直线箭头连接符 49"/>
           <p:cNvCxnSpPr/>
           <p:nvPr/>
         </p:nvCxnSpPr>
         <p:spPr>
           <a:xfrm flipV="1">
-            <a:off x="6543356" y="3211045"/>
-            <a:ext cx="1027814" cy="685798"/>
-          </a:xfrm>
-          <a:prstGeom prst="bentConnector3">
-            <a:avLst>
-              <a:gd name="adj1" fmla="val 100690"/>
-            </a:avLst>
+            <a:off x="7221871" y="3315703"/>
+            <a:ext cx="260597" cy="93000"/>
+          </a:xfrm>
+          <a:prstGeom prst="straightConnector1">
+            <a:avLst/>
           </a:prstGeom>
           <a:ln>
             <a:tailEnd type="triangle"/>
@@ -9035,14 +9318,14 @@
       </p:cxnSp>
       <p:sp>
         <p:nvSpPr>
-          <p:cNvPr id="22" name="文本框 21"/>
+          <p:cNvPr id="51" name="文本框 50"/>
           <p:cNvSpPr txBox="1"/>
           <p:nvPr/>
         </p:nvSpPr>
         <p:spPr>
           <a:xfrm>
-            <a:off x="1918099" y="2868869"/>
-            <a:ext cx="527709" cy="253916"/>
+            <a:off x="197691" y="5405627"/>
+            <a:ext cx="9778639" cy="830997"/>
           </a:xfrm>
           <a:prstGeom prst="rect">
             <a:avLst/>
@@ -9056,23 +9339,159 @@
           <a:lstStyle/>
           <a:p>
             <a:r>
-              <a:rPr kumimoji="1" lang="en-US" altLang="zh-CN" sz="1050" smtClean="0"/>
-              <a:t>Buffer</a:t>
-            </a:r>
-            <a:endParaRPr kumimoji="1" lang="zh-CN" altLang="en-US" sz="1050" dirty="0"/>
-          </a:p>
-        </p:txBody>
-      </p:sp>
-      <p:sp>
-        <p:nvSpPr>
-          <p:cNvPr id="23" name="文本框 22"/>
+              <a:rPr kumimoji="1" lang="en-US" altLang="zh-CN" sz="1200" b="1" err="1" smtClean="0">
+                <a:solidFill>
+                  <a:srgbClr val="FF0000"/>
+                </a:solidFill>
+              </a:rPr>
+              <a:t>ServletContext</a:t>
+            </a:r>
+            <a:r>
+              <a:rPr kumimoji="1" lang="zh-CN" altLang="en-US" sz="1200" smtClean="0"/>
+              <a:t>：是</a:t>
+            </a:r>
+            <a:r>
+              <a:rPr kumimoji="1" lang="en-US" altLang="zh-CN" sz="1200" smtClean="0"/>
+              <a:t>servlet</a:t>
+            </a:r>
+            <a:r>
+              <a:rPr kumimoji="1" lang="zh-CN" altLang="en-US" sz="1200" smtClean="0"/>
+              <a:t>和</a:t>
+            </a:r>
+            <a:r>
+              <a:rPr kumimoji="1" lang="en-US" altLang="zh-CN" sz="1200" smtClean="0"/>
+              <a:t>servlet</a:t>
+            </a:r>
+            <a:r>
+              <a:rPr kumimoji="1" lang="zh-CN" altLang="en-US" sz="1200" smtClean="0"/>
+              <a:t>容器之间通信的接口。</a:t>
+            </a:r>
+            <a:r>
+              <a:rPr kumimoji="1" lang="en-US" altLang="zh-CN" sz="1200"/>
+              <a:t>Servlet</a:t>
+            </a:r>
+            <a:r>
+              <a:rPr kumimoji="1" lang="zh-CN" altLang="en-US" sz="1200"/>
+              <a:t>容器在启动一个</a:t>
+            </a:r>
+            <a:r>
+              <a:rPr kumimoji="1" lang="en-US" altLang="zh-CN" sz="1200"/>
+              <a:t>Web</a:t>
+            </a:r>
+            <a:r>
+              <a:rPr kumimoji="1" lang="zh-CN" altLang="en-US" sz="1200"/>
+              <a:t>应用时，会为它创建一个</a:t>
+            </a:r>
+            <a:r>
+              <a:rPr kumimoji="1" lang="en-US" altLang="zh-CN" sz="1200" err="1"/>
+              <a:t>ServletContext</a:t>
+            </a:r>
+            <a:r>
+              <a:rPr kumimoji="1" lang="zh-CN" altLang="en-US" sz="1200"/>
+              <a:t>对象</a:t>
+            </a:r>
+            <a:r>
+              <a:rPr kumimoji="1" lang="zh-CN" altLang="en-US" sz="1200" smtClean="0"/>
+              <a:t>。</a:t>
+            </a:r>
+            <a:endParaRPr kumimoji="1" lang="en-US" altLang="zh-CN" sz="1200" smtClean="0"/>
+          </a:p>
+          <a:p>
+            <a:r>
+              <a:rPr kumimoji="1" lang="zh-CN" altLang="en-US" sz="1200" smtClean="0"/>
+              <a:t>每个</a:t>
+            </a:r>
+            <a:r>
+              <a:rPr kumimoji="1" lang="en-US" altLang="zh-CN" sz="1200"/>
+              <a:t>Web</a:t>
+            </a:r>
+            <a:r>
+              <a:rPr kumimoji="1" lang="zh-CN" altLang="en-US" sz="1200"/>
+              <a:t>应用都有唯一的</a:t>
+            </a:r>
+            <a:r>
+              <a:rPr kumimoji="1" lang="en-US" altLang="zh-CN" sz="1200" err="1"/>
+              <a:t>ServletContext</a:t>
+            </a:r>
+            <a:r>
+              <a:rPr kumimoji="1" lang="zh-CN" altLang="en-US" sz="1200"/>
+              <a:t>对象，可以把</a:t>
+            </a:r>
+            <a:r>
+              <a:rPr kumimoji="1" lang="en-US" altLang="zh-CN" sz="1200" err="1"/>
+              <a:t>ServletContext</a:t>
+            </a:r>
+            <a:r>
+              <a:rPr kumimoji="1" lang="zh-CN" altLang="en-US" sz="1200"/>
+              <a:t>对象形象地理解为</a:t>
+            </a:r>
+            <a:r>
+              <a:rPr kumimoji="1" lang="en-US" altLang="zh-CN" sz="1200"/>
+              <a:t>Web</a:t>
+            </a:r>
+            <a:r>
+              <a:rPr kumimoji="1" lang="zh-CN" altLang="en-US" sz="1200"/>
+              <a:t>应用的总管家，同一个</a:t>
+            </a:r>
+            <a:r>
+              <a:rPr kumimoji="1" lang="en-US" altLang="zh-CN" sz="1200"/>
+              <a:t>Web</a:t>
+            </a:r>
+            <a:r>
+              <a:rPr kumimoji="1" lang="zh-CN" altLang="en-US" sz="1200"/>
+              <a:t>应用中的所有</a:t>
+            </a:r>
+            <a:r>
+              <a:rPr kumimoji="1" lang="en-US" altLang="zh-CN" sz="1200"/>
+              <a:t>Servlet</a:t>
+            </a:r>
+            <a:r>
+              <a:rPr kumimoji="1" lang="zh-CN" altLang="en-US" sz="1200" smtClean="0"/>
+              <a:t>对象</a:t>
+            </a:r>
+            <a:endParaRPr kumimoji="1" lang="en-US" altLang="zh-CN" sz="1200" smtClean="0"/>
+          </a:p>
+          <a:p>
+            <a:r>
+              <a:rPr kumimoji="1" lang="zh-CN" altLang="en-US" sz="1200" smtClean="0"/>
+              <a:t>都</a:t>
+            </a:r>
+            <a:r>
+              <a:rPr kumimoji="1" lang="zh-CN" altLang="en-US" sz="1200"/>
+              <a:t>共享一个</a:t>
+            </a:r>
+            <a:r>
+              <a:rPr kumimoji="1" lang="en-US" altLang="zh-CN" sz="1200" err="1"/>
+              <a:t>ServletContext</a:t>
+            </a:r>
+            <a:r>
+              <a:rPr kumimoji="1" lang="zh-CN" altLang="en-US" sz="1200"/>
+              <a:t>，</a:t>
+            </a:r>
+            <a:r>
+              <a:rPr kumimoji="1" lang="en-US" altLang="zh-CN" sz="1200"/>
+              <a:t>Servlet</a:t>
+            </a:r>
+            <a:r>
+              <a:rPr kumimoji="1" lang="zh-CN" altLang="en-US" sz="1200"/>
+              <a:t>对象可以通过其访问容器中的各种资源。</a:t>
+            </a:r>
+          </a:p>
+          <a:p>
+            <a:endParaRPr kumimoji="1" lang="zh-CN" altLang="en-US" sz="1200"/>
+          </a:p>
+        </p:txBody>
+      </p:sp>
+      <p:sp>
+        <p:nvSpPr>
+          <p:cNvPr id="32" name="文本框 31"/>
           <p:cNvSpPr txBox="1"/>
           <p:nvPr/>
         </p:nvSpPr>
         <p:spPr>
           <a:xfrm>
-            <a:off x="7967243" y="2886743"/>
-            <a:ext cx="527709" cy="253916"/>
+            <a:off x="190589" y="2207270"/>
+            <a:ext cx="2270173" cy="261610"/>
           </a:xfrm>
           <a:prstGeom prst="rect">
             <a:avLst/>
@@ -9086,477 +9505,58 @@
           <a:lstStyle/>
           <a:p>
             <a:r>
-              <a:rPr kumimoji="1" lang="en-US" altLang="zh-CN" sz="1050" smtClean="0"/>
-              <a:t>Buffer</a:t>
-            </a:r>
-            <a:endParaRPr kumimoji="1" lang="zh-CN" altLang="en-US" sz="1050" dirty="0"/>
-          </a:p>
-        </p:txBody>
-      </p:sp>
-      <p:sp>
-        <p:nvSpPr>
-          <p:cNvPr id="24" name="矩形 23"/>
-          <p:cNvSpPr/>
-          <p:nvPr/>
-        </p:nvSpPr>
-        <p:spPr>
-          <a:xfrm>
-            <a:off x="2861121" y="2753833"/>
-            <a:ext cx="169157" cy="298346"/>
-          </a:xfrm>
-          <a:prstGeom prst="rect">
-            <a:avLst/>
-          </a:prstGeom>
-          <a:solidFill>
-            <a:schemeClr val="accent4"/>
-          </a:solidFill>
-        </p:spPr>
-        <p:style>
-          <a:lnRef idx="2">
-            <a:schemeClr val="accent1">
-              <a:shade val="50000"/>
-            </a:schemeClr>
-          </a:lnRef>
-          <a:fillRef idx="1">
-            <a:schemeClr val="accent1"/>
-          </a:fillRef>
-          <a:effectRef idx="0">
-            <a:schemeClr val="accent1"/>
-          </a:effectRef>
-          <a:fontRef idx="minor">
-            <a:schemeClr val="lt1"/>
-          </a:fontRef>
-        </p:style>
-        <p:txBody>
-          <a:bodyPr rtlCol="0" anchor="ctr"/>
-          <a:lstStyle/>
-          <a:p>
-            <a:pPr algn="ctr"/>
-            <a:endParaRPr kumimoji="1" lang="zh-CN" altLang="en-US"/>
-          </a:p>
-        </p:txBody>
-      </p:sp>
-      <p:sp>
-        <p:nvSpPr>
-          <p:cNvPr id="25" name="矩形 24"/>
-          <p:cNvSpPr/>
-          <p:nvPr/>
-        </p:nvSpPr>
-        <p:spPr>
-          <a:xfrm>
-            <a:off x="3297055" y="2753833"/>
-            <a:ext cx="169157" cy="298346"/>
-          </a:xfrm>
-          <a:prstGeom prst="rect">
-            <a:avLst/>
-          </a:prstGeom>
-          <a:solidFill>
-            <a:schemeClr val="accent4"/>
-          </a:solidFill>
-        </p:spPr>
-        <p:style>
-          <a:lnRef idx="2">
-            <a:schemeClr val="accent1">
-              <a:shade val="50000"/>
-            </a:schemeClr>
-          </a:lnRef>
-          <a:fillRef idx="1">
-            <a:schemeClr val="accent1"/>
-          </a:fillRef>
-          <a:effectRef idx="0">
-            <a:schemeClr val="accent1"/>
-          </a:effectRef>
-          <a:fontRef idx="minor">
-            <a:schemeClr val="lt1"/>
-          </a:fontRef>
-        </p:style>
-        <p:txBody>
-          <a:bodyPr rtlCol="0" anchor="ctr"/>
-          <a:lstStyle/>
-          <a:p>
-            <a:pPr algn="ctr"/>
-            <a:endParaRPr kumimoji="1" lang="zh-CN" altLang="en-US"/>
-          </a:p>
-        </p:txBody>
-      </p:sp>
-      <p:sp>
-        <p:nvSpPr>
-          <p:cNvPr id="26" name="矩形 25"/>
-          <p:cNvSpPr/>
-          <p:nvPr/>
-        </p:nvSpPr>
-        <p:spPr>
-          <a:xfrm>
-            <a:off x="7592341" y="2753833"/>
-            <a:ext cx="169157" cy="298346"/>
-          </a:xfrm>
-          <a:prstGeom prst="rect">
-            <a:avLst/>
-          </a:prstGeom>
-          <a:solidFill>
-            <a:schemeClr val="accent4"/>
-          </a:solidFill>
-        </p:spPr>
-        <p:style>
-          <a:lnRef idx="2">
-            <a:schemeClr val="accent1">
-              <a:shade val="50000"/>
-            </a:schemeClr>
-          </a:lnRef>
-          <a:fillRef idx="1">
-            <a:schemeClr val="accent1"/>
-          </a:fillRef>
-          <a:effectRef idx="0">
-            <a:schemeClr val="accent1"/>
-          </a:effectRef>
-          <a:fontRef idx="minor">
-            <a:schemeClr val="lt1"/>
-          </a:fontRef>
-        </p:style>
-        <p:txBody>
-          <a:bodyPr rtlCol="0" anchor="ctr"/>
-          <a:lstStyle/>
-          <a:p>
-            <a:pPr algn="ctr"/>
-            <a:endParaRPr kumimoji="1" lang="zh-CN" altLang="en-US"/>
-          </a:p>
-        </p:txBody>
-      </p:sp>
-      <p:sp>
-        <p:nvSpPr>
-          <p:cNvPr id="27" name="矩形 26"/>
-          <p:cNvSpPr/>
-          <p:nvPr/>
-        </p:nvSpPr>
-        <p:spPr>
-          <a:xfrm>
-            <a:off x="7086573" y="2747645"/>
-            <a:ext cx="169157" cy="298346"/>
-          </a:xfrm>
-          <a:prstGeom prst="rect">
-            <a:avLst/>
-          </a:prstGeom>
-          <a:solidFill>
-            <a:schemeClr val="accent4"/>
-          </a:solidFill>
-        </p:spPr>
-        <p:style>
-          <a:lnRef idx="2">
-            <a:schemeClr val="accent1">
-              <a:shade val="50000"/>
-            </a:schemeClr>
-          </a:lnRef>
-          <a:fillRef idx="1">
-            <a:schemeClr val="accent1"/>
-          </a:fillRef>
-          <a:effectRef idx="0">
-            <a:schemeClr val="accent1"/>
-          </a:effectRef>
-          <a:fontRef idx="minor">
-            <a:schemeClr val="lt1"/>
-          </a:fontRef>
-        </p:style>
-        <p:txBody>
-          <a:bodyPr rtlCol="0" anchor="ctr"/>
-          <a:lstStyle/>
-          <a:p>
-            <a:pPr algn="ctr"/>
-            <a:endParaRPr kumimoji="1" lang="zh-CN" altLang="en-US"/>
-          </a:p>
-        </p:txBody>
-      </p:sp>
-      <p:sp>
-        <p:nvSpPr>
-          <p:cNvPr id="28" name="文本框 27"/>
-          <p:cNvSpPr txBox="1"/>
-          <p:nvPr/>
-        </p:nvSpPr>
-        <p:spPr>
-          <a:xfrm>
-            <a:off x="2627724" y="3179136"/>
-            <a:ext cx="575799" cy="253916"/>
-          </a:xfrm>
-          <a:prstGeom prst="rect">
-            <a:avLst/>
-          </a:prstGeom>
-          <a:noFill/>
-        </p:spPr>
-        <p:txBody>
-          <a:bodyPr wrap="none" rtlCol="0">
-            <a:spAutoFit/>
-          </a:bodyPr>
-          <a:lstStyle/>
-          <a:p>
-            <a:r>
-              <a:rPr kumimoji="1" lang="en-US" altLang="zh-CN" sz="1050" dirty="0" err="1" smtClean="0"/>
-              <a:t>SendQ</a:t>
-            </a:r>
-            <a:endParaRPr kumimoji="1" lang="zh-CN" altLang="en-US" sz="1050" dirty="0"/>
-          </a:p>
-        </p:txBody>
-      </p:sp>
-      <p:sp>
-        <p:nvSpPr>
-          <p:cNvPr id="29" name="文本框 28"/>
-          <p:cNvSpPr txBox="1"/>
-          <p:nvPr/>
-        </p:nvSpPr>
-        <p:spPr>
-          <a:xfrm>
-            <a:off x="7576305" y="3183200"/>
-            <a:ext cx="724878" cy="253916"/>
-          </a:xfrm>
-          <a:prstGeom prst="rect">
-            <a:avLst/>
-          </a:prstGeom>
-          <a:noFill/>
-        </p:spPr>
-        <p:txBody>
-          <a:bodyPr wrap="none" rtlCol="0">
-            <a:spAutoFit/>
-          </a:bodyPr>
-          <a:lstStyle/>
-          <a:p>
-            <a:r>
-              <a:rPr kumimoji="1" lang="en-US" altLang="zh-CN" sz="1050" dirty="0" err="1" smtClean="0"/>
-              <a:t>ReceiveQ</a:t>
-            </a:r>
-            <a:endParaRPr kumimoji="1" lang="zh-CN" altLang="en-US" sz="1050" dirty="0"/>
-          </a:p>
-        </p:txBody>
-      </p:sp>
-      <p:sp>
-        <p:nvSpPr>
-          <p:cNvPr id="30" name="文本框 29"/>
-          <p:cNvSpPr txBox="1"/>
-          <p:nvPr/>
-        </p:nvSpPr>
-        <p:spPr>
-          <a:xfrm>
-            <a:off x="6819520" y="3178502"/>
-            <a:ext cx="575799" cy="253916"/>
-          </a:xfrm>
-          <a:prstGeom prst="rect">
-            <a:avLst/>
-          </a:prstGeom>
-          <a:noFill/>
-        </p:spPr>
-        <p:txBody>
-          <a:bodyPr wrap="none" rtlCol="0">
-            <a:spAutoFit/>
-          </a:bodyPr>
-          <a:lstStyle/>
-          <a:p>
-            <a:r>
-              <a:rPr kumimoji="1" lang="en-US" altLang="zh-CN" sz="1050" dirty="0" err="1" smtClean="0"/>
-              <a:t>SendQ</a:t>
-            </a:r>
-            <a:endParaRPr kumimoji="1" lang="zh-CN" altLang="en-US" sz="1050" dirty="0"/>
-          </a:p>
-        </p:txBody>
-      </p:sp>
-      <p:sp>
-        <p:nvSpPr>
-          <p:cNvPr id="31" name="文本框 30"/>
-          <p:cNvSpPr txBox="1"/>
-          <p:nvPr/>
-        </p:nvSpPr>
-        <p:spPr>
-          <a:xfrm>
-            <a:off x="3249979" y="3195429"/>
-            <a:ext cx="724878" cy="253916"/>
-          </a:xfrm>
-          <a:prstGeom prst="rect">
-            <a:avLst/>
-          </a:prstGeom>
-          <a:noFill/>
-        </p:spPr>
-        <p:txBody>
-          <a:bodyPr wrap="none" rtlCol="0">
-            <a:spAutoFit/>
-          </a:bodyPr>
-          <a:lstStyle/>
-          <a:p>
-            <a:r>
-              <a:rPr kumimoji="1" lang="en-US" altLang="zh-CN" sz="1050" dirty="0" err="1" smtClean="0"/>
-              <a:t>ReceiveQ</a:t>
-            </a:r>
-            <a:endParaRPr kumimoji="1" lang="zh-CN" altLang="en-US" sz="1050" dirty="0"/>
-          </a:p>
-        </p:txBody>
-      </p:sp>
-      <p:sp>
-        <p:nvSpPr>
-          <p:cNvPr id="32" name="文本框 31"/>
-          <p:cNvSpPr txBox="1"/>
-          <p:nvPr/>
-        </p:nvSpPr>
-        <p:spPr>
-          <a:xfrm>
-            <a:off x="1824331" y="5614409"/>
-            <a:ext cx="6891630" cy="461665"/>
-          </a:xfrm>
-          <a:prstGeom prst="rect">
-            <a:avLst/>
-          </a:prstGeom>
-          <a:noFill/>
-        </p:spPr>
-        <p:txBody>
-          <a:bodyPr wrap="none" rtlCol="0">
-            <a:spAutoFit/>
-          </a:bodyPr>
-          <a:lstStyle/>
-          <a:p>
-            <a:r>
-              <a:rPr kumimoji="1" lang="zh-CN" altLang="en-US" sz="1200" dirty="0" smtClean="0"/>
-              <a:t>传输过程：当</a:t>
-            </a:r>
-            <a:r>
-              <a:rPr kumimoji="1" lang="en-US" altLang="zh-CN" sz="1200" dirty="0" err="1" smtClean="0"/>
-              <a:t>SendQ</a:t>
-            </a:r>
-            <a:r>
-              <a:rPr kumimoji="1" lang="zh-CN" altLang="en-US" sz="1200" dirty="0" smtClean="0"/>
-              <a:t>填满时，会发送到对端的</a:t>
-            </a:r>
-            <a:r>
-              <a:rPr kumimoji="1" lang="en-US" altLang="zh-CN" sz="1200" dirty="0" err="1" smtClean="0"/>
-              <a:t>ReceiveQ</a:t>
-            </a:r>
-            <a:r>
-              <a:rPr kumimoji="1" lang="zh-CN" altLang="en-US" sz="1200" dirty="0" smtClean="0"/>
-              <a:t>中，当</a:t>
-            </a:r>
-            <a:r>
-              <a:rPr kumimoji="1" lang="en-US" altLang="zh-CN" sz="1200" dirty="0" err="1" smtClean="0"/>
-              <a:t>ReceiveQ</a:t>
-            </a:r>
-            <a:r>
-              <a:rPr kumimoji="1" lang="zh-CN" altLang="en-US" sz="1200" dirty="0" smtClean="0"/>
-              <a:t>填满时，</a:t>
-            </a:r>
-            <a:r>
-              <a:rPr kumimoji="1" lang="en-US" altLang="zh-CN" sz="1200" dirty="0" smtClean="0"/>
-              <a:t>write()</a:t>
-            </a:r>
-            <a:r>
-              <a:rPr kumimoji="1" lang="zh-CN" altLang="en-US" sz="1200" dirty="0" smtClean="0"/>
-              <a:t>方法会阻塞，</a:t>
-            </a:r>
-            <a:endParaRPr kumimoji="1" lang="en-US" altLang="zh-CN" sz="1200" dirty="0" smtClean="0"/>
-          </a:p>
-          <a:p>
-            <a:r>
-              <a:rPr kumimoji="1" lang="zh-CN" altLang="en-US" sz="1200" dirty="0" smtClean="0"/>
-              <a:t>                   直到</a:t>
-            </a:r>
-            <a:r>
-              <a:rPr kumimoji="1" lang="en-US" altLang="zh-CN" sz="1200" dirty="0" err="1" smtClean="0"/>
-              <a:t>ReceiveQ</a:t>
-            </a:r>
-            <a:r>
-              <a:rPr kumimoji="1" lang="zh-CN" altLang="en-US" sz="1200" dirty="0" smtClean="0"/>
-              <a:t>能够容纳</a:t>
-            </a:r>
-            <a:r>
-              <a:rPr kumimoji="1" lang="en-US" altLang="zh-CN" sz="1200" dirty="0" err="1" smtClean="0"/>
-              <a:t>SendQ</a:t>
-            </a:r>
-            <a:r>
-              <a:rPr kumimoji="1" lang="zh-CN" altLang="en-US" sz="1200" dirty="0" smtClean="0"/>
-              <a:t>中的数据</a:t>
-            </a:r>
-            <a:endParaRPr kumimoji="1" lang="zh-CN" altLang="en-US" sz="1200" dirty="0"/>
-          </a:p>
-        </p:txBody>
-      </p:sp>
-      <p:sp>
-        <p:nvSpPr>
-          <p:cNvPr id="33" name="文本框 32"/>
-          <p:cNvSpPr txBox="1"/>
-          <p:nvPr/>
-        </p:nvSpPr>
-        <p:spPr>
-          <a:xfrm>
-            <a:off x="501805" y="323385"/>
-            <a:ext cx="1826141" cy="307777"/>
-          </a:xfrm>
-          <a:prstGeom prst="rect">
-            <a:avLst/>
-          </a:prstGeom>
-          <a:noFill/>
-        </p:spPr>
-        <p:txBody>
-          <a:bodyPr wrap="none" rtlCol="0">
-            <a:spAutoFit/>
-          </a:bodyPr>
-          <a:lstStyle/>
-          <a:p>
-            <a:r>
-              <a:rPr kumimoji="1" lang="en-US" altLang="zh-CN" sz="1400" smtClean="0"/>
-              <a:t>IO Socket</a:t>
-            </a:r>
-            <a:r>
-              <a:rPr kumimoji="1" lang="zh-CN" altLang="en-US" sz="1400" dirty="0" smtClean="0"/>
-              <a:t>传输过程：</a:t>
-            </a:r>
-            <a:endParaRPr kumimoji="1" lang="zh-CN" altLang="en-US" sz="1400" dirty="0"/>
-          </a:p>
-        </p:txBody>
-      </p:sp>
-      <p:sp>
-        <p:nvSpPr>
-          <p:cNvPr id="35" name="文本框 34"/>
-          <p:cNvSpPr txBox="1"/>
-          <p:nvPr/>
-        </p:nvSpPr>
-        <p:spPr>
-          <a:xfrm>
-            <a:off x="9088675" y="926638"/>
-            <a:ext cx="2117887" cy="400110"/>
-          </a:xfrm>
-          <a:prstGeom prst="rect">
-            <a:avLst/>
-          </a:prstGeom>
-          <a:noFill/>
-        </p:spPr>
-        <p:txBody>
-          <a:bodyPr wrap="none" rtlCol="0">
-            <a:spAutoFit/>
-          </a:bodyPr>
-          <a:lstStyle/>
-          <a:p>
-            <a:r>
-              <a:rPr kumimoji="1" lang="en-US" altLang="zh-CN" sz="1000"/>
-              <a:t>s</a:t>
-            </a:r>
-            <a:r>
-              <a:rPr kumimoji="1" lang="en-US" altLang="zh-CN" sz="1000" smtClean="0"/>
-              <a:t>erverScoket = new ServerSocket();</a:t>
-            </a:r>
-          </a:p>
-          <a:p>
-            <a:r>
-              <a:rPr kumimoji="1" lang="en-US" altLang="zh-CN" sz="1000"/>
-              <a:t>s</a:t>
-            </a:r>
-            <a:r>
-              <a:rPr kumimoji="1" lang="en-US" altLang="zh-CN" sz="1000" smtClean="0"/>
-              <a:t>ocket = serverSocket.accpent;</a:t>
-            </a:r>
+              <a:rPr kumimoji="1" lang="zh-CN" altLang="en-US" sz="1100"/>
+              <a:t> </a:t>
+            </a:r>
+            <a:r>
+              <a:rPr kumimoji="1" lang="zh-CN" altLang="en-US" sz="1100" smtClean="0"/>
+              <a:t> </a:t>
+            </a:r>
+            <a:r>
+              <a:rPr kumimoji="1" lang="en-US" altLang="zh-CN" sz="1100" smtClean="0"/>
+              <a:t>tomcat</a:t>
+            </a:r>
+            <a:r>
+              <a:rPr kumimoji="1" lang="zh-CN" altLang="en-US" sz="1100" smtClean="0"/>
+              <a:t>：</a:t>
+            </a:r>
+            <a:r>
+              <a:rPr kumimoji="1" lang="en-US" altLang="zh-CN" sz="1100" smtClean="0"/>
+              <a:t>web</a:t>
+            </a:r>
+            <a:r>
+              <a:rPr kumimoji="1" lang="zh-CN" altLang="en-US" sz="1100" smtClean="0"/>
+              <a:t>服务器</a:t>
+            </a:r>
+            <a:r>
+              <a:rPr kumimoji="1" lang="en-US" altLang="zh-CN" sz="1100" smtClean="0"/>
+              <a:t>+servlet</a:t>
+            </a:r>
+            <a:r>
+              <a:rPr kumimoji="1" lang="zh-CN" altLang="en-US" sz="1100" smtClean="0"/>
+              <a:t>容器</a:t>
+            </a:r>
+            <a:endParaRPr kumimoji="1" lang="en-US" altLang="zh-CN" sz="1100" smtClean="0"/>
           </a:p>
         </p:txBody>
       </p:sp>
     </p:spTree>
     <p:extLst>
       <p:ext uri="{BB962C8B-B14F-4D97-AF65-F5344CB8AC3E}">
-        <p14:creationId xmlns:p14="http://schemas.microsoft.com/office/powerpoint/2010/main" val="812992357"/>
+        <p14:creationId xmlns:p14="http://schemas.microsoft.com/office/powerpoint/2010/main" val="1646528644"/>
       </p:ext>
     </p:extLst>
   </p:cSld>
   <p:clrMapOvr>
     <a:masterClrMapping/>
   </p:clrMapOvr>
+  <p:timing>
+    <p:tnLst>
+      <p:par>
+        <p:cTn id="1" dur="indefinite" restart="never" nodeType="tmRoot"/>
+      </p:par>
+    </p:tnLst>
+  </p:timing>
 </p:sld>
 </file>
 
@@ -9975,7 +9975,6 @@
               <a:rPr kumimoji="1" lang="en-US" altLang="zh-CN" sz="1400" smtClean="0"/>
               <a:t>Connector</a:t>
             </a:r>
-            <a:endParaRPr kumimoji="1" lang="en-US" altLang="zh-CN" sz="1400" smtClean="0"/>
           </a:p>
         </p:txBody>
       </p:sp>
@@ -10410,6 +10409,74 @@
           </a:fontRef>
         </p:style>
       </p:cxnSp>
+      <p:sp>
+        <p:nvSpPr>
+          <p:cNvPr id="23" name="文本框 22"/>
+          <p:cNvSpPr txBox="1"/>
+          <p:nvPr/>
+        </p:nvSpPr>
+        <p:spPr>
+          <a:xfrm>
+            <a:off x="9113520" y="476462"/>
+            <a:ext cx="2433680" cy="253916"/>
+          </a:xfrm>
+          <a:prstGeom prst="rect">
+            <a:avLst/>
+          </a:prstGeom>
+          <a:noFill/>
+        </p:spPr>
+        <p:txBody>
+          <a:bodyPr wrap="none" rtlCol="0">
+            <a:spAutoFit/>
+          </a:bodyPr>
+          <a:lstStyle/>
+          <a:p>
+            <a:r>
+              <a:rPr kumimoji="1" lang="en-US" altLang="zh-CN" sz="1050" smtClean="0"/>
+              <a:t>ServletContainerInitializer</a:t>
+            </a:r>
+            <a:r>
+              <a:rPr kumimoji="1" lang="zh-CN" altLang="en-US" sz="1050" smtClean="0"/>
+              <a:t>：</a:t>
+            </a:r>
+            <a:r>
+              <a:rPr kumimoji="1" lang="en-US" altLang="zh-CN" sz="1050" smtClean="0"/>
+              <a:t>onStartup()</a:t>
+            </a:r>
+            <a:endParaRPr kumimoji="1" lang="zh-CN" altLang="en-US" sz="1050" dirty="0"/>
+          </a:p>
+        </p:txBody>
+      </p:sp>
+      <p:sp>
+        <p:nvSpPr>
+          <p:cNvPr id="25" name="文本框 24"/>
+          <p:cNvSpPr txBox="1"/>
+          <p:nvPr/>
+        </p:nvSpPr>
+        <p:spPr>
+          <a:xfrm>
+            <a:off x="7341870" y="3097699"/>
+            <a:ext cx="792205" cy="307777"/>
+          </a:xfrm>
+          <a:prstGeom prst="rect">
+            <a:avLst/>
+          </a:prstGeom>
+          <a:noFill/>
+        </p:spPr>
+        <p:txBody>
+          <a:bodyPr wrap="none" rtlCol="0">
+            <a:spAutoFit/>
+          </a:bodyPr>
+          <a:lstStyle/>
+          <a:p>
+            <a:r>
+              <a:rPr kumimoji="1" lang="en-US" altLang="zh-CN" sz="1400" smtClean="0"/>
+              <a:t>Pipeline</a:t>
+            </a:r>
+            <a:endParaRPr kumimoji="1" lang="zh-CN" altLang="en-US" sz="1400" dirty="0"/>
+          </a:p>
+        </p:txBody>
+      </p:sp>
     </p:spTree>
     <p:extLst>
       <p:ext uri="{BB962C8B-B14F-4D97-AF65-F5344CB8AC3E}">

--- a/doc/doc.pptx
+++ b/doc/doc.pptx
@@ -5,7 +5,7 @@
     <p:sldMasterId id="2147483648" r:id="rId1"/>
   </p:sldMasterIdLst>
   <p:notesMasterIdLst>
-    <p:notesMasterId r:id="rId21"/>
+    <p:notesMasterId r:id="rId22"/>
   </p:notesMasterIdLst>
   <p:sldIdLst>
     <p:sldId id="264" r:id="rId2"/>
@@ -22,11 +22,12 @@
     <p:sldId id="271" r:id="rId13"/>
     <p:sldId id="272" r:id="rId14"/>
     <p:sldId id="273" r:id="rId15"/>
-    <p:sldId id="263" r:id="rId16"/>
-    <p:sldId id="277" r:id="rId17"/>
-    <p:sldId id="274" r:id="rId18"/>
-    <p:sldId id="275" r:id="rId19"/>
-    <p:sldId id="276" r:id="rId20"/>
+    <p:sldId id="274" r:id="rId16"/>
+    <p:sldId id="263" r:id="rId17"/>
+    <p:sldId id="277" r:id="rId18"/>
+    <p:sldId id="278" r:id="rId19"/>
+    <p:sldId id="275" r:id="rId20"/>
+    <p:sldId id="276" r:id="rId21"/>
   </p:sldIdLst>
   <p:sldSz cx="12192000" cy="6858000"/>
   <p:notesSz cx="6858000" cy="9144000"/>
@@ -8312,7 +8313,7 @@
         <p:spPr>
           <a:xfrm>
             <a:off x="501805" y="323385"/>
-            <a:ext cx="1826141" cy="307777"/>
+            <a:ext cx="1927131" cy="307777"/>
           </a:xfrm>
           <a:prstGeom prst="rect">
             <a:avLst/>
@@ -8326,8 +8327,12 @@
           <a:lstStyle/>
           <a:p>
             <a:r>
-              <a:rPr kumimoji="1" lang="en-US" altLang="zh-CN" sz="1400" smtClean="0"/>
-              <a:t>IO Socket</a:t>
+              <a:rPr kumimoji="1" lang="en-US" altLang="zh-CN" sz="1400" dirty="0" smtClean="0"/>
+              <a:t>BIO </a:t>
+            </a:r>
+            <a:r>
+              <a:rPr kumimoji="1" lang="en-US" altLang="zh-CN" sz="1400" dirty="0" smtClean="0"/>
+              <a:t>Socket</a:t>
             </a:r>
             <a:r>
               <a:rPr kumimoji="1" lang="zh-CN" altLang="en-US" sz="1400" dirty="0" smtClean="0"/>
@@ -8412,6 +8417,2517 @@
       </p:grpSpPr>
       <p:sp>
         <p:nvSpPr>
+          <p:cNvPr id="4" name="矩形 3"/>
+          <p:cNvSpPr/>
+          <p:nvPr/>
+        </p:nvSpPr>
+        <p:spPr>
+          <a:xfrm>
+            <a:off x="2594344" y="925029"/>
+            <a:ext cx="1244009" cy="1052623"/>
+          </a:xfrm>
+          <a:prstGeom prst="rect">
+            <a:avLst/>
+          </a:prstGeom>
+          <a:noFill/>
+        </p:spPr>
+        <p:style>
+          <a:lnRef idx="2">
+            <a:schemeClr val="accent1">
+              <a:shade val="50000"/>
+            </a:schemeClr>
+          </a:lnRef>
+          <a:fillRef idx="1">
+            <a:schemeClr val="accent1"/>
+          </a:fillRef>
+          <a:effectRef idx="0">
+            <a:schemeClr val="accent1"/>
+          </a:effectRef>
+          <a:fontRef idx="minor">
+            <a:schemeClr val="lt1"/>
+          </a:fontRef>
+        </p:style>
+        <p:txBody>
+          <a:bodyPr rtlCol="0" anchor="ctr"/>
+          <a:lstStyle/>
+          <a:p>
+            <a:pPr algn="ctr"/>
+            <a:endParaRPr kumimoji="1" lang="zh-CN" altLang="en-US"/>
+          </a:p>
+        </p:txBody>
+      </p:sp>
+      <p:sp>
+        <p:nvSpPr>
+          <p:cNvPr id="5" name="文本框 4"/>
+          <p:cNvSpPr txBox="1"/>
+          <p:nvPr/>
+        </p:nvSpPr>
+        <p:spPr>
+          <a:xfrm>
+            <a:off x="2861122" y="1266674"/>
+            <a:ext cx="710451" cy="369332"/>
+          </a:xfrm>
+          <a:prstGeom prst="rect">
+            <a:avLst/>
+          </a:prstGeom>
+          <a:noFill/>
+        </p:spPr>
+        <p:txBody>
+          <a:bodyPr wrap="none" rtlCol="0">
+            <a:spAutoFit/>
+          </a:bodyPr>
+          <a:lstStyle/>
+          <a:p>
+            <a:r>
+              <a:rPr kumimoji="1" lang="en-US" altLang="zh-CN" smtClean="0"/>
+              <a:t>client</a:t>
+            </a:r>
+            <a:endParaRPr kumimoji="1" lang="zh-CN" altLang="en-US" dirty="0"/>
+          </a:p>
+        </p:txBody>
+      </p:sp>
+      <p:sp>
+        <p:nvSpPr>
+          <p:cNvPr id="6" name="矩形 5"/>
+          <p:cNvSpPr/>
+          <p:nvPr/>
+        </p:nvSpPr>
+        <p:spPr>
+          <a:xfrm>
+            <a:off x="6755219" y="925029"/>
+            <a:ext cx="1244009" cy="1052623"/>
+          </a:xfrm>
+          <a:prstGeom prst="rect">
+            <a:avLst/>
+          </a:prstGeom>
+          <a:noFill/>
+        </p:spPr>
+        <p:style>
+          <a:lnRef idx="2">
+            <a:schemeClr val="accent1">
+              <a:shade val="50000"/>
+            </a:schemeClr>
+          </a:lnRef>
+          <a:fillRef idx="1">
+            <a:schemeClr val="accent1"/>
+          </a:fillRef>
+          <a:effectRef idx="0">
+            <a:schemeClr val="accent1"/>
+          </a:effectRef>
+          <a:fontRef idx="minor">
+            <a:schemeClr val="lt1"/>
+          </a:fontRef>
+        </p:style>
+        <p:txBody>
+          <a:bodyPr rtlCol="0" anchor="ctr"/>
+          <a:lstStyle/>
+          <a:p>
+            <a:pPr algn="ctr"/>
+            <a:endParaRPr kumimoji="1" lang="zh-CN" altLang="en-US"/>
+          </a:p>
+        </p:txBody>
+      </p:sp>
+      <p:sp>
+        <p:nvSpPr>
+          <p:cNvPr id="7" name="文本框 6"/>
+          <p:cNvSpPr txBox="1"/>
+          <p:nvPr/>
+        </p:nvSpPr>
+        <p:spPr>
+          <a:xfrm>
+            <a:off x="6986731" y="1266674"/>
+            <a:ext cx="780983" cy="369332"/>
+          </a:xfrm>
+          <a:prstGeom prst="rect">
+            <a:avLst/>
+          </a:prstGeom>
+          <a:noFill/>
+        </p:spPr>
+        <p:txBody>
+          <a:bodyPr wrap="none" rtlCol="0">
+            <a:spAutoFit/>
+          </a:bodyPr>
+          <a:lstStyle/>
+          <a:p>
+            <a:r>
+              <a:rPr kumimoji="1" lang="en-US" altLang="zh-CN" smtClean="0"/>
+              <a:t>server</a:t>
+            </a:r>
+            <a:endParaRPr kumimoji="1" lang="zh-CN" altLang="en-US" dirty="0"/>
+          </a:p>
+        </p:txBody>
+      </p:sp>
+      <p:sp>
+        <p:nvSpPr>
+          <p:cNvPr id="8" name="椭圆 7"/>
+          <p:cNvSpPr/>
+          <p:nvPr/>
+        </p:nvSpPr>
+        <p:spPr>
+          <a:xfrm>
+            <a:off x="2594344" y="2594348"/>
+            <a:ext cx="1221780" cy="584790"/>
+          </a:xfrm>
+          <a:prstGeom prst="ellipse">
+            <a:avLst/>
+          </a:prstGeom>
+        </p:spPr>
+        <p:style>
+          <a:lnRef idx="2">
+            <a:schemeClr val="accent1">
+              <a:shade val="50000"/>
+            </a:schemeClr>
+          </a:lnRef>
+          <a:fillRef idx="1">
+            <a:schemeClr val="accent1"/>
+          </a:fillRef>
+          <a:effectRef idx="0">
+            <a:schemeClr val="accent1"/>
+          </a:effectRef>
+          <a:fontRef idx="minor">
+            <a:schemeClr val="lt1"/>
+          </a:fontRef>
+        </p:style>
+        <p:txBody>
+          <a:bodyPr rtlCol="0" anchor="ctr"/>
+          <a:lstStyle/>
+          <a:p>
+            <a:pPr algn="ctr"/>
+            <a:endParaRPr kumimoji="1" lang="zh-CN" altLang="en-US"/>
+          </a:p>
+        </p:txBody>
+      </p:sp>
+      <p:sp>
+        <p:nvSpPr>
+          <p:cNvPr id="9" name="椭圆 8"/>
+          <p:cNvSpPr/>
+          <p:nvPr/>
+        </p:nvSpPr>
+        <p:spPr>
+          <a:xfrm>
+            <a:off x="6777448" y="2594348"/>
+            <a:ext cx="1221780" cy="584790"/>
+          </a:xfrm>
+          <a:prstGeom prst="ellipse">
+            <a:avLst/>
+          </a:prstGeom>
+        </p:spPr>
+        <p:style>
+          <a:lnRef idx="2">
+            <a:schemeClr val="accent1">
+              <a:shade val="50000"/>
+            </a:schemeClr>
+          </a:lnRef>
+          <a:fillRef idx="1">
+            <a:schemeClr val="accent1"/>
+          </a:fillRef>
+          <a:effectRef idx="0">
+            <a:schemeClr val="accent1"/>
+          </a:effectRef>
+          <a:fontRef idx="minor">
+            <a:schemeClr val="lt1"/>
+          </a:fontRef>
+        </p:style>
+        <p:txBody>
+          <a:bodyPr rtlCol="0" anchor="ctr"/>
+          <a:lstStyle/>
+          <a:p>
+            <a:pPr algn="ctr"/>
+            <a:endParaRPr kumimoji="1" lang="zh-CN" altLang="en-US"/>
+          </a:p>
+        </p:txBody>
+      </p:sp>
+      <p:cxnSp>
+        <p:nvCxnSpPr>
+          <p:cNvPr id="10" name="直线箭头连接符 9"/>
+          <p:cNvCxnSpPr/>
+          <p:nvPr/>
+        </p:nvCxnSpPr>
+        <p:spPr>
+          <a:xfrm>
+            <a:off x="2861122" y="1977652"/>
+            <a:ext cx="0" cy="616696"/>
+          </a:xfrm>
+          <a:prstGeom prst="straightConnector1">
+            <a:avLst/>
+          </a:prstGeom>
+          <a:ln>
+            <a:tailEnd type="triangle"/>
+          </a:ln>
+        </p:spPr>
+        <p:style>
+          <a:lnRef idx="1">
+            <a:schemeClr val="accent1"/>
+          </a:lnRef>
+          <a:fillRef idx="0">
+            <a:schemeClr val="accent1"/>
+          </a:fillRef>
+          <a:effectRef idx="0">
+            <a:schemeClr val="accent1"/>
+          </a:effectRef>
+          <a:fontRef idx="minor">
+            <a:schemeClr val="tx1"/>
+          </a:fontRef>
+        </p:style>
+      </p:cxnSp>
+      <p:cxnSp>
+        <p:nvCxnSpPr>
+          <p:cNvPr id="11" name="直线箭头连接符 10"/>
+          <p:cNvCxnSpPr/>
+          <p:nvPr/>
+        </p:nvCxnSpPr>
+        <p:spPr>
+          <a:xfrm flipV="1">
+            <a:off x="3571573" y="1977651"/>
+            <a:ext cx="0" cy="616698"/>
+          </a:xfrm>
+          <a:prstGeom prst="straightConnector1">
+            <a:avLst/>
+          </a:prstGeom>
+          <a:ln>
+            <a:tailEnd type="triangle"/>
+          </a:ln>
+        </p:spPr>
+        <p:style>
+          <a:lnRef idx="1">
+            <a:schemeClr val="accent1"/>
+          </a:lnRef>
+          <a:fillRef idx="0">
+            <a:schemeClr val="accent1"/>
+          </a:fillRef>
+          <a:effectRef idx="0">
+            <a:schemeClr val="accent1"/>
+          </a:effectRef>
+          <a:fontRef idx="minor">
+            <a:schemeClr val="tx1"/>
+          </a:fontRef>
+        </p:style>
+      </p:cxnSp>
+      <p:sp>
+        <p:nvSpPr>
+          <p:cNvPr id="12" name="文本框 11"/>
+          <p:cNvSpPr txBox="1"/>
+          <p:nvPr/>
+        </p:nvSpPr>
+        <p:spPr>
+          <a:xfrm>
+            <a:off x="3571573" y="2175060"/>
+            <a:ext cx="893193" cy="415498"/>
+          </a:xfrm>
+          <a:prstGeom prst="rect">
+            <a:avLst/>
+          </a:prstGeom>
+          <a:noFill/>
+        </p:spPr>
+        <p:txBody>
+          <a:bodyPr wrap="none" rtlCol="0">
+            <a:spAutoFit/>
+          </a:bodyPr>
+          <a:lstStyle/>
+          <a:p>
+            <a:r>
+              <a:rPr kumimoji="1" lang="en-US" altLang="zh-CN" sz="1050" dirty="0" err="1" smtClean="0"/>
+              <a:t>InputStream</a:t>
+            </a:r>
+            <a:endParaRPr kumimoji="1" lang="en-US" altLang="zh-CN" sz="1050" dirty="0" smtClean="0"/>
+          </a:p>
+          <a:p>
+            <a:r>
+              <a:rPr kumimoji="1" lang="zh-CN" altLang="en-US" sz="1050" dirty="0" smtClean="0"/>
+              <a:t>     </a:t>
+            </a:r>
+            <a:r>
+              <a:rPr kumimoji="1" lang="en-US" altLang="zh-CN" sz="1050" dirty="0" smtClean="0"/>
+              <a:t>read()</a:t>
+            </a:r>
+            <a:endParaRPr kumimoji="1" lang="en-US" altLang="zh-CN" sz="1050" dirty="0"/>
+          </a:p>
+        </p:txBody>
+      </p:sp>
+      <p:sp>
+        <p:nvSpPr>
+          <p:cNvPr id="13" name="文本框 12"/>
+          <p:cNvSpPr txBox="1"/>
+          <p:nvPr/>
+        </p:nvSpPr>
+        <p:spPr>
+          <a:xfrm>
+            <a:off x="1937703" y="2175060"/>
+            <a:ext cx="1005403" cy="415498"/>
+          </a:xfrm>
+          <a:prstGeom prst="rect">
+            <a:avLst/>
+          </a:prstGeom>
+          <a:noFill/>
+        </p:spPr>
+        <p:txBody>
+          <a:bodyPr wrap="none" rtlCol="0">
+            <a:spAutoFit/>
+          </a:bodyPr>
+          <a:lstStyle/>
+          <a:p>
+            <a:r>
+              <a:rPr kumimoji="1" lang="en-US" altLang="zh-CN" sz="1050" dirty="0" err="1" smtClean="0"/>
+              <a:t>OutputStream</a:t>
+            </a:r>
+            <a:endParaRPr kumimoji="1" lang="en-US" altLang="zh-CN" sz="1050" dirty="0" smtClean="0"/>
+          </a:p>
+          <a:p>
+            <a:r>
+              <a:rPr kumimoji="1" lang="zh-CN" altLang="en-US" sz="1050" dirty="0" smtClean="0"/>
+              <a:t>     </a:t>
+            </a:r>
+            <a:r>
+              <a:rPr kumimoji="1" lang="en-US" altLang="zh-CN" sz="1050" dirty="0" smtClean="0"/>
+              <a:t>write()</a:t>
+            </a:r>
+            <a:endParaRPr kumimoji="1" lang="zh-CN" altLang="en-US" sz="1050" dirty="0"/>
+          </a:p>
+        </p:txBody>
+      </p:sp>
+      <p:cxnSp>
+        <p:nvCxnSpPr>
+          <p:cNvPr id="14" name="直线箭头连接符 13"/>
+          <p:cNvCxnSpPr/>
+          <p:nvPr/>
+        </p:nvCxnSpPr>
+        <p:spPr>
+          <a:xfrm>
+            <a:off x="7057263" y="1991084"/>
+            <a:ext cx="0" cy="616696"/>
+          </a:xfrm>
+          <a:prstGeom prst="straightConnector1">
+            <a:avLst/>
+          </a:prstGeom>
+          <a:ln>
+            <a:tailEnd type="triangle"/>
+          </a:ln>
+        </p:spPr>
+        <p:style>
+          <a:lnRef idx="1">
+            <a:schemeClr val="accent1"/>
+          </a:lnRef>
+          <a:fillRef idx="0">
+            <a:schemeClr val="accent1"/>
+          </a:fillRef>
+          <a:effectRef idx="0">
+            <a:schemeClr val="accent1"/>
+          </a:effectRef>
+          <a:fontRef idx="minor">
+            <a:schemeClr val="tx1"/>
+          </a:fontRef>
+        </p:style>
+      </p:cxnSp>
+      <p:cxnSp>
+        <p:nvCxnSpPr>
+          <p:cNvPr id="15" name="直线箭头连接符 14"/>
+          <p:cNvCxnSpPr/>
+          <p:nvPr/>
+        </p:nvCxnSpPr>
+        <p:spPr>
+          <a:xfrm flipV="1">
+            <a:off x="7767714" y="1991083"/>
+            <a:ext cx="0" cy="616698"/>
+          </a:xfrm>
+          <a:prstGeom prst="straightConnector1">
+            <a:avLst/>
+          </a:prstGeom>
+          <a:ln>
+            <a:tailEnd type="triangle"/>
+          </a:ln>
+        </p:spPr>
+        <p:style>
+          <a:lnRef idx="1">
+            <a:schemeClr val="accent1"/>
+          </a:lnRef>
+          <a:fillRef idx="0">
+            <a:schemeClr val="accent1"/>
+          </a:fillRef>
+          <a:effectRef idx="0">
+            <a:schemeClr val="accent1"/>
+          </a:effectRef>
+          <a:fontRef idx="minor">
+            <a:schemeClr val="tx1"/>
+          </a:fontRef>
+        </p:style>
+      </p:cxnSp>
+      <p:sp>
+        <p:nvSpPr>
+          <p:cNvPr id="16" name="文本框 15"/>
+          <p:cNvSpPr txBox="1"/>
+          <p:nvPr/>
+        </p:nvSpPr>
+        <p:spPr>
+          <a:xfrm>
+            <a:off x="7767714" y="2188492"/>
+            <a:ext cx="893193" cy="415498"/>
+          </a:xfrm>
+          <a:prstGeom prst="rect">
+            <a:avLst/>
+          </a:prstGeom>
+          <a:noFill/>
+        </p:spPr>
+        <p:txBody>
+          <a:bodyPr wrap="none" rtlCol="0">
+            <a:spAutoFit/>
+          </a:bodyPr>
+          <a:lstStyle/>
+          <a:p>
+            <a:r>
+              <a:rPr kumimoji="1" lang="en-US" altLang="zh-CN" sz="1050" dirty="0" err="1" smtClean="0"/>
+              <a:t>InputStream</a:t>
+            </a:r>
+            <a:endParaRPr kumimoji="1" lang="en-US" altLang="zh-CN" sz="1050" dirty="0" smtClean="0"/>
+          </a:p>
+          <a:p>
+            <a:r>
+              <a:rPr kumimoji="1" lang="zh-CN" altLang="en-US" sz="1050" dirty="0"/>
+              <a:t> </a:t>
+            </a:r>
+            <a:r>
+              <a:rPr kumimoji="1" lang="zh-CN" altLang="en-US" sz="1050" dirty="0" smtClean="0"/>
+              <a:t>    </a:t>
+            </a:r>
+            <a:r>
+              <a:rPr kumimoji="1" lang="en-US" altLang="zh-CN" sz="1050" dirty="0" smtClean="0"/>
+              <a:t>read()</a:t>
+            </a:r>
+            <a:endParaRPr kumimoji="1" lang="zh-CN" altLang="en-US" sz="1050" dirty="0"/>
+          </a:p>
+        </p:txBody>
+      </p:sp>
+      <p:sp>
+        <p:nvSpPr>
+          <p:cNvPr id="17" name="文本框 16"/>
+          <p:cNvSpPr txBox="1"/>
+          <p:nvPr/>
+        </p:nvSpPr>
+        <p:spPr>
+          <a:xfrm>
+            <a:off x="6133844" y="2188492"/>
+            <a:ext cx="1005403" cy="415498"/>
+          </a:xfrm>
+          <a:prstGeom prst="rect">
+            <a:avLst/>
+          </a:prstGeom>
+          <a:noFill/>
+        </p:spPr>
+        <p:txBody>
+          <a:bodyPr wrap="none" rtlCol="0">
+            <a:spAutoFit/>
+          </a:bodyPr>
+          <a:lstStyle/>
+          <a:p>
+            <a:r>
+              <a:rPr kumimoji="1" lang="en-US" altLang="zh-CN" sz="1050" dirty="0" err="1" smtClean="0"/>
+              <a:t>OutputStream</a:t>
+            </a:r>
+            <a:endParaRPr kumimoji="1" lang="en-US" altLang="zh-CN" sz="1050" dirty="0" smtClean="0"/>
+          </a:p>
+          <a:p>
+            <a:r>
+              <a:rPr kumimoji="1" lang="zh-CN" altLang="en-US" sz="1050" dirty="0"/>
+              <a:t> </a:t>
+            </a:r>
+            <a:r>
+              <a:rPr kumimoji="1" lang="zh-CN" altLang="en-US" sz="1050" dirty="0" smtClean="0"/>
+              <a:t>      </a:t>
+            </a:r>
+            <a:r>
+              <a:rPr kumimoji="1" lang="en-US" altLang="zh-CN" sz="1050" dirty="0" smtClean="0"/>
+              <a:t>write()</a:t>
+            </a:r>
+            <a:endParaRPr kumimoji="1" lang="zh-CN" altLang="en-US" sz="1050" dirty="0"/>
+          </a:p>
+        </p:txBody>
+      </p:sp>
+      <p:sp>
+        <p:nvSpPr>
+          <p:cNvPr id="18" name="矩形 17"/>
+          <p:cNvSpPr/>
+          <p:nvPr/>
+        </p:nvSpPr>
+        <p:spPr>
+          <a:xfrm>
+            <a:off x="3503250" y="3711104"/>
+            <a:ext cx="3458164" cy="1014265"/>
+          </a:xfrm>
+          <a:prstGeom prst="rect">
+            <a:avLst/>
+          </a:prstGeom>
+          <a:noFill/>
+        </p:spPr>
+        <p:style>
+          <a:lnRef idx="2">
+            <a:schemeClr val="accent1">
+              <a:shade val="50000"/>
+            </a:schemeClr>
+          </a:lnRef>
+          <a:fillRef idx="1">
+            <a:schemeClr val="accent1"/>
+          </a:fillRef>
+          <a:effectRef idx="0">
+            <a:schemeClr val="accent1"/>
+          </a:effectRef>
+          <a:fontRef idx="minor">
+            <a:schemeClr val="lt1"/>
+          </a:fontRef>
+        </p:style>
+        <p:txBody>
+          <a:bodyPr rtlCol="0" anchor="ctr"/>
+          <a:lstStyle/>
+          <a:p>
+            <a:pPr algn="ctr"/>
+            <a:endParaRPr kumimoji="1" lang="zh-CN" altLang="en-US"/>
+          </a:p>
+        </p:txBody>
+      </p:sp>
+      <p:sp>
+        <p:nvSpPr>
+          <p:cNvPr id="19" name="文本框 18"/>
+          <p:cNvSpPr txBox="1"/>
+          <p:nvPr/>
+        </p:nvSpPr>
+        <p:spPr>
+          <a:xfrm>
+            <a:off x="6950986" y="4491505"/>
+            <a:ext cx="928459" cy="276999"/>
+          </a:xfrm>
+          <a:prstGeom prst="rect">
+            <a:avLst/>
+          </a:prstGeom>
+          <a:noFill/>
+        </p:spPr>
+        <p:txBody>
+          <a:bodyPr wrap="none" rtlCol="0">
+            <a:spAutoFit/>
+          </a:bodyPr>
+          <a:lstStyle/>
+          <a:p>
+            <a:r>
+              <a:rPr kumimoji="1" lang="en-US" altLang="zh-CN" sz="1200" dirty="0" smtClean="0"/>
+              <a:t>Socket</a:t>
+            </a:r>
+            <a:r>
+              <a:rPr kumimoji="1" lang="zh-CN" altLang="en-US" sz="1200" dirty="0" smtClean="0"/>
+              <a:t>通道</a:t>
+            </a:r>
+            <a:endParaRPr kumimoji="1" lang="zh-CN" altLang="en-US" sz="1200" dirty="0"/>
+          </a:p>
+        </p:txBody>
+      </p:sp>
+      <p:sp>
+        <p:nvSpPr>
+          <p:cNvPr id="22" name="文本框 21"/>
+          <p:cNvSpPr txBox="1"/>
+          <p:nvPr/>
+        </p:nvSpPr>
+        <p:spPr>
+          <a:xfrm>
+            <a:off x="2016854" y="2925221"/>
+            <a:ext cx="588623" cy="253916"/>
+          </a:xfrm>
+          <a:prstGeom prst="rect">
+            <a:avLst/>
+          </a:prstGeom>
+          <a:noFill/>
+        </p:spPr>
+        <p:txBody>
+          <a:bodyPr wrap="none" rtlCol="0">
+            <a:spAutoFit/>
+          </a:bodyPr>
+          <a:lstStyle/>
+          <a:p>
+            <a:r>
+              <a:rPr kumimoji="1" lang="zh-CN" altLang="en-US" sz="1050" dirty="0" smtClean="0"/>
+              <a:t>缓存区</a:t>
+            </a:r>
+            <a:endParaRPr kumimoji="1" lang="zh-CN" altLang="en-US" sz="1050" dirty="0"/>
+          </a:p>
+        </p:txBody>
+      </p:sp>
+      <p:sp>
+        <p:nvSpPr>
+          <p:cNvPr id="23" name="文本框 22"/>
+          <p:cNvSpPr txBox="1"/>
+          <p:nvPr/>
+        </p:nvSpPr>
+        <p:spPr>
+          <a:xfrm>
+            <a:off x="7967243" y="2886743"/>
+            <a:ext cx="588623" cy="253916"/>
+          </a:xfrm>
+          <a:prstGeom prst="rect">
+            <a:avLst/>
+          </a:prstGeom>
+          <a:noFill/>
+        </p:spPr>
+        <p:txBody>
+          <a:bodyPr wrap="none" rtlCol="0">
+            <a:spAutoFit/>
+          </a:bodyPr>
+          <a:lstStyle/>
+          <a:p>
+            <a:r>
+              <a:rPr kumimoji="1" lang="zh-CN" altLang="en-US" sz="1050" smtClean="0"/>
+              <a:t>缓存区</a:t>
+            </a:r>
+            <a:endParaRPr kumimoji="1" lang="zh-CN" altLang="en-US" sz="1050" dirty="0"/>
+          </a:p>
+        </p:txBody>
+      </p:sp>
+      <p:sp>
+        <p:nvSpPr>
+          <p:cNvPr id="24" name="矩形 23"/>
+          <p:cNvSpPr/>
+          <p:nvPr/>
+        </p:nvSpPr>
+        <p:spPr>
+          <a:xfrm>
+            <a:off x="2861121" y="2753833"/>
+            <a:ext cx="169157" cy="298346"/>
+          </a:xfrm>
+          <a:prstGeom prst="rect">
+            <a:avLst/>
+          </a:prstGeom>
+          <a:solidFill>
+            <a:schemeClr val="accent4"/>
+          </a:solidFill>
+        </p:spPr>
+        <p:style>
+          <a:lnRef idx="2">
+            <a:schemeClr val="accent1">
+              <a:shade val="50000"/>
+            </a:schemeClr>
+          </a:lnRef>
+          <a:fillRef idx="1">
+            <a:schemeClr val="accent1"/>
+          </a:fillRef>
+          <a:effectRef idx="0">
+            <a:schemeClr val="accent1"/>
+          </a:effectRef>
+          <a:fontRef idx="minor">
+            <a:schemeClr val="lt1"/>
+          </a:fontRef>
+        </p:style>
+        <p:txBody>
+          <a:bodyPr rtlCol="0" anchor="ctr"/>
+          <a:lstStyle/>
+          <a:p>
+            <a:pPr algn="ctr"/>
+            <a:endParaRPr kumimoji="1" lang="zh-CN" altLang="en-US"/>
+          </a:p>
+        </p:txBody>
+      </p:sp>
+      <p:sp>
+        <p:nvSpPr>
+          <p:cNvPr id="25" name="矩形 24"/>
+          <p:cNvSpPr/>
+          <p:nvPr/>
+        </p:nvSpPr>
+        <p:spPr>
+          <a:xfrm>
+            <a:off x="3297055" y="2753833"/>
+            <a:ext cx="169157" cy="298346"/>
+          </a:xfrm>
+          <a:prstGeom prst="rect">
+            <a:avLst/>
+          </a:prstGeom>
+          <a:solidFill>
+            <a:schemeClr val="accent4"/>
+          </a:solidFill>
+        </p:spPr>
+        <p:style>
+          <a:lnRef idx="2">
+            <a:schemeClr val="accent1">
+              <a:shade val="50000"/>
+            </a:schemeClr>
+          </a:lnRef>
+          <a:fillRef idx="1">
+            <a:schemeClr val="accent1"/>
+          </a:fillRef>
+          <a:effectRef idx="0">
+            <a:schemeClr val="accent1"/>
+          </a:effectRef>
+          <a:fontRef idx="minor">
+            <a:schemeClr val="lt1"/>
+          </a:fontRef>
+        </p:style>
+        <p:txBody>
+          <a:bodyPr rtlCol="0" anchor="ctr"/>
+          <a:lstStyle/>
+          <a:p>
+            <a:pPr algn="ctr"/>
+            <a:endParaRPr kumimoji="1" lang="zh-CN" altLang="en-US"/>
+          </a:p>
+        </p:txBody>
+      </p:sp>
+      <p:sp>
+        <p:nvSpPr>
+          <p:cNvPr id="26" name="矩形 25"/>
+          <p:cNvSpPr/>
+          <p:nvPr/>
+        </p:nvSpPr>
+        <p:spPr>
+          <a:xfrm>
+            <a:off x="7592341" y="2753833"/>
+            <a:ext cx="169157" cy="298346"/>
+          </a:xfrm>
+          <a:prstGeom prst="rect">
+            <a:avLst/>
+          </a:prstGeom>
+          <a:solidFill>
+            <a:schemeClr val="accent4"/>
+          </a:solidFill>
+        </p:spPr>
+        <p:style>
+          <a:lnRef idx="2">
+            <a:schemeClr val="accent1">
+              <a:shade val="50000"/>
+            </a:schemeClr>
+          </a:lnRef>
+          <a:fillRef idx="1">
+            <a:schemeClr val="accent1"/>
+          </a:fillRef>
+          <a:effectRef idx="0">
+            <a:schemeClr val="accent1"/>
+          </a:effectRef>
+          <a:fontRef idx="minor">
+            <a:schemeClr val="lt1"/>
+          </a:fontRef>
+        </p:style>
+        <p:txBody>
+          <a:bodyPr rtlCol="0" anchor="ctr"/>
+          <a:lstStyle/>
+          <a:p>
+            <a:pPr algn="ctr"/>
+            <a:endParaRPr kumimoji="1" lang="zh-CN" altLang="en-US"/>
+          </a:p>
+        </p:txBody>
+      </p:sp>
+      <p:sp>
+        <p:nvSpPr>
+          <p:cNvPr id="27" name="矩形 26"/>
+          <p:cNvSpPr/>
+          <p:nvPr/>
+        </p:nvSpPr>
+        <p:spPr>
+          <a:xfrm>
+            <a:off x="7086573" y="2747645"/>
+            <a:ext cx="169157" cy="298346"/>
+          </a:xfrm>
+          <a:prstGeom prst="rect">
+            <a:avLst/>
+          </a:prstGeom>
+          <a:solidFill>
+            <a:schemeClr val="accent4"/>
+          </a:solidFill>
+        </p:spPr>
+        <p:style>
+          <a:lnRef idx="2">
+            <a:schemeClr val="accent1">
+              <a:shade val="50000"/>
+            </a:schemeClr>
+          </a:lnRef>
+          <a:fillRef idx="1">
+            <a:schemeClr val="accent1"/>
+          </a:fillRef>
+          <a:effectRef idx="0">
+            <a:schemeClr val="accent1"/>
+          </a:effectRef>
+          <a:fontRef idx="minor">
+            <a:schemeClr val="lt1"/>
+          </a:fontRef>
+        </p:style>
+        <p:txBody>
+          <a:bodyPr rtlCol="0" anchor="ctr"/>
+          <a:lstStyle/>
+          <a:p>
+            <a:pPr algn="ctr"/>
+            <a:endParaRPr kumimoji="1" lang="zh-CN" altLang="en-US"/>
+          </a:p>
+        </p:txBody>
+      </p:sp>
+      <p:sp>
+        <p:nvSpPr>
+          <p:cNvPr id="28" name="文本框 27"/>
+          <p:cNvSpPr txBox="1"/>
+          <p:nvPr/>
+        </p:nvSpPr>
+        <p:spPr>
+          <a:xfrm>
+            <a:off x="2627724" y="3179136"/>
+            <a:ext cx="575799" cy="253916"/>
+          </a:xfrm>
+          <a:prstGeom prst="rect">
+            <a:avLst/>
+          </a:prstGeom>
+          <a:noFill/>
+        </p:spPr>
+        <p:txBody>
+          <a:bodyPr wrap="none" rtlCol="0">
+            <a:spAutoFit/>
+          </a:bodyPr>
+          <a:lstStyle/>
+          <a:p>
+            <a:r>
+              <a:rPr kumimoji="1" lang="en-US" altLang="zh-CN" sz="1050" dirty="0" err="1" smtClean="0"/>
+              <a:t>SendQ</a:t>
+            </a:r>
+            <a:endParaRPr kumimoji="1" lang="zh-CN" altLang="en-US" sz="1050" dirty="0"/>
+          </a:p>
+        </p:txBody>
+      </p:sp>
+      <p:sp>
+        <p:nvSpPr>
+          <p:cNvPr id="29" name="文本框 28"/>
+          <p:cNvSpPr txBox="1"/>
+          <p:nvPr/>
+        </p:nvSpPr>
+        <p:spPr>
+          <a:xfrm>
+            <a:off x="7576305" y="3183200"/>
+            <a:ext cx="724878" cy="253916"/>
+          </a:xfrm>
+          <a:prstGeom prst="rect">
+            <a:avLst/>
+          </a:prstGeom>
+          <a:noFill/>
+        </p:spPr>
+        <p:txBody>
+          <a:bodyPr wrap="none" rtlCol="0">
+            <a:spAutoFit/>
+          </a:bodyPr>
+          <a:lstStyle/>
+          <a:p>
+            <a:r>
+              <a:rPr kumimoji="1" lang="en-US" altLang="zh-CN" sz="1050" dirty="0" err="1" smtClean="0"/>
+              <a:t>ReceiveQ</a:t>
+            </a:r>
+            <a:endParaRPr kumimoji="1" lang="zh-CN" altLang="en-US" sz="1050" dirty="0"/>
+          </a:p>
+        </p:txBody>
+      </p:sp>
+      <p:sp>
+        <p:nvSpPr>
+          <p:cNvPr id="30" name="文本框 29"/>
+          <p:cNvSpPr txBox="1"/>
+          <p:nvPr/>
+        </p:nvSpPr>
+        <p:spPr>
+          <a:xfrm>
+            <a:off x="6819520" y="3178502"/>
+            <a:ext cx="575799" cy="253916"/>
+          </a:xfrm>
+          <a:prstGeom prst="rect">
+            <a:avLst/>
+          </a:prstGeom>
+          <a:noFill/>
+        </p:spPr>
+        <p:txBody>
+          <a:bodyPr wrap="none" rtlCol="0">
+            <a:spAutoFit/>
+          </a:bodyPr>
+          <a:lstStyle/>
+          <a:p>
+            <a:r>
+              <a:rPr kumimoji="1" lang="en-US" altLang="zh-CN" sz="1050" dirty="0" err="1" smtClean="0"/>
+              <a:t>SendQ</a:t>
+            </a:r>
+            <a:endParaRPr kumimoji="1" lang="zh-CN" altLang="en-US" sz="1050" dirty="0"/>
+          </a:p>
+        </p:txBody>
+      </p:sp>
+      <p:sp>
+        <p:nvSpPr>
+          <p:cNvPr id="31" name="文本框 30"/>
+          <p:cNvSpPr txBox="1"/>
+          <p:nvPr/>
+        </p:nvSpPr>
+        <p:spPr>
+          <a:xfrm>
+            <a:off x="3249979" y="3195429"/>
+            <a:ext cx="724878" cy="253916"/>
+          </a:xfrm>
+          <a:prstGeom prst="rect">
+            <a:avLst/>
+          </a:prstGeom>
+          <a:noFill/>
+        </p:spPr>
+        <p:txBody>
+          <a:bodyPr wrap="none" rtlCol="0">
+            <a:spAutoFit/>
+          </a:bodyPr>
+          <a:lstStyle/>
+          <a:p>
+            <a:r>
+              <a:rPr kumimoji="1" lang="en-US" altLang="zh-CN" sz="1050" dirty="0" err="1" smtClean="0"/>
+              <a:t>ReceiveQ</a:t>
+            </a:r>
+            <a:endParaRPr kumimoji="1" lang="zh-CN" altLang="en-US" sz="1050" dirty="0"/>
+          </a:p>
+        </p:txBody>
+      </p:sp>
+      <p:sp>
+        <p:nvSpPr>
+          <p:cNvPr id="32" name="文本框 31"/>
+          <p:cNvSpPr txBox="1"/>
+          <p:nvPr/>
+        </p:nvSpPr>
+        <p:spPr>
+          <a:xfrm>
+            <a:off x="392538" y="6125659"/>
+            <a:ext cx="4851008" cy="276999"/>
+          </a:xfrm>
+          <a:prstGeom prst="rect">
+            <a:avLst/>
+          </a:prstGeom>
+          <a:noFill/>
+        </p:spPr>
+        <p:txBody>
+          <a:bodyPr wrap="none" rtlCol="0">
+            <a:spAutoFit/>
+          </a:bodyPr>
+          <a:lstStyle/>
+          <a:p>
+            <a:r>
+              <a:rPr kumimoji="1" lang="en-US" altLang="zh-CN" sz="1200" smtClean="0"/>
+              <a:t>Channel</a:t>
+            </a:r>
+            <a:r>
+              <a:rPr kumimoji="1" lang="zh-CN" altLang="en-US" sz="1200" smtClean="0"/>
+              <a:t>是车，</a:t>
+            </a:r>
+            <a:r>
+              <a:rPr kumimoji="1" lang="en-US" altLang="zh-CN" sz="1200" smtClean="0"/>
+              <a:t>Buffer</a:t>
+            </a:r>
+            <a:r>
+              <a:rPr kumimoji="1" lang="zh-CN" altLang="en-US" sz="1200" smtClean="0"/>
+              <a:t>是座位</a:t>
+            </a:r>
+            <a:r>
+              <a:rPr kumimoji="1" lang="en-US" altLang="zh-CN" sz="1200" smtClean="0"/>
+              <a:t>(</a:t>
+            </a:r>
+            <a:r>
+              <a:rPr kumimoji="1" lang="zh-CN" altLang="en-US" sz="1200" smtClean="0"/>
+              <a:t>传输的数据</a:t>
+            </a:r>
+            <a:r>
+              <a:rPr kumimoji="1" lang="en-US" altLang="zh-CN" sz="1200" smtClean="0"/>
+              <a:t>)</a:t>
+            </a:r>
+            <a:r>
+              <a:rPr kumimoji="1" lang="zh-CN" altLang="en-US" sz="1200" smtClean="0"/>
+              <a:t>，</a:t>
+            </a:r>
+            <a:r>
+              <a:rPr kumimoji="1" lang="en-US" altLang="zh-CN" sz="1200" smtClean="0"/>
+              <a:t>Selector</a:t>
+            </a:r>
+            <a:r>
+              <a:rPr kumimoji="1" lang="zh-CN" altLang="en-US" sz="1200" smtClean="0"/>
+              <a:t>是</a:t>
+            </a:r>
+            <a:r>
+              <a:rPr kumimoji="1" lang="en-US" altLang="zh-CN" sz="1200" smtClean="0"/>
+              <a:t>channel</a:t>
+            </a:r>
+            <a:r>
+              <a:rPr kumimoji="1" lang="zh-CN" altLang="en-US" sz="1200" smtClean="0"/>
+              <a:t>的监听器</a:t>
+            </a:r>
+            <a:endParaRPr kumimoji="1" lang="zh-CN" altLang="en-US" sz="1200" dirty="0"/>
+          </a:p>
+        </p:txBody>
+      </p:sp>
+      <p:sp>
+        <p:nvSpPr>
+          <p:cNvPr id="33" name="文本框 32"/>
+          <p:cNvSpPr txBox="1"/>
+          <p:nvPr/>
+        </p:nvSpPr>
+        <p:spPr>
+          <a:xfrm>
+            <a:off x="501805" y="323385"/>
+            <a:ext cx="1957587" cy="307777"/>
+          </a:xfrm>
+          <a:prstGeom prst="rect">
+            <a:avLst/>
+          </a:prstGeom>
+          <a:noFill/>
+        </p:spPr>
+        <p:txBody>
+          <a:bodyPr wrap="none" rtlCol="0">
+            <a:spAutoFit/>
+          </a:bodyPr>
+          <a:lstStyle/>
+          <a:p>
+            <a:r>
+              <a:rPr kumimoji="1" lang="en-US" altLang="zh-CN" sz="1400" smtClean="0"/>
+              <a:t>NIO Socket</a:t>
+            </a:r>
+            <a:r>
+              <a:rPr kumimoji="1" lang="zh-CN" altLang="en-US" sz="1400" dirty="0" smtClean="0"/>
+              <a:t>传输过程：</a:t>
+            </a:r>
+            <a:endParaRPr kumimoji="1" lang="zh-CN" altLang="en-US" sz="1400" dirty="0"/>
+          </a:p>
+        </p:txBody>
+      </p:sp>
+      <p:sp>
+        <p:nvSpPr>
+          <p:cNvPr id="35" name="圆角矩形 34"/>
+          <p:cNvSpPr/>
+          <p:nvPr/>
+        </p:nvSpPr>
+        <p:spPr>
+          <a:xfrm>
+            <a:off x="3818613" y="3784009"/>
+            <a:ext cx="2895958" cy="317825"/>
+          </a:xfrm>
+          <a:prstGeom prst="roundRect">
+            <a:avLst/>
+          </a:prstGeom>
+        </p:spPr>
+        <p:style>
+          <a:lnRef idx="2">
+            <a:schemeClr val="accent1">
+              <a:shade val="50000"/>
+            </a:schemeClr>
+          </a:lnRef>
+          <a:fillRef idx="1">
+            <a:schemeClr val="accent1"/>
+          </a:fillRef>
+          <a:effectRef idx="0">
+            <a:schemeClr val="accent1"/>
+          </a:effectRef>
+          <a:fontRef idx="minor">
+            <a:schemeClr val="lt1"/>
+          </a:fontRef>
+        </p:style>
+        <p:txBody>
+          <a:bodyPr rtlCol="0" anchor="ctr"/>
+          <a:lstStyle/>
+          <a:p>
+            <a:pPr algn="ctr"/>
+            <a:endParaRPr lang="zh-CN" altLang="en-US"/>
+          </a:p>
+        </p:txBody>
+      </p:sp>
+      <p:sp>
+        <p:nvSpPr>
+          <p:cNvPr id="39" name="矩形 38"/>
+          <p:cNvSpPr/>
+          <p:nvPr/>
+        </p:nvSpPr>
+        <p:spPr>
+          <a:xfrm>
+            <a:off x="4392713" y="3784009"/>
+            <a:ext cx="134470" cy="79779"/>
+          </a:xfrm>
+          <a:prstGeom prst="rect">
+            <a:avLst/>
+          </a:prstGeom>
+          <a:solidFill>
+            <a:schemeClr val="accent2"/>
+          </a:solidFill>
+        </p:spPr>
+        <p:style>
+          <a:lnRef idx="2">
+            <a:schemeClr val="accent1">
+              <a:shade val="50000"/>
+            </a:schemeClr>
+          </a:lnRef>
+          <a:fillRef idx="1">
+            <a:schemeClr val="accent1"/>
+          </a:fillRef>
+          <a:effectRef idx="0">
+            <a:schemeClr val="accent1"/>
+          </a:effectRef>
+          <a:fontRef idx="minor">
+            <a:schemeClr val="lt1"/>
+          </a:fontRef>
+        </p:style>
+        <p:txBody>
+          <a:bodyPr rtlCol="0" anchor="ctr"/>
+          <a:lstStyle/>
+          <a:p>
+            <a:pPr algn="ctr"/>
+            <a:endParaRPr lang="zh-CN" altLang="en-US"/>
+          </a:p>
+        </p:txBody>
+      </p:sp>
+      <p:sp>
+        <p:nvSpPr>
+          <p:cNvPr id="40" name="矩形 39"/>
+          <p:cNvSpPr/>
+          <p:nvPr/>
+        </p:nvSpPr>
+        <p:spPr>
+          <a:xfrm>
+            <a:off x="5961446" y="3784009"/>
+            <a:ext cx="134470" cy="79779"/>
+          </a:xfrm>
+          <a:prstGeom prst="rect">
+            <a:avLst/>
+          </a:prstGeom>
+          <a:solidFill>
+            <a:schemeClr val="accent2"/>
+          </a:solidFill>
+        </p:spPr>
+        <p:style>
+          <a:lnRef idx="2">
+            <a:schemeClr val="accent1">
+              <a:shade val="50000"/>
+            </a:schemeClr>
+          </a:lnRef>
+          <a:fillRef idx="1">
+            <a:schemeClr val="accent1"/>
+          </a:fillRef>
+          <a:effectRef idx="0">
+            <a:schemeClr val="accent1"/>
+          </a:effectRef>
+          <a:fontRef idx="minor">
+            <a:schemeClr val="lt1"/>
+          </a:fontRef>
+        </p:style>
+        <p:txBody>
+          <a:bodyPr rtlCol="0" anchor="ctr"/>
+          <a:lstStyle/>
+          <a:p>
+            <a:pPr algn="ctr"/>
+            <a:endParaRPr lang="zh-CN" altLang="en-US"/>
+          </a:p>
+        </p:txBody>
+      </p:sp>
+      <p:sp>
+        <p:nvSpPr>
+          <p:cNvPr id="41" name="矩形 40"/>
+          <p:cNvSpPr/>
+          <p:nvPr/>
+        </p:nvSpPr>
+        <p:spPr>
+          <a:xfrm>
+            <a:off x="5547165" y="3781783"/>
+            <a:ext cx="134470" cy="79779"/>
+          </a:xfrm>
+          <a:prstGeom prst="rect">
+            <a:avLst/>
+          </a:prstGeom>
+          <a:solidFill>
+            <a:schemeClr val="accent2"/>
+          </a:solidFill>
+        </p:spPr>
+        <p:style>
+          <a:lnRef idx="2">
+            <a:schemeClr val="accent1">
+              <a:shade val="50000"/>
+            </a:schemeClr>
+          </a:lnRef>
+          <a:fillRef idx="1">
+            <a:schemeClr val="accent1"/>
+          </a:fillRef>
+          <a:effectRef idx="0">
+            <a:schemeClr val="accent1"/>
+          </a:effectRef>
+          <a:fontRef idx="minor">
+            <a:schemeClr val="lt1"/>
+          </a:fontRef>
+        </p:style>
+        <p:txBody>
+          <a:bodyPr rtlCol="0" anchor="ctr"/>
+          <a:lstStyle/>
+          <a:p>
+            <a:pPr algn="ctr"/>
+            <a:endParaRPr lang="zh-CN" altLang="en-US"/>
+          </a:p>
+        </p:txBody>
+      </p:sp>
+      <p:sp>
+        <p:nvSpPr>
+          <p:cNvPr id="42" name="矩形 41"/>
+          <p:cNvSpPr/>
+          <p:nvPr/>
+        </p:nvSpPr>
+        <p:spPr>
+          <a:xfrm>
+            <a:off x="5199357" y="3781784"/>
+            <a:ext cx="134470" cy="79779"/>
+          </a:xfrm>
+          <a:prstGeom prst="rect">
+            <a:avLst/>
+          </a:prstGeom>
+          <a:solidFill>
+            <a:schemeClr val="accent2"/>
+          </a:solidFill>
+        </p:spPr>
+        <p:style>
+          <a:lnRef idx="2">
+            <a:schemeClr val="accent1">
+              <a:shade val="50000"/>
+            </a:schemeClr>
+          </a:lnRef>
+          <a:fillRef idx="1">
+            <a:schemeClr val="accent1"/>
+          </a:fillRef>
+          <a:effectRef idx="0">
+            <a:schemeClr val="accent1"/>
+          </a:effectRef>
+          <a:fontRef idx="minor">
+            <a:schemeClr val="lt1"/>
+          </a:fontRef>
+        </p:style>
+        <p:txBody>
+          <a:bodyPr rtlCol="0" anchor="ctr"/>
+          <a:lstStyle/>
+          <a:p>
+            <a:pPr algn="ctr"/>
+            <a:endParaRPr lang="zh-CN" altLang="en-US"/>
+          </a:p>
+        </p:txBody>
+      </p:sp>
+      <p:sp>
+        <p:nvSpPr>
+          <p:cNvPr id="43" name="矩形 42"/>
+          <p:cNvSpPr/>
+          <p:nvPr/>
+        </p:nvSpPr>
+        <p:spPr>
+          <a:xfrm>
+            <a:off x="4778195" y="3781785"/>
+            <a:ext cx="134470" cy="79779"/>
+          </a:xfrm>
+          <a:prstGeom prst="rect">
+            <a:avLst/>
+          </a:prstGeom>
+          <a:solidFill>
+            <a:schemeClr val="accent2"/>
+          </a:solidFill>
+        </p:spPr>
+        <p:style>
+          <a:lnRef idx="2">
+            <a:schemeClr val="accent1">
+              <a:shade val="50000"/>
+            </a:schemeClr>
+          </a:lnRef>
+          <a:fillRef idx="1">
+            <a:schemeClr val="accent1"/>
+          </a:fillRef>
+          <a:effectRef idx="0">
+            <a:schemeClr val="accent1"/>
+          </a:effectRef>
+          <a:fontRef idx="minor">
+            <a:schemeClr val="lt1"/>
+          </a:fontRef>
+        </p:style>
+        <p:txBody>
+          <a:bodyPr rtlCol="0" anchor="ctr"/>
+          <a:lstStyle/>
+          <a:p>
+            <a:pPr algn="ctr"/>
+            <a:endParaRPr lang="zh-CN" altLang="en-US"/>
+          </a:p>
+        </p:txBody>
+      </p:sp>
+      <p:sp>
+        <p:nvSpPr>
+          <p:cNvPr id="44" name="矩形 43"/>
+          <p:cNvSpPr/>
+          <p:nvPr/>
+        </p:nvSpPr>
+        <p:spPr>
+          <a:xfrm>
+            <a:off x="4387589" y="4024741"/>
+            <a:ext cx="134470" cy="79779"/>
+          </a:xfrm>
+          <a:prstGeom prst="rect">
+            <a:avLst/>
+          </a:prstGeom>
+          <a:solidFill>
+            <a:schemeClr val="accent2"/>
+          </a:solidFill>
+        </p:spPr>
+        <p:style>
+          <a:lnRef idx="2">
+            <a:schemeClr val="accent1">
+              <a:shade val="50000"/>
+            </a:schemeClr>
+          </a:lnRef>
+          <a:fillRef idx="1">
+            <a:schemeClr val="accent1"/>
+          </a:fillRef>
+          <a:effectRef idx="0">
+            <a:schemeClr val="accent1"/>
+          </a:effectRef>
+          <a:fontRef idx="minor">
+            <a:schemeClr val="lt1"/>
+          </a:fontRef>
+        </p:style>
+        <p:txBody>
+          <a:bodyPr rtlCol="0" anchor="ctr"/>
+          <a:lstStyle/>
+          <a:p>
+            <a:pPr algn="ctr"/>
+            <a:endParaRPr lang="zh-CN" altLang="en-US"/>
+          </a:p>
+        </p:txBody>
+      </p:sp>
+      <p:sp>
+        <p:nvSpPr>
+          <p:cNvPr id="45" name="矩形 44"/>
+          <p:cNvSpPr/>
+          <p:nvPr/>
+        </p:nvSpPr>
+        <p:spPr>
+          <a:xfrm>
+            <a:off x="4784276" y="4022055"/>
+            <a:ext cx="134470" cy="79779"/>
+          </a:xfrm>
+          <a:prstGeom prst="rect">
+            <a:avLst/>
+          </a:prstGeom>
+          <a:solidFill>
+            <a:schemeClr val="accent2"/>
+          </a:solidFill>
+        </p:spPr>
+        <p:style>
+          <a:lnRef idx="2">
+            <a:schemeClr val="accent1">
+              <a:shade val="50000"/>
+            </a:schemeClr>
+          </a:lnRef>
+          <a:fillRef idx="1">
+            <a:schemeClr val="accent1"/>
+          </a:fillRef>
+          <a:effectRef idx="0">
+            <a:schemeClr val="accent1"/>
+          </a:effectRef>
+          <a:fontRef idx="minor">
+            <a:schemeClr val="lt1"/>
+          </a:fontRef>
+        </p:style>
+        <p:txBody>
+          <a:bodyPr rtlCol="0" anchor="ctr"/>
+          <a:lstStyle/>
+          <a:p>
+            <a:pPr algn="ctr"/>
+            <a:endParaRPr lang="zh-CN" altLang="en-US"/>
+          </a:p>
+        </p:txBody>
+      </p:sp>
+      <p:sp>
+        <p:nvSpPr>
+          <p:cNvPr id="46" name="矩形 45"/>
+          <p:cNvSpPr/>
+          <p:nvPr/>
+        </p:nvSpPr>
+        <p:spPr>
+          <a:xfrm>
+            <a:off x="5199357" y="4024741"/>
+            <a:ext cx="134470" cy="79779"/>
+          </a:xfrm>
+          <a:prstGeom prst="rect">
+            <a:avLst/>
+          </a:prstGeom>
+          <a:solidFill>
+            <a:schemeClr val="accent2"/>
+          </a:solidFill>
+        </p:spPr>
+        <p:style>
+          <a:lnRef idx="2">
+            <a:schemeClr val="accent1">
+              <a:shade val="50000"/>
+            </a:schemeClr>
+          </a:lnRef>
+          <a:fillRef idx="1">
+            <a:schemeClr val="accent1"/>
+          </a:fillRef>
+          <a:effectRef idx="0">
+            <a:schemeClr val="accent1"/>
+          </a:effectRef>
+          <a:fontRef idx="minor">
+            <a:schemeClr val="lt1"/>
+          </a:fontRef>
+        </p:style>
+        <p:txBody>
+          <a:bodyPr rtlCol="0" anchor="ctr"/>
+          <a:lstStyle/>
+          <a:p>
+            <a:pPr algn="ctr"/>
+            <a:endParaRPr lang="zh-CN" altLang="en-US"/>
+          </a:p>
+        </p:txBody>
+      </p:sp>
+      <p:sp>
+        <p:nvSpPr>
+          <p:cNvPr id="47" name="矩形 46"/>
+          <p:cNvSpPr/>
+          <p:nvPr/>
+        </p:nvSpPr>
+        <p:spPr>
+          <a:xfrm>
+            <a:off x="5547165" y="4025201"/>
+            <a:ext cx="134470" cy="79779"/>
+          </a:xfrm>
+          <a:prstGeom prst="rect">
+            <a:avLst/>
+          </a:prstGeom>
+          <a:solidFill>
+            <a:schemeClr val="accent2"/>
+          </a:solidFill>
+        </p:spPr>
+        <p:style>
+          <a:lnRef idx="2">
+            <a:schemeClr val="accent1">
+              <a:shade val="50000"/>
+            </a:schemeClr>
+          </a:lnRef>
+          <a:fillRef idx="1">
+            <a:schemeClr val="accent1"/>
+          </a:fillRef>
+          <a:effectRef idx="0">
+            <a:schemeClr val="accent1"/>
+          </a:effectRef>
+          <a:fontRef idx="minor">
+            <a:schemeClr val="lt1"/>
+          </a:fontRef>
+        </p:style>
+        <p:txBody>
+          <a:bodyPr rtlCol="0" anchor="ctr"/>
+          <a:lstStyle/>
+          <a:p>
+            <a:pPr algn="ctr"/>
+            <a:endParaRPr lang="zh-CN" altLang="en-US"/>
+          </a:p>
+        </p:txBody>
+      </p:sp>
+      <p:sp>
+        <p:nvSpPr>
+          <p:cNvPr id="48" name="矩形 47"/>
+          <p:cNvSpPr/>
+          <p:nvPr/>
+        </p:nvSpPr>
+        <p:spPr>
+          <a:xfrm>
+            <a:off x="5965838" y="4018898"/>
+            <a:ext cx="134470" cy="79779"/>
+          </a:xfrm>
+          <a:prstGeom prst="rect">
+            <a:avLst/>
+          </a:prstGeom>
+          <a:solidFill>
+            <a:schemeClr val="accent2"/>
+          </a:solidFill>
+        </p:spPr>
+        <p:style>
+          <a:lnRef idx="2">
+            <a:schemeClr val="accent1">
+              <a:shade val="50000"/>
+            </a:schemeClr>
+          </a:lnRef>
+          <a:fillRef idx="1">
+            <a:schemeClr val="accent1"/>
+          </a:fillRef>
+          <a:effectRef idx="0">
+            <a:schemeClr val="accent1"/>
+          </a:effectRef>
+          <a:fontRef idx="minor">
+            <a:schemeClr val="lt1"/>
+          </a:fontRef>
+        </p:style>
+        <p:txBody>
+          <a:bodyPr rtlCol="0" anchor="ctr"/>
+          <a:lstStyle/>
+          <a:p>
+            <a:pPr algn="ctr"/>
+            <a:endParaRPr lang="zh-CN" altLang="en-US"/>
+          </a:p>
+        </p:txBody>
+      </p:sp>
+      <p:sp>
+        <p:nvSpPr>
+          <p:cNvPr id="49" name="文本框 48"/>
+          <p:cNvSpPr txBox="1"/>
+          <p:nvPr/>
+        </p:nvSpPr>
+        <p:spPr>
+          <a:xfrm>
+            <a:off x="4312062" y="3187735"/>
+            <a:ext cx="654346" cy="261610"/>
+          </a:xfrm>
+          <a:prstGeom prst="rect">
+            <a:avLst/>
+          </a:prstGeom>
+          <a:noFill/>
+        </p:spPr>
+        <p:txBody>
+          <a:bodyPr wrap="none" rtlCol="0">
+            <a:spAutoFit/>
+          </a:bodyPr>
+          <a:lstStyle/>
+          <a:p>
+            <a:r>
+              <a:rPr lang="en-US" altLang="zh-CN" sz="1100" smtClean="0"/>
+              <a:t>channel</a:t>
+            </a:r>
+            <a:endParaRPr lang="zh-CN" altLang="en-US" sz="1100"/>
+          </a:p>
+        </p:txBody>
+      </p:sp>
+      <p:cxnSp>
+        <p:nvCxnSpPr>
+          <p:cNvPr id="51" name="直接箭头连接符 50"/>
+          <p:cNvCxnSpPr/>
+          <p:nvPr/>
+        </p:nvCxnSpPr>
+        <p:spPr>
+          <a:xfrm flipH="1">
+            <a:off x="4016930" y="3433052"/>
+            <a:ext cx="447836" cy="350957"/>
+          </a:xfrm>
+          <a:prstGeom prst="straightConnector1">
+            <a:avLst/>
+          </a:prstGeom>
+          <a:ln>
+            <a:tailEnd type="triangle"/>
+          </a:ln>
+        </p:spPr>
+        <p:style>
+          <a:lnRef idx="1">
+            <a:schemeClr val="accent1"/>
+          </a:lnRef>
+          <a:fillRef idx="0">
+            <a:schemeClr val="accent1"/>
+          </a:fillRef>
+          <a:effectRef idx="0">
+            <a:schemeClr val="accent1"/>
+          </a:effectRef>
+          <a:fontRef idx="minor">
+            <a:schemeClr val="tx1"/>
+          </a:fontRef>
+        </p:style>
+      </p:cxnSp>
+      <p:sp>
+        <p:nvSpPr>
+          <p:cNvPr id="53" name="文本框 52"/>
+          <p:cNvSpPr txBox="1"/>
+          <p:nvPr/>
+        </p:nvSpPr>
+        <p:spPr>
+          <a:xfrm>
+            <a:off x="5372902" y="3332399"/>
+            <a:ext cx="545342" cy="261610"/>
+          </a:xfrm>
+          <a:prstGeom prst="rect">
+            <a:avLst/>
+          </a:prstGeom>
+          <a:noFill/>
+        </p:spPr>
+        <p:txBody>
+          <a:bodyPr wrap="none" rtlCol="0">
+            <a:spAutoFit/>
+          </a:bodyPr>
+          <a:lstStyle/>
+          <a:p>
+            <a:r>
+              <a:rPr lang="en-US" altLang="zh-CN" sz="1100" smtClean="0"/>
+              <a:t>buffer</a:t>
+            </a:r>
+            <a:endParaRPr lang="zh-CN" altLang="en-US" sz="1100"/>
+          </a:p>
+        </p:txBody>
+      </p:sp>
+      <p:cxnSp>
+        <p:nvCxnSpPr>
+          <p:cNvPr id="55" name="直接箭头连接符 54"/>
+          <p:cNvCxnSpPr>
+            <a:endCxn id="40" idx="0"/>
+          </p:cNvCxnSpPr>
+          <p:nvPr/>
+        </p:nvCxnSpPr>
+        <p:spPr>
+          <a:xfrm>
+            <a:off x="5779500" y="3543847"/>
+            <a:ext cx="249181" cy="240162"/>
+          </a:xfrm>
+          <a:prstGeom prst="straightConnector1">
+            <a:avLst/>
+          </a:prstGeom>
+          <a:ln>
+            <a:tailEnd type="triangle"/>
+          </a:ln>
+        </p:spPr>
+        <p:style>
+          <a:lnRef idx="1">
+            <a:schemeClr val="accent1"/>
+          </a:lnRef>
+          <a:fillRef idx="0">
+            <a:schemeClr val="accent1"/>
+          </a:fillRef>
+          <a:effectRef idx="0">
+            <a:schemeClr val="accent1"/>
+          </a:effectRef>
+          <a:fontRef idx="minor">
+            <a:schemeClr val="tx1"/>
+          </a:fontRef>
+        </p:style>
+      </p:cxnSp>
+      <p:cxnSp>
+        <p:nvCxnSpPr>
+          <p:cNvPr id="59" name="直接箭头连接符 58"/>
+          <p:cNvCxnSpPr>
+            <a:endCxn id="41" idx="0"/>
+          </p:cNvCxnSpPr>
+          <p:nvPr/>
+        </p:nvCxnSpPr>
+        <p:spPr>
+          <a:xfrm flipH="1">
+            <a:off x="5614400" y="3541441"/>
+            <a:ext cx="174469" cy="240342"/>
+          </a:xfrm>
+          <a:prstGeom prst="straightConnector1">
+            <a:avLst/>
+          </a:prstGeom>
+          <a:ln>
+            <a:tailEnd type="triangle"/>
+          </a:ln>
+        </p:spPr>
+        <p:style>
+          <a:lnRef idx="1">
+            <a:schemeClr val="accent1"/>
+          </a:lnRef>
+          <a:fillRef idx="0">
+            <a:schemeClr val="accent1"/>
+          </a:fillRef>
+          <a:effectRef idx="0">
+            <a:schemeClr val="accent1"/>
+          </a:effectRef>
+          <a:fontRef idx="minor">
+            <a:schemeClr val="tx1"/>
+          </a:fontRef>
+        </p:style>
+      </p:cxnSp>
+      <p:sp>
+        <p:nvSpPr>
+          <p:cNvPr id="60" name="圆角矩形 59"/>
+          <p:cNvSpPr/>
+          <p:nvPr/>
+        </p:nvSpPr>
+        <p:spPr>
+          <a:xfrm>
+            <a:off x="3818613" y="4332593"/>
+            <a:ext cx="2895958" cy="317825"/>
+          </a:xfrm>
+          <a:prstGeom prst="roundRect">
+            <a:avLst/>
+          </a:prstGeom>
+        </p:spPr>
+        <p:style>
+          <a:lnRef idx="2">
+            <a:schemeClr val="accent1">
+              <a:shade val="50000"/>
+            </a:schemeClr>
+          </a:lnRef>
+          <a:fillRef idx="1">
+            <a:schemeClr val="accent1"/>
+          </a:fillRef>
+          <a:effectRef idx="0">
+            <a:schemeClr val="accent1"/>
+          </a:effectRef>
+          <a:fontRef idx="minor">
+            <a:schemeClr val="lt1"/>
+          </a:fontRef>
+        </p:style>
+        <p:txBody>
+          <a:bodyPr rtlCol="0" anchor="ctr"/>
+          <a:lstStyle/>
+          <a:p>
+            <a:pPr algn="ctr"/>
+            <a:endParaRPr lang="zh-CN" altLang="en-US"/>
+          </a:p>
+        </p:txBody>
+      </p:sp>
+      <p:sp>
+        <p:nvSpPr>
+          <p:cNvPr id="61" name="矩形 60"/>
+          <p:cNvSpPr/>
+          <p:nvPr/>
+        </p:nvSpPr>
+        <p:spPr>
+          <a:xfrm>
+            <a:off x="4392713" y="4332593"/>
+            <a:ext cx="134470" cy="79779"/>
+          </a:xfrm>
+          <a:prstGeom prst="rect">
+            <a:avLst/>
+          </a:prstGeom>
+          <a:solidFill>
+            <a:schemeClr val="accent2"/>
+          </a:solidFill>
+        </p:spPr>
+        <p:style>
+          <a:lnRef idx="2">
+            <a:schemeClr val="accent1">
+              <a:shade val="50000"/>
+            </a:schemeClr>
+          </a:lnRef>
+          <a:fillRef idx="1">
+            <a:schemeClr val="accent1"/>
+          </a:fillRef>
+          <a:effectRef idx="0">
+            <a:schemeClr val="accent1"/>
+          </a:effectRef>
+          <a:fontRef idx="minor">
+            <a:schemeClr val="lt1"/>
+          </a:fontRef>
+        </p:style>
+        <p:txBody>
+          <a:bodyPr rtlCol="0" anchor="ctr"/>
+          <a:lstStyle/>
+          <a:p>
+            <a:pPr algn="ctr"/>
+            <a:endParaRPr lang="zh-CN" altLang="en-US"/>
+          </a:p>
+        </p:txBody>
+      </p:sp>
+      <p:sp>
+        <p:nvSpPr>
+          <p:cNvPr id="62" name="矩形 61"/>
+          <p:cNvSpPr/>
+          <p:nvPr/>
+        </p:nvSpPr>
+        <p:spPr>
+          <a:xfrm>
+            <a:off x="5961446" y="4332593"/>
+            <a:ext cx="134470" cy="79779"/>
+          </a:xfrm>
+          <a:prstGeom prst="rect">
+            <a:avLst/>
+          </a:prstGeom>
+          <a:solidFill>
+            <a:schemeClr val="accent2"/>
+          </a:solidFill>
+        </p:spPr>
+        <p:style>
+          <a:lnRef idx="2">
+            <a:schemeClr val="accent1">
+              <a:shade val="50000"/>
+            </a:schemeClr>
+          </a:lnRef>
+          <a:fillRef idx="1">
+            <a:schemeClr val="accent1"/>
+          </a:fillRef>
+          <a:effectRef idx="0">
+            <a:schemeClr val="accent1"/>
+          </a:effectRef>
+          <a:fontRef idx="minor">
+            <a:schemeClr val="lt1"/>
+          </a:fontRef>
+        </p:style>
+        <p:txBody>
+          <a:bodyPr rtlCol="0" anchor="ctr"/>
+          <a:lstStyle/>
+          <a:p>
+            <a:pPr algn="ctr"/>
+            <a:endParaRPr lang="zh-CN" altLang="en-US"/>
+          </a:p>
+        </p:txBody>
+      </p:sp>
+      <p:sp>
+        <p:nvSpPr>
+          <p:cNvPr id="63" name="矩形 62"/>
+          <p:cNvSpPr/>
+          <p:nvPr/>
+        </p:nvSpPr>
+        <p:spPr>
+          <a:xfrm>
+            <a:off x="5547165" y="4330367"/>
+            <a:ext cx="134470" cy="79779"/>
+          </a:xfrm>
+          <a:prstGeom prst="rect">
+            <a:avLst/>
+          </a:prstGeom>
+          <a:solidFill>
+            <a:schemeClr val="accent2"/>
+          </a:solidFill>
+        </p:spPr>
+        <p:style>
+          <a:lnRef idx="2">
+            <a:schemeClr val="accent1">
+              <a:shade val="50000"/>
+            </a:schemeClr>
+          </a:lnRef>
+          <a:fillRef idx="1">
+            <a:schemeClr val="accent1"/>
+          </a:fillRef>
+          <a:effectRef idx="0">
+            <a:schemeClr val="accent1"/>
+          </a:effectRef>
+          <a:fontRef idx="minor">
+            <a:schemeClr val="lt1"/>
+          </a:fontRef>
+        </p:style>
+        <p:txBody>
+          <a:bodyPr rtlCol="0" anchor="ctr"/>
+          <a:lstStyle/>
+          <a:p>
+            <a:pPr algn="ctr"/>
+            <a:endParaRPr lang="zh-CN" altLang="en-US"/>
+          </a:p>
+        </p:txBody>
+      </p:sp>
+      <p:sp>
+        <p:nvSpPr>
+          <p:cNvPr id="64" name="矩形 63"/>
+          <p:cNvSpPr/>
+          <p:nvPr/>
+        </p:nvSpPr>
+        <p:spPr>
+          <a:xfrm>
+            <a:off x="5199357" y="4330368"/>
+            <a:ext cx="134470" cy="79779"/>
+          </a:xfrm>
+          <a:prstGeom prst="rect">
+            <a:avLst/>
+          </a:prstGeom>
+          <a:solidFill>
+            <a:schemeClr val="accent2"/>
+          </a:solidFill>
+        </p:spPr>
+        <p:style>
+          <a:lnRef idx="2">
+            <a:schemeClr val="accent1">
+              <a:shade val="50000"/>
+            </a:schemeClr>
+          </a:lnRef>
+          <a:fillRef idx="1">
+            <a:schemeClr val="accent1"/>
+          </a:fillRef>
+          <a:effectRef idx="0">
+            <a:schemeClr val="accent1"/>
+          </a:effectRef>
+          <a:fontRef idx="minor">
+            <a:schemeClr val="lt1"/>
+          </a:fontRef>
+        </p:style>
+        <p:txBody>
+          <a:bodyPr rtlCol="0" anchor="ctr"/>
+          <a:lstStyle/>
+          <a:p>
+            <a:pPr algn="ctr"/>
+            <a:endParaRPr lang="zh-CN" altLang="en-US"/>
+          </a:p>
+        </p:txBody>
+      </p:sp>
+      <p:sp>
+        <p:nvSpPr>
+          <p:cNvPr id="65" name="矩形 64"/>
+          <p:cNvSpPr/>
+          <p:nvPr/>
+        </p:nvSpPr>
+        <p:spPr>
+          <a:xfrm>
+            <a:off x="4778195" y="4330369"/>
+            <a:ext cx="134470" cy="79779"/>
+          </a:xfrm>
+          <a:prstGeom prst="rect">
+            <a:avLst/>
+          </a:prstGeom>
+          <a:solidFill>
+            <a:schemeClr val="accent2"/>
+          </a:solidFill>
+        </p:spPr>
+        <p:style>
+          <a:lnRef idx="2">
+            <a:schemeClr val="accent1">
+              <a:shade val="50000"/>
+            </a:schemeClr>
+          </a:lnRef>
+          <a:fillRef idx="1">
+            <a:schemeClr val="accent1"/>
+          </a:fillRef>
+          <a:effectRef idx="0">
+            <a:schemeClr val="accent1"/>
+          </a:effectRef>
+          <a:fontRef idx="minor">
+            <a:schemeClr val="lt1"/>
+          </a:fontRef>
+        </p:style>
+        <p:txBody>
+          <a:bodyPr rtlCol="0" anchor="ctr"/>
+          <a:lstStyle/>
+          <a:p>
+            <a:pPr algn="ctr"/>
+            <a:endParaRPr lang="zh-CN" altLang="en-US"/>
+          </a:p>
+        </p:txBody>
+      </p:sp>
+      <p:sp>
+        <p:nvSpPr>
+          <p:cNvPr id="66" name="矩形 65"/>
+          <p:cNvSpPr/>
+          <p:nvPr/>
+        </p:nvSpPr>
+        <p:spPr>
+          <a:xfrm>
+            <a:off x="4387589" y="4573325"/>
+            <a:ext cx="134470" cy="79779"/>
+          </a:xfrm>
+          <a:prstGeom prst="rect">
+            <a:avLst/>
+          </a:prstGeom>
+          <a:solidFill>
+            <a:schemeClr val="accent2"/>
+          </a:solidFill>
+        </p:spPr>
+        <p:style>
+          <a:lnRef idx="2">
+            <a:schemeClr val="accent1">
+              <a:shade val="50000"/>
+            </a:schemeClr>
+          </a:lnRef>
+          <a:fillRef idx="1">
+            <a:schemeClr val="accent1"/>
+          </a:fillRef>
+          <a:effectRef idx="0">
+            <a:schemeClr val="accent1"/>
+          </a:effectRef>
+          <a:fontRef idx="minor">
+            <a:schemeClr val="lt1"/>
+          </a:fontRef>
+        </p:style>
+        <p:txBody>
+          <a:bodyPr rtlCol="0" anchor="ctr"/>
+          <a:lstStyle/>
+          <a:p>
+            <a:pPr algn="ctr"/>
+            <a:endParaRPr lang="zh-CN" altLang="en-US"/>
+          </a:p>
+        </p:txBody>
+      </p:sp>
+      <p:sp>
+        <p:nvSpPr>
+          <p:cNvPr id="67" name="矩形 66"/>
+          <p:cNvSpPr/>
+          <p:nvPr/>
+        </p:nvSpPr>
+        <p:spPr>
+          <a:xfrm>
+            <a:off x="4784276" y="4570639"/>
+            <a:ext cx="134470" cy="79779"/>
+          </a:xfrm>
+          <a:prstGeom prst="rect">
+            <a:avLst/>
+          </a:prstGeom>
+          <a:solidFill>
+            <a:schemeClr val="accent2"/>
+          </a:solidFill>
+        </p:spPr>
+        <p:style>
+          <a:lnRef idx="2">
+            <a:schemeClr val="accent1">
+              <a:shade val="50000"/>
+            </a:schemeClr>
+          </a:lnRef>
+          <a:fillRef idx="1">
+            <a:schemeClr val="accent1"/>
+          </a:fillRef>
+          <a:effectRef idx="0">
+            <a:schemeClr val="accent1"/>
+          </a:effectRef>
+          <a:fontRef idx="minor">
+            <a:schemeClr val="lt1"/>
+          </a:fontRef>
+        </p:style>
+        <p:txBody>
+          <a:bodyPr rtlCol="0" anchor="ctr"/>
+          <a:lstStyle/>
+          <a:p>
+            <a:pPr algn="ctr"/>
+            <a:endParaRPr lang="zh-CN" altLang="en-US"/>
+          </a:p>
+        </p:txBody>
+      </p:sp>
+      <p:sp>
+        <p:nvSpPr>
+          <p:cNvPr id="68" name="矩形 67"/>
+          <p:cNvSpPr/>
+          <p:nvPr/>
+        </p:nvSpPr>
+        <p:spPr>
+          <a:xfrm>
+            <a:off x="5199357" y="4573325"/>
+            <a:ext cx="134470" cy="79779"/>
+          </a:xfrm>
+          <a:prstGeom prst="rect">
+            <a:avLst/>
+          </a:prstGeom>
+          <a:solidFill>
+            <a:schemeClr val="accent2"/>
+          </a:solidFill>
+        </p:spPr>
+        <p:style>
+          <a:lnRef idx="2">
+            <a:schemeClr val="accent1">
+              <a:shade val="50000"/>
+            </a:schemeClr>
+          </a:lnRef>
+          <a:fillRef idx="1">
+            <a:schemeClr val="accent1"/>
+          </a:fillRef>
+          <a:effectRef idx="0">
+            <a:schemeClr val="accent1"/>
+          </a:effectRef>
+          <a:fontRef idx="minor">
+            <a:schemeClr val="lt1"/>
+          </a:fontRef>
+        </p:style>
+        <p:txBody>
+          <a:bodyPr rtlCol="0" anchor="ctr"/>
+          <a:lstStyle/>
+          <a:p>
+            <a:pPr algn="ctr"/>
+            <a:endParaRPr lang="zh-CN" altLang="en-US"/>
+          </a:p>
+        </p:txBody>
+      </p:sp>
+      <p:sp>
+        <p:nvSpPr>
+          <p:cNvPr id="69" name="矩形 68"/>
+          <p:cNvSpPr/>
+          <p:nvPr/>
+        </p:nvSpPr>
+        <p:spPr>
+          <a:xfrm>
+            <a:off x="5547165" y="4573785"/>
+            <a:ext cx="134470" cy="79779"/>
+          </a:xfrm>
+          <a:prstGeom prst="rect">
+            <a:avLst/>
+          </a:prstGeom>
+          <a:solidFill>
+            <a:schemeClr val="accent2"/>
+          </a:solidFill>
+        </p:spPr>
+        <p:style>
+          <a:lnRef idx="2">
+            <a:schemeClr val="accent1">
+              <a:shade val="50000"/>
+            </a:schemeClr>
+          </a:lnRef>
+          <a:fillRef idx="1">
+            <a:schemeClr val="accent1"/>
+          </a:fillRef>
+          <a:effectRef idx="0">
+            <a:schemeClr val="accent1"/>
+          </a:effectRef>
+          <a:fontRef idx="minor">
+            <a:schemeClr val="lt1"/>
+          </a:fontRef>
+        </p:style>
+        <p:txBody>
+          <a:bodyPr rtlCol="0" anchor="ctr"/>
+          <a:lstStyle/>
+          <a:p>
+            <a:pPr algn="ctr"/>
+            <a:endParaRPr lang="zh-CN" altLang="en-US"/>
+          </a:p>
+        </p:txBody>
+      </p:sp>
+      <p:sp>
+        <p:nvSpPr>
+          <p:cNvPr id="70" name="矩形 69"/>
+          <p:cNvSpPr/>
+          <p:nvPr/>
+        </p:nvSpPr>
+        <p:spPr>
+          <a:xfrm>
+            <a:off x="5965838" y="4567482"/>
+            <a:ext cx="134470" cy="79779"/>
+          </a:xfrm>
+          <a:prstGeom prst="rect">
+            <a:avLst/>
+          </a:prstGeom>
+          <a:solidFill>
+            <a:schemeClr val="accent2"/>
+          </a:solidFill>
+        </p:spPr>
+        <p:style>
+          <a:lnRef idx="2">
+            <a:schemeClr val="accent1">
+              <a:shade val="50000"/>
+            </a:schemeClr>
+          </a:lnRef>
+          <a:fillRef idx="1">
+            <a:schemeClr val="accent1"/>
+          </a:fillRef>
+          <a:effectRef idx="0">
+            <a:schemeClr val="accent1"/>
+          </a:effectRef>
+          <a:fontRef idx="minor">
+            <a:schemeClr val="lt1"/>
+          </a:fontRef>
+        </p:style>
+        <p:txBody>
+          <a:bodyPr rtlCol="0" anchor="ctr"/>
+          <a:lstStyle/>
+          <a:p>
+            <a:pPr algn="ctr"/>
+            <a:endParaRPr lang="zh-CN" altLang="en-US"/>
+          </a:p>
+        </p:txBody>
+      </p:sp>
+      <p:sp>
+        <p:nvSpPr>
+          <p:cNvPr id="71" name="矩形 70"/>
+          <p:cNvSpPr/>
+          <p:nvPr/>
+        </p:nvSpPr>
+        <p:spPr>
+          <a:xfrm>
+            <a:off x="4779348" y="5055325"/>
+            <a:ext cx="1117908" cy="502024"/>
+          </a:xfrm>
+          <a:prstGeom prst="rect">
+            <a:avLst/>
+          </a:prstGeom>
+        </p:spPr>
+        <p:style>
+          <a:lnRef idx="2">
+            <a:schemeClr val="accent1">
+              <a:shade val="50000"/>
+            </a:schemeClr>
+          </a:lnRef>
+          <a:fillRef idx="1">
+            <a:schemeClr val="accent1"/>
+          </a:fillRef>
+          <a:effectRef idx="0">
+            <a:schemeClr val="accent1"/>
+          </a:effectRef>
+          <a:fontRef idx="minor">
+            <a:schemeClr val="lt1"/>
+          </a:fontRef>
+        </p:style>
+        <p:txBody>
+          <a:bodyPr rtlCol="0" anchor="ctr"/>
+          <a:lstStyle/>
+          <a:p>
+            <a:pPr algn="ctr"/>
+            <a:r>
+              <a:rPr lang="en-US" altLang="zh-CN" smtClean="0"/>
+              <a:t>Selector</a:t>
+            </a:r>
+            <a:endParaRPr lang="zh-CN" altLang="en-US"/>
+          </a:p>
+        </p:txBody>
+      </p:sp>
+      <p:cxnSp>
+        <p:nvCxnSpPr>
+          <p:cNvPr id="73" name="直接箭头连接符 72"/>
+          <p:cNvCxnSpPr/>
+          <p:nvPr/>
+        </p:nvCxnSpPr>
+        <p:spPr>
+          <a:xfrm flipV="1">
+            <a:off x="5047136" y="4104980"/>
+            <a:ext cx="8965" cy="950345"/>
+          </a:xfrm>
+          <a:prstGeom prst="straightConnector1">
+            <a:avLst/>
+          </a:prstGeom>
+          <a:ln>
+            <a:tailEnd type="triangle"/>
+          </a:ln>
+        </p:spPr>
+        <p:style>
+          <a:lnRef idx="1">
+            <a:schemeClr val="accent1"/>
+          </a:lnRef>
+          <a:fillRef idx="0">
+            <a:schemeClr val="accent1"/>
+          </a:fillRef>
+          <a:effectRef idx="0">
+            <a:schemeClr val="accent1"/>
+          </a:effectRef>
+          <a:fontRef idx="minor">
+            <a:schemeClr val="tx1"/>
+          </a:fontRef>
+        </p:style>
+      </p:cxnSp>
+      <p:cxnSp>
+        <p:nvCxnSpPr>
+          <p:cNvPr id="75" name="直接箭头连接符 74"/>
+          <p:cNvCxnSpPr/>
+          <p:nvPr/>
+        </p:nvCxnSpPr>
+        <p:spPr>
+          <a:xfrm flipV="1">
+            <a:off x="5481641" y="4653564"/>
+            <a:ext cx="0" cy="401761"/>
+          </a:xfrm>
+          <a:prstGeom prst="straightConnector1">
+            <a:avLst/>
+          </a:prstGeom>
+          <a:ln>
+            <a:tailEnd type="triangle"/>
+          </a:ln>
+        </p:spPr>
+        <p:style>
+          <a:lnRef idx="1">
+            <a:schemeClr val="accent1"/>
+          </a:lnRef>
+          <a:fillRef idx="0">
+            <a:schemeClr val="accent1"/>
+          </a:fillRef>
+          <a:effectRef idx="0">
+            <a:schemeClr val="accent1"/>
+          </a:effectRef>
+          <a:fontRef idx="minor">
+            <a:schemeClr val="tx1"/>
+          </a:fontRef>
+        </p:style>
+      </p:cxnSp>
+      <p:sp>
+        <p:nvSpPr>
+          <p:cNvPr id="76" name="文本框 75"/>
+          <p:cNvSpPr txBox="1"/>
+          <p:nvPr/>
+        </p:nvSpPr>
+        <p:spPr>
+          <a:xfrm>
+            <a:off x="5020233" y="4771524"/>
+            <a:ext cx="654346" cy="261610"/>
+          </a:xfrm>
+          <a:prstGeom prst="rect">
+            <a:avLst/>
+          </a:prstGeom>
+          <a:noFill/>
+        </p:spPr>
+        <p:txBody>
+          <a:bodyPr wrap="none" rtlCol="0">
+            <a:spAutoFit/>
+          </a:bodyPr>
+          <a:lstStyle/>
+          <a:p>
+            <a:r>
+              <a:rPr lang="en-US" altLang="zh-CN" sz="1100"/>
+              <a:t>L</a:t>
+            </a:r>
+            <a:r>
+              <a:rPr lang="en-US" altLang="zh-CN" sz="1100" smtClean="0"/>
+              <a:t>istener</a:t>
+            </a:r>
+            <a:endParaRPr lang="zh-CN" altLang="en-US" sz="1100"/>
+          </a:p>
+        </p:txBody>
+      </p:sp>
+      <p:cxnSp>
+        <p:nvCxnSpPr>
+          <p:cNvPr id="78" name="肘形连接符 77"/>
+          <p:cNvCxnSpPr>
+            <a:endCxn id="18" idx="1"/>
+          </p:cNvCxnSpPr>
+          <p:nvPr/>
+        </p:nvCxnSpPr>
+        <p:spPr>
+          <a:xfrm rot="16200000" flipH="1">
+            <a:off x="2718746" y="3433732"/>
+            <a:ext cx="1048961" cy="520047"/>
+          </a:xfrm>
+          <a:prstGeom prst="bentConnector2">
+            <a:avLst/>
+          </a:prstGeom>
+          <a:ln>
+            <a:tailEnd type="triangle"/>
+          </a:ln>
+        </p:spPr>
+        <p:style>
+          <a:lnRef idx="1">
+            <a:schemeClr val="accent1"/>
+          </a:lnRef>
+          <a:fillRef idx="0">
+            <a:schemeClr val="accent1"/>
+          </a:fillRef>
+          <a:effectRef idx="0">
+            <a:schemeClr val="accent1"/>
+          </a:effectRef>
+          <a:fontRef idx="minor">
+            <a:schemeClr val="tx1"/>
+          </a:fontRef>
+        </p:style>
+      </p:cxnSp>
+      <p:cxnSp>
+        <p:nvCxnSpPr>
+          <p:cNvPr id="83" name="肘形连接符 82"/>
+          <p:cNvCxnSpPr/>
+          <p:nvPr/>
+        </p:nvCxnSpPr>
+        <p:spPr>
+          <a:xfrm rot="5400000" flipH="1" flipV="1">
+            <a:off x="6690204" y="3478784"/>
+            <a:ext cx="1059324" cy="486156"/>
+          </a:xfrm>
+          <a:prstGeom prst="bentConnector3">
+            <a:avLst>
+              <a:gd name="adj1" fmla="val 70"/>
+            </a:avLst>
+          </a:prstGeom>
+          <a:ln>
+            <a:tailEnd type="triangle"/>
+          </a:ln>
+        </p:spPr>
+        <p:style>
+          <a:lnRef idx="1">
+            <a:schemeClr val="accent1"/>
+          </a:lnRef>
+          <a:fillRef idx="0">
+            <a:schemeClr val="accent1"/>
+          </a:fillRef>
+          <a:effectRef idx="0">
+            <a:schemeClr val="accent1"/>
+          </a:effectRef>
+          <a:fontRef idx="minor">
+            <a:schemeClr val="tx1"/>
+          </a:fontRef>
+        </p:style>
+      </p:cxnSp>
+      <p:sp>
+        <p:nvSpPr>
+          <p:cNvPr id="89" name="文本框 88"/>
+          <p:cNvSpPr txBox="1"/>
+          <p:nvPr/>
+        </p:nvSpPr>
+        <p:spPr>
+          <a:xfrm>
+            <a:off x="5897256" y="5178167"/>
+            <a:ext cx="5139548" cy="430887"/>
+          </a:xfrm>
+          <a:prstGeom prst="rect">
+            <a:avLst/>
+          </a:prstGeom>
+          <a:noFill/>
+        </p:spPr>
+        <p:txBody>
+          <a:bodyPr wrap="none" rtlCol="0">
+            <a:spAutoFit/>
+          </a:bodyPr>
+          <a:lstStyle/>
+          <a:p>
+            <a:r>
+              <a:rPr kumimoji="1" lang="zh-CN" altLang="en-US" sz="1100" smtClean="0"/>
+              <a:t>当</a:t>
+            </a:r>
+            <a:r>
+              <a:rPr kumimoji="1" lang="en-US" altLang="zh-CN" sz="1100" smtClean="0"/>
+              <a:t>Selector</a:t>
+            </a:r>
+            <a:r>
+              <a:rPr kumimoji="1" lang="zh-CN" altLang="en-US" sz="1100" smtClean="0"/>
+              <a:t>监听</a:t>
+            </a:r>
+            <a:r>
+              <a:rPr kumimoji="1" lang="en-US" altLang="zh-CN" sz="1100" smtClean="0"/>
+              <a:t>channel</a:t>
+            </a:r>
+            <a:r>
+              <a:rPr kumimoji="1" lang="zh-CN" altLang="en-US" sz="1100" smtClean="0"/>
+              <a:t>通道有数据传输时，通过</a:t>
+            </a:r>
+            <a:r>
+              <a:rPr kumimoji="1" lang="en-US" altLang="zh-CN" sz="1100" smtClean="0"/>
+              <a:t>select()</a:t>
+            </a:r>
+            <a:r>
+              <a:rPr kumimoji="1" lang="zh-CN" altLang="en-US" sz="1100" smtClean="0"/>
+              <a:t>方法获取</a:t>
+            </a:r>
+            <a:r>
+              <a:rPr kumimoji="1" lang="en-US" altLang="zh-CN" sz="1100" smtClean="0"/>
+              <a:t>SocketChannel</a:t>
+            </a:r>
+            <a:r>
+              <a:rPr kumimoji="1" lang="zh-CN" altLang="en-US" sz="1100" smtClean="0"/>
+              <a:t>，</a:t>
+            </a:r>
+            <a:endParaRPr kumimoji="1" lang="en-US" altLang="zh-CN" sz="1100" smtClean="0"/>
+          </a:p>
+          <a:p>
+            <a:r>
+              <a:rPr kumimoji="1" lang="zh-CN" altLang="en-US" sz="1100" smtClean="0"/>
+              <a:t>将数据读取或写入</a:t>
+            </a:r>
+            <a:r>
+              <a:rPr kumimoji="1" lang="en-US" altLang="zh-CN" sz="1100" smtClean="0"/>
+              <a:t>Buffer</a:t>
+            </a:r>
+            <a:endParaRPr kumimoji="1" lang="zh-CN" altLang="en-US" sz="1100" dirty="0"/>
+          </a:p>
+        </p:txBody>
+      </p:sp>
+      <p:sp>
+        <p:nvSpPr>
+          <p:cNvPr id="2" name="文本框 1"/>
+          <p:cNvSpPr txBox="1"/>
+          <p:nvPr/>
+        </p:nvSpPr>
+        <p:spPr>
+          <a:xfrm>
+            <a:off x="4797521" y="5579540"/>
+            <a:ext cx="1172116" cy="261610"/>
+          </a:xfrm>
+          <a:prstGeom prst="rect">
+            <a:avLst/>
+          </a:prstGeom>
+          <a:noFill/>
+        </p:spPr>
+        <p:txBody>
+          <a:bodyPr wrap="none" rtlCol="0">
+            <a:spAutoFit/>
+          </a:bodyPr>
+          <a:lstStyle/>
+          <a:p>
+            <a:r>
+              <a:rPr kumimoji="1" lang="zh-CN" altLang="en-US" sz="1050" dirty="0" smtClean="0"/>
+              <a:t>多路复用选择器</a:t>
+            </a:r>
+            <a:endParaRPr kumimoji="1" lang="zh-CN" altLang="en-US" sz="1050" dirty="0"/>
+          </a:p>
+        </p:txBody>
+      </p:sp>
+    </p:spTree>
+    <p:extLst>
+      <p:ext uri="{BB962C8B-B14F-4D97-AF65-F5344CB8AC3E}">
+        <p14:creationId xmlns:p14="http://schemas.microsoft.com/office/powerpoint/2010/main" val="2036321160"/>
+      </p:ext>
+    </p:extLst>
+  </p:cSld>
+  <p:clrMapOvr>
+    <a:masterClrMapping/>
+  </p:clrMapOvr>
+</p:sld>
+</file>
+
+<file path=ppt/slides/slide16.xml><?xml version="1.0" encoding="utf-8"?>
+<p:sld xmlns:a="http://schemas.openxmlformats.org/drawingml/2006/main" xmlns:r="http://schemas.openxmlformats.org/officeDocument/2006/relationships" xmlns:p="http://schemas.openxmlformats.org/presentationml/2006/main">
+  <p:cSld>
+    <p:spTree>
+      <p:nvGrpSpPr>
+        <p:cNvPr id="1" name=""/>
+        <p:cNvGrpSpPr/>
+        <p:nvPr/>
+      </p:nvGrpSpPr>
+      <p:grpSpPr>
+        <a:xfrm>
+          <a:off x="0" y="0"/>
+          <a:ext cx="0" cy="0"/>
+          <a:chOff x="0" y="0"/>
+          <a:chExt cx="0" cy="0"/>
+        </a:xfrm>
+      </p:grpSpPr>
+      <p:sp>
+        <p:nvSpPr>
           <p:cNvPr id="10" name="文本框 9"/>
           <p:cNvSpPr txBox="1"/>
           <p:nvPr/>
@@ -9560,936 +12076,6 @@
 </p:sld>
 </file>
 
-<file path=ppt/slides/slide16.xml><?xml version="1.0" encoding="utf-8"?>
-<p:sld xmlns:a="http://schemas.openxmlformats.org/drawingml/2006/main" xmlns:r="http://schemas.openxmlformats.org/officeDocument/2006/relationships" xmlns:p="http://schemas.openxmlformats.org/presentationml/2006/main">
-  <p:cSld>
-    <p:spTree>
-      <p:nvGrpSpPr>
-        <p:cNvPr id="1" name=""/>
-        <p:cNvGrpSpPr/>
-        <p:nvPr/>
-      </p:nvGrpSpPr>
-      <p:grpSpPr>
-        <a:xfrm>
-          <a:off x="0" y="0"/>
-          <a:ext cx="0" cy="0"/>
-          <a:chOff x="0" y="0"/>
-          <a:chExt cx="0" cy="0"/>
-        </a:xfrm>
-      </p:grpSpPr>
-      <p:sp>
-        <p:nvSpPr>
-          <p:cNvPr id="13" name="矩形 12"/>
-          <p:cNvSpPr/>
-          <p:nvPr/>
-        </p:nvSpPr>
-        <p:spPr>
-          <a:xfrm>
-            <a:off x="4901184" y="1865376"/>
-            <a:ext cx="4956048" cy="1225296"/>
-          </a:xfrm>
-          <a:prstGeom prst="rect">
-            <a:avLst/>
-          </a:prstGeom>
-          <a:noFill/>
-          <a:ln>
-            <a:prstDash val="sysDot"/>
-          </a:ln>
-        </p:spPr>
-        <p:style>
-          <a:lnRef idx="2">
-            <a:schemeClr val="accent1">
-              <a:shade val="50000"/>
-            </a:schemeClr>
-          </a:lnRef>
-          <a:fillRef idx="1">
-            <a:schemeClr val="accent1"/>
-          </a:fillRef>
-          <a:effectRef idx="0">
-            <a:schemeClr val="accent1"/>
-          </a:effectRef>
-          <a:fontRef idx="minor">
-            <a:schemeClr val="lt1"/>
-          </a:fontRef>
-        </p:style>
-        <p:txBody>
-          <a:bodyPr rtlCol="0" anchor="ctr"/>
-          <a:lstStyle/>
-          <a:p>
-            <a:pPr algn="ctr"/>
-            <a:endParaRPr lang="zh-CN" altLang="en-US"/>
-          </a:p>
-        </p:txBody>
-      </p:sp>
-      <p:sp>
-        <p:nvSpPr>
-          <p:cNvPr id="4" name="文本框 3"/>
-          <p:cNvSpPr txBox="1"/>
-          <p:nvPr/>
-        </p:nvSpPr>
-        <p:spPr>
-          <a:xfrm>
-            <a:off x="346357" y="169496"/>
-            <a:ext cx="939681" cy="307777"/>
-          </a:xfrm>
-          <a:prstGeom prst="rect">
-            <a:avLst/>
-          </a:prstGeom>
-          <a:noFill/>
-        </p:spPr>
-        <p:txBody>
-          <a:bodyPr wrap="none" rtlCol="0">
-            <a:spAutoFit/>
-          </a:bodyPr>
-          <a:lstStyle/>
-          <a:p>
-            <a:r>
-              <a:rPr kumimoji="1" lang="en-US" altLang="zh-CN" sz="1400" smtClean="0"/>
-              <a:t>Tomcat</a:t>
-            </a:r>
-            <a:r>
-              <a:rPr kumimoji="1" lang="zh-CN" altLang="en-US" sz="1400" smtClean="0"/>
-              <a:t>：</a:t>
-            </a:r>
-            <a:endParaRPr kumimoji="1" lang="zh-CN" altLang="en-US" sz="1400" dirty="0"/>
-          </a:p>
-        </p:txBody>
-      </p:sp>
-      <p:sp>
-        <p:nvSpPr>
-          <p:cNvPr id="5" name="等腰三角形 4"/>
-          <p:cNvSpPr/>
-          <p:nvPr/>
-        </p:nvSpPr>
-        <p:spPr>
-          <a:xfrm>
-            <a:off x="1167166" y="2276856"/>
-            <a:ext cx="389926" cy="347472"/>
-          </a:xfrm>
-          <a:prstGeom prst="triangle">
-            <a:avLst/>
-          </a:prstGeom>
-          <a:noFill/>
-        </p:spPr>
-        <p:style>
-          <a:lnRef idx="2">
-            <a:schemeClr val="accent1">
-              <a:shade val="50000"/>
-            </a:schemeClr>
-          </a:lnRef>
-          <a:fillRef idx="1">
-            <a:schemeClr val="accent1"/>
-          </a:fillRef>
-          <a:effectRef idx="0">
-            <a:schemeClr val="accent1"/>
-          </a:effectRef>
-          <a:fontRef idx="minor">
-            <a:schemeClr val="lt1"/>
-          </a:fontRef>
-        </p:style>
-        <p:txBody>
-          <a:bodyPr rtlCol="0" anchor="ctr"/>
-          <a:lstStyle/>
-          <a:p>
-            <a:pPr algn="ctr"/>
-            <a:endParaRPr lang="zh-CN" altLang="en-US"/>
-          </a:p>
-        </p:txBody>
-      </p:sp>
-      <p:sp>
-        <p:nvSpPr>
-          <p:cNvPr id="6" name="矩形 5"/>
-          <p:cNvSpPr/>
-          <p:nvPr/>
-        </p:nvSpPr>
-        <p:spPr>
-          <a:xfrm>
-            <a:off x="3328416" y="2135124"/>
-            <a:ext cx="850392" cy="630936"/>
-          </a:xfrm>
-          <a:prstGeom prst="rect">
-            <a:avLst/>
-          </a:prstGeom>
-          <a:noFill/>
-        </p:spPr>
-        <p:style>
-          <a:lnRef idx="2">
-            <a:schemeClr val="accent1">
-              <a:shade val="50000"/>
-            </a:schemeClr>
-          </a:lnRef>
-          <a:fillRef idx="1">
-            <a:schemeClr val="accent1"/>
-          </a:fillRef>
-          <a:effectRef idx="0">
-            <a:schemeClr val="accent1"/>
-          </a:effectRef>
-          <a:fontRef idx="minor">
-            <a:schemeClr val="lt1"/>
-          </a:fontRef>
-        </p:style>
-        <p:txBody>
-          <a:bodyPr rtlCol="0" anchor="ctr"/>
-          <a:lstStyle/>
-          <a:p>
-            <a:pPr algn="ctr"/>
-            <a:endParaRPr lang="zh-CN" altLang="en-US"/>
-          </a:p>
-        </p:txBody>
-      </p:sp>
-      <p:sp>
-        <p:nvSpPr>
-          <p:cNvPr id="9" name="矩形 8"/>
-          <p:cNvSpPr/>
-          <p:nvPr/>
-        </p:nvSpPr>
-        <p:spPr>
-          <a:xfrm>
-            <a:off x="5145024" y="2135124"/>
-            <a:ext cx="850392" cy="630936"/>
-          </a:xfrm>
-          <a:prstGeom prst="rect">
-            <a:avLst/>
-          </a:prstGeom>
-          <a:noFill/>
-        </p:spPr>
-        <p:style>
-          <a:lnRef idx="2">
-            <a:schemeClr val="accent1">
-              <a:shade val="50000"/>
-            </a:schemeClr>
-          </a:lnRef>
-          <a:fillRef idx="1">
-            <a:schemeClr val="accent1"/>
-          </a:fillRef>
-          <a:effectRef idx="0">
-            <a:schemeClr val="accent1"/>
-          </a:effectRef>
-          <a:fontRef idx="minor">
-            <a:schemeClr val="lt1"/>
-          </a:fontRef>
-        </p:style>
-        <p:txBody>
-          <a:bodyPr rtlCol="0" anchor="ctr"/>
-          <a:lstStyle/>
-          <a:p>
-            <a:pPr algn="ctr"/>
-            <a:r>
-              <a:rPr lang="en-US" altLang="zh-CN" sz="1200" smtClean="0">
-                <a:solidFill>
-                  <a:schemeClr val="tx1"/>
-                </a:solidFill>
-              </a:rPr>
-              <a:t>Engine</a:t>
-            </a:r>
-            <a:endParaRPr lang="zh-CN" altLang="en-US" sz="1400">
-              <a:solidFill>
-                <a:schemeClr val="tx1"/>
-              </a:solidFill>
-            </a:endParaRPr>
-          </a:p>
-        </p:txBody>
-      </p:sp>
-      <p:sp>
-        <p:nvSpPr>
-          <p:cNvPr id="10" name="矩形 9"/>
-          <p:cNvSpPr/>
-          <p:nvPr/>
-        </p:nvSpPr>
-        <p:spPr>
-          <a:xfrm>
-            <a:off x="6326124" y="2135124"/>
-            <a:ext cx="850392" cy="630936"/>
-          </a:xfrm>
-          <a:prstGeom prst="rect">
-            <a:avLst/>
-          </a:prstGeom>
-          <a:noFill/>
-        </p:spPr>
-        <p:style>
-          <a:lnRef idx="2">
-            <a:schemeClr val="accent1">
-              <a:shade val="50000"/>
-            </a:schemeClr>
-          </a:lnRef>
-          <a:fillRef idx="1">
-            <a:schemeClr val="accent1"/>
-          </a:fillRef>
-          <a:effectRef idx="0">
-            <a:schemeClr val="accent1"/>
-          </a:effectRef>
-          <a:fontRef idx="minor">
-            <a:schemeClr val="lt1"/>
-          </a:fontRef>
-        </p:style>
-        <p:txBody>
-          <a:bodyPr rtlCol="0" anchor="ctr"/>
-          <a:lstStyle/>
-          <a:p>
-            <a:pPr algn="ctr"/>
-            <a:r>
-              <a:rPr lang="en-US" altLang="zh-CN" sz="1200" smtClean="0">
-                <a:solidFill>
-                  <a:schemeClr val="tx1"/>
-                </a:solidFill>
-              </a:rPr>
-              <a:t>Host</a:t>
-            </a:r>
-            <a:endParaRPr lang="zh-CN" altLang="en-US" sz="1400">
-              <a:solidFill>
-                <a:schemeClr val="tx1"/>
-              </a:solidFill>
-            </a:endParaRPr>
-          </a:p>
-        </p:txBody>
-      </p:sp>
-      <p:sp>
-        <p:nvSpPr>
-          <p:cNvPr id="11" name="矩形 10"/>
-          <p:cNvSpPr/>
-          <p:nvPr/>
-        </p:nvSpPr>
-        <p:spPr>
-          <a:xfrm>
-            <a:off x="7507224" y="2139696"/>
-            <a:ext cx="850392" cy="630936"/>
-          </a:xfrm>
-          <a:prstGeom prst="rect">
-            <a:avLst/>
-          </a:prstGeom>
-          <a:noFill/>
-        </p:spPr>
-        <p:style>
-          <a:lnRef idx="2">
-            <a:schemeClr val="accent1">
-              <a:shade val="50000"/>
-            </a:schemeClr>
-          </a:lnRef>
-          <a:fillRef idx="1">
-            <a:schemeClr val="accent1"/>
-          </a:fillRef>
-          <a:effectRef idx="0">
-            <a:schemeClr val="accent1"/>
-          </a:effectRef>
-          <a:fontRef idx="minor">
-            <a:schemeClr val="lt1"/>
-          </a:fontRef>
-        </p:style>
-        <p:txBody>
-          <a:bodyPr rtlCol="0" anchor="ctr"/>
-          <a:lstStyle/>
-          <a:p>
-            <a:pPr algn="ctr"/>
-            <a:r>
-              <a:rPr lang="en-US" altLang="zh-CN" sz="1200" smtClean="0">
-                <a:solidFill>
-                  <a:schemeClr val="tx1"/>
-                </a:solidFill>
-              </a:rPr>
-              <a:t>Context</a:t>
-            </a:r>
-            <a:endParaRPr lang="zh-CN" altLang="en-US" sz="1400">
-              <a:solidFill>
-                <a:schemeClr val="tx1"/>
-              </a:solidFill>
-            </a:endParaRPr>
-          </a:p>
-        </p:txBody>
-      </p:sp>
-      <p:sp>
-        <p:nvSpPr>
-          <p:cNvPr id="12" name="矩形 11"/>
-          <p:cNvSpPr/>
-          <p:nvPr/>
-        </p:nvSpPr>
-        <p:spPr>
-          <a:xfrm>
-            <a:off x="8688324" y="2139696"/>
-            <a:ext cx="850392" cy="630936"/>
-          </a:xfrm>
-          <a:prstGeom prst="rect">
-            <a:avLst/>
-          </a:prstGeom>
-          <a:noFill/>
-        </p:spPr>
-        <p:style>
-          <a:lnRef idx="2">
-            <a:schemeClr val="accent1">
-              <a:shade val="50000"/>
-            </a:schemeClr>
-          </a:lnRef>
-          <a:fillRef idx="1">
-            <a:schemeClr val="accent1"/>
-          </a:fillRef>
-          <a:effectRef idx="0">
-            <a:schemeClr val="accent1"/>
-          </a:effectRef>
-          <a:fontRef idx="minor">
-            <a:schemeClr val="lt1"/>
-          </a:fontRef>
-        </p:style>
-        <p:txBody>
-          <a:bodyPr rtlCol="0" anchor="ctr"/>
-          <a:lstStyle/>
-          <a:p>
-            <a:pPr algn="ctr"/>
-            <a:r>
-              <a:rPr lang="en-US" altLang="zh-CN" sz="1200" smtClean="0">
-                <a:solidFill>
-                  <a:schemeClr val="tx1"/>
-                </a:solidFill>
-              </a:rPr>
-              <a:t>Wrapper</a:t>
-            </a:r>
-            <a:endParaRPr lang="zh-CN" altLang="en-US" sz="1400">
-              <a:solidFill>
-                <a:schemeClr val="tx1"/>
-              </a:solidFill>
-            </a:endParaRPr>
-          </a:p>
-        </p:txBody>
-      </p:sp>
-      <p:sp>
-        <p:nvSpPr>
-          <p:cNvPr id="14" name="文本框 13"/>
-          <p:cNvSpPr txBox="1"/>
-          <p:nvPr/>
-        </p:nvSpPr>
-        <p:spPr>
-          <a:xfrm>
-            <a:off x="3292729" y="1290178"/>
-            <a:ext cx="992579" cy="307777"/>
-          </a:xfrm>
-          <a:prstGeom prst="rect">
-            <a:avLst/>
-          </a:prstGeom>
-          <a:noFill/>
-        </p:spPr>
-        <p:txBody>
-          <a:bodyPr wrap="none" rtlCol="0">
-            <a:spAutoFit/>
-          </a:bodyPr>
-          <a:lstStyle/>
-          <a:p>
-            <a:r>
-              <a:rPr kumimoji="1" lang="en-US" altLang="zh-CN" sz="1400" smtClean="0"/>
-              <a:t>Connector</a:t>
-            </a:r>
-          </a:p>
-        </p:txBody>
-      </p:sp>
-      <p:sp>
-        <p:nvSpPr>
-          <p:cNvPr id="15" name="文本框 14"/>
-          <p:cNvSpPr txBox="1"/>
-          <p:nvPr/>
-        </p:nvSpPr>
-        <p:spPr>
-          <a:xfrm>
-            <a:off x="6910169" y="1239316"/>
-            <a:ext cx="938077" cy="307777"/>
-          </a:xfrm>
-          <a:prstGeom prst="rect">
-            <a:avLst/>
-          </a:prstGeom>
-          <a:noFill/>
-        </p:spPr>
-        <p:txBody>
-          <a:bodyPr wrap="none" rtlCol="0">
-            <a:spAutoFit/>
-          </a:bodyPr>
-          <a:lstStyle/>
-          <a:p>
-            <a:r>
-              <a:rPr kumimoji="1" lang="en-US" altLang="zh-CN" sz="1400" smtClean="0"/>
-              <a:t>Container</a:t>
-            </a:r>
-            <a:endParaRPr kumimoji="1" lang="zh-CN" altLang="en-US" sz="1400" dirty="0"/>
-          </a:p>
-        </p:txBody>
-      </p:sp>
-      <p:sp>
-        <p:nvSpPr>
-          <p:cNvPr id="16" name="文本框 15"/>
-          <p:cNvSpPr txBox="1"/>
-          <p:nvPr/>
-        </p:nvSpPr>
-        <p:spPr>
-          <a:xfrm>
-            <a:off x="1063810" y="1252333"/>
-            <a:ext cx="596638" cy="307777"/>
-          </a:xfrm>
-          <a:prstGeom prst="rect">
-            <a:avLst/>
-          </a:prstGeom>
-          <a:noFill/>
-        </p:spPr>
-        <p:txBody>
-          <a:bodyPr wrap="none" rtlCol="0">
-            <a:spAutoFit/>
-          </a:bodyPr>
-          <a:lstStyle/>
-          <a:p>
-            <a:r>
-              <a:rPr kumimoji="1" lang="en-US" altLang="zh-CN" sz="1400" smtClean="0"/>
-              <a:t>client</a:t>
-            </a:r>
-            <a:endParaRPr kumimoji="1" lang="zh-CN" altLang="en-US" sz="1400" dirty="0"/>
-          </a:p>
-        </p:txBody>
-      </p:sp>
-      <p:cxnSp>
-        <p:nvCxnSpPr>
-          <p:cNvPr id="18" name="直接箭头连接符 17"/>
-          <p:cNvCxnSpPr/>
-          <p:nvPr/>
-        </p:nvCxnSpPr>
-        <p:spPr>
-          <a:xfrm>
-            <a:off x="1660448" y="2450592"/>
-            <a:ext cx="1525781" cy="0"/>
-          </a:xfrm>
-          <a:prstGeom prst="straightConnector1">
-            <a:avLst/>
-          </a:prstGeom>
-          <a:ln>
-            <a:tailEnd type="triangle"/>
-          </a:ln>
-        </p:spPr>
-        <p:style>
-          <a:lnRef idx="1">
-            <a:schemeClr val="accent1"/>
-          </a:lnRef>
-          <a:fillRef idx="0">
-            <a:schemeClr val="accent1"/>
-          </a:fillRef>
-          <a:effectRef idx="0">
-            <a:schemeClr val="accent1"/>
-          </a:effectRef>
-          <a:fontRef idx="minor">
-            <a:schemeClr val="tx1"/>
-          </a:fontRef>
-        </p:style>
-      </p:cxnSp>
-      <p:cxnSp>
-        <p:nvCxnSpPr>
-          <p:cNvPr id="20" name="直接箭头连接符 19"/>
-          <p:cNvCxnSpPr/>
-          <p:nvPr/>
-        </p:nvCxnSpPr>
-        <p:spPr>
-          <a:xfrm>
-            <a:off x="4242816" y="2478024"/>
-            <a:ext cx="603504" cy="0"/>
-          </a:xfrm>
-          <a:prstGeom prst="straightConnector1">
-            <a:avLst/>
-          </a:prstGeom>
-          <a:ln>
-            <a:tailEnd type="triangle"/>
-          </a:ln>
-        </p:spPr>
-        <p:style>
-          <a:lnRef idx="1">
-            <a:schemeClr val="accent1"/>
-          </a:lnRef>
-          <a:fillRef idx="0">
-            <a:schemeClr val="accent1"/>
-          </a:fillRef>
-          <a:effectRef idx="0">
-            <a:schemeClr val="accent1"/>
-          </a:effectRef>
-          <a:fontRef idx="minor">
-            <a:schemeClr val="tx1"/>
-          </a:fontRef>
-        </p:style>
-      </p:cxnSp>
-      <p:cxnSp>
-        <p:nvCxnSpPr>
-          <p:cNvPr id="24" name="直接箭头连接符 23"/>
-          <p:cNvCxnSpPr>
-            <a:stCxn id="9" idx="3"/>
-            <a:endCxn id="10" idx="1"/>
-          </p:cNvCxnSpPr>
-          <p:nvPr/>
-        </p:nvCxnSpPr>
-        <p:spPr>
-          <a:xfrm>
-            <a:off x="5995416" y="2450592"/>
-            <a:ext cx="330708" cy="0"/>
-          </a:xfrm>
-          <a:prstGeom prst="straightConnector1">
-            <a:avLst/>
-          </a:prstGeom>
-          <a:ln>
-            <a:tailEnd type="triangle"/>
-          </a:ln>
-        </p:spPr>
-        <p:style>
-          <a:lnRef idx="1">
-            <a:schemeClr val="accent1"/>
-          </a:lnRef>
-          <a:fillRef idx="0">
-            <a:schemeClr val="accent1"/>
-          </a:fillRef>
-          <a:effectRef idx="0">
-            <a:schemeClr val="accent1"/>
-          </a:effectRef>
-          <a:fontRef idx="minor">
-            <a:schemeClr val="tx1"/>
-          </a:fontRef>
-        </p:style>
-      </p:cxnSp>
-      <p:cxnSp>
-        <p:nvCxnSpPr>
-          <p:cNvPr id="26" name="直接箭头连接符 25"/>
-          <p:cNvCxnSpPr>
-            <a:stCxn id="10" idx="3"/>
-            <a:endCxn id="11" idx="1"/>
-          </p:cNvCxnSpPr>
-          <p:nvPr/>
-        </p:nvCxnSpPr>
-        <p:spPr>
-          <a:xfrm>
-            <a:off x="7176516" y="2450592"/>
-            <a:ext cx="330708" cy="4572"/>
-          </a:xfrm>
-          <a:prstGeom prst="straightConnector1">
-            <a:avLst/>
-          </a:prstGeom>
-          <a:ln>
-            <a:tailEnd type="triangle"/>
-          </a:ln>
-        </p:spPr>
-        <p:style>
-          <a:lnRef idx="1">
-            <a:schemeClr val="accent1"/>
-          </a:lnRef>
-          <a:fillRef idx="0">
-            <a:schemeClr val="accent1"/>
-          </a:fillRef>
-          <a:effectRef idx="0">
-            <a:schemeClr val="accent1"/>
-          </a:effectRef>
-          <a:fontRef idx="minor">
-            <a:schemeClr val="tx1"/>
-          </a:fontRef>
-        </p:style>
-      </p:cxnSp>
-      <p:cxnSp>
-        <p:nvCxnSpPr>
-          <p:cNvPr id="28" name="直接箭头连接符 27"/>
-          <p:cNvCxnSpPr>
-            <a:stCxn id="11" idx="3"/>
-            <a:endCxn id="12" idx="1"/>
-          </p:cNvCxnSpPr>
-          <p:nvPr/>
-        </p:nvCxnSpPr>
-        <p:spPr>
-          <a:xfrm>
-            <a:off x="8357616" y="2455164"/>
-            <a:ext cx="330708" cy="0"/>
-          </a:xfrm>
-          <a:prstGeom prst="straightConnector1">
-            <a:avLst/>
-          </a:prstGeom>
-          <a:ln>
-            <a:tailEnd type="triangle"/>
-          </a:ln>
-        </p:spPr>
-        <p:style>
-          <a:lnRef idx="1">
-            <a:schemeClr val="accent1"/>
-          </a:lnRef>
-          <a:fillRef idx="0">
-            <a:schemeClr val="accent1"/>
-          </a:fillRef>
-          <a:effectRef idx="0">
-            <a:schemeClr val="accent1"/>
-          </a:effectRef>
-          <a:fontRef idx="minor">
-            <a:schemeClr val="tx1"/>
-          </a:fontRef>
-        </p:style>
-      </p:cxnSp>
-      <p:sp>
-        <p:nvSpPr>
-          <p:cNvPr id="29" name="文本框 28"/>
-          <p:cNvSpPr txBox="1"/>
-          <p:nvPr/>
-        </p:nvSpPr>
-        <p:spPr>
-          <a:xfrm>
-            <a:off x="5002837" y="526909"/>
-            <a:ext cx="862737" cy="307777"/>
-          </a:xfrm>
-          <a:prstGeom prst="rect">
-            <a:avLst/>
-          </a:prstGeom>
-          <a:noFill/>
-        </p:spPr>
-        <p:txBody>
-          <a:bodyPr wrap="none" rtlCol="0">
-            <a:spAutoFit/>
-          </a:bodyPr>
-          <a:lstStyle/>
-          <a:p>
-            <a:r>
-              <a:rPr kumimoji="1" lang="en-US" altLang="zh-CN" sz="1400" smtClean="0"/>
-              <a:t>LifeCycle</a:t>
-            </a:r>
-            <a:endParaRPr kumimoji="1" lang="zh-CN" altLang="en-US" sz="1400" dirty="0"/>
-          </a:p>
-        </p:txBody>
-      </p:sp>
-      <p:cxnSp>
-        <p:nvCxnSpPr>
-          <p:cNvPr id="31" name="直接箭头连接符 30"/>
-          <p:cNvCxnSpPr>
-            <a:endCxn id="29" idx="2"/>
-          </p:cNvCxnSpPr>
-          <p:nvPr/>
-        </p:nvCxnSpPr>
-        <p:spPr>
-          <a:xfrm flipV="1">
-            <a:off x="3849624" y="834686"/>
-            <a:ext cx="1584582" cy="455048"/>
-          </a:xfrm>
-          <a:prstGeom prst="straightConnector1">
-            <a:avLst/>
-          </a:prstGeom>
-          <a:ln>
-            <a:tailEnd type="triangle"/>
-          </a:ln>
-        </p:spPr>
-        <p:style>
-          <a:lnRef idx="1">
-            <a:schemeClr val="accent1"/>
-          </a:lnRef>
-          <a:fillRef idx="0">
-            <a:schemeClr val="accent1"/>
-          </a:fillRef>
-          <a:effectRef idx="0">
-            <a:schemeClr val="accent1"/>
-          </a:effectRef>
-          <a:fontRef idx="minor">
-            <a:schemeClr val="tx1"/>
-          </a:fontRef>
-        </p:style>
-      </p:cxnSp>
-      <p:cxnSp>
-        <p:nvCxnSpPr>
-          <p:cNvPr id="33" name="直接箭头连接符 32"/>
-          <p:cNvCxnSpPr>
-            <a:endCxn id="29" idx="2"/>
-          </p:cNvCxnSpPr>
-          <p:nvPr/>
-        </p:nvCxnSpPr>
-        <p:spPr>
-          <a:xfrm flipH="1" flipV="1">
-            <a:off x="5434206" y="834686"/>
-            <a:ext cx="1742311" cy="451633"/>
-          </a:xfrm>
-          <a:prstGeom prst="straightConnector1">
-            <a:avLst/>
-          </a:prstGeom>
-          <a:ln>
-            <a:tailEnd type="triangle"/>
-          </a:ln>
-        </p:spPr>
-        <p:style>
-          <a:lnRef idx="1">
-            <a:schemeClr val="accent1"/>
-          </a:lnRef>
-          <a:fillRef idx="0">
-            <a:schemeClr val="accent1"/>
-          </a:fillRef>
-          <a:effectRef idx="0">
-            <a:schemeClr val="accent1"/>
-          </a:effectRef>
-          <a:fontRef idx="minor">
-            <a:schemeClr val="tx1"/>
-          </a:fontRef>
-        </p:style>
-      </p:cxnSp>
-      <p:sp>
-        <p:nvSpPr>
-          <p:cNvPr id="2" name="文本框 1"/>
-          <p:cNvSpPr txBox="1"/>
-          <p:nvPr/>
-        </p:nvSpPr>
-        <p:spPr>
-          <a:xfrm>
-            <a:off x="3077849" y="3954350"/>
-            <a:ext cx="1342034" cy="577081"/>
-          </a:xfrm>
-          <a:prstGeom prst="rect">
-            <a:avLst/>
-          </a:prstGeom>
-          <a:noFill/>
-          <a:ln>
-            <a:solidFill>
-              <a:schemeClr val="tx1"/>
-            </a:solidFill>
-            <a:prstDash val="sysDot"/>
-          </a:ln>
-        </p:spPr>
-        <p:txBody>
-          <a:bodyPr wrap="none" rtlCol="0">
-            <a:spAutoFit/>
-          </a:bodyPr>
-          <a:lstStyle/>
-          <a:p>
-            <a:r>
-              <a:rPr lang="zh-CN" altLang="en-US" sz="1050"/>
-              <a:t>监听</a:t>
-            </a:r>
-            <a:r>
-              <a:rPr lang="en-US" altLang="zh-CN" sz="1050" smtClean="0"/>
-              <a:t>socket</a:t>
-            </a:r>
-            <a:r>
-              <a:rPr lang="zh-CN" altLang="en-US" sz="1050" smtClean="0"/>
-              <a:t>连接，</a:t>
-            </a:r>
-            <a:endParaRPr lang="en-US" altLang="zh-CN" sz="1050" smtClean="0"/>
-          </a:p>
-          <a:p>
-            <a:r>
-              <a:rPr lang="zh-CN" altLang="en-US" sz="1050" smtClean="0"/>
-              <a:t>封装</a:t>
-            </a:r>
-            <a:r>
-              <a:rPr lang="en-US" altLang="zh-CN" sz="1050" smtClean="0"/>
-              <a:t>servletRequest/</a:t>
-            </a:r>
-          </a:p>
-          <a:p>
-            <a:r>
-              <a:rPr lang="en-US" altLang="zh-CN" sz="1050" smtClean="0"/>
-              <a:t>ServetletResponse</a:t>
-            </a:r>
-            <a:endParaRPr lang="zh-CN" altLang="en-US" sz="1600"/>
-          </a:p>
-        </p:txBody>
-      </p:sp>
-      <p:cxnSp>
-        <p:nvCxnSpPr>
-          <p:cNvPr id="7" name="直接箭头连接符 6"/>
-          <p:cNvCxnSpPr>
-            <a:stCxn id="6" idx="2"/>
-            <a:endCxn id="2" idx="0"/>
-          </p:cNvCxnSpPr>
-          <p:nvPr/>
-        </p:nvCxnSpPr>
-        <p:spPr>
-          <a:xfrm flipH="1">
-            <a:off x="3748866" y="2766060"/>
-            <a:ext cx="4746" cy="1188290"/>
-          </a:xfrm>
-          <a:prstGeom prst="straightConnector1">
-            <a:avLst/>
-          </a:prstGeom>
-          <a:ln>
-            <a:tailEnd type="triangle"/>
-          </a:ln>
-        </p:spPr>
-        <p:style>
-          <a:lnRef idx="1">
-            <a:schemeClr val="accent1"/>
-          </a:lnRef>
-          <a:fillRef idx="0">
-            <a:schemeClr val="accent1"/>
-          </a:fillRef>
-          <a:effectRef idx="0">
-            <a:schemeClr val="accent1"/>
-          </a:effectRef>
-          <a:fontRef idx="minor">
-            <a:schemeClr val="tx1"/>
-          </a:fontRef>
-        </p:style>
-      </p:cxnSp>
-      <p:sp>
-        <p:nvSpPr>
-          <p:cNvPr id="23" name="文本框 22"/>
-          <p:cNvSpPr txBox="1"/>
-          <p:nvPr/>
-        </p:nvSpPr>
-        <p:spPr>
-          <a:xfrm>
-            <a:off x="9113520" y="476462"/>
-            <a:ext cx="2433680" cy="253916"/>
-          </a:xfrm>
-          <a:prstGeom prst="rect">
-            <a:avLst/>
-          </a:prstGeom>
-          <a:noFill/>
-        </p:spPr>
-        <p:txBody>
-          <a:bodyPr wrap="none" rtlCol="0">
-            <a:spAutoFit/>
-          </a:bodyPr>
-          <a:lstStyle/>
-          <a:p>
-            <a:r>
-              <a:rPr kumimoji="1" lang="en-US" altLang="zh-CN" sz="1050" smtClean="0"/>
-              <a:t>ServletContainerInitializer</a:t>
-            </a:r>
-            <a:r>
-              <a:rPr kumimoji="1" lang="zh-CN" altLang="en-US" sz="1050" smtClean="0"/>
-              <a:t>：</a:t>
-            </a:r>
-            <a:r>
-              <a:rPr kumimoji="1" lang="en-US" altLang="zh-CN" sz="1050" smtClean="0"/>
-              <a:t>onStartup()</a:t>
-            </a:r>
-            <a:endParaRPr kumimoji="1" lang="zh-CN" altLang="en-US" sz="1050" dirty="0"/>
-          </a:p>
-        </p:txBody>
-      </p:sp>
-      <p:sp>
-        <p:nvSpPr>
-          <p:cNvPr id="25" name="文本框 24"/>
-          <p:cNvSpPr txBox="1"/>
-          <p:nvPr/>
-        </p:nvSpPr>
-        <p:spPr>
-          <a:xfrm>
-            <a:off x="7341870" y="3097699"/>
-            <a:ext cx="792205" cy="307777"/>
-          </a:xfrm>
-          <a:prstGeom prst="rect">
-            <a:avLst/>
-          </a:prstGeom>
-          <a:noFill/>
-        </p:spPr>
-        <p:txBody>
-          <a:bodyPr wrap="none" rtlCol="0">
-            <a:spAutoFit/>
-          </a:bodyPr>
-          <a:lstStyle/>
-          <a:p>
-            <a:r>
-              <a:rPr kumimoji="1" lang="en-US" altLang="zh-CN" sz="1400" smtClean="0"/>
-              <a:t>Pipeline</a:t>
-            </a:r>
-            <a:endParaRPr kumimoji="1" lang="zh-CN" altLang="en-US" sz="1400" dirty="0"/>
-          </a:p>
-        </p:txBody>
-      </p:sp>
-    </p:spTree>
-    <p:extLst>
-      <p:ext uri="{BB962C8B-B14F-4D97-AF65-F5344CB8AC3E}">
-        <p14:creationId xmlns:p14="http://schemas.microsoft.com/office/powerpoint/2010/main" val="4089134841"/>
-      </p:ext>
-    </p:extLst>
-  </p:cSld>
-  <p:clrMapOvr>
-    <a:masterClrMapping/>
-  </p:clrMapOvr>
-</p:sld>
-</file>
-
 <file path=ppt/slides/slide17.xml><?xml version="1.0" encoding="utf-8"?>
 <p:sld xmlns:a="http://schemas.openxmlformats.org/drawingml/2006/main" xmlns:r="http://schemas.openxmlformats.org/officeDocument/2006/relationships" xmlns:p="http://schemas.openxmlformats.org/presentationml/2006/main">
   <p:cSld>
@@ -10509,19 +12095,22 @@
       </p:grpSpPr>
       <p:sp>
         <p:nvSpPr>
-          <p:cNvPr id="4" name="矩形 3"/>
+          <p:cNvPr id="13" name="矩形 12"/>
           <p:cNvSpPr/>
           <p:nvPr/>
         </p:nvSpPr>
         <p:spPr>
           <a:xfrm>
-            <a:off x="2594344" y="925029"/>
-            <a:ext cx="1244009" cy="1052623"/>
-          </a:xfrm>
-          <a:prstGeom prst="rect">
-            <a:avLst/>
-          </a:prstGeom>
-          <a:noFill/>
+            <a:off x="4901184" y="1865376"/>
+            <a:ext cx="4956048" cy="1225296"/>
+          </a:xfrm>
+          <a:prstGeom prst="rect">
+            <a:avLst/>
+          </a:prstGeom>
+          <a:noFill/>
+          <a:ln>
+            <a:prstDash val="sysDot"/>
+          </a:ln>
         </p:spPr>
         <p:style>
           <a:lnRef idx="2">
@@ -10544,20 +12133,20 @@
           <a:lstStyle/>
           <a:p>
             <a:pPr algn="ctr"/>
-            <a:endParaRPr kumimoji="1" lang="zh-CN" altLang="en-US"/>
-          </a:p>
-        </p:txBody>
-      </p:sp>
-      <p:sp>
-        <p:nvSpPr>
-          <p:cNvPr id="5" name="文本框 4"/>
+            <a:endParaRPr lang="zh-CN" altLang="en-US"/>
+          </a:p>
+        </p:txBody>
+      </p:sp>
+      <p:sp>
+        <p:nvSpPr>
+          <p:cNvPr id="4" name="文本框 3"/>
           <p:cNvSpPr txBox="1"/>
           <p:nvPr/>
         </p:nvSpPr>
         <p:spPr>
           <a:xfrm>
-            <a:off x="2861122" y="1266674"/>
-            <a:ext cx="710451" cy="369332"/>
+            <a:off x="346357" y="169496"/>
+            <a:ext cx="939681" cy="307777"/>
           </a:xfrm>
           <a:prstGeom prst="rect">
             <a:avLst/>
@@ -10571,25 +12160,29 @@
           <a:lstStyle/>
           <a:p>
             <a:r>
-              <a:rPr kumimoji="1" lang="en-US" altLang="zh-CN" smtClean="0"/>
-              <a:t>client</a:t>
-            </a:r>
-            <a:endParaRPr kumimoji="1" lang="zh-CN" altLang="en-US" dirty="0"/>
-          </a:p>
-        </p:txBody>
-      </p:sp>
-      <p:sp>
-        <p:nvSpPr>
-          <p:cNvPr id="6" name="矩形 5"/>
+              <a:rPr kumimoji="1" lang="en-US" altLang="zh-CN" sz="1400" smtClean="0"/>
+              <a:t>Tomcat</a:t>
+            </a:r>
+            <a:r>
+              <a:rPr kumimoji="1" lang="zh-CN" altLang="en-US" sz="1400" smtClean="0"/>
+              <a:t>：</a:t>
+            </a:r>
+            <a:endParaRPr kumimoji="1" lang="zh-CN" altLang="en-US" sz="1400" dirty="0"/>
+          </a:p>
+        </p:txBody>
+      </p:sp>
+      <p:sp>
+        <p:nvSpPr>
+          <p:cNvPr id="5" name="等腰三角形 4"/>
           <p:cNvSpPr/>
           <p:nvPr/>
         </p:nvSpPr>
         <p:spPr>
           <a:xfrm>
-            <a:off x="6755219" y="925029"/>
-            <a:ext cx="1244009" cy="1052623"/>
-          </a:xfrm>
-          <a:prstGeom prst="rect">
+            <a:off x="1167166" y="2276856"/>
+            <a:ext cx="389926" cy="347472"/>
+          </a:xfrm>
+          <a:prstGeom prst="triangle">
             <a:avLst/>
           </a:prstGeom>
           <a:noFill/>
@@ -10615,54 +12208,25 @@
           <a:lstStyle/>
           <a:p>
             <a:pPr algn="ctr"/>
-            <a:endParaRPr kumimoji="1" lang="zh-CN" altLang="en-US"/>
-          </a:p>
-        </p:txBody>
-      </p:sp>
-      <p:sp>
-        <p:nvSpPr>
-          <p:cNvPr id="7" name="文本框 6"/>
-          <p:cNvSpPr txBox="1"/>
-          <p:nvPr/>
-        </p:nvSpPr>
-        <p:spPr>
-          <a:xfrm>
-            <a:off x="6986731" y="1266674"/>
-            <a:ext cx="780983" cy="369332"/>
-          </a:xfrm>
-          <a:prstGeom prst="rect">
-            <a:avLst/>
-          </a:prstGeom>
-          <a:noFill/>
-        </p:spPr>
-        <p:txBody>
-          <a:bodyPr wrap="none" rtlCol="0">
-            <a:spAutoFit/>
-          </a:bodyPr>
-          <a:lstStyle/>
-          <a:p>
-            <a:r>
-              <a:rPr kumimoji="1" lang="en-US" altLang="zh-CN" smtClean="0"/>
-              <a:t>server</a:t>
-            </a:r>
-            <a:endParaRPr kumimoji="1" lang="zh-CN" altLang="en-US" dirty="0"/>
-          </a:p>
-        </p:txBody>
-      </p:sp>
-      <p:sp>
-        <p:nvSpPr>
-          <p:cNvPr id="8" name="椭圆 7"/>
+            <a:endParaRPr lang="zh-CN" altLang="en-US"/>
+          </a:p>
+        </p:txBody>
+      </p:sp>
+      <p:sp>
+        <p:nvSpPr>
+          <p:cNvPr id="6" name="矩形 5"/>
           <p:cNvSpPr/>
           <p:nvPr/>
         </p:nvSpPr>
         <p:spPr>
           <a:xfrm>
-            <a:off x="2594344" y="2594348"/>
-            <a:ext cx="1221780" cy="584790"/>
-          </a:xfrm>
-          <a:prstGeom prst="ellipse">
-            <a:avLst/>
-          </a:prstGeom>
+            <a:off x="3328416" y="2135124"/>
+            <a:ext cx="850392" cy="630936"/>
+          </a:xfrm>
+          <a:prstGeom prst="rect">
+            <a:avLst/>
+          </a:prstGeom>
+          <a:noFill/>
         </p:spPr>
         <p:style>
           <a:lnRef idx="2">
@@ -10685,24 +12249,25 @@
           <a:lstStyle/>
           <a:p>
             <a:pPr algn="ctr"/>
-            <a:endParaRPr kumimoji="1" lang="zh-CN" altLang="en-US"/>
-          </a:p>
-        </p:txBody>
-      </p:sp>
-      <p:sp>
-        <p:nvSpPr>
-          <p:cNvPr id="9" name="椭圆 8"/>
+            <a:endParaRPr lang="zh-CN" altLang="en-US"/>
+          </a:p>
+        </p:txBody>
+      </p:sp>
+      <p:sp>
+        <p:nvSpPr>
+          <p:cNvPr id="9" name="矩形 8"/>
           <p:cNvSpPr/>
           <p:nvPr/>
         </p:nvSpPr>
         <p:spPr>
           <a:xfrm>
-            <a:off x="6777448" y="2594348"/>
-            <a:ext cx="1221780" cy="584790"/>
-          </a:xfrm>
-          <a:prstGeom prst="ellipse">
-            <a:avLst/>
-          </a:prstGeom>
+            <a:off x="5145024" y="2135124"/>
+            <a:ext cx="850392" cy="630936"/>
+          </a:xfrm>
+          <a:prstGeom prst="rect">
+            <a:avLst/>
+          </a:prstGeom>
+          <a:noFill/>
         </p:spPr>
         <p:style>
           <a:lnRef idx="2">
@@ -10725,324 +12290,32 @@
           <a:lstStyle/>
           <a:p>
             <a:pPr algn="ctr"/>
-            <a:endParaRPr kumimoji="1" lang="zh-CN" altLang="en-US"/>
-          </a:p>
-        </p:txBody>
-      </p:sp>
-      <p:cxnSp>
-        <p:nvCxnSpPr>
-          <p:cNvPr id="10" name="直线箭头连接符 9"/>
-          <p:cNvCxnSpPr/>
-          <p:nvPr/>
-        </p:nvCxnSpPr>
-        <p:spPr>
-          <a:xfrm>
-            <a:off x="2861122" y="1977652"/>
-            <a:ext cx="0" cy="616696"/>
-          </a:xfrm>
-          <a:prstGeom prst="straightConnector1">
-            <a:avLst/>
-          </a:prstGeom>
-          <a:ln>
-            <a:tailEnd type="triangle"/>
-          </a:ln>
-        </p:spPr>
-        <p:style>
-          <a:lnRef idx="1">
-            <a:schemeClr val="accent1"/>
-          </a:lnRef>
-          <a:fillRef idx="0">
-            <a:schemeClr val="accent1"/>
-          </a:fillRef>
-          <a:effectRef idx="0">
-            <a:schemeClr val="accent1"/>
-          </a:effectRef>
-          <a:fontRef idx="minor">
-            <a:schemeClr val="tx1"/>
-          </a:fontRef>
-        </p:style>
-      </p:cxnSp>
-      <p:cxnSp>
-        <p:nvCxnSpPr>
-          <p:cNvPr id="11" name="直线箭头连接符 10"/>
-          <p:cNvCxnSpPr/>
-          <p:nvPr/>
-        </p:nvCxnSpPr>
-        <p:spPr>
-          <a:xfrm flipV="1">
-            <a:off x="3571573" y="1977651"/>
-            <a:ext cx="0" cy="616698"/>
-          </a:xfrm>
-          <a:prstGeom prst="straightConnector1">
-            <a:avLst/>
-          </a:prstGeom>
-          <a:ln>
-            <a:tailEnd type="triangle"/>
-          </a:ln>
-        </p:spPr>
-        <p:style>
-          <a:lnRef idx="1">
-            <a:schemeClr val="accent1"/>
-          </a:lnRef>
-          <a:fillRef idx="0">
-            <a:schemeClr val="accent1"/>
-          </a:fillRef>
-          <a:effectRef idx="0">
-            <a:schemeClr val="accent1"/>
-          </a:effectRef>
-          <a:fontRef idx="minor">
-            <a:schemeClr val="tx1"/>
-          </a:fontRef>
-        </p:style>
-      </p:cxnSp>
-      <p:sp>
-        <p:nvSpPr>
-          <p:cNvPr id="12" name="文本框 11"/>
-          <p:cNvSpPr txBox="1"/>
-          <p:nvPr/>
-        </p:nvSpPr>
-        <p:spPr>
-          <a:xfrm>
-            <a:off x="3571573" y="2175060"/>
-            <a:ext cx="893193" cy="415498"/>
-          </a:xfrm>
-          <a:prstGeom prst="rect">
-            <a:avLst/>
-          </a:prstGeom>
-          <a:noFill/>
-        </p:spPr>
-        <p:txBody>
-          <a:bodyPr wrap="none" rtlCol="0">
-            <a:spAutoFit/>
-          </a:bodyPr>
-          <a:lstStyle/>
-          <a:p>
-            <a:r>
-              <a:rPr kumimoji="1" lang="en-US" altLang="zh-CN" sz="1050" dirty="0" err="1" smtClean="0"/>
-              <a:t>InputStream</a:t>
-            </a:r>
-            <a:endParaRPr kumimoji="1" lang="en-US" altLang="zh-CN" sz="1050" dirty="0" smtClean="0"/>
-          </a:p>
-          <a:p>
-            <a:r>
-              <a:rPr kumimoji="1" lang="zh-CN" altLang="en-US" sz="1050" dirty="0" smtClean="0"/>
-              <a:t>     </a:t>
-            </a:r>
-            <a:r>
-              <a:rPr kumimoji="1" lang="en-US" altLang="zh-CN" sz="1050" dirty="0" smtClean="0"/>
-              <a:t>read()</a:t>
-            </a:r>
-            <a:endParaRPr kumimoji="1" lang="en-US" altLang="zh-CN" sz="1050" dirty="0"/>
-          </a:p>
-        </p:txBody>
-      </p:sp>
-      <p:sp>
-        <p:nvSpPr>
-          <p:cNvPr id="13" name="文本框 12"/>
-          <p:cNvSpPr txBox="1"/>
-          <p:nvPr/>
-        </p:nvSpPr>
-        <p:spPr>
-          <a:xfrm>
-            <a:off x="1937703" y="2175060"/>
-            <a:ext cx="1005403" cy="415498"/>
-          </a:xfrm>
-          <a:prstGeom prst="rect">
-            <a:avLst/>
-          </a:prstGeom>
-          <a:noFill/>
-        </p:spPr>
-        <p:txBody>
-          <a:bodyPr wrap="none" rtlCol="0">
-            <a:spAutoFit/>
-          </a:bodyPr>
-          <a:lstStyle/>
-          <a:p>
-            <a:r>
-              <a:rPr kumimoji="1" lang="en-US" altLang="zh-CN" sz="1050" dirty="0" err="1" smtClean="0"/>
-              <a:t>OutputStream</a:t>
-            </a:r>
-            <a:endParaRPr kumimoji="1" lang="en-US" altLang="zh-CN" sz="1050" dirty="0" smtClean="0"/>
-          </a:p>
-          <a:p>
-            <a:r>
-              <a:rPr kumimoji="1" lang="zh-CN" altLang="en-US" sz="1050" dirty="0" smtClean="0"/>
-              <a:t>     </a:t>
-            </a:r>
-            <a:r>
-              <a:rPr kumimoji="1" lang="en-US" altLang="zh-CN" sz="1050" dirty="0" smtClean="0"/>
-              <a:t>write()</a:t>
-            </a:r>
-            <a:endParaRPr kumimoji="1" lang="zh-CN" altLang="en-US" sz="1050" dirty="0"/>
-          </a:p>
-        </p:txBody>
-      </p:sp>
-      <p:cxnSp>
-        <p:nvCxnSpPr>
-          <p:cNvPr id="14" name="直线箭头连接符 13"/>
-          <p:cNvCxnSpPr/>
-          <p:nvPr/>
-        </p:nvCxnSpPr>
-        <p:spPr>
-          <a:xfrm>
-            <a:off x="7057263" y="1991084"/>
-            <a:ext cx="0" cy="616696"/>
-          </a:xfrm>
-          <a:prstGeom prst="straightConnector1">
-            <a:avLst/>
-          </a:prstGeom>
-          <a:ln>
-            <a:tailEnd type="triangle"/>
-          </a:ln>
-        </p:spPr>
-        <p:style>
-          <a:lnRef idx="1">
-            <a:schemeClr val="accent1"/>
-          </a:lnRef>
-          <a:fillRef idx="0">
-            <a:schemeClr val="accent1"/>
-          </a:fillRef>
-          <a:effectRef idx="0">
-            <a:schemeClr val="accent1"/>
-          </a:effectRef>
-          <a:fontRef idx="minor">
-            <a:schemeClr val="tx1"/>
-          </a:fontRef>
-        </p:style>
-      </p:cxnSp>
-      <p:cxnSp>
-        <p:nvCxnSpPr>
-          <p:cNvPr id="15" name="直线箭头连接符 14"/>
-          <p:cNvCxnSpPr/>
-          <p:nvPr/>
-        </p:nvCxnSpPr>
-        <p:spPr>
-          <a:xfrm flipV="1">
-            <a:off x="7767714" y="1991083"/>
-            <a:ext cx="0" cy="616698"/>
-          </a:xfrm>
-          <a:prstGeom prst="straightConnector1">
-            <a:avLst/>
-          </a:prstGeom>
-          <a:ln>
-            <a:tailEnd type="triangle"/>
-          </a:ln>
-        </p:spPr>
-        <p:style>
-          <a:lnRef idx="1">
-            <a:schemeClr val="accent1"/>
-          </a:lnRef>
-          <a:fillRef idx="0">
-            <a:schemeClr val="accent1"/>
-          </a:fillRef>
-          <a:effectRef idx="0">
-            <a:schemeClr val="accent1"/>
-          </a:effectRef>
-          <a:fontRef idx="minor">
-            <a:schemeClr val="tx1"/>
-          </a:fontRef>
-        </p:style>
-      </p:cxnSp>
-      <p:sp>
-        <p:nvSpPr>
-          <p:cNvPr id="16" name="文本框 15"/>
-          <p:cNvSpPr txBox="1"/>
-          <p:nvPr/>
-        </p:nvSpPr>
-        <p:spPr>
-          <a:xfrm>
-            <a:off x="7767714" y="2188492"/>
-            <a:ext cx="893193" cy="415498"/>
-          </a:xfrm>
-          <a:prstGeom prst="rect">
-            <a:avLst/>
-          </a:prstGeom>
-          <a:noFill/>
-        </p:spPr>
-        <p:txBody>
-          <a:bodyPr wrap="none" rtlCol="0">
-            <a:spAutoFit/>
-          </a:bodyPr>
-          <a:lstStyle/>
-          <a:p>
-            <a:r>
-              <a:rPr kumimoji="1" lang="en-US" altLang="zh-CN" sz="1050" dirty="0" err="1" smtClean="0"/>
-              <a:t>InputStream</a:t>
-            </a:r>
-            <a:endParaRPr kumimoji="1" lang="en-US" altLang="zh-CN" sz="1050" dirty="0" smtClean="0"/>
-          </a:p>
-          <a:p>
-            <a:r>
-              <a:rPr kumimoji="1" lang="zh-CN" altLang="en-US" sz="1050" dirty="0"/>
-              <a:t> </a:t>
-            </a:r>
-            <a:r>
-              <a:rPr kumimoji="1" lang="zh-CN" altLang="en-US" sz="1050" dirty="0" smtClean="0"/>
-              <a:t>    </a:t>
-            </a:r>
-            <a:r>
-              <a:rPr kumimoji="1" lang="en-US" altLang="zh-CN" sz="1050" dirty="0" smtClean="0"/>
-              <a:t>read()</a:t>
-            </a:r>
-            <a:endParaRPr kumimoji="1" lang="zh-CN" altLang="en-US" sz="1050" dirty="0"/>
-          </a:p>
-        </p:txBody>
-      </p:sp>
-      <p:sp>
-        <p:nvSpPr>
-          <p:cNvPr id="17" name="文本框 16"/>
-          <p:cNvSpPr txBox="1"/>
-          <p:nvPr/>
-        </p:nvSpPr>
-        <p:spPr>
-          <a:xfrm>
-            <a:off x="6133844" y="2188492"/>
-            <a:ext cx="1005403" cy="415498"/>
-          </a:xfrm>
-          <a:prstGeom prst="rect">
-            <a:avLst/>
-          </a:prstGeom>
-          <a:noFill/>
-        </p:spPr>
-        <p:txBody>
-          <a:bodyPr wrap="none" rtlCol="0">
-            <a:spAutoFit/>
-          </a:bodyPr>
-          <a:lstStyle/>
-          <a:p>
-            <a:r>
-              <a:rPr kumimoji="1" lang="en-US" altLang="zh-CN" sz="1050" dirty="0" err="1" smtClean="0"/>
-              <a:t>OutputStream</a:t>
-            </a:r>
-            <a:endParaRPr kumimoji="1" lang="en-US" altLang="zh-CN" sz="1050" dirty="0" smtClean="0"/>
-          </a:p>
-          <a:p>
-            <a:r>
-              <a:rPr kumimoji="1" lang="zh-CN" altLang="en-US" sz="1050" dirty="0"/>
-              <a:t> </a:t>
-            </a:r>
-            <a:r>
-              <a:rPr kumimoji="1" lang="zh-CN" altLang="en-US" sz="1050" dirty="0" smtClean="0"/>
-              <a:t>      </a:t>
-            </a:r>
-            <a:r>
-              <a:rPr kumimoji="1" lang="en-US" altLang="zh-CN" sz="1050" dirty="0" smtClean="0"/>
-              <a:t>write()</a:t>
-            </a:r>
-            <a:endParaRPr kumimoji="1" lang="zh-CN" altLang="en-US" sz="1050" dirty="0"/>
-          </a:p>
-        </p:txBody>
-      </p:sp>
-      <p:sp>
-        <p:nvSpPr>
-          <p:cNvPr id="18" name="矩形 17"/>
+            <a:r>
+              <a:rPr lang="en-US" altLang="zh-CN" sz="1200" smtClean="0">
+                <a:solidFill>
+                  <a:schemeClr val="tx1"/>
+                </a:solidFill>
+              </a:rPr>
+              <a:t>Engine</a:t>
+            </a:r>
+            <a:endParaRPr lang="zh-CN" altLang="en-US" sz="1400">
+              <a:solidFill>
+                <a:schemeClr val="tx1"/>
+              </a:solidFill>
+            </a:endParaRPr>
+          </a:p>
+        </p:txBody>
+      </p:sp>
+      <p:sp>
+        <p:nvSpPr>
+          <p:cNvPr id="10" name="矩形 9"/>
           <p:cNvSpPr/>
           <p:nvPr/>
         </p:nvSpPr>
         <p:spPr>
           <a:xfrm>
-            <a:off x="3503250" y="3711104"/>
-            <a:ext cx="3458164" cy="1014265"/>
+            <a:off x="6326124" y="2135124"/>
+            <a:ext cx="850392" cy="630936"/>
           </a:xfrm>
           <a:prstGeom prst="rect">
             <a:avLst/>
@@ -11070,121 +12343,37 @@
           <a:lstStyle/>
           <a:p>
             <a:pPr algn="ctr"/>
-            <a:endParaRPr kumimoji="1" lang="zh-CN" altLang="en-US"/>
-          </a:p>
-        </p:txBody>
-      </p:sp>
-      <p:sp>
-        <p:nvSpPr>
-          <p:cNvPr id="19" name="文本框 18"/>
-          <p:cNvSpPr txBox="1"/>
-          <p:nvPr/>
-        </p:nvSpPr>
-        <p:spPr>
-          <a:xfrm>
-            <a:off x="6950986" y="4491505"/>
-            <a:ext cx="928459" cy="276999"/>
-          </a:xfrm>
-          <a:prstGeom prst="rect">
-            <a:avLst/>
-          </a:prstGeom>
-          <a:noFill/>
-        </p:spPr>
-        <p:txBody>
-          <a:bodyPr wrap="none" rtlCol="0">
-            <a:spAutoFit/>
-          </a:bodyPr>
-          <a:lstStyle/>
-          <a:p>
-            <a:r>
-              <a:rPr kumimoji="1" lang="en-US" altLang="zh-CN" sz="1200" dirty="0" smtClean="0"/>
-              <a:t>Socket</a:t>
-            </a:r>
-            <a:r>
-              <a:rPr kumimoji="1" lang="zh-CN" altLang="en-US" sz="1200" dirty="0" smtClean="0"/>
-              <a:t>通道</a:t>
-            </a:r>
-            <a:endParaRPr kumimoji="1" lang="zh-CN" altLang="en-US" sz="1200" dirty="0"/>
-          </a:p>
-        </p:txBody>
-      </p:sp>
-      <p:sp>
-        <p:nvSpPr>
-          <p:cNvPr id="22" name="文本框 21"/>
-          <p:cNvSpPr txBox="1"/>
-          <p:nvPr/>
-        </p:nvSpPr>
-        <p:spPr>
-          <a:xfrm>
-            <a:off x="2016854" y="2925221"/>
-            <a:ext cx="588623" cy="253916"/>
-          </a:xfrm>
-          <a:prstGeom prst="rect">
-            <a:avLst/>
-          </a:prstGeom>
-          <a:noFill/>
-        </p:spPr>
-        <p:txBody>
-          <a:bodyPr wrap="none" rtlCol="0">
-            <a:spAutoFit/>
-          </a:bodyPr>
-          <a:lstStyle/>
-          <a:p>
-            <a:r>
-              <a:rPr kumimoji="1" lang="zh-CN" altLang="en-US" sz="1050" dirty="0" smtClean="0"/>
-              <a:t>缓存区</a:t>
-            </a:r>
-            <a:endParaRPr kumimoji="1" lang="zh-CN" altLang="en-US" sz="1050" dirty="0"/>
-          </a:p>
-        </p:txBody>
-      </p:sp>
-      <p:sp>
-        <p:nvSpPr>
-          <p:cNvPr id="23" name="文本框 22"/>
-          <p:cNvSpPr txBox="1"/>
-          <p:nvPr/>
-        </p:nvSpPr>
-        <p:spPr>
-          <a:xfrm>
-            <a:off x="7967243" y="2886743"/>
-            <a:ext cx="588623" cy="253916"/>
-          </a:xfrm>
-          <a:prstGeom prst="rect">
-            <a:avLst/>
-          </a:prstGeom>
-          <a:noFill/>
-        </p:spPr>
-        <p:txBody>
-          <a:bodyPr wrap="none" rtlCol="0">
-            <a:spAutoFit/>
-          </a:bodyPr>
-          <a:lstStyle/>
-          <a:p>
-            <a:r>
-              <a:rPr kumimoji="1" lang="zh-CN" altLang="en-US" sz="1050" smtClean="0"/>
-              <a:t>缓存区</a:t>
-            </a:r>
-            <a:endParaRPr kumimoji="1" lang="zh-CN" altLang="en-US" sz="1050" dirty="0"/>
-          </a:p>
-        </p:txBody>
-      </p:sp>
-      <p:sp>
-        <p:nvSpPr>
-          <p:cNvPr id="24" name="矩形 23"/>
+            <a:r>
+              <a:rPr lang="en-US" altLang="zh-CN" sz="1200" smtClean="0">
+                <a:solidFill>
+                  <a:schemeClr val="tx1"/>
+                </a:solidFill>
+              </a:rPr>
+              <a:t>Host</a:t>
+            </a:r>
+            <a:endParaRPr lang="zh-CN" altLang="en-US" sz="1400">
+              <a:solidFill>
+                <a:schemeClr val="tx1"/>
+              </a:solidFill>
+            </a:endParaRPr>
+          </a:p>
+        </p:txBody>
+      </p:sp>
+      <p:sp>
+        <p:nvSpPr>
+          <p:cNvPr id="11" name="矩形 10"/>
           <p:cNvSpPr/>
           <p:nvPr/>
         </p:nvSpPr>
         <p:spPr>
           <a:xfrm>
-            <a:off x="2861121" y="2753833"/>
-            <a:ext cx="169157" cy="298346"/>
-          </a:xfrm>
-          <a:prstGeom prst="rect">
-            <a:avLst/>
-          </a:prstGeom>
-          <a:solidFill>
-            <a:schemeClr val="accent4"/>
-          </a:solidFill>
+            <a:off x="7507224" y="2139696"/>
+            <a:ext cx="850392" cy="630936"/>
+          </a:xfrm>
+          <a:prstGeom prst="rect">
+            <a:avLst/>
+          </a:prstGeom>
+          <a:noFill/>
         </p:spPr>
         <p:style>
           <a:lnRef idx="2">
@@ -11207,27 +12396,37 @@
           <a:lstStyle/>
           <a:p>
             <a:pPr algn="ctr"/>
-            <a:endParaRPr kumimoji="1" lang="zh-CN" altLang="en-US"/>
-          </a:p>
-        </p:txBody>
-      </p:sp>
-      <p:sp>
-        <p:nvSpPr>
-          <p:cNvPr id="25" name="矩形 24"/>
+            <a:r>
+              <a:rPr lang="en-US" altLang="zh-CN" sz="1200" smtClean="0">
+                <a:solidFill>
+                  <a:schemeClr val="tx1"/>
+                </a:solidFill>
+              </a:rPr>
+              <a:t>Context</a:t>
+            </a:r>
+            <a:endParaRPr lang="zh-CN" altLang="en-US" sz="1400">
+              <a:solidFill>
+                <a:schemeClr val="tx1"/>
+              </a:solidFill>
+            </a:endParaRPr>
+          </a:p>
+        </p:txBody>
+      </p:sp>
+      <p:sp>
+        <p:nvSpPr>
+          <p:cNvPr id="12" name="矩形 11"/>
           <p:cNvSpPr/>
           <p:nvPr/>
         </p:nvSpPr>
         <p:spPr>
           <a:xfrm>
-            <a:off x="3297055" y="2753833"/>
-            <a:ext cx="169157" cy="298346"/>
-          </a:xfrm>
-          <a:prstGeom prst="rect">
-            <a:avLst/>
-          </a:prstGeom>
-          <a:solidFill>
-            <a:schemeClr val="accent4"/>
-          </a:solidFill>
+            <a:off x="8688324" y="2139696"/>
+            <a:ext cx="850392" cy="630936"/>
+          </a:xfrm>
+          <a:prstGeom prst="rect">
+            <a:avLst/>
+          </a:prstGeom>
+          <a:noFill/>
         </p:spPr>
         <p:style>
           <a:lnRef idx="2">
@@ -11250,106 +12449,32 @@
           <a:lstStyle/>
           <a:p>
             <a:pPr algn="ctr"/>
-            <a:endParaRPr kumimoji="1" lang="zh-CN" altLang="en-US"/>
-          </a:p>
-        </p:txBody>
-      </p:sp>
-      <p:sp>
-        <p:nvSpPr>
-          <p:cNvPr id="26" name="矩形 25"/>
-          <p:cNvSpPr/>
-          <p:nvPr/>
-        </p:nvSpPr>
-        <p:spPr>
-          <a:xfrm>
-            <a:off x="7592341" y="2753833"/>
-            <a:ext cx="169157" cy="298346"/>
-          </a:xfrm>
-          <a:prstGeom prst="rect">
-            <a:avLst/>
-          </a:prstGeom>
-          <a:solidFill>
-            <a:schemeClr val="accent4"/>
-          </a:solidFill>
-        </p:spPr>
-        <p:style>
-          <a:lnRef idx="2">
-            <a:schemeClr val="accent1">
-              <a:shade val="50000"/>
-            </a:schemeClr>
-          </a:lnRef>
-          <a:fillRef idx="1">
-            <a:schemeClr val="accent1"/>
-          </a:fillRef>
-          <a:effectRef idx="0">
-            <a:schemeClr val="accent1"/>
-          </a:effectRef>
-          <a:fontRef idx="minor">
-            <a:schemeClr val="lt1"/>
-          </a:fontRef>
-        </p:style>
-        <p:txBody>
-          <a:bodyPr rtlCol="0" anchor="ctr"/>
-          <a:lstStyle/>
-          <a:p>
-            <a:pPr algn="ctr"/>
-            <a:endParaRPr kumimoji="1" lang="zh-CN" altLang="en-US"/>
-          </a:p>
-        </p:txBody>
-      </p:sp>
-      <p:sp>
-        <p:nvSpPr>
-          <p:cNvPr id="27" name="矩形 26"/>
-          <p:cNvSpPr/>
-          <p:nvPr/>
-        </p:nvSpPr>
-        <p:spPr>
-          <a:xfrm>
-            <a:off x="7086573" y="2747645"/>
-            <a:ext cx="169157" cy="298346"/>
-          </a:xfrm>
-          <a:prstGeom prst="rect">
-            <a:avLst/>
-          </a:prstGeom>
-          <a:solidFill>
-            <a:schemeClr val="accent4"/>
-          </a:solidFill>
-        </p:spPr>
-        <p:style>
-          <a:lnRef idx="2">
-            <a:schemeClr val="accent1">
-              <a:shade val="50000"/>
-            </a:schemeClr>
-          </a:lnRef>
-          <a:fillRef idx="1">
-            <a:schemeClr val="accent1"/>
-          </a:fillRef>
-          <a:effectRef idx="0">
-            <a:schemeClr val="accent1"/>
-          </a:effectRef>
-          <a:fontRef idx="minor">
-            <a:schemeClr val="lt1"/>
-          </a:fontRef>
-        </p:style>
-        <p:txBody>
-          <a:bodyPr rtlCol="0" anchor="ctr"/>
-          <a:lstStyle/>
-          <a:p>
-            <a:pPr algn="ctr"/>
-            <a:endParaRPr kumimoji="1" lang="zh-CN" altLang="en-US"/>
-          </a:p>
-        </p:txBody>
-      </p:sp>
-      <p:sp>
-        <p:nvSpPr>
-          <p:cNvPr id="28" name="文本框 27"/>
+            <a:r>
+              <a:rPr lang="en-US" altLang="zh-CN" sz="1200" smtClean="0">
+                <a:solidFill>
+                  <a:schemeClr val="tx1"/>
+                </a:solidFill>
+              </a:rPr>
+              <a:t>Wrapper</a:t>
+            </a:r>
+            <a:endParaRPr lang="zh-CN" altLang="en-US" sz="1400">
+              <a:solidFill>
+                <a:schemeClr val="tx1"/>
+              </a:solidFill>
+            </a:endParaRPr>
+          </a:p>
+        </p:txBody>
+      </p:sp>
+      <p:sp>
+        <p:nvSpPr>
+          <p:cNvPr id="14" name="文本框 13"/>
           <p:cNvSpPr txBox="1"/>
           <p:nvPr/>
         </p:nvSpPr>
         <p:spPr>
           <a:xfrm>
-            <a:off x="2627724" y="3179136"/>
-            <a:ext cx="575799" cy="253916"/>
+            <a:off x="3292729" y="1290178"/>
+            <a:ext cx="992579" cy="307777"/>
           </a:xfrm>
           <a:prstGeom prst="rect">
             <a:avLst/>
@@ -11363,23 +12488,22 @@
           <a:lstStyle/>
           <a:p>
             <a:r>
-              <a:rPr kumimoji="1" lang="en-US" altLang="zh-CN" sz="1050" dirty="0" err="1" smtClean="0"/>
-              <a:t>SendQ</a:t>
-            </a:r>
-            <a:endParaRPr kumimoji="1" lang="zh-CN" altLang="en-US" sz="1050" dirty="0"/>
-          </a:p>
-        </p:txBody>
-      </p:sp>
-      <p:sp>
-        <p:nvSpPr>
-          <p:cNvPr id="29" name="文本框 28"/>
+              <a:rPr kumimoji="1" lang="en-US" altLang="zh-CN" sz="1400" smtClean="0"/>
+              <a:t>Connector</a:t>
+            </a:r>
+          </a:p>
+        </p:txBody>
+      </p:sp>
+      <p:sp>
+        <p:nvSpPr>
+          <p:cNvPr id="15" name="文本框 14"/>
           <p:cNvSpPr txBox="1"/>
           <p:nvPr/>
         </p:nvSpPr>
         <p:spPr>
           <a:xfrm>
-            <a:off x="7576305" y="3183200"/>
-            <a:ext cx="724878" cy="253916"/>
+            <a:off x="6910169" y="1239316"/>
+            <a:ext cx="938077" cy="307777"/>
           </a:xfrm>
           <a:prstGeom prst="rect">
             <a:avLst/>
@@ -11393,23 +12517,23 @@
           <a:lstStyle/>
           <a:p>
             <a:r>
-              <a:rPr kumimoji="1" lang="en-US" altLang="zh-CN" sz="1050" dirty="0" err="1" smtClean="0"/>
-              <a:t>ReceiveQ</a:t>
-            </a:r>
-            <a:endParaRPr kumimoji="1" lang="zh-CN" altLang="en-US" sz="1050" dirty="0"/>
-          </a:p>
-        </p:txBody>
-      </p:sp>
-      <p:sp>
-        <p:nvSpPr>
-          <p:cNvPr id="30" name="文本框 29"/>
+              <a:rPr kumimoji="1" lang="en-US" altLang="zh-CN" sz="1400" smtClean="0"/>
+              <a:t>Container</a:t>
+            </a:r>
+            <a:endParaRPr kumimoji="1" lang="zh-CN" altLang="en-US" sz="1400" dirty="0"/>
+          </a:p>
+        </p:txBody>
+      </p:sp>
+      <p:sp>
+        <p:nvSpPr>
+          <p:cNvPr id="16" name="文本框 15"/>
           <p:cNvSpPr txBox="1"/>
           <p:nvPr/>
         </p:nvSpPr>
         <p:spPr>
           <a:xfrm>
-            <a:off x="6819520" y="3178502"/>
-            <a:ext cx="575799" cy="253916"/>
+            <a:off x="1063810" y="1252333"/>
+            <a:ext cx="596638" cy="307777"/>
           </a:xfrm>
           <a:prstGeom prst="rect">
             <a:avLst/>
@@ -11423,23 +12547,197 @@
           <a:lstStyle/>
           <a:p>
             <a:r>
-              <a:rPr kumimoji="1" lang="en-US" altLang="zh-CN" sz="1050" dirty="0" err="1" smtClean="0"/>
-              <a:t>SendQ</a:t>
-            </a:r>
-            <a:endParaRPr kumimoji="1" lang="zh-CN" altLang="en-US" sz="1050" dirty="0"/>
-          </a:p>
-        </p:txBody>
-      </p:sp>
-      <p:sp>
-        <p:nvSpPr>
-          <p:cNvPr id="31" name="文本框 30"/>
+              <a:rPr kumimoji="1" lang="en-US" altLang="zh-CN" sz="1400" smtClean="0"/>
+              <a:t>client</a:t>
+            </a:r>
+            <a:endParaRPr kumimoji="1" lang="zh-CN" altLang="en-US" sz="1400" dirty="0"/>
+          </a:p>
+        </p:txBody>
+      </p:sp>
+      <p:cxnSp>
+        <p:nvCxnSpPr>
+          <p:cNvPr id="18" name="直接箭头连接符 17"/>
+          <p:cNvCxnSpPr/>
+          <p:nvPr/>
+        </p:nvCxnSpPr>
+        <p:spPr>
+          <a:xfrm>
+            <a:off x="1660448" y="2450592"/>
+            <a:ext cx="1525781" cy="0"/>
+          </a:xfrm>
+          <a:prstGeom prst="straightConnector1">
+            <a:avLst/>
+          </a:prstGeom>
+          <a:ln>
+            <a:tailEnd type="triangle"/>
+          </a:ln>
+        </p:spPr>
+        <p:style>
+          <a:lnRef idx="1">
+            <a:schemeClr val="accent1"/>
+          </a:lnRef>
+          <a:fillRef idx="0">
+            <a:schemeClr val="accent1"/>
+          </a:fillRef>
+          <a:effectRef idx="0">
+            <a:schemeClr val="accent1"/>
+          </a:effectRef>
+          <a:fontRef idx="minor">
+            <a:schemeClr val="tx1"/>
+          </a:fontRef>
+        </p:style>
+      </p:cxnSp>
+      <p:cxnSp>
+        <p:nvCxnSpPr>
+          <p:cNvPr id="20" name="直接箭头连接符 19"/>
+          <p:cNvCxnSpPr/>
+          <p:nvPr/>
+        </p:nvCxnSpPr>
+        <p:spPr>
+          <a:xfrm>
+            <a:off x="4242816" y="2478024"/>
+            <a:ext cx="603504" cy="0"/>
+          </a:xfrm>
+          <a:prstGeom prst="straightConnector1">
+            <a:avLst/>
+          </a:prstGeom>
+          <a:ln>
+            <a:tailEnd type="triangle"/>
+          </a:ln>
+        </p:spPr>
+        <p:style>
+          <a:lnRef idx="1">
+            <a:schemeClr val="accent1"/>
+          </a:lnRef>
+          <a:fillRef idx="0">
+            <a:schemeClr val="accent1"/>
+          </a:fillRef>
+          <a:effectRef idx="0">
+            <a:schemeClr val="accent1"/>
+          </a:effectRef>
+          <a:fontRef idx="minor">
+            <a:schemeClr val="tx1"/>
+          </a:fontRef>
+        </p:style>
+      </p:cxnSp>
+      <p:cxnSp>
+        <p:nvCxnSpPr>
+          <p:cNvPr id="24" name="直接箭头连接符 23"/>
+          <p:cNvCxnSpPr>
+            <a:stCxn id="9" idx="3"/>
+            <a:endCxn id="10" idx="1"/>
+          </p:cNvCxnSpPr>
+          <p:nvPr/>
+        </p:nvCxnSpPr>
+        <p:spPr>
+          <a:xfrm>
+            <a:off x="5995416" y="2450592"/>
+            <a:ext cx="330708" cy="0"/>
+          </a:xfrm>
+          <a:prstGeom prst="straightConnector1">
+            <a:avLst/>
+          </a:prstGeom>
+          <a:ln>
+            <a:tailEnd type="triangle"/>
+          </a:ln>
+        </p:spPr>
+        <p:style>
+          <a:lnRef idx="1">
+            <a:schemeClr val="accent1"/>
+          </a:lnRef>
+          <a:fillRef idx="0">
+            <a:schemeClr val="accent1"/>
+          </a:fillRef>
+          <a:effectRef idx="0">
+            <a:schemeClr val="accent1"/>
+          </a:effectRef>
+          <a:fontRef idx="minor">
+            <a:schemeClr val="tx1"/>
+          </a:fontRef>
+        </p:style>
+      </p:cxnSp>
+      <p:cxnSp>
+        <p:nvCxnSpPr>
+          <p:cNvPr id="26" name="直接箭头连接符 25"/>
+          <p:cNvCxnSpPr>
+            <a:stCxn id="10" idx="3"/>
+            <a:endCxn id="11" idx="1"/>
+          </p:cNvCxnSpPr>
+          <p:nvPr/>
+        </p:nvCxnSpPr>
+        <p:spPr>
+          <a:xfrm>
+            <a:off x="7176516" y="2450592"/>
+            <a:ext cx="330708" cy="4572"/>
+          </a:xfrm>
+          <a:prstGeom prst="straightConnector1">
+            <a:avLst/>
+          </a:prstGeom>
+          <a:ln>
+            <a:tailEnd type="triangle"/>
+          </a:ln>
+        </p:spPr>
+        <p:style>
+          <a:lnRef idx="1">
+            <a:schemeClr val="accent1"/>
+          </a:lnRef>
+          <a:fillRef idx="0">
+            <a:schemeClr val="accent1"/>
+          </a:fillRef>
+          <a:effectRef idx="0">
+            <a:schemeClr val="accent1"/>
+          </a:effectRef>
+          <a:fontRef idx="minor">
+            <a:schemeClr val="tx1"/>
+          </a:fontRef>
+        </p:style>
+      </p:cxnSp>
+      <p:cxnSp>
+        <p:nvCxnSpPr>
+          <p:cNvPr id="28" name="直接箭头连接符 27"/>
+          <p:cNvCxnSpPr>
+            <a:stCxn id="11" idx="3"/>
+            <a:endCxn id="12" idx="1"/>
+          </p:cNvCxnSpPr>
+          <p:nvPr/>
+        </p:nvCxnSpPr>
+        <p:spPr>
+          <a:xfrm>
+            <a:off x="8357616" y="2455164"/>
+            <a:ext cx="330708" cy="0"/>
+          </a:xfrm>
+          <a:prstGeom prst="straightConnector1">
+            <a:avLst/>
+          </a:prstGeom>
+          <a:ln>
+            <a:tailEnd type="triangle"/>
+          </a:ln>
+        </p:spPr>
+        <p:style>
+          <a:lnRef idx="1">
+            <a:schemeClr val="accent1"/>
+          </a:lnRef>
+          <a:fillRef idx="0">
+            <a:schemeClr val="accent1"/>
+          </a:fillRef>
+          <a:effectRef idx="0">
+            <a:schemeClr val="accent1"/>
+          </a:effectRef>
+          <a:fontRef idx="minor">
+            <a:schemeClr val="tx1"/>
+          </a:fontRef>
+        </p:style>
+      </p:cxnSp>
+      <p:sp>
+        <p:nvSpPr>
+          <p:cNvPr id="29" name="文本框 28"/>
           <p:cNvSpPr txBox="1"/>
           <p:nvPr/>
         </p:nvSpPr>
         <p:spPr>
           <a:xfrm>
-            <a:off x="3249979" y="3195429"/>
-            <a:ext cx="724878" cy="253916"/>
+            <a:off x="5002837" y="526909"/>
+            <a:ext cx="862737" cy="307777"/>
           </a:xfrm>
           <a:prstGeom prst="rect">
             <a:avLst/>
@@ -11453,28 +12751,104 @@
           <a:lstStyle/>
           <a:p>
             <a:r>
-              <a:rPr kumimoji="1" lang="en-US" altLang="zh-CN" sz="1050" dirty="0" err="1" smtClean="0"/>
-              <a:t>ReceiveQ</a:t>
-            </a:r>
-            <a:endParaRPr kumimoji="1" lang="zh-CN" altLang="en-US" sz="1050" dirty="0"/>
-          </a:p>
-        </p:txBody>
-      </p:sp>
-      <p:sp>
-        <p:nvSpPr>
-          <p:cNvPr id="32" name="文本框 31"/>
+              <a:rPr kumimoji="1" lang="en-US" altLang="zh-CN" sz="1400" smtClean="0"/>
+              <a:t>LifeCycle</a:t>
+            </a:r>
+            <a:endParaRPr kumimoji="1" lang="zh-CN" altLang="en-US" sz="1400" dirty="0"/>
+          </a:p>
+        </p:txBody>
+      </p:sp>
+      <p:cxnSp>
+        <p:nvCxnSpPr>
+          <p:cNvPr id="31" name="直接箭头连接符 30"/>
+          <p:cNvCxnSpPr>
+            <a:endCxn id="29" idx="2"/>
+          </p:cNvCxnSpPr>
+          <p:nvPr/>
+        </p:nvCxnSpPr>
+        <p:spPr>
+          <a:xfrm flipV="1">
+            <a:off x="3849624" y="834686"/>
+            <a:ext cx="1584582" cy="455048"/>
+          </a:xfrm>
+          <a:prstGeom prst="straightConnector1">
+            <a:avLst/>
+          </a:prstGeom>
+          <a:ln>
+            <a:tailEnd type="triangle"/>
+          </a:ln>
+        </p:spPr>
+        <p:style>
+          <a:lnRef idx="1">
+            <a:schemeClr val="accent1"/>
+          </a:lnRef>
+          <a:fillRef idx="0">
+            <a:schemeClr val="accent1"/>
+          </a:fillRef>
+          <a:effectRef idx="0">
+            <a:schemeClr val="accent1"/>
+          </a:effectRef>
+          <a:fontRef idx="minor">
+            <a:schemeClr val="tx1"/>
+          </a:fontRef>
+        </p:style>
+      </p:cxnSp>
+      <p:cxnSp>
+        <p:nvCxnSpPr>
+          <p:cNvPr id="33" name="直接箭头连接符 32"/>
+          <p:cNvCxnSpPr>
+            <a:endCxn id="29" idx="2"/>
+          </p:cNvCxnSpPr>
+          <p:nvPr/>
+        </p:nvCxnSpPr>
+        <p:spPr>
+          <a:xfrm flipH="1" flipV="1">
+            <a:off x="5434206" y="834686"/>
+            <a:ext cx="1742311" cy="451633"/>
+          </a:xfrm>
+          <a:prstGeom prst="straightConnector1">
+            <a:avLst/>
+          </a:prstGeom>
+          <a:ln>
+            <a:tailEnd type="triangle"/>
+          </a:ln>
+        </p:spPr>
+        <p:style>
+          <a:lnRef idx="1">
+            <a:schemeClr val="accent1"/>
+          </a:lnRef>
+          <a:fillRef idx="0">
+            <a:schemeClr val="accent1"/>
+          </a:fillRef>
+          <a:effectRef idx="0">
+            <a:schemeClr val="accent1"/>
+          </a:effectRef>
+          <a:fontRef idx="minor">
+            <a:schemeClr val="tx1"/>
+          </a:fontRef>
+        </p:style>
+      </p:cxnSp>
+      <p:sp>
+        <p:nvSpPr>
+          <p:cNvPr id="2" name="文本框 1"/>
           <p:cNvSpPr txBox="1"/>
           <p:nvPr/>
         </p:nvSpPr>
         <p:spPr>
           <a:xfrm>
-            <a:off x="392538" y="6125659"/>
-            <a:ext cx="4851008" cy="276999"/>
-          </a:xfrm>
-          <a:prstGeom prst="rect">
-            <a:avLst/>
-          </a:prstGeom>
-          <a:noFill/>
+            <a:off x="3077849" y="3954350"/>
+            <a:ext cx="1342034" cy="577081"/>
+          </a:xfrm>
+          <a:prstGeom prst="rect">
+            <a:avLst/>
+          </a:prstGeom>
+          <a:noFill/>
+          <a:ln>
+            <a:solidFill>
+              <a:schemeClr val="tx1"/>
+            </a:solidFill>
+            <a:prstDash val="sysDot"/>
+          </a:ln>
         </p:spPr>
         <p:txBody>
           <a:bodyPr wrap="none" rtlCol="0">
@@ -11483,67 +12857,84 @@
           <a:lstStyle/>
           <a:p>
             <a:r>
-              <a:rPr kumimoji="1" lang="en-US" altLang="zh-CN" sz="1200" smtClean="0"/>
-              <a:t>Channel</a:t>
-            </a:r>
-            <a:r>
-              <a:rPr kumimoji="1" lang="zh-CN" altLang="en-US" sz="1200" smtClean="0"/>
-              <a:t>是车，</a:t>
-            </a:r>
-            <a:r>
-              <a:rPr kumimoji="1" lang="en-US" altLang="zh-CN" sz="1200" smtClean="0"/>
-              <a:t>Buffer</a:t>
-            </a:r>
-            <a:r>
-              <a:rPr kumimoji="1" lang="zh-CN" altLang="en-US" sz="1200" smtClean="0"/>
-              <a:t>是座位</a:t>
-            </a:r>
-            <a:r>
-              <a:rPr kumimoji="1" lang="en-US" altLang="zh-CN" sz="1200" smtClean="0"/>
-              <a:t>(</a:t>
-            </a:r>
-            <a:r>
-              <a:rPr kumimoji="1" lang="zh-CN" altLang="en-US" sz="1200" smtClean="0"/>
-              <a:t>传输的数据</a:t>
-            </a:r>
-            <a:r>
-              <a:rPr kumimoji="1" lang="en-US" altLang="zh-CN" sz="1200" smtClean="0"/>
-              <a:t>)</a:t>
-            </a:r>
-            <a:r>
-              <a:rPr kumimoji="1" lang="zh-CN" altLang="en-US" sz="1200" smtClean="0"/>
-              <a:t>，</a:t>
-            </a:r>
-            <a:r>
-              <a:rPr kumimoji="1" lang="en-US" altLang="zh-CN" sz="1200" smtClean="0"/>
-              <a:t>Selector</a:t>
-            </a:r>
-            <a:r>
-              <a:rPr kumimoji="1" lang="zh-CN" altLang="en-US" sz="1200" smtClean="0"/>
-              <a:t>是</a:t>
-            </a:r>
-            <a:r>
-              <a:rPr kumimoji="1" lang="en-US" altLang="zh-CN" sz="1200" smtClean="0"/>
-              <a:t>channel</a:t>
-            </a:r>
-            <a:r>
-              <a:rPr kumimoji="1" lang="zh-CN" altLang="en-US" sz="1200" smtClean="0"/>
-              <a:t>的监听器</a:t>
-            </a:r>
-            <a:endParaRPr kumimoji="1" lang="zh-CN" altLang="en-US" sz="1200" dirty="0"/>
-          </a:p>
-        </p:txBody>
-      </p:sp>
-      <p:sp>
-        <p:nvSpPr>
-          <p:cNvPr id="33" name="文本框 32"/>
+              <a:rPr lang="zh-CN" altLang="en-US" sz="1050"/>
+              <a:t>监听</a:t>
+            </a:r>
+            <a:r>
+              <a:rPr lang="en-US" altLang="zh-CN" sz="1050" smtClean="0"/>
+              <a:t>socket</a:t>
+            </a:r>
+            <a:r>
+              <a:rPr lang="zh-CN" altLang="en-US" sz="1050" smtClean="0"/>
+              <a:t>连接，</a:t>
+            </a:r>
+            <a:endParaRPr lang="en-US" altLang="zh-CN" sz="1050" smtClean="0"/>
+          </a:p>
+          <a:p>
+            <a:r>
+              <a:rPr lang="zh-CN" altLang="en-US" sz="1050" smtClean="0"/>
+              <a:t>封装</a:t>
+            </a:r>
+            <a:r>
+              <a:rPr lang="en-US" altLang="zh-CN" sz="1050" smtClean="0"/>
+              <a:t>servletRequest/</a:t>
+            </a:r>
+          </a:p>
+          <a:p>
+            <a:r>
+              <a:rPr lang="en-US" altLang="zh-CN" sz="1050" smtClean="0"/>
+              <a:t>ServetletResponse</a:t>
+            </a:r>
+            <a:endParaRPr lang="zh-CN" altLang="en-US" sz="1600"/>
+          </a:p>
+        </p:txBody>
+      </p:sp>
+      <p:cxnSp>
+        <p:nvCxnSpPr>
+          <p:cNvPr id="7" name="直接箭头连接符 6"/>
+          <p:cNvCxnSpPr>
+            <a:stCxn id="6" idx="2"/>
+            <a:endCxn id="2" idx="0"/>
+          </p:cNvCxnSpPr>
+          <p:nvPr/>
+        </p:nvCxnSpPr>
+        <p:spPr>
+          <a:xfrm flipH="1">
+            <a:off x="3748866" y="2766060"/>
+            <a:ext cx="4746" cy="1188290"/>
+          </a:xfrm>
+          <a:prstGeom prst="straightConnector1">
+            <a:avLst/>
+          </a:prstGeom>
+          <a:ln>
+            <a:tailEnd type="triangle"/>
+          </a:ln>
+        </p:spPr>
+        <p:style>
+          <a:lnRef idx="1">
+            <a:schemeClr val="accent1"/>
+          </a:lnRef>
+          <a:fillRef idx="0">
+            <a:schemeClr val="accent1"/>
+          </a:fillRef>
+          <a:effectRef idx="0">
+            <a:schemeClr val="accent1"/>
+          </a:effectRef>
+          <a:fontRef idx="minor">
+            <a:schemeClr val="tx1"/>
+          </a:fontRef>
+        </p:style>
+      </p:cxnSp>
+      <p:sp>
+        <p:nvSpPr>
+          <p:cNvPr id="23" name="文本框 22"/>
           <p:cNvSpPr txBox="1"/>
           <p:nvPr/>
         </p:nvSpPr>
         <p:spPr>
           <a:xfrm>
-            <a:off x="501805" y="323385"/>
-            <a:ext cx="1957587" cy="307777"/>
+            <a:off x="9113520" y="476462"/>
+            <a:ext cx="2433680" cy="253916"/>
           </a:xfrm>
           <a:prstGeom prst="rect">
             <a:avLst/>
@@ -11557,497 +12948,31 @@
           <a:lstStyle/>
           <a:p>
             <a:r>
-              <a:rPr kumimoji="1" lang="en-US" altLang="zh-CN" sz="1400" smtClean="0"/>
-              <a:t>NIO Socket</a:t>
-            </a:r>
-            <a:r>
-              <a:rPr kumimoji="1" lang="zh-CN" altLang="en-US" sz="1400" dirty="0" smtClean="0"/>
-              <a:t>传输过程：</a:t>
-            </a:r>
-            <a:endParaRPr kumimoji="1" lang="zh-CN" altLang="en-US" sz="1400" dirty="0"/>
-          </a:p>
-        </p:txBody>
-      </p:sp>
-      <p:sp>
-        <p:nvSpPr>
-          <p:cNvPr id="35" name="圆角矩形 34"/>
-          <p:cNvSpPr/>
-          <p:nvPr/>
-        </p:nvSpPr>
-        <p:spPr>
-          <a:xfrm>
-            <a:off x="3818613" y="3784009"/>
-            <a:ext cx="2895958" cy="317825"/>
-          </a:xfrm>
-          <a:prstGeom prst="roundRect">
-            <a:avLst/>
-          </a:prstGeom>
-        </p:spPr>
-        <p:style>
-          <a:lnRef idx="2">
-            <a:schemeClr val="accent1">
-              <a:shade val="50000"/>
-            </a:schemeClr>
-          </a:lnRef>
-          <a:fillRef idx="1">
-            <a:schemeClr val="accent1"/>
-          </a:fillRef>
-          <a:effectRef idx="0">
-            <a:schemeClr val="accent1"/>
-          </a:effectRef>
-          <a:fontRef idx="minor">
-            <a:schemeClr val="lt1"/>
-          </a:fontRef>
-        </p:style>
-        <p:txBody>
-          <a:bodyPr rtlCol="0" anchor="ctr"/>
-          <a:lstStyle/>
-          <a:p>
-            <a:pPr algn="ctr"/>
-            <a:endParaRPr lang="zh-CN" altLang="en-US"/>
-          </a:p>
-        </p:txBody>
-      </p:sp>
-      <p:sp>
-        <p:nvSpPr>
-          <p:cNvPr id="39" name="矩形 38"/>
-          <p:cNvSpPr/>
-          <p:nvPr/>
-        </p:nvSpPr>
-        <p:spPr>
-          <a:xfrm>
-            <a:off x="4392713" y="3784009"/>
-            <a:ext cx="134470" cy="79779"/>
-          </a:xfrm>
-          <a:prstGeom prst="rect">
-            <a:avLst/>
-          </a:prstGeom>
-          <a:solidFill>
-            <a:schemeClr val="accent2"/>
-          </a:solidFill>
-        </p:spPr>
-        <p:style>
-          <a:lnRef idx="2">
-            <a:schemeClr val="accent1">
-              <a:shade val="50000"/>
-            </a:schemeClr>
-          </a:lnRef>
-          <a:fillRef idx="1">
-            <a:schemeClr val="accent1"/>
-          </a:fillRef>
-          <a:effectRef idx="0">
-            <a:schemeClr val="accent1"/>
-          </a:effectRef>
-          <a:fontRef idx="minor">
-            <a:schemeClr val="lt1"/>
-          </a:fontRef>
-        </p:style>
-        <p:txBody>
-          <a:bodyPr rtlCol="0" anchor="ctr"/>
-          <a:lstStyle/>
-          <a:p>
-            <a:pPr algn="ctr"/>
-            <a:endParaRPr lang="zh-CN" altLang="en-US"/>
-          </a:p>
-        </p:txBody>
-      </p:sp>
-      <p:sp>
-        <p:nvSpPr>
-          <p:cNvPr id="40" name="矩形 39"/>
-          <p:cNvSpPr/>
-          <p:nvPr/>
-        </p:nvSpPr>
-        <p:spPr>
-          <a:xfrm>
-            <a:off x="5961446" y="3784009"/>
-            <a:ext cx="134470" cy="79779"/>
-          </a:xfrm>
-          <a:prstGeom prst="rect">
-            <a:avLst/>
-          </a:prstGeom>
-          <a:solidFill>
-            <a:schemeClr val="accent2"/>
-          </a:solidFill>
-        </p:spPr>
-        <p:style>
-          <a:lnRef idx="2">
-            <a:schemeClr val="accent1">
-              <a:shade val="50000"/>
-            </a:schemeClr>
-          </a:lnRef>
-          <a:fillRef idx="1">
-            <a:schemeClr val="accent1"/>
-          </a:fillRef>
-          <a:effectRef idx="0">
-            <a:schemeClr val="accent1"/>
-          </a:effectRef>
-          <a:fontRef idx="minor">
-            <a:schemeClr val="lt1"/>
-          </a:fontRef>
-        </p:style>
-        <p:txBody>
-          <a:bodyPr rtlCol="0" anchor="ctr"/>
-          <a:lstStyle/>
-          <a:p>
-            <a:pPr algn="ctr"/>
-            <a:endParaRPr lang="zh-CN" altLang="en-US"/>
-          </a:p>
-        </p:txBody>
-      </p:sp>
-      <p:sp>
-        <p:nvSpPr>
-          <p:cNvPr id="41" name="矩形 40"/>
-          <p:cNvSpPr/>
-          <p:nvPr/>
-        </p:nvSpPr>
-        <p:spPr>
-          <a:xfrm>
-            <a:off x="5547165" y="3781783"/>
-            <a:ext cx="134470" cy="79779"/>
-          </a:xfrm>
-          <a:prstGeom prst="rect">
-            <a:avLst/>
-          </a:prstGeom>
-          <a:solidFill>
-            <a:schemeClr val="accent2"/>
-          </a:solidFill>
-        </p:spPr>
-        <p:style>
-          <a:lnRef idx="2">
-            <a:schemeClr val="accent1">
-              <a:shade val="50000"/>
-            </a:schemeClr>
-          </a:lnRef>
-          <a:fillRef idx="1">
-            <a:schemeClr val="accent1"/>
-          </a:fillRef>
-          <a:effectRef idx="0">
-            <a:schemeClr val="accent1"/>
-          </a:effectRef>
-          <a:fontRef idx="minor">
-            <a:schemeClr val="lt1"/>
-          </a:fontRef>
-        </p:style>
-        <p:txBody>
-          <a:bodyPr rtlCol="0" anchor="ctr"/>
-          <a:lstStyle/>
-          <a:p>
-            <a:pPr algn="ctr"/>
-            <a:endParaRPr lang="zh-CN" altLang="en-US"/>
-          </a:p>
-        </p:txBody>
-      </p:sp>
-      <p:sp>
-        <p:nvSpPr>
-          <p:cNvPr id="42" name="矩形 41"/>
-          <p:cNvSpPr/>
-          <p:nvPr/>
-        </p:nvSpPr>
-        <p:spPr>
-          <a:xfrm>
-            <a:off x="5199357" y="3781784"/>
-            <a:ext cx="134470" cy="79779"/>
-          </a:xfrm>
-          <a:prstGeom prst="rect">
-            <a:avLst/>
-          </a:prstGeom>
-          <a:solidFill>
-            <a:schemeClr val="accent2"/>
-          </a:solidFill>
-        </p:spPr>
-        <p:style>
-          <a:lnRef idx="2">
-            <a:schemeClr val="accent1">
-              <a:shade val="50000"/>
-            </a:schemeClr>
-          </a:lnRef>
-          <a:fillRef idx="1">
-            <a:schemeClr val="accent1"/>
-          </a:fillRef>
-          <a:effectRef idx="0">
-            <a:schemeClr val="accent1"/>
-          </a:effectRef>
-          <a:fontRef idx="minor">
-            <a:schemeClr val="lt1"/>
-          </a:fontRef>
-        </p:style>
-        <p:txBody>
-          <a:bodyPr rtlCol="0" anchor="ctr"/>
-          <a:lstStyle/>
-          <a:p>
-            <a:pPr algn="ctr"/>
-            <a:endParaRPr lang="zh-CN" altLang="en-US"/>
-          </a:p>
-        </p:txBody>
-      </p:sp>
-      <p:sp>
-        <p:nvSpPr>
-          <p:cNvPr id="43" name="矩形 42"/>
-          <p:cNvSpPr/>
-          <p:nvPr/>
-        </p:nvSpPr>
-        <p:spPr>
-          <a:xfrm>
-            <a:off x="4778195" y="3781785"/>
-            <a:ext cx="134470" cy="79779"/>
-          </a:xfrm>
-          <a:prstGeom prst="rect">
-            <a:avLst/>
-          </a:prstGeom>
-          <a:solidFill>
-            <a:schemeClr val="accent2"/>
-          </a:solidFill>
-        </p:spPr>
-        <p:style>
-          <a:lnRef idx="2">
-            <a:schemeClr val="accent1">
-              <a:shade val="50000"/>
-            </a:schemeClr>
-          </a:lnRef>
-          <a:fillRef idx="1">
-            <a:schemeClr val="accent1"/>
-          </a:fillRef>
-          <a:effectRef idx="0">
-            <a:schemeClr val="accent1"/>
-          </a:effectRef>
-          <a:fontRef idx="minor">
-            <a:schemeClr val="lt1"/>
-          </a:fontRef>
-        </p:style>
-        <p:txBody>
-          <a:bodyPr rtlCol="0" anchor="ctr"/>
-          <a:lstStyle/>
-          <a:p>
-            <a:pPr algn="ctr"/>
-            <a:endParaRPr lang="zh-CN" altLang="en-US"/>
-          </a:p>
-        </p:txBody>
-      </p:sp>
-      <p:sp>
-        <p:nvSpPr>
-          <p:cNvPr id="44" name="矩形 43"/>
-          <p:cNvSpPr/>
-          <p:nvPr/>
-        </p:nvSpPr>
-        <p:spPr>
-          <a:xfrm>
-            <a:off x="4387589" y="4024741"/>
-            <a:ext cx="134470" cy="79779"/>
-          </a:xfrm>
-          <a:prstGeom prst="rect">
-            <a:avLst/>
-          </a:prstGeom>
-          <a:solidFill>
-            <a:schemeClr val="accent2"/>
-          </a:solidFill>
-        </p:spPr>
-        <p:style>
-          <a:lnRef idx="2">
-            <a:schemeClr val="accent1">
-              <a:shade val="50000"/>
-            </a:schemeClr>
-          </a:lnRef>
-          <a:fillRef idx="1">
-            <a:schemeClr val="accent1"/>
-          </a:fillRef>
-          <a:effectRef idx="0">
-            <a:schemeClr val="accent1"/>
-          </a:effectRef>
-          <a:fontRef idx="minor">
-            <a:schemeClr val="lt1"/>
-          </a:fontRef>
-        </p:style>
-        <p:txBody>
-          <a:bodyPr rtlCol="0" anchor="ctr"/>
-          <a:lstStyle/>
-          <a:p>
-            <a:pPr algn="ctr"/>
-            <a:endParaRPr lang="zh-CN" altLang="en-US"/>
-          </a:p>
-        </p:txBody>
-      </p:sp>
-      <p:sp>
-        <p:nvSpPr>
-          <p:cNvPr id="45" name="矩形 44"/>
-          <p:cNvSpPr/>
-          <p:nvPr/>
-        </p:nvSpPr>
-        <p:spPr>
-          <a:xfrm>
-            <a:off x="4784276" y="4022055"/>
-            <a:ext cx="134470" cy="79779"/>
-          </a:xfrm>
-          <a:prstGeom prst="rect">
-            <a:avLst/>
-          </a:prstGeom>
-          <a:solidFill>
-            <a:schemeClr val="accent2"/>
-          </a:solidFill>
-        </p:spPr>
-        <p:style>
-          <a:lnRef idx="2">
-            <a:schemeClr val="accent1">
-              <a:shade val="50000"/>
-            </a:schemeClr>
-          </a:lnRef>
-          <a:fillRef idx="1">
-            <a:schemeClr val="accent1"/>
-          </a:fillRef>
-          <a:effectRef idx="0">
-            <a:schemeClr val="accent1"/>
-          </a:effectRef>
-          <a:fontRef idx="minor">
-            <a:schemeClr val="lt1"/>
-          </a:fontRef>
-        </p:style>
-        <p:txBody>
-          <a:bodyPr rtlCol="0" anchor="ctr"/>
-          <a:lstStyle/>
-          <a:p>
-            <a:pPr algn="ctr"/>
-            <a:endParaRPr lang="zh-CN" altLang="en-US"/>
-          </a:p>
-        </p:txBody>
-      </p:sp>
-      <p:sp>
-        <p:nvSpPr>
-          <p:cNvPr id="46" name="矩形 45"/>
-          <p:cNvSpPr/>
-          <p:nvPr/>
-        </p:nvSpPr>
-        <p:spPr>
-          <a:xfrm>
-            <a:off x="5199357" y="4024741"/>
-            <a:ext cx="134470" cy="79779"/>
-          </a:xfrm>
-          <a:prstGeom prst="rect">
-            <a:avLst/>
-          </a:prstGeom>
-          <a:solidFill>
-            <a:schemeClr val="accent2"/>
-          </a:solidFill>
-        </p:spPr>
-        <p:style>
-          <a:lnRef idx="2">
-            <a:schemeClr val="accent1">
-              <a:shade val="50000"/>
-            </a:schemeClr>
-          </a:lnRef>
-          <a:fillRef idx="1">
-            <a:schemeClr val="accent1"/>
-          </a:fillRef>
-          <a:effectRef idx="0">
-            <a:schemeClr val="accent1"/>
-          </a:effectRef>
-          <a:fontRef idx="minor">
-            <a:schemeClr val="lt1"/>
-          </a:fontRef>
-        </p:style>
-        <p:txBody>
-          <a:bodyPr rtlCol="0" anchor="ctr"/>
-          <a:lstStyle/>
-          <a:p>
-            <a:pPr algn="ctr"/>
-            <a:endParaRPr lang="zh-CN" altLang="en-US"/>
-          </a:p>
-        </p:txBody>
-      </p:sp>
-      <p:sp>
-        <p:nvSpPr>
-          <p:cNvPr id="47" name="矩形 46"/>
-          <p:cNvSpPr/>
-          <p:nvPr/>
-        </p:nvSpPr>
-        <p:spPr>
-          <a:xfrm>
-            <a:off x="5547165" y="4025201"/>
-            <a:ext cx="134470" cy="79779"/>
-          </a:xfrm>
-          <a:prstGeom prst="rect">
-            <a:avLst/>
-          </a:prstGeom>
-          <a:solidFill>
-            <a:schemeClr val="accent2"/>
-          </a:solidFill>
-        </p:spPr>
-        <p:style>
-          <a:lnRef idx="2">
-            <a:schemeClr val="accent1">
-              <a:shade val="50000"/>
-            </a:schemeClr>
-          </a:lnRef>
-          <a:fillRef idx="1">
-            <a:schemeClr val="accent1"/>
-          </a:fillRef>
-          <a:effectRef idx="0">
-            <a:schemeClr val="accent1"/>
-          </a:effectRef>
-          <a:fontRef idx="minor">
-            <a:schemeClr val="lt1"/>
-          </a:fontRef>
-        </p:style>
-        <p:txBody>
-          <a:bodyPr rtlCol="0" anchor="ctr"/>
-          <a:lstStyle/>
-          <a:p>
-            <a:pPr algn="ctr"/>
-            <a:endParaRPr lang="zh-CN" altLang="en-US"/>
-          </a:p>
-        </p:txBody>
-      </p:sp>
-      <p:sp>
-        <p:nvSpPr>
-          <p:cNvPr id="48" name="矩形 47"/>
-          <p:cNvSpPr/>
-          <p:nvPr/>
-        </p:nvSpPr>
-        <p:spPr>
-          <a:xfrm>
-            <a:off x="5965838" y="4018898"/>
-            <a:ext cx="134470" cy="79779"/>
-          </a:xfrm>
-          <a:prstGeom prst="rect">
-            <a:avLst/>
-          </a:prstGeom>
-          <a:solidFill>
-            <a:schemeClr val="accent2"/>
-          </a:solidFill>
-        </p:spPr>
-        <p:style>
-          <a:lnRef idx="2">
-            <a:schemeClr val="accent1">
-              <a:shade val="50000"/>
-            </a:schemeClr>
-          </a:lnRef>
-          <a:fillRef idx="1">
-            <a:schemeClr val="accent1"/>
-          </a:fillRef>
-          <a:effectRef idx="0">
-            <a:schemeClr val="accent1"/>
-          </a:effectRef>
-          <a:fontRef idx="minor">
-            <a:schemeClr val="lt1"/>
-          </a:fontRef>
-        </p:style>
-        <p:txBody>
-          <a:bodyPr rtlCol="0" anchor="ctr"/>
-          <a:lstStyle/>
-          <a:p>
-            <a:pPr algn="ctr"/>
-            <a:endParaRPr lang="zh-CN" altLang="en-US"/>
-          </a:p>
-        </p:txBody>
-      </p:sp>
-      <p:sp>
-        <p:nvSpPr>
-          <p:cNvPr id="49" name="文本框 48"/>
+              <a:rPr kumimoji="1" lang="en-US" altLang="zh-CN" sz="1050" smtClean="0"/>
+              <a:t>ServletContainerInitializer</a:t>
+            </a:r>
+            <a:r>
+              <a:rPr kumimoji="1" lang="zh-CN" altLang="en-US" sz="1050" smtClean="0"/>
+              <a:t>：</a:t>
+            </a:r>
+            <a:r>
+              <a:rPr kumimoji="1" lang="en-US" altLang="zh-CN" sz="1050" smtClean="0"/>
+              <a:t>onStartup()</a:t>
+            </a:r>
+            <a:endParaRPr kumimoji="1" lang="zh-CN" altLang="en-US" sz="1050" dirty="0"/>
+          </a:p>
+        </p:txBody>
+      </p:sp>
+      <p:sp>
+        <p:nvSpPr>
+          <p:cNvPr id="25" name="文本框 24"/>
           <p:cNvSpPr txBox="1"/>
           <p:nvPr/>
         </p:nvSpPr>
         <p:spPr>
           <a:xfrm>
-            <a:off x="4312062" y="3187735"/>
-            <a:ext cx="654346" cy="261610"/>
+            <a:off x="7341870" y="3097699"/>
+            <a:ext cx="792205" cy="307777"/>
           </a:xfrm>
           <a:prstGeom prst="rect">
             <a:avLst/>
@@ -12061,907 +12986,17 @@
           <a:lstStyle/>
           <a:p>
             <a:r>
-              <a:rPr lang="en-US" altLang="zh-CN" sz="1100" smtClean="0"/>
-              <a:t>channel</a:t>
-            </a:r>
-            <a:endParaRPr lang="zh-CN" altLang="en-US" sz="1100"/>
-          </a:p>
-        </p:txBody>
-      </p:sp>
-      <p:cxnSp>
-        <p:nvCxnSpPr>
-          <p:cNvPr id="51" name="直接箭头连接符 50"/>
-          <p:cNvCxnSpPr/>
-          <p:nvPr/>
-        </p:nvCxnSpPr>
-        <p:spPr>
-          <a:xfrm flipH="1">
-            <a:off x="4016930" y="3433052"/>
-            <a:ext cx="447836" cy="350957"/>
-          </a:xfrm>
-          <a:prstGeom prst="straightConnector1">
-            <a:avLst/>
-          </a:prstGeom>
-          <a:ln>
-            <a:tailEnd type="triangle"/>
-          </a:ln>
-        </p:spPr>
-        <p:style>
-          <a:lnRef idx="1">
-            <a:schemeClr val="accent1"/>
-          </a:lnRef>
-          <a:fillRef idx="0">
-            <a:schemeClr val="accent1"/>
-          </a:fillRef>
-          <a:effectRef idx="0">
-            <a:schemeClr val="accent1"/>
-          </a:effectRef>
-          <a:fontRef idx="minor">
-            <a:schemeClr val="tx1"/>
-          </a:fontRef>
-        </p:style>
-      </p:cxnSp>
-      <p:sp>
-        <p:nvSpPr>
-          <p:cNvPr id="53" name="文本框 52"/>
-          <p:cNvSpPr txBox="1"/>
-          <p:nvPr/>
-        </p:nvSpPr>
-        <p:spPr>
-          <a:xfrm>
-            <a:off x="5372902" y="3332399"/>
-            <a:ext cx="545342" cy="261610"/>
-          </a:xfrm>
-          <a:prstGeom prst="rect">
-            <a:avLst/>
-          </a:prstGeom>
-          <a:noFill/>
-        </p:spPr>
-        <p:txBody>
-          <a:bodyPr wrap="none" rtlCol="0">
-            <a:spAutoFit/>
-          </a:bodyPr>
-          <a:lstStyle/>
-          <a:p>
-            <a:r>
-              <a:rPr lang="en-US" altLang="zh-CN" sz="1100" smtClean="0"/>
-              <a:t>buffer</a:t>
-            </a:r>
-            <a:endParaRPr lang="zh-CN" altLang="en-US" sz="1100"/>
-          </a:p>
-        </p:txBody>
-      </p:sp>
-      <p:cxnSp>
-        <p:nvCxnSpPr>
-          <p:cNvPr id="55" name="直接箭头连接符 54"/>
-          <p:cNvCxnSpPr>
-            <a:endCxn id="40" idx="0"/>
-          </p:cNvCxnSpPr>
-          <p:nvPr/>
-        </p:nvCxnSpPr>
-        <p:spPr>
-          <a:xfrm>
-            <a:off x="5779500" y="3543847"/>
-            <a:ext cx="249181" cy="240162"/>
-          </a:xfrm>
-          <a:prstGeom prst="straightConnector1">
-            <a:avLst/>
-          </a:prstGeom>
-          <a:ln>
-            <a:tailEnd type="triangle"/>
-          </a:ln>
-        </p:spPr>
-        <p:style>
-          <a:lnRef idx="1">
-            <a:schemeClr val="accent1"/>
-          </a:lnRef>
-          <a:fillRef idx="0">
-            <a:schemeClr val="accent1"/>
-          </a:fillRef>
-          <a:effectRef idx="0">
-            <a:schemeClr val="accent1"/>
-          </a:effectRef>
-          <a:fontRef idx="minor">
-            <a:schemeClr val="tx1"/>
-          </a:fontRef>
-        </p:style>
-      </p:cxnSp>
-      <p:cxnSp>
-        <p:nvCxnSpPr>
-          <p:cNvPr id="59" name="直接箭头连接符 58"/>
-          <p:cNvCxnSpPr>
-            <a:endCxn id="41" idx="0"/>
-          </p:cNvCxnSpPr>
-          <p:nvPr/>
-        </p:nvCxnSpPr>
-        <p:spPr>
-          <a:xfrm flipH="1">
-            <a:off x="5614400" y="3541441"/>
-            <a:ext cx="174469" cy="240342"/>
-          </a:xfrm>
-          <a:prstGeom prst="straightConnector1">
-            <a:avLst/>
-          </a:prstGeom>
-          <a:ln>
-            <a:tailEnd type="triangle"/>
-          </a:ln>
-        </p:spPr>
-        <p:style>
-          <a:lnRef idx="1">
-            <a:schemeClr val="accent1"/>
-          </a:lnRef>
-          <a:fillRef idx="0">
-            <a:schemeClr val="accent1"/>
-          </a:fillRef>
-          <a:effectRef idx="0">
-            <a:schemeClr val="accent1"/>
-          </a:effectRef>
-          <a:fontRef idx="minor">
-            <a:schemeClr val="tx1"/>
-          </a:fontRef>
-        </p:style>
-      </p:cxnSp>
-      <p:sp>
-        <p:nvSpPr>
-          <p:cNvPr id="60" name="圆角矩形 59"/>
-          <p:cNvSpPr/>
-          <p:nvPr/>
-        </p:nvSpPr>
-        <p:spPr>
-          <a:xfrm>
-            <a:off x="3818613" y="4332593"/>
-            <a:ext cx="2895958" cy="317825"/>
-          </a:xfrm>
-          <a:prstGeom prst="roundRect">
-            <a:avLst/>
-          </a:prstGeom>
-        </p:spPr>
-        <p:style>
-          <a:lnRef idx="2">
-            <a:schemeClr val="accent1">
-              <a:shade val="50000"/>
-            </a:schemeClr>
-          </a:lnRef>
-          <a:fillRef idx="1">
-            <a:schemeClr val="accent1"/>
-          </a:fillRef>
-          <a:effectRef idx="0">
-            <a:schemeClr val="accent1"/>
-          </a:effectRef>
-          <a:fontRef idx="minor">
-            <a:schemeClr val="lt1"/>
-          </a:fontRef>
-        </p:style>
-        <p:txBody>
-          <a:bodyPr rtlCol="0" anchor="ctr"/>
-          <a:lstStyle/>
-          <a:p>
-            <a:pPr algn="ctr"/>
-            <a:endParaRPr lang="zh-CN" altLang="en-US"/>
-          </a:p>
-        </p:txBody>
-      </p:sp>
-      <p:sp>
-        <p:nvSpPr>
-          <p:cNvPr id="61" name="矩形 60"/>
-          <p:cNvSpPr/>
-          <p:nvPr/>
-        </p:nvSpPr>
-        <p:spPr>
-          <a:xfrm>
-            <a:off x="4392713" y="4332593"/>
-            <a:ext cx="134470" cy="79779"/>
-          </a:xfrm>
-          <a:prstGeom prst="rect">
-            <a:avLst/>
-          </a:prstGeom>
-          <a:solidFill>
-            <a:schemeClr val="accent2"/>
-          </a:solidFill>
-        </p:spPr>
-        <p:style>
-          <a:lnRef idx="2">
-            <a:schemeClr val="accent1">
-              <a:shade val="50000"/>
-            </a:schemeClr>
-          </a:lnRef>
-          <a:fillRef idx="1">
-            <a:schemeClr val="accent1"/>
-          </a:fillRef>
-          <a:effectRef idx="0">
-            <a:schemeClr val="accent1"/>
-          </a:effectRef>
-          <a:fontRef idx="minor">
-            <a:schemeClr val="lt1"/>
-          </a:fontRef>
-        </p:style>
-        <p:txBody>
-          <a:bodyPr rtlCol="0" anchor="ctr"/>
-          <a:lstStyle/>
-          <a:p>
-            <a:pPr algn="ctr"/>
-            <a:endParaRPr lang="zh-CN" altLang="en-US"/>
-          </a:p>
-        </p:txBody>
-      </p:sp>
-      <p:sp>
-        <p:nvSpPr>
-          <p:cNvPr id="62" name="矩形 61"/>
-          <p:cNvSpPr/>
-          <p:nvPr/>
-        </p:nvSpPr>
-        <p:spPr>
-          <a:xfrm>
-            <a:off x="5961446" y="4332593"/>
-            <a:ext cx="134470" cy="79779"/>
-          </a:xfrm>
-          <a:prstGeom prst="rect">
-            <a:avLst/>
-          </a:prstGeom>
-          <a:solidFill>
-            <a:schemeClr val="accent2"/>
-          </a:solidFill>
-        </p:spPr>
-        <p:style>
-          <a:lnRef idx="2">
-            <a:schemeClr val="accent1">
-              <a:shade val="50000"/>
-            </a:schemeClr>
-          </a:lnRef>
-          <a:fillRef idx="1">
-            <a:schemeClr val="accent1"/>
-          </a:fillRef>
-          <a:effectRef idx="0">
-            <a:schemeClr val="accent1"/>
-          </a:effectRef>
-          <a:fontRef idx="minor">
-            <a:schemeClr val="lt1"/>
-          </a:fontRef>
-        </p:style>
-        <p:txBody>
-          <a:bodyPr rtlCol="0" anchor="ctr"/>
-          <a:lstStyle/>
-          <a:p>
-            <a:pPr algn="ctr"/>
-            <a:endParaRPr lang="zh-CN" altLang="en-US"/>
-          </a:p>
-        </p:txBody>
-      </p:sp>
-      <p:sp>
-        <p:nvSpPr>
-          <p:cNvPr id="63" name="矩形 62"/>
-          <p:cNvSpPr/>
-          <p:nvPr/>
-        </p:nvSpPr>
-        <p:spPr>
-          <a:xfrm>
-            <a:off x="5547165" y="4330367"/>
-            <a:ext cx="134470" cy="79779"/>
-          </a:xfrm>
-          <a:prstGeom prst="rect">
-            <a:avLst/>
-          </a:prstGeom>
-          <a:solidFill>
-            <a:schemeClr val="accent2"/>
-          </a:solidFill>
-        </p:spPr>
-        <p:style>
-          <a:lnRef idx="2">
-            <a:schemeClr val="accent1">
-              <a:shade val="50000"/>
-            </a:schemeClr>
-          </a:lnRef>
-          <a:fillRef idx="1">
-            <a:schemeClr val="accent1"/>
-          </a:fillRef>
-          <a:effectRef idx="0">
-            <a:schemeClr val="accent1"/>
-          </a:effectRef>
-          <a:fontRef idx="minor">
-            <a:schemeClr val="lt1"/>
-          </a:fontRef>
-        </p:style>
-        <p:txBody>
-          <a:bodyPr rtlCol="0" anchor="ctr"/>
-          <a:lstStyle/>
-          <a:p>
-            <a:pPr algn="ctr"/>
-            <a:endParaRPr lang="zh-CN" altLang="en-US"/>
-          </a:p>
-        </p:txBody>
-      </p:sp>
-      <p:sp>
-        <p:nvSpPr>
-          <p:cNvPr id="64" name="矩形 63"/>
-          <p:cNvSpPr/>
-          <p:nvPr/>
-        </p:nvSpPr>
-        <p:spPr>
-          <a:xfrm>
-            <a:off x="5199357" y="4330368"/>
-            <a:ext cx="134470" cy="79779"/>
-          </a:xfrm>
-          <a:prstGeom prst="rect">
-            <a:avLst/>
-          </a:prstGeom>
-          <a:solidFill>
-            <a:schemeClr val="accent2"/>
-          </a:solidFill>
-        </p:spPr>
-        <p:style>
-          <a:lnRef idx="2">
-            <a:schemeClr val="accent1">
-              <a:shade val="50000"/>
-            </a:schemeClr>
-          </a:lnRef>
-          <a:fillRef idx="1">
-            <a:schemeClr val="accent1"/>
-          </a:fillRef>
-          <a:effectRef idx="0">
-            <a:schemeClr val="accent1"/>
-          </a:effectRef>
-          <a:fontRef idx="minor">
-            <a:schemeClr val="lt1"/>
-          </a:fontRef>
-        </p:style>
-        <p:txBody>
-          <a:bodyPr rtlCol="0" anchor="ctr"/>
-          <a:lstStyle/>
-          <a:p>
-            <a:pPr algn="ctr"/>
-            <a:endParaRPr lang="zh-CN" altLang="en-US"/>
-          </a:p>
-        </p:txBody>
-      </p:sp>
-      <p:sp>
-        <p:nvSpPr>
-          <p:cNvPr id="65" name="矩形 64"/>
-          <p:cNvSpPr/>
-          <p:nvPr/>
-        </p:nvSpPr>
-        <p:spPr>
-          <a:xfrm>
-            <a:off x="4778195" y="4330369"/>
-            <a:ext cx="134470" cy="79779"/>
-          </a:xfrm>
-          <a:prstGeom prst="rect">
-            <a:avLst/>
-          </a:prstGeom>
-          <a:solidFill>
-            <a:schemeClr val="accent2"/>
-          </a:solidFill>
-        </p:spPr>
-        <p:style>
-          <a:lnRef idx="2">
-            <a:schemeClr val="accent1">
-              <a:shade val="50000"/>
-            </a:schemeClr>
-          </a:lnRef>
-          <a:fillRef idx="1">
-            <a:schemeClr val="accent1"/>
-          </a:fillRef>
-          <a:effectRef idx="0">
-            <a:schemeClr val="accent1"/>
-          </a:effectRef>
-          <a:fontRef idx="minor">
-            <a:schemeClr val="lt1"/>
-          </a:fontRef>
-        </p:style>
-        <p:txBody>
-          <a:bodyPr rtlCol="0" anchor="ctr"/>
-          <a:lstStyle/>
-          <a:p>
-            <a:pPr algn="ctr"/>
-            <a:endParaRPr lang="zh-CN" altLang="en-US"/>
-          </a:p>
-        </p:txBody>
-      </p:sp>
-      <p:sp>
-        <p:nvSpPr>
-          <p:cNvPr id="66" name="矩形 65"/>
-          <p:cNvSpPr/>
-          <p:nvPr/>
-        </p:nvSpPr>
-        <p:spPr>
-          <a:xfrm>
-            <a:off x="4387589" y="4573325"/>
-            <a:ext cx="134470" cy="79779"/>
-          </a:xfrm>
-          <a:prstGeom prst="rect">
-            <a:avLst/>
-          </a:prstGeom>
-          <a:solidFill>
-            <a:schemeClr val="accent2"/>
-          </a:solidFill>
-        </p:spPr>
-        <p:style>
-          <a:lnRef idx="2">
-            <a:schemeClr val="accent1">
-              <a:shade val="50000"/>
-            </a:schemeClr>
-          </a:lnRef>
-          <a:fillRef idx="1">
-            <a:schemeClr val="accent1"/>
-          </a:fillRef>
-          <a:effectRef idx="0">
-            <a:schemeClr val="accent1"/>
-          </a:effectRef>
-          <a:fontRef idx="minor">
-            <a:schemeClr val="lt1"/>
-          </a:fontRef>
-        </p:style>
-        <p:txBody>
-          <a:bodyPr rtlCol="0" anchor="ctr"/>
-          <a:lstStyle/>
-          <a:p>
-            <a:pPr algn="ctr"/>
-            <a:endParaRPr lang="zh-CN" altLang="en-US"/>
-          </a:p>
-        </p:txBody>
-      </p:sp>
-      <p:sp>
-        <p:nvSpPr>
-          <p:cNvPr id="67" name="矩形 66"/>
-          <p:cNvSpPr/>
-          <p:nvPr/>
-        </p:nvSpPr>
-        <p:spPr>
-          <a:xfrm>
-            <a:off x="4784276" y="4570639"/>
-            <a:ext cx="134470" cy="79779"/>
-          </a:xfrm>
-          <a:prstGeom prst="rect">
-            <a:avLst/>
-          </a:prstGeom>
-          <a:solidFill>
-            <a:schemeClr val="accent2"/>
-          </a:solidFill>
-        </p:spPr>
-        <p:style>
-          <a:lnRef idx="2">
-            <a:schemeClr val="accent1">
-              <a:shade val="50000"/>
-            </a:schemeClr>
-          </a:lnRef>
-          <a:fillRef idx="1">
-            <a:schemeClr val="accent1"/>
-          </a:fillRef>
-          <a:effectRef idx="0">
-            <a:schemeClr val="accent1"/>
-          </a:effectRef>
-          <a:fontRef idx="minor">
-            <a:schemeClr val="lt1"/>
-          </a:fontRef>
-        </p:style>
-        <p:txBody>
-          <a:bodyPr rtlCol="0" anchor="ctr"/>
-          <a:lstStyle/>
-          <a:p>
-            <a:pPr algn="ctr"/>
-            <a:endParaRPr lang="zh-CN" altLang="en-US"/>
-          </a:p>
-        </p:txBody>
-      </p:sp>
-      <p:sp>
-        <p:nvSpPr>
-          <p:cNvPr id="68" name="矩形 67"/>
-          <p:cNvSpPr/>
-          <p:nvPr/>
-        </p:nvSpPr>
-        <p:spPr>
-          <a:xfrm>
-            <a:off x="5199357" y="4573325"/>
-            <a:ext cx="134470" cy="79779"/>
-          </a:xfrm>
-          <a:prstGeom prst="rect">
-            <a:avLst/>
-          </a:prstGeom>
-          <a:solidFill>
-            <a:schemeClr val="accent2"/>
-          </a:solidFill>
-        </p:spPr>
-        <p:style>
-          <a:lnRef idx="2">
-            <a:schemeClr val="accent1">
-              <a:shade val="50000"/>
-            </a:schemeClr>
-          </a:lnRef>
-          <a:fillRef idx="1">
-            <a:schemeClr val="accent1"/>
-          </a:fillRef>
-          <a:effectRef idx="0">
-            <a:schemeClr val="accent1"/>
-          </a:effectRef>
-          <a:fontRef idx="minor">
-            <a:schemeClr val="lt1"/>
-          </a:fontRef>
-        </p:style>
-        <p:txBody>
-          <a:bodyPr rtlCol="0" anchor="ctr"/>
-          <a:lstStyle/>
-          <a:p>
-            <a:pPr algn="ctr"/>
-            <a:endParaRPr lang="zh-CN" altLang="en-US"/>
-          </a:p>
-        </p:txBody>
-      </p:sp>
-      <p:sp>
-        <p:nvSpPr>
-          <p:cNvPr id="69" name="矩形 68"/>
-          <p:cNvSpPr/>
-          <p:nvPr/>
-        </p:nvSpPr>
-        <p:spPr>
-          <a:xfrm>
-            <a:off x="5547165" y="4573785"/>
-            <a:ext cx="134470" cy="79779"/>
-          </a:xfrm>
-          <a:prstGeom prst="rect">
-            <a:avLst/>
-          </a:prstGeom>
-          <a:solidFill>
-            <a:schemeClr val="accent2"/>
-          </a:solidFill>
-        </p:spPr>
-        <p:style>
-          <a:lnRef idx="2">
-            <a:schemeClr val="accent1">
-              <a:shade val="50000"/>
-            </a:schemeClr>
-          </a:lnRef>
-          <a:fillRef idx="1">
-            <a:schemeClr val="accent1"/>
-          </a:fillRef>
-          <a:effectRef idx="0">
-            <a:schemeClr val="accent1"/>
-          </a:effectRef>
-          <a:fontRef idx="minor">
-            <a:schemeClr val="lt1"/>
-          </a:fontRef>
-        </p:style>
-        <p:txBody>
-          <a:bodyPr rtlCol="0" anchor="ctr"/>
-          <a:lstStyle/>
-          <a:p>
-            <a:pPr algn="ctr"/>
-            <a:endParaRPr lang="zh-CN" altLang="en-US"/>
-          </a:p>
-        </p:txBody>
-      </p:sp>
-      <p:sp>
-        <p:nvSpPr>
-          <p:cNvPr id="70" name="矩形 69"/>
-          <p:cNvSpPr/>
-          <p:nvPr/>
-        </p:nvSpPr>
-        <p:spPr>
-          <a:xfrm>
-            <a:off x="5965838" y="4567482"/>
-            <a:ext cx="134470" cy="79779"/>
-          </a:xfrm>
-          <a:prstGeom prst="rect">
-            <a:avLst/>
-          </a:prstGeom>
-          <a:solidFill>
-            <a:schemeClr val="accent2"/>
-          </a:solidFill>
-        </p:spPr>
-        <p:style>
-          <a:lnRef idx="2">
-            <a:schemeClr val="accent1">
-              <a:shade val="50000"/>
-            </a:schemeClr>
-          </a:lnRef>
-          <a:fillRef idx="1">
-            <a:schemeClr val="accent1"/>
-          </a:fillRef>
-          <a:effectRef idx="0">
-            <a:schemeClr val="accent1"/>
-          </a:effectRef>
-          <a:fontRef idx="minor">
-            <a:schemeClr val="lt1"/>
-          </a:fontRef>
-        </p:style>
-        <p:txBody>
-          <a:bodyPr rtlCol="0" anchor="ctr"/>
-          <a:lstStyle/>
-          <a:p>
-            <a:pPr algn="ctr"/>
-            <a:endParaRPr lang="zh-CN" altLang="en-US"/>
-          </a:p>
-        </p:txBody>
-      </p:sp>
-      <p:sp>
-        <p:nvSpPr>
-          <p:cNvPr id="71" name="矩形 70"/>
-          <p:cNvSpPr/>
-          <p:nvPr/>
-        </p:nvSpPr>
-        <p:spPr>
-          <a:xfrm>
-            <a:off x="4779348" y="5055325"/>
-            <a:ext cx="1117908" cy="502024"/>
-          </a:xfrm>
-          <a:prstGeom prst="rect">
-            <a:avLst/>
-          </a:prstGeom>
-        </p:spPr>
-        <p:style>
-          <a:lnRef idx="2">
-            <a:schemeClr val="accent1">
-              <a:shade val="50000"/>
-            </a:schemeClr>
-          </a:lnRef>
-          <a:fillRef idx="1">
-            <a:schemeClr val="accent1"/>
-          </a:fillRef>
-          <a:effectRef idx="0">
-            <a:schemeClr val="accent1"/>
-          </a:effectRef>
-          <a:fontRef idx="minor">
-            <a:schemeClr val="lt1"/>
-          </a:fontRef>
-        </p:style>
-        <p:txBody>
-          <a:bodyPr rtlCol="0" anchor="ctr"/>
-          <a:lstStyle/>
-          <a:p>
-            <a:pPr algn="ctr"/>
-            <a:r>
-              <a:rPr lang="en-US" altLang="zh-CN" smtClean="0"/>
-              <a:t>Selector</a:t>
-            </a:r>
-            <a:endParaRPr lang="zh-CN" altLang="en-US"/>
-          </a:p>
-        </p:txBody>
-      </p:sp>
-      <p:cxnSp>
-        <p:nvCxnSpPr>
-          <p:cNvPr id="73" name="直接箭头连接符 72"/>
-          <p:cNvCxnSpPr/>
-          <p:nvPr/>
-        </p:nvCxnSpPr>
-        <p:spPr>
-          <a:xfrm flipV="1">
-            <a:off x="5047136" y="4104980"/>
-            <a:ext cx="8965" cy="950345"/>
-          </a:xfrm>
-          <a:prstGeom prst="straightConnector1">
-            <a:avLst/>
-          </a:prstGeom>
-          <a:ln>
-            <a:tailEnd type="triangle"/>
-          </a:ln>
-        </p:spPr>
-        <p:style>
-          <a:lnRef idx="1">
-            <a:schemeClr val="accent1"/>
-          </a:lnRef>
-          <a:fillRef idx="0">
-            <a:schemeClr val="accent1"/>
-          </a:fillRef>
-          <a:effectRef idx="0">
-            <a:schemeClr val="accent1"/>
-          </a:effectRef>
-          <a:fontRef idx="minor">
-            <a:schemeClr val="tx1"/>
-          </a:fontRef>
-        </p:style>
-      </p:cxnSp>
-      <p:cxnSp>
-        <p:nvCxnSpPr>
-          <p:cNvPr id="75" name="直接箭头连接符 74"/>
-          <p:cNvCxnSpPr/>
-          <p:nvPr/>
-        </p:nvCxnSpPr>
-        <p:spPr>
-          <a:xfrm flipV="1">
-            <a:off x="5481641" y="4653564"/>
-            <a:ext cx="0" cy="401761"/>
-          </a:xfrm>
-          <a:prstGeom prst="straightConnector1">
-            <a:avLst/>
-          </a:prstGeom>
-          <a:ln>
-            <a:tailEnd type="triangle"/>
-          </a:ln>
-        </p:spPr>
-        <p:style>
-          <a:lnRef idx="1">
-            <a:schemeClr val="accent1"/>
-          </a:lnRef>
-          <a:fillRef idx="0">
-            <a:schemeClr val="accent1"/>
-          </a:fillRef>
-          <a:effectRef idx="0">
-            <a:schemeClr val="accent1"/>
-          </a:effectRef>
-          <a:fontRef idx="minor">
-            <a:schemeClr val="tx1"/>
-          </a:fontRef>
-        </p:style>
-      </p:cxnSp>
-      <p:sp>
-        <p:nvSpPr>
-          <p:cNvPr id="76" name="文本框 75"/>
-          <p:cNvSpPr txBox="1"/>
-          <p:nvPr/>
-        </p:nvSpPr>
-        <p:spPr>
-          <a:xfrm>
-            <a:off x="5020233" y="4771524"/>
-            <a:ext cx="654346" cy="261610"/>
-          </a:xfrm>
-          <a:prstGeom prst="rect">
-            <a:avLst/>
-          </a:prstGeom>
-          <a:noFill/>
-        </p:spPr>
-        <p:txBody>
-          <a:bodyPr wrap="none" rtlCol="0">
-            <a:spAutoFit/>
-          </a:bodyPr>
-          <a:lstStyle/>
-          <a:p>
-            <a:r>
-              <a:rPr lang="en-US" altLang="zh-CN" sz="1100"/>
-              <a:t>L</a:t>
-            </a:r>
-            <a:r>
-              <a:rPr lang="en-US" altLang="zh-CN" sz="1100" smtClean="0"/>
-              <a:t>istener</a:t>
-            </a:r>
-            <a:endParaRPr lang="zh-CN" altLang="en-US" sz="1100"/>
-          </a:p>
-        </p:txBody>
-      </p:sp>
-      <p:cxnSp>
-        <p:nvCxnSpPr>
-          <p:cNvPr id="78" name="肘形连接符 77"/>
-          <p:cNvCxnSpPr>
-            <a:endCxn id="18" idx="1"/>
-          </p:cNvCxnSpPr>
-          <p:nvPr/>
-        </p:nvCxnSpPr>
-        <p:spPr>
-          <a:xfrm rot="16200000" flipH="1">
-            <a:off x="2718746" y="3433732"/>
-            <a:ext cx="1048961" cy="520047"/>
-          </a:xfrm>
-          <a:prstGeom prst="bentConnector2">
-            <a:avLst/>
-          </a:prstGeom>
-          <a:ln>
-            <a:tailEnd type="triangle"/>
-          </a:ln>
-        </p:spPr>
-        <p:style>
-          <a:lnRef idx="1">
-            <a:schemeClr val="accent1"/>
-          </a:lnRef>
-          <a:fillRef idx="0">
-            <a:schemeClr val="accent1"/>
-          </a:fillRef>
-          <a:effectRef idx="0">
-            <a:schemeClr val="accent1"/>
-          </a:effectRef>
-          <a:fontRef idx="minor">
-            <a:schemeClr val="tx1"/>
-          </a:fontRef>
-        </p:style>
-      </p:cxnSp>
-      <p:cxnSp>
-        <p:nvCxnSpPr>
-          <p:cNvPr id="83" name="肘形连接符 82"/>
-          <p:cNvCxnSpPr/>
-          <p:nvPr/>
-        </p:nvCxnSpPr>
-        <p:spPr>
-          <a:xfrm rot="5400000" flipH="1" flipV="1">
-            <a:off x="6690204" y="3478784"/>
-            <a:ext cx="1059324" cy="486156"/>
-          </a:xfrm>
-          <a:prstGeom prst="bentConnector3">
-            <a:avLst>
-              <a:gd name="adj1" fmla="val 70"/>
-            </a:avLst>
-          </a:prstGeom>
-          <a:ln>
-            <a:tailEnd type="triangle"/>
-          </a:ln>
-        </p:spPr>
-        <p:style>
-          <a:lnRef idx="1">
-            <a:schemeClr val="accent1"/>
-          </a:lnRef>
-          <a:fillRef idx="0">
-            <a:schemeClr val="accent1"/>
-          </a:fillRef>
-          <a:effectRef idx="0">
-            <a:schemeClr val="accent1"/>
-          </a:effectRef>
-          <a:fontRef idx="minor">
-            <a:schemeClr val="tx1"/>
-          </a:fontRef>
-        </p:style>
-      </p:cxnSp>
-      <p:sp>
-        <p:nvSpPr>
-          <p:cNvPr id="89" name="文本框 88"/>
-          <p:cNvSpPr txBox="1"/>
-          <p:nvPr/>
-        </p:nvSpPr>
-        <p:spPr>
-          <a:xfrm>
-            <a:off x="5897256" y="5178167"/>
-            <a:ext cx="5139548" cy="430887"/>
-          </a:xfrm>
-          <a:prstGeom prst="rect">
-            <a:avLst/>
-          </a:prstGeom>
-          <a:noFill/>
-        </p:spPr>
-        <p:txBody>
-          <a:bodyPr wrap="none" rtlCol="0">
-            <a:spAutoFit/>
-          </a:bodyPr>
-          <a:lstStyle/>
-          <a:p>
-            <a:r>
-              <a:rPr kumimoji="1" lang="zh-CN" altLang="en-US" sz="1100" smtClean="0"/>
-              <a:t>当</a:t>
-            </a:r>
-            <a:r>
-              <a:rPr kumimoji="1" lang="en-US" altLang="zh-CN" sz="1100" smtClean="0"/>
-              <a:t>Selector</a:t>
-            </a:r>
-            <a:r>
-              <a:rPr kumimoji="1" lang="zh-CN" altLang="en-US" sz="1100" smtClean="0"/>
-              <a:t>监听</a:t>
-            </a:r>
-            <a:r>
-              <a:rPr kumimoji="1" lang="en-US" altLang="zh-CN" sz="1100" smtClean="0"/>
-              <a:t>channel</a:t>
-            </a:r>
-            <a:r>
-              <a:rPr kumimoji="1" lang="zh-CN" altLang="en-US" sz="1100" smtClean="0"/>
-              <a:t>通道有数据传输时，通过</a:t>
-            </a:r>
-            <a:r>
-              <a:rPr kumimoji="1" lang="en-US" altLang="zh-CN" sz="1100" smtClean="0"/>
-              <a:t>select()</a:t>
-            </a:r>
-            <a:r>
-              <a:rPr kumimoji="1" lang="zh-CN" altLang="en-US" sz="1100" smtClean="0"/>
-              <a:t>方法获取</a:t>
-            </a:r>
-            <a:r>
-              <a:rPr kumimoji="1" lang="en-US" altLang="zh-CN" sz="1100" smtClean="0"/>
-              <a:t>SocketChannel</a:t>
-            </a:r>
-            <a:r>
-              <a:rPr kumimoji="1" lang="zh-CN" altLang="en-US" sz="1100" smtClean="0"/>
-              <a:t>，</a:t>
-            </a:r>
-            <a:endParaRPr kumimoji="1" lang="en-US" altLang="zh-CN" sz="1100" smtClean="0"/>
-          </a:p>
-          <a:p>
-            <a:r>
-              <a:rPr kumimoji="1" lang="zh-CN" altLang="en-US" sz="1100" smtClean="0"/>
-              <a:t>将数据读取或写入</a:t>
-            </a:r>
-            <a:r>
-              <a:rPr kumimoji="1" lang="en-US" altLang="zh-CN" sz="1100" smtClean="0"/>
-              <a:t>Buffer</a:t>
-            </a:r>
-            <a:endParaRPr kumimoji="1" lang="zh-CN" altLang="en-US" sz="1100" dirty="0"/>
+              <a:rPr kumimoji="1" lang="en-US" altLang="zh-CN" sz="1400" smtClean="0"/>
+              <a:t>Pipeline</a:t>
+            </a:r>
+            <a:endParaRPr kumimoji="1" lang="zh-CN" altLang="en-US" sz="1400" dirty="0"/>
           </a:p>
         </p:txBody>
       </p:sp>
     </p:spTree>
     <p:extLst>
       <p:ext uri="{BB962C8B-B14F-4D97-AF65-F5344CB8AC3E}">
-        <p14:creationId xmlns:p14="http://schemas.microsoft.com/office/powerpoint/2010/main" val="2036321160"/>
+        <p14:creationId xmlns:p14="http://schemas.microsoft.com/office/powerpoint/2010/main" val="4089134841"/>
       </p:ext>
     </p:extLst>
   </p:cSld>
@@ -12990,54 +13025,16 @@
       </p:grpSpPr>
       <p:sp>
         <p:nvSpPr>
-          <p:cNvPr id="4" name="文本框 3"/>
-          <p:cNvSpPr txBox="1"/>
-          <p:nvPr/>
-        </p:nvSpPr>
-        <p:spPr>
-          <a:xfrm>
-            <a:off x="501805" y="323385"/>
-            <a:ext cx="2872902" cy="307777"/>
-          </a:xfrm>
-          <a:prstGeom prst="rect">
-            <a:avLst/>
-          </a:prstGeom>
-          <a:noFill/>
-        </p:spPr>
-        <p:txBody>
-          <a:bodyPr wrap="none" rtlCol="0">
-            <a:spAutoFit/>
-          </a:bodyPr>
-          <a:lstStyle/>
-          <a:p>
-            <a:r>
-              <a:rPr kumimoji="1" lang="zh-CN" altLang="en-US" sz="1400" smtClean="0"/>
-              <a:t>如何处理跨域名共享</a:t>
-            </a:r>
-            <a:r>
-              <a:rPr kumimoji="1" lang="en-US" altLang="zh-CN" sz="1400" dirty="0" smtClean="0"/>
-              <a:t>Cookie</a:t>
-            </a:r>
-            <a:r>
-              <a:rPr kumimoji="1" lang="zh-CN" altLang="en-US" sz="1400" dirty="0" smtClean="0"/>
-              <a:t>问题：</a:t>
-            </a:r>
-            <a:endParaRPr kumimoji="1" lang="zh-CN" altLang="en-US" sz="1400" dirty="0"/>
-          </a:p>
-        </p:txBody>
-      </p:sp>
-      <p:sp>
-        <p:nvSpPr>
-          <p:cNvPr id="5" name="椭圆 4"/>
+          <p:cNvPr id="4" name="矩形 3"/>
           <p:cNvSpPr/>
           <p:nvPr/>
         </p:nvSpPr>
         <p:spPr>
           <a:xfrm>
-            <a:off x="849086" y="2789853"/>
-            <a:ext cx="774440" cy="475861"/>
-          </a:xfrm>
-          <a:prstGeom prst="ellipse">
+            <a:off x="3612995" y="1271241"/>
+            <a:ext cx="1137425" cy="724830"/>
+          </a:xfrm>
+          <a:prstGeom prst="rect">
             <a:avLst/>
           </a:prstGeom>
           <a:noFill/>
@@ -13063,22 +13060,22 @@
           <a:lstStyle/>
           <a:p>
             <a:pPr algn="ctr"/>
-            <a:endParaRPr lang="zh-CN" altLang="en-US"/>
-          </a:p>
-        </p:txBody>
-      </p:sp>
-      <p:sp>
-        <p:nvSpPr>
-          <p:cNvPr id="6" name="圆角矩形 5"/>
+            <a:endParaRPr kumimoji="1" lang="zh-CN" altLang="en-US"/>
+          </a:p>
+        </p:txBody>
+      </p:sp>
+      <p:sp>
+        <p:nvSpPr>
+          <p:cNvPr id="5" name="矩形 4"/>
           <p:cNvSpPr/>
           <p:nvPr/>
         </p:nvSpPr>
         <p:spPr>
           <a:xfrm>
-            <a:off x="2649894" y="4049485"/>
-            <a:ext cx="942391" cy="419878"/>
-          </a:xfrm>
-          <a:prstGeom prst="roundRect">
+            <a:off x="5728010" y="1271241"/>
+            <a:ext cx="1137425" cy="724830"/>
+          </a:xfrm>
+          <a:prstGeom prst="rect">
             <a:avLst/>
           </a:prstGeom>
           <a:noFill/>
@@ -13104,22 +13101,22 @@
           <a:lstStyle/>
           <a:p>
             <a:pPr algn="ctr"/>
-            <a:endParaRPr lang="zh-CN" altLang="en-US"/>
-          </a:p>
-        </p:txBody>
-      </p:sp>
-      <p:sp>
-        <p:nvSpPr>
-          <p:cNvPr id="7" name="圆角矩形 6"/>
+            <a:endParaRPr kumimoji="1" lang="zh-CN" altLang="en-US"/>
+          </a:p>
+        </p:txBody>
+      </p:sp>
+      <p:sp>
+        <p:nvSpPr>
+          <p:cNvPr id="6" name="矩形 5"/>
           <p:cNvSpPr/>
           <p:nvPr/>
         </p:nvSpPr>
         <p:spPr>
           <a:xfrm>
-            <a:off x="2649894" y="1491237"/>
-            <a:ext cx="942391" cy="419878"/>
-          </a:xfrm>
-          <a:prstGeom prst="roundRect">
+            <a:off x="3612994" y="3029419"/>
+            <a:ext cx="1137425" cy="724830"/>
+          </a:xfrm>
+          <a:prstGeom prst="rect">
             <a:avLst/>
           </a:prstGeom>
           <a:noFill/>
@@ -13145,247 +13142,22 @@
           <a:lstStyle/>
           <a:p>
             <a:pPr algn="ctr"/>
-            <a:endParaRPr lang="zh-CN" altLang="en-US"/>
-          </a:p>
-        </p:txBody>
-      </p:sp>
-      <p:cxnSp>
-        <p:nvCxnSpPr>
-          <p:cNvPr id="9" name="直接箭头连接符 8"/>
-          <p:cNvCxnSpPr>
-            <a:stCxn id="5" idx="6"/>
-            <a:endCxn id="7" idx="2"/>
-          </p:cNvCxnSpPr>
-          <p:nvPr/>
-        </p:nvCxnSpPr>
-        <p:spPr>
-          <a:xfrm flipV="1">
-            <a:off x="1623526" y="1911115"/>
-            <a:ext cx="1497564" cy="1116669"/>
-          </a:xfrm>
-          <a:prstGeom prst="straightConnector1">
-            <a:avLst/>
-          </a:prstGeom>
-          <a:ln>
-            <a:tailEnd type="triangle"/>
-          </a:ln>
-        </p:spPr>
-        <p:style>
-          <a:lnRef idx="1">
-            <a:schemeClr val="accent1"/>
-          </a:lnRef>
-          <a:fillRef idx="0">
-            <a:schemeClr val="accent1"/>
-          </a:fillRef>
-          <a:effectRef idx="0">
-            <a:schemeClr val="accent1"/>
-          </a:effectRef>
-          <a:fontRef idx="minor">
-            <a:schemeClr val="tx1"/>
-          </a:fontRef>
-        </p:style>
-      </p:cxnSp>
-      <p:cxnSp>
-        <p:nvCxnSpPr>
-          <p:cNvPr id="12" name="直接箭头连接符 11"/>
-          <p:cNvCxnSpPr>
-            <a:stCxn id="5" idx="6"/>
-            <a:endCxn id="6" idx="0"/>
-          </p:cNvCxnSpPr>
-          <p:nvPr/>
-        </p:nvCxnSpPr>
-        <p:spPr>
-          <a:xfrm>
-            <a:off x="1623526" y="3027784"/>
-            <a:ext cx="1497564" cy="1021701"/>
-          </a:xfrm>
-          <a:prstGeom prst="straightConnector1">
-            <a:avLst/>
-          </a:prstGeom>
-          <a:ln>
-            <a:tailEnd type="triangle"/>
-          </a:ln>
-        </p:spPr>
-        <p:style>
-          <a:lnRef idx="1">
-            <a:schemeClr val="accent1"/>
-          </a:lnRef>
-          <a:fillRef idx="0">
-            <a:schemeClr val="accent1"/>
-          </a:fillRef>
-          <a:effectRef idx="0">
-            <a:schemeClr val="accent1"/>
-          </a:effectRef>
-          <a:fontRef idx="minor">
-            <a:schemeClr val="tx1"/>
-          </a:fontRef>
-        </p:style>
-      </p:cxnSp>
-      <p:sp>
-        <p:nvSpPr>
-          <p:cNvPr id="14" name="文本框 13"/>
-          <p:cNvSpPr txBox="1"/>
-          <p:nvPr/>
-        </p:nvSpPr>
-        <p:spPr>
-          <a:xfrm>
-            <a:off x="2761861" y="1203649"/>
-            <a:ext cx="492443" cy="276999"/>
-          </a:xfrm>
-          <a:prstGeom prst="rect">
-            <a:avLst/>
-          </a:prstGeom>
-          <a:noFill/>
-        </p:spPr>
-        <p:txBody>
-          <a:bodyPr wrap="none" rtlCol="0">
-            <a:spAutoFit/>
-          </a:bodyPr>
-          <a:lstStyle/>
-          <a:p>
-            <a:r>
-              <a:rPr lang="zh-CN" altLang="en-US" sz="1200" smtClean="0"/>
-              <a:t>淘宝</a:t>
-            </a:r>
-            <a:endParaRPr lang="zh-CN" altLang="en-US" sz="1200"/>
-          </a:p>
-        </p:txBody>
-      </p:sp>
-      <p:sp>
-        <p:nvSpPr>
-          <p:cNvPr id="15" name="文本框 14"/>
-          <p:cNvSpPr txBox="1"/>
-          <p:nvPr/>
-        </p:nvSpPr>
-        <p:spPr>
-          <a:xfrm>
-            <a:off x="2761861" y="4537785"/>
-            <a:ext cx="492443" cy="276999"/>
-          </a:xfrm>
-          <a:prstGeom prst="rect">
-            <a:avLst/>
-          </a:prstGeom>
-          <a:noFill/>
-        </p:spPr>
-        <p:txBody>
-          <a:bodyPr wrap="none" rtlCol="0">
-            <a:spAutoFit/>
-          </a:bodyPr>
-          <a:lstStyle/>
-          <a:p>
-            <a:r>
-              <a:rPr lang="zh-CN" altLang="en-US" sz="1200" smtClean="0"/>
-              <a:t>天猫</a:t>
-            </a:r>
-            <a:endParaRPr lang="zh-CN" altLang="en-US" sz="1200"/>
-          </a:p>
-        </p:txBody>
-      </p:sp>
-      <p:sp>
-        <p:nvSpPr>
-          <p:cNvPr id="16" name="文本框 15"/>
-          <p:cNvSpPr txBox="1"/>
-          <p:nvPr/>
-        </p:nvSpPr>
-        <p:spPr>
-          <a:xfrm rot="19382220">
-            <a:off x="1941815" y="2209252"/>
-            <a:ext cx="973343" cy="276999"/>
-          </a:xfrm>
-          <a:prstGeom prst="rect">
-            <a:avLst/>
-          </a:prstGeom>
-          <a:noFill/>
-        </p:spPr>
-        <p:txBody>
-          <a:bodyPr wrap="none" rtlCol="0">
-            <a:spAutoFit/>
-          </a:bodyPr>
-          <a:lstStyle/>
-          <a:p>
-            <a:r>
-              <a:rPr lang="en-US" altLang="zh-CN" sz="1200"/>
-              <a:t>t</a:t>
-            </a:r>
-            <a:r>
-              <a:rPr lang="en-US" altLang="zh-CN" sz="1200" smtClean="0"/>
-              <a:t>aobao.com</a:t>
-            </a:r>
-            <a:endParaRPr lang="zh-CN" altLang="en-US" sz="1200"/>
-          </a:p>
-        </p:txBody>
-      </p:sp>
-      <p:sp>
-        <p:nvSpPr>
-          <p:cNvPr id="17" name="文本框 16"/>
-          <p:cNvSpPr txBox="1"/>
-          <p:nvPr/>
-        </p:nvSpPr>
-        <p:spPr>
-          <a:xfrm rot="2119116">
-            <a:off x="1910777" y="3325197"/>
-            <a:ext cx="1045479" cy="276999"/>
-          </a:xfrm>
-          <a:prstGeom prst="rect">
-            <a:avLst/>
-          </a:prstGeom>
-          <a:noFill/>
-        </p:spPr>
-        <p:txBody>
-          <a:bodyPr wrap="none" rtlCol="0">
-            <a:spAutoFit/>
-          </a:bodyPr>
-          <a:lstStyle/>
-          <a:p>
-            <a:r>
-              <a:rPr lang="en-US" altLang="zh-CN" sz="1200" smtClean="0"/>
-              <a:t>tianmao.com</a:t>
-            </a:r>
-            <a:endParaRPr lang="zh-CN" altLang="en-US" sz="1200"/>
-          </a:p>
-        </p:txBody>
-      </p:sp>
-      <p:sp>
-        <p:nvSpPr>
-          <p:cNvPr id="18" name="文本框 17"/>
-          <p:cNvSpPr txBox="1"/>
-          <p:nvPr/>
-        </p:nvSpPr>
-        <p:spPr>
-          <a:xfrm>
-            <a:off x="926782" y="3380600"/>
-            <a:ext cx="492443" cy="276999"/>
-          </a:xfrm>
-          <a:prstGeom prst="rect">
-            <a:avLst/>
-          </a:prstGeom>
-          <a:noFill/>
-        </p:spPr>
-        <p:txBody>
-          <a:bodyPr wrap="none" rtlCol="0">
-            <a:spAutoFit/>
-          </a:bodyPr>
-          <a:lstStyle/>
-          <a:p>
-            <a:r>
-              <a:rPr lang="zh-CN" altLang="en-US" sz="1200"/>
-              <a:t>用户</a:t>
-            </a:r>
-          </a:p>
-        </p:txBody>
-      </p:sp>
-      <p:sp>
-        <p:nvSpPr>
-          <p:cNvPr id="19" name="圆角矩形 18"/>
+            <a:endParaRPr kumimoji="1" lang="zh-CN" altLang="en-US"/>
+          </a:p>
+        </p:txBody>
+      </p:sp>
+      <p:sp>
+        <p:nvSpPr>
+          <p:cNvPr id="7" name="矩形 6"/>
           <p:cNvSpPr/>
           <p:nvPr/>
         </p:nvSpPr>
         <p:spPr>
           <a:xfrm>
-            <a:off x="4892351" y="2713010"/>
-            <a:ext cx="1499118" cy="629548"/>
-          </a:xfrm>
-          <a:prstGeom prst="roundRect">
+            <a:off x="5728009" y="3029419"/>
+            <a:ext cx="1137425" cy="724830"/>
+          </a:xfrm>
+          <a:prstGeom prst="rect">
             <a:avLst/>
           </a:prstGeom>
           <a:noFill/>
@@ -13411,20 +13183,61 @@
           <a:lstStyle/>
           <a:p>
             <a:pPr algn="ctr"/>
-            <a:endParaRPr lang="zh-CN" altLang="en-US"/>
-          </a:p>
-        </p:txBody>
-      </p:sp>
-      <p:sp>
-        <p:nvSpPr>
-          <p:cNvPr id="20" name="文本框 19"/>
+            <a:endParaRPr kumimoji="1" lang="zh-CN" altLang="en-US"/>
+          </a:p>
+        </p:txBody>
+      </p:sp>
+      <p:sp>
+        <p:nvSpPr>
+          <p:cNvPr id="8" name="矩形 7"/>
+          <p:cNvSpPr/>
+          <p:nvPr/>
+        </p:nvSpPr>
+        <p:spPr>
+          <a:xfrm>
+            <a:off x="7843024" y="3029419"/>
+            <a:ext cx="1137425" cy="724830"/>
+          </a:xfrm>
+          <a:prstGeom prst="rect">
+            <a:avLst/>
+          </a:prstGeom>
+          <a:noFill/>
+        </p:spPr>
+        <p:style>
+          <a:lnRef idx="2">
+            <a:schemeClr val="accent1">
+              <a:shade val="50000"/>
+            </a:schemeClr>
+          </a:lnRef>
+          <a:fillRef idx="1">
+            <a:schemeClr val="accent1"/>
+          </a:fillRef>
+          <a:effectRef idx="0">
+            <a:schemeClr val="accent1"/>
+          </a:effectRef>
+          <a:fontRef idx="minor">
+            <a:schemeClr val="lt1"/>
+          </a:fontRef>
+        </p:style>
+        <p:txBody>
+          <a:bodyPr rtlCol="0" anchor="ctr"/>
+          <a:lstStyle/>
+          <a:p>
+            <a:pPr algn="ctr"/>
+            <a:endParaRPr kumimoji="1" lang="zh-CN" altLang="en-US"/>
+          </a:p>
+        </p:txBody>
+      </p:sp>
+      <p:sp>
+        <p:nvSpPr>
+          <p:cNvPr id="9" name="文本框 8"/>
           <p:cNvSpPr txBox="1"/>
           <p:nvPr/>
         </p:nvSpPr>
         <p:spPr>
           <a:xfrm>
-            <a:off x="4780384" y="2209251"/>
-            <a:ext cx="1877437" cy="461665"/>
+            <a:off x="3792817" y="791736"/>
+            <a:ext cx="777777" cy="276999"/>
           </a:xfrm>
           <a:prstGeom prst="rect">
             <a:avLst/>
@@ -13438,170 +13251,23 @@
           <a:lstStyle/>
           <a:p>
             <a:r>
-              <a:rPr lang="zh-CN" altLang="en-US" sz="1200" smtClean="0"/>
-              <a:t>允许登录多个域名的中间</a:t>
-            </a:r>
-            <a:endParaRPr lang="en-US" altLang="zh-CN" sz="1200" smtClean="0"/>
-          </a:p>
-          <a:p>
-            <a:r>
-              <a:rPr lang="zh-CN" altLang="en-US" sz="1200" smtClean="0"/>
-              <a:t>跳转应用</a:t>
-            </a:r>
-            <a:endParaRPr lang="zh-CN" altLang="en-US" sz="1200"/>
-          </a:p>
-        </p:txBody>
-      </p:sp>
-      <p:cxnSp>
-        <p:nvCxnSpPr>
-          <p:cNvPr id="22" name="直接箭头连接符 21"/>
-          <p:cNvCxnSpPr>
-            <a:stCxn id="5" idx="6"/>
-          </p:cNvCxnSpPr>
-          <p:nvPr/>
-        </p:nvCxnSpPr>
-        <p:spPr>
-          <a:xfrm flipV="1">
-            <a:off x="1623526" y="2789853"/>
-            <a:ext cx="3268825" cy="237931"/>
-          </a:xfrm>
-          <a:prstGeom prst="straightConnector1">
-            <a:avLst/>
-          </a:prstGeom>
-          <a:ln>
-            <a:tailEnd type="triangle"/>
-          </a:ln>
-        </p:spPr>
-        <p:style>
-          <a:lnRef idx="1">
-            <a:schemeClr val="accent1"/>
-          </a:lnRef>
-          <a:fillRef idx="0">
-            <a:schemeClr val="accent1"/>
-          </a:fillRef>
-          <a:effectRef idx="0">
-            <a:schemeClr val="accent1"/>
-          </a:effectRef>
-          <a:fontRef idx="minor">
-            <a:schemeClr val="tx1"/>
-          </a:fontRef>
-        </p:style>
-      </p:cxnSp>
-      <p:cxnSp>
-        <p:nvCxnSpPr>
-          <p:cNvPr id="24" name="直接箭头连接符 23"/>
-          <p:cNvCxnSpPr>
-            <a:endCxn id="5" idx="6"/>
-          </p:cNvCxnSpPr>
-          <p:nvPr/>
-        </p:nvCxnSpPr>
-        <p:spPr>
-          <a:xfrm flipH="1">
-            <a:off x="1623526" y="2895304"/>
-            <a:ext cx="3268825" cy="132480"/>
-          </a:xfrm>
-          <a:prstGeom prst="straightConnector1">
-            <a:avLst/>
-          </a:prstGeom>
-          <a:ln>
-            <a:tailEnd type="triangle"/>
-          </a:ln>
-        </p:spPr>
-        <p:style>
-          <a:lnRef idx="1">
-            <a:schemeClr val="accent1"/>
-          </a:lnRef>
-          <a:fillRef idx="0">
-            <a:schemeClr val="accent1"/>
-          </a:fillRef>
-          <a:effectRef idx="0">
-            <a:schemeClr val="accent1"/>
-          </a:effectRef>
-          <a:fontRef idx="minor">
-            <a:schemeClr val="tx1"/>
-          </a:fontRef>
-        </p:style>
-      </p:cxnSp>
-      <p:cxnSp>
-        <p:nvCxnSpPr>
-          <p:cNvPr id="26" name="直接箭头连接符 25"/>
-          <p:cNvCxnSpPr>
-            <a:stCxn id="5" idx="6"/>
-          </p:cNvCxnSpPr>
-          <p:nvPr/>
-        </p:nvCxnSpPr>
-        <p:spPr>
-          <a:xfrm>
-            <a:off x="1623526" y="3027784"/>
-            <a:ext cx="3268825" cy="118937"/>
-          </a:xfrm>
-          <a:prstGeom prst="straightConnector1">
-            <a:avLst/>
-          </a:prstGeom>
-          <a:ln>
-            <a:tailEnd type="triangle"/>
-          </a:ln>
-        </p:spPr>
-        <p:style>
-          <a:lnRef idx="1">
-            <a:schemeClr val="accent1"/>
-          </a:lnRef>
-          <a:fillRef idx="0">
-            <a:schemeClr val="accent1"/>
-          </a:fillRef>
-          <a:effectRef idx="0">
-            <a:schemeClr val="accent1"/>
-          </a:effectRef>
-          <a:fontRef idx="minor">
-            <a:schemeClr val="tx1"/>
-          </a:fontRef>
-        </p:style>
-      </p:cxnSp>
-      <p:cxnSp>
-        <p:nvCxnSpPr>
-          <p:cNvPr id="28" name="直接箭头连接符 27"/>
-          <p:cNvCxnSpPr>
-            <a:endCxn id="5" idx="6"/>
-          </p:cNvCxnSpPr>
-          <p:nvPr/>
-        </p:nvCxnSpPr>
-        <p:spPr>
-          <a:xfrm flipH="1" flipV="1">
-            <a:off x="1623526" y="3027784"/>
-            <a:ext cx="3268825" cy="237930"/>
-          </a:xfrm>
-          <a:prstGeom prst="straightConnector1">
-            <a:avLst/>
-          </a:prstGeom>
-          <a:ln>
-            <a:tailEnd type="triangle"/>
-          </a:ln>
-        </p:spPr>
-        <p:style>
-          <a:lnRef idx="1">
-            <a:schemeClr val="accent1"/>
-          </a:lnRef>
-          <a:fillRef idx="0">
-            <a:schemeClr val="accent1"/>
-          </a:fillRef>
-          <a:effectRef idx="0">
-            <a:schemeClr val="accent1"/>
-          </a:effectRef>
-          <a:fontRef idx="minor">
-            <a:schemeClr val="tx1"/>
-          </a:fontRef>
-        </p:style>
-      </p:cxnSp>
-      <p:sp>
-        <p:nvSpPr>
-          <p:cNvPr id="29" name="文本框 28"/>
+              <a:rPr kumimoji="1" lang="en-US" altLang="zh-CN" sz="1200" dirty="0" smtClean="0"/>
+              <a:t>Acceptor</a:t>
+            </a:r>
+            <a:endParaRPr kumimoji="1" lang="zh-CN" altLang="en-US" sz="1200" dirty="0"/>
+          </a:p>
+        </p:txBody>
+      </p:sp>
+      <p:sp>
+        <p:nvSpPr>
+          <p:cNvPr id="10" name="文本框 9"/>
           <p:cNvSpPr txBox="1"/>
           <p:nvPr/>
         </p:nvSpPr>
         <p:spPr>
           <a:xfrm>
-            <a:off x="4892351" y="3434509"/>
-            <a:ext cx="2287806" cy="430887"/>
+            <a:off x="6018439" y="4010723"/>
+            <a:ext cx="556563" cy="276999"/>
           </a:xfrm>
           <a:prstGeom prst="rect">
             <a:avLst/>
@@ -13615,48 +13281,316 @@
           <a:lstStyle/>
           <a:p>
             <a:r>
-              <a:rPr lang="zh-CN" altLang="en-US" sz="1100" smtClean="0"/>
-              <a:t>目的通过一个域名后去</a:t>
-            </a:r>
-            <a:r>
-              <a:rPr lang="en-US" altLang="zh-CN" sz="1100" smtClean="0"/>
-              <a:t>sessionId</a:t>
-            </a:r>
-            <a:r>
-              <a:rPr lang="zh-CN" altLang="en-US" sz="1100" smtClean="0"/>
-              <a:t>，</a:t>
-            </a:r>
-            <a:endParaRPr lang="en-US" altLang="zh-CN" sz="1100" smtClean="0"/>
-          </a:p>
-          <a:p>
-            <a:r>
-              <a:rPr lang="zh-CN" altLang="en-US" sz="1100" smtClean="0"/>
-              <a:t>将</a:t>
-            </a:r>
-            <a:r>
-              <a:rPr lang="en-US" altLang="zh-CN" sz="1100" smtClean="0"/>
-              <a:t>sessionId</a:t>
-            </a:r>
-            <a:r>
-              <a:rPr lang="zh-CN" altLang="en-US" sz="1100" smtClean="0"/>
-              <a:t>同步到另</a:t>
-            </a:r>
-            <a:r>
-              <a:rPr lang="zh-CN" altLang="en-US" sz="1100"/>
-              <a:t>一</a:t>
-            </a:r>
-            <a:r>
-              <a:rPr lang="zh-CN" altLang="en-US" sz="1100" smtClean="0"/>
-              <a:t>个域名下</a:t>
-            </a:r>
-            <a:endParaRPr lang="zh-CN" altLang="en-US" sz="1100"/>
+              <a:rPr kumimoji="1" lang="en-US" altLang="zh-CN" sz="1200" dirty="0" err="1" smtClean="0"/>
+              <a:t>Poller</a:t>
+            </a:r>
+            <a:endParaRPr kumimoji="1" lang="zh-CN" altLang="en-US" sz="1200" dirty="0"/>
+          </a:p>
+        </p:txBody>
+      </p:sp>
+      <p:sp>
+        <p:nvSpPr>
+          <p:cNvPr id="11" name="文本框 10"/>
+          <p:cNvSpPr txBox="1"/>
+          <p:nvPr/>
+        </p:nvSpPr>
+        <p:spPr>
+          <a:xfrm>
+            <a:off x="3780260" y="4010723"/>
+            <a:ext cx="777777" cy="276999"/>
+          </a:xfrm>
+          <a:prstGeom prst="rect">
+            <a:avLst/>
+          </a:prstGeom>
+          <a:noFill/>
+        </p:spPr>
+        <p:txBody>
+          <a:bodyPr wrap="none" rtlCol="0">
+            <a:spAutoFit/>
+          </a:bodyPr>
+          <a:lstStyle/>
+          <a:p>
+            <a:r>
+              <a:rPr kumimoji="1" lang="en-US" altLang="zh-CN" sz="1200" dirty="0" smtClean="0"/>
+              <a:t>Acceptor</a:t>
+            </a:r>
+            <a:endParaRPr kumimoji="1" lang="zh-CN" altLang="en-US" sz="1200" dirty="0"/>
+          </a:p>
+        </p:txBody>
+      </p:sp>
+      <p:sp>
+        <p:nvSpPr>
+          <p:cNvPr id="12" name="文本框 11"/>
+          <p:cNvSpPr txBox="1"/>
+          <p:nvPr/>
+        </p:nvSpPr>
+        <p:spPr>
+          <a:xfrm>
+            <a:off x="8133454" y="4010723"/>
+            <a:ext cx="538930" cy="276999"/>
+          </a:xfrm>
+          <a:prstGeom prst="rect">
+            <a:avLst/>
+          </a:prstGeom>
+          <a:noFill/>
+        </p:spPr>
+        <p:txBody>
+          <a:bodyPr wrap="none" rtlCol="0">
+            <a:spAutoFit/>
+          </a:bodyPr>
+          <a:lstStyle/>
+          <a:p>
+            <a:r>
+              <a:rPr kumimoji="1" lang="en-US" altLang="zh-CN" sz="1200" dirty="0"/>
+              <a:t>W</a:t>
+            </a:r>
+            <a:r>
+              <a:rPr kumimoji="1" lang="en-US" altLang="zh-CN" sz="1200" dirty="0" smtClean="0"/>
+              <a:t>ork</a:t>
+            </a:r>
+            <a:endParaRPr kumimoji="1" lang="zh-CN" altLang="en-US" sz="1200" dirty="0"/>
+          </a:p>
+        </p:txBody>
+      </p:sp>
+      <p:sp>
+        <p:nvSpPr>
+          <p:cNvPr id="13" name="文本框 12"/>
+          <p:cNvSpPr txBox="1"/>
+          <p:nvPr/>
+        </p:nvSpPr>
+        <p:spPr>
+          <a:xfrm>
+            <a:off x="6036072" y="802887"/>
+            <a:ext cx="538930" cy="276999"/>
+          </a:xfrm>
+          <a:prstGeom prst="rect">
+            <a:avLst/>
+          </a:prstGeom>
+          <a:noFill/>
+        </p:spPr>
+        <p:txBody>
+          <a:bodyPr wrap="none" rtlCol="0">
+            <a:spAutoFit/>
+          </a:bodyPr>
+          <a:lstStyle/>
+          <a:p>
+            <a:r>
+              <a:rPr kumimoji="1" lang="en-US" altLang="zh-CN" sz="1200" dirty="0"/>
+              <a:t>W</a:t>
+            </a:r>
+            <a:r>
+              <a:rPr kumimoji="1" lang="en-US" altLang="zh-CN" sz="1200" dirty="0" smtClean="0"/>
+              <a:t>ork</a:t>
+            </a:r>
+            <a:endParaRPr kumimoji="1" lang="zh-CN" altLang="en-US" sz="1200" dirty="0"/>
+          </a:p>
+        </p:txBody>
+      </p:sp>
+      <p:sp>
+        <p:nvSpPr>
+          <p:cNvPr id="14" name="文本框 13"/>
+          <p:cNvSpPr txBox="1"/>
+          <p:nvPr/>
+        </p:nvSpPr>
+        <p:spPr>
+          <a:xfrm>
+            <a:off x="457200" y="267628"/>
+            <a:ext cx="1447832" cy="276999"/>
+          </a:xfrm>
+          <a:prstGeom prst="rect">
+            <a:avLst/>
+          </a:prstGeom>
+          <a:noFill/>
+        </p:spPr>
+        <p:txBody>
+          <a:bodyPr wrap="none" rtlCol="0">
+            <a:spAutoFit/>
+          </a:bodyPr>
+          <a:lstStyle/>
+          <a:p>
+            <a:r>
+              <a:rPr kumimoji="1" lang="en-US" altLang="zh-CN" sz="1200" dirty="0" smtClean="0"/>
+              <a:t>Tomcat</a:t>
+            </a:r>
+            <a:r>
+              <a:rPr kumimoji="1" lang="zh-CN" altLang="en-US" sz="1200" dirty="0" smtClean="0"/>
+              <a:t>三种线程：</a:t>
+            </a:r>
+            <a:endParaRPr kumimoji="1" lang="zh-CN" altLang="en-US" sz="1200" dirty="0"/>
+          </a:p>
+        </p:txBody>
+      </p:sp>
+      <p:sp>
+        <p:nvSpPr>
+          <p:cNvPr id="15" name="文本框 14"/>
+          <p:cNvSpPr txBox="1"/>
+          <p:nvPr/>
+        </p:nvSpPr>
+        <p:spPr>
+          <a:xfrm>
+            <a:off x="445337" y="4832202"/>
+            <a:ext cx="4684296" cy="830997"/>
+          </a:xfrm>
+          <a:prstGeom prst="rect">
+            <a:avLst/>
+          </a:prstGeom>
+          <a:noFill/>
+        </p:spPr>
+        <p:txBody>
+          <a:bodyPr wrap="none" rtlCol="0">
+            <a:spAutoFit/>
+          </a:bodyPr>
+          <a:lstStyle/>
+          <a:p>
+            <a:r>
+              <a:rPr kumimoji="1" lang="en-US" altLang="zh-CN" sz="1200" dirty="0" err="1" smtClean="0"/>
+              <a:t>acceptorThreadCouont</a:t>
+            </a:r>
+            <a:r>
+              <a:rPr kumimoji="1" lang="zh-CN" altLang="en-US" sz="1200" dirty="0" smtClean="0"/>
+              <a:t>：</a:t>
+            </a:r>
+            <a:r>
+              <a:rPr kumimoji="1" lang="en-US" altLang="zh-CN" sz="1200" dirty="0" smtClean="0"/>
+              <a:t>1</a:t>
+            </a:r>
+            <a:r>
+              <a:rPr kumimoji="1" lang="en-US" altLang="zh-CN" sz="1200" dirty="0"/>
+              <a:t>	</a:t>
+            </a:r>
+            <a:r>
+              <a:rPr kumimoji="1" lang="en-US" altLang="zh-CN" sz="1200" dirty="0" err="1" smtClean="0"/>
+              <a:t>defalut</a:t>
+            </a:r>
+            <a:r>
+              <a:rPr kumimoji="1" lang="en-US" altLang="zh-CN" sz="1200" dirty="0" smtClean="0"/>
+              <a:t>	</a:t>
+            </a:r>
+            <a:r>
+              <a:rPr kumimoji="1" lang="zh-CN" altLang="en-US" sz="1200" dirty="0" smtClean="0"/>
+              <a:t>    </a:t>
+            </a:r>
+            <a:r>
+              <a:rPr kumimoji="1" lang="en-US" altLang="zh-CN" sz="1200" dirty="0" smtClean="0"/>
+              <a:t>Acceptor</a:t>
+            </a:r>
+            <a:r>
+              <a:rPr kumimoji="1" lang="zh-CN" altLang="en-US" sz="1200" dirty="0" smtClean="0"/>
+              <a:t>线程数</a:t>
+            </a:r>
+            <a:endParaRPr kumimoji="1" lang="en-US" altLang="zh-CN" sz="1200" dirty="0" smtClean="0"/>
+          </a:p>
+          <a:p>
+            <a:r>
+              <a:rPr kumimoji="1" lang="en-US" altLang="zh-CN" sz="1200" dirty="0" err="1" smtClean="0"/>
+              <a:t>maxThreadCount</a:t>
+            </a:r>
+            <a:r>
+              <a:rPr kumimoji="1" lang="zh-CN" altLang="en-US" sz="1200" dirty="0" smtClean="0"/>
+              <a:t>： </a:t>
+            </a:r>
+            <a:r>
+              <a:rPr kumimoji="1" lang="en-US" altLang="zh-CN" sz="1200" dirty="0" smtClean="0"/>
+              <a:t>10</a:t>
+            </a:r>
+            <a:r>
+              <a:rPr kumimoji="1" lang="zh-CN" altLang="en-US" sz="1200" dirty="0" smtClean="0"/>
+              <a:t> </a:t>
+            </a:r>
+            <a:r>
+              <a:rPr kumimoji="1" lang="en-US" altLang="zh-CN" sz="1200" dirty="0" err="1" smtClean="0"/>
+              <a:t>defalut</a:t>
+            </a:r>
+            <a:r>
+              <a:rPr kumimoji="1" lang="zh-CN" altLang="en-US" sz="1200" dirty="0" smtClean="0"/>
+              <a:t>，最大</a:t>
+            </a:r>
+            <a:r>
+              <a:rPr kumimoji="1" lang="en-US" altLang="zh-CN" sz="1200" dirty="0" smtClean="0"/>
+              <a:t>200</a:t>
+            </a:r>
+            <a:r>
+              <a:rPr kumimoji="1" lang="en-US" altLang="zh-CN" sz="1200" dirty="0"/>
+              <a:t>	</a:t>
+            </a:r>
+            <a:r>
+              <a:rPr kumimoji="1" lang="zh-CN" altLang="en-US" sz="1200" dirty="0" smtClean="0"/>
+              <a:t>    线程池里的</a:t>
+            </a:r>
+            <a:r>
+              <a:rPr kumimoji="1" lang="en-US" altLang="zh-CN" sz="1200" dirty="0" smtClean="0"/>
+              <a:t>Work</a:t>
+            </a:r>
+            <a:r>
+              <a:rPr kumimoji="1" lang="zh-CN" altLang="en-US" sz="1200" dirty="0" smtClean="0"/>
+              <a:t>线程数</a:t>
+            </a:r>
+            <a:endParaRPr kumimoji="1" lang="en-US" altLang="zh-CN" sz="1200" dirty="0" smtClean="0"/>
+          </a:p>
+          <a:p>
+            <a:r>
+              <a:rPr kumimoji="1" lang="en-US" altLang="zh-CN" sz="1200" dirty="0" err="1" smtClean="0"/>
+              <a:t>PollerThreadCount</a:t>
+            </a:r>
+            <a:r>
+              <a:rPr kumimoji="1" lang="zh-CN" altLang="en-US" sz="1200" dirty="0" smtClean="0"/>
+              <a:t>：</a:t>
+            </a:r>
+            <a:r>
+              <a:rPr kumimoji="1" lang="en-US" altLang="zh-CN" sz="1200" dirty="0" smtClean="0"/>
+              <a:t>2</a:t>
+            </a:r>
+            <a:r>
+              <a:rPr kumimoji="1" lang="zh-CN" altLang="en-US" sz="1200" dirty="0" smtClean="0"/>
+              <a:t> </a:t>
+            </a:r>
+            <a:r>
+              <a:rPr kumimoji="1" lang="en-US" altLang="zh-CN" sz="1200" dirty="0" err="1" smtClean="0"/>
+              <a:t>defalut</a:t>
+            </a:r>
+            <a:r>
+              <a:rPr kumimoji="1" lang="en-US" altLang="zh-CN" sz="1200" dirty="0" smtClean="0"/>
+              <a:t>	</a:t>
+            </a:r>
+            <a:r>
+              <a:rPr kumimoji="1" lang="zh-CN" altLang="en-US" sz="1200" dirty="0" smtClean="0"/>
+              <a:t>    </a:t>
+            </a:r>
+            <a:r>
+              <a:rPr kumimoji="1" lang="en-US" altLang="zh-CN" sz="1200" dirty="0" err="1" smtClean="0"/>
+              <a:t>Poller</a:t>
+            </a:r>
+            <a:r>
+              <a:rPr kumimoji="1" lang="zh-CN" altLang="en-US" sz="1200" dirty="0" smtClean="0"/>
+              <a:t>线程数，</a:t>
+            </a:r>
+            <a:r>
+              <a:rPr kumimoji="1" lang="en-US" altLang="zh-CN" sz="1200" dirty="0" smtClean="0"/>
+              <a:t>NIO</a:t>
+            </a:r>
+            <a:r>
+              <a:rPr kumimoji="1" lang="zh-CN" altLang="en-US" sz="1200" dirty="0" smtClean="0"/>
+              <a:t>独有</a:t>
+            </a:r>
+            <a:endParaRPr kumimoji="1" lang="en-US" altLang="zh-CN" sz="1200" dirty="0" smtClean="0"/>
+          </a:p>
+          <a:p>
+            <a:r>
+              <a:rPr kumimoji="1" lang="en-US" altLang="zh-CN" sz="1200" dirty="0" err="1" smtClean="0"/>
+              <a:t>maxConnections</a:t>
+            </a:r>
+            <a:r>
+              <a:rPr kumimoji="1" lang="zh-CN" altLang="en-US" sz="1200" dirty="0" smtClean="0"/>
+              <a:t>：最大连接数</a:t>
+            </a:r>
+            <a:endParaRPr kumimoji="1" lang="zh-CN" altLang="en-US" sz="1200" dirty="0"/>
           </a:p>
         </p:txBody>
       </p:sp>
     </p:spTree>
     <p:extLst>
       <p:ext uri="{BB962C8B-B14F-4D97-AF65-F5344CB8AC3E}">
-        <p14:creationId xmlns:p14="http://schemas.microsoft.com/office/powerpoint/2010/main" val="1524821486"/>
+        <p14:creationId xmlns:p14="http://schemas.microsoft.com/office/powerpoint/2010/main" val="1612429997"/>
       </p:ext>
     </p:extLst>
   </p:cSld>
@@ -13683,50 +13617,59 @@
           <a:chExt cx="0" cy="0"/>
         </a:xfrm>
       </p:grpSpPr>
-      <p:cxnSp>
-        <p:nvCxnSpPr>
-          <p:cNvPr id="5" name="直线连接符 4"/>
-          <p:cNvCxnSpPr/>
-          <p:nvPr/>
-        </p:nvCxnSpPr>
-        <p:spPr>
-          <a:xfrm>
-            <a:off x="5486400" y="1140449"/>
-            <a:ext cx="11575" cy="3466277"/>
-          </a:xfrm>
-          <a:prstGeom prst="line">
-            <a:avLst/>
-          </a:prstGeom>
-        </p:spPr>
-        <p:style>
-          <a:lnRef idx="1">
-            <a:schemeClr val="accent1"/>
-          </a:lnRef>
-          <a:fillRef idx="0">
-            <a:schemeClr val="accent1"/>
-          </a:fillRef>
-          <a:effectRef idx="0">
-            <a:schemeClr val="accent1"/>
-          </a:effectRef>
-          <a:fontRef idx="minor">
-            <a:schemeClr val="tx1"/>
-          </a:fontRef>
-        </p:style>
-      </p:cxnSp>
-      <p:sp>
-        <p:nvSpPr>
-          <p:cNvPr id="7" name="矩形 6"/>
+      <p:sp>
+        <p:nvSpPr>
+          <p:cNvPr id="4" name="文本框 3"/>
+          <p:cNvSpPr txBox="1"/>
+          <p:nvPr/>
+        </p:nvSpPr>
+        <p:spPr>
+          <a:xfrm>
+            <a:off x="501805" y="323385"/>
+            <a:ext cx="2872902" cy="307777"/>
+          </a:xfrm>
+          <a:prstGeom prst="rect">
+            <a:avLst/>
+          </a:prstGeom>
+          <a:noFill/>
+        </p:spPr>
+        <p:txBody>
+          <a:bodyPr wrap="none" rtlCol="0">
+            <a:spAutoFit/>
+          </a:bodyPr>
+          <a:lstStyle/>
+          <a:p>
+            <a:r>
+              <a:rPr kumimoji="1" lang="zh-CN" altLang="en-US" sz="1400" smtClean="0"/>
+              <a:t>如何处理跨域名共享</a:t>
+            </a:r>
+            <a:r>
+              <a:rPr kumimoji="1" lang="en-US" altLang="zh-CN" sz="1400" dirty="0" smtClean="0"/>
+              <a:t>Cookie</a:t>
+            </a:r>
+            <a:r>
+              <a:rPr kumimoji="1" lang="zh-CN" altLang="en-US" sz="1400" dirty="0" smtClean="0"/>
+              <a:t>问题：</a:t>
+            </a:r>
+            <a:endParaRPr kumimoji="1" lang="zh-CN" altLang="en-US" sz="1400" dirty="0"/>
+          </a:p>
+        </p:txBody>
+      </p:sp>
+      <p:sp>
+        <p:nvSpPr>
+          <p:cNvPr id="5" name="椭圆 4"/>
           <p:cNvSpPr/>
           <p:nvPr/>
         </p:nvSpPr>
         <p:spPr>
           <a:xfrm>
-            <a:off x="2685326" y="2268639"/>
-            <a:ext cx="1435261" cy="277792"/>
-          </a:xfrm>
-          <a:prstGeom prst="rect">
-            <a:avLst/>
-          </a:prstGeom>
+            <a:off x="849086" y="2789853"/>
+            <a:ext cx="774440" cy="475861"/>
+          </a:xfrm>
+          <a:prstGeom prst="ellipse">
+            <a:avLst/>
+          </a:prstGeom>
+          <a:noFill/>
         </p:spPr>
         <p:style>
           <a:lnRef idx="2">
@@ -13749,24 +13692,25 @@
           <a:lstStyle/>
           <a:p>
             <a:pPr algn="ctr"/>
-            <a:endParaRPr kumimoji="1" lang="zh-CN" altLang="en-US"/>
-          </a:p>
-        </p:txBody>
-      </p:sp>
-      <p:sp>
-        <p:nvSpPr>
-          <p:cNvPr id="9" name="矩形 8"/>
+            <a:endParaRPr lang="zh-CN" altLang="en-US"/>
+          </a:p>
+        </p:txBody>
+      </p:sp>
+      <p:sp>
+        <p:nvSpPr>
+          <p:cNvPr id="6" name="圆角矩形 5"/>
           <p:cNvSpPr/>
           <p:nvPr/>
         </p:nvSpPr>
         <p:spPr>
           <a:xfrm>
-            <a:off x="2685326" y="3547642"/>
-            <a:ext cx="1435261" cy="277792"/>
-          </a:xfrm>
-          <a:prstGeom prst="rect">
-            <a:avLst/>
-          </a:prstGeom>
+            <a:off x="2649894" y="4049485"/>
+            <a:ext cx="942391" cy="419878"/>
+          </a:xfrm>
+          <a:prstGeom prst="roundRect">
+            <a:avLst/>
+          </a:prstGeom>
+          <a:noFill/>
         </p:spPr>
         <p:style>
           <a:lnRef idx="2">
@@ -13789,24 +13733,25 @@
           <a:lstStyle/>
           <a:p>
             <a:pPr algn="ctr"/>
-            <a:endParaRPr kumimoji="1" lang="zh-CN" altLang="en-US"/>
-          </a:p>
-        </p:txBody>
-      </p:sp>
-      <p:sp>
-        <p:nvSpPr>
-          <p:cNvPr id="10" name="矩形 9"/>
+            <a:endParaRPr lang="zh-CN" altLang="en-US"/>
+          </a:p>
+        </p:txBody>
+      </p:sp>
+      <p:sp>
+        <p:nvSpPr>
+          <p:cNvPr id="7" name="圆角矩形 6"/>
           <p:cNvSpPr/>
           <p:nvPr/>
         </p:nvSpPr>
         <p:spPr>
           <a:xfrm>
-            <a:off x="6956387" y="3547642"/>
-            <a:ext cx="1435261" cy="277792"/>
-          </a:xfrm>
-          <a:prstGeom prst="rect">
-            <a:avLst/>
-          </a:prstGeom>
+            <a:off x="2649894" y="1491237"/>
+            <a:ext cx="942391" cy="419878"/>
+          </a:xfrm>
+          <a:prstGeom prst="roundRect">
+            <a:avLst/>
+          </a:prstGeom>
+          <a:noFill/>
         </p:spPr>
         <p:style>
           <a:lnRef idx="2">
@@ -13829,24 +13774,250 @@
           <a:lstStyle/>
           <a:p>
             <a:pPr algn="ctr"/>
-            <a:endParaRPr kumimoji="1" lang="zh-CN" altLang="en-US"/>
-          </a:p>
-        </p:txBody>
-      </p:sp>
-      <p:sp>
-        <p:nvSpPr>
-          <p:cNvPr id="11" name="矩形 10"/>
+            <a:endParaRPr lang="zh-CN" altLang="en-US"/>
+          </a:p>
+        </p:txBody>
+      </p:sp>
+      <p:cxnSp>
+        <p:nvCxnSpPr>
+          <p:cNvPr id="9" name="直接箭头连接符 8"/>
+          <p:cNvCxnSpPr>
+            <a:stCxn id="5" idx="6"/>
+            <a:endCxn id="7" idx="2"/>
+          </p:cNvCxnSpPr>
+          <p:nvPr/>
+        </p:nvCxnSpPr>
+        <p:spPr>
+          <a:xfrm flipV="1">
+            <a:off x="1623526" y="1911115"/>
+            <a:ext cx="1497564" cy="1116669"/>
+          </a:xfrm>
+          <a:prstGeom prst="straightConnector1">
+            <a:avLst/>
+          </a:prstGeom>
+          <a:ln>
+            <a:tailEnd type="triangle"/>
+          </a:ln>
+        </p:spPr>
+        <p:style>
+          <a:lnRef idx="1">
+            <a:schemeClr val="accent1"/>
+          </a:lnRef>
+          <a:fillRef idx="0">
+            <a:schemeClr val="accent1"/>
+          </a:fillRef>
+          <a:effectRef idx="0">
+            <a:schemeClr val="accent1"/>
+          </a:effectRef>
+          <a:fontRef idx="minor">
+            <a:schemeClr val="tx1"/>
+          </a:fontRef>
+        </p:style>
+      </p:cxnSp>
+      <p:cxnSp>
+        <p:nvCxnSpPr>
+          <p:cNvPr id="12" name="直接箭头连接符 11"/>
+          <p:cNvCxnSpPr>
+            <a:stCxn id="5" idx="6"/>
+            <a:endCxn id="6" idx="0"/>
+          </p:cNvCxnSpPr>
+          <p:nvPr/>
+        </p:nvCxnSpPr>
+        <p:spPr>
+          <a:xfrm>
+            <a:off x="1623526" y="3027784"/>
+            <a:ext cx="1497564" cy="1021701"/>
+          </a:xfrm>
+          <a:prstGeom prst="straightConnector1">
+            <a:avLst/>
+          </a:prstGeom>
+          <a:ln>
+            <a:tailEnd type="triangle"/>
+          </a:ln>
+        </p:spPr>
+        <p:style>
+          <a:lnRef idx="1">
+            <a:schemeClr val="accent1"/>
+          </a:lnRef>
+          <a:fillRef idx="0">
+            <a:schemeClr val="accent1"/>
+          </a:fillRef>
+          <a:effectRef idx="0">
+            <a:schemeClr val="accent1"/>
+          </a:effectRef>
+          <a:fontRef idx="minor">
+            <a:schemeClr val="tx1"/>
+          </a:fontRef>
+        </p:style>
+      </p:cxnSp>
+      <p:sp>
+        <p:nvSpPr>
+          <p:cNvPr id="14" name="文本框 13"/>
+          <p:cNvSpPr txBox="1"/>
+          <p:nvPr/>
+        </p:nvSpPr>
+        <p:spPr>
+          <a:xfrm>
+            <a:off x="2761861" y="1203649"/>
+            <a:ext cx="492443" cy="276999"/>
+          </a:xfrm>
+          <a:prstGeom prst="rect">
+            <a:avLst/>
+          </a:prstGeom>
+          <a:noFill/>
+        </p:spPr>
+        <p:txBody>
+          <a:bodyPr wrap="none" rtlCol="0">
+            <a:spAutoFit/>
+          </a:bodyPr>
+          <a:lstStyle/>
+          <a:p>
+            <a:r>
+              <a:rPr lang="zh-CN" altLang="en-US" sz="1200" smtClean="0"/>
+              <a:t>淘宝</a:t>
+            </a:r>
+            <a:endParaRPr lang="zh-CN" altLang="en-US" sz="1200"/>
+          </a:p>
+        </p:txBody>
+      </p:sp>
+      <p:sp>
+        <p:nvSpPr>
+          <p:cNvPr id="15" name="文本框 14"/>
+          <p:cNvSpPr txBox="1"/>
+          <p:nvPr/>
+        </p:nvSpPr>
+        <p:spPr>
+          <a:xfrm>
+            <a:off x="2761861" y="4537785"/>
+            <a:ext cx="492443" cy="276999"/>
+          </a:xfrm>
+          <a:prstGeom prst="rect">
+            <a:avLst/>
+          </a:prstGeom>
+          <a:noFill/>
+        </p:spPr>
+        <p:txBody>
+          <a:bodyPr wrap="none" rtlCol="0">
+            <a:spAutoFit/>
+          </a:bodyPr>
+          <a:lstStyle/>
+          <a:p>
+            <a:r>
+              <a:rPr lang="zh-CN" altLang="en-US" sz="1200" smtClean="0"/>
+              <a:t>天猫</a:t>
+            </a:r>
+            <a:endParaRPr lang="zh-CN" altLang="en-US" sz="1200"/>
+          </a:p>
+        </p:txBody>
+      </p:sp>
+      <p:sp>
+        <p:nvSpPr>
+          <p:cNvPr id="16" name="文本框 15"/>
+          <p:cNvSpPr txBox="1"/>
+          <p:nvPr/>
+        </p:nvSpPr>
+        <p:spPr>
+          <a:xfrm rot="19382220">
+            <a:off x="1941815" y="2209252"/>
+            <a:ext cx="973343" cy="276999"/>
+          </a:xfrm>
+          <a:prstGeom prst="rect">
+            <a:avLst/>
+          </a:prstGeom>
+          <a:noFill/>
+        </p:spPr>
+        <p:txBody>
+          <a:bodyPr wrap="none" rtlCol="0">
+            <a:spAutoFit/>
+          </a:bodyPr>
+          <a:lstStyle/>
+          <a:p>
+            <a:r>
+              <a:rPr lang="en-US" altLang="zh-CN" sz="1200"/>
+              <a:t>t</a:t>
+            </a:r>
+            <a:r>
+              <a:rPr lang="en-US" altLang="zh-CN" sz="1200" smtClean="0"/>
+              <a:t>aobao.com</a:t>
+            </a:r>
+            <a:endParaRPr lang="zh-CN" altLang="en-US" sz="1200"/>
+          </a:p>
+        </p:txBody>
+      </p:sp>
+      <p:sp>
+        <p:nvSpPr>
+          <p:cNvPr id="17" name="文本框 16"/>
+          <p:cNvSpPr txBox="1"/>
+          <p:nvPr/>
+        </p:nvSpPr>
+        <p:spPr>
+          <a:xfrm rot="2119116">
+            <a:off x="1910777" y="3325197"/>
+            <a:ext cx="1045479" cy="276999"/>
+          </a:xfrm>
+          <a:prstGeom prst="rect">
+            <a:avLst/>
+          </a:prstGeom>
+          <a:noFill/>
+        </p:spPr>
+        <p:txBody>
+          <a:bodyPr wrap="none" rtlCol="0">
+            <a:spAutoFit/>
+          </a:bodyPr>
+          <a:lstStyle/>
+          <a:p>
+            <a:r>
+              <a:rPr lang="en-US" altLang="zh-CN" sz="1200" smtClean="0"/>
+              <a:t>tianmao.com</a:t>
+            </a:r>
+            <a:endParaRPr lang="zh-CN" altLang="en-US" sz="1200"/>
+          </a:p>
+        </p:txBody>
+      </p:sp>
+      <p:sp>
+        <p:nvSpPr>
+          <p:cNvPr id="18" name="文本框 17"/>
+          <p:cNvSpPr txBox="1"/>
+          <p:nvPr/>
+        </p:nvSpPr>
+        <p:spPr>
+          <a:xfrm>
+            <a:off x="926782" y="3380600"/>
+            <a:ext cx="492443" cy="276999"/>
+          </a:xfrm>
+          <a:prstGeom prst="rect">
+            <a:avLst/>
+          </a:prstGeom>
+          <a:noFill/>
+        </p:spPr>
+        <p:txBody>
+          <a:bodyPr wrap="none" rtlCol="0">
+            <a:spAutoFit/>
+          </a:bodyPr>
+          <a:lstStyle/>
+          <a:p>
+            <a:r>
+              <a:rPr lang="zh-CN" altLang="en-US" sz="1200"/>
+              <a:t>用户</a:t>
+            </a:r>
+          </a:p>
+        </p:txBody>
+      </p:sp>
+      <p:sp>
+        <p:nvSpPr>
+          <p:cNvPr id="19" name="圆角矩形 18"/>
           <p:cNvSpPr/>
           <p:nvPr/>
         </p:nvSpPr>
         <p:spPr>
           <a:xfrm>
-            <a:off x="6956387" y="2268639"/>
-            <a:ext cx="1435261" cy="277792"/>
-          </a:xfrm>
-          <a:prstGeom prst="rect">
-            <a:avLst/>
-          </a:prstGeom>
+            <a:off x="4892351" y="2713010"/>
+            <a:ext cx="1499118" cy="629548"/>
+          </a:xfrm>
+          <a:prstGeom prst="roundRect">
+            <a:avLst/>
+          </a:prstGeom>
+          <a:noFill/>
         </p:spPr>
         <p:style>
           <a:lnRef idx="2">
@@ -13869,20 +14040,20 @@
           <a:lstStyle/>
           <a:p>
             <a:pPr algn="ctr"/>
-            <a:endParaRPr kumimoji="1" lang="zh-CN" altLang="en-US"/>
-          </a:p>
-        </p:txBody>
-      </p:sp>
-      <p:sp>
-        <p:nvSpPr>
-          <p:cNvPr id="13" name="文本框 12"/>
+            <a:endParaRPr lang="zh-CN" altLang="en-US"/>
+          </a:p>
+        </p:txBody>
+      </p:sp>
+      <p:sp>
+        <p:nvSpPr>
+          <p:cNvPr id="20" name="文本框 19"/>
           <p:cNvSpPr txBox="1"/>
           <p:nvPr/>
         </p:nvSpPr>
         <p:spPr>
           <a:xfrm>
-            <a:off x="501805" y="323385"/>
-            <a:ext cx="4493538" cy="307777"/>
+            <a:off x="4780384" y="2209251"/>
+            <a:ext cx="1877437" cy="461665"/>
           </a:xfrm>
           <a:prstGeom prst="rect">
             <a:avLst/>
@@ -13896,25 +14067,32 @@
           <a:lstStyle/>
           <a:p>
             <a:r>
-              <a:rPr kumimoji="1" lang="zh-CN" altLang="en-US" sz="1400" dirty="0" smtClean="0"/>
-              <a:t>分布式事务：本质是保持不同数据库之间的数据一致性</a:t>
-            </a:r>
-            <a:endParaRPr kumimoji="1" lang="zh-CN" altLang="en-US" sz="1400" dirty="0"/>
+              <a:rPr lang="zh-CN" altLang="en-US" sz="1200" smtClean="0"/>
+              <a:t>允许登录多个域名的中间</a:t>
+            </a:r>
+            <a:endParaRPr lang="en-US" altLang="zh-CN" sz="1200" smtClean="0"/>
+          </a:p>
+          <a:p>
+            <a:r>
+              <a:rPr lang="zh-CN" altLang="en-US" sz="1200" smtClean="0"/>
+              <a:t>跳转应用</a:t>
+            </a:r>
+            <a:endParaRPr lang="zh-CN" altLang="en-US" sz="1200"/>
           </a:p>
         </p:txBody>
       </p:sp>
       <p:cxnSp>
         <p:nvCxnSpPr>
-          <p:cNvPr id="15" name="直线箭头连接符 14"/>
+          <p:cNvPr id="22" name="直接箭头连接符 21"/>
           <p:cNvCxnSpPr>
-            <a:endCxn id="7" idx="3"/>
+            <a:stCxn id="5" idx="6"/>
           </p:cNvCxnSpPr>
           <p:nvPr/>
         </p:nvCxnSpPr>
         <p:spPr>
-          <a:xfrm flipH="1">
-            <a:off x="4120587" y="1493135"/>
-            <a:ext cx="1365813" cy="914400"/>
+          <a:xfrm flipV="1">
+            <a:off x="1623526" y="2789853"/>
+            <a:ext cx="3268825" cy="237931"/>
           </a:xfrm>
           <a:prstGeom prst="straightConnector1">
             <a:avLst/>
@@ -13940,16 +14118,16 @@
       </p:cxnSp>
       <p:cxnSp>
         <p:nvCxnSpPr>
-          <p:cNvPr id="17" name="直线箭头连接符 16"/>
+          <p:cNvPr id="24" name="直接箭头连接符 23"/>
           <p:cNvCxnSpPr>
-            <a:endCxn id="11" idx="1"/>
+            <a:endCxn id="5" idx="6"/>
           </p:cNvCxnSpPr>
           <p:nvPr/>
         </p:nvCxnSpPr>
         <p:spPr>
-          <a:xfrm>
-            <a:off x="5497975" y="1493135"/>
-            <a:ext cx="1458412" cy="914400"/>
+          <a:xfrm flipH="1">
+            <a:off x="1623526" y="2895304"/>
+            <a:ext cx="3268825" cy="132480"/>
           </a:xfrm>
           <a:prstGeom prst="straightConnector1">
             <a:avLst/>
@@ -13975,14 +14153,16 @@
       </p:cxnSp>
       <p:cxnSp>
         <p:nvCxnSpPr>
-          <p:cNvPr id="20" name="直线箭头连接符 19"/>
-          <p:cNvCxnSpPr/>
+          <p:cNvPr id="26" name="直接箭头连接符 25"/>
+          <p:cNvCxnSpPr>
+            <a:stCxn id="5" idx="6"/>
+          </p:cNvCxnSpPr>
           <p:nvPr/>
         </p:nvCxnSpPr>
         <p:spPr>
-          <a:xfrm flipH="1">
-            <a:off x="4132162" y="2772138"/>
-            <a:ext cx="1365813" cy="914400"/>
+          <a:xfrm>
+            <a:off x="1623526" y="3027784"/>
+            <a:ext cx="3268825" cy="118937"/>
           </a:xfrm>
           <a:prstGeom prst="straightConnector1">
             <a:avLst/>
@@ -14008,14 +14188,16 @@
       </p:cxnSp>
       <p:cxnSp>
         <p:nvCxnSpPr>
-          <p:cNvPr id="22" name="直线箭头连接符 21"/>
-          <p:cNvCxnSpPr/>
+          <p:cNvPr id="28" name="直接箭头连接符 27"/>
+          <p:cNvCxnSpPr>
+            <a:endCxn id="5" idx="6"/>
+          </p:cNvCxnSpPr>
           <p:nvPr/>
         </p:nvCxnSpPr>
         <p:spPr>
-          <a:xfrm>
-            <a:off x="5497975" y="2772138"/>
-            <a:ext cx="1458412" cy="914400"/>
+          <a:xfrm flipH="1" flipV="1">
+            <a:off x="1623526" y="3027784"/>
+            <a:ext cx="3268825" cy="237930"/>
           </a:xfrm>
           <a:prstGeom prst="straightConnector1">
             <a:avLst/>
@@ -14041,14 +14223,14 @@
       </p:cxnSp>
       <p:sp>
         <p:nvSpPr>
-          <p:cNvPr id="24" name="文本框 23"/>
+          <p:cNvPr id="29" name="文本框 28"/>
           <p:cNvSpPr txBox="1"/>
           <p:nvPr/>
         </p:nvSpPr>
         <p:spPr>
           <a:xfrm>
-            <a:off x="4956801" y="719818"/>
-            <a:ext cx="1082348" cy="307777"/>
+            <a:off x="4892351" y="3434509"/>
+            <a:ext cx="2287806" cy="430887"/>
           </a:xfrm>
           <a:prstGeom prst="rect">
             <a:avLst/>
@@ -14062,580 +14244,48 @@
           <a:lstStyle/>
           <a:p>
             <a:r>
-              <a:rPr kumimoji="1" lang="zh-CN" altLang="en-US" sz="1400" dirty="0" smtClean="0"/>
-              <a:t>事务协调者</a:t>
-            </a:r>
-            <a:endParaRPr kumimoji="1" lang="zh-CN" altLang="en-US" sz="1400" dirty="0"/>
-          </a:p>
-        </p:txBody>
-      </p:sp>
-      <p:sp>
-        <p:nvSpPr>
-          <p:cNvPr id="25" name="文本框 24"/>
-          <p:cNvSpPr txBox="1"/>
-          <p:nvPr/>
-        </p:nvSpPr>
-        <p:spPr>
-          <a:xfrm>
-            <a:off x="2861782" y="1573110"/>
-            <a:ext cx="1082348" cy="307777"/>
-          </a:xfrm>
-          <a:prstGeom prst="rect">
-            <a:avLst/>
-          </a:prstGeom>
-          <a:noFill/>
-        </p:spPr>
-        <p:txBody>
-          <a:bodyPr wrap="none" rtlCol="0">
-            <a:spAutoFit/>
-          </a:bodyPr>
-          <a:lstStyle/>
-          <a:p>
-            <a:r>
-              <a:rPr kumimoji="1" lang="zh-CN" altLang="en-US" sz="1400" dirty="0" smtClean="0"/>
-              <a:t>事务参与者</a:t>
-            </a:r>
-            <a:endParaRPr kumimoji="1" lang="zh-CN" altLang="en-US" sz="1400" dirty="0"/>
-          </a:p>
-        </p:txBody>
-      </p:sp>
-      <p:sp>
-        <p:nvSpPr>
-          <p:cNvPr id="26" name="文本框 25"/>
-          <p:cNvSpPr txBox="1"/>
-          <p:nvPr/>
-        </p:nvSpPr>
-        <p:spPr>
-          <a:xfrm>
-            <a:off x="7132843" y="1573110"/>
-            <a:ext cx="1082348" cy="307777"/>
-          </a:xfrm>
-          <a:prstGeom prst="rect">
-            <a:avLst/>
-          </a:prstGeom>
-          <a:noFill/>
-        </p:spPr>
-        <p:txBody>
-          <a:bodyPr wrap="none" rtlCol="0">
-            <a:spAutoFit/>
-          </a:bodyPr>
-          <a:lstStyle/>
-          <a:p>
-            <a:r>
-              <a:rPr kumimoji="1" lang="zh-CN" altLang="en-US" sz="1400" dirty="0" smtClean="0"/>
-              <a:t>事务参与者</a:t>
-            </a:r>
-            <a:endParaRPr kumimoji="1" lang="zh-CN" altLang="en-US" sz="1400" dirty="0"/>
-          </a:p>
-        </p:txBody>
-      </p:sp>
-      <p:sp>
-        <p:nvSpPr>
-          <p:cNvPr id="27" name="文本框 26"/>
-          <p:cNvSpPr txBox="1"/>
-          <p:nvPr/>
-        </p:nvSpPr>
-        <p:spPr>
-          <a:xfrm>
-            <a:off x="4273894" y="1642558"/>
-            <a:ext cx="787395" cy="307777"/>
-          </a:xfrm>
-          <a:prstGeom prst="rect">
-            <a:avLst/>
-          </a:prstGeom>
-          <a:noFill/>
-        </p:spPr>
-        <p:txBody>
-          <a:bodyPr wrap="none" rtlCol="0">
-            <a:spAutoFit/>
-          </a:bodyPr>
-          <a:lstStyle/>
-          <a:p>
-            <a:r>
-              <a:rPr kumimoji="1" lang="en-US" altLang="zh-CN" sz="1400" dirty="0" smtClean="0"/>
-              <a:t>prepare</a:t>
-            </a:r>
-            <a:endParaRPr kumimoji="1" lang="zh-CN" altLang="en-US" sz="1400" dirty="0"/>
-          </a:p>
-        </p:txBody>
-      </p:sp>
-      <p:sp>
-        <p:nvSpPr>
-          <p:cNvPr id="28" name="文本框 27"/>
-          <p:cNvSpPr txBox="1"/>
-          <p:nvPr/>
-        </p:nvSpPr>
-        <p:spPr>
-          <a:xfrm>
-            <a:off x="5914664" y="1642557"/>
-            <a:ext cx="787395" cy="307777"/>
-          </a:xfrm>
-          <a:prstGeom prst="rect">
-            <a:avLst/>
-          </a:prstGeom>
-          <a:noFill/>
-        </p:spPr>
-        <p:txBody>
-          <a:bodyPr wrap="none" rtlCol="0">
-            <a:spAutoFit/>
-          </a:bodyPr>
-          <a:lstStyle/>
-          <a:p>
-            <a:r>
-              <a:rPr kumimoji="1" lang="en-US" altLang="zh-CN" sz="1400" smtClean="0"/>
-              <a:t>prepare</a:t>
-            </a:r>
-            <a:endParaRPr kumimoji="1" lang="zh-CN" altLang="en-US" sz="1400" dirty="0"/>
-          </a:p>
-        </p:txBody>
-      </p:sp>
-      <p:cxnSp>
-        <p:nvCxnSpPr>
-          <p:cNvPr id="30" name="直线箭头连接符 29"/>
-          <p:cNvCxnSpPr/>
-          <p:nvPr/>
-        </p:nvCxnSpPr>
-        <p:spPr>
-          <a:xfrm flipV="1">
-            <a:off x="4132162" y="1642557"/>
-            <a:ext cx="1354238" cy="903874"/>
-          </a:xfrm>
-          <a:prstGeom prst="straightConnector1">
-            <a:avLst/>
-          </a:prstGeom>
-          <a:ln>
-            <a:tailEnd type="triangle"/>
-          </a:ln>
-        </p:spPr>
-        <p:style>
-          <a:lnRef idx="1">
-            <a:schemeClr val="accent1"/>
-          </a:lnRef>
-          <a:fillRef idx="0">
-            <a:schemeClr val="accent1"/>
-          </a:fillRef>
-          <a:effectRef idx="0">
-            <a:schemeClr val="accent1"/>
-          </a:effectRef>
-          <a:fontRef idx="minor">
-            <a:schemeClr val="tx1"/>
-          </a:fontRef>
-        </p:style>
-      </p:cxnSp>
-      <p:cxnSp>
-        <p:nvCxnSpPr>
-          <p:cNvPr id="31" name="直线箭头连接符 30"/>
-          <p:cNvCxnSpPr/>
-          <p:nvPr/>
-        </p:nvCxnSpPr>
-        <p:spPr>
-          <a:xfrm flipV="1">
-            <a:off x="4157949" y="2911034"/>
-            <a:ext cx="1354238" cy="903874"/>
-          </a:xfrm>
-          <a:prstGeom prst="straightConnector1">
-            <a:avLst/>
-          </a:prstGeom>
-          <a:ln>
-            <a:tailEnd type="triangle"/>
-          </a:ln>
-        </p:spPr>
-        <p:style>
-          <a:lnRef idx="1">
-            <a:schemeClr val="accent1"/>
-          </a:lnRef>
-          <a:fillRef idx="0">
-            <a:schemeClr val="accent1"/>
-          </a:fillRef>
-          <a:effectRef idx="0">
-            <a:schemeClr val="accent1"/>
-          </a:effectRef>
-          <a:fontRef idx="minor">
-            <a:schemeClr val="tx1"/>
-          </a:fontRef>
-        </p:style>
-      </p:cxnSp>
-      <p:cxnSp>
-        <p:nvCxnSpPr>
-          <p:cNvPr id="33" name="直线箭头连接符 32"/>
-          <p:cNvCxnSpPr/>
-          <p:nvPr/>
-        </p:nvCxnSpPr>
-        <p:spPr>
-          <a:xfrm flipH="1" flipV="1">
-            <a:off x="5512187" y="1642557"/>
-            <a:ext cx="1455775" cy="903874"/>
-          </a:xfrm>
-          <a:prstGeom prst="straightConnector1">
-            <a:avLst/>
-          </a:prstGeom>
-          <a:ln>
-            <a:tailEnd type="triangle"/>
-          </a:ln>
-        </p:spPr>
-        <p:style>
-          <a:lnRef idx="1">
-            <a:schemeClr val="accent1"/>
-          </a:lnRef>
-          <a:fillRef idx="0">
-            <a:schemeClr val="accent1"/>
-          </a:fillRef>
-          <a:effectRef idx="0">
-            <a:schemeClr val="accent1"/>
-          </a:effectRef>
-          <a:fontRef idx="minor">
-            <a:schemeClr val="tx1"/>
-          </a:fontRef>
-        </p:style>
-      </p:cxnSp>
-      <p:cxnSp>
-        <p:nvCxnSpPr>
-          <p:cNvPr id="35" name="直线箭头连接符 34"/>
-          <p:cNvCxnSpPr/>
-          <p:nvPr/>
-        </p:nvCxnSpPr>
-        <p:spPr>
-          <a:xfrm flipH="1" flipV="1">
-            <a:off x="5480355" y="2921560"/>
-            <a:ext cx="1455775" cy="903874"/>
-          </a:xfrm>
-          <a:prstGeom prst="straightConnector1">
-            <a:avLst/>
-          </a:prstGeom>
-          <a:ln>
-            <a:tailEnd type="triangle"/>
-          </a:ln>
-        </p:spPr>
-        <p:style>
-          <a:lnRef idx="1">
-            <a:schemeClr val="accent1"/>
-          </a:lnRef>
-          <a:fillRef idx="0">
-            <a:schemeClr val="accent1"/>
-          </a:fillRef>
-          <a:effectRef idx="0">
-            <a:schemeClr val="accent1"/>
-          </a:effectRef>
-          <a:fontRef idx="minor">
-            <a:schemeClr val="tx1"/>
-          </a:fontRef>
-        </p:style>
-      </p:cxnSp>
-      <p:sp>
-        <p:nvSpPr>
-          <p:cNvPr id="37" name="文本框 36"/>
-          <p:cNvSpPr txBox="1"/>
-          <p:nvPr/>
-        </p:nvSpPr>
-        <p:spPr>
-          <a:xfrm>
-            <a:off x="4273894" y="2902877"/>
-            <a:ext cx="768159" cy="307777"/>
-          </a:xfrm>
-          <a:prstGeom prst="rect">
-            <a:avLst/>
-          </a:prstGeom>
-          <a:noFill/>
-        </p:spPr>
-        <p:txBody>
-          <a:bodyPr wrap="none" rtlCol="0">
-            <a:spAutoFit/>
-          </a:bodyPr>
-          <a:lstStyle/>
-          <a:p>
-            <a:r>
-              <a:rPr kumimoji="1" lang="en-US" altLang="zh-CN" sz="1400" dirty="0" smtClean="0"/>
-              <a:t>commit</a:t>
-            </a:r>
-            <a:endParaRPr kumimoji="1" lang="zh-CN" altLang="en-US" sz="1400" dirty="0"/>
-          </a:p>
-        </p:txBody>
-      </p:sp>
-      <p:sp>
-        <p:nvSpPr>
-          <p:cNvPr id="38" name="文本框 37"/>
-          <p:cNvSpPr txBox="1"/>
-          <p:nvPr/>
-        </p:nvSpPr>
-        <p:spPr>
-          <a:xfrm>
-            <a:off x="5989997" y="2916821"/>
-            <a:ext cx="768159" cy="307777"/>
-          </a:xfrm>
-          <a:prstGeom prst="rect">
-            <a:avLst/>
-          </a:prstGeom>
-          <a:noFill/>
-        </p:spPr>
-        <p:txBody>
-          <a:bodyPr wrap="none" rtlCol="0">
-            <a:spAutoFit/>
-          </a:bodyPr>
-          <a:lstStyle/>
-          <a:p>
-            <a:r>
-              <a:rPr kumimoji="1" lang="en-US" altLang="zh-CN" sz="1400" dirty="0" smtClean="0"/>
-              <a:t>commit</a:t>
-            </a:r>
-            <a:endParaRPr kumimoji="1" lang="zh-CN" altLang="en-US" sz="1400" dirty="0"/>
-          </a:p>
-        </p:txBody>
-      </p:sp>
-      <p:sp>
-        <p:nvSpPr>
-          <p:cNvPr id="39" name="文本框 38"/>
-          <p:cNvSpPr txBox="1"/>
-          <p:nvPr/>
-        </p:nvSpPr>
-        <p:spPr>
-          <a:xfrm>
-            <a:off x="4445967" y="2142365"/>
-            <a:ext cx="614271" cy="307777"/>
-          </a:xfrm>
-          <a:prstGeom prst="rect">
-            <a:avLst/>
-          </a:prstGeom>
-          <a:noFill/>
-        </p:spPr>
-        <p:txBody>
-          <a:bodyPr wrap="none" rtlCol="0">
-            <a:spAutoFit/>
-          </a:bodyPr>
-          <a:lstStyle/>
-          <a:p>
-            <a:r>
-              <a:rPr kumimoji="1" lang="en-US" altLang="zh-CN" sz="1400" dirty="0" smtClean="0"/>
-              <a:t>ready</a:t>
-            </a:r>
-            <a:endParaRPr kumimoji="1" lang="zh-CN" altLang="en-US" sz="1400" dirty="0"/>
-          </a:p>
-        </p:txBody>
-      </p:sp>
-      <p:sp>
-        <p:nvSpPr>
-          <p:cNvPr id="40" name="文本框 39"/>
-          <p:cNvSpPr txBox="1"/>
-          <p:nvPr/>
-        </p:nvSpPr>
-        <p:spPr>
-          <a:xfrm>
-            <a:off x="5768189" y="2142115"/>
-            <a:ext cx="614271" cy="307777"/>
-          </a:xfrm>
-          <a:prstGeom prst="rect">
-            <a:avLst/>
-          </a:prstGeom>
-          <a:noFill/>
-        </p:spPr>
-        <p:txBody>
-          <a:bodyPr wrap="none" rtlCol="0">
-            <a:spAutoFit/>
-          </a:bodyPr>
-          <a:lstStyle/>
-          <a:p>
-            <a:r>
-              <a:rPr kumimoji="1" lang="en-US" altLang="zh-CN" sz="1400" dirty="0" smtClean="0"/>
-              <a:t>ready</a:t>
-            </a:r>
-            <a:endParaRPr kumimoji="1" lang="zh-CN" altLang="en-US" sz="1400" dirty="0"/>
-          </a:p>
-        </p:txBody>
-      </p:sp>
-      <p:sp>
-        <p:nvSpPr>
-          <p:cNvPr id="41" name="文本框 40"/>
-          <p:cNvSpPr txBox="1"/>
-          <p:nvPr/>
-        </p:nvSpPr>
-        <p:spPr>
-          <a:xfrm>
-            <a:off x="4525227" y="3428135"/>
-            <a:ext cx="963725" cy="307777"/>
-          </a:xfrm>
-          <a:prstGeom prst="rect">
-            <a:avLst/>
-          </a:prstGeom>
-          <a:noFill/>
-        </p:spPr>
-        <p:txBody>
-          <a:bodyPr wrap="none" rtlCol="0">
-            <a:spAutoFit/>
-          </a:bodyPr>
-          <a:lstStyle/>
-          <a:p>
-            <a:r>
-              <a:rPr kumimoji="1" lang="en-US" altLang="zh-CN" sz="1400" dirty="0" err="1" smtClean="0"/>
-              <a:t>commited</a:t>
-            </a:r>
-            <a:endParaRPr kumimoji="1" lang="zh-CN" altLang="en-US" sz="1400" dirty="0"/>
-          </a:p>
-        </p:txBody>
-      </p:sp>
-      <p:sp>
-        <p:nvSpPr>
-          <p:cNvPr id="42" name="文本框 41"/>
-          <p:cNvSpPr txBox="1"/>
-          <p:nvPr/>
-        </p:nvSpPr>
-        <p:spPr>
-          <a:xfrm>
-            <a:off x="5679900" y="3428134"/>
-            <a:ext cx="963725" cy="307777"/>
-          </a:xfrm>
-          <a:prstGeom prst="rect">
-            <a:avLst/>
-          </a:prstGeom>
-          <a:noFill/>
-        </p:spPr>
-        <p:txBody>
-          <a:bodyPr wrap="none" rtlCol="0">
-            <a:spAutoFit/>
-          </a:bodyPr>
-          <a:lstStyle/>
-          <a:p>
-            <a:r>
-              <a:rPr kumimoji="1" lang="en-US" altLang="zh-CN" sz="1400" dirty="0" err="1" smtClean="0"/>
-              <a:t>commited</a:t>
-            </a:r>
-            <a:endParaRPr kumimoji="1" lang="zh-CN" altLang="en-US" sz="1400" dirty="0"/>
-          </a:p>
-        </p:txBody>
-      </p:sp>
-      <p:sp>
-        <p:nvSpPr>
-          <p:cNvPr id="43" name="文本框 42"/>
-          <p:cNvSpPr txBox="1"/>
-          <p:nvPr/>
-        </p:nvSpPr>
-        <p:spPr>
-          <a:xfrm>
-            <a:off x="933452" y="4757199"/>
-            <a:ext cx="9191940" cy="523220"/>
-          </a:xfrm>
-          <a:prstGeom prst="rect">
-            <a:avLst/>
-          </a:prstGeom>
-          <a:noFill/>
-        </p:spPr>
-        <p:txBody>
-          <a:bodyPr wrap="none" rtlCol="0">
-            <a:spAutoFit/>
-          </a:bodyPr>
-          <a:lstStyle/>
-          <a:p>
-            <a:r>
-              <a:rPr kumimoji="1" lang="en-US" altLang="zh-CN" sz="1400" b="1" dirty="0" smtClean="0"/>
-              <a:t>1</a:t>
-            </a:r>
-            <a:r>
-              <a:rPr kumimoji="1" lang="en-US" altLang="zh-CN" sz="1400" b="1" dirty="0"/>
-              <a:t>.</a:t>
-            </a:r>
-            <a:r>
-              <a:rPr kumimoji="1" lang="zh-CN" altLang="en-US" sz="1400" b="1" dirty="0" smtClean="0"/>
-              <a:t>准备阶段：</a:t>
-            </a:r>
-            <a:endParaRPr kumimoji="1" lang="en-US" altLang="zh-CN" sz="1400" b="1" dirty="0" smtClean="0"/>
-          </a:p>
-          <a:p>
-            <a:r>
-              <a:rPr kumimoji="1" lang="zh-CN" altLang="en-US" sz="1400" dirty="0"/>
-              <a:t> </a:t>
-            </a:r>
-            <a:r>
-              <a:rPr kumimoji="1" lang="zh-CN" altLang="en-US" sz="1400" dirty="0" smtClean="0"/>
-              <a:t>   事务协调者给每个事务参与者发送准备消息，每个参与者要么直接返回失败，要么在本地执行事务，但不提交</a:t>
-            </a:r>
-            <a:endParaRPr kumimoji="1" lang="zh-CN" altLang="en-US" sz="1400" dirty="0"/>
-          </a:p>
-        </p:txBody>
-      </p:sp>
-      <p:sp>
-        <p:nvSpPr>
-          <p:cNvPr id="45" name="文本框 44"/>
-          <p:cNvSpPr txBox="1"/>
-          <p:nvPr/>
-        </p:nvSpPr>
-        <p:spPr>
-          <a:xfrm>
-            <a:off x="933452" y="5483704"/>
-            <a:ext cx="10078400" cy="738664"/>
-          </a:xfrm>
-          <a:prstGeom prst="rect">
-            <a:avLst/>
-          </a:prstGeom>
-          <a:noFill/>
-        </p:spPr>
-        <p:txBody>
-          <a:bodyPr wrap="none" rtlCol="0">
-            <a:spAutoFit/>
-          </a:bodyPr>
-          <a:lstStyle/>
-          <a:p>
-            <a:r>
-              <a:rPr kumimoji="1" lang="en-US" altLang="zh-CN" sz="1400" b="1" dirty="0" smtClean="0"/>
-              <a:t>2.</a:t>
-            </a:r>
-            <a:r>
-              <a:rPr kumimoji="1" lang="zh-CN" altLang="en-US" sz="1400" b="1" dirty="0" smtClean="0"/>
-              <a:t>提交阶段：</a:t>
-            </a:r>
-            <a:endParaRPr kumimoji="1" lang="en-US" altLang="zh-CN" sz="1400" b="1" dirty="0" smtClean="0"/>
-          </a:p>
-          <a:p>
-            <a:r>
-              <a:rPr kumimoji="1" lang="zh-CN" altLang="en-US" sz="1400" dirty="0"/>
-              <a:t> </a:t>
-            </a:r>
-            <a:r>
-              <a:rPr kumimoji="1" lang="zh-CN" altLang="en-US" sz="1400" dirty="0" smtClean="0"/>
-              <a:t>   如果协调者收到了参与者的超时或失败消息时，直接给每个参与者发送回滚命令，否则发送提交命令，参与者根据命令进行</a:t>
-            </a:r>
-            <a:endParaRPr kumimoji="1" lang="en-US" altLang="zh-CN" sz="1400" dirty="0" smtClean="0"/>
-          </a:p>
-          <a:p>
-            <a:r>
-              <a:rPr kumimoji="1" lang="zh-CN" altLang="en-US" sz="1400" dirty="0" smtClean="0"/>
-              <a:t>回滚或者提交</a:t>
-            </a:r>
-            <a:endParaRPr kumimoji="1" lang="en-US" altLang="zh-CN" sz="1400" dirty="0" smtClean="0"/>
-          </a:p>
-        </p:txBody>
-      </p:sp>
-      <p:sp>
-        <p:nvSpPr>
-          <p:cNvPr id="46" name="文本框 45"/>
-          <p:cNvSpPr txBox="1"/>
-          <p:nvPr/>
-        </p:nvSpPr>
-        <p:spPr>
-          <a:xfrm>
-            <a:off x="482993" y="4260423"/>
-            <a:ext cx="1261884" cy="307777"/>
-          </a:xfrm>
-          <a:prstGeom prst="rect">
-            <a:avLst/>
-          </a:prstGeom>
-          <a:noFill/>
-        </p:spPr>
-        <p:txBody>
-          <a:bodyPr wrap="none" rtlCol="0">
-            <a:spAutoFit/>
-          </a:bodyPr>
-          <a:lstStyle/>
-          <a:p>
-            <a:r>
-              <a:rPr kumimoji="1" lang="zh-CN" altLang="en-US" sz="1400" b="1" dirty="0" smtClean="0"/>
-              <a:t>两阶段事务：</a:t>
-            </a:r>
-            <a:endParaRPr kumimoji="1" lang="zh-CN" altLang="en-US" sz="1400" b="1" dirty="0"/>
+              <a:rPr lang="zh-CN" altLang="en-US" sz="1100" smtClean="0"/>
+              <a:t>目的通过一个域名后去</a:t>
+            </a:r>
+            <a:r>
+              <a:rPr lang="en-US" altLang="zh-CN" sz="1100" smtClean="0"/>
+              <a:t>sessionId</a:t>
+            </a:r>
+            <a:r>
+              <a:rPr lang="zh-CN" altLang="en-US" sz="1100" smtClean="0"/>
+              <a:t>，</a:t>
+            </a:r>
+            <a:endParaRPr lang="en-US" altLang="zh-CN" sz="1100" smtClean="0"/>
+          </a:p>
+          <a:p>
+            <a:r>
+              <a:rPr lang="zh-CN" altLang="en-US" sz="1100" smtClean="0"/>
+              <a:t>将</a:t>
+            </a:r>
+            <a:r>
+              <a:rPr lang="en-US" altLang="zh-CN" sz="1100" smtClean="0"/>
+              <a:t>sessionId</a:t>
+            </a:r>
+            <a:r>
+              <a:rPr lang="zh-CN" altLang="en-US" sz="1100" smtClean="0"/>
+              <a:t>同步到另</a:t>
+            </a:r>
+            <a:r>
+              <a:rPr lang="zh-CN" altLang="en-US" sz="1100"/>
+              <a:t>一</a:t>
+            </a:r>
+            <a:r>
+              <a:rPr lang="zh-CN" altLang="en-US" sz="1100" smtClean="0"/>
+              <a:t>个域名下</a:t>
+            </a:r>
+            <a:endParaRPr lang="zh-CN" altLang="en-US" sz="1100"/>
           </a:p>
         </p:txBody>
       </p:sp>
     </p:spTree>
     <p:extLst>
       <p:ext uri="{BB962C8B-B14F-4D97-AF65-F5344CB8AC3E}">
-        <p14:creationId xmlns:p14="http://schemas.microsoft.com/office/powerpoint/2010/main" val="1912657155"/>
+        <p14:creationId xmlns:p14="http://schemas.microsoft.com/office/powerpoint/2010/main" val="1524821486"/>
       </p:ext>
     </p:extLst>
   </p:cSld>
@@ -18333,6 +17983,985 @@
       </p:par>
     </p:tnLst>
   </p:timing>
+</p:sld>
+</file>
+
+<file path=ppt/slides/slide20.xml><?xml version="1.0" encoding="utf-8"?>
+<p:sld xmlns:a="http://schemas.openxmlformats.org/drawingml/2006/main" xmlns:r="http://schemas.openxmlformats.org/officeDocument/2006/relationships" xmlns:p="http://schemas.openxmlformats.org/presentationml/2006/main">
+  <p:cSld>
+    <p:spTree>
+      <p:nvGrpSpPr>
+        <p:cNvPr id="1" name=""/>
+        <p:cNvGrpSpPr/>
+        <p:nvPr/>
+      </p:nvGrpSpPr>
+      <p:grpSpPr>
+        <a:xfrm>
+          <a:off x="0" y="0"/>
+          <a:ext cx="0" cy="0"/>
+          <a:chOff x="0" y="0"/>
+          <a:chExt cx="0" cy="0"/>
+        </a:xfrm>
+      </p:grpSpPr>
+      <p:cxnSp>
+        <p:nvCxnSpPr>
+          <p:cNvPr id="5" name="直线连接符 4"/>
+          <p:cNvCxnSpPr/>
+          <p:nvPr/>
+        </p:nvCxnSpPr>
+        <p:spPr>
+          <a:xfrm>
+            <a:off x="5486400" y="1140449"/>
+            <a:ext cx="11575" cy="3466277"/>
+          </a:xfrm>
+          <a:prstGeom prst="line">
+            <a:avLst/>
+          </a:prstGeom>
+        </p:spPr>
+        <p:style>
+          <a:lnRef idx="1">
+            <a:schemeClr val="accent1"/>
+          </a:lnRef>
+          <a:fillRef idx="0">
+            <a:schemeClr val="accent1"/>
+          </a:fillRef>
+          <a:effectRef idx="0">
+            <a:schemeClr val="accent1"/>
+          </a:effectRef>
+          <a:fontRef idx="minor">
+            <a:schemeClr val="tx1"/>
+          </a:fontRef>
+        </p:style>
+      </p:cxnSp>
+      <p:sp>
+        <p:nvSpPr>
+          <p:cNvPr id="7" name="矩形 6"/>
+          <p:cNvSpPr/>
+          <p:nvPr/>
+        </p:nvSpPr>
+        <p:spPr>
+          <a:xfrm>
+            <a:off x="2685326" y="2268639"/>
+            <a:ext cx="1435261" cy="277792"/>
+          </a:xfrm>
+          <a:prstGeom prst="rect">
+            <a:avLst/>
+          </a:prstGeom>
+        </p:spPr>
+        <p:style>
+          <a:lnRef idx="2">
+            <a:schemeClr val="accent1">
+              <a:shade val="50000"/>
+            </a:schemeClr>
+          </a:lnRef>
+          <a:fillRef idx="1">
+            <a:schemeClr val="accent1"/>
+          </a:fillRef>
+          <a:effectRef idx="0">
+            <a:schemeClr val="accent1"/>
+          </a:effectRef>
+          <a:fontRef idx="minor">
+            <a:schemeClr val="lt1"/>
+          </a:fontRef>
+        </p:style>
+        <p:txBody>
+          <a:bodyPr rtlCol="0" anchor="ctr"/>
+          <a:lstStyle/>
+          <a:p>
+            <a:pPr algn="ctr"/>
+            <a:endParaRPr kumimoji="1" lang="zh-CN" altLang="en-US"/>
+          </a:p>
+        </p:txBody>
+      </p:sp>
+      <p:sp>
+        <p:nvSpPr>
+          <p:cNvPr id="9" name="矩形 8"/>
+          <p:cNvSpPr/>
+          <p:nvPr/>
+        </p:nvSpPr>
+        <p:spPr>
+          <a:xfrm>
+            <a:off x="2685326" y="3547642"/>
+            <a:ext cx="1435261" cy="277792"/>
+          </a:xfrm>
+          <a:prstGeom prst="rect">
+            <a:avLst/>
+          </a:prstGeom>
+        </p:spPr>
+        <p:style>
+          <a:lnRef idx="2">
+            <a:schemeClr val="accent1">
+              <a:shade val="50000"/>
+            </a:schemeClr>
+          </a:lnRef>
+          <a:fillRef idx="1">
+            <a:schemeClr val="accent1"/>
+          </a:fillRef>
+          <a:effectRef idx="0">
+            <a:schemeClr val="accent1"/>
+          </a:effectRef>
+          <a:fontRef idx="minor">
+            <a:schemeClr val="lt1"/>
+          </a:fontRef>
+        </p:style>
+        <p:txBody>
+          <a:bodyPr rtlCol="0" anchor="ctr"/>
+          <a:lstStyle/>
+          <a:p>
+            <a:pPr algn="ctr"/>
+            <a:endParaRPr kumimoji="1" lang="zh-CN" altLang="en-US"/>
+          </a:p>
+        </p:txBody>
+      </p:sp>
+      <p:sp>
+        <p:nvSpPr>
+          <p:cNvPr id="10" name="矩形 9"/>
+          <p:cNvSpPr/>
+          <p:nvPr/>
+        </p:nvSpPr>
+        <p:spPr>
+          <a:xfrm>
+            <a:off x="6956387" y="3547642"/>
+            <a:ext cx="1435261" cy="277792"/>
+          </a:xfrm>
+          <a:prstGeom prst="rect">
+            <a:avLst/>
+          </a:prstGeom>
+        </p:spPr>
+        <p:style>
+          <a:lnRef idx="2">
+            <a:schemeClr val="accent1">
+              <a:shade val="50000"/>
+            </a:schemeClr>
+          </a:lnRef>
+          <a:fillRef idx="1">
+            <a:schemeClr val="accent1"/>
+          </a:fillRef>
+          <a:effectRef idx="0">
+            <a:schemeClr val="accent1"/>
+          </a:effectRef>
+          <a:fontRef idx="minor">
+            <a:schemeClr val="lt1"/>
+          </a:fontRef>
+        </p:style>
+        <p:txBody>
+          <a:bodyPr rtlCol="0" anchor="ctr"/>
+          <a:lstStyle/>
+          <a:p>
+            <a:pPr algn="ctr"/>
+            <a:endParaRPr kumimoji="1" lang="zh-CN" altLang="en-US"/>
+          </a:p>
+        </p:txBody>
+      </p:sp>
+      <p:sp>
+        <p:nvSpPr>
+          <p:cNvPr id="11" name="矩形 10"/>
+          <p:cNvSpPr/>
+          <p:nvPr/>
+        </p:nvSpPr>
+        <p:spPr>
+          <a:xfrm>
+            <a:off x="6956387" y="2268639"/>
+            <a:ext cx="1435261" cy="277792"/>
+          </a:xfrm>
+          <a:prstGeom prst="rect">
+            <a:avLst/>
+          </a:prstGeom>
+        </p:spPr>
+        <p:style>
+          <a:lnRef idx="2">
+            <a:schemeClr val="accent1">
+              <a:shade val="50000"/>
+            </a:schemeClr>
+          </a:lnRef>
+          <a:fillRef idx="1">
+            <a:schemeClr val="accent1"/>
+          </a:fillRef>
+          <a:effectRef idx="0">
+            <a:schemeClr val="accent1"/>
+          </a:effectRef>
+          <a:fontRef idx="minor">
+            <a:schemeClr val="lt1"/>
+          </a:fontRef>
+        </p:style>
+        <p:txBody>
+          <a:bodyPr rtlCol="0" anchor="ctr"/>
+          <a:lstStyle/>
+          <a:p>
+            <a:pPr algn="ctr"/>
+            <a:endParaRPr kumimoji="1" lang="zh-CN" altLang="en-US"/>
+          </a:p>
+        </p:txBody>
+      </p:sp>
+      <p:sp>
+        <p:nvSpPr>
+          <p:cNvPr id="13" name="文本框 12"/>
+          <p:cNvSpPr txBox="1"/>
+          <p:nvPr/>
+        </p:nvSpPr>
+        <p:spPr>
+          <a:xfrm>
+            <a:off x="501805" y="323385"/>
+            <a:ext cx="4493538" cy="307777"/>
+          </a:xfrm>
+          <a:prstGeom prst="rect">
+            <a:avLst/>
+          </a:prstGeom>
+          <a:noFill/>
+        </p:spPr>
+        <p:txBody>
+          <a:bodyPr wrap="none" rtlCol="0">
+            <a:spAutoFit/>
+          </a:bodyPr>
+          <a:lstStyle/>
+          <a:p>
+            <a:r>
+              <a:rPr kumimoji="1" lang="zh-CN" altLang="en-US" sz="1400" dirty="0" smtClean="0"/>
+              <a:t>分布式事务：本质是保持不同数据库之间的数据一致性</a:t>
+            </a:r>
+            <a:endParaRPr kumimoji="1" lang="zh-CN" altLang="en-US" sz="1400" dirty="0"/>
+          </a:p>
+        </p:txBody>
+      </p:sp>
+      <p:cxnSp>
+        <p:nvCxnSpPr>
+          <p:cNvPr id="15" name="直线箭头连接符 14"/>
+          <p:cNvCxnSpPr>
+            <a:endCxn id="7" idx="3"/>
+          </p:cNvCxnSpPr>
+          <p:nvPr/>
+        </p:nvCxnSpPr>
+        <p:spPr>
+          <a:xfrm flipH="1">
+            <a:off x="4120587" y="1493135"/>
+            <a:ext cx="1365813" cy="914400"/>
+          </a:xfrm>
+          <a:prstGeom prst="straightConnector1">
+            <a:avLst/>
+          </a:prstGeom>
+          <a:ln>
+            <a:tailEnd type="triangle"/>
+          </a:ln>
+        </p:spPr>
+        <p:style>
+          <a:lnRef idx="1">
+            <a:schemeClr val="accent1"/>
+          </a:lnRef>
+          <a:fillRef idx="0">
+            <a:schemeClr val="accent1"/>
+          </a:fillRef>
+          <a:effectRef idx="0">
+            <a:schemeClr val="accent1"/>
+          </a:effectRef>
+          <a:fontRef idx="minor">
+            <a:schemeClr val="tx1"/>
+          </a:fontRef>
+        </p:style>
+      </p:cxnSp>
+      <p:cxnSp>
+        <p:nvCxnSpPr>
+          <p:cNvPr id="17" name="直线箭头连接符 16"/>
+          <p:cNvCxnSpPr>
+            <a:endCxn id="11" idx="1"/>
+          </p:cNvCxnSpPr>
+          <p:nvPr/>
+        </p:nvCxnSpPr>
+        <p:spPr>
+          <a:xfrm>
+            <a:off x="5497975" y="1493135"/>
+            <a:ext cx="1458412" cy="914400"/>
+          </a:xfrm>
+          <a:prstGeom prst="straightConnector1">
+            <a:avLst/>
+          </a:prstGeom>
+          <a:ln>
+            <a:tailEnd type="triangle"/>
+          </a:ln>
+        </p:spPr>
+        <p:style>
+          <a:lnRef idx="1">
+            <a:schemeClr val="accent1"/>
+          </a:lnRef>
+          <a:fillRef idx="0">
+            <a:schemeClr val="accent1"/>
+          </a:fillRef>
+          <a:effectRef idx="0">
+            <a:schemeClr val="accent1"/>
+          </a:effectRef>
+          <a:fontRef idx="minor">
+            <a:schemeClr val="tx1"/>
+          </a:fontRef>
+        </p:style>
+      </p:cxnSp>
+      <p:cxnSp>
+        <p:nvCxnSpPr>
+          <p:cNvPr id="20" name="直线箭头连接符 19"/>
+          <p:cNvCxnSpPr/>
+          <p:nvPr/>
+        </p:nvCxnSpPr>
+        <p:spPr>
+          <a:xfrm flipH="1">
+            <a:off x="4132162" y="2772138"/>
+            <a:ext cx="1365813" cy="914400"/>
+          </a:xfrm>
+          <a:prstGeom prst="straightConnector1">
+            <a:avLst/>
+          </a:prstGeom>
+          <a:ln>
+            <a:tailEnd type="triangle"/>
+          </a:ln>
+        </p:spPr>
+        <p:style>
+          <a:lnRef idx="1">
+            <a:schemeClr val="accent1"/>
+          </a:lnRef>
+          <a:fillRef idx="0">
+            <a:schemeClr val="accent1"/>
+          </a:fillRef>
+          <a:effectRef idx="0">
+            <a:schemeClr val="accent1"/>
+          </a:effectRef>
+          <a:fontRef idx="minor">
+            <a:schemeClr val="tx1"/>
+          </a:fontRef>
+        </p:style>
+      </p:cxnSp>
+      <p:cxnSp>
+        <p:nvCxnSpPr>
+          <p:cNvPr id="22" name="直线箭头连接符 21"/>
+          <p:cNvCxnSpPr/>
+          <p:nvPr/>
+        </p:nvCxnSpPr>
+        <p:spPr>
+          <a:xfrm>
+            <a:off x="5497975" y="2772138"/>
+            <a:ext cx="1458412" cy="914400"/>
+          </a:xfrm>
+          <a:prstGeom prst="straightConnector1">
+            <a:avLst/>
+          </a:prstGeom>
+          <a:ln>
+            <a:tailEnd type="triangle"/>
+          </a:ln>
+        </p:spPr>
+        <p:style>
+          <a:lnRef idx="1">
+            <a:schemeClr val="accent1"/>
+          </a:lnRef>
+          <a:fillRef idx="0">
+            <a:schemeClr val="accent1"/>
+          </a:fillRef>
+          <a:effectRef idx="0">
+            <a:schemeClr val="accent1"/>
+          </a:effectRef>
+          <a:fontRef idx="minor">
+            <a:schemeClr val="tx1"/>
+          </a:fontRef>
+        </p:style>
+      </p:cxnSp>
+      <p:sp>
+        <p:nvSpPr>
+          <p:cNvPr id="24" name="文本框 23"/>
+          <p:cNvSpPr txBox="1"/>
+          <p:nvPr/>
+        </p:nvSpPr>
+        <p:spPr>
+          <a:xfrm>
+            <a:off x="4956801" y="719818"/>
+            <a:ext cx="1082348" cy="307777"/>
+          </a:xfrm>
+          <a:prstGeom prst="rect">
+            <a:avLst/>
+          </a:prstGeom>
+          <a:noFill/>
+        </p:spPr>
+        <p:txBody>
+          <a:bodyPr wrap="none" rtlCol="0">
+            <a:spAutoFit/>
+          </a:bodyPr>
+          <a:lstStyle/>
+          <a:p>
+            <a:r>
+              <a:rPr kumimoji="1" lang="zh-CN" altLang="en-US" sz="1400" dirty="0" smtClean="0"/>
+              <a:t>事务协调者</a:t>
+            </a:r>
+            <a:endParaRPr kumimoji="1" lang="zh-CN" altLang="en-US" sz="1400" dirty="0"/>
+          </a:p>
+        </p:txBody>
+      </p:sp>
+      <p:sp>
+        <p:nvSpPr>
+          <p:cNvPr id="25" name="文本框 24"/>
+          <p:cNvSpPr txBox="1"/>
+          <p:nvPr/>
+        </p:nvSpPr>
+        <p:spPr>
+          <a:xfrm>
+            <a:off x="2861782" y="1573110"/>
+            <a:ext cx="1082348" cy="307777"/>
+          </a:xfrm>
+          <a:prstGeom prst="rect">
+            <a:avLst/>
+          </a:prstGeom>
+          <a:noFill/>
+        </p:spPr>
+        <p:txBody>
+          <a:bodyPr wrap="none" rtlCol="0">
+            <a:spAutoFit/>
+          </a:bodyPr>
+          <a:lstStyle/>
+          <a:p>
+            <a:r>
+              <a:rPr kumimoji="1" lang="zh-CN" altLang="en-US" sz="1400" dirty="0" smtClean="0"/>
+              <a:t>事务参与者</a:t>
+            </a:r>
+            <a:endParaRPr kumimoji="1" lang="zh-CN" altLang="en-US" sz="1400" dirty="0"/>
+          </a:p>
+        </p:txBody>
+      </p:sp>
+      <p:sp>
+        <p:nvSpPr>
+          <p:cNvPr id="26" name="文本框 25"/>
+          <p:cNvSpPr txBox="1"/>
+          <p:nvPr/>
+        </p:nvSpPr>
+        <p:spPr>
+          <a:xfrm>
+            <a:off x="7132843" y="1573110"/>
+            <a:ext cx="1082348" cy="307777"/>
+          </a:xfrm>
+          <a:prstGeom prst="rect">
+            <a:avLst/>
+          </a:prstGeom>
+          <a:noFill/>
+        </p:spPr>
+        <p:txBody>
+          <a:bodyPr wrap="none" rtlCol="0">
+            <a:spAutoFit/>
+          </a:bodyPr>
+          <a:lstStyle/>
+          <a:p>
+            <a:r>
+              <a:rPr kumimoji="1" lang="zh-CN" altLang="en-US" sz="1400" dirty="0" smtClean="0"/>
+              <a:t>事务参与者</a:t>
+            </a:r>
+            <a:endParaRPr kumimoji="1" lang="zh-CN" altLang="en-US" sz="1400" dirty="0"/>
+          </a:p>
+        </p:txBody>
+      </p:sp>
+      <p:sp>
+        <p:nvSpPr>
+          <p:cNvPr id="27" name="文本框 26"/>
+          <p:cNvSpPr txBox="1"/>
+          <p:nvPr/>
+        </p:nvSpPr>
+        <p:spPr>
+          <a:xfrm>
+            <a:off x="4273894" y="1642558"/>
+            <a:ext cx="787395" cy="307777"/>
+          </a:xfrm>
+          <a:prstGeom prst="rect">
+            <a:avLst/>
+          </a:prstGeom>
+          <a:noFill/>
+        </p:spPr>
+        <p:txBody>
+          <a:bodyPr wrap="none" rtlCol="0">
+            <a:spAutoFit/>
+          </a:bodyPr>
+          <a:lstStyle/>
+          <a:p>
+            <a:r>
+              <a:rPr kumimoji="1" lang="en-US" altLang="zh-CN" sz="1400" dirty="0" smtClean="0"/>
+              <a:t>prepare</a:t>
+            </a:r>
+            <a:endParaRPr kumimoji="1" lang="zh-CN" altLang="en-US" sz="1400" dirty="0"/>
+          </a:p>
+        </p:txBody>
+      </p:sp>
+      <p:sp>
+        <p:nvSpPr>
+          <p:cNvPr id="28" name="文本框 27"/>
+          <p:cNvSpPr txBox="1"/>
+          <p:nvPr/>
+        </p:nvSpPr>
+        <p:spPr>
+          <a:xfrm>
+            <a:off x="5914664" y="1642557"/>
+            <a:ext cx="787395" cy="307777"/>
+          </a:xfrm>
+          <a:prstGeom prst="rect">
+            <a:avLst/>
+          </a:prstGeom>
+          <a:noFill/>
+        </p:spPr>
+        <p:txBody>
+          <a:bodyPr wrap="none" rtlCol="0">
+            <a:spAutoFit/>
+          </a:bodyPr>
+          <a:lstStyle/>
+          <a:p>
+            <a:r>
+              <a:rPr kumimoji="1" lang="en-US" altLang="zh-CN" sz="1400" smtClean="0"/>
+              <a:t>prepare</a:t>
+            </a:r>
+            <a:endParaRPr kumimoji="1" lang="zh-CN" altLang="en-US" sz="1400" dirty="0"/>
+          </a:p>
+        </p:txBody>
+      </p:sp>
+      <p:cxnSp>
+        <p:nvCxnSpPr>
+          <p:cNvPr id="30" name="直线箭头连接符 29"/>
+          <p:cNvCxnSpPr/>
+          <p:nvPr/>
+        </p:nvCxnSpPr>
+        <p:spPr>
+          <a:xfrm flipV="1">
+            <a:off x="4132162" y="1642557"/>
+            <a:ext cx="1354238" cy="903874"/>
+          </a:xfrm>
+          <a:prstGeom prst="straightConnector1">
+            <a:avLst/>
+          </a:prstGeom>
+          <a:ln>
+            <a:tailEnd type="triangle"/>
+          </a:ln>
+        </p:spPr>
+        <p:style>
+          <a:lnRef idx="1">
+            <a:schemeClr val="accent1"/>
+          </a:lnRef>
+          <a:fillRef idx="0">
+            <a:schemeClr val="accent1"/>
+          </a:fillRef>
+          <a:effectRef idx="0">
+            <a:schemeClr val="accent1"/>
+          </a:effectRef>
+          <a:fontRef idx="minor">
+            <a:schemeClr val="tx1"/>
+          </a:fontRef>
+        </p:style>
+      </p:cxnSp>
+      <p:cxnSp>
+        <p:nvCxnSpPr>
+          <p:cNvPr id="31" name="直线箭头连接符 30"/>
+          <p:cNvCxnSpPr/>
+          <p:nvPr/>
+        </p:nvCxnSpPr>
+        <p:spPr>
+          <a:xfrm flipV="1">
+            <a:off x="4157949" y="2911034"/>
+            <a:ext cx="1354238" cy="903874"/>
+          </a:xfrm>
+          <a:prstGeom prst="straightConnector1">
+            <a:avLst/>
+          </a:prstGeom>
+          <a:ln>
+            <a:tailEnd type="triangle"/>
+          </a:ln>
+        </p:spPr>
+        <p:style>
+          <a:lnRef idx="1">
+            <a:schemeClr val="accent1"/>
+          </a:lnRef>
+          <a:fillRef idx="0">
+            <a:schemeClr val="accent1"/>
+          </a:fillRef>
+          <a:effectRef idx="0">
+            <a:schemeClr val="accent1"/>
+          </a:effectRef>
+          <a:fontRef idx="minor">
+            <a:schemeClr val="tx1"/>
+          </a:fontRef>
+        </p:style>
+      </p:cxnSp>
+      <p:cxnSp>
+        <p:nvCxnSpPr>
+          <p:cNvPr id="33" name="直线箭头连接符 32"/>
+          <p:cNvCxnSpPr/>
+          <p:nvPr/>
+        </p:nvCxnSpPr>
+        <p:spPr>
+          <a:xfrm flipH="1" flipV="1">
+            <a:off x="5512187" y="1642557"/>
+            <a:ext cx="1455775" cy="903874"/>
+          </a:xfrm>
+          <a:prstGeom prst="straightConnector1">
+            <a:avLst/>
+          </a:prstGeom>
+          <a:ln>
+            <a:tailEnd type="triangle"/>
+          </a:ln>
+        </p:spPr>
+        <p:style>
+          <a:lnRef idx="1">
+            <a:schemeClr val="accent1"/>
+          </a:lnRef>
+          <a:fillRef idx="0">
+            <a:schemeClr val="accent1"/>
+          </a:fillRef>
+          <a:effectRef idx="0">
+            <a:schemeClr val="accent1"/>
+          </a:effectRef>
+          <a:fontRef idx="minor">
+            <a:schemeClr val="tx1"/>
+          </a:fontRef>
+        </p:style>
+      </p:cxnSp>
+      <p:cxnSp>
+        <p:nvCxnSpPr>
+          <p:cNvPr id="35" name="直线箭头连接符 34"/>
+          <p:cNvCxnSpPr/>
+          <p:nvPr/>
+        </p:nvCxnSpPr>
+        <p:spPr>
+          <a:xfrm flipH="1" flipV="1">
+            <a:off x="5480355" y="2921560"/>
+            <a:ext cx="1455775" cy="903874"/>
+          </a:xfrm>
+          <a:prstGeom prst="straightConnector1">
+            <a:avLst/>
+          </a:prstGeom>
+          <a:ln>
+            <a:tailEnd type="triangle"/>
+          </a:ln>
+        </p:spPr>
+        <p:style>
+          <a:lnRef idx="1">
+            <a:schemeClr val="accent1"/>
+          </a:lnRef>
+          <a:fillRef idx="0">
+            <a:schemeClr val="accent1"/>
+          </a:fillRef>
+          <a:effectRef idx="0">
+            <a:schemeClr val="accent1"/>
+          </a:effectRef>
+          <a:fontRef idx="minor">
+            <a:schemeClr val="tx1"/>
+          </a:fontRef>
+        </p:style>
+      </p:cxnSp>
+      <p:sp>
+        <p:nvSpPr>
+          <p:cNvPr id="37" name="文本框 36"/>
+          <p:cNvSpPr txBox="1"/>
+          <p:nvPr/>
+        </p:nvSpPr>
+        <p:spPr>
+          <a:xfrm>
+            <a:off x="4273894" y="2902877"/>
+            <a:ext cx="768159" cy="307777"/>
+          </a:xfrm>
+          <a:prstGeom prst="rect">
+            <a:avLst/>
+          </a:prstGeom>
+          <a:noFill/>
+        </p:spPr>
+        <p:txBody>
+          <a:bodyPr wrap="none" rtlCol="0">
+            <a:spAutoFit/>
+          </a:bodyPr>
+          <a:lstStyle/>
+          <a:p>
+            <a:r>
+              <a:rPr kumimoji="1" lang="en-US" altLang="zh-CN" sz="1400" dirty="0" smtClean="0"/>
+              <a:t>commit</a:t>
+            </a:r>
+            <a:endParaRPr kumimoji="1" lang="zh-CN" altLang="en-US" sz="1400" dirty="0"/>
+          </a:p>
+        </p:txBody>
+      </p:sp>
+      <p:sp>
+        <p:nvSpPr>
+          <p:cNvPr id="38" name="文本框 37"/>
+          <p:cNvSpPr txBox="1"/>
+          <p:nvPr/>
+        </p:nvSpPr>
+        <p:spPr>
+          <a:xfrm>
+            <a:off x="5989997" y="2916821"/>
+            <a:ext cx="768159" cy="307777"/>
+          </a:xfrm>
+          <a:prstGeom prst="rect">
+            <a:avLst/>
+          </a:prstGeom>
+          <a:noFill/>
+        </p:spPr>
+        <p:txBody>
+          <a:bodyPr wrap="none" rtlCol="0">
+            <a:spAutoFit/>
+          </a:bodyPr>
+          <a:lstStyle/>
+          <a:p>
+            <a:r>
+              <a:rPr kumimoji="1" lang="en-US" altLang="zh-CN" sz="1400" dirty="0" smtClean="0"/>
+              <a:t>commit</a:t>
+            </a:r>
+            <a:endParaRPr kumimoji="1" lang="zh-CN" altLang="en-US" sz="1400" dirty="0"/>
+          </a:p>
+        </p:txBody>
+      </p:sp>
+      <p:sp>
+        <p:nvSpPr>
+          <p:cNvPr id="39" name="文本框 38"/>
+          <p:cNvSpPr txBox="1"/>
+          <p:nvPr/>
+        </p:nvSpPr>
+        <p:spPr>
+          <a:xfrm>
+            <a:off x="4445967" y="2142365"/>
+            <a:ext cx="614271" cy="307777"/>
+          </a:xfrm>
+          <a:prstGeom prst="rect">
+            <a:avLst/>
+          </a:prstGeom>
+          <a:noFill/>
+        </p:spPr>
+        <p:txBody>
+          <a:bodyPr wrap="none" rtlCol="0">
+            <a:spAutoFit/>
+          </a:bodyPr>
+          <a:lstStyle/>
+          <a:p>
+            <a:r>
+              <a:rPr kumimoji="1" lang="en-US" altLang="zh-CN" sz="1400" dirty="0" smtClean="0"/>
+              <a:t>ready</a:t>
+            </a:r>
+            <a:endParaRPr kumimoji="1" lang="zh-CN" altLang="en-US" sz="1400" dirty="0"/>
+          </a:p>
+        </p:txBody>
+      </p:sp>
+      <p:sp>
+        <p:nvSpPr>
+          <p:cNvPr id="40" name="文本框 39"/>
+          <p:cNvSpPr txBox="1"/>
+          <p:nvPr/>
+        </p:nvSpPr>
+        <p:spPr>
+          <a:xfrm>
+            <a:off x="5768189" y="2142115"/>
+            <a:ext cx="614271" cy="307777"/>
+          </a:xfrm>
+          <a:prstGeom prst="rect">
+            <a:avLst/>
+          </a:prstGeom>
+          <a:noFill/>
+        </p:spPr>
+        <p:txBody>
+          <a:bodyPr wrap="none" rtlCol="0">
+            <a:spAutoFit/>
+          </a:bodyPr>
+          <a:lstStyle/>
+          <a:p>
+            <a:r>
+              <a:rPr kumimoji="1" lang="en-US" altLang="zh-CN" sz="1400" dirty="0" smtClean="0"/>
+              <a:t>ready</a:t>
+            </a:r>
+            <a:endParaRPr kumimoji="1" lang="zh-CN" altLang="en-US" sz="1400" dirty="0"/>
+          </a:p>
+        </p:txBody>
+      </p:sp>
+      <p:sp>
+        <p:nvSpPr>
+          <p:cNvPr id="41" name="文本框 40"/>
+          <p:cNvSpPr txBox="1"/>
+          <p:nvPr/>
+        </p:nvSpPr>
+        <p:spPr>
+          <a:xfrm>
+            <a:off x="4525227" y="3428135"/>
+            <a:ext cx="963725" cy="307777"/>
+          </a:xfrm>
+          <a:prstGeom prst="rect">
+            <a:avLst/>
+          </a:prstGeom>
+          <a:noFill/>
+        </p:spPr>
+        <p:txBody>
+          <a:bodyPr wrap="none" rtlCol="0">
+            <a:spAutoFit/>
+          </a:bodyPr>
+          <a:lstStyle/>
+          <a:p>
+            <a:r>
+              <a:rPr kumimoji="1" lang="en-US" altLang="zh-CN" sz="1400" dirty="0" err="1" smtClean="0"/>
+              <a:t>commited</a:t>
+            </a:r>
+            <a:endParaRPr kumimoji="1" lang="zh-CN" altLang="en-US" sz="1400" dirty="0"/>
+          </a:p>
+        </p:txBody>
+      </p:sp>
+      <p:sp>
+        <p:nvSpPr>
+          <p:cNvPr id="42" name="文本框 41"/>
+          <p:cNvSpPr txBox="1"/>
+          <p:nvPr/>
+        </p:nvSpPr>
+        <p:spPr>
+          <a:xfrm>
+            <a:off x="5679900" y="3428134"/>
+            <a:ext cx="963725" cy="307777"/>
+          </a:xfrm>
+          <a:prstGeom prst="rect">
+            <a:avLst/>
+          </a:prstGeom>
+          <a:noFill/>
+        </p:spPr>
+        <p:txBody>
+          <a:bodyPr wrap="none" rtlCol="0">
+            <a:spAutoFit/>
+          </a:bodyPr>
+          <a:lstStyle/>
+          <a:p>
+            <a:r>
+              <a:rPr kumimoji="1" lang="en-US" altLang="zh-CN" sz="1400" dirty="0" err="1" smtClean="0"/>
+              <a:t>commited</a:t>
+            </a:r>
+            <a:endParaRPr kumimoji="1" lang="zh-CN" altLang="en-US" sz="1400" dirty="0"/>
+          </a:p>
+        </p:txBody>
+      </p:sp>
+      <p:sp>
+        <p:nvSpPr>
+          <p:cNvPr id="43" name="文本框 42"/>
+          <p:cNvSpPr txBox="1"/>
+          <p:nvPr/>
+        </p:nvSpPr>
+        <p:spPr>
+          <a:xfrm>
+            <a:off x="933452" y="4757199"/>
+            <a:ext cx="9191940" cy="523220"/>
+          </a:xfrm>
+          <a:prstGeom prst="rect">
+            <a:avLst/>
+          </a:prstGeom>
+          <a:noFill/>
+        </p:spPr>
+        <p:txBody>
+          <a:bodyPr wrap="none" rtlCol="0">
+            <a:spAutoFit/>
+          </a:bodyPr>
+          <a:lstStyle/>
+          <a:p>
+            <a:r>
+              <a:rPr kumimoji="1" lang="en-US" altLang="zh-CN" sz="1400" b="1" dirty="0" smtClean="0"/>
+              <a:t>1</a:t>
+            </a:r>
+            <a:r>
+              <a:rPr kumimoji="1" lang="en-US" altLang="zh-CN" sz="1400" b="1" dirty="0"/>
+              <a:t>.</a:t>
+            </a:r>
+            <a:r>
+              <a:rPr kumimoji="1" lang="zh-CN" altLang="en-US" sz="1400" b="1" dirty="0" smtClean="0"/>
+              <a:t>准备阶段：</a:t>
+            </a:r>
+            <a:endParaRPr kumimoji="1" lang="en-US" altLang="zh-CN" sz="1400" b="1" dirty="0" smtClean="0"/>
+          </a:p>
+          <a:p>
+            <a:r>
+              <a:rPr kumimoji="1" lang="zh-CN" altLang="en-US" sz="1400" dirty="0"/>
+              <a:t> </a:t>
+            </a:r>
+            <a:r>
+              <a:rPr kumimoji="1" lang="zh-CN" altLang="en-US" sz="1400" dirty="0" smtClean="0"/>
+              <a:t>   事务协调者给每个事务参与者发送准备消息，每个参与者要么直接返回失败，要么在本地执行事务，但不提交</a:t>
+            </a:r>
+            <a:endParaRPr kumimoji="1" lang="zh-CN" altLang="en-US" sz="1400" dirty="0"/>
+          </a:p>
+        </p:txBody>
+      </p:sp>
+      <p:sp>
+        <p:nvSpPr>
+          <p:cNvPr id="45" name="文本框 44"/>
+          <p:cNvSpPr txBox="1"/>
+          <p:nvPr/>
+        </p:nvSpPr>
+        <p:spPr>
+          <a:xfrm>
+            <a:off x="933452" y="5483704"/>
+            <a:ext cx="10078400" cy="738664"/>
+          </a:xfrm>
+          <a:prstGeom prst="rect">
+            <a:avLst/>
+          </a:prstGeom>
+          <a:noFill/>
+        </p:spPr>
+        <p:txBody>
+          <a:bodyPr wrap="none" rtlCol="0">
+            <a:spAutoFit/>
+          </a:bodyPr>
+          <a:lstStyle/>
+          <a:p>
+            <a:r>
+              <a:rPr kumimoji="1" lang="en-US" altLang="zh-CN" sz="1400" b="1" dirty="0" smtClean="0"/>
+              <a:t>2.</a:t>
+            </a:r>
+            <a:r>
+              <a:rPr kumimoji="1" lang="zh-CN" altLang="en-US" sz="1400" b="1" dirty="0" smtClean="0"/>
+              <a:t>提交阶段：</a:t>
+            </a:r>
+            <a:endParaRPr kumimoji="1" lang="en-US" altLang="zh-CN" sz="1400" b="1" dirty="0" smtClean="0"/>
+          </a:p>
+          <a:p>
+            <a:r>
+              <a:rPr kumimoji="1" lang="zh-CN" altLang="en-US" sz="1400" dirty="0"/>
+              <a:t> </a:t>
+            </a:r>
+            <a:r>
+              <a:rPr kumimoji="1" lang="zh-CN" altLang="en-US" sz="1400" dirty="0" smtClean="0"/>
+              <a:t>   如果协调者收到了参与者的超时或失败消息时，直接给每个参与者发送回滚命令，否则发送提交命令，参与者根据命令进行</a:t>
+            </a:r>
+            <a:endParaRPr kumimoji="1" lang="en-US" altLang="zh-CN" sz="1400" dirty="0" smtClean="0"/>
+          </a:p>
+          <a:p>
+            <a:r>
+              <a:rPr kumimoji="1" lang="zh-CN" altLang="en-US" sz="1400" dirty="0" smtClean="0"/>
+              <a:t>回滚或者提交</a:t>
+            </a:r>
+            <a:endParaRPr kumimoji="1" lang="en-US" altLang="zh-CN" sz="1400" dirty="0" smtClean="0"/>
+          </a:p>
+        </p:txBody>
+      </p:sp>
+      <p:sp>
+        <p:nvSpPr>
+          <p:cNvPr id="46" name="文本框 45"/>
+          <p:cNvSpPr txBox="1"/>
+          <p:nvPr/>
+        </p:nvSpPr>
+        <p:spPr>
+          <a:xfrm>
+            <a:off x="482993" y="4260423"/>
+            <a:ext cx="1261884" cy="307777"/>
+          </a:xfrm>
+          <a:prstGeom pr